--- a/Lectures/Lecture 2 - Sequence Searching.pptx
+++ b/Lectures/Lecture 2 - Sequence Searching.pptx
@@ -7835,14 +7835,14 @@
           <a:effectLst/>
           <a:extLst>
             <a:ext uri="{909E8E84-426E-40dd-AFC4-6F175D3DCCD1}">
-              <a14:hiddenFill xmlns:a14="http://schemas.microsoft.com/office/drawing/2010/main" xmlns="">
+              <a14:hiddenFill xmlns="" xmlns:a14="http://schemas.microsoft.com/office/drawing/2010/main">
                 <a:solidFill>
                   <a:schemeClr val="accent1"/>
                 </a:solidFill>
               </a14:hiddenFill>
             </a:ext>
             <a:ext uri="{91240B29-F687-4f45-9708-019B960494DF}">
-              <a14:hiddenLine xmlns:a14="http://schemas.microsoft.com/office/drawing/2010/main" xmlns="" w="9525">
+              <a14:hiddenLine xmlns="" xmlns:a14="http://schemas.microsoft.com/office/drawing/2010/main" w="9525">
                 <a:solidFill>
                   <a:schemeClr val="tx1"/>
                 </a:solidFill>
@@ -7852,7 +7852,7 @@
               </a14:hiddenLine>
             </a:ext>
             <a:ext uri="{AF507438-7753-43e0-B8FC-AC1667EBCBE1}">
-              <a14:hiddenEffects xmlns:a14="http://schemas.microsoft.com/office/drawing/2010/main" xmlns="">
+              <a14:hiddenEffects xmlns="" xmlns:a14="http://schemas.microsoft.com/office/drawing/2010/main">
                 <a:effectLst>
                   <a:outerShdw blurRad="63500" dist="38099" dir="2700000" algn="ctr" rotWithShape="0">
                     <a:schemeClr val="bg2">
@@ -8138,14 +8138,14 @@
           <a:effectLst/>
           <a:extLst>
             <a:ext uri="{909E8E84-426E-40dd-AFC4-6F175D3DCCD1}">
-              <a14:hiddenFill xmlns:a14="http://schemas.microsoft.com/office/drawing/2010/main" xmlns="">
+              <a14:hiddenFill xmlns="" xmlns:a14="http://schemas.microsoft.com/office/drawing/2010/main">
                 <a:solidFill>
                   <a:schemeClr val="accent1"/>
                 </a:solidFill>
               </a14:hiddenFill>
             </a:ext>
             <a:ext uri="{91240B29-F687-4f45-9708-019B960494DF}">
-              <a14:hiddenLine xmlns:a14="http://schemas.microsoft.com/office/drawing/2010/main" xmlns="" w="9525">
+              <a14:hiddenLine xmlns="" xmlns:a14="http://schemas.microsoft.com/office/drawing/2010/main" w="9525">
                 <a:solidFill>
                   <a:schemeClr val="tx1"/>
                 </a:solidFill>
@@ -8155,7 +8155,7 @@
               </a14:hiddenLine>
             </a:ext>
             <a:ext uri="{AF507438-7753-43e0-B8FC-AC1667EBCBE1}">
-              <a14:hiddenEffects xmlns:a14="http://schemas.microsoft.com/office/drawing/2010/main" xmlns="">
+              <a14:hiddenEffects xmlns="" xmlns:a14="http://schemas.microsoft.com/office/drawing/2010/main">
                 <a:effectLst>
                   <a:outerShdw blurRad="63500" dist="38099" dir="2700000" algn="ctr" rotWithShape="0">
                     <a:schemeClr val="bg2">
@@ -8203,14 +8203,14 @@
           <a:effectLst/>
           <a:extLst>
             <a:ext uri="{909E8E84-426E-40dd-AFC4-6F175D3DCCD1}">
-              <a14:hiddenFill xmlns:a14="http://schemas.microsoft.com/office/drawing/2010/main" xmlns="">
+              <a14:hiddenFill xmlns="" xmlns:a14="http://schemas.microsoft.com/office/drawing/2010/main">
                 <a:solidFill>
                   <a:schemeClr val="accent1"/>
                 </a:solidFill>
               </a14:hiddenFill>
             </a:ext>
             <a:ext uri="{91240B29-F687-4f45-9708-019B960494DF}">
-              <a14:hiddenLine xmlns:a14="http://schemas.microsoft.com/office/drawing/2010/main" xmlns="" w="9525">
+              <a14:hiddenLine xmlns="" xmlns:a14="http://schemas.microsoft.com/office/drawing/2010/main" w="9525">
                 <a:solidFill>
                   <a:schemeClr val="tx1"/>
                 </a:solidFill>
@@ -8220,7 +8220,7 @@
               </a14:hiddenLine>
             </a:ext>
             <a:ext uri="{AF507438-7753-43e0-B8FC-AC1667EBCBE1}">
-              <a14:hiddenEffects xmlns:a14="http://schemas.microsoft.com/office/drawing/2010/main" xmlns="">
+              <a14:hiddenEffects xmlns="" xmlns:a14="http://schemas.microsoft.com/office/drawing/2010/main">
                 <a:effectLst>
                   <a:outerShdw blurRad="63500" dist="38099" dir="2700000" algn="ctr" rotWithShape="0">
                     <a:schemeClr val="bg2">
@@ -8268,14 +8268,14 @@
           <a:effectLst/>
           <a:extLst>
             <a:ext uri="{909E8E84-426E-40dd-AFC4-6F175D3DCCD1}">
-              <a14:hiddenFill xmlns:a14="http://schemas.microsoft.com/office/drawing/2010/main" xmlns="">
+              <a14:hiddenFill xmlns="" xmlns:a14="http://schemas.microsoft.com/office/drawing/2010/main">
                 <a:solidFill>
                   <a:schemeClr val="accent1"/>
                 </a:solidFill>
               </a14:hiddenFill>
             </a:ext>
             <a:ext uri="{91240B29-F687-4f45-9708-019B960494DF}">
-              <a14:hiddenLine xmlns:a14="http://schemas.microsoft.com/office/drawing/2010/main" xmlns="" w="9525">
+              <a14:hiddenLine xmlns="" xmlns:a14="http://schemas.microsoft.com/office/drawing/2010/main" w="9525">
                 <a:solidFill>
                   <a:schemeClr val="tx1"/>
                 </a:solidFill>
@@ -8285,7 +8285,7 @@
               </a14:hiddenLine>
             </a:ext>
             <a:ext uri="{AF507438-7753-43e0-B8FC-AC1667EBCBE1}">
-              <a14:hiddenEffects xmlns:a14="http://schemas.microsoft.com/office/drawing/2010/main" xmlns="">
+              <a14:hiddenEffects xmlns="" xmlns:a14="http://schemas.microsoft.com/office/drawing/2010/main">
                 <a:effectLst>
                   <a:outerShdw blurRad="63500" dist="38099" dir="2700000" algn="ctr" rotWithShape="0">
                     <a:schemeClr val="bg2">
@@ -8350,7 +8350,7 @@
           </a:ln>
           <a:extLst>
             <a:ext uri="{909E8E84-426E-40dd-AFC4-6F175D3DCCD1}">
-              <a14:hiddenFill xmlns:a14="http://schemas.microsoft.com/office/drawing/2010/main" xmlns="">
+              <a14:hiddenFill xmlns="" xmlns:a14="http://schemas.microsoft.com/office/drawing/2010/main">
                 <a:solidFill>
                   <a:srgbClr val="FFFFFF"/>
                 </a:solidFill>
@@ -8382,14 +8382,14 @@
           <a:effectLst/>
           <a:extLst>
             <a:ext uri="{909E8E84-426E-40dd-AFC4-6F175D3DCCD1}">
-              <a14:hiddenFill xmlns:a14="http://schemas.microsoft.com/office/drawing/2010/main" xmlns="">
+              <a14:hiddenFill xmlns="" xmlns:a14="http://schemas.microsoft.com/office/drawing/2010/main">
                 <a:solidFill>
                   <a:schemeClr val="accent1"/>
                 </a:solidFill>
               </a14:hiddenFill>
             </a:ext>
             <a:ext uri="{91240B29-F687-4f45-9708-019B960494DF}">
-              <a14:hiddenLine xmlns:a14="http://schemas.microsoft.com/office/drawing/2010/main" xmlns="" w="9525">
+              <a14:hiddenLine xmlns="" xmlns:a14="http://schemas.microsoft.com/office/drawing/2010/main" w="9525">
                 <a:solidFill>
                   <a:schemeClr val="tx1"/>
                 </a:solidFill>
@@ -8399,7 +8399,7 @@
               </a14:hiddenLine>
             </a:ext>
             <a:ext uri="{AF507438-7753-43e0-B8FC-AC1667EBCBE1}">
-              <a14:hiddenEffects xmlns:a14="http://schemas.microsoft.com/office/drawing/2010/main" xmlns="">
+              <a14:hiddenEffects xmlns="" xmlns:a14="http://schemas.microsoft.com/office/drawing/2010/main">
                 <a:effectLst>
                   <a:outerShdw blurRad="63500" dist="38099" dir="2700000" algn="ctr" rotWithShape="0">
                     <a:schemeClr val="bg2">
@@ -8685,14 +8685,14 @@
           <a:effectLst/>
           <a:extLst>
             <a:ext uri="{909E8E84-426E-40dd-AFC4-6F175D3DCCD1}">
-              <a14:hiddenFill xmlns:a14="http://schemas.microsoft.com/office/drawing/2010/main" xmlns="">
+              <a14:hiddenFill xmlns="" xmlns:a14="http://schemas.microsoft.com/office/drawing/2010/main">
                 <a:solidFill>
                   <a:schemeClr val="accent1"/>
                 </a:solidFill>
               </a14:hiddenFill>
             </a:ext>
             <a:ext uri="{91240B29-F687-4f45-9708-019B960494DF}">
-              <a14:hiddenLine xmlns:a14="http://schemas.microsoft.com/office/drawing/2010/main" xmlns="" w="9525">
+              <a14:hiddenLine xmlns="" xmlns:a14="http://schemas.microsoft.com/office/drawing/2010/main" w="9525">
                 <a:solidFill>
                   <a:schemeClr val="tx1"/>
                 </a:solidFill>
@@ -8702,7 +8702,7 @@
               </a14:hiddenLine>
             </a:ext>
             <a:ext uri="{AF507438-7753-43e0-B8FC-AC1667EBCBE1}">
-              <a14:hiddenEffects xmlns:a14="http://schemas.microsoft.com/office/drawing/2010/main" xmlns="">
+              <a14:hiddenEffects xmlns="" xmlns:a14="http://schemas.microsoft.com/office/drawing/2010/main">
                 <a:effectLst>
                   <a:outerShdw blurRad="63500" dist="38099" dir="2700000" algn="ctr" rotWithShape="0">
                     <a:schemeClr val="bg2">
@@ -8750,14 +8750,14 @@
           <a:effectLst/>
           <a:extLst>
             <a:ext uri="{909E8E84-426E-40dd-AFC4-6F175D3DCCD1}">
-              <a14:hiddenFill xmlns:a14="http://schemas.microsoft.com/office/drawing/2010/main" xmlns="">
+              <a14:hiddenFill xmlns="" xmlns:a14="http://schemas.microsoft.com/office/drawing/2010/main">
                 <a:solidFill>
                   <a:schemeClr val="accent1"/>
                 </a:solidFill>
               </a14:hiddenFill>
             </a:ext>
             <a:ext uri="{91240B29-F687-4f45-9708-019B960494DF}">
-              <a14:hiddenLine xmlns:a14="http://schemas.microsoft.com/office/drawing/2010/main" xmlns="" w="9525">
+              <a14:hiddenLine xmlns="" xmlns:a14="http://schemas.microsoft.com/office/drawing/2010/main" w="9525">
                 <a:solidFill>
                   <a:schemeClr val="tx1"/>
                 </a:solidFill>
@@ -8767,7 +8767,7 @@
               </a14:hiddenLine>
             </a:ext>
             <a:ext uri="{AF507438-7753-43e0-B8FC-AC1667EBCBE1}">
-              <a14:hiddenEffects xmlns:a14="http://schemas.microsoft.com/office/drawing/2010/main" xmlns="">
+              <a14:hiddenEffects xmlns="" xmlns:a14="http://schemas.microsoft.com/office/drawing/2010/main">
                 <a:effectLst>
                   <a:outerShdw blurRad="63500" dist="38099" dir="2700000" algn="ctr" rotWithShape="0">
                     <a:schemeClr val="bg2">
@@ -8821,14 +8821,14 @@
           <a:effectLst/>
           <a:extLst>
             <a:ext uri="{909E8E84-426E-40dd-AFC4-6F175D3DCCD1}">
-              <a14:hiddenFill xmlns:a14="http://schemas.microsoft.com/office/drawing/2010/main" xmlns="">
+              <a14:hiddenFill xmlns="" xmlns:a14="http://schemas.microsoft.com/office/drawing/2010/main">
                 <a:solidFill>
                   <a:schemeClr val="accent1"/>
                 </a:solidFill>
               </a14:hiddenFill>
             </a:ext>
             <a:ext uri="{91240B29-F687-4f45-9708-019B960494DF}">
-              <a14:hiddenLine xmlns:a14="http://schemas.microsoft.com/office/drawing/2010/main" xmlns="" w="9525">
+              <a14:hiddenLine xmlns="" xmlns:a14="http://schemas.microsoft.com/office/drawing/2010/main" w="9525">
                 <a:solidFill>
                   <a:schemeClr val="tx1"/>
                 </a:solidFill>
@@ -8838,7 +8838,7 @@
               </a14:hiddenLine>
             </a:ext>
             <a:ext uri="{AF507438-7753-43e0-B8FC-AC1667EBCBE1}">
-              <a14:hiddenEffects xmlns:a14="http://schemas.microsoft.com/office/drawing/2010/main" xmlns="">
+              <a14:hiddenEffects xmlns="" xmlns:a14="http://schemas.microsoft.com/office/drawing/2010/main">
                 <a:effectLst>
                   <a:outerShdw blurRad="63500" dist="38099" dir="2700000" algn="ctr" rotWithShape="0">
                     <a:schemeClr val="bg2">
@@ -8903,7 +8903,7 @@
           </a:ln>
           <a:extLst>
             <a:ext uri="{909E8E84-426E-40dd-AFC4-6F175D3DCCD1}">
-              <a14:hiddenFill xmlns:a14="http://schemas.microsoft.com/office/drawing/2010/main" xmlns="">
+              <a14:hiddenFill xmlns="" xmlns:a14="http://schemas.microsoft.com/office/drawing/2010/main">
                 <a:solidFill>
                   <a:srgbClr val="FFFFFF"/>
                 </a:solidFill>
@@ -8935,14 +8935,14 @@
           <a:effectLst/>
           <a:extLst>
             <a:ext uri="{909E8E84-426E-40dd-AFC4-6F175D3DCCD1}">
-              <a14:hiddenFill xmlns:a14="http://schemas.microsoft.com/office/drawing/2010/main" xmlns="">
+              <a14:hiddenFill xmlns="" xmlns:a14="http://schemas.microsoft.com/office/drawing/2010/main">
                 <a:solidFill>
                   <a:schemeClr val="accent1"/>
                 </a:solidFill>
               </a14:hiddenFill>
             </a:ext>
             <a:ext uri="{91240B29-F687-4f45-9708-019B960494DF}">
-              <a14:hiddenLine xmlns:a14="http://schemas.microsoft.com/office/drawing/2010/main" xmlns="" w="9525">
+              <a14:hiddenLine xmlns="" xmlns:a14="http://schemas.microsoft.com/office/drawing/2010/main" w="9525">
                 <a:solidFill>
                   <a:schemeClr val="tx1"/>
                 </a:solidFill>
@@ -8952,7 +8952,7 @@
               </a14:hiddenLine>
             </a:ext>
             <a:ext uri="{AF507438-7753-43e0-B8FC-AC1667EBCBE1}">
-              <a14:hiddenEffects xmlns:a14="http://schemas.microsoft.com/office/drawing/2010/main" xmlns="">
+              <a14:hiddenEffects xmlns="" xmlns:a14="http://schemas.microsoft.com/office/drawing/2010/main">
                 <a:effectLst>
                   <a:outerShdw blurRad="63500" dist="38099" dir="2700000" algn="ctr" rotWithShape="0">
                     <a:schemeClr val="bg2">
@@ -9180,14 +9180,14 @@
           <a:effectLst/>
           <a:extLst>
             <a:ext uri="{909E8E84-426E-40dd-AFC4-6F175D3DCCD1}">
-              <a14:hiddenFill xmlns:a14="http://schemas.microsoft.com/office/drawing/2010/main" xmlns="">
+              <a14:hiddenFill xmlns="" xmlns:a14="http://schemas.microsoft.com/office/drawing/2010/main">
                 <a:solidFill>
                   <a:schemeClr val="accent1"/>
                 </a:solidFill>
               </a14:hiddenFill>
             </a:ext>
             <a:ext uri="{91240B29-F687-4f45-9708-019B960494DF}">
-              <a14:hiddenLine xmlns:a14="http://schemas.microsoft.com/office/drawing/2010/main" xmlns="" w="9525">
+              <a14:hiddenLine xmlns="" xmlns:a14="http://schemas.microsoft.com/office/drawing/2010/main" w="9525">
                 <a:solidFill>
                   <a:schemeClr val="tx1"/>
                 </a:solidFill>
@@ -9197,7 +9197,7 @@
               </a14:hiddenLine>
             </a:ext>
             <a:ext uri="{AF507438-7753-43e0-B8FC-AC1667EBCBE1}">
-              <a14:hiddenEffects xmlns:a14="http://schemas.microsoft.com/office/drawing/2010/main" xmlns="">
+              <a14:hiddenEffects xmlns="" xmlns:a14="http://schemas.microsoft.com/office/drawing/2010/main">
                 <a:effectLst>
                   <a:outerShdw blurRad="63500" dist="38099" dir="2700000" algn="ctr" rotWithShape="0">
                     <a:schemeClr val="bg2">
@@ -9434,14 +9434,14 @@
           <a:effectLst/>
           <a:extLst>
             <a:ext uri="{909E8E84-426E-40dd-AFC4-6F175D3DCCD1}">
-              <a14:hiddenFill xmlns:a14="http://schemas.microsoft.com/office/drawing/2010/main" xmlns="">
+              <a14:hiddenFill xmlns="" xmlns:a14="http://schemas.microsoft.com/office/drawing/2010/main">
                 <a:solidFill>
                   <a:schemeClr val="accent1"/>
                 </a:solidFill>
               </a14:hiddenFill>
             </a:ext>
             <a:ext uri="{91240B29-F687-4f45-9708-019B960494DF}">
-              <a14:hiddenLine xmlns:a14="http://schemas.microsoft.com/office/drawing/2010/main" xmlns="" w="9525">
+              <a14:hiddenLine xmlns="" xmlns:a14="http://schemas.microsoft.com/office/drawing/2010/main" w="9525">
                 <a:solidFill>
                   <a:schemeClr val="tx1"/>
                 </a:solidFill>
@@ -9451,7 +9451,7 @@
               </a14:hiddenLine>
             </a:ext>
             <a:ext uri="{AF507438-7753-43e0-B8FC-AC1667EBCBE1}">
-              <a14:hiddenEffects xmlns:a14="http://schemas.microsoft.com/office/drawing/2010/main" xmlns="">
+              <a14:hiddenEffects xmlns="" xmlns:a14="http://schemas.microsoft.com/office/drawing/2010/main">
                 <a:effectLst>
                   <a:outerShdw blurRad="63500" dist="38099" dir="2700000" algn="ctr" rotWithShape="0">
                     <a:schemeClr val="bg2">
@@ -9680,14 +9680,14 @@
           <a:effectLst/>
           <a:extLst>
             <a:ext uri="{909E8E84-426E-40dd-AFC4-6F175D3DCCD1}">
-              <a14:hiddenFill xmlns:a14="http://schemas.microsoft.com/office/drawing/2010/main" xmlns="">
+              <a14:hiddenFill xmlns="" xmlns:a14="http://schemas.microsoft.com/office/drawing/2010/main">
                 <a:solidFill>
                   <a:schemeClr val="accent1"/>
                 </a:solidFill>
               </a14:hiddenFill>
             </a:ext>
             <a:ext uri="{91240B29-F687-4f45-9708-019B960494DF}">
-              <a14:hiddenLine xmlns:a14="http://schemas.microsoft.com/office/drawing/2010/main" xmlns="" w="9525">
+              <a14:hiddenLine xmlns="" xmlns:a14="http://schemas.microsoft.com/office/drawing/2010/main" w="9525">
                 <a:solidFill>
                   <a:schemeClr val="tx1"/>
                 </a:solidFill>
@@ -9697,7 +9697,7 @@
               </a14:hiddenLine>
             </a:ext>
             <a:ext uri="{AF507438-7753-43e0-B8FC-AC1667EBCBE1}">
-              <a14:hiddenEffects xmlns:a14="http://schemas.microsoft.com/office/drawing/2010/main" xmlns="">
+              <a14:hiddenEffects xmlns="" xmlns:a14="http://schemas.microsoft.com/office/drawing/2010/main">
                 <a:effectLst>
                   <a:outerShdw blurRad="63500" dist="38099" dir="2700000" algn="ctr" rotWithShape="0">
                     <a:schemeClr val="bg2">
@@ -9846,7 +9846,7 @@
           </a:ln>
           <a:extLst>
             <a:ext uri="{909E8E84-426E-40dd-AFC4-6F175D3DCCD1}">
-              <a14:hiddenFill xmlns:a14="http://schemas.microsoft.com/office/drawing/2010/main" xmlns="">
+              <a14:hiddenFill xmlns="" xmlns:a14="http://schemas.microsoft.com/office/drawing/2010/main">
                 <a:solidFill>
                   <a:srgbClr val="FFFFFF"/>
                 </a:solidFill>
@@ -9878,14 +9878,14 @@
           <a:effectLst/>
           <a:extLst>
             <a:ext uri="{909E8E84-426E-40dd-AFC4-6F175D3DCCD1}">
-              <a14:hiddenFill xmlns:a14="http://schemas.microsoft.com/office/drawing/2010/main" xmlns="">
+              <a14:hiddenFill xmlns="" xmlns:a14="http://schemas.microsoft.com/office/drawing/2010/main">
                 <a:solidFill>
                   <a:schemeClr val="accent1"/>
                 </a:solidFill>
               </a14:hiddenFill>
             </a:ext>
             <a:ext uri="{91240B29-F687-4f45-9708-019B960494DF}">
-              <a14:hiddenLine xmlns:a14="http://schemas.microsoft.com/office/drawing/2010/main" xmlns="" w="9525">
+              <a14:hiddenLine xmlns="" xmlns:a14="http://schemas.microsoft.com/office/drawing/2010/main" w="9525">
                 <a:solidFill>
                   <a:schemeClr val="tx1"/>
                 </a:solidFill>
@@ -9895,7 +9895,7 @@
               </a14:hiddenLine>
             </a:ext>
             <a:ext uri="{AF507438-7753-43e0-B8FC-AC1667EBCBE1}">
-              <a14:hiddenEffects xmlns:a14="http://schemas.microsoft.com/office/drawing/2010/main" xmlns="">
+              <a14:hiddenEffects xmlns="" xmlns:a14="http://schemas.microsoft.com/office/drawing/2010/main">
                 <a:effectLst>
                   <a:outerShdw blurRad="63500" dist="38099" dir="2700000" algn="ctr" rotWithShape="0">
                     <a:schemeClr val="bg2">
@@ -9981,14 +9981,14 @@
           <a:effectLst/>
           <a:extLst>
             <a:ext uri="{909E8E84-426E-40dd-AFC4-6F175D3DCCD1}">
-              <a14:hiddenFill xmlns:a14="http://schemas.microsoft.com/office/drawing/2010/main" xmlns="">
+              <a14:hiddenFill xmlns="" xmlns:a14="http://schemas.microsoft.com/office/drawing/2010/main">
                 <a:solidFill>
                   <a:schemeClr val="accent1"/>
                 </a:solidFill>
               </a14:hiddenFill>
             </a:ext>
             <a:ext uri="{91240B29-F687-4f45-9708-019B960494DF}">
-              <a14:hiddenLine xmlns:a14="http://schemas.microsoft.com/office/drawing/2010/main" xmlns="" w="9525">
+              <a14:hiddenLine xmlns="" xmlns:a14="http://schemas.microsoft.com/office/drawing/2010/main" w="9525">
                 <a:solidFill>
                   <a:schemeClr val="tx1"/>
                 </a:solidFill>
@@ -9998,7 +9998,7 @@
               </a14:hiddenLine>
             </a:ext>
             <a:ext uri="{AF507438-7753-43e0-B8FC-AC1667EBCBE1}">
-              <a14:hiddenEffects xmlns:a14="http://schemas.microsoft.com/office/drawing/2010/main" xmlns="">
+              <a14:hiddenEffects xmlns="" xmlns:a14="http://schemas.microsoft.com/office/drawing/2010/main">
                 <a:effectLst>
                   <a:outerShdw blurRad="63500" dist="38099" dir="2700000" algn="ctr" rotWithShape="0">
                     <a:schemeClr val="bg2">
@@ -12236,14 +12236,14 @@
           <a:effectLst/>
           <a:extLst>
             <a:ext uri="{909E8E84-426E-40dd-AFC4-6F175D3DCCD1}">
-              <a14:hiddenFill xmlns:a14="http://schemas.microsoft.com/office/drawing/2010/main" xmlns="">
+              <a14:hiddenFill xmlns="" xmlns:a14="http://schemas.microsoft.com/office/drawing/2010/main">
                 <a:solidFill>
                   <a:schemeClr val="accent1"/>
                 </a:solidFill>
               </a14:hiddenFill>
             </a:ext>
             <a:ext uri="{91240B29-F687-4f45-9708-019B960494DF}">
-              <a14:hiddenLine xmlns:a14="http://schemas.microsoft.com/office/drawing/2010/main" xmlns="" w="9525">
+              <a14:hiddenLine xmlns="" xmlns:a14="http://schemas.microsoft.com/office/drawing/2010/main" w="9525">
                 <a:solidFill>
                   <a:schemeClr val="tx1"/>
                 </a:solidFill>
@@ -12253,7 +12253,7 @@
               </a14:hiddenLine>
             </a:ext>
             <a:ext uri="{AF507438-7753-43e0-B8FC-AC1667EBCBE1}">
-              <a14:hiddenEffects xmlns:a14="http://schemas.microsoft.com/office/drawing/2010/main" xmlns="">
+              <a14:hiddenEffects xmlns="" xmlns:a14="http://schemas.microsoft.com/office/drawing/2010/main">
                 <a:effectLst>
                   <a:outerShdw blurRad="63500" dist="38099" dir="2700000" algn="ctr" rotWithShape="0">
                     <a:schemeClr val="bg2">
@@ -12626,14 +12626,14 @@
           <a:effectLst/>
           <a:extLst>
             <a:ext uri="{909E8E84-426E-40dd-AFC4-6F175D3DCCD1}">
-              <a14:hiddenFill xmlns:a14="http://schemas.microsoft.com/office/drawing/2010/main" xmlns="">
+              <a14:hiddenFill xmlns="" xmlns:a14="http://schemas.microsoft.com/office/drawing/2010/main">
                 <a:solidFill>
                   <a:schemeClr val="accent1"/>
                 </a:solidFill>
               </a14:hiddenFill>
             </a:ext>
             <a:ext uri="{91240B29-F687-4f45-9708-019B960494DF}">
-              <a14:hiddenLine xmlns:a14="http://schemas.microsoft.com/office/drawing/2010/main" xmlns="" w="9525">
+              <a14:hiddenLine xmlns="" xmlns:a14="http://schemas.microsoft.com/office/drawing/2010/main" w="9525">
                 <a:solidFill>
                   <a:schemeClr val="tx1"/>
                 </a:solidFill>
@@ -12643,7 +12643,7 @@
               </a14:hiddenLine>
             </a:ext>
             <a:ext uri="{AF507438-7753-43e0-B8FC-AC1667EBCBE1}">
-              <a14:hiddenEffects xmlns:a14="http://schemas.microsoft.com/office/drawing/2010/main" xmlns="">
+              <a14:hiddenEffects xmlns="" xmlns:a14="http://schemas.microsoft.com/office/drawing/2010/main">
                 <a:effectLst>
                   <a:outerShdw blurRad="63500" dist="38099" dir="2700000" algn="ctr" rotWithShape="0">
                     <a:schemeClr val="bg2">
@@ -12805,14 +12805,14 @@
           <a:effectLst/>
           <a:extLst>
             <a:ext uri="{909E8E84-426E-40dd-AFC4-6F175D3DCCD1}">
-              <a14:hiddenFill xmlns:a14="http://schemas.microsoft.com/office/drawing/2010/main" xmlns="">
+              <a14:hiddenFill xmlns="" xmlns:a14="http://schemas.microsoft.com/office/drawing/2010/main">
                 <a:solidFill>
                   <a:schemeClr val="accent1"/>
                 </a:solidFill>
               </a14:hiddenFill>
             </a:ext>
             <a:ext uri="{AF507438-7753-43e0-B8FC-AC1667EBCBE1}">
-              <a14:hiddenEffects xmlns:a14="http://schemas.microsoft.com/office/drawing/2010/main" xmlns="">
+              <a14:hiddenEffects xmlns="" xmlns:a14="http://schemas.microsoft.com/office/drawing/2010/main">
                 <a:effectLst>
                   <a:outerShdw blurRad="63500" dist="38099" dir="2700000" algn="ctr" rotWithShape="0">
                     <a:schemeClr val="bg2">
@@ -12891,14 +12891,14 @@
           <a:effectLst/>
           <a:extLst>
             <a:ext uri="{909E8E84-426E-40dd-AFC4-6F175D3DCCD1}">
-              <a14:hiddenFill xmlns:a14="http://schemas.microsoft.com/office/drawing/2010/main" xmlns="">
+              <a14:hiddenFill xmlns="" xmlns:a14="http://schemas.microsoft.com/office/drawing/2010/main">
                 <a:solidFill>
                   <a:schemeClr val="accent1"/>
                 </a:solidFill>
               </a14:hiddenFill>
             </a:ext>
             <a:ext uri="{AF507438-7753-43e0-B8FC-AC1667EBCBE1}">
-              <a14:hiddenEffects xmlns:a14="http://schemas.microsoft.com/office/drawing/2010/main" xmlns="">
+              <a14:hiddenEffects xmlns="" xmlns:a14="http://schemas.microsoft.com/office/drawing/2010/main">
                 <a:effectLst>
                   <a:outerShdw blurRad="63500" dist="38099" dir="2700000" algn="ctr" rotWithShape="0">
                     <a:schemeClr val="bg2">
@@ -12977,14 +12977,14 @@
           <a:effectLst/>
           <a:extLst>
             <a:ext uri="{909E8E84-426E-40dd-AFC4-6F175D3DCCD1}">
-              <a14:hiddenFill xmlns:a14="http://schemas.microsoft.com/office/drawing/2010/main" xmlns="">
+              <a14:hiddenFill xmlns="" xmlns:a14="http://schemas.microsoft.com/office/drawing/2010/main">
                 <a:solidFill>
                   <a:schemeClr val="accent1"/>
                 </a:solidFill>
               </a14:hiddenFill>
             </a:ext>
             <a:ext uri="{AF507438-7753-43e0-B8FC-AC1667EBCBE1}">
-              <a14:hiddenEffects xmlns:a14="http://schemas.microsoft.com/office/drawing/2010/main" xmlns="">
+              <a14:hiddenEffects xmlns="" xmlns:a14="http://schemas.microsoft.com/office/drawing/2010/main">
                 <a:effectLst>
                   <a:outerShdw blurRad="63500" dist="38099" dir="2700000" algn="ctr" rotWithShape="0">
                     <a:schemeClr val="bg2">
@@ -13063,14 +13063,14 @@
           <a:effectLst/>
           <a:extLst>
             <a:ext uri="{909E8E84-426E-40dd-AFC4-6F175D3DCCD1}">
-              <a14:hiddenFill xmlns:a14="http://schemas.microsoft.com/office/drawing/2010/main" xmlns="">
+              <a14:hiddenFill xmlns="" xmlns:a14="http://schemas.microsoft.com/office/drawing/2010/main">
                 <a:solidFill>
                   <a:schemeClr val="accent1"/>
                 </a:solidFill>
               </a14:hiddenFill>
             </a:ext>
             <a:ext uri="{AF507438-7753-43e0-B8FC-AC1667EBCBE1}">
-              <a14:hiddenEffects xmlns:a14="http://schemas.microsoft.com/office/drawing/2010/main" xmlns="">
+              <a14:hiddenEffects xmlns="" xmlns:a14="http://schemas.microsoft.com/office/drawing/2010/main">
                 <a:effectLst>
                   <a:outerShdw blurRad="63500" dist="38099" dir="2700000" algn="ctr" rotWithShape="0">
                     <a:schemeClr val="bg2">
@@ -13149,14 +13149,14 @@
           <a:effectLst/>
           <a:extLst>
             <a:ext uri="{909E8E84-426E-40dd-AFC4-6F175D3DCCD1}">
-              <a14:hiddenFill xmlns:a14="http://schemas.microsoft.com/office/drawing/2010/main" xmlns="">
+              <a14:hiddenFill xmlns="" xmlns:a14="http://schemas.microsoft.com/office/drawing/2010/main">
                 <a:solidFill>
                   <a:schemeClr val="accent1"/>
                 </a:solidFill>
               </a14:hiddenFill>
             </a:ext>
             <a:ext uri="{AF507438-7753-43e0-B8FC-AC1667EBCBE1}">
-              <a14:hiddenEffects xmlns:a14="http://schemas.microsoft.com/office/drawing/2010/main" xmlns="">
+              <a14:hiddenEffects xmlns="" xmlns:a14="http://schemas.microsoft.com/office/drawing/2010/main">
                 <a:effectLst>
                   <a:outerShdw blurRad="63500" dist="38099" dir="2700000" algn="ctr" rotWithShape="0">
                     <a:schemeClr val="bg2">
@@ -13235,14 +13235,14 @@
           <a:effectLst/>
           <a:extLst>
             <a:ext uri="{909E8E84-426E-40dd-AFC4-6F175D3DCCD1}">
-              <a14:hiddenFill xmlns:a14="http://schemas.microsoft.com/office/drawing/2010/main" xmlns="">
+              <a14:hiddenFill xmlns="" xmlns:a14="http://schemas.microsoft.com/office/drawing/2010/main">
                 <a:solidFill>
                   <a:schemeClr val="accent1"/>
                 </a:solidFill>
               </a14:hiddenFill>
             </a:ext>
             <a:ext uri="{AF507438-7753-43e0-B8FC-AC1667EBCBE1}">
-              <a14:hiddenEffects xmlns:a14="http://schemas.microsoft.com/office/drawing/2010/main" xmlns="">
+              <a14:hiddenEffects xmlns="" xmlns:a14="http://schemas.microsoft.com/office/drawing/2010/main">
                 <a:effectLst>
                   <a:outerShdw blurRad="63500" dist="38099" dir="2700000" algn="ctr" rotWithShape="0">
                     <a:schemeClr val="bg2">
@@ -13321,12 +13321,12 @@
           <a:effectLst/>
           <a:extLst>
             <a:ext uri="{909E8E84-426E-40dd-AFC4-6F175D3DCCD1}">
-              <a14:hiddenFill xmlns:a14="http://schemas.microsoft.com/office/drawing/2010/main" xmlns="">
+              <a14:hiddenFill xmlns="" xmlns:a14="http://schemas.microsoft.com/office/drawing/2010/main">
                 <a:noFill/>
               </a14:hiddenFill>
             </a:ext>
             <a:ext uri="{AF507438-7753-43e0-B8FC-AC1667EBCBE1}">
-              <a14:hiddenEffects xmlns:a14="http://schemas.microsoft.com/office/drawing/2010/main" xmlns="">
+              <a14:hiddenEffects xmlns="" xmlns:a14="http://schemas.microsoft.com/office/drawing/2010/main">
                 <a:effectLst>
                   <a:outerShdw blurRad="63500" dist="38099" dir="2700000" algn="ctr" rotWithShape="0">
                     <a:schemeClr val="bg2">
@@ -13369,14 +13369,14 @@
           <a:effectLst/>
           <a:extLst>
             <a:ext uri="{909E8E84-426E-40dd-AFC4-6F175D3DCCD1}">
-              <a14:hiddenFill xmlns:a14="http://schemas.microsoft.com/office/drawing/2010/main" xmlns="">
+              <a14:hiddenFill xmlns="" xmlns:a14="http://schemas.microsoft.com/office/drawing/2010/main">
                 <a:solidFill>
                   <a:schemeClr val="accent1"/>
                 </a:solidFill>
               </a14:hiddenFill>
             </a:ext>
             <a:ext uri="{91240B29-F687-4f45-9708-019B960494DF}">
-              <a14:hiddenLine xmlns:a14="http://schemas.microsoft.com/office/drawing/2010/main" xmlns="" w="9525">
+              <a14:hiddenLine xmlns="" xmlns:a14="http://schemas.microsoft.com/office/drawing/2010/main" w="9525">
                 <a:solidFill>
                   <a:schemeClr val="tx1"/>
                 </a:solidFill>
@@ -13386,7 +13386,7 @@
               </a14:hiddenLine>
             </a:ext>
             <a:ext uri="{AF507438-7753-43e0-B8FC-AC1667EBCBE1}">
-              <a14:hiddenEffects xmlns:a14="http://schemas.microsoft.com/office/drawing/2010/main" xmlns="">
+              <a14:hiddenEffects xmlns="" xmlns:a14="http://schemas.microsoft.com/office/drawing/2010/main">
                 <a:effectLst>
                   <a:outerShdw blurRad="63500" dist="38099" dir="2700000" algn="ctr" rotWithShape="0">
                     <a:schemeClr val="bg2">
@@ -13441,12 +13441,12 @@
           <a:effectLst/>
           <a:extLst>
             <a:ext uri="{909E8E84-426E-40dd-AFC4-6F175D3DCCD1}">
-              <a14:hiddenFill xmlns:a14="http://schemas.microsoft.com/office/drawing/2010/main" xmlns="">
+              <a14:hiddenFill xmlns="" xmlns:a14="http://schemas.microsoft.com/office/drawing/2010/main">
                 <a:noFill/>
               </a14:hiddenFill>
             </a:ext>
             <a:ext uri="{AF507438-7753-43e0-B8FC-AC1667EBCBE1}">
-              <a14:hiddenEffects xmlns:a14="http://schemas.microsoft.com/office/drawing/2010/main" xmlns="">
+              <a14:hiddenEffects xmlns="" xmlns:a14="http://schemas.microsoft.com/office/drawing/2010/main">
                 <a:effectLst>
                   <a:outerShdw blurRad="63500" dist="38099" dir="2700000" algn="ctr" rotWithShape="0">
                     <a:schemeClr val="bg2">
@@ -13489,14 +13489,14 @@
           <a:effectLst/>
           <a:extLst>
             <a:ext uri="{909E8E84-426E-40dd-AFC4-6F175D3DCCD1}">
-              <a14:hiddenFill xmlns:a14="http://schemas.microsoft.com/office/drawing/2010/main" xmlns="">
+              <a14:hiddenFill xmlns="" xmlns:a14="http://schemas.microsoft.com/office/drawing/2010/main">
                 <a:solidFill>
                   <a:schemeClr val="accent1"/>
                 </a:solidFill>
               </a14:hiddenFill>
             </a:ext>
             <a:ext uri="{91240B29-F687-4f45-9708-019B960494DF}">
-              <a14:hiddenLine xmlns:a14="http://schemas.microsoft.com/office/drawing/2010/main" xmlns="" w="9525">
+              <a14:hiddenLine xmlns="" xmlns:a14="http://schemas.microsoft.com/office/drawing/2010/main" w="9525">
                 <a:solidFill>
                   <a:schemeClr val="tx1"/>
                 </a:solidFill>
@@ -13506,7 +13506,7 @@
               </a14:hiddenLine>
             </a:ext>
             <a:ext uri="{AF507438-7753-43e0-B8FC-AC1667EBCBE1}">
-              <a14:hiddenEffects xmlns:a14="http://schemas.microsoft.com/office/drawing/2010/main" xmlns="">
+              <a14:hiddenEffects xmlns="" xmlns:a14="http://schemas.microsoft.com/office/drawing/2010/main">
                 <a:effectLst>
                   <a:outerShdw blurRad="63500" dist="38099" dir="2700000" algn="ctr" rotWithShape="0">
                     <a:schemeClr val="bg2">
@@ -13561,12 +13561,12 @@
           <a:effectLst/>
           <a:extLst>
             <a:ext uri="{909E8E84-426E-40dd-AFC4-6F175D3DCCD1}">
-              <a14:hiddenFill xmlns:a14="http://schemas.microsoft.com/office/drawing/2010/main" xmlns="">
+              <a14:hiddenFill xmlns="" xmlns:a14="http://schemas.microsoft.com/office/drawing/2010/main">
                 <a:noFill/>
               </a14:hiddenFill>
             </a:ext>
             <a:ext uri="{AF507438-7753-43e0-B8FC-AC1667EBCBE1}">
-              <a14:hiddenEffects xmlns:a14="http://schemas.microsoft.com/office/drawing/2010/main" xmlns="">
+              <a14:hiddenEffects xmlns="" xmlns:a14="http://schemas.microsoft.com/office/drawing/2010/main">
                 <a:effectLst>
                   <a:outerShdw blurRad="63500" dist="38099" dir="2700000" algn="ctr" rotWithShape="0">
                     <a:schemeClr val="bg2">
@@ -13609,14 +13609,14 @@
           <a:effectLst/>
           <a:extLst>
             <a:ext uri="{909E8E84-426E-40dd-AFC4-6F175D3DCCD1}">
-              <a14:hiddenFill xmlns:a14="http://schemas.microsoft.com/office/drawing/2010/main" xmlns="">
+              <a14:hiddenFill xmlns="" xmlns:a14="http://schemas.microsoft.com/office/drawing/2010/main">
                 <a:solidFill>
                   <a:schemeClr val="accent1"/>
                 </a:solidFill>
               </a14:hiddenFill>
             </a:ext>
             <a:ext uri="{91240B29-F687-4f45-9708-019B960494DF}">
-              <a14:hiddenLine xmlns:a14="http://schemas.microsoft.com/office/drawing/2010/main" xmlns="" w="9525">
+              <a14:hiddenLine xmlns="" xmlns:a14="http://schemas.microsoft.com/office/drawing/2010/main" w="9525">
                 <a:solidFill>
                   <a:schemeClr val="tx1"/>
                 </a:solidFill>
@@ -13626,7 +13626,7 @@
               </a14:hiddenLine>
             </a:ext>
             <a:ext uri="{AF507438-7753-43e0-B8FC-AC1667EBCBE1}">
-              <a14:hiddenEffects xmlns:a14="http://schemas.microsoft.com/office/drawing/2010/main" xmlns="">
+              <a14:hiddenEffects xmlns="" xmlns:a14="http://schemas.microsoft.com/office/drawing/2010/main">
                 <a:effectLst>
                   <a:outerShdw blurRad="63500" dist="38099" dir="2700000" algn="ctr" rotWithShape="0">
                     <a:schemeClr val="bg2">
@@ -13681,12 +13681,12 @@
           <a:effectLst/>
           <a:extLst>
             <a:ext uri="{909E8E84-426E-40dd-AFC4-6F175D3DCCD1}">
-              <a14:hiddenFill xmlns:a14="http://schemas.microsoft.com/office/drawing/2010/main" xmlns="">
+              <a14:hiddenFill xmlns="" xmlns:a14="http://schemas.microsoft.com/office/drawing/2010/main">
                 <a:noFill/>
               </a14:hiddenFill>
             </a:ext>
             <a:ext uri="{AF507438-7753-43e0-B8FC-AC1667EBCBE1}">
-              <a14:hiddenEffects xmlns:a14="http://schemas.microsoft.com/office/drawing/2010/main" xmlns="">
+              <a14:hiddenEffects xmlns="" xmlns:a14="http://schemas.microsoft.com/office/drawing/2010/main">
                 <a:effectLst>
                   <a:outerShdw blurRad="63500" dist="38099" dir="2700000" algn="ctr" rotWithShape="0">
                     <a:schemeClr val="bg2">
@@ -13729,14 +13729,14 @@
           <a:effectLst/>
           <a:extLst>
             <a:ext uri="{909E8E84-426E-40dd-AFC4-6F175D3DCCD1}">
-              <a14:hiddenFill xmlns:a14="http://schemas.microsoft.com/office/drawing/2010/main" xmlns="">
+              <a14:hiddenFill xmlns="" xmlns:a14="http://schemas.microsoft.com/office/drawing/2010/main">
                 <a:solidFill>
                   <a:schemeClr val="accent1"/>
                 </a:solidFill>
               </a14:hiddenFill>
             </a:ext>
             <a:ext uri="{91240B29-F687-4f45-9708-019B960494DF}">
-              <a14:hiddenLine xmlns:a14="http://schemas.microsoft.com/office/drawing/2010/main" xmlns="" w="9525">
+              <a14:hiddenLine xmlns="" xmlns:a14="http://schemas.microsoft.com/office/drawing/2010/main" w="9525">
                 <a:solidFill>
                   <a:schemeClr val="tx1"/>
                 </a:solidFill>
@@ -13746,7 +13746,7 @@
               </a14:hiddenLine>
             </a:ext>
             <a:ext uri="{AF507438-7753-43e0-B8FC-AC1667EBCBE1}">
-              <a14:hiddenEffects xmlns:a14="http://schemas.microsoft.com/office/drawing/2010/main" xmlns="">
+              <a14:hiddenEffects xmlns="" xmlns:a14="http://schemas.microsoft.com/office/drawing/2010/main">
                 <a:effectLst>
                   <a:outerShdw blurRad="63500" dist="38099" dir="2700000" algn="ctr" rotWithShape="0">
                     <a:schemeClr val="bg2">
@@ -13801,12 +13801,12 @@
           <a:effectLst/>
           <a:extLst>
             <a:ext uri="{909E8E84-426E-40dd-AFC4-6F175D3DCCD1}">
-              <a14:hiddenFill xmlns:a14="http://schemas.microsoft.com/office/drawing/2010/main" xmlns="">
+              <a14:hiddenFill xmlns="" xmlns:a14="http://schemas.microsoft.com/office/drawing/2010/main">
                 <a:noFill/>
               </a14:hiddenFill>
             </a:ext>
             <a:ext uri="{AF507438-7753-43e0-B8FC-AC1667EBCBE1}">
-              <a14:hiddenEffects xmlns:a14="http://schemas.microsoft.com/office/drawing/2010/main" xmlns="">
+              <a14:hiddenEffects xmlns="" xmlns:a14="http://schemas.microsoft.com/office/drawing/2010/main">
                 <a:effectLst>
                   <a:outerShdw blurRad="63500" dist="38099" dir="2700000" algn="ctr" rotWithShape="0">
                     <a:schemeClr val="bg2">
@@ -13849,14 +13849,14 @@
           <a:effectLst/>
           <a:extLst>
             <a:ext uri="{909E8E84-426E-40dd-AFC4-6F175D3DCCD1}">
-              <a14:hiddenFill xmlns:a14="http://schemas.microsoft.com/office/drawing/2010/main" xmlns="">
+              <a14:hiddenFill xmlns="" xmlns:a14="http://schemas.microsoft.com/office/drawing/2010/main">
                 <a:solidFill>
                   <a:schemeClr val="accent1"/>
                 </a:solidFill>
               </a14:hiddenFill>
             </a:ext>
             <a:ext uri="{91240B29-F687-4f45-9708-019B960494DF}">
-              <a14:hiddenLine xmlns:a14="http://schemas.microsoft.com/office/drawing/2010/main" xmlns="" w="9525">
+              <a14:hiddenLine xmlns="" xmlns:a14="http://schemas.microsoft.com/office/drawing/2010/main" w="9525">
                 <a:solidFill>
                   <a:schemeClr val="tx1"/>
                 </a:solidFill>
@@ -13866,7 +13866,7 @@
               </a14:hiddenLine>
             </a:ext>
             <a:ext uri="{AF507438-7753-43e0-B8FC-AC1667EBCBE1}">
-              <a14:hiddenEffects xmlns:a14="http://schemas.microsoft.com/office/drawing/2010/main" xmlns="">
+              <a14:hiddenEffects xmlns="" xmlns:a14="http://schemas.microsoft.com/office/drawing/2010/main">
                 <a:effectLst>
                   <a:outerShdw blurRad="63500" dist="38099" dir="2700000" algn="ctr" rotWithShape="0">
                     <a:schemeClr val="bg2">
@@ -13921,12 +13921,12 @@
           <a:effectLst/>
           <a:extLst>
             <a:ext uri="{909E8E84-426E-40dd-AFC4-6F175D3DCCD1}">
-              <a14:hiddenFill xmlns:a14="http://schemas.microsoft.com/office/drawing/2010/main" xmlns="">
+              <a14:hiddenFill xmlns="" xmlns:a14="http://schemas.microsoft.com/office/drawing/2010/main">
                 <a:noFill/>
               </a14:hiddenFill>
             </a:ext>
             <a:ext uri="{AF507438-7753-43e0-B8FC-AC1667EBCBE1}">
-              <a14:hiddenEffects xmlns:a14="http://schemas.microsoft.com/office/drawing/2010/main" xmlns="">
+              <a14:hiddenEffects xmlns="" xmlns:a14="http://schemas.microsoft.com/office/drawing/2010/main">
                 <a:effectLst>
                   <a:outerShdw blurRad="63500" dist="38099" dir="2700000" algn="ctr" rotWithShape="0">
                     <a:schemeClr val="bg2">
@@ -13969,14 +13969,14 @@
           <a:effectLst/>
           <a:extLst>
             <a:ext uri="{909E8E84-426E-40dd-AFC4-6F175D3DCCD1}">
-              <a14:hiddenFill xmlns:a14="http://schemas.microsoft.com/office/drawing/2010/main" xmlns="">
+              <a14:hiddenFill xmlns="" xmlns:a14="http://schemas.microsoft.com/office/drawing/2010/main">
                 <a:solidFill>
                   <a:schemeClr val="accent1"/>
                 </a:solidFill>
               </a14:hiddenFill>
             </a:ext>
             <a:ext uri="{91240B29-F687-4f45-9708-019B960494DF}">
-              <a14:hiddenLine xmlns:a14="http://schemas.microsoft.com/office/drawing/2010/main" xmlns="" w="9525">
+              <a14:hiddenLine xmlns="" xmlns:a14="http://schemas.microsoft.com/office/drawing/2010/main" w="9525">
                 <a:solidFill>
                   <a:schemeClr val="tx1"/>
                 </a:solidFill>
@@ -13986,7 +13986,7 @@
               </a14:hiddenLine>
             </a:ext>
             <a:ext uri="{AF507438-7753-43e0-B8FC-AC1667EBCBE1}">
-              <a14:hiddenEffects xmlns:a14="http://schemas.microsoft.com/office/drawing/2010/main" xmlns="">
+              <a14:hiddenEffects xmlns="" xmlns:a14="http://schemas.microsoft.com/office/drawing/2010/main">
                 <a:effectLst>
                   <a:outerShdw blurRad="63500" dist="38099" dir="2700000" algn="ctr" rotWithShape="0">
                     <a:schemeClr val="bg2">
@@ -14041,12 +14041,12 @@
           <a:effectLst/>
           <a:extLst>
             <a:ext uri="{909E8E84-426E-40dd-AFC4-6F175D3DCCD1}">
-              <a14:hiddenFill xmlns:a14="http://schemas.microsoft.com/office/drawing/2010/main" xmlns="">
+              <a14:hiddenFill xmlns="" xmlns:a14="http://schemas.microsoft.com/office/drawing/2010/main">
                 <a:noFill/>
               </a14:hiddenFill>
             </a:ext>
             <a:ext uri="{AF507438-7753-43e0-B8FC-AC1667EBCBE1}">
-              <a14:hiddenEffects xmlns:a14="http://schemas.microsoft.com/office/drawing/2010/main" xmlns="">
+              <a14:hiddenEffects xmlns="" xmlns:a14="http://schemas.microsoft.com/office/drawing/2010/main">
                 <a:effectLst>
                   <a:outerShdw blurRad="63500" dist="38099" dir="2700000" algn="ctr" rotWithShape="0">
                     <a:schemeClr val="bg2">
@@ -14089,14 +14089,14 @@
           <a:effectLst/>
           <a:extLst>
             <a:ext uri="{909E8E84-426E-40dd-AFC4-6F175D3DCCD1}">
-              <a14:hiddenFill xmlns:a14="http://schemas.microsoft.com/office/drawing/2010/main" xmlns="">
+              <a14:hiddenFill xmlns="" xmlns:a14="http://schemas.microsoft.com/office/drawing/2010/main">
                 <a:solidFill>
                   <a:schemeClr val="accent1"/>
                 </a:solidFill>
               </a14:hiddenFill>
             </a:ext>
             <a:ext uri="{91240B29-F687-4f45-9708-019B960494DF}">
-              <a14:hiddenLine xmlns:a14="http://schemas.microsoft.com/office/drawing/2010/main" xmlns="" w="9525">
+              <a14:hiddenLine xmlns="" xmlns:a14="http://schemas.microsoft.com/office/drawing/2010/main" w="9525">
                 <a:solidFill>
                   <a:schemeClr val="tx1"/>
                 </a:solidFill>
@@ -14106,7 +14106,7 @@
               </a14:hiddenLine>
             </a:ext>
             <a:ext uri="{AF507438-7753-43e0-B8FC-AC1667EBCBE1}">
-              <a14:hiddenEffects xmlns:a14="http://schemas.microsoft.com/office/drawing/2010/main" xmlns="">
+              <a14:hiddenEffects xmlns="" xmlns:a14="http://schemas.microsoft.com/office/drawing/2010/main">
                 <a:effectLst>
                   <a:outerShdw blurRad="63500" dist="38099" dir="2700000" algn="ctr" rotWithShape="0">
                     <a:schemeClr val="bg2">
@@ -14269,14 +14269,14 @@
           <a:effectLst/>
           <a:extLst>
             <a:ext uri="{909E8E84-426E-40dd-AFC4-6F175D3DCCD1}">
-              <a14:hiddenFill xmlns:a14="http://schemas.microsoft.com/office/drawing/2010/main" xmlns="">
+              <a14:hiddenFill xmlns="" xmlns:a14="http://schemas.microsoft.com/office/drawing/2010/main">
                 <a:solidFill>
                   <a:schemeClr val="accent1"/>
                 </a:solidFill>
               </a14:hiddenFill>
             </a:ext>
             <a:ext uri="{AF507438-7753-43e0-B8FC-AC1667EBCBE1}">
-              <a14:hiddenEffects xmlns:a14="http://schemas.microsoft.com/office/drawing/2010/main" xmlns="">
+              <a14:hiddenEffects xmlns="" xmlns:a14="http://schemas.microsoft.com/office/drawing/2010/main">
                 <a:effectLst>
                   <a:outerShdw blurRad="63500" dist="38099" dir="2700000" algn="ctr" rotWithShape="0">
                     <a:schemeClr val="bg2">
@@ -14319,14 +14319,14 @@
           <a:effectLst/>
           <a:extLst>
             <a:ext uri="{909E8E84-426E-40dd-AFC4-6F175D3DCCD1}">
-              <a14:hiddenFill xmlns:a14="http://schemas.microsoft.com/office/drawing/2010/main" xmlns="">
+              <a14:hiddenFill xmlns="" xmlns:a14="http://schemas.microsoft.com/office/drawing/2010/main">
                 <a:solidFill>
                   <a:schemeClr val="accent1"/>
                 </a:solidFill>
               </a14:hiddenFill>
             </a:ext>
             <a:ext uri="{91240B29-F687-4f45-9708-019B960494DF}">
-              <a14:hiddenLine xmlns:a14="http://schemas.microsoft.com/office/drawing/2010/main" xmlns="" w="9525">
+              <a14:hiddenLine xmlns="" xmlns:a14="http://schemas.microsoft.com/office/drawing/2010/main" w="9525">
                 <a:solidFill>
                   <a:schemeClr val="tx1"/>
                 </a:solidFill>
@@ -14336,7 +14336,7 @@
               </a14:hiddenLine>
             </a:ext>
             <a:ext uri="{AF507438-7753-43e0-B8FC-AC1667EBCBE1}">
-              <a14:hiddenEffects xmlns:a14="http://schemas.microsoft.com/office/drawing/2010/main" xmlns="">
+              <a14:hiddenEffects xmlns="" xmlns:a14="http://schemas.microsoft.com/office/drawing/2010/main">
                 <a:effectLst>
                   <a:outerShdw blurRad="63500" dist="38099" dir="2700000" algn="ctr" rotWithShape="0">
                     <a:schemeClr val="bg2">
@@ -14391,14 +14391,14 @@
           <a:effectLst/>
           <a:extLst>
             <a:ext uri="{909E8E84-426E-40dd-AFC4-6F175D3DCCD1}">
-              <a14:hiddenFill xmlns:a14="http://schemas.microsoft.com/office/drawing/2010/main" xmlns="">
+              <a14:hiddenFill xmlns="" xmlns:a14="http://schemas.microsoft.com/office/drawing/2010/main">
                 <a:solidFill>
                   <a:schemeClr val="accent1"/>
                 </a:solidFill>
               </a14:hiddenFill>
             </a:ext>
             <a:ext uri="{AF507438-7753-43e0-B8FC-AC1667EBCBE1}">
-              <a14:hiddenEffects xmlns:a14="http://schemas.microsoft.com/office/drawing/2010/main" xmlns="">
+              <a14:hiddenEffects xmlns="" xmlns:a14="http://schemas.microsoft.com/office/drawing/2010/main">
                 <a:effectLst>
                   <a:outerShdw blurRad="63500" dist="38099" dir="2700000" algn="ctr" rotWithShape="0">
                     <a:schemeClr val="bg2">
@@ -14479,12 +14479,12 @@
           <a:effectLst/>
           <a:extLst>
             <a:ext uri="{909E8E84-426E-40dd-AFC4-6F175D3DCCD1}">
-              <a14:hiddenFill xmlns:a14="http://schemas.microsoft.com/office/drawing/2010/main" xmlns="">
+              <a14:hiddenFill xmlns="" xmlns:a14="http://schemas.microsoft.com/office/drawing/2010/main">
                 <a:noFill/>
               </a14:hiddenFill>
             </a:ext>
             <a:ext uri="{AF507438-7753-43e0-B8FC-AC1667EBCBE1}">
-              <a14:hiddenEffects xmlns:a14="http://schemas.microsoft.com/office/drawing/2010/main" xmlns="">
+              <a14:hiddenEffects xmlns="" xmlns:a14="http://schemas.microsoft.com/office/drawing/2010/main">
                 <a:effectLst>
                   <a:outerShdw blurRad="63500" dist="38099" dir="2700000" algn="ctr" rotWithShape="0">
                     <a:schemeClr val="bg2">
@@ -14543,12 +14543,12 @@
           <a:effectLst/>
           <a:extLst>
             <a:ext uri="{909E8E84-426E-40dd-AFC4-6F175D3DCCD1}">
-              <a14:hiddenFill xmlns:a14="http://schemas.microsoft.com/office/drawing/2010/main" xmlns="">
+              <a14:hiddenFill xmlns="" xmlns:a14="http://schemas.microsoft.com/office/drawing/2010/main">
                 <a:noFill/>
               </a14:hiddenFill>
             </a:ext>
             <a:ext uri="{AF507438-7753-43e0-B8FC-AC1667EBCBE1}">
-              <a14:hiddenEffects xmlns:a14="http://schemas.microsoft.com/office/drawing/2010/main" xmlns="">
+              <a14:hiddenEffects xmlns="" xmlns:a14="http://schemas.microsoft.com/office/drawing/2010/main">
                 <a:effectLst>
                   <a:outerShdw blurRad="63500" dist="38099" dir="2700000" algn="ctr" rotWithShape="0">
                     <a:schemeClr val="bg2">
@@ -14600,14 +14600,14 @@
           <a:effectLst/>
           <a:extLst>
             <a:ext uri="{909E8E84-426E-40dd-AFC4-6F175D3DCCD1}">
-              <a14:hiddenFill xmlns:a14="http://schemas.microsoft.com/office/drawing/2010/main" xmlns="">
+              <a14:hiddenFill xmlns="" xmlns:a14="http://schemas.microsoft.com/office/drawing/2010/main">
                 <a:solidFill>
                   <a:schemeClr val="accent1"/>
                 </a:solidFill>
               </a14:hiddenFill>
             </a:ext>
             <a:ext uri="{91240B29-F687-4f45-9708-019B960494DF}">
-              <a14:hiddenLine xmlns:a14="http://schemas.microsoft.com/office/drawing/2010/main" xmlns="" w="9525">
+              <a14:hiddenLine xmlns="" xmlns:a14="http://schemas.microsoft.com/office/drawing/2010/main" w="9525">
                 <a:solidFill>
                   <a:schemeClr val="tx1"/>
                 </a:solidFill>
@@ -14617,7 +14617,7 @@
               </a14:hiddenLine>
             </a:ext>
             <a:ext uri="{AF507438-7753-43e0-B8FC-AC1667EBCBE1}">
-              <a14:hiddenEffects xmlns:a14="http://schemas.microsoft.com/office/drawing/2010/main" xmlns="">
+              <a14:hiddenEffects xmlns="" xmlns:a14="http://schemas.microsoft.com/office/drawing/2010/main">
                 <a:effectLst>
                   <a:outerShdw blurRad="63500" dist="38099" dir="2700000" algn="ctr" rotWithShape="0">
                     <a:schemeClr val="bg2">
@@ -14673,14 +14673,14 @@
           <a:effectLst/>
           <a:extLst>
             <a:ext uri="{909E8E84-426E-40dd-AFC4-6F175D3DCCD1}">
-              <a14:hiddenFill xmlns:a14="http://schemas.microsoft.com/office/drawing/2010/main" xmlns="">
+              <a14:hiddenFill xmlns="" xmlns:a14="http://schemas.microsoft.com/office/drawing/2010/main">
                 <a:solidFill>
                   <a:schemeClr val="accent1"/>
                 </a:solidFill>
               </a14:hiddenFill>
             </a:ext>
             <a:ext uri="{91240B29-F687-4f45-9708-019B960494DF}">
-              <a14:hiddenLine xmlns:a14="http://schemas.microsoft.com/office/drawing/2010/main" xmlns="" w="9525">
+              <a14:hiddenLine xmlns="" xmlns:a14="http://schemas.microsoft.com/office/drawing/2010/main" w="9525">
                 <a:solidFill>
                   <a:schemeClr val="tx1"/>
                 </a:solidFill>
@@ -14690,7 +14690,7 @@
               </a14:hiddenLine>
             </a:ext>
             <a:ext uri="{AF507438-7753-43e0-B8FC-AC1667EBCBE1}">
-              <a14:hiddenEffects xmlns:a14="http://schemas.microsoft.com/office/drawing/2010/main" xmlns="">
+              <a14:hiddenEffects xmlns="" xmlns:a14="http://schemas.microsoft.com/office/drawing/2010/main">
                 <a:effectLst>
                   <a:outerShdw blurRad="63500" dist="38099" dir="2700000" algn="ctr" rotWithShape="0">
                     <a:schemeClr val="bg2">
@@ -14777,14 +14777,14 @@
           <a:effectLst/>
           <a:extLst>
             <a:ext uri="{909E8E84-426E-40dd-AFC4-6F175D3DCCD1}">
-              <a14:hiddenFill xmlns:a14="http://schemas.microsoft.com/office/drawing/2010/main" xmlns="">
+              <a14:hiddenFill xmlns="" xmlns:a14="http://schemas.microsoft.com/office/drawing/2010/main">
                 <a:solidFill>
                   <a:schemeClr val="accent1"/>
                 </a:solidFill>
               </a14:hiddenFill>
             </a:ext>
             <a:ext uri="{91240B29-F687-4f45-9708-019B960494DF}">
-              <a14:hiddenLine xmlns:a14="http://schemas.microsoft.com/office/drawing/2010/main" xmlns="" w="9525">
+              <a14:hiddenLine xmlns="" xmlns:a14="http://schemas.microsoft.com/office/drawing/2010/main" w="9525">
                 <a:solidFill>
                   <a:schemeClr val="tx1"/>
                 </a:solidFill>
@@ -14794,7 +14794,7 @@
               </a14:hiddenLine>
             </a:ext>
             <a:ext uri="{AF507438-7753-43e0-B8FC-AC1667EBCBE1}">
-              <a14:hiddenEffects xmlns:a14="http://schemas.microsoft.com/office/drawing/2010/main" xmlns="">
+              <a14:hiddenEffects xmlns="" xmlns:a14="http://schemas.microsoft.com/office/drawing/2010/main">
                 <a:effectLst>
                   <a:outerShdw blurRad="63500" dist="38099" dir="2700000" algn="ctr" rotWithShape="0">
                     <a:schemeClr val="bg2">
@@ -14956,14 +14956,14 @@
           <a:effectLst/>
           <a:extLst>
             <a:ext uri="{909E8E84-426E-40dd-AFC4-6F175D3DCCD1}">
-              <a14:hiddenFill xmlns:a14="http://schemas.microsoft.com/office/drawing/2010/main" xmlns="">
+              <a14:hiddenFill xmlns="" xmlns:a14="http://schemas.microsoft.com/office/drawing/2010/main">
                 <a:solidFill>
                   <a:schemeClr val="accent1"/>
                 </a:solidFill>
               </a14:hiddenFill>
             </a:ext>
             <a:ext uri="{AF507438-7753-43e0-B8FC-AC1667EBCBE1}">
-              <a14:hiddenEffects xmlns:a14="http://schemas.microsoft.com/office/drawing/2010/main" xmlns="">
+              <a14:hiddenEffects xmlns="" xmlns:a14="http://schemas.microsoft.com/office/drawing/2010/main">
                 <a:effectLst>
                   <a:outerShdw blurRad="63500" dist="38099" dir="2700000" algn="ctr" rotWithShape="0">
                     <a:schemeClr val="bg2">
@@ -15042,14 +15042,14 @@
           <a:effectLst/>
           <a:extLst>
             <a:ext uri="{909E8E84-426E-40dd-AFC4-6F175D3DCCD1}">
-              <a14:hiddenFill xmlns:a14="http://schemas.microsoft.com/office/drawing/2010/main" xmlns="">
+              <a14:hiddenFill xmlns="" xmlns:a14="http://schemas.microsoft.com/office/drawing/2010/main">
                 <a:solidFill>
                   <a:schemeClr val="accent1"/>
                 </a:solidFill>
               </a14:hiddenFill>
             </a:ext>
             <a:ext uri="{AF507438-7753-43e0-B8FC-AC1667EBCBE1}">
-              <a14:hiddenEffects xmlns:a14="http://schemas.microsoft.com/office/drawing/2010/main" xmlns="">
+              <a14:hiddenEffects xmlns="" xmlns:a14="http://schemas.microsoft.com/office/drawing/2010/main">
                 <a:effectLst>
                   <a:outerShdw blurRad="63500" dist="38099" dir="2700000" algn="ctr" rotWithShape="0">
                     <a:schemeClr val="bg2">
@@ -15128,14 +15128,14 @@
           <a:effectLst/>
           <a:extLst>
             <a:ext uri="{909E8E84-426E-40dd-AFC4-6F175D3DCCD1}">
-              <a14:hiddenFill xmlns:a14="http://schemas.microsoft.com/office/drawing/2010/main" xmlns="">
+              <a14:hiddenFill xmlns="" xmlns:a14="http://schemas.microsoft.com/office/drawing/2010/main">
                 <a:solidFill>
                   <a:schemeClr val="accent1"/>
                 </a:solidFill>
               </a14:hiddenFill>
             </a:ext>
             <a:ext uri="{AF507438-7753-43e0-B8FC-AC1667EBCBE1}">
-              <a14:hiddenEffects xmlns:a14="http://schemas.microsoft.com/office/drawing/2010/main" xmlns="">
+              <a14:hiddenEffects xmlns="" xmlns:a14="http://schemas.microsoft.com/office/drawing/2010/main">
                 <a:effectLst>
                   <a:outerShdw blurRad="63500" dist="38099" dir="2700000" algn="ctr" rotWithShape="0">
                     <a:schemeClr val="bg2">
@@ -15214,14 +15214,14 @@
           <a:effectLst/>
           <a:extLst>
             <a:ext uri="{909E8E84-426E-40dd-AFC4-6F175D3DCCD1}">
-              <a14:hiddenFill xmlns:a14="http://schemas.microsoft.com/office/drawing/2010/main" xmlns="">
+              <a14:hiddenFill xmlns="" xmlns:a14="http://schemas.microsoft.com/office/drawing/2010/main">
                 <a:solidFill>
                   <a:schemeClr val="accent1"/>
                 </a:solidFill>
               </a14:hiddenFill>
             </a:ext>
             <a:ext uri="{AF507438-7753-43e0-B8FC-AC1667EBCBE1}">
-              <a14:hiddenEffects xmlns:a14="http://schemas.microsoft.com/office/drawing/2010/main" xmlns="">
+              <a14:hiddenEffects xmlns="" xmlns:a14="http://schemas.microsoft.com/office/drawing/2010/main">
                 <a:effectLst>
                   <a:outerShdw blurRad="63500" dist="38099" dir="2700000" algn="ctr" rotWithShape="0">
                     <a:schemeClr val="bg2">
@@ -15300,14 +15300,14 @@
           <a:effectLst/>
           <a:extLst>
             <a:ext uri="{909E8E84-426E-40dd-AFC4-6F175D3DCCD1}">
-              <a14:hiddenFill xmlns:a14="http://schemas.microsoft.com/office/drawing/2010/main" xmlns="">
+              <a14:hiddenFill xmlns="" xmlns:a14="http://schemas.microsoft.com/office/drawing/2010/main">
                 <a:solidFill>
                   <a:schemeClr val="accent1"/>
                 </a:solidFill>
               </a14:hiddenFill>
             </a:ext>
             <a:ext uri="{AF507438-7753-43e0-B8FC-AC1667EBCBE1}">
-              <a14:hiddenEffects xmlns:a14="http://schemas.microsoft.com/office/drawing/2010/main" xmlns="">
+              <a14:hiddenEffects xmlns="" xmlns:a14="http://schemas.microsoft.com/office/drawing/2010/main">
                 <a:effectLst>
                   <a:outerShdw blurRad="63500" dist="38099" dir="2700000" algn="ctr" rotWithShape="0">
                     <a:schemeClr val="bg2">
@@ -15386,14 +15386,14 @@
           <a:effectLst/>
           <a:extLst>
             <a:ext uri="{909E8E84-426E-40dd-AFC4-6F175D3DCCD1}">
-              <a14:hiddenFill xmlns:a14="http://schemas.microsoft.com/office/drawing/2010/main" xmlns="">
+              <a14:hiddenFill xmlns="" xmlns:a14="http://schemas.microsoft.com/office/drawing/2010/main">
                 <a:solidFill>
                   <a:schemeClr val="accent1"/>
                 </a:solidFill>
               </a14:hiddenFill>
             </a:ext>
             <a:ext uri="{AF507438-7753-43e0-B8FC-AC1667EBCBE1}">
-              <a14:hiddenEffects xmlns:a14="http://schemas.microsoft.com/office/drawing/2010/main" xmlns="">
+              <a14:hiddenEffects xmlns="" xmlns:a14="http://schemas.microsoft.com/office/drawing/2010/main">
                 <a:effectLst>
                   <a:outerShdw blurRad="63500" dist="38099" dir="2700000" algn="ctr" rotWithShape="0">
                     <a:schemeClr val="bg2">
@@ -15472,12 +15472,12 @@
           <a:effectLst/>
           <a:extLst>
             <a:ext uri="{909E8E84-426E-40dd-AFC4-6F175D3DCCD1}">
-              <a14:hiddenFill xmlns:a14="http://schemas.microsoft.com/office/drawing/2010/main" xmlns="">
+              <a14:hiddenFill xmlns="" xmlns:a14="http://schemas.microsoft.com/office/drawing/2010/main">
                 <a:noFill/>
               </a14:hiddenFill>
             </a:ext>
             <a:ext uri="{AF507438-7753-43e0-B8FC-AC1667EBCBE1}">
-              <a14:hiddenEffects xmlns:a14="http://schemas.microsoft.com/office/drawing/2010/main" xmlns="">
+              <a14:hiddenEffects xmlns="" xmlns:a14="http://schemas.microsoft.com/office/drawing/2010/main">
                 <a:effectLst>
                   <a:outerShdw blurRad="63500" dist="38099" dir="2700000" algn="ctr" rotWithShape="0">
                     <a:schemeClr val="bg2">
@@ -15520,14 +15520,14 @@
           <a:effectLst/>
           <a:extLst>
             <a:ext uri="{909E8E84-426E-40dd-AFC4-6F175D3DCCD1}">
-              <a14:hiddenFill xmlns:a14="http://schemas.microsoft.com/office/drawing/2010/main" xmlns="">
+              <a14:hiddenFill xmlns="" xmlns:a14="http://schemas.microsoft.com/office/drawing/2010/main">
                 <a:solidFill>
                   <a:schemeClr val="accent1"/>
                 </a:solidFill>
               </a14:hiddenFill>
             </a:ext>
             <a:ext uri="{91240B29-F687-4f45-9708-019B960494DF}">
-              <a14:hiddenLine xmlns:a14="http://schemas.microsoft.com/office/drawing/2010/main" xmlns="" w="9525">
+              <a14:hiddenLine xmlns="" xmlns:a14="http://schemas.microsoft.com/office/drawing/2010/main" w="9525">
                 <a:solidFill>
                   <a:schemeClr val="tx1"/>
                 </a:solidFill>
@@ -15537,7 +15537,7 @@
               </a14:hiddenLine>
             </a:ext>
             <a:ext uri="{AF507438-7753-43e0-B8FC-AC1667EBCBE1}">
-              <a14:hiddenEffects xmlns:a14="http://schemas.microsoft.com/office/drawing/2010/main" xmlns="">
+              <a14:hiddenEffects xmlns="" xmlns:a14="http://schemas.microsoft.com/office/drawing/2010/main">
                 <a:effectLst>
                   <a:outerShdw blurRad="63500" dist="38099" dir="2700000" algn="ctr" rotWithShape="0">
                     <a:schemeClr val="bg2">
@@ -15592,12 +15592,12 @@
           <a:effectLst/>
           <a:extLst>
             <a:ext uri="{909E8E84-426E-40dd-AFC4-6F175D3DCCD1}">
-              <a14:hiddenFill xmlns:a14="http://schemas.microsoft.com/office/drawing/2010/main" xmlns="">
+              <a14:hiddenFill xmlns="" xmlns:a14="http://schemas.microsoft.com/office/drawing/2010/main">
                 <a:noFill/>
               </a14:hiddenFill>
             </a:ext>
             <a:ext uri="{AF507438-7753-43e0-B8FC-AC1667EBCBE1}">
-              <a14:hiddenEffects xmlns:a14="http://schemas.microsoft.com/office/drawing/2010/main" xmlns="">
+              <a14:hiddenEffects xmlns="" xmlns:a14="http://schemas.microsoft.com/office/drawing/2010/main">
                 <a:effectLst>
                   <a:outerShdw blurRad="63500" dist="38099" dir="2700000" algn="ctr" rotWithShape="0">
                     <a:schemeClr val="bg2">
@@ -15640,14 +15640,14 @@
           <a:effectLst/>
           <a:extLst>
             <a:ext uri="{909E8E84-426E-40dd-AFC4-6F175D3DCCD1}">
-              <a14:hiddenFill xmlns:a14="http://schemas.microsoft.com/office/drawing/2010/main" xmlns="">
+              <a14:hiddenFill xmlns="" xmlns:a14="http://schemas.microsoft.com/office/drawing/2010/main">
                 <a:solidFill>
                   <a:schemeClr val="accent1"/>
                 </a:solidFill>
               </a14:hiddenFill>
             </a:ext>
             <a:ext uri="{91240B29-F687-4f45-9708-019B960494DF}">
-              <a14:hiddenLine xmlns:a14="http://schemas.microsoft.com/office/drawing/2010/main" xmlns="" w="9525">
+              <a14:hiddenLine xmlns="" xmlns:a14="http://schemas.microsoft.com/office/drawing/2010/main" w="9525">
                 <a:solidFill>
                   <a:schemeClr val="tx1"/>
                 </a:solidFill>
@@ -15657,7 +15657,7 @@
               </a14:hiddenLine>
             </a:ext>
             <a:ext uri="{AF507438-7753-43e0-B8FC-AC1667EBCBE1}">
-              <a14:hiddenEffects xmlns:a14="http://schemas.microsoft.com/office/drawing/2010/main" xmlns="">
+              <a14:hiddenEffects xmlns="" xmlns:a14="http://schemas.microsoft.com/office/drawing/2010/main">
                 <a:effectLst>
                   <a:outerShdw blurRad="63500" dist="38099" dir="2700000" algn="ctr" rotWithShape="0">
                     <a:schemeClr val="bg2">
@@ -15712,12 +15712,12 @@
           <a:effectLst/>
           <a:extLst>
             <a:ext uri="{909E8E84-426E-40dd-AFC4-6F175D3DCCD1}">
-              <a14:hiddenFill xmlns:a14="http://schemas.microsoft.com/office/drawing/2010/main" xmlns="">
+              <a14:hiddenFill xmlns="" xmlns:a14="http://schemas.microsoft.com/office/drawing/2010/main">
                 <a:noFill/>
               </a14:hiddenFill>
             </a:ext>
             <a:ext uri="{AF507438-7753-43e0-B8FC-AC1667EBCBE1}">
-              <a14:hiddenEffects xmlns:a14="http://schemas.microsoft.com/office/drawing/2010/main" xmlns="">
+              <a14:hiddenEffects xmlns="" xmlns:a14="http://schemas.microsoft.com/office/drawing/2010/main">
                 <a:effectLst>
                   <a:outerShdw blurRad="63500" dist="38099" dir="2700000" algn="ctr" rotWithShape="0">
                     <a:schemeClr val="bg2">
@@ -15760,14 +15760,14 @@
           <a:effectLst/>
           <a:extLst>
             <a:ext uri="{909E8E84-426E-40dd-AFC4-6F175D3DCCD1}">
-              <a14:hiddenFill xmlns:a14="http://schemas.microsoft.com/office/drawing/2010/main" xmlns="">
+              <a14:hiddenFill xmlns="" xmlns:a14="http://schemas.microsoft.com/office/drawing/2010/main">
                 <a:solidFill>
                   <a:schemeClr val="accent1"/>
                 </a:solidFill>
               </a14:hiddenFill>
             </a:ext>
             <a:ext uri="{91240B29-F687-4f45-9708-019B960494DF}">
-              <a14:hiddenLine xmlns:a14="http://schemas.microsoft.com/office/drawing/2010/main" xmlns="" w="9525">
+              <a14:hiddenLine xmlns="" xmlns:a14="http://schemas.microsoft.com/office/drawing/2010/main" w="9525">
                 <a:solidFill>
                   <a:schemeClr val="tx1"/>
                 </a:solidFill>
@@ -15777,7 +15777,7 @@
               </a14:hiddenLine>
             </a:ext>
             <a:ext uri="{AF507438-7753-43e0-B8FC-AC1667EBCBE1}">
-              <a14:hiddenEffects xmlns:a14="http://schemas.microsoft.com/office/drawing/2010/main" xmlns="">
+              <a14:hiddenEffects xmlns="" xmlns:a14="http://schemas.microsoft.com/office/drawing/2010/main">
                 <a:effectLst>
                   <a:outerShdw blurRad="63500" dist="38099" dir="2700000" algn="ctr" rotWithShape="0">
                     <a:schemeClr val="bg2">
@@ -15832,12 +15832,12 @@
           <a:effectLst/>
           <a:extLst>
             <a:ext uri="{909E8E84-426E-40dd-AFC4-6F175D3DCCD1}">
-              <a14:hiddenFill xmlns:a14="http://schemas.microsoft.com/office/drawing/2010/main" xmlns="">
+              <a14:hiddenFill xmlns="" xmlns:a14="http://schemas.microsoft.com/office/drawing/2010/main">
                 <a:noFill/>
               </a14:hiddenFill>
             </a:ext>
             <a:ext uri="{AF507438-7753-43e0-B8FC-AC1667EBCBE1}">
-              <a14:hiddenEffects xmlns:a14="http://schemas.microsoft.com/office/drawing/2010/main" xmlns="">
+              <a14:hiddenEffects xmlns="" xmlns:a14="http://schemas.microsoft.com/office/drawing/2010/main">
                 <a:effectLst>
                   <a:outerShdw blurRad="63500" dist="38099" dir="2700000" algn="ctr" rotWithShape="0">
                     <a:schemeClr val="bg2">
@@ -15880,14 +15880,14 @@
           <a:effectLst/>
           <a:extLst>
             <a:ext uri="{909E8E84-426E-40dd-AFC4-6F175D3DCCD1}">
-              <a14:hiddenFill xmlns:a14="http://schemas.microsoft.com/office/drawing/2010/main" xmlns="">
+              <a14:hiddenFill xmlns="" xmlns:a14="http://schemas.microsoft.com/office/drawing/2010/main">
                 <a:solidFill>
                   <a:schemeClr val="accent1"/>
                 </a:solidFill>
               </a14:hiddenFill>
             </a:ext>
             <a:ext uri="{91240B29-F687-4f45-9708-019B960494DF}">
-              <a14:hiddenLine xmlns:a14="http://schemas.microsoft.com/office/drawing/2010/main" xmlns="" w="9525">
+              <a14:hiddenLine xmlns="" xmlns:a14="http://schemas.microsoft.com/office/drawing/2010/main" w="9525">
                 <a:solidFill>
                   <a:schemeClr val="tx1"/>
                 </a:solidFill>
@@ -15897,7 +15897,7 @@
               </a14:hiddenLine>
             </a:ext>
             <a:ext uri="{AF507438-7753-43e0-B8FC-AC1667EBCBE1}">
-              <a14:hiddenEffects xmlns:a14="http://schemas.microsoft.com/office/drawing/2010/main" xmlns="">
+              <a14:hiddenEffects xmlns="" xmlns:a14="http://schemas.microsoft.com/office/drawing/2010/main">
                 <a:effectLst>
                   <a:outerShdw blurRad="63500" dist="38099" dir="2700000" algn="ctr" rotWithShape="0">
                     <a:schemeClr val="bg2">
@@ -15952,12 +15952,12 @@
           <a:effectLst/>
           <a:extLst>
             <a:ext uri="{909E8E84-426E-40dd-AFC4-6F175D3DCCD1}">
-              <a14:hiddenFill xmlns:a14="http://schemas.microsoft.com/office/drawing/2010/main" xmlns="">
+              <a14:hiddenFill xmlns="" xmlns:a14="http://schemas.microsoft.com/office/drawing/2010/main">
                 <a:noFill/>
               </a14:hiddenFill>
             </a:ext>
             <a:ext uri="{AF507438-7753-43e0-B8FC-AC1667EBCBE1}">
-              <a14:hiddenEffects xmlns:a14="http://schemas.microsoft.com/office/drawing/2010/main" xmlns="">
+              <a14:hiddenEffects xmlns="" xmlns:a14="http://schemas.microsoft.com/office/drawing/2010/main">
                 <a:effectLst>
                   <a:outerShdw blurRad="63500" dist="38099" dir="2700000" algn="ctr" rotWithShape="0">
                     <a:schemeClr val="bg2">
@@ -16000,14 +16000,14 @@
           <a:effectLst/>
           <a:extLst>
             <a:ext uri="{909E8E84-426E-40dd-AFC4-6F175D3DCCD1}">
-              <a14:hiddenFill xmlns:a14="http://schemas.microsoft.com/office/drawing/2010/main" xmlns="">
+              <a14:hiddenFill xmlns="" xmlns:a14="http://schemas.microsoft.com/office/drawing/2010/main">
                 <a:solidFill>
                   <a:schemeClr val="accent1"/>
                 </a:solidFill>
               </a14:hiddenFill>
             </a:ext>
             <a:ext uri="{91240B29-F687-4f45-9708-019B960494DF}">
-              <a14:hiddenLine xmlns:a14="http://schemas.microsoft.com/office/drawing/2010/main" xmlns="" w="9525">
+              <a14:hiddenLine xmlns="" xmlns:a14="http://schemas.microsoft.com/office/drawing/2010/main" w="9525">
                 <a:solidFill>
                   <a:schemeClr val="tx1"/>
                 </a:solidFill>
@@ -16017,7 +16017,7 @@
               </a14:hiddenLine>
             </a:ext>
             <a:ext uri="{AF507438-7753-43e0-B8FC-AC1667EBCBE1}">
-              <a14:hiddenEffects xmlns:a14="http://schemas.microsoft.com/office/drawing/2010/main" xmlns="">
+              <a14:hiddenEffects xmlns="" xmlns:a14="http://schemas.microsoft.com/office/drawing/2010/main">
                 <a:effectLst>
                   <a:outerShdw blurRad="63500" dist="38099" dir="2700000" algn="ctr" rotWithShape="0">
                     <a:schemeClr val="bg2">
@@ -16072,12 +16072,12 @@
           <a:effectLst/>
           <a:extLst>
             <a:ext uri="{909E8E84-426E-40dd-AFC4-6F175D3DCCD1}">
-              <a14:hiddenFill xmlns:a14="http://schemas.microsoft.com/office/drawing/2010/main" xmlns="">
+              <a14:hiddenFill xmlns="" xmlns:a14="http://schemas.microsoft.com/office/drawing/2010/main">
                 <a:noFill/>
               </a14:hiddenFill>
             </a:ext>
             <a:ext uri="{AF507438-7753-43e0-B8FC-AC1667EBCBE1}">
-              <a14:hiddenEffects xmlns:a14="http://schemas.microsoft.com/office/drawing/2010/main" xmlns="">
+              <a14:hiddenEffects xmlns="" xmlns:a14="http://schemas.microsoft.com/office/drawing/2010/main">
                 <a:effectLst>
                   <a:outerShdw blurRad="63500" dist="38099" dir="2700000" algn="ctr" rotWithShape="0">
                     <a:schemeClr val="bg2">
@@ -16120,14 +16120,14 @@
           <a:effectLst/>
           <a:extLst>
             <a:ext uri="{909E8E84-426E-40dd-AFC4-6F175D3DCCD1}">
-              <a14:hiddenFill xmlns:a14="http://schemas.microsoft.com/office/drawing/2010/main" xmlns="">
+              <a14:hiddenFill xmlns="" xmlns:a14="http://schemas.microsoft.com/office/drawing/2010/main">
                 <a:solidFill>
                   <a:schemeClr val="accent1"/>
                 </a:solidFill>
               </a14:hiddenFill>
             </a:ext>
             <a:ext uri="{91240B29-F687-4f45-9708-019B960494DF}">
-              <a14:hiddenLine xmlns:a14="http://schemas.microsoft.com/office/drawing/2010/main" xmlns="" w="9525">
+              <a14:hiddenLine xmlns="" xmlns:a14="http://schemas.microsoft.com/office/drawing/2010/main" w="9525">
                 <a:solidFill>
                   <a:schemeClr val="tx1"/>
                 </a:solidFill>
@@ -16137,7 +16137,7 @@
               </a14:hiddenLine>
             </a:ext>
             <a:ext uri="{AF507438-7753-43e0-B8FC-AC1667EBCBE1}">
-              <a14:hiddenEffects xmlns:a14="http://schemas.microsoft.com/office/drawing/2010/main" xmlns="">
+              <a14:hiddenEffects xmlns="" xmlns:a14="http://schemas.microsoft.com/office/drawing/2010/main">
                 <a:effectLst>
                   <a:outerShdw blurRad="63500" dist="38099" dir="2700000" algn="ctr" rotWithShape="0">
                     <a:schemeClr val="bg2">
@@ -16192,12 +16192,12 @@
           <a:effectLst/>
           <a:extLst>
             <a:ext uri="{909E8E84-426E-40dd-AFC4-6F175D3DCCD1}">
-              <a14:hiddenFill xmlns:a14="http://schemas.microsoft.com/office/drawing/2010/main" xmlns="">
+              <a14:hiddenFill xmlns="" xmlns:a14="http://schemas.microsoft.com/office/drawing/2010/main">
                 <a:noFill/>
               </a14:hiddenFill>
             </a:ext>
             <a:ext uri="{AF507438-7753-43e0-B8FC-AC1667EBCBE1}">
-              <a14:hiddenEffects xmlns:a14="http://schemas.microsoft.com/office/drawing/2010/main" xmlns="">
+              <a14:hiddenEffects xmlns="" xmlns:a14="http://schemas.microsoft.com/office/drawing/2010/main">
                 <a:effectLst>
                   <a:outerShdw blurRad="63500" dist="38099" dir="2700000" algn="ctr" rotWithShape="0">
                     <a:schemeClr val="bg2">
@@ -16240,14 +16240,14 @@
           <a:effectLst/>
           <a:extLst>
             <a:ext uri="{909E8E84-426E-40dd-AFC4-6F175D3DCCD1}">
-              <a14:hiddenFill xmlns:a14="http://schemas.microsoft.com/office/drawing/2010/main" xmlns="">
+              <a14:hiddenFill xmlns="" xmlns:a14="http://schemas.microsoft.com/office/drawing/2010/main">
                 <a:solidFill>
                   <a:schemeClr val="accent1"/>
                 </a:solidFill>
               </a14:hiddenFill>
             </a:ext>
             <a:ext uri="{91240B29-F687-4f45-9708-019B960494DF}">
-              <a14:hiddenLine xmlns:a14="http://schemas.microsoft.com/office/drawing/2010/main" xmlns="" w="9525">
+              <a14:hiddenLine xmlns="" xmlns:a14="http://schemas.microsoft.com/office/drawing/2010/main" w="9525">
                 <a:solidFill>
                   <a:schemeClr val="tx1"/>
                 </a:solidFill>
@@ -16257,7 +16257,7 @@
               </a14:hiddenLine>
             </a:ext>
             <a:ext uri="{AF507438-7753-43e0-B8FC-AC1667EBCBE1}">
-              <a14:hiddenEffects xmlns:a14="http://schemas.microsoft.com/office/drawing/2010/main" xmlns="">
+              <a14:hiddenEffects xmlns="" xmlns:a14="http://schemas.microsoft.com/office/drawing/2010/main">
                 <a:effectLst>
                   <a:outerShdw blurRad="63500" dist="38099" dir="2700000" algn="ctr" rotWithShape="0">
                     <a:schemeClr val="bg2">
@@ -16420,14 +16420,14 @@
           <a:effectLst/>
           <a:extLst>
             <a:ext uri="{909E8E84-426E-40dd-AFC4-6F175D3DCCD1}">
-              <a14:hiddenFill xmlns:a14="http://schemas.microsoft.com/office/drawing/2010/main" xmlns="">
+              <a14:hiddenFill xmlns="" xmlns:a14="http://schemas.microsoft.com/office/drawing/2010/main">
                 <a:solidFill>
                   <a:schemeClr val="accent1"/>
                 </a:solidFill>
               </a14:hiddenFill>
             </a:ext>
             <a:ext uri="{AF507438-7753-43e0-B8FC-AC1667EBCBE1}">
-              <a14:hiddenEffects xmlns:a14="http://schemas.microsoft.com/office/drawing/2010/main" xmlns="">
+              <a14:hiddenEffects xmlns="" xmlns:a14="http://schemas.microsoft.com/office/drawing/2010/main">
                 <a:effectLst>
                   <a:outerShdw blurRad="63500" dist="38099" dir="2700000" algn="ctr" rotWithShape="0">
                     <a:schemeClr val="bg2">
@@ -16470,14 +16470,14 @@
           <a:effectLst/>
           <a:extLst>
             <a:ext uri="{909E8E84-426E-40dd-AFC4-6F175D3DCCD1}">
-              <a14:hiddenFill xmlns:a14="http://schemas.microsoft.com/office/drawing/2010/main" xmlns="">
+              <a14:hiddenFill xmlns="" xmlns:a14="http://schemas.microsoft.com/office/drawing/2010/main">
                 <a:solidFill>
                   <a:schemeClr val="accent1"/>
                 </a:solidFill>
               </a14:hiddenFill>
             </a:ext>
             <a:ext uri="{91240B29-F687-4f45-9708-019B960494DF}">
-              <a14:hiddenLine xmlns:a14="http://schemas.microsoft.com/office/drawing/2010/main" xmlns="" w="9525">
+              <a14:hiddenLine xmlns="" xmlns:a14="http://schemas.microsoft.com/office/drawing/2010/main" w="9525">
                 <a:solidFill>
                   <a:schemeClr val="tx1"/>
                 </a:solidFill>
@@ -16487,7 +16487,7 @@
               </a14:hiddenLine>
             </a:ext>
             <a:ext uri="{AF507438-7753-43e0-B8FC-AC1667EBCBE1}">
-              <a14:hiddenEffects xmlns:a14="http://schemas.microsoft.com/office/drawing/2010/main" xmlns="">
+              <a14:hiddenEffects xmlns="" xmlns:a14="http://schemas.microsoft.com/office/drawing/2010/main">
                 <a:effectLst>
                   <a:outerShdw blurRad="63500" dist="38099" dir="2700000" algn="ctr" rotWithShape="0">
                     <a:schemeClr val="bg2">
@@ -16542,14 +16542,14 @@
           <a:effectLst/>
           <a:extLst>
             <a:ext uri="{909E8E84-426E-40dd-AFC4-6F175D3DCCD1}">
-              <a14:hiddenFill xmlns:a14="http://schemas.microsoft.com/office/drawing/2010/main" xmlns="">
+              <a14:hiddenFill xmlns="" xmlns:a14="http://schemas.microsoft.com/office/drawing/2010/main">
                 <a:solidFill>
                   <a:schemeClr val="accent1"/>
                 </a:solidFill>
               </a14:hiddenFill>
             </a:ext>
             <a:ext uri="{AF507438-7753-43e0-B8FC-AC1667EBCBE1}">
-              <a14:hiddenEffects xmlns:a14="http://schemas.microsoft.com/office/drawing/2010/main" xmlns="">
+              <a14:hiddenEffects xmlns="" xmlns:a14="http://schemas.microsoft.com/office/drawing/2010/main">
                 <a:effectLst>
                   <a:outerShdw blurRad="63500" dist="38099" dir="2700000" algn="ctr" rotWithShape="0">
                     <a:schemeClr val="bg2">
@@ -16630,12 +16630,12 @@
           <a:effectLst/>
           <a:extLst>
             <a:ext uri="{909E8E84-426E-40dd-AFC4-6F175D3DCCD1}">
-              <a14:hiddenFill xmlns:a14="http://schemas.microsoft.com/office/drawing/2010/main" xmlns="">
+              <a14:hiddenFill xmlns="" xmlns:a14="http://schemas.microsoft.com/office/drawing/2010/main">
                 <a:noFill/>
               </a14:hiddenFill>
             </a:ext>
             <a:ext uri="{AF507438-7753-43e0-B8FC-AC1667EBCBE1}">
-              <a14:hiddenEffects xmlns:a14="http://schemas.microsoft.com/office/drawing/2010/main" xmlns="">
+              <a14:hiddenEffects xmlns="" xmlns:a14="http://schemas.microsoft.com/office/drawing/2010/main">
                 <a:effectLst>
                   <a:outerShdw blurRad="63500" dist="38099" dir="2700000" algn="ctr" rotWithShape="0">
                     <a:schemeClr val="bg2">
@@ -16694,12 +16694,12 @@
           <a:effectLst/>
           <a:extLst>
             <a:ext uri="{909E8E84-426E-40dd-AFC4-6F175D3DCCD1}">
-              <a14:hiddenFill xmlns:a14="http://schemas.microsoft.com/office/drawing/2010/main" xmlns="">
+              <a14:hiddenFill xmlns="" xmlns:a14="http://schemas.microsoft.com/office/drawing/2010/main">
                 <a:noFill/>
               </a14:hiddenFill>
             </a:ext>
             <a:ext uri="{AF507438-7753-43e0-B8FC-AC1667EBCBE1}">
-              <a14:hiddenEffects xmlns:a14="http://schemas.microsoft.com/office/drawing/2010/main" xmlns="">
+              <a14:hiddenEffects xmlns="" xmlns:a14="http://schemas.microsoft.com/office/drawing/2010/main">
                 <a:effectLst>
                   <a:outerShdw blurRad="63500" dist="38099" dir="2700000" algn="ctr" rotWithShape="0">
                     <a:schemeClr val="bg2">
@@ -16751,14 +16751,14 @@
           <a:effectLst/>
           <a:extLst>
             <a:ext uri="{909E8E84-426E-40dd-AFC4-6F175D3DCCD1}">
-              <a14:hiddenFill xmlns:a14="http://schemas.microsoft.com/office/drawing/2010/main" xmlns="">
+              <a14:hiddenFill xmlns="" xmlns:a14="http://schemas.microsoft.com/office/drawing/2010/main">
                 <a:solidFill>
                   <a:schemeClr val="accent1"/>
                 </a:solidFill>
               </a14:hiddenFill>
             </a:ext>
             <a:ext uri="{91240B29-F687-4f45-9708-019B960494DF}">
-              <a14:hiddenLine xmlns:a14="http://schemas.microsoft.com/office/drawing/2010/main" xmlns="" w="9525">
+              <a14:hiddenLine xmlns="" xmlns:a14="http://schemas.microsoft.com/office/drawing/2010/main" w="9525">
                 <a:solidFill>
                   <a:schemeClr val="tx1"/>
                 </a:solidFill>
@@ -16768,7 +16768,7 @@
               </a14:hiddenLine>
             </a:ext>
             <a:ext uri="{AF507438-7753-43e0-B8FC-AC1667EBCBE1}">
-              <a14:hiddenEffects xmlns:a14="http://schemas.microsoft.com/office/drawing/2010/main" xmlns="">
+              <a14:hiddenEffects xmlns="" xmlns:a14="http://schemas.microsoft.com/office/drawing/2010/main">
                 <a:effectLst>
                   <a:outerShdw blurRad="63500" dist="38099" dir="2700000" algn="ctr" rotWithShape="0">
                     <a:schemeClr val="bg2">
@@ -16824,14 +16824,14 @@
           <a:effectLst/>
           <a:extLst>
             <a:ext uri="{909E8E84-426E-40dd-AFC4-6F175D3DCCD1}">
-              <a14:hiddenFill xmlns:a14="http://schemas.microsoft.com/office/drawing/2010/main" xmlns="">
+              <a14:hiddenFill xmlns="" xmlns:a14="http://schemas.microsoft.com/office/drawing/2010/main">
                 <a:solidFill>
                   <a:schemeClr val="accent1"/>
                 </a:solidFill>
               </a14:hiddenFill>
             </a:ext>
             <a:ext uri="{91240B29-F687-4f45-9708-019B960494DF}">
-              <a14:hiddenLine xmlns:a14="http://schemas.microsoft.com/office/drawing/2010/main" xmlns="" w="9525">
+              <a14:hiddenLine xmlns="" xmlns:a14="http://schemas.microsoft.com/office/drawing/2010/main" w="9525">
                 <a:solidFill>
                   <a:schemeClr val="tx1"/>
                 </a:solidFill>
@@ -16841,7 +16841,7 @@
               </a14:hiddenLine>
             </a:ext>
             <a:ext uri="{AF507438-7753-43e0-B8FC-AC1667EBCBE1}">
-              <a14:hiddenEffects xmlns:a14="http://schemas.microsoft.com/office/drawing/2010/main" xmlns="">
+              <a14:hiddenEffects xmlns="" xmlns:a14="http://schemas.microsoft.com/office/drawing/2010/main">
                 <a:effectLst>
                   <a:outerShdw blurRad="63500" dist="38099" dir="2700000" algn="ctr" rotWithShape="0">
                     <a:schemeClr val="bg2">
@@ -16928,14 +16928,14 @@
           <a:effectLst/>
           <a:extLst>
             <a:ext uri="{909E8E84-426E-40dd-AFC4-6F175D3DCCD1}">
-              <a14:hiddenFill xmlns:a14="http://schemas.microsoft.com/office/drawing/2010/main" xmlns="">
+              <a14:hiddenFill xmlns="" xmlns:a14="http://schemas.microsoft.com/office/drawing/2010/main">
                 <a:solidFill>
                   <a:schemeClr val="accent1"/>
                 </a:solidFill>
               </a14:hiddenFill>
             </a:ext>
             <a:ext uri="{91240B29-F687-4f45-9708-019B960494DF}">
-              <a14:hiddenLine xmlns:a14="http://schemas.microsoft.com/office/drawing/2010/main" xmlns="" w="9525">
+              <a14:hiddenLine xmlns="" xmlns:a14="http://schemas.microsoft.com/office/drawing/2010/main" w="9525">
                 <a:solidFill>
                   <a:schemeClr val="tx1"/>
                 </a:solidFill>
@@ -16945,7 +16945,7 @@
               </a14:hiddenLine>
             </a:ext>
             <a:ext uri="{AF507438-7753-43e0-B8FC-AC1667EBCBE1}">
-              <a14:hiddenEffects xmlns:a14="http://schemas.microsoft.com/office/drawing/2010/main" xmlns="">
+              <a14:hiddenEffects xmlns="" xmlns:a14="http://schemas.microsoft.com/office/drawing/2010/main">
                 <a:effectLst>
                   <a:outerShdw blurRad="63500" dist="38099" dir="2700000" algn="ctr" rotWithShape="0">
                     <a:schemeClr val="bg2">
@@ -17116,14 +17116,14 @@
           <a:effectLst/>
           <a:extLst>
             <a:ext uri="{909E8E84-426E-40dd-AFC4-6F175D3DCCD1}">
-              <a14:hiddenFill xmlns:a14="http://schemas.microsoft.com/office/drawing/2010/main" xmlns="">
+              <a14:hiddenFill xmlns="" xmlns:a14="http://schemas.microsoft.com/office/drawing/2010/main">
                 <a:solidFill>
                   <a:schemeClr val="accent1"/>
                 </a:solidFill>
               </a14:hiddenFill>
             </a:ext>
             <a:ext uri="{AF507438-7753-43e0-B8FC-AC1667EBCBE1}">
-              <a14:hiddenEffects xmlns:a14="http://schemas.microsoft.com/office/drawing/2010/main" xmlns="">
+              <a14:hiddenEffects xmlns="" xmlns:a14="http://schemas.microsoft.com/office/drawing/2010/main">
                 <a:effectLst>
                   <a:outerShdw blurRad="63500" dist="38099" dir="2700000" algn="ctr" rotWithShape="0">
                     <a:schemeClr val="bg2">
@@ -17208,14 +17208,14 @@
           <a:effectLst/>
           <a:extLst>
             <a:ext uri="{909E8E84-426E-40dd-AFC4-6F175D3DCCD1}">
-              <a14:hiddenFill xmlns:a14="http://schemas.microsoft.com/office/drawing/2010/main" xmlns="">
+              <a14:hiddenFill xmlns="" xmlns:a14="http://schemas.microsoft.com/office/drawing/2010/main">
                 <a:solidFill>
                   <a:schemeClr val="accent1"/>
                 </a:solidFill>
               </a14:hiddenFill>
             </a:ext>
             <a:ext uri="{AF507438-7753-43e0-B8FC-AC1667EBCBE1}">
-              <a14:hiddenEffects xmlns:a14="http://schemas.microsoft.com/office/drawing/2010/main" xmlns="">
+              <a14:hiddenEffects xmlns="" xmlns:a14="http://schemas.microsoft.com/office/drawing/2010/main">
                 <a:effectLst>
                   <a:outerShdw blurRad="63500" dist="38099" dir="2700000" algn="ctr" rotWithShape="0">
                     <a:schemeClr val="bg2">
@@ -17294,14 +17294,14 @@
           <a:effectLst/>
           <a:extLst>
             <a:ext uri="{909E8E84-426E-40dd-AFC4-6F175D3DCCD1}">
-              <a14:hiddenFill xmlns:a14="http://schemas.microsoft.com/office/drawing/2010/main" xmlns="">
+              <a14:hiddenFill xmlns="" xmlns:a14="http://schemas.microsoft.com/office/drawing/2010/main">
                 <a:solidFill>
                   <a:schemeClr val="accent1"/>
                 </a:solidFill>
               </a14:hiddenFill>
             </a:ext>
             <a:ext uri="{AF507438-7753-43e0-B8FC-AC1667EBCBE1}">
-              <a14:hiddenEffects xmlns:a14="http://schemas.microsoft.com/office/drawing/2010/main" xmlns="">
+              <a14:hiddenEffects xmlns="" xmlns:a14="http://schemas.microsoft.com/office/drawing/2010/main">
                 <a:effectLst>
                   <a:outerShdw blurRad="63500" dist="38099" dir="2700000" algn="ctr" rotWithShape="0">
                     <a:schemeClr val="bg2">
@@ -17380,14 +17380,14 @@
           <a:effectLst/>
           <a:extLst>
             <a:ext uri="{909E8E84-426E-40dd-AFC4-6F175D3DCCD1}">
-              <a14:hiddenFill xmlns:a14="http://schemas.microsoft.com/office/drawing/2010/main" xmlns="">
+              <a14:hiddenFill xmlns="" xmlns:a14="http://schemas.microsoft.com/office/drawing/2010/main">
                 <a:solidFill>
                   <a:schemeClr val="accent1"/>
                 </a:solidFill>
               </a14:hiddenFill>
             </a:ext>
             <a:ext uri="{AF507438-7753-43e0-B8FC-AC1667EBCBE1}">
-              <a14:hiddenEffects xmlns:a14="http://schemas.microsoft.com/office/drawing/2010/main" xmlns="">
+              <a14:hiddenEffects xmlns="" xmlns:a14="http://schemas.microsoft.com/office/drawing/2010/main">
                 <a:effectLst>
                   <a:outerShdw blurRad="63500" dist="38099" dir="2700000" algn="ctr" rotWithShape="0">
                     <a:schemeClr val="bg2">
@@ -17466,14 +17466,14 @@
           <a:effectLst/>
           <a:extLst>
             <a:ext uri="{909E8E84-426E-40dd-AFC4-6F175D3DCCD1}">
-              <a14:hiddenFill xmlns:a14="http://schemas.microsoft.com/office/drawing/2010/main" xmlns="">
+              <a14:hiddenFill xmlns="" xmlns:a14="http://schemas.microsoft.com/office/drawing/2010/main">
                 <a:solidFill>
                   <a:schemeClr val="accent1"/>
                 </a:solidFill>
               </a14:hiddenFill>
             </a:ext>
             <a:ext uri="{AF507438-7753-43e0-B8FC-AC1667EBCBE1}">
-              <a14:hiddenEffects xmlns:a14="http://schemas.microsoft.com/office/drawing/2010/main" xmlns="">
+              <a14:hiddenEffects xmlns="" xmlns:a14="http://schemas.microsoft.com/office/drawing/2010/main">
                 <a:effectLst>
                   <a:outerShdw blurRad="63500" dist="38099" dir="2700000" algn="ctr" rotWithShape="0">
                     <a:schemeClr val="bg2">
@@ -17552,14 +17552,14 @@
           <a:effectLst/>
           <a:extLst>
             <a:ext uri="{909E8E84-426E-40dd-AFC4-6F175D3DCCD1}">
-              <a14:hiddenFill xmlns:a14="http://schemas.microsoft.com/office/drawing/2010/main" xmlns="">
+              <a14:hiddenFill xmlns="" xmlns:a14="http://schemas.microsoft.com/office/drawing/2010/main">
                 <a:solidFill>
                   <a:schemeClr val="accent1"/>
                 </a:solidFill>
               </a14:hiddenFill>
             </a:ext>
             <a:ext uri="{AF507438-7753-43e0-B8FC-AC1667EBCBE1}">
-              <a14:hiddenEffects xmlns:a14="http://schemas.microsoft.com/office/drawing/2010/main" xmlns="">
+              <a14:hiddenEffects xmlns="" xmlns:a14="http://schemas.microsoft.com/office/drawing/2010/main">
                 <a:effectLst>
                   <a:outerShdw blurRad="63500" dist="38099" dir="2700000" algn="ctr" rotWithShape="0">
                     <a:schemeClr val="bg2">
@@ -17638,12 +17638,12 @@
           <a:effectLst/>
           <a:extLst>
             <a:ext uri="{909E8E84-426E-40dd-AFC4-6F175D3DCCD1}">
-              <a14:hiddenFill xmlns:a14="http://schemas.microsoft.com/office/drawing/2010/main" xmlns="">
+              <a14:hiddenFill xmlns="" xmlns:a14="http://schemas.microsoft.com/office/drawing/2010/main">
                 <a:noFill/>
               </a14:hiddenFill>
             </a:ext>
             <a:ext uri="{AF507438-7753-43e0-B8FC-AC1667EBCBE1}">
-              <a14:hiddenEffects xmlns:a14="http://schemas.microsoft.com/office/drawing/2010/main" xmlns="">
+              <a14:hiddenEffects xmlns="" xmlns:a14="http://schemas.microsoft.com/office/drawing/2010/main">
                 <a:effectLst>
                   <a:outerShdw blurRad="63500" dist="38099" dir="2700000" algn="ctr" rotWithShape="0">
                     <a:schemeClr val="bg2">
@@ -17686,14 +17686,14 @@
           <a:effectLst/>
           <a:extLst>
             <a:ext uri="{909E8E84-426E-40dd-AFC4-6F175D3DCCD1}">
-              <a14:hiddenFill xmlns:a14="http://schemas.microsoft.com/office/drawing/2010/main" xmlns="">
+              <a14:hiddenFill xmlns="" xmlns:a14="http://schemas.microsoft.com/office/drawing/2010/main">
                 <a:solidFill>
                   <a:schemeClr val="accent1"/>
                 </a:solidFill>
               </a14:hiddenFill>
             </a:ext>
             <a:ext uri="{91240B29-F687-4f45-9708-019B960494DF}">
-              <a14:hiddenLine xmlns:a14="http://schemas.microsoft.com/office/drawing/2010/main" xmlns="" w="9525">
+              <a14:hiddenLine xmlns="" xmlns:a14="http://schemas.microsoft.com/office/drawing/2010/main" w="9525">
                 <a:solidFill>
                   <a:schemeClr val="tx1"/>
                 </a:solidFill>
@@ -17703,7 +17703,7 @@
               </a14:hiddenLine>
             </a:ext>
             <a:ext uri="{AF507438-7753-43e0-B8FC-AC1667EBCBE1}">
-              <a14:hiddenEffects xmlns:a14="http://schemas.microsoft.com/office/drawing/2010/main" xmlns="">
+              <a14:hiddenEffects xmlns="" xmlns:a14="http://schemas.microsoft.com/office/drawing/2010/main">
                 <a:effectLst>
                   <a:outerShdw blurRad="63500" dist="38099" dir="2700000" algn="ctr" rotWithShape="0">
                     <a:schemeClr val="bg2">
@@ -17758,12 +17758,12 @@
           <a:effectLst/>
           <a:extLst>
             <a:ext uri="{909E8E84-426E-40dd-AFC4-6F175D3DCCD1}">
-              <a14:hiddenFill xmlns:a14="http://schemas.microsoft.com/office/drawing/2010/main" xmlns="">
+              <a14:hiddenFill xmlns="" xmlns:a14="http://schemas.microsoft.com/office/drawing/2010/main">
                 <a:noFill/>
               </a14:hiddenFill>
             </a:ext>
             <a:ext uri="{AF507438-7753-43e0-B8FC-AC1667EBCBE1}">
-              <a14:hiddenEffects xmlns:a14="http://schemas.microsoft.com/office/drawing/2010/main" xmlns="">
+              <a14:hiddenEffects xmlns="" xmlns:a14="http://schemas.microsoft.com/office/drawing/2010/main">
                 <a:effectLst>
                   <a:outerShdw blurRad="63500" dist="38099" dir="2700000" algn="ctr" rotWithShape="0">
                     <a:schemeClr val="bg2">
@@ -17806,14 +17806,14 @@
           <a:effectLst/>
           <a:extLst>
             <a:ext uri="{909E8E84-426E-40dd-AFC4-6F175D3DCCD1}">
-              <a14:hiddenFill xmlns:a14="http://schemas.microsoft.com/office/drawing/2010/main" xmlns="">
+              <a14:hiddenFill xmlns="" xmlns:a14="http://schemas.microsoft.com/office/drawing/2010/main">
                 <a:solidFill>
                   <a:schemeClr val="accent1"/>
                 </a:solidFill>
               </a14:hiddenFill>
             </a:ext>
             <a:ext uri="{91240B29-F687-4f45-9708-019B960494DF}">
-              <a14:hiddenLine xmlns:a14="http://schemas.microsoft.com/office/drawing/2010/main" xmlns="" w="9525">
+              <a14:hiddenLine xmlns="" xmlns:a14="http://schemas.microsoft.com/office/drawing/2010/main" w="9525">
                 <a:solidFill>
                   <a:schemeClr val="tx1"/>
                 </a:solidFill>
@@ -17823,7 +17823,7 @@
               </a14:hiddenLine>
             </a:ext>
             <a:ext uri="{AF507438-7753-43e0-B8FC-AC1667EBCBE1}">
-              <a14:hiddenEffects xmlns:a14="http://schemas.microsoft.com/office/drawing/2010/main" xmlns="">
+              <a14:hiddenEffects xmlns="" xmlns:a14="http://schemas.microsoft.com/office/drawing/2010/main">
                 <a:effectLst>
                   <a:outerShdw blurRad="63500" dist="38099" dir="2700000" algn="ctr" rotWithShape="0">
                     <a:schemeClr val="bg2">
@@ -17878,12 +17878,12 @@
           <a:effectLst/>
           <a:extLst>
             <a:ext uri="{909E8E84-426E-40dd-AFC4-6F175D3DCCD1}">
-              <a14:hiddenFill xmlns:a14="http://schemas.microsoft.com/office/drawing/2010/main" xmlns="">
+              <a14:hiddenFill xmlns="" xmlns:a14="http://schemas.microsoft.com/office/drawing/2010/main">
                 <a:noFill/>
               </a14:hiddenFill>
             </a:ext>
             <a:ext uri="{AF507438-7753-43e0-B8FC-AC1667EBCBE1}">
-              <a14:hiddenEffects xmlns:a14="http://schemas.microsoft.com/office/drawing/2010/main" xmlns="">
+              <a14:hiddenEffects xmlns="" xmlns:a14="http://schemas.microsoft.com/office/drawing/2010/main">
                 <a:effectLst>
                   <a:outerShdw blurRad="63500" dist="38099" dir="2700000" algn="ctr" rotWithShape="0">
                     <a:schemeClr val="bg2">
@@ -17926,14 +17926,14 @@
           <a:effectLst/>
           <a:extLst>
             <a:ext uri="{909E8E84-426E-40dd-AFC4-6F175D3DCCD1}">
-              <a14:hiddenFill xmlns:a14="http://schemas.microsoft.com/office/drawing/2010/main" xmlns="">
+              <a14:hiddenFill xmlns="" xmlns:a14="http://schemas.microsoft.com/office/drawing/2010/main">
                 <a:solidFill>
                   <a:schemeClr val="accent1"/>
                 </a:solidFill>
               </a14:hiddenFill>
             </a:ext>
             <a:ext uri="{91240B29-F687-4f45-9708-019B960494DF}">
-              <a14:hiddenLine xmlns:a14="http://schemas.microsoft.com/office/drawing/2010/main" xmlns="" w="9525">
+              <a14:hiddenLine xmlns="" xmlns:a14="http://schemas.microsoft.com/office/drawing/2010/main" w="9525">
                 <a:solidFill>
                   <a:schemeClr val="tx1"/>
                 </a:solidFill>
@@ -17943,7 +17943,7 @@
               </a14:hiddenLine>
             </a:ext>
             <a:ext uri="{AF507438-7753-43e0-B8FC-AC1667EBCBE1}">
-              <a14:hiddenEffects xmlns:a14="http://schemas.microsoft.com/office/drawing/2010/main" xmlns="">
+              <a14:hiddenEffects xmlns="" xmlns:a14="http://schemas.microsoft.com/office/drawing/2010/main">
                 <a:effectLst>
                   <a:outerShdw blurRad="63500" dist="38099" dir="2700000" algn="ctr" rotWithShape="0">
                     <a:schemeClr val="bg2">
@@ -17998,12 +17998,12 @@
           <a:effectLst/>
           <a:extLst>
             <a:ext uri="{909E8E84-426E-40dd-AFC4-6F175D3DCCD1}">
-              <a14:hiddenFill xmlns:a14="http://schemas.microsoft.com/office/drawing/2010/main" xmlns="">
+              <a14:hiddenFill xmlns="" xmlns:a14="http://schemas.microsoft.com/office/drawing/2010/main">
                 <a:noFill/>
               </a14:hiddenFill>
             </a:ext>
             <a:ext uri="{AF507438-7753-43e0-B8FC-AC1667EBCBE1}">
-              <a14:hiddenEffects xmlns:a14="http://schemas.microsoft.com/office/drawing/2010/main" xmlns="">
+              <a14:hiddenEffects xmlns="" xmlns:a14="http://schemas.microsoft.com/office/drawing/2010/main">
                 <a:effectLst>
                   <a:outerShdw blurRad="63500" dist="38099" dir="2700000" algn="ctr" rotWithShape="0">
                     <a:schemeClr val="bg2">
@@ -18046,14 +18046,14 @@
           <a:effectLst/>
           <a:extLst>
             <a:ext uri="{909E8E84-426E-40dd-AFC4-6F175D3DCCD1}">
-              <a14:hiddenFill xmlns:a14="http://schemas.microsoft.com/office/drawing/2010/main" xmlns="">
+              <a14:hiddenFill xmlns="" xmlns:a14="http://schemas.microsoft.com/office/drawing/2010/main">
                 <a:solidFill>
                   <a:schemeClr val="accent1"/>
                 </a:solidFill>
               </a14:hiddenFill>
             </a:ext>
             <a:ext uri="{91240B29-F687-4f45-9708-019B960494DF}">
-              <a14:hiddenLine xmlns:a14="http://schemas.microsoft.com/office/drawing/2010/main" xmlns="" w="9525">
+              <a14:hiddenLine xmlns="" xmlns:a14="http://schemas.microsoft.com/office/drawing/2010/main" w="9525">
                 <a:solidFill>
                   <a:schemeClr val="tx1"/>
                 </a:solidFill>
@@ -18063,7 +18063,7 @@
               </a14:hiddenLine>
             </a:ext>
             <a:ext uri="{AF507438-7753-43e0-B8FC-AC1667EBCBE1}">
-              <a14:hiddenEffects xmlns:a14="http://schemas.microsoft.com/office/drawing/2010/main" xmlns="">
+              <a14:hiddenEffects xmlns="" xmlns:a14="http://schemas.microsoft.com/office/drawing/2010/main">
                 <a:effectLst>
                   <a:outerShdw blurRad="63500" dist="38099" dir="2700000" algn="ctr" rotWithShape="0">
                     <a:schemeClr val="bg2">
@@ -18118,12 +18118,12 @@
           <a:effectLst/>
           <a:extLst>
             <a:ext uri="{909E8E84-426E-40dd-AFC4-6F175D3DCCD1}">
-              <a14:hiddenFill xmlns:a14="http://schemas.microsoft.com/office/drawing/2010/main" xmlns="">
+              <a14:hiddenFill xmlns="" xmlns:a14="http://schemas.microsoft.com/office/drawing/2010/main">
                 <a:noFill/>
               </a14:hiddenFill>
             </a:ext>
             <a:ext uri="{AF507438-7753-43e0-B8FC-AC1667EBCBE1}">
-              <a14:hiddenEffects xmlns:a14="http://schemas.microsoft.com/office/drawing/2010/main" xmlns="">
+              <a14:hiddenEffects xmlns="" xmlns:a14="http://schemas.microsoft.com/office/drawing/2010/main">
                 <a:effectLst>
                   <a:outerShdw blurRad="63500" dist="38099" dir="2700000" algn="ctr" rotWithShape="0">
                     <a:schemeClr val="bg2">
@@ -18166,14 +18166,14 @@
           <a:effectLst/>
           <a:extLst>
             <a:ext uri="{909E8E84-426E-40dd-AFC4-6F175D3DCCD1}">
-              <a14:hiddenFill xmlns:a14="http://schemas.microsoft.com/office/drawing/2010/main" xmlns="">
+              <a14:hiddenFill xmlns="" xmlns:a14="http://schemas.microsoft.com/office/drawing/2010/main">
                 <a:solidFill>
                   <a:schemeClr val="accent1"/>
                 </a:solidFill>
               </a14:hiddenFill>
             </a:ext>
             <a:ext uri="{91240B29-F687-4f45-9708-019B960494DF}">
-              <a14:hiddenLine xmlns:a14="http://schemas.microsoft.com/office/drawing/2010/main" xmlns="" w="9525">
+              <a14:hiddenLine xmlns="" xmlns:a14="http://schemas.microsoft.com/office/drawing/2010/main" w="9525">
                 <a:solidFill>
                   <a:schemeClr val="tx1"/>
                 </a:solidFill>
@@ -18183,7 +18183,7 @@
               </a14:hiddenLine>
             </a:ext>
             <a:ext uri="{AF507438-7753-43e0-B8FC-AC1667EBCBE1}">
-              <a14:hiddenEffects xmlns:a14="http://schemas.microsoft.com/office/drawing/2010/main" xmlns="">
+              <a14:hiddenEffects xmlns="" xmlns:a14="http://schemas.microsoft.com/office/drawing/2010/main">
                 <a:effectLst>
                   <a:outerShdw blurRad="63500" dist="38099" dir="2700000" algn="ctr" rotWithShape="0">
                     <a:schemeClr val="bg2">
@@ -18238,12 +18238,12 @@
           <a:effectLst/>
           <a:extLst>
             <a:ext uri="{909E8E84-426E-40dd-AFC4-6F175D3DCCD1}">
-              <a14:hiddenFill xmlns:a14="http://schemas.microsoft.com/office/drawing/2010/main" xmlns="">
+              <a14:hiddenFill xmlns="" xmlns:a14="http://schemas.microsoft.com/office/drawing/2010/main">
                 <a:noFill/>
               </a14:hiddenFill>
             </a:ext>
             <a:ext uri="{AF507438-7753-43e0-B8FC-AC1667EBCBE1}">
-              <a14:hiddenEffects xmlns:a14="http://schemas.microsoft.com/office/drawing/2010/main" xmlns="">
+              <a14:hiddenEffects xmlns="" xmlns:a14="http://schemas.microsoft.com/office/drawing/2010/main">
                 <a:effectLst>
                   <a:outerShdw blurRad="63500" dist="38099" dir="2700000" algn="ctr" rotWithShape="0">
                     <a:schemeClr val="bg2">
@@ -18286,14 +18286,14 @@
           <a:effectLst/>
           <a:extLst>
             <a:ext uri="{909E8E84-426E-40dd-AFC4-6F175D3DCCD1}">
-              <a14:hiddenFill xmlns:a14="http://schemas.microsoft.com/office/drawing/2010/main" xmlns="">
+              <a14:hiddenFill xmlns="" xmlns:a14="http://schemas.microsoft.com/office/drawing/2010/main">
                 <a:solidFill>
                   <a:schemeClr val="accent1"/>
                 </a:solidFill>
               </a14:hiddenFill>
             </a:ext>
             <a:ext uri="{91240B29-F687-4f45-9708-019B960494DF}">
-              <a14:hiddenLine xmlns:a14="http://schemas.microsoft.com/office/drawing/2010/main" xmlns="" w="9525">
+              <a14:hiddenLine xmlns="" xmlns:a14="http://schemas.microsoft.com/office/drawing/2010/main" w="9525">
                 <a:solidFill>
                   <a:schemeClr val="tx1"/>
                 </a:solidFill>
@@ -18303,7 +18303,7 @@
               </a14:hiddenLine>
             </a:ext>
             <a:ext uri="{AF507438-7753-43e0-B8FC-AC1667EBCBE1}">
-              <a14:hiddenEffects xmlns:a14="http://schemas.microsoft.com/office/drawing/2010/main" xmlns="">
+              <a14:hiddenEffects xmlns="" xmlns:a14="http://schemas.microsoft.com/office/drawing/2010/main">
                 <a:effectLst>
                   <a:outerShdw blurRad="63500" dist="38099" dir="2700000" algn="ctr" rotWithShape="0">
                     <a:schemeClr val="bg2">
@@ -18358,12 +18358,12 @@
           <a:effectLst/>
           <a:extLst>
             <a:ext uri="{909E8E84-426E-40dd-AFC4-6F175D3DCCD1}">
-              <a14:hiddenFill xmlns:a14="http://schemas.microsoft.com/office/drawing/2010/main" xmlns="">
+              <a14:hiddenFill xmlns="" xmlns:a14="http://schemas.microsoft.com/office/drawing/2010/main">
                 <a:noFill/>
               </a14:hiddenFill>
             </a:ext>
             <a:ext uri="{AF507438-7753-43e0-B8FC-AC1667EBCBE1}">
-              <a14:hiddenEffects xmlns:a14="http://schemas.microsoft.com/office/drawing/2010/main" xmlns="">
+              <a14:hiddenEffects xmlns="" xmlns:a14="http://schemas.microsoft.com/office/drawing/2010/main">
                 <a:effectLst>
                   <a:outerShdw blurRad="63500" dist="38099" dir="2700000" algn="ctr" rotWithShape="0">
                     <a:schemeClr val="bg2">
@@ -18406,14 +18406,14 @@
           <a:effectLst/>
           <a:extLst>
             <a:ext uri="{909E8E84-426E-40dd-AFC4-6F175D3DCCD1}">
-              <a14:hiddenFill xmlns:a14="http://schemas.microsoft.com/office/drawing/2010/main" xmlns="">
+              <a14:hiddenFill xmlns="" xmlns:a14="http://schemas.microsoft.com/office/drawing/2010/main">
                 <a:solidFill>
                   <a:schemeClr val="accent1"/>
                 </a:solidFill>
               </a14:hiddenFill>
             </a:ext>
             <a:ext uri="{91240B29-F687-4f45-9708-019B960494DF}">
-              <a14:hiddenLine xmlns:a14="http://schemas.microsoft.com/office/drawing/2010/main" xmlns="" w="9525">
+              <a14:hiddenLine xmlns="" xmlns:a14="http://schemas.microsoft.com/office/drawing/2010/main" w="9525">
                 <a:solidFill>
                   <a:schemeClr val="tx1"/>
                 </a:solidFill>
@@ -18423,7 +18423,7 @@
               </a14:hiddenLine>
             </a:ext>
             <a:ext uri="{AF507438-7753-43e0-B8FC-AC1667EBCBE1}">
-              <a14:hiddenEffects xmlns:a14="http://schemas.microsoft.com/office/drawing/2010/main" xmlns="">
+              <a14:hiddenEffects xmlns="" xmlns:a14="http://schemas.microsoft.com/office/drawing/2010/main">
                 <a:effectLst>
                   <a:outerShdw blurRad="63500" dist="38099" dir="2700000" algn="ctr" rotWithShape="0">
                     <a:schemeClr val="bg2">
@@ -18586,14 +18586,14 @@
           <a:effectLst/>
           <a:extLst>
             <a:ext uri="{909E8E84-426E-40dd-AFC4-6F175D3DCCD1}">
-              <a14:hiddenFill xmlns:a14="http://schemas.microsoft.com/office/drawing/2010/main" xmlns="">
+              <a14:hiddenFill xmlns="" xmlns:a14="http://schemas.microsoft.com/office/drawing/2010/main">
                 <a:solidFill>
                   <a:schemeClr val="accent1"/>
                 </a:solidFill>
               </a14:hiddenFill>
             </a:ext>
             <a:ext uri="{AF507438-7753-43e0-B8FC-AC1667EBCBE1}">
-              <a14:hiddenEffects xmlns:a14="http://schemas.microsoft.com/office/drawing/2010/main" xmlns="">
+              <a14:hiddenEffects xmlns="" xmlns:a14="http://schemas.microsoft.com/office/drawing/2010/main">
                 <a:effectLst>
                   <a:outerShdw blurRad="63500" dist="38099" dir="2700000" algn="ctr" rotWithShape="0">
                     <a:schemeClr val="bg2">
@@ -18636,14 +18636,14 @@
           <a:effectLst/>
           <a:extLst>
             <a:ext uri="{909E8E84-426E-40dd-AFC4-6F175D3DCCD1}">
-              <a14:hiddenFill xmlns:a14="http://schemas.microsoft.com/office/drawing/2010/main" xmlns="">
+              <a14:hiddenFill xmlns="" xmlns:a14="http://schemas.microsoft.com/office/drawing/2010/main">
                 <a:solidFill>
                   <a:schemeClr val="accent1"/>
                 </a:solidFill>
               </a14:hiddenFill>
             </a:ext>
             <a:ext uri="{91240B29-F687-4f45-9708-019B960494DF}">
-              <a14:hiddenLine xmlns:a14="http://schemas.microsoft.com/office/drawing/2010/main" xmlns="" w="9525">
+              <a14:hiddenLine xmlns="" xmlns:a14="http://schemas.microsoft.com/office/drawing/2010/main" w="9525">
                 <a:solidFill>
                   <a:schemeClr val="tx1"/>
                 </a:solidFill>
@@ -18653,7 +18653,7 @@
               </a14:hiddenLine>
             </a:ext>
             <a:ext uri="{AF507438-7753-43e0-B8FC-AC1667EBCBE1}">
-              <a14:hiddenEffects xmlns:a14="http://schemas.microsoft.com/office/drawing/2010/main" xmlns="">
+              <a14:hiddenEffects xmlns="" xmlns:a14="http://schemas.microsoft.com/office/drawing/2010/main">
                 <a:effectLst>
                   <a:outerShdw blurRad="63500" dist="38099" dir="2700000" algn="ctr" rotWithShape="0">
                     <a:schemeClr val="bg2">
@@ -18708,14 +18708,14 @@
           <a:effectLst/>
           <a:extLst>
             <a:ext uri="{909E8E84-426E-40dd-AFC4-6F175D3DCCD1}">
-              <a14:hiddenFill xmlns:a14="http://schemas.microsoft.com/office/drawing/2010/main" xmlns="">
+              <a14:hiddenFill xmlns="" xmlns:a14="http://schemas.microsoft.com/office/drawing/2010/main">
                 <a:solidFill>
                   <a:schemeClr val="accent1"/>
                 </a:solidFill>
               </a14:hiddenFill>
             </a:ext>
             <a:ext uri="{AF507438-7753-43e0-B8FC-AC1667EBCBE1}">
-              <a14:hiddenEffects xmlns:a14="http://schemas.microsoft.com/office/drawing/2010/main" xmlns="">
+              <a14:hiddenEffects xmlns="" xmlns:a14="http://schemas.microsoft.com/office/drawing/2010/main">
                 <a:effectLst>
                   <a:outerShdw blurRad="63500" dist="38099" dir="2700000" algn="ctr" rotWithShape="0">
                     <a:schemeClr val="bg2">
@@ -18820,14 +18820,14 @@
           <a:effectLst/>
           <a:extLst>
             <a:ext uri="{909E8E84-426E-40dd-AFC4-6F175D3DCCD1}">
-              <a14:hiddenFill xmlns:a14="http://schemas.microsoft.com/office/drawing/2010/main" xmlns="">
+              <a14:hiddenFill xmlns="" xmlns:a14="http://schemas.microsoft.com/office/drawing/2010/main">
                 <a:solidFill>
                   <a:schemeClr val="accent1"/>
                 </a:solidFill>
               </a14:hiddenFill>
             </a:ext>
             <a:ext uri="{91240B29-F687-4f45-9708-019B960494DF}">
-              <a14:hiddenLine xmlns:a14="http://schemas.microsoft.com/office/drawing/2010/main" xmlns="" w="9525">
+              <a14:hiddenLine xmlns="" xmlns:a14="http://schemas.microsoft.com/office/drawing/2010/main" w="9525">
                 <a:solidFill>
                   <a:schemeClr val="tx1"/>
                 </a:solidFill>
@@ -18837,7 +18837,7 @@
               </a14:hiddenLine>
             </a:ext>
             <a:ext uri="{AF507438-7753-43e0-B8FC-AC1667EBCBE1}">
-              <a14:hiddenEffects xmlns:a14="http://schemas.microsoft.com/office/drawing/2010/main" xmlns="">
+              <a14:hiddenEffects xmlns="" xmlns:a14="http://schemas.microsoft.com/office/drawing/2010/main">
                 <a:effectLst>
                   <a:outerShdw blurRad="63500" dist="38099" dir="2700000" algn="ctr" rotWithShape="0">
                     <a:schemeClr val="bg2">
@@ -19014,14 +19014,14 @@
           <a:effectLst/>
           <a:extLst>
             <a:ext uri="{909E8E84-426E-40dd-AFC4-6F175D3DCCD1}">
-              <a14:hiddenFill xmlns:a14="http://schemas.microsoft.com/office/drawing/2010/main" xmlns="">
+              <a14:hiddenFill xmlns="" xmlns:a14="http://schemas.microsoft.com/office/drawing/2010/main">
                 <a:solidFill>
                   <a:schemeClr val="accent1"/>
                 </a:solidFill>
               </a14:hiddenFill>
             </a:ext>
             <a:ext uri="{AF507438-7753-43e0-B8FC-AC1667EBCBE1}">
-              <a14:hiddenEffects xmlns:a14="http://schemas.microsoft.com/office/drawing/2010/main" xmlns="">
+              <a14:hiddenEffects xmlns="" xmlns:a14="http://schemas.microsoft.com/office/drawing/2010/main">
                 <a:effectLst>
                   <a:outerShdw blurRad="63500" dist="38099" dir="2700000" algn="ctr" rotWithShape="0">
                     <a:schemeClr val="bg2">
@@ -19106,14 +19106,14 @@
           <a:effectLst/>
           <a:extLst>
             <a:ext uri="{909E8E84-426E-40dd-AFC4-6F175D3DCCD1}">
-              <a14:hiddenFill xmlns:a14="http://schemas.microsoft.com/office/drawing/2010/main" xmlns="">
+              <a14:hiddenFill xmlns="" xmlns:a14="http://schemas.microsoft.com/office/drawing/2010/main">
                 <a:solidFill>
                   <a:schemeClr val="accent1"/>
                 </a:solidFill>
               </a14:hiddenFill>
             </a:ext>
             <a:ext uri="{AF507438-7753-43e0-B8FC-AC1667EBCBE1}">
-              <a14:hiddenEffects xmlns:a14="http://schemas.microsoft.com/office/drawing/2010/main" xmlns="">
+              <a14:hiddenEffects xmlns="" xmlns:a14="http://schemas.microsoft.com/office/drawing/2010/main">
                 <a:effectLst>
                   <a:outerShdw blurRad="63500" dist="38099" dir="2700000" algn="ctr" rotWithShape="0">
                     <a:schemeClr val="bg2">
@@ -19198,14 +19198,14 @@
           <a:effectLst/>
           <a:extLst>
             <a:ext uri="{909E8E84-426E-40dd-AFC4-6F175D3DCCD1}">
-              <a14:hiddenFill xmlns:a14="http://schemas.microsoft.com/office/drawing/2010/main" xmlns="">
+              <a14:hiddenFill xmlns="" xmlns:a14="http://schemas.microsoft.com/office/drawing/2010/main">
                 <a:solidFill>
                   <a:schemeClr val="accent1"/>
                 </a:solidFill>
               </a14:hiddenFill>
             </a:ext>
             <a:ext uri="{AF507438-7753-43e0-B8FC-AC1667EBCBE1}">
-              <a14:hiddenEffects xmlns:a14="http://schemas.microsoft.com/office/drawing/2010/main" xmlns="">
+              <a14:hiddenEffects xmlns="" xmlns:a14="http://schemas.microsoft.com/office/drawing/2010/main">
                 <a:effectLst>
                   <a:outerShdw blurRad="63500" dist="38099" dir="2700000" algn="ctr" rotWithShape="0">
                     <a:schemeClr val="bg2">
@@ -19284,14 +19284,14 @@
           <a:effectLst/>
           <a:extLst>
             <a:ext uri="{909E8E84-426E-40dd-AFC4-6F175D3DCCD1}">
-              <a14:hiddenFill xmlns:a14="http://schemas.microsoft.com/office/drawing/2010/main" xmlns="">
+              <a14:hiddenFill xmlns="" xmlns:a14="http://schemas.microsoft.com/office/drawing/2010/main">
                 <a:solidFill>
                   <a:schemeClr val="accent1"/>
                 </a:solidFill>
               </a14:hiddenFill>
             </a:ext>
             <a:ext uri="{AF507438-7753-43e0-B8FC-AC1667EBCBE1}">
-              <a14:hiddenEffects xmlns:a14="http://schemas.microsoft.com/office/drawing/2010/main" xmlns="">
+              <a14:hiddenEffects xmlns="" xmlns:a14="http://schemas.microsoft.com/office/drawing/2010/main">
                 <a:effectLst>
                   <a:outerShdw blurRad="63500" dist="38099" dir="2700000" algn="ctr" rotWithShape="0">
                     <a:schemeClr val="bg2">
@@ -19370,14 +19370,14 @@
           <a:effectLst/>
           <a:extLst>
             <a:ext uri="{909E8E84-426E-40dd-AFC4-6F175D3DCCD1}">
-              <a14:hiddenFill xmlns:a14="http://schemas.microsoft.com/office/drawing/2010/main" xmlns="">
+              <a14:hiddenFill xmlns="" xmlns:a14="http://schemas.microsoft.com/office/drawing/2010/main">
                 <a:solidFill>
                   <a:schemeClr val="accent1"/>
                 </a:solidFill>
               </a14:hiddenFill>
             </a:ext>
             <a:ext uri="{AF507438-7753-43e0-B8FC-AC1667EBCBE1}">
-              <a14:hiddenEffects xmlns:a14="http://schemas.microsoft.com/office/drawing/2010/main" xmlns="">
+              <a14:hiddenEffects xmlns="" xmlns:a14="http://schemas.microsoft.com/office/drawing/2010/main">
                 <a:effectLst>
                   <a:outerShdw blurRad="63500" dist="38099" dir="2700000" algn="ctr" rotWithShape="0">
                     <a:schemeClr val="bg2">
@@ -19456,14 +19456,14 @@
           <a:effectLst/>
           <a:extLst>
             <a:ext uri="{909E8E84-426E-40dd-AFC4-6F175D3DCCD1}">
-              <a14:hiddenFill xmlns:a14="http://schemas.microsoft.com/office/drawing/2010/main" xmlns="">
+              <a14:hiddenFill xmlns="" xmlns:a14="http://schemas.microsoft.com/office/drawing/2010/main">
                 <a:solidFill>
                   <a:schemeClr val="accent1"/>
                 </a:solidFill>
               </a14:hiddenFill>
             </a:ext>
             <a:ext uri="{AF507438-7753-43e0-B8FC-AC1667EBCBE1}">
-              <a14:hiddenEffects xmlns:a14="http://schemas.microsoft.com/office/drawing/2010/main" xmlns="">
+              <a14:hiddenEffects xmlns="" xmlns:a14="http://schemas.microsoft.com/office/drawing/2010/main">
                 <a:effectLst>
                   <a:outerShdw blurRad="63500" dist="38099" dir="2700000" algn="ctr" rotWithShape="0">
                     <a:schemeClr val="bg2">
@@ -19542,12 +19542,12 @@
           <a:effectLst/>
           <a:extLst>
             <a:ext uri="{909E8E84-426E-40dd-AFC4-6F175D3DCCD1}">
-              <a14:hiddenFill xmlns:a14="http://schemas.microsoft.com/office/drawing/2010/main" xmlns="">
+              <a14:hiddenFill xmlns="" xmlns:a14="http://schemas.microsoft.com/office/drawing/2010/main">
                 <a:noFill/>
               </a14:hiddenFill>
             </a:ext>
             <a:ext uri="{AF507438-7753-43e0-B8FC-AC1667EBCBE1}">
-              <a14:hiddenEffects xmlns:a14="http://schemas.microsoft.com/office/drawing/2010/main" xmlns="">
+              <a14:hiddenEffects xmlns="" xmlns:a14="http://schemas.microsoft.com/office/drawing/2010/main">
                 <a:effectLst>
                   <a:outerShdw blurRad="63500" dist="38099" dir="2700000" algn="ctr" rotWithShape="0">
                     <a:schemeClr val="bg2">
@@ -19590,14 +19590,14 @@
           <a:effectLst/>
           <a:extLst>
             <a:ext uri="{909E8E84-426E-40dd-AFC4-6F175D3DCCD1}">
-              <a14:hiddenFill xmlns:a14="http://schemas.microsoft.com/office/drawing/2010/main" xmlns="">
+              <a14:hiddenFill xmlns="" xmlns:a14="http://schemas.microsoft.com/office/drawing/2010/main">
                 <a:solidFill>
                   <a:schemeClr val="accent1"/>
                 </a:solidFill>
               </a14:hiddenFill>
             </a:ext>
             <a:ext uri="{91240B29-F687-4f45-9708-019B960494DF}">
-              <a14:hiddenLine xmlns:a14="http://schemas.microsoft.com/office/drawing/2010/main" xmlns="" w="9525">
+              <a14:hiddenLine xmlns="" xmlns:a14="http://schemas.microsoft.com/office/drawing/2010/main" w="9525">
                 <a:solidFill>
                   <a:schemeClr val="tx1"/>
                 </a:solidFill>
@@ -19607,7 +19607,7 @@
               </a14:hiddenLine>
             </a:ext>
             <a:ext uri="{AF507438-7753-43e0-B8FC-AC1667EBCBE1}">
-              <a14:hiddenEffects xmlns:a14="http://schemas.microsoft.com/office/drawing/2010/main" xmlns="">
+              <a14:hiddenEffects xmlns="" xmlns:a14="http://schemas.microsoft.com/office/drawing/2010/main">
                 <a:effectLst>
                   <a:outerShdw blurRad="63500" dist="38099" dir="2700000" algn="ctr" rotWithShape="0">
                     <a:schemeClr val="bg2">
@@ -19668,12 +19668,12 @@
           <a:effectLst/>
           <a:extLst>
             <a:ext uri="{909E8E84-426E-40dd-AFC4-6F175D3DCCD1}">
-              <a14:hiddenFill xmlns:a14="http://schemas.microsoft.com/office/drawing/2010/main" xmlns="">
+              <a14:hiddenFill xmlns="" xmlns:a14="http://schemas.microsoft.com/office/drawing/2010/main">
                 <a:noFill/>
               </a14:hiddenFill>
             </a:ext>
             <a:ext uri="{AF507438-7753-43e0-B8FC-AC1667EBCBE1}">
-              <a14:hiddenEffects xmlns:a14="http://schemas.microsoft.com/office/drawing/2010/main" xmlns="">
+              <a14:hiddenEffects xmlns="" xmlns:a14="http://schemas.microsoft.com/office/drawing/2010/main">
                 <a:effectLst>
                   <a:outerShdw blurRad="63500" dist="38099" dir="2700000" algn="ctr" rotWithShape="0">
                     <a:schemeClr val="bg2">
@@ -19716,14 +19716,14 @@
           <a:effectLst/>
           <a:extLst>
             <a:ext uri="{909E8E84-426E-40dd-AFC4-6F175D3DCCD1}">
-              <a14:hiddenFill xmlns:a14="http://schemas.microsoft.com/office/drawing/2010/main" xmlns="">
+              <a14:hiddenFill xmlns="" xmlns:a14="http://schemas.microsoft.com/office/drawing/2010/main">
                 <a:solidFill>
                   <a:schemeClr val="accent1"/>
                 </a:solidFill>
               </a14:hiddenFill>
             </a:ext>
             <a:ext uri="{91240B29-F687-4f45-9708-019B960494DF}">
-              <a14:hiddenLine xmlns:a14="http://schemas.microsoft.com/office/drawing/2010/main" xmlns="" w="9525">
+              <a14:hiddenLine xmlns="" xmlns:a14="http://schemas.microsoft.com/office/drawing/2010/main" w="9525">
                 <a:solidFill>
                   <a:schemeClr val="tx1"/>
                 </a:solidFill>
@@ -19733,7 +19733,7 @@
               </a14:hiddenLine>
             </a:ext>
             <a:ext uri="{AF507438-7753-43e0-B8FC-AC1667EBCBE1}">
-              <a14:hiddenEffects xmlns:a14="http://schemas.microsoft.com/office/drawing/2010/main" xmlns="">
+              <a14:hiddenEffects xmlns="" xmlns:a14="http://schemas.microsoft.com/office/drawing/2010/main">
                 <a:effectLst>
                   <a:outerShdw blurRad="63500" dist="38099" dir="2700000" algn="ctr" rotWithShape="0">
                     <a:schemeClr val="bg2">
@@ -19788,12 +19788,12 @@
           <a:effectLst/>
           <a:extLst>
             <a:ext uri="{909E8E84-426E-40dd-AFC4-6F175D3DCCD1}">
-              <a14:hiddenFill xmlns:a14="http://schemas.microsoft.com/office/drawing/2010/main" xmlns="">
+              <a14:hiddenFill xmlns="" xmlns:a14="http://schemas.microsoft.com/office/drawing/2010/main">
                 <a:noFill/>
               </a14:hiddenFill>
             </a:ext>
             <a:ext uri="{AF507438-7753-43e0-B8FC-AC1667EBCBE1}">
-              <a14:hiddenEffects xmlns:a14="http://schemas.microsoft.com/office/drawing/2010/main" xmlns="">
+              <a14:hiddenEffects xmlns="" xmlns:a14="http://schemas.microsoft.com/office/drawing/2010/main">
                 <a:effectLst>
                   <a:outerShdw blurRad="63500" dist="38099" dir="2700000" algn="ctr" rotWithShape="0">
                     <a:schemeClr val="bg2">
@@ -19836,14 +19836,14 @@
           <a:effectLst/>
           <a:extLst>
             <a:ext uri="{909E8E84-426E-40dd-AFC4-6F175D3DCCD1}">
-              <a14:hiddenFill xmlns:a14="http://schemas.microsoft.com/office/drawing/2010/main" xmlns="">
+              <a14:hiddenFill xmlns="" xmlns:a14="http://schemas.microsoft.com/office/drawing/2010/main">
                 <a:solidFill>
                   <a:schemeClr val="accent1"/>
                 </a:solidFill>
               </a14:hiddenFill>
             </a:ext>
             <a:ext uri="{91240B29-F687-4f45-9708-019B960494DF}">
-              <a14:hiddenLine xmlns:a14="http://schemas.microsoft.com/office/drawing/2010/main" xmlns="" w="9525">
+              <a14:hiddenLine xmlns="" xmlns:a14="http://schemas.microsoft.com/office/drawing/2010/main" w="9525">
                 <a:solidFill>
                   <a:schemeClr val="tx1"/>
                 </a:solidFill>
@@ -19853,7 +19853,7 @@
               </a14:hiddenLine>
             </a:ext>
             <a:ext uri="{AF507438-7753-43e0-B8FC-AC1667EBCBE1}">
-              <a14:hiddenEffects xmlns:a14="http://schemas.microsoft.com/office/drawing/2010/main" xmlns="">
+              <a14:hiddenEffects xmlns="" xmlns:a14="http://schemas.microsoft.com/office/drawing/2010/main">
                 <a:effectLst>
                   <a:outerShdw blurRad="63500" dist="38099" dir="2700000" algn="ctr" rotWithShape="0">
                     <a:schemeClr val="bg2">
@@ -19908,12 +19908,12 @@
           <a:effectLst/>
           <a:extLst>
             <a:ext uri="{909E8E84-426E-40dd-AFC4-6F175D3DCCD1}">
-              <a14:hiddenFill xmlns:a14="http://schemas.microsoft.com/office/drawing/2010/main" xmlns="">
+              <a14:hiddenFill xmlns="" xmlns:a14="http://schemas.microsoft.com/office/drawing/2010/main">
                 <a:noFill/>
               </a14:hiddenFill>
             </a:ext>
             <a:ext uri="{AF507438-7753-43e0-B8FC-AC1667EBCBE1}">
-              <a14:hiddenEffects xmlns:a14="http://schemas.microsoft.com/office/drawing/2010/main" xmlns="">
+              <a14:hiddenEffects xmlns="" xmlns:a14="http://schemas.microsoft.com/office/drawing/2010/main">
                 <a:effectLst>
                   <a:outerShdw blurRad="63500" dist="38099" dir="2700000" algn="ctr" rotWithShape="0">
                     <a:schemeClr val="bg2">
@@ -19956,14 +19956,14 @@
           <a:effectLst/>
           <a:extLst>
             <a:ext uri="{909E8E84-426E-40dd-AFC4-6F175D3DCCD1}">
-              <a14:hiddenFill xmlns:a14="http://schemas.microsoft.com/office/drawing/2010/main" xmlns="">
+              <a14:hiddenFill xmlns="" xmlns:a14="http://schemas.microsoft.com/office/drawing/2010/main">
                 <a:solidFill>
                   <a:schemeClr val="accent1"/>
                 </a:solidFill>
               </a14:hiddenFill>
             </a:ext>
             <a:ext uri="{91240B29-F687-4f45-9708-019B960494DF}">
-              <a14:hiddenLine xmlns:a14="http://schemas.microsoft.com/office/drawing/2010/main" xmlns="" w="9525">
+              <a14:hiddenLine xmlns="" xmlns:a14="http://schemas.microsoft.com/office/drawing/2010/main" w="9525">
                 <a:solidFill>
                   <a:schemeClr val="tx1"/>
                 </a:solidFill>
@@ -19973,7 +19973,7 @@
               </a14:hiddenLine>
             </a:ext>
             <a:ext uri="{AF507438-7753-43e0-B8FC-AC1667EBCBE1}">
-              <a14:hiddenEffects xmlns:a14="http://schemas.microsoft.com/office/drawing/2010/main" xmlns="">
+              <a14:hiddenEffects xmlns="" xmlns:a14="http://schemas.microsoft.com/office/drawing/2010/main">
                 <a:effectLst>
                   <a:outerShdw blurRad="63500" dist="38099" dir="2700000" algn="ctr" rotWithShape="0">
                     <a:schemeClr val="bg2">
@@ -20028,12 +20028,12 @@
           <a:effectLst/>
           <a:extLst>
             <a:ext uri="{909E8E84-426E-40dd-AFC4-6F175D3DCCD1}">
-              <a14:hiddenFill xmlns:a14="http://schemas.microsoft.com/office/drawing/2010/main" xmlns="">
+              <a14:hiddenFill xmlns="" xmlns:a14="http://schemas.microsoft.com/office/drawing/2010/main">
                 <a:noFill/>
               </a14:hiddenFill>
             </a:ext>
             <a:ext uri="{AF507438-7753-43e0-B8FC-AC1667EBCBE1}">
-              <a14:hiddenEffects xmlns:a14="http://schemas.microsoft.com/office/drawing/2010/main" xmlns="">
+              <a14:hiddenEffects xmlns="" xmlns:a14="http://schemas.microsoft.com/office/drawing/2010/main">
                 <a:effectLst>
                   <a:outerShdw blurRad="63500" dist="38099" dir="2700000" algn="ctr" rotWithShape="0">
                     <a:schemeClr val="bg2">
@@ -20076,14 +20076,14 @@
           <a:effectLst/>
           <a:extLst>
             <a:ext uri="{909E8E84-426E-40dd-AFC4-6F175D3DCCD1}">
-              <a14:hiddenFill xmlns:a14="http://schemas.microsoft.com/office/drawing/2010/main" xmlns="">
+              <a14:hiddenFill xmlns="" xmlns:a14="http://schemas.microsoft.com/office/drawing/2010/main">
                 <a:solidFill>
                   <a:schemeClr val="accent1"/>
                 </a:solidFill>
               </a14:hiddenFill>
             </a:ext>
             <a:ext uri="{91240B29-F687-4f45-9708-019B960494DF}">
-              <a14:hiddenLine xmlns:a14="http://schemas.microsoft.com/office/drawing/2010/main" xmlns="" w="9525">
+              <a14:hiddenLine xmlns="" xmlns:a14="http://schemas.microsoft.com/office/drawing/2010/main" w="9525">
                 <a:solidFill>
                   <a:schemeClr val="tx1"/>
                 </a:solidFill>
@@ -20093,7 +20093,7 @@
               </a14:hiddenLine>
             </a:ext>
             <a:ext uri="{AF507438-7753-43e0-B8FC-AC1667EBCBE1}">
-              <a14:hiddenEffects xmlns:a14="http://schemas.microsoft.com/office/drawing/2010/main" xmlns="">
+              <a14:hiddenEffects xmlns="" xmlns:a14="http://schemas.microsoft.com/office/drawing/2010/main">
                 <a:effectLst>
                   <a:outerShdw blurRad="63500" dist="38099" dir="2700000" algn="ctr" rotWithShape="0">
                     <a:schemeClr val="bg2">
@@ -20148,12 +20148,12 @@
           <a:effectLst/>
           <a:extLst>
             <a:ext uri="{909E8E84-426E-40dd-AFC4-6F175D3DCCD1}">
-              <a14:hiddenFill xmlns:a14="http://schemas.microsoft.com/office/drawing/2010/main" xmlns="">
+              <a14:hiddenFill xmlns="" xmlns:a14="http://schemas.microsoft.com/office/drawing/2010/main">
                 <a:noFill/>
               </a14:hiddenFill>
             </a:ext>
             <a:ext uri="{AF507438-7753-43e0-B8FC-AC1667EBCBE1}">
-              <a14:hiddenEffects xmlns:a14="http://schemas.microsoft.com/office/drawing/2010/main" xmlns="">
+              <a14:hiddenEffects xmlns="" xmlns:a14="http://schemas.microsoft.com/office/drawing/2010/main">
                 <a:effectLst>
                   <a:outerShdw blurRad="63500" dist="38099" dir="2700000" algn="ctr" rotWithShape="0">
                     <a:schemeClr val="bg2">
@@ -20196,14 +20196,14 @@
           <a:effectLst/>
           <a:extLst>
             <a:ext uri="{909E8E84-426E-40dd-AFC4-6F175D3DCCD1}">
-              <a14:hiddenFill xmlns:a14="http://schemas.microsoft.com/office/drawing/2010/main" xmlns="">
+              <a14:hiddenFill xmlns="" xmlns:a14="http://schemas.microsoft.com/office/drawing/2010/main">
                 <a:solidFill>
                   <a:schemeClr val="accent1"/>
                 </a:solidFill>
               </a14:hiddenFill>
             </a:ext>
             <a:ext uri="{91240B29-F687-4f45-9708-019B960494DF}">
-              <a14:hiddenLine xmlns:a14="http://schemas.microsoft.com/office/drawing/2010/main" xmlns="" w="9525">
+              <a14:hiddenLine xmlns="" xmlns:a14="http://schemas.microsoft.com/office/drawing/2010/main" w="9525">
                 <a:solidFill>
                   <a:schemeClr val="tx1"/>
                 </a:solidFill>
@@ -20213,7 +20213,7 @@
               </a14:hiddenLine>
             </a:ext>
             <a:ext uri="{AF507438-7753-43e0-B8FC-AC1667EBCBE1}">
-              <a14:hiddenEffects xmlns:a14="http://schemas.microsoft.com/office/drawing/2010/main" xmlns="">
+              <a14:hiddenEffects xmlns="" xmlns:a14="http://schemas.microsoft.com/office/drawing/2010/main">
                 <a:effectLst>
                   <a:outerShdw blurRad="63500" dist="38099" dir="2700000" algn="ctr" rotWithShape="0">
                     <a:schemeClr val="bg2">
@@ -20268,12 +20268,12 @@
           <a:effectLst/>
           <a:extLst>
             <a:ext uri="{909E8E84-426E-40dd-AFC4-6F175D3DCCD1}">
-              <a14:hiddenFill xmlns:a14="http://schemas.microsoft.com/office/drawing/2010/main" xmlns="">
+              <a14:hiddenFill xmlns="" xmlns:a14="http://schemas.microsoft.com/office/drawing/2010/main">
                 <a:noFill/>
               </a14:hiddenFill>
             </a:ext>
             <a:ext uri="{AF507438-7753-43e0-B8FC-AC1667EBCBE1}">
-              <a14:hiddenEffects xmlns:a14="http://schemas.microsoft.com/office/drawing/2010/main" xmlns="">
+              <a14:hiddenEffects xmlns="" xmlns:a14="http://schemas.microsoft.com/office/drawing/2010/main">
                 <a:effectLst>
                   <a:outerShdw blurRad="63500" dist="38099" dir="2700000" algn="ctr" rotWithShape="0">
                     <a:schemeClr val="bg2">
@@ -20316,14 +20316,14 @@
           <a:effectLst/>
           <a:extLst>
             <a:ext uri="{909E8E84-426E-40dd-AFC4-6F175D3DCCD1}">
-              <a14:hiddenFill xmlns:a14="http://schemas.microsoft.com/office/drawing/2010/main" xmlns="">
+              <a14:hiddenFill xmlns="" xmlns:a14="http://schemas.microsoft.com/office/drawing/2010/main">
                 <a:solidFill>
                   <a:schemeClr val="accent1"/>
                 </a:solidFill>
               </a14:hiddenFill>
             </a:ext>
             <a:ext uri="{91240B29-F687-4f45-9708-019B960494DF}">
-              <a14:hiddenLine xmlns:a14="http://schemas.microsoft.com/office/drawing/2010/main" xmlns="" w="9525">
+              <a14:hiddenLine xmlns="" xmlns:a14="http://schemas.microsoft.com/office/drawing/2010/main" w="9525">
                 <a:solidFill>
                   <a:schemeClr val="tx1"/>
                 </a:solidFill>
@@ -20333,7 +20333,7 @@
               </a14:hiddenLine>
             </a:ext>
             <a:ext uri="{AF507438-7753-43e0-B8FC-AC1667EBCBE1}">
-              <a14:hiddenEffects xmlns:a14="http://schemas.microsoft.com/office/drawing/2010/main" xmlns="">
+              <a14:hiddenEffects xmlns="" xmlns:a14="http://schemas.microsoft.com/office/drawing/2010/main">
                 <a:effectLst>
                   <a:outerShdw blurRad="63500" dist="38099" dir="2700000" algn="ctr" rotWithShape="0">
                     <a:schemeClr val="bg2">
@@ -20496,14 +20496,14 @@
           <a:effectLst/>
           <a:extLst>
             <a:ext uri="{909E8E84-426E-40dd-AFC4-6F175D3DCCD1}">
-              <a14:hiddenFill xmlns:a14="http://schemas.microsoft.com/office/drawing/2010/main" xmlns="">
+              <a14:hiddenFill xmlns="" xmlns:a14="http://schemas.microsoft.com/office/drawing/2010/main">
                 <a:solidFill>
                   <a:schemeClr val="accent1"/>
                 </a:solidFill>
               </a14:hiddenFill>
             </a:ext>
             <a:ext uri="{AF507438-7753-43e0-B8FC-AC1667EBCBE1}">
-              <a14:hiddenEffects xmlns:a14="http://schemas.microsoft.com/office/drawing/2010/main" xmlns="">
+              <a14:hiddenEffects xmlns="" xmlns:a14="http://schemas.microsoft.com/office/drawing/2010/main">
                 <a:effectLst>
                   <a:outerShdw blurRad="63500" dist="38099" dir="2700000" algn="ctr" rotWithShape="0">
                     <a:schemeClr val="bg2">
@@ -20546,14 +20546,14 @@
           <a:effectLst/>
           <a:extLst>
             <a:ext uri="{909E8E84-426E-40dd-AFC4-6F175D3DCCD1}">
-              <a14:hiddenFill xmlns:a14="http://schemas.microsoft.com/office/drawing/2010/main" xmlns="">
+              <a14:hiddenFill xmlns="" xmlns:a14="http://schemas.microsoft.com/office/drawing/2010/main">
                 <a:solidFill>
                   <a:schemeClr val="accent1"/>
                 </a:solidFill>
               </a14:hiddenFill>
             </a:ext>
             <a:ext uri="{91240B29-F687-4f45-9708-019B960494DF}">
-              <a14:hiddenLine xmlns:a14="http://schemas.microsoft.com/office/drawing/2010/main" xmlns="" w="9525">
+              <a14:hiddenLine xmlns="" xmlns:a14="http://schemas.microsoft.com/office/drawing/2010/main" w="9525">
                 <a:solidFill>
                   <a:schemeClr val="tx1"/>
                 </a:solidFill>
@@ -20563,7 +20563,7 @@
               </a14:hiddenLine>
             </a:ext>
             <a:ext uri="{AF507438-7753-43e0-B8FC-AC1667EBCBE1}">
-              <a14:hiddenEffects xmlns:a14="http://schemas.microsoft.com/office/drawing/2010/main" xmlns="">
+              <a14:hiddenEffects xmlns="" xmlns:a14="http://schemas.microsoft.com/office/drawing/2010/main">
                 <a:effectLst>
                   <a:outerShdw blurRad="63500" dist="38099" dir="2700000" algn="ctr" rotWithShape="0">
                     <a:schemeClr val="bg2">
@@ -20618,14 +20618,14 @@
           <a:effectLst/>
           <a:extLst>
             <a:ext uri="{909E8E84-426E-40dd-AFC4-6F175D3DCCD1}">
-              <a14:hiddenFill xmlns:a14="http://schemas.microsoft.com/office/drawing/2010/main" xmlns="">
+              <a14:hiddenFill xmlns="" xmlns:a14="http://schemas.microsoft.com/office/drawing/2010/main">
                 <a:solidFill>
                   <a:schemeClr val="accent1"/>
                 </a:solidFill>
               </a14:hiddenFill>
             </a:ext>
             <a:ext uri="{AF507438-7753-43e0-B8FC-AC1667EBCBE1}">
-              <a14:hiddenEffects xmlns:a14="http://schemas.microsoft.com/office/drawing/2010/main" xmlns="">
+              <a14:hiddenEffects xmlns="" xmlns:a14="http://schemas.microsoft.com/office/drawing/2010/main">
                 <a:effectLst>
                   <a:outerShdw blurRad="63500" dist="38099" dir="2700000" algn="ctr" rotWithShape="0">
                     <a:schemeClr val="bg2">
@@ -20730,14 +20730,14 @@
           <a:effectLst/>
           <a:extLst>
             <a:ext uri="{909E8E84-426E-40dd-AFC4-6F175D3DCCD1}">
-              <a14:hiddenFill xmlns:a14="http://schemas.microsoft.com/office/drawing/2010/main" xmlns="">
+              <a14:hiddenFill xmlns="" xmlns:a14="http://schemas.microsoft.com/office/drawing/2010/main">
                 <a:solidFill>
                   <a:schemeClr val="accent1"/>
                 </a:solidFill>
               </a14:hiddenFill>
             </a:ext>
             <a:ext uri="{91240B29-F687-4f45-9708-019B960494DF}">
-              <a14:hiddenLine xmlns:a14="http://schemas.microsoft.com/office/drawing/2010/main" xmlns="" w="9525">
+              <a14:hiddenLine xmlns="" xmlns:a14="http://schemas.microsoft.com/office/drawing/2010/main" w="9525">
                 <a:solidFill>
                   <a:schemeClr val="tx1"/>
                 </a:solidFill>
@@ -20747,7 +20747,7 @@
               </a14:hiddenLine>
             </a:ext>
             <a:ext uri="{AF507438-7753-43e0-B8FC-AC1667EBCBE1}">
-              <a14:hiddenEffects xmlns:a14="http://schemas.microsoft.com/office/drawing/2010/main" xmlns="">
+              <a14:hiddenEffects xmlns="" xmlns:a14="http://schemas.microsoft.com/office/drawing/2010/main">
                 <a:effectLst>
                   <a:outerShdw blurRad="63500" dist="38099" dir="2700000" algn="ctr" rotWithShape="0">
                     <a:schemeClr val="bg2">
@@ -20918,14 +20918,14 @@
           <a:effectLst/>
           <a:extLst>
             <a:ext uri="{909E8E84-426E-40dd-AFC4-6F175D3DCCD1}">
-              <a14:hiddenFill xmlns:a14="http://schemas.microsoft.com/office/drawing/2010/main" xmlns="">
+              <a14:hiddenFill xmlns="" xmlns:a14="http://schemas.microsoft.com/office/drawing/2010/main">
                 <a:solidFill>
                   <a:schemeClr val="accent1"/>
                 </a:solidFill>
               </a14:hiddenFill>
             </a:ext>
             <a:ext uri="{AF507438-7753-43e0-B8FC-AC1667EBCBE1}">
-              <a14:hiddenEffects xmlns:a14="http://schemas.microsoft.com/office/drawing/2010/main" xmlns="">
+              <a14:hiddenEffects xmlns="" xmlns:a14="http://schemas.microsoft.com/office/drawing/2010/main">
                 <a:effectLst>
                   <a:outerShdw blurRad="63500" dist="38099" dir="2700000" algn="ctr" rotWithShape="0">
                     <a:schemeClr val="bg2">
@@ -21010,14 +21010,14 @@
           <a:effectLst/>
           <a:extLst>
             <a:ext uri="{909E8E84-426E-40dd-AFC4-6F175D3DCCD1}">
-              <a14:hiddenFill xmlns:a14="http://schemas.microsoft.com/office/drawing/2010/main" xmlns="">
+              <a14:hiddenFill xmlns="" xmlns:a14="http://schemas.microsoft.com/office/drawing/2010/main">
                 <a:solidFill>
                   <a:schemeClr val="accent1"/>
                 </a:solidFill>
               </a14:hiddenFill>
             </a:ext>
             <a:ext uri="{AF507438-7753-43e0-B8FC-AC1667EBCBE1}">
-              <a14:hiddenEffects xmlns:a14="http://schemas.microsoft.com/office/drawing/2010/main" xmlns="">
+              <a14:hiddenEffects xmlns="" xmlns:a14="http://schemas.microsoft.com/office/drawing/2010/main">
                 <a:effectLst>
                   <a:outerShdw blurRad="63500" dist="38099" dir="2700000" algn="ctr" rotWithShape="0">
                     <a:schemeClr val="bg2">
@@ -21102,14 +21102,14 @@
           <a:effectLst/>
           <a:extLst>
             <a:ext uri="{909E8E84-426E-40dd-AFC4-6F175D3DCCD1}">
-              <a14:hiddenFill xmlns:a14="http://schemas.microsoft.com/office/drawing/2010/main" xmlns="">
+              <a14:hiddenFill xmlns="" xmlns:a14="http://schemas.microsoft.com/office/drawing/2010/main">
                 <a:solidFill>
                   <a:schemeClr val="accent1"/>
                 </a:solidFill>
               </a14:hiddenFill>
             </a:ext>
             <a:ext uri="{AF507438-7753-43e0-B8FC-AC1667EBCBE1}">
-              <a14:hiddenEffects xmlns:a14="http://schemas.microsoft.com/office/drawing/2010/main" xmlns="">
+              <a14:hiddenEffects xmlns="" xmlns:a14="http://schemas.microsoft.com/office/drawing/2010/main">
                 <a:effectLst>
                   <a:outerShdw blurRad="63500" dist="38099" dir="2700000" algn="ctr" rotWithShape="0">
                     <a:schemeClr val="bg2">
@@ -21194,14 +21194,14 @@
           <a:effectLst/>
           <a:extLst>
             <a:ext uri="{909E8E84-426E-40dd-AFC4-6F175D3DCCD1}">
-              <a14:hiddenFill xmlns:a14="http://schemas.microsoft.com/office/drawing/2010/main" xmlns="">
+              <a14:hiddenFill xmlns="" xmlns:a14="http://schemas.microsoft.com/office/drawing/2010/main">
                 <a:solidFill>
                   <a:schemeClr val="accent1"/>
                 </a:solidFill>
               </a14:hiddenFill>
             </a:ext>
             <a:ext uri="{AF507438-7753-43e0-B8FC-AC1667EBCBE1}">
-              <a14:hiddenEffects xmlns:a14="http://schemas.microsoft.com/office/drawing/2010/main" xmlns="">
+              <a14:hiddenEffects xmlns="" xmlns:a14="http://schemas.microsoft.com/office/drawing/2010/main">
                 <a:effectLst>
                   <a:outerShdw blurRad="63500" dist="38099" dir="2700000" algn="ctr" rotWithShape="0">
                     <a:schemeClr val="bg2">
@@ -21280,14 +21280,14 @@
           <a:effectLst/>
           <a:extLst>
             <a:ext uri="{909E8E84-426E-40dd-AFC4-6F175D3DCCD1}">
-              <a14:hiddenFill xmlns:a14="http://schemas.microsoft.com/office/drawing/2010/main" xmlns="">
+              <a14:hiddenFill xmlns="" xmlns:a14="http://schemas.microsoft.com/office/drawing/2010/main">
                 <a:solidFill>
                   <a:schemeClr val="accent1"/>
                 </a:solidFill>
               </a14:hiddenFill>
             </a:ext>
             <a:ext uri="{AF507438-7753-43e0-B8FC-AC1667EBCBE1}">
-              <a14:hiddenEffects xmlns:a14="http://schemas.microsoft.com/office/drawing/2010/main" xmlns="">
+              <a14:hiddenEffects xmlns="" xmlns:a14="http://schemas.microsoft.com/office/drawing/2010/main">
                 <a:effectLst>
                   <a:outerShdw blurRad="63500" dist="38099" dir="2700000" algn="ctr" rotWithShape="0">
                     <a:schemeClr val="bg2">
@@ -21366,14 +21366,14 @@
           <a:effectLst/>
           <a:extLst>
             <a:ext uri="{909E8E84-426E-40dd-AFC4-6F175D3DCCD1}">
-              <a14:hiddenFill xmlns:a14="http://schemas.microsoft.com/office/drawing/2010/main" xmlns="">
+              <a14:hiddenFill xmlns="" xmlns:a14="http://schemas.microsoft.com/office/drawing/2010/main">
                 <a:solidFill>
                   <a:schemeClr val="accent1"/>
                 </a:solidFill>
               </a14:hiddenFill>
             </a:ext>
             <a:ext uri="{AF507438-7753-43e0-B8FC-AC1667EBCBE1}">
-              <a14:hiddenEffects xmlns:a14="http://schemas.microsoft.com/office/drawing/2010/main" xmlns="">
+              <a14:hiddenEffects xmlns="" xmlns:a14="http://schemas.microsoft.com/office/drawing/2010/main">
                 <a:effectLst>
                   <a:outerShdw blurRad="63500" dist="38099" dir="2700000" algn="ctr" rotWithShape="0">
                     <a:schemeClr val="bg2">
@@ -21452,12 +21452,12 @@
           <a:effectLst/>
           <a:extLst>
             <a:ext uri="{909E8E84-426E-40dd-AFC4-6F175D3DCCD1}">
-              <a14:hiddenFill xmlns:a14="http://schemas.microsoft.com/office/drawing/2010/main" xmlns="">
+              <a14:hiddenFill xmlns="" xmlns:a14="http://schemas.microsoft.com/office/drawing/2010/main">
                 <a:noFill/>
               </a14:hiddenFill>
             </a:ext>
             <a:ext uri="{AF507438-7753-43e0-B8FC-AC1667EBCBE1}">
-              <a14:hiddenEffects xmlns:a14="http://schemas.microsoft.com/office/drawing/2010/main" xmlns="">
+              <a14:hiddenEffects xmlns="" xmlns:a14="http://schemas.microsoft.com/office/drawing/2010/main">
                 <a:effectLst>
                   <a:outerShdw blurRad="63500" dist="38099" dir="2700000" algn="ctr" rotWithShape="0">
                     <a:schemeClr val="bg2">
@@ -21500,14 +21500,14 @@
           <a:effectLst/>
           <a:extLst>
             <a:ext uri="{909E8E84-426E-40dd-AFC4-6F175D3DCCD1}">
-              <a14:hiddenFill xmlns:a14="http://schemas.microsoft.com/office/drawing/2010/main" xmlns="">
+              <a14:hiddenFill xmlns="" xmlns:a14="http://schemas.microsoft.com/office/drawing/2010/main">
                 <a:solidFill>
                   <a:schemeClr val="accent1"/>
                 </a:solidFill>
               </a14:hiddenFill>
             </a:ext>
             <a:ext uri="{91240B29-F687-4f45-9708-019B960494DF}">
-              <a14:hiddenLine xmlns:a14="http://schemas.microsoft.com/office/drawing/2010/main" xmlns="" w="9525">
+              <a14:hiddenLine xmlns="" xmlns:a14="http://schemas.microsoft.com/office/drawing/2010/main" w="9525">
                 <a:solidFill>
                   <a:schemeClr val="tx1"/>
                 </a:solidFill>
@@ -21517,7 +21517,7 @@
               </a14:hiddenLine>
             </a:ext>
             <a:ext uri="{AF507438-7753-43e0-B8FC-AC1667EBCBE1}">
-              <a14:hiddenEffects xmlns:a14="http://schemas.microsoft.com/office/drawing/2010/main" xmlns="">
+              <a14:hiddenEffects xmlns="" xmlns:a14="http://schemas.microsoft.com/office/drawing/2010/main">
                 <a:effectLst>
                   <a:outerShdw blurRad="63500" dist="38099" dir="2700000" algn="ctr" rotWithShape="0">
                     <a:schemeClr val="bg2">
@@ -21578,12 +21578,12 @@
           <a:effectLst/>
           <a:extLst>
             <a:ext uri="{909E8E84-426E-40dd-AFC4-6F175D3DCCD1}">
-              <a14:hiddenFill xmlns:a14="http://schemas.microsoft.com/office/drawing/2010/main" xmlns="">
+              <a14:hiddenFill xmlns="" xmlns:a14="http://schemas.microsoft.com/office/drawing/2010/main">
                 <a:noFill/>
               </a14:hiddenFill>
             </a:ext>
             <a:ext uri="{AF507438-7753-43e0-B8FC-AC1667EBCBE1}">
-              <a14:hiddenEffects xmlns:a14="http://schemas.microsoft.com/office/drawing/2010/main" xmlns="">
+              <a14:hiddenEffects xmlns="" xmlns:a14="http://schemas.microsoft.com/office/drawing/2010/main">
                 <a:effectLst>
                   <a:outerShdw blurRad="63500" dist="38099" dir="2700000" algn="ctr" rotWithShape="0">
                     <a:schemeClr val="bg2">
@@ -21626,14 +21626,14 @@
           <a:effectLst/>
           <a:extLst>
             <a:ext uri="{909E8E84-426E-40dd-AFC4-6F175D3DCCD1}">
-              <a14:hiddenFill xmlns:a14="http://schemas.microsoft.com/office/drawing/2010/main" xmlns="">
+              <a14:hiddenFill xmlns="" xmlns:a14="http://schemas.microsoft.com/office/drawing/2010/main">
                 <a:solidFill>
                   <a:schemeClr val="accent1"/>
                 </a:solidFill>
               </a14:hiddenFill>
             </a:ext>
             <a:ext uri="{91240B29-F687-4f45-9708-019B960494DF}">
-              <a14:hiddenLine xmlns:a14="http://schemas.microsoft.com/office/drawing/2010/main" xmlns="" w="9525">
+              <a14:hiddenLine xmlns="" xmlns:a14="http://schemas.microsoft.com/office/drawing/2010/main" w="9525">
                 <a:solidFill>
                   <a:schemeClr val="tx1"/>
                 </a:solidFill>
@@ -21643,7 +21643,7 @@
               </a14:hiddenLine>
             </a:ext>
             <a:ext uri="{AF507438-7753-43e0-B8FC-AC1667EBCBE1}">
-              <a14:hiddenEffects xmlns:a14="http://schemas.microsoft.com/office/drawing/2010/main" xmlns="">
+              <a14:hiddenEffects xmlns="" xmlns:a14="http://schemas.microsoft.com/office/drawing/2010/main">
                 <a:effectLst>
                   <a:outerShdw blurRad="63500" dist="38099" dir="2700000" algn="ctr" rotWithShape="0">
                     <a:schemeClr val="bg2">
@@ -21704,12 +21704,12 @@
           <a:effectLst/>
           <a:extLst>
             <a:ext uri="{909E8E84-426E-40dd-AFC4-6F175D3DCCD1}">
-              <a14:hiddenFill xmlns:a14="http://schemas.microsoft.com/office/drawing/2010/main" xmlns="">
+              <a14:hiddenFill xmlns="" xmlns:a14="http://schemas.microsoft.com/office/drawing/2010/main">
                 <a:noFill/>
               </a14:hiddenFill>
             </a:ext>
             <a:ext uri="{AF507438-7753-43e0-B8FC-AC1667EBCBE1}">
-              <a14:hiddenEffects xmlns:a14="http://schemas.microsoft.com/office/drawing/2010/main" xmlns="">
+              <a14:hiddenEffects xmlns="" xmlns:a14="http://schemas.microsoft.com/office/drawing/2010/main">
                 <a:effectLst>
                   <a:outerShdw blurRad="63500" dist="38099" dir="2700000" algn="ctr" rotWithShape="0">
                     <a:schemeClr val="bg2">
@@ -21752,14 +21752,14 @@
           <a:effectLst/>
           <a:extLst>
             <a:ext uri="{909E8E84-426E-40dd-AFC4-6F175D3DCCD1}">
-              <a14:hiddenFill xmlns:a14="http://schemas.microsoft.com/office/drawing/2010/main" xmlns="">
+              <a14:hiddenFill xmlns="" xmlns:a14="http://schemas.microsoft.com/office/drawing/2010/main">
                 <a:solidFill>
                   <a:schemeClr val="accent1"/>
                 </a:solidFill>
               </a14:hiddenFill>
             </a:ext>
             <a:ext uri="{91240B29-F687-4f45-9708-019B960494DF}">
-              <a14:hiddenLine xmlns:a14="http://schemas.microsoft.com/office/drawing/2010/main" xmlns="" w="9525">
+              <a14:hiddenLine xmlns="" xmlns:a14="http://schemas.microsoft.com/office/drawing/2010/main" w="9525">
                 <a:solidFill>
                   <a:schemeClr val="tx1"/>
                 </a:solidFill>
@@ -21769,7 +21769,7 @@
               </a14:hiddenLine>
             </a:ext>
             <a:ext uri="{AF507438-7753-43e0-B8FC-AC1667EBCBE1}">
-              <a14:hiddenEffects xmlns:a14="http://schemas.microsoft.com/office/drawing/2010/main" xmlns="">
+              <a14:hiddenEffects xmlns="" xmlns:a14="http://schemas.microsoft.com/office/drawing/2010/main">
                 <a:effectLst>
                   <a:outerShdw blurRad="63500" dist="38099" dir="2700000" algn="ctr" rotWithShape="0">
                     <a:schemeClr val="bg2">
@@ -21824,12 +21824,12 @@
           <a:effectLst/>
           <a:extLst>
             <a:ext uri="{909E8E84-426E-40dd-AFC4-6F175D3DCCD1}">
-              <a14:hiddenFill xmlns:a14="http://schemas.microsoft.com/office/drawing/2010/main" xmlns="">
+              <a14:hiddenFill xmlns="" xmlns:a14="http://schemas.microsoft.com/office/drawing/2010/main">
                 <a:noFill/>
               </a14:hiddenFill>
             </a:ext>
             <a:ext uri="{AF507438-7753-43e0-B8FC-AC1667EBCBE1}">
-              <a14:hiddenEffects xmlns:a14="http://schemas.microsoft.com/office/drawing/2010/main" xmlns="">
+              <a14:hiddenEffects xmlns="" xmlns:a14="http://schemas.microsoft.com/office/drawing/2010/main">
                 <a:effectLst>
                   <a:outerShdw blurRad="63500" dist="38099" dir="2700000" algn="ctr" rotWithShape="0">
                     <a:schemeClr val="bg2">
@@ -21872,14 +21872,14 @@
           <a:effectLst/>
           <a:extLst>
             <a:ext uri="{909E8E84-426E-40dd-AFC4-6F175D3DCCD1}">
-              <a14:hiddenFill xmlns:a14="http://schemas.microsoft.com/office/drawing/2010/main" xmlns="">
+              <a14:hiddenFill xmlns="" xmlns:a14="http://schemas.microsoft.com/office/drawing/2010/main">
                 <a:solidFill>
                   <a:schemeClr val="accent1"/>
                 </a:solidFill>
               </a14:hiddenFill>
             </a:ext>
             <a:ext uri="{91240B29-F687-4f45-9708-019B960494DF}">
-              <a14:hiddenLine xmlns:a14="http://schemas.microsoft.com/office/drawing/2010/main" xmlns="" w="9525">
+              <a14:hiddenLine xmlns="" xmlns:a14="http://schemas.microsoft.com/office/drawing/2010/main" w="9525">
                 <a:solidFill>
                   <a:schemeClr val="tx1"/>
                 </a:solidFill>
@@ -21889,7 +21889,7 @@
               </a14:hiddenLine>
             </a:ext>
             <a:ext uri="{AF507438-7753-43e0-B8FC-AC1667EBCBE1}">
-              <a14:hiddenEffects xmlns:a14="http://schemas.microsoft.com/office/drawing/2010/main" xmlns="">
+              <a14:hiddenEffects xmlns="" xmlns:a14="http://schemas.microsoft.com/office/drawing/2010/main">
                 <a:effectLst>
                   <a:outerShdw blurRad="63500" dist="38099" dir="2700000" algn="ctr" rotWithShape="0">
                     <a:schemeClr val="bg2">
@@ -21944,12 +21944,12 @@
           <a:effectLst/>
           <a:extLst>
             <a:ext uri="{909E8E84-426E-40dd-AFC4-6F175D3DCCD1}">
-              <a14:hiddenFill xmlns:a14="http://schemas.microsoft.com/office/drawing/2010/main" xmlns="">
+              <a14:hiddenFill xmlns="" xmlns:a14="http://schemas.microsoft.com/office/drawing/2010/main">
                 <a:noFill/>
               </a14:hiddenFill>
             </a:ext>
             <a:ext uri="{AF507438-7753-43e0-B8FC-AC1667EBCBE1}">
-              <a14:hiddenEffects xmlns:a14="http://schemas.microsoft.com/office/drawing/2010/main" xmlns="">
+              <a14:hiddenEffects xmlns="" xmlns:a14="http://schemas.microsoft.com/office/drawing/2010/main">
                 <a:effectLst>
                   <a:outerShdw blurRad="63500" dist="38099" dir="2700000" algn="ctr" rotWithShape="0">
                     <a:schemeClr val="bg2">
@@ -21992,14 +21992,14 @@
           <a:effectLst/>
           <a:extLst>
             <a:ext uri="{909E8E84-426E-40dd-AFC4-6F175D3DCCD1}">
-              <a14:hiddenFill xmlns:a14="http://schemas.microsoft.com/office/drawing/2010/main" xmlns="">
+              <a14:hiddenFill xmlns="" xmlns:a14="http://schemas.microsoft.com/office/drawing/2010/main">
                 <a:solidFill>
                   <a:schemeClr val="accent1"/>
                 </a:solidFill>
               </a14:hiddenFill>
             </a:ext>
             <a:ext uri="{91240B29-F687-4f45-9708-019B960494DF}">
-              <a14:hiddenLine xmlns:a14="http://schemas.microsoft.com/office/drawing/2010/main" xmlns="" w="9525">
+              <a14:hiddenLine xmlns="" xmlns:a14="http://schemas.microsoft.com/office/drawing/2010/main" w="9525">
                 <a:solidFill>
                   <a:schemeClr val="tx1"/>
                 </a:solidFill>
@@ -22009,7 +22009,7 @@
               </a14:hiddenLine>
             </a:ext>
             <a:ext uri="{AF507438-7753-43e0-B8FC-AC1667EBCBE1}">
-              <a14:hiddenEffects xmlns:a14="http://schemas.microsoft.com/office/drawing/2010/main" xmlns="">
+              <a14:hiddenEffects xmlns="" xmlns:a14="http://schemas.microsoft.com/office/drawing/2010/main">
                 <a:effectLst>
                   <a:outerShdw blurRad="63500" dist="38099" dir="2700000" algn="ctr" rotWithShape="0">
                     <a:schemeClr val="bg2">
@@ -22064,12 +22064,12 @@
           <a:effectLst/>
           <a:extLst>
             <a:ext uri="{909E8E84-426E-40dd-AFC4-6F175D3DCCD1}">
-              <a14:hiddenFill xmlns:a14="http://schemas.microsoft.com/office/drawing/2010/main" xmlns="">
+              <a14:hiddenFill xmlns="" xmlns:a14="http://schemas.microsoft.com/office/drawing/2010/main">
                 <a:noFill/>
               </a14:hiddenFill>
             </a:ext>
             <a:ext uri="{AF507438-7753-43e0-B8FC-AC1667EBCBE1}">
-              <a14:hiddenEffects xmlns:a14="http://schemas.microsoft.com/office/drawing/2010/main" xmlns="">
+              <a14:hiddenEffects xmlns="" xmlns:a14="http://schemas.microsoft.com/office/drawing/2010/main">
                 <a:effectLst>
                   <a:outerShdw blurRad="63500" dist="38099" dir="2700000" algn="ctr" rotWithShape="0">
                     <a:schemeClr val="bg2">
@@ -22112,14 +22112,14 @@
           <a:effectLst/>
           <a:extLst>
             <a:ext uri="{909E8E84-426E-40dd-AFC4-6F175D3DCCD1}">
-              <a14:hiddenFill xmlns:a14="http://schemas.microsoft.com/office/drawing/2010/main" xmlns="">
+              <a14:hiddenFill xmlns="" xmlns:a14="http://schemas.microsoft.com/office/drawing/2010/main">
                 <a:solidFill>
                   <a:schemeClr val="accent1"/>
                 </a:solidFill>
               </a14:hiddenFill>
             </a:ext>
             <a:ext uri="{91240B29-F687-4f45-9708-019B960494DF}">
-              <a14:hiddenLine xmlns:a14="http://schemas.microsoft.com/office/drawing/2010/main" xmlns="" w="9525">
+              <a14:hiddenLine xmlns="" xmlns:a14="http://schemas.microsoft.com/office/drawing/2010/main" w="9525">
                 <a:solidFill>
                   <a:schemeClr val="tx1"/>
                 </a:solidFill>
@@ -22129,7 +22129,7 @@
               </a14:hiddenLine>
             </a:ext>
             <a:ext uri="{AF507438-7753-43e0-B8FC-AC1667EBCBE1}">
-              <a14:hiddenEffects xmlns:a14="http://schemas.microsoft.com/office/drawing/2010/main" xmlns="">
+              <a14:hiddenEffects xmlns="" xmlns:a14="http://schemas.microsoft.com/office/drawing/2010/main">
                 <a:effectLst>
                   <a:outerShdw blurRad="63500" dist="38099" dir="2700000" algn="ctr" rotWithShape="0">
                     <a:schemeClr val="bg2">
@@ -22184,12 +22184,12 @@
           <a:effectLst/>
           <a:extLst>
             <a:ext uri="{909E8E84-426E-40dd-AFC4-6F175D3DCCD1}">
-              <a14:hiddenFill xmlns:a14="http://schemas.microsoft.com/office/drawing/2010/main" xmlns="">
+              <a14:hiddenFill xmlns="" xmlns:a14="http://schemas.microsoft.com/office/drawing/2010/main">
                 <a:noFill/>
               </a14:hiddenFill>
             </a:ext>
             <a:ext uri="{AF507438-7753-43e0-B8FC-AC1667EBCBE1}">
-              <a14:hiddenEffects xmlns:a14="http://schemas.microsoft.com/office/drawing/2010/main" xmlns="">
+              <a14:hiddenEffects xmlns="" xmlns:a14="http://schemas.microsoft.com/office/drawing/2010/main">
                 <a:effectLst>
                   <a:outerShdw blurRad="63500" dist="38099" dir="2700000" algn="ctr" rotWithShape="0">
                     <a:schemeClr val="bg2">
@@ -22232,14 +22232,14 @@
           <a:effectLst/>
           <a:extLst>
             <a:ext uri="{909E8E84-426E-40dd-AFC4-6F175D3DCCD1}">
-              <a14:hiddenFill xmlns:a14="http://schemas.microsoft.com/office/drawing/2010/main" xmlns="">
+              <a14:hiddenFill xmlns="" xmlns:a14="http://schemas.microsoft.com/office/drawing/2010/main">
                 <a:solidFill>
                   <a:schemeClr val="accent1"/>
                 </a:solidFill>
               </a14:hiddenFill>
             </a:ext>
             <a:ext uri="{91240B29-F687-4f45-9708-019B960494DF}">
-              <a14:hiddenLine xmlns:a14="http://schemas.microsoft.com/office/drawing/2010/main" xmlns="" w="9525">
+              <a14:hiddenLine xmlns="" xmlns:a14="http://schemas.microsoft.com/office/drawing/2010/main" w="9525">
                 <a:solidFill>
                   <a:schemeClr val="tx1"/>
                 </a:solidFill>
@@ -22249,7 +22249,7 @@
               </a14:hiddenLine>
             </a:ext>
             <a:ext uri="{AF507438-7753-43e0-B8FC-AC1667EBCBE1}">
-              <a14:hiddenEffects xmlns:a14="http://schemas.microsoft.com/office/drawing/2010/main" xmlns="">
+              <a14:hiddenEffects xmlns="" xmlns:a14="http://schemas.microsoft.com/office/drawing/2010/main">
                 <a:effectLst>
                   <a:outerShdw blurRad="63500" dist="38099" dir="2700000" algn="ctr" rotWithShape="0">
                     <a:schemeClr val="bg2">
@@ -22412,14 +22412,14 @@
           <a:effectLst/>
           <a:extLst>
             <a:ext uri="{909E8E84-426E-40dd-AFC4-6F175D3DCCD1}">
-              <a14:hiddenFill xmlns:a14="http://schemas.microsoft.com/office/drawing/2010/main" xmlns="">
+              <a14:hiddenFill xmlns="" xmlns:a14="http://schemas.microsoft.com/office/drawing/2010/main">
                 <a:solidFill>
                   <a:schemeClr val="accent1"/>
                 </a:solidFill>
               </a14:hiddenFill>
             </a:ext>
             <a:ext uri="{AF507438-7753-43e0-B8FC-AC1667EBCBE1}">
-              <a14:hiddenEffects xmlns:a14="http://schemas.microsoft.com/office/drawing/2010/main" xmlns="">
+              <a14:hiddenEffects xmlns="" xmlns:a14="http://schemas.microsoft.com/office/drawing/2010/main">
                 <a:effectLst>
                   <a:outerShdw blurRad="63500" dist="38099" dir="2700000" algn="ctr" rotWithShape="0">
                     <a:schemeClr val="bg2">
@@ -22462,14 +22462,14 @@
           <a:effectLst/>
           <a:extLst>
             <a:ext uri="{909E8E84-426E-40dd-AFC4-6F175D3DCCD1}">
-              <a14:hiddenFill xmlns:a14="http://schemas.microsoft.com/office/drawing/2010/main" xmlns="">
+              <a14:hiddenFill xmlns="" xmlns:a14="http://schemas.microsoft.com/office/drawing/2010/main">
                 <a:solidFill>
                   <a:schemeClr val="accent1"/>
                 </a:solidFill>
               </a14:hiddenFill>
             </a:ext>
             <a:ext uri="{91240B29-F687-4f45-9708-019B960494DF}">
-              <a14:hiddenLine xmlns:a14="http://schemas.microsoft.com/office/drawing/2010/main" xmlns="" w="9525">
+              <a14:hiddenLine xmlns="" xmlns:a14="http://schemas.microsoft.com/office/drawing/2010/main" w="9525">
                 <a:solidFill>
                   <a:schemeClr val="tx1"/>
                 </a:solidFill>
@@ -22479,7 +22479,7 @@
               </a14:hiddenLine>
             </a:ext>
             <a:ext uri="{AF507438-7753-43e0-B8FC-AC1667EBCBE1}">
-              <a14:hiddenEffects xmlns:a14="http://schemas.microsoft.com/office/drawing/2010/main" xmlns="">
+              <a14:hiddenEffects xmlns="" xmlns:a14="http://schemas.microsoft.com/office/drawing/2010/main">
                 <a:effectLst>
                   <a:outerShdw blurRad="63500" dist="38099" dir="2700000" algn="ctr" rotWithShape="0">
                     <a:schemeClr val="bg2">
@@ -22534,14 +22534,14 @@
           <a:effectLst/>
           <a:extLst>
             <a:ext uri="{909E8E84-426E-40dd-AFC4-6F175D3DCCD1}">
-              <a14:hiddenFill xmlns:a14="http://schemas.microsoft.com/office/drawing/2010/main" xmlns="">
+              <a14:hiddenFill xmlns="" xmlns:a14="http://schemas.microsoft.com/office/drawing/2010/main">
                 <a:solidFill>
                   <a:schemeClr val="accent1"/>
                 </a:solidFill>
               </a14:hiddenFill>
             </a:ext>
             <a:ext uri="{AF507438-7753-43e0-B8FC-AC1667EBCBE1}">
-              <a14:hiddenEffects xmlns:a14="http://schemas.microsoft.com/office/drawing/2010/main" xmlns="">
+              <a14:hiddenEffects xmlns="" xmlns:a14="http://schemas.microsoft.com/office/drawing/2010/main">
                 <a:effectLst>
                   <a:outerShdw blurRad="63500" dist="38099" dir="2700000" algn="ctr" rotWithShape="0">
                     <a:schemeClr val="bg2">
@@ -22967,14 +22967,14 @@
           <a:effectLst/>
           <a:extLst>
             <a:ext uri="{909E8E84-426E-40dd-AFC4-6F175D3DCCD1}">
-              <a14:hiddenFill xmlns:a14="http://schemas.microsoft.com/office/drawing/2010/main" xmlns="">
+              <a14:hiddenFill xmlns="" xmlns:a14="http://schemas.microsoft.com/office/drawing/2010/main">
                 <a:solidFill>
                   <a:schemeClr val="accent1"/>
                 </a:solidFill>
               </a14:hiddenFill>
             </a:ext>
             <a:ext uri="{91240B29-F687-4f45-9708-019B960494DF}">
-              <a14:hiddenLine xmlns:a14="http://schemas.microsoft.com/office/drawing/2010/main" xmlns="" w="9525">
+              <a14:hiddenLine xmlns="" xmlns:a14="http://schemas.microsoft.com/office/drawing/2010/main" w="9525">
                 <a:solidFill>
                   <a:schemeClr val="tx1"/>
                 </a:solidFill>
@@ -22984,7 +22984,7 @@
               </a14:hiddenLine>
             </a:ext>
             <a:ext uri="{AF507438-7753-43e0-B8FC-AC1667EBCBE1}">
-              <a14:hiddenEffects xmlns:a14="http://schemas.microsoft.com/office/drawing/2010/main" xmlns="">
+              <a14:hiddenEffects xmlns="" xmlns:a14="http://schemas.microsoft.com/office/drawing/2010/main">
                 <a:effectLst>
                   <a:outerShdw blurRad="63500" dist="38099" dir="2700000" algn="ctr" rotWithShape="0">
                     <a:schemeClr val="bg2">
@@ -23155,14 +23155,14 @@
           <a:effectLst/>
           <a:extLst>
             <a:ext uri="{909E8E84-426E-40dd-AFC4-6F175D3DCCD1}">
-              <a14:hiddenFill xmlns:a14="http://schemas.microsoft.com/office/drawing/2010/main" xmlns="">
+              <a14:hiddenFill xmlns="" xmlns:a14="http://schemas.microsoft.com/office/drawing/2010/main">
                 <a:solidFill>
                   <a:schemeClr val="accent1"/>
                 </a:solidFill>
               </a14:hiddenFill>
             </a:ext>
             <a:ext uri="{AF507438-7753-43e0-B8FC-AC1667EBCBE1}">
-              <a14:hiddenEffects xmlns:a14="http://schemas.microsoft.com/office/drawing/2010/main" xmlns="">
+              <a14:hiddenEffects xmlns="" xmlns:a14="http://schemas.microsoft.com/office/drawing/2010/main">
                 <a:effectLst>
                   <a:outerShdw blurRad="63500" dist="38099" dir="2700000" algn="ctr" rotWithShape="0">
                     <a:schemeClr val="bg2">
@@ -23247,14 +23247,14 @@
           <a:effectLst/>
           <a:extLst>
             <a:ext uri="{909E8E84-426E-40dd-AFC4-6F175D3DCCD1}">
-              <a14:hiddenFill xmlns:a14="http://schemas.microsoft.com/office/drawing/2010/main" xmlns="">
+              <a14:hiddenFill xmlns="" xmlns:a14="http://schemas.microsoft.com/office/drawing/2010/main">
                 <a:solidFill>
                   <a:schemeClr val="accent1"/>
                 </a:solidFill>
               </a14:hiddenFill>
             </a:ext>
             <a:ext uri="{AF507438-7753-43e0-B8FC-AC1667EBCBE1}">
-              <a14:hiddenEffects xmlns:a14="http://schemas.microsoft.com/office/drawing/2010/main" xmlns="">
+              <a14:hiddenEffects xmlns="" xmlns:a14="http://schemas.microsoft.com/office/drawing/2010/main">
                 <a:effectLst>
                   <a:outerShdw blurRad="63500" dist="38099" dir="2700000" algn="ctr" rotWithShape="0">
                     <a:schemeClr val="bg2">
@@ -23339,14 +23339,14 @@
           <a:effectLst/>
           <a:extLst>
             <a:ext uri="{909E8E84-426E-40dd-AFC4-6F175D3DCCD1}">
-              <a14:hiddenFill xmlns:a14="http://schemas.microsoft.com/office/drawing/2010/main" xmlns="">
+              <a14:hiddenFill xmlns="" xmlns:a14="http://schemas.microsoft.com/office/drawing/2010/main">
                 <a:solidFill>
                   <a:schemeClr val="accent1"/>
                 </a:solidFill>
               </a14:hiddenFill>
             </a:ext>
             <a:ext uri="{AF507438-7753-43e0-B8FC-AC1667EBCBE1}">
-              <a14:hiddenEffects xmlns:a14="http://schemas.microsoft.com/office/drawing/2010/main" xmlns="">
+              <a14:hiddenEffects xmlns="" xmlns:a14="http://schemas.microsoft.com/office/drawing/2010/main">
                 <a:effectLst>
                   <a:outerShdw blurRad="63500" dist="38099" dir="2700000" algn="ctr" rotWithShape="0">
                     <a:schemeClr val="bg2">
@@ -23431,14 +23431,14 @@
           <a:effectLst/>
           <a:extLst>
             <a:ext uri="{909E8E84-426E-40dd-AFC4-6F175D3DCCD1}">
-              <a14:hiddenFill xmlns:a14="http://schemas.microsoft.com/office/drawing/2010/main" xmlns="">
+              <a14:hiddenFill xmlns="" xmlns:a14="http://schemas.microsoft.com/office/drawing/2010/main">
                 <a:solidFill>
                   <a:schemeClr val="accent1"/>
                 </a:solidFill>
               </a14:hiddenFill>
             </a:ext>
             <a:ext uri="{AF507438-7753-43e0-B8FC-AC1667EBCBE1}">
-              <a14:hiddenEffects xmlns:a14="http://schemas.microsoft.com/office/drawing/2010/main" xmlns="">
+              <a14:hiddenEffects xmlns="" xmlns:a14="http://schemas.microsoft.com/office/drawing/2010/main">
                 <a:effectLst>
                   <a:outerShdw blurRad="63500" dist="38099" dir="2700000" algn="ctr" rotWithShape="0">
                     <a:schemeClr val="bg2">
@@ -23523,14 +23523,14 @@
           <a:effectLst/>
           <a:extLst>
             <a:ext uri="{909E8E84-426E-40dd-AFC4-6F175D3DCCD1}">
-              <a14:hiddenFill xmlns:a14="http://schemas.microsoft.com/office/drawing/2010/main" xmlns="">
+              <a14:hiddenFill xmlns="" xmlns:a14="http://schemas.microsoft.com/office/drawing/2010/main">
                 <a:solidFill>
                   <a:schemeClr val="accent1"/>
                 </a:solidFill>
               </a14:hiddenFill>
             </a:ext>
             <a:ext uri="{AF507438-7753-43e0-B8FC-AC1667EBCBE1}">
-              <a14:hiddenEffects xmlns:a14="http://schemas.microsoft.com/office/drawing/2010/main" xmlns="">
+              <a14:hiddenEffects xmlns="" xmlns:a14="http://schemas.microsoft.com/office/drawing/2010/main">
                 <a:effectLst>
                   <a:outerShdw blurRad="63500" dist="38099" dir="2700000" algn="ctr" rotWithShape="0">
                     <a:schemeClr val="bg2">
@@ -23609,14 +23609,14 @@
           <a:effectLst/>
           <a:extLst>
             <a:ext uri="{909E8E84-426E-40dd-AFC4-6F175D3DCCD1}">
-              <a14:hiddenFill xmlns:a14="http://schemas.microsoft.com/office/drawing/2010/main" xmlns="">
+              <a14:hiddenFill xmlns="" xmlns:a14="http://schemas.microsoft.com/office/drawing/2010/main">
                 <a:solidFill>
                   <a:schemeClr val="accent1"/>
                 </a:solidFill>
               </a14:hiddenFill>
             </a:ext>
             <a:ext uri="{AF507438-7753-43e0-B8FC-AC1667EBCBE1}">
-              <a14:hiddenEffects xmlns:a14="http://schemas.microsoft.com/office/drawing/2010/main" xmlns="">
+              <a14:hiddenEffects xmlns="" xmlns:a14="http://schemas.microsoft.com/office/drawing/2010/main">
                 <a:effectLst>
                   <a:outerShdw blurRad="63500" dist="38099" dir="2700000" algn="ctr" rotWithShape="0">
                     <a:schemeClr val="bg2">
@@ -23695,14 +23695,14 @@
           <a:effectLst/>
           <a:extLst>
             <a:ext uri="{909E8E84-426E-40dd-AFC4-6F175D3DCCD1}">
-              <a14:hiddenFill xmlns:a14="http://schemas.microsoft.com/office/drawing/2010/main" xmlns="">
+              <a14:hiddenFill xmlns="" xmlns:a14="http://schemas.microsoft.com/office/drawing/2010/main">
                 <a:solidFill>
                   <a:schemeClr val="accent1"/>
                 </a:solidFill>
               </a14:hiddenFill>
             </a:ext>
             <a:ext uri="{AF507438-7753-43e0-B8FC-AC1667EBCBE1}">
-              <a14:hiddenEffects xmlns:a14="http://schemas.microsoft.com/office/drawing/2010/main" xmlns="">
+              <a14:hiddenEffects xmlns="" xmlns:a14="http://schemas.microsoft.com/office/drawing/2010/main">
                 <a:effectLst>
                   <a:outerShdw blurRad="63500" dist="38099" dir="2700000" algn="ctr" rotWithShape="0">
                     <a:schemeClr val="bg2">
@@ -23781,12 +23781,12 @@
           <a:effectLst/>
           <a:extLst>
             <a:ext uri="{909E8E84-426E-40dd-AFC4-6F175D3DCCD1}">
-              <a14:hiddenFill xmlns:a14="http://schemas.microsoft.com/office/drawing/2010/main" xmlns="">
+              <a14:hiddenFill xmlns="" xmlns:a14="http://schemas.microsoft.com/office/drawing/2010/main">
                 <a:noFill/>
               </a14:hiddenFill>
             </a:ext>
             <a:ext uri="{AF507438-7753-43e0-B8FC-AC1667EBCBE1}">
-              <a14:hiddenEffects xmlns:a14="http://schemas.microsoft.com/office/drawing/2010/main" xmlns="">
+              <a14:hiddenEffects xmlns="" xmlns:a14="http://schemas.microsoft.com/office/drawing/2010/main">
                 <a:effectLst>
                   <a:outerShdw blurRad="63500" dist="38099" dir="2700000" algn="ctr" rotWithShape="0">
                     <a:schemeClr val="bg2">
@@ -23829,14 +23829,14 @@
           <a:effectLst/>
           <a:extLst>
             <a:ext uri="{909E8E84-426E-40dd-AFC4-6F175D3DCCD1}">
-              <a14:hiddenFill xmlns:a14="http://schemas.microsoft.com/office/drawing/2010/main" xmlns="">
+              <a14:hiddenFill xmlns="" xmlns:a14="http://schemas.microsoft.com/office/drawing/2010/main">
                 <a:solidFill>
                   <a:schemeClr val="accent1"/>
                 </a:solidFill>
               </a14:hiddenFill>
             </a:ext>
             <a:ext uri="{91240B29-F687-4f45-9708-019B960494DF}">
-              <a14:hiddenLine xmlns:a14="http://schemas.microsoft.com/office/drawing/2010/main" xmlns="" w="9525">
+              <a14:hiddenLine xmlns="" xmlns:a14="http://schemas.microsoft.com/office/drawing/2010/main" w="9525">
                 <a:solidFill>
                   <a:schemeClr val="tx1"/>
                 </a:solidFill>
@@ -23846,7 +23846,7 @@
               </a14:hiddenLine>
             </a:ext>
             <a:ext uri="{AF507438-7753-43e0-B8FC-AC1667EBCBE1}">
-              <a14:hiddenEffects xmlns:a14="http://schemas.microsoft.com/office/drawing/2010/main" xmlns="">
+              <a14:hiddenEffects xmlns="" xmlns:a14="http://schemas.microsoft.com/office/drawing/2010/main">
                 <a:effectLst>
                   <a:outerShdw blurRad="63500" dist="38099" dir="2700000" algn="ctr" rotWithShape="0">
                     <a:schemeClr val="bg2">
@@ -23904,12 +23904,12 @@
           <a:effectLst/>
           <a:extLst>
             <a:ext uri="{909E8E84-426E-40dd-AFC4-6F175D3DCCD1}">
-              <a14:hiddenFill xmlns:a14="http://schemas.microsoft.com/office/drawing/2010/main" xmlns="">
+              <a14:hiddenFill xmlns="" xmlns:a14="http://schemas.microsoft.com/office/drawing/2010/main">
                 <a:noFill/>
               </a14:hiddenFill>
             </a:ext>
             <a:ext uri="{AF507438-7753-43e0-B8FC-AC1667EBCBE1}">
-              <a14:hiddenEffects xmlns:a14="http://schemas.microsoft.com/office/drawing/2010/main" xmlns="">
+              <a14:hiddenEffects xmlns="" xmlns:a14="http://schemas.microsoft.com/office/drawing/2010/main">
                 <a:effectLst>
                   <a:outerShdw blurRad="63500" dist="38099" dir="2700000" algn="ctr" rotWithShape="0">
                     <a:schemeClr val="bg2">
@@ -23952,14 +23952,14 @@
           <a:effectLst/>
           <a:extLst>
             <a:ext uri="{909E8E84-426E-40dd-AFC4-6F175D3DCCD1}">
-              <a14:hiddenFill xmlns:a14="http://schemas.microsoft.com/office/drawing/2010/main" xmlns="">
+              <a14:hiddenFill xmlns="" xmlns:a14="http://schemas.microsoft.com/office/drawing/2010/main">
                 <a:solidFill>
                   <a:schemeClr val="accent1"/>
                 </a:solidFill>
               </a14:hiddenFill>
             </a:ext>
             <a:ext uri="{91240B29-F687-4f45-9708-019B960494DF}">
-              <a14:hiddenLine xmlns:a14="http://schemas.microsoft.com/office/drawing/2010/main" xmlns="" w="9525">
+              <a14:hiddenLine xmlns="" xmlns:a14="http://schemas.microsoft.com/office/drawing/2010/main" w="9525">
                 <a:solidFill>
                   <a:schemeClr val="tx1"/>
                 </a:solidFill>
@@ -23969,7 +23969,7 @@
               </a14:hiddenLine>
             </a:ext>
             <a:ext uri="{AF507438-7753-43e0-B8FC-AC1667EBCBE1}">
-              <a14:hiddenEffects xmlns:a14="http://schemas.microsoft.com/office/drawing/2010/main" xmlns="">
+              <a14:hiddenEffects xmlns="" xmlns:a14="http://schemas.microsoft.com/office/drawing/2010/main">
                 <a:effectLst>
                   <a:outerShdw blurRad="63500" dist="38099" dir="2700000" algn="ctr" rotWithShape="0">
                     <a:schemeClr val="bg2">
@@ -24027,12 +24027,12 @@
           <a:effectLst/>
           <a:extLst>
             <a:ext uri="{909E8E84-426E-40dd-AFC4-6F175D3DCCD1}">
-              <a14:hiddenFill xmlns:a14="http://schemas.microsoft.com/office/drawing/2010/main" xmlns="">
+              <a14:hiddenFill xmlns="" xmlns:a14="http://schemas.microsoft.com/office/drawing/2010/main">
                 <a:noFill/>
               </a14:hiddenFill>
             </a:ext>
             <a:ext uri="{AF507438-7753-43e0-B8FC-AC1667EBCBE1}">
-              <a14:hiddenEffects xmlns:a14="http://schemas.microsoft.com/office/drawing/2010/main" xmlns="">
+              <a14:hiddenEffects xmlns="" xmlns:a14="http://schemas.microsoft.com/office/drawing/2010/main">
                 <a:effectLst>
                   <a:outerShdw blurRad="63500" dist="38099" dir="2700000" algn="ctr" rotWithShape="0">
                     <a:schemeClr val="bg2">
@@ -24075,14 +24075,14 @@
           <a:effectLst/>
           <a:extLst>
             <a:ext uri="{909E8E84-426E-40dd-AFC4-6F175D3DCCD1}">
-              <a14:hiddenFill xmlns:a14="http://schemas.microsoft.com/office/drawing/2010/main" xmlns="">
+              <a14:hiddenFill xmlns="" xmlns:a14="http://schemas.microsoft.com/office/drawing/2010/main">
                 <a:solidFill>
                   <a:schemeClr val="accent1"/>
                 </a:solidFill>
               </a14:hiddenFill>
             </a:ext>
             <a:ext uri="{91240B29-F687-4f45-9708-019B960494DF}">
-              <a14:hiddenLine xmlns:a14="http://schemas.microsoft.com/office/drawing/2010/main" xmlns="" w="9525">
+              <a14:hiddenLine xmlns="" xmlns:a14="http://schemas.microsoft.com/office/drawing/2010/main" w="9525">
                 <a:solidFill>
                   <a:schemeClr val="tx1"/>
                 </a:solidFill>
@@ -24092,7 +24092,7 @@
               </a14:hiddenLine>
             </a:ext>
             <a:ext uri="{AF507438-7753-43e0-B8FC-AC1667EBCBE1}">
-              <a14:hiddenEffects xmlns:a14="http://schemas.microsoft.com/office/drawing/2010/main" xmlns="">
+              <a14:hiddenEffects xmlns="" xmlns:a14="http://schemas.microsoft.com/office/drawing/2010/main">
                 <a:effectLst>
                   <a:outerShdw blurRad="63500" dist="38099" dir="2700000" algn="ctr" rotWithShape="0">
                     <a:schemeClr val="bg2">
@@ -24153,12 +24153,12 @@
           <a:effectLst/>
           <a:extLst>
             <a:ext uri="{909E8E84-426E-40dd-AFC4-6F175D3DCCD1}">
-              <a14:hiddenFill xmlns:a14="http://schemas.microsoft.com/office/drawing/2010/main" xmlns="">
+              <a14:hiddenFill xmlns="" xmlns:a14="http://schemas.microsoft.com/office/drawing/2010/main">
                 <a:noFill/>
               </a14:hiddenFill>
             </a:ext>
             <a:ext uri="{AF507438-7753-43e0-B8FC-AC1667EBCBE1}">
-              <a14:hiddenEffects xmlns:a14="http://schemas.microsoft.com/office/drawing/2010/main" xmlns="">
+              <a14:hiddenEffects xmlns="" xmlns:a14="http://schemas.microsoft.com/office/drawing/2010/main">
                 <a:effectLst>
                   <a:outerShdw blurRad="63500" dist="38099" dir="2700000" algn="ctr" rotWithShape="0">
                     <a:schemeClr val="bg2">
@@ -24201,14 +24201,14 @@
           <a:effectLst/>
           <a:extLst>
             <a:ext uri="{909E8E84-426E-40dd-AFC4-6F175D3DCCD1}">
-              <a14:hiddenFill xmlns:a14="http://schemas.microsoft.com/office/drawing/2010/main" xmlns="">
+              <a14:hiddenFill xmlns="" xmlns:a14="http://schemas.microsoft.com/office/drawing/2010/main">
                 <a:solidFill>
                   <a:schemeClr val="accent1"/>
                 </a:solidFill>
               </a14:hiddenFill>
             </a:ext>
             <a:ext uri="{91240B29-F687-4f45-9708-019B960494DF}">
-              <a14:hiddenLine xmlns:a14="http://schemas.microsoft.com/office/drawing/2010/main" xmlns="" w="9525">
+              <a14:hiddenLine xmlns="" xmlns:a14="http://schemas.microsoft.com/office/drawing/2010/main" w="9525">
                 <a:solidFill>
                   <a:schemeClr val="tx1"/>
                 </a:solidFill>
@@ -24218,7 +24218,7 @@
               </a14:hiddenLine>
             </a:ext>
             <a:ext uri="{AF507438-7753-43e0-B8FC-AC1667EBCBE1}">
-              <a14:hiddenEffects xmlns:a14="http://schemas.microsoft.com/office/drawing/2010/main" xmlns="">
+              <a14:hiddenEffects xmlns="" xmlns:a14="http://schemas.microsoft.com/office/drawing/2010/main">
                 <a:effectLst>
                   <a:outerShdw blurRad="63500" dist="38099" dir="2700000" algn="ctr" rotWithShape="0">
                     <a:schemeClr val="bg2">
@@ -24273,12 +24273,12 @@
           <a:effectLst/>
           <a:extLst>
             <a:ext uri="{909E8E84-426E-40dd-AFC4-6F175D3DCCD1}">
-              <a14:hiddenFill xmlns:a14="http://schemas.microsoft.com/office/drawing/2010/main" xmlns="">
+              <a14:hiddenFill xmlns="" xmlns:a14="http://schemas.microsoft.com/office/drawing/2010/main">
                 <a:noFill/>
               </a14:hiddenFill>
             </a:ext>
             <a:ext uri="{AF507438-7753-43e0-B8FC-AC1667EBCBE1}">
-              <a14:hiddenEffects xmlns:a14="http://schemas.microsoft.com/office/drawing/2010/main" xmlns="">
+              <a14:hiddenEffects xmlns="" xmlns:a14="http://schemas.microsoft.com/office/drawing/2010/main">
                 <a:effectLst>
                   <a:outerShdw blurRad="63500" dist="38099" dir="2700000" algn="ctr" rotWithShape="0">
                     <a:schemeClr val="bg2">
@@ -24321,14 +24321,14 @@
           <a:effectLst/>
           <a:extLst>
             <a:ext uri="{909E8E84-426E-40dd-AFC4-6F175D3DCCD1}">
-              <a14:hiddenFill xmlns:a14="http://schemas.microsoft.com/office/drawing/2010/main" xmlns="">
+              <a14:hiddenFill xmlns="" xmlns:a14="http://schemas.microsoft.com/office/drawing/2010/main">
                 <a:solidFill>
                   <a:schemeClr val="accent1"/>
                 </a:solidFill>
               </a14:hiddenFill>
             </a:ext>
             <a:ext uri="{91240B29-F687-4f45-9708-019B960494DF}">
-              <a14:hiddenLine xmlns:a14="http://schemas.microsoft.com/office/drawing/2010/main" xmlns="" w="9525">
+              <a14:hiddenLine xmlns="" xmlns:a14="http://schemas.microsoft.com/office/drawing/2010/main" w="9525">
                 <a:solidFill>
                   <a:schemeClr val="tx1"/>
                 </a:solidFill>
@@ -24338,7 +24338,7 @@
               </a14:hiddenLine>
             </a:ext>
             <a:ext uri="{AF507438-7753-43e0-B8FC-AC1667EBCBE1}">
-              <a14:hiddenEffects xmlns:a14="http://schemas.microsoft.com/office/drawing/2010/main" xmlns="">
+              <a14:hiddenEffects xmlns="" xmlns:a14="http://schemas.microsoft.com/office/drawing/2010/main">
                 <a:effectLst>
                   <a:outerShdw blurRad="63500" dist="38099" dir="2700000" algn="ctr" rotWithShape="0">
                     <a:schemeClr val="bg2">
@@ -24393,12 +24393,12 @@
           <a:effectLst/>
           <a:extLst>
             <a:ext uri="{909E8E84-426E-40dd-AFC4-6F175D3DCCD1}">
-              <a14:hiddenFill xmlns:a14="http://schemas.microsoft.com/office/drawing/2010/main" xmlns="">
+              <a14:hiddenFill xmlns="" xmlns:a14="http://schemas.microsoft.com/office/drawing/2010/main">
                 <a:noFill/>
               </a14:hiddenFill>
             </a:ext>
             <a:ext uri="{AF507438-7753-43e0-B8FC-AC1667EBCBE1}">
-              <a14:hiddenEffects xmlns:a14="http://schemas.microsoft.com/office/drawing/2010/main" xmlns="">
+              <a14:hiddenEffects xmlns="" xmlns:a14="http://schemas.microsoft.com/office/drawing/2010/main">
                 <a:effectLst>
                   <a:outerShdw blurRad="63500" dist="38099" dir="2700000" algn="ctr" rotWithShape="0">
                     <a:schemeClr val="bg2">
@@ -24441,14 +24441,14 @@
           <a:effectLst/>
           <a:extLst>
             <a:ext uri="{909E8E84-426E-40dd-AFC4-6F175D3DCCD1}">
-              <a14:hiddenFill xmlns:a14="http://schemas.microsoft.com/office/drawing/2010/main" xmlns="">
+              <a14:hiddenFill xmlns="" xmlns:a14="http://schemas.microsoft.com/office/drawing/2010/main">
                 <a:solidFill>
                   <a:schemeClr val="accent1"/>
                 </a:solidFill>
               </a14:hiddenFill>
             </a:ext>
             <a:ext uri="{91240B29-F687-4f45-9708-019B960494DF}">
-              <a14:hiddenLine xmlns:a14="http://schemas.microsoft.com/office/drawing/2010/main" xmlns="" w="9525">
+              <a14:hiddenLine xmlns="" xmlns:a14="http://schemas.microsoft.com/office/drawing/2010/main" w="9525">
                 <a:solidFill>
                   <a:schemeClr val="tx1"/>
                 </a:solidFill>
@@ -24458,7 +24458,7 @@
               </a14:hiddenLine>
             </a:ext>
             <a:ext uri="{AF507438-7753-43e0-B8FC-AC1667EBCBE1}">
-              <a14:hiddenEffects xmlns:a14="http://schemas.microsoft.com/office/drawing/2010/main" xmlns="">
+              <a14:hiddenEffects xmlns="" xmlns:a14="http://schemas.microsoft.com/office/drawing/2010/main">
                 <a:effectLst>
                   <a:outerShdw blurRad="63500" dist="38099" dir="2700000" algn="ctr" rotWithShape="0">
                     <a:schemeClr val="bg2">
@@ -24513,12 +24513,12 @@
           <a:effectLst/>
           <a:extLst>
             <a:ext uri="{909E8E84-426E-40dd-AFC4-6F175D3DCCD1}">
-              <a14:hiddenFill xmlns:a14="http://schemas.microsoft.com/office/drawing/2010/main" xmlns="">
+              <a14:hiddenFill xmlns="" xmlns:a14="http://schemas.microsoft.com/office/drawing/2010/main">
                 <a:noFill/>
               </a14:hiddenFill>
             </a:ext>
             <a:ext uri="{AF507438-7753-43e0-B8FC-AC1667EBCBE1}">
-              <a14:hiddenEffects xmlns:a14="http://schemas.microsoft.com/office/drawing/2010/main" xmlns="">
+              <a14:hiddenEffects xmlns="" xmlns:a14="http://schemas.microsoft.com/office/drawing/2010/main">
                 <a:effectLst>
                   <a:outerShdw blurRad="63500" dist="38099" dir="2700000" algn="ctr" rotWithShape="0">
                     <a:schemeClr val="bg2">
@@ -24561,14 +24561,14 @@
           <a:effectLst/>
           <a:extLst>
             <a:ext uri="{909E8E84-426E-40dd-AFC4-6F175D3DCCD1}">
-              <a14:hiddenFill xmlns:a14="http://schemas.microsoft.com/office/drawing/2010/main" xmlns="">
+              <a14:hiddenFill xmlns="" xmlns:a14="http://schemas.microsoft.com/office/drawing/2010/main">
                 <a:solidFill>
                   <a:schemeClr val="accent1"/>
                 </a:solidFill>
               </a14:hiddenFill>
             </a:ext>
             <a:ext uri="{91240B29-F687-4f45-9708-019B960494DF}">
-              <a14:hiddenLine xmlns:a14="http://schemas.microsoft.com/office/drawing/2010/main" xmlns="" w="9525">
+              <a14:hiddenLine xmlns="" xmlns:a14="http://schemas.microsoft.com/office/drawing/2010/main" w="9525">
                 <a:solidFill>
                   <a:schemeClr val="tx1"/>
                 </a:solidFill>
@@ -24578,7 +24578,7 @@
               </a14:hiddenLine>
             </a:ext>
             <a:ext uri="{AF507438-7753-43e0-B8FC-AC1667EBCBE1}">
-              <a14:hiddenEffects xmlns:a14="http://schemas.microsoft.com/office/drawing/2010/main" xmlns="">
+              <a14:hiddenEffects xmlns="" xmlns:a14="http://schemas.microsoft.com/office/drawing/2010/main">
                 <a:effectLst>
                   <a:outerShdw blurRad="63500" dist="38099" dir="2700000" algn="ctr" rotWithShape="0">
                     <a:schemeClr val="bg2">
@@ -24741,14 +24741,14 @@
           <a:effectLst/>
           <a:extLst>
             <a:ext uri="{909E8E84-426E-40dd-AFC4-6F175D3DCCD1}">
-              <a14:hiddenFill xmlns:a14="http://schemas.microsoft.com/office/drawing/2010/main" xmlns="">
+              <a14:hiddenFill xmlns="" xmlns:a14="http://schemas.microsoft.com/office/drawing/2010/main">
                 <a:solidFill>
                   <a:schemeClr val="accent1"/>
                 </a:solidFill>
               </a14:hiddenFill>
             </a:ext>
             <a:ext uri="{AF507438-7753-43e0-B8FC-AC1667EBCBE1}">
-              <a14:hiddenEffects xmlns:a14="http://schemas.microsoft.com/office/drawing/2010/main" xmlns="">
+              <a14:hiddenEffects xmlns="" xmlns:a14="http://schemas.microsoft.com/office/drawing/2010/main">
                 <a:effectLst>
                   <a:outerShdw blurRad="63500" dist="38099" dir="2700000" algn="ctr" rotWithShape="0">
                     <a:schemeClr val="bg2">
@@ -24791,14 +24791,14 @@
           <a:effectLst/>
           <a:extLst>
             <a:ext uri="{909E8E84-426E-40dd-AFC4-6F175D3DCCD1}">
-              <a14:hiddenFill xmlns:a14="http://schemas.microsoft.com/office/drawing/2010/main" xmlns="">
+              <a14:hiddenFill xmlns="" xmlns:a14="http://schemas.microsoft.com/office/drawing/2010/main">
                 <a:solidFill>
                   <a:schemeClr val="accent1"/>
                 </a:solidFill>
               </a14:hiddenFill>
             </a:ext>
             <a:ext uri="{91240B29-F687-4f45-9708-019B960494DF}">
-              <a14:hiddenLine xmlns:a14="http://schemas.microsoft.com/office/drawing/2010/main" xmlns="" w="9525">
+              <a14:hiddenLine xmlns="" xmlns:a14="http://schemas.microsoft.com/office/drawing/2010/main" w="9525">
                 <a:solidFill>
                   <a:schemeClr val="tx1"/>
                 </a:solidFill>
@@ -24808,7 +24808,7 @@
               </a14:hiddenLine>
             </a:ext>
             <a:ext uri="{AF507438-7753-43e0-B8FC-AC1667EBCBE1}">
-              <a14:hiddenEffects xmlns:a14="http://schemas.microsoft.com/office/drawing/2010/main" xmlns="">
+              <a14:hiddenEffects xmlns="" xmlns:a14="http://schemas.microsoft.com/office/drawing/2010/main">
                 <a:effectLst>
                   <a:outerShdw blurRad="63500" dist="38099" dir="2700000" algn="ctr" rotWithShape="0">
                     <a:schemeClr val="bg2">
@@ -24889,14 +24889,14 @@
           <a:effectLst/>
           <a:extLst>
             <a:ext uri="{909E8E84-426E-40dd-AFC4-6F175D3DCCD1}">
-              <a14:hiddenFill xmlns:a14="http://schemas.microsoft.com/office/drawing/2010/main" xmlns="">
+              <a14:hiddenFill xmlns="" xmlns:a14="http://schemas.microsoft.com/office/drawing/2010/main">
                 <a:solidFill>
                   <a:schemeClr val="accent1"/>
                 </a:solidFill>
               </a14:hiddenFill>
             </a:ext>
             <a:ext uri="{91240B29-F687-4f45-9708-019B960494DF}">
-              <a14:hiddenLine xmlns:a14="http://schemas.microsoft.com/office/drawing/2010/main" xmlns="" w="9525">
+              <a14:hiddenLine xmlns="" xmlns:a14="http://schemas.microsoft.com/office/drawing/2010/main" w="9525">
                 <a:solidFill>
                   <a:schemeClr val="tx1"/>
                 </a:solidFill>
@@ -24906,7 +24906,7 @@
               </a14:hiddenLine>
             </a:ext>
             <a:ext uri="{AF507438-7753-43e0-B8FC-AC1667EBCBE1}">
-              <a14:hiddenEffects xmlns:a14="http://schemas.microsoft.com/office/drawing/2010/main" xmlns="">
+              <a14:hiddenEffects xmlns="" xmlns:a14="http://schemas.microsoft.com/office/drawing/2010/main">
                 <a:effectLst>
                   <a:outerShdw blurRad="63500" dist="38099" dir="2700000" algn="ctr" rotWithShape="0">
                     <a:schemeClr val="bg2">
@@ -25083,14 +25083,14 @@
           <a:effectLst/>
           <a:extLst>
             <a:ext uri="{909E8E84-426E-40dd-AFC4-6F175D3DCCD1}">
-              <a14:hiddenFill xmlns:a14="http://schemas.microsoft.com/office/drawing/2010/main" xmlns="">
+              <a14:hiddenFill xmlns="" xmlns:a14="http://schemas.microsoft.com/office/drawing/2010/main">
                 <a:solidFill>
                   <a:schemeClr val="accent1"/>
                 </a:solidFill>
               </a14:hiddenFill>
             </a:ext>
             <a:ext uri="{AF507438-7753-43e0-B8FC-AC1667EBCBE1}">
-              <a14:hiddenEffects xmlns:a14="http://schemas.microsoft.com/office/drawing/2010/main" xmlns="">
+              <a14:hiddenEffects xmlns="" xmlns:a14="http://schemas.microsoft.com/office/drawing/2010/main">
                 <a:effectLst>
                   <a:outerShdw blurRad="63500" dist="38099" dir="2700000" algn="ctr" rotWithShape="0">
                     <a:schemeClr val="bg2">
@@ -25175,14 +25175,14 @@
           <a:effectLst/>
           <a:extLst>
             <a:ext uri="{909E8E84-426E-40dd-AFC4-6F175D3DCCD1}">
-              <a14:hiddenFill xmlns:a14="http://schemas.microsoft.com/office/drawing/2010/main" xmlns="">
+              <a14:hiddenFill xmlns="" xmlns:a14="http://schemas.microsoft.com/office/drawing/2010/main">
                 <a:solidFill>
                   <a:schemeClr val="accent1"/>
                 </a:solidFill>
               </a14:hiddenFill>
             </a:ext>
             <a:ext uri="{AF507438-7753-43e0-B8FC-AC1667EBCBE1}">
-              <a14:hiddenEffects xmlns:a14="http://schemas.microsoft.com/office/drawing/2010/main" xmlns="">
+              <a14:hiddenEffects xmlns="" xmlns:a14="http://schemas.microsoft.com/office/drawing/2010/main">
                 <a:effectLst>
                   <a:outerShdw blurRad="63500" dist="38099" dir="2700000" algn="ctr" rotWithShape="0">
                     <a:schemeClr val="bg2">
@@ -25264,14 +25264,14 @@
           <a:effectLst/>
           <a:extLst>
             <a:ext uri="{909E8E84-426E-40dd-AFC4-6F175D3DCCD1}">
-              <a14:hiddenFill xmlns:a14="http://schemas.microsoft.com/office/drawing/2010/main" xmlns="">
+              <a14:hiddenFill xmlns="" xmlns:a14="http://schemas.microsoft.com/office/drawing/2010/main">
                 <a:solidFill>
                   <a:schemeClr val="accent1"/>
                 </a:solidFill>
               </a14:hiddenFill>
             </a:ext>
             <a:ext uri="{AF507438-7753-43e0-B8FC-AC1667EBCBE1}">
-              <a14:hiddenEffects xmlns:a14="http://schemas.microsoft.com/office/drawing/2010/main" xmlns="">
+              <a14:hiddenEffects xmlns="" xmlns:a14="http://schemas.microsoft.com/office/drawing/2010/main">
                 <a:effectLst>
                   <a:outerShdw blurRad="63500" dist="38099" dir="2700000" algn="ctr" rotWithShape="0">
                     <a:schemeClr val="bg2">
@@ -25356,14 +25356,14 @@
           <a:effectLst/>
           <a:extLst>
             <a:ext uri="{909E8E84-426E-40dd-AFC4-6F175D3DCCD1}">
-              <a14:hiddenFill xmlns:a14="http://schemas.microsoft.com/office/drawing/2010/main" xmlns="">
+              <a14:hiddenFill xmlns="" xmlns:a14="http://schemas.microsoft.com/office/drawing/2010/main">
                 <a:solidFill>
                   <a:schemeClr val="accent1"/>
                 </a:solidFill>
               </a14:hiddenFill>
             </a:ext>
             <a:ext uri="{AF507438-7753-43e0-B8FC-AC1667EBCBE1}">
-              <a14:hiddenEffects xmlns:a14="http://schemas.microsoft.com/office/drawing/2010/main" xmlns="">
+              <a14:hiddenEffects xmlns="" xmlns:a14="http://schemas.microsoft.com/office/drawing/2010/main">
                 <a:effectLst>
                   <a:outerShdw blurRad="63500" dist="38099" dir="2700000" algn="ctr" rotWithShape="0">
                     <a:schemeClr val="bg2">
@@ -25448,14 +25448,14 @@
           <a:effectLst/>
           <a:extLst>
             <a:ext uri="{909E8E84-426E-40dd-AFC4-6F175D3DCCD1}">
-              <a14:hiddenFill xmlns:a14="http://schemas.microsoft.com/office/drawing/2010/main" xmlns="">
+              <a14:hiddenFill xmlns="" xmlns:a14="http://schemas.microsoft.com/office/drawing/2010/main">
                 <a:solidFill>
                   <a:schemeClr val="accent1"/>
                 </a:solidFill>
               </a14:hiddenFill>
             </a:ext>
             <a:ext uri="{AF507438-7753-43e0-B8FC-AC1667EBCBE1}">
-              <a14:hiddenEffects xmlns:a14="http://schemas.microsoft.com/office/drawing/2010/main" xmlns="">
+              <a14:hiddenEffects xmlns="" xmlns:a14="http://schemas.microsoft.com/office/drawing/2010/main">
                 <a:effectLst>
                   <a:outerShdw blurRad="63500" dist="38099" dir="2700000" algn="ctr" rotWithShape="0">
                     <a:schemeClr val="bg2">
@@ -25534,14 +25534,14 @@
           <a:effectLst/>
           <a:extLst>
             <a:ext uri="{909E8E84-426E-40dd-AFC4-6F175D3DCCD1}">
-              <a14:hiddenFill xmlns:a14="http://schemas.microsoft.com/office/drawing/2010/main" xmlns="">
+              <a14:hiddenFill xmlns="" xmlns:a14="http://schemas.microsoft.com/office/drawing/2010/main">
                 <a:solidFill>
                   <a:schemeClr val="accent1"/>
                 </a:solidFill>
               </a14:hiddenFill>
             </a:ext>
             <a:ext uri="{AF507438-7753-43e0-B8FC-AC1667EBCBE1}">
-              <a14:hiddenEffects xmlns:a14="http://schemas.microsoft.com/office/drawing/2010/main" xmlns="">
+              <a14:hiddenEffects xmlns="" xmlns:a14="http://schemas.microsoft.com/office/drawing/2010/main">
                 <a:effectLst>
                   <a:outerShdw blurRad="63500" dist="38099" dir="2700000" algn="ctr" rotWithShape="0">
                     <a:schemeClr val="bg2">
@@ -25620,12 +25620,12 @@
           <a:effectLst/>
           <a:extLst>
             <a:ext uri="{909E8E84-426E-40dd-AFC4-6F175D3DCCD1}">
-              <a14:hiddenFill xmlns:a14="http://schemas.microsoft.com/office/drawing/2010/main" xmlns="">
+              <a14:hiddenFill xmlns="" xmlns:a14="http://schemas.microsoft.com/office/drawing/2010/main">
                 <a:noFill/>
               </a14:hiddenFill>
             </a:ext>
             <a:ext uri="{AF507438-7753-43e0-B8FC-AC1667EBCBE1}">
-              <a14:hiddenEffects xmlns:a14="http://schemas.microsoft.com/office/drawing/2010/main" xmlns="">
+              <a14:hiddenEffects xmlns="" xmlns:a14="http://schemas.microsoft.com/office/drawing/2010/main">
                 <a:effectLst>
                   <a:outerShdw blurRad="63500" dist="38099" dir="2700000" algn="ctr" rotWithShape="0">
                     <a:schemeClr val="bg2">
@@ -25668,14 +25668,14 @@
           <a:effectLst/>
           <a:extLst>
             <a:ext uri="{909E8E84-426E-40dd-AFC4-6F175D3DCCD1}">
-              <a14:hiddenFill xmlns:a14="http://schemas.microsoft.com/office/drawing/2010/main" xmlns="">
+              <a14:hiddenFill xmlns="" xmlns:a14="http://schemas.microsoft.com/office/drawing/2010/main">
                 <a:solidFill>
                   <a:schemeClr val="accent1"/>
                 </a:solidFill>
               </a14:hiddenFill>
             </a:ext>
             <a:ext uri="{91240B29-F687-4f45-9708-019B960494DF}">
-              <a14:hiddenLine xmlns:a14="http://schemas.microsoft.com/office/drawing/2010/main" xmlns="" w="9525">
+              <a14:hiddenLine xmlns="" xmlns:a14="http://schemas.microsoft.com/office/drawing/2010/main" w="9525">
                 <a:solidFill>
                   <a:schemeClr val="tx1"/>
                 </a:solidFill>
@@ -25685,7 +25685,7 @@
               </a14:hiddenLine>
             </a:ext>
             <a:ext uri="{AF507438-7753-43e0-B8FC-AC1667EBCBE1}">
-              <a14:hiddenEffects xmlns:a14="http://schemas.microsoft.com/office/drawing/2010/main" xmlns="">
+              <a14:hiddenEffects xmlns="" xmlns:a14="http://schemas.microsoft.com/office/drawing/2010/main">
                 <a:effectLst>
                   <a:outerShdw blurRad="63500" dist="38099" dir="2700000" algn="ctr" rotWithShape="0">
                     <a:schemeClr val="bg2">
@@ -25743,12 +25743,12 @@
           <a:effectLst/>
           <a:extLst>
             <a:ext uri="{909E8E84-426E-40dd-AFC4-6F175D3DCCD1}">
-              <a14:hiddenFill xmlns:a14="http://schemas.microsoft.com/office/drawing/2010/main" xmlns="">
+              <a14:hiddenFill xmlns="" xmlns:a14="http://schemas.microsoft.com/office/drawing/2010/main">
                 <a:noFill/>
               </a14:hiddenFill>
             </a:ext>
             <a:ext uri="{AF507438-7753-43e0-B8FC-AC1667EBCBE1}">
-              <a14:hiddenEffects xmlns:a14="http://schemas.microsoft.com/office/drawing/2010/main" xmlns="">
+              <a14:hiddenEffects xmlns="" xmlns:a14="http://schemas.microsoft.com/office/drawing/2010/main">
                 <a:effectLst>
                   <a:outerShdw blurRad="63500" dist="38099" dir="2700000" algn="ctr" rotWithShape="0">
                     <a:schemeClr val="bg2">
@@ -25791,14 +25791,14 @@
           <a:effectLst/>
           <a:extLst>
             <a:ext uri="{909E8E84-426E-40dd-AFC4-6F175D3DCCD1}">
-              <a14:hiddenFill xmlns:a14="http://schemas.microsoft.com/office/drawing/2010/main" xmlns="">
+              <a14:hiddenFill xmlns="" xmlns:a14="http://schemas.microsoft.com/office/drawing/2010/main">
                 <a:solidFill>
                   <a:schemeClr val="accent1"/>
                 </a:solidFill>
               </a14:hiddenFill>
             </a:ext>
             <a:ext uri="{91240B29-F687-4f45-9708-019B960494DF}">
-              <a14:hiddenLine xmlns:a14="http://schemas.microsoft.com/office/drawing/2010/main" xmlns="" w="9525">
+              <a14:hiddenLine xmlns="" xmlns:a14="http://schemas.microsoft.com/office/drawing/2010/main" w="9525">
                 <a:solidFill>
                   <a:schemeClr val="tx1"/>
                 </a:solidFill>
@@ -25808,7 +25808,7 @@
               </a14:hiddenLine>
             </a:ext>
             <a:ext uri="{AF507438-7753-43e0-B8FC-AC1667EBCBE1}">
-              <a14:hiddenEffects xmlns:a14="http://schemas.microsoft.com/office/drawing/2010/main" xmlns="">
+              <a14:hiddenEffects xmlns="" xmlns:a14="http://schemas.microsoft.com/office/drawing/2010/main">
                 <a:effectLst>
                   <a:outerShdw blurRad="63500" dist="38099" dir="2700000" algn="ctr" rotWithShape="0">
                     <a:schemeClr val="bg2">
@@ -25866,12 +25866,12 @@
           <a:effectLst/>
           <a:extLst>
             <a:ext uri="{909E8E84-426E-40dd-AFC4-6F175D3DCCD1}">
-              <a14:hiddenFill xmlns:a14="http://schemas.microsoft.com/office/drawing/2010/main" xmlns="">
+              <a14:hiddenFill xmlns="" xmlns:a14="http://schemas.microsoft.com/office/drawing/2010/main">
                 <a:noFill/>
               </a14:hiddenFill>
             </a:ext>
             <a:ext uri="{AF507438-7753-43e0-B8FC-AC1667EBCBE1}">
-              <a14:hiddenEffects xmlns:a14="http://schemas.microsoft.com/office/drawing/2010/main" xmlns="">
+              <a14:hiddenEffects xmlns="" xmlns:a14="http://schemas.microsoft.com/office/drawing/2010/main">
                 <a:effectLst>
                   <a:outerShdw blurRad="63500" dist="38099" dir="2700000" algn="ctr" rotWithShape="0">
                     <a:schemeClr val="bg2">
@@ -25914,14 +25914,14 @@
           <a:effectLst/>
           <a:extLst>
             <a:ext uri="{909E8E84-426E-40dd-AFC4-6F175D3DCCD1}">
-              <a14:hiddenFill xmlns:a14="http://schemas.microsoft.com/office/drawing/2010/main" xmlns="">
+              <a14:hiddenFill xmlns="" xmlns:a14="http://schemas.microsoft.com/office/drawing/2010/main">
                 <a:solidFill>
                   <a:schemeClr val="accent1"/>
                 </a:solidFill>
               </a14:hiddenFill>
             </a:ext>
             <a:ext uri="{91240B29-F687-4f45-9708-019B960494DF}">
-              <a14:hiddenLine xmlns:a14="http://schemas.microsoft.com/office/drawing/2010/main" xmlns="" w="9525">
+              <a14:hiddenLine xmlns="" xmlns:a14="http://schemas.microsoft.com/office/drawing/2010/main" w="9525">
                 <a:solidFill>
                   <a:schemeClr val="tx1"/>
                 </a:solidFill>
@@ -25931,7 +25931,7 @@
               </a14:hiddenLine>
             </a:ext>
             <a:ext uri="{AF507438-7753-43e0-B8FC-AC1667EBCBE1}">
-              <a14:hiddenEffects xmlns:a14="http://schemas.microsoft.com/office/drawing/2010/main" xmlns="">
+              <a14:hiddenEffects xmlns="" xmlns:a14="http://schemas.microsoft.com/office/drawing/2010/main">
                 <a:effectLst>
                   <a:outerShdw blurRad="63500" dist="38099" dir="2700000" algn="ctr" rotWithShape="0">
                     <a:schemeClr val="bg2">
@@ -25989,12 +25989,12 @@
           <a:effectLst/>
           <a:extLst>
             <a:ext uri="{909E8E84-426E-40dd-AFC4-6F175D3DCCD1}">
-              <a14:hiddenFill xmlns:a14="http://schemas.microsoft.com/office/drawing/2010/main" xmlns="">
+              <a14:hiddenFill xmlns="" xmlns:a14="http://schemas.microsoft.com/office/drawing/2010/main">
                 <a:noFill/>
               </a14:hiddenFill>
             </a:ext>
             <a:ext uri="{AF507438-7753-43e0-B8FC-AC1667EBCBE1}">
-              <a14:hiddenEffects xmlns:a14="http://schemas.microsoft.com/office/drawing/2010/main" xmlns="">
+              <a14:hiddenEffects xmlns="" xmlns:a14="http://schemas.microsoft.com/office/drawing/2010/main">
                 <a:effectLst>
                   <a:outerShdw blurRad="63500" dist="38099" dir="2700000" algn="ctr" rotWithShape="0">
                     <a:schemeClr val="bg2">
@@ -26037,14 +26037,14 @@
           <a:effectLst/>
           <a:extLst>
             <a:ext uri="{909E8E84-426E-40dd-AFC4-6F175D3DCCD1}">
-              <a14:hiddenFill xmlns:a14="http://schemas.microsoft.com/office/drawing/2010/main" xmlns="">
+              <a14:hiddenFill xmlns="" xmlns:a14="http://schemas.microsoft.com/office/drawing/2010/main">
                 <a:solidFill>
                   <a:schemeClr val="accent1"/>
                 </a:solidFill>
               </a14:hiddenFill>
             </a:ext>
             <a:ext uri="{91240B29-F687-4f45-9708-019B960494DF}">
-              <a14:hiddenLine xmlns:a14="http://schemas.microsoft.com/office/drawing/2010/main" xmlns="" w="9525">
+              <a14:hiddenLine xmlns="" xmlns:a14="http://schemas.microsoft.com/office/drawing/2010/main" w="9525">
                 <a:solidFill>
                   <a:schemeClr val="tx1"/>
                 </a:solidFill>
@@ -26054,7 +26054,7 @@
               </a14:hiddenLine>
             </a:ext>
             <a:ext uri="{AF507438-7753-43e0-B8FC-AC1667EBCBE1}">
-              <a14:hiddenEffects xmlns:a14="http://schemas.microsoft.com/office/drawing/2010/main" xmlns="">
+              <a14:hiddenEffects xmlns="" xmlns:a14="http://schemas.microsoft.com/office/drawing/2010/main">
                 <a:effectLst>
                   <a:outerShdw blurRad="63500" dist="38099" dir="2700000" algn="ctr" rotWithShape="0">
                     <a:schemeClr val="bg2">
@@ -26112,12 +26112,12 @@
           <a:effectLst/>
           <a:extLst>
             <a:ext uri="{909E8E84-426E-40dd-AFC4-6F175D3DCCD1}">
-              <a14:hiddenFill xmlns:a14="http://schemas.microsoft.com/office/drawing/2010/main" xmlns="">
+              <a14:hiddenFill xmlns="" xmlns:a14="http://schemas.microsoft.com/office/drawing/2010/main">
                 <a:noFill/>
               </a14:hiddenFill>
             </a:ext>
             <a:ext uri="{AF507438-7753-43e0-B8FC-AC1667EBCBE1}">
-              <a14:hiddenEffects xmlns:a14="http://schemas.microsoft.com/office/drawing/2010/main" xmlns="">
+              <a14:hiddenEffects xmlns="" xmlns:a14="http://schemas.microsoft.com/office/drawing/2010/main">
                 <a:effectLst>
                   <a:outerShdw blurRad="63500" dist="38099" dir="2700000" algn="ctr" rotWithShape="0">
                     <a:schemeClr val="bg2">
@@ -26160,14 +26160,14 @@
           <a:effectLst/>
           <a:extLst>
             <a:ext uri="{909E8E84-426E-40dd-AFC4-6F175D3DCCD1}">
-              <a14:hiddenFill xmlns:a14="http://schemas.microsoft.com/office/drawing/2010/main" xmlns="">
+              <a14:hiddenFill xmlns="" xmlns:a14="http://schemas.microsoft.com/office/drawing/2010/main">
                 <a:solidFill>
                   <a:schemeClr val="accent1"/>
                 </a:solidFill>
               </a14:hiddenFill>
             </a:ext>
             <a:ext uri="{91240B29-F687-4f45-9708-019B960494DF}">
-              <a14:hiddenLine xmlns:a14="http://schemas.microsoft.com/office/drawing/2010/main" xmlns="" w="9525">
+              <a14:hiddenLine xmlns="" xmlns:a14="http://schemas.microsoft.com/office/drawing/2010/main" w="9525">
                 <a:solidFill>
                   <a:schemeClr val="tx1"/>
                 </a:solidFill>
@@ -26177,7 +26177,7 @@
               </a14:hiddenLine>
             </a:ext>
             <a:ext uri="{AF507438-7753-43e0-B8FC-AC1667EBCBE1}">
-              <a14:hiddenEffects xmlns:a14="http://schemas.microsoft.com/office/drawing/2010/main" xmlns="">
+              <a14:hiddenEffects xmlns="" xmlns:a14="http://schemas.microsoft.com/office/drawing/2010/main">
                 <a:effectLst>
                   <a:outerShdw blurRad="63500" dist="38099" dir="2700000" algn="ctr" rotWithShape="0">
                     <a:schemeClr val="bg2">
@@ -26232,12 +26232,12 @@
           <a:effectLst/>
           <a:extLst>
             <a:ext uri="{909E8E84-426E-40dd-AFC4-6F175D3DCCD1}">
-              <a14:hiddenFill xmlns:a14="http://schemas.microsoft.com/office/drawing/2010/main" xmlns="">
+              <a14:hiddenFill xmlns="" xmlns:a14="http://schemas.microsoft.com/office/drawing/2010/main">
                 <a:noFill/>
               </a14:hiddenFill>
             </a:ext>
             <a:ext uri="{AF507438-7753-43e0-B8FC-AC1667EBCBE1}">
-              <a14:hiddenEffects xmlns:a14="http://schemas.microsoft.com/office/drawing/2010/main" xmlns="">
+              <a14:hiddenEffects xmlns="" xmlns:a14="http://schemas.microsoft.com/office/drawing/2010/main">
                 <a:effectLst>
                   <a:outerShdw blurRad="63500" dist="38099" dir="2700000" algn="ctr" rotWithShape="0">
                     <a:schemeClr val="bg2">
@@ -26280,14 +26280,14 @@
           <a:effectLst/>
           <a:extLst>
             <a:ext uri="{909E8E84-426E-40dd-AFC4-6F175D3DCCD1}">
-              <a14:hiddenFill xmlns:a14="http://schemas.microsoft.com/office/drawing/2010/main" xmlns="">
+              <a14:hiddenFill xmlns="" xmlns:a14="http://schemas.microsoft.com/office/drawing/2010/main">
                 <a:solidFill>
                   <a:schemeClr val="accent1"/>
                 </a:solidFill>
               </a14:hiddenFill>
             </a:ext>
             <a:ext uri="{91240B29-F687-4f45-9708-019B960494DF}">
-              <a14:hiddenLine xmlns:a14="http://schemas.microsoft.com/office/drawing/2010/main" xmlns="" w="9525">
+              <a14:hiddenLine xmlns="" xmlns:a14="http://schemas.microsoft.com/office/drawing/2010/main" w="9525">
                 <a:solidFill>
                   <a:schemeClr val="tx1"/>
                 </a:solidFill>
@@ -26297,7 +26297,7 @@
               </a14:hiddenLine>
             </a:ext>
             <a:ext uri="{AF507438-7753-43e0-B8FC-AC1667EBCBE1}">
-              <a14:hiddenEffects xmlns:a14="http://schemas.microsoft.com/office/drawing/2010/main" xmlns="">
+              <a14:hiddenEffects xmlns="" xmlns:a14="http://schemas.microsoft.com/office/drawing/2010/main">
                 <a:effectLst>
                   <a:outerShdw blurRad="63500" dist="38099" dir="2700000" algn="ctr" rotWithShape="0">
                     <a:schemeClr val="bg2">
@@ -26352,12 +26352,12 @@
           <a:effectLst/>
           <a:extLst>
             <a:ext uri="{909E8E84-426E-40dd-AFC4-6F175D3DCCD1}">
-              <a14:hiddenFill xmlns:a14="http://schemas.microsoft.com/office/drawing/2010/main" xmlns="">
+              <a14:hiddenFill xmlns="" xmlns:a14="http://schemas.microsoft.com/office/drawing/2010/main">
                 <a:noFill/>
               </a14:hiddenFill>
             </a:ext>
             <a:ext uri="{AF507438-7753-43e0-B8FC-AC1667EBCBE1}">
-              <a14:hiddenEffects xmlns:a14="http://schemas.microsoft.com/office/drawing/2010/main" xmlns="">
+              <a14:hiddenEffects xmlns="" xmlns:a14="http://schemas.microsoft.com/office/drawing/2010/main">
                 <a:effectLst>
                   <a:outerShdw blurRad="63500" dist="38099" dir="2700000" algn="ctr" rotWithShape="0">
                     <a:schemeClr val="bg2">
@@ -26400,14 +26400,14 @@
           <a:effectLst/>
           <a:extLst>
             <a:ext uri="{909E8E84-426E-40dd-AFC4-6F175D3DCCD1}">
-              <a14:hiddenFill xmlns:a14="http://schemas.microsoft.com/office/drawing/2010/main" xmlns="">
+              <a14:hiddenFill xmlns="" xmlns:a14="http://schemas.microsoft.com/office/drawing/2010/main">
                 <a:solidFill>
                   <a:schemeClr val="accent1"/>
                 </a:solidFill>
               </a14:hiddenFill>
             </a:ext>
             <a:ext uri="{91240B29-F687-4f45-9708-019B960494DF}">
-              <a14:hiddenLine xmlns:a14="http://schemas.microsoft.com/office/drawing/2010/main" xmlns="" w="9525">
+              <a14:hiddenLine xmlns="" xmlns:a14="http://schemas.microsoft.com/office/drawing/2010/main" w="9525">
                 <a:solidFill>
                   <a:schemeClr val="tx1"/>
                 </a:solidFill>
@@ -26417,7 +26417,7 @@
               </a14:hiddenLine>
             </a:ext>
             <a:ext uri="{AF507438-7753-43e0-B8FC-AC1667EBCBE1}">
-              <a14:hiddenEffects xmlns:a14="http://schemas.microsoft.com/office/drawing/2010/main" xmlns="">
+              <a14:hiddenEffects xmlns="" xmlns:a14="http://schemas.microsoft.com/office/drawing/2010/main">
                 <a:effectLst>
                   <a:outerShdw blurRad="63500" dist="38099" dir="2700000" algn="ctr" rotWithShape="0">
                     <a:schemeClr val="bg2">
@@ -26580,14 +26580,14 @@
           <a:effectLst/>
           <a:extLst>
             <a:ext uri="{909E8E84-426E-40dd-AFC4-6F175D3DCCD1}">
-              <a14:hiddenFill xmlns:a14="http://schemas.microsoft.com/office/drawing/2010/main" xmlns="">
+              <a14:hiddenFill xmlns="" xmlns:a14="http://schemas.microsoft.com/office/drawing/2010/main">
                 <a:solidFill>
                   <a:schemeClr val="accent1"/>
                 </a:solidFill>
               </a14:hiddenFill>
             </a:ext>
             <a:ext uri="{AF507438-7753-43e0-B8FC-AC1667EBCBE1}">
-              <a14:hiddenEffects xmlns:a14="http://schemas.microsoft.com/office/drawing/2010/main" xmlns="">
+              <a14:hiddenEffects xmlns="" xmlns:a14="http://schemas.microsoft.com/office/drawing/2010/main">
                 <a:effectLst>
                   <a:outerShdw blurRad="63500" dist="38099" dir="2700000" algn="ctr" rotWithShape="0">
                     <a:schemeClr val="bg2">
@@ -26630,14 +26630,14 @@
           <a:effectLst/>
           <a:extLst>
             <a:ext uri="{909E8E84-426E-40dd-AFC4-6F175D3DCCD1}">
-              <a14:hiddenFill xmlns:a14="http://schemas.microsoft.com/office/drawing/2010/main" xmlns="">
+              <a14:hiddenFill xmlns="" xmlns:a14="http://schemas.microsoft.com/office/drawing/2010/main">
                 <a:solidFill>
                   <a:schemeClr val="accent1"/>
                 </a:solidFill>
               </a14:hiddenFill>
             </a:ext>
             <a:ext uri="{91240B29-F687-4f45-9708-019B960494DF}">
-              <a14:hiddenLine xmlns:a14="http://schemas.microsoft.com/office/drawing/2010/main" xmlns="" w="9525">
+              <a14:hiddenLine xmlns="" xmlns:a14="http://schemas.microsoft.com/office/drawing/2010/main" w="9525">
                 <a:solidFill>
                   <a:schemeClr val="tx1"/>
                 </a:solidFill>
@@ -26647,7 +26647,7 @@
               </a14:hiddenLine>
             </a:ext>
             <a:ext uri="{AF507438-7753-43e0-B8FC-AC1667EBCBE1}">
-              <a14:hiddenEffects xmlns:a14="http://schemas.microsoft.com/office/drawing/2010/main" xmlns="">
+              <a14:hiddenEffects xmlns="" xmlns:a14="http://schemas.microsoft.com/office/drawing/2010/main">
                 <a:effectLst>
                   <a:outerShdw blurRad="63500" dist="38099" dir="2700000" algn="ctr" rotWithShape="0">
                     <a:schemeClr val="bg2">
@@ -26702,14 +26702,14 @@
           <a:effectLst/>
           <a:extLst>
             <a:ext uri="{909E8E84-426E-40dd-AFC4-6F175D3DCCD1}">
-              <a14:hiddenFill xmlns:a14="http://schemas.microsoft.com/office/drawing/2010/main" xmlns="">
+              <a14:hiddenFill xmlns="" xmlns:a14="http://schemas.microsoft.com/office/drawing/2010/main">
                 <a:solidFill>
                   <a:schemeClr val="accent1"/>
                 </a:solidFill>
               </a14:hiddenFill>
             </a:ext>
             <a:ext uri="{AF507438-7753-43e0-B8FC-AC1667EBCBE1}">
-              <a14:hiddenEffects xmlns:a14="http://schemas.microsoft.com/office/drawing/2010/main" xmlns="">
+              <a14:hiddenEffects xmlns="" xmlns:a14="http://schemas.microsoft.com/office/drawing/2010/main">
                 <a:effectLst>
                   <a:outerShdw blurRad="63500" dist="38099" dir="2700000" algn="ctr" rotWithShape="0">
                     <a:schemeClr val="bg2">
@@ -26817,14 +26817,14 @@
           <a:effectLst/>
           <a:extLst>
             <a:ext uri="{909E8E84-426E-40dd-AFC4-6F175D3DCCD1}">
-              <a14:hiddenFill xmlns:a14="http://schemas.microsoft.com/office/drawing/2010/main" xmlns="">
+              <a14:hiddenFill xmlns="" xmlns:a14="http://schemas.microsoft.com/office/drawing/2010/main">
                 <a:solidFill>
                   <a:schemeClr val="accent1"/>
                 </a:solidFill>
               </a14:hiddenFill>
             </a:ext>
             <a:ext uri="{91240B29-F687-4f45-9708-019B960494DF}">
-              <a14:hiddenLine xmlns:a14="http://schemas.microsoft.com/office/drawing/2010/main" xmlns="" w="9525">
+              <a14:hiddenLine xmlns="" xmlns:a14="http://schemas.microsoft.com/office/drawing/2010/main" w="9525">
                 <a:solidFill>
                   <a:schemeClr val="tx1"/>
                 </a:solidFill>
@@ -26834,7 +26834,7 @@
               </a14:hiddenLine>
             </a:ext>
             <a:ext uri="{AF507438-7753-43e0-B8FC-AC1667EBCBE1}">
-              <a14:hiddenEffects xmlns:a14="http://schemas.microsoft.com/office/drawing/2010/main" xmlns="">
+              <a14:hiddenEffects xmlns="" xmlns:a14="http://schemas.microsoft.com/office/drawing/2010/main">
                 <a:effectLst>
                   <a:outerShdw blurRad="63500" dist="38099" dir="2700000" algn="ctr" rotWithShape="0">
                     <a:schemeClr val="bg2">
@@ -27005,14 +27005,14 @@
           <a:effectLst/>
           <a:extLst>
             <a:ext uri="{909E8E84-426E-40dd-AFC4-6F175D3DCCD1}">
-              <a14:hiddenFill xmlns:a14="http://schemas.microsoft.com/office/drawing/2010/main" xmlns="">
+              <a14:hiddenFill xmlns="" xmlns:a14="http://schemas.microsoft.com/office/drawing/2010/main">
                 <a:solidFill>
                   <a:schemeClr val="accent1"/>
                 </a:solidFill>
               </a14:hiddenFill>
             </a:ext>
             <a:ext uri="{AF507438-7753-43e0-B8FC-AC1667EBCBE1}">
-              <a14:hiddenEffects xmlns:a14="http://schemas.microsoft.com/office/drawing/2010/main" xmlns="">
+              <a14:hiddenEffects xmlns="" xmlns:a14="http://schemas.microsoft.com/office/drawing/2010/main">
                 <a:effectLst>
                   <a:outerShdw blurRad="63500" dist="38099" dir="2700000" algn="ctr" rotWithShape="0">
                     <a:schemeClr val="bg2">
@@ -27097,14 +27097,14 @@
           <a:effectLst/>
           <a:extLst>
             <a:ext uri="{909E8E84-426E-40dd-AFC4-6F175D3DCCD1}">
-              <a14:hiddenFill xmlns:a14="http://schemas.microsoft.com/office/drawing/2010/main" xmlns="">
+              <a14:hiddenFill xmlns="" xmlns:a14="http://schemas.microsoft.com/office/drawing/2010/main">
                 <a:solidFill>
                   <a:schemeClr val="accent1"/>
                 </a:solidFill>
               </a14:hiddenFill>
             </a:ext>
             <a:ext uri="{AF507438-7753-43e0-B8FC-AC1667EBCBE1}">
-              <a14:hiddenEffects xmlns:a14="http://schemas.microsoft.com/office/drawing/2010/main" xmlns="">
+              <a14:hiddenEffects xmlns="" xmlns:a14="http://schemas.microsoft.com/office/drawing/2010/main">
                 <a:effectLst>
                   <a:outerShdw blurRad="63500" dist="38099" dir="2700000" algn="ctr" rotWithShape="0">
                     <a:schemeClr val="bg2">
@@ -27186,14 +27186,14 @@
           <a:effectLst/>
           <a:extLst>
             <a:ext uri="{909E8E84-426E-40dd-AFC4-6F175D3DCCD1}">
-              <a14:hiddenFill xmlns:a14="http://schemas.microsoft.com/office/drawing/2010/main" xmlns="">
+              <a14:hiddenFill xmlns="" xmlns:a14="http://schemas.microsoft.com/office/drawing/2010/main">
                 <a:solidFill>
                   <a:schemeClr val="accent1"/>
                 </a:solidFill>
               </a14:hiddenFill>
             </a:ext>
             <a:ext uri="{AF507438-7753-43e0-B8FC-AC1667EBCBE1}">
-              <a14:hiddenEffects xmlns:a14="http://schemas.microsoft.com/office/drawing/2010/main" xmlns="">
+              <a14:hiddenEffects xmlns="" xmlns:a14="http://schemas.microsoft.com/office/drawing/2010/main">
                 <a:effectLst>
                   <a:outerShdw blurRad="63500" dist="38099" dir="2700000" algn="ctr" rotWithShape="0">
                     <a:schemeClr val="bg2">
@@ -27278,14 +27278,14 @@
           <a:effectLst/>
           <a:extLst>
             <a:ext uri="{909E8E84-426E-40dd-AFC4-6F175D3DCCD1}">
-              <a14:hiddenFill xmlns:a14="http://schemas.microsoft.com/office/drawing/2010/main" xmlns="">
+              <a14:hiddenFill xmlns="" xmlns:a14="http://schemas.microsoft.com/office/drawing/2010/main">
                 <a:solidFill>
                   <a:schemeClr val="accent1"/>
                 </a:solidFill>
               </a14:hiddenFill>
             </a:ext>
             <a:ext uri="{AF507438-7753-43e0-B8FC-AC1667EBCBE1}">
-              <a14:hiddenEffects xmlns:a14="http://schemas.microsoft.com/office/drawing/2010/main" xmlns="">
+              <a14:hiddenEffects xmlns="" xmlns:a14="http://schemas.microsoft.com/office/drawing/2010/main">
                 <a:effectLst>
                   <a:outerShdw blurRad="63500" dist="38099" dir="2700000" algn="ctr" rotWithShape="0">
                     <a:schemeClr val="bg2">
@@ -27370,14 +27370,14 @@
           <a:effectLst/>
           <a:extLst>
             <a:ext uri="{909E8E84-426E-40dd-AFC4-6F175D3DCCD1}">
-              <a14:hiddenFill xmlns:a14="http://schemas.microsoft.com/office/drawing/2010/main" xmlns="">
+              <a14:hiddenFill xmlns="" xmlns:a14="http://schemas.microsoft.com/office/drawing/2010/main">
                 <a:solidFill>
                   <a:schemeClr val="accent1"/>
                 </a:solidFill>
               </a14:hiddenFill>
             </a:ext>
             <a:ext uri="{AF507438-7753-43e0-B8FC-AC1667EBCBE1}">
-              <a14:hiddenEffects xmlns:a14="http://schemas.microsoft.com/office/drawing/2010/main" xmlns="">
+              <a14:hiddenEffects xmlns="" xmlns:a14="http://schemas.microsoft.com/office/drawing/2010/main">
                 <a:effectLst>
                   <a:outerShdw blurRad="63500" dist="38099" dir="2700000" algn="ctr" rotWithShape="0">
                     <a:schemeClr val="bg2">
@@ -27462,14 +27462,14 @@
           <a:effectLst/>
           <a:extLst>
             <a:ext uri="{909E8E84-426E-40dd-AFC4-6F175D3DCCD1}">
-              <a14:hiddenFill xmlns:a14="http://schemas.microsoft.com/office/drawing/2010/main" xmlns="">
+              <a14:hiddenFill xmlns="" xmlns:a14="http://schemas.microsoft.com/office/drawing/2010/main">
                 <a:solidFill>
                   <a:schemeClr val="accent1"/>
                 </a:solidFill>
               </a14:hiddenFill>
             </a:ext>
             <a:ext uri="{AF507438-7753-43e0-B8FC-AC1667EBCBE1}">
-              <a14:hiddenEffects xmlns:a14="http://schemas.microsoft.com/office/drawing/2010/main" xmlns="">
+              <a14:hiddenEffects xmlns="" xmlns:a14="http://schemas.microsoft.com/office/drawing/2010/main">
                 <a:effectLst>
                   <a:outerShdw blurRad="63500" dist="38099" dir="2700000" algn="ctr" rotWithShape="0">
                     <a:schemeClr val="bg2">
@@ -27548,12 +27548,12 @@
           <a:effectLst/>
           <a:extLst>
             <a:ext uri="{909E8E84-426E-40dd-AFC4-6F175D3DCCD1}">
-              <a14:hiddenFill xmlns:a14="http://schemas.microsoft.com/office/drawing/2010/main" xmlns="">
+              <a14:hiddenFill xmlns="" xmlns:a14="http://schemas.microsoft.com/office/drawing/2010/main">
                 <a:noFill/>
               </a14:hiddenFill>
             </a:ext>
             <a:ext uri="{AF507438-7753-43e0-B8FC-AC1667EBCBE1}">
-              <a14:hiddenEffects xmlns:a14="http://schemas.microsoft.com/office/drawing/2010/main" xmlns="">
+              <a14:hiddenEffects xmlns="" xmlns:a14="http://schemas.microsoft.com/office/drawing/2010/main">
                 <a:effectLst>
                   <a:outerShdw blurRad="63500" dist="38099" dir="2700000" algn="ctr" rotWithShape="0">
                     <a:schemeClr val="bg2">
@@ -27596,14 +27596,14 @@
           <a:effectLst/>
           <a:extLst>
             <a:ext uri="{909E8E84-426E-40dd-AFC4-6F175D3DCCD1}">
-              <a14:hiddenFill xmlns:a14="http://schemas.microsoft.com/office/drawing/2010/main" xmlns="">
+              <a14:hiddenFill xmlns="" xmlns:a14="http://schemas.microsoft.com/office/drawing/2010/main">
                 <a:solidFill>
                   <a:schemeClr val="accent1"/>
                 </a:solidFill>
               </a14:hiddenFill>
             </a:ext>
             <a:ext uri="{91240B29-F687-4f45-9708-019B960494DF}">
-              <a14:hiddenLine xmlns:a14="http://schemas.microsoft.com/office/drawing/2010/main" xmlns="" w="9525">
+              <a14:hiddenLine xmlns="" xmlns:a14="http://schemas.microsoft.com/office/drawing/2010/main" w="9525">
                 <a:solidFill>
                   <a:schemeClr val="tx1"/>
                 </a:solidFill>
@@ -27613,7 +27613,7 @@
               </a14:hiddenLine>
             </a:ext>
             <a:ext uri="{AF507438-7753-43e0-B8FC-AC1667EBCBE1}">
-              <a14:hiddenEffects xmlns:a14="http://schemas.microsoft.com/office/drawing/2010/main" xmlns="">
+              <a14:hiddenEffects xmlns="" xmlns:a14="http://schemas.microsoft.com/office/drawing/2010/main">
                 <a:effectLst>
                   <a:outerShdw blurRad="63500" dist="38099" dir="2700000" algn="ctr" rotWithShape="0">
                     <a:schemeClr val="bg2">
@@ -27671,12 +27671,12 @@
           <a:effectLst/>
           <a:extLst>
             <a:ext uri="{909E8E84-426E-40dd-AFC4-6F175D3DCCD1}">
-              <a14:hiddenFill xmlns:a14="http://schemas.microsoft.com/office/drawing/2010/main" xmlns="">
+              <a14:hiddenFill xmlns="" xmlns:a14="http://schemas.microsoft.com/office/drawing/2010/main">
                 <a:noFill/>
               </a14:hiddenFill>
             </a:ext>
             <a:ext uri="{AF507438-7753-43e0-B8FC-AC1667EBCBE1}">
-              <a14:hiddenEffects xmlns:a14="http://schemas.microsoft.com/office/drawing/2010/main" xmlns="">
+              <a14:hiddenEffects xmlns="" xmlns:a14="http://schemas.microsoft.com/office/drawing/2010/main">
                 <a:effectLst>
                   <a:outerShdw blurRad="63500" dist="38099" dir="2700000" algn="ctr" rotWithShape="0">
                     <a:schemeClr val="bg2">
@@ -27719,14 +27719,14 @@
           <a:effectLst/>
           <a:extLst>
             <a:ext uri="{909E8E84-426E-40dd-AFC4-6F175D3DCCD1}">
-              <a14:hiddenFill xmlns:a14="http://schemas.microsoft.com/office/drawing/2010/main" xmlns="">
+              <a14:hiddenFill xmlns="" xmlns:a14="http://schemas.microsoft.com/office/drawing/2010/main">
                 <a:solidFill>
                   <a:schemeClr val="accent1"/>
                 </a:solidFill>
               </a14:hiddenFill>
             </a:ext>
             <a:ext uri="{91240B29-F687-4f45-9708-019B960494DF}">
-              <a14:hiddenLine xmlns:a14="http://schemas.microsoft.com/office/drawing/2010/main" xmlns="" w="9525">
+              <a14:hiddenLine xmlns="" xmlns:a14="http://schemas.microsoft.com/office/drawing/2010/main" w="9525">
                 <a:solidFill>
                   <a:schemeClr val="tx1"/>
                 </a:solidFill>
@@ -27736,7 +27736,7 @@
               </a14:hiddenLine>
             </a:ext>
             <a:ext uri="{AF507438-7753-43e0-B8FC-AC1667EBCBE1}">
-              <a14:hiddenEffects xmlns:a14="http://schemas.microsoft.com/office/drawing/2010/main" xmlns="">
+              <a14:hiddenEffects xmlns="" xmlns:a14="http://schemas.microsoft.com/office/drawing/2010/main">
                 <a:effectLst>
                   <a:outerShdw blurRad="63500" dist="38099" dir="2700000" algn="ctr" rotWithShape="0">
                     <a:schemeClr val="bg2">
@@ -27794,12 +27794,12 @@
           <a:effectLst/>
           <a:extLst>
             <a:ext uri="{909E8E84-426E-40dd-AFC4-6F175D3DCCD1}">
-              <a14:hiddenFill xmlns:a14="http://schemas.microsoft.com/office/drawing/2010/main" xmlns="">
+              <a14:hiddenFill xmlns="" xmlns:a14="http://schemas.microsoft.com/office/drawing/2010/main">
                 <a:noFill/>
               </a14:hiddenFill>
             </a:ext>
             <a:ext uri="{AF507438-7753-43e0-B8FC-AC1667EBCBE1}">
-              <a14:hiddenEffects xmlns:a14="http://schemas.microsoft.com/office/drawing/2010/main" xmlns="">
+              <a14:hiddenEffects xmlns="" xmlns:a14="http://schemas.microsoft.com/office/drawing/2010/main">
                 <a:effectLst>
                   <a:outerShdw blurRad="63500" dist="38099" dir="2700000" algn="ctr" rotWithShape="0">
                     <a:schemeClr val="bg2">
@@ -27842,14 +27842,14 @@
           <a:effectLst/>
           <a:extLst>
             <a:ext uri="{909E8E84-426E-40dd-AFC4-6F175D3DCCD1}">
-              <a14:hiddenFill xmlns:a14="http://schemas.microsoft.com/office/drawing/2010/main" xmlns="">
+              <a14:hiddenFill xmlns="" xmlns:a14="http://schemas.microsoft.com/office/drawing/2010/main">
                 <a:solidFill>
                   <a:schemeClr val="accent1"/>
                 </a:solidFill>
               </a14:hiddenFill>
             </a:ext>
             <a:ext uri="{91240B29-F687-4f45-9708-019B960494DF}">
-              <a14:hiddenLine xmlns:a14="http://schemas.microsoft.com/office/drawing/2010/main" xmlns="" w="9525">
+              <a14:hiddenLine xmlns="" xmlns:a14="http://schemas.microsoft.com/office/drawing/2010/main" w="9525">
                 <a:solidFill>
                   <a:schemeClr val="tx1"/>
                 </a:solidFill>
@@ -27859,7 +27859,7 @@
               </a14:hiddenLine>
             </a:ext>
             <a:ext uri="{AF507438-7753-43e0-B8FC-AC1667EBCBE1}">
-              <a14:hiddenEffects xmlns:a14="http://schemas.microsoft.com/office/drawing/2010/main" xmlns="">
+              <a14:hiddenEffects xmlns="" xmlns:a14="http://schemas.microsoft.com/office/drawing/2010/main">
                 <a:effectLst>
                   <a:outerShdw blurRad="63500" dist="38099" dir="2700000" algn="ctr" rotWithShape="0">
                     <a:schemeClr val="bg2">
@@ -27917,12 +27917,12 @@
           <a:effectLst/>
           <a:extLst>
             <a:ext uri="{909E8E84-426E-40dd-AFC4-6F175D3DCCD1}">
-              <a14:hiddenFill xmlns:a14="http://schemas.microsoft.com/office/drawing/2010/main" xmlns="">
+              <a14:hiddenFill xmlns="" xmlns:a14="http://schemas.microsoft.com/office/drawing/2010/main">
                 <a:noFill/>
               </a14:hiddenFill>
             </a:ext>
             <a:ext uri="{AF507438-7753-43e0-B8FC-AC1667EBCBE1}">
-              <a14:hiddenEffects xmlns:a14="http://schemas.microsoft.com/office/drawing/2010/main" xmlns="">
+              <a14:hiddenEffects xmlns="" xmlns:a14="http://schemas.microsoft.com/office/drawing/2010/main">
                 <a:effectLst>
                   <a:outerShdw blurRad="63500" dist="38099" dir="2700000" algn="ctr" rotWithShape="0">
                     <a:schemeClr val="bg2">
@@ -27965,14 +27965,14 @@
           <a:effectLst/>
           <a:extLst>
             <a:ext uri="{909E8E84-426E-40dd-AFC4-6F175D3DCCD1}">
-              <a14:hiddenFill xmlns:a14="http://schemas.microsoft.com/office/drawing/2010/main" xmlns="">
+              <a14:hiddenFill xmlns="" xmlns:a14="http://schemas.microsoft.com/office/drawing/2010/main">
                 <a:solidFill>
                   <a:schemeClr val="accent1"/>
                 </a:solidFill>
               </a14:hiddenFill>
             </a:ext>
             <a:ext uri="{91240B29-F687-4f45-9708-019B960494DF}">
-              <a14:hiddenLine xmlns:a14="http://schemas.microsoft.com/office/drawing/2010/main" xmlns="" w="9525">
+              <a14:hiddenLine xmlns="" xmlns:a14="http://schemas.microsoft.com/office/drawing/2010/main" w="9525">
                 <a:solidFill>
                   <a:schemeClr val="tx1"/>
                 </a:solidFill>
@@ -27982,7 +27982,7 @@
               </a14:hiddenLine>
             </a:ext>
             <a:ext uri="{AF507438-7753-43e0-B8FC-AC1667EBCBE1}">
-              <a14:hiddenEffects xmlns:a14="http://schemas.microsoft.com/office/drawing/2010/main" xmlns="">
+              <a14:hiddenEffects xmlns="" xmlns:a14="http://schemas.microsoft.com/office/drawing/2010/main">
                 <a:effectLst>
                   <a:outerShdw blurRad="63500" dist="38099" dir="2700000" algn="ctr" rotWithShape="0">
                     <a:schemeClr val="bg2">
@@ -28040,12 +28040,12 @@
           <a:effectLst/>
           <a:extLst>
             <a:ext uri="{909E8E84-426E-40dd-AFC4-6F175D3DCCD1}">
-              <a14:hiddenFill xmlns:a14="http://schemas.microsoft.com/office/drawing/2010/main" xmlns="">
+              <a14:hiddenFill xmlns="" xmlns:a14="http://schemas.microsoft.com/office/drawing/2010/main">
                 <a:noFill/>
               </a14:hiddenFill>
             </a:ext>
             <a:ext uri="{AF507438-7753-43e0-B8FC-AC1667EBCBE1}">
-              <a14:hiddenEffects xmlns:a14="http://schemas.microsoft.com/office/drawing/2010/main" xmlns="">
+              <a14:hiddenEffects xmlns="" xmlns:a14="http://schemas.microsoft.com/office/drawing/2010/main">
                 <a:effectLst>
                   <a:outerShdw blurRad="63500" dist="38099" dir="2700000" algn="ctr" rotWithShape="0">
                     <a:schemeClr val="bg2">
@@ -28088,14 +28088,14 @@
           <a:effectLst/>
           <a:extLst>
             <a:ext uri="{909E8E84-426E-40dd-AFC4-6F175D3DCCD1}">
-              <a14:hiddenFill xmlns:a14="http://schemas.microsoft.com/office/drawing/2010/main" xmlns="">
+              <a14:hiddenFill xmlns="" xmlns:a14="http://schemas.microsoft.com/office/drawing/2010/main">
                 <a:solidFill>
                   <a:schemeClr val="accent1"/>
                 </a:solidFill>
               </a14:hiddenFill>
             </a:ext>
             <a:ext uri="{91240B29-F687-4f45-9708-019B960494DF}">
-              <a14:hiddenLine xmlns:a14="http://schemas.microsoft.com/office/drawing/2010/main" xmlns="" w="9525">
+              <a14:hiddenLine xmlns="" xmlns:a14="http://schemas.microsoft.com/office/drawing/2010/main" w="9525">
                 <a:solidFill>
                   <a:schemeClr val="tx1"/>
                 </a:solidFill>
@@ -28105,7 +28105,7 @@
               </a14:hiddenLine>
             </a:ext>
             <a:ext uri="{AF507438-7753-43e0-B8FC-AC1667EBCBE1}">
-              <a14:hiddenEffects xmlns:a14="http://schemas.microsoft.com/office/drawing/2010/main" xmlns="">
+              <a14:hiddenEffects xmlns="" xmlns:a14="http://schemas.microsoft.com/office/drawing/2010/main">
                 <a:effectLst>
                   <a:outerShdw blurRad="63500" dist="38099" dir="2700000" algn="ctr" rotWithShape="0">
                     <a:schemeClr val="bg2">
@@ -28163,12 +28163,12 @@
           <a:effectLst/>
           <a:extLst>
             <a:ext uri="{909E8E84-426E-40dd-AFC4-6F175D3DCCD1}">
-              <a14:hiddenFill xmlns:a14="http://schemas.microsoft.com/office/drawing/2010/main" xmlns="">
+              <a14:hiddenFill xmlns="" xmlns:a14="http://schemas.microsoft.com/office/drawing/2010/main">
                 <a:noFill/>
               </a14:hiddenFill>
             </a:ext>
             <a:ext uri="{AF507438-7753-43e0-B8FC-AC1667EBCBE1}">
-              <a14:hiddenEffects xmlns:a14="http://schemas.microsoft.com/office/drawing/2010/main" xmlns="">
+              <a14:hiddenEffects xmlns="" xmlns:a14="http://schemas.microsoft.com/office/drawing/2010/main">
                 <a:effectLst>
                   <a:outerShdw blurRad="63500" dist="38099" dir="2700000" algn="ctr" rotWithShape="0">
                     <a:schemeClr val="bg2">
@@ -28211,14 +28211,14 @@
           <a:effectLst/>
           <a:extLst>
             <a:ext uri="{909E8E84-426E-40dd-AFC4-6F175D3DCCD1}">
-              <a14:hiddenFill xmlns:a14="http://schemas.microsoft.com/office/drawing/2010/main" xmlns="">
+              <a14:hiddenFill xmlns="" xmlns:a14="http://schemas.microsoft.com/office/drawing/2010/main">
                 <a:solidFill>
                   <a:schemeClr val="accent1"/>
                 </a:solidFill>
               </a14:hiddenFill>
             </a:ext>
             <a:ext uri="{91240B29-F687-4f45-9708-019B960494DF}">
-              <a14:hiddenLine xmlns:a14="http://schemas.microsoft.com/office/drawing/2010/main" xmlns="" w="9525">
+              <a14:hiddenLine xmlns="" xmlns:a14="http://schemas.microsoft.com/office/drawing/2010/main" w="9525">
                 <a:solidFill>
                   <a:schemeClr val="tx1"/>
                 </a:solidFill>
@@ -28228,7 +28228,7 @@
               </a14:hiddenLine>
             </a:ext>
             <a:ext uri="{AF507438-7753-43e0-B8FC-AC1667EBCBE1}">
-              <a14:hiddenEffects xmlns:a14="http://schemas.microsoft.com/office/drawing/2010/main" xmlns="">
+              <a14:hiddenEffects xmlns="" xmlns:a14="http://schemas.microsoft.com/office/drawing/2010/main">
                 <a:effectLst>
                   <a:outerShdw blurRad="63500" dist="38099" dir="2700000" algn="ctr" rotWithShape="0">
                     <a:schemeClr val="bg2">
@@ -28283,12 +28283,12 @@
           <a:effectLst/>
           <a:extLst>
             <a:ext uri="{909E8E84-426E-40dd-AFC4-6F175D3DCCD1}">
-              <a14:hiddenFill xmlns:a14="http://schemas.microsoft.com/office/drawing/2010/main" xmlns="">
+              <a14:hiddenFill xmlns="" xmlns:a14="http://schemas.microsoft.com/office/drawing/2010/main">
                 <a:noFill/>
               </a14:hiddenFill>
             </a:ext>
             <a:ext uri="{AF507438-7753-43e0-B8FC-AC1667EBCBE1}">
-              <a14:hiddenEffects xmlns:a14="http://schemas.microsoft.com/office/drawing/2010/main" xmlns="">
+              <a14:hiddenEffects xmlns="" xmlns:a14="http://schemas.microsoft.com/office/drawing/2010/main">
                 <a:effectLst>
                   <a:outerShdw blurRad="63500" dist="38099" dir="2700000" algn="ctr" rotWithShape="0">
                     <a:schemeClr val="bg2">
@@ -28331,14 +28331,14 @@
           <a:effectLst/>
           <a:extLst>
             <a:ext uri="{909E8E84-426E-40dd-AFC4-6F175D3DCCD1}">
-              <a14:hiddenFill xmlns:a14="http://schemas.microsoft.com/office/drawing/2010/main" xmlns="">
+              <a14:hiddenFill xmlns="" xmlns:a14="http://schemas.microsoft.com/office/drawing/2010/main">
                 <a:solidFill>
                   <a:schemeClr val="accent1"/>
                 </a:solidFill>
               </a14:hiddenFill>
             </a:ext>
             <a:ext uri="{91240B29-F687-4f45-9708-019B960494DF}">
-              <a14:hiddenLine xmlns:a14="http://schemas.microsoft.com/office/drawing/2010/main" xmlns="" w="9525">
+              <a14:hiddenLine xmlns="" xmlns:a14="http://schemas.microsoft.com/office/drawing/2010/main" w="9525">
                 <a:solidFill>
                   <a:schemeClr val="tx1"/>
                 </a:solidFill>
@@ -28348,7 +28348,7 @@
               </a14:hiddenLine>
             </a:ext>
             <a:ext uri="{AF507438-7753-43e0-B8FC-AC1667EBCBE1}">
-              <a14:hiddenEffects xmlns:a14="http://schemas.microsoft.com/office/drawing/2010/main" xmlns="">
+              <a14:hiddenEffects xmlns="" xmlns:a14="http://schemas.microsoft.com/office/drawing/2010/main">
                 <a:effectLst>
                   <a:outerShdw blurRad="63500" dist="38099" dir="2700000" algn="ctr" rotWithShape="0">
                     <a:schemeClr val="bg2">
@@ -28511,14 +28511,14 @@
           <a:effectLst/>
           <a:extLst>
             <a:ext uri="{909E8E84-426E-40dd-AFC4-6F175D3DCCD1}">
-              <a14:hiddenFill xmlns:a14="http://schemas.microsoft.com/office/drawing/2010/main" xmlns="">
+              <a14:hiddenFill xmlns="" xmlns:a14="http://schemas.microsoft.com/office/drawing/2010/main">
                 <a:solidFill>
                   <a:schemeClr val="accent1"/>
                 </a:solidFill>
               </a14:hiddenFill>
             </a:ext>
             <a:ext uri="{AF507438-7753-43e0-B8FC-AC1667EBCBE1}">
-              <a14:hiddenEffects xmlns:a14="http://schemas.microsoft.com/office/drawing/2010/main" xmlns="">
+              <a14:hiddenEffects xmlns="" xmlns:a14="http://schemas.microsoft.com/office/drawing/2010/main">
                 <a:effectLst>
                   <a:outerShdw blurRad="63500" dist="38099" dir="2700000" algn="ctr" rotWithShape="0">
                     <a:schemeClr val="bg2">
@@ -28561,14 +28561,14 @@
           <a:effectLst/>
           <a:extLst>
             <a:ext uri="{909E8E84-426E-40dd-AFC4-6F175D3DCCD1}">
-              <a14:hiddenFill xmlns:a14="http://schemas.microsoft.com/office/drawing/2010/main" xmlns="">
+              <a14:hiddenFill xmlns="" xmlns:a14="http://schemas.microsoft.com/office/drawing/2010/main">
                 <a:solidFill>
                   <a:schemeClr val="accent1"/>
                 </a:solidFill>
               </a14:hiddenFill>
             </a:ext>
             <a:ext uri="{91240B29-F687-4f45-9708-019B960494DF}">
-              <a14:hiddenLine xmlns:a14="http://schemas.microsoft.com/office/drawing/2010/main" xmlns="" w="9525">
+              <a14:hiddenLine xmlns="" xmlns:a14="http://schemas.microsoft.com/office/drawing/2010/main" w="9525">
                 <a:solidFill>
                   <a:schemeClr val="tx1"/>
                 </a:solidFill>
@@ -28578,7 +28578,7 @@
               </a14:hiddenLine>
             </a:ext>
             <a:ext uri="{AF507438-7753-43e0-B8FC-AC1667EBCBE1}">
-              <a14:hiddenEffects xmlns:a14="http://schemas.microsoft.com/office/drawing/2010/main" xmlns="">
+              <a14:hiddenEffects xmlns="" xmlns:a14="http://schemas.microsoft.com/office/drawing/2010/main">
                 <a:effectLst>
                   <a:outerShdw blurRad="63500" dist="38099" dir="2700000" algn="ctr" rotWithShape="0">
                     <a:schemeClr val="bg2">
@@ -28633,14 +28633,14 @@
           <a:effectLst/>
           <a:extLst>
             <a:ext uri="{909E8E84-426E-40dd-AFC4-6F175D3DCCD1}">
-              <a14:hiddenFill xmlns:a14="http://schemas.microsoft.com/office/drawing/2010/main" xmlns="">
+              <a14:hiddenFill xmlns="" xmlns:a14="http://schemas.microsoft.com/office/drawing/2010/main">
                 <a:solidFill>
                   <a:schemeClr val="accent1"/>
                 </a:solidFill>
               </a14:hiddenFill>
             </a:ext>
             <a:ext uri="{AF507438-7753-43e0-B8FC-AC1667EBCBE1}">
-              <a14:hiddenEffects xmlns:a14="http://schemas.microsoft.com/office/drawing/2010/main" xmlns="">
+              <a14:hiddenEffects xmlns="" xmlns:a14="http://schemas.microsoft.com/office/drawing/2010/main">
                 <a:effectLst>
                   <a:outerShdw blurRad="63500" dist="38099" dir="2700000" algn="ctr" rotWithShape="0">
                     <a:schemeClr val="bg2">
@@ -28717,14 +28717,14 @@
           <a:effectLst/>
           <a:extLst>
             <a:ext uri="{909E8E84-426E-40dd-AFC4-6F175D3DCCD1}">
-              <a14:hiddenFill xmlns:a14="http://schemas.microsoft.com/office/drawing/2010/main" xmlns="">
+              <a14:hiddenFill xmlns="" xmlns:a14="http://schemas.microsoft.com/office/drawing/2010/main">
                 <a:solidFill>
                   <a:schemeClr val="accent1"/>
                 </a:solidFill>
               </a14:hiddenFill>
             </a:ext>
             <a:ext uri="{91240B29-F687-4f45-9708-019B960494DF}">
-              <a14:hiddenLine xmlns:a14="http://schemas.microsoft.com/office/drawing/2010/main" xmlns="" w="9525">
+              <a14:hiddenLine xmlns="" xmlns:a14="http://schemas.microsoft.com/office/drawing/2010/main" w="9525">
                 <a:solidFill>
                   <a:schemeClr val="tx1"/>
                 </a:solidFill>
@@ -28734,7 +28734,7 @@
               </a14:hiddenLine>
             </a:ext>
             <a:ext uri="{AF507438-7753-43e0-B8FC-AC1667EBCBE1}">
-              <a14:hiddenEffects xmlns:a14="http://schemas.microsoft.com/office/drawing/2010/main" xmlns="">
+              <a14:hiddenEffects xmlns="" xmlns:a14="http://schemas.microsoft.com/office/drawing/2010/main">
                 <a:effectLst>
                   <a:outerShdw blurRad="63500" dist="38099" dir="2700000" algn="ctr" rotWithShape="0">
                     <a:schemeClr val="bg2">
@@ -28786,14 +28786,14 @@
           <a:effectLst/>
           <a:extLst>
             <a:ext uri="{909E8E84-426E-40dd-AFC4-6F175D3DCCD1}">
-              <a14:hiddenFill xmlns:a14="http://schemas.microsoft.com/office/drawing/2010/main" xmlns="">
+              <a14:hiddenFill xmlns="" xmlns:a14="http://schemas.microsoft.com/office/drawing/2010/main">
                 <a:solidFill>
                   <a:schemeClr val="accent1"/>
                 </a:solidFill>
               </a14:hiddenFill>
             </a:ext>
             <a:ext uri="{91240B29-F687-4f45-9708-019B960494DF}">
-              <a14:hiddenLine xmlns:a14="http://schemas.microsoft.com/office/drawing/2010/main" xmlns="" w="9525">
+              <a14:hiddenLine xmlns="" xmlns:a14="http://schemas.microsoft.com/office/drawing/2010/main" w="9525">
                 <a:solidFill>
                   <a:schemeClr val="tx1"/>
                 </a:solidFill>
@@ -28803,7 +28803,7 @@
               </a14:hiddenLine>
             </a:ext>
             <a:ext uri="{AF507438-7753-43e0-B8FC-AC1667EBCBE1}">
-              <a14:hiddenEffects xmlns:a14="http://schemas.microsoft.com/office/drawing/2010/main" xmlns="">
+              <a14:hiddenEffects xmlns="" xmlns:a14="http://schemas.microsoft.com/office/drawing/2010/main">
                 <a:effectLst>
                   <a:outerShdw blurRad="63500" dist="38099" dir="2700000" algn="ctr" rotWithShape="0">
                     <a:schemeClr val="bg2">
@@ -28882,14 +28882,14 @@
           <a:effectLst/>
           <a:extLst>
             <a:ext uri="{909E8E84-426E-40dd-AFC4-6F175D3DCCD1}">
-              <a14:hiddenFill xmlns:a14="http://schemas.microsoft.com/office/drawing/2010/main" xmlns="">
+              <a14:hiddenFill xmlns="" xmlns:a14="http://schemas.microsoft.com/office/drawing/2010/main">
                 <a:solidFill>
                   <a:schemeClr val="accent1"/>
                 </a:solidFill>
               </a14:hiddenFill>
             </a:ext>
             <a:ext uri="{91240B29-F687-4f45-9708-019B960494DF}">
-              <a14:hiddenLine xmlns:a14="http://schemas.microsoft.com/office/drawing/2010/main" xmlns="" w="9525">
+              <a14:hiddenLine xmlns="" xmlns:a14="http://schemas.microsoft.com/office/drawing/2010/main" w="9525">
                 <a:solidFill>
                   <a:schemeClr val="tx1"/>
                 </a:solidFill>
@@ -28899,7 +28899,7 @@
               </a14:hiddenLine>
             </a:ext>
             <a:ext uri="{AF507438-7753-43e0-B8FC-AC1667EBCBE1}">
-              <a14:hiddenEffects xmlns:a14="http://schemas.microsoft.com/office/drawing/2010/main" xmlns="">
+              <a14:hiddenEffects xmlns="" xmlns:a14="http://schemas.microsoft.com/office/drawing/2010/main">
                 <a:effectLst>
                   <a:outerShdw blurRad="63500" dist="38099" dir="2700000" algn="ctr" rotWithShape="0">
                     <a:schemeClr val="bg2">
@@ -29070,14 +29070,14 @@
           <a:effectLst/>
           <a:extLst>
             <a:ext uri="{909E8E84-426E-40dd-AFC4-6F175D3DCCD1}">
-              <a14:hiddenFill xmlns:a14="http://schemas.microsoft.com/office/drawing/2010/main" xmlns="">
+              <a14:hiddenFill xmlns="" xmlns:a14="http://schemas.microsoft.com/office/drawing/2010/main">
                 <a:solidFill>
                   <a:schemeClr val="accent1"/>
                 </a:solidFill>
               </a14:hiddenFill>
             </a:ext>
             <a:ext uri="{AF507438-7753-43e0-B8FC-AC1667EBCBE1}">
-              <a14:hiddenEffects xmlns:a14="http://schemas.microsoft.com/office/drawing/2010/main" xmlns="">
+              <a14:hiddenEffects xmlns="" xmlns:a14="http://schemas.microsoft.com/office/drawing/2010/main">
                 <a:effectLst>
                   <a:outerShdw blurRad="63500" dist="38099" dir="2700000" algn="ctr" rotWithShape="0">
                     <a:schemeClr val="bg2">
@@ -29162,14 +29162,14 @@
           <a:effectLst/>
           <a:extLst>
             <a:ext uri="{909E8E84-426E-40dd-AFC4-6F175D3DCCD1}">
-              <a14:hiddenFill xmlns:a14="http://schemas.microsoft.com/office/drawing/2010/main" xmlns="">
+              <a14:hiddenFill xmlns="" xmlns:a14="http://schemas.microsoft.com/office/drawing/2010/main">
                 <a:solidFill>
                   <a:schemeClr val="accent1"/>
                 </a:solidFill>
               </a14:hiddenFill>
             </a:ext>
             <a:ext uri="{AF507438-7753-43e0-B8FC-AC1667EBCBE1}">
-              <a14:hiddenEffects xmlns:a14="http://schemas.microsoft.com/office/drawing/2010/main" xmlns="">
+              <a14:hiddenEffects xmlns="" xmlns:a14="http://schemas.microsoft.com/office/drawing/2010/main">
                 <a:effectLst>
                   <a:outerShdw blurRad="63500" dist="38099" dir="2700000" algn="ctr" rotWithShape="0">
                     <a:schemeClr val="bg2">
@@ -29251,14 +29251,14 @@
           <a:effectLst/>
           <a:extLst>
             <a:ext uri="{909E8E84-426E-40dd-AFC4-6F175D3DCCD1}">
-              <a14:hiddenFill xmlns:a14="http://schemas.microsoft.com/office/drawing/2010/main" xmlns="">
+              <a14:hiddenFill xmlns="" xmlns:a14="http://schemas.microsoft.com/office/drawing/2010/main">
                 <a:solidFill>
                   <a:schemeClr val="accent1"/>
                 </a:solidFill>
               </a14:hiddenFill>
             </a:ext>
             <a:ext uri="{AF507438-7753-43e0-B8FC-AC1667EBCBE1}">
-              <a14:hiddenEffects xmlns:a14="http://schemas.microsoft.com/office/drawing/2010/main" xmlns="">
+              <a14:hiddenEffects xmlns="" xmlns:a14="http://schemas.microsoft.com/office/drawing/2010/main">
                 <a:effectLst>
                   <a:outerShdw blurRad="63500" dist="38099" dir="2700000" algn="ctr" rotWithShape="0">
                     <a:schemeClr val="bg2">
@@ -29340,14 +29340,14 @@
           <a:effectLst/>
           <a:extLst>
             <a:ext uri="{909E8E84-426E-40dd-AFC4-6F175D3DCCD1}">
-              <a14:hiddenFill xmlns:a14="http://schemas.microsoft.com/office/drawing/2010/main" xmlns="">
+              <a14:hiddenFill xmlns="" xmlns:a14="http://schemas.microsoft.com/office/drawing/2010/main">
                 <a:solidFill>
                   <a:schemeClr val="accent1"/>
                 </a:solidFill>
               </a14:hiddenFill>
             </a:ext>
             <a:ext uri="{AF507438-7753-43e0-B8FC-AC1667EBCBE1}">
-              <a14:hiddenEffects xmlns:a14="http://schemas.microsoft.com/office/drawing/2010/main" xmlns="">
+              <a14:hiddenEffects xmlns="" xmlns:a14="http://schemas.microsoft.com/office/drawing/2010/main">
                 <a:effectLst>
                   <a:outerShdw blurRad="63500" dist="38099" dir="2700000" algn="ctr" rotWithShape="0">
                     <a:schemeClr val="bg2">
@@ -29432,14 +29432,14 @@
           <a:effectLst/>
           <a:extLst>
             <a:ext uri="{909E8E84-426E-40dd-AFC4-6F175D3DCCD1}">
-              <a14:hiddenFill xmlns:a14="http://schemas.microsoft.com/office/drawing/2010/main" xmlns="">
+              <a14:hiddenFill xmlns="" xmlns:a14="http://schemas.microsoft.com/office/drawing/2010/main">
                 <a:solidFill>
                   <a:schemeClr val="accent1"/>
                 </a:solidFill>
               </a14:hiddenFill>
             </a:ext>
             <a:ext uri="{AF507438-7753-43e0-B8FC-AC1667EBCBE1}">
-              <a14:hiddenEffects xmlns:a14="http://schemas.microsoft.com/office/drawing/2010/main" xmlns="">
+              <a14:hiddenEffects xmlns="" xmlns:a14="http://schemas.microsoft.com/office/drawing/2010/main">
                 <a:effectLst>
                   <a:outerShdw blurRad="63500" dist="38099" dir="2700000" algn="ctr" rotWithShape="0">
                     <a:schemeClr val="bg2">
@@ -29521,14 +29521,14 @@
           <a:effectLst/>
           <a:extLst>
             <a:ext uri="{909E8E84-426E-40dd-AFC4-6F175D3DCCD1}">
-              <a14:hiddenFill xmlns:a14="http://schemas.microsoft.com/office/drawing/2010/main" xmlns="">
+              <a14:hiddenFill xmlns="" xmlns:a14="http://schemas.microsoft.com/office/drawing/2010/main">
                 <a:solidFill>
                   <a:schemeClr val="accent1"/>
                 </a:solidFill>
               </a14:hiddenFill>
             </a:ext>
             <a:ext uri="{AF507438-7753-43e0-B8FC-AC1667EBCBE1}">
-              <a14:hiddenEffects xmlns:a14="http://schemas.microsoft.com/office/drawing/2010/main" xmlns="">
+              <a14:hiddenEffects xmlns="" xmlns:a14="http://schemas.microsoft.com/office/drawing/2010/main">
                 <a:effectLst>
                   <a:outerShdw blurRad="63500" dist="38099" dir="2700000" algn="ctr" rotWithShape="0">
                     <a:schemeClr val="bg2">
@@ -29610,12 +29610,12 @@
           <a:effectLst/>
           <a:extLst>
             <a:ext uri="{909E8E84-426E-40dd-AFC4-6F175D3DCCD1}">
-              <a14:hiddenFill xmlns:a14="http://schemas.microsoft.com/office/drawing/2010/main" xmlns="">
+              <a14:hiddenFill xmlns="" xmlns:a14="http://schemas.microsoft.com/office/drawing/2010/main">
                 <a:noFill/>
               </a14:hiddenFill>
             </a:ext>
             <a:ext uri="{AF507438-7753-43e0-B8FC-AC1667EBCBE1}">
-              <a14:hiddenEffects xmlns:a14="http://schemas.microsoft.com/office/drawing/2010/main" xmlns="">
+              <a14:hiddenEffects xmlns="" xmlns:a14="http://schemas.microsoft.com/office/drawing/2010/main">
                 <a:effectLst>
                   <a:outerShdw blurRad="63500" dist="38099" dir="2700000" algn="ctr" rotWithShape="0">
                     <a:schemeClr val="bg2">
@@ -29658,14 +29658,14 @@
           <a:effectLst/>
           <a:extLst>
             <a:ext uri="{909E8E84-426E-40dd-AFC4-6F175D3DCCD1}">
-              <a14:hiddenFill xmlns:a14="http://schemas.microsoft.com/office/drawing/2010/main" xmlns="">
+              <a14:hiddenFill xmlns="" xmlns:a14="http://schemas.microsoft.com/office/drawing/2010/main">
                 <a:solidFill>
                   <a:schemeClr val="accent1"/>
                 </a:solidFill>
               </a14:hiddenFill>
             </a:ext>
             <a:ext uri="{91240B29-F687-4f45-9708-019B960494DF}">
-              <a14:hiddenLine xmlns:a14="http://schemas.microsoft.com/office/drawing/2010/main" xmlns="" w="9525">
+              <a14:hiddenLine xmlns="" xmlns:a14="http://schemas.microsoft.com/office/drawing/2010/main" w="9525">
                 <a:solidFill>
                   <a:schemeClr val="tx1"/>
                 </a:solidFill>
@@ -29675,7 +29675,7 @@
               </a14:hiddenLine>
             </a:ext>
             <a:ext uri="{AF507438-7753-43e0-B8FC-AC1667EBCBE1}">
-              <a14:hiddenEffects xmlns:a14="http://schemas.microsoft.com/office/drawing/2010/main" xmlns="">
+              <a14:hiddenEffects xmlns="" xmlns:a14="http://schemas.microsoft.com/office/drawing/2010/main">
                 <a:effectLst>
                   <a:outerShdw blurRad="63500" dist="38099" dir="2700000" algn="ctr" rotWithShape="0">
                     <a:schemeClr val="bg2">
@@ -29733,12 +29733,12 @@
           <a:effectLst/>
           <a:extLst>
             <a:ext uri="{909E8E84-426E-40dd-AFC4-6F175D3DCCD1}">
-              <a14:hiddenFill xmlns:a14="http://schemas.microsoft.com/office/drawing/2010/main" xmlns="">
+              <a14:hiddenFill xmlns="" xmlns:a14="http://schemas.microsoft.com/office/drawing/2010/main">
                 <a:noFill/>
               </a14:hiddenFill>
             </a:ext>
             <a:ext uri="{AF507438-7753-43e0-B8FC-AC1667EBCBE1}">
-              <a14:hiddenEffects xmlns:a14="http://schemas.microsoft.com/office/drawing/2010/main" xmlns="">
+              <a14:hiddenEffects xmlns="" xmlns:a14="http://schemas.microsoft.com/office/drawing/2010/main">
                 <a:effectLst>
                   <a:outerShdw blurRad="63500" dist="38099" dir="2700000" algn="ctr" rotWithShape="0">
                     <a:schemeClr val="bg2">
@@ -29781,14 +29781,14 @@
           <a:effectLst/>
           <a:extLst>
             <a:ext uri="{909E8E84-426E-40dd-AFC4-6F175D3DCCD1}">
-              <a14:hiddenFill xmlns:a14="http://schemas.microsoft.com/office/drawing/2010/main" xmlns="">
+              <a14:hiddenFill xmlns="" xmlns:a14="http://schemas.microsoft.com/office/drawing/2010/main">
                 <a:solidFill>
                   <a:schemeClr val="accent1"/>
                 </a:solidFill>
               </a14:hiddenFill>
             </a:ext>
             <a:ext uri="{91240B29-F687-4f45-9708-019B960494DF}">
-              <a14:hiddenLine xmlns:a14="http://schemas.microsoft.com/office/drawing/2010/main" xmlns="" w="9525">
+              <a14:hiddenLine xmlns="" xmlns:a14="http://schemas.microsoft.com/office/drawing/2010/main" w="9525">
                 <a:solidFill>
                   <a:schemeClr val="tx1"/>
                 </a:solidFill>
@@ -29798,7 +29798,7 @@
               </a14:hiddenLine>
             </a:ext>
             <a:ext uri="{AF507438-7753-43e0-B8FC-AC1667EBCBE1}">
-              <a14:hiddenEffects xmlns:a14="http://schemas.microsoft.com/office/drawing/2010/main" xmlns="">
+              <a14:hiddenEffects xmlns="" xmlns:a14="http://schemas.microsoft.com/office/drawing/2010/main">
                 <a:effectLst>
                   <a:outerShdw blurRad="63500" dist="38099" dir="2700000" algn="ctr" rotWithShape="0">
                     <a:schemeClr val="bg2">
@@ -29856,12 +29856,12 @@
           <a:effectLst/>
           <a:extLst>
             <a:ext uri="{909E8E84-426E-40dd-AFC4-6F175D3DCCD1}">
-              <a14:hiddenFill xmlns:a14="http://schemas.microsoft.com/office/drawing/2010/main" xmlns="">
+              <a14:hiddenFill xmlns="" xmlns:a14="http://schemas.microsoft.com/office/drawing/2010/main">
                 <a:noFill/>
               </a14:hiddenFill>
             </a:ext>
             <a:ext uri="{AF507438-7753-43e0-B8FC-AC1667EBCBE1}">
-              <a14:hiddenEffects xmlns:a14="http://schemas.microsoft.com/office/drawing/2010/main" xmlns="">
+              <a14:hiddenEffects xmlns="" xmlns:a14="http://schemas.microsoft.com/office/drawing/2010/main">
                 <a:effectLst>
                   <a:outerShdw blurRad="63500" dist="38099" dir="2700000" algn="ctr" rotWithShape="0">
                     <a:schemeClr val="bg2">
@@ -29904,14 +29904,14 @@
           <a:effectLst/>
           <a:extLst>
             <a:ext uri="{909E8E84-426E-40dd-AFC4-6F175D3DCCD1}">
-              <a14:hiddenFill xmlns:a14="http://schemas.microsoft.com/office/drawing/2010/main" xmlns="">
+              <a14:hiddenFill xmlns="" xmlns:a14="http://schemas.microsoft.com/office/drawing/2010/main">
                 <a:solidFill>
                   <a:schemeClr val="accent1"/>
                 </a:solidFill>
               </a14:hiddenFill>
             </a:ext>
             <a:ext uri="{91240B29-F687-4f45-9708-019B960494DF}">
-              <a14:hiddenLine xmlns:a14="http://schemas.microsoft.com/office/drawing/2010/main" xmlns="" w="9525">
+              <a14:hiddenLine xmlns="" xmlns:a14="http://schemas.microsoft.com/office/drawing/2010/main" w="9525">
                 <a:solidFill>
                   <a:schemeClr val="tx1"/>
                 </a:solidFill>
@@ -29921,7 +29921,7 @@
               </a14:hiddenLine>
             </a:ext>
             <a:ext uri="{AF507438-7753-43e0-B8FC-AC1667EBCBE1}">
-              <a14:hiddenEffects xmlns:a14="http://schemas.microsoft.com/office/drawing/2010/main" xmlns="">
+              <a14:hiddenEffects xmlns="" xmlns:a14="http://schemas.microsoft.com/office/drawing/2010/main">
                 <a:effectLst>
                   <a:outerShdw blurRad="63500" dist="38099" dir="2700000" algn="ctr" rotWithShape="0">
                     <a:schemeClr val="bg2">
@@ -29976,12 +29976,12 @@
           <a:effectLst/>
           <a:extLst>
             <a:ext uri="{909E8E84-426E-40dd-AFC4-6F175D3DCCD1}">
-              <a14:hiddenFill xmlns:a14="http://schemas.microsoft.com/office/drawing/2010/main" xmlns="">
+              <a14:hiddenFill xmlns="" xmlns:a14="http://schemas.microsoft.com/office/drawing/2010/main">
                 <a:noFill/>
               </a14:hiddenFill>
             </a:ext>
             <a:ext uri="{AF507438-7753-43e0-B8FC-AC1667EBCBE1}">
-              <a14:hiddenEffects xmlns:a14="http://schemas.microsoft.com/office/drawing/2010/main" xmlns="">
+              <a14:hiddenEffects xmlns="" xmlns:a14="http://schemas.microsoft.com/office/drawing/2010/main">
                 <a:effectLst>
                   <a:outerShdw blurRad="63500" dist="38099" dir="2700000" algn="ctr" rotWithShape="0">
                     <a:schemeClr val="bg2">
@@ -30024,14 +30024,14 @@
           <a:effectLst/>
           <a:extLst>
             <a:ext uri="{909E8E84-426E-40dd-AFC4-6F175D3DCCD1}">
-              <a14:hiddenFill xmlns:a14="http://schemas.microsoft.com/office/drawing/2010/main" xmlns="">
+              <a14:hiddenFill xmlns="" xmlns:a14="http://schemas.microsoft.com/office/drawing/2010/main">
                 <a:solidFill>
                   <a:schemeClr val="accent1"/>
                 </a:solidFill>
               </a14:hiddenFill>
             </a:ext>
             <a:ext uri="{91240B29-F687-4f45-9708-019B960494DF}">
-              <a14:hiddenLine xmlns:a14="http://schemas.microsoft.com/office/drawing/2010/main" xmlns="" w="9525">
+              <a14:hiddenLine xmlns="" xmlns:a14="http://schemas.microsoft.com/office/drawing/2010/main" w="9525">
                 <a:solidFill>
                   <a:schemeClr val="tx1"/>
                 </a:solidFill>
@@ -30041,7 +30041,7 @@
               </a14:hiddenLine>
             </a:ext>
             <a:ext uri="{AF507438-7753-43e0-B8FC-AC1667EBCBE1}">
-              <a14:hiddenEffects xmlns:a14="http://schemas.microsoft.com/office/drawing/2010/main" xmlns="">
+              <a14:hiddenEffects xmlns="" xmlns:a14="http://schemas.microsoft.com/office/drawing/2010/main">
                 <a:effectLst>
                   <a:outerShdw blurRad="63500" dist="38099" dir="2700000" algn="ctr" rotWithShape="0">
                     <a:schemeClr val="bg2">
@@ -30099,12 +30099,12 @@
           <a:effectLst/>
           <a:extLst>
             <a:ext uri="{909E8E84-426E-40dd-AFC4-6F175D3DCCD1}">
-              <a14:hiddenFill xmlns:a14="http://schemas.microsoft.com/office/drawing/2010/main" xmlns="">
+              <a14:hiddenFill xmlns="" xmlns:a14="http://schemas.microsoft.com/office/drawing/2010/main">
                 <a:noFill/>
               </a14:hiddenFill>
             </a:ext>
             <a:ext uri="{AF507438-7753-43e0-B8FC-AC1667EBCBE1}">
-              <a14:hiddenEffects xmlns:a14="http://schemas.microsoft.com/office/drawing/2010/main" xmlns="">
+              <a14:hiddenEffects xmlns="" xmlns:a14="http://schemas.microsoft.com/office/drawing/2010/main">
                 <a:effectLst>
                   <a:outerShdw blurRad="63500" dist="38099" dir="2700000" algn="ctr" rotWithShape="0">
                     <a:schemeClr val="bg2">
@@ -30147,14 +30147,14 @@
           <a:effectLst/>
           <a:extLst>
             <a:ext uri="{909E8E84-426E-40dd-AFC4-6F175D3DCCD1}">
-              <a14:hiddenFill xmlns:a14="http://schemas.microsoft.com/office/drawing/2010/main" xmlns="">
+              <a14:hiddenFill xmlns="" xmlns:a14="http://schemas.microsoft.com/office/drawing/2010/main">
                 <a:solidFill>
                   <a:schemeClr val="accent1"/>
                 </a:solidFill>
               </a14:hiddenFill>
             </a:ext>
             <a:ext uri="{91240B29-F687-4f45-9708-019B960494DF}">
-              <a14:hiddenLine xmlns:a14="http://schemas.microsoft.com/office/drawing/2010/main" xmlns="" w="9525">
+              <a14:hiddenLine xmlns="" xmlns:a14="http://schemas.microsoft.com/office/drawing/2010/main" w="9525">
                 <a:solidFill>
                   <a:schemeClr val="tx1"/>
                 </a:solidFill>
@@ -30164,7 +30164,7 @@
               </a14:hiddenLine>
             </a:ext>
             <a:ext uri="{AF507438-7753-43e0-B8FC-AC1667EBCBE1}">
-              <a14:hiddenEffects xmlns:a14="http://schemas.microsoft.com/office/drawing/2010/main" xmlns="">
+              <a14:hiddenEffects xmlns="" xmlns:a14="http://schemas.microsoft.com/office/drawing/2010/main">
                 <a:effectLst>
                   <a:outerShdw blurRad="63500" dist="38099" dir="2700000" algn="ctr" rotWithShape="0">
                     <a:schemeClr val="bg2">
@@ -30222,12 +30222,12 @@
           <a:effectLst/>
           <a:extLst>
             <a:ext uri="{909E8E84-426E-40dd-AFC4-6F175D3DCCD1}">
-              <a14:hiddenFill xmlns:a14="http://schemas.microsoft.com/office/drawing/2010/main" xmlns="">
+              <a14:hiddenFill xmlns="" xmlns:a14="http://schemas.microsoft.com/office/drawing/2010/main">
                 <a:noFill/>
               </a14:hiddenFill>
             </a:ext>
             <a:ext uri="{AF507438-7753-43e0-B8FC-AC1667EBCBE1}">
-              <a14:hiddenEffects xmlns:a14="http://schemas.microsoft.com/office/drawing/2010/main" xmlns="">
+              <a14:hiddenEffects xmlns="" xmlns:a14="http://schemas.microsoft.com/office/drawing/2010/main">
                 <a:effectLst>
                   <a:outerShdw blurRad="63500" dist="38099" dir="2700000" algn="ctr" rotWithShape="0">
                     <a:schemeClr val="bg2">
@@ -30270,14 +30270,14 @@
           <a:effectLst/>
           <a:extLst>
             <a:ext uri="{909E8E84-426E-40dd-AFC4-6F175D3DCCD1}">
-              <a14:hiddenFill xmlns:a14="http://schemas.microsoft.com/office/drawing/2010/main" xmlns="">
+              <a14:hiddenFill xmlns="" xmlns:a14="http://schemas.microsoft.com/office/drawing/2010/main">
                 <a:solidFill>
                   <a:schemeClr val="accent1"/>
                 </a:solidFill>
               </a14:hiddenFill>
             </a:ext>
             <a:ext uri="{91240B29-F687-4f45-9708-019B960494DF}">
-              <a14:hiddenLine xmlns:a14="http://schemas.microsoft.com/office/drawing/2010/main" xmlns="" w="9525">
+              <a14:hiddenLine xmlns="" xmlns:a14="http://schemas.microsoft.com/office/drawing/2010/main" w="9525">
                 <a:solidFill>
                   <a:schemeClr val="tx1"/>
                 </a:solidFill>
@@ -30287,7 +30287,7 @@
               </a14:hiddenLine>
             </a:ext>
             <a:ext uri="{AF507438-7753-43e0-B8FC-AC1667EBCBE1}">
-              <a14:hiddenEffects xmlns:a14="http://schemas.microsoft.com/office/drawing/2010/main" xmlns="">
+              <a14:hiddenEffects xmlns="" xmlns:a14="http://schemas.microsoft.com/office/drawing/2010/main">
                 <a:effectLst>
                   <a:outerShdw blurRad="63500" dist="38099" dir="2700000" algn="ctr" rotWithShape="0">
                     <a:schemeClr val="bg2">
@@ -30345,12 +30345,12 @@
           <a:effectLst/>
           <a:extLst>
             <a:ext uri="{909E8E84-426E-40dd-AFC4-6F175D3DCCD1}">
-              <a14:hiddenFill xmlns:a14="http://schemas.microsoft.com/office/drawing/2010/main" xmlns="">
+              <a14:hiddenFill xmlns="" xmlns:a14="http://schemas.microsoft.com/office/drawing/2010/main">
                 <a:noFill/>
               </a14:hiddenFill>
             </a:ext>
             <a:ext uri="{AF507438-7753-43e0-B8FC-AC1667EBCBE1}">
-              <a14:hiddenEffects xmlns:a14="http://schemas.microsoft.com/office/drawing/2010/main" xmlns="">
+              <a14:hiddenEffects xmlns="" xmlns:a14="http://schemas.microsoft.com/office/drawing/2010/main">
                 <a:effectLst>
                   <a:outerShdw blurRad="63500" dist="38099" dir="2700000" algn="ctr" rotWithShape="0">
                     <a:schemeClr val="bg2">
@@ -30393,14 +30393,14 @@
           <a:effectLst/>
           <a:extLst>
             <a:ext uri="{909E8E84-426E-40dd-AFC4-6F175D3DCCD1}">
-              <a14:hiddenFill xmlns:a14="http://schemas.microsoft.com/office/drawing/2010/main" xmlns="">
+              <a14:hiddenFill xmlns="" xmlns:a14="http://schemas.microsoft.com/office/drawing/2010/main">
                 <a:solidFill>
                   <a:schemeClr val="accent1"/>
                 </a:solidFill>
               </a14:hiddenFill>
             </a:ext>
             <a:ext uri="{91240B29-F687-4f45-9708-019B960494DF}">
-              <a14:hiddenLine xmlns:a14="http://schemas.microsoft.com/office/drawing/2010/main" xmlns="" w="9525">
+              <a14:hiddenLine xmlns="" xmlns:a14="http://schemas.microsoft.com/office/drawing/2010/main" w="9525">
                 <a:solidFill>
                   <a:schemeClr val="tx1"/>
                 </a:solidFill>
@@ -30410,7 +30410,7 @@
               </a14:hiddenLine>
             </a:ext>
             <a:ext uri="{AF507438-7753-43e0-B8FC-AC1667EBCBE1}">
-              <a14:hiddenEffects xmlns:a14="http://schemas.microsoft.com/office/drawing/2010/main" xmlns="">
+              <a14:hiddenEffects xmlns="" xmlns:a14="http://schemas.microsoft.com/office/drawing/2010/main">
                 <a:effectLst>
                   <a:outerShdw blurRad="63500" dist="38099" dir="2700000" algn="ctr" rotWithShape="0">
                     <a:schemeClr val="bg2">
@@ -30576,14 +30576,14 @@
           <a:effectLst/>
           <a:extLst>
             <a:ext uri="{909E8E84-426E-40dd-AFC4-6F175D3DCCD1}">
-              <a14:hiddenFill xmlns:a14="http://schemas.microsoft.com/office/drawing/2010/main" xmlns="">
+              <a14:hiddenFill xmlns="" xmlns:a14="http://schemas.microsoft.com/office/drawing/2010/main">
                 <a:solidFill>
                   <a:schemeClr val="accent1"/>
                 </a:solidFill>
               </a14:hiddenFill>
             </a:ext>
             <a:ext uri="{AF507438-7753-43e0-B8FC-AC1667EBCBE1}">
-              <a14:hiddenEffects xmlns:a14="http://schemas.microsoft.com/office/drawing/2010/main" xmlns="">
+              <a14:hiddenEffects xmlns="" xmlns:a14="http://schemas.microsoft.com/office/drawing/2010/main">
                 <a:effectLst>
                   <a:outerShdw blurRad="63500" dist="38099" dir="2700000" algn="ctr" rotWithShape="0">
                     <a:schemeClr val="bg2">
@@ -30626,14 +30626,14 @@
           <a:effectLst/>
           <a:extLst>
             <a:ext uri="{909E8E84-426E-40dd-AFC4-6F175D3DCCD1}">
-              <a14:hiddenFill xmlns:a14="http://schemas.microsoft.com/office/drawing/2010/main" xmlns="">
+              <a14:hiddenFill xmlns="" xmlns:a14="http://schemas.microsoft.com/office/drawing/2010/main">
                 <a:solidFill>
                   <a:schemeClr val="accent1"/>
                 </a:solidFill>
               </a14:hiddenFill>
             </a:ext>
             <a:ext uri="{91240B29-F687-4f45-9708-019B960494DF}">
-              <a14:hiddenLine xmlns:a14="http://schemas.microsoft.com/office/drawing/2010/main" xmlns="" w="9525">
+              <a14:hiddenLine xmlns="" xmlns:a14="http://schemas.microsoft.com/office/drawing/2010/main" w="9525">
                 <a:solidFill>
                   <a:schemeClr val="tx1"/>
                 </a:solidFill>
@@ -30643,7 +30643,7 @@
               </a14:hiddenLine>
             </a:ext>
             <a:ext uri="{AF507438-7753-43e0-B8FC-AC1667EBCBE1}">
-              <a14:hiddenEffects xmlns:a14="http://schemas.microsoft.com/office/drawing/2010/main" xmlns="">
+              <a14:hiddenEffects xmlns="" xmlns:a14="http://schemas.microsoft.com/office/drawing/2010/main">
                 <a:effectLst>
                   <a:outerShdw blurRad="63500" dist="38099" dir="2700000" algn="ctr" rotWithShape="0">
                     <a:schemeClr val="bg2">
@@ -30698,14 +30698,14 @@
           <a:effectLst/>
           <a:extLst>
             <a:ext uri="{909E8E84-426E-40dd-AFC4-6F175D3DCCD1}">
-              <a14:hiddenFill xmlns:a14="http://schemas.microsoft.com/office/drawing/2010/main" xmlns="">
+              <a14:hiddenFill xmlns="" xmlns:a14="http://schemas.microsoft.com/office/drawing/2010/main">
                 <a:solidFill>
                   <a:schemeClr val="accent1"/>
                 </a:solidFill>
               </a14:hiddenFill>
             </a:ext>
             <a:ext uri="{AF507438-7753-43e0-B8FC-AC1667EBCBE1}">
-              <a14:hiddenEffects xmlns:a14="http://schemas.microsoft.com/office/drawing/2010/main" xmlns="">
+              <a14:hiddenEffects xmlns="" xmlns:a14="http://schemas.microsoft.com/office/drawing/2010/main">
                 <a:effectLst>
                   <a:outerShdw blurRad="63500" dist="38099" dir="2700000" algn="ctr" rotWithShape="0">
                     <a:schemeClr val="bg2">
@@ -30782,14 +30782,14 @@
           <a:effectLst/>
           <a:extLst>
             <a:ext uri="{909E8E84-426E-40dd-AFC4-6F175D3DCCD1}">
-              <a14:hiddenFill xmlns:a14="http://schemas.microsoft.com/office/drawing/2010/main" xmlns="">
+              <a14:hiddenFill xmlns="" xmlns:a14="http://schemas.microsoft.com/office/drawing/2010/main">
                 <a:solidFill>
                   <a:schemeClr val="accent1"/>
                 </a:solidFill>
               </a14:hiddenFill>
             </a:ext>
             <a:ext uri="{91240B29-F687-4f45-9708-019B960494DF}">
-              <a14:hiddenLine xmlns:a14="http://schemas.microsoft.com/office/drawing/2010/main" xmlns="" w="9525">
+              <a14:hiddenLine xmlns="" xmlns:a14="http://schemas.microsoft.com/office/drawing/2010/main" w="9525">
                 <a:solidFill>
                   <a:schemeClr val="tx1"/>
                 </a:solidFill>
@@ -30799,7 +30799,7 @@
               </a14:hiddenLine>
             </a:ext>
             <a:ext uri="{AF507438-7753-43e0-B8FC-AC1667EBCBE1}">
-              <a14:hiddenEffects xmlns:a14="http://schemas.microsoft.com/office/drawing/2010/main" xmlns="">
+              <a14:hiddenEffects xmlns="" xmlns:a14="http://schemas.microsoft.com/office/drawing/2010/main">
                 <a:effectLst>
                   <a:outerShdw blurRad="63500" dist="38099" dir="2700000" algn="ctr" rotWithShape="0">
                     <a:schemeClr val="bg2">
@@ -30851,14 +30851,14 @@
           <a:effectLst/>
           <a:extLst>
             <a:ext uri="{909E8E84-426E-40dd-AFC4-6F175D3DCCD1}">
-              <a14:hiddenFill xmlns:a14="http://schemas.microsoft.com/office/drawing/2010/main" xmlns="">
+              <a14:hiddenFill xmlns="" xmlns:a14="http://schemas.microsoft.com/office/drawing/2010/main">
                 <a:solidFill>
                   <a:schemeClr val="accent1"/>
                 </a:solidFill>
               </a14:hiddenFill>
             </a:ext>
             <a:ext uri="{91240B29-F687-4f45-9708-019B960494DF}">
-              <a14:hiddenLine xmlns:a14="http://schemas.microsoft.com/office/drawing/2010/main" xmlns="" w="9525">
+              <a14:hiddenLine xmlns="" xmlns:a14="http://schemas.microsoft.com/office/drawing/2010/main" w="9525">
                 <a:solidFill>
                   <a:schemeClr val="tx1"/>
                 </a:solidFill>
@@ -30868,7 +30868,7 @@
               </a14:hiddenLine>
             </a:ext>
             <a:ext uri="{AF507438-7753-43e0-B8FC-AC1667EBCBE1}">
-              <a14:hiddenEffects xmlns:a14="http://schemas.microsoft.com/office/drawing/2010/main" xmlns="">
+              <a14:hiddenEffects xmlns="" xmlns:a14="http://schemas.microsoft.com/office/drawing/2010/main">
                 <a:effectLst>
                   <a:outerShdw blurRad="63500" dist="38099" dir="2700000" algn="ctr" rotWithShape="0">
                     <a:schemeClr val="bg2">
@@ -30916,14 +30916,14 @@
           <a:effectLst/>
           <a:extLst>
             <a:ext uri="{909E8E84-426E-40dd-AFC4-6F175D3DCCD1}">
-              <a14:hiddenFill xmlns:a14="http://schemas.microsoft.com/office/drawing/2010/main" xmlns="">
+              <a14:hiddenFill xmlns="" xmlns:a14="http://schemas.microsoft.com/office/drawing/2010/main">
                 <a:solidFill>
                   <a:schemeClr val="accent1"/>
                 </a:solidFill>
               </a14:hiddenFill>
             </a:ext>
             <a:ext uri="{91240B29-F687-4f45-9708-019B960494DF}">
-              <a14:hiddenLine xmlns:a14="http://schemas.microsoft.com/office/drawing/2010/main" xmlns="" w="9525">
+              <a14:hiddenLine xmlns="" xmlns:a14="http://schemas.microsoft.com/office/drawing/2010/main" w="9525">
                 <a:solidFill>
                   <a:schemeClr val="tx1"/>
                 </a:solidFill>
@@ -30933,7 +30933,7 @@
               </a14:hiddenLine>
             </a:ext>
             <a:ext uri="{AF507438-7753-43e0-B8FC-AC1667EBCBE1}">
-              <a14:hiddenEffects xmlns:a14="http://schemas.microsoft.com/office/drawing/2010/main" xmlns="">
+              <a14:hiddenEffects xmlns="" xmlns:a14="http://schemas.microsoft.com/office/drawing/2010/main">
                 <a:effectLst>
                   <a:outerShdw blurRad="63500" dist="38099" dir="2700000" algn="ctr" rotWithShape="0">
                     <a:schemeClr val="bg2">
@@ -32607,14 +32607,14 @@
           <a:effectLst/>
           <a:extLst>
             <a:ext uri="{909E8E84-426E-40dd-AFC4-6F175D3DCCD1}">
-              <a14:hiddenFill xmlns:a14="http://schemas.microsoft.com/office/drawing/2010/main" xmlns="">
+              <a14:hiddenFill xmlns="" xmlns:a14="http://schemas.microsoft.com/office/drawing/2010/main">
                 <a:solidFill>
                   <a:schemeClr val="accent1"/>
                 </a:solidFill>
               </a14:hiddenFill>
             </a:ext>
             <a:ext uri="{91240B29-F687-4f45-9708-019B960494DF}">
-              <a14:hiddenLine xmlns:a14="http://schemas.microsoft.com/office/drawing/2010/main" xmlns="" w="9525">
+              <a14:hiddenLine xmlns="" xmlns:a14="http://schemas.microsoft.com/office/drawing/2010/main" w="9525">
                 <a:solidFill>
                   <a:schemeClr val="tx1"/>
                 </a:solidFill>
@@ -32624,7 +32624,7 @@
               </a14:hiddenLine>
             </a:ext>
             <a:ext uri="{AF507438-7753-43e0-B8FC-AC1667EBCBE1}">
-              <a14:hiddenEffects xmlns:a14="http://schemas.microsoft.com/office/drawing/2010/main" xmlns="">
+              <a14:hiddenEffects xmlns="" xmlns:a14="http://schemas.microsoft.com/office/drawing/2010/main">
                 <a:effectLst>
                   <a:outerShdw blurRad="63500" dist="38099" dir="2700000" algn="ctr" rotWithShape="0">
                     <a:schemeClr val="bg2">
@@ -32703,14 +32703,14 @@
           <a:effectLst/>
           <a:extLst>
             <a:ext uri="{909E8E84-426E-40dd-AFC4-6F175D3DCCD1}">
-              <a14:hiddenFill xmlns:a14="http://schemas.microsoft.com/office/drawing/2010/main" xmlns="">
+              <a14:hiddenFill xmlns="" xmlns:a14="http://schemas.microsoft.com/office/drawing/2010/main">
                 <a:solidFill>
                   <a:schemeClr val="accent1"/>
                 </a:solidFill>
               </a14:hiddenFill>
             </a:ext>
             <a:ext uri="{AF507438-7753-43e0-B8FC-AC1667EBCBE1}">
-              <a14:hiddenEffects xmlns:a14="http://schemas.microsoft.com/office/drawing/2010/main" xmlns="">
+              <a14:hiddenEffects xmlns="" xmlns:a14="http://schemas.microsoft.com/office/drawing/2010/main">
                 <a:effectLst>
                   <a:outerShdw blurRad="63500" dist="38099" dir="2700000" algn="ctr" rotWithShape="0">
                     <a:schemeClr val="bg2">
@@ -32795,14 +32795,14 @@
           <a:effectLst/>
           <a:extLst>
             <a:ext uri="{909E8E84-426E-40dd-AFC4-6F175D3DCCD1}">
-              <a14:hiddenFill xmlns:a14="http://schemas.microsoft.com/office/drawing/2010/main" xmlns="">
+              <a14:hiddenFill xmlns="" xmlns:a14="http://schemas.microsoft.com/office/drawing/2010/main">
                 <a:solidFill>
                   <a:schemeClr val="accent1"/>
                 </a:solidFill>
               </a14:hiddenFill>
             </a:ext>
             <a:ext uri="{AF507438-7753-43e0-B8FC-AC1667EBCBE1}">
-              <a14:hiddenEffects xmlns:a14="http://schemas.microsoft.com/office/drawing/2010/main" xmlns="">
+              <a14:hiddenEffects xmlns="" xmlns:a14="http://schemas.microsoft.com/office/drawing/2010/main">
                 <a:effectLst>
                   <a:outerShdw blurRad="63500" dist="38099" dir="2700000" algn="ctr" rotWithShape="0">
                     <a:schemeClr val="bg2">
@@ -32884,14 +32884,14 @@
           <a:effectLst/>
           <a:extLst>
             <a:ext uri="{909E8E84-426E-40dd-AFC4-6F175D3DCCD1}">
-              <a14:hiddenFill xmlns:a14="http://schemas.microsoft.com/office/drawing/2010/main" xmlns="">
+              <a14:hiddenFill xmlns="" xmlns:a14="http://schemas.microsoft.com/office/drawing/2010/main">
                 <a:solidFill>
                   <a:schemeClr val="accent1"/>
                 </a:solidFill>
               </a14:hiddenFill>
             </a:ext>
             <a:ext uri="{AF507438-7753-43e0-B8FC-AC1667EBCBE1}">
-              <a14:hiddenEffects xmlns:a14="http://schemas.microsoft.com/office/drawing/2010/main" xmlns="">
+              <a14:hiddenEffects xmlns="" xmlns:a14="http://schemas.microsoft.com/office/drawing/2010/main">
                 <a:effectLst>
                   <a:outerShdw blurRad="63500" dist="38099" dir="2700000" algn="ctr" rotWithShape="0">
                     <a:schemeClr val="bg2">
@@ -32976,14 +32976,14 @@
           <a:effectLst/>
           <a:extLst>
             <a:ext uri="{909E8E84-426E-40dd-AFC4-6F175D3DCCD1}">
-              <a14:hiddenFill xmlns:a14="http://schemas.microsoft.com/office/drawing/2010/main" xmlns="">
+              <a14:hiddenFill xmlns="" xmlns:a14="http://schemas.microsoft.com/office/drawing/2010/main">
                 <a:solidFill>
                   <a:schemeClr val="accent1"/>
                 </a:solidFill>
               </a14:hiddenFill>
             </a:ext>
             <a:ext uri="{AF507438-7753-43e0-B8FC-AC1667EBCBE1}">
-              <a14:hiddenEffects xmlns:a14="http://schemas.microsoft.com/office/drawing/2010/main" xmlns="">
+              <a14:hiddenEffects xmlns="" xmlns:a14="http://schemas.microsoft.com/office/drawing/2010/main">
                 <a:effectLst>
                   <a:outerShdw blurRad="63500" dist="38099" dir="2700000" algn="ctr" rotWithShape="0">
                     <a:schemeClr val="bg2">
@@ -33068,14 +33068,14 @@
           <a:effectLst/>
           <a:extLst>
             <a:ext uri="{909E8E84-426E-40dd-AFC4-6F175D3DCCD1}">
-              <a14:hiddenFill xmlns:a14="http://schemas.microsoft.com/office/drawing/2010/main" xmlns="">
+              <a14:hiddenFill xmlns="" xmlns:a14="http://schemas.microsoft.com/office/drawing/2010/main">
                 <a:solidFill>
                   <a:schemeClr val="accent1"/>
                 </a:solidFill>
               </a14:hiddenFill>
             </a:ext>
             <a:ext uri="{AF507438-7753-43e0-B8FC-AC1667EBCBE1}">
-              <a14:hiddenEffects xmlns:a14="http://schemas.microsoft.com/office/drawing/2010/main" xmlns="">
+              <a14:hiddenEffects xmlns="" xmlns:a14="http://schemas.microsoft.com/office/drawing/2010/main">
                 <a:effectLst>
                   <a:outerShdw blurRad="63500" dist="38099" dir="2700000" algn="ctr" rotWithShape="0">
                     <a:schemeClr val="bg2">
@@ -33160,14 +33160,14 @@
           <a:effectLst/>
           <a:extLst>
             <a:ext uri="{909E8E84-426E-40dd-AFC4-6F175D3DCCD1}">
-              <a14:hiddenFill xmlns:a14="http://schemas.microsoft.com/office/drawing/2010/main" xmlns="">
+              <a14:hiddenFill xmlns="" xmlns:a14="http://schemas.microsoft.com/office/drawing/2010/main">
                 <a:solidFill>
                   <a:schemeClr val="accent1"/>
                 </a:solidFill>
               </a14:hiddenFill>
             </a:ext>
             <a:ext uri="{AF507438-7753-43e0-B8FC-AC1667EBCBE1}">
-              <a14:hiddenEffects xmlns:a14="http://schemas.microsoft.com/office/drawing/2010/main" xmlns="">
+              <a14:hiddenEffects xmlns="" xmlns:a14="http://schemas.microsoft.com/office/drawing/2010/main">
                 <a:effectLst>
                   <a:outerShdw blurRad="63500" dist="38099" dir="2700000" algn="ctr" rotWithShape="0">
                     <a:schemeClr val="bg2">
@@ -33246,12 +33246,12 @@
           <a:effectLst/>
           <a:extLst>
             <a:ext uri="{909E8E84-426E-40dd-AFC4-6F175D3DCCD1}">
-              <a14:hiddenFill xmlns:a14="http://schemas.microsoft.com/office/drawing/2010/main" xmlns="">
+              <a14:hiddenFill xmlns="" xmlns:a14="http://schemas.microsoft.com/office/drawing/2010/main">
                 <a:noFill/>
               </a14:hiddenFill>
             </a:ext>
             <a:ext uri="{AF507438-7753-43e0-B8FC-AC1667EBCBE1}">
-              <a14:hiddenEffects xmlns:a14="http://schemas.microsoft.com/office/drawing/2010/main" xmlns="">
+              <a14:hiddenEffects xmlns="" xmlns:a14="http://schemas.microsoft.com/office/drawing/2010/main">
                 <a:effectLst>
                   <a:outerShdw blurRad="63500" dist="38099" dir="2700000" algn="ctr" rotWithShape="0">
                     <a:schemeClr val="bg2">
@@ -33294,14 +33294,14 @@
           <a:effectLst/>
           <a:extLst>
             <a:ext uri="{909E8E84-426E-40dd-AFC4-6F175D3DCCD1}">
-              <a14:hiddenFill xmlns:a14="http://schemas.microsoft.com/office/drawing/2010/main" xmlns="">
+              <a14:hiddenFill xmlns="" xmlns:a14="http://schemas.microsoft.com/office/drawing/2010/main">
                 <a:solidFill>
                   <a:schemeClr val="accent1"/>
                 </a:solidFill>
               </a14:hiddenFill>
             </a:ext>
             <a:ext uri="{91240B29-F687-4f45-9708-019B960494DF}">
-              <a14:hiddenLine xmlns:a14="http://schemas.microsoft.com/office/drawing/2010/main" xmlns="" w="9525">
+              <a14:hiddenLine xmlns="" xmlns:a14="http://schemas.microsoft.com/office/drawing/2010/main" w="9525">
                 <a:solidFill>
                   <a:schemeClr val="tx1"/>
                 </a:solidFill>
@@ -33311,7 +33311,7 @@
               </a14:hiddenLine>
             </a:ext>
             <a:ext uri="{AF507438-7753-43e0-B8FC-AC1667EBCBE1}">
-              <a14:hiddenEffects xmlns:a14="http://schemas.microsoft.com/office/drawing/2010/main" xmlns="">
+              <a14:hiddenEffects xmlns="" xmlns:a14="http://schemas.microsoft.com/office/drawing/2010/main">
                 <a:effectLst>
                   <a:outerShdw blurRad="63500" dist="38099" dir="2700000" algn="ctr" rotWithShape="0">
                     <a:schemeClr val="bg2">
@@ -33369,12 +33369,12 @@
           <a:effectLst/>
           <a:extLst>
             <a:ext uri="{909E8E84-426E-40dd-AFC4-6F175D3DCCD1}">
-              <a14:hiddenFill xmlns:a14="http://schemas.microsoft.com/office/drawing/2010/main" xmlns="">
+              <a14:hiddenFill xmlns="" xmlns:a14="http://schemas.microsoft.com/office/drawing/2010/main">
                 <a:noFill/>
               </a14:hiddenFill>
             </a:ext>
             <a:ext uri="{AF507438-7753-43e0-B8FC-AC1667EBCBE1}">
-              <a14:hiddenEffects xmlns:a14="http://schemas.microsoft.com/office/drawing/2010/main" xmlns="">
+              <a14:hiddenEffects xmlns="" xmlns:a14="http://schemas.microsoft.com/office/drawing/2010/main">
                 <a:effectLst>
                   <a:outerShdw blurRad="63500" dist="38099" dir="2700000" algn="ctr" rotWithShape="0">
                     <a:schemeClr val="bg2">
@@ -33417,14 +33417,14 @@
           <a:effectLst/>
           <a:extLst>
             <a:ext uri="{909E8E84-426E-40dd-AFC4-6F175D3DCCD1}">
-              <a14:hiddenFill xmlns:a14="http://schemas.microsoft.com/office/drawing/2010/main" xmlns="">
+              <a14:hiddenFill xmlns="" xmlns:a14="http://schemas.microsoft.com/office/drawing/2010/main">
                 <a:solidFill>
                   <a:schemeClr val="accent1"/>
                 </a:solidFill>
               </a14:hiddenFill>
             </a:ext>
             <a:ext uri="{91240B29-F687-4f45-9708-019B960494DF}">
-              <a14:hiddenLine xmlns:a14="http://schemas.microsoft.com/office/drawing/2010/main" xmlns="" w="9525">
+              <a14:hiddenLine xmlns="" xmlns:a14="http://schemas.microsoft.com/office/drawing/2010/main" w="9525">
                 <a:solidFill>
                   <a:schemeClr val="tx1"/>
                 </a:solidFill>
@@ -33434,7 +33434,7 @@
               </a14:hiddenLine>
             </a:ext>
             <a:ext uri="{AF507438-7753-43e0-B8FC-AC1667EBCBE1}">
-              <a14:hiddenEffects xmlns:a14="http://schemas.microsoft.com/office/drawing/2010/main" xmlns="">
+              <a14:hiddenEffects xmlns="" xmlns:a14="http://schemas.microsoft.com/office/drawing/2010/main">
                 <a:effectLst>
                   <a:outerShdw blurRad="63500" dist="38099" dir="2700000" algn="ctr" rotWithShape="0">
                     <a:schemeClr val="bg2">
@@ -33492,12 +33492,12 @@
           <a:effectLst/>
           <a:extLst>
             <a:ext uri="{909E8E84-426E-40dd-AFC4-6F175D3DCCD1}">
-              <a14:hiddenFill xmlns:a14="http://schemas.microsoft.com/office/drawing/2010/main" xmlns="">
+              <a14:hiddenFill xmlns="" xmlns:a14="http://schemas.microsoft.com/office/drawing/2010/main">
                 <a:noFill/>
               </a14:hiddenFill>
             </a:ext>
             <a:ext uri="{AF507438-7753-43e0-B8FC-AC1667EBCBE1}">
-              <a14:hiddenEffects xmlns:a14="http://schemas.microsoft.com/office/drawing/2010/main" xmlns="">
+              <a14:hiddenEffects xmlns="" xmlns:a14="http://schemas.microsoft.com/office/drawing/2010/main">
                 <a:effectLst>
                   <a:outerShdw blurRad="63500" dist="38099" dir="2700000" algn="ctr" rotWithShape="0">
                     <a:schemeClr val="bg2">
@@ -33540,14 +33540,14 @@
           <a:effectLst/>
           <a:extLst>
             <a:ext uri="{909E8E84-426E-40dd-AFC4-6F175D3DCCD1}">
-              <a14:hiddenFill xmlns:a14="http://schemas.microsoft.com/office/drawing/2010/main" xmlns="">
+              <a14:hiddenFill xmlns="" xmlns:a14="http://schemas.microsoft.com/office/drawing/2010/main">
                 <a:solidFill>
                   <a:schemeClr val="accent1"/>
                 </a:solidFill>
               </a14:hiddenFill>
             </a:ext>
             <a:ext uri="{91240B29-F687-4f45-9708-019B960494DF}">
-              <a14:hiddenLine xmlns:a14="http://schemas.microsoft.com/office/drawing/2010/main" xmlns="" w="9525">
+              <a14:hiddenLine xmlns="" xmlns:a14="http://schemas.microsoft.com/office/drawing/2010/main" w="9525">
                 <a:solidFill>
                   <a:schemeClr val="tx1"/>
                 </a:solidFill>
@@ -33557,7 +33557,7 @@
               </a14:hiddenLine>
             </a:ext>
             <a:ext uri="{AF507438-7753-43e0-B8FC-AC1667EBCBE1}">
-              <a14:hiddenEffects xmlns:a14="http://schemas.microsoft.com/office/drawing/2010/main" xmlns="">
+              <a14:hiddenEffects xmlns="" xmlns:a14="http://schemas.microsoft.com/office/drawing/2010/main">
                 <a:effectLst>
                   <a:outerShdw blurRad="63500" dist="38099" dir="2700000" algn="ctr" rotWithShape="0">
                     <a:schemeClr val="bg2">
@@ -33615,12 +33615,12 @@
           <a:effectLst/>
           <a:extLst>
             <a:ext uri="{909E8E84-426E-40dd-AFC4-6F175D3DCCD1}">
-              <a14:hiddenFill xmlns:a14="http://schemas.microsoft.com/office/drawing/2010/main" xmlns="">
+              <a14:hiddenFill xmlns="" xmlns:a14="http://schemas.microsoft.com/office/drawing/2010/main">
                 <a:noFill/>
               </a14:hiddenFill>
             </a:ext>
             <a:ext uri="{AF507438-7753-43e0-B8FC-AC1667EBCBE1}">
-              <a14:hiddenEffects xmlns:a14="http://schemas.microsoft.com/office/drawing/2010/main" xmlns="">
+              <a14:hiddenEffects xmlns="" xmlns:a14="http://schemas.microsoft.com/office/drawing/2010/main">
                 <a:effectLst>
                   <a:outerShdw blurRad="63500" dist="38099" dir="2700000" algn="ctr" rotWithShape="0">
                     <a:schemeClr val="bg2">
@@ -33663,14 +33663,14 @@
           <a:effectLst/>
           <a:extLst>
             <a:ext uri="{909E8E84-426E-40dd-AFC4-6F175D3DCCD1}">
-              <a14:hiddenFill xmlns:a14="http://schemas.microsoft.com/office/drawing/2010/main" xmlns="">
+              <a14:hiddenFill xmlns="" xmlns:a14="http://schemas.microsoft.com/office/drawing/2010/main">
                 <a:solidFill>
                   <a:schemeClr val="accent1"/>
                 </a:solidFill>
               </a14:hiddenFill>
             </a:ext>
             <a:ext uri="{91240B29-F687-4f45-9708-019B960494DF}">
-              <a14:hiddenLine xmlns:a14="http://schemas.microsoft.com/office/drawing/2010/main" xmlns="" w="9525">
+              <a14:hiddenLine xmlns="" xmlns:a14="http://schemas.microsoft.com/office/drawing/2010/main" w="9525">
                 <a:solidFill>
                   <a:schemeClr val="tx1"/>
                 </a:solidFill>
@@ -33680,7 +33680,7 @@
               </a14:hiddenLine>
             </a:ext>
             <a:ext uri="{AF507438-7753-43e0-B8FC-AC1667EBCBE1}">
-              <a14:hiddenEffects xmlns:a14="http://schemas.microsoft.com/office/drawing/2010/main" xmlns="">
+              <a14:hiddenEffects xmlns="" xmlns:a14="http://schemas.microsoft.com/office/drawing/2010/main">
                 <a:effectLst>
                   <a:outerShdw blurRad="63500" dist="38099" dir="2700000" algn="ctr" rotWithShape="0">
                     <a:schemeClr val="bg2">
@@ -33738,12 +33738,12 @@
           <a:effectLst/>
           <a:extLst>
             <a:ext uri="{909E8E84-426E-40dd-AFC4-6F175D3DCCD1}">
-              <a14:hiddenFill xmlns:a14="http://schemas.microsoft.com/office/drawing/2010/main" xmlns="">
+              <a14:hiddenFill xmlns="" xmlns:a14="http://schemas.microsoft.com/office/drawing/2010/main">
                 <a:noFill/>
               </a14:hiddenFill>
             </a:ext>
             <a:ext uri="{AF507438-7753-43e0-B8FC-AC1667EBCBE1}">
-              <a14:hiddenEffects xmlns:a14="http://schemas.microsoft.com/office/drawing/2010/main" xmlns="">
+              <a14:hiddenEffects xmlns="" xmlns:a14="http://schemas.microsoft.com/office/drawing/2010/main">
                 <a:effectLst>
                   <a:outerShdw blurRad="63500" dist="38099" dir="2700000" algn="ctr" rotWithShape="0">
                     <a:schemeClr val="bg2">
@@ -33786,14 +33786,14 @@
           <a:effectLst/>
           <a:extLst>
             <a:ext uri="{909E8E84-426E-40dd-AFC4-6F175D3DCCD1}">
-              <a14:hiddenFill xmlns:a14="http://schemas.microsoft.com/office/drawing/2010/main" xmlns="">
+              <a14:hiddenFill xmlns="" xmlns:a14="http://schemas.microsoft.com/office/drawing/2010/main">
                 <a:solidFill>
                   <a:schemeClr val="accent1"/>
                 </a:solidFill>
               </a14:hiddenFill>
             </a:ext>
             <a:ext uri="{91240B29-F687-4f45-9708-019B960494DF}">
-              <a14:hiddenLine xmlns:a14="http://schemas.microsoft.com/office/drawing/2010/main" xmlns="" w="9525">
+              <a14:hiddenLine xmlns="" xmlns:a14="http://schemas.microsoft.com/office/drawing/2010/main" w="9525">
                 <a:solidFill>
                   <a:schemeClr val="tx1"/>
                 </a:solidFill>
@@ -33803,7 +33803,7 @@
               </a14:hiddenLine>
             </a:ext>
             <a:ext uri="{AF507438-7753-43e0-B8FC-AC1667EBCBE1}">
-              <a14:hiddenEffects xmlns:a14="http://schemas.microsoft.com/office/drawing/2010/main" xmlns="">
+              <a14:hiddenEffects xmlns="" xmlns:a14="http://schemas.microsoft.com/office/drawing/2010/main">
                 <a:effectLst>
                   <a:outerShdw blurRad="63500" dist="38099" dir="2700000" algn="ctr" rotWithShape="0">
                     <a:schemeClr val="bg2">
@@ -33861,12 +33861,12 @@
           <a:effectLst/>
           <a:extLst>
             <a:ext uri="{909E8E84-426E-40dd-AFC4-6F175D3DCCD1}">
-              <a14:hiddenFill xmlns:a14="http://schemas.microsoft.com/office/drawing/2010/main" xmlns="">
+              <a14:hiddenFill xmlns="" xmlns:a14="http://schemas.microsoft.com/office/drawing/2010/main">
                 <a:noFill/>
               </a14:hiddenFill>
             </a:ext>
             <a:ext uri="{AF507438-7753-43e0-B8FC-AC1667EBCBE1}">
-              <a14:hiddenEffects xmlns:a14="http://schemas.microsoft.com/office/drawing/2010/main" xmlns="">
+              <a14:hiddenEffects xmlns="" xmlns:a14="http://schemas.microsoft.com/office/drawing/2010/main">
                 <a:effectLst>
                   <a:outerShdw blurRad="63500" dist="38099" dir="2700000" algn="ctr" rotWithShape="0">
                     <a:schemeClr val="bg2">
@@ -33909,14 +33909,14 @@
           <a:effectLst/>
           <a:extLst>
             <a:ext uri="{909E8E84-426E-40dd-AFC4-6F175D3DCCD1}">
-              <a14:hiddenFill xmlns:a14="http://schemas.microsoft.com/office/drawing/2010/main" xmlns="">
+              <a14:hiddenFill xmlns="" xmlns:a14="http://schemas.microsoft.com/office/drawing/2010/main">
                 <a:solidFill>
                   <a:schemeClr val="accent1"/>
                 </a:solidFill>
               </a14:hiddenFill>
             </a:ext>
             <a:ext uri="{91240B29-F687-4f45-9708-019B960494DF}">
-              <a14:hiddenLine xmlns:a14="http://schemas.microsoft.com/office/drawing/2010/main" xmlns="" w="9525">
+              <a14:hiddenLine xmlns="" xmlns:a14="http://schemas.microsoft.com/office/drawing/2010/main" w="9525">
                 <a:solidFill>
                   <a:schemeClr val="tx1"/>
                 </a:solidFill>
@@ -33926,7 +33926,7 @@
               </a14:hiddenLine>
             </a:ext>
             <a:ext uri="{AF507438-7753-43e0-B8FC-AC1667EBCBE1}">
-              <a14:hiddenEffects xmlns:a14="http://schemas.microsoft.com/office/drawing/2010/main" xmlns="">
+              <a14:hiddenEffects xmlns="" xmlns:a14="http://schemas.microsoft.com/office/drawing/2010/main">
                 <a:effectLst>
                   <a:outerShdw blurRad="63500" dist="38099" dir="2700000" algn="ctr" rotWithShape="0">
                     <a:schemeClr val="bg2">
@@ -33981,12 +33981,12 @@
           <a:effectLst/>
           <a:extLst>
             <a:ext uri="{909E8E84-426E-40dd-AFC4-6F175D3DCCD1}">
-              <a14:hiddenFill xmlns:a14="http://schemas.microsoft.com/office/drawing/2010/main" xmlns="">
+              <a14:hiddenFill xmlns="" xmlns:a14="http://schemas.microsoft.com/office/drawing/2010/main">
                 <a:noFill/>
               </a14:hiddenFill>
             </a:ext>
             <a:ext uri="{AF507438-7753-43e0-B8FC-AC1667EBCBE1}">
-              <a14:hiddenEffects xmlns:a14="http://schemas.microsoft.com/office/drawing/2010/main" xmlns="">
+              <a14:hiddenEffects xmlns="" xmlns:a14="http://schemas.microsoft.com/office/drawing/2010/main">
                 <a:effectLst>
                   <a:outerShdw blurRad="63500" dist="38099" dir="2700000" algn="ctr" rotWithShape="0">
                     <a:schemeClr val="bg2">
@@ -34029,14 +34029,14 @@
           <a:effectLst/>
           <a:extLst>
             <a:ext uri="{909E8E84-426E-40dd-AFC4-6F175D3DCCD1}">
-              <a14:hiddenFill xmlns:a14="http://schemas.microsoft.com/office/drawing/2010/main" xmlns="">
+              <a14:hiddenFill xmlns="" xmlns:a14="http://schemas.microsoft.com/office/drawing/2010/main">
                 <a:solidFill>
                   <a:schemeClr val="accent1"/>
                 </a:solidFill>
               </a14:hiddenFill>
             </a:ext>
             <a:ext uri="{91240B29-F687-4f45-9708-019B960494DF}">
-              <a14:hiddenLine xmlns:a14="http://schemas.microsoft.com/office/drawing/2010/main" xmlns="" w="9525">
+              <a14:hiddenLine xmlns="" xmlns:a14="http://schemas.microsoft.com/office/drawing/2010/main" w="9525">
                 <a:solidFill>
                   <a:schemeClr val="tx1"/>
                 </a:solidFill>
@@ -34046,7 +34046,7 @@
               </a14:hiddenLine>
             </a:ext>
             <a:ext uri="{AF507438-7753-43e0-B8FC-AC1667EBCBE1}">
-              <a14:hiddenEffects xmlns:a14="http://schemas.microsoft.com/office/drawing/2010/main" xmlns="">
+              <a14:hiddenEffects xmlns="" xmlns:a14="http://schemas.microsoft.com/office/drawing/2010/main">
                 <a:effectLst>
                   <a:outerShdw blurRad="63500" dist="38099" dir="2700000" algn="ctr" rotWithShape="0">
                     <a:schemeClr val="bg2">
@@ -34209,14 +34209,14 @@
           <a:effectLst/>
           <a:extLst>
             <a:ext uri="{909E8E84-426E-40dd-AFC4-6F175D3DCCD1}">
-              <a14:hiddenFill xmlns:a14="http://schemas.microsoft.com/office/drawing/2010/main" xmlns="">
+              <a14:hiddenFill xmlns="" xmlns:a14="http://schemas.microsoft.com/office/drawing/2010/main">
                 <a:solidFill>
                   <a:schemeClr val="accent1"/>
                 </a:solidFill>
               </a14:hiddenFill>
             </a:ext>
             <a:ext uri="{AF507438-7753-43e0-B8FC-AC1667EBCBE1}">
-              <a14:hiddenEffects xmlns:a14="http://schemas.microsoft.com/office/drawing/2010/main" xmlns="">
+              <a14:hiddenEffects xmlns="" xmlns:a14="http://schemas.microsoft.com/office/drawing/2010/main">
                 <a:effectLst>
                   <a:outerShdw blurRad="63500" dist="38099" dir="2700000" algn="ctr" rotWithShape="0">
                     <a:schemeClr val="bg2">
@@ -34259,14 +34259,14 @@
           <a:effectLst/>
           <a:extLst>
             <a:ext uri="{909E8E84-426E-40dd-AFC4-6F175D3DCCD1}">
-              <a14:hiddenFill xmlns:a14="http://schemas.microsoft.com/office/drawing/2010/main" xmlns="">
+              <a14:hiddenFill xmlns="" xmlns:a14="http://schemas.microsoft.com/office/drawing/2010/main">
                 <a:solidFill>
                   <a:schemeClr val="accent1"/>
                 </a:solidFill>
               </a14:hiddenFill>
             </a:ext>
             <a:ext uri="{91240B29-F687-4f45-9708-019B960494DF}">
-              <a14:hiddenLine xmlns:a14="http://schemas.microsoft.com/office/drawing/2010/main" xmlns="" w="9525">
+              <a14:hiddenLine xmlns="" xmlns:a14="http://schemas.microsoft.com/office/drawing/2010/main" w="9525">
                 <a:solidFill>
                   <a:schemeClr val="tx1"/>
                 </a:solidFill>
@@ -34276,7 +34276,7 @@
               </a14:hiddenLine>
             </a:ext>
             <a:ext uri="{AF507438-7753-43e0-B8FC-AC1667EBCBE1}">
-              <a14:hiddenEffects xmlns:a14="http://schemas.microsoft.com/office/drawing/2010/main" xmlns="">
+              <a14:hiddenEffects xmlns="" xmlns:a14="http://schemas.microsoft.com/office/drawing/2010/main">
                 <a:effectLst>
                   <a:outerShdw blurRad="63500" dist="38099" dir="2700000" algn="ctr" rotWithShape="0">
                     <a:schemeClr val="bg2">
@@ -34331,14 +34331,14 @@
           <a:effectLst/>
           <a:extLst>
             <a:ext uri="{909E8E84-426E-40dd-AFC4-6F175D3DCCD1}">
-              <a14:hiddenFill xmlns:a14="http://schemas.microsoft.com/office/drawing/2010/main" xmlns="">
+              <a14:hiddenFill xmlns="" xmlns:a14="http://schemas.microsoft.com/office/drawing/2010/main">
                 <a:solidFill>
                   <a:schemeClr val="accent1"/>
                 </a:solidFill>
               </a14:hiddenFill>
             </a:ext>
             <a:ext uri="{AF507438-7753-43e0-B8FC-AC1667EBCBE1}">
-              <a14:hiddenEffects xmlns:a14="http://schemas.microsoft.com/office/drawing/2010/main" xmlns="">
+              <a14:hiddenEffects xmlns="" xmlns:a14="http://schemas.microsoft.com/office/drawing/2010/main">
                 <a:effectLst>
                   <a:outerShdw blurRad="63500" dist="38099" dir="2700000" algn="ctr" rotWithShape="0">
                     <a:schemeClr val="bg2">
@@ -34415,14 +34415,14 @@
           <a:effectLst/>
           <a:extLst>
             <a:ext uri="{909E8E84-426E-40dd-AFC4-6F175D3DCCD1}">
-              <a14:hiddenFill xmlns:a14="http://schemas.microsoft.com/office/drawing/2010/main" xmlns="">
+              <a14:hiddenFill xmlns="" xmlns:a14="http://schemas.microsoft.com/office/drawing/2010/main">
                 <a:solidFill>
                   <a:schemeClr val="accent1"/>
                 </a:solidFill>
               </a14:hiddenFill>
             </a:ext>
             <a:ext uri="{91240B29-F687-4f45-9708-019B960494DF}">
-              <a14:hiddenLine xmlns:a14="http://schemas.microsoft.com/office/drawing/2010/main" xmlns="" w="9525">
+              <a14:hiddenLine xmlns="" xmlns:a14="http://schemas.microsoft.com/office/drawing/2010/main" w="9525">
                 <a:solidFill>
                   <a:schemeClr val="tx1"/>
                 </a:solidFill>
@@ -34432,7 +34432,7 @@
               </a14:hiddenLine>
             </a:ext>
             <a:ext uri="{AF507438-7753-43e0-B8FC-AC1667EBCBE1}">
-              <a14:hiddenEffects xmlns:a14="http://schemas.microsoft.com/office/drawing/2010/main" xmlns="">
+              <a14:hiddenEffects xmlns="" xmlns:a14="http://schemas.microsoft.com/office/drawing/2010/main">
                 <a:effectLst>
                   <a:outerShdw blurRad="63500" dist="38099" dir="2700000" algn="ctr" rotWithShape="0">
                     <a:schemeClr val="bg2">
@@ -34569,14 +34569,14 @@
           <a:effectLst/>
           <a:extLst>
             <a:ext uri="{909E8E84-426E-40dd-AFC4-6F175D3DCCD1}">
-              <a14:hiddenFill xmlns:a14="http://schemas.microsoft.com/office/drawing/2010/main" xmlns="">
+              <a14:hiddenFill xmlns="" xmlns:a14="http://schemas.microsoft.com/office/drawing/2010/main">
                 <a:solidFill>
                   <a:schemeClr val="accent1"/>
                 </a:solidFill>
               </a14:hiddenFill>
             </a:ext>
             <a:ext uri="{91240B29-F687-4f45-9708-019B960494DF}">
-              <a14:hiddenLine xmlns:a14="http://schemas.microsoft.com/office/drawing/2010/main" xmlns="" w="9525">
+              <a14:hiddenLine xmlns="" xmlns:a14="http://schemas.microsoft.com/office/drawing/2010/main" w="9525">
                 <a:solidFill>
                   <a:schemeClr val="tx1"/>
                 </a:solidFill>
@@ -34586,7 +34586,7 @@
               </a14:hiddenLine>
             </a:ext>
             <a:ext uri="{AF507438-7753-43e0-B8FC-AC1667EBCBE1}">
-              <a14:hiddenEffects xmlns:a14="http://schemas.microsoft.com/office/drawing/2010/main" xmlns="">
+              <a14:hiddenEffects xmlns="" xmlns:a14="http://schemas.microsoft.com/office/drawing/2010/main">
                 <a:effectLst>
                   <a:outerShdw blurRad="63500" dist="38099" dir="2700000" algn="ctr" rotWithShape="0">
                     <a:schemeClr val="bg2">
@@ -34665,14 +34665,14 @@
           <a:effectLst/>
           <a:extLst>
             <a:ext uri="{909E8E84-426E-40dd-AFC4-6F175D3DCCD1}">
-              <a14:hiddenFill xmlns:a14="http://schemas.microsoft.com/office/drawing/2010/main" xmlns="">
+              <a14:hiddenFill xmlns="" xmlns:a14="http://schemas.microsoft.com/office/drawing/2010/main">
                 <a:solidFill>
                   <a:schemeClr val="accent1"/>
                 </a:solidFill>
               </a14:hiddenFill>
             </a:ext>
             <a:ext uri="{AF507438-7753-43e0-B8FC-AC1667EBCBE1}">
-              <a14:hiddenEffects xmlns:a14="http://schemas.microsoft.com/office/drawing/2010/main" xmlns="">
+              <a14:hiddenEffects xmlns="" xmlns:a14="http://schemas.microsoft.com/office/drawing/2010/main">
                 <a:effectLst>
                   <a:outerShdw blurRad="63500" dist="38099" dir="2700000" algn="ctr" rotWithShape="0">
                     <a:schemeClr val="bg2">
@@ -34757,14 +34757,14 @@
           <a:effectLst/>
           <a:extLst>
             <a:ext uri="{909E8E84-426E-40dd-AFC4-6F175D3DCCD1}">
-              <a14:hiddenFill xmlns:a14="http://schemas.microsoft.com/office/drawing/2010/main" xmlns="">
+              <a14:hiddenFill xmlns="" xmlns:a14="http://schemas.microsoft.com/office/drawing/2010/main">
                 <a:solidFill>
                   <a:schemeClr val="accent1"/>
                 </a:solidFill>
               </a14:hiddenFill>
             </a:ext>
             <a:ext uri="{AF507438-7753-43e0-B8FC-AC1667EBCBE1}">
-              <a14:hiddenEffects xmlns:a14="http://schemas.microsoft.com/office/drawing/2010/main" xmlns="">
+              <a14:hiddenEffects xmlns="" xmlns:a14="http://schemas.microsoft.com/office/drawing/2010/main">
                 <a:effectLst>
                   <a:outerShdw blurRad="63500" dist="38099" dir="2700000" algn="ctr" rotWithShape="0">
                     <a:schemeClr val="bg2">
@@ -34846,14 +34846,14 @@
           <a:effectLst/>
           <a:extLst>
             <a:ext uri="{909E8E84-426E-40dd-AFC4-6F175D3DCCD1}">
-              <a14:hiddenFill xmlns:a14="http://schemas.microsoft.com/office/drawing/2010/main" xmlns="">
+              <a14:hiddenFill xmlns="" xmlns:a14="http://schemas.microsoft.com/office/drawing/2010/main">
                 <a:solidFill>
                   <a:schemeClr val="accent1"/>
                 </a:solidFill>
               </a14:hiddenFill>
             </a:ext>
             <a:ext uri="{AF507438-7753-43e0-B8FC-AC1667EBCBE1}">
-              <a14:hiddenEffects xmlns:a14="http://schemas.microsoft.com/office/drawing/2010/main" xmlns="">
+              <a14:hiddenEffects xmlns="" xmlns:a14="http://schemas.microsoft.com/office/drawing/2010/main">
                 <a:effectLst>
                   <a:outerShdw blurRad="63500" dist="38099" dir="2700000" algn="ctr" rotWithShape="0">
                     <a:schemeClr val="bg2">
@@ -34938,14 +34938,14 @@
           <a:effectLst/>
           <a:extLst>
             <a:ext uri="{909E8E84-426E-40dd-AFC4-6F175D3DCCD1}">
-              <a14:hiddenFill xmlns:a14="http://schemas.microsoft.com/office/drawing/2010/main" xmlns="">
+              <a14:hiddenFill xmlns="" xmlns:a14="http://schemas.microsoft.com/office/drawing/2010/main">
                 <a:solidFill>
                   <a:schemeClr val="accent1"/>
                 </a:solidFill>
               </a14:hiddenFill>
             </a:ext>
             <a:ext uri="{AF507438-7753-43e0-B8FC-AC1667EBCBE1}">
-              <a14:hiddenEffects xmlns:a14="http://schemas.microsoft.com/office/drawing/2010/main" xmlns="">
+              <a14:hiddenEffects xmlns="" xmlns:a14="http://schemas.microsoft.com/office/drawing/2010/main">
                 <a:effectLst>
                   <a:outerShdw blurRad="63500" dist="38099" dir="2700000" algn="ctr" rotWithShape="0">
                     <a:schemeClr val="bg2">
@@ -35030,14 +35030,14 @@
           <a:effectLst/>
           <a:extLst>
             <a:ext uri="{909E8E84-426E-40dd-AFC4-6F175D3DCCD1}">
-              <a14:hiddenFill xmlns:a14="http://schemas.microsoft.com/office/drawing/2010/main" xmlns="">
+              <a14:hiddenFill xmlns="" xmlns:a14="http://schemas.microsoft.com/office/drawing/2010/main">
                 <a:solidFill>
                   <a:schemeClr val="accent1"/>
                 </a:solidFill>
               </a14:hiddenFill>
             </a:ext>
             <a:ext uri="{AF507438-7753-43e0-B8FC-AC1667EBCBE1}">
-              <a14:hiddenEffects xmlns:a14="http://schemas.microsoft.com/office/drawing/2010/main" xmlns="">
+              <a14:hiddenEffects xmlns="" xmlns:a14="http://schemas.microsoft.com/office/drawing/2010/main">
                 <a:effectLst>
                   <a:outerShdw blurRad="63500" dist="38099" dir="2700000" algn="ctr" rotWithShape="0">
                     <a:schemeClr val="bg2">
@@ -35122,14 +35122,14 @@
           <a:effectLst/>
           <a:extLst>
             <a:ext uri="{909E8E84-426E-40dd-AFC4-6F175D3DCCD1}">
-              <a14:hiddenFill xmlns:a14="http://schemas.microsoft.com/office/drawing/2010/main" xmlns="">
+              <a14:hiddenFill xmlns="" xmlns:a14="http://schemas.microsoft.com/office/drawing/2010/main">
                 <a:solidFill>
                   <a:schemeClr val="accent1"/>
                 </a:solidFill>
               </a14:hiddenFill>
             </a:ext>
             <a:ext uri="{AF507438-7753-43e0-B8FC-AC1667EBCBE1}">
-              <a14:hiddenEffects xmlns:a14="http://schemas.microsoft.com/office/drawing/2010/main" xmlns="">
+              <a14:hiddenEffects xmlns="" xmlns:a14="http://schemas.microsoft.com/office/drawing/2010/main">
                 <a:effectLst>
                   <a:outerShdw blurRad="63500" dist="38099" dir="2700000" algn="ctr" rotWithShape="0">
                     <a:schemeClr val="bg2">
@@ -35208,12 +35208,12 @@
           <a:effectLst/>
           <a:extLst>
             <a:ext uri="{909E8E84-426E-40dd-AFC4-6F175D3DCCD1}">
-              <a14:hiddenFill xmlns:a14="http://schemas.microsoft.com/office/drawing/2010/main" xmlns="">
+              <a14:hiddenFill xmlns="" xmlns:a14="http://schemas.microsoft.com/office/drawing/2010/main">
                 <a:noFill/>
               </a14:hiddenFill>
             </a:ext>
             <a:ext uri="{AF507438-7753-43e0-B8FC-AC1667EBCBE1}">
-              <a14:hiddenEffects xmlns:a14="http://schemas.microsoft.com/office/drawing/2010/main" xmlns="">
+              <a14:hiddenEffects xmlns="" xmlns:a14="http://schemas.microsoft.com/office/drawing/2010/main">
                 <a:effectLst>
                   <a:outerShdw blurRad="63500" dist="38099" dir="2700000" algn="ctr" rotWithShape="0">
                     <a:schemeClr val="bg2">
@@ -35256,14 +35256,14 @@
           <a:effectLst/>
           <a:extLst>
             <a:ext uri="{909E8E84-426E-40dd-AFC4-6F175D3DCCD1}">
-              <a14:hiddenFill xmlns:a14="http://schemas.microsoft.com/office/drawing/2010/main" xmlns="">
+              <a14:hiddenFill xmlns="" xmlns:a14="http://schemas.microsoft.com/office/drawing/2010/main">
                 <a:solidFill>
                   <a:schemeClr val="accent1"/>
                 </a:solidFill>
               </a14:hiddenFill>
             </a:ext>
             <a:ext uri="{91240B29-F687-4f45-9708-019B960494DF}">
-              <a14:hiddenLine xmlns:a14="http://schemas.microsoft.com/office/drawing/2010/main" xmlns="" w="9525">
+              <a14:hiddenLine xmlns="" xmlns:a14="http://schemas.microsoft.com/office/drawing/2010/main" w="9525">
                 <a:solidFill>
                   <a:schemeClr val="tx1"/>
                 </a:solidFill>
@@ -35273,7 +35273,7 @@
               </a14:hiddenLine>
             </a:ext>
             <a:ext uri="{AF507438-7753-43e0-B8FC-AC1667EBCBE1}">
-              <a14:hiddenEffects xmlns:a14="http://schemas.microsoft.com/office/drawing/2010/main" xmlns="">
+              <a14:hiddenEffects xmlns="" xmlns:a14="http://schemas.microsoft.com/office/drawing/2010/main">
                 <a:effectLst>
                   <a:outerShdw blurRad="63500" dist="38099" dir="2700000" algn="ctr" rotWithShape="0">
                     <a:schemeClr val="bg2">
@@ -35331,12 +35331,12 @@
           <a:effectLst/>
           <a:extLst>
             <a:ext uri="{909E8E84-426E-40dd-AFC4-6F175D3DCCD1}">
-              <a14:hiddenFill xmlns:a14="http://schemas.microsoft.com/office/drawing/2010/main" xmlns="">
+              <a14:hiddenFill xmlns="" xmlns:a14="http://schemas.microsoft.com/office/drawing/2010/main">
                 <a:noFill/>
               </a14:hiddenFill>
             </a:ext>
             <a:ext uri="{AF507438-7753-43e0-B8FC-AC1667EBCBE1}">
-              <a14:hiddenEffects xmlns:a14="http://schemas.microsoft.com/office/drawing/2010/main" xmlns="">
+              <a14:hiddenEffects xmlns="" xmlns:a14="http://schemas.microsoft.com/office/drawing/2010/main">
                 <a:effectLst>
                   <a:outerShdw blurRad="63500" dist="38099" dir="2700000" algn="ctr" rotWithShape="0">
                     <a:schemeClr val="bg2">
@@ -35379,14 +35379,14 @@
           <a:effectLst/>
           <a:extLst>
             <a:ext uri="{909E8E84-426E-40dd-AFC4-6F175D3DCCD1}">
-              <a14:hiddenFill xmlns:a14="http://schemas.microsoft.com/office/drawing/2010/main" xmlns="">
+              <a14:hiddenFill xmlns="" xmlns:a14="http://schemas.microsoft.com/office/drawing/2010/main">
                 <a:solidFill>
                   <a:schemeClr val="accent1"/>
                 </a:solidFill>
               </a14:hiddenFill>
             </a:ext>
             <a:ext uri="{91240B29-F687-4f45-9708-019B960494DF}">
-              <a14:hiddenLine xmlns:a14="http://schemas.microsoft.com/office/drawing/2010/main" xmlns="" w="9525">
+              <a14:hiddenLine xmlns="" xmlns:a14="http://schemas.microsoft.com/office/drawing/2010/main" w="9525">
                 <a:solidFill>
                   <a:schemeClr val="tx1"/>
                 </a:solidFill>
@@ -35396,7 +35396,7 @@
               </a14:hiddenLine>
             </a:ext>
             <a:ext uri="{AF507438-7753-43e0-B8FC-AC1667EBCBE1}">
-              <a14:hiddenEffects xmlns:a14="http://schemas.microsoft.com/office/drawing/2010/main" xmlns="">
+              <a14:hiddenEffects xmlns="" xmlns:a14="http://schemas.microsoft.com/office/drawing/2010/main">
                 <a:effectLst>
                   <a:outerShdw blurRad="63500" dist="38099" dir="2700000" algn="ctr" rotWithShape="0">
                     <a:schemeClr val="bg2">
@@ -35454,12 +35454,12 @@
           <a:effectLst/>
           <a:extLst>
             <a:ext uri="{909E8E84-426E-40dd-AFC4-6F175D3DCCD1}">
-              <a14:hiddenFill xmlns:a14="http://schemas.microsoft.com/office/drawing/2010/main" xmlns="">
+              <a14:hiddenFill xmlns="" xmlns:a14="http://schemas.microsoft.com/office/drawing/2010/main">
                 <a:noFill/>
               </a14:hiddenFill>
             </a:ext>
             <a:ext uri="{AF507438-7753-43e0-B8FC-AC1667EBCBE1}">
-              <a14:hiddenEffects xmlns:a14="http://schemas.microsoft.com/office/drawing/2010/main" xmlns="">
+              <a14:hiddenEffects xmlns="" xmlns:a14="http://schemas.microsoft.com/office/drawing/2010/main">
                 <a:effectLst>
                   <a:outerShdw blurRad="63500" dist="38099" dir="2700000" algn="ctr" rotWithShape="0">
                     <a:schemeClr val="bg2">
@@ -35502,14 +35502,14 @@
           <a:effectLst/>
           <a:extLst>
             <a:ext uri="{909E8E84-426E-40dd-AFC4-6F175D3DCCD1}">
-              <a14:hiddenFill xmlns:a14="http://schemas.microsoft.com/office/drawing/2010/main" xmlns="">
+              <a14:hiddenFill xmlns="" xmlns:a14="http://schemas.microsoft.com/office/drawing/2010/main">
                 <a:solidFill>
                   <a:schemeClr val="accent1"/>
                 </a:solidFill>
               </a14:hiddenFill>
             </a:ext>
             <a:ext uri="{91240B29-F687-4f45-9708-019B960494DF}">
-              <a14:hiddenLine xmlns:a14="http://schemas.microsoft.com/office/drawing/2010/main" xmlns="" w="9525">
+              <a14:hiddenLine xmlns="" xmlns:a14="http://schemas.microsoft.com/office/drawing/2010/main" w="9525">
                 <a:solidFill>
                   <a:schemeClr val="tx1"/>
                 </a:solidFill>
@@ -35519,7 +35519,7 @@
               </a14:hiddenLine>
             </a:ext>
             <a:ext uri="{AF507438-7753-43e0-B8FC-AC1667EBCBE1}">
-              <a14:hiddenEffects xmlns:a14="http://schemas.microsoft.com/office/drawing/2010/main" xmlns="">
+              <a14:hiddenEffects xmlns="" xmlns:a14="http://schemas.microsoft.com/office/drawing/2010/main">
                 <a:effectLst>
                   <a:outerShdw blurRad="63500" dist="38099" dir="2700000" algn="ctr" rotWithShape="0">
                     <a:schemeClr val="bg2">
@@ -35577,12 +35577,12 @@
           <a:effectLst/>
           <a:extLst>
             <a:ext uri="{909E8E84-426E-40dd-AFC4-6F175D3DCCD1}">
-              <a14:hiddenFill xmlns:a14="http://schemas.microsoft.com/office/drawing/2010/main" xmlns="">
+              <a14:hiddenFill xmlns="" xmlns:a14="http://schemas.microsoft.com/office/drawing/2010/main">
                 <a:noFill/>
               </a14:hiddenFill>
             </a:ext>
             <a:ext uri="{AF507438-7753-43e0-B8FC-AC1667EBCBE1}">
-              <a14:hiddenEffects xmlns:a14="http://schemas.microsoft.com/office/drawing/2010/main" xmlns="">
+              <a14:hiddenEffects xmlns="" xmlns:a14="http://schemas.microsoft.com/office/drawing/2010/main">
                 <a:effectLst>
                   <a:outerShdw blurRad="63500" dist="38099" dir="2700000" algn="ctr" rotWithShape="0">
                     <a:schemeClr val="bg2">
@@ -35625,14 +35625,14 @@
           <a:effectLst/>
           <a:extLst>
             <a:ext uri="{909E8E84-426E-40dd-AFC4-6F175D3DCCD1}">
-              <a14:hiddenFill xmlns:a14="http://schemas.microsoft.com/office/drawing/2010/main" xmlns="">
+              <a14:hiddenFill xmlns="" xmlns:a14="http://schemas.microsoft.com/office/drawing/2010/main">
                 <a:solidFill>
                   <a:schemeClr val="accent1"/>
                 </a:solidFill>
               </a14:hiddenFill>
             </a:ext>
             <a:ext uri="{91240B29-F687-4f45-9708-019B960494DF}">
-              <a14:hiddenLine xmlns:a14="http://schemas.microsoft.com/office/drawing/2010/main" xmlns="" w="9525">
+              <a14:hiddenLine xmlns="" xmlns:a14="http://schemas.microsoft.com/office/drawing/2010/main" w="9525">
                 <a:solidFill>
                   <a:schemeClr val="tx1"/>
                 </a:solidFill>
@@ -35642,7 +35642,7 @@
               </a14:hiddenLine>
             </a:ext>
             <a:ext uri="{AF507438-7753-43e0-B8FC-AC1667EBCBE1}">
-              <a14:hiddenEffects xmlns:a14="http://schemas.microsoft.com/office/drawing/2010/main" xmlns="">
+              <a14:hiddenEffects xmlns="" xmlns:a14="http://schemas.microsoft.com/office/drawing/2010/main">
                 <a:effectLst>
                   <a:outerShdw blurRad="63500" dist="38099" dir="2700000" algn="ctr" rotWithShape="0">
                     <a:schemeClr val="bg2">
@@ -35700,12 +35700,12 @@
           <a:effectLst/>
           <a:extLst>
             <a:ext uri="{909E8E84-426E-40dd-AFC4-6F175D3DCCD1}">
-              <a14:hiddenFill xmlns:a14="http://schemas.microsoft.com/office/drawing/2010/main" xmlns="">
+              <a14:hiddenFill xmlns="" xmlns:a14="http://schemas.microsoft.com/office/drawing/2010/main">
                 <a:noFill/>
               </a14:hiddenFill>
             </a:ext>
             <a:ext uri="{AF507438-7753-43e0-B8FC-AC1667EBCBE1}">
-              <a14:hiddenEffects xmlns:a14="http://schemas.microsoft.com/office/drawing/2010/main" xmlns="">
+              <a14:hiddenEffects xmlns="" xmlns:a14="http://schemas.microsoft.com/office/drawing/2010/main">
                 <a:effectLst>
                   <a:outerShdw blurRad="63500" dist="38099" dir="2700000" algn="ctr" rotWithShape="0">
                     <a:schemeClr val="bg2">
@@ -35748,14 +35748,14 @@
           <a:effectLst/>
           <a:extLst>
             <a:ext uri="{909E8E84-426E-40dd-AFC4-6F175D3DCCD1}">
-              <a14:hiddenFill xmlns:a14="http://schemas.microsoft.com/office/drawing/2010/main" xmlns="">
+              <a14:hiddenFill xmlns="" xmlns:a14="http://schemas.microsoft.com/office/drawing/2010/main">
                 <a:solidFill>
                   <a:schemeClr val="accent1"/>
                 </a:solidFill>
               </a14:hiddenFill>
             </a:ext>
             <a:ext uri="{91240B29-F687-4f45-9708-019B960494DF}">
-              <a14:hiddenLine xmlns:a14="http://schemas.microsoft.com/office/drawing/2010/main" xmlns="" w="9525">
+              <a14:hiddenLine xmlns="" xmlns:a14="http://schemas.microsoft.com/office/drawing/2010/main" w="9525">
                 <a:solidFill>
                   <a:schemeClr val="tx1"/>
                 </a:solidFill>
@@ -35765,7 +35765,7 @@
               </a14:hiddenLine>
             </a:ext>
             <a:ext uri="{AF507438-7753-43e0-B8FC-AC1667EBCBE1}">
-              <a14:hiddenEffects xmlns:a14="http://schemas.microsoft.com/office/drawing/2010/main" xmlns="">
+              <a14:hiddenEffects xmlns="" xmlns:a14="http://schemas.microsoft.com/office/drawing/2010/main">
                 <a:effectLst>
                   <a:outerShdw blurRad="63500" dist="38099" dir="2700000" algn="ctr" rotWithShape="0">
                     <a:schemeClr val="bg2">
@@ -35823,12 +35823,12 @@
           <a:effectLst/>
           <a:extLst>
             <a:ext uri="{909E8E84-426E-40dd-AFC4-6F175D3DCCD1}">
-              <a14:hiddenFill xmlns:a14="http://schemas.microsoft.com/office/drawing/2010/main" xmlns="">
+              <a14:hiddenFill xmlns="" xmlns:a14="http://schemas.microsoft.com/office/drawing/2010/main">
                 <a:noFill/>
               </a14:hiddenFill>
             </a:ext>
             <a:ext uri="{AF507438-7753-43e0-B8FC-AC1667EBCBE1}">
-              <a14:hiddenEffects xmlns:a14="http://schemas.microsoft.com/office/drawing/2010/main" xmlns="">
+              <a14:hiddenEffects xmlns="" xmlns:a14="http://schemas.microsoft.com/office/drawing/2010/main">
                 <a:effectLst>
                   <a:outerShdw blurRad="63500" dist="38099" dir="2700000" algn="ctr" rotWithShape="0">
                     <a:schemeClr val="bg2">
@@ -35871,14 +35871,14 @@
           <a:effectLst/>
           <a:extLst>
             <a:ext uri="{909E8E84-426E-40dd-AFC4-6F175D3DCCD1}">
-              <a14:hiddenFill xmlns:a14="http://schemas.microsoft.com/office/drawing/2010/main" xmlns="">
+              <a14:hiddenFill xmlns="" xmlns:a14="http://schemas.microsoft.com/office/drawing/2010/main">
                 <a:solidFill>
                   <a:schemeClr val="accent1"/>
                 </a:solidFill>
               </a14:hiddenFill>
             </a:ext>
             <a:ext uri="{91240B29-F687-4f45-9708-019B960494DF}">
-              <a14:hiddenLine xmlns:a14="http://schemas.microsoft.com/office/drawing/2010/main" xmlns="" w="9525">
+              <a14:hiddenLine xmlns="" xmlns:a14="http://schemas.microsoft.com/office/drawing/2010/main" w="9525">
                 <a:solidFill>
                   <a:schemeClr val="tx1"/>
                 </a:solidFill>
@@ -35888,7 +35888,7 @@
               </a14:hiddenLine>
             </a:ext>
             <a:ext uri="{AF507438-7753-43e0-B8FC-AC1667EBCBE1}">
-              <a14:hiddenEffects xmlns:a14="http://schemas.microsoft.com/office/drawing/2010/main" xmlns="">
+              <a14:hiddenEffects xmlns="" xmlns:a14="http://schemas.microsoft.com/office/drawing/2010/main">
                 <a:effectLst>
                   <a:outerShdw blurRad="63500" dist="38099" dir="2700000" algn="ctr" rotWithShape="0">
                     <a:schemeClr val="bg2">
@@ -35943,12 +35943,12 @@
           <a:effectLst/>
           <a:extLst>
             <a:ext uri="{909E8E84-426E-40dd-AFC4-6F175D3DCCD1}">
-              <a14:hiddenFill xmlns:a14="http://schemas.microsoft.com/office/drawing/2010/main" xmlns="">
+              <a14:hiddenFill xmlns="" xmlns:a14="http://schemas.microsoft.com/office/drawing/2010/main">
                 <a:noFill/>
               </a14:hiddenFill>
             </a:ext>
             <a:ext uri="{AF507438-7753-43e0-B8FC-AC1667EBCBE1}">
-              <a14:hiddenEffects xmlns:a14="http://schemas.microsoft.com/office/drawing/2010/main" xmlns="">
+              <a14:hiddenEffects xmlns="" xmlns:a14="http://schemas.microsoft.com/office/drawing/2010/main">
                 <a:effectLst>
                   <a:outerShdw blurRad="63500" dist="38099" dir="2700000" algn="ctr" rotWithShape="0">
                     <a:schemeClr val="bg2">
@@ -35991,14 +35991,14 @@
           <a:effectLst/>
           <a:extLst>
             <a:ext uri="{909E8E84-426E-40dd-AFC4-6F175D3DCCD1}">
-              <a14:hiddenFill xmlns:a14="http://schemas.microsoft.com/office/drawing/2010/main" xmlns="">
+              <a14:hiddenFill xmlns="" xmlns:a14="http://schemas.microsoft.com/office/drawing/2010/main">
                 <a:solidFill>
                   <a:schemeClr val="accent1"/>
                 </a:solidFill>
               </a14:hiddenFill>
             </a:ext>
             <a:ext uri="{91240B29-F687-4f45-9708-019B960494DF}">
-              <a14:hiddenLine xmlns:a14="http://schemas.microsoft.com/office/drawing/2010/main" xmlns="" w="9525">
+              <a14:hiddenLine xmlns="" xmlns:a14="http://schemas.microsoft.com/office/drawing/2010/main" w="9525">
                 <a:solidFill>
                   <a:schemeClr val="tx1"/>
                 </a:solidFill>
@@ -36008,7 +36008,7 @@
               </a14:hiddenLine>
             </a:ext>
             <a:ext uri="{AF507438-7753-43e0-B8FC-AC1667EBCBE1}">
-              <a14:hiddenEffects xmlns:a14="http://schemas.microsoft.com/office/drawing/2010/main" xmlns="">
+              <a14:hiddenEffects xmlns="" xmlns:a14="http://schemas.microsoft.com/office/drawing/2010/main">
                 <a:effectLst>
                   <a:outerShdw blurRad="63500" dist="38099" dir="2700000" algn="ctr" rotWithShape="0">
                     <a:schemeClr val="bg2">
@@ -36171,14 +36171,14 @@
           <a:effectLst/>
           <a:extLst>
             <a:ext uri="{909E8E84-426E-40dd-AFC4-6F175D3DCCD1}">
-              <a14:hiddenFill xmlns:a14="http://schemas.microsoft.com/office/drawing/2010/main" xmlns="">
+              <a14:hiddenFill xmlns="" xmlns:a14="http://schemas.microsoft.com/office/drawing/2010/main">
                 <a:solidFill>
                   <a:schemeClr val="accent1"/>
                 </a:solidFill>
               </a14:hiddenFill>
             </a:ext>
             <a:ext uri="{AF507438-7753-43e0-B8FC-AC1667EBCBE1}">
-              <a14:hiddenEffects xmlns:a14="http://schemas.microsoft.com/office/drawing/2010/main" xmlns="">
+              <a14:hiddenEffects xmlns="" xmlns:a14="http://schemas.microsoft.com/office/drawing/2010/main">
                 <a:effectLst>
                   <a:outerShdw blurRad="63500" dist="38099" dir="2700000" algn="ctr" rotWithShape="0">
                     <a:schemeClr val="bg2">
@@ -36221,14 +36221,14 @@
           <a:effectLst/>
           <a:extLst>
             <a:ext uri="{909E8E84-426E-40dd-AFC4-6F175D3DCCD1}">
-              <a14:hiddenFill xmlns:a14="http://schemas.microsoft.com/office/drawing/2010/main" xmlns="">
+              <a14:hiddenFill xmlns="" xmlns:a14="http://schemas.microsoft.com/office/drawing/2010/main">
                 <a:solidFill>
                   <a:schemeClr val="accent1"/>
                 </a:solidFill>
               </a14:hiddenFill>
             </a:ext>
             <a:ext uri="{91240B29-F687-4f45-9708-019B960494DF}">
-              <a14:hiddenLine xmlns:a14="http://schemas.microsoft.com/office/drawing/2010/main" xmlns="" w="9525">
+              <a14:hiddenLine xmlns="" xmlns:a14="http://schemas.microsoft.com/office/drawing/2010/main" w="9525">
                 <a:solidFill>
                   <a:schemeClr val="tx1"/>
                 </a:solidFill>
@@ -36238,7 +36238,7 @@
               </a14:hiddenLine>
             </a:ext>
             <a:ext uri="{AF507438-7753-43e0-B8FC-AC1667EBCBE1}">
-              <a14:hiddenEffects xmlns:a14="http://schemas.microsoft.com/office/drawing/2010/main" xmlns="">
+              <a14:hiddenEffects xmlns="" xmlns:a14="http://schemas.microsoft.com/office/drawing/2010/main">
                 <a:effectLst>
                   <a:outerShdw blurRad="63500" dist="38099" dir="2700000" algn="ctr" rotWithShape="0">
                     <a:schemeClr val="bg2">
@@ -36293,14 +36293,14 @@
           <a:effectLst/>
           <a:extLst>
             <a:ext uri="{909E8E84-426E-40dd-AFC4-6F175D3DCCD1}">
-              <a14:hiddenFill xmlns:a14="http://schemas.microsoft.com/office/drawing/2010/main" xmlns="">
+              <a14:hiddenFill xmlns="" xmlns:a14="http://schemas.microsoft.com/office/drawing/2010/main">
                 <a:solidFill>
                   <a:schemeClr val="accent1"/>
                 </a:solidFill>
               </a14:hiddenFill>
             </a:ext>
             <a:ext uri="{AF507438-7753-43e0-B8FC-AC1667EBCBE1}">
-              <a14:hiddenEffects xmlns:a14="http://schemas.microsoft.com/office/drawing/2010/main" xmlns="">
+              <a14:hiddenEffects xmlns="" xmlns:a14="http://schemas.microsoft.com/office/drawing/2010/main">
                 <a:effectLst>
                   <a:outerShdw blurRad="63500" dist="38099" dir="2700000" algn="ctr" rotWithShape="0">
                     <a:schemeClr val="bg2">
@@ -36384,12 +36384,12 @@
           <a:effectLst/>
           <a:extLst>
             <a:ext uri="{909E8E84-426E-40dd-AFC4-6F175D3DCCD1}">
-              <a14:hiddenFill xmlns:a14="http://schemas.microsoft.com/office/drawing/2010/main" xmlns="">
+              <a14:hiddenFill xmlns="" xmlns:a14="http://schemas.microsoft.com/office/drawing/2010/main">
                 <a:noFill/>
               </a14:hiddenFill>
             </a:ext>
             <a:ext uri="{AF507438-7753-43e0-B8FC-AC1667EBCBE1}">
-              <a14:hiddenEffects xmlns:a14="http://schemas.microsoft.com/office/drawing/2010/main" xmlns="">
+              <a14:hiddenEffects xmlns="" xmlns:a14="http://schemas.microsoft.com/office/drawing/2010/main">
                 <a:effectLst>
                   <a:outerShdw blurRad="63500" dist="38099" dir="2700000" algn="ctr" rotWithShape="0">
                     <a:schemeClr val="bg2">
@@ -36448,12 +36448,12 @@
           <a:effectLst/>
           <a:extLst>
             <a:ext uri="{909E8E84-426E-40dd-AFC4-6F175D3DCCD1}">
-              <a14:hiddenFill xmlns:a14="http://schemas.microsoft.com/office/drawing/2010/main" xmlns="">
+              <a14:hiddenFill xmlns="" xmlns:a14="http://schemas.microsoft.com/office/drawing/2010/main">
                 <a:noFill/>
               </a14:hiddenFill>
             </a:ext>
             <a:ext uri="{AF507438-7753-43e0-B8FC-AC1667EBCBE1}">
-              <a14:hiddenEffects xmlns:a14="http://schemas.microsoft.com/office/drawing/2010/main" xmlns="">
+              <a14:hiddenEffects xmlns="" xmlns:a14="http://schemas.microsoft.com/office/drawing/2010/main">
                 <a:effectLst>
                   <a:outerShdw blurRad="63500" dist="38099" dir="2700000" algn="ctr" rotWithShape="0">
                     <a:schemeClr val="bg2">
@@ -36505,14 +36505,14 @@
           <a:effectLst/>
           <a:extLst>
             <a:ext uri="{909E8E84-426E-40dd-AFC4-6F175D3DCCD1}">
-              <a14:hiddenFill xmlns:a14="http://schemas.microsoft.com/office/drawing/2010/main" xmlns="">
+              <a14:hiddenFill xmlns="" xmlns:a14="http://schemas.microsoft.com/office/drawing/2010/main">
                 <a:solidFill>
                   <a:schemeClr val="accent1"/>
                 </a:solidFill>
               </a14:hiddenFill>
             </a:ext>
             <a:ext uri="{91240B29-F687-4f45-9708-019B960494DF}">
-              <a14:hiddenLine xmlns:a14="http://schemas.microsoft.com/office/drawing/2010/main" xmlns="" w="9525">
+              <a14:hiddenLine xmlns="" xmlns:a14="http://schemas.microsoft.com/office/drawing/2010/main" w="9525">
                 <a:solidFill>
                   <a:schemeClr val="tx1"/>
                 </a:solidFill>
@@ -36522,7 +36522,7 @@
               </a14:hiddenLine>
             </a:ext>
             <a:ext uri="{AF507438-7753-43e0-B8FC-AC1667EBCBE1}">
-              <a14:hiddenEffects xmlns:a14="http://schemas.microsoft.com/office/drawing/2010/main" xmlns="">
+              <a14:hiddenEffects xmlns="" xmlns:a14="http://schemas.microsoft.com/office/drawing/2010/main">
                 <a:effectLst>
                   <a:outerShdw blurRad="63500" dist="38099" dir="2700000" algn="ctr" rotWithShape="0">
                     <a:schemeClr val="bg2">
@@ -36578,14 +36578,14 @@
           <a:effectLst/>
           <a:extLst>
             <a:ext uri="{909E8E84-426E-40dd-AFC4-6F175D3DCCD1}">
-              <a14:hiddenFill xmlns:a14="http://schemas.microsoft.com/office/drawing/2010/main" xmlns="">
+              <a14:hiddenFill xmlns="" xmlns:a14="http://schemas.microsoft.com/office/drawing/2010/main">
                 <a:solidFill>
                   <a:schemeClr val="accent1"/>
                 </a:solidFill>
               </a14:hiddenFill>
             </a:ext>
             <a:ext uri="{91240B29-F687-4f45-9708-019B960494DF}">
-              <a14:hiddenLine xmlns:a14="http://schemas.microsoft.com/office/drawing/2010/main" xmlns="" w="9525">
+              <a14:hiddenLine xmlns="" xmlns:a14="http://schemas.microsoft.com/office/drawing/2010/main" w="9525">
                 <a:solidFill>
                   <a:schemeClr val="tx1"/>
                 </a:solidFill>
@@ -36595,7 +36595,7 @@
               </a14:hiddenLine>
             </a:ext>
             <a:ext uri="{AF507438-7753-43e0-B8FC-AC1667EBCBE1}">
-              <a14:hiddenEffects xmlns:a14="http://schemas.microsoft.com/office/drawing/2010/main" xmlns="">
+              <a14:hiddenEffects xmlns="" xmlns:a14="http://schemas.microsoft.com/office/drawing/2010/main">
                 <a:effectLst>
                   <a:outerShdw blurRad="63500" dist="38099" dir="2700000" algn="ctr" rotWithShape="0">
                     <a:schemeClr val="bg2">
@@ -37740,14 +37740,14 @@
           <a:effectLst/>
           <a:extLst>
             <a:ext uri="{909E8E84-426E-40dd-AFC4-6F175D3DCCD1}">
-              <a14:hiddenFill xmlns:a14="http://schemas.microsoft.com/office/drawing/2010/main" xmlns="">
+              <a14:hiddenFill xmlns="" xmlns:a14="http://schemas.microsoft.com/office/drawing/2010/main">
                 <a:solidFill>
                   <a:schemeClr val="accent1"/>
                 </a:solidFill>
               </a14:hiddenFill>
             </a:ext>
             <a:ext uri="{91240B29-F687-4f45-9708-019B960494DF}">
-              <a14:hiddenLine xmlns:a14="http://schemas.microsoft.com/office/drawing/2010/main" xmlns="" w="9525">
+              <a14:hiddenLine xmlns="" xmlns:a14="http://schemas.microsoft.com/office/drawing/2010/main" w="9525">
                 <a:solidFill>
                   <a:schemeClr val="tx1"/>
                 </a:solidFill>
@@ -37757,7 +37757,7 @@
               </a14:hiddenLine>
             </a:ext>
             <a:ext uri="{AF507438-7753-43e0-B8FC-AC1667EBCBE1}">
-              <a14:hiddenEffects xmlns:a14="http://schemas.microsoft.com/office/drawing/2010/main" xmlns="">
+              <a14:hiddenEffects xmlns="" xmlns:a14="http://schemas.microsoft.com/office/drawing/2010/main">
                 <a:effectLst>
                   <a:outerShdw blurRad="63500" dist="38099" dir="2700000" algn="ctr" rotWithShape="0">
                     <a:schemeClr val="bg2">
@@ -37836,14 +37836,14 @@
           <a:effectLst/>
           <a:extLst>
             <a:ext uri="{909E8E84-426E-40dd-AFC4-6F175D3DCCD1}">
-              <a14:hiddenFill xmlns:a14="http://schemas.microsoft.com/office/drawing/2010/main" xmlns="">
+              <a14:hiddenFill xmlns="" xmlns:a14="http://schemas.microsoft.com/office/drawing/2010/main">
                 <a:solidFill>
                   <a:schemeClr val="accent1"/>
                 </a:solidFill>
               </a14:hiddenFill>
             </a:ext>
             <a:ext uri="{AF507438-7753-43e0-B8FC-AC1667EBCBE1}">
-              <a14:hiddenEffects xmlns:a14="http://schemas.microsoft.com/office/drawing/2010/main" xmlns="">
+              <a14:hiddenEffects xmlns="" xmlns:a14="http://schemas.microsoft.com/office/drawing/2010/main">
                 <a:effectLst>
                   <a:outerShdw blurRad="63500" dist="38099" dir="2700000" algn="ctr" rotWithShape="0">
                     <a:schemeClr val="bg2">
@@ -37928,14 +37928,14 @@
           <a:effectLst/>
           <a:extLst>
             <a:ext uri="{909E8E84-426E-40dd-AFC4-6F175D3DCCD1}">
-              <a14:hiddenFill xmlns:a14="http://schemas.microsoft.com/office/drawing/2010/main" xmlns="">
+              <a14:hiddenFill xmlns="" xmlns:a14="http://schemas.microsoft.com/office/drawing/2010/main">
                 <a:solidFill>
                   <a:schemeClr val="accent1"/>
                 </a:solidFill>
               </a14:hiddenFill>
             </a:ext>
             <a:ext uri="{AF507438-7753-43e0-B8FC-AC1667EBCBE1}">
-              <a14:hiddenEffects xmlns:a14="http://schemas.microsoft.com/office/drawing/2010/main" xmlns="">
+              <a14:hiddenEffects xmlns="" xmlns:a14="http://schemas.microsoft.com/office/drawing/2010/main">
                 <a:effectLst>
                   <a:outerShdw blurRad="63500" dist="38099" dir="2700000" algn="ctr" rotWithShape="0">
                     <a:schemeClr val="bg2">
@@ -38017,14 +38017,14 @@
           <a:effectLst/>
           <a:extLst>
             <a:ext uri="{909E8E84-426E-40dd-AFC4-6F175D3DCCD1}">
-              <a14:hiddenFill xmlns:a14="http://schemas.microsoft.com/office/drawing/2010/main" xmlns="">
+              <a14:hiddenFill xmlns="" xmlns:a14="http://schemas.microsoft.com/office/drawing/2010/main">
                 <a:solidFill>
                   <a:schemeClr val="accent1"/>
                 </a:solidFill>
               </a14:hiddenFill>
             </a:ext>
             <a:ext uri="{AF507438-7753-43e0-B8FC-AC1667EBCBE1}">
-              <a14:hiddenEffects xmlns:a14="http://schemas.microsoft.com/office/drawing/2010/main" xmlns="">
+              <a14:hiddenEffects xmlns="" xmlns:a14="http://schemas.microsoft.com/office/drawing/2010/main">
                 <a:effectLst>
                   <a:outerShdw blurRad="63500" dist="38099" dir="2700000" algn="ctr" rotWithShape="0">
                     <a:schemeClr val="bg2">
@@ -38109,14 +38109,14 @@
           <a:effectLst/>
           <a:extLst>
             <a:ext uri="{909E8E84-426E-40dd-AFC4-6F175D3DCCD1}">
-              <a14:hiddenFill xmlns:a14="http://schemas.microsoft.com/office/drawing/2010/main" xmlns="">
+              <a14:hiddenFill xmlns="" xmlns:a14="http://schemas.microsoft.com/office/drawing/2010/main">
                 <a:solidFill>
                   <a:schemeClr val="accent1"/>
                 </a:solidFill>
               </a14:hiddenFill>
             </a:ext>
             <a:ext uri="{AF507438-7753-43e0-B8FC-AC1667EBCBE1}">
-              <a14:hiddenEffects xmlns:a14="http://schemas.microsoft.com/office/drawing/2010/main" xmlns="">
+              <a14:hiddenEffects xmlns="" xmlns:a14="http://schemas.microsoft.com/office/drawing/2010/main">
                 <a:effectLst>
                   <a:outerShdw blurRad="63500" dist="38099" dir="2700000" algn="ctr" rotWithShape="0">
                     <a:schemeClr val="bg2">
@@ -38201,14 +38201,14 @@
           <a:effectLst/>
           <a:extLst>
             <a:ext uri="{909E8E84-426E-40dd-AFC4-6F175D3DCCD1}">
-              <a14:hiddenFill xmlns:a14="http://schemas.microsoft.com/office/drawing/2010/main" xmlns="">
+              <a14:hiddenFill xmlns="" xmlns:a14="http://schemas.microsoft.com/office/drawing/2010/main">
                 <a:solidFill>
                   <a:schemeClr val="accent1"/>
                 </a:solidFill>
               </a14:hiddenFill>
             </a:ext>
             <a:ext uri="{AF507438-7753-43e0-B8FC-AC1667EBCBE1}">
-              <a14:hiddenEffects xmlns:a14="http://schemas.microsoft.com/office/drawing/2010/main" xmlns="">
+              <a14:hiddenEffects xmlns="" xmlns:a14="http://schemas.microsoft.com/office/drawing/2010/main">
                 <a:effectLst>
                   <a:outerShdw blurRad="63500" dist="38099" dir="2700000" algn="ctr" rotWithShape="0">
                     <a:schemeClr val="bg2">
@@ -38293,14 +38293,14 @@
           <a:effectLst/>
           <a:extLst>
             <a:ext uri="{909E8E84-426E-40dd-AFC4-6F175D3DCCD1}">
-              <a14:hiddenFill xmlns:a14="http://schemas.microsoft.com/office/drawing/2010/main" xmlns="">
+              <a14:hiddenFill xmlns="" xmlns:a14="http://schemas.microsoft.com/office/drawing/2010/main">
                 <a:solidFill>
                   <a:schemeClr val="accent1"/>
                 </a:solidFill>
               </a14:hiddenFill>
             </a:ext>
             <a:ext uri="{AF507438-7753-43e0-B8FC-AC1667EBCBE1}">
-              <a14:hiddenEffects xmlns:a14="http://schemas.microsoft.com/office/drawing/2010/main" xmlns="">
+              <a14:hiddenEffects xmlns="" xmlns:a14="http://schemas.microsoft.com/office/drawing/2010/main">
                 <a:effectLst>
                   <a:outerShdw blurRad="63500" dist="38099" dir="2700000" algn="ctr" rotWithShape="0">
                     <a:schemeClr val="bg2">
@@ -38379,12 +38379,12 @@
           <a:effectLst/>
           <a:extLst>
             <a:ext uri="{909E8E84-426E-40dd-AFC4-6F175D3DCCD1}">
-              <a14:hiddenFill xmlns:a14="http://schemas.microsoft.com/office/drawing/2010/main" xmlns="">
+              <a14:hiddenFill xmlns="" xmlns:a14="http://schemas.microsoft.com/office/drawing/2010/main">
                 <a:noFill/>
               </a14:hiddenFill>
             </a:ext>
             <a:ext uri="{AF507438-7753-43e0-B8FC-AC1667EBCBE1}">
-              <a14:hiddenEffects xmlns:a14="http://schemas.microsoft.com/office/drawing/2010/main" xmlns="">
+              <a14:hiddenEffects xmlns="" xmlns:a14="http://schemas.microsoft.com/office/drawing/2010/main">
                 <a:effectLst>
                   <a:outerShdw blurRad="63500" dist="38099" dir="2700000" algn="ctr" rotWithShape="0">
                     <a:schemeClr val="bg2">
@@ -38427,14 +38427,14 @@
           <a:effectLst/>
           <a:extLst>
             <a:ext uri="{909E8E84-426E-40dd-AFC4-6F175D3DCCD1}">
-              <a14:hiddenFill xmlns:a14="http://schemas.microsoft.com/office/drawing/2010/main" xmlns="">
+              <a14:hiddenFill xmlns="" xmlns:a14="http://schemas.microsoft.com/office/drawing/2010/main">
                 <a:solidFill>
                   <a:schemeClr val="accent1"/>
                 </a:solidFill>
               </a14:hiddenFill>
             </a:ext>
             <a:ext uri="{91240B29-F687-4f45-9708-019B960494DF}">
-              <a14:hiddenLine xmlns:a14="http://schemas.microsoft.com/office/drawing/2010/main" xmlns="" w="9525">
+              <a14:hiddenLine xmlns="" xmlns:a14="http://schemas.microsoft.com/office/drawing/2010/main" w="9525">
                 <a:solidFill>
                   <a:schemeClr val="tx1"/>
                 </a:solidFill>
@@ -38444,7 +38444,7 @@
               </a14:hiddenLine>
             </a:ext>
             <a:ext uri="{AF507438-7753-43e0-B8FC-AC1667EBCBE1}">
-              <a14:hiddenEffects xmlns:a14="http://schemas.microsoft.com/office/drawing/2010/main" xmlns="">
+              <a14:hiddenEffects xmlns="" xmlns:a14="http://schemas.microsoft.com/office/drawing/2010/main">
                 <a:effectLst>
                   <a:outerShdw blurRad="63500" dist="38099" dir="2700000" algn="ctr" rotWithShape="0">
                     <a:schemeClr val="bg2">
@@ -38502,12 +38502,12 @@
           <a:effectLst/>
           <a:extLst>
             <a:ext uri="{909E8E84-426E-40dd-AFC4-6F175D3DCCD1}">
-              <a14:hiddenFill xmlns:a14="http://schemas.microsoft.com/office/drawing/2010/main" xmlns="">
+              <a14:hiddenFill xmlns="" xmlns:a14="http://schemas.microsoft.com/office/drawing/2010/main">
                 <a:noFill/>
               </a14:hiddenFill>
             </a:ext>
             <a:ext uri="{AF507438-7753-43e0-B8FC-AC1667EBCBE1}">
-              <a14:hiddenEffects xmlns:a14="http://schemas.microsoft.com/office/drawing/2010/main" xmlns="">
+              <a14:hiddenEffects xmlns="" xmlns:a14="http://schemas.microsoft.com/office/drawing/2010/main">
                 <a:effectLst>
                   <a:outerShdw blurRad="63500" dist="38099" dir="2700000" algn="ctr" rotWithShape="0">
                     <a:schemeClr val="bg2">
@@ -38550,14 +38550,14 @@
           <a:effectLst/>
           <a:extLst>
             <a:ext uri="{909E8E84-426E-40dd-AFC4-6F175D3DCCD1}">
-              <a14:hiddenFill xmlns:a14="http://schemas.microsoft.com/office/drawing/2010/main" xmlns="">
+              <a14:hiddenFill xmlns="" xmlns:a14="http://schemas.microsoft.com/office/drawing/2010/main">
                 <a:solidFill>
                   <a:schemeClr val="accent1"/>
                 </a:solidFill>
               </a14:hiddenFill>
             </a:ext>
             <a:ext uri="{91240B29-F687-4f45-9708-019B960494DF}">
-              <a14:hiddenLine xmlns:a14="http://schemas.microsoft.com/office/drawing/2010/main" xmlns="" w="9525">
+              <a14:hiddenLine xmlns="" xmlns:a14="http://schemas.microsoft.com/office/drawing/2010/main" w="9525">
                 <a:solidFill>
                   <a:schemeClr val="tx1"/>
                 </a:solidFill>
@@ -38567,7 +38567,7 @@
               </a14:hiddenLine>
             </a:ext>
             <a:ext uri="{AF507438-7753-43e0-B8FC-AC1667EBCBE1}">
-              <a14:hiddenEffects xmlns:a14="http://schemas.microsoft.com/office/drawing/2010/main" xmlns="">
+              <a14:hiddenEffects xmlns="" xmlns:a14="http://schemas.microsoft.com/office/drawing/2010/main">
                 <a:effectLst>
                   <a:outerShdw blurRad="63500" dist="38099" dir="2700000" algn="ctr" rotWithShape="0">
                     <a:schemeClr val="bg2">
@@ -38625,12 +38625,12 @@
           <a:effectLst/>
           <a:extLst>
             <a:ext uri="{909E8E84-426E-40dd-AFC4-6F175D3DCCD1}">
-              <a14:hiddenFill xmlns:a14="http://schemas.microsoft.com/office/drawing/2010/main" xmlns="">
+              <a14:hiddenFill xmlns="" xmlns:a14="http://schemas.microsoft.com/office/drawing/2010/main">
                 <a:noFill/>
               </a14:hiddenFill>
             </a:ext>
             <a:ext uri="{AF507438-7753-43e0-B8FC-AC1667EBCBE1}">
-              <a14:hiddenEffects xmlns:a14="http://schemas.microsoft.com/office/drawing/2010/main" xmlns="">
+              <a14:hiddenEffects xmlns="" xmlns:a14="http://schemas.microsoft.com/office/drawing/2010/main">
                 <a:effectLst>
                   <a:outerShdw blurRad="63500" dist="38099" dir="2700000" algn="ctr" rotWithShape="0">
                     <a:schemeClr val="bg2">
@@ -38673,14 +38673,14 @@
           <a:effectLst/>
           <a:extLst>
             <a:ext uri="{909E8E84-426E-40dd-AFC4-6F175D3DCCD1}">
-              <a14:hiddenFill xmlns:a14="http://schemas.microsoft.com/office/drawing/2010/main" xmlns="">
+              <a14:hiddenFill xmlns="" xmlns:a14="http://schemas.microsoft.com/office/drawing/2010/main">
                 <a:solidFill>
                   <a:schemeClr val="accent1"/>
                 </a:solidFill>
               </a14:hiddenFill>
             </a:ext>
             <a:ext uri="{91240B29-F687-4f45-9708-019B960494DF}">
-              <a14:hiddenLine xmlns:a14="http://schemas.microsoft.com/office/drawing/2010/main" xmlns="" w="9525">
+              <a14:hiddenLine xmlns="" xmlns:a14="http://schemas.microsoft.com/office/drawing/2010/main" w="9525">
                 <a:solidFill>
                   <a:schemeClr val="tx1"/>
                 </a:solidFill>
@@ -38690,7 +38690,7 @@
               </a14:hiddenLine>
             </a:ext>
             <a:ext uri="{AF507438-7753-43e0-B8FC-AC1667EBCBE1}">
-              <a14:hiddenEffects xmlns:a14="http://schemas.microsoft.com/office/drawing/2010/main" xmlns="">
+              <a14:hiddenEffects xmlns="" xmlns:a14="http://schemas.microsoft.com/office/drawing/2010/main">
                 <a:effectLst>
                   <a:outerShdw blurRad="63500" dist="38099" dir="2700000" algn="ctr" rotWithShape="0">
                     <a:schemeClr val="bg2">
@@ -38748,12 +38748,12 @@
           <a:effectLst/>
           <a:extLst>
             <a:ext uri="{909E8E84-426E-40dd-AFC4-6F175D3DCCD1}">
-              <a14:hiddenFill xmlns:a14="http://schemas.microsoft.com/office/drawing/2010/main" xmlns="">
+              <a14:hiddenFill xmlns="" xmlns:a14="http://schemas.microsoft.com/office/drawing/2010/main">
                 <a:noFill/>
               </a14:hiddenFill>
             </a:ext>
             <a:ext uri="{AF507438-7753-43e0-B8FC-AC1667EBCBE1}">
-              <a14:hiddenEffects xmlns:a14="http://schemas.microsoft.com/office/drawing/2010/main" xmlns="">
+              <a14:hiddenEffects xmlns="" xmlns:a14="http://schemas.microsoft.com/office/drawing/2010/main">
                 <a:effectLst>
                   <a:outerShdw blurRad="63500" dist="38099" dir="2700000" algn="ctr" rotWithShape="0">
                     <a:schemeClr val="bg2">
@@ -38796,14 +38796,14 @@
           <a:effectLst/>
           <a:extLst>
             <a:ext uri="{909E8E84-426E-40dd-AFC4-6F175D3DCCD1}">
-              <a14:hiddenFill xmlns:a14="http://schemas.microsoft.com/office/drawing/2010/main" xmlns="">
+              <a14:hiddenFill xmlns="" xmlns:a14="http://schemas.microsoft.com/office/drawing/2010/main">
                 <a:solidFill>
                   <a:schemeClr val="accent1"/>
                 </a:solidFill>
               </a14:hiddenFill>
             </a:ext>
             <a:ext uri="{91240B29-F687-4f45-9708-019B960494DF}">
-              <a14:hiddenLine xmlns:a14="http://schemas.microsoft.com/office/drawing/2010/main" xmlns="" w="9525">
+              <a14:hiddenLine xmlns="" xmlns:a14="http://schemas.microsoft.com/office/drawing/2010/main" w="9525">
                 <a:solidFill>
                   <a:schemeClr val="tx1"/>
                 </a:solidFill>
@@ -38813,7 +38813,7 @@
               </a14:hiddenLine>
             </a:ext>
             <a:ext uri="{AF507438-7753-43e0-B8FC-AC1667EBCBE1}">
-              <a14:hiddenEffects xmlns:a14="http://schemas.microsoft.com/office/drawing/2010/main" xmlns="">
+              <a14:hiddenEffects xmlns="" xmlns:a14="http://schemas.microsoft.com/office/drawing/2010/main">
                 <a:effectLst>
                   <a:outerShdw blurRad="63500" dist="38099" dir="2700000" algn="ctr" rotWithShape="0">
                     <a:schemeClr val="bg2">
@@ -38871,12 +38871,12 @@
           <a:effectLst/>
           <a:extLst>
             <a:ext uri="{909E8E84-426E-40dd-AFC4-6F175D3DCCD1}">
-              <a14:hiddenFill xmlns:a14="http://schemas.microsoft.com/office/drawing/2010/main" xmlns="">
+              <a14:hiddenFill xmlns="" xmlns:a14="http://schemas.microsoft.com/office/drawing/2010/main">
                 <a:noFill/>
               </a14:hiddenFill>
             </a:ext>
             <a:ext uri="{AF507438-7753-43e0-B8FC-AC1667EBCBE1}">
-              <a14:hiddenEffects xmlns:a14="http://schemas.microsoft.com/office/drawing/2010/main" xmlns="">
+              <a14:hiddenEffects xmlns="" xmlns:a14="http://schemas.microsoft.com/office/drawing/2010/main">
                 <a:effectLst>
                   <a:outerShdw blurRad="63500" dist="38099" dir="2700000" algn="ctr" rotWithShape="0">
                     <a:schemeClr val="bg2">
@@ -38919,14 +38919,14 @@
           <a:effectLst/>
           <a:extLst>
             <a:ext uri="{909E8E84-426E-40dd-AFC4-6F175D3DCCD1}">
-              <a14:hiddenFill xmlns:a14="http://schemas.microsoft.com/office/drawing/2010/main" xmlns="">
+              <a14:hiddenFill xmlns="" xmlns:a14="http://schemas.microsoft.com/office/drawing/2010/main">
                 <a:solidFill>
                   <a:schemeClr val="accent1"/>
                 </a:solidFill>
               </a14:hiddenFill>
             </a:ext>
             <a:ext uri="{91240B29-F687-4f45-9708-019B960494DF}">
-              <a14:hiddenLine xmlns:a14="http://schemas.microsoft.com/office/drawing/2010/main" xmlns="" w="9525">
+              <a14:hiddenLine xmlns="" xmlns:a14="http://schemas.microsoft.com/office/drawing/2010/main" w="9525">
                 <a:solidFill>
                   <a:schemeClr val="tx1"/>
                 </a:solidFill>
@@ -38936,7 +38936,7 @@
               </a14:hiddenLine>
             </a:ext>
             <a:ext uri="{AF507438-7753-43e0-B8FC-AC1667EBCBE1}">
-              <a14:hiddenEffects xmlns:a14="http://schemas.microsoft.com/office/drawing/2010/main" xmlns="">
+              <a14:hiddenEffects xmlns="" xmlns:a14="http://schemas.microsoft.com/office/drawing/2010/main">
                 <a:effectLst>
                   <a:outerShdw blurRad="63500" dist="38099" dir="2700000" algn="ctr" rotWithShape="0">
                     <a:schemeClr val="bg2">
@@ -38994,12 +38994,12 @@
           <a:effectLst/>
           <a:extLst>
             <a:ext uri="{909E8E84-426E-40dd-AFC4-6F175D3DCCD1}">
-              <a14:hiddenFill xmlns:a14="http://schemas.microsoft.com/office/drawing/2010/main" xmlns="">
+              <a14:hiddenFill xmlns="" xmlns:a14="http://schemas.microsoft.com/office/drawing/2010/main">
                 <a:noFill/>
               </a14:hiddenFill>
             </a:ext>
             <a:ext uri="{AF507438-7753-43e0-B8FC-AC1667EBCBE1}">
-              <a14:hiddenEffects xmlns:a14="http://schemas.microsoft.com/office/drawing/2010/main" xmlns="">
+              <a14:hiddenEffects xmlns="" xmlns:a14="http://schemas.microsoft.com/office/drawing/2010/main">
                 <a:effectLst>
                   <a:outerShdw blurRad="63500" dist="38099" dir="2700000" algn="ctr" rotWithShape="0">
                     <a:schemeClr val="bg2">
@@ -39042,14 +39042,14 @@
           <a:effectLst/>
           <a:extLst>
             <a:ext uri="{909E8E84-426E-40dd-AFC4-6F175D3DCCD1}">
-              <a14:hiddenFill xmlns:a14="http://schemas.microsoft.com/office/drawing/2010/main" xmlns="">
+              <a14:hiddenFill xmlns="" xmlns:a14="http://schemas.microsoft.com/office/drawing/2010/main">
                 <a:solidFill>
                   <a:schemeClr val="accent1"/>
                 </a:solidFill>
               </a14:hiddenFill>
             </a:ext>
             <a:ext uri="{91240B29-F687-4f45-9708-019B960494DF}">
-              <a14:hiddenLine xmlns:a14="http://schemas.microsoft.com/office/drawing/2010/main" xmlns="" w="9525">
+              <a14:hiddenLine xmlns="" xmlns:a14="http://schemas.microsoft.com/office/drawing/2010/main" w="9525">
                 <a:solidFill>
                   <a:schemeClr val="tx1"/>
                 </a:solidFill>
@@ -39059,7 +39059,7 @@
               </a14:hiddenLine>
             </a:ext>
             <a:ext uri="{AF507438-7753-43e0-B8FC-AC1667EBCBE1}">
-              <a14:hiddenEffects xmlns:a14="http://schemas.microsoft.com/office/drawing/2010/main" xmlns="">
+              <a14:hiddenEffects xmlns="" xmlns:a14="http://schemas.microsoft.com/office/drawing/2010/main">
                 <a:effectLst>
                   <a:outerShdw blurRad="63500" dist="38099" dir="2700000" algn="ctr" rotWithShape="0">
                     <a:schemeClr val="bg2">
@@ -39114,12 +39114,12 @@
           <a:effectLst/>
           <a:extLst>
             <a:ext uri="{909E8E84-426E-40dd-AFC4-6F175D3DCCD1}">
-              <a14:hiddenFill xmlns:a14="http://schemas.microsoft.com/office/drawing/2010/main" xmlns="">
+              <a14:hiddenFill xmlns="" xmlns:a14="http://schemas.microsoft.com/office/drawing/2010/main">
                 <a:noFill/>
               </a14:hiddenFill>
             </a:ext>
             <a:ext uri="{AF507438-7753-43e0-B8FC-AC1667EBCBE1}">
-              <a14:hiddenEffects xmlns:a14="http://schemas.microsoft.com/office/drawing/2010/main" xmlns="">
+              <a14:hiddenEffects xmlns="" xmlns:a14="http://schemas.microsoft.com/office/drawing/2010/main">
                 <a:effectLst>
                   <a:outerShdw blurRad="63500" dist="38099" dir="2700000" algn="ctr" rotWithShape="0">
                     <a:schemeClr val="bg2">
@@ -39162,14 +39162,14 @@
           <a:effectLst/>
           <a:extLst>
             <a:ext uri="{909E8E84-426E-40dd-AFC4-6F175D3DCCD1}">
-              <a14:hiddenFill xmlns:a14="http://schemas.microsoft.com/office/drawing/2010/main" xmlns="">
+              <a14:hiddenFill xmlns="" xmlns:a14="http://schemas.microsoft.com/office/drawing/2010/main">
                 <a:solidFill>
                   <a:schemeClr val="accent1"/>
                 </a:solidFill>
               </a14:hiddenFill>
             </a:ext>
             <a:ext uri="{91240B29-F687-4f45-9708-019B960494DF}">
-              <a14:hiddenLine xmlns:a14="http://schemas.microsoft.com/office/drawing/2010/main" xmlns="" w="9525">
+              <a14:hiddenLine xmlns="" xmlns:a14="http://schemas.microsoft.com/office/drawing/2010/main" w="9525">
                 <a:solidFill>
                   <a:schemeClr val="tx1"/>
                 </a:solidFill>
@@ -39179,7 +39179,7 @@
               </a14:hiddenLine>
             </a:ext>
             <a:ext uri="{AF507438-7753-43e0-B8FC-AC1667EBCBE1}">
-              <a14:hiddenEffects xmlns:a14="http://schemas.microsoft.com/office/drawing/2010/main" xmlns="">
+              <a14:hiddenEffects xmlns="" xmlns:a14="http://schemas.microsoft.com/office/drawing/2010/main">
                 <a:effectLst>
                   <a:outerShdw blurRad="63500" dist="38099" dir="2700000" algn="ctr" rotWithShape="0">
                     <a:schemeClr val="bg2">
@@ -39342,14 +39342,14 @@
           <a:effectLst/>
           <a:extLst>
             <a:ext uri="{909E8E84-426E-40dd-AFC4-6F175D3DCCD1}">
-              <a14:hiddenFill xmlns:a14="http://schemas.microsoft.com/office/drawing/2010/main" xmlns="">
+              <a14:hiddenFill xmlns="" xmlns:a14="http://schemas.microsoft.com/office/drawing/2010/main">
                 <a:solidFill>
                   <a:schemeClr val="accent1"/>
                 </a:solidFill>
               </a14:hiddenFill>
             </a:ext>
             <a:ext uri="{AF507438-7753-43e0-B8FC-AC1667EBCBE1}">
-              <a14:hiddenEffects xmlns:a14="http://schemas.microsoft.com/office/drawing/2010/main" xmlns="">
+              <a14:hiddenEffects xmlns="" xmlns:a14="http://schemas.microsoft.com/office/drawing/2010/main">
                 <a:effectLst>
                   <a:outerShdw blurRad="63500" dist="38099" dir="2700000" algn="ctr" rotWithShape="0">
                     <a:schemeClr val="bg2">
@@ -39392,14 +39392,14 @@
           <a:effectLst/>
           <a:extLst>
             <a:ext uri="{909E8E84-426E-40dd-AFC4-6F175D3DCCD1}">
-              <a14:hiddenFill xmlns:a14="http://schemas.microsoft.com/office/drawing/2010/main" xmlns="">
+              <a14:hiddenFill xmlns="" xmlns:a14="http://schemas.microsoft.com/office/drawing/2010/main">
                 <a:solidFill>
                   <a:schemeClr val="accent1"/>
                 </a:solidFill>
               </a14:hiddenFill>
             </a:ext>
             <a:ext uri="{91240B29-F687-4f45-9708-019B960494DF}">
-              <a14:hiddenLine xmlns:a14="http://schemas.microsoft.com/office/drawing/2010/main" xmlns="" w="9525">
+              <a14:hiddenLine xmlns="" xmlns:a14="http://schemas.microsoft.com/office/drawing/2010/main" w="9525">
                 <a:solidFill>
                   <a:schemeClr val="tx1"/>
                 </a:solidFill>
@@ -39409,7 +39409,7 @@
               </a14:hiddenLine>
             </a:ext>
             <a:ext uri="{AF507438-7753-43e0-B8FC-AC1667EBCBE1}">
-              <a14:hiddenEffects xmlns:a14="http://schemas.microsoft.com/office/drawing/2010/main" xmlns="">
+              <a14:hiddenEffects xmlns="" xmlns:a14="http://schemas.microsoft.com/office/drawing/2010/main">
                 <a:effectLst>
                   <a:outerShdw blurRad="63500" dist="38099" dir="2700000" algn="ctr" rotWithShape="0">
                     <a:schemeClr val="bg2">
@@ -39464,14 +39464,14 @@
           <a:effectLst/>
           <a:extLst>
             <a:ext uri="{909E8E84-426E-40dd-AFC4-6F175D3DCCD1}">
-              <a14:hiddenFill xmlns:a14="http://schemas.microsoft.com/office/drawing/2010/main" xmlns="">
+              <a14:hiddenFill xmlns="" xmlns:a14="http://schemas.microsoft.com/office/drawing/2010/main">
                 <a:solidFill>
                   <a:schemeClr val="accent1"/>
                 </a:solidFill>
               </a14:hiddenFill>
             </a:ext>
             <a:ext uri="{AF507438-7753-43e0-B8FC-AC1667EBCBE1}">
-              <a14:hiddenEffects xmlns:a14="http://schemas.microsoft.com/office/drawing/2010/main" xmlns="">
+              <a14:hiddenEffects xmlns="" xmlns:a14="http://schemas.microsoft.com/office/drawing/2010/main">
                 <a:effectLst>
                   <a:outerShdw blurRad="63500" dist="38099" dir="2700000" algn="ctr" rotWithShape="0">
                     <a:schemeClr val="bg2">
@@ -39555,12 +39555,12 @@
           <a:effectLst/>
           <a:extLst>
             <a:ext uri="{909E8E84-426E-40dd-AFC4-6F175D3DCCD1}">
-              <a14:hiddenFill xmlns:a14="http://schemas.microsoft.com/office/drawing/2010/main" xmlns="">
+              <a14:hiddenFill xmlns="" xmlns:a14="http://schemas.microsoft.com/office/drawing/2010/main">
                 <a:noFill/>
               </a14:hiddenFill>
             </a:ext>
             <a:ext uri="{AF507438-7753-43e0-B8FC-AC1667EBCBE1}">
-              <a14:hiddenEffects xmlns:a14="http://schemas.microsoft.com/office/drawing/2010/main" xmlns="">
+              <a14:hiddenEffects xmlns="" xmlns:a14="http://schemas.microsoft.com/office/drawing/2010/main">
                 <a:effectLst>
                   <a:outerShdw blurRad="63500" dist="38099" dir="2700000" algn="ctr" rotWithShape="0">
                     <a:schemeClr val="bg2">
@@ -39619,12 +39619,12 @@
           <a:effectLst/>
           <a:extLst>
             <a:ext uri="{909E8E84-426E-40dd-AFC4-6F175D3DCCD1}">
-              <a14:hiddenFill xmlns:a14="http://schemas.microsoft.com/office/drawing/2010/main" xmlns="">
+              <a14:hiddenFill xmlns="" xmlns:a14="http://schemas.microsoft.com/office/drawing/2010/main">
                 <a:noFill/>
               </a14:hiddenFill>
             </a:ext>
             <a:ext uri="{AF507438-7753-43e0-B8FC-AC1667EBCBE1}">
-              <a14:hiddenEffects xmlns:a14="http://schemas.microsoft.com/office/drawing/2010/main" xmlns="">
+              <a14:hiddenEffects xmlns="" xmlns:a14="http://schemas.microsoft.com/office/drawing/2010/main">
                 <a:effectLst>
                   <a:outerShdw blurRad="63500" dist="38099" dir="2700000" algn="ctr" rotWithShape="0">
                     <a:schemeClr val="bg2">
@@ -39676,14 +39676,14 @@
           <a:effectLst/>
           <a:extLst>
             <a:ext uri="{909E8E84-426E-40dd-AFC4-6F175D3DCCD1}">
-              <a14:hiddenFill xmlns:a14="http://schemas.microsoft.com/office/drawing/2010/main" xmlns="">
+              <a14:hiddenFill xmlns="" xmlns:a14="http://schemas.microsoft.com/office/drawing/2010/main">
                 <a:solidFill>
                   <a:schemeClr val="accent1"/>
                 </a:solidFill>
               </a14:hiddenFill>
             </a:ext>
             <a:ext uri="{91240B29-F687-4f45-9708-019B960494DF}">
-              <a14:hiddenLine xmlns:a14="http://schemas.microsoft.com/office/drawing/2010/main" xmlns="" w="9525">
+              <a14:hiddenLine xmlns="" xmlns:a14="http://schemas.microsoft.com/office/drawing/2010/main" w="9525">
                 <a:solidFill>
                   <a:schemeClr val="tx1"/>
                 </a:solidFill>
@@ -39693,7 +39693,7 @@
               </a14:hiddenLine>
             </a:ext>
             <a:ext uri="{AF507438-7753-43e0-B8FC-AC1667EBCBE1}">
-              <a14:hiddenEffects xmlns:a14="http://schemas.microsoft.com/office/drawing/2010/main" xmlns="">
+              <a14:hiddenEffects xmlns="" xmlns:a14="http://schemas.microsoft.com/office/drawing/2010/main">
                 <a:effectLst>
                   <a:outerShdw blurRad="63500" dist="38099" dir="2700000" algn="ctr" rotWithShape="0">
                     <a:schemeClr val="bg2">
@@ -39749,14 +39749,14 @@
           <a:effectLst/>
           <a:extLst>
             <a:ext uri="{909E8E84-426E-40dd-AFC4-6F175D3DCCD1}">
-              <a14:hiddenFill xmlns:a14="http://schemas.microsoft.com/office/drawing/2010/main" xmlns="">
+              <a14:hiddenFill xmlns="" xmlns:a14="http://schemas.microsoft.com/office/drawing/2010/main">
                 <a:solidFill>
                   <a:schemeClr val="accent1"/>
                 </a:solidFill>
               </a14:hiddenFill>
             </a:ext>
             <a:ext uri="{91240B29-F687-4f45-9708-019B960494DF}">
-              <a14:hiddenLine xmlns:a14="http://schemas.microsoft.com/office/drawing/2010/main" xmlns="" w="9525">
+              <a14:hiddenLine xmlns="" xmlns:a14="http://schemas.microsoft.com/office/drawing/2010/main" w="9525">
                 <a:solidFill>
                   <a:schemeClr val="tx1"/>
                 </a:solidFill>
@@ -39766,7 +39766,7 @@
               </a14:hiddenLine>
             </a:ext>
             <a:ext uri="{AF507438-7753-43e0-B8FC-AC1667EBCBE1}">
-              <a14:hiddenEffects xmlns:a14="http://schemas.microsoft.com/office/drawing/2010/main" xmlns="">
+              <a14:hiddenEffects xmlns="" xmlns:a14="http://schemas.microsoft.com/office/drawing/2010/main">
                 <a:effectLst>
                   <a:outerShdw blurRad="63500" dist="38099" dir="2700000" algn="ctr" rotWithShape="0">
                     <a:schemeClr val="bg2">
@@ -39836,14 +39836,14 @@
           <a:effectLst/>
           <a:extLst>
             <a:ext uri="{909E8E84-426E-40dd-AFC4-6F175D3DCCD1}">
-              <a14:hiddenFill xmlns:a14="http://schemas.microsoft.com/office/drawing/2010/main" xmlns="">
+              <a14:hiddenFill xmlns="" xmlns:a14="http://schemas.microsoft.com/office/drawing/2010/main">
                 <a:solidFill>
                   <a:schemeClr val="accent1"/>
                 </a:solidFill>
               </a14:hiddenFill>
             </a:ext>
             <a:ext uri="{91240B29-F687-4f45-9708-019B960494DF}">
-              <a14:hiddenLine xmlns:a14="http://schemas.microsoft.com/office/drawing/2010/main" xmlns="" w="9525">
+              <a14:hiddenLine xmlns="" xmlns:a14="http://schemas.microsoft.com/office/drawing/2010/main" w="9525">
                 <a:solidFill>
                   <a:schemeClr val="tx1"/>
                 </a:solidFill>
@@ -39853,7 +39853,7 @@
               </a14:hiddenLine>
             </a:ext>
             <a:ext uri="{AF507438-7753-43e0-B8FC-AC1667EBCBE1}">
-              <a14:hiddenEffects xmlns:a14="http://schemas.microsoft.com/office/drawing/2010/main" xmlns="">
+              <a14:hiddenEffects xmlns="" xmlns:a14="http://schemas.microsoft.com/office/drawing/2010/main">
                 <a:effectLst>
                   <a:outerShdw blurRad="63500" dist="38099" dir="2700000" algn="ctr" rotWithShape="0">
                     <a:schemeClr val="bg2">
@@ -39909,14 +39909,14 @@
           <a:effectLst/>
           <a:extLst>
             <a:ext uri="{909E8E84-426E-40dd-AFC4-6F175D3DCCD1}">
-              <a14:hiddenFill xmlns:a14="http://schemas.microsoft.com/office/drawing/2010/main" xmlns="">
+              <a14:hiddenFill xmlns="" xmlns:a14="http://schemas.microsoft.com/office/drawing/2010/main">
                 <a:solidFill>
                   <a:schemeClr val="accent1"/>
                 </a:solidFill>
               </a14:hiddenFill>
             </a:ext>
             <a:ext uri="{91240B29-F687-4f45-9708-019B960494DF}">
-              <a14:hiddenLine xmlns:a14="http://schemas.microsoft.com/office/drawing/2010/main" xmlns="" w="9525">
+              <a14:hiddenLine xmlns="" xmlns:a14="http://schemas.microsoft.com/office/drawing/2010/main" w="9525">
                 <a:solidFill>
                   <a:schemeClr val="tx1"/>
                 </a:solidFill>
@@ -39926,7 +39926,7 @@
               </a14:hiddenLine>
             </a:ext>
             <a:ext uri="{AF507438-7753-43e0-B8FC-AC1667EBCBE1}">
-              <a14:hiddenEffects xmlns:a14="http://schemas.microsoft.com/office/drawing/2010/main" xmlns="">
+              <a14:hiddenEffects xmlns="" xmlns:a14="http://schemas.microsoft.com/office/drawing/2010/main">
                 <a:effectLst>
                   <a:outerShdw blurRad="63500" dist="38099" dir="2700000" algn="ctr" rotWithShape="0">
                     <a:schemeClr val="bg2">
@@ -39982,14 +39982,14 @@
           <a:effectLst/>
           <a:extLst>
             <a:ext uri="{909E8E84-426E-40dd-AFC4-6F175D3DCCD1}">
-              <a14:hiddenFill xmlns:a14="http://schemas.microsoft.com/office/drawing/2010/main" xmlns="">
+              <a14:hiddenFill xmlns="" xmlns:a14="http://schemas.microsoft.com/office/drawing/2010/main">
                 <a:solidFill>
                   <a:schemeClr val="accent1"/>
                 </a:solidFill>
               </a14:hiddenFill>
             </a:ext>
             <a:ext uri="{91240B29-F687-4f45-9708-019B960494DF}">
-              <a14:hiddenLine xmlns:a14="http://schemas.microsoft.com/office/drawing/2010/main" xmlns="" w="9525">
+              <a14:hiddenLine xmlns="" xmlns:a14="http://schemas.microsoft.com/office/drawing/2010/main" w="9525">
                 <a:solidFill>
                   <a:schemeClr val="tx1"/>
                 </a:solidFill>
@@ -39999,7 +39999,7 @@
               </a14:hiddenLine>
             </a:ext>
             <a:ext uri="{AF507438-7753-43e0-B8FC-AC1667EBCBE1}">
-              <a14:hiddenEffects xmlns:a14="http://schemas.microsoft.com/office/drawing/2010/main" xmlns="">
+              <a14:hiddenEffects xmlns="" xmlns:a14="http://schemas.microsoft.com/office/drawing/2010/main">
                 <a:effectLst>
                   <a:outerShdw blurRad="63500" dist="38099" dir="2700000" algn="ctr" rotWithShape="0">
                     <a:schemeClr val="bg2">
@@ -41084,14 +41084,14 @@
           <a:effectLst/>
           <a:extLst>
             <a:ext uri="{909E8E84-426E-40dd-AFC4-6F175D3DCCD1}">
-              <a14:hiddenFill xmlns:a14="http://schemas.microsoft.com/office/drawing/2010/main" xmlns="">
+              <a14:hiddenFill xmlns="" xmlns:a14="http://schemas.microsoft.com/office/drawing/2010/main">
                 <a:solidFill>
                   <a:schemeClr val="accent1"/>
                 </a:solidFill>
               </a14:hiddenFill>
             </a:ext>
             <a:ext uri="{91240B29-F687-4f45-9708-019B960494DF}">
-              <a14:hiddenLine xmlns:a14="http://schemas.microsoft.com/office/drawing/2010/main" xmlns="" w="9525">
+              <a14:hiddenLine xmlns="" xmlns:a14="http://schemas.microsoft.com/office/drawing/2010/main" w="9525">
                 <a:solidFill>
                   <a:schemeClr val="tx1"/>
                 </a:solidFill>
@@ -41101,7 +41101,7 @@
               </a14:hiddenLine>
             </a:ext>
             <a:ext uri="{AF507438-7753-43e0-B8FC-AC1667EBCBE1}">
-              <a14:hiddenEffects xmlns:a14="http://schemas.microsoft.com/office/drawing/2010/main" xmlns="">
+              <a14:hiddenEffects xmlns="" xmlns:a14="http://schemas.microsoft.com/office/drawing/2010/main">
                 <a:effectLst>
                   <a:outerShdw blurRad="63500" dist="38099" dir="2700000" algn="ctr" rotWithShape="0">
                     <a:schemeClr val="bg2">
@@ -42113,10 +42113,10 @@
       </p:sp>
       <p:pic>
         <p:nvPicPr>
-          <p:cNvPr id="3" name="Picture 2">
+          <p:cNvPr id="4" name="Picture 3">
             <a:extLst>
               <a:ext uri="{FF2B5EF4-FFF2-40B4-BE49-F238E27FC236}">
-                <a16:creationId xmlns:a16="http://schemas.microsoft.com/office/drawing/2014/main" id="{2B9508A3-C305-1E4A-BAB2-B48F8B3F287B}"/>
+                <a16:creationId xmlns:a16="http://schemas.microsoft.com/office/drawing/2014/main" id="{34A7E800-27B1-324D-AB90-F14BC3C18111}"/>
               </a:ext>
             </a:extLst>
           </p:cNvPr>
@@ -42133,8 +42133,8 @@
         </p:blipFill>
         <p:spPr>
           <a:xfrm>
-            <a:off x="347363" y="1556792"/>
-            <a:ext cx="8542761" cy="2943465"/>
+            <a:off x="323528" y="1340768"/>
+            <a:ext cx="8568953" cy="2936014"/>
           </a:xfrm>
           <a:prstGeom prst="rect">
             <a:avLst/>

--- a/Lectures/Lecture 2 - Sequence Searching.pptx
+++ b/Lectures/Lecture 2 - Sequence Searching.pptx
@@ -5,7 +5,7 @@
     <p:sldMasterId id="2147483649" r:id="rId1"/>
   </p:sldMasterIdLst>
   <p:notesMasterIdLst>
-    <p:notesMasterId r:id="rId53"/>
+    <p:notesMasterId r:id="rId52"/>
   </p:notesMasterIdLst>
   <p:sldIdLst>
     <p:sldId id="256" r:id="rId2"/>
@@ -58,7 +58,6 @@
     <p:sldId id="668" r:id="rId49"/>
     <p:sldId id="664" r:id="rId50"/>
     <p:sldId id="564" r:id="rId51"/>
-    <p:sldId id="669" r:id="rId52"/>
   </p:sldIdLst>
   <p:sldSz cx="9144000" cy="6858000" type="screen4x3"/>
   <p:notesSz cx="6858000" cy="9144000"/>
@@ -3391,99 +3390,6 @@
         </p:txBody>
       </p:sp>
     </p:spTree>
-  </p:cSld>
-  <p:clrMapOvr>
-    <a:masterClrMapping/>
-  </p:clrMapOvr>
-</p:notes>
-</file>
-
-<file path=ppt/notesSlides/notesSlide38.xml><?xml version="1.0" encoding="utf-8"?>
-<p:notes xmlns:a="http://schemas.openxmlformats.org/drawingml/2006/main" xmlns:r="http://schemas.openxmlformats.org/officeDocument/2006/relationships" xmlns:p="http://schemas.openxmlformats.org/presentationml/2006/main">
-  <p:cSld>
-    <p:spTree>
-      <p:nvGrpSpPr>
-        <p:cNvPr id="1" name=""/>
-        <p:cNvGrpSpPr/>
-        <p:nvPr/>
-      </p:nvGrpSpPr>
-      <p:grpSpPr>
-        <a:xfrm>
-          <a:off x="0" y="0"/>
-          <a:ext cx="0" cy="0"/>
-          <a:chOff x="0" y="0"/>
-          <a:chExt cx="0" cy="0"/>
-        </a:xfrm>
-      </p:grpSpPr>
-      <p:sp>
-        <p:nvSpPr>
-          <p:cNvPr id="15362" name="Rectangle 7"/>
-          <p:cNvSpPr>
-            <a:spLocks noGrp="1" noChangeArrowheads="1"/>
-          </p:cNvSpPr>
-          <p:nvPr>
-            <p:ph type="sldNum" sz="quarter" idx="5"/>
-          </p:nvPr>
-        </p:nvSpPr>
-        <p:spPr>
-          <a:noFill/>
-        </p:spPr>
-        <p:txBody>
-          <a:bodyPr/>
-          <a:lstStyle/>
-          <a:p>
-            <a:fld id="{C3095A83-93CF-9340-9B73-54644CC0C2D9}" type="slidenum">
-              <a:rPr lang="en-US"/>
-              <a:pPr/>
-              <a:t>51</a:t>
-            </a:fld>
-            <a:endParaRPr lang="en-US"/>
-          </a:p>
-        </p:txBody>
-      </p:sp>
-      <p:sp>
-        <p:nvSpPr>
-          <p:cNvPr id="15363" name="Rectangle 2"/>
-          <p:cNvSpPr>
-            <a:spLocks noGrp="1" noRot="1" noChangeAspect="1" noChangeArrowheads="1" noTextEdit="1"/>
-          </p:cNvSpPr>
-          <p:nvPr>
-            <p:ph type="sldImg"/>
-          </p:nvPr>
-        </p:nvSpPr>
-        <p:spPr>
-          <a:ln/>
-        </p:spPr>
-      </p:sp>
-      <p:sp>
-        <p:nvSpPr>
-          <p:cNvPr id="15364" name="Rectangle 3"/>
-          <p:cNvSpPr>
-            <a:spLocks noGrp="1" noChangeArrowheads="1"/>
-          </p:cNvSpPr>
-          <p:nvPr>
-            <p:ph type="body" idx="1"/>
-          </p:nvPr>
-        </p:nvSpPr>
-        <p:spPr>
-          <a:noFill/>
-          <a:ln/>
-        </p:spPr>
-        <p:txBody>
-          <a:bodyPr/>
-          <a:lstStyle/>
-          <a:p>
-            <a:pPr eaLnBrk="1" hangingPunct="1"/>
-            <a:endParaRPr lang="en-US"/>
-          </a:p>
-        </p:txBody>
-      </p:sp>
-    </p:spTree>
-    <p:extLst>
-      <p:ext uri="{BB962C8B-B14F-4D97-AF65-F5344CB8AC3E}">
-        <p14:creationId xmlns:p14="http://schemas.microsoft.com/office/powerpoint/2010/main" val="2307726397"/>
-      </p:ext>
-    </p:extLst>
   </p:cSld>
   <p:clrMapOvr>
     <a:masterClrMapping/>
@@ -8212,14 +8118,14 @@
           <a:effectLst/>
           <a:extLst>
             <a:ext uri="{909E8E84-426E-40dd-AFC4-6F175D3DCCD1}">
-              <a14:hiddenFill xmlns:a14="http://schemas.microsoft.com/office/drawing/2010/main" xmlns="">
+              <a14:hiddenFill xmlns="" xmlns:a14="http://schemas.microsoft.com/office/drawing/2010/main">
                 <a:solidFill>
                   <a:schemeClr val="accent1"/>
                 </a:solidFill>
               </a14:hiddenFill>
             </a:ext>
             <a:ext uri="{91240B29-F687-4f45-9708-019B960494DF}">
-              <a14:hiddenLine xmlns:a14="http://schemas.microsoft.com/office/drawing/2010/main" xmlns="" w="9525">
+              <a14:hiddenLine xmlns="" xmlns:a14="http://schemas.microsoft.com/office/drawing/2010/main" w="9525">
                 <a:solidFill>
                   <a:schemeClr val="tx1"/>
                 </a:solidFill>
@@ -8229,7 +8135,7 @@
               </a14:hiddenLine>
             </a:ext>
             <a:ext uri="{AF507438-7753-43e0-B8FC-AC1667EBCBE1}">
-              <a14:hiddenEffects xmlns:a14="http://schemas.microsoft.com/office/drawing/2010/main" xmlns="">
+              <a14:hiddenEffects xmlns="" xmlns:a14="http://schemas.microsoft.com/office/drawing/2010/main">
                 <a:effectLst>
                   <a:outerShdw blurRad="63500" dist="38099" dir="2700000" algn="ctr" rotWithShape="0">
                     <a:schemeClr val="bg2">
@@ -8515,14 +8421,14 @@
           <a:effectLst/>
           <a:extLst>
             <a:ext uri="{909E8E84-426E-40dd-AFC4-6F175D3DCCD1}">
-              <a14:hiddenFill xmlns:a14="http://schemas.microsoft.com/office/drawing/2010/main" xmlns="">
+              <a14:hiddenFill xmlns="" xmlns:a14="http://schemas.microsoft.com/office/drawing/2010/main">
                 <a:solidFill>
                   <a:schemeClr val="accent1"/>
                 </a:solidFill>
               </a14:hiddenFill>
             </a:ext>
             <a:ext uri="{91240B29-F687-4f45-9708-019B960494DF}">
-              <a14:hiddenLine xmlns:a14="http://schemas.microsoft.com/office/drawing/2010/main" xmlns="" w="9525">
+              <a14:hiddenLine xmlns="" xmlns:a14="http://schemas.microsoft.com/office/drawing/2010/main" w="9525">
                 <a:solidFill>
                   <a:schemeClr val="tx1"/>
                 </a:solidFill>
@@ -8532,7 +8438,7 @@
               </a14:hiddenLine>
             </a:ext>
             <a:ext uri="{AF507438-7753-43e0-B8FC-AC1667EBCBE1}">
-              <a14:hiddenEffects xmlns:a14="http://schemas.microsoft.com/office/drawing/2010/main" xmlns="">
+              <a14:hiddenEffects xmlns="" xmlns:a14="http://schemas.microsoft.com/office/drawing/2010/main">
                 <a:effectLst>
                   <a:outerShdw blurRad="63500" dist="38099" dir="2700000" algn="ctr" rotWithShape="0">
                     <a:schemeClr val="bg2">
@@ -8580,14 +8486,14 @@
           <a:effectLst/>
           <a:extLst>
             <a:ext uri="{909E8E84-426E-40dd-AFC4-6F175D3DCCD1}">
-              <a14:hiddenFill xmlns:a14="http://schemas.microsoft.com/office/drawing/2010/main" xmlns="">
+              <a14:hiddenFill xmlns="" xmlns:a14="http://schemas.microsoft.com/office/drawing/2010/main">
                 <a:solidFill>
                   <a:schemeClr val="accent1"/>
                 </a:solidFill>
               </a14:hiddenFill>
             </a:ext>
             <a:ext uri="{91240B29-F687-4f45-9708-019B960494DF}">
-              <a14:hiddenLine xmlns:a14="http://schemas.microsoft.com/office/drawing/2010/main" xmlns="" w="9525">
+              <a14:hiddenLine xmlns="" xmlns:a14="http://schemas.microsoft.com/office/drawing/2010/main" w="9525">
                 <a:solidFill>
                   <a:schemeClr val="tx1"/>
                 </a:solidFill>
@@ -8597,7 +8503,7 @@
               </a14:hiddenLine>
             </a:ext>
             <a:ext uri="{AF507438-7753-43e0-B8FC-AC1667EBCBE1}">
-              <a14:hiddenEffects xmlns:a14="http://schemas.microsoft.com/office/drawing/2010/main" xmlns="">
+              <a14:hiddenEffects xmlns="" xmlns:a14="http://schemas.microsoft.com/office/drawing/2010/main">
                 <a:effectLst>
                   <a:outerShdw blurRad="63500" dist="38099" dir="2700000" algn="ctr" rotWithShape="0">
                     <a:schemeClr val="bg2">
@@ -8645,14 +8551,14 @@
           <a:effectLst/>
           <a:extLst>
             <a:ext uri="{909E8E84-426E-40dd-AFC4-6F175D3DCCD1}">
-              <a14:hiddenFill xmlns:a14="http://schemas.microsoft.com/office/drawing/2010/main" xmlns="">
+              <a14:hiddenFill xmlns="" xmlns:a14="http://schemas.microsoft.com/office/drawing/2010/main">
                 <a:solidFill>
                   <a:schemeClr val="accent1"/>
                 </a:solidFill>
               </a14:hiddenFill>
             </a:ext>
             <a:ext uri="{91240B29-F687-4f45-9708-019B960494DF}">
-              <a14:hiddenLine xmlns:a14="http://schemas.microsoft.com/office/drawing/2010/main" xmlns="" w="9525">
+              <a14:hiddenLine xmlns="" xmlns:a14="http://schemas.microsoft.com/office/drawing/2010/main" w="9525">
                 <a:solidFill>
                   <a:schemeClr val="tx1"/>
                 </a:solidFill>
@@ -8662,7 +8568,7 @@
               </a14:hiddenLine>
             </a:ext>
             <a:ext uri="{AF507438-7753-43e0-B8FC-AC1667EBCBE1}">
-              <a14:hiddenEffects xmlns:a14="http://schemas.microsoft.com/office/drawing/2010/main" xmlns="">
+              <a14:hiddenEffects xmlns="" xmlns:a14="http://schemas.microsoft.com/office/drawing/2010/main">
                 <a:effectLst>
                   <a:outerShdw blurRad="63500" dist="38099" dir="2700000" algn="ctr" rotWithShape="0">
                     <a:schemeClr val="bg2">
@@ -8727,7 +8633,7 @@
           </a:ln>
           <a:extLst>
             <a:ext uri="{909E8E84-426E-40dd-AFC4-6F175D3DCCD1}">
-              <a14:hiddenFill xmlns:a14="http://schemas.microsoft.com/office/drawing/2010/main" xmlns="">
+              <a14:hiddenFill xmlns="" xmlns:a14="http://schemas.microsoft.com/office/drawing/2010/main">
                 <a:solidFill>
                   <a:srgbClr val="FFFFFF"/>
                 </a:solidFill>
@@ -8759,14 +8665,14 @@
           <a:effectLst/>
           <a:extLst>
             <a:ext uri="{909E8E84-426E-40dd-AFC4-6F175D3DCCD1}">
-              <a14:hiddenFill xmlns:a14="http://schemas.microsoft.com/office/drawing/2010/main" xmlns="">
+              <a14:hiddenFill xmlns="" xmlns:a14="http://schemas.microsoft.com/office/drawing/2010/main">
                 <a:solidFill>
                   <a:schemeClr val="accent1"/>
                 </a:solidFill>
               </a14:hiddenFill>
             </a:ext>
             <a:ext uri="{91240B29-F687-4f45-9708-019B960494DF}">
-              <a14:hiddenLine xmlns:a14="http://schemas.microsoft.com/office/drawing/2010/main" xmlns="" w="9525">
+              <a14:hiddenLine xmlns="" xmlns:a14="http://schemas.microsoft.com/office/drawing/2010/main" w="9525">
                 <a:solidFill>
                   <a:schemeClr val="tx1"/>
                 </a:solidFill>
@@ -8776,7 +8682,7 @@
               </a14:hiddenLine>
             </a:ext>
             <a:ext uri="{AF507438-7753-43e0-B8FC-AC1667EBCBE1}">
-              <a14:hiddenEffects xmlns:a14="http://schemas.microsoft.com/office/drawing/2010/main" xmlns="">
+              <a14:hiddenEffects xmlns="" xmlns:a14="http://schemas.microsoft.com/office/drawing/2010/main">
                 <a:effectLst>
                   <a:outerShdw blurRad="63500" dist="38099" dir="2700000" algn="ctr" rotWithShape="0">
                     <a:schemeClr val="bg2">
@@ -9062,14 +8968,14 @@
           <a:effectLst/>
           <a:extLst>
             <a:ext uri="{909E8E84-426E-40dd-AFC4-6F175D3DCCD1}">
-              <a14:hiddenFill xmlns:a14="http://schemas.microsoft.com/office/drawing/2010/main" xmlns="">
+              <a14:hiddenFill xmlns="" xmlns:a14="http://schemas.microsoft.com/office/drawing/2010/main">
                 <a:solidFill>
                   <a:schemeClr val="accent1"/>
                 </a:solidFill>
               </a14:hiddenFill>
             </a:ext>
             <a:ext uri="{91240B29-F687-4f45-9708-019B960494DF}">
-              <a14:hiddenLine xmlns:a14="http://schemas.microsoft.com/office/drawing/2010/main" xmlns="" w="9525">
+              <a14:hiddenLine xmlns="" xmlns:a14="http://schemas.microsoft.com/office/drawing/2010/main" w="9525">
                 <a:solidFill>
                   <a:schemeClr val="tx1"/>
                 </a:solidFill>
@@ -9079,7 +8985,7 @@
               </a14:hiddenLine>
             </a:ext>
             <a:ext uri="{AF507438-7753-43e0-B8FC-AC1667EBCBE1}">
-              <a14:hiddenEffects xmlns:a14="http://schemas.microsoft.com/office/drawing/2010/main" xmlns="">
+              <a14:hiddenEffects xmlns="" xmlns:a14="http://schemas.microsoft.com/office/drawing/2010/main">
                 <a:effectLst>
                   <a:outerShdw blurRad="63500" dist="38099" dir="2700000" algn="ctr" rotWithShape="0">
                     <a:schemeClr val="bg2">
@@ -9127,14 +9033,14 @@
           <a:effectLst/>
           <a:extLst>
             <a:ext uri="{909E8E84-426E-40dd-AFC4-6F175D3DCCD1}">
-              <a14:hiddenFill xmlns:a14="http://schemas.microsoft.com/office/drawing/2010/main" xmlns="">
+              <a14:hiddenFill xmlns="" xmlns:a14="http://schemas.microsoft.com/office/drawing/2010/main">
                 <a:solidFill>
                   <a:schemeClr val="accent1"/>
                 </a:solidFill>
               </a14:hiddenFill>
             </a:ext>
             <a:ext uri="{91240B29-F687-4f45-9708-019B960494DF}">
-              <a14:hiddenLine xmlns:a14="http://schemas.microsoft.com/office/drawing/2010/main" xmlns="" w="9525">
+              <a14:hiddenLine xmlns="" xmlns:a14="http://schemas.microsoft.com/office/drawing/2010/main" w="9525">
                 <a:solidFill>
                   <a:schemeClr val="tx1"/>
                 </a:solidFill>
@@ -9144,7 +9050,7 @@
               </a14:hiddenLine>
             </a:ext>
             <a:ext uri="{AF507438-7753-43e0-B8FC-AC1667EBCBE1}">
-              <a14:hiddenEffects xmlns:a14="http://schemas.microsoft.com/office/drawing/2010/main" xmlns="">
+              <a14:hiddenEffects xmlns="" xmlns:a14="http://schemas.microsoft.com/office/drawing/2010/main">
                 <a:effectLst>
                   <a:outerShdw blurRad="63500" dist="38099" dir="2700000" algn="ctr" rotWithShape="0">
                     <a:schemeClr val="bg2">
@@ -9198,14 +9104,14 @@
           <a:effectLst/>
           <a:extLst>
             <a:ext uri="{909E8E84-426E-40dd-AFC4-6F175D3DCCD1}">
-              <a14:hiddenFill xmlns:a14="http://schemas.microsoft.com/office/drawing/2010/main" xmlns="">
+              <a14:hiddenFill xmlns="" xmlns:a14="http://schemas.microsoft.com/office/drawing/2010/main">
                 <a:solidFill>
                   <a:schemeClr val="accent1"/>
                 </a:solidFill>
               </a14:hiddenFill>
             </a:ext>
             <a:ext uri="{91240B29-F687-4f45-9708-019B960494DF}">
-              <a14:hiddenLine xmlns:a14="http://schemas.microsoft.com/office/drawing/2010/main" xmlns="" w="9525">
+              <a14:hiddenLine xmlns="" xmlns:a14="http://schemas.microsoft.com/office/drawing/2010/main" w="9525">
                 <a:solidFill>
                   <a:schemeClr val="tx1"/>
                 </a:solidFill>
@@ -9215,7 +9121,7 @@
               </a14:hiddenLine>
             </a:ext>
             <a:ext uri="{AF507438-7753-43e0-B8FC-AC1667EBCBE1}">
-              <a14:hiddenEffects xmlns:a14="http://schemas.microsoft.com/office/drawing/2010/main" xmlns="">
+              <a14:hiddenEffects xmlns="" xmlns:a14="http://schemas.microsoft.com/office/drawing/2010/main">
                 <a:effectLst>
                   <a:outerShdw blurRad="63500" dist="38099" dir="2700000" algn="ctr" rotWithShape="0">
                     <a:schemeClr val="bg2">
@@ -9280,7 +9186,7 @@
           </a:ln>
           <a:extLst>
             <a:ext uri="{909E8E84-426E-40dd-AFC4-6F175D3DCCD1}">
-              <a14:hiddenFill xmlns:a14="http://schemas.microsoft.com/office/drawing/2010/main" xmlns="">
+              <a14:hiddenFill xmlns="" xmlns:a14="http://schemas.microsoft.com/office/drawing/2010/main">
                 <a:solidFill>
                   <a:srgbClr val="FFFFFF"/>
                 </a:solidFill>
@@ -9312,14 +9218,14 @@
           <a:effectLst/>
           <a:extLst>
             <a:ext uri="{909E8E84-426E-40dd-AFC4-6F175D3DCCD1}">
-              <a14:hiddenFill xmlns:a14="http://schemas.microsoft.com/office/drawing/2010/main" xmlns="">
+              <a14:hiddenFill xmlns="" xmlns:a14="http://schemas.microsoft.com/office/drawing/2010/main">
                 <a:solidFill>
                   <a:schemeClr val="accent1"/>
                 </a:solidFill>
               </a14:hiddenFill>
             </a:ext>
             <a:ext uri="{91240B29-F687-4f45-9708-019B960494DF}">
-              <a14:hiddenLine xmlns:a14="http://schemas.microsoft.com/office/drawing/2010/main" xmlns="" w="9525">
+              <a14:hiddenLine xmlns="" xmlns:a14="http://schemas.microsoft.com/office/drawing/2010/main" w="9525">
                 <a:solidFill>
                   <a:schemeClr val="tx1"/>
                 </a:solidFill>
@@ -9329,7 +9235,7 @@
               </a14:hiddenLine>
             </a:ext>
             <a:ext uri="{AF507438-7753-43e0-B8FC-AC1667EBCBE1}">
-              <a14:hiddenEffects xmlns:a14="http://schemas.microsoft.com/office/drawing/2010/main" xmlns="">
+              <a14:hiddenEffects xmlns="" xmlns:a14="http://schemas.microsoft.com/office/drawing/2010/main">
                 <a:effectLst>
                   <a:outerShdw blurRad="63500" dist="38099" dir="2700000" algn="ctr" rotWithShape="0">
                     <a:schemeClr val="bg2">
@@ -9620,14 +9526,14 @@
           <a:effectLst/>
           <a:extLst>
             <a:ext uri="{909E8E84-426E-40dd-AFC4-6F175D3DCCD1}">
-              <a14:hiddenFill xmlns:a14="http://schemas.microsoft.com/office/drawing/2010/main" xmlns="">
+              <a14:hiddenFill xmlns="" xmlns:a14="http://schemas.microsoft.com/office/drawing/2010/main">
                 <a:solidFill>
                   <a:schemeClr val="accent1"/>
                 </a:solidFill>
               </a14:hiddenFill>
             </a:ext>
             <a:ext uri="{91240B29-F687-4f45-9708-019B960494DF}">
-              <a14:hiddenLine xmlns:a14="http://schemas.microsoft.com/office/drawing/2010/main" xmlns="" w="9525">
+              <a14:hiddenLine xmlns="" xmlns:a14="http://schemas.microsoft.com/office/drawing/2010/main" w="9525">
                 <a:solidFill>
                   <a:schemeClr val="tx1"/>
                 </a:solidFill>
@@ -9637,7 +9543,7 @@
               </a14:hiddenLine>
             </a:ext>
             <a:ext uri="{AF507438-7753-43e0-B8FC-AC1667EBCBE1}">
-              <a14:hiddenEffects xmlns:a14="http://schemas.microsoft.com/office/drawing/2010/main" xmlns="">
+              <a14:hiddenEffects xmlns="" xmlns:a14="http://schemas.microsoft.com/office/drawing/2010/main">
                 <a:effectLst>
                   <a:outerShdw blurRad="63500" dist="38099" dir="2700000" algn="ctr" rotWithShape="0">
                     <a:schemeClr val="bg2">
@@ -9874,14 +9780,14 @@
           <a:effectLst/>
           <a:extLst>
             <a:ext uri="{909E8E84-426E-40dd-AFC4-6F175D3DCCD1}">
-              <a14:hiddenFill xmlns:a14="http://schemas.microsoft.com/office/drawing/2010/main" xmlns="">
+              <a14:hiddenFill xmlns="" xmlns:a14="http://schemas.microsoft.com/office/drawing/2010/main">
                 <a:solidFill>
                   <a:schemeClr val="accent1"/>
                 </a:solidFill>
               </a14:hiddenFill>
             </a:ext>
             <a:ext uri="{91240B29-F687-4f45-9708-019B960494DF}">
-              <a14:hiddenLine xmlns:a14="http://schemas.microsoft.com/office/drawing/2010/main" xmlns="" w="9525">
+              <a14:hiddenLine xmlns="" xmlns:a14="http://schemas.microsoft.com/office/drawing/2010/main" w="9525">
                 <a:solidFill>
                   <a:schemeClr val="tx1"/>
                 </a:solidFill>
@@ -9891,7 +9797,7 @@
               </a14:hiddenLine>
             </a:ext>
             <a:ext uri="{AF507438-7753-43e0-B8FC-AC1667EBCBE1}">
-              <a14:hiddenEffects xmlns:a14="http://schemas.microsoft.com/office/drawing/2010/main" xmlns="">
+              <a14:hiddenEffects xmlns="" xmlns:a14="http://schemas.microsoft.com/office/drawing/2010/main">
                 <a:effectLst>
                   <a:outerShdw blurRad="63500" dist="38099" dir="2700000" algn="ctr" rotWithShape="0">
                     <a:schemeClr val="bg2">
@@ -10120,14 +10026,14 @@
           <a:effectLst/>
           <a:extLst>
             <a:ext uri="{909E8E84-426E-40dd-AFC4-6F175D3DCCD1}">
-              <a14:hiddenFill xmlns:a14="http://schemas.microsoft.com/office/drawing/2010/main" xmlns="">
+              <a14:hiddenFill xmlns="" xmlns:a14="http://schemas.microsoft.com/office/drawing/2010/main">
                 <a:solidFill>
                   <a:schemeClr val="accent1"/>
                 </a:solidFill>
               </a14:hiddenFill>
             </a:ext>
             <a:ext uri="{91240B29-F687-4f45-9708-019B960494DF}">
-              <a14:hiddenLine xmlns:a14="http://schemas.microsoft.com/office/drawing/2010/main" xmlns="" w="9525">
+              <a14:hiddenLine xmlns="" xmlns:a14="http://schemas.microsoft.com/office/drawing/2010/main" w="9525">
                 <a:solidFill>
                   <a:schemeClr val="tx1"/>
                 </a:solidFill>
@@ -10137,7 +10043,7 @@
               </a14:hiddenLine>
             </a:ext>
             <a:ext uri="{AF507438-7753-43e0-B8FC-AC1667EBCBE1}">
-              <a14:hiddenEffects xmlns:a14="http://schemas.microsoft.com/office/drawing/2010/main" xmlns="">
+              <a14:hiddenEffects xmlns="" xmlns:a14="http://schemas.microsoft.com/office/drawing/2010/main">
                 <a:effectLst>
                   <a:outerShdw blurRad="63500" dist="38099" dir="2700000" algn="ctr" rotWithShape="0">
                     <a:schemeClr val="bg2">
@@ -10286,7 +10192,7 @@
           </a:ln>
           <a:extLst>
             <a:ext uri="{909E8E84-426E-40dd-AFC4-6F175D3DCCD1}">
-              <a14:hiddenFill xmlns="" xmlns:a14="http://schemas.microsoft.com/office/drawing/2010/main">
+              <a14:hiddenFill xmlns:a14="http://schemas.microsoft.com/office/drawing/2010/main" xmlns="">
                 <a:solidFill>
                   <a:srgbClr val="FFFFFF"/>
                 </a:solidFill>
@@ -10318,14 +10224,14 @@
           <a:effectLst/>
           <a:extLst>
             <a:ext uri="{909E8E84-426E-40dd-AFC4-6F175D3DCCD1}">
-              <a14:hiddenFill xmlns="" xmlns:a14="http://schemas.microsoft.com/office/drawing/2010/main">
+              <a14:hiddenFill xmlns:a14="http://schemas.microsoft.com/office/drawing/2010/main" xmlns="">
                 <a:solidFill>
                   <a:schemeClr val="accent1"/>
                 </a:solidFill>
               </a14:hiddenFill>
             </a:ext>
             <a:ext uri="{91240B29-F687-4f45-9708-019B960494DF}">
-              <a14:hiddenLine xmlns="" xmlns:a14="http://schemas.microsoft.com/office/drawing/2010/main" w="9525">
+              <a14:hiddenLine xmlns:a14="http://schemas.microsoft.com/office/drawing/2010/main" xmlns="" w="9525">
                 <a:solidFill>
                   <a:schemeClr val="tx1"/>
                 </a:solidFill>
@@ -10335,7 +10241,7 @@
               </a14:hiddenLine>
             </a:ext>
             <a:ext uri="{AF507438-7753-43e0-B8FC-AC1667EBCBE1}">
-              <a14:hiddenEffects xmlns="" xmlns:a14="http://schemas.microsoft.com/office/drawing/2010/main">
+              <a14:hiddenEffects xmlns:a14="http://schemas.microsoft.com/office/drawing/2010/main" xmlns="">
                 <a:effectLst>
                   <a:outerShdw blurRad="63500" dist="38099" dir="2700000" algn="ctr" rotWithShape="0">
                     <a:schemeClr val="bg2">
@@ -10421,14 +10327,14 @@
           <a:effectLst/>
           <a:extLst>
             <a:ext uri="{909E8E84-426E-40dd-AFC4-6F175D3DCCD1}">
-              <a14:hiddenFill xmlns="" xmlns:a14="http://schemas.microsoft.com/office/drawing/2010/main">
+              <a14:hiddenFill xmlns:a14="http://schemas.microsoft.com/office/drawing/2010/main" xmlns="">
                 <a:solidFill>
                   <a:schemeClr val="accent1"/>
                 </a:solidFill>
               </a14:hiddenFill>
             </a:ext>
             <a:ext uri="{91240B29-F687-4f45-9708-019B960494DF}">
-              <a14:hiddenLine xmlns="" xmlns:a14="http://schemas.microsoft.com/office/drawing/2010/main" w="9525">
+              <a14:hiddenLine xmlns:a14="http://schemas.microsoft.com/office/drawing/2010/main" xmlns="" w="9525">
                 <a:solidFill>
                   <a:schemeClr val="tx1"/>
                 </a:solidFill>
@@ -10438,7 +10344,7 @@
               </a14:hiddenLine>
             </a:ext>
             <a:ext uri="{AF507438-7753-43e0-B8FC-AC1667EBCBE1}">
-              <a14:hiddenEffects xmlns="" xmlns:a14="http://schemas.microsoft.com/office/drawing/2010/main">
+              <a14:hiddenEffects xmlns:a14="http://schemas.microsoft.com/office/drawing/2010/main" xmlns="">
                 <a:effectLst>
                   <a:outerShdw blurRad="63500" dist="38099" dir="2700000" algn="ctr" rotWithShape="0">
                     <a:schemeClr val="bg2">
@@ -12739,14 +12645,14 @@
           <a:effectLst/>
           <a:extLst>
             <a:ext uri="{909E8E84-426E-40dd-AFC4-6F175D3DCCD1}">
-              <a14:hiddenFill xmlns:a14="http://schemas.microsoft.com/office/drawing/2010/main" xmlns="">
+              <a14:hiddenFill xmlns="" xmlns:a14="http://schemas.microsoft.com/office/drawing/2010/main">
                 <a:solidFill>
                   <a:schemeClr val="accent1"/>
                 </a:solidFill>
               </a14:hiddenFill>
             </a:ext>
             <a:ext uri="{91240B29-F687-4f45-9708-019B960494DF}">
-              <a14:hiddenLine xmlns:a14="http://schemas.microsoft.com/office/drawing/2010/main" xmlns="" w="9525">
+              <a14:hiddenLine xmlns="" xmlns:a14="http://schemas.microsoft.com/office/drawing/2010/main" w="9525">
                 <a:solidFill>
                   <a:schemeClr val="tx1"/>
                 </a:solidFill>
@@ -12756,7 +12662,7 @@
               </a14:hiddenLine>
             </a:ext>
             <a:ext uri="{AF507438-7753-43e0-B8FC-AC1667EBCBE1}">
-              <a14:hiddenEffects xmlns:a14="http://schemas.microsoft.com/office/drawing/2010/main" xmlns="">
+              <a14:hiddenEffects xmlns="" xmlns:a14="http://schemas.microsoft.com/office/drawing/2010/main">
                 <a:effectLst>
                   <a:outerShdw blurRad="63500" dist="38099" dir="2700000" algn="ctr" rotWithShape="0">
                     <a:schemeClr val="bg2">
@@ -13129,14 +13035,14 @@
           <a:effectLst/>
           <a:extLst>
             <a:ext uri="{909E8E84-426E-40dd-AFC4-6F175D3DCCD1}">
-              <a14:hiddenFill xmlns:a14="http://schemas.microsoft.com/office/drawing/2010/main" xmlns="">
+              <a14:hiddenFill xmlns="" xmlns:a14="http://schemas.microsoft.com/office/drawing/2010/main">
                 <a:solidFill>
                   <a:schemeClr val="accent1"/>
                 </a:solidFill>
               </a14:hiddenFill>
             </a:ext>
             <a:ext uri="{91240B29-F687-4f45-9708-019B960494DF}">
-              <a14:hiddenLine xmlns:a14="http://schemas.microsoft.com/office/drawing/2010/main" xmlns="" w="9525">
+              <a14:hiddenLine xmlns="" xmlns:a14="http://schemas.microsoft.com/office/drawing/2010/main" w="9525">
                 <a:solidFill>
                   <a:schemeClr val="tx1"/>
                 </a:solidFill>
@@ -13146,7 +13052,7 @@
               </a14:hiddenLine>
             </a:ext>
             <a:ext uri="{AF507438-7753-43e0-B8FC-AC1667EBCBE1}">
-              <a14:hiddenEffects xmlns:a14="http://schemas.microsoft.com/office/drawing/2010/main" xmlns="">
+              <a14:hiddenEffects xmlns="" xmlns:a14="http://schemas.microsoft.com/office/drawing/2010/main">
                 <a:effectLst>
                   <a:outerShdw blurRad="63500" dist="38099" dir="2700000" algn="ctr" rotWithShape="0">
                     <a:schemeClr val="bg2">
@@ -13308,14 +13214,14 @@
           <a:effectLst/>
           <a:extLst>
             <a:ext uri="{909E8E84-426E-40dd-AFC4-6F175D3DCCD1}">
-              <a14:hiddenFill xmlns:a14="http://schemas.microsoft.com/office/drawing/2010/main" xmlns="">
+              <a14:hiddenFill xmlns="" xmlns:a14="http://schemas.microsoft.com/office/drawing/2010/main">
                 <a:solidFill>
                   <a:schemeClr val="accent1"/>
                 </a:solidFill>
               </a14:hiddenFill>
             </a:ext>
             <a:ext uri="{AF507438-7753-43e0-B8FC-AC1667EBCBE1}">
-              <a14:hiddenEffects xmlns:a14="http://schemas.microsoft.com/office/drawing/2010/main" xmlns="">
+              <a14:hiddenEffects xmlns="" xmlns:a14="http://schemas.microsoft.com/office/drawing/2010/main">
                 <a:effectLst>
                   <a:outerShdw blurRad="63500" dist="38099" dir="2700000" algn="ctr" rotWithShape="0">
                     <a:schemeClr val="bg2">
@@ -13394,14 +13300,14 @@
           <a:effectLst/>
           <a:extLst>
             <a:ext uri="{909E8E84-426E-40dd-AFC4-6F175D3DCCD1}">
-              <a14:hiddenFill xmlns:a14="http://schemas.microsoft.com/office/drawing/2010/main" xmlns="">
+              <a14:hiddenFill xmlns="" xmlns:a14="http://schemas.microsoft.com/office/drawing/2010/main">
                 <a:solidFill>
                   <a:schemeClr val="accent1"/>
                 </a:solidFill>
               </a14:hiddenFill>
             </a:ext>
             <a:ext uri="{AF507438-7753-43e0-B8FC-AC1667EBCBE1}">
-              <a14:hiddenEffects xmlns:a14="http://schemas.microsoft.com/office/drawing/2010/main" xmlns="">
+              <a14:hiddenEffects xmlns="" xmlns:a14="http://schemas.microsoft.com/office/drawing/2010/main">
                 <a:effectLst>
                   <a:outerShdw blurRad="63500" dist="38099" dir="2700000" algn="ctr" rotWithShape="0">
                     <a:schemeClr val="bg2">
@@ -13480,14 +13386,14 @@
           <a:effectLst/>
           <a:extLst>
             <a:ext uri="{909E8E84-426E-40dd-AFC4-6F175D3DCCD1}">
-              <a14:hiddenFill xmlns:a14="http://schemas.microsoft.com/office/drawing/2010/main" xmlns="">
+              <a14:hiddenFill xmlns="" xmlns:a14="http://schemas.microsoft.com/office/drawing/2010/main">
                 <a:solidFill>
                   <a:schemeClr val="accent1"/>
                 </a:solidFill>
               </a14:hiddenFill>
             </a:ext>
             <a:ext uri="{AF507438-7753-43e0-B8FC-AC1667EBCBE1}">
-              <a14:hiddenEffects xmlns:a14="http://schemas.microsoft.com/office/drawing/2010/main" xmlns="">
+              <a14:hiddenEffects xmlns="" xmlns:a14="http://schemas.microsoft.com/office/drawing/2010/main">
                 <a:effectLst>
                   <a:outerShdw blurRad="63500" dist="38099" dir="2700000" algn="ctr" rotWithShape="0">
                     <a:schemeClr val="bg2">
@@ -13566,14 +13472,14 @@
           <a:effectLst/>
           <a:extLst>
             <a:ext uri="{909E8E84-426E-40dd-AFC4-6F175D3DCCD1}">
-              <a14:hiddenFill xmlns:a14="http://schemas.microsoft.com/office/drawing/2010/main" xmlns="">
+              <a14:hiddenFill xmlns="" xmlns:a14="http://schemas.microsoft.com/office/drawing/2010/main">
                 <a:solidFill>
                   <a:schemeClr val="accent1"/>
                 </a:solidFill>
               </a14:hiddenFill>
             </a:ext>
             <a:ext uri="{AF507438-7753-43e0-B8FC-AC1667EBCBE1}">
-              <a14:hiddenEffects xmlns:a14="http://schemas.microsoft.com/office/drawing/2010/main" xmlns="">
+              <a14:hiddenEffects xmlns="" xmlns:a14="http://schemas.microsoft.com/office/drawing/2010/main">
                 <a:effectLst>
                   <a:outerShdw blurRad="63500" dist="38099" dir="2700000" algn="ctr" rotWithShape="0">
                     <a:schemeClr val="bg2">
@@ -13652,14 +13558,14 @@
           <a:effectLst/>
           <a:extLst>
             <a:ext uri="{909E8E84-426E-40dd-AFC4-6F175D3DCCD1}">
-              <a14:hiddenFill xmlns:a14="http://schemas.microsoft.com/office/drawing/2010/main" xmlns="">
+              <a14:hiddenFill xmlns="" xmlns:a14="http://schemas.microsoft.com/office/drawing/2010/main">
                 <a:solidFill>
                   <a:schemeClr val="accent1"/>
                 </a:solidFill>
               </a14:hiddenFill>
             </a:ext>
             <a:ext uri="{AF507438-7753-43e0-B8FC-AC1667EBCBE1}">
-              <a14:hiddenEffects xmlns:a14="http://schemas.microsoft.com/office/drawing/2010/main" xmlns="">
+              <a14:hiddenEffects xmlns="" xmlns:a14="http://schemas.microsoft.com/office/drawing/2010/main">
                 <a:effectLst>
                   <a:outerShdw blurRad="63500" dist="38099" dir="2700000" algn="ctr" rotWithShape="0">
                     <a:schemeClr val="bg2">
@@ -13738,14 +13644,14 @@
           <a:effectLst/>
           <a:extLst>
             <a:ext uri="{909E8E84-426E-40dd-AFC4-6F175D3DCCD1}">
-              <a14:hiddenFill xmlns:a14="http://schemas.microsoft.com/office/drawing/2010/main" xmlns="">
+              <a14:hiddenFill xmlns="" xmlns:a14="http://schemas.microsoft.com/office/drawing/2010/main">
                 <a:solidFill>
                   <a:schemeClr val="accent1"/>
                 </a:solidFill>
               </a14:hiddenFill>
             </a:ext>
             <a:ext uri="{AF507438-7753-43e0-B8FC-AC1667EBCBE1}">
-              <a14:hiddenEffects xmlns:a14="http://schemas.microsoft.com/office/drawing/2010/main" xmlns="">
+              <a14:hiddenEffects xmlns="" xmlns:a14="http://schemas.microsoft.com/office/drawing/2010/main">
                 <a:effectLst>
                   <a:outerShdw blurRad="63500" dist="38099" dir="2700000" algn="ctr" rotWithShape="0">
                     <a:schemeClr val="bg2">
@@ -13824,12 +13730,12 @@
           <a:effectLst/>
           <a:extLst>
             <a:ext uri="{909E8E84-426E-40dd-AFC4-6F175D3DCCD1}">
-              <a14:hiddenFill xmlns:a14="http://schemas.microsoft.com/office/drawing/2010/main" xmlns="">
+              <a14:hiddenFill xmlns="" xmlns:a14="http://schemas.microsoft.com/office/drawing/2010/main">
                 <a:noFill/>
               </a14:hiddenFill>
             </a:ext>
             <a:ext uri="{AF507438-7753-43e0-B8FC-AC1667EBCBE1}">
-              <a14:hiddenEffects xmlns:a14="http://schemas.microsoft.com/office/drawing/2010/main" xmlns="">
+              <a14:hiddenEffects xmlns="" xmlns:a14="http://schemas.microsoft.com/office/drawing/2010/main">
                 <a:effectLst>
                   <a:outerShdw blurRad="63500" dist="38099" dir="2700000" algn="ctr" rotWithShape="0">
                     <a:schemeClr val="bg2">
@@ -13872,14 +13778,14 @@
           <a:effectLst/>
           <a:extLst>
             <a:ext uri="{909E8E84-426E-40dd-AFC4-6F175D3DCCD1}">
-              <a14:hiddenFill xmlns:a14="http://schemas.microsoft.com/office/drawing/2010/main" xmlns="">
+              <a14:hiddenFill xmlns="" xmlns:a14="http://schemas.microsoft.com/office/drawing/2010/main">
                 <a:solidFill>
                   <a:schemeClr val="accent1"/>
                 </a:solidFill>
               </a14:hiddenFill>
             </a:ext>
             <a:ext uri="{91240B29-F687-4f45-9708-019B960494DF}">
-              <a14:hiddenLine xmlns:a14="http://schemas.microsoft.com/office/drawing/2010/main" xmlns="" w="9525">
+              <a14:hiddenLine xmlns="" xmlns:a14="http://schemas.microsoft.com/office/drawing/2010/main" w="9525">
                 <a:solidFill>
                   <a:schemeClr val="tx1"/>
                 </a:solidFill>
@@ -13889,7 +13795,7 @@
               </a14:hiddenLine>
             </a:ext>
             <a:ext uri="{AF507438-7753-43e0-B8FC-AC1667EBCBE1}">
-              <a14:hiddenEffects xmlns:a14="http://schemas.microsoft.com/office/drawing/2010/main" xmlns="">
+              <a14:hiddenEffects xmlns="" xmlns:a14="http://schemas.microsoft.com/office/drawing/2010/main">
                 <a:effectLst>
                   <a:outerShdw blurRad="63500" dist="38099" dir="2700000" algn="ctr" rotWithShape="0">
                     <a:schemeClr val="bg2">
@@ -13944,12 +13850,12 @@
           <a:effectLst/>
           <a:extLst>
             <a:ext uri="{909E8E84-426E-40dd-AFC4-6F175D3DCCD1}">
-              <a14:hiddenFill xmlns:a14="http://schemas.microsoft.com/office/drawing/2010/main" xmlns="">
+              <a14:hiddenFill xmlns="" xmlns:a14="http://schemas.microsoft.com/office/drawing/2010/main">
                 <a:noFill/>
               </a14:hiddenFill>
             </a:ext>
             <a:ext uri="{AF507438-7753-43e0-B8FC-AC1667EBCBE1}">
-              <a14:hiddenEffects xmlns:a14="http://schemas.microsoft.com/office/drawing/2010/main" xmlns="">
+              <a14:hiddenEffects xmlns="" xmlns:a14="http://schemas.microsoft.com/office/drawing/2010/main">
                 <a:effectLst>
                   <a:outerShdw blurRad="63500" dist="38099" dir="2700000" algn="ctr" rotWithShape="0">
                     <a:schemeClr val="bg2">
@@ -13992,14 +13898,14 @@
           <a:effectLst/>
           <a:extLst>
             <a:ext uri="{909E8E84-426E-40dd-AFC4-6F175D3DCCD1}">
-              <a14:hiddenFill xmlns:a14="http://schemas.microsoft.com/office/drawing/2010/main" xmlns="">
+              <a14:hiddenFill xmlns="" xmlns:a14="http://schemas.microsoft.com/office/drawing/2010/main">
                 <a:solidFill>
                   <a:schemeClr val="accent1"/>
                 </a:solidFill>
               </a14:hiddenFill>
             </a:ext>
             <a:ext uri="{91240B29-F687-4f45-9708-019B960494DF}">
-              <a14:hiddenLine xmlns:a14="http://schemas.microsoft.com/office/drawing/2010/main" xmlns="" w="9525">
+              <a14:hiddenLine xmlns="" xmlns:a14="http://schemas.microsoft.com/office/drawing/2010/main" w="9525">
                 <a:solidFill>
                   <a:schemeClr val="tx1"/>
                 </a:solidFill>
@@ -14009,7 +13915,7 @@
               </a14:hiddenLine>
             </a:ext>
             <a:ext uri="{AF507438-7753-43e0-B8FC-AC1667EBCBE1}">
-              <a14:hiddenEffects xmlns:a14="http://schemas.microsoft.com/office/drawing/2010/main" xmlns="">
+              <a14:hiddenEffects xmlns="" xmlns:a14="http://schemas.microsoft.com/office/drawing/2010/main">
                 <a:effectLst>
                   <a:outerShdw blurRad="63500" dist="38099" dir="2700000" algn="ctr" rotWithShape="0">
                     <a:schemeClr val="bg2">
@@ -14064,12 +13970,12 @@
           <a:effectLst/>
           <a:extLst>
             <a:ext uri="{909E8E84-426E-40dd-AFC4-6F175D3DCCD1}">
-              <a14:hiddenFill xmlns:a14="http://schemas.microsoft.com/office/drawing/2010/main" xmlns="">
+              <a14:hiddenFill xmlns="" xmlns:a14="http://schemas.microsoft.com/office/drawing/2010/main">
                 <a:noFill/>
               </a14:hiddenFill>
             </a:ext>
             <a:ext uri="{AF507438-7753-43e0-B8FC-AC1667EBCBE1}">
-              <a14:hiddenEffects xmlns:a14="http://schemas.microsoft.com/office/drawing/2010/main" xmlns="">
+              <a14:hiddenEffects xmlns="" xmlns:a14="http://schemas.microsoft.com/office/drawing/2010/main">
                 <a:effectLst>
                   <a:outerShdw blurRad="63500" dist="38099" dir="2700000" algn="ctr" rotWithShape="0">
                     <a:schemeClr val="bg2">
@@ -14112,14 +14018,14 @@
           <a:effectLst/>
           <a:extLst>
             <a:ext uri="{909E8E84-426E-40dd-AFC4-6F175D3DCCD1}">
-              <a14:hiddenFill xmlns:a14="http://schemas.microsoft.com/office/drawing/2010/main" xmlns="">
+              <a14:hiddenFill xmlns="" xmlns:a14="http://schemas.microsoft.com/office/drawing/2010/main">
                 <a:solidFill>
                   <a:schemeClr val="accent1"/>
                 </a:solidFill>
               </a14:hiddenFill>
             </a:ext>
             <a:ext uri="{91240B29-F687-4f45-9708-019B960494DF}">
-              <a14:hiddenLine xmlns:a14="http://schemas.microsoft.com/office/drawing/2010/main" xmlns="" w="9525">
+              <a14:hiddenLine xmlns="" xmlns:a14="http://schemas.microsoft.com/office/drawing/2010/main" w="9525">
                 <a:solidFill>
                   <a:schemeClr val="tx1"/>
                 </a:solidFill>
@@ -14129,7 +14035,7 @@
               </a14:hiddenLine>
             </a:ext>
             <a:ext uri="{AF507438-7753-43e0-B8FC-AC1667EBCBE1}">
-              <a14:hiddenEffects xmlns:a14="http://schemas.microsoft.com/office/drawing/2010/main" xmlns="">
+              <a14:hiddenEffects xmlns="" xmlns:a14="http://schemas.microsoft.com/office/drawing/2010/main">
                 <a:effectLst>
                   <a:outerShdw blurRad="63500" dist="38099" dir="2700000" algn="ctr" rotWithShape="0">
                     <a:schemeClr val="bg2">
@@ -14184,12 +14090,12 @@
           <a:effectLst/>
           <a:extLst>
             <a:ext uri="{909E8E84-426E-40dd-AFC4-6F175D3DCCD1}">
-              <a14:hiddenFill xmlns:a14="http://schemas.microsoft.com/office/drawing/2010/main" xmlns="">
+              <a14:hiddenFill xmlns="" xmlns:a14="http://schemas.microsoft.com/office/drawing/2010/main">
                 <a:noFill/>
               </a14:hiddenFill>
             </a:ext>
             <a:ext uri="{AF507438-7753-43e0-B8FC-AC1667EBCBE1}">
-              <a14:hiddenEffects xmlns:a14="http://schemas.microsoft.com/office/drawing/2010/main" xmlns="">
+              <a14:hiddenEffects xmlns="" xmlns:a14="http://schemas.microsoft.com/office/drawing/2010/main">
                 <a:effectLst>
                   <a:outerShdw blurRad="63500" dist="38099" dir="2700000" algn="ctr" rotWithShape="0">
                     <a:schemeClr val="bg2">
@@ -14232,14 +14138,14 @@
           <a:effectLst/>
           <a:extLst>
             <a:ext uri="{909E8E84-426E-40dd-AFC4-6F175D3DCCD1}">
-              <a14:hiddenFill xmlns:a14="http://schemas.microsoft.com/office/drawing/2010/main" xmlns="">
+              <a14:hiddenFill xmlns="" xmlns:a14="http://schemas.microsoft.com/office/drawing/2010/main">
                 <a:solidFill>
                   <a:schemeClr val="accent1"/>
                 </a:solidFill>
               </a14:hiddenFill>
             </a:ext>
             <a:ext uri="{91240B29-F687-4f45-9708-019B960494DF}">
-              <a14:hiddenLine xmlns:a14="http://schemas.microsoft.com/office/drawing/2010/main" xmlns="" w="9525">
+              <a14:hiddenLine xmlns="" xmlns:a14="http://schemas.microsoft.com/office/drawing/2010/main" w="9525">
                 <a:solidFill>
                   <a:schemeClr val="tx1"/>
                 </a:solidFill>
@@ -14249,7 +14155,7 @@
               </a14:hiddenLine>
             </a:ext>
             <a:ext uri="{AF507438-7753-43e0-B8FC-AC1667EBCBE1}">
-              <a14:hiddenEffects xmlns:a14="http://schemas.microsoft.com/office/drawing/2010/main" xmlns="">
+              <a14:hiddenEffects xmlns="" xmlns:a14="http://schemas.microsoft.com/office/drawing/2010/main">
                 <a:effectLst>
                   <a:outerShdw blurRad="63500" dist="38099" dir="2700000" algn="ctr" rotWithShape="0">
                     <a:schemeClr val="bg2">
@@ -14304,12 +14210,12 @@
           <a:effectLst/>
           <a:extLst>
             <a:ext uri="{909E8E84-426E-40dd-AFC4-6F175D3DCCD1}">
-              <a14:hiddenFill xmlns:a14="http://schemas.microsoft.com/office/drawing/2010/main" xmlns="">
+              <a14:hiddenFill xmlns="" xmlns:a14="http://schemas.microsoft.com/office/drawing/2010/main">
                 <a:noFill/>
               </a14:hiddenFill>
             </a:ext>
             <a:ext uri="{AF507438-7753-43e0-B8FC-AC1667EBCBE1}">
-              <a14:hiddenEffects xmlns:a14="http://schemas.microsoft.com/office/drawing/2010/main" xmlns="">
+              <a14:hiddenEffects xmlns="" xmlns:a14="http://schemas.microsoft.com/office/drawing/2010/main">
                 <a:effectLst>
                   <a:outerShdw blurRad="63500" dist="38099" dir="2700000" algn="ctr" rotWithShape="0">
                     <a:schemeClr val="bg2">
@@ -14352,14 +14258,14 @@
           <a:effectLst/>
           <a:extLst>
             <a:ext uri="{909E8E84-426E-40dd-AFC4-6F175D3DCCD1}">
-              <a14:hiddenFill xmlns:a14="http://schemas.microsoft.com/office/drawing/2010/main" xmlns="">
+              <a14:hiddenFill xmlns="" xmlns:a14="http://schemas.microsoft.com/office/drawing/2010/main">
                 <a:solidFill>
                   <a:schemeClr val="accent1"/>
                 </a:solidFill>
               </a14:hiddenFill>
             </a:ext>
             <a:ext uri="{91240B29-F687-4f45-9708-019B960494DF}">
-              <a14:hiddenLine xmlns:a14="http://schemas.microsoft.com/office/drawing/2010/main" xmlns="" w="9525">
+              <a14:hiddenLine xmlns="" xmlns:a14="http://schemas.microsoft.com/office/drawing/2010/main" w="9525">
                 <a:solidFill>
                   <a:schemeClr val="tx1"/>
                 </a:solidFill>
@@ -14369,7 +14275,7 @@
               </a14:hiddenLine>
             </a:ext>
             <a:ext uri="{AF507438-7753-43e0-B8FC-AC1667EBCBE1}">
-              <a14:hiddenEffects xmlns:a14="http://schemas.microsoft.com/office/drawing/2010/main" xmlns="">
+              <a14:hiddenEffects xmlns="" xmlns:a14="http://schemas.microsoft.com/office/drawing/2010/main">
                 <a:effectLst>
                   <a:outerShdw blurRad="63500" dist="38099" dir="2700000" algn="ctr" rotWithShape="0">
                     <a:schemeClr val="bg2">
@@ -14424,12 +14330,12 @@
           <a:effectLst/>
           <a:extLst>
             <a:ext uri="{909E8E84-426E-40dd-AFC4-6F175D3DCCD1}">
-              <a14:hiddenFill xmlns:a14="http://schemas.microsoft.com/office/drawing/2010/main" xmlns="">
+              <a14:hiddenFill xmlns="" xmlns:a14="http://schemas.microsoft.com/office/drawing/2010/main">
                 <a:noFill/>
               </a14:hiddenFill>
             </a:ext>
             <a:ext uri="{AF507438-7753-43e0-B8FC-AC1667EBCBE1}">
-              <a14:hiddenEffects xmlns:a14="http://schemas.microsoft.com/office/drawing/2010/main" xmlns="">
+              <a14:hiddenEffects xmlns="" xmlns:a14="http://schemas.microsoft.com/office/drawing/2010/main">
                 <a:effectLst>
                   <a:outerShdw blurRad="63500" dist="38099" dir="2700000" algn="ctr" rotWithShape="0">
                     <a:schemeClr val="bg2">
@@ -14472,14 +14378,14 @@
           <a:effectLst/>
           <a:extLst>
             <a:ext uri="{909E8E84-426E-40dd-AFC4-6F175D3DCCD1}">
-              <a14:hiddenFill xmlns:a14="http://schemas.microsoft.com/office/drawing/2010/main" xmlns="">
+              <a14:hiddenFill xmlns="" xmlns:a14="http://schemas.microsoft.com/office/drawing/2010/main">
                 <a:solidFill>
                   <a:schemeClr val="accent1"/>
                 </a:solidFill>
               </a14:hiddenFill>
             </a:ext>
             <a:ext uri="{91240B29-F687-4f45-9708-019B960494DF}">
-              <a14:hiddenLine xmlns:a14="http://schemas.microsoft.com/office/drawing/2010/main" xmlns="" w="9525">
+              <a14:hiddenLine xmlns="" xmlns:a14="http://schemas.microsoft.com/office/drawing/2010/main" w="9525">
                 <a:solidFill>
                   <a:schemeClr val="tx1"/>
                 </a:solidFill>
@@ -14489,7 +14395,7 @@
               </a14:hiddenLine>
             </a:ext>
             <a:ext uri="{AF507438-7753-43e0-B8FC-AC1667EBCBE1}">
-              <a14:hiddenEffects xmlns:a14="http://schemas.microsoft.com/office/drawing/2010/main" xmlns="">
+              <a14:hiddenEffects xmlns="" xmlns:a14="http://schemas.microsoft.com/office/drawing/2010/main">
                 <a:effectLst>
                   <a:outerShdw blurRad="63500" dist="38099" dir="2700000" algn="ctr" rotWithShape="0">
                     <a:schemeClr val="bg2">
@@ -14544,12 +14450,12 @@
           <a:effectLst/>
           <a:extLst>
             <a:ext uri="{909E8E84-426E-40dd-AFC4-6F175D3DCCD1}">
-              <a14:hiddenFill xmlns:a14="http://schemas.microsoft.com/office/drawing/2010/main" xmlns="">
+              <a14:hiddenFill xmlns="" xmlns:a14="http://schemas.microsoft.com/office/drawing/2010/main">
                 <a:noFill/>
               </a14:hiddenFill>
             </a:ext>
             <a:ext uri="{AF507438-7753-43e0-B8FC-AC1667EBCBE1}">
-              <a14:hiddenEffects xmlns:a14="http://schemas.microsoft.com/office/drawing/2010/main" xmlns="">
+              <a14:hiddenEffects xmlns="" xmlns:a14="http://schemas.microsoft.com/office/drawing/2010/main">
                 <a:effectLst>
                   <a:outerShdw blurRad="63500" dist="38099" dir="2700000" algn="ctr" rotWithShape="0">
                     <a:schemeClr val="bg2">
@@ -14592,14 +14498,14 @@
           <a:effectLst/>
           <a:extLst>
             <a:ext uri="{909E8E84-426E-40dd-AFC4-6F175D3DCCD1}">
-              <a14:hiddenFill xmlns:a14="http://schemas.microsoft.com/office/drawing/2010/main" xmlns="">
+              <a14:hiddenFill xmlns="" xmlns:a14="http://schemas.microsoft.com/office/drawing/2010/main">
                 <a:solidFill>
                   <a:schemeClr val="accent1"/>
                 </a:solidFill>
               </a14:hiddenFill>
             </a:ext>
             <a:ext uri="{91240B29-F687-4f45-9708-019B960494DF}">
-              <a14:hiddenLine xmlns:a14="http://schemas.microsoft.com/office/drawing/2010/main" xmlns="" w="9525">
+              <a14:hiddenLine xmlns="" xmlns:a14="http://schemas.microsoft.com/office/drawing/2010/main" w="9525">
                 <a:solidFill>
                   <a:schemeClr val="tx1"/>
                 </a:solidFill>
@@ -14609,7 +14515,7 @@
               </a14:hiddenLine>
             </a:ext>
             <a:ext uri="{AF507438-7753-43e0-B8FC-AC1667EBCBE1}">
-              <a14:hiddenEffects xmlns:a14="http://schemas.microsoft.com/office/drawing/2010/main" xmlns="">
+              <a14:hiddenEffects xmlns="" xmlns:a14="http://schemas.microsoft.com/office/drawing/2010/main">
                 <a:effectLst>
                   <a:outerShdw blurRad="63500" dist="38099" dir="2700000" algn="ctr" rotWithShape="0">
                     <a:schemeClr val="bg2">
@@ -14772,14 +14678,14 @@
           <a:effectLst/>
           <a:extLst>
             <a:ext uri="{909E8E84-426E-40dd-AFC4-6F175D3DCCD1}">
-              <a14:hiddenFill xmlns:a14="http://schemas.microsoft.com/office/drawing/2010/main" xmlns="">
+              <a14:hiddenFill xmlns="" xmlns:a14="http://schemas.microsoft.com/office/drawing/2010/main">
                 <a:solidFill>
                   <a:schemeClr val="accent1"/>
                 </a:solidFill>
               </a14:hiddenFill>
             </a:ext>
             <a:ext uri="{AF507438-7753-43e0-B8FC-AC1667EBCBE1}">
-              <a14:hiddenEffects xmlns:a14="http://schemas.microsoft.com/office/drawing/2010/main" xmlns="">
+              <a14:hiddenEffects xmlns="" xmlns:a14="http://schemas.microsoft.com/office/drawing/2010/main">
                 <a:effectLst>
                   <a:outerShdw blurRad="63500" dist="38099" dir="2700000" algn="ctr" rotWithShape="0">
                     <a:schemeClr val="bg2">
@@ -14822,14 +14728,14 @@
           <a:effectLst/>
           <a:extLst>
             <a:ext uri="{909E8E84-426E-40dd-AFC4-6F175D3DCCD1}">
-              <a14:hiddenFill xmlns:a14="http://schemas.microsoft.com/office/drawing/2010/main" xmlns="">
+              <a14:hiddenFill xmlns="" xmlns:a14="http://schemas.microsoft.com/office/drawing/2010/main">
                 <a:solidFill>
                   <a:schemeClr val="accent1"/>
                 </a:solidFill>
               </a14:hiddenFill>
             </a:ext>
             <a:ext uri="{91240B29-F687-4f45-9708-019B960494DF}">
-              <a14:hiddenLine xmlns:a14="http://schemas.microsoft.com/office/drawing/2010/main" xmlns="" w="9525">
+              <a14:hiddenLine xmlns="" xmlns:a14="http://schemas.microsoft.com/office/drawing/2010/main" w="9525">
                 <a:solidFill>
                   <a:schemeClr val="tx1"/>
                 </a:solidFill>
@@ -14839,7 +14745,7 @@
               </a14:hiddenLine>
             </a:ext>
             <a:ext uri="{AF507438-7753-43e0-B8FC-AC1667EBCBE1}">
-              <a14:hiddenEffects xmlns:a14="http://schemas.microsoft.com/office/drawing/2010/main" xmlns="">
+              <a14:hiddenEffects xmlns="" xmlns:a14="http://schemas.microsoft.com/office/drawing/2010/main">
                 <a:effectLst>
                   <a:outerShdw blurRad="63500" dist="38099" dir="2700000" algn="ctr" rotWithShape="0">
                     <a:schemeClr val="bg2">
@@ -14894,14 +14800,14 @@
           <a:effectLst/>
           <a:extLst>
             <a:ext uri="{909E8E84-426E-40dd-AFC4-6F175D3DCCD1}">
-              <a14:hiddenFill xmlns:a14="http://schemas.microsoft.com/office/drawing/2010/main" xmlns="">
+              <a14:hiddenFill xmlns="" xmlns:a14="http://schemas.microsoft.com/office/drawing/2010/main">
                 <a:solidFill>
                   <a:schemeClr val="accent1"/>
                 </a:solidFill>
               </a14:hiddenFill>
             </a:ext>
             <a:ext uri="{AF507438-7753-43e0-B8FC-AC1667EBCBE1}">
-              <a14:hiddenEffects xmlns:a14="http://schemas.microsoft.com/office/drawing/2010/main" xmlns="">
+              <a14:hiddenEffects xmlns="" xmlns:a14="http://schemas.microsoft.com/office/drawing/2010/main">
                 <a:effectLst>
                   <a:outerShdw blurRad="63500" dist="38099" dir="2700000" algn="ctr" rotWithShape="0">
                     <a:schemeClr val="bg2">
@@ -14982,12 +14888,12 @@
           <a:effectLst/>
           <a:extLst>
             <a:ext uri="{909E8E84-426E-40dd-AFC4-6F175D3DCCD1}">
-              <a14:hiddenFill xmlns:a14="http://schemas.microsoft.com/office/drawing/2010/main" xmlns="">
+              <a14:hiddenFill xmlns="" xmlns:a14="http://schemas.microsoft.com/office/drawing/2010/main">
                 <a:noFill/>
               </a14:hiddenFill>
             </a:ext>
             <a:ext uri="{AF507438-7753-43e0-B8FC-AC1667EBCBE1}">
-              <a14:hiddenEffects xmlns:a14="http://schemas.microsoft.com/office/drawing/2010/main" xmlns="">
+              <a14:hiddenEffects xmlns="" xmlns:a14="http://schemas.microsoft.com/office/drawing/2010/main">
                 <a:effectLst>
                   <a:outerShdw blurRad="63500" dist="38099" dir="2700000" algn="ctr" rotWithShape="0">
                     <a:schemeClr val="bg2">
@@ -15046,12 +14952,12 @@
           <a:effectLst/>
           <a:extLst>
             <a:ext uri="{909E8E84-426E-40dd-AFC4-6F175D3DCCD1}">
-              <a14:hiddenFill xmlns:a14="http://schemas.microsoft.com/office/drawing/2010/main" xmlns="">
+              <a14:hiddenFill xmlns="" xmlns:a14="http://schemas.microsoft.com/office/drawing/2010/main">
                 <a:noFill/>
               </a14:hiddenFill>
             </a:ext>
             <a:ext uri="{AF507438-7753-43e0-B8FC-AC1667EBCBE1}">
-              <a14:hiddenEffects xmlns:a14="http://schemas.microsoft.com/office/drawing/2010/main" xmlns="">
+              <a14:hiddenEffects xmlns="" xmlns:a14="http://schemas.microsoft.com/office/drawing/2010/main">
                 <a:effectLst>
                   <a:outerShdw blurRad="63500" dist="38099" dir="2700000" algn="ctr" rotWithShape="0">
                     <a:schemeClr val="bg2">
@@ -15103,14 +15009,14 @@
           <a:effectLst/>
           <a:extLst>
             <a:ext uri="{909E8E84-426E-40dd-AFC4-6F175D3DCCD1}">
-              <a14:hiddenFill xmlns:a14="http://schemas.microsoft.com/office/drawing/2010/main" xmlns="">
+              <a14:hiddenFill xmlns="" xmlns:a14="http://schemas.microsoft.com/office/drawing/2010/main">
                 <a:solidFill>
                   <a:schemeClr val="accent1"/>
                 </a:solidFill>
               </a14:hiddenFill>
             </a:ext>
             <a:ext uri="{91240B29-F687-4f45-9708-019B960494DF}">
-              <a14:hiddenLine xmlns:a14="http://schemas.microsoft.com/office/drawing/2010/main" xmlns="" w="9525">
+              <a14:hiddenLine xmlns="" xmlns:a14="http://schemas.microsoft.com/office/drawing/2010/main" w="9525">
                 <a:solidFill>
                   <a:schemeClr val="tx1"/>
                 </a:solidFill>
@@ -15120,7 +15026,7 @@
               </a14:hiddenLine>
             </a:ext>
             <a:ext uri="{AF507438-7753-43e0-B8FC-AC1667EBCBE1}">
-              <a14:hiddenEffects xmlns:a14="http://schemas.microsoft.com/office/drawing/2010/main" xmlns="">
+              <a14:hiddenEffects xmlns="" xmlns:a14="http://schemas.microsoft.com/office/drawing/2010/main">
                 <a:effectLst>
                   <a:outerShdw blurRad="63500" dist="38099" dir="2700000" algn="ctr" rotWithShape="0">
                     <a:schemeClr val="bg2">
@@ -15176,14 +15082,14 @@
           <a:effectLst/>
           <a:extLst>
             <a:ext uri="{909E8E84-426E-40dd-AFC4-6F175D3DCCD1}">
-              <a14:hiddenFill xmlns:a14="http://schemas.microsoft.com/office/drawing/2010/main" xmlns="">
+              <a14:hiddenFill xmlns="" xmlns:a14="http://schemas.microsoft.com/office/drawing/2010/main">
                 <a:solidFill>
                   <a:schemeClr val="accent1"/>
                 </a:solidFill>
               </a14:hiddenFill>
             </a:ext>
             <a:ext uri="{91240B29-F687-4f45-9708-019B960494DF}">
-              <a14:hiddenLine xmlns:a14="http://schemas.microsoft.com/office/drawing/2010/main" xmlns="" w="9525">
+              <a14:hiddenLine xmlns="" xmlns:a14="http://schemas.microsoft.com/office/drawing/2010/main" w="9525">
                 <a:solidFill>
                   <a:schemeClr val="tx1"/>
                 </a:solidFill>
@@ -15193,7 +15099,7 @@
               </a14:hiddenLine>
             </a:ext>
             <a:ext uri="{AF507438-7753-43e0-B8FC-AC1667EBCBE1}">
-              <a14:hiddenEffects xmlns:a14="http://schemas.microsoft.com/office/drawing/2010/main" xmlns="">
+              <a14:hiddenEffects xmlns="" xmlns:a14="http://schemas.microsoft.com/office/drawing/2010/main">
                 <a:effectLst>
                   <a:outerShdw blurRad="63500" dist="38099" dir="2700000" algn="ctr" rotWithShape="0">
                     <a:schemeClr val="bg2">
@@ -15280,14 +15186,14 @@
           <a:effectLst/>
           <a:extLst>
             <a:ext uri="{909E8E84-426E-40dd-AFC4-6F175D3DCCD1}">
-              <a14:hiddenFill xmlns:a14="http://schemas.microsoft.com/office/drawing/2010/main" xmlns="">
+              <a14:hiddenFill xmlns="" xmlns:a14="http://schemas.microsoft.com/office/drawing/2010/main">
                 <a:solidFill>
                   <a:schemeClr val="accent1"/>
                 </a:solidFill>
               </a14:hiddenFill>
             </a:ext>
             <a:ext uri="{91240B29-F687-4f45-9708-019B960494DF}">
-              <a14:hiddenLine xmlns:a14="http://schemas.microsoft.com/office/drawing/2010/main" xmlns="" w="9525">
+              <a14:hiddenLine xmlns="" xmlns:a14="http://schemas.microsoft.com/office/drawing/2010/main" w="9525">
                 <a:solidFill>
                   <a:schemeClr val="tx1"/>
                 </a:solidFill>
@@ -15297,7 +15203,7 @@
               </a14:hiddenLine>
             </a:ext>
             <a:ext uri="{AF507438-7753-43e0-B8FC-AC1667EBCBE1}">
-              <a14:hiddenEffects xmlns:a14="http://schemas.microsoft.com/office/drawing/2010/main" xmlns="">
+              <a14:hiddenEffects xmlns="" xmlns:a14="http://schemas.microsoft.com/office/drawing/2010/main">
                 <a:effectLst>
                   <a:outerShdw blurRad="63500" dist="38099" dir="2700000" algn="ctr" rotWithShape="0">
                     <a:schemeClr val="bg2">
@@ -15459,14 +15365,14 @@
           <a:effectLst/>
           <a:extLst>
             <a:ext uri="{909E8E84-426E-40dd-AFC4-6F175D3DCCD1}">
-              <a14:hiddenFill xmlns:a14="http://schemas.microsoft.com/office/drawing/2010/main" xmlns="">
+              <a14:hiddenFill xmlns="" xmlns:a14="http://schemas.microsoft.com/office/drawing/2010/main">
                 <a:solidFill>
                   <a:schemeClr val="accent1"/>
                 </a:solidFill>
               </a14:hiddenFill>
             </a:ext>
             <a:ext uri="{AF507438-7753-43e0-B8FC-AC1667EBCBE1}">
-              <a14:hiddenEffects xmlns:a14="http://schemas.microsoft.com/office/drawing/2010/main" xmlns="">
+              <a14:hiddenEffects xmlns="" xmlns:a14="http://schemas.microsoft.com/office/drawing/2010/main">
                 <a:effectLst>
                   <a:outerShdw blurRad="63500" dist="38099" dir="2700000" algn="ctr" rotWithShape="0">
                     <a:schemeClr val="bg2">
@@ -15545,14 +15451,14 @@
           <a:effectLst/>
           <a:extLst>
             <a:ext uri="{909E8E84-426E-40dd-AFC4-6F175D3DCCD1}">
-              <a14:hiddenFill xmlns:a14="http://schemas.microsoft.com/office/drawing/2010/main" xmlns="">
+              <a14:hiddenFill xmlns="" xmlns:a14="http://schemas.microsoft.com/office/drawing/2010/main">
                 <a:solidFill>
                   <a:schemeClr val="accent1"/>
                 </a:solidFill>
               </a14:hiddenFill>
             </a:ext>
             <a:ext uri="{AF507438-7753-43e0-B8FC-AC1667EBCBE1}">
-              <a14:hiddenEffects xmlns:a14="http://schemas.microsoft.com/office/drawing/2010/main" xmlns="">
+              <a14:hiddenEffects xmlns="" xmlns:a14="http://schemas.microsoft.com/office/drawing/2010/main">
                 <a:effectLst>
                   <a:outerShdw blurRad="63500" dist="38099" dir="2700000" algn="ctr" rotWithShape="0">
                     <a:schemeClr val="bg2">
@@ -15631,14 +15537,14 @@
           <a:effectLst/>
           <a:extLst>
             <a:ext uri="{909E8E84-426E-40dd-AFC4-6F175D3DCCD1}">
-              <a14:hiddenFill xmlns:a14="http://schemas.microsoft.com/office/drawing/2010/main" xmlns="">
+              <a14:hiddenFill xmlns="" xmlns:a14="http://schemas.microsoft.com/office/drawing/2010/main">
                 <a:solidFill>
                   <a:schemeClr val="accent1"/>
                 </a:solidFill>
               </a14:hiddenFill>
             </a:ext>
             <a:ext uri="{AF507438-7753-43e0-B8FC-AC1667EBCBE1}">
-              <a14:hiddenEffects xmlns:a14="http://schemas.microsoft.com/office/drawing/2010/main" xmlns="">
+              <a14:hiddenEffects xmlns="" xmlns:a14="http://schemas.microsoft.com/office/drawing/2010/main">
                 <a:effectLst>
                   <a:outerShdw blurRad="63500" dist="38099" dir="2700000" algn="ctr" rotWithShape="0">
                     <a:schemeClr val="bg2">
@@ -15717,14 +15623,14 @@
           <a:effectLst/>
           <a:extLst>
             <a:ext uri="{909E8E84-426E-40dd-AFC4-6F175D3DCCD1}">
-              <a14:hiddenFill xmlns:a14="http://schemas.microsoft.com/office/drawing/2010/main" xmlns="">
+              <a14:hiddenFill xmlns="" xmlns:a14="http://schemas.microsoft.com/office/drawing/2010/main">
                 <a:solidFill>
                   <a:schemeClr val="accent1"/>
                 </a:solidFill>
               </a14:hiddenFill>
             </a:ext>
             <a:ext uri="{AF507438-7753-43e0-B8FC-AC1667EBCBE1}">
-              <a14:hiddenEffects xmlns:a14="http://schemas.microsoft.com/office/drawing/2010/main" xmlns="">
+              <a14:hiddenEffects xmlns="" xmlns:a14="http://schemas.microsoft.com/office/drawing/2010/main">
                 <a:effectLst>
                   <a:outerShdw blurRad="63500" dist="38099" dir="2700000" algn="ctr" rotWithShape="0">
                     <a:schemeClr val="bg2">
@@ -15803,14 +15709,14 @@
           <a:effectLst/>
           <a:extLst>
             <a:ext uri="{909E8E84-426E-40dd-AFC4-6F175D3DCCD1}">
-              <a14:hiddenFill xmlns:a14="http://schemas.microsoft.com/office/drawing/2010/main" xmlns="">
+              <a14:hiddenFill xmlns="" xmlns:a14="http://schemas.microsoft.com/office/drawing/2010/main">
                 <a:solidFill>
                   <a:schemeClr val="accent1"/>
                 </a:solidFill>
               </a14:hiddenFill>
             </a:ext>
             <a:ext uri="{AF507438-7753-43e0-B8FC-AC1667EBCBE1}">
-              <a14:hiddenEffects xmlns:a14="http://schemas.microsoft.com/office/drawing/2010/main" xmlns="">
+              <a14:hiddenEffects xmlns="" xmlns:a14="http://schemas.microsoft.com/office/drawing/2010/main">
                 <a:effectLst>
                   <a:outerShdw blurRad="63500" dist="38099" dir="2700000" algn="ctr" rotWithShape="0">
                     <a:schemeClr val="bg2">
@@ -15889,14 +15795,14 @@
           <a:effectLst/>
           <a:extLst>
             <a:ext uri="{909E8E84-426E-40dd-AFC4-6F175D3DCCD1}">
-              <a14:hiddenFill xmlns:a14="http://schemas.microsoft.com/office/drawing/2010/main" xmlns="">
+              <a14:hiddenFill xmlns="" xmlns:a14="http://schemas.microsoft.com/office/drawing/2010/main">
                 <a:solidFill>
                   <a:schemeClr val="accent1"/>
                 </a:solidFill>
               </a14:hiddenFill>
             </a:ext>
             <a:ext uri="{AF507438-7753-43e0-B8FC-AC1667EBCBE1}">
-              <a14:hiddenEffects xmlns:a14="http://schemas.microsoft.com/office/drawing/2010/main" xmlns="">
+              <a14:hiddenEffects xmlns="" xmlns:a14="http://schemas.microsoft.com/office/drawing/2010/main">
                 <a:effectLst>
                   <a:outerShdw blurRad="63500" dist="38099" dir="2700000" algn="ctr" rotWithShape="0">
                     <a:schemeClr val="bg2">
@@ -15975,12 +15881,12 @@
           <a:effectLst/>
           <a:extLst>
             <a:ext uri="{909E8E84-426E-40dd-AFC4-6F175D3DCCD1}">
-              <a14:hiddenFill xmlns:a14="http://schemas.microsoft.com/office/drawing/2010/main" xmlns="">
+              <a14:hiddenFill xmlns="" xmlns:a14="http://schemas.microsoft.com/office/drawing/2010/main">
                 <a:noFill/>
               </a14:hiddenFill>
             </a:ext>
             <a:ext uri="{AF507438-7753-43e0-B8FC-AC1667EBCBE1}">
-              <a14:hiddenEffects xmlns:a14="http://schemas.microsoft.com/office/drawing/2010/main" xmlns="">
+              <a14:hiddenEffects xmlns="" xmlns:a14="http://schemas.microsoft.com/office/drawing/2010/main">
                 <a:effectLst>
                   <a:outerShdw blurRad="63500" dist="38099" dir="2700000" algn="ctr" rotWithShape="0">
                     <a:schemeClr val="bg2">
@@ -16023,14 +15929,14 @@
           <a:effectLst/>
           <a:extLst>
             <a:ext uri="{909E8E84-426E-40dd-AFC4-6F175D3DCCD1}">
-              <a14:hiddenFill xmlns:a14="http://schemas.microsoft.com/office/drawing/2010/main" xmlns="">
+              <a14:hiddenFill xmlns="" xmlns:a14="http://schemas.microsoft.com/office/drawing/2010/main">
                 <a:solidFill>
                   <a:schemeClr val="accent1"/>
                 </a:solidFill>
               </a14:hiddenFill>
             </a:ext>
             <a:ext uri="{91240B29-F687-4f45-9708-019B960494DF}">
-              <a14:hiddenLine xmlns:a14="http://schemas.microsoft.com/office/drawing/2010/main" xmlns="" w="9525">
+              <a14:hiddenLine xmlns="" xmlns:a14="http://schemas.microsoft.com/office/drawing/2010/main" w="9525">
                 <a:solidFill>
                   <a:schemeClr val="tx1"/>
                 </a:solidFill>
@@ -16040,7 +15946,7 @@
               </a14:hiddenLine>
             </a:ext>
             <a:ext uri="{AF507438-7753-43e0-B8FC-AC1667EBCBE1}">
-              <a14:hiddenEffects xmlns:a14="http://schemas.microsoft.com/office/drawing/2010/main" xmlns="">
+              <a14:hiddenEffects xmlns="" xmlns:a14="http://schemas.microsoft.com/office/drawing/2010/main">
                 <a:effectLst>
                   <a:outerShdw blurRad="63500" dist="38099" dir="2700000" algn="ctr" rotWithShape="0">
                     <a:schemeClr val="bg2">
@@ -16095,12 +16001,12 @@
           <a:effectLst/>
           <a:extLst>
             <a:ext uri="{909E8E84-426E-40dd-AFC4-6F175D3DCCD1}">
-              <a14:hiddenFill xmlns:a14="http://schemas.microsoft.com/office/drawing/2010/main" xmlns="">
+              <a14:hiddenFill xmlns="" xmlns:a14="http://schemas.microsoft.com/office/drawing/2010/main">
                 <a:noFill/>
               </a14:hiddenFill>
             </a:ext>
             <a:ext uri="{AF507438-7753-43e0-B8FC-AC1667EBCBE1}">
-              <a14:hiddenEffects xmlns:a14="http://schemas.microsoft.com/office/drawing/2010/main" xmlns="">
+              <a14:hiddenEffects xmlns="" xmlns:a14="http://schemas.microsoft.com/office/drawing/2010/main">
                 <a:effectLst>
                   <a:outerShdw blurRad="63500" dist="38099" dir="2700000" algn="ctr" rotWithShape="0">
                     <a:schemeClr val="bg2">
@@ -16143,14 +16049,14 @@
           <a:effectLst/>
           <a:extLst>
             <a:ext uri="{909E8E84-426E-40dd-AFC4-6F175D3DCCD1}">
-              <a14:hiddenFill xmlns:a14="http://schemas.microsoft.com/office/drawing/2010/main" xmlns="">
+              <a14:hiddenFill xmlns="" xmlns:a14="http://schemas.microsoft.com/office/drawing/2010/main">
                 <a:solidFill>
                   <a:schemeClr val="accent1"/>
                 </a:solidFill>
               </a14:hiddenFill>
             </a:ext>
             <a:ext uri="{91240B29-F687-4f45-9708-019B960494DF}">
-              <a14:hiddenLine xmlns:a14="http://schemas.microsoft.com/office/drawing/2010/main" xmlns="" w="9525">
+              <a14:hiddenLine xmlns="" xmlns:a14="http://schemas.microsoft.com/office/drawing/2010/main" w="9525">
                 <a:solidFill>
                   <a:schemeClr val="tx1"/>
                 </a:solidFill>
@@ -16160,7 +16066,7 @@
               </a14:hiddenLine>
             </a:ext>
             <a:ext uri="{AF507438-7753-43e0-B8FC-AC1667EBCBE1}">
-              <a14:hiddenEffects xmlns:a14="http://schemas.microsoft.com/office/drawing/2010/main" xmlns="">
+              <a14:hiddenEffects xmlns="" xmlns:a14="http://schemas.microsoft.com/office/drawing/2010/main">
                 <a:effectLst>
                   <a:outerShdw blurRad="63500" dist="38099" dir="2700000" algn="ctr" rotWithShape="0">
                     <a:schemeClr val="bg2">
@@ -16215,12 +16121,12 @@
           <a:effectLst/>
           <a:extLst>
             <a:ext uri="{909E8E84-426E-40dd-AFC4-6F175D3DCCD1}">
-              <a14:hiddenFill xmlns:a14="http://schemas.microsoft.com/office/drawing/2010/main" xmlns="">
+              <a14:hiddenFill xmlns="" xmlns:a14="http://schemas.microsoft.com/office/drawing/2010/main">
                 <a:noFill/>
               </a14:hiddenFill>
             </a:ext>
             <a:ext uri="{AF507438-7753-43e0-B8FC-AC1667EBCBE1}">
-              <a14:hiddenEffects xmlns:a14="http://schemas.microsoft.com/office/drawing/2010/main" xmlns="">
+              <a14:hiddenEffects xmlns="" xmlns:a14="http://schemas.microsoft.com/office/drawing/2010/main">
                 <a:effectLst>
                   <a:outerShdw blurRad="63500" dist="38099" dir="2700000" algn="ctr" rotWithShape="0">
                     <a:schemeClr val="bg2">
@@ -16263,14 +16169,14 @@
           <a:effectLst/>
           <a:extLst>
             <a:ext uri="{909E8E84-426E-40dd-AFC4-6F175D3DCCD1}">
-              <a14:hiddenFill xmlns:a14="http://schemas.microsoft.com/office/drawing/2010/main" xmlns="">
+              <a14:hiddenFill xmlns="" xmlns:a14="http://schemas.microsoft.com/office/drawing/2010/main">
                 <a:solidFill>
                   <a:schemeClr val="accent1"/>
                 </a:solidFill>
               </a14:hiddenFill>
             </a:ext>
             <a:ext uri="{91240B29-F687-4f45-9708-019B960494DF}">
-              <a14:hiddenLine xmlns:a14="http://schemas.microsoft.com/office/drawing/2010/main" xmlns="" w="9525">
+              <a14:hiddenLine xmlns="" xmlns:a14="http://schemas.microsoft.com/office/drawing/2010/main" w="9525">
                 <a:solidFill>
                   <a:schemeClr val="tx1"/>
                 </a:solidFill>
@@ -16280,7 +16186,7 @@
               </a14:hiddenLine>
             </a:ext>
             <a:ext uri="{AF507438-7753-43e0-B8FC-AC1667EBCBE1}">
-              <a14:hiddenEffects xmlns:a14="http://schemas.microsoft.com/office/drawing/2010/main" xmlns="">
+              <a14:hiddenEffects xmlns="" xmlns:a14="http://schemas.microsoft.com/office/drawing/2010/main">
                 <a:effectLst>
                   <a:outerShdw blurRad="63500" dist="38099" dir="2700000" algn="ctr" rotWithShape="0">
                     <a:schemeClr val="bg2">
@@ -16335,12 +16241,12 @@
           <a:effectLst/>
           <a:extLst>
             <a:ext uri="{909E8E84-426E-40dd-AFC4-6F175D3DCCD1}">
-              <a14:hiddenFill xmlns:a14="http://schemas.microsoft.com/office/drawing/2010/main" xmlns="">
+              <a14:hiddenFill xmlns="" xmlns:a14="http://schemas.microsoft.com/office/drawing/2010/main">
                 <a:noFill/>
               </a14:hiddenFill>
             </a:ext>
             <a:ext uri="{AF507438-7753-43e0-B8FC-AC1667EBCBE1}">
-              <a14:hiddenEffects xmlns:a14="http://schemas.microsoft.com/office/drawing/2010/main" xmlns="">
+              <a14:hiddenEffects xmlns="" xmlns:a14="http://schemas.microsoft.com/office/drawing/2010/main">
                 <a:effectLst>
                   <a:outerShdw blurRad="63500" dist="38099" dir="2700000" algn="ctr" rotWithShape="0">
                     <a:schemeClr val="bg2">
@@ -16383,14 +16289,14 @@
           <a:effectLst/>
           <a:extLst>
             <a:ext uri="{909E8E84-426E-40dd-AFC4-6F175D3DCCD1}">
-              <a14:hiddenFill xmlns:a14="http://schemas.microsoft.com/office/drawing/2010/main" xmlns="">
+              <a14:hiddenFill xmlns="" xmlns:a14="http://schemas.microsoft.com/office/drawing/2010/main">
                 <a:solidFill>
                   <a:schemeClr val="accent1"/>
                 </a:solidFill>
               </a14:hiddenFill>
             </a:ext>
             <a:ext uri="{91240B29-F687-4f45-9708-019B960494DF}">
-              <a14:hiddenLine xmlns:a14="http://schemas.microsoft.com/office/drawing/2010/main" xmlns="" w="9525">
+              <a14:hiddenLine xmlns="" xmlns:a14="http://schemas.microsoft.com/office/drawing/2010/main" w="9525">
                 <a:solidFill>
                   <a:schemeClr val="tx1"/>
                 </a:solidFill>
@@ -16400,7 +16306,7 @@
               </a14:hiddenLine>
             </a:ext>
             <a:ext uri="{AF507438-7753-43e0-B8FC-AC1667EBCBE1}">
-              <a14:hiddenEffects xmlns:a14="http://schemas.microsoft.com/office/drawing/2010/main" xmlns="">
+              <a14:hiddenEffects xmlns="" xmlns:a14="http://schemas.microsoft.com/office/drawing/2010/main">
                 <a:effectLst>
                   <a:outerShdw blurRad="63500" dist="38099" dir="2700000" algn="ctr" rotWithShape="0">
                     <a:schemeClr val="bg2">
@@ -16455,12 +16361,12 @@
           <a:effectLst/>
           <a:extLst>
             <a:ext uri="{909E8E84-426E-40dd-AFC4-6F175D3DCCD1}">
-              <a14:hiddenFill xmlns:a14="http://schemas.microsoft.com/office/drawing/2010/main" xmlns="">
+              <a14:hiddenFill xmlns="" xmlns:a14="http://schemas.microsoft.com/office/drawing/2010/main">
                 <a:noFill/>
               </a14:hiddenFill>
             </a:ext>
             <a:ext uri="{AF507438-7753-43e0-B8FC-AC1667EBCBE1}">
-              <a14:hiddenEffects xmlns:a14="http://schemas.microsoft.com/office/drawing/2010/main" xmlns="">
+              <a14:hiddenEffects xmlns="" xmlns:a14="http://schemas.microsoft.com/office/drawing/2010/main">
                 <a:effectLst>
                   <a:outerShdw blurRad="63500" dist="38099" dir="2700000" algn="ctr" rotWithShape="0">
                     <a:schemeClr val="bg2">
@@ -16503,14 +16409,14 @@
           <a:effectLst/>
           <a:extLst>
             <a:ext uri="{909E8E84-426E-40dd-AFC4-6F175D3DCCD1}">
-              <a14:hiddenFill xmlns:a14="http://schemas.microsoft.com/office/drawing/2010/main" xmlns="">
+              <a14:hiddenFill xmlns="" xmlns:a14="http://schemas.microsoft.com/office/drawing/2010/main">
                 <a:solidFill>
                   <a:schemeClr val="accent1"/>
                 </a:solidFill>
               </a14:hiddenFill>
             </a:ext>
             <a:ext uri="{91240B29-F687-4f45-9708-019B960494DF}">
-              <a14:hiddenLine xmlns:a14="http://schemas.microsoft.com/office/drawing/2010/main" xmlns="" w="9525">
+              <a14:hiddenLine xmlns="" xmlns:a14="http://schemas.microsoft.com/office/drawing/2010/main" w="9525">
                 <a:solidFill>
                   <a:schemeClr val="tx1"/>
                 </a:solidFill>
@@ -16520,7 +16426,7 @@
               </a14:hiddenLine>
             </a:ext>
             <a:ext uri="{AF507438-7753-43e0-B8FC-AC1667EBCBE1}">
-              <a14:hiddenEffects xmlns:a14="http://schemas.microsoft.com/office/drawing/2010/main" xmlns="">
+              <a14:hiddenEffects xmlns="" xmlns:a14="http://schemas.microsoft.com/office/drawing/2010/main">
                 <a:effectLst>
                   <a:outerShdw blurRad="63500" dist="38099" dir="2700000" algn="ctr" rotWithShape="0">
                     <a:schemeClr val="bg2">
@@ -16575,12 +16481,12 @@
           <a:effectLst/>
           <a:extLst>
             <a:ext uri="{909E8E84-426E-40dd-AFC4-6F175D3DCCD1}">
-              <a14:hiddenFill xmlns:a14="http://schemas.microsoft.com/office/drawing/2010/main" xmlns="">
+              <a14:hiddenFill xmlns="" xmlns:a14="http://schemas.microsoft.com/office/drawing/2010/main">
                 <a:noFill/>
               </a14:hiddenFill>
             </a:ext>
             <a:ext uri="{AF507438-7753-43e0-B8FC-AC1667EBCBE1}">
-              <a14:hiddenEffects xmlns:a14="http://schemas.microsoft.com/office/drawing/2010/main" xmlns="">
+              <a14:hiddenEffects xmlns="" xmlns:a14="http://schemas.microsoft.com/office/drawing/2010/main">
                 <a:effectLst>
                   <a:outerShdw blurRad="63500" dist="38099" dir="2700000" algn="ctr" rotWithShape="0">
                     <a:schemeClr val="bg2">
@@ -16623,14 +16529,14 @@
           <a:effectLst/>
           <a:extLst>
             <a:ext uri="{909E8E84-426E-40dd-AFC4-6F175D3DCCD1}">
-              <a14:hiddenFill xmlns:a14="http://schemas.microsoft.com/office/drawing/2010/main" xmlns="">
+              <a14:hiddenFill xmlns="" xmlns:a14="http://schemas.microsoft.com/office/drawing/2010/main">
                 <a:solidFill>
                   <a:schemeClr val="accent1"/>
                 </a:solidFill>
               </a14:hiddenFill>
             </a:ext>
             <a:ext uri="{91240B29-F687-4f45-9708-019B960494DF}">
-              <a14:hiddenLine xmlns:a14="http://schemas.microsoft.com/office/drawing/2010/main" xmlns="" w="9525">
+              <a14:hiddenLine xmlns="" xmlns:a14="http://schemas.microsoft.com/office/drawing/2010/main" w="9525">
                 <a:solidFill>
                   <a:schemeClr val="tx1"/>
                 </a:solidFill>
@@ -16640,7 +16546,7 @@
               </a14:hiddenLine>
             </a:ext>
             <a:ext uri="{AF507438-7753-43e0-B8FC-AC1667EBCBE1}">
-              <a14:hiddenEffects xmlns:a14="http://schemas.microsoft.com/office/drawing/2010/main" xmlns="">
+              <a14:hiddenEffects xmlns="" xmlns:a14="http://schemas.microsoft.com/office/drawing/2010/main">
                 <a:effectLst>
                   <a:outerShdw blurRad="63500" dist="38099" dir="2700000" algn="ctr" rotWithShape="0">
                     <a:schemeClr val="bg2">
@@ -16695,12 +16601,12 @@
           <a:effectLst/>
           <a:extLst>
             <a:ext uri="{909E8E84-426E-40dd-AFC4-6F175D3DCCD1}">
-              <a14:hiddenFill xmlns:a14="http://schemas.microsoft.com/office/drawing/2010/main" xmlns="">
+              <a14:hiddenFill xmlns="" xmlns:a14="http://schemas.microsoft.com/office/drawing/2010/main">
                 <a:noFill/>
               </a14:hiddenFill>
             </a:ext>
             <a:ext uri="{AF507438-7753-43e0-B8FC-AC1667EBCBE1}">
-              <a14:hiddenEffects xmlns:a14="http://schemas.microsoft.com/office/drawing/2010/main" xmlns="">
+              <a14:hiddenEffects xmlns="" xmlns:a14="http://schemas.microsoft.com/office/drawing/2010/main">
                 <a:effectLst>
                   <a:outerShdw blurRad="63500" dist="38099" dir="2700000" algn="ctr" rotWithShape="0">
                     <a:schemeClr val="bg2">
@@ -16743,14 +16649,14 @@
           <a:effectLst/>
           <a:extLst>
             <a:ext uri="{909E8E84-426E-40dd-AFC4-6F175D3DCCD1}">
-              <a14:hiddenFill xmlns:a14="http://schemas.microsoft.com/office/drawing/2010/main" xmlns="">
+              <a14:hiddenFill xmlns="" xmlns:a14="http://schemas.microsoft.com/office/drawing/2010/main">
                 <a:solidFill>
                   <a:schemeClr val="accent1"/>
                 </a:solidFill>
               </a14:hiddenFill>
             </a:ext>
             <a:ext uri="{91240B29-F687-4f45-9708-019B960494DF}">
-              <a14:hiddenLine xmlns:a14="http://schemas.microsoft.com/office/drawing/2010/main" xmlns="" w="9525">
+              <a14:hiddenLine xmlns="" xmlns:a14="http://schemas.microsoft.com/office/drawing/2010/main" w="9525">
                 <a:solidFill>
                   <a:schemeClr val="tx1"/>
                 </a:solidFill>
@@ -16760,7 +16666,7 @@
               </a14:hiddenLine>
             </a:ext>
             <a:ext uri="{AF507438-7753-43e0-B8FC-AC1667EBCBE1}">
-              <a14:hiddenEffects xmlns:a14="http://schemas.microsoft.com/office/drawing/2010/main" xmlns="">
+              <a14:hiddenEffects xmlns="" xmlns:a14="http://schemas.microsoft.com/office/drawing/2010/main">
                 <a:effectLst>
                   <a:outerShdw blurRad="63500" dist="38099" dir="2700000" algn="ctr" rotWithShape="0">
                     <a:schemeClr val="bg2">
@@ -16923,14 +16829,14 @@
           <a:effectLst/>
           <a:extLst>
             <a:ext uri="{909E8E84-426E-40dd-AFC4-6F175D3DCCD1}">
-              <a14:hiddenFill xmlns:a14="http://schemas.microsoft.com/office/drawing/2010/main" xmlns="">
+              <a14:hiddenFill xmlns="" xmlns:a14="http://schemas.microsoft.com/office/drawing/2010/main">
                 <a:solidFill>
                   <a:schemeClr val="accent1"/>
                 </a:solidFill>
               </a14:hiddenFill>
             </a:ext>
             <a:ext uri="{AF507438-7753-43e0-B8FC-AC1667EBCBE1}">
-              <a14:hiddenEffects xmlns:a14="http://schemas.microsoft.com/office/drawing/2010/main" xmlns="">
+              <a14:hiddenEffects xmlns="" xmlns:a14="http://schemas.microsoft.com/office/drawing/2010/main">
                 <a:effectLst>
                   <a:outerShdw blurRad="63500" dist="38099" dir="2700000" algn="ctr" rotWithShape="0">
                     <a:schemeClr val="bg2">
@@ -16973,14 +16879,14 @@
           <a:effectLst/>
           <a:extLst>
             <a:ext uri="{909E8E84-426E-40dd-AFC4-6F175D3DCCD1}">
-              <a14:hiddenFill xmlns:a14="http://schemas.microsoft.com/office/drawing/2010/main" xmlns="">
+              <a14:hiddenFill xmlns="" xmlns:a14="http://schemas.microsoft.com/office/drawing/2010/main">
                 <a:solidFill>
                   <a:schemeClr val="accent1"/>
                 </a:solidFill>
               </a14:hiddenFill>
             </a:ext>
             <a:ext uri="{91240B29-F687-4f45-9708-019B960494DF}">
-              <a14:hiddenLine xmlns:a14="http://schemas.microsoft.com/office/drawing/2010/main" xmlns="" w="9525">
+              <a14:hiddenLine xmlns="" xmlns:a14="http://schemas.microsoft.com/office/drawing/2010/main" w="9525">
                 <a:solidFill>
                   <a:schemeClr val="tx1"/>
                 </a:solidFill>
@@ -16990,7 +16896,7 @@
               </a14:hiddenLine>
             </a:ext>
             <a:ext uri="{AF507438-7753-43e0-B8FC-AC1667EBCBE1}">
-              <a14:hiddenEffects xmlns:a14="http://schemas.microsoft.com/office/drawing/2010/main" xmlns="">
+              <a14:hiddenEffects xmlns="" xmlns:a14="http://schemas.microsoft.com/office/drawing/2010/main">
                 <a:effectLst>
                   <a:outerShdw blurRad="63500" dist="38099" dir="2700000" algn="ctr" rotWithShape="0">
                     <a:schemeClr val="bg2">
@@ -17045,14 +16951,14 @@
           <a:effectLst/>
           <a:extLst>
             <a:ext uri="{909E8E84-426E-40dd-AFC4-6F175D3DCCD1}">
-              <a14:hiddenFill xmlns:a14="http://schemas.microsoft.com/office/drawing/2010/main" xmlns="">
+              <a14:hiddenFill xmlns="" xmlns:a14="http://schemas.microsoft.com/office/drawing/2010/main">
                 <a:solidFill>
                   <a:schemeClr val="accent1"/>
                 </a:solidFill>
               </a14:hiddenFill>
             </a:ext>
             <a:ext uri="{AF507438-7753-43e0-B8FC-AC1667EBCBE1}">
-              <a14:hiddenEffects xmlns:a14="http://schemas.microsoft.com/office/drawing/2010/main" xmlns="">
+              <a14:hiddenEffects xmlns="" xmlns:a14="http://schemas.microsoft.com/office/drawing/2010/main">
                 <a:effectLst>
                   <a:outerShdw blurRad="63500" dist="38099" dir="2700000" algn="ctr" rotWithShape="0">
                     <a:schemeClr val="bg2">
@@ -17133,12 +17039,12 @@
           <a:effectLst/>
           <a:extLst>
             <a:ext uri="{909E8E84-426E-40dd-AFC4-6F175D3DCCD1}">
-              <a14:hiddenFill xmlns:a14="http://schemas.microsoft.com/office/drawing/2010/main" xmlns="">
+              <a14:hiddenFill xmlns="" xmlns:a14="http://schemas.microsoft.com/office/drawing/2010/main">
                 <a:noFill/>
               </a14:hiddenFill>
             </a:ext>
             <a:ext uri="{AF507438-7753-43e0-B8FC-AC1667EBCBE1}">
-              <a14:hiddenEffects xmlns:a14="http://schemas.microsoft.com/office/drawing/2010/main" xmlns="">
+              <a14:hiddenEffects xmlns="" xmlns:a14="http://schemas.microsoft.com/office/drawing/2010/main">
                 <a:effectLst>
                   <a:outerShdw blurRad="63500" dist="38099" dir="2700000" algn="ctr" rotWithShape="0">
                     <a:schemeClr val="bg2">
@@ -17197,12 +17103,12 @@
           <a:effectLst/>
           <a:extLst>
             <a:ext uri="{909E8E84-426E-40dd-AFC4-6F175D3DCCD1}">
-              <a14:hiddenFill xmlns:a14="http://schemas.microsoft.com/office/drawing/2010/main" xmlns="">
+              <a14:hiddenFill xmlns="" xmlns:a14="http://schemas.microsoft.com/office/drawing/2010/main">
                 <a:noFill/>
               </a14:hiddenFill>
             </a:ext>
             <a:ext uri="{AF507438-7753-43e0-B8FC-AC1667EBCBE1}">
-              <a14:hiddenEffects xmlns:a14="http://schemas.microsoft.com/office/drawing/2010/main" xmlns="">
+              <a14:hiddenEffects xmlns="" xmlns:a14="http://schemas.microsoft.com/office/drawing/2010/main">
                 <a:effectLst>
                   <a:outerShdw blurRad="63500" dist="38099" dir="2700000" algn="ctr" rotWithShape="0">
                     <a:schemeClr val="bg2">
@@ -17254,14 +17160,14 @@
           <a:effectLst/>
           <a:extLst>
             <a:ext uri="{909E8E84-426E-40dd-AFC4-6F175D3DCCD1}">
-              <a14:hiddenFill xmlns:a14="http://schemas.microsoft.com/office/drawing/2010/main" xmlns="">
+              <a14:hiddenFill xmlns="" xmlns:a14="http://schemas.microsoft.com/office/drawing/2010/main">
                 <a:solidFill>
                   <a:schemeClr val="accent1"/>
                 </a:solidFill>
               </a14:hiddenFill>
             </a:ext>
             <a:ext uri="{91240B29-F687-4f45-9708-019B960494DF}">
-              <a14:hiddenLine xmlns:a14="http://schemas.microsoft.com/office/drawing/2010/main" xmlns="" w="9525">
+              <a14:hiddenLine xmlns="" xmlns:a14="http://schemas.microsoft.com/office/drawing/2010/main" w="9525">
                 <a:solidFill>
                   <a:schemeClr val="tx1"/>
                 </a:solidFill>
@@ -17271,7 +17177,7 @@
               </a14:hiddenLine>
             </a:ext>
             <a:ext uri="{AF507438-7753-43e0-B8FC-AC1667EBCBE1}">
-              <a14:hiddenEffects xmlns:a14="http://schemas.microsoft.com/office/drawing/2010/main" xmlns="">
+              <a14:hiddenEffects xmlns="" xmlns:a14="http://schemas.microsoft.com/office/drawing/2010/main">
                 <a:effectLst>
                   <a:outerShdw blurRad="63500" dist="38099" dir="2700000" algn="ctr" rotWithShape="0">
                     <a:schemeClr val="bg2">
@@ -17327,14 +17233,14 @@
           <a:effectLst/>
           <a:extLst>
             <a:ext uri="{909E8E84-426E-40dd-AFC4-6F175D3DCCD1}">
-              <a14:hiddenFill xmlns:a14="http://schemas.microsoft.com/office/drawing/2010/main" xmlns="">
+              <a14:hiddenFill xmlns="" xmlns:a14="http://schemas.microsoft.com/office/drawing/2010/main">
                 <a:solidFill>
                   <a:schemeClr val="accent1"/>
                 </a:solidFill>
               </a14:hiddenFill>
             </a:ext>
             <a:ext uri="{91240B29-F687-4f45-9708-019B960494DF}">
-              <a14:hiddenLine xmlns:a14="http://schemas.microsoft.com/office/drawing/2010/main" xmlns="" w="9525">
+              <a14:hiddenLine xmlns="" xmlns:a14="http://schemas.microsoft.com/office/drawing/2010/main" w="9525">
                 <a:solidFill>
                   <a:schemeClr val="tx1"/>
                 </a:solidFill>
@@ -17344,7 +17250,7 @@
               </a14:hiddenLine>
             </a:ext>
             <a:ext uri="{AF507438-7753-43e0-B8FC-AC1667EBCBE1}">
-              <a14:hiddenEffects xmlns:a14="http://schemas.microsoft.com/office/drawing/2010/main" xmlns="">
+              <a14:hiddenEffects xmlns="" xmlns:a14="http://schemas.microsoft.com/office/drawing/2010/main">
                 <a:effectLst>
                   <a:outerShdw blurRad="63500" dist="38099" dir="2700000" algn="ctr" rotWithShape="0">
                     <a:schemeClr val="bg2">
@@ -17431,14 +17337,14 @@
           <a:effectLst/>
           <a:extLst>
             <a:ext uri="{909E8E84-426E-40dd-AFC4-6F175D3DCCD1}">
-              <a14:hiddenFill xmlns:a14="http://schemas.microsoft.com/office/drawing/2010/main" xmlns="">
+              <a14:hiddenFill xmlns="" xmlns:a14="http://schemas.microsoft.com/office/drawing/2010/main">
                 <a:solidFill>
                   <a:schemeClr val="accent1"/>
                 </a:solidFill>
               </a14:hiddenFill>
             </a:ext>
             <a:ext uri="{91240B29-F687-4f45-9708-019B960494DF}">
-              <a14:hiddenLine xmlns:a14="http://schemas.microsoft.com/office/drawing/2010/main" xmlns="" w="9525">
+              <a14:hiddenLine xmlns="" xmlns:a14="http://schemas.microsoft.com/office/drawing/2010/main" w="9525">
                 <a:solidFill>
                   <a:schemeClr val="tx1"/>
                 </a:solidFill>
@@ -17448,7 +17354,7 @@
               </a14:hiddenLine>
             </a:ext>
             <a:ext uri="{AF507438-7753-43e0-B8FC-AC1667EBCBE1}">
-              <a14:hiddenEffects xmlns:a14="http://schemas.microsoft.com/office/drawing/2010/main" xmlns="">
+              <a14:hiddenEffects xmlns="" xmlns:a14="http://schemas.microsoft.com/office/drawing/2010/main">
                 <a:effectLst>
                   <a:outerShdw blurRad="63500" dist="38099" dir="2700000" algn="ctr" rotWithShape="0">
                     <a:schemeClr val="bg2">
@@ -17619,14 +17525,14 @@
           <a:effectLst/>
           <a:extLst>
             <a:ext uri="{909E8E84-426E-40dd-AFC4-6F175D3DCCD1}">
-              <a14:hiddenFill xmlns:a14="http://schemas.microsoft.com/office/drawing/2010/main" xmlns="">
+              <a14:hiddenFill xmlns="" xmlns:a14="http://schemas.microsoft.com/office/drawing/2010/main">
                 <a:solidFill>
                   <a:schemeClr val="accent1"/>
                 </a:solidFill>
               </a14:hiddenFill>
             </a:ext>
             <a:ext uri="{AF507438-7753-43e0-B8FC-AC1667EBCBE1}">
-              <a14:hiddenEffects xmlns:a14="http://schemas.microsoft.com/office/drawing/2010/main" xmlns="">
+              <a14:hiddenEffects xmlns="" xmlns:a14="http://schemas.microsoft.com/office/drawing/2010/main">
                 <a:effectLst>
                   <a:outerShdw blurRad="63500" dist="38099" dir="2700000" algn="ctr" rotWithShape="0">
                     <a:schemeClr val="bg2">
@@ -17711,14 +17617,14 @@
           <a:effectLst/>
           <a:extLst>
             <a:ext uri="{909E8E84-426E-40dd-AFC4-6F175D3DCCD1}">
-              <a14:hiddenFill xmlns:a14="http://schemas.microsoft.com/office/drawing/2010/main" xmlns="">
+              <a14:hiddenFill xmlns="" xmlns:a14="http://schemas.microsoft.com/office/drawing/2010/main">
                 <a:solidFill>
                   <a:schemeClr val="accent1"/>
                 </a:solidFill>
               </a14:hiddenFill>
             </a:ext>
             <a:ext uri="{AF507438-7753-43e0-B8FC-AC1667EBCBE1}">
-              <a14:hiddenEffects xmlns:a14="http://schemas.microsoft.com/office/drawing/2010/main" xmlns="">
+              <a14:hiddenEffects xmlns="" xmlns:a14="http://schemas.microsoft.com/office/drawing/2010/main">
                 <a:effectLst>
                   <a:outerShdw blurRad="63500" dist="38099" dir="2700000" algn="ctr" rotWithShape="0">
                     <a:schemeClr val="bg2">
@@ -17797,14 +17703,14 @@
           <a:effectLst/>
           <a:extLst>
             <a:ext uri="{909E8E84-426E-40dd-AFC4-6F175D3DCCD1}">
-              <a14:hiddenFill xmlns:a14="http://schemas.microsoft.com/office/drawing/2010/main" xmlns="">
+              <a14:hiddenFill xmlns="" xmlns:a14="http://schemas.microsoft.com/office/drawing/2010/main">
                 <a:solidFill>
                   <a:schemeClr val="accent1"/>
                 </a:solidFill>
               </a14:hiddenFill>
             </a:ext>
             <a:ext uri="{AF507438-7753-43e0-B8FC-AC1667EBCBE1}">
-              <a14:hiddenEffects xmlns:a14="http://schemas.microsoft.com/office/drawing/2010/main" xmlns="">
+              <a14:hiddenEffects xmlns="" xmlns:a14="http://schemas.microsoft.com/office/drawing/2010/main">
                 <a:effectLst>
                   <a:outerShdw blurRad="63500" dist="38099" dir="2700000" algn="ctr" rotWithShape="0">
                     <a:schemeClr val="bg2">
@@ -17883,14 +17789,14 @@
           <a:effectLst/>
           <a:extLst>
             <a:ext uri="{909E8E84-426E-40dd-AFC4-6F175D3DCCD1}">
-              <a14:hiddenFill xmlns:a14="http://schemas.microsoft.com/office/drawing/2010/main" xmlns="">
+              <a14:hiddenFill xmlns="" xmlns:a14="http://schemas.microsoft.com/office/drawing/2010/main">
                 <a:solidFill>
                   <a:schemeClr val="accent1"/>
                 </a:solidFill>
               </a14:hiddenFill>
             </a:ext>
             <a:ext uri="{AF507438-7753-43e0-B8FC-AC1667EBCBE1}">
-              <a14:hiddenEffects xmlns:a14="http://schemas.microsoft.com/office/drawing/2010/main" xmlns="">
+              <a14:hiddenEffects xmlns="" xmlns:a14="http://schemas.microsoft.com/office/drawing/2010/main">
                 <a:effectLst>
                   <a:outerShdw blurRad="63500" dist="38099" dir="2700000" algn="ctr" rotWithShape="0">
                     <a:schemeClr val="bg2">
@@ -17969,14 +17875,14 @@
           <a:effectLst/>
           <a:extLst>
             <a:ext uri="{909E8E84-426E-40dd-AFC4-6F175D3DCCD1}">
-              <a14:hiddenFill xmlns:a14="http://schemas.microsoft.com/office/drawing/2010/main" xmlns="">
+              <a14:hiddenFill xmlns="" xmlns:a14="http://schemas.microsoft.com/office/drawing/2010/main">
                 <a:solidFill>
                   <a:schemeClr val="accent1"/>
                 </a:solidFill>
               </a14:hiddenFill>
             </a:ext>
             <a:ext uri="{AF507438-7753-43e0-B8FC-AC1667EBCBE1}">
-              <a14:hiddenEffects xmlns:a14="http://schemas.microsoft.com/office/drawing/2010/main" xmlns="">
+              <a14:hiddenEffects xmlns="" xmlns:a14="http://schemas.microsoft.com/office/drawing/2010/main">
                 <a:effectLst>
                   <a:outerShdw blurRad="63500" dist="38099" dir="2700000" algn="ctr" rotWithShape="0">
                     <a:schemeClr val="bg2">
@@ -18055,14 +17961,14 @@
           <a:effectLst/>
           <a:extLst>
             <a:ext uri="{909E8E84-426E-40dd-AFC4-6F175D3DCCD1}">
-              <a14:hiddenFill xmlns:a14="http://schemas.microsoft.com/office/drawing/2010/main" xmlns="">
+              <a14:hiddenFill xmlns="" xmlns:a14="http://schemas.microsoft.com/office/drawing/2010/main">
                 <a:solidFill>
                   <a:schemeClr val="accent1"/>
                 </a:solidFill>
               </a14:hiddenFill>
             </a:ext>
             <a:ext uri="{AF507438-7753-43e0-B8FC-AC1667EBCBE1}">
-              <a14:hiddenEffects xmlns:a14="http://schemas.microsoft.com/office/drawing/2010/main" xmlns="">
+              <a14:hiddenEffects xmlns="" xmlns:a14="http://schemas.microsoft.com/office/drawing/2010/main">
                 <a:effectLst>
                   <a:outerShdw blurRad="63500" dist="38099" dir="2700000" algn="ctr" rotWithShape="0">
                     <a:schemeClr val="bg2">
@@ -18141,12 +18047,12 @@
           <a:effectLst/>
           <a:extLst>
             <a:ext uri="{909E8E84-426E-40dd-AFC4-6F175D3DCCD1}">
-              <a14:hiddenFill xmlns:a14="http://schemas.microsoft.com/office/drawing/2010/main" xmlns="">
+              <a14:hiddenFill xmlns="" xmlns:a14="http://schemas.microsoft.com/office/drawing/2010/main">
                 <a:noFill/>
               </a14:hiddenFill>
             </a:ext>
             <a:ext uri="{AF507438-7753-43e0-B8FC-AC1667EBCBE1}">
-              <a14:hiddenEffects xmlns:a14="http://schemas.microsoft.com/office/drawing/2010/main" xmlns="">
+              <a14:hiddenEffects xmlns="" xmlns:a14="http://schemas.microsoft.com/office/drawing/2010/main">
                 <a:effectLst>
                   <a:outerShdw blurRad="63500" dist="38099" dir="2700000" algn="ctr" rotWithShape="0">
                     <a:schemeClr val="bg2">
@@ -18189,14 +18095,14 @@
           <a:effectLst/>
           <a:extLst>
             <a:ext uri="{909E8E84-426E-40dd-AFC4-6F175D3DCCD1}">
-              <a14:hiddenFill xmlns:a14="http://schemas.microsoft.com/office/drawing/2010/main" xmlns="">
+              <a14:hiddenFill xmlns="" xmlns:a14="http://schemas.microsoft.com/office/drawing/2010/main">
                 <a:solidFill>
                   <a:schemeClr val="accent1"/>
                 </a:solidFill>
               </a14:hiddenFill>
             </a:ext>
             <a:ext uri="{91240B29-F687-4f45-9708-019B960494DF}">
-              <a14:hiddenLine xmlns:a14="http://schemas.microsoft.com/office/drawing/2010/main" xmlns="" w="9525">
+              <a14:hiddenLine xmlns="" xmlns:a14="http://schemas.microsoft.com/office/drawing/2010/main" w="9525">
                 <a:solidFill>
                   <a:schemeClr val="tx1"/>
                 </a:solidFill>
@@ -18206,7 +18112,7 @@
               </a14:hiddenLine>
             </a:ext>
             <a:ext uri="{AF507438-7753-43e0-B8FC-AC1667EBCBE1}">
-              <a14:hiddenEffects xmlns:a14="http://schemas.microsoft.com/office/drawing/2010/main" xmlns="">
+              <a14:hiddenEffects xmlns="" xmlns:a14="http://schemas.microsoft.com/office/drawing/2010/main">
                 <a:effectLst>
                   <a:outerShdw blurRad="63500" dist="38099" dir="2700000" algn="ctr" rotWithShape="0">
                     <a:schemeClr val="bg2">
@@ -18261,12 +18167,12 @@
           <a:effectLst/>
           <a:extLst>
             <a:ext uri="{909E8E84-426E-40dd-AFC4-6F175D3DCCD1}">
-              <a14:hiddenFill xmlns:a14="http://schemas.microsoft.com/office/drawing/2010/main" xmlns="">
+              <a14:hiddenFill xmlns="" xmlns:a14="http://schemas.microsoft.com/office/drawing/2010/main">
                 <a:noFill/>
               </a14:hiddenFill>
             </a:ext>
             <a:ext uri="{AF507438-7753-43e0-B8FC-AC1667EBCBE1}">
-              <a14:hiddenEffects xmlns:a14="http://schemas.microsoft.com/office/drawing/2010/main" xmlns="">
+              <a14:hiddenEffects xmlns="" xmlns:a14="http://schemas.microsoft.com/office/drawing/2010/main">
                 <a:effectLst>
                   <a:outerShdw blurRad="63500" dist="38099" dir="2700000" algn="ctr" rotWithShape="0">
                     <a:schemeClr val="bg2">
@@ -18309,14 +18215,14 @@
           <a:effectLst/>
           <a:extLst>
             <a:ext uri="{909E8E84-426E-40dd-AFC4-6F175D3DCCD1}">
-              <a14:hiddenFill xmlns:a14="http://schemas.microsoft.com/office/drawing/2010/main" xmlns="">
+              <a14:hiddenFill xmlns="" xmlns:a14="http://schemas.microsoft.com/office/drawing/2010/main">
                 <a:solidFill>
                   <a:schemeClr val="accent1"/>
                 </a:solidFill>
               </a14:hiddenFill>
             </a:ext>
             <a:ext uri="{91240B29-F687-4f45-9708-019B960494DF}">
-              <a14:hiddenLine xmlns:a14="http://schemas.microsoft.com/office/drawing/2010/main" xmlns="" w="9525">
+              <a14:hiddenLine xmlns="" xmlns:a14="http://schemas.microsoft.com/office/drawing/2010/main" w="9525">
                 <a:solidFill>
                   <a:schemeClr val="tx1"/>
                 </a:solidFill>
@@ -18326,7 +18232,7 @@
               </a14:hiddenLine>
             </a:ext>
             <a:ext uri="{AF507438-7753-43e0-B8FC-AC1667EBCBE1}">
-              <a14:hiddenEffects xmlns:a14="http://schemas.microsoft.com/office/drawing/2010/main" xmlns="">
+              <a14:hiddenEffects xmlns="" xmlns:a14="http://schemas.microsoft.com/office/drawing/2010/main">
                 <a:effectLst>
                   <a:outerShdw blurRad="63500" dist="38099" dir="2700000" algn="ctr" rotWithShape="0">
                     <a:schemeClr val="bg2">
@@ -18381,12 +18287,12 @@
           <a:effectLst/>
           <a:extLst>
             <a:ext uri="{909E8E84-426E-40dd-AFC4-6F175D3DCCD1}">
-              <a14:hiddenFill xmlns:a14="http://schemas.microsoft.com/office/drawing/2010/main" xmlns="">
+              <a14:hiddenFill xmlns="" xmlns:a14="http://schemas.microsoft.com/office/drawing/2010/main">
                 <a:noFill/>
               </a14:hiddenFill>
             </a:ext>
             <a:ext uri="{AF507438-7753-43e0-B8FC-AC1667EBCBE1}">
-              <a14:hiddenEffects xmlns:a14="http://schemas.microsoft.com/office/drawing/2010/main" xmlns="">
+              <a14:hiddenEffects xmlns="" xmlns:a14="http://schemas.microsoft.com/office/drawing/2010/main">
                 <a:effectLst>
                   <a:outerShdw blurRad="63500" dist="38099" dir="2700000" algn="ctr" rotWithShape="0">
                     <a:schemeClr val="bg2">
@@ -18429,14 +18335,14 @@
           <a:effectLst/>
           <a:extLst>
             <a:ext uri="{909E8E84-426E-40dd-AFC4-6F175D3DCCD1}">
-              <a14:hiddenFill xmlns:a14="http://schemas.microsoft.com/office/drawing/2010/main" xmlns="">
+              <a14:hiddenFill xmlns="" xmlns:a14="http://schemas.microsoft.com/office/drawing/2010/main">
                 <a:solidFill>
                   <a:schemeClr val="accent1"/>
                 </a:solidFill>
               </a14:hiddenFill>
             </a:ext>
             <a:ext uri="{91240B29-F687-4f45-9708-019B960494DF}">
-              <a14:hiddenLine xmlns:a14="http://schemas.microsoft.com/office/drawing/2010/main" xmlns="" w="9525">
+              <a14:hiddenLine xmlns="" xmlns:a14="http://schemas.microsoft.com/office/drawing/2010/main" w="9525">
                 <a:solidFill>
                   <a:schemeClr val="tx1"/>
                 </a:solidFill>
@@ -18446,7 +18352,7 @@
               </a14:hiddenLine>
             </a:ext>
             <a:ext uri="{AF507438-7753-43e0-B8FC-AC1667EBCBE1}">
-              <a14:hiddenEffects xmlns:a14="http://schemas.microsoft.com/office/drawing/2010/main" xmlns="">
+              <a14:hiddenEffects xmlns="" xmlns:a14="http://schemas.microsoft.com/office/drawing/2010/main">
                 <a:effectLst>
                   <a:outerShdw blurRad="63500" dist="38099" dir="2700000" algn="ctr" rotWithShape="0">
                     <a:schemeClr val="bg2">
@@ -18501,12 +18407,12 @@
           <a:effectLst/>
           <a:extLst>
             <a:ext uri="{909E8E84-426E-40dd-AFC4-6F175D3DCCD1}">
-              <a14:hiddenFill xmlns:a14="http://schemas.microsoft.com/office/drawing/2010/main" xmlns="">
+              <a14:hiddenFill xmlns="" xmlns:a14="http://schemas.microsoft.com/office/drawing/2010/main">
                 <a:noFill/>
               </a14:hiddenFill>
             </a:ext>
             <a:ext uri="{AF507438-7753-43e0-B8FC-AC1667EBCBE1}">
-              <a14:hiddenEffects xmlns:a14="http://schemas.microsoft.com/office/drawing/2010/main" xmlns="">
+              <a14:hiddenEffects xmlns="" xmlns:a14="http://schemas.microsoft.com/office/drawing/2010/main">
                 <a:effectLst>
                   <a:outerShdw blurRad="63500" dist="38099" dir="2700000" algn="ctr" rotWithShape="0">
                     <a:schemeClr val="bg2">
@@ -18549,14 +18455,14 @@
           <a:effectLst/>
           <a:extLst>
             <a:ext uri="{909E8E84-426E-40dd-AFC4-6F175D3DCCD1}">
-              <a14:hiddenFill xmlns:a14="http://schemas.microsoft.com/office/drawing/2010/main" xmlns="">
+              <a14:hiddenFill xmlns="" xmlns:a14="http://schemas.microsoft.com/office/drawing/2010/main">
                 <a:solidFill>
                   <a:schemeClr val="accent1"/>
                 </a:solidFill>
               </a14:hiddenFill>
             </a:ext>
             <a:ext uri="{91240B29-F687-4f45-9708-019B960494DF}">
-              <a14:hiddenLine xmlns:a14="http://schemas.microsoft.com/office/drawing/2010/main" xmlns="" w="9525">
+              <a14:hiddenLine xmlns="" xmlns:a14="http://schemas.microsoft.com/office/drawing/2010/main" w="9525">
                 <a:solidFill>
                   <a:schemeClr val="tx1"/>
                 </a:solidFill>
@@ -18566,7 +18472,7 @@
               </a14:hiddenLine>
             </a:ext>
             <a:ext uri="{AF507438-7753-43e0-B8FC-AC1667EBCBE1}">
-              <a14:hiddenEffects xmlns:a14="http://schemas.microsoft.com/office/drawing/2010/main" xmlns="">
+              <a14:hiddenEffects xmlns="" xmlns:a14="http://schemas.microsoft.com/office/drawing/2010/main">
                 <a:effectLst>
                   <a:outerShdw blurRad="63500" dist="38099" dir="2700000" algn="ctr" rotWithShape="0">
                     <a:schemeClr val="bg2">
@@ -18621,12 +18527,12 @@
           <a:effectLst/>
           <a:extLst>
             <a:ext uri="{909E8E84-426E-40dd-AFC4-6F175D3DCCD1}">
-              <a14:hiddenFill xmlns:a14="http://schemas.microsoft.com/office/drawing/2010/main" xmlns="">
+              <a14:hiddenFill xmlns="" xmlns:a14="http://schemas.microsoft.com/office/drawing/2010/main">
                 <a:noFill/>
               </a14:hiddenFill>
             </a:ext>
             <a:ext uri="{AF507438-7753-43e0-B8FC-AC1667EBCBE1}">
-              <a14:hiddenEffects xmlns:a14="http://schemas.microsoft.com/office/drawing/2010/main" xmlns="">
+              <a14:hiddenEffects xmlns="" xmlns:a14="http://schemas.microsoft.com/office/drawing/2010/main">
                 <a:effectLst>
                   <a:outerShdw blurRad="63500" dist="38099" dir="2700000" algn="ctr" rotWithShape="0">
                     <a:schemeClr val="bg2">
@@ -18669,14 +18575,14 @@
           <a:effectLst/>
           <a:extLst>
             <a:ext uri="{909E8E84-426E-40dd-AFC4-6F175D3DCCD1}">
-              <a14:hiddenFill xmlns:a14="http://schemas.microsoft.com/office/drawing/2010/main" xmlns="">
+              <a14:hiddenFill xmlns="" xmlns:a14="http://schemas.microsoft.com/office/drawing/2010/main">
                 <a:solidFill>
                   <a:schemeClr val="accent1"/>
                 </a:solidFill>
               </a14:hiddenFill>
             </a:ext>
             <a:ext uri="{91240B29-F687-4f45-9708-019B960494DF}">
-              <a14:hiddenLine xmlns:a14="http://schemas.microsoft.com/office/drawing/2010/main" xmlns="" w="9525">
+              <a14:hiddenLine xmlns="" xmlns:a14="http://schemas.microsoft.com/office/drawing/2010/main" w="9525">
                 <a:solidFill>
                   <a:schemeClr val="tx1"/>
                 </a:solidFill>
@@ -18686,7 +18592,7 @@
               </a14:hiddenLine>
             </a:ext>
             <a:ext uri="{AF507438-7753-43e0-B8FC-AC1667EBCBE1}">
-              <a14:hiddenEffects xmlns:a14="http://schemas.microsoft.com/office/drawing/2010/main" xmlns="">
+              <a14:hiddenEffects xmlns="" xmlns:a14="http://schemas.microsoft.com/office/drawing/2010/main">
                 <a:effectLst>
                   <a:outerShdw blurRad="63500" dist="38099" dir="2700000" algn="ctr" rotWithShape="0">
                     <a:schemeClr val="bg2">
@@ -18741,12 +18647,12 @@
           <a:effectLst/>
           <a:extLst>
             <a:ext uri="{909E8E84-426E-40dd-AFC4-6F175D3DCCD1}">
-              <a14:hiddenFill xmlns:a14="http://schemas.microsoft.com/office/drawing/2010/main" xmlns="">
+              <a14:hiddenFill xmlns="" xmlns:a14="http://schemas.microsoft.com/office/drawing/2010/main">
                 <a:noFill/>
               </a14:hiddenFill>
             </a:ext>
             <a:ext uri="{AF507438-7753-43e0-B8FC-AC1667EBCBE1}">
-              <a14:hiddenEffects xmlns:a14="http://schemas.microsoft.com/office/drawing/2010/main" xmlns="">
+              <a14:hiddenEffects xmlns="" xmlns:a14="http://schemas.microsoft.com/office/drawing/2010/main">
                 <a:effectLst>
                   <a:outerShdw blurRad="63500" dist="38099" dir="2700000" algn="ctr" rotWithShape="0">
                     <a:schemeClr val="bg2">
@@ -18789,14 +18695,14 @@
           <a:effectLst/>
           <a:extLst>
             <a:ext uri="{909E8E84-426E-40dd-AFC4-6F175D3DCCD1}">
-              <a14:hiddenFill xmlns:a14="http://schemas.microsoft.com/office/drawing/2010/main" xmlns="">
+              <a14:hiddenFill xmlns="" xmlns:a14="http://schemas.microsoft.com/office/drawing/2010/main">
                 <a:solidFill>
                   <a:schemeClr val="accent1"/>
                 </a:solidFill>
               </a14:hiddenFill>
             </a:ext>
             <a:ext uri="{91240B29-F687-4f45-9708-019B960494DF}">
-              <a14:hiddenLine xmlns:a14="http://schemas.microsoft.com/office/drawing/2010/main" xmlns="" w="9525">
+              <a14:hiddenLine xmlns="" xmlns:a14="http://schemas.microsoft.com/office/drawing/2010/main" w="9525">
                 <a:solidFill>
                   <a:schemeClr val="tx1"/>
                 </a:solidFill>
@@ -18806,7 +18712,7 @@
               </a14:hiddenLine>
             </a:ext>
             <a:ext uri="{AF507438-7753-43e0-B8FC-AC1667EBCBE1}">
-              <a14:hiddenEffects xmlns:a14="http://schemas.microsoft.com/office/drawing/2010/main" xmlns="">
+              <a14:hiddenEffects xmlns="" xmlns:a14="http://schemas.microsoft.com/office/drawing/2010/main">
                 <a:effectLst>
                   <a:outerShdw blurRad="63500" dist="38099" dir="2700000" algn="ctr" rotWithShape="0">
                     <a:schemeClr val="bg2">
@@ -18861,12 +18767,12 @@
           <a:effectLst/>
           <a:extLst>
             <a:ext uri="{909E8E84-426E-40dd-AFC4-6F175D3DCCD1}">
-              <a14:hiddenFill xmlns:a14="http://schemas.microsoft.com/office/drawing/2010/main" xmlns="">
+              <a14:hiddenFill xmlns="" xmlns:a14="http://schemas.microsoft.com/office/drawing/2010/main">
                 <a:noFill/>
               </a14:hiddenFill>
             </a:ext>
             <a:ext uri="{AF507438-7753-43e0-B8FC-AC1667EBCBE1}">
-              <a14:hiddenEffects xmlns:a14="http://schemas.microsoft.com/office/drawing/2010/main" xmlns="">
+              <a14:hiddenEffects xmlns="" xmlns:a14="http://schemas.microsoft.com/office/drawing/2010/main">
                 <a:effectLst>
                   <a:outerShdw blurRad="63500" dist="38099" dir="2700000" algn="ctr" rotWithShape="0">
                     <a:schemeClr val="bg2">
@@ -18909,14 +18815,14 @@
           <a:effectLst/>
           <a:extLst>
             <a:ext uri="{909E8E84-426E-40dd-AFC4-6F175D3DCCD1}">
-              <a14:hiddenFill xmlns:a14="http://schemas.microsoft.com/office/drawing/2010/main" xmlns="">
+              <a14:hiddenFill xmlns="" xmlns:a14="http://schemas.microsoft.com/office/drawing/2010/main">
                 <a:solidFill>
                   <a:schemeClr val="accent1"/>
                 </a:solidFill>
               </a14:hiddenFill>
             </a:ext>
             <a:ext uri="{91240B29-F687-4f45-9708-019B960494DF}">
-              <a14:hiddenLine xmlns:a14="http://schemas.microsoft.com/office/drawing/2010/main" xmlns="" w="9525">
+              <a14:hiddenLine xmlns="" xmlns:a14="http://schemas.microsoft.com/office/drawing/2010/main" w="9525">
                 <a:solidFill>
                   <a:schemeClr val="tx1"/>
                 </a:solidFill>
@@ -18926,7 +18832,7 @@
               </a14:hiddenLine>
             </a:ext>
             <a:ext uri="{AF507438-7753-43e0-B8FC-AC1667EBCBE1}">
-              <a14:hiddenEffects xmlns:a14="http://schemas.microsoft.com/office/drawing/2010/main" xmlns="">
+              <a14:hiddenEffects xmlns="" xmlns:a14="http://schemas.microsoft.com/office/drawing/2010/main">
                 <a:effectLst>
                   <a:outerShdw blurRad="63500" dist="38099" dir="2700000" algn="ctr" rotWithShape="0">
                     <a:schemeClr val="bg2">
@@ -19089,14 +18995,14 @@
           <a:effectLst/>
           <a:extLst>
             <a:ext uri="{909E8E84-426E-40dd-AFC4-6F175D3DCCD1}">
-              <a14:hiddenFill xmlns:a14="http://schemas.microsoft.com/office/drawing/2010/main" xmlns="">
+              <a14:hiddenFill xmlns="" xmlns:a14="http://schemas.microsoft.com/office/drawing/2010/main">
                 <a:solidFill>
                   <a:schemeClr val="accent1"/>
                 </a:solidFill>
               </a14:hiddenFill>
             </a:ext>
             <a:ext uri="{AF507438-7753-43e0-B8FC-AC1667EBCBE1}">
-              <a14:hiddenEffects xmlns:a14="http://schemas.microsoft.com/office/drawing/2010/main" xmlns="">
+              <a14:hiddenEffects xmlns="" xmlns:a14="http://schemas.microsoft.com/office/drawing/2010/main">
                 <a:effectLst>
                   <a:outerShdw blurRad="63500" dist="38099" dir="2700000" algn="ctr" rotWithShape="0">
                     <a:schemeClr val="bg2">
@@ -19139,14 +19045,14 @@
           <a:effectLst/>
           <a:extLst>
             <a:ext uri="{909E8E84-426E-40dd-AFC4-6F175D3DCCD1}">
-              <a14:hiddenFill xmlns:a14="http://schemas.microsoft.com/office/drawing/2010/main" xmlns="">
+              <a14:hiddenFill xmlns="" xmlns:a14="http://schemas.microsoft.com/office/drawing/2010/main">
                 <a:solidFill>
                   <a:schemeClr val="accent1"/>
                 </a:solidFill>
               </a14:hiddenFill>
             </a:ext>
             <a:ext uri="{91240B29-F687-4f45-9708-019B960494DF}">
-              <a14:hiddenLine xmlns:a14="http://schemas.microsoft.com/office/drawing/2010/main" xmlns="" w="9525">
+              <a14:hiddenLine xmlns="" xmlns:a14="http://schemas.microsoft.com/office/drawing/2010/main" w="9525">
                 <a:solidFill>
                   <a:schemeClr val="tx1"/>
                 </a:solidFill>
@@ -19156,7 +19062,7 @@
               </a14:hiddenLine>
             </a:ext>
             <a:ext uri="{AF507438-7753-43e0-B8FC-AC1667EBCBE1}">
-              <a14:hiddenEffects xmlns:a14="http://schemas.microsoft.com/office/drawing/2010/main" xmlns="">
+              <a14:hiddenEffects xmlns="" xmlns:a14="http://schemas.microsoft.com/office/drawing/2010/main">
                 <a:effectLst>
                   <a:outerShdw blurRad="63500" dist="38099" dir="2700000" algn="ctr" rotWithShape="0">
                     <a:schemeClr val="bg2">
@@ -19211,14 +19117,14 @@
           <a:effectLst/>
           <a:extLst>
             <a:ext uri="{909E8E84-426E-40dd-AFC4-6F175D3DCCD1}">
-              <a14:hiddenFill xmlns:a14="http://schemas.microsoft.com/office/drawing/2010/main" xmlns="">
+              <a14:hiddenFill xmlns="" xmlns:a14="http://schemas.microsoft.com/office/drawing/2010/main">
                 <a:solidFill>
                   <a:schemeClr val="accent1"/>
                 </a:solidFill>
               </a14:hiddenFill>
             </a:ext>
             <a:ext uri="{AF507438-7753-43e0-B8FC-AC1667EBCBE1}">
-              <a14:hiddenEffects xmlns:a14="http://schemas.microsoft.com/office/drawing/2010/main" xmlns="">
+              <a14:hiddenEffects xmlns="" xmlns:a14="http://schemas.microsoft.com/office/drawing/2010/main">
                 <a:effectLst>
                   <a:outerShdw blurRad="63500" dist="38099" dir="2700000" algn="ctr" rotWithShape="0">
                     <a:schemeClr val="bg2">
@@ -19644,14 +19550,14 @@
           <a:effectLst/>
           <a:extLst>
             <a:ext uri="{909E8E84-426E-40dd-AFC4-6F175D3DCCD1}">
-              <a14:hiddenFill xmlns:a14="http://schemas.microsoft.com/office/drawing/2010/main" xmlns="">
+              <a14:hiddenFill xmlns="" xmlns:a14="http://schemas.microsoft.com/office/drawing/2010/main">
                 <a:solidFill>
                   <a:schemeClr val="accent1"/>
                 </a:solidFill>
               </a14:hiddenFill>
             </a:ext>
             <a:ext uri="{91240B29-F687-4f45-9708-019B960494DF}">
-              <a14:hiddenLine xmlns:a14="http://schemas.microsoft.com/office/drawing/2010/main" xmlns="" w="9525">
+              <a14:hiddenLine xmlns="" xmlns:a14="http://schemas.microsoft.com/office/drawing/2010/main" w="9525">
                 <a:solidFill>
                   <a:schemeClr val="tx1"/>
                 </a:solidFill>
@@ -19661,7 +19567,7 @@
               </a14:hiddenLine>
             </a:ext>
             <a:ext uri="{AF507438-7753-43e0-B8FC-AC1667EBCBE1}">
-              <a14:hiddenEffects xmlns:a14="http://schemas.microsoft.com/office/drawing/2010/main" xmlns="">
+              <a14:hiddenEffects xmlns="" xmlns:a14="http://schemas.microsoft.com/office/drawing/2010/main">
                 <a:effectLst>
                   <a:outerShdw blurRad="63500" dist="38099" dir="2700000" algn="ctr" rotWithShape="0">
                     <a:schemeClr val="bg2">
@@ -19838,14 +19744,14 @@
           <a:effectLst/>
           <a:extLst>
             <a:ext uri="{909E8E84-426E-40dd-AFC4-6F175D3DCCD1}">
-              <a14:hiddenFill xmlns:a14="http://schemas.microsoft.com/office/drawing/2010/main" xmlns="">
+              <a14:hiddenFill xmlns="" xmlns:a14="http://schemas.microsoft.com/office/drawing/2010/main">
                 <a:solidFill>
                   <a:schemeClr val="accent1"/>
                 </a:solidFill>
               </a14:hiddenFill>
             </a:ext>
             <a:ext uri="{AF507438-7753-43e0-B8FC-AC1667EBCBE1}">
-              <a14:hiddenEffects xmlns:a14="http://schemas.microsoft.com/office/drawing/2010/main" xmlns="">
+              <a14:hiddenEffects xmlns="" xmlns:a14="http://schemas.microsoft.com/office/drawing/2010/main">
                 <a:effectLst>
                   <a:outerShdw blurRad="63500" dist="38099" dir="2700000" algn="ctr" rotWithShape="0">
                     <a:schemeClr val="bg2">
@@ -19930,14 +19836,14 @@
           <a:effectLst/>
           <a:extLst>
             <a:ext uri="{909E8E84-426E-40dd-AFC4-6F175D3DCCD1}">
-              <a14:hiddenFill xmlns:a14="http://schemas.microsoft.com/office/drawing/2010/main" xmlns="">
+              <a14:hiddenFill xmlns="" xmlns:a14="http://schemas.microsoft.com/office/drawing/2010/main">
                 <a:solidFill>
                   <a:schemeClr val="accent1"/>
                 </a:solidFill>
               </a14:hiddenFill>
             </a:ext>
             <a:ext uri="{AF507438-7753-43e0-B8FC-AC1667EBCBE1}">
-              <a14:hiddenEffects xmlns:a14="http://schemas.microsoft.com/office/drawing/2010/main" xmlns="">
+              <a14:hiddenEffects xmlns="" xmlns:a14="http://schemas.microsoft.com/office/drawing/2010/main">
                 <a:effectLst>
                   <a:outerShdw blurRad="63500" dist="38099" dir="2700000" algn="ctr" rotWithShape="0">
                     <a:schemeClr val="bg2">
@@ -20022,14 +19928,14 @@
           <a:effectLst/>
           <a:extLst>
             <a:ext uri="{909E8E84-426E-40dd-AFC4-6F175D3DCCD1}">
-              <a14:hiddenFill xmlns:a14="http://schemas.microsoft.com/office/drawing/2010/main" xmlns="">
+              <a14:hiddenFill xmlns="" xmlns:a14="http://schemas.microsoft.com/office/drawing/2010/main">
                 <a:solidFill>
                   <a:schemeClr val="accent1"/>
                 </a:solidFill>
               </a14:hiddenFill>
             </a:ext>
             <a:ext uri="{AF507438-7753-43e0-B8FC-AC1667EBCBE1}">
-              <a14:hiddenEffects xmlns:a14="http://schemas.microsoft.com/office/drawing/2010/main" xmlns="">
+              <a14:hiddenEffects xmlns="" xmlns:a14="http://schemas.microsoft.com/office/drawing/2010/main">
                 <a:effectLst>
                   <a:outerShdw blurRad="63500" dist="38099" dir="2700000" algn="ctr" rotWithShape="0">
                     <a:schemeClr val="bg2">
@@ -20108,14 +20014,14 @@
           <a:effectLst/>
           <a:extLst>
             <a:ext uri="{909E8E84-426E-40dd-AFC4-6F175D3DCCD1}">
-              <a14:hiddenFill xmlns:a14="http://schemas.microsoft.com/office/drawing/2010/main" xmlns="">
+              <a14:hiddenFill xmlns="" xmlns:a14="http://schemas.microsoft.com/office/drawing/2010/main">
                 <a:solidFill>
                   <a:schemeClr val="accent1"/>
                 </a:solidFill>
               </a14:hiddenFill>
             </a:ext>
             <a:ext uri="{AF507438-7753-43e0-B8FC-AC1667EBCBE1}">
-              <a14:hiddenEffects xmlns:a14="http://schemas.microsoft.com/office/drawing/2010/main" xmlns="">
+              <a14:hiddenEffects xmlns="" xmlns:a14="http://schemas.microsoft.com/office/drawing/2010/main">
                 <a:effectLst>
                   <a:outerShdw blurRad="63500" dist="38099" dir="2700000" algn="ctr" rotWithShape="0">
                     <a:schemeClr val="bg2">
@@ -20194,14 +20100,14 @@
           <a:effectLst/>
           <a:extLst>
             <a:ext uri="{909E8E84-426E-40dd-AFC4-6F175D3DCCD1}">
-              <a14:hiddenFill xmlns:a14="http://schemas.microsoft.com/office/drawing/2010/main" xmlns="">
+              <a14:hiddenFill xmlns="" xmlns:a14="http://schemas.microsoft.com/office/drawing/2010/main">
                 <a:solidFill>
                   <a:schemeClr val="accent1"/>
                 </a:solidFill>
               </a14:hiddenFill>
             </a:ext>
             <a:ext uri="{AF507438-7753-43e0-B8FC-AC1667EBCBE1}">
-              <a14:hiddenEffects xmlns:a14="http://schemas.microsoft.com/office/drawing/2010/main" xmlns="">
+              <a14:hiddenEffects xmlns="" xmlns:a14="http://schemas.microsoft.com/office/drawing/2010/main">
                 <a:effectLst>
                   <a:outerShdw blurRad="63500" dist="38099" dir="2700000" algn="ctr" rotWithShape="0">
                     <a:schemeClr val="bg2">
@@ -20280,14 +20186,14 @@
           <a:effectLst/>
           <a:extLst>
             <a:ext uri="{909E8E84-426E-40dd-AFC4-6F175D3DCCD1}">
-              <a14:hiddenFill xmlns:a14="http://schemas.microsoft.com/office/drawing/2010/main" xmlns="">
+              <a14:hiddenFill xmlns="" xmlns:a14="http://schemas.microsoft.com/office/drawing/2010/main">
                 <a:solidFill>
                   <a:schemeClr val="accent1"/>
                 </a:solidFill>
               </a14:hiddenFill>
             </a:ext>
             <a:ext uri="{AF507438-7753-43e0-B8FC-AC1667EBCBE1}">
-              <a14:hiddenEffects xmlns:a14="http://schemas.microsoft.com/office/drawing/2010/main" xmlns="">
+              <a14:hiddenEffects xmlns="" xmlns:a14="http://schemas.microsoft.com/office/drawing/2010/main">
                 <a:effectLst>
                   <a:outerShdw blurRad="63500" dist="38099" dir="2700000" algn="ctr" rotWithShape="0">
                     <a:schemeClr val="bg2">
@@ -20366,12 +20272,12 @@
           <a:effectLst/>
           <a:extLst>
             <a:ext uri="{909E8E84-426E-40dd-AFC4-6F175D3DCCD1}">
-              <a14:hiddenFill xmlns:a14="http://schemas.microsoft.com/office/drawing/2010/main" xmlns="">
+              <a14:hiddenFill xmlns="" xmlns:a14="http://schemas.microsoft.com/office/drawing/2010/main">
                 <a:noFill/>
               </a14:hiddenFill>
             </a:ext>
             <a:ext uri="{AF507438-7753-43e0-B8FC-AC1667EBCBE1}">
-              <a14:hiddenEffects xmlns:a14="http://schemas.microsoft.com/office/drawing/2010/main" xmlns="">
+              <a14:hiddenEffects xmlns="" xmlns:a14="http://schemas.microsoft.com/office/drawing/2010/main">
                 <a:effectLst>
                   <a:outerShdw blurRad="63500" dist="38099" dir="2700000" algn="ctr" rotWithShape="0">
                     <a:schemeClr val="bg2">
@@ -20414,14 +20320,14 @@
           <a:effectLst/>
           <a:extLst>
             <a:ext uri="{909E8E84-426E-40dd-AFC4-6F175D3DCCD1}">
-              <a14:hiddenFill xmlns:a14="http://schemas.microsoft.com/office/drawing/2010/main" xmlns="">
+              <a14:hiddenFill xmlns="" xmlns:a14="http://schemas.microsoft.com/office/drawing/2010/main">
                 <a:solidFill>
                   <a:schemeClr val="accent1"/>
                 </a:solidFill>
               </a14:hiddenFill>
             </a:ext>
             <a:ext uri="{91240B29-F687-4f45-9708-019B960494DF}">
-              <a14:hiddenLine xmlns:a14="http://schemas.microsoft.com/office/drawing/2010/main" xmlns="" w="9525">
+              <a14:hiddenLine xmlns="" xmlns:a14="http://schemas.microsoft.com/office/drawing/2010/main" w="9525">
                 <a:solidFill>
                   <a:schemeClr val="tx1"/>
                 </a:solidFill>
@@ -20431,7 +20337,7 @@
               </a14:hiddenLine>
             </a:ext>
             <a:ext uri="{AF507438-7753-43e0-B8FC-AC1667EBCBE1}">
-              <a14:hiddenEffects xmlns:a14="http://schemas.microsoft.com/office/drawing/2010/main" xmlns="">
+              <a14:hiddenEffects xmlns="" xmlns:a14="http://schemas.microsoft.com/office/drawing/2010/main">
                 <a:effectLst>
                   <a:outerShdw blurRad="63500" dist="38099" dir="2700000" algn="ctr" rotWithShape="0">
                     <a:schemeClr val="bg2">
@@ -20492,12 +20398,12 @@
           <a:effectLst/>
           <a:extLst>
             <a:ext uri="{909E8E84-426E-40dd-AFC4-6F175D3DCCD1}">
-              <a14:hiddenFill xmlns:a14="http://schemas.microsoft.com/office/drawing/2010/main" xmlns="">
+              <a14:hiddenFill xmlns="" xmlns:a14="http://schemas.microsoft.com/office/drawing/2010/main">
                 <a:noFill/>
               </a14:hiddenFill>
             </a:ext>
             <a:ext uri="{AF507438-7753-43e0-B8FC-AC1667EBCBE1}">
-              <a14:hiddenEffects xmlns:a14="http://schemas.microsoft.com/office/drawing/2010/main" xmlns="">
+              <a14:hiddenEffects xmlns="" xmlns:a14="http://schemas.microsoft.com/office/drawing/2010/main">
                 <a:effectLst>
                   <a:outerShdw blurRad="63500" dist="38099" dir="2700000" algn="ctr" rotWithShape="0">
                     <a:schemeClr val="bg2">
@@ -20540,14 +20446,14 @@
           <a:effectLst/>
           <a:extLst>
             <a:ext uri="{909E8E84-426E-40dd-AFC4-6F175D3DCCD1}">
-              <a14:hiddenFill xmlns:a14="http://schemas.microsoft.com/office/drawing/2010/main" xmlns="">
+              <a14:hiddenFill xmlns="" xmlns:a14="http://schemas.microsoft.com/office/drawing/2010/main">
                 <a:solidFill>
                   <a:schemeClr val="accent1"/>
                 </a:solidFill>
               </a14:hiddenFill>
             </a:ext>
             <a:ext uri="{91240B29-F687-4f45-9708-019B960494DF}">
-              <a14:hiddenLine xmlns:a14="http://schemas.microsoft.com/office/drawing/2010/main" xmlns="" w="9525">
+              <a14:hiddenLine xmlns="" xmlns:a14="http://schemas.microsoft.com/office/drawing/2010/main" w="9525">
                 <a:solidFill>
                   <a:schemeClr val="tx1"/>
                 </a:solidFill>
@@ -20557,7 +20463,7 @@
               </a14:hiddenLine>
             </a:ext>
             <a:ext uri="{AF507438-7753-43e0-B8FC-AC1667EBCBE1}">
-              <a14:hiddenEffects xmlns:a14="http://schemas.microsoft.com/office/drawing/2010/main" xmlns="">
+              <a14:hiddenEffects xmlns="" xmlns:a14="http://schemas.microsoft.com/office/drawing/2010/main">
                 <a:effectLst>
                   <a:outerShdw blurRad="63500" dist="38099" dir="2700000" algn="ctr" rotWithShape="0">
                     <a:schemeClr val="bg2">
@@ -20612,12 +20518,12 @@
           <a:effectLst/>
           <a:extLst>
             <a:ext uri="{909E8E84-426E-40dd-AFC4-6F175D3DCCD1}">
-              <a14:hiddenFill xmlns:a14="http://schemas.microsoft.com/office/drawing/2010/main" xmlns="">
+              <a14:hiddenFill xmlns="" xmlns:a14="http://schemas.microsoft.com/office/drawing/2010/main">
                 <a:noFill/>
               </a14:hiddenFill>
             </a:ext>
             <a:ext uri="{AF507438-7753-43e0-B8FC-AC1667EBCBE1}">
-              <a14:hiddenEffects xmlns:a14="http://schemas.microsoft.com/office/drawing/2010/main" xmlns="">
+              <a14:hiddenEffects xmlns="" xmlns:a14="http://schemas.microsoft.com/office/drawing/2010/main">
                 <a:effectLst>
                   <a:outerShdw blurRad="63500" dist="38099" dir="2700000" algn="ctr" rotWithShape="0">
                     <a:schemeClr val="bg2">
@@ -20660,14 +20566,14 @@
           <a:effectLst/>
           <a:extLst>
             <a:ext uri="{909E8E84-426E-40dd-AFC4-6F175D3DCCD1}">
-              <a14:hiddenFill xmlns:a14="http://schemas.microsoft.com/office/drawing/2010/main" xmlns="">
+              <a14:hiddenFill xmlns="" xmlns:a14="http://schemas.microsoft.com/office/drawing/2010/main">
                 <a:solidFill>
                   <a:schemeClr val="accent1"/>
                 </a:solidFill>
               </a14:hiddenFill>
             </a:ext>
             <a:ext uri="{91240B29-F687-4f45-9708-019B960494DF}">
-              <a14:hiddenLine xmlns:a14="http://schemas.microsoft.com/office/drawing/2010/main" xmlns="" w="9525">
+              <a14:hiddenLine xmlns="" xmlns:a14="http://schemas.microsoft.com/office/drawing/2010/main" w="9525">
                 <a:solidFill>
                   <a:schemeClr val="tx1"/>
                 </a:solidFill>
@@ -20677,7 +20583,7 @@
               </a14:hiddenLine>
             </a:ext>
             <a:ext uri="{AF507438-7753-43e0-B8FC-AC1667EBCBE1}">
-              <a14:hiddenEffects xmlns:a14="http://schemas.microsoft.com/office/drawing/2010/main" xmlns="">
+              <a14:hiddenEffects xmlns="" xmlns:a14="http://schemas.microsoft.com/office/drawing/2010/main">
                 <a:effectLst>
                   <a:outerShdw blurRad="63500" dist="38099" dir="2700000" algn="ctr" rotWithShape="0">
                     <a:schemeClr val="bg2">
@@ -20732,12 +20638,12 @@
           <a:effectLst/>
           <a:extLst>
             <a:ext uri="{909E8E84-426E-40dd-AFC4-6F175D3DCCD1}">
-              <a14:hiddenFill xmlns:a14="http://schemas.microsoft.com/office/drawing/2010/main" xmlns="">
+              <a14:hiddenFill xmlns="" xmlns:a14="http://schemas.microsoft.com/office/drawing/2010/main">
                 <a:noFill/>
               </a14:hiddenFill>
             </a:ext>
             <a:ext uri="{AF507438-7753-43e0-B8FC-AC1667EBCBE1}">
-              <a14:hiddenEffects xmlns:a14="http://schemas.microsoft.com/office/drawing/2010/main" xmlns="">
+              <a14:hiddenEffects xmlns="" xmlns:a14="http://schemas.microsoft.com/office/drawing/2010/main">
                 <a:effectLst>
                   <a:outerShdw blurRad="63500" dist="38099" dir="2700000" algn="ctr" rotWithShape="0">
                     <a:schemeClr val="bg2">
@@ -20780,14 +20686,14 @@
           <a:effectLst/>
           <a:extLst>
             <a:ext uri="{909E8E84-426E-40dd-AFC4-6F175D3DCCD1}">
-              <a14:hiddenFill xmlns:a14="http://schemas.microsoft.com/office/drawing/2010/main" xmlns="">
+              <a14:hiddenFill xmlns="" xmlns:a14="http://schemas.microsoft.com/office/drawing/2010/main">
                 <a:solidFill>
                   <a:schemeClr val="accent1"/>
                 </a:solidFill>
               </a14:hiddenFill>
             </a:ext>
             <a:ext uri="{91240B29-F687-4f45-9708-019B960494DF}">
-              <a14:hiddenLine xmlns:a14="http://schemas.microsoft.com/office/drawing/2010/main" xmlns="" w="9525">
+              <a14:hiddenLine xmlns="" xmlns:a14="http://schemas.microsoft.com/office/drawing/2010/main" w="9525">
                 <a:solidFill>
                   <a:schemeClr val="tx1"/>
                 </a:solidFill>
@@ -20797,7 +20703,7 @@
               </a14:hiddenLine>
             </a:ext>
             <a:ext uri="{AF507438-7753-43e0-B8FC-AC1667EBCBE1}">
-              <a14:hiddenEffects xmlns:a14="http://schemas.microsoft.com/office/drawing/2010/main" xmlns="">
+              <a14:hiddenEffects xmlns="" xmlns:a14="http://schemas.microsoft.com/office/drawing/2010/main">
                 <a:effectLst>
                   <a:outerShdw blurRad="63500" dist="38099" dir="2700000" algn="ctr" rotWithShape="0">
                     <a:schemeClr val="bg2">
@@ -20852,12 +20758,12 @@
           <a:effectLst/>
           <a:extLst>
             <a:ext uri="{909E8E84-426E-40dd-AFC4-6F175D3DCCD1}">
-              <a14:hiddenFill xmlns:a14="http://schemas.microsoft.com/office/drawing/2010/main" xmlns="">
+              <a14:hiddenFill xmlns="" xmlns:a14="http://schemas.microsoft.com/office/drawing/2010/main">
                 <a:noFill/>
               </a14:hiddenFill>
             </a:ext>
             <a:ext uri="{AF507438-7753-43e0-B8FC-AC1667EBCBE1}">
-              <a14:hiddenEffects xmlns:a14="http://schemas.microsoft.com/office/drawing/2010/main" xmlns="">
+              <a14:hiddenEffects xmlns="" xmlns:a14="http://schemas.microsoft.com/office/drawing/2010/main">
                 <a:effectLst>
                   <a:outerShdw blurRad="63500" dist="38099" dir="2700000" algn="ctr" rotWithShape="0">
                     <a:schemeClr val="bg2">
@@ -20900,14 +20806,14 @@
           <a:effectLst/>
           <a:extLst>
             <a:ext uri="{909E8E84-426E-40dd-AFC4-6F175D3DCCD1}">
-              <a14:hiddenFill xmlns:a14="http://schemas.microsoft.com/office/drawing/2010/main" xmlns="">
+              <a14:hiddenFill xmlns="" xmlns:a14="http://schemas.microsoft.com/office/drawing/2010/main">
                 <a:solidFill>
                   <a:schemeClr val="accent1"/>
                 </a:solidFill>
               </a14:hiddenFill>
             </a:ext>
             <a:ext uri="{91240B29-F687-4f45-9708-019B960494DF}">
-              <a14:hiddenLine xmlns:a14="http://schemas.microsoft.com/office/drawing/2010/main" xmlns="" w="9525">
+              <a14:hiddenLine xmlns="" xmlns:a14="http://schemas.microsoft.com/office/drawing/2010/main" w="9525">
                 <a:solidFill>
                   <a:schemeClr val="tx1"/>
                 </a:solidFill>
@@ -20917,7 +20823,7 @@
               </a14:hiddenLine>
             </a:ext>
             <a:ext uri="{AF507438-7753-43e0-B8FC-AC1667EBCBE1}">
-              <a14:hiddenEffects xmlns:a14="http://schemas.microsoft.com/office/drawing/2010/main" xmlns="">
+              <a14:hiddenEffects xmlns="" xmlns:a14="http://schemas.microsoft.com/office/drawing/2010/main">
                 <a:effectLst>
                   <a:outerShdw blurRad="63500" dist="38099" dir="2700000" algn="ctr" rotWithShape="0">
                     <a:schemeClr val="bg2">
@@ -20972,12 +20878,12 @@
           <a:effectLst/>
           <a:extLst>
             <a:ext uri="{909E8E84-426E-40dd-AFC4-6F175D3DCCD1}">
-              <a14:hiddenFill xmlns:a14="http://schemas.microsoft.com/office/drawing/2010/main" xmlns="">
+              <a14:hiddenFill xmlns="" xmlns:a14="http://schemas.microsoft.com/office/drawing/2010/main">
                 <a:noFill/>
               </a14:hiddenFill>
             </a:ext>
             <a:ext uri="{AF507438-7753-43e0-B8FC-AC1667EBCBE1}">
-              <a14:hiddenEffects xmlns:a14="http://schemas.microsoft.com/office/drawing/2010/main" xmlns="">
+              <a14:hiddenEffects xmlns="" xmlns:a14="http://schemas.microsoft.com/office/drawing/2010/main">
                 <a:effectLst>
                   <a:outerShdw blurRad="63500" dist="38099" dir="2700000" algn="ctr" rotWithShape="0">
                     <a:schemeClr val="bg2">
@@ -21020,14 +20926,14 @@
           <a:effectLst/>
           <a:extLst>
             <a:ext uri="{909E8E84-426E-40dd-AFC4-6F175D3DCCD1}">
-              <a14:hiddenFill xmlns:a14="http://schemas.microsoft.com/office/drawing/2010/main" xmlns="">
+              <a14:hiddenFill xmlns="" xmlns:a14="http://schemas.microsoft.com/office/drawing/2010/main">
                 <a:solidFill>
                   <a:schemeClr val="accent1"/>
                 </a:solidFill>
               </a14:hiddenFill>
             </a:ext>
             <a:ext uri="{91240B29-F687-4f45-9708-019B960494DF}">
-              <a14:hiddenLine xmlns:a14="http://schemas.microsoft.com/office/drawing/2010/main" xmlns="" w="9525">
+              <a14:hiddenLine xmlns="" xmlns:a14="http://schemas.microsoft.com/office/drawing/2010/main" w="9525">
                 <a:solidFill>
                   <a:schemeClr val="tx1"/>
                 </a:solidFill>
@@ -21037,7 +20943,7 @@
               </a14:hiddenLine>
             </a:ext>
             <a:ext uri="{AF507438-7753-43e0-B8FC-AC1667EBCBE1}">
-              <a14:hiddenEffects xmlns:a14="http://schemas.microsoft.com/office/drawing/2010/main" xmlns="">
+              <a14:hiddenEffects xmlns="" xmlns:a14="http://schemas.microsoft.com/office/drawing/2010/main">
                 <a:effectLst>
                   <a:outerShdw blurRad="63500" dist="38099" dir="2700000" algn="ctr" rotWithShape="0">
                     <a:schemeClr val="bg2">
@@ -21092,12 +20998,12 @@
           <a:effectLst/>
           <a:extLst>
             <a:ext uri="{909E8E84-426E-40dd-AFC4-6F175D3DCCD1}">
-              <a14:hiddenFill xmlns:a14="http://schemas.microsoft.com/office/drawing/2010/main" xmlns="">
+              <a14:hiddenFill xmlns="" xmlns:a14="http://schemas.microsoft.com/office/drawing/2010/main">
                 <a:noFill/>
               </a14:hiddenFill>
             </a:ext>
             <a:ext uri="{AF507438-7753-43e0-B8FC-AC1667EBCBE1}">
-              <a14:hiddenEffects xmlns:a14="http://schemas.microsoft.com/office/drawing/2010/main" xmlns="">
+              <a14:hiddenEffects xmlns="" xmlns:a14="http://schemas.microsoft.com/office/drawing/2010/main">
                 <a:effectLst>
                   <a:outerShdw blurRad="63500" dist="38099" dir="2700000" algn="ctr" rotWithShape="0">
                     <a:schemeClr val="bg2">
@@ -21140,14 +21046,14 @@
           <a:effectLst/>
           <a:extLst>
             <a:ext uri="{909E8E84-426E-40dd-AFC4-6F175D3DCCD1}">
-              <a14:hiddenFill xmlns:a14="http://schemas.microsoft.com/office/drawing/2010/main" xmlns="">
+              <a14:hiddenFill xmlns="" xmlns:a14="http://schemas.microsoft.com/office/drawing/2010/main">
                 <a:solidFill>
                   <a:schemeClr val="accent1"/>
                 </a:solidFill>
               </a14:hiddenFill>
             </a:ext>
             <a:ext uri="{91240B29-F687-4f45-9708-019B960494DF}">
-              <a14:hiddenLine xmlns:a14="http://schemas.microsoft.com/office/drawing/2010/main" xmlns="" w="9525">
+              <a14:hiddenLine xmlns="" xmlns:a14="http://schemas.microsoft.com/office/drawing/2010/main" w="9525">
                 <a:solidFill>
                   <a:schemeClr val="tx1"/>
                 </a:solidFill>
@@ -21157,7 +21063,7 @@
               </a14:hiddenLine>
             </a:ext>
             <a:ext uri="{AF507438-7753-43e0-B8FC-AC1667EBCBE1}">
-              <a14:hiddenEffects xmlns:a14="http://schemas.microsoft.com/office/drawing/2010/main" xmlns="">
+              <a14:hiddenEffects xmlns="" xmlns:a14="http://schemas.microsoft.com/office/drawing/2010/main">
                 <a:effectLst>
                   <a:outerShdw blurRad="63500" dist="38099" dir="2700000" algn="ctr" rotWithShape="0">
                     <a:schemeClr val="bg2">
@@ -21320,14 +21226,14 @@
           <a:effectLst/>
           <a:extLst>
             <a:ext uri="{909E8E84-426E-40dd-AFC4-6F175D3DCCD1}">
-              <a14:hiddenFill xmlns:a14="http://schemas.microsoft.com/office/drawing/2010/main" xmlns="">
+              <a14:hiddenFill xmlns="" xmlns:a14="http://schemas.microsoft.com/office/drawing/2010/main">
                 <a:solidFill>
                   <a:schemeClr val="accent1"/>
                 </a:solidFill>
               </a14:hiddenFill>
             </a:ext>
             <a:ext uri="{AF507438-7753-43e0-B8FC-AC1667EBCBE1}">
-              <a14:hiddenEffects xmlns:a14="http://schemas.microsoft.com/office/drawing/2010/main" xmlns="">
+              <a14:hiddenEffects xmlns="" xmlns:a14="http://schemas.microsoft.com/office/drawing/2010/main">
                 <a:effectLst>
                   <a:outerShdw blurRad="63500" dist="38099" dir="2700000" algn="ctr" rotWithShape="0">
                     <a:schemeClr val="bg2">
@@ -21370,14 +21276,14 @@
           <a:effectLst/>
           <a:extLst>
             <a:ext uri="{909E8E84-426E-40dd-AFC4-6F175D3DCCD1}">
-              <a14:hiddenFill xmlns:a14="http://schemas.microsoft.com/office/drawing/2010/main" xmlns="">
+              <a14:hiddenFill xmlns="" xmlns:a14="http://schemas.microsoft.com/office/drawing/2010/main">
                 <a:solidFill>
                   <a:schemeClr val="accent1"/>
                 </a:solidFill>
               </a14:hiddenFill>
             </a:ext>
             <a:ext uri="{91240B29-F687-4f45-9708-019B960494DF}">
-              <a14:hiddenLine xmlns:a14="http://schemas.microsoft.com/office/drawing/2010/main" xmlns="" w="9525">
+              <a14:hiddenLine xmlns="" xmlns:a14="http://schemas.microsoft.com/office/drawing/2010/main" w="9525">
                 <a:solidFill>
                   <a:schemeClr val="tx1"/>
                 </a:solidFill>
@@ -21387,7 +21293,7 @@
               </a14:hiddenLine>
             </a:ext>
             <a:ext uri="{AF507438-7753-43e0-B8FC-AC1667EBCBE1}">
-              <a14:hiddenEffects xmlns:a14="http://schemas.microsoft.com/office/drawing/2010/main" xmlns="">
+              <a14:hiddenEffects xmlns="" xmlns:a14="http://schemas.microsoft.com/office/drawing/2010/main">
                 <a:effectLst>
                   <a:outerShdw blurRad="63500" dist="38099" dir="2700000" algn="ctr" rotWithShape="0">
                     <a:schemeClr val="bg2">
@@ -21442,14 +21348,14 @@
           <a:effectLst/>
           <a:extLst>
             <a:ext uri="{909E8E84-426E-40dd-AFC4-6F175D3DCCD1}">
-              <a14:hiddenFill xmlns:a14="http://schemas.microsoft.com/office/drawing/2010/main" xmlns="">
+              <a14:hiddenFill xmlns="" xmlns:a14="http://schemas.microsoft.com/office/drawing/2010/main">
                 <a:solidFill>
                   <a:schemeClr val="accent1"/>
                 </a:solidFill>
               </a14:hiddenFill>
             </a:ext>
             <a:ext uri="{AF507438-7753-43e0-B8FC-AC1667EBCBE1}">
-              <a14:hiddenEffects xmlns:a14="http://schemas.microsoft.com/office/drawing/2010/main" xmlns="">
+              <a14:hiddenEffects xmlns="" xmlns:a14="http://schemas.microsoft.com/office/drawing/2010/main">
                 <a:effectLst>
                   <a:outerShdw blurRad="63500" dist="38099" dir="2700000" algn="ctr" rotWithShape="0">
                     <a:schemeClr val="bg2">
@@ -21554,14 +21460,14 @@
           <a:effectLst/>
           <a:extLst>
             <a:ext uri="{909E8E84-426E-40dd-AFC4-6F175D3DCCD1}">
-              <a14:hiddenFill xmlns:a14="http://schemas.microsoft.com/office/drawing/2010/main" xmlns="">
+              <a14:hiddenFill xmlns="" xmlns:a14="http://schemas.microsoft.com/office/drawing/2010/main">
                 <a:solidFill>
                   <a:schemeClr val="accent1"/>
                 </a:solidFill>
               </a14:hiddenFill>
             </a:ext>
             <a:ext uri="{91240B29-F687-4f45-9708-019B960494DF}">
-              <a14:hiddenLine xmlns:a14="http://schemas.microsoft.com/office/drawing/2010/main" xmlns="" w="9525">
+              <a14:hiddenLine xmlns="" xmlns:a14="http://schemas.microsoft.com/office/drawing/2010/main" w="9525">
                 <a:solidFill>
                   <a:schemeClr val="tx1"/>
                 </a:solidFill>
@@ -21571,7 +21477,7 @@
               </a14:hiddenLine>
             </a:ext>
             <a:ext uri="{AF507438-7753-43e0-B8FC-AC1667EBCBE1}">
-              <a14:hiddenEffects xmlns:a14="http://schemas.microsoft.com/office/drawing/2010/main" xmlns="">
+              <a14:hiddenEffects xmlns="" xmlns:a14="http://schemas.microsoft.com/office/drawing/2010/main">
                 <a:effectLst>
                   <a:outerShdw blurRad="63500" dist="38099" dir="2700000" algn="ctr" rotWithShape="0">
                     <a:schemeClr val="bg2">
@@ -21742,14 +21648,14 @@
           <a:effectLst/>
           <a:extLst>
             <a:ext uri="{909E8E84-426E-40dd-AFC4-6F175D3DCCD1}">
-              <a14:hiddenFill xmlns:a14="http://schemas.microsoft.com/office/drawing/2010/main" xmlns="">
+              <a14:hiddenFill xmlns="" xmlns:a14="http://schemas.microsoft.com/office/drawing/2010/main">
                 <a:solidFill>
                   <a:schemeClr val="accent1"/>
                 </a:solidFill>
               </a14:hiddenFill>
             </a:ext>
             <a:ext uri="{AF507438-7753-43e0-B8FC-AC1667EBCBE1}">
-              <a14:hiddenEffects xmlns:a14="http://schemas.microsoft.com/office/drawing/2010/main" xmlns="">
+              <a14:hiddenEffects xmlns="" xmlns:a14="http://schemas.microsoft.com/office/drawing/2010/main">
                 <a:effectLst>
                   <a:outerShdw blurRad="63500" dist="38099" dir="2700000" algn="ctr" rotWithShape="0">
                     <a:schemeClr val="bg2">
@@ -21834,14 +21740,14 @@
           <a:effectLst/>
           <a:extLst>
             <a:ext uri="{909E8E84-426E-40dd-AFC4-6F175D3DCCD1}">
-              <a14:hiddenFill xmlns:a14="http://schemas.microsoft.com/office/drawing/2010/main" xmlns="">
+              <a14:hiddenFill xmlns="" xmlns:a14="http://schemas.microsoft.com/office/drawing/2010/main">
                 <a:solidFill>
                   <a:schemeClr val="accent1"/>
                 </a:solidFill>
               </a14:hiddenFill>
             </a:ext>
             <a:ext uri="{AF507438-7753-43e0-B8FC-AC1667EBCBE1}">
-              <a14:hiddenEffects xmlns:a14="http://schemas.microsoft.com/office/drawing/2010/main" xmlns="">
+              <a14:hiddenEffects xmlns="" xmlns:a14="http://schemas.microsoft.com/office/drawing/2010/main">
                 <a:effectLst>
                   <a:outerShdw blurRad="63500" dist="38099" dir="2700000" algn="ctr" rotWithShape="0">
                     <a:schemeClr val="bg2">
@@ -21926,14 +21832,14 @@
           <a:effectLst/>
           <a:extLst>
             <a:ext uri="{909E8E84-426E-40dd-AFC4-6F175D3DCCD1}">
-              <a14:hiddenFill xmlns:a14="http://schemas.microsoft.com/office/drawing/2010/main" xmlns="">
+              <a14:hiddenFill xmlns="" xmlns:a14="http://schemas.microsoft.com/office/drawing/2010/main">
                 <a:solidFill>
                   <a:schemeClr val="accent1"/>
                 </a:solidFill>
               </a14:hiddenFill>
             </a:ext>
             <a:ext uri="{AF507438-7753-43e0-B8FC-AC1667EBCBE1}">
-              <a14:hiddenEffects xmlns:a14="http://schemas.microsoft.com/office/drawing/2010/main" xmlns="">
+              <a14:hiddenEffects xmlns="" xmlns:a14="http://schemas.microsoft.com/office/drawing/2010/main">
                 <a:effectLst>
                   <a:outerShdw blurRad="63500" dist="38099" dir="2700000" algn="ctr" rotWithShape="0">
                     <a:schemeClr val="bg2">
@@ -22018,14 +21924,14 @@
           <a:effectLst/>
           <a:extLst>
             <a:ext uri="{909E8E84-426E-40dd-AFC4-6F175D3DCCD1}">
-              <a14:hiddenFill xmlns:a14="http://schemas.microsoft.com/office/drawing/2010/main" xmlns="">
+              <a14:hiddenFill xmlns="" xmlns:a14="http://schemas.microsoft.com/office/drawing/2010/main">
                 <a:solidFill>
                   <a:schemeClr val="accent1"/>
                 </a:solidFill>
               </a14:hiddenFill>
             </a:ext>
             <a:ext uri="{AF507438-7753-43e0-B8FC-AC1667EBCBE1}">
-              <a14:hiddenEffects xmlns:a14="http://schemas.microsoft.com/office/drawing/2010/main" xmlns="">
+              <a14:hiddenEffects xmlns="" xmlns:a14="http://schemas.microsoft.com/office/drawing/2010/main">
                 <a:effectLst>
                   <a:outerShdw blurRad="63500" dist="38099" dir="2700000" algn="ctr" rotWithShape="0">
                     <a:schemeClr val="bg2">
@@ -22104,14 +22010,14 @@
           <a:effectLst/>
           <a:extLst>
             <a:ext uri="{909E8E84-426E-40dd-AFC4-6F175D3DCCD1}">
-              <a14:hiddenFill xmlns:a14="http://schemas.microsoft.com/office/drawing/2010/main" xmlns="">
+              <a14:hiddenFill xmlns="" xmlns:a14="http://schemas.microsoft.com/office/drawing/2010/main">
                 <a:solidFill>
                   <a:schemeClr val="accent1"/>
                 </a:solidFill>
               </a14:hiddenFill>
             </a:ext>
             <a:ext uri="{AF507438-7753-43e0-B8FC-AC1667EBCBE1}">
-              <a14:hiddenEffects xmlns:a14="http://schemas.microsoft.com/office/drawing/2010/main" xmlns="">
+              <a14:hiddenEffects xmlns="" xmlns:a14="http://schemas.microsoft.com/office/drawing/2010/main">
                 <a:effectLst>
                   <a:outerShdw blurRad="63500" dist="38099" dir="2700000" algn="ctr" rotWithShape="0">
                     <a:schemeClr val="bg2">
@@ -22190,14 +22096,14 @@
           <a:effectLst/>
           <a:extLst>
             <a:ext uri="{909E8E84-426E-40dd-AFC4-6F175D3DCCD1}">
-              <a14:hiddenFill xmlns:a14="http://schemas.microsoft.com/office/drawing/2010/main" xmlns="">
+              <a14:hiddenFill xmlns="" xmlns:a14="http://schemas.microsoft.com/office/drawing/2010/main">
                 <a:solidFill>
                   <a:schemeClr val="accent1"/>
                 </a:solidFill>
               </a14:hiddenFill>
             </a:ext>
             <a:ext uri="{AF507438-7753-43e0-B8FC-AC1667EBCBE1}">
-              <a14:hiddenEffects xmlns:a14="http://schemas.microsoft.com/office/drawing/2010/main" xmlns="">
+              <a14:hiddenEffects xmlns="" xmlns:a14="http://schemas.microsoft.com/office/drawing/2010/main">
                 <a:effectLst>
                   <a:outerShdw blurRad="63500" dist="38099" dir="2700000" algn="ctr" rotWithShape="0">
                     <a:schemeClr val="bg2">
@@ -22276,12 +22182,12 @@
           <a:effectLst/>
           <a:extLst>
             <a:ext uri="{909E8E84-426E-40dd-AFC4-6F175D3DCCD1}">
-              <a14:hiddenFill xmlns:a14="http://schemas.microsoft.com/office/drawing/2010/main" xmlns="">
+              <a14:hiddenFill xmlns="" xmlns:a14="http://schemas.microsoft.com/office/drawing/2010/main">
                 <a:noFill/>
               </a14:hiddenFill>
             </a:ext>
             <a:ext uri="{AF507438-7753-43e0-B8FC-AC1667EBCBE1}">
-              <a14:hiddenEffects xmlns:a14="http://schemas.microsoft.com/office/drawing/2010/main" xmlns="">
+              <a14:hiddenEffects xmlns="" xmlns:a14="http://schemas.microsoft.com/office/drawing/2010/main">
                 <a:effectLst>
                   <a:outerShdw blurRad="63500" dist="38099" dir="2700000" algn="ctr" rotWithShape="0">
                     <a:schemeClr val="bg2">
@@ -22324,14 +22230,14 @@
           <a:effectLst/>
           <a:extLst>
             <a:ext uri="{909E8E84-426E-40dd-AFC4-6F175D3DCCD1}">
-              <a14:hiddenFill xmlns:a14="http://schemas.microsoft.com/office/drawing/2010/main" xmlns="">
+              <a14:hiddenFill xmlns="" xmlns:a14="http://schemas.microsoft.com/office/drawing/2010/main">
                 <a:solidFill>
                   <a:schemeClr val="accent1"/>
                 </a:solidFill>
               </a14:hiddenFill>
             </a:ext>
             <a:ext uri="{91240B29-F687-4f45-9708-019B960494DF}">
-              <a14:hiddenLine xmlns:a14="http://schemas.microsoft.com/office/drawing/2010/main" xmlns="" w="9525">
+              <a14:hiddenLine xmlns="" xmlns:a14="http://schemas.microsoft.com/office/drawing/2010/main" w="9525">
                 <a:solidFill>
                   <a:schemeClr val="tx1"/>
                 </a:solidFill>
@@ -22341,7 +22247,7 @@
               </a14:hiddenLine>
             </a:ext>
             <a:ext uri="{AF507438-7753-43e0-B8FC-AC1667EBCBE1}">
-              <a14:hiddenEffects xmlns:a14="http://schemas.microsoft.com/office/drawing/2010/main" xmlns="">
+              <a14:hiddenEffects xmlns="" xmlns:a14="http://schemas.microsoft.com/office/drawing/2010/main">
                 <a:effectLst>
                   <a:outerShdw blurRad="63500" dist="38099" dir="2700000" algn="ctr" rotWithShape="0">
                     <a:schemeClr val="bg2">
@@ -22402,12 +22308,12 @@
           <a:effectLst/>
           <a:extLst>
             <a:ext uri="{909E8E84-426E-40dd-AFC4-6F175D3DCCD1}">
-              <a14:hiddenFill xmlns:a14="http://schemas.microsoft.com/office/drawing/2010/main" xmlns="">
+              <a14:hiddenFill xmlns="" xmlns:a14="http://schemas.microsoft.com/office/drawing/2010/main">
                 <a:noFill/>
               </a14:hiddenFill>
             </a:ext>
             <a:ext uri="{AF507438-7753-43e0-B8FC-AC1667EBCBE1}">
-              <a14:hiddenEffects xmlns:a14="http://schemas.microsoft.com/office/drawing/2010/main" xmlns="">
+              <a14:hiddenEffects xmlns="" xmlns:a14="http://schemas.microsoft.com/office/drawing/2010/main">
                 <a:effectLst>
                   <a:outerShdw blurRad="63500" dist="38099" dir="2700000" algn="ctr" rotWithShape="0">
                     <a:schemeClr val="bg2">
@@ -22450,14 +22356,14 @@
           <a:effectLst/>
           <a:extLst>
             <a:ext uri="{909E8E84-426E-40dd-AFC4-6F175D3DCCD1}">
-              <a14:hiddenFill xmlns:a14="http://schemas.microsoft.com/office/drawing/2010/main" xmlns="">
+              <a14:hiddenFill xmlns="" xmlns:a14="http://schemas.microsoft.com/office/drawing/2010/main">
                 <a:solidFill>
                   <a:schemeClr val="accent1"/>
                 </a:solidFill>
               </a14:hiddenFill>
             </a:ext>
             <a:ext uri="{91240B29-F687-4f45-9708-019B960494DF}">
-              <a14:hiddenLine xmlns:a14="http://schemas.microsoft.com/office/drawing/2010/main" xmlns="" w="9525">
+              <a14:hiddenLine xmlns="" xmlns:a14="http://schemas.microsoft.com/office/drawing/2010/main" w="9525">
                 <a:solidFill>
                   <a:schemeClr val="tx1"/>
                 </a:solidFill>
@@ -22467,7 +22373,7 @@
               </a14:hiddenLine>
             </a:ext>
             <a:ext uri="{AF507438-7753-43e0-B8FC-AC1667EBCBE1}">
-              <a14:hiddenEffects xmlns:a14="http://schemas.microsoft.com/office/drawing/2010/main" xmlns="">
+              <a14:hiddenEffects xmlns="" xmlns:a14="http://schemas.microsoft.com/office/drawing/2010/main">
                 <a:effectLst>
                   <a:outerShdw blurRad="63500" dist="38099" dir="2700000" algn="ctr" rotWithShape="0">
                     <a:schemeClr val="bg2">
@@ -22528,12 +22434,12 @@
           <a:effectLst/>
           <a:extLst>
             <a:ext uri="{909E8E84-426E-40dd-AFC4-6F175D3DCCD1}">
-              <a14:hiddenFill xmlns:a14="http://schemas.microsoft.com/office/drawing/2010/main" xmlns="">
+              <a14:hiddenFill xmlns="" xmlns:a14="http://schemas.microsoft.com/office/drawing/2010/main">
                 <a:noFill/>
               </a14:hiddenFill>
             </a:ext>
             <a:ext uri="{AF507438-7753-43e0-B8FC-AC1667EBCBE1}">
-              <a14:hiddenEffects xmlns:a14="http://schemas.microsoft.com/office/drawing/2010/main" xmlns="">
+              <a14:hiddenEffects xmlns="" xmlns:a14="http://schemas.microsoft.com/office/drawing/2010/main">
                 <a:effectLst>
                   <a:outerShdw blurRad="63500" dist="38099" dir="2700000" algn="ctr" rotWithShape="0">
                     <a:schemeClr val="bg2">
@@ -22576,14 +22482,14 @@
           <a:effectLst/>
           <a:extLst>
             <a:ext uri="{909E8E84-426E-40dd-AFC4-6F175D3DCCD1}">
-              <a14:hiddenFill xmlns:a14="http://schemas.microsoft.com/office/drawing/2010/main" xmlns="">
+              <a14:hiddenFill xmlns="" xmlns:a14="http://schemas.microsoft.com/office/drawing/2010/main">
                 <a:solidFill>
                   <a:schemeClr val="accent1"/>
                 </a:solidFill>
               </a14:hiddenFill>
             </a:ext>
             <a:ext uri="{91240B29-F687-4f45-9708-019B960494DF}">
-              <a14:hiddenLine xmlns:a14="http://schemas.microsoft.com/office/drawing/2010/main" xmlns="" w="9525">
+              <a14:hiddenLine xmlns="" xmlns:a14="http://schemas.microsoft.com/office/drawing/2010/main" w="9525">
                 <a:solidFill>
                   <a:schemeClr val="tx1"/>
                 </a:solidFill>
@@ -22593,7 +22499,7 @@
               </a14:hiddenLine>
             </a:ext>
             <a:ext uri="{AF507438-7753-43e0-B8FC-AC1667EBCBE1}">
-              <a14:hiddenEffects xmlns:a14="http://schemas.microsoft.com/office/drawing/2010/main" xmlns="">
+              <a14:hiddenEffects xmlns="" xmlns:a14="http://schemas.microsoft.com/office/drawing/2010/main">
                 <a:effectLst>
                   <a:outerShdw blurRad="63500" dist="38099" dir="2700000" algn="ctr" rotWithShape="0">
                     <a:schemeClr val="bg2">
@@ -22648,12 +22554,12 @@
           <a:effectLst/>
           <a:extLst>
             <a:ext uri="{909E8E84-426E-40dd-AFC4-6F175D3DCCD1}">
-              <a14:hiddenFill xmlns:a14="http://schemas.microsoft.com/office/drawing/2010/main" xmlns="">
+              <a14:hiddenFill xmlns="" xmlns:a14="http://schemas.microsoft.com/office/drawing/2010/main">
                 <a:noFill/>
               </a14:hiddenFill>
             </a:ext>
             <a:ext uri="{AF507438-7753-43e0-B8FC-AC1667EBCBE1}">
-              <a14:hiddenEffects xmlns:a14="http://schemas.microsoft.com/office/drawing/2010/main" xmlns="">
+              <a14:hiddenEffects xmlns="" xmlns:a14="http://schemas.microsoft.com/office/drawing/2010/main">
                 <a:effectLst>
                   <a:outerShdw blurRad="63500" dist="38099" dir="2700000" algn="ctr" rotWithShape="0">
                     <a:schemeClr val="bg2">
@@ -22696,14 +22602,14 @@
           <a:effectLst/>
           <a:extLst>
             <a:ext uri="{909E8E84-426E-40dd-AFC4-6F175D3DCCD1}">
-              <a14:hiddenFill xmlns:a14="http://schemas.microsoft.com/office/drawing/2010/main" xmlns="">
+              <a14:hiddenFill xmlns="" xmlns:a14="http://schemas.microsoft.com/office/drawing/2010/main">
                 <a:solidFill>
                   <a:schemeClr val="accent1"/>
                 </a:solidFill>
               </a14:hiddenFill>
             </a:ext>
             <a:ext uri="{91240B29-F687-4f45-9708-019B960494DF}">
-              <a14:hiddenLine xmlns:a14="http://schemas.microsoft.com/office/drawing/2010/main" xmlns="" w="9525">
+              <a14:hiddenLine xmlns="" xmlns:a14="http://schemas.microsoft.com/office/drawing/2010/main" w="9525">
                 <a:solidFill>
                   <a:schemeClr val="tx1"/>
                 </a:solidFill>
@@ -22713,7 +22619,7 @@
               </a14:hiddenLine>
             </a:ext>
             <a:ext uri="{AF507438-7753-43e0-B8FC-AC1667EBCBE1}">
-              <a14:hiddenEffects xmlns:a14="http://schemas.microsoft.com/office/drawing/2010/main" xmlns="">
+              <a14:hiddenEffects xmlns="" xmlns:a14="http://schemas.microsoft.com/office/drawing/2010/main">
                 <a:effectLst>
                   <a:outerShdw blurRad="63500" dist="38099" dir="2700000" algn="ctr" rotWithShape="0">
                     <a:schemeClr val="bg2">
@@ -22768,12 +22674,12 @@
           <a:effectLst/>
           <a:extLst>
             <a:ext uri="{909E8E84-426E-40dd-AFC4-6F175D3DCCD1}">
-              <a14:hiddenFill xmlns:a14="http://schemas.microsoft.com/office/drawing/2010/main" xmlns="">
+              <a14:hiddenFill xmlns="" xmlns:a14="http://schemas.microsoft.com/office/drawing/2010/main">
                 <a:noFill/>
               </a14:hiddenFill>
             </a:ext>
             <a:ext uri="{AF507438-7753-43e0-B8FC-AC1667EBCBE1}">
-              <a14:hiddenEffects xmlns:a14="http://schemas.microsoft.com/office/drawing/2010/main" xmlns="">
+              <a14:hiddenEffects xmlns="" xmlns:a14="http://schemas.microsoft.com/office/drawing/2010/main">
                 <a:effectLst>
                   <a:outerShdw blurRad="63500" dist="38099" dir="2700000" algn="ctr" rotWithShape="0">
                     <a:schemeClr val="bg2">
@@ -22816,14 +22722,14 @@
           <a:effectLst/>
           <a:extLst>
             <a:ext uri="{909E8E84-426E-40dd-AFC4-6F175D3DCCD1}">
-              <a14:hiddenFill xmlns:a14="http://schemas.microsoft.com/office/drawing/2010/main" xmlns="">
+              <a14:hiddenFill xmlns="" xmlns:a14="http://schemas.microsoft.com/office/drawing/2010/main">
                 <a:solidFill>
                   <a:schemeClr val="accent1"/>
                 </a:solidFill>
               </a14:hiddenFill>
             </a:ext>
             <a:ext uri="{91240B29-F687-4f45-9708-019B960494DF}">
-              <a14:hiddenLine xmlns:a14="http://schemas.microsoft.com/office/drawing/2010/main" xmlns="" w="9525">
+              <a14:hiddenLine xmlns="" xmlns:a14="http://schemas.microsoft.com/office/drawing/2010/main" w="9525">
                 <a:solidFill>
                   <a:schemeClr val="tx1"/>
                 </a:solidFill>
@@ -22833,7 +22739,7 @@
               </a14:hiddenLine>
             </a:ext>
             <a:ext uri="{AF507438-7753-43e0-B8FC-AC1667EBCBE1}">
-              <a14:hiddenEffects xmlns:a14="http://schemas.microsoft.com/office/drawing/2010/main" xmlns="">
+              <a14:hiddenEffects xmlns="" xmlns:a14="http://schemas.microsoft.com/office/drawing/2010/main">
                 <a:effectLst>
                   <a:outerShdw blurRad="63500" dist="38099" dir="2700000" algn="ctr" rotWithShape="0">
                     <a:schemeClr val="bg2">
@@ -22888,12 +22794,12 @@
           <a:effectLst/>
           <a:extLst>
             <a:ext uri="{909E8E84-426E-40dd-AFC4-6F175D3DCCD1}">
-              <a14:hiddenFill xmlns:a14="http://schemas.microsoft.com/office/drawing/2010/main" xmlns="">
+              <a14:hiddenFill xmlns="" xmlns:a14="http://schemas.microsoft.com/office/drawing/2010/main">
                 <a:noFill/>
               </a14:hiddenFill>
             </a:ext>
             <a:ext uri="{AF507438-7753-43e0-B8FC-AC1667EBCBE1}">
-              <a14:hiddenEffects xmlns:a14="http://schemas.microsoft.com/office/drawing/2010/main" xmlns="">
+              <a14:hiddenEffects xmlns="" xmlns:a14="http://schemas.microsoft.com/office/drawing/2010/main">
                 <a:effectLst>
                   <a:outerShdw blurRad="63500" dist="38099" dir="2700000" algn="ctr" rotWithShape="0">
                     <a:schemeClr val="bg2">
@@ -22936,14 +22842,14 @@
           <a:effectLst/>
           <a:extLst>
             <a:ext uri="{909E8E84-426E-40dd-AFC4-6F175D3DCCD1}">
-              <a14:hiddenFill xmlns:a14="http://schemas.microsoft.com/office/drawing/2010/main" xmlns="">
+              <a14:hiddenFill xmlns="" xmlns:a14="http://schemas.microsoft.com/office/drawing/2010/main">
                 <a:solidFill>
                   <a:schemeClr val="accent1"/>
                 </a:solidFill>
               </a14:hiddenFill>
             </a:ext>
             <a:ext uri="{91240B29-F687-4f45-9708-019B960494DF}">
-              <a14:hiddenLine xmlns:a14="http://schemas.microsoft.com/office/drawing/2010/main" xmlns="" w="9525">
+              <a14:hiddenLine xmlns="" xmlns:a14="http://schemas.microsoft.com/office/drawing/2010/main" w="9525">
                 <a:solidFill>
                   <a:schemeClr val="tx1"/>
                 </a:solidFill>
@@ -22953,7 +22859,7 @@
               </a14:hiddenLine>
             </a:ext>
             <a:ext uri="{AF507438-7753-43e0-B8FC-AC1667EBCBE1}">
-              <a14:hiddenEffects xmlns:a14="http://schemas.microsoft.com/office/drawing/2010/main" xmlns="">
+              <a14:hiddenEffects xmlns="" xmlns:a14="http://schemas.microsoft.com/office/drawing/2010/main">
                 <a:effectLst>
                   <a:outerShdw blurRad="63500" dist="38099" dir="2700000" algn="ctr" rotWithShape="0">
                     <a:schemeClr val="bg2">
@@ -23008,12 +22914,12 @@
           <a:effectLst/>
           <a:extLst>
             <a:ext uri="{909E8E84-426E-40dd-AFC4-6F175D3DCCD1}">
-              <a14:hiddenFill xmlns:a14="http://schemas.microsoft.com/office/drawing/2010/main" xmlns="">
+              <a14:hiddenFill xmlns="" xmlns:a14="http://schemas.microsoft.com/office/drawing/2010/main">
                 <a:noFill/>
               </a14:hiddenFill>
             </a:ext>
             <a:ext uri="{AF507438-7753-43e0-B8FC-AC1667EBCBE1}">
-              <a14:hiddenEffects xmlns:a14="http://schemas.microsoft.com/office/drawing/2010/main" xmlns="">
+              <a14:hiddenEffects xmlns="" xmlns:a14="http://schemas.microsoft.com/office/drawing/2010/main">
                 <a:effectLst>
                   <a:outerShdw blurRad="63500" dist="38099" dir="2700000" algn="ctr" rotWithShape="0">
                     <a:schemeClr val="bg2">
@@ -23056,14 +22962,14 @@
           <a:effectLst/>
           <a:extLst>
             <a:ext uri="{909E8E84-426E-40dd-AFC4-6F175D3DCCD1}">
-              <a14:hiddenFill xmlns:a14="http://schemas.microsoft.com/office/drawing/2010/main" xmlns="">
+              <a14:hiddenFill xmlns="" xmlns:a14="http://schemas.microsoft.com/office/drawing/2010/main">
                 <a:solidFill>
                   <a:schemeClr val="accent1"/>
                 </a:solidFill>
               </a14:hiddenFill>
             </a:ext>
             <a:ext uri="{91240B29-F687-4f45-9708-019B960494DF}">
-              <a14:hiddenLine xmlns:a14="http://schemas.microsoft.com/office/drawing/2010/main" xmlns="" w="9525">
+              <a14:hiddenLine xmlns="" xmlns:a14="http://schemas.microsoft.com/office/drawing/2010/main" w="9525">
                 <a:solidFill>
                   <a:schemeClr val="tx1"/>
                 </a:solidFill>
@@ -23073,7 +22979,7 @@
               </a14:hiddenLine>
             </a:ext>
             <a:ext uri="{AF507438-7753-43e0-B8FC-AC1667EBCBE1}">
-              <a14:hiddenEffects xmlns:a14="http://schemas.microsoft.com/office/drawing/2010/main" xmlns="">
+              <a14:hiddenEffects xmlns="" xmlns:a14="http://schemas.microsoft.com/office/drawing/2010/main">
                 <a:effectLst>
                   <a:outerShdw blurRad="63500" dist="38099" dir="2700000" algn="ctr" rotWithShape="0">
                     <a:schemeClr val="bg2">
@@ -23236,14 +23142,14 @@
           <a:effectLst/>
           <a:extLst>
             <a:ext uri="{909E8E84-426E-40dd-AFC4-6F175D3DCCD1}">
-              <a14:hiddenFill xmlns:a14="http://schemas.microsoft.com/office/drawing/2010/main" xmlns="">
+              <a14:hiddenFill xmlns="" xmlns:a14="http://schemas.microsoft.com/office/drawing/2010/main">
                 <a:solidFill>
                   <a:schemeClr val="accent1"/>
                 </a:solidFill>
               </a14:hiddenFill>
             </a:ext>
             <a:ext uri="{AF507438-7753-43e0-B8FC-AC1667EBCBE1}">
-              <a14:hiddenEffects xmlns:a14="http://schemas.microsoft.com/office/drawing/2010/main" xmlns="">
+              <a14:hiddenEffects xmlns="" xmlns:a14="http://schemas.microsoft.com/office/drawing/2010/main">
                 <a:effectLst>
                   <a:outerShdw blurRad="63500" dist="38099" dir="2700000" algn="ctr" rotWithShape="0">
                     <a:schemeClr val="bg2">
@@ -23286,14 +23192,14 @@
           <a:effectLst/>
           <a:extLst>
             <a:ext uri="{909E8E84-426E-40dd-AFC4-6F175D3DCCD1}">
-              <a14:hiddenFill xmlns:a14="http://schemas.microsoft.com/office/drawing/2010/main" xmlns="">
+              <a14:hiddenFill xmlns="" xmlns:a14="http://schemas.microsoft.com/office/drawing/2010/main">
                 <a:solidFill>
                   <a:schemeClr val="accent1"/>
                 </a:solidFill>
               </a14:hiddenFill>
             </a:ext>
             <a:ext uri="{91240B29-F687-4f45-9708-019B960494DF}">
-              <a14:hiddenLine xmlns:a14="http://schemas.microsoft.com/office/drawing/2010/main" xmlns="" w="9525">
+              <a14:hiddenLine xmlns="" xmlns:a14="http://schemas.microsoft.com/office/drawing/2010/main" w="9525">
                 <a:solidFill>
                   <a:schemeClr val="tx1"/>
                 </a:solidFill>
@@ -23303,7 +23209,7 @@
               </a14:hiddenLine>
             </a:ext>
             <a:ext uri="{AF507438-7753-43e0-B8FC-AC1667EBCBE1}">
-              <a14:hiddenEffects xmlns:a14="http://schemas.microsoft.com/office/drawing/2010/main" xmlns="">
+              <a14:hiddenEffects xmlns="" xmlns:a14="http://schemas.microsoft.com/office/drawing/2010/main">
                 <a:effectLst>
                   <a:outerShdw blurRad="63500" dist="38099" dir="2700000" algn="ctr" rotWithShape="0">
                     <a:schemeClr val="bg2">
@@ -23358,14 +23264,14 @@
           <a:effectLst/>
           <a:extLst>
             <a:ext uri="{909E8E84-426E-40dd-AFC4-6F175D3DCCD1}">
-              <a14:hiddenFill xmlns:a14="http://schemas.microsoft.com/office/drawing/2010/main" xmlns="">
+              <a14:hiddenFill xmlns="" xmlns:a14="http://schemas.microsoft.com/office/drawing/2010/main">
                 <a:solidFill>
                   <a:schemeClr val="accent1"/>
                 </a:solidFill>
               </a14:hiddenFill>
             </a:ext>
             <a:ext uri="{AF507438-7753-43e0-B8FC-AC1667EBCBE1}">
-              <a14:hiddenEffects xmlns:a14="http://schemas.microsoft.com/office/drawing/2010/main" xmlns="">
+              <a14:hiddenEffects xmlns="" xmlns:a14="http://schemas.microsoft.com/office/drawing/2010/main">
                 <a:effectLst>
                   <a:outerShdw blurRad="63500" dist="38099" dir="2700000" algn="ctr" rotWithShape="0">
                     <a:schemeClr val="bg2">
@@ -23470,14 +23376,14 @@
           <a:effectLst/>
           <a:extLst>
             <a:ext uri="{909E8E84-426E-40dd-AFC4-6F175D3DCCD1}">
-              <a14:hiddenFill xmlns:a14="http://schemas.microsoft.com/office/drawing/2010/main" xmlns="">
+              <a14:hiddenFill xmlns="" xmlns:a14="http://schemas.microsoft.com/office/drawing/2010/main">
                 <a:solidFill>
                   <a:schemeClr val="accent1"/>
                 </a:solidFill>
               </a14:hiddenFill>
             </a:ext>
             <a:ext uri="{91240B29-F687-4f45-9708-019B960494DF}">
-              <a14:hiddenLine xmlns:a14="http://schemas.microsoft.com/office/drawing/2010/main" xmlns="" w="9525">
+              <a14:hiddenLine xmlns="" xmlns:a14="http://schemas.microsoft.com/office/drawing/2010/main" w="9525">
                 <a:solidFill>
                   <a:schemeClr val="tx1"/>
                 </a:solidFill>
@@ -23487,7 +23393,7 @@
               </a14:hiddenLine>
             </a:ext>
             <a:ext uri="{AF507438-7753-43e0-B8FC-AC1667EBCBE1}">
-              <a14:hiddenEffects xmlns:a14="http://schemas.microsoft.com/office/drawing/2010/main" xmlns="">
+              <a14:hiddenEffects xmlns="" xmlns:a14="http://schemas.microsoft.com/office/drawing/2010/main">
                 <a:effectLst>
                   <a:outerShdw blurRad="63500" dist="38099" dir="2700000" algn="ctr" rotWithShape="0">
                     <a:schemeClr val="bg2">
@@ -23658,14 +23564,14 @@
           <a:effectLst/>
           <a:extLst>
             <a:ext uri="{909E8E84-426E-40dd-AFC4-6F175D3DCCD1}">
-              <a14:hiddenFill xmlns:a14="http://schemas.microsoft.com/office/drawing/2010/main" xmlns="">
+              <a14:hiddenFill xmlns="" xmlns:a14="http://schemas.microsoft.com/office/drawing/2010/main">
                 <a:solidFill>
                   <a:schemeClr val="accent1"/>
                 </a:solidFill>
               </a14:hiddenFill>
             </a:ext>
             <a:ext uri="{AF507438-7753-43e0-B8FC-AC1667EBCBE1}">
-              <a14:hiddenEffects xmlns:a14="http://schemas.microsoft.com/office/drawing/2010/main" xmlns="">
+              <a14:hiddenEffects xmlns="" xmlns:a14="http://schemas.microsoft.com/office/drawing/2010/main">
                 <a:effectLst>
                   <a:outerShdw blurRad="63500" dist="38099" dir="2700000" algn="ctr" rotWithShape="0">
                     <a:schemeClr val="bg2">
@@ -23750,14 +23656,14 @@
           <a:effectLst/>
           <a:extLst>
             <a:ext uri="{909E8E84-426E-40dd-AFC4-6F175D3DCCD1}">
-              <a14:hiddenFill xmlns:a14="http://schemas.microsoft.com/office/drawing/2010/main" xmlns="">
+              <a14:hiddenFill xmlns="" xmlns:a14="http://schemas.microsoft.com/office/drawing/2010/main">
                 <a:solidFill>
                   <a:schemeClr val="accent1"/>
                 </a:solidFill>
               </a14:hiddenFill>
             </a:ext>
             <a:ext uri="{AF507438-7753-43e0-B8FC-AC1667EBCBE1}">
-              <a14:hiddenEffects xmlns:a14="http://schemas.microsoft.com/office/drawing/2010/main" xmlns="">
+              <a14:hiddenEffects xmlns="" xmlns:a14="http://schemas.microsoft.com/office/drawing/2010/main">
                 <a:effectLst>
                   <a:outerShdw blurRad="63500" dist="38099" dir="2700000" algn="ctr" rotWithShape="0">
                     <a:schemeClr val="bg2">
@@ -23842,14 +23748,14 @@
           <a:effectLst/>
           <a:extLst>
             <a:ext uri="{909E8E84-426E-40dd-AFC4-6F175D3DCCD1}">
-              <a14:hiddenFill xmlns:a14="http://schemas.microsoft.com/office/drawing/2010/main" xmlns="">
+              <a14:hiddenFill xmlns="" xmlns:a14="http://schemas.microsoft.com/office/drawing/2010/main">
                 <a:solidFill>
                   <a:schemeClr val="accent1"/>
                 </a:solidFill>
               </a14:hiddenFill>
             </a:ext>
             <a:ext uri="{AF507438-7753-43e0-B8FC-AC1667EBCBE1}">
-              <a14:hiddenEffects xmlns:a14="http://schemas.microsoft.com/office/drawing/2010/main" xmlns="">
+              <a14:hiddenEffects xmlns="" xmlns:a14="http://schemas.microsoft.com/office/drawing/2010/main">
                 <a:effectLst>
                   <a:outerShdw blurRad="63500" dist="38099" dir="2700000" algn="ctr" rotWithShape="0">
                     <a:schemeClr val="bg2">
@@ -23934,14 +23840,14 @@
           <a:effectLst/>
           <a:extLst>
             <a:ext uri="{909E8E84-426E-40dd-AFC4-6F175D3DCCD1}">
-              <a14:hiddenFill xmlns:a14="http://schemas.microsoft.com/office/drawing/2010/main" xmlns="">
+              <a14:hiddenFill xmlns="" xmlns:a14="http://schemas.microsoft.com/office/drawing/2010/main">
                 <a:solidFill>
                   <a:schemeClr val="accent1"/>
                 </a:solidFill>
               </a14:hiddenFill>
             </a:ext>
             <a:ext uri="{AF507438-7753-43e0-B8FC-AC1667EBCBE1}">
-              <a14:hiddenEffects xmlns:a14="http://schemas.microsoft.com/office/drawing/2010/main" xmlns="">
+              <a14:hiddenEffects xmlns="" xmlns:a14="http://schemas.microsoft.com/office/drawing/2010/main">
                 <a:effectLst>
                   <a:outerShdw blurRad="63500" dist="38099" dir="2700000" algn="ctr" rotWithShape="0">
                     <a:schemeClr val="bg2">
@@ -24026,14 +23932,14 @@
           <a:effectLst/>
           <a:extLst>
             <a:ext uri="{909E8E84-426E-40dd-AFC4-6F175D3DCCD1}">
-              <a14:hiddenFill xmlns:a14="http://schemas.microsoft.com/office/drawing/2010/main" xmlns="">
+              <a14:hiddenFill xmlns="" xmlns:a14="http://schemas.microsoft.com/office/drawing/2010/main">
                 <a:solidFill>
                   <a:schemeClr val="accent1"/>
                 </a:solidFill>
               </a14:hiddenFill>
             </a:ext>
             <a:ext uri="{AF507438-7753-43e0-B8FC-AC1667EBCBE1}">
-              <a14:hiddenEffects xmlns:a14="http://schemas.microsoft.com/office/drawing/2010/main" xmlns="">
+              <a14:hiddenEffects xmlns="" xmlns:a14="http://schemas.microsoft.com/office/drawing/2010/main">
                 <a:effectLst>
                   <a:outerShdw blurRad="63500" dist="38099" dir="2700000" algn="ctr" rotWithShape="0">
                     <a:schemeClr val="bg2">
@@ -24112,14 +24018,14 @@
           <a:effectLst/>
           <a:extLst>
             <a:ext uri="{909E8E84-426E-40dd-AFC4-6F175D3DCCD1}">
-              <a14:hiddenFill xmlns:a14="http://schemas.microsoft.com/office/drawing/2010/main" xmlns="">
+              <a14:hiddenFill xmlns="" xmlns:a14="http://schemas.microsoft.com/office/drawing/2010/main">
                 <a:solidFill>
                   <a:schemeClr val="accent1"/>
                 </a:solidFill>
               </a14:hiddenFill>
             </a:ext>
             <a:ext uri="{AF507438-7753-43e0-B8FC-AC1667EBCBE1}">
-              <a14:hiddenEffects xmlns:a14="http://schemas.microsoft.com/office/drawing/2010/main" xmlns="">
+              <a14:hiddenEffects xmlns="" xmlns:a14="http://schemas.microsoft.com/office/drawing/2010/main">
                 <a:effectLst>
                   <a:outerShdw blurRad="63500" dist="38099" dir="2700000" algn="ctr" rotWithShape="0">
                     <a:schemeClr val="bg2">
@@ -24198,14 +24104,14 @@
           <a:effectLst/>
           <a:extLst>
             <a:ext uri="{909E8E84-426E-40dd-AFC4-6F175D3DCCD1}">
-              <a14:hiddenFill xmlns:a14="http://schemas.microsoft.com/office/drawing/2010/main" xmlns="">
+              <a14:hiddenFill xmlns="" xmlns:a14="http://schemas.microsoft.com/office/drawing/2010/main">
                 <a:solidFill>
                   <a:schemeClr val="accent1"/>
                 </a:solidFill>
               </a14:hiddenFill>
             </a:ext>
             <a:ext uri="{AF507438-7753-43e0-B8FC-AC1667EBCBE1}">
-              <a14:hiddenEffects xmlns:a14="http://schemas.microsoft.com/office/drawing/2010/main" xmlns="">
+              <a14:hiddenEffects xmlns="" xmlns:a14="http://schemas.microsoft.com/office/drawing/2010/main">
                 <a:effectLst>
                   <a:outerShdw blurRad="63500" dist="38099" dir="2700000" algn="ctr" rotWithShape="0">
                     <a:schemeClr val="bg2">
@@ -24284,12 +24190,12 @@
           <a:effectLst/>
           <a:extLst>
             <a:ext uri="{909E8E84-426E-40dd-AFC4-6F175D3DCCD1}">
-              <a14:hiddenFill xmlns:a14="http://schemas.microsoft.com/office/drawing/2010/main" xmlns="">
+              <a14:hiddenFill xmlns="" xmlns:a14="http://schemas.microsoft.com/office/drawing/2010/main">
                 <a:noFill/>
               </a14:hiddenFill>
             </a:ext>
             <a:ext uri="{AF507438-7753-43e0-B8FC-AC1667EBCBE1}">
-              <a14:hiddenEffects xmlns:a14="http://schemas.microsoft.com/office/drawing/2010/main" xmlns="">
+              <a14:hiddenEffects xmlns="" xmlns:a14="http://schemas.microsoft.com/office/drawing/2010/main">
                 <a:effectLst>
                   <a:outerShdw blurRad="63500" dist="38099" dir="2700000" algn="ctr" rotWithShape="0">
                     <a:schemeClr val="bg2">
@@ -24332,14 +24238,14 @@
           <a:effectLst/>
           <a:extLst>
             <a:ext uri="{909E8E84-426E-40dd-AFC4-6F175D3DCCD1}">
-              <a14:hiddenFill xmlns:a14="http://schemas.microsoft.com/office/drawing/2010/main" xmlns="">
+              <a14:hiddenFill xmlns="" xmlns:a14="http://schemas.microsoft.com/office/drawing/2010/main">
                 <a:solidFill>
                   <a:schemeClr val="accent1"/>
                 </a:solidFill>
               </a14:hiddenFill>
             </a:ext>
             <a:ext uri="{91240B29-F687-4f45-9708-019B960494DF}">
-              <a14:hiddenLine xmlns:a14="http://schemas.microsoft.com/office/drawing/2010/main" xmlns="" w="9525">
+              <a14:hiddenLine xmlns="" xmlns:a14="http://schemas.microsoft.com/office/drawing/2010/main" w="9525">
                 <a:solidFill>
                   <a:schemeClr val="tx1"/>
                 </a:solidFill>
@@ -24349,7 +24255,7 @@
               </a14:hiddenLine>
             </a:ext>
             <a:ext uri="{AF507438-7753-43e0-B8FC-AC1667EBCBE1}">
-              <a14:hiddenEffects xmlns:a14="http://schemas.microsoft.com/office/drawing/2010/main" xmlns="">
+              <a14:hiddenEffects xmlns="" xmlns:a14="http://schemas.microsoft.com/office/drawing/2010/main">
                 <a:effectLst>
                   <a:outerShdw blurRad="63500" dist="38099" dir="2700000" algn="ctr" rotWithShape="0">
                     <a:schemeClr val="bg2">
@@ -24407,12 +24313,12 @@
           <a:effectLst/>
           <a:extLst>
             <a:ext uri="{909E8E84-426E-40dd-AFC4-6F175D3DCCD1}">
-              <a14:hiddenFill xmlns:a14="http://schemas.microsoft.com/office/drawing/2010/main" xmlns="">
+              <a14:hiddenFill xmlns="" xmlns:a14="http://schemas.microsoft.com/office/drawing/2010/main">
                 <a:noFill/>
               </a14:hiddenFill>
             </a:ext>
             <a:ext uri="{AF507438-7753-43e0-B8FC-AC1667EBCBE1}">
-              <a14:hiddenEffects xmlns:a14="http://schemas.microsoft.com/office/drawing/2010/main" xmlns="">
+              <a14:hiddenEffects xmlns="" xmlns:a14="http://schemas.microsoft.com/office/drawing/2010/main">
                 <a:effectLst>
                   <a:outerShdw blurRad="63500" dist="38099" dir="2700000" algn="ctr" rotWithShape="0">
                     <a:schemeClr val="bg2">
@@ -24455,14 +24361,14 @@
           <a:effectLst/>
           <a:extLst>
             <a:ext uri="{909E8E84-426E-40dd-AFC4-6F175D3DCCD1}">
-              <a14:hiddenFill xmlns:a14="http://schemas.microsoft.com/office/drawing/2010/main" xmlns="">
+              <a14:hiddenFill xmlns="" xmlns:a14="http://schemas.microsoft.com/office/drawing/2010/main">
                 <a:solidFill>
                   <a:schemeClr val="accent1"/>
                 </a:solidFill>
               </a14:hiddenFill>
             </a:ext>
             <a:ext uri="{91240B29-F687-4f45-9708-019B960494DF}">
-              <a14:hiddenLine xmlns:a14="http://schemas.microsoft.com/office/drawing/2010/main" xmlns="" w="9525">
+              <a14:hiddenLine xmlns="" xmlns:a14="http://schemas.microsoft.com/office/drawing/2010/main" w="9525">
                 <a:solidFill>
                   <a:schemeClr val="tx1"/>
                 </a:solidFill>
@@ -24472,7 +24378,7 @@
               </a14:hiddenLine>
             </a:ext>
             <a:ext uri="{AF507438-7753-43e0-B8FC-AC1667EBCBE1}">
-              <a14:hiddenEffects xmlns:a14="http://schemas.microsoft.com/office/drawing/2010/main" xmlns="">
+              <a14:hiddenEffects xmlns="" xmlns:a14="http://schemas.microsoft.com/office/drawing/2010/main">
                 <a:effectLst>
                   <a:outerShdw blurRad="63500" dist="38099" dir="2700000" algn="ctr" rotWithShape="0">
                     <a:schemeClr val="bg2">
@@ -24530,12 +24436,12 @@
           <a:effectLst/>
           <a:extLst>
             <a:ext uri="{909E8E84-426E-40dd-AFC4-6F175D3DCCD1}">
-              <a14:hiddenFill xmlns:a14="http://schemas.microsoft.com/office/drawing/2010/main" xmlns="">
+              <a14:hiddenFill xmlns="" xmlns:a14="http://schemas.microsoft.com/office/drawing/2010/main">
                 <a:noFill/>
               </a14:hiddenFill>
             </a:ext>
             <a:ext uri="{AF507438-7753-43e0-B8FC-AC1667EBCBE1}">
-              <a14:hiddenEffects xmlns:a14="http://schemas.microsoft.com/office/drawing/2010/main" xmlns="">
+              <a14:hiddenEffects xmlns="" xmlns:a14="http://schemas.microsoft.com/office/drawing/2010/main">
                 <a:effectLst>
                   <a:outerShdw blurRad="63500" dist="38099" dir="2700000" algn="ctr" rotWithShape="0">
                     <a:schemeClr val="bg2">
@@ -24578,14 +24484,14 @@
           <a:effectLst/>
           <a:extLst>
             <a:ext uri="{909E8E84-426E-40dd-AFC4-6F175D3DCCD1}">
-              <a14:hiddenFill xmlns:a14="http://schemas.microsoft.com/office/drawing/2010/main" xmlns="">
+              <a14:hiddenFill xmlns="" xmlns:a14="http://schemas.microsoft.com/office/drawing/2010/main">
                 <a:solidFill>
                   <a:schemeClr val="accent1"/>
                 </a:solidFill>
               </a14:hiddenFill>
             </a:ext>
             <a:ext uri="{91240B29-F687-4f45-9708-019B960494DF}">
-              <a14:hiddenLine xmlns:a14="http://schemas.microsoft.com/office/drawing/2010/main" xmlns="" w="9525">
+              <a14:hiddenLine xmlns="" xmlns:a14="http://schemas.microsoft.com/office/drawing/2010/main" w="9525">
                 <a:solidFill>
                   <a:schemeClr val="tx1"/>
                 </a:solidFill>
@@ -24595,7 +24501,7 @@
               </a14:hiddenLine>
             </a:ext>
             <a:ext uri="{AF507438-7753-43e0-B8FC-AC1667EBCBE1}">
-              <a14:hiddenEffects xmlns:a14="http://schemas.microsoft.com/office/drawing/2010/main" xmlns="">
+              <a14:hiddenEffects xmlns="" xmlns:a14="http://schemas.microsoft.com/office/drawing/2010/main">
                 <a:effectLst>
                   <a:outerShdw blurRad="63500" dist="38099" dir="2700000" algn="ctr" rotWithShape="0">
                     <a:schemeClr val="bg2">
@@ -24656,12 +24562,12 @@
           <a:effectLst/>
           <a:extLst>
             <a:ext uri="{909E8E84-426E-40dd-AFC4-6F175D3DCCD1}">
-              <a14:hiddenFill xmlns:a14="http://schemas.microsoft.com/office/drawing/2010/main" xmlns="">
+              <a14:hiddenFill xmlns="" xmlns:a14="http://schemas.microsoft.com/office/drawing/2010/main">
                 <a:noFill/>
               </a14:hiddenFill>
             </a:ext>
             <a:ext uri="{AF507438-7753-43e0-B8FC-AC1667EBCBE1}">
-              <a14:hiddenEffects xmlns:a14="http://schemas.microsoft.com/office/drawing/2010/main" xmlns="">
+              <a14:hiddenEffects xmlns="" xmlns:a14="http://schemas.microsoft.com/office/drawing/2010/main">
                 <a:effectLst>
                   <a:outerShdw blurRad="63500" dist="38099" dir="2700000" algn="ctr" rotWithShape="0">
                     <a:schemeClr val="bg2">
@@ -24704,14 +24610,14 @@
           <a:effectLst/>
           <a:extLst>
             <a:ext uri="{909E8E84-426E-40dd-AFC4-6F175D3DCCD1}">
-              <a14:hiddenFill xmlns:a14="http://schemas.microsoft.com/office/drawing/2010/main" xmlns="">
+              <a14:hiddenFill xmlns="" xmlns:a14="http://schemas.microsoft.com/office/drawing/2010/main">
                 <a:solidFill>
                   <a:schemeClr val="accent1"/>
                 </a:solidFill>
               </a14:hiddenFill>
             </a:ext>
             <a:ext uri="{91240B29-F687-4f45-9708-019B960494DF}">
-              <a14:hiddenLine xmlns:a14="http://schemas.microsoft.com/office/drawing/2010/main" xmlns="" w="9525">
+              <a14:hiddenLine xmlns="" xmlns:a14="http://schemas.microsoft.com/office/drawing/2010/main" w="9525">
                 <a:solidFill>
                   <a:schemeClr val="tx1"/>
                 </a:solidFill>
@@ -24721,7 +24627,7 @@
               </a14:hiddenLine>
             </a:ext>
             <a:ext uri="{AF507438-7753-43e0-B8FC-AC1667EBCBE1}">
-              <a14:hiddenEffects xmlns:a14="http://schemas.microsoft.com/office/drawing/2010/main" xmlns="">
+              <a14:hiddenEffects xmlns="" xmlns:a14="http://schemas.microsoft.com/office/drawing/2010/main">
                 <a:effectLst>
                   <a:outerShdw blurRad="63500" dist="38099" dir="2700000" algn="ctr" rotWithShape="0">
                     <a:schemeClr val="bg2">
@@ -24776,12 +24682,12 @@
           <a:effectLst/>
           <a:extLst>
             <a:ext uri="{909E8E84-426E-40dd-AFC4-6F175D3DCCD1}">
-              <a14:hiddenFill xmlns:a14="http://schemas.microsoft.com/office/drawing/2010/main" xmlns="">
+              <a14:hiddenFill xmlns="" xmlns:a14="http://schemas.microsoft.com/office/drawing/2010/main">
                 <a:noFill/>
               </a14:hiddenFill>
             </a:ext>
             <a:ext uri="{AF507438-7753-43e0-B8FC-AC1667EBCBE1}">
-              <a14:hiddenEffects xmlns:a14="http://schemas.microsoft.com/office/drawing/2010/main" xmlns="">
+              <a14:hiddenEffects xmlns="" xmlns:a14="http://schemas.microsoft.com/office/drawing/2010/main">
                 <a:effectLst>
                   <a:outerShdw blurRad="63500" dist="38099" dir="2700000" algn="ctr" rotWithShape="0">
                     <a:schemeClr val="bg2">
@@ -24824,14 +24730,14 @@
           <a:effectLst/>
           <a:extLst>
             <a:ext uri="{909E8E84-426E-40dd-AFC4-6F175D3DCCD1}">
-              <a14:hiddenFill xmlns:a14="http://schemas.microsoft.com/office/drawing/2010/main" xmlns="">
+              <a14:hiddenFill xmlns="" xmlns:a14="http://schemas.microsoft.com/office/drawing/2010/main">
                 <a:solidFill>
                   <a:schemeClr val="accent1"/>
                 </a:solidFill>
               </a14:hiddenFill>
             </a:ext>
             <a:ext uri="{91240B29-F687-4f45-9708-019B960494DF}">
-              <a14:hiddenLine xmlns:a14="http://schemas.microsoft.com/office/drawing/2010/main" xmlns="" w="9525">
+              <a14:hiddenLine xmlns="" xmlns:a14="http://schemas.microsoft.com/office/drawing/2010/main" w="9525">
                 <a:solidFill>
                   <a:schemeClr val="tx1"/>
                 </a:solidFill>
@@ -24841,7 +24747,7 @@
               </a14:hiddenLine>
             </a:ext>
             <a:ext uri="{AF507438-7753-43e0-B8FC-AC1667EBCBE1}">
-              <a14:hiddenEffects xmlns:a14="http://schemas.microsoft.com/office/drawing/2010/main" xmlns="">
+              <a14:hiddenEffects xmlns="" xmlns:a14="http://schemas.microsoft.com/office/drawing/2010/main">
                 <a:effectLst>
                   <a:outerShdw blurRad="63500" dist="38099" dir="2700000" algn="ctr" rotWithShape="0">
                     <a:schemeClr val="bg2">
@@ -24896,12 +24802,12 @@
           <a:effectLst/>
           <a:extLst>
             <a:ext uri="{909E8E84-426E-40dd-AFC4-6F175D3DCCD1}">
-              <a14:hiddenFill xmlns:a14="http://schemas.microsoft.com/office/drawing/2010/main" xmlns="">
+              <a14:hiddenFill xmlns="" xmlns:a14="http://schemas.microsoft.com/office/drawing/2010/main">
                 <a:noFill/>
               </a14:hiddenFill>
             </a:ext>
             <a:ext uri="{AF507438-7753-43e0-B8FC-AC1667EBCBE1}">
-              <a14:hiddenEffects xmlns:a14="http://schemas.microsoft.com/office/drawing/2010/main" xmlns="">
+              <a14:hiddenEffects xmlns="" xmlns:a14="http://schemas.microsoft.com/office/drawing/2010/main">
                 <a:effectLst>
                   <a:outerShdw blurRad="63500" dist="38099" dir="2700000" algn="ctr" rotWithShape="0">
                     <a:schemeClr val="bg2">
@@ -24944,14 +24850,14 @@
           <a:effectLst/>
           <a:extLst>
             <a:ext uri="{909E8E84-426E-40dd-AFC4-6F175D3DCCD1}">
-              <a14:hiddenFill xmlns:a14="http://schemas.microsoft.com/office/drawing/2010/main" xmlns="">
+              <a14:hiddenFill xmlns="" xmlns:a14="http://schemas.microsoft.com/office/drawing/2010/main">
                 <a:solidFill>
                   <a:schemeClr val="accent1"/>
                 </a:solidFill>
               </a14:hiddenFill>
             </a:ext>
             <a:ext uri="{91240B29-F687-4f45-9708-019B960494DF}">
-              <a14:hiddenLine xmlns:a14="http://schemas.microsoft.com/office/drawing/2010/main" xmlns="" w="9525">
+              <a14:hiddenLine xmlns="" xmlns:a14="http://schemas.microsoft.com/office/drawing/2010/main" w="9525">
                 <a:solidFill>
                   <a:schemeClr val="tx1"/>
                 </a:solidFill>
@@ -24961,7 +24867,7 @@
               </a14:hiddenLine>
             </a:ext>
             <a:ext uri="{AF507438-7753-43e0-B8FC-AC1667EBCBE1}">
-              <a14:hiddenEffects xmlns:a14="http://schemas.microsoft.com/office/drawing/2010/main" xmlns="">
+              <a14:hiddenEffects xmlns="" xmlns:a14="http://schemas.microsoft.com/office/drawing/2010/main">
                 <a:effectLst>
                   <a:outerShdw blurRad="63500" dist="38099" dir="2700000" algn="ctr" rotWithShape="0">
                     <a:schemeClr val="bg2">
@@ -25016,12 +24922,12 @@
           <a:effectLst/>
           <a:extLst>
             <a:ext uri="{909E8E84-426E-40dd-AFC4-6F175D3DCCD1}">
-              <a14:hiddenFill xmlns:a14="http://schemas.microsoft.com/office/drawing/2010/main" xmlns="">
+              <a14:hiddenFill xmlns="" xmlns:a14="http://schemas.microsoft.com/office/drawing/2010/main">
                 <a:noFill/>
               </a14:hiddenFill>
             </a:ext>
             <a:ext uri="{AF507438-7753-43e0-B8FC-AC1667EBCBE1}">
-              <a14:hiddenEffects xmlns:a14="http://schemas.microsoft.com/office/drawing/2010/main" xmlns="">
+              <a14:hiddenEffects xmlns="" xmlns:a14="http://schemas.microsoft.com/office/drawing/2010/main">
                 <a:effectLst>
                   <a:outerShdw blurRad="63500" dist="38099" dir="2700000" algn="ctr" rotWithShape="0">
                     <a:schemeClr val="bg2">
@@ -25064,14 +24970,14 @@
           <a:effectLst/>
           <a:extLst>
             <a:ext uri="{909E8E84-426E-40dd-AFC4-6F175D3DCCD1}">
-              <a14:hiddenFill xmlns:a14="http://schemas.microsoft.com/office/drawing/2010/main" xmlns="">
+              <a14:hiddenFill xmlns="" xmlns:a14="http://schemas.microsoft.com/office/drawing/2010/main">
                 <a:solidFill>
                   <a:schemeClr val="accent1"/>
                 </a:solidFill>
               </a14:hiddenFill>
             </a:ext>
             <a:ext uri="{91240B29-F687-4f45-9708-019B960494DF}">
-              <a14:hiddenLine xmlns:a14="http://schemas.microsoft.com/office/drawing/2010/main" xmlns="" w="9525">
+              <a14:hiddenLine xmlns="" xmlns:a14="http://schemas.microsoft.com/office/drawing/2010/main" w="9525">
                 <a:solidFill>
                   <a:schemeClr val="tx1"/>
                 </a:solidFill>
@@ -25081,7 +24987,7 @@
               </a14:hiddenLine>
             </a:ext>
             <a:ext uri="{AF507438-7753-43e0-B8FC-AC1667EBCBE1}">
-              <a14:hiddenEffects xmlns:a14="http://schemas.microsoft.com/office/drawing/2010/main" xmlns="">
+              <a14:hiddenEffects xmlns="" xmlns:a14="http://schemas.microsoft.com/office/drawing/2010/main">
                 <a:effectLst>
                   <a:outerShdw blurRad="63500" dist="38099" dir="2700000" algn="ctr" rotWithShape="0">
                     <a:schemeClr val="bg2">
@@ -25244,14 +25150,14 @@
           <a:effectLst/>
           <a:extLst>
             <a:ext uri="{909E8E84-426E-40dd-AFC4-6F175D3DCCD1}">
-              <a14:hiddenFill xmlns:a14="http://schemas.microsoft.com/office/drawing/2010/main" xmlns="">
+              <a14:hiddenFill xmlns="" xmlns:a14="http://schemas.microsoft.com/office/drawing/2010/main">
                 <a:solidFill>
                   <a:schemeClr val="accent1"/>
                 </a:solidFill>
               </a14:hiddenFill>
             </a:ext>
             <a:ext uri="{AF507438-7753-43e0-B8FC-AC1667EBCBE1}">
-              <a14:hiddenEffects xmlns:a14="http://schemas.microsoft.com/office/drawing/2010/main" xmlns="">
+              <a14:hiddenEffects xmlns="" xmlns:a14="http://schemas.microsoft.com/office/drawing/2010/main">
                 <a:effectLst>
                   <a:outerShdw blurRad="63500" dist="38099" dir="2700000" algn="ctr" rotWithShape="0">
                     <a:schemeClr val="bg2">
@@ -25294,14 +25200,14 @@
           <a:effectLst/>
           <a:extLst>
             <a:ext uri="{909E8E84-426E-40dd-AFC4-6F175D3DCCD1}">
-              <a14:hiddenFill xmlns:a14="http://schemas.microsoft.com/office/drawing/2010/main" xmlns="">
+              <a14:hiddenFill xmlns="" xmlns:a14="http://schemas.microsoft.com/office/drawing/2010/main">
                 <a:solidFill>
                   <a:schemeClr val="accent1"/>
                 </a:solidFill>
               </a14:hiddenFill>
             </a:ext>
             <a:ext uri="{91240B29-F687-4f45-9708-019B960494DF}">
-              <a14:hiddenLine xmlns:a14="http://schemas.microsoft.com/office/drawing/2010/main" xmlns="" w="9525">
+              <a14:hiddenLine xmlns="" xmlns:a14="http://schemas.microsoft.com/office/drawing/2010/main" w="9525">
                 <a:solidFill>
                   <a:schemeClr val="tx1"/>
                 </a:solidFill>
@@ -25311,7 +25217,7 @@
               </a14:hiddenLine>
             </a:ext>
             <a:ext uri="{AF507438-7753-43e0-B8FC-AC1667EBCBE1}">
-              <a14:hiddenEffects xmlns:a14="http://schemas.microsoft.com/office/drawing/2010/main" xmlns="">
+              <a14:hiddenEffects xmlns="" xmlns:a14="http://schemas.microsoft.com/office/drawing/2010/main">
                 <a:effectLst>
                   <a:outerShdw blurRad="63500" dist="38099" dir="2700000" algn="ctr" rotWithShape="0">
                     <a:schemeClr val="bg2">
@@ -25392,14 +25298,14 @@
           <a:effectLst/>
           <a:extLst>
             <a:ext uri="{909E8E84-426E-40dd-AFC4-6F175D3DCCD1}">
-              <a14:hiddenFill xmlns:a14="http://schemas.microsoft.com/office/drawing/2010/main" xmlns="">
+              <a14:hiddenFill xmlns="" xmlns:a14="http://schemas.microsoft.com/office/drawing/2010/main">
                 <a:solidFill>
                   <a:schemeClr val="accent1"/>
                 </a:solidFill>
               </a14:hiddenFill>
             </a:ext>
             <a:ext uri="{91240B29-F687-4f45-9708-019B960494DF}">
-              <a14:hiddenLine xmlns:a14="http://schemas.microsoft.com/office/drawing/2010/main" xmlns="" w="9525">
+              <a14:hiddenLine xmlns="" xmlns:a14="http://schemas.microsoft.com/office/drawing/2010/main" w="9525">
                 <a:solidFill>
                   <a:schemeClr val="tx1"/>
                 </a:solidFill>
@@ -25409,7 +25315,7 @@
               </a14:hiddenLine>
             </a:ext>
             <a:ext uri="{AF507438-7753-43e0-B8FC-AC1667EBCBE1}">
-              <a14:hiddenEffects xmlns:a14="http://schemas.microsoft.com/office/drawing/2010/main" xmlns="">
+              <a14:hiddenEffects xmlns="" xmlns:a14="http://schemas.microsoft.com/office/drawing/2010/main">
                 <a:effectLst>
                   <a:outerShdw blurRad="63500" dist="38099" dir="2700000" algn="ctr" rotWithShape="0">
                     <a:schemeClr val="bg2">
@@ -25586,14 +25492,14 @@
           <a:effectLst/>
           <a:extLst>
             <a:ext uri="{909E8E84-426E-40dd-AFC4-6F175D3DCCD1}">
-              <a14:hiddenFill xmlns:a14="http://schemas.microsoft.com/office/drawing/2010/main" xmlns="">
+              <a14:hiddenFill xmlns="" xmlns:a14="http://schemas.microsoft.com/office/drawing/2010/main">
                 <a:solidFill>
                   <a:schemeClr val="accent1"/>
                 </a:solidFill>
               </a14:hiddenFill>
             </a:ext>
             <a:ext uri="{AF507438-7753-43e0-B8FC-AC1667EBCBE1}">
-              <a14:hiddenEffects xmlns:a14="http://schemas.microsoft.com/office/drawing/2010/main" xmlns="">
+              <a14:hiddenEffects xmlns="" xmlns:a14="http://schemas.microsoft.com/office/drawing/2010/main">
                 <a:effectLst>
                   <a:outerShdw blurRad="63500" dist="38099" dir="2700000" algn="ctr" rotWithShape="0">
                     <a:schemeClr val="bg2">
@@ -25678,14 +25584,14 @@
           <a:effectLst/>
           <a:extLst>
             <a:ext uri="{909E8E84-426E-40dd-AFC4-6F175D3DCCD1}">
-              <a14:hiddenFill xmlns:a14="http://schemas.microsoft.com/office/drawing/2010/main" xmlns="">
+              <a14:hiddenFill xmlns="" xmlns:a14="http://schemas.microsoft.com/office/drawing/2010/main">
                 <a:solidFill>
                   <a:schemeClr val="accent1"/>
                 </a:solidFill>
               </a14:hiddenFill>
             </a:ext>
             <a:ext uri="{AF507438-7753-43e0-B8FC-AC1667EBCBE1}">
-              <a14:hiddenEffects xmlns:a14="http://schemas.microsoft.com/office/drawing/2010/main" xmlns="">
+              <a14:hiddenEffects xmlns="" xmlns:a14="http://schemas.microsoft.com/office/drawing/2010/main">
                 <a:effectLst>
                   <a:outerShdw blurRad="63500" dist="38099" dir="2700000" algn="ctr" rotWithShape="0">
                     <a:schemeClr val="bg2">
@@ -25767,14 +25673,14 @@
           <a:effectLst/>
           <a:extLst>
             <a:ext uri="{909E8E84-426E-40dd-AFC4-6F175D3DCCD1}">
-              <a14:hiddenFill xmlns:a14="http://schemas.microsoft.com/office/drawing/2010/main" xmlns="">
+              <a14:hiddenFill xmlns="" xmlns:a14="http://schemas.microsoft.com/office/drawing/2010/main">
                 <a:solidFill>
                   <a:schemeClr val="accent1"/>
                 </a:solidFill>
               </a14:hiddenFill>
             </a:ext>
             <a:ext uri="{AF507438-7753-43e0-B8FC-AC1667EBCBE1}">
-              <a14:hiddenEffects xmlns:a14="http://schemas.microsoft.com/office/drawing/2010/main" xmlns="">
+              <a14:hiddenEffects xmlns="" xmlns:a14="http://schemas.microsoft.com/office/drawing/2010/main">
                 <a:effectLst>
                   <a:outerShdw blurRad="63500" dist="38099" dir="2700000" algn="ctr" rotWithShape="0">
                     <a:schemeClr val="bg2">
@@ -25859,14 +25765,14 @@
           <a:effectLst/>
           <a:extLst>
             <a:ext uri="{909E8E84-426E-40dd-AFC4-6F175D3DCCD1}">
-              <a14:hiddenFill xmlns:a14="http://schemas.microsoft.com/office/drawing/2010/main" xmlns="">
+              <a14:hiddenFill xmlns="" xmlns:a14="http://schemas.microsoft.com/office/drawing/2010/main">
                 <a:solidFill>
                   <a:schemeClr val="accent1"/>
                 </a:solidFill>
               </a14:hiddenFill>
             </a:ext>
             <a:ext uri="{AF507438-7753-43e0-B8FC-AC1667EBCBE1}">
-              <a14:hiddenEffects xmlns:a14="http://schemas.microsoft.com/office/drawing/2010/main" xmlns="">
+              <a14:hiddenEffects xmlns="" xmlns:a14="http://schemas.microsoft.com/office/drawing/2010/main">
                 <a:effectLst>
                   <a:outerShdw blurRad="63500" dist="38099" dir="2700000" algn="ctr" rotWithShape="0">
                     <a:schemeClr val="bg2">
@@ -25951,14 +25857,14 @@
           <a:effectLst/>
           <a:extLst>
             <a:ext uri="{909E8E84-426E-40dd-AFC4-6F175D3DCCD1}">
-              <a14:hiddenFill xmlns:a14="http://schemas.microsoft.com/office/drawing/2010/main" xmlns="">
+              <a14:hiddenFill xmlns="" xmlns:a14="http://schemas.microsoft.com/office/drawing/2010/main">
                 <a:solidFill>
                   <a:schemeClr val="accent1"/>
                 </a:solidFill>
               </a14:hiddenFill>
             </a:ext>
             <a:ext uri="{AF507438-7753-43e0-B8FC-AC1667EBCBE1}">
-              <a14:hiddenEffects xmlns:a14="http://schemas.microsoft.com/office/drawing/2010/main" xmlns="">
+              <a14:hiddenEffects xmlns="" xmlns:a14="http://schemas.microsoft.com/office/drawing/2010/main">
                 <a:effectLst>
                   <a:outerShdw blurRad="63500" dist="38099" dir="2700000" algn="ctr" rotWithShape="0">
                     <a:schemeClr val="bg2">
@@ -26037,14 +25943,14 @@
           <a:effectLst/>
           <a:extLst>
             <a:ext uri="{909E8E84-426E-40dd-AFC4-6F175D3DCCD1}">
-              <a14:hiddenFill xmlns:a14="http://schemas.microsoft.com/office/drawing/2010/main" xmlns="">
+              <a14:hiddenFill xmlns="" xmlns:a14="http://schemas.microsoft.com/office/drawing/2010/main">
                 <a:solidFill>
                   <a:schemeClr val="accent1"/>
                 </a:solidFill>
               </a14:hiddenFill>
             </a:ext>
             <a:ext uri="{AF507438-7753-43e0-B8FC-AC1667EBCBE1}">
-              <a14:hiddenEffects xmlns:a14="http://schemas.microsoft.com/office/drawing/2010/main" xmlns="">
+              <a14:hiddenEffects xmlns="" xmlns:a14="http://schemas.microsoft.com/office/drawing/2010/main">
                 <a:effectLst>
                   <a:outerShdw blurRad="63500" dist="38099" dir="2700000" algn="ctr" rotWithShape="0">
                     <a:schemeClr val="bg2">
@@ -26123,12 +26029,12 @@
           <a:effectLst/>
           <a:extLst>
             <a:ext uri="{909E8E84-426E-40dd-AFC4-6F175D3DCCD1}">
-              <a14:hiddenFill xmlns:a14="http://schemas.microsoft.com/office/drawing/2010/main" xmlns="">
+              <a14:hiddenFill xmlns="" xmlns:a14="http://schemas.microsoft.com/office/drawing/2010/main">
                 <a:noFill/>
               </a14:hiddenFill>
             </a:ext>
             <a:ext uri="{AF507438-7753-43e0-B8FC-AC1667EBCBE1}">
-              <a14:hiddenEffects xmlns:a14="http://schemas.microsoft.com/office/drawing/2010/main" xmlns="">
+              <a14:hiddenEffects xmlns="" xmlns:a14="http://schemas.microsoft.com/office/drawing/2010/main">
                 <a:effectLst>
                   <a:outerShdw blurRad="63500" dist="38099" dir="2700000" algn="ctr" rotWithShape="0">
                     <a:schemeClr val="bg2">
@@ -26171,14 +26077,14 @@
           <a:effectLst/>
           <a:extLst>
             <a:ext uri="{909E8E84-426E-40dd-AFC4-6F175D3DCCD1}">
-              <a14:hiddenFill xmlns:a14="http://schemas.microsoft.com/office/drawing/2010/main" xmlns="">
+              <a14:hiddenFill xmlns="" xmlns:a14="http://schemas.microsoft.com/office/drawing/2010/main">
                 <a:solidFill>
                   <a:schemeClr val="accent1"/>
                 </a:solidFill>
               </a14:hiddenFill>
             </a:ext>
             <a:ext uri="{91240B29-F687-4f45-9708-019B960494DF}">
-              <a14:hiddenLine xmlns:a14="http://schemas.microsoft.com/office/drawing/2010/main" xmlns="" w="9525">
+              <a14:hiddenLine xmlns="" xmlns:a14="http://schemas.microsoft.com/office/drawing/2010/main" w="9525">
                 <a:solidFill>
                   <a:schemeClr val="tx1"/>
                 </a:solidFill>
@@ -26188,7 +26094,7 @@
               </a14:hiddenLine>
             </a:ext>
             <a:ext uri="{AF507438-7753-43e0-B8FC-AC1667EBCBE1}">
-              <a14:hiddenEffects xmlns:a14="http://schemas.microsoft.com/office/drawing/2010/main" xmlns="">
+              <a14:hiddenEffects xmlns="" xmlns:a14="http://schemas.microsoft.com/office/drawing/2010/main">
                 <a:effectLst>
                   <a:outerShdw blurRad="63500" dist="38099" dir="2700000" algn="ctr" rotWithShape="0">
                     <a:schemeClr val="bg2">
@@ -26246,12 +26152,12 @@
           <a:effectLst/>
           <a:extLst>
             <a:ext uri="{909E8E84-426E-40dd-AFC4-6F175D3DCCD1}">
-              <a14:hiddenFill xmlns:a14="http://schemas.microsoft.com/office/drawing/2010/main" xmlns="">
+              <a14:hiddenFill xmlns="" xmlns:a14="http://schemas.microsoft.com/office/drawing/2010/main">
                 <a:noFill/>
               </a14:hiddenFill>
             </a:ext>
             <a:ext uri="{AF507438-7753-43e0-B8FC-AC1667EBCBE1}">
-              <a14:hiddenEffects xmlns:a14="http://schemas.microsoft.com/office/drawing/2010/main" xmlns="">
+              <a14:hiddenEffects xmlns="" xmlns:a14="http://schemas.microsoft.com/office/drawing/2010/main">
                 <a:effectLst>
                   <a:outerShdw blurRad="63500" dist="38099" dir="2700000" algn="ctr" rotWithShape="0">
                     <a:schemeClr val="bg2">
@@ -26294,14 +26200,14 @@
           <a:effectLst/>
           <a:extLst>
             <a:ext uri="{909E8E84-426E-40dd-AFC4-6F175D3DCCD1}">
-              <a14:hiddenFill xmlns:a14="http://schemas.microsoft.com/office/drawing/2010/main" xmlns="">
+              <a14:hiddenFill xmlns="" xmlns:a14="http://schemas.microsoft.com/office/drawing/2010/main">
                 <a:solidFill>
                   <a:schemeClr val="accent1"/>
                 </a:solidFill>
               </a14:hiddenFill>
             </a:ext>
             <a:ext uri="{91240B29-F687-4f45-9708-019B960494DF}">
-              <a14:hiddenLine xmlns:a14="http://schemas.microsoft.com/office/drawing/2010/main" xmlns="" w="9525">
+              <a14:hiddenLine xmlns="" xmlns:a14="http://schemas.microsoft.com/office/drawing/2010/main" w="9525">
                 <a:solidFill>
                   <a:schemeClr val="tx1"/>
                 </a:solidFill>
@@ -26311,7 +26217,7 @@
               </a14:hiddenLine>
             </a:ext>
             <a:ext uri="{AF507438-7753-43e0-B8FC-AC1667EBCBE1}">
-              <a14:hiddenEffects xmlns:a14="http://schemas.microsoft.com/office/drawing/2010/main" xmlns="">
+              <a14:hiddenEffects xmlns="" xmlns:a14="http://schemas.microsoft.com/office/drawing/2010/main">
                 <a:effectLst>
                   <a:outerShdw blurRad="63500" dist="38099" dir="2700000" algn="ctr" rotWithShape="0">
                     <a:schemeClr val="bg2">
@@ -26369,12 +26275,12 @@
           <a:effectLst/>
           <a:extLst>
             <a:ext uri="{909E8E84-426E-40dd-AFC4-6F175D3DCCD1}">
-              <a14:hiddenFill xmlns:a14="http://schemas.microsoft.com/office/drawing/2010/main" xmlns="">
+              <a14:hiddenFill xmlns="" xmlns:a14="http://schemas.microsoft.com/office/drawing/2010/main">
                 <a:noFill/>
               </a14:hiddenFill>
             </a:ext>
             <a:ext uri="{AF507438-7753-43e0-B8FC-AC1667EBCBE1}">
-              <a14:hiddenEffects xmlns:a14="http://schemas.microsoft.com/office/drawing/2010/main" xmlns="">
+              <a14:hiddenEffects xmlns="" xmlns:a14="http://schemas.microsoft.com/office/drawing/2010/main">
                 <a:effectLst>
                   <a:outerShdw blurRad="63500" dist="38099" dir="2700000" algn="ctr" rotWithShape="0">
                     <a:schemeClr val="bg2">
@@ -26417,14 +26323,14 @@
           <a:effectLst/>
           <a:extLst>
             <a:ext uri="{909E8E84-426E-40dd-AFC4-6F175D3DCCD1}">
-              <a14:hiddenFill xmlns:a14="http://schemas.microsoft.com/office/drawing/2010/main" xmlns="">
+              <a14:hiddenFill xmlns="" xmlns:a14="http://schemas.microsoft.com/office/drawing/2010/main">
                 <a:solidFill>
                   <a:schemeClr val="accent1"/>
                 </a:solidFill>
               </a14:hiddenFill>
             </a:ext>
             <a:ext uri="{91240B29-F687-4f45-9708-019B960494DF}">
-              <a14:hiddenLine xmlns:a14="http://schemas.microsoft.com/office/drawing/2010/main" xmlns="" w="9525">
+              <a14:hiddenLine xmlns="" xmlns:a14="http://schemas.microsoft.com/office/drawing/2010/main" w="9525">
                 <a:solidFill>
                   <a:schemeClr val="tx1"/>
                 </a:solidFill>
@@ -26434,7 +26340,7 @@
               </a14:hiddenLine>
             </a:ext>
             <a:ext uri="{AF507438-7753-43e0-B8FC-AC1667EBCBE1}">
-              <a14:hiddenEffects xmlns:a14="http://schemas.microsoft.com/office/drawing/2010/main" xmlns="">
+              <a14:hiddenEffects xmlns="" xmlns:a14="http://schemas.microsoft.com/office/drawing/2010/main">
                 <a:effectLst>
                   <a:outerShdw blurRad="63500" dist="38099" dir="2700000" algn="ctr" rotWithShape="0">
                     <a:schemeClr val="bg2">
@@ -26492,12 +26398,12 @@
           <a:effectLst/>
           <a:extLst>
             <a:ext uri="{909E8E84-426E-40dd-AFC4-6F175D3DCCD1}">
-              <a14:hiddenFill xmlns:a14="http://schemas.microsoft.com/office/drawing/2010/main" xmlns="">
+              <a14:hiddenFill xmlns="" xmlns:a14="http://schemas.microsoft.com/office/drawing/2010/main">
                 <a:noFill/>
               </a14:hiddenFill>
             </a:ext>
             <a:ext uri="{AF507438-7753-43e0-B8FC-AC1667EBCBE1}">
-              <a14:hiddenEffects xmlns:a14="http://schemas.microsoft.com/office/drawing/2010/main" xmlns="">
+              <a14:hiddenEffects xmlns="" xmlns:a14="http://schemas.microsoft.com/office/drawing/2010/main">
                 <a:effectLst>
                   <a:outerShdw blurRad="63500" dist="38099" dir="2700000" algn="ctr" rotWithShape="0">
                     <a:schemeClr val="bg2">
@@ -26540,14 +26446,14 @@
           <a:effectLst/>
           <a:extLst>
             <a:ext uri="{909E8E84-426E-40dd-AFC4-6F175D3DCCD1}">
-              <a14:hiddenFill xmlns:a14="http://schemas.microsoft.com/office/drawing/2010/main" xmlns="">
+              <a14:hiddenFill xmlns="" xmlns:a14="http://schemas.microsoft.com/office/drawing/2010/main">
                 <a:solidFill>
                   <a:schemeClr val="accent1"/>
                 </a:solidFill>
               </a14:hiddenFill>
             </a:ext>
             <a:ext uri="{91240B29-F687-4f45-9708-019B960494DF}">
-              <a14:hiddenLine xmlns:a14="http://schemas.microsoft.com/office/drawing/2010/main" xmlns="" w="9525">
+              <a14:hiddenLine xmlns="" xmlns:a14="http://schemas.microsoft.com/office/drawing/2010/main" w="9525">
                 <a:solidFill>
                   <a:schemeClr val="tx1"/>
                 </a:solidFill>
@@ -26557,7 +26463,7 @@
               </a14:hiddenLine>
             </a:ext>
             <a:ext uri="{AF507438-7753-43e0-B8FC-AC1667EBCBE1}">
-              <a14:hiddenEffects xmlns:a14="http://schemas.microsoft.com/office/drawing/2010/main" xmlns="">
+              <a14:hiddenEffects xmlns="" xmlns:a14="http://schemas.microsoft.com/office/drawing/2010/main">
                 <a:effectLst>
                   <a:outerShdw blurRad="63500" dist="38099" dir="2700000" algn="ctr" rotWithShape="0">
                     <a:schemeClr val="bg2">
@@ -26615,12 +26521,12 @@
           <a:effectLst/>
           <a:extLst>
             <a:ext uri="{909E8E84-426E-40dd-AFC4-6F175D3DCCD1}">
-              <a14:hiddenFill xmlns:a14="http://schemas.microsoft.com/office/drawing/2010/main" xmlns="">
+              <a14:hiddenFill xmlns="" xmlns:a14="http://schemas.microsoft.com/office/drawing/2010/main">
                 <a:noFill/>
               </a14:hiddenFill>
             </a:ext>
             <a:ext uri="{AF507438-7753-43e0-B8FC-AC1667EBCBE1}">
-              <a14:hiddenEffects xmlns:a14="http://schemas.microsoft.com/office/drawing/2010/main" xmlns="">
+              <a14:hiddenEffects xmlns="" xmlns:a14="http://schemas.microsoft.com/office/drawing/2010/main">
                 <a:effectLst>
                   <a:outerShdw blurRad="63500" dist="38099" dir="2700000" algn="ctr" rotWithShape="0">
                     <a:schemeClr val="bg2">
@@ -26663,14 +26569,14 @@
           <a:effectLst/>
           <a:extLst>
             <a:ext uri="{909E8E84-426E-40dd-AFC4-6F175D3DCCD1}">
-              <a14:hiddenFill xmlns:a14="http://schemas.microsoft.com/office/drawing/2010/main" xmlns="">
+              <a14:hiddenFill xmlns="" xmlns:a14="http://schemas.microsoft.com/office/drawing/2010/main">
                 <a:solidFill>
                   <a:schemeClr val="accent1"/>
                 </a:solidFill>
               </a14:hiddenFill>
             </a:ext>
             <a:ext uri="{91240B29-F687-4f45-9708-019B960494DF}">
-              <a14:hiddenLine xmlns:a14="http://schemas.microsoft.com/office/drawing/2010/main" xmlns="" w="9525">
+              <a14:hiddenLine xmlns="" xmlns:a14="http://schemas.microsoft.com/office/drawing/2010/main" w="9525">
                 <a:solidFill>
                   <a:schemeClr val="tx1"/>
                 </a:solidFill>
@@ -26680,7 +26586,7 @@
               </a14:hiddenLine>
             </a:ext>
             <a:ext uri="{AF507438-7753-43e0-B8FC-AC1667EBCBE1}">
-              <a14:hiddenEffects xmlns:a14="http://schemas.microsoft.com/office/drawing/2010/main" xmlns="">
+              <a14:hiddenEffects xmlns="" xmlns:a14="http://schemas.microsoft.com/office/drawing/2010/main">
                 <a:effectLst>
                   <a:outerShdw blurRad="63500" dist="38099" dir="2700000" algn="ctr" rotWithShape="0">
                     <a:schemeClr val="bg2">
@@ -26735,12 +26641,12 @@
           <a:effectLst/>
           <a:extLst>
             <a:ext uri="{909E8E84-426E-40dd-AFC4-6F175D3DCCD1}">
-              <a14:hiddenFill xmlns:a14="http://schemas.microsoft.com/office/drawing/2010/main" xmlns="">
+              <a14:hiddenFill xmlns="" xmlns:a14="http://schemas.microsoft.com/office/drawing/2010/main">
                 <a:noFill/>
               </a14:hiddenFill>
             </a:ext>
             <a:ext uri="{AF507438-7753-43e0-B8FC-AC1667EBCBE1}">
-              <a14:hiddenEffects xmlns:a14="http://schemas.microsoft.com/office/drawing/2010/main" xmlns="">
+              <a14:hiddenEffects xmlns="" xmlns:a14="http://schemas.microsoft.com/office/drawing/2010/main">
                 <a:effectLst>
                   <a:outerShdw blurRad="63500" dist="38099" dir="2700000" algn="ctr" rotWithShape="0">
                     <a:schemeClr val="bg2">
@@ -26783,14 +26689,14 @@
           <a:effectLst/>
           <a:extLst>
             <a:ext uri="{909E8E84-426E-40dd-AFC4-6F175D3DCCD1}">
-              <a14:hiddenFill xmlns:a14="http://schemas.microsoft.com/office/drawing/2010/main" xmlns="">
+              <a14:hiddenFill xmlns="" xmlns:a14="http://schemas.microsoft.com/office/drawing/2010/main">
                 <a:solidFill>
                   <a:schemeClr val="accent1"/>
                 </a:solidFill>
               </a14:hiddenFill>
             </a:ext>
             <a:ext uri="{91240B29-F687-4f45-9708-019B960494DF}">
-              <a14:hiddenLine xmlns:a14="http://schemas.microsoft.com/office/drawing/2010/main" xmlns="" w="9525">
+              <a14:hiddenLine xmlns="" xmlns:a14="http://schemas.microsoft.com/office/drawing/2010/main" w="9525">
                 <a:solidFill>
                   <a:schemeClr val="tx1"/>
                 </a:solidFill>
@@ -26800,7 +26706,7 @@
               </a14:hiddenLine>
             </a:ext>
             <a:ext uri="{AF507438-7753-43e0-B8FC-AC1667EBCBE1}">
-              <a14:hiddenEffects xmlns:a14="http://schemas.microsoft.com/office/drawing/2010/main" xmlns="">
+              <a14:hiddenEffects xmlns="" xmlns:a14="http://schemas.microsoft.com/office/drawing/2010/main">
                 <a:effectLst>
                   <a:outerShdw blurRad="63500" dist="38099" dir="2700000" algn="ctr" rotWithShape="0">
                     <a:schemeClr val="bg2">
@@ -26855,12 +26761,12 @@
           <a:effectLst/>
           <a:extLst>
             <a:ext uri="{909E8E84-426E-40dd-AFC4-6F175D3DCCD1}">
-              <a14:hiddenFill xmlns:a14="http://schemas.microsoft.com/office/drawing/2010/main" xmlns="">
+              <a14:hiddenFill xmlns="" xmlns:a14="http://schemas.microsoft.com/office/drawing/2010/main">
                 <a:noFill/>
               </a14:hiddenFill>
             </a:ext>
             <a:ext uri="{AF507438-7753-43e0-B8FC-AC1667EBCBE1}">
-              <a14:hiddenEffects xmlns:a14="http://schemas.microsoft.com/office/drawing/2010/main" xmlns="">
+              <a14:hiddenEffects xmlns="" xmlns:a14="http://schemas.microsoft.com/office/drawing/2010/main">
                 <a:effectLst>
                   <a:outerShdw blurRad="63500" dist="38099" dir="2700000" algn="ctr" rotWithShape="0">
                     <a:schemeClr val="bg2">
@@ -26903,14 +26809,14 @@
           <a:effectLst/>
           <a:extLst>
             <a:ext uri="{909E8E84-426E-40dd-AFC4-6F175D3DCCD1}">
-              <a14:hiddenFill xmlns:a14="http://schemas.microsoft.com/office/drawing/2010/main" xmlns="">
+              <a14:hiddenFill xmlns="" xmlns:a14="http://schemas.microsoft.com/office/drawing/2010/main">
                 <a:solidFill>
                   <a:schemeClr val="accent1"/>
                 </a:solidFill>
               </a14:hiddenFill>
             </a:ext>
             <a:ext uri="{91240B29-F687-4f45-9708-019B960494DF}">
-              <a14:hiddenLine xmlns:a14="http://schemas.microsoft.com/office/drawing/2010/main" xmlns="" w="9525">
+              <a14:hiddenLine xmlns="" xmlns:a14="http://schemas.microsoft.com/office/drawing/2010/main" w="9525">
                 <a:solidFill>
                   <a:schemeClr val="tx1"/>
                 </a:solidFill>
@@ -26920,7 +26826,7 @@
               </a14:hiddenLine>
             </a:ext>
             <a:ext uri="{AF507438-7753-43e0-B8FC-AC1667EBCBE1}">
-              <a14:hiddenEffects xmlns:a14="http://schemas.microsoft.com/office/drawing/2010/main" xmlns="">
+              <a14:hiddenEffects xmlns="" xmlns:a14="http://schemas.microsoft.com/office/drawing/2010/main">
                 <a:effectLst>
                   <a:outerShdw blurRad="63500" dist="38099" dir="2700000" algn="ctr" rotWithShape="0">
                     <a:schemeClr val="bg2">
@@ -27083,14 +26989,14 @@
           <a:effectLst/>
           <a:extLst>
             <a:ext uri="{909E8E84-426E-40dd-AFC4-6F175D3DCCD1}">
-              <a14:hiddenFill xmlns:a14="http://schemas.microsoft.com/office/drawing/2010/main" xmlns="">
+              <a14:hiddenFill xmlns="" xmlns:a14="http://schemas.microsoft.com/office/drawing/2010/main">
                 <a:solidFill>
                   <a:schemeClr val="accent1"/>
                 </a:solidFill>
               </a14:hiddenFill>
             </a:ext>
             <a:ext uri="{AF507438-7753-43e0-B8FC-AC1667EBCBE1}">
-              <a14:hiddenEffects xmlns:a14="http://schemas.microsoft.com/office/drawing/2010/main" xmlns="">
+              <a14:hiddenEffects xmlns="" xmlns:a14="http://schemas.microsoft.com/office/drawing/2010/main">
                 <a:effectLst>
                   <a:outerShdw blurRad="63500" dist="38099" dir="2700000" algn="ctr" rotWithShape="0">
                     <a:schemeClr val="bg2">
@@ -27133,14 +27039,14 @@
           <a:effectLst/>
           <a:extLst>
             <a:ext uri="{909E8E84-426E-40dd-AFC4-6F175D3DCCD1}">
-              <a14:hiddenFill xmlns:a14="http://schemas.microsoft.com/office/drawing/2010/main" xmlns="">
+              <a14:hiddenFill xmlns="" xmlns:a14="http://schemas.microsoft.com/office/drawing/2010/main">
                 <a:solidFill>
                   <a:schemeClr val="accent1"/>
                 </a:solidFill>
               </a14:hiddenFill>
             </a:ext>
             <a:ext uri="{91240B29-F687-4f45-9708-019B960494DF}">
-              <a14:hiddenLine xmlns:a14="http://schemas.microsoft.com/office/drawing/2010/main" xmlns="" w="9525">
+              <a14:hiddenLine xmlns="" xmlns:a14="http://schemas.microsoft.com/office/drawing/2010/main" w="9525">
                 <a:solidFill>
                   <a:schemeClr val="tx1"/>
                 </a:solidFill>
@@ -27150,7 +27056,7 @@
               </a14:hiddenLine>
             </a:ext>
             <a:ext uri="{AF507438-7753-43e0-B8FC-AC1667EBCBE1}">
-              <a14:hiddenEffects xmlns:a14="http://schemas.microsoft.com/office/drawing/2010/main" xmlns="">
+              <a14:hiddenEffects xmlns="" xmlns:a14="http://schemas.microsoft.com/office/drawing/2010/main">
                 <a:effectLst>
                   <a:outerShdw blurRad="63500" dist="38099" dir="2700000" algn="ctr" rotWithShape="0">
                     <a:schemeClr val="bg2">
@@ -27205,14 +27111,14 @@
           <a:effectLst/>
           <a:extLst>
             <a:ext uri="{909E8E84-426E-40dd-AFC4-6F175D3DCCD1}">
-              <a14:hiddenFill xmlns:a14="http://schemas.microsoft.com/office/drawing/2010/main" xmlns="">
+              <a14:hiddenFill xmlns="" xmlns:a14="http://schemas.microsoft.com/office/drawing/2010/main">
                 <a:solidFill>
                   <a:schemeClr val="accent1"/>
                 </a:solidFill>
               </a14:hiddenFill>
             </a:ext>
             <a:ext uri="{AF507438-7753-43e0-B8FC-AC1667EBCBE1}">
-              <a14:hiddenEffects xmlns:a14="http://schemas.microsoft.com/office/drawing/2010/main" xmlns="">
+              <a14:hiddenEffects xmlns="" xmlns:a14="http://schemas.microsoft.com/office/drawing/2010/main">
                 <a:effectLst>
                   <a:outerShdw blurRad="63500" dist="38099" dir="2700000" algn="ctr" rotWithShape="0">
                     <a:schemeClr val="bg2">
@@ -27320,14 +27226,14 @@
           <a:effectLst/>
           <a:extLst>
             <a:ext uri="{909E8E84-426E-40dd-AFC4-6F175D3DCCD1}">
-              <a14:hiddenFill xmlns:a14="http://schemas.microsoft.com/office/drawing/2010/main" xmlns="">
+              <a14:hiddenFill xmlns="" xmlns:a14="http://schemas.microsoft.com/office/drawing/2010/main">
                 <a:solidFill>
                   <a:schemeClr val="accent1"/>
                 </a:solidFill>
               </a14:hiddenFill>
             </a:ext>
             <a:ext uri="{91240B29-F687-4f45-9708-019B960494DF}">
-              <a14:hiddenLine xmlns:a14="http://schemas.microsoft.com/office/drawing/2010/main" xmlns="" w="9525">
+              <a14:hiddenLine xmlns="" xmlns:a14="http://schemas.microsoft.com/office/drawing/2010/main" w="9525">
                 <a:solidFill>
                   <a:schemeClr val="tx1"/>
                 </a:solidFill>
@@ -27337,7 +27243,7 @@
               </a14:hiddenLine>
             </a:ext>
             <a:ext uri="{AF507438-7753-43e0-B8FC-AC1667EBCBE1}">
-              <a14:hiddenEffects xmlns:a14="http://schemas.microsoft.com/office/drawing/2010/main" xmlns="">
+              <a14:hiddenEffects xmlns="" xmlns:a14="http://schemas.microsoft.com/office/drawing/2010/main">
                 <a:effectLst>
                   <a:outerShdw blurRad="63500" dist="38099" dir="2700000" algn="ctr" rotWithShape="0">
                     <a:schemeClr val="bg2">
@@ -27508,14 +27414,14 @@
           <a:effectLst/>
           <a:extLst>
             <a:ext uri="{909E8E84-426E-40dd-AFC4-6F175D3DCCD1}">
-              <a14:hiddenFill xmlns:a14="http://schemas.microsoft.com/office/drawing/2010/main" xmlns="">
+              <a14:hiddenFill xmlns="" xmlns:a14="http://schemas.microsoft.com/office/drawing/2010/main">
                 <a:solidFill>
                   <a:schemeClr val="accent1"/>
                 </a:solidFill>
               </a14:hiddenFill>
             </a:ext>
             <a:ext uri="{AF507438-7753-43e0-B8FC-AC1667EBCBE1}">
-              <a14:hiddenEffects xmlns:a14="http://schemas.microsoft.com/office/drawing/2010/main" xmlns="">
+              <a14:hiddenEffects xmlns="" xmlns:a14="http://schemas.microsoft.com/office/drawing/2010/main">
                 <a:effectLst>
                   <a:outerShdw blurRad="63500" dist="38099" dir="2700000" algn="ctr" rotWithShape="0">
                     <a:schemeClr val="bg2">
@@ -27600,14 +27506,14 @@
           <a:effectLst/>
           <a:extLst>
             <a:ext uri="{909E8E84-426E-40dd-AFC4-6F175D3DCCD1}">
-              <a14:hiddenFill xmlns:a14="http://schemas.microsoft.com/office/drawing/2010/main" xmlns="">
+              <a14:hiddenFill xmlns="" xmlns:a14="http://schemas.microsoft.com/office/drawing/2010/main">
                 <a:solidFill>
                   <a:schemeClr val="accent1"/>
                 </a:solidFill>
               </a14:hiddenFill>
             </a:ext>
             <a:ext uri="{AF507438-7753-43e0-B8FC-AC1667EBCBE1}">
-              <a14:hiddenEffects xmlns:a14="http://schemas.microsoft.com/office/drawing/2010/main" xmlns="">
+              <a14:hiddenEffects xmlns="" xmlns:a14="http://schemas.microsoft.com/office/drawing/2010/main">
                 <a:effectLst>
                   <a:outerShdw blurRad="63500" dist="38099" dir="2700000" algn="ctr" rotWithShape="0">
                     <a:schemeClr val="bg2">
@@ -27689,14 +27595,14 @@
           <a:effectLst/>
           <a:extLst>
             <a:ext uri="{909E8E84-426E-40dd-AFC4-6F175D3DCCD1}">
-              <a14:hiddenFill xmlns:a14="http://schemas.microsoft.com/office/drawing/2010/main" xmlns="">
+              <a14:hiddenFill xmlns="" xmlns:a14="http://schemas.microsoft.com/office/drawing/2010/main">
                 <a:solidFill>
                   <a:schemeClr val="accent1"/>
                 </a:solidFill>
               </a14:hiddenFill>
             </a:ext>
             <a:ext uri="{AF507438-7753-43e0-B8FC-AC1667EBCBE1}">
-              <a14:hiddenEffects xmlns:a14="http://schemas.microsoft.com/office/drawing/2010/main" xmlns="">
+              <a14:hiddenEffects xmlns="" xmlns:a14="http://schemas.microsoft.com/office/drawing/2010/main">
                 <a:effectLst>
                   <a:outerShdw blurRad="63500" dist="38099" dir="2700000" algn="ctr" rotWithShape="0">
                     <a:schemeClr val="bg2">
@@ -27781,14 +27687,14 @@
           <a:effectLst/>
           <a:extLst>
             <a:ext uri="{909E8E84-426E-40dd-AFC4-6F175D3DCCD1}">
-              <a14:hiddenFill xmlns:a14="http://schemas.microsoft.com/office/drawing/2010/main" xmlns="">
+              <a14:hiddenFill xmlns="" xmlns:a14="http://schemas.microsoft.com/office/drawing/2010/main">
                 <a:solidFill>
                   <a:schemeClr val="accent1"/>
                 </a:solidFill>
               </a14:hiddenFill>
             </a:ext>
             <a:ext uri="{AF507438-7753-43e0-B8FC-AC1667EBCBE1}">
-              <a14:hiddenEffects xmlns:a14="http://schemas.microsoft.com/office/drawing/2010/main" xmlns="">
+              <a14:hiddenEffects xmlns="" xmlns:a14="http://schemas.microsoft.com/office/drawing/2010/main">
                 <a:effectLst>
                   <a:outerShdw blurRad="63500" dist="38099" dir="2700000" algn="ctr" rotWithShape="0">
                     <a:schemeClr val="bg2">
@@ -27873,14 +27779,14 @@
           <a:effectLst/>
           <a:extLst>
             <a:ext uri="{909E8E84-426E-40dd-AFC4-6F175D3DCCD1}">
-              <a14:hiddenFill xmlns:a14="http://schemas.microsoft.com/office/drawing/2010/main" xmlns="">
+              <a14:hiddenFill xmlns="" xmlns:a14="http://schemas.microsoft.com/office/drawing/2010/main">
                 <a:solidFill>
                   <a:schemeClr val="accent1"/>
                 </a:solidFill>
               </a14:hiddenFill>
             </a:ext>
             <a:ext uri="{AF507438-7753-43e0-B8FC-AC1667EBCBE1}">
-              <a14:hiddenEffects xmlns:a14="http://schemas.microsoft.com/office/drawing/2010/main" xmlns="">
+              <a14:hiddenEffects xmlns="" xmlns:a14="http://schemas.microsoft.com/office/drawing/2010/main">
                 <a:effectLst>
                   <a:outerShdw blurRad="63500" dist="38099" dir="2700000" algn="ctr" rotWithShape="0">
                     <a:schemeClr val="bg2">
@@ -27965,14 +27871,14 @@
           <a:effectLst/>
           <a:extLst>
             <a:ext uri="{909E8E84-426E-40dd-AFC4-6F175D3DCCD1}">
-              <a14:hiddenFill xmlns:a14="http://schemas.microsoft.com/office/drawing/2010/main" xmlns="">
+              <a14:hiddenFill xmlns="" xmlns:a14="http://schemas.microsoft.com/office/drawing/2010/main">
                 <a:solidFill>
                   <a:schemeClr val="accent1"/>
                 </a:solidFill>
               </a14:hiddenFill>
             </a:ext>
             <a:ext uri="{AF507438-7753-43e0-B8FC-AC1667EBCBE1}">
-              <a14:hiddenEffects xmlns:a14="http://schemas.microsoft.com/office/drawing/2010/main" xmlns="">
+              <a14:hiddenEffects xmlns="" xmlns:a14="http://schemas.microsoft.com/office/drawing/2010/main">
                 <a:effectLst>
                   <a:outerShdw blurRad="63500" dist="38099" dir="2700000" algn="ctr" rotWithShape="0">
                     <a:schemeClr val="bg2">
@@ -28051,12 +27957,12 @@
           <a:effectLst/>
           <a:extLst>
             <a:ext uri="{909E8E84-426E-40dd-AFC4-6F175D3DCCD1}">
-              <a14:hiddenFill xmlns:a14="http://schemas.microsoft.com/office/drawing/2010/main" xmlns="">
+              <a14:hiddenFill xmlns="" xmlns:a14="http://schemas.microsoft.com/office/drawing/2010/main">
                 <a:noFill/>
               </a14:hiddenFill>
             </a:ext>
             <a:ext uri="{AF507438-7753-43e0-B8FC-AC1667EBCBE1}">
-              <a14:hiddenEffects xmlns:a14="http://schemas.microsoft.com/office/drawing/2010/main" xmlns="">
+              <a14:hiddenEffects xmlns="" xmlns:a14="http://schemas.microsoft.com/office/drawing/2010/main">
                 <a:effectLst>
                   <a:outerShdw blurRad="63500" dist="38099" dir="2700000" algn="ctr" rotWithShape="0">
                     <a:schemeClr val="bg2">
@@ -28099,14 +28005,14 @@
           <a:effectLst/>
           <a:extLst>
             <a:ext uri="{909E8E84-426E-40dd-AFC4-6F175D3DCCD1}">
-              <a14:hiddenFill xmlns:a14="http://schemas.microsoft.com/office/drawing/2010/main" xmlns="">
+              <a14:hiddenFill xmlns="" xmlns:a14="http://schemas.microsoft.com/office/drawing/2010/main">
                 <a:solidFill>
                   <a:schemeClr val="accent1"/>
                 </a:solidFill>
               </a14:hiddenFill>
             </a:ext>
             <a:ext uri="{91240B29-F687-4f45-9708-019B960494DF}">
-              <a14:hiddenLine xmlns:a14="http://schemas.microsoft.com/office/drawing/2010/main" xmlns="" w="9525">
+              <a14:hiddenLine xmlns="" xmlns:a14="http://schemas.microsoft.com/office/drawing/2010/main" w="9525">
                 <a:solidFill>
                   <a:schemeClr val="tx1"/>
                 </a:solidFill>
@@ -28116,7 +28022,7 @@
               </a14:hiddenLine>
             </a:ext>
             <a:ext uri="{AF507438-7753-43e0-B8FC-AC1667EBCBE1}">
-              <a14:hiddenEffects xmlns:a14="http://schemas.microsoft.com/office/drawing/2010/main" xmlns="">
+              <a14:hiddenEffects xmlns="" xmlns:a14="http://schemas.microsoft.com/office/drawing/2010/main">
                 <a:effectLst>
                   <a:outerShdw blurRad="63500" dist="38099" dir="2700000" algn="ctr" rotWithShape="0">
                     <a:schemeClr val="bg2">
@@ -28174,12 +28080,12 @@
           <a:effectLst/>
           <a:extLst>
             <a:ext uri="{909E8E84-426E-40dd-AFC4-6F175D3DCCD1}">
-              <a14:hiddenFill xmlns:a14="http://schemas.microsoft.com/office/drawing/2010/main" xmlns="">
+              <a14:hiddenFill xmlns="" xmlns:a14="http://schemas.microsoft.com/office/drawing/2010/main">
                 <a:noFill/>
               </a14:hiddenFill>
             </a:ext>
             <a:ext uri="{AF507438-7753-43e0-B8FC-AC1667EBCBE1}">
-              <a14:hiddenEffects xmlns:a14="http://schemas.microsoft.com/office/drawing/2010/main" xmlns="">
+              <a14:hiddenEffects xmlns="" xmlns:a14="http://schemas.microsoft.com/office/drawing/2010/main">
                 <a:effectLst>
                   <a:outerShdw blurRad="63500" dist="38099" dir="2700000" algn="ctr" rotWithShape="0">
                     <a:schemeClr val="bg2">
@@ -28222,14 +28128,14 @@
           <a:effectLst/>
           <a:extLst>
             <a:ext uri="{909E8E84-426E-40dd-AFC4-6F175D3DCCD1}">
-              <a14:hiddenFill xmlns:a14="http://schemas.microsoft.com/office/drawing/2010/main" xmlns="">
+              <a14:hiddenFill xmlns="" xmlns:a14="http://schemas.microsoft.com/office/drawing/2010/main">
                 <a:solidFill>
                   <a:schemeClr val="accent1"/>
                 </a:solidFill>
               </a14:hiddenFill>
             </a:ext>
             <a:ext uri="{91240B29-F687-4f45-9708-019B960494DF}">
-              <a14:hiddenLine xmlns:a14="http://schemas.microsoft.com/office/drawing/2010/main" xmlns="" w="9525">
+              <a14:hiddenLine xmlns="" xmlns:a14="http://schemas.microsoft.com/office/drawing/2010/main" w="9525">
                 <a:solidFill>
                   <a:schemeClr val="tx1"/>
                 </a:solidFill>
@@ -28239,7 +28145,7 @@
               </a14:hiddenLine>
             </a:ext>
             <a:ext uri="{AF507438-7753-43e0-B8FC-AC1667EBCBE1}">
-              <a14:hiddenEffects xmlns:a14="http://schemas.microsoft.com/office/drawing/2010/main" xmlns="">
+              <a14:hiddenEffects xmlns="" xmlns:a14="http://schemas.microsoft.com/office/drawing/2010/main">
                 <a:effectLst>
                   <a:outerShdw blurRad="63500" dist="38099" dir="2700000" algn="ctr" rotWithShape="0">
                     <a:schemeClr val="bg2">
@@ -28297,12 +28203,12 @@
           <a:effectLst/>
           <a:extLst>
             <a:ext uri="{909E8E84-426E-40dd-AFC4-6F175D3DCCD1}">
-              <a14:hiddenFill xmlns:a14="http://schemas.microsoft.com/office/drawing/2010/main" xmlns="">
+              <a14:hiddenFill xmlns="" xmlns:a14="http://schemas.microsoft.com/office/drawing/2010/main">
                 <a:noFill/>
               </a14:hiddenFill>
             </a:ext>
             <a:ext uri="{AF507438-7753-43e0-B8FC-AC1667EBCBE1}">
-              <a14:hiddenEffects xmlns:a14="http://schemas.microsoft.com/office/drawing/2010/main" xmlns="">
+              <a14:hiddenEffects xmlns="" xmlns:a14="http://schemas.microsoft.com/office/drawing/2010/main">
                 <a:effectLst>
                   <a:outerShdw blurRad="63500" dist="38099" dir="2700000" algn="ctr" rotWithShape="0">
                     <a:schemeClr val="bg2">
@@ -28345,14 +28251,14 @@
           <a:effectLst/>
           <a:extLst>
             <a:ext uri="{909E8E84-426E-40dd-AFC4-6F175D3DCCD1}">
-              <a14:hiddenFill xmlns:a14="http://schemas.microsoft.com/office/drawing/2010/main" xmlns="">
+              <a14:hiddenFill xmlns="" xmlns:a14="http://schemas.microsoft.com/office/drawing/2010/main">
                 <a:solidFill>
                   <a:schemeClr val="accent1"/>
                 </a:solidFill>
               </a14:hiddenFill>
             </a:ext>
             <a:ext uri="{91240B29-F687-4f45-9708-019B960494DF}">
-              <a14:hiddenLine xmlns:a14="http://schemas.microsoft.com/office/drawing/2010/main" xmlns="" w="9525">
+              <a14:hiddenLine xmlns="" xmlns:a14="http://schemas.microsoft.com/office/drawing/2010/main" w="9525">
                 <a:solidFill>
                   <a:schemeClr val="tx1"/>
                 </a:solidFill>
@@ -28362,7 +28268,7 @@
               </a14:hiddenLine>
             </a:ext>
             <a:ext uri="{AF507438-7753-43e0-B8FC-AC1667EBCBE1}">
-              <a14:hiddenEffects xmlns:a14="http://schemas.microsoft.com/office/drawing/2010/main" xmlns="">
+              <a14:hiddenEffects xmlns="" xmlns:a14="http://schemas.microsoft.com/office/drawing/2010/main">
                 <a:effectLst>
                   <a:outerShdw blurRad="63500" dist="38099" dir="2700000" algn="ctr" rotWithShape="0">
                     <a:schemeClr val="bg2">
@@ -28420,12 +28326,12 @@
           <a:effectLst/>
           <a:extLst>
             <a:ext uri="{909E8E84-426E-40dd-AFC4-6F175D3DCCD1}">
-              <a14:hiddenFill xmlns:a14="http://schemas.microsoft.com/office/drawing/2010/main" xmlns="">
+              <a14:hiddenFill xmlns="" xmlns:a14="http://schemas.microsoft.com/office/drawing/2010/main">
                 <a:noFill/>
               </a14:hiddenFill>
             </a:ext>
             <a:ext uri="{AF507438-7753-43e0-B8FC-AC1667EBCBE1}">
-              <a14:hiddenEffects xmlns:a14="http://schemas.microsoft.com/office/drawing/2010/main" xmlns="">
+              <a14:hiddenEffects xmlns="" xmlns:a14="http://schemas.microsoft.com/office/drawing/2010/main">
                 <a:effectLst>
                   <a:outerShdw blurRad="63500" dist="38099" dir="2700000" algn="ctr" rotWithShape="0">
                     <a:schemeClr val="bg2">
@@ -28468,14 +28374,14 @@
           <a:effectLst/>
           <a:extLst>
             <a:ext uri="{909E8E84-426E-40dd-AFC4-6F175D3DCCD1}">
-              <a14:hiddenFill xmlns:a14="http://schemas.microsoft.com/office/drawing/2010/main" xmlns="">
+              <a14:hiddenFill xmlns="" xmlns:a14="http://schemas.microsoft.com/office/drawing/2010/main">
                 <a:solidFill>
                   <a:schemeClr val="accent1"/>
                 </a:solidFill>
               </a14:hiddenFill>
             </a:ext>
             <a:ext uri="{91240B29-F687-4f45-9708-019B960494DF}">
-              <a14:hiddenLine xmlns:a14="http://schemas.microsoft.com/office/drawing/2010/main" xmlns="" w="9525">
+              <a14:hiddenLine xmlns="" xmlns:a14="http://schemas.microsoft.com/office/drawing/2010/main" w="9525">
                 <a:solidFill>
                   <a:schemeClr val="tx1"/>
                 </a:solidFill>
@@ -28485,7 +28391,7 @@
               </a14:hiddenLine>
             </a:ext>
             <a:ext uri="{AF507438-7753-43e0-B8FC-AC1667EBCBE1}">
-              <a14:hiddenEffects xmlns:a14="http://schemas.microsoft.com/office/drawing/2010/main" xmlns="">
+              <a14:hiddenEffects xmlns="" xmlns:a14="http://schemas.microsoft.com/office/drawing/2010/main">
                 <a:effectLst>
                   <a:outerShdw blurRad="63500" dist="38099" dir="2700000" algn="ctr" rotWithShape="0">
                     <a:schemeClr val="bg2">
@@ -28543,12 +28449,12 @@
           <a:effectLst/>
           <a:extLst>
             <a:ext uri="{909E8E84-426E-40dd-AFC4-6F175D3DCCD1}">
-              <a14:hiddenFill xmlns:a14="http://schemas.microsoft.com/office/drawing/2010/main" xmlns="">
+              <a14:hiddenFill xmlns="" xmlns:a14="http://schemas.microsoft.com/office/drawing/2010/main">
                 <a:noFill/>
               </a14:hiddenFill>
             </a:ext>
             <a:ext uri="{AF507438-7753-43e0-B8FC-AC1667EBCBE1}">
-              <a14:hiddenEffects xmlns:a14="http://schemas.microsoft.com/office/drawing/2010/main" xmlns="">
+              <a14:hiddenEffects xmlns="" xmlns:a14="http://schemas.microsoft.com/office/drawing/2010/main">
                 <a:effectLst>
                   <a:outerShdw blurRad="63500" dist="38099" dir="2700000" algn="ctr" rotWithShape="0">
                     <a:schemeClr val="bg2">
@@ -28591,14 +28497,14 @@
           <a:effectLst/>
           <a:extLst>
             <a:ext uri="{909E8E84-426E-40dd-AFC4-6F175D3DCCD1}">
-              <a14:hiddenFill xmlns:a14="http://schemas.microsoft.com/office/drawing/2010/main" xmlns="">
+              <a14:hiddenFill xmlns="" xmlns:a14="http://schemas.microsoft.com/office/drawing/2010/main">
                 <a:solidFill>
                   <a:schemeClr val="accent1"/>
                 </a:solidFill>
               </a14:hiddenFill>
             </a:ext>
             <a:ext uri="{91240B29-F687-4f45-9708-019B960494DF}">
-              <a14:hiddenLine xmlns:a14="http://schemas.microsoft.com/office/drawing/2010/main" xmlns="" w="9525">
+              <a14:hiddenLine xmlns="" xmlns:a14="http://schemas.microsoft.com/office/drawing/2010/main" w="9525">
                 <a:solidFill>
                   <a:schemeClr val="tx1"/>
                 </a:solidFill>
@@ -28608,7 +28514,7 @@
               </a14:hiddenLine>
             </a:ext>
             <a:ext uri="{AF507438-7753-43e0-B8FC-AC1667EBCBE1}">
-              <a14:hiddenEffects xmlns:a14="http://schemas.microsoft.com/office/drawing/2010/main" xmlns="">
+              <a14:hiddenEffects xmlns="" xmlns:a14="http://schemas.microsoft.com/office/drawing/2010/main">
                 <a:effectLst>
                   <a:outerShdw blurRad="63500" dist="38099" dir="2700000" algn="ctr" rotWithShape="0">
                     <a:schemeClr val="bg2">
@@ -28666,12 +28572,12 @@
           <a:effectLst/>
           <a:extLst>
             <a:ext uri="{909E8E84-426E-40dd-AFC4-6F175D3DCCD1}">
-              <a14:hiddenFill xmlns:a14="http://schemas.microsoft.com/office/drawing/2010/main" xmlns="">
+              <a14:hiddenFill xmlns="" xmlns:a14="http://schemas.microsoft.com/office/drawing/2010/main">
                 <a:noFill/>
               </a14:hiddenFill>
             </a:ext>
             <a:ext uri="{AF507438-7753-43e0-B8FC-AC1667EBCBE1}">
-              <a14:hiddenEffects xmlns:a14="http://schemas.microsoft.com/office/drawing/2010/main" xmlns="">
+              <a14:hiddenEffects xmlns="" xmlns:a14="http://schemas.microsoft.com/office/drawing/2010/main">
                 <a:effectLst>
                   <a:outerShdw blurRad="63500" dist="38099" dir="2700000" algn="ctr" rotWithShape="0">
                     <a:schemeClr val="bg2">
@@ -28714,14 +28620,14 @@
           <a:effectLst/>
           <a:extLst>
             <a:ext uri="{909E8E84-426E-40dd-AFC4-6F175D3DCCD1}">
-              <a14:hiddenFill xmlns:a14="http://schemas.microsoft.com/office/drawing/2010/main" xmlns="">
+              <a14:hiddenFill xmlns="" xmlns:a14="http://schemas.microsoft.com/office/drawing/2010/main">
                 <a:solidFill>
                   <a:schemeClr val="accent1"/>
                 </a:solidFill>
               </a14:hiddenFill>
             </a:ext>
             <a:ext uri="{91240B29-F687-4f45-9708-019B960494DF}">
-              <a14:hiddenLine xmlns:a14="http://schemas.microsoft.com/office/drawing/2010/main" xmlns="" w="9525">
+              <a14:hiddenLine xmlns="" xmlns:a14="http://schemas.microsoft.com/office/drawing/2010/main" w="9525">
                 <a:solidFill>
                   <a:schemeClr val="tx1"/>
                 </a:solidFill>
@@ -28731,7 +28637,7 @@
               </a14:hiddenLine>
             </a:ext>
             <a:ext uri="{AF507438-7753-43e0-B8FC-AC1667EBCBE1}">
-              <a14:hiddenEffects xmlns:a14="http://schemas.microsoft.com/office/drawing/2010/main" xmlns="">
+              <a14:hiddenEffects xmlns="" xmlns:a14="http://schemas.microsoft.com/office/drawing/2010/main">
                 <a:effectLst>
                   <a:outerShdw blurRad="63500" dist="38099" dir="2700000" algn="ctr" rotWithShape="0">
                     <a:schemeClr val="bg2">
@@ -28786,12 +28692,12 @@
           <a:effectLst/>
           <a:extLst>
             <a:ext uri="{909E8E84-426E-40dd-AFC4-6F175D3DCCD1}">
-              <a14:hiddenFill xmlns:a14="http://schemas.microsoft.com/office/drawing/2010/main" xmlns="">
+              <a14:hiddenFill xmlns="" xmlns:a14="http://schemas.microsoft.com/office/drawing/2010/main">
                 <a:noFill/>
               </a14:hiddenFill>
             </a:ext>
             <a:ext uri="{AF507438-7753-43e0-B8FC-AC1667EBCBE1}">
-              <a14:hiddenEffects xmlns:a14="http://schemas.microsoft.com/office/drawing/2010/main" xmlns="">
+              <a14:hiddenEffects xmlns="" xmlns:a14="http://schemas.microsoft.com/office/drawing/2010/main">
                 <a:effectLst>
                   <a:outerShdw blurRad="63500" dist="38099" dir="2700000" algn="ctr" rotWithShape="0">
                     <a:schemeClr val="bg2">
@@ -28834,14 +28740,14 @@
           <a:effectLst/>
           <a:extLst>
             <a:ext uri="{909E8E84-426E-40dd-AFC4-6F175D3DCCD1}">
-              <a14:hiddenFill xmlns:a14="http://schemas.microsoft.com/office/drawing/2010/main" xmlns="">
+              <a14:hiddenFill xmlns="" xmlns:a14="http://schemas.microsoft.com/office/drawing/2010/main">
                 <a:solidFill>
                   <a:schemeClr val="accent1"/>
                 </a:solidFill>
               </a14:hiddenFill>
             </a:ext>
             <a:ext uri="{91240B29-F687-4f45-9708-019B960494DF}">
-              <a14:hiddenLine xmlns:a14="http://schemas.microsoft.com/office/drawing/2010/main" xmlns="" w="9525">
+              <a14:hiddenLine xmlns="" xmlns:a14="http://schemas.microsoft.com/office/drawing/2010/main" w="9525">
                 <a:solidFill>
                   <a:schemeClr val="tx1"/>
                 </a:solidFill>
@@ -28851,7 +28757,7 @@
               </a14:hiddenLine>
             </a:ext>
             <a:ext uri="{AF507438-7753-43e0-B8FC-AC1667EBCBE1}">
-              <a14:hiddenEffects xmlns:a14="http://schemas.microsoft.com/office/drawing/2010/main" xmlns="">
+              <a14:hiddenEffects xmlns="" xmlns:a14="http://schemas.microsoft.com/office/drawing/2010/main">
                 <a:effectLst>
                   <a:outerShdw blurRad="63500" dist="38099" dir="2700000" algn="ctr" rotWithShape="0">
                     <a:schemeClr val="bg2">
@@ -29014,14 +28920,14 @@
           <a:effectLst/>
           <a:extLst>
             <a:ext uri="{909E8E84-426E-40dd-AFC4-6F175D3DCCD1}">
-              <a14:hiddenFill xmlns:a14="http://schemas.microsoft.com/office/drawing/2010/main" xmlns="">
+              <a14:hiddenFill xmlns="" xmlns:a14="http://schemas.microsoft.com/office/drawing/2010/main">
                 <a:solidFill>
                   <a:schemeClr val="accent1"/>
                 </a:solidFill>
               </a14:hiddenFill>
             </a:ext>
             <a:ext uri="{AF507438-7753-43e0-B8FC-AC1667EBCBE1}">
-              <a14:hiddenEffects xmlns:a14="http://schemas.microsoft.com/office/drawing/2010/main" xmlns="">
+              <a14:hiddenEffects xmlns="" xmlns:a14="http://schemas.microsoft.com/office/drawing/2010/main">
                 <a:effectLst>
                   <a:outerShdw blurRad="63500" dist="38099" dir="2700000" algn="ctr" rotWithShape="0">
                     <a:schemeClr val="bg2">
@@ -29064,14 +28970,14 @@
           <a:effectLst/>
           <a:extLst>
             <a:ext uri="{909E8E84-426E-40dd-AFC4-6F175D3DCCD1}">
-              <a14:hiddenFill xmlns:a14="http://schemas.microsoft.com/office/drawing/2010/main" xmlns="">
+              <a14:hiddenFill xmlns="" xmlns:a14="http://schemas.microsoft.com/office/drawing/2010/main">
                 <a:solidFill>
                   <a:schemeClr val="accent1"/>
                 </a:solidFill>
               </a14:hiddenFill>
             </a:ext>
             <a:ext uri="{91240B29-F687-4f45-9708-019B960494DF}">
-              <a14:hiddenLine xmlns:a14="http://schemas.microsoft.com/office/drawing/2010/main" xmlns="" w="9525">
+              <a14:hiddenLine xmlns="" xmlns:a14="http://schemas.microsoft.com/office/drawing/2010/main" w="9525">
                 <a:solidFill>
                   <a:schemeClr val="tx1"/>
                 </a:solidFill>
@@ -29081,7 +28987,7 @@
               </a14:hiddenLine>
             </a:ext>
             <a:ext uri="{AF507438-7753-43e0-B8FC-AC1667EBCBE1}">
-              <a14:hiddenEffects xmlns:a14="http://schemas.microsoft.com/office/drawing/2010/main" xmlns="">
+              <a14:hiddenEffects xmlns="" xmlns:a14="http://schemas.microsoft.com/office/drawing/2010/main">
                 <a:effectLst>
                   <a:outerShdw blurRad="63500" dist="38099" dir="2700000" algn="ctr" rotWithShape="0">
                     <a:schemeClr val="bg2">
@@ -29136,14 +29042,14 @@
           <a:effectLst/>
           <a:extLst>
             <a:ext uri="{909E8E84-426E-40dd-AFC4-6F175D3DCCD1}">
-              <a14:hiddenFill xmlns:a14="http://schemas.microsoft.com/office/drawing/2010/main" xmlns="">
+              <a14:hiddenFill xmlns="" xmlns:a14="http://schemas.microsoft.com/office/drawing/2010/main">
                 <a:solidFill>
                   <a:schemeClr val="accent1"/>
                 </a:solidFill>
               </a14:hiddenFill>
             </a:ext>
             <a:ext uri="{AF507438-7753-43e0-B8FC-AC1667EBCBE1}">
-              <a14:hiddenEffects xmlns:a14="http://schemas.microsoft.com/office/drawing/2010/main" xmlns="">
+              <a14:hiddenEffects xmlns="" xmlns:a14="http://schemas.microsoft.com/office/drawing/2010/main">
                 <a:effectLst>
                   <a:outerShdw blurRad="63500" dist="38099" dir="2700000" algn="ctr" rotWithShape="0">
                     <a:schemeClr val="bg2">
@@ -29220,14 +29126,14 @@
           <a:effectLst/>
           <a:extLst>
             <a:ext uri="{909E8E84-426E-40dd-AFC4-6F175D3DCCD1}">
-              <a14:hiddenFill xmlns:a14="http://schemas.microsoft.com/office/drawing/2010/main" xmlns="">
+              <a14:hiddenFill xmlns="" xmlns:a14="http://schemas.microsoft.com/office/drawing/2010/main">
                 <a:solidFill>
                   <a:schemeClr val="accent1"/>
                 </a:solidFill>
               </a14:hiddenFill>
             </a:ext>
             <a:ext uri="{91240B29-F687-4f45-9708-019B960494DF}">
-              <a14:hiddenLine xmlns:a14="http://schemas.microsoft.com/office/drawing/2010/main" xmlns="" w="9525">
+              <a14:hiddenLine xmlns="" xmlns:a14="http://schemas.microsoft.com/office/drawing/2010/main" w="9525">
                 <a:solidFill>
                   <a:schemeClr val="tx1"/>
                 </a:solidFill>
@@ -29237,7 +29143,7 @@
               </a14:hiddenLine>
             </a:ext>
             <a:ext uri="{AF507438-7753-43e0-B8FC-AC1667EBCBE1}">
-              <a14:hiddenEffects xmlns:a14="http://schemas.microsoft.com/office/drawing/2010/main" xmlns="">
+              <a14:hiddenEffects xmlns="" xmlns:a14="http://schemas.microsoft.com/office/drawing/2010/main">
                 <a:effectLst>
                   <a:outerShdw blurRad="63500" dist="38099" dir="2700000" algn="ctr" rotWithShape="0">
                     <a:schemeClr val="bg2">
@@ -29289,14 +29195,14 @@
           <a:effectLst/>
           <a:extLst>
             <a:ext uri="{909E8E84-426E-40dd-AFC4-6F175D3DCCD1}">
-              <a14:hiddenFill xmlns:a14="http://schemas.microsoft.com/office/drawing/2010/main" xmlns="">
+              <a14:hiddenFill xmlns="" xmlns:a14="http://schemas.microsoft.com/office/drawing/2010/main">
                 <a:solidFill>
                   <a:schemeClr val="accent1"/>
                 </a:solidFill>
               </a14:hiddenFill>
             </a:ext>
             <a:ext uri="{91240B29-F687-4f45-9708-019B960494DF}">
-              <a14:hiddenLine xmlns:a14="http://schemas.microsoft.com/office/drawing/2010/main" xmlns="" w="9525">
+              <a14:hiddenLine xmlns="" xmlns:a14="http://schemas.microsoft.com/office/drawing/2010/main" w="9525">
                 <a:solidFill>
                   <a:schemeClr val="tx1"/>
                 </a:solidFill>
@@ -29306,7 +29212,7 @@
               </a14:hiddenLine>
             </a:ext>
             <a:ext uri="{AF507438-7753-43e0-B8FC-AC1667EBCBE1}">
-              <a14:hiddenEffects xmlns:a14="http://schemas.microsoft.com/office/drawing/2010/main" xmlns="">
+              <a14:hiddenEffects xmlns="" xmlns:a14="http://schemas.microsoft.com/office/drawing/2010/main">
                 <a:effectLst>
                   <a:outerShdw blurRad="63500" dist="38099" dir="2700000" algn="ctr" rotWithShape="0">
                     <a:schemeClr val="bg2">
@@ -29385,14 +29291,14 @@
           <a:effectLst/>
           <a:extLst>
             <a:ext uri="{909E8E84-426E-40dd-AFC4-6F175D3DCCD1}">
-              <a14:hiddenFill xmlns:a14="http://schemas.microsoft.com/office/drawing/2010/main" xmlns="">
+              <a14:hiddenFill xmlns="" xmlns:a14="http://schemas.microsoft.com/office/drawing/2010/main">
                 <a:solidFill>
                   <a:schemeClr val="accent1"/>
                 </a:solidFill>
               </a14:hiddenFill>
             </a:ext>
             <a:ext uri="{91240B29-F687-4f45-9708-019B960494DF}">
-              <a14:hiddenLine xmlns:a14="http://schemas.microsoft.com/office/drawing/2010/main" xmlns="" w="9525">
+              <a14:hiddenLine xmlns="" xmlns:a14="http://schemas.microsoft.com/office/drawing/2010/main" w="9525">
                 <a:solidFill>
                   <a:schemeClr val="tx1"/>
                 </a:solidFill>
@@ -29402,7 +29308,7 @@
               </a14:hiddenLine>
             </a:ext>
             <a:ext uri="{AF507438-7753-43e0-B8FC-AC1667EBCBE1}">
-              <a14:hiddenEffects xmlns:a14="http://schemas.microsoft.com/office/drawing/2010/main" xmlns="">
+              <a14:hiddenEffects xmlns="" xmlns:a14="http://schemas.microsoft.com/office/drawing/2010/main">
                 <a:effectLst>
                   <a:outerShdw blurRad="63500" dist="38099" dir="2700000" algn="ctr" rotWithShape="0">
                     <a:schemeClr val="bg2">
@@ -29573,14 +29479,14 @@
           <a:effectLst/>
           <a:extLst>
             <a:ext uri="{909E8E84-426E-40dd-AFC4-6F175D3DCCD1}">
-              <a14:hiddenFill xmlns:a14="http://schemas.microsoft.com/office/drawing/2010/main" xmlns="">
+              <a14:hiddenFill xmlns="" xmlns:a14="http://schemas.microsoft.com/office/drawing/2010/main">
                 <a:solidFill>
                   <a:schemeClr val="accent1"/>
                 </a:solidFill>
               </a14:hiddenFill>
             </a:ext>
             <a:ext uri="{AF507438-7753-43e0-B8FC-AC1667EBCBE1}">
-              <a14:hiddenEffects xmlns:a14="http://schemas.microsoft.com/office/drawing/2010/main" xmlns="">
+              <a14:hiddenEffects xmlns="" xmlns:a14="http://schemas.microsoft.com/office/drawing/2010/main">
                 <a:effectLst>
                   <a:outerShdw blurRad="63500" dist="38099" dir="2700000" algn="ctr" rotWithShape="0">
                     <a:schemeClr val="bg2">
@@ -29665,14 +29571,14 @@
           <a:effectLst/>
           <a:extLst>
             <a:ext uri="{909E8E84-426E-40dd-AFC4-6F175D3DCCD1}">
-              <a14:hiddenFill xmlns:a14="http://schemas.microsoft.com/office/drawing/2010/main" xmlns="">
+              <a14:hiddenFill xmlns="" xmlns:a14="http://schemas.microsoft.com/office/drawing/2010/main">
                 <a:solidFill>
                   <a:schemeClr val="accent1"/>
                 </a:solidFill>
               </a14:hiddenFill>
             </a:ext>
             <a:ext uri="{AF507438-7753-43e0-B8FC-AC1667EBCBE1}">
-              <a14:hiddenEffects xmlns:a14="http://schemas.microsoft.com/office/drawing/2010/main" xmlns="">
+              <a14:hiddenEffects xmlns="" xmlns:a14="http://schemas.microsoft.com/office/drawing/2010/main">
                 <a:effectLst>
                   <a:outerShdw blurRad="63500" dist="38099" dir="2700000" algn="ctr" rotWithShape="0">
                     <a:schemeClr val="bg2">
@@ -29754,14 +29660,14 @@
           <a:effectLst/>
           <a:extLst>
             <a:ext uri="{909E8E84-426E-40dd-AFC4-6F175D3DCCD1}">
-              <a14:hiddenFill xmlns:a14="http://schemas.microsoft.com/office/drawing/2010/main" xmlns="">
+              <a14:hiddenFill xmlns="" xmlns:a14="http://schemas.microsoft.com/office/drawing/2010/main">
                 <a:solidFill>
                   <a:schemeClr val="accent1"/>
                 </a:solidFill>
               </a14:hiddenFill>
             </a:ext>
             <a:ext uri="{AF507438-7753-43e0-B8FC-AC1667EBCBE1}">
-              <a14:hiddenEffects xmlns:a14="http://schemas.microsoft.com/office/drawing/2010/main" xmlns="">
+              <a14:hiddenEffects xmlns="" xmlns:a14="http://schemas.microsoft.com/office/drawing/2010/main">
                 <a:effectLst>
                   <a:outerShdw blurRad="63500" dist="38099" dir="2700000" algn="ctr" rotWithShape="0">
                     <a:schemeClr val="bg2">
@@ -29843,14 +29749,14 @@
           <a:effectLst/>
           <a:extLst>
             <a:ext uri="{909E8E84-426E-40dd-AFC4-6F175D3DCCD1}">
-              <a14:hiddenFill xmlns:a14="http://schemas.microsoft.com/office/drawing/2010/main" xmlns="">
+              <a14:hiddenFill xmlns="" xmlns:a14="http://schemas.microsoft.com/office/drawing/2010/main">
                 <a:solidFill>
                   <a:schemeClr val="accent1"/>
                 </a:solidFill>
               </a14:hiddenFill>
             </a:ext>
             <a:ext uri="{AF507438-7753-43e0-B8FC-AC1667EBCBE1}">
-              <a14:hiddenEffects xmlns:a14="http://schemas.microsoft.com/office/drawing/2010/main" xmlns="">
+              <a14:hiddenEffects xmlns="" xmlns:a14="http://schemas.microsoft.com/office/drawing/2010/main">
                 <a:effectLst>
                   <a:outerShdw blurRad="63500" dist="38099" dir="2700000" algn="ctr" rotWithShape="0">
                     <a:schemeClr val="bg2">
@@ -29935,14 +29841,14 @@
           <a:effectLst/>
           <a:extLst>
             <a:ext uri="{909E8E84-426E-40dd-AFC4-6F175D3DCCD1}">
-              <a14:hiddenFill xmlns:a14="http://schemas.microsoft.com/office/drawing/2010/main" xmlns="">
+              <a14:hiddenFill xmlns="" xmlns:a14="http://schemas.microsoft.com/office/drawing/2010/main">
                 <a:solidFill>
                   <a:schemeClr val="accent1"/>
                 </a:solidFill>
               </a14:hiddenFill>
             </a:ext>
             <a:ext uri="{AF507438-7753-43e0-B8FC-AC1667EBCBE1}">
-              <a14:hiddenEffects xmlns:a14="http://schemas.microsoft.com/office/drawing/2010/main" xmlns="">
+              <a14:hiddenEffects xmlns="" xmlns:a14="http://schemas.microsoft.com/office/drawing/2010/main">
                 <a:effectLst>
                   <a:outerShdw blurRad="63500" dist="38099" dir="2700000" algn="ctr" rotWithShape="0">
                     <a:schemeClr val="bg2">
@@ -30024,14 +29930,14 @@
           <a:effectLst/>
           <a:extLst>
             <a:ext uri="{909E8E84-426E-40dd-AFC4-6F175D3DCCD1}">
-              <a14:hiddenFill xmlns:a14="http://schemas.microsoft.com/office/drawing/2010/main" xmlns="">
+              <a14:hiddenFill xmlns="" xmlns:a14="http://schemas.microsoft.com/office/drawing/2010/main">
                 <a:solidFill>
                   <a:schemeClr val="accent1"/>
                 </a:solidFill>
               </a14:hiddenFill>
             </a:ext>
             <a:ext uri="{AF507438-7753-43e0-B8FC-AC1667EBCBE1}">
-              <a14:hiddenEffects xmlns:a14="http://schemas.microsoft.com/office/drawing/2010/main" xmlns="">
+              <a14:hiddenEffects xmlns="" xmlns:a14="http://schemas.microsoft.com/office/drawing/2010/main">
                 <a:effectLst>
                   <a:outerShdw blurRad="63500" dist="38099" dir="2700000" algn="ctr" rotWithShape="0">
                     <a:schemeClr val="bg2">
@@ -30113,12 +30019,12 @@
           <a:effectLst/>
           <a:extLst>
             <a:ext uri="{909E8E84-426E-40dd-AFC4-6F175D3DCCD1}">
-              <a14:hiddenFill xmlns:a14="http://schemas.microsoft.com/office/drawing/2010/main" xmlns="">
+              <a14:hiddenFill xmlns="" xmlns:a14="http://schemas.microsoft.com/office/drawing/2010/main">
                 <a:noFill/>
               </a14:hiddenFill>
             </a:ext>
             <a:ext uri="{AF507438-7753-43e0-B8FC-AC1667EBCBE1}">
-              <a14:hiddenEffects xmlns:a14="http://schemas.microsoft.com/office/drawing/2010/main" xmlns="">
+              <a14:hiddenEffects xmlns="" xmlns:a14="http://schemas.microsoft.com/office/drawing/2010/main">
                 <a:effectLst>
                   <a:outerShdw blurRad="63500" dist="38099" dir="2700000" algn="ctr" rotWithShape="0">
                     <a:schemeClr val="bg2">
@@ -30161,14 +30067,14 @@
           <a:effectLst/>
           <a:extLst>
             <a:ext uri="{909E8E84-426E-40dd-AFC4-6F175D3DCCD1}">
-              <a14:hiddenFill xmlns:a14="http://schemas.microsoft.com/office/drawing/2010/main" xmlns="">
+              <a14:hiddenFill xmlns="" xmlns:a14="http://schemas.microsoft.com/office/drawing/2010/main">
                 <a:solidFill>
                   <a:schemeClr val="accent1"/>
                 </a:solidFill>
               </a14:hiddenFill>
             </a:ext>
             <a:ext uri="{91240B29-F687-4f45-9708-019B960494DF}">
-              <a14:hiddenLine xmlns:a14="http://schemas.microsoft.com/office/drawing/2010/main" xmlns="" w="9525">
+              <a14:hiddenLine xmlns="" xmlns:a14="http://schemas.microsoft.com/office/drawing/2010/main" w="9525">
                 <a:solidFill>
                   <a:schemeClr val="tx1"/>
                 </a:solidFill>
@@ -30178,7 +30084,7 @@
               </a14:hiddenLine>
             </a:ext>
             <a:ext uri="{AF507438-7753-43e0-B8FC-AC1667EBCBE1}">
-              <a14:hiddenEffects xmlns:a14="http://schemas.microsoft.com/office/drawing/2010/main" xmlns="">
+              <a14:hiddenEffects xmlns="" xmlns:a14="http://schemas.microsoft.com/office/drawing/2010/main">
                 <a:effectLst>
                   <a:outerShdw blurRad="63500" dist="38099" dir="2700000" algn="ctr" rotWithShape="0">
                     <a:schemeClr val="bg2">
@@ -30236,12 +30142,12 @@
           <a:effectLst/>
           <a:extLst>
             <a:ext uri="{909E8E84-426E-40dd-AFC4-6F175D3DCCD1}">
-              <a14:hiddenFill xmlns:a14="http://schemas.microsoft.com/office/drawing/2010/main" xmlns="">
+              <a14:hiddenFill xmlns="" xmlns:a14="http://schemas.microsoft.com/office/drawing/2010/main">
                 <a:noFill/>
               </a14:hiddenFill>
             </a:ext>
             <a:ext uri="{AF507438-7753-43e0-B8FC-AC1667EBCBE1}">
-              <a14:hiddenEffects xmlns:a14="http://schemas.microsoft.com/office/drawing/2010/main" xmlns="">
+              <a14:hiddenEffects xmlns="" xmlns:a14="http://schemas.microsoft.com/office/drawing/2010/main">
                 <a:effectLst>
                   <a:outerShdw blurRad="63500" dist="38099" dir="2700000" algn="ctr" rotWithShape="0">
                     <a:schemeClr val="bg2">
@@ -30284,14 +30190,14 @@
           <a:effectLst/>
           <a:extLst>
             <a:ext uri="{909E8E84-426E-40dd-AFC4-6F175D3DCCD1}">
-              <a14:hiddenFill xmlns:a14="http://schemas.microsoft.com/office/drawing/2010/main" xmlns="">
+              <a14:hiddenFill xmlns="" xmlns:a14="http://schemas.microsoft.com/office/drawing/2010/main">
                 <a:solidFill>
                   <a:schemeClr val="accent1"/>
                 </a:solidFill>
               </a14:hiddenFill>
             </a:ext>
             <a:ext uri="{91240B29-F687-4f45-9708-019B960494DF}">
-              <a14:hiddenLine xmlns:a14="http://schemas.microsoft.com/office/drawing/2010/main" xmlns="" w="9525">
+              <a14:hiddenLine xmlns="" xmlns:a14="http://schemas.microsoft.com/office/drawing/2010/main" w="9525">
                 <a:solidFill>
                   <a:schemeClr val="tx1"/>
                 </a:solidFill>
@@ -30301,7 +30207,7 @@
               </a14:hiddenLine>
             </a:ext>
             <a:ext uri="{AF507438-7753-43e0-B8FC-AC1667EBCBE1}">
-              <a14:hiddenEffects xmlns:a14="http://schemas.microsoft.com/office/drawing/2010/main" xmlns="">
+              <a14:hiddenEffects xmlns="" xmlns:a14="http://schemas.microsoft.com/office/drawing/2010/main">
                 <a:effectLst>
                   <a:outerShdw blurRad="63500" dist="38099" dir="2700000" algn="ctr" rotWithShape="0">
                     <a:schemeClr val="bg2">
@@ -30359,12 +30265,12 @@
           <a:effectLst/>
           <a:extLst>
             <a:ext uri="{909E8E84-426E-40dd-AFC4-6F175D3DCCD1}">
-              <a14:hiddenFill xmlns:a14="http://schemas.microsoft.com/office/drawing/2010/main" xmlns="">
+              <a14:hiddenFill xmlns="" xmlns:a14="http://schemas.microsoft.com/office/drawing/2010/main">
                 <a:noFill/>
               </a14:hiddenFill>
             </a:ext>
             <a:ext uri="{AF507438-7753-43e0-B8FC-AC1667EBCBE1}">
-              <a14:hiddenEffects xmlns:a14="http://schemas.microsoft.com/office/drawing/2010/main" xmlns="">
+              <a14:hiddenEffects xmlns="" xmlns:a14="http://schemas.microsoft.com/office/drawing/2010/main">
                 <a:effectLst>
                   <a:outerShdw blurRad="63500" dist="38099" dir="2700000" algn="ctr" rotWithShape="0">
                     <a:schemeClr val="bg2">
@@ -30407,14 +30313,14 @@
           <a:effectLst/>
           <a:extLst>
             <a:ext uri="{909E8E84-426E-40dd-AFC4-6F175D3DCCD1}">
-              <a14:hiddenFill xmlns:a14="http://schemas.microsoft.com/office/drawing/2010/main" xmlns="">
+              <a14:hiddenFill xmlns="" xmlns:a14="http://schemas.microsoft.com/office/drawing/2010/main">
                 <a:solidFill>
                   <a:schemeClr val="accent1"/>
                 </a:solidFill>
               </a14:hiddenFill>
             </a:ext>
             <a:ext uri="{91240B29-F687-4f45-9708-019B960494DF}">
-              <a14:hiddenLine xmlns:a14="http://schemas.microsoft.com/office/drawing/2010/main" xmlns="" w="9525">
+              <a14:hiddenLine xmlns="" xmlns:a14="http://schemas.microsoft.com/office/drawing/2010/main" w="9525">
                 <a:solidFill>
                   <a:schemeClr val="tx1"/>
                 </a:solidFill>
@@ -30424,7 +30330,7 @@
               </a14:hiddenLine>
             </a:ext>
             <a:ext uri="{AF507438-7753-43e0-B8FC-AC1667EBCBE1}">
-              <a14:hiddenEffects xmlns:a14="http://schemas.microsoft.com/office/drawing/2010/main" xmlns="">
+              <a14:hiddenEffects xmlns="" xmlns:a14="http://schemas.microsoft.com/office/drawing/2010/main">
                 <a:effectLst>
                   <a:outerShdw blurRad="63500" dist="38099" dir="2700000" algn="ctr" rotWithShape="0">
                     <a:schemeClr val="bg2">
@@ -30479,12 +30385,12 @@
           <a:effectLst/>
           <a:extLst>
             <a:ext uri="{909E8E84-426E-40dd-AFC4-6F175D3DCCD1}">
-              <a14:hiddenFill xmlns:a14="http://schemas.microsoft.com/office/drawing/2010/main" xmlns="">
+              <a14:hiddenFill xmlns="" xmlns:a14="http://schemas.microsoft.com/office/drawing/2010/main">
                 <a:noFill/>
               </a14:hiddenFill>
             </a:ext>
             <a:ext uri="{AF507438-7753-43e0-B8FC-AC1667EBCBE1}">
-              <a14:hiddenEffects xmlns:a14="http://schemas.microsoft.com/office/drawing/2010/main" xmlns="">
+              <a14:hiddenEffects xmlns="" xmlns:a14="http://schemas.microsoft.com/office/drawing/2010/main">
                 <a:effectLst>
                   <a:outerShdw blurRad="63500" dist="38099" dir="2700000" algn="ctr" rotWithShape="0">
                     <a:schemeClr val="bg2">
@@ -30527,14 +30433,14 @@
           <a:effectLst/>
           <a:extLst>
             <a:ext uri="{909E8E84-426E-40dd-AFC4-6F175D3DCCD1}">
-              <a14:hiddenFill xmlns:a14="http://schemas.microsoft.com/office/drawing/2010/main" xmlns="">
+              <a14:hiddenFill xmlns="" xmlns:a14="http://schemas.microsoft.com/office/drawing/2010/main">
                 <a:solidFill>
                   <a:schemeClr val="accent1"/>
                 </a:solidFill>
               </a14:hiddenFill>
             </a:ext>
             <a:ext uri="{91240B29-F687-4f45-9708-019B960494DF}">
-              <a14:hiddenLine xmlns:a14="http://schemas.microsoft.com/office/drawing/2010/main" xmlns="" w="9525">
+              <a14:hiddenLine xmlns="" xmlns:a14="http://schemas.microsoft.com/office/drawing/2010/main" w="9525">
                 <a:solidFill>
                   <a:schemeClr val="tx1"/>
                 </a:solidFill>
@@ -30544,7 +30450,7 @@
               </a14:hiddenLine>
             </a:ext>
             <a:ext uri="{AF507438-7753-43e0-B8FC-AC1667EBCBE1}">
-              <a14:hiddenEffects xmlns:a14="http://schemas.microsoft.com/office/drawing/2010/main" xmlns="">
+              <a14:hiddenEffects xmlns="" xmlns:a14="http://schemas.microsoft.com/office/drawing/2010/main">
                 <a:effectLst>
                   <a:outerShdw blurRad="63500" dist="38099" dir="2700000" algn="ctr" rotWithShape="0">
                     <a:schemeClr val="bg2">
@@ -30602,12 +30508,12 @@
           <a:effectLst/>
           <a:extLst>
             <a:ext uri="{909E8E84-426E-40dd-AFC4-6F175D3DCCD1}">
-              <a14:hiddenFill xmlns:a14="http://schemas.microsoft.com/office/drawing/2010/main" xmlns="">
+              <a14:hiddenFill xmlns="" xmlns:a14="http://schemas.microsoft.com/office/drawing/2010/main">
                 <a:noFill/>
               </a14:hiddenFill>
             </a:ext>
             <a:ext uri="{AF507438-7753-43e0-B8FC-AC1667EBCBE1}">
-              <a14:hiddenEffects xmlns:a14="http://schemas.microsoft.com/office/drawing/2010/main" xmlns="">
+              <a14:hiddenEffects xmlns="" xmlns:a14="http://schemas.microsoft.com/office/drawing/2010/main">
                 <a:effectLst>
                   <a:outerShdw blurRad="63500" dist="38099" dir="2700000" algn="ctr" rotWithShape="0">
                     <a:schemeClr val="bg2">
@@ -30650,14 +30556,14 @@
           <a:effectLst/>
           <a:extLst>
             <a:ext uri="{909E8E84-426E-40dd-AFC4-6F175D3DCCD1}">
-              <a14:hiddenFill xmlns:a14="http://schemas.microsoft.com/office/drawing/2010/main" xmlns="">
+              <a14:hiddenFill xmlns="" xmlns:a14="http://schemas.microsoft.com/office/drawing/2010/main">
                 <a:solidFill>
                   <a:schemeClr val="accent1"/>
                 </a:solidFill>
               </a14:hiddenFill>
             </a:ext>
             <a:ext uri="{91240B29-F687-4f45-9708-019B960494DF}">
-              <a14:hiddenLine xmlns:a14="http://schemas.microsoft.com/office/drawing/2010/main" xmlns="" w="9525">
+              <a14:hiddenLine xmlns="" xmlns:a14="http://schemas.microsoft.com/office/drawing/2010/main" w="9525">
                 <a:solidFill>
                   <a:schemeClr val="tx1"/>
                 </a:solidFill>
@@ -30667,7 +30573,7 @@
               </a14:hiddenLine>
             </a:ext>
             <a:ext uri="{AF507438-7753-43e0-B8FC-AC1667EBCBE1}">
-              <a14:hiddenEffects xmlns:a14="http://schemas.microsoft.com/office/drawing/2010/main" xmlns="">
+              <a14:hiddenEffects xmlns="" xmlns:a14="http://schemas.microsoft.com/office/drawing/2010/main">
                 <a:effectLst>
                   <a:outerShdw blurRad="63500" dist="38099" dir="2700000" algn="ctr" rotWithShape="0">
                     <a:schemeClr val="bg2">
@@ -30725,12 +30631,12 @@
           <a:effectLst/>
           <a:extLst>
             <a:ext uri="{909E8E84-426E-40dd-AFC4-6F175D3DCCD1}">
-              <a14:hiddenFill xmlns:a14="http://schemas.microsoft.com/office/drawing/2010/main" xmlns="">
+              <a14:hiddenFill xmlns="" xmlns:a14="http://schemas.microsoft.com/office/drawing/2010/main">
                 <a:noFill/>
               </a14:hiddenFill>
             </a:ext>
             <a:ext uri="{AF507438-7753-43e0-B8FC-AC1667EBCBE1}">
-              <a14:hiddenEffects xmlns:a14="http://schemas.microsoft.com/office/drawing/2010/main" xmlns="">
+              <a14:hiddenEffects xmlns="" xmlns:a14="http://schemas.microsoft.com/office/drawing/2010/main">
                 <a:effectLst>
                   <a:outerShdw blurRad="63500" dist="38099" dir="2700000" algn="ctr" rotWithShape="0">
                     <a:schemeClr val="bg2">
@@ -30773,14 +30679,14 @@
           <a:effectLst/>
           <a:extLst>
             <a:ext uri="{909E8E84-426E-40dd-AFC4-6F175D3DCCD1}">
-              <a14:hiddenFill xmlns:a14="http://schemas.microsoft.com/office/drawing/2010/main" xmlns="">
+              <a14:hiddenFill xmlns="" xmlns:a14="http://schemas.microsoft.com/office/drawing/2010/main">
                 <a:solidFill>
                   <a:schemeClr val="accent1"/>
                 </a:solidFill>
               </a14:hiddenFill>
             </a:ext>
             <a:ext uri="{91240B29-F687-4f45-9708-019B960494DF}">
-              <a14:hiddenLine xmlns:a14="http://schemas.microsoft.com/office/drawing/2010/main" xmlns="" w="9525">
+              <a14:hiddenLine xmlns="" xmlns:a14="http://schemas.microsoft.com/office/drawing/2010/main" w="9525">
                 <a:solidFill>
                   <a:schemeClr val="tx1"/>
                 </a:solidFill>
@@ -30790,7 +30696,7 @@
               </a14:hiddenLine>
             </a:ext>
             <a:ext uri="{AF507438-7753-43e0-B8FC-AC1667EBCBE1}">
-              <a14:hiddenEffects xmlns:a14="http://schemas.microsoft.com/office/drawing/2010/main" xmlns="">
+              <a14:hiddenEffects xmlns="" xmlns:a14="http://schemas.microsoft.com/office/drawing/2010/main">
                 <a:effectLst>
                   <a:outerShdw blurRad="63500" dist="38099" dir="2700000" algn="ctr" rotWithShape="0">
                     <a:schemeClr val="bg2">
@@ -30848,12 +30754,12 @@
           <a:effectLst/>
           <a:extLst>
             <a:ext uri="{909E8E84-426E-40dd-AFC4-6F175D3DCCD1}">
-              <a14:hiddenFill xmlns:a14="http://schemas.microsoft.com/office/drawing/2010/main" xmlns="">
+              <a14:hiddenFill xmlns="" xmlns:a14="http://schemas.microsoft.com/office/drawing/2010/main">
                 <a:noFill/>
               </a14:hiddenFill>
             </a:ext>
             <a:ext uri="{AF507438-7753-43e0-B8FC-AC1667EBCBE1}">
-              <a14:hiddenEffects xmlns:a14="http://schemas.microsoft.com/office/drawing/2010/main" xmlns="">
+              <a14:hiddenEffects xmlns="" xmlns:a14="http://schemas.microsoft.com/office/drawing/2010/main">
                 <a:effectLst>
                   <a:outerShdw blurRad="63500" dist="38099" dir="2700000" algn="ctr" rotWithShape="0">
                     <a:schemeClr val="bg2">
@@ -30896,14 +30802,14 @@
           <a:effectLst/>
           <a:extLst>
             <a:ext uri="{909E8E84-426E-40dd-AFC4-6F175D3DCCD1}">
-              <a14:hiddenFill xmlns:a14="http://schemas.microsoft.com/office/drawing/2010/main" xmlns="">
+              <a14:hiddenFill xmlns="" xmlns:a14="http://schemas.microsoft.com/office/drawing/2010/main">
                 <a:solidFill>
                   <a:schemeClr val="accent1"/>
                 </a:solidFill>
               </a14:hiddenFill>
             </a:ext>
             <a:ext uri="{91240B29-F687-4f45-9708-019B960494DF}">
-              <a14:hiddenLine xmlns:a14="http://schemas.microsoft.com/office/drawing/2010/main" xmlns="" w="9525">
+              <a14:hiddenLine xmlns="" xmlns:a14="http://schemas.microsoft.com/office/drawing/2010/main" w="9525">
                 <a:solidFill>
                   <a:schemeClr val="tx1"/>
                 </a:solidFill>
@@ -30913,7 +30819,7 @@
               </a14:hiddenLine>
             </a:ext>
             <a:ext uri="{AF507438-7753-43e0-B8FC-AC1667EBCBE1}">
-              <a14:hiddenEffects xmlns:a14="http://schemas.microsoft.com/office/drawing/2010/main" xmlns="">
+              <a14:hiddenEffects xmlns="" xmlns:a14="http://schemas.microsoft.com/office/drawing/2010/main">
                 <a:effectLst>
                   <a:outerShdw blurRad="63500" dist="38099" dir="2700000" algn="ctr" rotWithShape="0">
                     <a:schemeClr val="bg2">
@@ -31079,14 +30985,14 @@
           <a:effectLst/>
           <a:extLst>
             <a:ext uri="{909E8E84-426E-40dd-AFC4-6F175D3DCCD1}">
-              <a14:hiddenFill xmlns:a14="http://schemas.microsoft.com/office/drawing/2010/main" xmlns="">
+              <a14:hiddenFill xmlns="" xmlns:a14="http://schemas.microsoft.com/office/drawing/2010/main">
                 <a:solidFill>
                   <a:schemeClr val="accent1"/>
                 </a:solidFill>
               </a14:hiddenFill>
             </a:ext>
             <a:ext uri="{AF507438-7753-43e0-B8FC-AC1667EBCBE1}">
-              <a14:hiddenEffects xmlns:a14="http://schemas.microsoft.com/office/drawing/2010/main" xmlns="">
+              <a14:hiddenEffects xmlns="" xmlns:a14="http://schemas.microsoft.com/office/drawing/2010/main">
                 <a:effectLst>
                   <a:outerShdw blurRad="63500" dist="38099" dir="2700000" algn="ctr" rotWithShape="0">
                     <a:schemeClr val="bg2">
@@ -31129,14 +31035,14 @@
           <a:effectLst/>
           <a:extLst>
             <a:ext uri="{909E8E84-426E-40dd-AFC4-6F175D3DCCD1}">
-              <a14:hiddenFill xmlns:a14="http://schemas.microsoft.com/office/drawing/2010/main" xmlns="">
+              <a14:hiddenFill xmlns="" xmlns:a14="http://schemas.microsoft.com/office/drawing/2010/main">
                 <a:solidFill>
                   <a:schemeClr val="accent1"/>
                 </a:solidFill>
               </a14:hiddenFill>
             </a:ext>
             <a:ext uri="{91240B29-F687-4f45-9708-019B960494DF}">
-              <a14:hiddenLine xmlns:a14="http://schemas.microsoft.com/office/drawing/2010/main" xmlns="" w="9525">
+              <a14:hiddenLine xmlns="" xmlns:a14="http://schemas.microsoft.com/office/drawing/2010/main" w="9525">
                 <a:solidFill>
                   <a:schemeClr val="tx1"/>
                 </a:solidFill>
@@ -31146,7 +31052,7 @@
               </a14:hiddenLine>
             </a:ext>
             <a:ext uri="{AF507438-7753-43e0-B8FC-AC1667EBCBE1}">
-              <a14:hiddenEffects xmlns:a14="http://schemas.microsoft.com/office/drawing/2010/main" xmlns="">
+              <a14:hiddenEffects xmlns="" xmlns:a14="http://schemas.microsoft.com/office/drawing/2010/main">
                 <a:effectLst>
                   <a:outerShdw blurRad="63500" dist="38099" dir="2700000" algn="ctr" rotWithShape="0">
                     <a:schemeClr val="bg2">
@@ -31201,14 +31107,14 @@
           <a:effectLst/>
           <a:extLst>
             <a:ext uri="{909E8E84-426E-40dd-AFC4-6F175D3DCCD1}">
-              <a14:hiddenFill xmlns:a14="http://schemas.microsoft.com/office/drawing/2010/main" xmlns="">
+              <a14:hiddenFill xmlns="" xmlns:a14="http://schemas.microsoft.com/office/drawing/2010/main">
                 <a:solidFill>
                   <a:schemeClr val="accent1"/>
                 </a:solidFill>
               </a14:hiddenFill>
             </a:ext>
             <a:ext uri="{AF507438-7753-43e0-B8FC-AC1667EBCBE1}">
-              <a14:hiddenEffects xmlns:a14="http://schemas.microsoft.com/office/drawing/2010/main" xmlns="">
+              <a14:hiddenEffects xmlns="" xmlns:a14="http://schemas.microsoft.com/office/drawing/2010/main">
                 <a:effectLst>
                   <a:outerShdw blurRad="63500" dist="38099" dir="2700000" algn="ctr" rotWithShape="0">
                     <a:schemeClr val="bg2">
@@ -31285,14 +31191,14 @@
           <a:effectLst/>
           <a:extLst>
             <a:ext uri="{909E8E84-426E-40dd-AFC4-6F175D3DCCD1}">
-              <a14:hiddenFill xmlns:a14="http://schemas.microsoft.com/office/drawing/2010/main" xmlns="">
+              <a14:hiddenFill xmlns="" xmlns:a14="http://schemas.microsoft.com/office/drawing/2010/main">
                 <a:solidFill>
                   <a:schemeClr val="accent1"/>
                 </a:solidFill>
               </a14:hiddenFill>
             </a:ext>
             <a:ext uri="{91240B29-F687-4f45-9708-019B960494DF}">
-              <a14:hiddenLine xmlns:a14="http://schemas.microsoft.com/office/drawing/2010/main" xmlns="" w="9525">
+              <a14:hiddenLine xmlns="" xmlns:a14="http://schemas.microsoft.com/office/drawing/2010/main" w="9525">
                 <a:solidFill>
                   <a:schemeClr val="tx1"/>
                 </a:solidFill>
@@ -31302,7 +31208,7 @@
               </a14:hiddenLine>
             </a:ext>
             <a:ext uri="{AF507438-7753-43e0-B8FC-AC1667EBCBE1}">
-              <a14:hiddenEffects xmlns:a14="http://schemas.microsoft.com/office/drawing/2010/main" xmlns="">
+              <a14:hiddenEffects xmlns="" xmlns:a14="http://schemas.microsoft.com/office/drawing/2010/main">
                 <a:effectLst>
                   <a:outerShdw blurRad="63500" dist="38099" dir="2700000" algn="ctr" rotWithShape="0">
                     <a:schemeClr val="bg2">
@@ -31354,14 +31260,14 @@
           <a:effectLst/>
           <a:extLst>
             <a:ext uri="{909E8E84-426E-40dd-AFC4-6F175D3DCCD1}">
-              <a14:hiddenFill xmlns:a14="http://schemas.microsoft.com/office/drawing/2010/main" xmlns="">
+              <a14:hiddenFill xmlns="" xmlns:a14="http://schemas.microsoft.com/office/drawing/2010/main">
                 <a:solidFill>
                   <a:schemeClr val="accent1"/>
                 </a:solidFill>
               </a14:hiddenFill>
             </a:ext>
             <a:ext uri="{91240B29-F687-4f45-9708-019B960494DF}">
-              <a14:hiddenLine xmlns:a14="http://schemas.microsoft.com/office/drawing/2010/main" xmlns="" w="9525">
+              <a14:hiddenLine xmlns="" xmlns:a14="http://schemas.microsoft.com/office/drawing/2010/main" w="9525">
                 <a:solidFill>
                   <a:schemeClr val="tx1"/>
                 </a:solidFill>
@@ -31371,7 +31277,7 @@
               </a14:hiddenLine>
             </a:ext>
             <a:ext uri="{AF507438-7753-43e0-B8FC-AC1667EBCBE1}">
-              <a14:hiddenEffects xmlns:a14="http://schemas.microsoft.com/office/drawing/2010/main" xmlns="">
+              <a14:hiddenEffects xmlns="" xmlns:a14="http://schemas.microsoft.com/office/drawing/2010/main">
                 <a:effectLst>
                   <a:outerShdw blurRad="63500" dist="38099" dir="2700000" algn="ctr" rotWithShape="0">
                     <a:schemeClr val="bg2">
@@ -31419,14 +31325,14 @@
           <a:effectLst/>
           <a:extLst>
             <a:ext uri="{909E8E84-426E-40dd-AFC4-6F175D3DCCD1}">
-              <a14:hiddenFill xmlns:a14="http://schemas.microsoft.com/office/drawing/2010/main" xmlns="">
+              <a14:hiddenFill xmlns="" xmlns:a14="http://schemas.microsoft.com/office/drawing/2010/main">
                 <a:solidFill>
                   <a:schemeClr val="accent1"/>
                 </a:solidFill>
               </a14:hiddenFill>
             </a:ext>
             <a:ext uri="{91240B29-F687-4f45-9708-019B960494DF}">
-              <a14:hiddenLine xmlns:a14="http://schemas.microsoft.com/office/drawing/2010/main" xmlns="" w="9525">
+              <a14:hiddenLine xmlns="" xmlns:a14="http://schemas.microsoft.com/office/drawing/2010/main" w="9525">
                 <a:solidFill>
                   <a:schemeClr val="tx1"/>
                 </a:solidFill>
@@ -31436,7 +31342,7 @@
               </a14:hiddenLine>
             </a:ext>
             <a:ext uri="{AF507438-7753-43e0-B8FC-AC1667EBCBE1}">
-              <a14:hiddenEffects xmlns:a14="http://schemas.microsoft.com/office/drawing/2010/main" xmlns="">
+              <a14:hiddenEffects xmlns="" xmlns:a14="http://schemas.microsoft.com/office/drawing/2010/main">
                 <a:effectLst>
                   <a:outerShdw blurRad="63500" dist="38099" dir="2700000" algn="ctr" rotWithShape="0">
                     <a:schemeClr val="bg2">
@@ -34218,14 +34124,14 @@
           <a:effectLst/>
           <a:extLst>
             <a:ext uri="{909E8E84-426E-40dd-AFC4-6F175D3DCCD1}">
-              <a14:hiddenFill xmlns="" xmlns:a14="http://schemas.microsoft.com/office/drawing/2010/main">
+              <a14:hiddenFill xmlns:a14="http://schemas.microsoft.com/office/drawing/2010/main" xmlns="">
                 <a:solidFill>
                   <a:schemeClr val="accent1"/>
                 </a:solidFill>
               </a14:hiddenFill>
             </a:ext>
             <a:ext uri="{91240B29-F687-4f45-9708-019B960494DF}">
-              <a14:hiddenLine xmlns="" xmlns:a14="http://schemas.microsoft.com/office/drawing/2010/main" w="9525">
+              <a14:hiddenLine xmlns:a14="http://schemas.microsoft.com/office/drawing/2010/main" xmlns="" w="9525">
                 <a:solidFill>
                   <a:schemeClr val="tx1"/>
                 </a:solidFill>
@@ -34235,7 +34141,7 @@
               </a14:hiddenLine>
             </a:ext>
             <a:ext uri="{AF507438-7753-43e0-B8FC-AC1667EBCBE1}">
-              <a14:hiddenEffects xmlns="" xmlns:a14="http://schemas.microsoft.com/office/drawing/2010/main">
+              <a14:hiddenEffects xmlns:a14="http://schemas.microsoft.com/office/drawing/2010/main" xmlns="">
                 <a:effectLst>
                   <a:outerShdw blurRad="63500" dist="38099" dir="2700000" algn="ctr" rotWithShape="0">
                     <a:schemeClr val="bg2">
@@ -34314,14 +34220,14 @@
           <a:effectLst/>
           <a:extLst>
             <a:ext uri="{909E8E84-426E-40dd-AFC4-6F175D3DCCD1}">
-              <a14:hiddenFill xmlns="" xmlns:a14="http://schemas.microsoft.com/office/drawing/2010/main">
+              <a14:hiddenFill xmlns:a14="http://schemas.microsoft.com/office/drawing/2010/main" xmlns="">
                 <a:solidFill>
                   <a:schemeClr val="accent1"/>
                 </a:solidFill>
               </a14:hiddenFill>
             </a:ext>
             <a:ext uri="{AF507438-7753-43e0-B8FC-AC1667EBCBE1}">
-              <a14:hiddenEffects xmlns="" xmlns:a14="http://schemas.microsoft.com/office/drawing/2010/main">
+              <a14:hiddenEffects xmlns:a14="http://schemas.microsoft.com/office/drawing/2010/main" xmlns="">
                 <a:effectLst>
                   <a:outerShdw blurRad="63500" dist="38099" dir="2700000" algn="ctr" rotWithShape="0">
                     <a:schemeClr val="bg2">
@@ -34406,14 +34312,14 @@
           <a:effectLst/>
           <a:extLst>
             <a:ext uri="{909E8E84-426E-40dd-AFC4-6F175D3DCCD1}">
-              <a14:hiddenFill xmlns="" xmlns:a14="http://schemas.microsoft.com/office/drawing/2010/main">
+              <a14:hiddenFill xmlns:a14="http://schemas.microsoft.com/office/drawing/2010/main" xmlns="">
                 <a:solidFill>
                   <a:schemeClr val="accent1"/>
                 </a:solidFill>
               </a14:hiddenFill>
             </a:ext>
             <a:ext uri="{AF507438-7753-43e0-B8FC-AC1667EBCBE1}">
-              <a14:hiddenEffects xmlns="" xmlns:a14="http://schemas.microsoft.com/office/drawing/2010/main">
+              <a14:hiddenEffects xmlns:a14="http://schemas.microsoft.com/office/drawing/2010/main" xmlns="">
                 <a:effectLst>
                   <a:outerShdw blurRad="63500" dist="38099" dir="2700000" algn="ctr" rotWithShape="0">
                     <a:schemeClr val="bg2">
@@ -34495,14 +34401,14 @@
           <a:effectLst/>
           <a:extLst>
             <a:ext uri="{909E8E84-426E-40dd-AFC4-6F175D3DCCD1}">
-              <a14:hiddenFill xmlns="" xmlns:a14="http://schemas.microsoft.com/office/drawing/2010/main">
+              <a14:hiddenFill xmlns:a14="http://schemas.microsoft.com/office/drawing/2010/main" xmlns="">
                 <a:solidFill>
                   <a:schemeClr val="accent1"/>
                 </a:solidFill>
               </a14:hiddenFill>
             </a:ext>
             <a:ext uri="{AF507438-7753-43e0-B8FC-AC1667EBCBE1}">
-              <a14:hiddenEffects xmlns="" xmlns:a14="http://schemas.microsoft.com/office/drawing/2010/main">
+              <a14:hiddenEffects xmlns:a14="http://schemas.microsoft.com/office/drawing/2010/main" xmlns="">
                 <a:effectLst>
                   <a:outerShdw blurRad="63500" dist="38099" dir="2700000" algn="ctr" rotWithShape="0">
                     <a:schemeClr val="bg2">
@@ -34587,14 +34493,14 @@
           <a:effectLst/>
           <a:extLst>
             <a:ext uri="{909E8E84-426E-40dd-AFC4-6F175D3DCCD1}">
-              <a14:hiddenFill xmlns="" xmlns:a14="http://schemas.microsoft.com/office/drawing/2010/main">
+              <a14:hiddenFill xmlns:a14="http://schemas.microsoft.com/office/drawing/2010/main" xmlns="">
                 <a:solidFill>
                   <a:schemeClr val="accent1"/>
                 </a:solidFill>
               </a14:hiddenFill>
             </a:ext>
             <a:ext uri="{AF507438-7753-43e0-B8FC-AC1667EBCBE1}">
-              <a14:hiddenEffects xmlns="" xmlns:a14="http://schemas.microsoft.com/office/drawing/2010/main">
+              <a14:hiddenEffects xmlns:a14="http://schemas.microsoft.com/office/drawing/2010/main" xmlns="">
                 <a:effectLst>
                   <a:outerShdw blurRad="63500" dist="38099" dir="2700000" algn="ctr" rotWithShape="0">
                     <a:schemeClr val="bg2">
@@ -34679,14 +34585,14 @@
           <a:effectLst/>
           <a:extLst>
             <a:ext uri="{909E8E84-426E-40dd-AFC4-6F175D3DCCD1}">
-              <a14:hiddenFill xmlns="" xmlns:a14="http://schemas.microsoft.com/office/drawing/2010/main">
+              <a14:hiddenFill xmlns:a14="http://schemas.microsoft.com/office/drawing/2010/main" xmlns="">
                 <a:solidFill>
                   <a:schemeClr val="accent1"/>
                 </a:solidFill>
               </a14:hiddenFill>
             </a:ext>
             <a:ext uri="{AF507438-7753-43e0-B8FC-AC1667EBCBE1}">
-              <a14:hiddenEffects xmlns="" xmlns:a14="http://schemas.microsoft.com/office/drawing/2010/main">
+              <a14:hiddenEffects xmlns:a14="http://schemas.microsoft.com/office/drawing/2010/main" xmlns="">
                 <a:effectLst>
                   <a:outerShdw blurRad="63500" dist="38099" dir="2700000" algn="ctr" rotWithShape="0">
                     <a:schemeClr val="bg2">
@@ -34771,14 +34677,14 @@
           <a:effectLst/>
           <a:extLst>
             <a:ext uri="{909E8E84-426E-40dd-AFC4-6F175D3DCCD1}">
-              <a14:hiddenFill xmlns="" xmlns:a14="http://schemas.microsoft.com/office/drawing/2010/main">
+              <a14:hiddenFill xmlns:a14="http://schemas.microsoft.com/office/drawing/2010/main" xmlns="">
                 <a:solidFill>
                   <a:schemeClr val="accent1"/>
                 </a:solidFill>
               </a14:hiddenFill>
             </a:ext>
             <a:ext uri="{AF507438-7753-43e0-B8FC-AC1667EBCBE1}">
-              <a14:hiddenEffects xmlns="" xmlns:a14="http://schemas.microsoft.com/office/drawing/2010/main">
+              <a14:hiddenEffects xmlns:a14="http://schemas.microsoft.com/office/drawing/2010/main" xmlns="">
                 <a:effectLst>
                   <a:outerShdw blurRad="63500" dist="38099" dir="2700000" algn="ctr" rotWithShape="0">
                     <a:schemeClr val="bg2">
@@ -34857,12 +34763,12 @@
           <a:effectLst/>
           <a:extLst>
             <a:ext uri="{909E8E84-426E-40dd-AFC4-6F175D3DCCD1}">
-              <a14:hiddenFill xmlns="" xmlns:a14="http://schemas.microsoft.com/office/drawing/2010/main">
+              <a14:hiddenFill xmlns:a14="http://schemas.microsoft.com/office/drawing/2010/main" xmlns="">
                 <a:noFill/>
               </a14:hiddenFill>
             </a:ext>
             <a:ext uri="{AF507438-7753-43e0-B8FC-AC1667EBCBE1}">
-              <a14:hiddenEffects xmlns="" xmlns:a14="http://schemas.microsoft.com/office/drawing/2010/main">
+              <a14:hiddenEffects xmlns:a14="http://schemas.microsoft.com/office/drawing/2010/main" xmlns="">
                 <a:effectLst>
                   <a:outerShdw blurRad="63500" dist="38099" dir="2700000" algn="ctr" rotWithShape="0">
                     <a:schemeClr val="bg2">
@@ -34905,14 +34811,14 @@
           <a:effectLst/>
           <a:extLst>
             <a:ext uri="{909E8E84-426E-40dd-AFC4-6F175D3DCCD1}">
-              <a14:hiddenFill xmlns="" xmlns:a14="http://schemas.microsoft.com/office/drawing/2010/main">
+              <a14:hiddenFill xmlns:a14="http://schemas.microsoft.com/office/drawing/2010/main" xmlns="">
                 <a:solidFill>
                   <a:schemeClr val="accent1"/>
                 </a:solidFill>
               </a14:hiddenFill>
             </a:ext>
             <a:ext uri="{91240B29-F687-4f45-9708-019B960494DF}">
-              <a14:hiddenLine xmlns="" xmlns:a14="http://schemas.microsoft.com/office/drawing/2010/main" w="9525">
+              <a14:hiddenLine xmlns:a14="http://schemas.microsoft.com/office/drawing/2010/main" xmlns="" w="9525">
                 <a:solidFill>
                   <a:schemeClr val="tx1"/>
                 </a:solidFill>
@@ -34922,7 +34828,7 @@
               </a14:hiddenLine>
             </a:ext>
             <a:ext uri="{AF507438-7753-43e0-B8FC-AC1667EBCBE1}">
-              <a14:hiddenEffects xmlns="" xmlns:a14="http://schemas.microsoft.com/office/drawing/2010/main">
+              <a14:hiddenEffects xmlns:a14="http://schemas.microsoft.com/office/drawing/2010/main" xmlns="">
                 <a:effectLst>
                   <a:outerShdw blurRad="63500" dist="38099" dir="2700000" algn="ctr" rotWithShape="0">
                     <a:schemeClr val="bg2">
@@ -34980,12 +34886,12 @@
           <a:effectLst/>
           <a:extLst>
             <a:ext uri="{909E8E84-426E-40dd-AFC4-6F175D3DCCD1}">
-              <a14:hiddenFill xmlns="" xmlns:a14="http://schemas.microsoft.com/office/drawing/2010/main">
+              <a14:hiddenFill xmlns:a14="http://schemas.microsoft.com/office/drawing/2010/main" xmlns="">
                 <a:noFill/>
               </a14:hiddenFill>
             </a:ext>
             <a:ext uri="{AF507438-7753-43e0-B8FC-AC1667EBCBE1}">
-              <a14:hiddenEffects xmlns="" xmlns:a14="http://schemas.microsoft.com/office/drawing/2010/main">
+              <a14:hiddenEffects xmlns:a14="http://schemas.microsoft.com/office/drawing/2010/main" xmlns="">
                 <a:effectLst>
                   <a:outerShdw blurRad="63500" dist="38099" dir="2700000" algn="ctr" rotWithShape="0">
                     <a:schemeClr val="bg2">
@@ -35028,14 +34934,14 @@
           <a:effectLst/>
           <a:extLst>
             <a:ext uri="{909E8E84-426E-40dd-AFC4-6F175D3DCCD1}">
-              <a14:hiddenFill xmlns="" xmlns:a14="http://schemas.microsoft.com/office/drawing/2010/main">
+              <a14:hiddenFill xmlns:a14="http://schemas.microsoft.com/office/drawing/2010/main" xmlns="">
                 <a:solidFill>
                   <a:schemeClr val="accent1"/>
                 </a:solidFill>
               </a14:hiddenFill>
             </a:ext>
             <a:ext uri="{91240B29-F687-4f45-9708-019B960494DF}">
-              <a14:hiddenLine xmlns="" xmlns:a14="http://schemas.microsoft.com/office/drawing/2010/main" w="9525">
+              <a14:hiddenLine xmlns:a14="http://schemas.microsoft.com/office/drawing/2010/main" xmlns="" w="9525">
                 <a:solidFill>
                   <a:schemeClr val="tx1"/>
                 </a:solidFill>
@@ -35045,7 +34951,7 @@
               </a14:hiddenLine>
             </a:ext>
             <a:ext uri="{AF507438-7753-43e0-B8FC-AC1667EBCBE1}">
-              <a14:hiddenEffects xmlns="" xmlns:a14="http://schemas.microsoft.com/office/drawing/2010/main">
+              <a14:hiddenEffects xmlns:a14="http://schemas.microsoft.com/office/drawing/2010/main" xmlns="">
                 <a:effectLst>
                   <a:outerShdw blurRad="63500" dist="38099" dir="2700000" algn="ctr" rotWithShape="0">
                     <a:schemeClr val="bg2">
@@ -35103,12 +35009,12 @@
           <a:effectLst/>
           <a:extLst>
             <a:ext uri="{909E8E84-426E-40dd-AFC4-6F175D3DCCD1}">
-              <a14:hiddenFill xmlns="" xmlns:a14="http://schemas.microsoft.com/office/drawing/2010/main">
+              <a14:hiddenFill xmlns:a14="http://schemas.microsoft.com/office/drawing/2010/main" xmlns="">
                 <a:noFill/>
               </a14:hiddenFill>
             </a:ext>
             <a:ext uri="{AF507438-7753-43e0-B8FC-AC1667EBCBE1}">
-              <a14:hiddenEffects xmlns="" xmlns:a14="http://schemas.microsoft.com/office/drawing/2010/main">
+              <a14:hiddenEffects xmlns:a14="http://schemas.microsoft.com/office/drawing/2010/main" xmlns="">
                 <a:effectLst>
                   <a:outerShdw blurRad="63500" dist="38099" dir="2700000" algn="ctr" rotWithShape="0">
                     <a:schemeClr val="bg2">
@@ -35151,14 +35057,14 @@
           <a:effectLst/>
           <a:extLst>
             <a:ext uri="{909E8E84-426E-40dd-AFC4-6F175D3DCCD1}">
-              <a14:hiddenFill xmlns="" xmlns:a14="http://schemas.microsoft.com/office/drawing/2010/main">
+              <a14:hiddenFill xmlns:a14="http://schemas.microsoft.com/office/drawing/2010/main" xmlns="">
                 <a:solidFill>
                   <a:schemeClr val="accent1"/>
                 </a:solidFill>
               </a14:hiddenFill>
             </a:ext>
             <a:ext uri="{91240B29-F687-4f45-9708-019B960494DF}">
-              <a14:hiddenLine xmlns="" xmlns:a14="http://schemas.microsoft.com/office/drawing/2010/main" w="9525">
+              <a14:hiddenLine xmlns:a14="http://schemas.microsoft.com/office/drawing/2010/main" xmlns="" w="9525">
                 <a:solidFill>
                   <a:schemeClr val="tx1"/>
                 </a:solidFill>
@@ -35168,7 +35074,7 @@
               </a14:hiddenLine>
             </a:ext>
             <a:ext uri="{AF507438-7753-43e0-B8FC-AC1667EBCBE1}">
-              <a14:hiddenEffects xmlns="" xmlns:a14="http://schemas.microsoft.com/office/drawing/2010/main">
+              <a14:hiddenEffects xmlns:a14="http://schemas.microsoft.com/office/drawing/2010/main" xmlns="">
                 <a:effectLst>
                   <a:outerShdw blurRad="63500" dist="38099" dir="2700000" algn="ctr" rotWithShape="0">
                     <a:schemeClr val="bg2">
@@ -35226,12 +35132,12 @@
           <a:effectLst/>
           <a:extLst>
             <a:ext uri="{909E8E84-426E-40dd-AFC4-6F175D3DCCD1}">
-              <a14:hiddenFill xmlns="" xmlns:a14="http://schemas.microsoft.com/office/drawing/2010/main">
+              <a14:hiddenFill xmlns:a14="http://schemas.microsoft.com/office/drawing/2010/main" xmlns="">
                 <a:noFill/>
               </a14:hiddenFill>
             </a:ext>
             <a:ext uri="{AF507438-7753-43e0-B8FC-AC1667EBCBE1}">
-              <a14:hiddenEffects xmlns="" xmlns:a14="http://schemas.microsoft.com/office/drawing/2010/main">
+              <a14:hiddenEffects xmlns:a14="http://schemas.microsoft.com/office/drawing/2010/main" xmlns="">
                 <a:effectLst>
                   <a:outerShdw blurRad="63500" dist="38099" dir="2700000" algn="ctr" rotWithShape="0">
                     <a:schemeClr val="bg2">
@@ -35274,14 +35180,14 @@
           <a:effectLst/>
           <a:extLst>
             <a:ext uri="{909E8E84-426E-40dd-AFC4-6F175D3DCCD1}">
-              <a14:hiddenFill xmlns="" xmlns:a14="http://schemas.microsoft.com/office/drawing/2010/main">
+              <a14:hiddenFill xmlns:a14="http://schemas.microsoft.com/office/drawing/2010/main" xmlns="">
                 <a:solidFill>
                   <a:schemeClr val="accent1"/>
                 </a:solidFill>
               </a14:hiddenFill>
             </a:ext>
             <a:ext uri="{91240B29-F687-4f45-9708-019B960494DF}">
-              <a14:hiddenLine xmlns="" xmlns:a14="http://schemas.microsoft.com/office/drawing/2010/main" w="9525">
+              <a14:hiddenLine xmlns:a14="http://schemas.microsoft.com/office/drawing/2010/main" xmlns="" w="9525">
                 <a:solidFill>
                   <a:schemeClr val="tx1"/>
                 </a:solidFill>
@@ -35291,7 +35197,7 @@
               </a14:hiddenLine>
             </a:ext>
             <a:ext uri="{AF507438-7753-43e0-B8FC-AC1667EBCBE1}">
-              <a14:hiddenEffects xmlns="" xmlns:a14="http://schemas.microsoft.com/office/drawing/2010/main">
+              <a14:hiddenEffects xmlns:a14="http://schemas.microsoft.com/office/drawing/2010/main" xmlns="">
                 <a:effectLst>
                   <a:outerShdw blurRad="63500" dist="38099" dir="2700000" algn="ctr" rotWithShape="0">
                     <a:schemeClr val="bg2">
@@ -35349,12 +35255,12 @@
           <a:effectLst/>
           <a:extLst>
             <a:ext uri="{909E8E84-426E-40dd-AFC4-6F175D3DCCD1}">
-              <a14:hiddenFill xmlns="" xmlns:a14="http://schemas.microsoft.com/office/drawing/2010/main">
+              <a14:hiddenFill xmlns:a14="http://schemas.microsoft.com/office/drawing/2010/main" xmlns="">
                 <a:noFill/>
               </a14:hiddenFill>
             </a:ext>
             <a:ext uri="{AF507438-7753-43e0-B8FC-AC1667EBCBE1}">
-              <a14:hiddenEffects xmlns="" xmlns:a14="http://schemas.microsoft.com/office/drawing/2010/main">
+              <a14:hiddenEffects xmlns:a14="http://schemas.microsoft.com/office/drawing/2010/main" xmlns="">
                 <a:effectLst>
                   <a:outerShdw blurRad="63500" dist="38099" dir="2700000" algn="ctr" rotWithShape="0">
                     <a:schemeClr val="bg2">
@@ -35397,14 +35303,14 @@
           <a:effectLst/>
           <a:extLst>
             <a:ext uri="{909E8E84-426E-40dd-AFC4-6F175D3DCCD1}">
-              <a14:hiddenFill xmlns="" xmlns:a14="http://schemas.microsoft.com/office/drawing/2010/main">
+              <a14:hiddenFill xmlns:a14="http://schemas.microsoft.com/office/drawing/2010/main" xmlns="">
                 <a:solidFill>
                   <a:schemeClr val="accent1"/>
                 </a:solidFill>
               </a14:hiddenFill>
             </a:ext>
             <a:ext uri="{91240B29-F687-4f45-9708-019B960494DF}">
-              <a14:hiddenLine xmlns="" xmlns:a14="http://schemas.microsoft.com/office/drawing/2010/main" w="9525">
+              <a14:hiddenLine xmlns:a14="http://schemas.microsoft.com/office/drawing/2010/main" xmlns="" w="9525">
                 <a:solidFill>
                   <a:schemeClr val="tx1"/>
                 </a:solidFill>
@@ -35414,7 +35320,7 @@
               </a14:hiddenLine>
             </a:ext>
             <a:ext uri="{AF507438-7753-43e0-B8FC-AC1667EBCBE1}">
-              <a14:hiddenEffects xmlns="" xmlns:a14="http://schemas.microsoft.com/office/drawing/2010/main">
+              <a14:hiddenEffects xmlns:a14="http://schemas.microsoft.com/office/drawing/2010/main" xmlns="">
                 <a:effectLst>
                   <a:outerShdw blurRad="63500" dist="38099" dir="2700000" algn="ctr" rotWithShape="0">
                     <a:schemeClr val="bg2">
@@ -35472,12 +35378,12 @@
           <a:effectLst/>
           <a:extLst>
             <a:ext uri="{909E8E84-426E-40dd-AFC4-6F175D3DCCD1}">
-              <a14:hiddenFill xmlns="" xmlns:a14="http://schemas.microsoft.com/office/drawing/2010/main">
+              <a14:hiddenFill xmlns:a14="http://schemas.microsoft.com/office/drawing/2010/main" xmlns="">
                 <a:noFill/>
               </a14:hiddenFill>
             </a:ext>
             <a:ext uri="{AF507438-7753-43e0-B8FC-AC1667EBCBE1}">
-              <a14:hiddenEffects xmlns="" xmlns:a14="http://schemas.microsoft.com/office/drawing/2010/main">
+              <a14:hiddenEffects xmlns:a14="http://schemas.microsoft.com/office/drawing/2010/main" xmlns="">
                 <a:effectLst>
                   <a:outerShdw blurRad="63500" dist="38099" dir="2700000" algn="ctr" rotWithShape="0">
                     <a:schemeClr val="bg2">
@@ -35520,14 +35426,14 @@
           <a:effectLst/>
           <a:extLst>
             <a:ext uri="{909E8E84-426E-40dd-AFC4-6F175D3DCCD1}">
-              <a14:hiddenFill xmlns="" xmlns:a14="http://schemas.microsoft.com/office/drawing/2010/main">
+              <a14:hiddenFill xmlns:a14="http://schemas.microsoft.com/office/drawing/2010/main" xmlns="">
                 <a:solidFill>
                   <a:schemeClr val="accent1"/>
                 </a:solidFill>
               </a14:hiddenFill>
             </a:ext>
             <a:ext uri="{91240B29-F687-4f45-9708-019B960494DF}">
-              <a14:hiddenLine xmlns="" xmlns:a14="http://schemas.microsoft.com/office/drawing/2010/main" w="9525">
+              <a14:hiddenLine xmlns:a14="http://schemas.microsoft.com/office/drawing/2010/main" xmlns="" w="9525">
                 <a:solidFill>
                   <a:schemeClr val="tx1"/>
                 </a:solidFill>
@@ -35537,7 +35443,7 @@
               </a14:hiddenLine>
             </a:ext>
             <a:ext uri="{AF507438-7753-43e0-B8FC-AC1667EBCBE1}">
-              <a14:hiddenEffects xmlns="" xmlns:a14="http://schemas.microsoft.com/office/drawing/2010/main">
+              <a14:hiddenEffects xmlns:a14="http://schemas.microsoft.com/office/drawing/2010/main" xmlns="">
                 <a:effectLst>
                   <a:outerShdw blurRad="63500" dist="38099" dir="2700000" algn="ctr" rotWithShape="0">
                     <a:schemeClr val="bg2">
@@ -35592,12 +35498,12 @@
           <a:effectLst/>
           <a:extLst>
             <a:ext uri="{909E8E84-426E-40dd-AFC4-6F175D3DCCD1}">
-              <a14:hiddenFill xmlns="" xmlns:a14="http://schemas.microsoft.com/office/drawing/2010/main">
+              <a14:hiddenFill xmlns:a14="http://schemas.microsoft.com/office/drawing/2010/main" xmlns="">
                 <a:noFill/>
               </a14:hiddenFill>
             </a:ext>
             <a:ext uri="{AF507438-7753-43e0-B8FC-AC1667EBCBE1}">
-              <a14:hiddenEffects xmlns="" xmlns:a14="http://schemas.microsoft.com/office/drawing/2010/main">
+              <a14:hiddenEffects xmlns:a14="http://schemas.microsoft.com/office/drawing/2010/main" xmlns="">
                 <a:effectLst>
                   <a:outerShdw blurRad="63500" dist="38099" dir="2700000" algn="ctr" rotWithShape="0">
                     <a:schemeClr val="bg2">
@@ -35640,14 +35546,14 @@
           <a:effectLst/>
           <a:extLst>
             <a:ext uri="{909E8E84-426E-40dd-AFC4-6F175D3DCCD1}">
-              <a14:hiddenFill xmlns="" xmlns:a14="http://schemas.microsoft.com/office/drawing/2010/main">
+              <a14:hiddenFill xmlns:a14="http://schemas.microsoft.com/office/drawing/2010/main" xmlns="">
                 <a:solidFill>
                   <a:schemeClr val="accent1"/>
                 </a:solidFill>
               </a14:hiddenFill>
             </a:ext>
             <a:ext uri="{91240B29-F687-4f45-9708-019B960494DF}">
-              <a14:hiddenLine xmlns="" xmlns:a14="http://schemas.microsoft.com/office/drawing/2010/main" w="9525">
+              <a14:hiddenLine xmlns:a14="http://schemas.microsoft.com/office/drawing/2010/main" xmlns="" w="9525">
                 <a:solidFill>
                   <a:schemeClr val="tx1"/>
                 </a:solidFill>
@@ -35657,7 +35563,7 @@
               </a14:hiddenLine>
             </a:ext>
             <a:ext uri="{AF507438-7753-43e0-B8FC-AC1667EBCBE1}">
-              <a14:hiddenEffects xmlns="" xmlns:a14="http://schemas.microsoft.com/office/drawing/2010/main">
+              <a14:hiddenEffects xmlns:a14="http://schemas.microsoft.com/office/drawing/2010/main" xmlns="">
                 <a:effectLst>
                   <a:outerShdw blurRad="63500" dist="38099" dir="2700000" algn="ctr" rotWithShape="0">
                     <a:schemeClr val="bg2">
@@ -35820,14 +35726,14 @@
           <a:effectLst/>
           <a:extLst>
             <a:ext uri="{909E8E84-426E-40dd-AFC4-6F175D3DCCD1}">
-              <a14:hiddenFill xmlns="" xmlns:a14="http://schemas.microsoft.com/office/drawing/2010/main">
+              <a14:hiddenFill xmlns:a14="http://schemas.microsoft.com/office/drawing/2010/main" xmlns="">
                 <a:solidFill>
                   <a:schemeClr val="accent1"/>
                 </a:solidFill>
               </a14:hiddenFill>
             </a:ext>
             <a:ext uri="{AF507438-7753-43e0-B8FC-AC1667EBCBE1}">
-              <a14:hiddenEffects xmlns="" xmlns:a14="http://schemas.microsoft.com/office/drawing/2010/main">
+              <a14:hiddenEffects xmlns:a14="http://schemas.microsoft.com/office/drawing/2010/main" xmlns="">
                 <a:effectLst>
                   <a:outerShdw blurRad="63500" dist="38099" dir="2700000" algn="ctr" rotWithShape="0">
                     <a:schemeClr val="bg2">
@@ -35870,14 +35776,14 @@
           <a:effectLst/>
           <a:extLst>
             <a:ext uri="{909E8E84-426E-40dd-AFC4-6F175D3DCCD1}">
-              <a14:hiddenFill xmlns="" xmlns:a14="http://schemas.microsoft.com/office/drawing/2010/main">
+              <a14:hiddenFill xmlns:a14="http://schemas.microsoft.com/office/drawing/2010/main" xmlns="">
                 <a:solidFill>
                   <a:schemeClr val="accent1"/>
                 </a:solidFill>
               </a14:hiddenFill>
             </a:ext>
             <a:ext uri="{91240B29-F687-4f45-9708-019B960494DF}">
-              <a14:hiddenLine xmlns="" xmlns:a14="http://schemas.microsoft.com/office/drawing/2010/main" w="9525">
+              <a14:hiddenLine xmlns:a14="http://schemas.microsoft.com/office/drawing/2010/main" xmlns="" w="9525">
                 <a:solidFill>
                   <a:schemeClr val="tx1"/>
                 </a:solidFill>
@@ -35887,7 +35793,7 @@
               </a14:hiddenLine>
             </a:ext>
             <a:ext uri="{AF507438-7753-43e0-B8FC-AC1667EBCBE1}">
-              <a14:hiddenEffects xmlns="" xmlns:a14="http://schemas.microsoft.com/office/drawing/2010/main">
+              <a14:hiddenEffects xmlns:a14="http://schemas.microsoft.com/office/drawing/2010/main" xmlns="">
                 <a:effectLst>
                   <a:outerShdw blurRad="63500" dist="38099" dir="2700000" algn="ctr" rotWithShape="0">
                     <a:schemeClr val="bg2">
@@ -35942,14 +35848,14 @@
           <a:effectLst/>
           <a:extLst>
             <a:ext uri="{909E8E84-426E-40dd-AFC4-6F175D3DCCD1}">
-              <a14:hiddenFill xmlns="" xmlns:a14="http://schemas.microsoft.com/office/drawing/2010/main">
+              <a14:hiddenFill xmlns:a14="http://schemas.microsoft.com/office/drawing/2010/main" xmlns="">
                 <a:solidFill>
                   <a:schemeClr val="accent1"/>
                 </a:solidFill>
               </a14:hiddenFill>
             </a:ext>
             <a:ext uri="{AF507438-7753-43e0-B8FC-AC1667EBCBE1}">
-              <a14:hiddenEffects xmlns="" xmlns:a14="http://schemas.microsoft.com/office/drawing/2010/main">
+              <a14:hiddenEffects xmlns:a14="http://schemas.microsoft.com/office/drawing/2010/main" xmlns="">
                 <a:effectLst>
                   <a:outerShdw blurRad="63500" dist="38099" dir="2700000" algn="ctr" rotWithShape="0">
                     <a:schemeClr val="bg2">
@@ -36026,14 +35932,14 @@
           <a:effectLst/>
           <a:extLst>
             <a:ext uri="{909E8E84-426E-40dd-AFC4-6F175D3DCCD1}">
-              <a14:hiddenFill xmlns="" xmlns:a14="http://schemas.microsoft.com/office/drawing/2010/main">
+              <a14:hiddenFill xmlns:a14="http://schemas.microsoft.com/office/drawing/2010/main" xmlns="">
                 <a:solidFill>
                   <a:schemeClr val="accent1"/>
                 </a:solidFill>
               </a14:hiddenFill>
             </a:ext>
             <a:ext uri="{91240B29-F687-4f45-9708-019B960494DF}">
-              <a14:hiddenLine xmlns="" xmlns:a14="http://schemas.microsoft.com/office/drawing/2010/main" w="9525">
+              <a14:hiddenLine xmlns:a14="http://schemas.microsoft.com/office/drawing/2010/main" xmlns="" w="9525">
                 <a:solidFill>
                   <a:schemeClr val="tx1"/>
                 </a:solidFill>
@@ -36043,7 +35949,7 @@
               </a14:hiddenLine>
             </a:ext>
             <a:ext uri="{AF507438-7753-43e0-B8FC-AC1667EBCBE1}">
-              <a14:hiddenEffects xmlns="" xmlns:a14="http://schemas.microsoft.com/office/drawing/2010/main">
+              <a14:hiddenEffects xmlns:a14="http://schemas.microsoft.com/office/drawing/2010/main" xmlns="">
                 <a:effectLst>
                   <a:outerShdw blurRad="63500" dist="38099" dir="2700000" algn="ctr" rotWithShape="0">
                     <a:schemeClr val="bg2">
@@ -36180,14 +36086,14 @@
           <a:effectLst/>
           <a:extLst>
             <a:ext uri="{909E8E84-426E-40dd-AFC4-6F175D3DCCD1}">
-              <a14:hiddenFill xmlns:a14="http://schemas.microsoft.com/office/drawing/2010/main" xmlns="">
+              <a14:hiddenFill xmlns="" xmlns:a14="http://schemas.microsoft.com/office/drawing/2010/main">
                 <a:solidFill>
                   <a:schemeClr val="accent1"/>
                 </a:solidFill>
               </a14:hiddenFill>
             </a:ext>
             <a:ext uri="{91240B29-F687-4f45-9708-019B960494DF}">
-              <a14:hiddenLine xmlns:a14="http://schemas.microsoft.com/office/drawing/2010/main" xmlns="" w="9525">
+              <a14:hiddenLine xmlns="" xmlns:a14="http://schemas.microsoft.com/office/drawing/2010/main" w="9525">
                 <a:solidFill>
                   <a:schemeClr val="tx1"/>
                 </a:solidFill>
@@ -36197,7 +36103,7 @@
               </a14:hiddenLine>
             </a:ext>
             <a:ext uri="{AF507438-7753-43e0-B8FC-AC1667EBCBE1}">
-              <a14:hiddenEffects xmlns:a14="http://schemas.microsoft.com/office/drawing/2010/main" xmlns="">
+              <a14:hiddenEffects xmlns="" xmlns:a14="http://schemas.microsoft.com/office/drawing/2010/main">
                 <a:effectLst>
                   <a:outerShdw blurRad="63500" dist="38099" dir="2700000" algn="ctr" rotWithShape="0">
                     <a:schemeClr val="bg2">
@@ -36276,14 +36182,14 @@
           <a:effectLst/>
           <a:extLst>
             <a:ext uri="{909E8E84-426E-40dd-AFC4-6F175D3DCCD1}">
-              <a14:hiddenFill xmlns:a14="http://schemas.microsoft.com/office/drawing/2010/main" xmlns="">
+              <a14:hiddenFill xmlns="" xmlns:a14="http://schemas.microsoft.com/office/drawing/2010/main">
                 <a:solidFill>
                   <a:schemeClr val="accent1"/>
                 </a:solidFill>
               </a14:hiddenFill>
             </a:ext>
             <a:ext uri="{AF507438-7753-43e0-B8FC-AC1667EBCBE1}">
-              <a14:hiddenEffects xmlns:a14="http://schemas.microsoft.com/office/drawing/2010/main" xmlns="">
+              <a14:hiddenEffects xmlns="" xmlns:a14="http://schemas.microsoft.com/office/drawing/2010/main">
                 <a:effectLst>
                   <a:outerShdw blurRad="63500" dist="38099" dir="2700000" algn="ctr" rotWithShape="0">
                     <a:schemeClr val="bg2">
@@ -36368,14 +36274,14 @@
           <a:effectLst/>
           <a:extLst>
             <a:ext uri="{909E8E84-426E-40dd-AFC4-6F175D3DCCD1}">
-              <a14:hiddenFill xmlns:a14="http://schemas.microsoft.com/office/drawing/2010/main" xmlns="">
+              <a14:hiddenFill xmlns="" xmlns:a14="http://schemas.microsoft.com/office/drawing/2010/main">
                 <a:solidFill>
                   <a:schemeClr val="accent1"/>
                 </a:solidFill>
               </a14:hiddenFill>
             </a:ext>
             <a:ext uri="{AF507438-7753-43e0-B8FC-AC1667EBCBE1}">
-              <a14:hiddenEffects xmlns:a14="http://schemas.microsoft.com/office/drawing/2010/main" xmlns="">
+              <a14:hiddenEffects xmlns="" xmlns:a14="http://schemas.microsoft.com/office/drawing/2010/main">
                 <a:effectLst>
                   <a:outerShdw blurRad="63500" dist="38099" dir="2700000" algn="ctr" rotWithShape="0">
                     <a:schemeClr val="bg2">
@@ -36457,14 +36363,14 @@
           <a:effectLst/>
           <a:extLst>
             <a:ext uri="{909E8E84-426E-40dd-AFC4-6F175D3DCCD1}">
-              <a14:hiddenFill xmlns:a14="http://schemas.microsoft.com/office/drawing/2010/main" xmlns="">
+              <a14:hiddenFill xmlns="" xmlns:a14="http://schemas.microsoft.com/office/drawing/2010/main">
                 <a:solidFill>
                   <a:schemeClr val="accent1"/>
                 </a:solidFill>
               </a14:hiddenFill>
             </a:ext>
             <a:ext uri="{AF507438-7753-43e0-B8FC-AC1667EBCBE1}">
-              <a14:hiddenEffects xmlns:a14="http://schemas.microsoft.com/office/drawing/2010/main" xmlns="">
+              <a14:hiddenEffects xmlns="" xmlns:a14="http://schemas.microsoft.com/office/drawing/2010/main">
                 <a:effectLst>
                   <a:outerShdw blurRad="63500" dist="38099" dir="2700000" algn="ctr" rotWithShape="0">
                     <a:schemeClr val="bg2">
@@ -36549,14 +36455,14 @@
           <a:effectLst/>
           <a:extLst>
             <a:ext uri="{909E8E84-426E-40dd-AFC4-6F175D3DCCD1}">
-              <a14:hiddenFill xmlns:a14="http://schemas.microsoft.com/office/drawing/2010/main" xmlns="">
+              <a14:hiddenFill xmlns="" xmlns:a14="http://schemas.microsoft.com/office/drawing/2010/main">
                 <a:solidFill>
                   <a:schemeClr val="accent1"/>
                 </a:solidFill>
               </a14:hiddenFill>
             </a:ext>
             <a:ext uri="{AF507438-7753-43e0-B8FC-AC1667EBCBE1}">
-              <a14:hiddenEffects xmlns:a14="http://schemas.microsoft.com/office/drawing/2010/main" xmlns="">
+              <a14:hiddenEffects xmlns="" xmlns:a14="http://schemas.microsoft.com/office/drawing/2010/main">
                 <a:effectLst>
                   <a:outerShdw blurRad="63500" dist="38099" dir="2700000" algn="ctr" rotWithShape="0">
                     <a:schemeClr val="bg2">
@@ -36641,14 +36547,14 @@
           <a:effectLst/>
           <a:extLst>
             <a:ext uri="{909E8E84-426E-40dd-AFC4-6F175D3DCCD1}">
-              <a14:hiddenFill xmlns:a14="http://schemas.microsoft.com/office/drawing/2010/main" xmlns="">
+              <a14:hiddenFill xmlns="" xmlns:a14="http://schemas.microsoft.com/office/drawing/2010/main">
                 <a:solidFill>
                   <a:schemeClr val="accent1"/>
                 </a:solidFill>
               </a14:hiddenFill>
             </a:ext>
             <a:ext uri="{AF507438-7753-43e0-B8FC-AC1667EBCBE1}">
-              <a14:hiddenEffects xmlns:a14="http://schemas.microsoft.com/office/drawing/2010/main" xmlns="">
+              <a14:hiddenEffects xmlns="" xmlns:a14="http://schemas.microsoft.com/office/drawing/2010/main">
                 <a:effectLst>
                   <a:outerShdw blurRad="63500" dist="38099" dir="2700000" algn="ctr" rotWithShape="0">
                     <a:schemeClr val="bg2">
@@ -36733,14 +36639,14 @@
           <a:effectLst/>
           <a:extLst>
             <a:ext uri="{909E8E84-426E-40dd-AFC4-6F175D3DCCD1}">
-              <a14:hiddenFill xmlns:a14="http://schemas.microsoft.com/office/drawing/2010/main" xmlns="">
+              <a14:hiddenFill xmlns="" xmlns:a14="http://schemas.microsoft.com/office/drawing/2010/main">
                 <a:solidFill>
                   <a:schemeClr val="accent1"/>
                 </a:solidFill>
               </a14:hiddenFill>
             </a:ext>
             <a:ext uri="{AF507438-7753-43e0-B8FC-AC1667EBCBE1}">
-              <a14:hiddenEffects xmlns:a14="http://schemas.microsoft.com/office/drawing/2010/main" xmlns="">
+              <a14:hiddenEffects xmlns="" xmlns:a14="http://schemas.microsoft.com/office/drawing/2010/main">
                 <a:effectLst>
                   <a:outerShdw blurRad="63500" dist="38099" dir="2700000" algn="ctr" rotWithShape="0">
                     <a:schemeClr val="bg2">
@@ -36819,12 +36725,12 @@
           <a:effectLst/>
           <a:extLst>
             <a:ext uri="{909E8E84-426E-40dd-AFC4-6F175D3DCCD1}">
-              <a14:hiddenFill xmlns:a14="http://schemas.microsoft.com/office/drawing/2010/main" xmlns="">
+              <a14:hiddenFill xmlns="" xmlns:a14="http://schemas.microsoft.com/office/drawing/2010/main">
                 <a:noFill/>
               </a14:hiddenFill>
             </a:ext>
             <a:ext uri="{AF507438-7753-43e0-B8FC-AC1667EBCBE1}">
-              <a14:hiddenEffects xmlns:a14="http://schemas.microsoft.com/office/drawing/2010/main" xmlns="">
+              <a14:hiddenEffects xmlns="" xmlns:a14="http://schemas.microsoft.com/office/drawing/2010/main">
                 <a:effectLst>
                   <a:outerShdw blurRad="63500" dist="38099" dir="2700000" algn="ctr" rotWithShape="0">
                     <a:schemeClr val="bg2">
@@ -36867,14 +36773,14 @@
           <a:effectLst/>
           <a:extLst>
             <a:ext uri="{909E8E84-426E-40dd-AFC4-6F175D3DCCD1}">
-              <a14:hiddenFill xmlns:a14="http://schemas.microsoft.com/office/drawing/2010/main" xmlns="">
+              <a14:hiddenFill xmlns="" xmlns:a14="http://schemas.microsoft.com/office/drawing/2010/main">
                 <a:solidFill>
                   <a:schemeClr val="accent1"/>
                 </a:solidFill>
               </a14:hiddenFill>
             </a:ext>
             <a:ext uri="{91240B29-F687-4f45-9708-019B960494DF}">
-              <a14:hiddenLine xmlns:a14="http://schemas.microsoft.com/office/drawing/2010/main" xmlns="" w="9525">
+              <a14:hiddenLine xmlns="" xmlns:a14="http://schemas.microsoft.com/office/drawing/2010/main" w="9525">
                 <a:solidFill>
                   <a:schemeClr val="tx1"/>
                 </a:solidFill>
@@ -36884,7 +36790,7 @@
               </a14:hiddenLine>
             </a:ext>
             <a:ext uri="{AF507438-7753-43e0-B8FC-AC1667EBCBE1}">
-              <a14:hiddenEffects xmlns:a14="http://schemas.microsoft.com/office/drawing/2010/main" xmlns="">
+              <a14:hiddenEffects xmlns="" xmlns:a14="http://schemas.microsoft.com/office/drawing/2010/main">
                 <a:effectLst>
                   <a:outerShdw blurRad="63500" dist="38099" dir="2700000" algn="ctr" rotWithShape="0">
                     <a:schemeClr val="bg2">
@@ -36942,12 +36848,12 @@
           <a:effectLst/>
           <a:extLst>
             <a:ext uri="{909E8E84-426E-40dd-AFC4-6F175D3DCCD1}">
-              <a14:hiddenFill xmlns:a14="http://schemas.microsoft.com/office/drawing/2010/main" xmlns="">
+              <a14:hiddenFill xmlns="" xmlns:a14="http://schemas.microsoft.com/office/drawing/2010/main">
                 <a:noFill/>
               </a14:hiddenFill>
             </a:ext>
             <a:ext uri="{AF507438-7753-43e0-B8FC-AC1667EBCBE1}">
-              <a14:hiddenEffects xmlns:a14="http://schemas.microsoft.com/office/drawing/2010/main" xmlns="">
+              <a14:hiddenEffects xmlns="" xmlns:a14="http://schemas.microsoft.com/office/drawing/2010/main">
                 <a:effectLst>
                   <a:outerShdw blurRad="63500" dist="38099" dir="2700000" algn="ctr" rotWithShape="0">
                     <a:schemeClr val="bg2">
@@ -36990,14 +36896,14 @@
           <a:effectLst/>
           <a:extLst>
             <a:ext uri="{909E8E84-426E-40dd-AFC4-6F175D3DCCD1}">
-              <a14:hiddenFill xmlns:a14="http://schemas.microsoft.com/office/drawing/2010/main" xmlns="">
+              <a14:hiddenFill xmlns="" xmlns:a14="http://schemas.microsoft.com/office/drawing/2010/main">
                 <a:solidFill>
                   <a:schemeClr val="accent1"/>
                 </a:solidFill>
               </a14:hiddenFill>
             </a:ext>
             <a:ext uri="{91240B29-F687-4f45-9708-019B960494DF}">
-              <a14:hiddenLine xmlns:a14="http://schemas.microsoft.com/office/drawing/2010/main" xmlns="" w="9525">
+              <a14:hiddenLine xmlns="" xmlns:a14="http://schemas.microsoft.com/office/drawing/2010/main" w="9525">
                 <a:solidFill>
                   <a:schemeClr val="tx1"/>
                 </a:solidFill>
@@ -37007,7 +36913,7 @@
               </a14:hiddenLine>
             </a:ext>
             <a:ext uri="{AF507438-7753-43e0-B8FC-AC1667EBCBE1}">
-              <a14:hiddenEffects xmlns:a14="http://schemas.microsoft.com/office/drawing/2010/main" xmlns="">
+              <a14:hiddenEffects xmlns="" xmlns:a14="http://schemas.microsoft.com/office/drawing/2010/main">
                 <a:effectLst>
                   <a:outerShdw blurRad="63500" dist="38099" dir="2700000" algn="ctr" rotWithShape="0">
                     <a:schemeClr val="bg2">
@@ -37065,12 +36971,12 @@
           <a:effectLst/>
           <a:extLst>
             <a:ext uri="{909E8E84-426E-40dd-AFC4-6F175D3DCCD1}">
-              <a14:hiddenFill xmlns:a14="http://schemas.microsoft.com/office/drawing/2010/main" xmlns="">
+              <a14:hiddenFill xmlns="" xmlns:a14="http://schemas.microsoft.com/office/drawing/2010/main">
                 <a:noFill/>
               </a14:hiddenFill>
             </a:ext>
             <a:ext uri="{AF507438-7753-43e0-B8FC-AC1667EBCBE1}">
-              <a14:hiddenEffects xmlns:a14="http://schemas.microsoft.com/office/drawing/2010/main" xmlns="">
+              <a14:hiddenEffects xmlns="" xmlns:a14="http://schemas.microsoft.com/office/drawing/2010/main">
                 <a:effectLst>
                   <a:outerShdw blurRad="63500" dist="38099" dir="2700000" algn="ctr" rotWithShape="0">
                     <a:schemeClr val="bg2">
@@ -37113,14 +37019,14 @@
           <a:effectLst/>
           <a:extLst>
             <a:ext uri="{909E8E84-426E-40dd-AFC4-6F175D3DCCD1}">
-              <a14:hiddenFill xmlns:a14="http://schemas.microsoft.com/office/drawing/2010/main" xmlns="">
+              <a14:hiddenFill xmlns="" xmlns:a14="http://schemas.microsoft.com/office/drawing/2010/main">
                 <a:solidFill>
                   <a:schemeClr val="accent1"/>
                 </a:solidFill>
               </a14:hiddenFill>
             </a:ext>
             <a:ext uri="{91240B29-F687-4f45-9708-019B960494DF}">
-              <a14:hiddenLine xmlns:a14="http://schemas.microsoft.com/office/drawing/2010/main" xmlns="" w="9525">
+              <a14:hiddenLine xmlns="" xmlns:a14="http://schemas.microsoft.com/office/drawing/2010/main" w="9525">
                 <a:solidFill>
                   <a:schemeClr val="tx1"/>
                 </a:solidFill>
@@ -37130,7 +37036,7 @@
               </a14:hiddenLine>
             </a:ext>
             <a:ext uri="{AF507438-7753-43e0-B8FC-AC1667EBCBE1}">
-              <a14:hiddenEffects xmlns:a14="http://schemas.microsoft.com/office/drawing/2010/main" xmlns="">
+              <a14:hiddenEffects xmlns="" xmlns:a14="http://schemas.microsoft.com/office/drawing/2010/main">
                 <a:effectLst>
                   <a:outerShdw blurRad="63500" dist="38099" dir="2700000" algn="ctr" rotWithShape="0">
                     <a:schemeClr val="bg2">
@@ -37188,12 +37094,12 @@
           <a:effectLst/>
           <a:extLst>
             <a:ext uri="{909E8E84-426E-40dd-AFC4-6F175D3DCCD1}">
-              <a14:hiddenFill xmlns:a14="http://schemas.microsoft.com/office/drawing/2010/main" xmlns="">
+              <a14:hiddenFill xmlns="" xmlns:a14="http://schemas.microsoft.com/office/drawing/2010/main">
                 <a:noFill/>
               </a14:hiddenFill>
             </a:ext>
             <a:ext uri="{AF507438-7753-43e0-B8FC-AC1667EBCBE1}">
-              <a14:hiddenEffects xmlns:a14="http://schemas.microsoft.com/office/drawing/2010/main" xmlns="">
+              <a14:hiddenEffects xmlns="" xmlns:a14="http://schemas.microsoft.com/office/drawing/2010/main">
                 <a:effectLst>
                   <a:outerShdw blurRad="63500" dist="38099" dir="2700000" algn="ctr" rotWithShape="0">
                     <a:schemeClr val="bg2">
@@ -37236,14 +37142,14 @@
           <a:effectLst/>
           <a:extLst>
             <a:ext uri="{909E8E84-426E-40dd-AFC4-6F175D3DCCD1}">
-              <a14:hiddenFill xmlns:a14="http://schemas.microsoft.com/office/drawing/2010/main" xmlns="">
+              <a14:hiddenFill xmlns="" xmlns:a14="http://schemas.microsoft.com/office/drawing/2010/main">
                 <a:solidFill>
                   <a:schemeClr val="accent1"/>
                 </a:solidFill>
               </a14:hiddenFill>
             </a:ext>
             <a:ext uri="{91240B29-F687-4f45-9708-019B960494DF}">
-              <a14:hiddenLine xmlns:a14="http://schemas.microsoft.com/office/drawing/2010/main" xmlns="" w="9525">
+              <a14:hiddenLine xmlns="" xmlns:a14="http://schemas.microsoft.com/office/drawing/2010/main" w="9525">
                 <a:solidFill>
                   <a:schemeClr val="tx1"/>
                 </a:solidFill>
@@ -37253,7 +37159,7 @@
               </a14:hiddenLine>
             </a:ext>
             <a:ext uri="{AF507438-7753-43e0-B8FC-AC1667EBCBE1}">
-              <a14:hiddenEffects xmlns:a14="http://schemas.microsoft.com/office/drawing/2010/main" xmlns="">
+              <a14:hiddenEffects xmlns="" xmlns:a14="http://schemas.microsoft.com/office/drawing/2010/main">
                 <a:effectLst>
                   <a:outerShdw blurRad="63500" dist="38099" dir="2700000" algn="ctr" rotWithShape="0">
                     <a:schemeClr val="bg2">
@@ -37311,12 +37217,12 @@
           <a:effectLst/>
           <a:extLst>
             <a:ext uri="{909E8E84-426E-40dd-AFC4-6F175D3DCCD1}">
-              <a14:hiddenFill xmlns:a14="http://schemas.microsoft.com/office/drawing/2010/main" xmlns="">
+              <a14:hiddenFill xmlns="" xmlns:a14="http://schemas.microsoft.com/office/drawing/2010/main">
                 <a:noFill/>
               </a14:hiddenFill>
             </a:ext>
             <a:ext uri="{AF507438-7753-43e0-B8FC-AC1667EBCBE1}">
-              <a14:hiddenEffects xmlns:a14="http://schemas.microsoft.com/office/drawing/2010/main" xmlns="">
+              <a14:hiddenEffects xmlns="" xmlns:a14="http://schemas.microsoft.com/office/drawing/2010/main">
                 <a:effectLst>
                   <a:outerShdw blurRad="63500" dist="38099" dir="2700000" algn="ctr" rotWithShape="0">
                     <a:schemeClr val="bg2">
@@ -37359,14 +37265,14 @@
           <a:effectLst/>
           <a:extLst>
             <a:ext uri="{909E8E84-426E-40dd-AFC4-6F175D3DCCD1}">
-              <a14:hiddenFill xmlns:a14="http://schemas.microsoft.com/office/drawing/2010/main" xmlns="">
+              <a14:hiddenFill xmlns="" xmlns:a14="http://schemas.microsoft.com/office/drawing/2010/main">
                 <a:solidFill>
                   <a:schemeClr val="accent1"/>
                 </a:solidFill>
               </a14:hiddenFill>
             </a:ext>
             <a:ext uri="{91240B29-F687-4f45-9708-019B960494DF}">
-              <a14:hiddenLine xmlns:a14="http://schemas.microsoft.com/office/drawing/2010/main" xmlns="" w="9525">
+              <a14:hiddenLine xmlns="" xmlns:a14="http://schemas.microsoft.com/office/drawing/2010/main" w="9525">
                 <a:solidFill>
                   <a:schemeClr val="tx1"/>
                 </a:solidFill>
@@ -37376,7 +37282,7 @@
               </a14:hiddenLine>
             </a:ext>
             <a:ext uri="{AF507438-7753-43e0-B8FC-AC1667EBCBE1}">
-              <a14:hiddenEffects xmlns:a14="http://schemas.microsoft.com/office/drawing/2010/main" xmlns="">
+              <a14:hiddenEffects xmlns="" xmlns:a14="http://schemas.microsoft.com/office/drawing/2010/main">
                 <a:effectLst>
                   <a:outerShdw blurRad="63500" dist="38099" dir="2700000" algn="ctr" rotWithShape="0">
                     <a:schemeClr val="bg2">
@@ -37434,12 +37340,12 @@
           <a:effectLst/>
           <a:extLst>
             <a:ext uri="{909E8E84-426E-40dd-AFC4-6F175D3DCCD1}">
-              <a14:hiddenFill xmlns:a14="http://schemas.microsoft.com/office/drawing/2010/main" xmlns="">
+              <a14:hiddenFill xmlns="" xmlns:a14="http://schemas.microsoft.com/office/drawing/2010/main">
                 <a:noFill/>
               </a14:hiddenFill>
             </a:ext>
             <a:ext uri="{AF507438-7753-43e0-B8FC-AC1667EBCBE1}">
-              <a14:hiddenEffects xmlns:a14="http://schemas.microsoft.com/office/drawing/2010/main" xmlns="">
+              <a14:hiddenEffects xmlns="" xmlns:a14="http://schemas.microsoft.com/office/drawing/2010/main">
                 <a:effectLst>
                   <a:outerShdw blurRad="63500" dist="38099" dir="2700000" algn="ctr" rotWithShape="0">
                     <a:schemeClr val="bg2">
@@ -37482,14 +37388,14 @@
           <a:effectLst/>
           <a:extLst>
             <a:ext uri="{909E8E84-426E-40dd-AFC4-6F175D3DCCD1}">
-              <a14:hiddenFill xmlns:a14="http://schemas.microsoft.com/office/drawing/2010/main" xmlns="">
+              <a14:hiddenFill xmlns="" xmlns:a14="http://schemas.microsoft.com/office/drawing/2010/main">
                 <a:solidFill>
                   <a:schemeClr val="accent1"/>
                 </a:solidFill>
               </a14:hiddenFill>
             </a:ext>
             <a:ext uri="{91240B29-F687-4f45-9708-019B960494DF}">
-              <a14:hiddenLine xmlns:a14="http://schemas.microsoft.com/office/drawing/2010/main" xmlns="" w="9525">
+              <a14:hiddenLine xmlns="" xmlns:a14="http://schemas.microsoft.com/office/drawing/2010/main" w="9525">
                 <a:solidFill>
                   <a:schemeClr val="tx1"/>
                 </a:solidFill>
@@ -37499,7 +37405,7 @@
               </a14:hiddenLine>
             </a:ext>
             <a:ext uri="{AF507438-7753-43e0-B8FC-AC1667EBCBE1}">
-              <a14:hiddenEffects xmlns:a14="http://schemas.microsoft.com/office/drawing/2010/main" xmlns="">
+              <a14:hiddenEffects xmlns="" xmlns:a14="http://schemas.microsoft.com/office/drawing/2010/main">
                 <a:effectLst>
                   <a:outerShdw blurRad="63500" dist="38099" dir="2700000" algn="ctr" rotWithShape="0">
                     <a:schemeClr val="bg2">
@@ -37554,12 +37460,12 @@
           <a:effectLst/>
           <a:extLst>
             <a:ext uri="{909E8E84-426E-40dd-AFC4-6F175D3DCCD1}">
-              <a14:hiddenFill xmlns:a14="http://schemas.microsoft.com/office/drawing/2010/main" xmlns="">
+              <a14:hiddenFill xmlns="" xmlns:a14="http://schemas.microsoft.com/office/drawing/2010/main">
                 <a:noFill/>
               </a14:hiddenFill>
             </a:ext>
             <a:ext uri="{AF507438-7753-43e0-B8FC-AC1667EBCBE1}">
-              <a14:hiddenEffects xmlns:a14="http://schemas.microsoft.com/office/drawing/2010/main" xmlns="">
+              <a14:hiddenEffects xmlns="" xmlns:a14="http://schemas.microsoft.com/office/drawing/2010/main">
                 <a:effectLst>
                   <a:outerShdw blurRad="63500" dist="38099" dir="2700000" algn="ctr" rotWithShape="0">
                     <a:schemeClr val="bg2">
@@ -37602,14 +37508,14 @@
           <a:effectLst/>
           <a:extLst>
             <a:ext uri="{909E8E84-426E-40dd-AFC4-6F175D3DCCD1}">
-              <a14:hiddenFill xmlns:a14="http://schemas.microsoft.com/office/drawing/2010/main" xmlns="">
+              <a14:hiddenFill xmlns="" xmlns:a14="http://schemas.microsoft.com/office/drawing/2010/main">
                 <a:solidFill>
                   <a:schemeClr val="accent1"/>
                 </a:solidFill>
               </a14:hiddenFill>
             </a:ext>
             <a:ext uri="{91240B29-F687-4f45-9708-019B960494DF}">
-              <a14:hiddenLine xmlns:a14="http://schemas.microsoft.com/office/drawing/2010/main" xmlns="" w="9525">
+              <a14:hiddenLine xmlns="" xmlns:a14="http://schemas.microsoft.com/office/drawing/2010/main" w="9525">
                 <a:solidFill>
                   <a:schemeClr val="tx1"/>
                 </a:solidFill>
@@ -37619,7 +37525,7 @@
               </a14:hiddenLine>
             </a:ext>
             <a:ext uri="{AF507438-7753-43e0-B8FC-AC1667EBCBE1}">
-              <a14:hiddenEffects xmlns:a14="http://schemas.microsoft.com/office/drawing/2010/main" xmlns="">
+              <a14:hiddenEffects xmlns="" xmlns:a14="http://schemas.microsoft.com/office/drawing/2010/main">
                 <a:effectLst>
                   <a:outerShdw blurRad="63500" dist="38099" dir="2700000" algn="ctr" rotWithShape="0">
                     <a:schemeClr val="bg2">
@@ -37782,14 +37688,14 @@
           <a:effectLst/>
           <a:extLst>
             <a:ext uri="{909E8E84-426E-40dd-AFC4-6F175D3DCCD1}">
-              <a14:hiddenFill xmlns:a14="http://schemas.microsoft.com/office/drawing/2010/main" xmlns="">
+              <a14:hiddenFill xmlns="" xmlns:a14="http://schemas.microsoft.com/office/drawing/2010/main">
                 <a:solidFill>
                   <a:schemeClr val="accent1"/>
                 </a:solidFill>
               </a14:hiddenFill>
             </a:ext>
             <a:ext uri="{AF507438-7753-43e0-B8FC-AC1667EBCBE1}">
-              <a14:hiddenEffects xmlns:a14="http://schemas.microsoft.com/office/drawing/2010/main" xmlns="">
+              <a14:hiddenEffects xmlns="" xmlns:a14="http://schemas.microsoft.com/office/drawing/2010/main">
                 <a:effectLst>
                   <a:outerShdw blurRad="63500" dist="38099" dir="2700000" algn="ctr" rotWithShape="0">
                     <a:schemeClr val="bg2">
@@ -37832,14 +37738,14 @@
           <a:effectLst/>
           <a:extLst>
             <a:ext uri="{909E8E84-426E-40dd-AFC4-6F175D3DCCD1}">
-              <a14:hiddenFill xmlns:a14="http://schemas.microsoft.com/office/drawing/2010/main" xmlns="">
+              <a14:hiddenFill xmlns="" xmlns:a14="http://schemas.microsoft.com/office/drawing/2010/main">
                 <a:solidFill>
                   <a:schemeClr val="accent1"/>
                 </a:solidFill>
               </a14:hiddenFill>
             </a:ext>
             <a:ext uri="{91240B29-F687-4f45-9708-019B960494DF}">
-              <a14:hiddenLine xmlns:a14="http://schemas.microsoft.com/office/drawing/2010/main" xmlns="" w="9525">
+              <a14:hiddenLine xmlns="" xmlns:a14="http://schemas.microsoft.com/office/drawing/2010/main" w="9525">
                 <a:solidFill>
                   <a:schemeClr val="tx1"/>
                 </a:solidFill>
@@ -37849,7 +37755,7 @@
               </a14:hiddenLine>
             </a:ext>
             <a:ext uri="{AF507438-7753-43e0-B8FC-AC1667EBCBE1}">
-              <a14:hiddenEffects xmlns:a14="http://schemas.microsoft.com/office/drawing/2010/main" xmlns="">
+              <a14:hiddenEffects xmlns="" xmlns:a14="http://schemas.microsoft.com/office/drawing/2010/main">
                 <a:effectLst>
                   <a:outerShdw blurRad="63500" dist="38099" dir="2700000" algn="ctr" rotWithShape="0">
                     <a:schemeClr val="bg2">
@@ -37904,14 +37810,14 @@
           <a:effectLst/>
           <a:extLst>
             <a:ext uri="{909E8E84-426E-40dd-AFC4-6F175D3DCCD1}">
-              <a14:hiddenFill xmlns:a14="http://schemas.microsoft.com/office/drawing/2010/main" xmlns="">
+              <a14:hiddenFill xmlns="" xmlns:a14="http://schemas.microsoft.com/office/drawing/2010/main">
                 <a:solidFill>
                   <a:schemeClr val="accent1"/>
                 </a:solidFill>
               </a14:hiddenFill>
             </a:ext>
             <a:ext uri="{AF507438-7753-43e0-B8FC-AC1667EBCBE1}">
-              <a14:hiddenEffects xmlns:a14="http://schemas.microsoft.com/office/drawing/2010/main" xmlns="">
+              <a14:hiddenEffects xmlns="" xmlns:a14="http://schemas.microsoft.com/office/drawing/2010/main">
                 <a:effectLst>
                   <a:outerShdw blurRad="63500" dist="38099" dir="2700000" algn="ctr" rotWithShape="0">
                     <a:schemeClr val="bg2">
@@ -37995,12 +37901,12 @@
           <a:effectLst/>
           <a:extLst>
             <a:ext uri="{909E8E84-426E-40dd-AFC4-6F175D3DCCD1}">
-              <a14:hiddenFill xmlns:a14="http://schemas.microsoft.com/office/drawing/2010/main" xmlns="">
+              <a14:hiddenFill xmlns="" xmlns:a14="http://schemas.microsoft.com/office/drawing/2010/main">
                 <a:noFill/>
               </a14:hiddenFill>
             </a:ext>
             <a:ext uri="{AF507438-7753-43e0-B8FC-AC1667EBCBE1}">
-              <a14:hiddenEffects xmlns:a14="http://schemas.microsoft.com/office/drawing/2010/main" xmlns="">
+              <a14:hiddenEffects xmlns="" xmlns:a14="http://schemas.microsoft.com/office/drawing/2010/main">
                 <a:effectLst>
                   <a:outerShdw blurRad="63500" dist="38099" dir="2700000" algn="ctr" rotWithShape="0">
                     <a:schemeClr val="bg2">
@@ -38059,12 +37965,12 @@
           <a:effectLst/>
           <a:extLst>
             <a:ext uri="{909E8E84-426E-40dd-AFC4-6F175D3DCCD1}">
-              <a14:hiddenFill xmlns:a14="http://schemas.microsoft.com/office/drawing/2010/main" xmlns="">
+              <a14:hiddenFill xmlns="" xmlns:a14="http://schemas.microsoft.com/office/drawing/2010/main">
                 <a:noFill/>
               </a14:hiddenFill>
             </a:ext>
             <a:ext uri="{AF507438-7753-43e0-B8FC-AC1667EBCBE1}">
-              <a14:hiddenEffects xmlns:a14="http://schemas.microsoft.com/office/drawing/2010/main" xmlns="">
+              <a14:hiddenEffects xmlns="" xmlns:a14="http://schemas.microsoft.com/office/drawing/2010/main">
                 <a:effectLst>
                   <a:outerShdw blurRad="63500" dist="38099" dir="2700000" algn="ctr" rotWithShape="0">
                     <a:schemeClr val="bg2">
@@ -38116,14 +38022,14 @@
           <a:effectLst/>
           <a:extLst>
             <a:ext uri="{909E8E84-426E-40dd-AFC4-6F175D3DCCD1}">
-              <a14:hiddenFill xmlns:a14="http://schemas.microsoft.com/office/drawing/2010/main" xmlns="">
+              <a14:hiddenFill xmlns="" xmlns:a14="http://schemas.microsoft.com/office/drawing/2010/main">
                 <a:solidFill>
                   <a:schemeClr val="accent1"/>
                 </a:solidFill>
               </a14:hiddenFill>
             </a:ext>
             <a:ext uri="{91240B29-F687-4f45-9708-019B960494DF}">
-              <a14:hiddenLine xmlns:a14="http://schemas.microsoft.com/office/drawing/2010/main" xmlns="" w="9525">
+              <a14:hiddenLine xmlns="" xmlns:a14="http://schemas.microsoft.com/office/drawing/2010/main" w="9525">
                 <a:solidFill>
                   <a:schemeClr val="tx1"/>
                 </a:solidFill>
@@ -38133,7 +38039,7 @@
               </a14:hiddenLine>
             </a:ext>
             <a:ext uri="{AF507438-7753-43e0-B8FC-AC1667EBCBE1}">
-              <a14:hiddenEffects xmlns:a14="http://schemas.microsoft.com/office/drawing/2010/main" xmlns="">
+              <a14:hiddenEffects xmlns="" xmlns:a14="http://schemas.microsoft.com/office/drawing/2010/main">
                 <a:effectLst>
                   <a:outerShdw blurRad="63500" dist="38099" dir="2700000" algn="ctr" rotWithShape="0">
                     <a:schemeClr val="bg2">
@@ -38189,14 +38095,14 @@
           <a:effectLst/>
           <a:extLst>
             <a:ext uri="{909E8E84-426E-40dd-AFC4-6F175D3DCCD1}">
-              <a14:hiddenFill xmlns:a14="http://schemas.microsoft.com/office/drawing/2010/main" xmlns="">
+              <a14:hiddenFill xmlns="" xmlns:a14="http://schemas.microsoft.com/office/drawing/2010/main">
                 <a:solidFill>
                   <a:schemeClr val="accent1"/>
                 </a:solidFill>
               </a14:hiddenFill>
             </a:ext>
             <a:ext uri="{91240B29-F687-4f45-9708-019B960494DF}">
-              <a14:hiddenLine xmlns:a14="http://schemas.microsoft.com/office/drawing/2010/main" xmlns="" w="9525">
+              <a14:hiddenLine xmlns="" xmlns:a14="http://schemas.microsoft.com/office/drawing/2010/main" w="9525">
                 <a:solidFill>
                   <a:schemeClr val="tx1"/>
                 </a:solidFill>
@@ -38206,7 +38112,7 @@
               </a14:hiddenLine>
             </a:ext>
             <a:ext uri="{AF507438-7753-43e0-B8FC-AC1667EBCBE1}">
-              <a14:hiddenEffects xmlns:a14="http://schemas.microsoft.com/office/drawing/2010/main" xmlns="">
+              <a14:hiddenEffects xmlns="" xmlns:a14="http://schemas.microsoft.com/office/drawing/2010/main">
                 <a:effectLst>
                   <a:outerShdw blurRad="63500" dist="38099" dir="2700000" algn="ctr" rotWithShape="0">
                     <a:schemeClr val="bg2">
@@ -38307,14 +38213,14 @@
           <a:effectLst/>
           <a:extLst>
             <a:ext uri="{909E8E84-426E-40dd-AFC4-6F175D3DCCD1}">
-              <a14:hiddenFill xmlns:a14="http://schemas.microsoft.com/office/drawing/2010/main" xmlns="">
+              <a14:hiddenFill xmlns="" xmlns:a14="http://schemas.microsoft.com/office/drawing/2010/main">
                 <a:solidFill>
                   <a:schemeClr val="accent1"/>
                 </a:solidFill>
               </a14:hiddenFill>
             </a:ext>
             <a:ext uri="{91240B29-F687-4f45-9708-019B960494DF}">
-              <a14:hiddenLine xmlns:a14="http://schemas.microsoft.com/office/drawing/2010/main" xmlns="" w="9525">
+              <a14:hiddenLine xmlns="" xmlns:a14="http://schemas.microsoft.com/office/drawing/2010/main" w="9525">
                 <a:solidFill>
                   <a:schemeClr val="tx1"/>
                 </a:solidFill>
@@ -38324,7 +38230,7 @@
               </a14:hiddenLine>
             </a:ext>
             <a:ext uri="{AF507438-7753-43e0-B8FC-AC1667EBCBE1}">
-              <a14:hiddenEffects xmlns:a14="http://schemas.microsoft.com/office/drawing/2010/main" xmlns="">
+              <a14:hiddenEffects xmlns="" xmlns:a14="http://schemas.microsoft.com/office/drawing/2010/main">
                 <a:effectLst>
                   <a:outerShdw blurRad="63500" dist="38099" dir="2700000" algn="ctr" rotWithShape="0">
                     <a:schemeClr val="bg2">
@@ -38403,14 +38309,14 @@
           <a:effectLst/>
           <a:extLst>
             <a:ext uri="{909E8E84-426E-40dd-AFC4-6F175D3DCCD1}">
-              <a14:hiddenFill xmlns:a14="http://schemas.microsoft.com/office/drawing/2010/main" xmlns="">
+              <a14:hiddenFill xmlns="" xmlns:a14="http://schemas.microsoft.com/office/drawing/2010/main">
                 <a:solidFill>
                   <a:schemeClr val="accent1"/>
                 </a:solidFill>
               </a14:hiddenFill>
             </a:ext>
             <a:ext uri="{AF507438-7753-43e0-B8FC-AC1667EBCBE1}">
-              <a14:hiddenEffects xmlns:a14="http://schemas.microsoft.com/office/drawing/2010/main" xmlns="">
+              <a14:hiddenEffects xmlns="" xmlns:a14="http://schemas.microsoft.com/office/drawing/2010/main">
                 <a:effectLst>
                   <a:outerShdw blurRad="63500" dist="38099" dir="2700000" algn="ctr" rotWithShape="0">
                     <a:schemeClr val="bg2">
@@ -38495,14 +38401,14 @@
           <a:effectLst/>
           <a:extLst>
             <a:ext uri="{909E8E84-426E-40dd-AFC4-6F175D3DCCD1}">
-              <a14:hiddenFill xmlns:a14="http://schemas.microsoft.com/office/drawing/2010/main" xmlns="">
+              <a14:hiddenFill xmlns="" xmlns:a14="http://schemas.microsoft.com/office/drawing/2010/main">
                 <a:solidFill>
                   <a:schemeClr val="accent1"/>
                 </a:solidFill>
               </a14:hiddenFill>
             </a:ext>
             <a:ext uri="{AF507438-7753-43e0-B8FC-AC1667EBCBE1}">
-              <a14:hiddenEffects xmlns:a14="http://schemas.microsoft.com/office/drawing/2010/main" xmlns="">
+              <a14:hiddenEffects xmlns="" xmlns:a14="http://schemas.microsoft.com/office/drawing/2010/main">
                 <a:effectLst>
                   <a:outerShdw blurRad="63500" dist="38099" dir="2700000" algn="ctr" rotWithShape="0">
                     <a:schemeClr val="bg2">
@@ -38584,14 +38490,14 @@
           <a:effectLst/>
           <a:extLst>
             <a:ext uri="{909E8E84-426E-40dd-AFC4-6F175D3DCCD1}">
-              <a14:hiddenFill xmlns:a14="http://schemas.microsoft.com/office/drawing/2010/main" xmlns="">
+              <a14:hiddenFill xmlns="" xmlns:a14="http://schemas.microsoft.com/office/drawing/2010/main">
                 <a:solidFill>
                   <a:schemeClr val="accent1"/>
                 </a:solidFill>
               </a14:hiddenFill>
             </a:ext>
             <a:ext uri="{AF507438-7753-43e0-B8FC-AC1667EBCBE1}">
-              <a14:hiddenEffects xmlns:a14="http://schemas.microsoft.com/office/drawing/2010/main" xmlns="">
+              <a14:hiddenEffects xmlns="" xmlns:a14="http://schemas.microsoft.com/office/drawing/2010/main">
                 <a:effectLst>
                   <a:outerShdw blurRad="63500" dist="38099" dir="2700000" algn="ctr" rotWithShape="0">
                     <a:schemeClr val="bg2">
@@ -38676,14 +38582,14 @@
           <a:effectLst/>
           <a:extLst>
             <a:ext uri="{909E8E84-426E-40dd-AFC4-6F175D3DCCD1}">
-              <a14:hiddenFill xmlns:a14="http://schemas.microsoft.com/office/drawing/2010/main" xmlns="">
+              <a14:hiddenFill xmlns="" xmlns:a14="http://schemas.microsoft.com/office/drawing/2010/main">
                 <a:solidFill>
                   <a:schemeClr val="accent1"/>
                 </a:solidFill>
               </a14:hiddenFill>
             </a:ext>
             <a:ext uri="{AF507438-7753-43e0-B8FC-AC1667EBCBE1}">
-              <a14:hiddenEffects xmlns:a14="http://schemas.microsoft.com/office/drawing/2010/main" xmlns="">
+              <a14:hiddenEffects xmlns="" xmlns:a14="http://schemas.microsoft.com/office/drawing/2010/main">
                 <a:effectLst>
                   <a:outerShdw blurRad="63500" dist="38099" dir="2700000" algn="ctr" rotWithShape="0">
                     <a:schemeClr val="bg2">
@@ -38768,14 +38674,14 @@
           <a:effectLst/>
           <a:extLst>
             <a:ext uri="{909E8E84-426E-40dd-AFC4-6F175D3DCCD1}">
-              <a14:hiddenFill xmlns:a14="http://schemas.microsoft.com/office/drawing/2010/main" xmlns="">
+              <a14:hiddenFill xmlns="" xmlns:a14="http://schemas.microsoft.com/office/drawing/2010/main">
                 <a:solidFill>
                   <a:schemeClr val="accent1"/>
                 </a:solidFill>
               </a14:hiddenFill>
             </a:ext>
             <a:ext uri="{AF507438-7753-43e0-B8FC-AC1667EBCBE1}">
-              <a14:hiddenEffects xmlns:a14="http://schemas.microsoft.com/office/drawing/2010/main" xmlns="">
+              <a14:hiddenEffects xmlns="" xmlns:a14="http://schemas.microsoft.com/office/drawing/2010/main">
                 <a:effectLst>
                   <a:outerShdw blurRad="63500" dist="38099" dir="2700000" algn="ctr" rotWithShape="0">
                     <a:schemeClr val="bg2">
@@ -38860,14 +38766,14 @@
           <a:effectLst/>
           <a:extLst>
             <a:ext uri="{909E8E84-426E-40dd-AFC4-6F175D3DCCD1}">
-              <a14:hiddenFill xmlns:a14="http://schemas.microsoft.com/office/drawing/2010/main" xmlns="">
+              <a14:hiddenFill xmlns="" xmlns:a14="http://schemas.microsoft.com/office/drawing/2010/main">
                 <a:solidFill>
                   <a:schemeClr val="accent1"/>
                 </a:solidFill>
               </a14:hiddenFill>
             </a:ext>
             <a:ext uri="{AF507438-7753-43e0-B8FC-AC1667EBCBE1}">
-              <a14:hiddenEffects xmlns:a14="http://schemas.microsoft.com/office/drawing/2010/main" xmlns="">
+              <a14:hiddenEffects xmlns="" xmlns:a14="http://schemas.microsoft.com/office/drawing/2010/main">
                 <a:effectLst>
                   <a:outerShdw blurRad="63500" dist="38099" dir="2700000" algn="ctr" rotWithShape="0">
                     <a:schemeClr val="bg2">
@@ -38946,12 +38852,12 @@
           <a:effectLst/>
           <a:extLst>
             <a:ext uri="{909E8E84-426E-40dd-AFC4-6F175D3DCCD1}">
-              <a14:hiddenFill xmlns:a14="http://schemas.microsoft.com/office/drawing/2010/main" xmlns="">
+              <a14:hiddenFill xmlns="" xmlns:a14="http://schemas.microsoft.com/office/drawing/2010/main">
                 <a:noFill/>
               </a14:hiddenFill>
             </a:ext>
             <a:ext uri="{AF507438-7753-43e0-B8FC-AC1667EBCBE1}">
-              <a14:hiddenEffects xmlns:a14="http://schemas.microsoft.com/office/drawing/2010/main" xmlns="">
+              <a14:hiddenEffects xmlns="" xmlns:a14="http://schemas.microsoft.com/office/drawing/2010/main">
                 <a:effectLst>
                   <a:outerShdw blurRad="63500" dist="38099" dir="2700000" algn="ctr" rotWithShape="0">
                     <a:schemeClr val="bg2">
@@ -38994,14 +38900,14 @@
           <a:effectLst/>
           <a:extLst>
             <a:ext uri="{909E8E84-426E-40dd-AFC4-6F175D3DCCD1}">
-              <a14:hiddenFill xmlns:a14="http://schemas.microsoft.com/office/drawing/2010/main" xmlns="">
+              <a14:hiddenFill xmlns="" xmlns:a14="http://schemas.microsoft.com/office/drawing/2010/main">
                 <a:solidFill>
                   <a:schemeClr val="accent1"/>
                 </a:solidFill>
               </a14:hiddenFill>
             </a:ext>
             <a:ext uri="{91240B29-F687-4f45-9708-019B960494DF}">
-              <a14:hiddenLine xmlns:a14="http://schemas.microsoft.com/office/drawing/2010/main" xmlns="" w="9525">
+              <a14:hiddenLine xmlns="" xmlns:a14="http://schemas.microsoft.com/office/drawing/2010/main" w="9525">
                 <a:solidFill>
                   <a:schemeClr val="tx1"/>
                 </a:solidFill>
@@ -39011,7 +38917,7 @@
               </a14:hiddenLine>
             </a:ext>
             <a:ext uri="{AF507438-7753-43e0-B8FC-AC1667EBCBE1}">
-              <a14:hiddenEffects xmlns:a14="http://schemas.microsoft.com/office/drawing/2010/main" xmlns="">
+              <a14:hiddenEffects xmlns="" xmlns:a14="http://schemas.microsoft.com/office/drawing/2010/main">
                 <a:effectLst>
                   <a:outerShdw blurRad="63500" dist="38099" dir="2700000" algn="ctr" rotWithShape="0">
                     <a:schemeClr val="bg2">
@@ -39069,12 +38975,12 @@
           <a:effectLst/>
           <a:extLst>
             <a:ext uri="{909E8E84-426E-40dd-AFC4-6F175D3DCCD1}">
-              <a14:hiddenFill xmlns:a14="http://schemas.microsoft.com/office/drawing/2010/main" xmlns="">
+              <a14:hiddenFill xmlns="" xmlns:a14="http://schemas.microsoft.com/office/drawing/2010/main">
                 <a:noFill/>
               </a14:hiddenFill>
             </a:ext>
             <a:ext uri="{AF507438-7753-43e0-B8FC-AC1667EBCBE1}">
-              <a14:hiddenEffects xmlns:a14="http://schemas.microsoft.com/office/drawing/2010/main" xmlns="">
+              <a14:hiddenEffects xmlns="" xmlns:a14="http://schemas.microsoft.com/office/drawing/2010/main">
                 <a:effectLst>
                   <a:outerShdw blurRad="63500" dist="38099" dir="2700000" algn="ctr" rotWithShape="0">
                     <a:schemeClr val="bg2">
@@ -39117,14 +39023,14 @@
           <a:effectLst/>
           <a:extLst>
             <a:ext uri="{909E8E84-426E-40dd-AFC4-6F175D3DCCD1}">
-              <a14:hiddenFill xmlns:a14="http://schemas.microsoft.com/office/drawing/2010/main" xmlns="">
+              <a14:hiddenFill xmlns="" xmlns:a14="http://schemas.microsoft.com/office/drawing/2010/main">
                 <a:solidFill>
                   <a:schemeClr val="accent1"/>
                 </a:solidFill>
               </a14:hiddenFill>
             </a:ext>
             <a:ext uri="{91240B29-F687-4f45-9708-019B960494DF}">
-              <a14:hiddenLine xmlns:a14="http://schemas.microsoft.com/office/drawing/2010/main" xmlns="" w="9525">
+              <a14:hiddenLine xmlns="" xmlns:a14="http://schemas.microsoft.com/office/drawing/2010/main" w="9525">
                 <a:solidFill>
                   <a:schemeClr val="tx1"/>
                 </a:solidFill>
@@ -39134,7 +39040,7 @@
               </a14:hiddenLine>
             </a:ext>
             <a:ext uri="{AF507438-7753-43e0-B8FC-AC1667EBCBE1}">
-              <a14:hiddenEffects xmlns:a14="http://schemas.microsoft.com/office/drawing/2010/main" xmlns="">
+              <a14:hiddenEffects xmlns="" xmlns:a14="http://schemas.microsoft.com/office/drawing/2010/main">
                 <a:effectLst>
                   <a:outerShdw blurRad="63500" dist="38099" dir="2700000" algn="ctr" rotWithShape="0">
                     <a:schemeClr val="bg2">
@@ -39192,12 +39098,12 @@
           <a:effectLst/>
           <a:extLst>
             <a:ext uri="{909E8E84-426E-40dd-AFC4-6F175D3DCCD1}">
-              <a14:hiddenFill xmlns:a14="http://schemas.microsoft.com/office/drawing/2010/main" xmlns="">
+              <a14:hiddenFill xmlns="" xmlns:a14="http://schemas.microsoft.com/office/drawing/2010/main">
                 <a:noFill/>
               </a14:hiddenFill>
             </a:ext>
             <a:ext uri="{AF507438-7753-43e0-B8FC-AC1667EBCBE1}">
-              <a14:hiddenEffects xmlns:a14="http://schemas.microsoft.com/office/drawing/2010/main" xmlns="">
+              <a14:hiddenEffects xmlns="" xmlns:a14="http://schemas.microsoft.com/office/drawing/2010/main">
                 <a:effectLst>
                   <a:outerShdw blurRad="63500" dist="38099" dir="2700000" algn="ctr" rotWithShape="0">
                     <a:schemeClr val="bg2">
@@ -39240,14 +39146,14 @@
           <a:effectLst/>
           <a:extLst>
             <a:ext uri="{909E8E84-426E-40dd-AFC4-6F175D3DCCD1}">
-              <a14:hiddenFill xmlns:a14="http://schemas.microsoft.com/office/drawing/2010/main" xmlns="">
+              <a14:hiddenFill xmlns="" xmlns:a14="http://schemas.microsoft.com/office/drawing/2010/main">
                 <a:solidFill>
                   <a:schemeClr val="accent1"/>
                 </a:solidFill>
               </a14:hiddenFill>
             </a:ext>
             <a:ext uri="{91240B29-F687-4f45-9708-019B960494DF}">
-              <a14:hiddenLine xmlns:a14="http://schemas.microsoft.com/office/drawing/2010/main" xmlns="" w="9525">
+              <a14:hiddenLine xmlns="" xmlns:a14="http://schemas.microsoft.com/office/drawing/2010/main" w="9525">
                 <a:solidFill>
                   <a:schemeClr val="tx1"/>
                 </a:solidFill>
@@ -39257,7 +39163,7 @@
               </a14:hiddenLine>
             </a:ext>
             <a:ext uri="{AF507438-7753-43e0-B8FC-AC1667EBCBE1}">
-              <a14:hiddenEffects xmlns:a14="http://schemas.microsoft.com/office/drawing/2010/main" xmlns="">
+              <a14:hiddenEffects xmlns="" xmlns:a14="http://schemas.microsoft.com/office/drawing/2010/main">
                 <a:effectLst>
                   <a:outerShdw blurRad="63500" dist="38099" dir="2700000" algn="ctr" rotWithShape="0">
                     <a:schemeClr val="bg2">
@@ -39315,12 +39221,12 @@
           <a:effectLst/>
           <a:extLst>
             <a:ext uri="{909E8E84-426E-40dd-AFC4-6F175D3DCCD1}">
-              <a14:hiddenFill xmlns:a14="http://schemas.microsoft.com/office/drawing/2010/main" xmlns="">
+              <a14:hiddenFill xmlns="" xmlns:a14="http://schemas.microsoft.com/office/drawing/2010/main">
                 <a:noFill/>
               </a14:hiddenFill>
             </a:ext>
             <a:ext uri="{AF507438-7753-43e0-B8FC-AC1667EBCBE1}">
-              <a14:hiddenEffects xmlns:a14="http://schemas.microsoft.com/office/drawing/2010/main" xmlns="">
+              <a14:hiddenEffects xmlns="" xmlns:a14="http://schemas.microsoft.com/office/drawing/2010/main">
                 <a:effectLst>
                   <a:outerShdw blurRad="63500" dist="38099" dir="2700000" algn="ctr" rotWithShape="0">
                     <a:schemeClr val="bg2">
@@ -39363,14 +39269,14 @@
           <a:effectLst/>
           <a:extLst>
             <a:ext uri="{909E8E84-426E-40dd-AFC4-6F175D3DCCD1}">
-              <a14:hiddenFill xmlns:a14="http://schemas.microsoft.com/office/drawing/2010/main" xmlns="">
+              <a14:hiddenFill xmlns="" xmlns:a14="http://schemas.microsoft.com/office/drawing/2010/main">
                 <a:solidFill>
                   <a:schemeClr val="accent1"/>
                 </a:solidFill>
               </a14:hiddenFill>
             </a:ext>
             <a:ext uri="{91240B29-F687-4f45-9708-019B960494DF}">
-              <a14:hiddenLine xmlns:a14="http://schemas.microsoft.com/office/drawing/2010/main" xmlns="" w="9525">
+              <a14:hiddenLine xmlns="" xmlns:a14="http://schemas.microsoft.com/office/drawing/2010/main" w="9525">
                 <a:solidFill>
                   <a:schemeClr val="tx1"/>
                 </a:solidFill>
@@ -39380,7 +39286,7 @@
               </a14:hiddenLine>
             </a:ext>
             <a:ext uri="{AF507438-7753-43e0-B8FC-AC1667EBCBE1}">
-              <a14:hiddenEffects xmlns:a14="http://schemas.microsoft.com/office/drawing/2010/main" xmlns="">
+              <a14:hiddenEffects xmlns="" xmlns:a14="http://schemas.microsoft.com/office/drawing/2010/main">
                 <a:effectLst>
                   <a:outerShdw blurRad="63500" dist="38099" dir="2700000" algn="ctr" rotWithShape="0">
                     <a:schemeClr val="bg2">
@@ -39438,12 +39344,12 @@
           <a:effectLst/>
           <a:extLst>
             <a:ext uri="{909E8E84-426E-40dd-AFC4-6F175D3DCCD1}">
-              <a14:hiddenFill xmlns:a14="http://schemas.microsoft.com/office/drawing/2010/main" xmlns="">
+              <a14:hiddenFill xmlns="" xmlns:a14="http://schemas.microsoft.com/office/drawing/2010/main">
                 <a:noFill/>
               </a14:hiddenFill>
             </a:ext>
             <a:ext uri="{AF507438-7753-43e0-B8FC-AC1667EBCBE1}">
-              <a14:hiddenEffects xmlns:a14="http://schemas.microsoft.com/office/drawing/2010/main" xmlns="">
+              <a14:hiddenEffects xmlns="" xmlns:a14="http://schemas.microsoft.com/office/drawing/2010/main">
                 <a:effectLst>
                   <a:outerShdw blurRad="63500" dist="38099" dir="2700000" algn="ctr" rotWithShape="0">
                     <a:schemeClr val="bg2">
@@ -39486,14 +39392,14 @@
           <a:effectLst/>
           <a:extLst>
             <a:ext uri="{909E8E84-426E-40dd-AFC4-6F175D3DCCD1}">
-              <a14:hiddenFill xmlns:a14="http://schemas.microsoft.com/office/drawing/2010/main" xmlns="">
+              <a14:hiddenFill xmlns="" xmlns:a14="http://schemas.microsoft.com/office/drawing/2010/main">
                 <a:solidFill>
                   <a:schemeClr val="accent1"/>
                 </a:solidFill>
               </a14:hiddenFill>
             </a:ext>
             <a:ext uri="{91240B29-F687-4f45-9708-019B960494DF}">
-              <a14:hiddenLine xmlns:a14="http://schemas.microsoft.com/office/drawing/2010/main" xmlns="" w="9525">
+              <a14:hiddenLine xmlns="" xmlns:a14="http://schemas.microsoft.com/office/drawing/2010/main" w="9525">
                 <a:solidFill>
                   <a:schemeClr val="tx1"/>
                 </a:solidFill>
@@ -39503,7 +39409,7 @@
               </a14:hiddenLine>
             </a:ext>
             <a:ext uri="{AF507438-7753-43e0-B8FC-AC1667EBCBE1}">
-              <a14:hiddenEffects xmlns:a14="http://schemas.microsoft.com/office/drawing/2010/main" xmlns="">
+              <a14:hiddenEffects xmlns="" xmlns:a14="http://schemas.microsoft.com/office/drawing/2010/main">
                 <a:effectLst>
                   <a:outerShdw blurRad="63500" dist="38099" dir="2700000" algn="ctr" rotWithShape="0">
                     <a:schemeClr val="bg2">
@@ -39561,12 +39467,12 @@
           <a:effectLst/>
           <a:extLst>
             <a:ext uri="{909E8E84-426E-40dd-AFC4-6F175D3DCCD1}">
-              <a14:hiddenFill xmlns:a14="http://schemas.microsoft.com/office/drawing/2010/main" xmlns="">
+              <a14:hiddenFill xmlns="" xmlns:a14="http://schemas.microsoft.com/office/drawing/2010/main">
                 <a:noFill/>
               </a14:hiddenFill>
             </a:ext>
             <a:ext uri="{AF507438-7753-43e0-B8FC-AC1667EBCBE1}">
-              <a14:hiddenEffects xmlns:a14="http://schemas.microsoft.com/office/drawing/2010/main" xmlns="">
+              <a14:hiddenEffects xmlns="" xmlns:a14="http://schemas.microsoft.com/office/drawing/2010/main">
                 <a:effectLst>
                   <a:outerShdw blurRad="63500" dist="38099" dir="2700000" algn="ctr" rotWithShape="0">
                     <a:schemeClr val="bg2">
@@ -39609,14 +39515,14 @@
           <a:effectLst/>
           <a:extLst>
             <a:ext uri="{909E8E84-426E-40dd-AFC4-6F175D3DCCD1}">
-              <a14:hiddenFill xmlns:a14="http://schemas.microsoft.com/office/drawing/2010/main" xmlns="">
+              <a14:hiddenFill xmlns="" xmlns:a14="http://schemas.microsoft.com/office/drawing/2010/main">
                 <a:solidFill>
                   <a:schemeClr val="accent1"/>
                 </a:solidFill>
               </a14:hiddenFill>
             </a:ext>
             <a:ext uri="{91240B29-F687-4f45-9708-019B960494DF}">
-              <a14:hiddenLine xmlns:a14="http://schemas.microsoft.com/office/drawing/2010/main" xmlns="" w="9525">
+              <a14:hiddenLine xmlns="" xmlns:a14="http://schemas.microsoft.com/office/drawing/2010/main" w="9525">
                 <a:solidFill>
                   <a:schemeClr val="tx1"/>
                 </a:solidFill>
@@ -39626,7 +39532,7 @@
               </a14:hiddenLine>
             </a:ext>
             <a:ext uri="{AF507438-7753-43e0-B8FC-AC1667EBCBE1}">
-              <a14:hiddenEffects xmlns:a14="http://schemas.microsoft.com/office/drawing/2010/main" xmlns="">
+              <a14:hiddenEffects xmlns="" xmlns:a14="http://schemas.microsoft.com/office/drawing/2010/main">
                 <a:effectLst>
                   <a:outerShdw blurRad="63500" dist="38099" dir="2700000" algn="ctr" rotWithShape="0">
                     <a:schemeClr val="bg2">
@@ -39681,12 +39587,12 @@
           <a:effectLst/>
           <a:extLst>
             <a:ext uri="{909E8E84-426E-40dd-AFC4-6F175D3DCCD1}">
-              <a14:hiddenFill xmlns:a14="http://schemas.microsoft.com/office/drawing/2010/main" xmlns="">
+              <a14:hiddenFill xmlns="" xmlns:a14="http://schemas.microsoft.com/office/drawing/2010/main">
                 <a:noFill/>
               </a14:hiddenFill>
             </a:ext>
             <a:ext uri="{AF507438-7753-43e0-B8FC-AC1667EBCBE1}">
-              <a14:hiddenEffects xmlns:a14="http://schemas.microsoft.com/office/drawing/2010/main" xmlns="">
+              <a14:hiddenEffects xmlns="" xmlns:a14="http://schemas.microsoft.com/office/drawing/2010/main">
                 <a:effectLst>
                   <a:outerShdw blurRad="63500" dist="38099" dir="2700000" algn="ctr" rotWithShape="0">
                     <a:schemeClr val="bg2">
@@ -39729,14 +39635,14 @@
           <a:effectLst/>
           <a:extLst>
             <a:ext uri="{909E8E84-426E-40dd-AFC4-6F175D3DCCD1}">
-              <a14:hiddenFill xmlns:a14="http://schemas.microsoft.com/office/drawing/2010/main" xmlns="">
+              <a14:hiddenFill xmlns="" xmlns:a14="http://schemas.microsoft.com/office/drawing/2010/main">
                 <a:solidFill>
                   <a:schemeClr val="accent1"/>
                 </a:solidFill>
               </a14:hiddenFill>
             </a:ext>
             <a:ext uri="{91240B29-F687-4f45-9708-019B960494DF}">
-              <a14:hiddenLine xmlns:a14="http://schemas.microsoft.com/office/drawing/2010/main" xmlns="" w="9525">
+              <a14:hiddenLine xmlns="" xmlns:a14="http://schemas.microsoft.com/office/drawing/2010/main" w="9525">
                 <a:solidFill>
                   <a:schemeClr val="tx1"/>
                 </a:solidFill>
@@ -39746,7 +39652,7 @@
               </a14:hiddenLine>
             </a:ext>
             <a:ext uri="{AF507438-7753-43e0-B8FC-AC1667EBCBE1}">
-              <a14:hiddenEffects xmlns:a14="http://schemas.microsoft.com/office/drawing/2010/main" xmlns="">
+              <a14:hiddenEffects xmlns="" xmlns:a14="http://schemas.microsoft.com/office/drawing/2010/main">
                 <a:effectLst>
                   <a:outerShdw blurRad="63500" dist="38099" dir="2700000" algn="ctr" rotWithShape="0">
                     <a:schemeClr val="bg2">
@@ -39909,14 +39815,14 @@
           <a:effectLst/>
           <a:extLst>
             <a:ext uri="{909E8E84-426E-40dd-AFC4-6F175D3DCCD1}">
-              <a14:hiddenFill xmlns:a14="http://schemas.microsoft.com/office/drawing/2010/main" xmlns="">
+              <a14:hiddenFill xmlns="" xmlns:a14="http://schemas.microsoft.com/office/drawing/2010/main">
                 <a:solidFill>
                   <a:schemeClr val="accent1"/>
                 </a:solidFill>
               </a14:hiddenFill>
             </a:ext>
             <a:ext uri="{AF507438-7753-43e0-B8FC-AC1667EBCBE1}">
-              <a14:hiddenEffects xmlns:a14="http://schemas.microsoft.com/office/drawing/2010/main" xmlns="">
+              <a14:hiddenEffects xmlns="" xmlns:a14="http://schemas.microsoft.com/office/drawing/2010/main">
                 <a:effectLst>
                   <a:outerShdw blurRad="63500" dist="38099" dir="2700000" algn="ctr" rotWithShape="0">
                     <a:schemeClr val="bg2">
@@ -39959,14 +39865,14 @@
           <a:effectLst/>
           <a:extLst>
             <a:ext uri="{909E8E84-426E-40dd-AFC4-6F175D3DCCD1}">
-              <a14:hiddenFill xmlns:a14="http://schemas.microsoft.com/office/drawing/2010/main" xmlns="">
+              <a14:hiddenFill xmlns="" xmlns:a14="http://schemas.microsoft.com/office/drawing/2010/main">
                 <a:solidFill>
                   <a:schemeClr val="accent1"/>
                 </a:solidFill>
               </a14:hiddenFill>
             </a:ext>
             <a:ext uri="{91240B29-F687-4f45-9708-019B960494DF}">
-              <a14:hiddenLine xmlns:a14="http://schemas.microsoft.com/office/drawing/2010/main" xmlns="" w="9525">
+              <a14:hiddenLine xmlns="" xmlns:a14="http://schemas.microsoft.com/office/drawing/2010/main" w="9525">
                 <a:solidFill>
                   <a:schemeClr val="tx1"/>
                 </a:solidFill>
@@ -39976,7 +39882,7 @@
               </a14:hiddenLine>
             </a:ext>
             <a:ext uri="{AF507438-7753-43e0-B8FC-AC1667EBCBE1}">
-              <a14:hiddenEffects xmlns:a14="http://schemas.microsoft.com/office/drawing/2010/main" xmlns="">
+              <a14:hiddenEffects xmlns="" xmlns:a14="http://schemas.microsoft.com/office/drawing/2010/main">
                 <a:effectLst>
                   <a:outerShdw blurRad="63500" dist="38099" dir="2700000" algn="ctr" rotWithShape="0">
                     <a:schemeClr val="bg2">
@@ -40031,14 +39937,14 @@
           <a:effectLst/>
           <a:extLst>
             <a:ext uri="{909E8E84-426E-40dd-AFC4-6F175D3DCCD1}">
-              <a14:hiddenFill xmlns:a14="http://schemas.microsoft.com/office/drawing/2010/main" xmlns="">
+              <a14:hiddenFill xmlns="" xmlns:a14="http://schemas.microsoft.com/office/drawing/2010/main">
                 <a:solidFill>
                   <a:schemeClr val="accent1"/>
                 </a:solidFill>
               </a14:hiddenFill>
             </a:ext>
             <a:ext uri="{AF507438-7753-43e0-B8FC-AC1667EBCBE1}">
-              <a14:hiddenEffects xmlns:a14="http://schemas.microsoft.com/office/drawing/2010/main" xmlns="">
+              <a14:hiddenEffects xmlns="" xmlns:a14="http://schemas.microsoft.com/office/drawing/2010/main">
                 <a:effectLst>
                   <a:outerShdw blurRad="63500" dist="38099" dir="2700000" algn="ctr" rotWithShape="0">
                     <a:schemeClr val="bg2">
@@ -40122,12 +40028,12 @@
           <a:effectLst/>
           <a:extLst>
             <a:ext uri="{909E8E84-426E-40dd-AFC4-6F175D3DCCD1}">
-              <a14:hiddenFill xmlns:a14="http://schemas.microsoft.com/office/drawing/2010/main" xmlns="">
+              <a14:hiddenFill xmlns="" xmlns:a14="http://schemas.microsoft.com/office/drawing/2010/main">
                 <a:noFill/>
               </a14:hiddenFill>
             </a:ext>
             <a:ext uri="{AF507438-7753-43e0-B8FC-AC1667EBCBE1}">
-              <a14:hiddenEffects xmlns:a14="http://schemas.microsoft.com/office/drawing/2010/main" xmlns="">
+              <a14:hiddenEffects xmlns="" xmlns:a14="http://schemas.microsoft.com/office/drawing/2010/main">
                 <a:effectLst>
                   <a:outerShdw blurRad="63500" dist="38099" dir="2700000" algn="ctr" rotWithShape="0">
                     <a:schemeClr val="bg2">
@@ -40186,12 +40092,12 @@
           <a:effectLst/>
           <a:extLst>
             <a:ext uri="{909E8E84-426E-40dd-AFC4-6F175D3DCCD1}">
-              <a14:hiddenFill xmlns:a14="http://schemas.microsoft.com/office/drawing/2010/main" xmlns="">
+              <a14:hiddenFill xmlns="" xmlns:a14="http://schemas.microsoft.com/office/drawing/2010/main">
                 <a:noFill/>
               </a14:hiddenFill>
             </a:ext>
             <a:ext uri="{AF507438-7753-43e0-B8FC-AC1667EBCBE1}">
-              <a14:hiddenEffects xmlns:a14="http://schemas.microsoft.com/office/drawing/2010/main" xmlns="">
+              <a14:hiddenEffects xmlns="" xmlns:a14="http://schemas.microsoft.com/office/drawing/2010/main">
                 <a:effectLst>
                   <a:outerShdw blurRad="63500" dist="38099" dir="2700000" algn="ctr" rotWithShape="0">
                     <a:schemeClr val="bg2">
@@ -40243,14 +40149,14 @@
           <a:effectLst/>
           <a:extLst>
             <a:ext uri="{909E8E84-426E-40dd-AFC4-6F175D3DCCD1}">
-              <a14:hiddenFill xmlns:a14="http://schemas.microsoft.com/office/drawing/2010/main" xmlns="">
+              <a14:hiddenFill xmlns="" xmlns:a14="http://schemas.microsoft.com/office/drawing/2010/main">
                 <a:solidFill>
                   <a:schemeClr val="accent1"/>
                 </a:solidFill>
               </a14:hiddenFill>
             </a:ext>
             <a:ext uri="{91240B29-F687-4f45-9708-019B960494DF}">
-              <a14:hiddenLine xmlns:a14="http://schemas.microsoft.com/office/drawing/2010/main" xmlns="" w="9525">
+              <a14:hiddenLine xmlns="" xmlns:a14="http://schemas.microsoft.com/office/drawing/2010/main" w="9525">
                 <a:solidFill>
                   <a:schemeClr val="tx1"/>
                 </a:solidFill>
@@ -40260,7 +40166,7 @@
               </a14:hiddenLine>
             </a:ext>
             <a:ext uri="{AF507438-7753-43e0-B8FC-AC1667EBCBE1}">
-              <a14:hiddenEffects xmlns:a14="http://schemas.microsoft.com/office/drawing/2010/main" xmlns="">
+              <a14:hiddenEffects xmlns="" xmlns:a14="http://schemas.microsoft.com/office/drawing/2010/main">
                 <a:effectLst>
                   <a:outerShdw blurRad="63500" dist="38099" dir="2700000" algn="ctr" rotWithShape="0">
                     <a:schemeClr val="bg2">
@@ -40316,14 +40222,14 @@
           <a:effectLst/>
           <a:extLst>
             <a:ext uri="{909E8E84-426E-40dd-AFC4-6F175D3DCCD1}">
-              <a14:hiddenFill xmlns:a14="http://schemas.microsoft.com/office/drawing/2010/main" xmlns="">
+              <a14:hiddenFill xmlns="" xmlns:a14="http://schemas.microsoft.com/office/drawing/2010/main">
                 <a:solidFill>
                   <a:schemeClr val="accent1"/>
                 </a:solidFill>
               </a14:hiddenFill>
             </a:ext>
             <a:ext uri="{91240B29-F687-4f45-9708-019B960494DF}">
-              <a14:hiddenLine xmlns:a14="http://schemas.microsoft.com/office/drawing/2010/main" xmlns="" w="9525">
+              <a14:hiddenLine xmlns="" xmlns:a14="http://schemas.microsoft.com/office/drawing/2010/main" w="9525">
                 <a:solidFill>
                   <a:schemeClr val="tx1"/>
                 </a:solidFill>
@@ -40333,7 +40239,7 @@
               </a14:hiddenLine>
             </a:ext>
             <a:ext uri="{AF507438-7753-43e0-B8FC-AC1667EBCBE1}">
-              <a14:hiddenEffects xmlns:a14="http://schemas.microsoft.com/office/drawing/2010/main" xmlns="">
+              <a14:hiddenEffects xmlns="" xmlns:a14="http://schemas.microsoft.com/office/drawing/2010/main">
                 <a:effectLst>
                   <a:outerShdw blurRad="63500" dist="38099" dir="2700000" algn="ctr" rotWithShape="0">
                     <a:schemeClr val="bg2">
@@ -40403,14 +40309,14 @@
           <a:effectLst/>
           <a:extLst>
             <a:ext uri="{909E8E84-426E-40dd-AFC4-6F175D3DCCD1}">
-              <a14:hiddenFill xmlns:a14="http://schemas.microsoft.com/office/drawing/2010/main" xmlns="">
+              <a14:hiddenFill xmlns="" xmlns:a14="http://schemas.microsoft.com/office/drawing/2010/main">
                 <a:solidFill>
                   <a:schemeClr val="accent1"/>
                 </a:solidFill>
               </a14:hiddenFill>
             </a:ext>
             <a:ext uri="{91240B29-F687-4f45-9708-019B960494DF}">
-              <a14:hiddenLine xmlns:a14="http://schemas.microsoft.com/office/drawing/2010/main" xmlns="" w="9525">
+              <a14:hiddenLine xmlns="" xmlns:a14="http://schemas.microsoft.com/office/drawing/2010/main" w="9525">
                 <a:solidFill>
                   <a:schemeClr val="tx1"/>
                 </a:solidFill>
@@ -40420,7 +40326,7 @@
               </a14:hiddenLine>
             </a:ext>
             <a:ext uri="{AF507438-7753-43e0-B8FC-AC1667EBCBE1}">
-              <a14:hiddenEffects xmlns:a14="http://schemas.microsoft.com/office/drawing/2010/main" xmlns="">
+              <a14:hiddenEffects xmlns="" xmlns:a14="http://schemas.microsoft.com/office/drawing/2010/main">
                 <a:effectLst>
                   <a:outerShdw blurRad="63500" dist="38099" dir="2700000" algn="ctr" rotWithShape="0">
                     <a:schemeClr val="bg2">
@@ -40476,14 +40382,14 @@
           <a:effectLst/>
           <a:extLst>
             <a:ext uri="{909E8E84-426E-40dd-AFC4-6F175D3DCCD1}">
-              <a14:hiddenFill xmlns:a14="http://schemas.microsoft.com/office/drawing/2010/main" xmlns="">
+              <a14:hiddenFill xmlns="" xmlns:a14="http://schemas.microsoft.com/office/drawing/2010/main">
                 <a:solidFill>
                   <a:schemeClr val="accent1"/>
                 </a:solidFill>
               </a14:hiddenFill>
             </a:ext>
             <a:ext uri="{91240B29-F687-4f45-9708-019B960494DF}">
-              <a14:hiddenLine xmlns:a14="http://schemas.microsoft.com/office/drawing/2010/main" xmlns="" w="9525">
+              <a14:hiddenLine xmlns="" xmlns:a14="http://schemas.microsoft.com/office/drawing/2010/main" w="9525">
                 <a:solidFill>
                   <a:schemeClr val="tx1"/>
                 </a:solidFill>
@@ -40493,7 +40399,7 @@
               </a14:hiddenLine>
             </a:ext>
             <a:ext uri="{AF507438-7753-43e0-B8FC-AC1667EBCBE1}">
-              <a14:hiddenEffects xmlns:a14="http://schemas.microsoft.com/office/drawing/2010/main" xmlns="">
+              <a14:hiddenEffects xmlns="" xmlns:a14="http://schemas.microsoft.com/office/drawing/2010/main">
                 <a:effectLst>
                   <a:outerShdw blurRad="63500" dist="38099" dir="2700000" algn="ctr" rotWithShape="0">
                     <a:schemeClr val="bg2">
@@ -40549,14 +40455,14 @@
           <a:effectLst/>
           <a:extLst>
             <a:ext uri="{909E8E84-426E-40dd-AFC4-6F175D3DCCD1}">
-              <a14:hiddenFill xmlns:a14="http://schemas.microsoft.com/office/drawing/2010/main" xmlns="">
+              <a14:hiddenFill xmlns="" xmlns:a14="http://schemas.microsoft.com/office/drawing/2010/main">
                 <a:solidFill>
                   <a:schemeClr val="accent1"/>
                 </a:solidFill>
               </a14:hiddenFill>
             </a:ext>
             <a:ext uri="{91240B29-F687-4f45-9708-019B960494DF}">
-              <a14:hiddenLine xmlns:a14="http://schemas.microsoft.com/office/drawing/2010/main" xmlns="" w="9525">
+              <a14:hiddenLine xmlns="" xmlns:a14="http://schemas.microsoft.com/office/drawing/2010/main" w="9525">
                 <a:solidFill>
                   <a:schemeClr val="tx1"/>
                 </a:solidFill>
@@ -40566,7 +40472,7 @@
               </a14:hiddenLine>
             </a:ext>
             <a:ext uri="{AF507438-7753-43e0-B8FC-AC1667EBCBE1}">
-              <a14:hiddenEffects xmlns:a14="http://schemas.microsoft.com/office/drawing/2010/main" xmlns="">
+              <a14:hiddenEffects xmlns="" xmlns:a14="http://schemas.microsoft.com/office/drawing/2010/main">
                 <a:effectLst>
                   <a:outerShdw blurRad="63500" dist="38099" dir="2700000" algn="ctr" rotWithShape="0">
                     <a:schemeClr val="bg2">
@@ -41651,14 +41557,14 @@
           <a:effectLst/>
           <a:extLst>
             <a:ext uri="{909E8E84-426E-40dd-AFC4-6F175D3DCCD1}">
-              <a14:hiddenFill xmlns:a14="http://schemas.microsoft.com/office/drawing/2010/main" xmlns="">
+              <a14:hiddenFill xmlns="" xmlns:a14="http://schemas.microsoft.com/office/drawing/2010/main">
                 <a:solidFill>
                   <a:schemeClr val="accent1"/>
                 </a:solidFill>
               </a14:hiddenFill>
             </a:ext>
             <a:ext uri="{91240B29-F687-4f45-9708-019B960494DF}">
-              <a14:hiddenLine xmlns:a14="http://schemas.microsoft.com/office/drawing/2010/main" xmlns="" w="9525">
+              <a14:hiddenLine xmlns="" xmlns:a14="http://schemas.microsoft.com/office/drawing/2010/main" w="9525">
                 <a:solidFill>
                   <a:schemeClr val="tx1"/>
                 </a:solidFill>
@@ -41668,7 +41574,7 @@
               </a14:hiddenLine>
             </a:ext>
             <a:ext uri="{AF507438-7753-43e0-B8FC-AC1667EBCBE1}">
-              <a14:hiddenEffects xmlns:a14="http://schemas.microsoft.com/office/drawing/2010/main" xmlns="">
+              <a14:hiddenEffects xmlns="" xmlns:a14="http://schemas.microsoft.com/office/drawing/2010/main">
                 <a:effectLst>
                   <a:outerShdw blurRad="63500" dist="38099" dir="2700000" algn="ctr" rotWithShape="0">
                     <a:schemeClr val="bg2">
@@ -42982,10 +42888,10 @@
       </p:sp>
       <p:pic>
         <p:nvPicPr>
-          <p:cNvPr id="3" name="Picture 2" descr="A screenshot of a social media post&#10;&#10;Description automatically generated">
+          <p:cNvPr id="4" name="Picture 3" descr="A close-up of a document&#10;&#10;Description automatically generated">
             <a:extLst>
               <a:ext uri="{FF2B5EF4-FFF2-40B4-BE49-F238E27FC236}">
-                <a16:creationId xmlns:a16="http://schemas.microsoft.com/office/drawing/2014/main" id="{53C5B607-E457-1D41-87F2-37FDE44BA195}"/>
+                <a16:creationId xmlns:a16="http://schemas.microsoft.com/office/drawing/2014/main" id="{AEABB986-CA48-FCED-FBC2-614ABD21A626}"/>
               </a:ext>
             </a:extLst>
           </p:cNvPr>
@@ -43002,8 +42908,38 @@
         </p:blipFill>
         <p:spPr>
           <a:xfrm>
-            <a:off x="841025" y="1186487"/>
-            <a:ext cx="7533957" cy="4578942"/>
+            <a:off x="971600" y="3429000"/>
+            <a:ext cx="7772400" cy="2358331"/>
+          </a:xfrm>
+          <a:prstGeom prst="rect">
+            <a:avLst/>
+          </a:prstGeom>
+        </p:spPr>
+      </p:pic>
+      <p:pic>
+        <p:nvPicPr>
+          <p:cNvPr id="8" name="Picture 7">
+            <a:extLst>
+              <a:ext uri="{FF2B5EF4-FFF2-40B4-BE49-F238E27FC236}">
+                <a16:creationId xmlns:a16="http://schemas.microsoft.com/office/drawing/2014/main" id="{136A7758-E5A8-A93A-A7F5-CD264B60DBC9}"/>
+              </a:ext>
+            </a:extLst>
+          </p:cNvPr>
+          <p:cNvPicPr>
+            <a:picLocks noChangeAspect="1"/>
+          </p:cNvPicPr>
+          <p:nvPr/>
+        </p:nvPicPr>
+        <p:blipFill>
+          <a:blip r:embed="rId4"/>
+          <a:stretch>
+            <a:fillRect/>
+          </a:stretch>
+        </p:blipFill>
+        <p:spPr>
+          <a:xfrm>
+            <a:off x="308720" y="1556792"/>
+            <a:ext cx="7772400" cy="943646"/>
           </a:xfrm>
           <a:prstGeom prst="rect">
             <a:avLst/>
@@ -43014,228 +42950,6 @@
     <p:extLst>
       <p:ext uri="{BB962C8B-B14F-4D97-AF65-F5344CB8AC3E}">
         <p14:creationId xmlns:p14="http://schemas.microsoft.com/office/powerpoint/2010/main" val="904162487"/>
-      </p:ext>
-    </p:extLst>
-  </p:cSld>
-  <p:clrMapOvr>
-    <a:masterClrMapping/>
-  </p:clrMapOvr>
-</p:sld>
-</file>
-
-<file path=ppt/slides/slide51.xml><?xml version="1.0" encoding="utf-8"?>
-<p:sld xmlns:a="http://schemas.openxmlformats.org/drawingml/2006/main" xmlns:r="http://schemas.openxmlformats.org/officeDocument/2006/relationships" xmlns:p="http://schemas.openxmlformats.org/presentationml/2006/main">
-  <p:cSld>
-    <p:spTree>
-      <p:nvGrpSpPr>
-        <p:cNvPr id="1" name=""/>
-        <p:cNvGrpSpPr/>
-        <p:nvPr/>
-      </p:nvGrpSpPr>
-      <p:grpSpPr>
-        <a:xfrm>
-          <a:off x="0" y="0"/>
-          <a:ext cx="0" cy="0"/>
-          <a:chOff x="0" y="0"/>
-          <a:chExt cx="0" cy="0"/>
-        </a:xfrm>
-      </p:grpSpPr>
-      <p:sp>
-        <p:nvSpPr>
-          <p:cNvPr id="6" name="Rectangle 2">
-            <a:extLst>
-              <a:ext uri="{FF2B5EF4-FFF2-40B4-BE49-F238E27FC236}">
-                <a16:creationId xmlns:a16="http://schemas.microsoft.com/office/drawing/2014/main" id="{3BC00BE5-6FF3-A248-967D-24097431C54E}"/>
-              </a:ext>
-            </a:extLst>
-          </p:cNvPr>
-          <p:cNvSpPr txBox="1">
-            <a:spLocks noChangeArrowheads="1"/>
-          </p:cNvSpPr>
-          <p:nvPr/>
-        </p:nvSpPr>
-        <p:spPr bwMode="auto">
-          <a:xfrm>
-            <a:off x="220988" y="2256656"/>
-            <a:ext cx="8686800" cy="1676400"/>
-          </a:xfrm>
-          <a:prstGeom prst="rect">
-            <a:avLst/>
-          </a:prstGeom>
-          <a:noFill/>
-          <a:ln w="9525">
-            <a:noFill/>
-            <a:miter lim="800000"/>
-            <a:headEnd/>
-            <a:tailEnd/>
-          </a:ln>
-        </p:spPr>
-        <p:txBody>
-          <a:bodyPr vert="horz" wrap="square" lIns="91440" tIns="45720" rIns="91440" bIns="45720" numCol="1" anchor="ctr" anchorCtr="0" compatLnSpc="1">
-            <a:prstTxWarp prst="textNoShape">
-              <a:avLst/>
-            </a:prstTxWarp>
-          </a:bodyPr>
-          <a:lstStyle>
-            <a:lvl1pPr algn="ctr" rtl="0" eaLnBrk="0" fontAlgn="base" hangingPunct="0">
-              <a:spcBef>
-                <a:spcPct val="0"/>
-              </a:spcBef>
-              <a:spcAft>
-                <a:spcPct val="0"/>
-              </a:spcAft>
-              <a:defRPr sz="4400">
-                <a:solidFill>
-                  <a:schemeClr val="tx2"/>
-                </a:solidFill>
-                <a:latin typeface="+mj-lt"/>
-                <a:ea typeface="ＭＳ Ｐゴシック" charset="-128"/>
-                <a:cs typeface="ＭＳ Ｐゴシック" charset="-128"/>
-              </a:defRPr>
-            </a:lvl1pPr>
-            <a:lvl2pPr algn="ctr" rtl="0" eaLnBrk="0" fontAlgn="base" hangingPunct="0">
-              <a:spcBef>
-                <a:spcPct val="0"/>
-              </a:spcBef>
-              <a:spcAft>
-                <a:spcPct val="0"/>
-              </a:spcAft>
-              <a:defRPr sz="4400">
-                <a:solidFill>
-                  <a:schemeClr val="tx2"/>
-                </a:solidFill>
-                <a:latin typeface="Times New Roman" charset="0"/>
-                <a:ea typeface="ＭＳ Ｐゴシック" charset="-128"/>
-                <a:cs typeface="ＭＳ Ｐゴシック" charset="-128"/>
-              </a:defRPr>
-            </a:lvl2pPr>
-            <a:lvl3pPr algn="ctr" rtl="0" eaLnBrk="0" fontAlgn="base" hangingPunct="0">
-              <a:spcBef>
-                <a:spcPct val="0"/>
-              </a:spcBef>
-              <a:spcAft>
-                <a:spcPct val="0"/>
-              </a:spcAft>
-              <a:defRPr sz="4400">
-                <a:solidFill>
-                  <a:schemeClr val="tx2"/>
-                </a:solidFill>
-                <a:latin typeface="Times New Roman" charset="0"/>
-                <a:ea typeface="ＭＳ Ｐゴシック" charset="-128"/>
-                <a:cs typeface="ＭＳ Ｐゴシック" charset="-128"/>
-              </a:defRPr>
-            </a:lvl3pPr>
-            <a:lvl4pPr algn="ctr" rtl="0" eaLnBrk="0" fontAlgn="base" hangingPunct="0">
-              <a:spcBef>
-                <a:spcPct val="0"/>
-              </a:spcBef>
-              <a:spcAft>
-                <a:spcPct val="0"/>
-              </a:spcAft>
-              <a:defRPr sz="4400">
-                <a:solidFill>
-                  <a:schemeClr val="tx2"/>
-                </a:solidFill>
-                <a:latin typeface="Times New Roman" charset="0"/>
-                <a:ea typeface="ＭＳ Ｐゴシック" charset="-128"/>
-                <a:cs typeface="ＭＳ Ｐゴシック" charset="-128"/>
-              </a:defRPr>
-            </a:lvl4pPr>
-            <a:lvl5pPr algn="ctr" rtl="0" eaLnBrk="0" fontAlgn="base" hangingPunct="0">
-              <a:spcBef>
-                <a:spcPct val="0"/>
-              </a:spcBef>
-              <a:spcAft>
-                <a:spcPct val="0"/>
-              </a:spcAft>
-              <a:defRPr sz="4400">
-                <a:solidFill>
-                  <a:schemeClr val="tx2"/>
-                </a:solidFill>
-                <a:latin typeface="Times New Roman" charset="0"/>
-                <a:ea typeface="ＭＳ Ｐゴシック" charset="-128"/>
-                <a:cs typeface="ＭＳ Ｐゴシック" charset="-128"/>
-              </a:defRPr>
-            </a:lvl5pPr>
-            <a:lvl6pPr marL="457200" algn="ctr" rtl="0" fontAlgn="base">
-              <a:spcBef>
-                <a:spcPct val="0"/>
-              </a:spcBef>
-              <a:spcAft>
-                <a:spcPct val="0"/>
-              </a:spcAft>
-              <a:defRPr sz="4400">
-                <a:solidFill>
-                  <a:schemeClr val="tx2"/>
-                </a:solidFill>
-                <a:latin typeface="Times New Roman" charset="0"/>
-              </a:defRPr>
-            </a:lvl6pPr>
-            <a:lvl7pPr marL="914400" algn="ctr" rtl="0" fontAlgn="base">
-              <a:spcBef>
-                <a:spcPct val="0"/>
-              </a:spcBef>
-              <a:spcAft>
-                <a:spcPct val="0"/>
-              </a:spcAft>
-              <a:defRPr sz="4400">
-                <a:solidFill>
-                  <a:schemeClr val="tx2"/>
-                </a:solidFill>
-                <a:latin typeface="Times New Roman" charset="0"/>
-              </a:defRPr>
-            </a:lvl7pPr>
-            <a:lvl8pPr marL="1371600" algn="ctr" rtl="0" fontAlgn="base">
-              <a:spcBef>
-                <a:spcPct val="0"/>
-              </a:spcBef>
-              <a:spcAft>
-                <a:spcPct val="0"/>
-              </a:spcAft>
-              <a:defRPr sz="4400">
-                <a:solidFill>
-                  <a:schemeClr val="tx2"/>
-                </a:solidFill>
-                <a:latin typeface="Times New Roman" charset="0"/>
-              </a:defRPr>
-            </a:lvl8pPr>
-            <a:lvl9pPr marL="1828800" algn="ctr" rtl="0" fontAlgn="base">
-              <a:spcBef>
-                <a:spcPct val="0"/>
-              </a:spcBef>
-              <a:spcAft>
-                <a:spcPct val="0"/>
-              </a:spcAft>
-              <a:defRPr sz="4400">
-                <a:solidFill>
-                  <a:schemeClr val="tx2"/>
-                </a:solidFill>
-                <a:latin typeface="Times New Roman" charset="0"/>
-              </a:defRPr>
-            </a:lvl9pPr>
-          </a:lstStyle>
-          <a:p>
-            <a:pPr eaLnBrk="1" hangingPunct="1"/>
-            <a:r>
-              <a:rPr lang="en-US" sz="1800" b="1" dirty="0">
-                <a:solidFill>
-                  <a:schemeClr val="tx1"/>
-                </a:solidFill>
-              </a:rPr>
-              <a:t>End</a:t>
-            </a:r>
-            <a:endParaRPr lang="en-US" sz="1800" dirty="0">
-              <a:solidFill>
-                <a:schemeClr val="tx1"/>
-              </a:solidFill>
-            </a:endParaRPr>
-          </a:p>
-        </p:txBody>
-      </p:sp>
-    </p:spTree>
-    <p:extLst>
-      <p:ext uri="{BB962C8B-B14F-4D97-AF65-F5344CB8AC3E}">
-        <p14:creationId xmlns:p14="http://schemas.microsoft.com/office/powerpoint/2010/main" val="3052004015"/>
       </p:ext>
     </p:extLst>
   </p:cSld>

--- a/Lectures/Lecture 2 - Sequence Searching.pptx
+++ b/Lectures/Lecture 2 - Sequence Searching.pptx
@@ -7850,14 +7850,14 @@
           <a:effectLst/>
           <a:extLst>
             <a:ext uri="{909E8E84-426E-40dd-AFC4-6F175D3DCCD1}">
-              <a14:hiddenFill xmlns:a14="http://schemas.microsoft.com/office/drawing/2010/main" xmlns="">
+              <a14:hiddenFill xmlns="" xmlns:a14="http://schemas.microsoft.com/office/drawing/2010/main">
                 <a:solidFill>
                   <a:schemeClr val="accent1"/>
                 </a:solidFill>
               </a14:hiddenFill>
             </a:ext>
             <a:ext uri="{91240B29-F687-4f45-9708-019B960494DF}">
-              <a14:hiddenLine xmlns:a14="http://schemas.microsoft.com/office/drawing/2010/main" xmlns="" w="9525">
+              <a14:hiddenLine xmlns="" xmlns:a14="http://schemas.microsoft.com/office/drawing/2010/main" w="9525">
                 <a:solidFill>
                   <a:schemeClr val="tx1"/>
                 </a:solidFill>
@@ -7867,7 +7867,7 @@
               </a14:hiddenLine>
             </a:ext>
             <a:ext uri="{AF507438-7753-43e0-B8FC-AC1667EBCBE1}">
-              <a14:hiddenEffects xmlns:a14="http://schemas.microsoft.com/office/drawing/2010/main" xmlns="">
+              <a14:hiddenEffects xmlns="" xmlns:a14="http://schemas.microsoft.com/office/drawing/2010/main">
                 <a:effectLst>
                   <a:outerShdw blurRad="63500" dist="38099" dir="2700000" algn="ctr" rotWithShape="0">
                     <a:schemeClr val="bg2">
@@ -8153,14 +8153,14 @@
           <a:effectLst/>
           <a:extLst>
             <a:ext uri="{909E8E84-426E-40dd-AFC4-6F175D3DCCD1}">
-              <a14:hiddenFill xmlns:a14="http://schemas.microsoft.com/office/drawing/2010/main" xmlns="">
+              <a14:hiddenFill xmlns="" xmlns:a14="http://schemas.microsoft.com/office/drawing/2010/main">
                 <a:solidFill>
                   <a:schemeClr val="accent1"/>
                 </a:solidFill>
               </a14:hiddenFill>
             </a:ext>
             <a:ext uri="{91240B29-F687-4f45-9708-019B960494DF}">
-              <a14:hiddenLine xmlns:a14="http://schemas.microsoft.com/office/drawing/2010/main" xmlns="" w="9525">
+              <a14:hiddenLine xmlns="" xmlns:a14="http://schemas.microsoft.com/office/drawing/2010/main" w="9525">
                 <a:solidFill>
                   <a:schemeClr val="tx1"/>
                 </a:solidFill>
@@ -8170,7 +8170,7 @@
               </a14:hiddenLine>
             </a:ext>
             <a:ext uri="{AF507438-7753-43e0-B8FC-AC1667EBCBE1}">
-              <a14:hiddenEffects xmlns:a14="http://schemas.microsoft.com/office/drawing/2010/main" xmlns="">
+              <a14:hiddenEffects xmlns="" xmlns:a14="http://schemas.microsoft.com/office/drawing/2010/main">
                 <a:effectLst>
                   <a:outerShdw blurRad="63500" dist="38099" dir="2700000" algn="ctr" rotWithShape="0">
                     <a:schemeClr val="bg2">
@@ -8218,14 +8218,14 @@
           <a:effectLst/>
           <a:extLst>
             <a:ext uri="{909E8E84-426E-40dd-AFC4-6F175D3DCCD1}">
-              <a14:hiddenFill xmlns:a14="http://schemas.microsoft.com/office/drawing/2010/main" xmlns="">
+              <a14:hiddenFill xmlns="" xmlns:a14="http://schemas.microsoft.com/office/drawing/2010/main">
                 <a:solidFill>
                   <a:schemeClr val="accent1"/>
                 </a:solidFill>
               </a14:hiddenFill>
             </a:ext>
             <a:ext uri="{91240B29-F687-4f45-9708-019B960494DF}">
-              <a14:hiddenLine xmlns:a14="http://schemas.microsoft.com/office/drawing/2010/main" xmlns="" w="9525">
+              <a14:hiddenLine xmlns="" xmlns:a14="http://schemas.microsoft.com/office/drawing/2010/main" w="9525">
                 <a:solidFill>
                   <a:schemeClr val="tx1"/>
                 </a:solidFill>
@@ -8235,7 +8235,7 @@
               </a14:hiddenLine>
             </a:ext>
             <a:ext uri="{AF507438-7753-43e0-B8FC-AC1667EBCBE1}">
-              <a14:hiddenEffects xmlns:a14="http://schemas.microsoft.com/office/drawing/2010/main" xmlns="">
+              <a14:hiddenEffects xmlns="" xmlns:a14="http://schemas.microsoft.com/office/drawing/2010/main">
                 <a:effectLst>
                   <a:outerShdw blurRad="63500" dist="38099" dir="2700000" algn="ctr" rotWithShape="0">
                     <a:schemeClr val="bg2">
@@ -8283,14 +8283,14 @@
           <a:effectLst/>
           <a:extLst>
             <a:ext uri="{909E8E84-426E-40dd-AFC4-6F175D3DCCD1}">
-              <a14:hiddenFill xmlns:a14="http://schemas.microsoft.com/office/drawing/2010/main" xmlns="">
+              <a14:hiddenFill xmlns="" xmlns:a14="http://schemas.microsoft.com/office/drawing/2010/main">
                 <a:solidFill>
                   <a:schemeClr val="accent1"/>
                 </a:solidFill>
               </a14:hiddenFill>
             </a:ext>
             <a:ext uri="{91240B29-F687-4f45-9708-019B960494DF}">
-              <a14:hiddenLine xmlns:a14="http://schemas.microsoft.com/office/drawing/2010/main" xmlns="" w="9525">
+              <a14:hiddenLine xmlns="" xmlns:a14="http://schemas.microsoft.com/office/drawing/2010/main" w="9525">
                 <a:solidFill>
                   <a:schemeClr val="tx1"/>
                 </a:solidFill>
@@ -8300,7 +8300,7 @@
               </a14:hiddenLine>
             </a:ext>
             <a:ext uri="{AF507438-7753-43e0-B8FC-AC1667EBCBE1}">
-              <a14:hiddenEffects xmlns:a14="http://schemas.microsoft.com/office/drawing/2010/main" xmlns="">
+              <a14:hiddenEffects xmlns="" xmlns:a14="http://schemas.microsoft.com/office/drawing/2010/main">
                 <a:effectLst>
                   <a:outerShdw blurRad="63500" dist="38099" dir="2700000" algn="ctr" rotWithShape="0">
                     <a:schemeClr val="bg2">
@@ -8365,7 +8365,7 @@
           </a:ln>
           <a:extLst>
             <a:ext uri="{909E8E84-426E-40dd-AFC4-6F175D3DCCD1}">
-              <a14:hiddenFill xmlns:a14="http://schemas.microsoft.com/office/drawing/2010/main" xmlns="">
+              <a14:hiddenFill xmlns="" xmlns:a14="http://schemas.microsoft.com/office/drawing/2010/main">
                 <a:solidFill>
                   <a:srgbClr val="FFFFFF"/>
                 </a:solidFill>
@@ -8397,14 +8397,14 @@
           <a:effectLst/>
           <a:extLst>
             <a:ext uri="{909E8E84-426E-40dd-AFC4-6F175D3DCCD1}">
-              <a14:hiddenFill xmlns:a14="http://schemas.microsoft.com/office/drawing/2010/main" xmlns="">
+              <a14:hiddenFill xmlns="" xmlns:a14="http://schemas.microsoft.com/office/drawing/2010/main">
                 <a:solidFill>
                   <a:schemeClr val="accent1"/>
                 </a:solidFill>
               </a14:hiddenFill>
             </a:ext>
             <a:ext uri="{91240B29-F687-4f45-9708-019B960494DF}">
-              <a14:hiddenLine xmlns:a14="http://schemas.microsoft.com/office/drawing/2010/main" xmlns="" w="9525">
+              <a14:hiddenLine xmlns="" xmlns:a14="http://schemas.microsoft.com/office/drawing/2010/main" w="9525">
                 <a:solidFill>
                   <a:schemeClr val="tx1"/>
                 </a:solidFill>
@@ -8414,7 +8414,7 @@
               </a14:hiddenLine>
             </a:ext>
             <a:ext uri="{AF507438-7753-43e0-B8FC-AC1667EBCBE1}">
-              <a14:hiddenEffects xmlns:a14="http://schemas.microsoft.com/office/drawing/2010/main" xmlns="">
+              <a14:hiddenEffects xmlns="" xmlns:a14="http://schemas.microsoft.com/office/drawing/2010/main">
                 <a:effectLst>
                   <a:outerShdw blurRad="63500" dist="38099" dir="2700000" algn="ctr" rotWithShape="0">
                     <a:schemeClr val="bg2">
@@ -8700,14 +8700,14 @@
           <a:effectLst/>
           <a:extLst>
             <a:ext uri="{909E8E84-426E-40dd-AFC4-6F175D3DCCD1}">
-              <a14:hiddenFill xmlns:a14="http://schemas.microsoft.com/office/drawing/2010/main" xmlns="">
+              <a14:hiddenFill xmlns="" xmlns:a14="http://schemas.microsoft.com/office/drawing/2010/main">
                 <a:solidFill>
                   <a:schemeClr val="accent1"/>
                 </a:solidFill>
               </a14:hiddenFill>
             </a:ext>
             <a:ext uri="{91240B29-F687-4f45-9708-019B960494DF}">
-              <a14:hiddenLine xmlns:a14="http://schemas.microsoft.com/office/drawing/2010/main" xmlns="" w="9525">
+              <a14:hiddenLine xmlns="" xmlns:a14="http://schemas.microsoft.com/office/drawing/2010/main" w="9525">
                 <a:solidFill>
                   <a:schemeClr val="tx1"/>
                 </a:solidFill>
@@ -8717,7 +8717,7 @@
               </a14:hiddenLine>
             </a:ext>
             <a:ext uri="{AF507438-7753-43e0-B8FC-AC1667EBCBE1}">
-              <a14:hiddenEffects xmlns:a14="http://schemas.microsoft.com/office/drawing/2010/main" xmlns="">
+              <a14:hiddenEffects xmlns="" xmlns:a14="http://schemas.microsoft.com/office/drawing/2010/main">
                 <a:effectLst>
                   <a:outerShdw blurRad="63500" dist="38099" dir="2700000" algn="ctr" rotWithShape="0">
                     <a:schemeClr val="bg2">
@@ -8765,14 +8765,14 @@
           <a:effectLst/>
           <a:extLst>
             <a:ext uri="{909E8E84-426E-40dd-AFC4-6F175D3DCCD1}">
-              <a14:hiddenFill xmlns:a14="http://schemas.microsoft.com/office/drawing/2010/main" xmlns="">
+              <a14:hiddenFill xmlns="" xmlns:a14="http://schemas.microsoft.com/office/drawing/2010/main">
                 <a:solidFill>
                   <a:schemeClr val="accent1"/>
                 </a:solidFill>
               </a14:hiddenFill>
             </a:ext>
             <a:ext uri="{91240B29-F687-4f45-9708-019B960494DF}">
-              <a14:hiddenLine xmlns:a14="http://schemas.microsoft.com/office/drawing/2010/main" xmlns="" w="9525">
+              <a14:hiddenLine xmlns="" xmlns:a14="http://schemas.microsoft.com/office/drawing/2010/main" w="9525">
                 <a:solidFill>
                   <a:schemeClr val="tx1"/>
                 </a:solidFill>
@@ -8782,7 +8782,7 @@
               </a14:hiddenLine>
             </a:ext>
             <a:ext uri="{AF507438-7753-43e0-B8FC-AC1667EBCBE1}">
-              <a14:hiddenEffects xmlns:a14="http://schemas.microsoft.com/office/drawing/2010/main" xmlns="">
+              <a14:hiddenEffects xmlns="" xmlns:a14="http://schemas.microsoft.com/office/drawing/2010/main">
                 <a:effectLst>
                   <a:outerShdw blurRad="63500" dist="38099" dir="2700000" algn="ctr" rotWithShape="0">
                     <a:schemeClr val="bg2">
@@ -8836,14 +8836,14 @@
           <a:effectLst/>
           <a:extLst>
             <a:ext uri="{909E8E84-426E-40dd-AFC4-6F175D3DCCD1}">
-              <a14:hiddenFill xmlns:a14="http://schemas.microsoft.com/office/drawing/2010/main" xmlns="">
+              <a14:hiddenFill xmlns="" xmlns:a14="http://schemas.microsoft.com/office/drawing/2010/main">
                 <a:solidFill>
                   <a:schemeClr val="accent1"/>
                 </a:solidFill>
               </a14:hiddenFill>
             </a:ext>
             <a:ext uri="{91240B29-F687-4f45-9708-019B960494DF}">
-              <a14:hiddenLine xmlns:a14="http://schemas.microsoft.com/office/drawing/2010/main" xmlns="" w="9525">
+              <a14:hiddenLine xmlns="" xmlns:a14="http://schemas.microsoft.com/office/drawing/2010/main" w="9525">
                 <a:solidFill>
                   <a:schemeClr val="tx1"/>
                 </a:solidFill>
@@ -8853,7 +8853,7 @@
               </a14:hiddenLine>
             </a:ext>
             <a:ext uri="{AF507438-7753-43e0-B8FC-AC1667EBCBE1}">
-              <a14:hiddenEffects xmlns:a14="http://schemas.microsoft.com/office/drawing/2010/main" xmlns="">
+              <a14:hiddenEffects xmlns="" xmlns:a14="http://schemas.microsoft.com/office/drawing/2010/main">
                 <a:effectLst>
                   <a:outerShdw blurRad="63500" dist="38099" dir="2700000" algn="ctr" rotWithShape="0">
                     <a:schemeClr val="bg2">
@@ -8918,7 +8918,7 @@
           </a:ln>
           <a:extLst>
             <a:ext uri="{909E8E84-426E-40dd-AFC4-6F175D3DCCD1}">
-              <a14:hiddenFill xmlns:a14="http://schemas.microsoft.com/office/drawing/2010/main" xmlns="">
+              <a14:hiddenFill xmlns="" xmlns:a14="http://schemas.microsoft.com/office/drawing/2010/main">
                 <a:solidFill>
                   <a:srgbClr val="FFFFFF"/>
                 </a:solidFill>
@@ -8950,14 +8950,14 @@
           <a:effectLst/>
           <a:extLst>
             <a:ext uri="{909E8E84-426E-40dd-AFC4-6F175D3DCCD1}">
-              <a14:hiddenFill xmlns:a14="http://schemas.microsoft.com/office/drawing/2010/main" xmlns="">
+              <a14:hiddenFill xmlns="" xmlns:a14="http://schemas.microsoft.com/office/drawing/2010/main">
                 <a:solidFill>
                   <a:schemeClr val="accent1"/>
                 </a:solidFill>
               </a14:hiddenFill>
             </a:ext>
             <a:ext uri="{91240B29-F687-4f45-9708-019B960494DF}">
-              <a14:hiddenLine xmlns:a14="http://schemas.microsoft.com/office/drawing/2010/main" xmlns="" w="9525">
+              <a14:hiddenLine xmlns="" xmlns:a14="http://schemas.microsoft.com/office/drawing/2010/main" w="9525">
                 <a:solidFill>
                   <a:schemeClr val="tx1"/>
                 </a:solidFill>
@@ -8967,7 +8967,7 @@
               </a14:hiddenLine>
             </a:ext>
             <a:ext uri="{AF507438-7753-43e0-B8FC-AC1667EBCBE1}">
-              <a14:hiddenEffects xmlns:a14="http://schemas.microsoft.com/office/drawing/2010/main" xmlns="">
+              <a14:hiddenEffects xmlns="" xmlns:a14="http://schemas.microsoft.com/office/drawing/2010/main">
                 <a:effectLst>
                   <a:outerShdw blurRad="63500" dist="38099" dir="2700000" algn="ctr" rotWithShape="0">
                     <a:schemeClr val="bg2">
@@ -9195,14 +9195,14 @@
           <a:effectLst/>
           <a:extLst>
             <a:ext uri="{909E8E84-426E-40dd-AFC4-6F175D3DCCD1}">
-              <a14:hiddenFill xmlns:a14="http://schemas.microsoft.com/office/drawing/2010/main" xmlns="">
+              <a14:hiddenFill xmlns="" xmlns:a14="http://schemas.microsoft.com/office/drawing/2010/main">
                 <a:solidFill>
                   <a:schemeClr val="accent1"/>
                 </a:solidFill>
               </a14:hiddenFill>
             </a:ext>
             <a:ext uri="{91240B29-F687-4f45-9708-019B960494DF}">
-              <a14:hiddenLine xmlns:a14="http://schemas.microsoft.com/office/drawing/2010/main" xmlns="" w="9525">
+              <a14:hiddenLine xmlns="" xmlns:a14="http://schemas.microsoft.com/office/drawing/2010/main" w="9525">
                 <a:solidFill>
                   <a:schemeClr val="tx1"/>
                 </a:solidFill>
@@ -9212,7 +9212,7 @@
               </a14:hiddenLine>
             </a:ext>
             <a:ext uri="{AF507438-7753-43e0-B8FC-AC1667EBCBE1}">
-              <a14:hiddenEffects xmlns:a14="http://schemas.microsoft.com/office/drawing/2010/main" xmlns="">
+              <a14:hiddenEffects xmlns="" xmlns:a14="http://schemas.microsoft.com/office/drawing/2010/main">
                 <a:effectLst>
                   <a:outerShdw blurRad="63500" dist="38099" dir="2700000" algn="ctr" rotWithShape="0">
                     <a:schemeClr val="bg2">
@@ -9449,14 +9449,14 @@
           <a:effectLst/>
           <a:extLst>
             <a:ext uri="{909E8E84-426E-40dd-AFC4-6F175D3DCCD1}">
-              <a14:hiddenFill xmlns:a14="http://schemas.microsoft.com/office/drawing/2010/main" xmlns="">
+              <a14:hiddenFill xmlns="" xmlns:a14="http://schemas.microsoft.com/office/drawing/2010/main">
                 <a:solidFill>
                   <a:schemeClr val="accent1"/>
                 </a:solidFill>
               </a14:hiddenFill>
             </a:ext>
             <a:ext uri="{91240B29-F687-4f45-9708-019B960494DF}">
-              <a14:hiddenLine xmlns:a14="http://schemas.microsoft.com/office/drawing/2010/main" xmlns="" w="9525">
+              <a14:hiddenLine xmlns="" xmlns:a14="http://schemas.microsoft.com/office/drawing/2010/main" w="9525">
                 <a:solidFill>
                   <a:schemeClr val="tx1"/>
                 </a:solidFill>
@@ -9466,7 +9466,7 @@
               </a14:hiddenLine>
             </a:ext>
             <a:ext uri="{AF507438-7753-43e0-B8FC-AC1667EBCBE1}">
-              <a14:hiddenEffects xmlns:a14="http://schemas.microsoft.com/office/drawing/2010/main" xmlns="">
+              <a14:hiddenEffects xmlns="" xmlns:a14="http://schemas.microsoft.com/office/drawing/2010/main">
                 <a:effectLst>
                   <a:outerShdw blurRad="63500" dist="38099" dir="2700000" algn="ctr" rotWithShape="0">
                     <a:schemeClr val="bg2">
@@ -9695,14 +9695,14 @@
           <a:effectLst/>
           <a:extLst>
             <a:ext uri="{909E8E84-426E-40dd-AFC4-6F175D3DCCD1}">
-              <a14:hiddenFill xmlns:a14="http://schemas.microsoft.com/office/drawing/2010/main" xmlns="">
+              <a14:hiddenFill xmlns="" xmlns:a14="http://schemas.microsoft.com/office/drawing/2010/main">
                 <a:solidFill>
                   <a:schemeClr val="accent1"/>
                 </a:solidFill>
               </a14:hiddenFill>
             </a:ext>
             <a:ext uri="{91240B29-F687-4f45-9708-019B960494DF}">
-              <a14:hiddenLine xmlns:a14="http://schemas.microsoft.com/office/drawing/2010/main" xmlns="" w="9525">
+              <a14:hiddenLine xmlns="" xmlns:a14="http://schemas.microsoft.com/office/drawing/2010/main" w="9525">
                 <a:solidFill>
                   <a:schemeClr val="tx1"/>
                 </a:solidFill>
@@ -9712,7 +9712,7 @@
               </a14:hiddenLine>
             </a:ext>
             <a:ext uri="{AF507438-7753-43e0-B8FC-AC1667EBCBE1}">
-              <a14:hiddenEffects xmlns:a14="http://schemas.microsoft.com/office/drawing/2010/main" xmlns="">
+              <a14:hiddenEffects xmlns="" xmlns:a14="http://schemas.microsoft.com/office/drawing/2010/main">
                 <a:effectLst>
                   <a:outerShdw blurRad="63500" dist="38099" dir="2700000" algn="ctr" rotWithShape="0">
                     <a:schemeClr val="bg2">
@@ -9861,7 +9861,7 @@
           </a:ln>
           <a:extLst>
             <a:ext uri="{909E8E84-426E-40dd-AFC4-6F175D3DCCD1}">
-              <a14:hiddenFill xmlns="" xmlns:a14="http://schemas.microsoft.com/office/drawing/2010/main">
+              <a14:hiddenFill xmlns:a14="http://schemas.microsoft.com/office/drawing/2010/main" xmlns="">
                 <a:solidFill>
                   <a:srgbClr val="FFFFFF"/>
                 </a:solidFill>
@@ -9893,14 +9893,14 @@
           <a:effectLst/>
           <a:extLst>
             <a:ext uri="{909E8E84-426E-40dd-AFC4-6F175D3DCCD1}">
-              <a14:hiddenFill xmlns="" xmlns:a14="http://schemas.microsoft.com/office/drawing/2010/main">
+              <a14:hiddenFill xmlns:a14="http://schemas.microsoft.com/office/drawing/2010/main" xmlns="">
                 <a:solidFill>
                   <a:schemeClr val="accent1"/>
                 </a:solidFill>
               </a14:hiddenFill>
             </a:ext>
             <a:ext uri="{91240B29-F687-4f45-9708-019B960494DF}">
-              <a14:hiddenLine xmlns="" xmlns:a14="http://schemas.microsoft.com/office/drawing/2010/main" w="9525">
+              <a14:hiddenLine xmlns:a14="http://schemas.microsoft.com/office/drawing/2010/main" xmlns="" w="9525">
                 <a:solidFill>
                   <a:schemeClr val="tx1"/>
                 </a:solidFill>
@@ -9910,7 +9910,7 @@
               </a14:hiddenLine>
             </a:ext>
             <a:ext uri="{AF507438-7753-43e0-B8FC-AC1667EBCBE1}">
-              <a14:hiddenEffects xmlns="" xmlns:a14="http://schemas.microsoft.com/office/drawing/2010/main">
+              <a14:hiddenEffects xmlns:a14="http://schemas.microsoft.com/office/drawing/2010/main" xmlns="">
                 <a:effectLst>
                   <a:outerShdw blurRad="63500" dist="38099" dir="2700000" algn="ctr" rotWithShape="0">
                     <a:schemeClr val="bg2">
@@ -9996,14 +9996,14 @@
           <a:effectLst/>
           <a:extLst>
             <a:ext uri="{909E8E84-426E-40dd-AFC4-6F175D3DCCD1}">
-              <a14:hiddenFill xmlns="" xmlns:a14="http://schemas.microsoft.com/office/drawing/2010/main">
+              <a14:hiddenFill xmlns:a14="http://schemas.microsoft.com/office/drawing/2010/main" xmlns="">
                 <a:solidFill>
                   <a:schemeClr val="accent1"/>
                 </a:solidFill>
               </a14:hiddenFill>
             </a:ext>
             <a:ext uri="{91240B29-F687-4f45-9708-019B960494DF}">
-              <a14:hiddenLine xmlns="" xmlns:a14="http://schemas.microsoft.com/office/drawing/2010/main" w="9525">
+              <a14:hiddenLine xmlns:a14="http://schemas.microsoft.com/office/drawing/2010/main" xmlns="" w="9525">
                 <a:solidFill>
                   <a:schemeClr val="tx1"/>
                 </a:solidFill>
@@ -10013,7 +10013,7 @@
               </a14:hiddenLine>
             </a:ext>
             <a:ext uri="{AF507438-7753-43e0-B8FC-AC1667EBCBE1}">
-              <a14:hiddenEffects xmlns="" xmlns:a14="http://schemas.microsoft.com/office/drawing/2010/main">
+              <a14:hiddenEffects xmlns:a14="http://schemas.microsoft.com/office/drawing/2010/main" xmlns="">
                 <a:effectLst>
                   <a:outerShdw blurRad="63500" dist="38099" dir="2700000" algn="ctr" rotWithShape="0">
                     <a:schemeClr val="bg2">
@@ -12251,14 +12251,14 @@
           <a:effectLst/>
           <a:extLst>
             <a:ext uri="{909E8E84-426E-40dd-AFC4-6F175D3DCCD1}">
-              <a14:hiddenFill xmlns:a14="http://schemas.microsoft.com/office/drawing/2010/main" xmlns="">
+              <a14:hiddenFill xmlns="" xmlns:a14="http://schemas.microsoft.com/office/drawing/2010/main">
                 <a:solidFill>
                   <a:schemeClr val="accent1"/>
                 </a:solidFill>
               </a14:hiddenFill>
             </a:ext>
             <a:ext uri="{91240B29-F687-4f45-9708-019B960494DF}">
-              <a14:hiddenLine xmlns:a14="http://schemas.microsoft.com/office/drawing/2010/main" xmlns="" w="9525">
+              <a14:hiddenLine xmlns="" xmlns:a14="http://schemas.microsoft.com/office/drawing/2010/main" w="9525">
                 <a:solidFill>
                   <a:schemeClr val="tx1"/>
                 </a:solidFill>
@@ -12268,7 +12268,7 @@
               </a14:hiddenLine>
             </a:ext>
             <a:ext uri="{AF507438-7753-43e0-B8FC-AC1667EBCBE1}">
-              <a14:hiddenEffects xmlns:a14="http://schemas.microsoft.com/office/drawing/2010/main" xmlns="">
+              <a14:hiddenEffects xmlns="" xmlns:a14="http://schemas.microsoft.com/office/drawing/2010/main">
                 <a:effectLst>
                   <a:outerShdw blurRad="63500" dist="38099" dir="2700000" algn="ctr" rotWithShape="0">
                     <a:schemeClr val="bg2">
@@ -12641,14 +12641,14 @@
           <a:effectLst/>
           <a:extLst>
             <a:ext uri="{909E8E84-426E-40dd-AFC4-6F175D3DCCD1}">
-              <a14:hiddenFill xmlns:a14="http://schemas.microsoft.com/office/drawing/2010/main" xmlns="">
+              <a14:hiddenFill xmlns="" xmlns:a14="http://schemas.microsoft.com/office/drawing/2010/main">
                 <a:solidFill>
                   <a:schemeClr val="accent1"/>
                 </a:solidFill>
               </a14:hiddenFill>
             </a:ext>
             <a:ext uri="{91240B29-F687-4f45-9708-019B960494DF}">
-              <a14:hiddenLine xmlns:a14="http://schemas.microsoft.com/office/drawing/2010/main" xmlns="" w="9525">
+              <a14:hiddenLine xmlns="" xmlns:a14="http://schemas.microsoft.com/office/drawing/2010/main" w="9525">
                 <a:solidFill>
                   <a:schemeClr val="tx1"/>
                 </a:solidFill>
@@ -12658,7 +12658,7 @@
               </a14:hiddenLine>
             </a:ext>
             <a:ext uri="{AF507438-7753-43e0-B8FC-AC1667EBCBE1}">
-              <a14:hiddenEffects xmlns:a14="http://schemas.microsoft.com/office/drawing/2010/main" xmlns="">
+              <a14:hiddenEffects xmlns="" xmlns:a14="http://schemas.microsoft.com/office/drawing/2010/main">
                 <a:effectLst>
                   <a:outerShdw blurRad="63500" dist="38099" dir="2700000" algn="ctr" rotWithShape="0">
                     <a:schemeClr val="bg2">
@@ -12820,14 +12820,14 @@
           <a:effectLst/>
           <a:extLst>
             <a:ext uri="{909E8E84-426E-40dd-AFC4-6F175D3DCCD1}">
-              <a14:hiddenFill xmlns:a14="http://schemas.microsoft.com/office/drawing/2010/main" xmlns="">
+              <a14:hiddenFill xmlns="" xmlns:a14="http://schemas.microsoft.com/office/drawing/2010/main">
                 <a:solidFill>
                   <a:schemeClr val="accent1"/>
                 </a:solidFill>
               </a14:hiddenFill>
             </a:ext>
             <a:ext uri="{AF507438-7753-43e0-B8FC-AC1667EBCBE1}">
-              <a14:hiddenEffects xmlns:a14="http://schemas.microsoft.com/office/drawing/2010/main" xmlns="">
+              <a14:hiddenEffects xmlns="" xmlns:a14="http://schemas.microsoft.com/office/drawing/2010/main">
                 <a:effectLst>
                   <a:outerShdw blurRad="63500" dist="38099" dir="2700000" algn="ctr" rotWithShape="0">
                     <a:schemeClr val="bg2">
@@ -12906,14 +12906,14 @@
           <a:effectLst/>
           <a:extLst>
             <a:ext uri="{909E8E84-426E-40dd-AFC4-6F175D3DCCD1}">
-              <a14:hiddenFill xmlns:a14="http://schemas.microsoft.com/office/drawing/2010/main" xmlns="">
+              <a14:hiddenFill xmlns="" xmlns:a14="http://schemas.microsoft.com/office/drawing/2010/main">
                 <a:solidFill>
                   <a:schemeClr val="accent1"/>
                 </a:solidFill>
               </a14:hiddenFill>
             </a:ext>
             <a:ext uri="{AF507438-7753-43e0-B8FC-AC1667EBCBE1}">
-              <a14:hiddenEffects xmlns:a14="http://schemas.microsoft.com/office/drawing/2010/main" xmlns="">
+              <a14:hiddenEffects xmlns="" xmlns:a14="http://schemas.microsoft.com/office/drawing/2010/main">
                 <a:effectLst>
                   <a:outerShdw blurRad="63500" dist="38099" dir="2700000" algn="ctr" rotWithShape="0">
                     <a:schemeClr val="bg2">
@@ -12992,14 +12992,14 @@
           <a:effectLst/>
           <a:extLst>
             <a:ext uri="{909E8E84-426E-40dd-AFC4-6F175D3DCCD1}">
-              <a14:hiddenFill xmlns:a14="http://schemas.microsoft.com/office/drawing/2010/main" xmlns="">
+              <a14:hiddenFill xmlns="" xmlns:a14="http://schemas.microsoft.com/office/drawing/2010/main">
                 <a:solidFill>
                   <a:schemeClr val="accent1"/>
                 </a:solidFill>
               </a14:hiddenFill>
             </a:ext>
             <a:ext uri="{AF507438-7753-43e0-B8FC-AC1667EBCBE1}">
-              <a14:hiddenEffects xmlns:a14="http://schemas.microsoft.com/office/drawing/2010/main" xmlns="">
+              <a14:hiddenEffects xmlns="" xmlns:a14="http://schemas.microsoft.com/office/drawing/2010/main">
                 <a:effectLst>
                   <a:outerShdw blurRad="63500" dist="38099" dir="2700000" algn="ctr" rotWithShape="0">
                     <a:schemeClr val="bg2">
@@ -13078,14 +13078,14 @@
           <a:effectLst/>
           <a:extLst>
             <a:ext uri="{909E8E84-426E-40dd-AFC4-6F175D3DCCD1}">
-              <a14:hiddenFill xmlns:a14="http://schemas.microsoft.com/office/drawing/2010/main" xmlns="">
+              <a14:hiddenFill xmlns="" xmlns:a14="http://schemas.microsoft.com/office/drawing/2010/main">
                 <a:solidFill>
                   <a:schemeClr val="accent1"/>
                 </a:solidFill>
               </a14:hiddenFill>
             </a:ext>
             <a:ext uri="{AF507438-7753-43e0-B8FC-AC1667EBCBE1}">
-              <a14:hiddenEffects xmlns:a14="http://schemas.microsoft.com/office/drawing/2010/main" xmlns="">
+              <a14:hiddenEffects xmlns="" xmlns:a14="http://schemas.microsoft.com/office/drawing/2010/main">
                 <a:effectLst>
                   <a:outerShdw blurRad="63500" dist="38099" dir="2700000" algn="ctr" rotWithShape="0">
                     <a:schemeClr val="bg2">
@@ -13164,14 +13164,14 @@
           <a:effectLst/>
           <a:extLst>
             <a:ext uri="{909E8E84-426E-40dd-AFC4-6F175D3DCCD1}">
-              <a14:hiddenFill xmlns:a14="http://schemas.microsoft.com/office/drawing/2010/main" xmlns="">
+              <a14:hiddenFill xmlns="" xmlns:a14="http://schemas.microsoft.com/office/drawing/2010/main">
                 <a:solidFill>
                   <a:schemeClr val="accent1"/>
                 </a:solidFill>
               </a14:hiddenFill>
             </a:ext>
             <a:ext uri="{AF507438-7753-43e0-B8FC-AC1667EBCBE1}">
-              <a14:hiddenEffects xmlns:a14="http://schemas.microsoft.com/office/drawing/2010/main" xmlns="">
+              <a14:hiddenEffects xmlns="" xmlns:a14="http://schemas.microsoft.com/office/drawing/2010/main">
                 <a:effectLst>
                   <a:outerShdw blurRad="63500" dist="38099" dir="2700000" algn="ctr" rotWithShape="0">
                     <a:schemeClr val="bg2">
@@ -13250,14 +13250,14 @@
           <a:effectLst/>
           <a:extLst>
             <a:ext uri="{909E8E84-426E-40dd-AFC4-6F175D3DCCD1}">
-              <a14:hiddenFill xmlns:a14="http://schemas.microsoft.com/office/drawing/2010/main" xmlns="">
+              <a14:hiddenFill xmlns="" xmlns:a14="http://schemas.microsoft.com/office/drawing/2010/main">
                 <a:solidFill>
                   <a:schemeClr val="accent1"/>
                 </a:solidFill>
               </a14:hiddenFill>
             </a:ext>
             <a:ext uri="{AF507438-7753-43e0-B8FC-AC1667EBCBE1}">
-              <a14:hiddenEffects xmlns:a14="http://schemas.microsoft.com/office/drawing/2010/main" xmlns="">
+              <a14:hiddenEffects xmlns="" xmlns:a14="http://schemas.microsoft.com/office/drawing/2010/main">
                 <a:effectLst>
                   <a:outerShdw blurRad="63500" dist="38099" dir="2700000" algn="ctr" rotWithShape="0">
                     <a:schemeClr val="bg2">
@@ -13336,12 +13336,12 @@
           <a:effectLst/>
           <a:extLst>
             <a:ext uri="{909E8E84-426E-40dd-AFC4-6F175D3DCCD1}">
-              <a14:hiddenFill xmlns:a14="http://schemas.microsoft.com/office/drawing/2010/main" xmlns="">
+              <a14:hiddenFill xmlns="" xmlns:a14="http://schemas.microsoft.com/office/drawing/2010/main">
                 <a:noFill/>
               </a14:hiddenFill>
             </a:ext>
             <a:ext uri="{AF507438-7753-43e0-B8FC-AC1667EBCBE1}">
-              <a14:hiddenEffects xmlns:a14="http://schemas.microsoft.com/office/drawing/2010/main" xmlns="">
+              <a14:hiddenEffects xmlns="" xmlns:a14="http://schemas.microsoft.com/office/drawing/2010/main">
                 <a:effectLst>
                   <a:outerShdw blurRad="63500" dist="38099" dir="2700000" algn="ctr" rotWithShape="0">
                     <a:schemeClr val="bg2">
@@ -13384,14 +13384,14 @@
           <a:effectLst/>
           <a:extLst>
             <a:ext uri="{909E8E84-426E-40dd-AFC4-6F175D3DCCD1}">
-              <a14:hiddenFill xmlns:a14="http://schemas.microsoft.com/office/drawing/2010/main" xmlns="">
+              <a14:hiddenFill xmlns="" xmlns:a14="http://schemas.microsoft.com/office/drawing/2010/main">
                 <a:solidFill>
                   <a:schemeClr val="accent1"/>
                 </a:solidFill>
               </a14:hiddenFill>
             </a:ext>
             <a:ext uri="{91240B29-F687-4f45-9708-019B960494DF}">
-              <a14:hiddenLine xmlns:a14="http://schemas.microsoft.com/office/drawing/2010/main" xmlns="" w="9525">
+              <a14:hiddenLine xmlns="" xmlns:a14="http://schemas.microsoft.com/office/drawing/2010/main" w="9525">
                 <a:solidFill>
                   <a:schemeClr val="tx1"/>
                 </a:solidFill>
@@ -13401,7 +13401,7 @@
               </a14:hiddenLine>
             </a:ext>
             <a:ext uri="{AF507438-7753-43e0-B8FC-AC1667EBCBE1}">
-              <a14:hiddenEffects xmlns:a14="http://schemas.microsoft.com/office/drawing/2010/main" xmlns="">
+              <a14:hiddenEffects xmlns="" xmlns:a14="http://schemas.microsoft.com/office/drawing/2010/main">
                 <a:effectLst>
                   <a:outerShdw blurRad="63500" dist="38099" dir="2700000" algn="ctr" rotWithShape="0">
                     <a:schemeClr val="bg2">
@@ -13456,12 +13456,12 @@
           <a:effectLst/>
           <a:extLst>
             <a:ext uri="{909E8E84-426E-40dd-AFC4-6F175D3DCCD1}">
-              <a14:hiddenFill xmlns:a14="http://schemas.microsoft.com/office/drawing/2010/main" xmlns="">
+              <a14:hiddenFill xmlns="" xmlns:a14="http://schemas.microsoft.com/office/drawing/2010/main">
                 <a:noFill/>
               </a14:hiddenFill>
             </a:ext>
             <a:ext uri="{AF507438-7753-43e0-B8FC-AC1667EBCBE1}">
-              <a14:hiddenEffects xmlns:a14="http://schemas.microsoft.com/office/drawing/2010/main" xmlns="">
+              <a14:hiddenEffects xmlns="" xmlns:a14="http://schemas.microsoft.com/office/drawing/2010/main">
                 <a:effectLst>
                   <a:outerShdw blurRad="63500" dist="38099" dir="2700000" algn="ctr" rotWithShape="0">
                     <a:schemeClr val="bg2">
@@ -13504,14 +13504,14 @@
           <a:effectLst/>
           <a:extLst>
             <a:ext uri="{909E8E84-426E-40dd-AFC4-6F175D3DCCD1}">
-              <a14:hiddenFill xmlns:a14="http://schemas.microsoft.com/office/drawing/2010/main" xmlns="">
+              <a14:hiddenFill xmlns="" xmlns:a14="http://schemas.microsoft.com/office/drawing/2010/main">
                 <a:solidFill>
                   <a:schemeClr val="accent1"/>
                 </a:solidFill>
               </a14:hiddenFill>
             </a:ext>
             <a:ext uri="{91240B29-F687-4f45-9708-019B960494DF}">
-              <a14:hiddenLine xmlns:a14="http://schemas.microsoft.com/office/drawing/2010/main" xmlns="" w="9525">
+              <a14:hiddenLine xmlns="" xmlns:a14="http://schemas.microsoft.com/office/drawing/2010/main" w="9525">
                 <a:solidFill>
                   <a:schemeClr val="tx1"/>
                 </a:solidFill>
@@ -13521,7 +13521,7 @@
               </a14:hiddenLine>
             </a:ext>
             <a:ext uri="{AF507438-7753-43e0-B8FC-AC1667EBCBE1}">
-              <a14:hiddenEffects xmlns:a14="http://schemas.microsoft.com/office/drawing/2010/main" xmlns="">
+              <a14:hiddenEffects xmlns="" xmlns:a14="http://schemas.microsoft.com/office/drawing/2010/main">
                 <a:effectLst>
                   <a:outerShdw blurRad="63500" dist="38099" dir="2700000" algn="ctr" rotWithShape="0">
                     <a:schemeClr val="bg2">
@@ -13576,12 +13576,12 @@
           <a:effectLst/>
           <a:extLst>
             <a:ext uri="{909E8E84-426E-40dd-AFC4-6F175D3DCCD1}">
-              <a14:hiddenFill xmlns:a14="http://schemas.microsoft.com/office/drawing/2010/main" xmlns="">
+              <a14:hiddenFill xmlns="" xmlns:a14="http://schemas.microsoft.com/office/drawing/2010/main">
                 <a:noFill/>
               </a14:hiddenFill>
             </a:ext>
             <a:ext uri="{AF507438-7753-43e0-B8FC-AC1667EBCBE1}">
-              <a14:hiddenEffects xmlns:a14="http://schemas.microsoft.com/office/drawing/2010/main" xmlns="">
+              <a14:hiddenEffects xmlns="" xmlns:a14="http://schemas.microsoft.com/office/drawing/2010/main">
                 <a:effectLst>
                   <a:outerShdw blurRad="63500" dist="38099" dir="2700000" algn="ctr" rotWithShape="0">
                     <a:schemeClr val="bg2">
@@ -13624,14 +13624,14 @@
           <a:effectLst/>
           <a:extLst>
             <a:ext uri="{909E8E84-426E-40dd-AFC4-6F175D3DCCD1}">
-              <a14:hiddenFill xmlns:a14="http://schemas.microsoft.com/office/drawing/2010/main" xmlns="">
+              <a14:hiddenFill xmlns="" xmlns:a14="http://schemas.microsoft.com/office/drawing/2010/main">
                 <a:solidFill>
                   <a:schemeClr val="accent1"/>
                 </a:solidFill>
               </a14:hiddenFill>
             </a:ext>
             <a:ext uri="{91240B29-F687-4f45-9708-019B960494DF}">
-              <a14:hiddenLine xmlns:a14="http://schemas.microsoft.com/office/drawing/2010/main" xmlns="" w="9525">
+              <a14:hiddenLine xmlns="" xmlns:a14="http://schemas.microsoft.com/office/drawing/2010/main" w="9525">
                 <a:solidFill>
                   <a:schemeClr val="tx1"/>
                 </a:solidFill>
@@ -13641,7 +13641,7 @@
               </a14:hiddenLine>
             </a:ext>
             <a:ext uri="{AF507438-7753-43e0-B8FC-AC1667EBCBE1}">
-              <a14:hiddenEffects xmlns:a14="http://schemas.microsoft.com/office/drawing/2010/main" xmlns="">
+              <a14:hiddenEffects xmlns="" xmlns:a14="http://schemas.microsoft.com/office/drawing/2010/main">
                 <a:effectLst>
                   <a:outerShdw blurRad="63500" dist="38099" dir="2700000" algn="ctr" rotWithShape="0">
                     <a:schemeClr val="bg2">
@@ -13696,12 +13696,12 @@
           <a:effectLst/>
           <a:extLst>
             <a:ext uri="{909E8E84-426E-40dd-AFC4-6F175D3DCCD1}">
-              <a14:hiddenFill xmlns:a14="http://schemas.microsoft.com/office/drawing/2010/main" xmlns="">
+              <a14:hiddenFill xmlns="" xmlns:a14="http://schemas.microsoft.com/office/drawing/2010/main">
                 <a:noFill/>
               </a14:hiddenFill>
             </a:ext>
             <a:ext uri="{AF507438-7753-43e0-B8FC-AC1667EBCBE1}">
-              <a14:hiddenEffects xmlns:a14="http://schemas.microsoft.com/office/drawing/2010/main" xmlns="">
+              <a14:hiddenEffects xmlns="" xmlns:a14="http://schemas.microsoft.com/office/drawing/2010/main">
                 <a:effectLst>
                   <a:outerShdw blurRad="63500" dist="38099" dir="2700000" algn="ctr" rotWithShape="0">
                     <a:schemeClr val="bg2">
@@ -13744,14 +13744,14 @@
           <a:effectLst/>
           <a:extLst>
             <a:ext uri="{909E8E84-426E-40dd-AFC4-6F175D3DCCD1}">
-              <a14:hiddenFill xmlns:a14="http://schemas.microsoft.com/office/drawing/2010/main" xmlns="">
+              <a14:hiddenFill xmlns="" xmlns:a14="http://schemas.microsoft.com/office/drawing/2010/main">
                 <a:solidFill>
                   <a:schemeClr val="accent1"/>
                 </a:solidFill>
               </a14:hiddenFill>
             </a:ext>
             <a:ext uri="{91240B29-F687-4f45-9708-019B960494DF}">
-              <a14:hiddenLine xmlns:a14="http://schemas.microsoft.com/office/drawing/2010/main" xmlns="" w="9525">
+              <a14:hiddenLine xmlns="" xmlns:a14="http://schemas.microsoft.com/office/drawing/2010/main" w="9525">
                 <a:solidFill>
                   <a:schemeClr val="tx1"/>
                 </a:solidFill>
@@ -13761,7 +13761,7 @@
               </a14:hiddenLine>
             </a:ext>
             <a:ext uri="{AF507438-7753-43e0-B8FC-AC1667EBCBE1}">
-              <a14:hiddenEffects xmlns:a14="http://schemas.microsoft.com/office/drawing/2010/main" xmlns="">
+              <a14:hiddenEffects xmlns="" xmlns:a14="http://schemas.microsoft.com/office/drawing/2010/main">
                 <a:effectLst>
                   <a:outerShdw blurRad="63500" dist="38099" dir="2700000" algn="ctr" rotWithShape="0">
                     <a:schemeClr val="bg2">
@@ -13816,12 +13816,12 @@
           <a:effectLst/>
           <a:extLst>
             <a:ext uri="{909E8E84-426E-40dd-AFC4-6F175D3DCCD1}">
-              <a14:hiddenFill xmlns:a14="http://schemas.microsoft.com/office/drawing/2010/main" xmlns="">
+              <a14:hiddenFill xmlns="" xmlns:a14="http://schemas.microsoft.com/office/drawing/2010/main">
                 <a:noFill/>
               </a14:hiddenFill>
             </a:ext>
             <a:ext uri="{AF507438-7753-43e0-B8FC-AC1667EBCBE1}">
-              <a14:hiddenEffects xmlns:a14="http://schemas.microsoft.com/office/drawing/2010/main" xmlns="">
+              <a14:hiddenEffects xmlns="" xmlns:a14="http://schemas.microsoft.com/office/drawing/2010/main">
                 <a:effectLst>
                   <a:outerShdw blurRad="63500" dist="38099" dir="2700000" algn="ctr" rotWithShape="0">
                     <a:schemeClr val="bg2">
@@ -13864,14 +13864,14 @@
           <a:effectLst/>
           <a:extLst>
             <a:ext uri="{909E8E84-426E-40dd-AFC4-6F175D3DCCD1}">
-              <a14:hiddenFill xmlns:a14="http://schemas.microsoft.com/office/drawing/2010/main" xmlns="">
+              <a14:hiddenFill xmlns="" xmlns:a14="http://schemas.microsoft.com/office/drawing/2010/main">
                 <a:solidFill>
                   <a:schemeClr val="accent1"/>
                 </a:solidFill>
               </a14:hiddenFill>
             </a:ext>
             <a:ext uri="{91240B29-F687-4f45-9708-019B960494DF}">
-              <a14:hiddenLine xmlns:a14="http://schemas.microsoft.com/office/drawing/2010/main" xmlns="" w="9525">
+              <a14:hiddenLine xmlns="" xmlns:a14="http://schemas.microsoft.com/office/drawing/2010/main" w="9525">
                 <a:solidFill>
                   <a:schemeClr val="tx1"/>
                 </a:solidFill>
@@ -13881,7 +13881,7 @@
               </a14:hiddenLine>
             </a:ext>
             <a:ext uri="{AF507438-7753-43e0-B8FC-AC1667EBCBE1}">
-              <a14:hiddenEffects xmlns:a14="http://schemas.microsoft.com/office/drawing/2010/main" xmlns="">
+              <a14:hiddenEffects xmlns="" xmlns:a14="http://schemas.microsoft.com/office/drawing/2010/main">
                 <a:effectLst>
                   <a:outerShdw blurRad="63500" dist="38099" dir="2700000" algn="ctr" rotWithShape="0">
                     <a:schemeClr val="bg2">
@@ -13936,12 +13936,12 @@
           <a:effectLst/>
           <a:extLst>
             <a:ext uri="{909E8E84-426E-40dd-AFC4-6F175D3DCCD1}">
-              <a14:hiddenFill xmlns:a14="http://schemas.microsoft.com/office/drawing/2010/main" xmlns="">
+              <a14:hiddenFill xmlns="" xmlns:a14="http://schemas.microsoft.com/office/drawing/2010/main">
                 <a:noFill/>
               </a14:hiddenFill>
             </a:ext>
             <a:ext uri="{AF507438-7753-43e0-B8FC-AC1667EBCBE1}">
-              <a14:hiddenEffects xmlns:a14="http://schemas.microsoft.com/office/drawing/2010/main" xmlns="">
+              <a14:hiddenEffects xmlns="" xmlns:a14="http://schemas.microsoft.com/office/drawing/2010/main">
                 <a:effectLst>
                   <a:outerShdw blurRad="63500" dist="38099" dir="2700000" algn="ctr" rotWithShape="0">
                     <a:schemeClr val="bg2">
@@ -13984,14 +13984,14 @@
           <a:effectLst/>
           <a:extLst>
             <a:ext uri="{909E8E84-426E-40dd-AFC4-6F175D3DCCD1}">
-              <a14:hiddenFill xmlns:a14="http://schemas.microsoft.com/office/drawing/2010/main" xmlns="">
+              <a14:hiddenFill xmlns="" xmlns:a14="http://schemas.microsoft.com/office/drawing/2010/main">
                 <a:solidFill>
                   <a:schemeClr val="accent1"/>
                 </a:solidFill>
               </a14:hiddenFill>
             </a:ext>
             <a:ext uri="{91240B29-F687-4f45-9708-019B960494DF}">
-              <a14:hiddenLine xmlns:a14="http://schemas.microsoft.com/office/drawing/2010/main" xmlns="" w="9525">
+              <a14:hiddenLine xmlns="" xmlns:a14="http://schemas.microsoft.com/office/drawing/2010/main" w="9525">
                 <a:solidFill>
                   <a:schemeClr val="tx1"/>
                 </a:solidFill>
@@ -14001,7 +14001,7 @@
               </a14:hiddenLine>
             </a:ext>
             <a:ext uri="{AF507438-7753-43e0-B8FC-AC1667EBCBE1}">
-              <a14:hiddenEffects xmlns:a14="http://schemas.microsoft.com/office/drawing/2010/main" xmlns="">
+              <a14:hiddenEffects xmlns="" xmlns:a14="http://schemas.microsoft.com/office/drawing/2010/main">
                 <a:effectLst>
                   <a:outerShdw blurRad="63500" dist="38099" dir="2700000" algn="ctr" rotWithShape="0">
                     <a:schemeClr val="bg2">
@@ -14056,12 +14056,12 @@
           <a:effectLst/>
           <a:extLst>
             <a:ext uri="{909E8E84-426E-40dd-AFC4-6F175D3DCCD1}">
-              <a14:hiddenFill xmlns:a14="http://schemas.microsoft.com/office/drawing/2010/main" xmlns="">
+              <a14:hiddenFill xmlns="" xmlns:a14="http://schemas.microsoft.com/office/drawing/2010/main">
                 <a:noFill/>
               </a14:hiddenFill>
             </a:ext>
             <a:ext uri="{AF507438-7753-43e0-B8FC-AC1667EBCBE1}">
-              <a14:hiddenEffects xmlns:a14="http://schemas.microsoft.com/office/drawing/2010/main" xmlns="">
+              <a14:hiddenEffects xmlns="" xmlns:a14="http://schemas.microsoft.com/office/drawing/2010/main">
                 <a:effectLst>
                   <a:outerShdw blurRad="63500" dist="38099" dir="2700000" algn="ctr" rotWithShape="0">
                     <a:schemeClr val="bg2">
@@ -14104,14 +14104,14 @@
           <a:effectLst/>
           <a:extLst>
             <a:ext uri="{909E8E84-426E-40dd-AFC4-6F175D3DCCD1}">
-              <a14:hiddenFill xmlns:a14="http://schemas.microsoft.com/office/drawing/2010/main" xmlns="">
+              <a14:hiddenFill xmlns="" xmlns:a14="http://schemas.microsoft.com/office/drawing/2010/main">
                 <a:solidFill>
                   <a:schemeClr val="accent1"/>
                 </a:solidFill>
               </a14:hiddenFill>
             </a:ext>
             <a:ext uri="{91240B29-F687-4f45-9708-019B960494DF}">
-              <a14:hiddenLine xmlns:a14="http://schemas.microsoft.com/office/drawing/2010/main" xmlns="" w="9525">
+              <a14:hiddenLine xmlns="" xmlns:a14="http://schemas.microsoft.com/office/drawing/2010/main" w="9525">
                 <a:solidFill>
                   <a:schemeClr val="tx1"/>
                 </a:solidFill>
@@ -14121,7 +14121,7 @@
               </a14:hiddenLine>
             </a:ext>
             <a:ext uri="{AF507438-7753-43e0-B8FC-AC1667EBCBE1}">
-              <a14:hiddenEffects xmlns:a14="http://schemas.microsoft.com/office/drawing/2010/main" xmlns="">
+              <a14:hiddenEffects xmlns="" xmlns:a14="http://schemas.microsoft.com/office/drawing/2010/main">
                 <a:effectLst>
                   <a:outerShdw blurRad="63500" dist="38099" dir="2700000" algn="ctr" rotWithShape="0">
                     <a:schemeClr val="bg2">
@@ -14284,14 +14284,14 @@
           <a:effectLst/>
           <a:extLst>
             <a:ext uri="{909E8E84-426E-40dd-AFC4-6F175D3DCCD1}">
-              <a14:hiddenFill xmlns:a14="http://schemas.microsoft.com/office/drawing/2010/main" xmlns="">
+              <a14:hiddenFill xmlns="" xmlns:a14="http://schemas.microsoft.com/office/drawing/2010/main">
                 <a:solidFill>
                   <a:schemeClr val="accent1"/>
                 </a:solidFill>
               </a14:hiddenFill>
             </a:ext>
             <a:ext uri="{AF507438-7753-43e0-B8FC-AC1667EBCBE1}">
-              <a14:hiddenEffects xmlns:a14="http://schemas.microsoft.com/office/drawing/2010/main" xmlns="">
+              <a14:hiddenEffects xmlns="" xmlns:a14="http://schemas.microsoft.com/office/drawing/2010/main">
                 <a:effectLst>
                   <a:outerShdw blurRad="63500" dist="38099" dir="2700000" algn="ctr" rotWithShape="0">
                     <a:schemeClr val="bg2">
@@ -14334,14 +14334,14 @@
           <a:effectLst/>
           <a:extLst>
             <a:ext uri="{909E8E84-426E-40dd-AFC4-6F175D3DCCD1}">
-              <a14:hiddenFill xmlns:a14="http://schemas.microsoft.com/office/drawing/2010/main" xmlns="">
+              <a14:hiddenFill xmlns="" xmlns:a14="http://schemas.microsoft.com/office/drawing/2010/main">
                 <a:solidFill>
                   <a:schemeClr val="accent1"/>
                 </a:solidFill>
               </a14:hiddenFill>
             </a:ext>
             <a:ext uri="{91240B29-F687-4f45-9708-019B960494DF}">
-              <a14:hiddenLine xmlns:a14="http://schemas.microsoft.com/office/drawing/2010/main" xmlns="" w="9525">
+              <a14:hiddenLine xmlns="" xmlns:a14="http://schemas.microsoft.com/office/drawing/2010/main" w="9525">
                 <a:solidFill>
                   <a:schemeClr val="tx1"/>
                 </a:solidFill>
@@ -14351,7 +14351,7 @@
               </a14:hiddenLine>
             </a:ext>
             <a:ext uri="{AF507438-7753-43e0-B8FC-AC1667EBCBE1}">
-              <a14:hiddenEffects xmlns:a14="http://schemas.microsoft.com/office/drawing/2010/main" xmlns="">
+              <a14:hiddenEffects xmlns="" xmlns:a14="http://schemas.microsoft.com/office/drawing/2010/main">
                 <a:effectLst>
                   <a:outerShdw blurRad="63500" dist="38099" dir="2700000" algn="ctr" rotWithShape="0">
                     <a:schemeClr val="bg2">
@@ -14406,14 +14406,14 @@
           <a:effectLst/>
           <a:extLst>
             <a:ext uri="{909E8E84-426E-40dd-AFC4-6F175D3DCCD1}">
-              <a14:hiddenFill xmlns:a14="http://schemas.microsoft.com/office/drawing/2010/main" xmlns="">
+              <a14:hiddenFill xmlns="" xmlns:a14="http://schemas.microsoft.com/office/drawing/2010/main">
                 <a:solidFill>
                   <a:schemeClr val="accent1"/>
                 </a:solidFill>
               </a14:hiddenFill>
             </a:ext>
             <a:ext uri="{AF507438-7753-43e0-B8FC-AC1667EBCBE1}">
-              <a14:hiddenEffects xmlns:a14="http://schemas.microsoft.com/office/drawing/2010/main" xmlns="">
+              <a14:hiddenEffects xmlns="" xmlns:a14="http://schemas.microsoft.com/office/drawing/2010/main">
                 <a:effectLst>
                   <a:outerShdw blurRad="63500" dist="38099" dir="2700000" algn="ctr" rotWithShape="0">
                     <a:schemeClr val="bg2">
@@ -14494,12 +14494,12 @@
           <a:effectLst/>
           <a:extLst>
             <a:ext uri="{909E8E84-426E-40dd-AFC4-6F175D3DCCD1}">
-              <a14:hiddenFill xmlns:a14="http://schemas.microsoft.com/office/drawing/2010/main" xmlns="">
+              <a14:hiddenFill xmlns="" xmlns:a14="http://schemas.microsoft.com/office/drawing/2010/main">
                 <a:noFill/>
               </a14:hiddenFill>
             </a:ext>
             <a:ext uri="{AF507438-7753-43e0-B8FC-AC1667EBCBE1}">
-              <a14:hiddenEffects xmlns:a14="http://schemas.microsoft.com/office/drawing/2010/main" xmlns="">
+              <a14:hiddenEffects xmlns="" xmlns:a14="http://schemas.microsoft.com/office/drawing/2010/main">
                 <a:effectLst>
                   <a:outerShdw blurRad="63500" dist="38099" dir="2700000" algn="ctr" rotWithShape="0">
                     <a:schemeClr val="bg2">
@@ -14558,12 +14558,12 @@
           <a:effectLst/>
           <a:extLst>
             <a:ext uri="{909E8E84-426E-40dd-AFC4-6F175D3DCCD1}">
-              <a14:hiddenFill xmlns:a14="http://schemas.microsoft.com/office/drawing/2010/main" xmlns="">
+              <a14:hiddenFill xmlns="" xmlns:a14="http://schemas.microsoft.com/office/drawing/2010/main">
                 <a:noFill/>
               </a14:hiddenFill>
             </a:ext>
             <a:ext uri="{AF507438-7753-43e0-B8FC-AC1667EBCBE1}">
-              <a14:hiddenEffects xmlns:a14="http://schemas.microsoft.com/office/drawing/2010/main" xmlns="">
+              <a14:hiddenEffects xmlns="" xmlns:a14="http://schemas.microsoft.com/office/drawing/2010/main">
                 <a:effectLst>
                   <a:outerShdw blurRad="63500" dist="38099" dir="2700000" algn="ctr" rotWithShape="0">
                     <a:schemeClr val="bg2">
@@ -14615,14 +14615,14 @@
           <a:effectLst/>
           <a:extLst>
             <a:ext uri="{909E8E84-426E-40dd-AFC4-6F175D3DCCD1}">
-              <a14:hiddenFill xmlns:a14="http://schemas.microsoft.com/office/drawing/2010/main" xmlns="">
+              <a14:hiddenFill xmlns="" xmlns:a14="http://schemas.microsoft.com/office/drawing/2010/main">
                 <a:solidFill>
                   <a:schemeClr val="accent1"/>
                 </a:solidFill>
               </a14:hiddenFill>
             </a:ext>
             <a:ext uri="{91240B29-F687-4f45-9708-019B960494DF}">
-              <a14:hiddenLine xmlns:a14="http://schemas.microsoft.com/office/drawing/2010/main" xmlns="" w="9525">
+              <a14:hiddenLine xmlns="" xmlns:a14="http://schemas.microsoft.com/office/drawing/2010/main" w="9525">
                 <a:solidFill>
                   <a:schemeClr val="tx1"/>
                 </a:solidFill>
@@ -14632,7 +14632,7 @@
               </a14:hiddenLine>
             </a:ext>
             <a:ext uri="{AF507438-7753-43e0-B8FC-AC1667EBCBE1}">
-              <a14:hiddenEffects xmlns:a14="http://schemas.microsoft.com/office/drawing/2010/main" xmlns="">
+              <a14:hiddenEffects xmlns="" xmlns:a14="http://schemas.microsoft.com/office/drawing/2010/main">
                 <a:effectLst>
                   <a:outerShdw blurRad="63500" dist="38099" dir="2700000" algn="ctr" rotWithShape="0">
                     <a:schemeClr val="bg2">
@@ -14688,14 +14688,14 @@
           <a:effectLst/>
           <a:extLst>
             <a:ext uri="{909E8E84-426E-40dd-AFC4-6F175D3DCCD1}">
-              <a14:hiddenFill xmlns:a14="http://schemas.microsoft.com/office/drawing/2010/main" xmlns="">
+              <a14:hiddenFill xmlns="" xmlns:a14="http://schemas.microsoft.com/office/drawing/2010/main">
                 <a:solidFill>
                   <a:schemeClr val="accent1"/>
                 </a:solidFill>
               </a14:hiddenFill>
             </a:ext>
             <a:ext uri="{91240B29-F687-4f45-9708-019B960494DF}">
-              <a14:hiddenLine xmlns:a14="http://schemas.microsoft.com/office/drawing/2010/main" xmlns="" w="9525">
+              <a14:hiddenLine xmlns="" xmlns:a14="http://schemas.microsoft.com/office/drawing/2010/main" w="9525">
                 <a:solidFill>
                   <a:schemeClr val="tx1"/>
                 </a:solidFill>
@@ -14705,7 +14705,7 @@
               </a14:hiddenLine>
             </a:ext>
             <a:ext uri="{AF507438-7753-43e0-B8FC-AC1667EBCBE1}">
-              <a14:hiddenEffects xmlns:a14="http://schemas.microsoft.com/office/drawing/2010/main" xmlns="">
+              <a14:hiddenEffects xmlns="" xmlns:a14="http://schemas.microsoft.com/office/drawing/2010/main">
                 <a:effectLst>
                   <a:outerShdw blurRad="63500" dist="38099" dir="2700000" algn="ctr" rotWithShape="0">
                     <a:schemeClr val="bg2">
@@ -14792,14 +14792,14 @@
           <a:effectLst/>
           <a:extLst>
             <a:ext uri="{909E8E84-426E-40dd-AFC4-6F175D3DCCD1}">
-              <a14:hiddenFill xmlns:a14="http://schemas.microsoft.com/office/drawing/2010/main" xmlns="">
+              <a14:hiddenFill xmlns="" xmlns:a14="http://schemas.microsoft.com/office/drawing/2010/main">
                 <a:solidFill>
                   <a:schemeClr val="accent1"/>
                 </a:solidFill>
               </a14:hiddenFill>
             </a:ext>
             <a:ext uri="{91240B29-F687-4f45-9708-019B960494DF}">
-              <a14:hiddenLine xmlns:a14="http://schemas.microsoft.com/office/drawing/2010/main" xmlns="" w="9525">
+              <a14:hiddenLine xmlns="" xmlns:a14="http://schemas.microsoft.com/office/drawing/2010/main" w="9525">
                 <a:solidFill>
                   <a:schemeClr val="tx1"/>
                 </a:solidFill>
@@ -14809,7 +14809,7 @@
               </a14:hiddenLine>
             </a:ext>
             <a:ext uri="{AF507438-7753-43e0-B8FC-AC1667EBCBE1}">
-              <a14:hiddenEffects xmlns:a14="http://schemas.microsoft.com/office/drawing/2010/main" xmlns="">
+              <a14:hiddenEffects xmlns="" xmlns:a14="http://schemas.microsoft.com/office/drawing/2010/main">
                 <a:effectLst>
                   <a:outerShdw blurRad="63500" dist="38099" dir="2700000" algn="ctr" rotWithShape="0">
                     <a:schemeClr val="bg2">
@@ -14971,14 +14971,14 @@
           <a:effectLst/>
           <a:extLst>
             <a:ext uri="{909E8E84-426E-40dd-AFC4-6F175D3DCCD1}">
-              <a14:hiddenFill xmlns:a14="http://schemas.microsoft.com/office/drawing/2010/main" xmlns="">
+              <a14:hiddenFill xmlns="" xmlns:a14="http://schemas.microsoft.com/office/drawing/2010/main">
                 <a:solidFill>
                   <a:schemeClr val="accent1"/>
                 </a:solidFill>
               </a14:hiddenFill>
             </a:ext>
             <a:ext uri="{AF507438-7753-43e0-B8FC-AC1667EBCBE1}">
-              <a14:hiddenEffects xmlns:a14="http://schemas.microsoft.com/office/drawing/2010/main" xmlns="">
+              <a14:hiddenEffects xmlns="" xmlns:a14="http://schemas.microsoft.com/office/drawing/2010/main">
                 <a:effectLst>
                   <a:outerShdw blurRad="63500" dist="38099" dir="2700000" algn="ctr" rotWithShape="0">
                     <a:schemeClr val="bg2">
@@ -15057,14 +15057,14 @@
           <a:effectLst/>
           <a:extLst>
             <a:ext uri="{909E8E84-426E-40dd-AFC4-6F175D3DCCD1}">
-              <a14:hiddenFill xmlns:a14="http://schemas.microsoft.com/office/drawing/2010/main" xmlns="">
+              <a14:hiddenFill xmlns="" xmlns:a14="http://schemas.microsoft.com/office/drawing/2010/main">
                 <a:solidFill>
                   <a:schemeClr val="accent1"/>
                 </a:solidFill>
               </a14:hiddenFill>
             </a:ext>
             <a:ext uri="{AF507438-7753-43e0-B8FC-AC1667EBCBE1}">
-              <a14:hiddenEffects xmlns:a14="http://schemas.microsoft.com/office/drawing/2010/main" xmlns="">
+              <a14:hiddenEffects xmlns="" xmlns:a14="http://schemas.microsoft.com/office/drawing/2010/main">
                 <a:effectLst>
                   <a:outerShdw blurRad="63500" dist="38099" dir="2700000" algn="ctr" rotWithShape="0">
                     <a:schemeClr val="bg2">
@@ -15143,14 +15143,14 @@
           <a:effectLst/>
           <a:extLst>
             <a:ext uri="{909E8E84-426E-40dd-AFC4-6F175D3DCCD1}">
-              <a14:hiddenFill xmlns:a14="http://schemas.microsoft.com/office/drawing/2010/main" xmlns="">
+              <a14:hiddenFill xmlns="" xmlns:a14="http://schemas.microsoft.com/office/drawing/2010/main">
                 <a:solidFill>
                   <a:schemeClr val="accent1"/>
                 </a:solidFill>
               </a14:hiddenFill>
             </a:ext>
             <a:ext uri="{AF507438-7753-43e0-B8FC-AC1667EBCBE1}">
-              <a14:hiddenEffects xmlns:a14="http://schemas.microsoft.com/office/drawing/2010/main" xmlns="">
+              <a14:hiddenEffects xmlns="" xmlns:a14="http://schemas.microsoft.com/office/drawing/2010/main">
                 <a:effectLst>
                   <a:outerShdw blurRad="63500" dist="38099" dir="2700000" algn="ctr" rotWithShape="0">
                     <a:schemeClr val="bg2">
@@ -15229,14 +15229,14 @@
           <a:effectLst/>
           <a:extLst>
             <a:ext uri="{909E8E84-426E-40dd-AFC4-6F175D3DCCD1}">
-              <a14:hiddenFill xmlns:a14="http://schemas.microsoft.com/office/drawing/2010/main" xmlns="">
+              <a14:hiddenFill xmlns="" xmlns:a14="http://schemas.microsoft.com/office/drawing/2010/main">
                 <a:solidFill>
                   <a:schemeClr val="accent1"/>
                 </a:solidFill>
               </a14:hiddenFill>
             </a:ext>
             <a:ext uri="{AF507438-7753-43e0-B8FC-AC1667EBCBE1}">
-              <a14:hiddenEffects xmlns:a14="http://schemas.microsoft.com/office/drawing/2010/main" xmlns="">
+              <a14:hiddenEffects xmlns="" xmlns:a14="http://schemas.microsoft.com/office/drawing/2010/main">
                 <a:effectLst>
                   <a:outerShdw blurRad="63500" dist="38099" dir="2700000" algn="ctr" rotWithShape="0">
                     <a:schemeClr val="bg2">
@@ -15315,14 +15315,14 @@
           <a:effectLst/>
           <a:extLst>
             <a:ext uri="{909E8E84-426E-40dd-AFC4-6F175D3DCCD1}">
-              <a14:hiddenFill xmlns:a14="http://schemas.microsoft.com/office/drawing/2010/main" xmlns="">
+              <a14:hiddenFill xmlns="" xmlns:a14="http://schemas.microsoft.com/office/drawing/2010/main">
                 <a:solidFill>
                   <a:schemeClr val="accent1"/>
                 </a:solidFill>
               </a14:hiddenFill>
             </a:ext>
             <a:ext uri="{AF507438-7753-43e0-B8FC-AC1667EBCBE1}">
-              <a14:hiddenEffects xmlns:a14="http://schemas.microsoft.com/office/drawing/2010/main" xmlns="">
+              <a14:hiddenEffects xmlns="" xmlns:a14="http://schemas.microsoft.com/office/drawing/2010/main">
                 <a:effectLst>
                   <a:outerShdw blurRad="63500" dist="38099" dir="2700000" algn="ctr" rotWithShape="0">
                     <a:schemeClr val="bg2">
@@ -15401,14 +15401,14 @@
           <a:effectLst/>
           <a:extLst>
             <a:ext uri="{909E8E84-426E-40dd-AFC4-6F175D3DCCD1}">
-              <a14:hiddenFill xmlns:a14="http://schemas.microsoft.com/office/drawing/2010/main" xmlns="">
+              <a14:hiddenFill xmlns="" xmlns:a14="http://schemas.microsoft.com/office/drawing/2010/main">
                 <a:solidFill>
                   <a:schemeClr val="accent1"/>
                 </a:solidFill>
               </a14:hiddenFill>
             </a:ext>
             <a:ext uri="{AF507438-7753-43e0-B8FC-AC1667EBCBE1}">
-              <a14:hiddenEffects xmlns:a14="http://schemas.microsoft.com/office/drawing/2010/main" xmlns="">
+              <a14:hiddenEffects xmlns="" xmlns:a14="http://schemas.microsoft.com/office/drawing/2010/main">
                 <a:effectLst>
                   <a:outerShdw blurRad="63500" dist="38099" dir="2700000" algn="ctr" rotWithShape="0">
                     <a:schemeClr val="bg2">
@@ -15487,12 +15487,12 @@
           <a:effectLst/>
           <a:extLst>
             <a:ext uri="{909E8E84-426E-40dd-AFC4-6F175D3DCCD1}">
-              <a14:hiddenFill xmlns:a14="http://schemas.microsoft.com/office/drawing/2010/main" xmlns="">
+              <a14:hiddenFill xmlns="" xmlns:a14="http://schemas.microsoft.com/office/drawing/2010/main">
                 <a:noFill/>
               </a14:hiddenFill>
             </a:ext>
             <a:ext uri="{AF507438-7753-43e0-B8FC-AC1667EBCBE1}">
-              <a14:hiddenEffects xmlns:a14="http://schemas.microsoft.com/office/drawing/2010/main" xmlns="">
+              <a14:hiddenEffects xmlns="" xmlns:a14="http://schemas.microsoft.com/office/drawing/2010/main">
                 <a:effectLst>
                   <a:outerShdw blurRad="63500" dist="38099" dir="2700000" algn="ctr" rotWithShape="0">
                     <a:schemeClr val="bg2">
@@ -15535,14 +15535,14 @@
           <a:effectLst/>
           <a:extLst>
             <a:ext uri="{909E8E84-426E-40dd-AFC4-6F175D3DCCD1}">
-              <a14:hiddenFill xmlns:a14="http://schemas.microsoft.com/office/drawing/2010/main" xmlns="">
+              <a14:hiddenFill xmlns="" xmlns:a14="http://schemas.microsoft.com/office/drawing/2010/main">
                 <a:solidFill>
                   <a:schemeClr val="accent1"/>
                 </a:solidFill>
               </a14:hiddenFill>
             </a:ext>
             <a:ext uri="{91240B29-F687-4f45-9708-019B960494DF}">
-              <a14:hiddenLine xmlns:a14="http://schemas.microsoft.com/office/drawing/2010/main" xmlns="" w="9525">
+              <a14:hiddenLine xmlns="" xmlns:a14="http://schemas.microsoft.com/office/drawing/2010/main" w="9525">
                 <a:solidFill>
                   <a:schemeClr val="tx1"/>
                 </a:solidFill>
@@ -15552,7 +15552,7 @@
               </a14:hiddenLine>
             </a:ext>
             <a:ext uri="{AF507438-7753-43e0-B8FC-AC1667EBCBE1}">
-              <a14:hiddenEffects xmlns:a14="http://schemas.microsoft.com/office/drawing/2010/main" xmlns="">
+              <a14:hiddenEffects xmlns="" xmlns:a14="http://schemas.microsoft.com/office/drawing/2010/main">
                 <a:effectLst>
                   <a:outerShdw blurRad="63500" dist="38099" dir="2700000" algn="ctr" rotWithShape="0">
                     <a:schemeClr val="bg2">
@@ -15607,12 +15607,12 @@
           <a:effectLst/>
           <a:extLst>
             <a:ext uri="{909E8E84-426E-40dd-AFC4-6F175D3DCCD1}">
-              <a14:hiddenFill xmlns:a14="http://schemas.microsoft.com/office/drawing/2010/main" xmlns="">
+              <a14:hiddenFill xmlns="" xmlns:a14="http://schemas.microsoft.com/office/drawing/2010/main">
                 <a:noFill/>
               </a14:hiddenFill>
             </a:ext>
             <a:ext uri="{AF507438-7753-43e0-B8FC-AC1667EBCBE1}">
-              <a14:hiddenEffects xmlns:a14="http://schemas.microsoft.com/office/drawing/2010/main" xmlns="">
+              <a14:hiddenEffects xmlns="" xmlns:a14="http://schemas.microsoft.com/office/drawing/2010/main">
                 <a:effectLst>
                   <a:outerShdw blurRad="63500" dist="38099" dir="2700000" algn="ctr" rotWithShape="0">
                     <a:schemeClr val="bg2">
@@ -15655,14 +15655,14 @@
           <a:effectLst/>
           <a:extLst>
             <a:ext uri="{909E8E84-426E-40dd-AFC4-6F175D3DCCD1}">
-              <a14:hiddenFill xmlns:a14="http://schemas.microsoft.com/office/drawing/2010/main" xmlns="">
+              <a14:hiddenFill xmlns="" xmlns:a14="http://schemas.microsoft.com/office/drawing/2010/main">
                 <a:solidFill>
                   <a:schemeClr val="accent1"/>
                 </a:solidFill>
               </a14:hiddenFill>
             </a:ext>
             <a:ext uri="{91240B29-F687-4f45-9708-019B960494DF}">
-              <a14:hiddenLine xmlns:a14="http://schemas.microsoft.com/office/drawing/2010/main" xmlns="" w="9525">
+              <a14:hiddenLine xmlns="" xmlns:a14="http://schemas.microsoft.com/office/drawing/2010/main" w="9525">
                 <a:solidFill>
                   <a:schemeClr val="tx1"/>
                 </a:solidFill>
@@ -15672,7 +15672,7 @@
               </a14:hiddenLine>
             </a:ext>
             <a:ext uri="{AF507438-7753-43e0-B8FC-AC1667EBCBE1}">
-              <a14:hiddenEffects xmlns:a14="http://schemas.microsoft.com/office/drawing/2010/main" xmlns="">
+              <a14:hiddenEffects xmlns="" xmlns:a14="http://schemas.microsoft.com/office/drawing/2010/main">
                 <a:effectLst>
                   <a:outerShdw blurRad="63500" dist="38099" dir="2700000" algn="ctr" rotWithShape="0">
                     <a:schemeClr val="bg2">
@@ -15727,12 +15727,12 @@
           <a:effectLst/>
           <a:extLst>
             <a:ext uri="{909E8E84-426E-40dd-AFC4-6F175D3DCCD1}">
-              <a14:hiddenFill xmlns:a14="http://schemas.microsoft.com/office/drawing/2010/main" xmlns="">
+              <a14:hiddenFill xmlns="" xmlns:a14="http://schemas.microsoft.com/office/drawing/2010/main">
                 <a:noFill/>
               </a14:hiddenFill>
             </a:ext>
             <a:ext uri="{AF507438-7753-43e0-B8FC-AC1667EBCBE1}">
-              <a14:hiddenEffects xmlns:a14="http://schemas.microsoft.com/office/drawing/2010/main" xmlns="">
+              <a14:hiddenEffects xmlns="" xmlns:a14="http://schemas.microsoft.com/office/drawing/2010/main">
                 <a:effectLst>
                   <a:outerShdw blurRad="63500" dist="38099" dir="2700000" algn="ctr" rotWithShape="0">
                     <a:schemeClr val="bg2">
@@ -15775,14 +15775,14 @@
           <a:effectLst/>
           <a:extLst>
             <a:ext uri="{909E8E84-426E-40dd-AFC4-6F175D3DCCD1}">
-              <a14:hiddenFill xmlns:a14="http://schemas.microsoft.com/office/drawing/2010/main" xmlns="">
+              <a14:hiddenFill xmlns="" xmlns:a14="http://schemas.microsoft.com/office/drawing/2010/main">
                 <a:solidFill>
                   <a:schemeClr val="accent1"/>
                 </a:solidFill>
               </a14:hiddenFill>
             </a:ext>
             <a:ext uri="{91240B29-F687-4f45-9708-019B960494DF}">
-              <a14:hiddenLine xmlns:a14="http://schemas.microsoft.com/office/drawing/2010/main" xmlns="" w="9525">
+              <a14:hiddenLine xmlns="" xmlns:a14="http://schemas.microsoft.com/office/drawing/2010/main" w="9525">
                 <a:solidFill>
                   <a:schemeClr val="tx1"/>
                 </a:solidFill>
@@ -15792,7 +15792,7 @@
               </a14:hiddenLine>
             </a:ext>
             <a:ext uri="{AF507438-7753-43e0-B8FC-AC1667EBCBE1}">
-              <a14:hiddenEffects xmlns:a14="http://schemas.microsoft.com/office/drawing/2010/main" xmlns="">
+              <a14:hiddenEffects xmlns="" xmlns:a14="http://schemas.microsoft.com/office/drawing/2010/main">
                 <a:effectLst>
                   <a:outerShdw blurRad="63500" dist="38099" dir="2700000" algn="ctr" rotWithShape="0">
                     <a:schemeClr val="bg2">
@@ -15847,12 +15847,12 @@
           <a:effectLst/>
           <a:extLst>
             <a:ext uri="{909E8E84-426E-40dd-AFC4-6F175D3DCCD1}">
-              <a14:hiddenFill xmlns:a14="http://schemas.microsoft.com/office/drawing/2010/main" xmlns="">
+              <a14:hiddenFill xmlns="" xmlns:a14="http://schemas.microsoft.com/office/drawing/2010/main">
                 <a:noFill/>
               </a14:hiddenFill>
             </a:ext>
             <a:ext uri="{AF507438-7753-43e0-B8FC-AC1667EBCBE1}">
-              <a14:hiddenEffects xmlns:a14="http://schemas.microsoft.com/office/drawing/2010/main" xmlns="">
+              <a14:hiddenEffects xmlns="" xmlns:a14="http://schemas.microsoft.com/office/drawing/2010/main">
                 <a:effectLst>
                   <a:outerShdw blurRad="63500" dist="38099" dir="2700000" algn="ctr" rotWithShape="0">
                     <a:schemeClr val="bg2">
@@ -15895,14 +15895,14 @@
           <a:effectLst/>
           <a:extLst>
             <a:ext uri="{909E8E84-426E-40dd-AFC4-6F175D3DCCD1}">
-              <a14:hiddenFill xmlns:a14="http://schemas.microsoft.com/office/drawing/2010/main" xmlns="">
+              <a14:hiddenFill xmlns="" xmlns:a14="http://schemas.microsoft.com/office/drawing/2010/main">
                 <a:solidFill>
                   <a:schemeClr val="accent1"/>
                 </a:solidFill>
               </a14:hiddenFill>
             </a:ext>
             <a:ext uri="{91240B29-F687-4f45-9708-019B960494DF}">
-              <a14:hiddenLine xmlns:a14="http://schemas.microsoft.com/office/drawing/2010/main" xmlns="" w="9525">
+              <a14:hiddenLine xmlns="" xmlns:a14="http://schemas.microsoft.com/office/drawing/2010/main" w="9525">
                 <a:solidFill>
                   <a:schemeClr val="tx1"/>
                 </a:solidFill>
@@ -15912,7 +15912,7 @@
               </a14:hiddenLine>
             </a:ext>
             <a:ext uri="{AF507438-7753-43e0-B8FC-AC1667EBCBE1}">
-              <a14:hiddenEffects xmlns:a14="http://schemas.microsoft.com/office/drawing/2010/main" xmlns="">
+              <a14:hiddenEffects xmlns="" xmlns:a14="http://schemas.microsoft.com/office/drawing/2010/main">
                 <a:effectLst>
                   <a:outerShdw blurRad="63500" dist="38099" dir="2700000" algn="ctr" rotWithShape="0">
                     <a:schemeClr val="bg2">
@@ -15967,12 +15967,12 @@
           <a:effectLst/>
           <a:extLst>
             <a:ext uri="{909E8E84-426E-40dd-AFC4-6F175D3DCCD1}">
-              <a14:hiddenFill xmlns:a14="http://schemas.microsoft.com/office/drawing/2010/main" xmlns="">
+              <a14:hiddenFill xmlns="" xmlns:a14="http://schemas.microsoft.com/office/drawing/2010/main">
                 <a:noFill/>
               </a14:hiddenFill>
             </a:ext>
             <a:ext uri="{AF507438-7753-43e0-B8FC-AC1667EBCBE1}">
-              <a14:hiddenEffects xmlns:a14="http://schemas.microsoft.com/office/drawing/2010/main" xmlns="">
+              <a14:hiddenEffects xmlns="" xmlns:a14="http://schemas.microsoft.com/office/drawing/2010/main">
                 <a:effectLst>
                   <a:outerShdw blurRad="63500" dist="38099" dir="2700000" algn="ctr" rotWithShape="0">
                     <a:schemeClr val="bg2">
@@ -16015,14 +16015,14 @@
           <a:effectLst/>
           <a:extLst>
             <a:ext uri="{909E8E84-426E-40dd-AFC4-6F175D3DCCD1}">
-              <a14:hiddenFill xmlns:a14="http://schemas.microsoft.com/office/drawing/2010/main" xmlns="">
+              <a14:hiddenFill xmlns="" xmlns:a14="http://schemas.microsoft.com/office/drawing/2010/main">
                 <a:solidFill>
                   <a:schemeClr val="accent1"/>
                 </a:solidFill>
               </a14:hiddenFill>
             </a:ext>
             <a:ext uri="{91240B29-F687-4f45-9708-019B960494DF}">
-              <a14:hiddenLine xmlns:a14="http://schemas.microsoft.com/office/drawing/2010/main" xmlns="" w="9525">
+              <a14:hiddenLine xmlns="" xmlns:a14="http://schemas.microsoft.com/office/drawing/2010/main" w="9525">
                 <a:solidFill>
                   <a:schemeClr val="tx1"/>
                 </a:solidFill>
@@ -16032,7 +16032,7 @@
               </a14:hiddenLine>
             </a:ext>
             <a:ext uri="{AF507438-7753-43e0-B8FC-AC1667EBCBE1}">
-              <a14:hiddenEffects xmlns:a14="http://schemas.microsoft.com/office/drawing/2010/main" xmlns="">
+              <a14:hiddenEffects xmlns="" xmlns:a14="http://schemas.microsoft.com/office/drawing/2010/main">
                 <a:effectLst>
                   <a:outerShdw blurRad="63500" dist="38099" dir="2700000" algn="ctr" rotWithShape="0">
                     <a:schemeClr val="bg2">
@@ -16087,12 +16087,12 @@
           <a:effectLst/>
           <a:extLst>
             <a:ext uri="{909E8E84-426E-40dd-AFC4-6F175D3DCCD1}">
-              <a14:hiddenFill xmlns:a14="http://schemas.microsoft.com/office/drawing/2010/main" xmlns="">
+              <a14:hiddenFill xmlns="" xmlns:a14="http://schemas.microsoft.com/office/drawing/2010/main">
                 <a:noFill/>
               </a14:hiddenFill>
             </a:ext>
             <a:ext uri="{AF507438-7753-43e0-B8FC-AC1667EBCBE1}">
-              <a14:hiddenEffects xmlns:a14="http://schemas.microsoft.com/office/drawing/2010/main" xmlns="">
+              <a14:hiddenEffects xmlns="" xmlns:a14="http://schemas.microsoft.com/office/drawing/2010/main">
                 <a:effectLst>
                   <a:outerShdw blurRad="63500" dist="38099" dir="2700000" algn="ctr" rotWithShape="0">
                     <a:schemeClr val="bg2">
@@ -16135,14 +16135,14 @@
           <a:effectLst/>
           <a:extLst>
             <a:ext uri="{909E8E84-426E-40dd-AFC4-6F175D3DCCD1}">
-              <a14:hiddenFill xmlns:a14="http://schemas.microsoft.com/office/drawing/2010/main" xmlns="">
+              <a14:hiddenFill xmlns="" xmlns:a14="http://schemas.microsoft.com/office/drawing/2010/main">
                 <a:solidFill>
                   <a:schemeClr val="accent1"/>
                 </a:solidFill>
               </a14:hiddenFill>
             </a:ext>
             <a:ext uri="{91240B29-F687-4f45-9708-019B960494DF}">
-              <a14:hiddenLine xmlns:a14="http://schemas.microsoft.com/office/drawing/2010/main" xmlns="" w="9525">
+              <a14:hiddenLine xmlns="" xmlns:a14="http://schemas.microsoft.com/office/drawing/2010/main" w="9525">
                 <a:solidFill>
                   <a:schemeClr val="tx1"/>
                 </a:solidFill>
@@ -16152,7 +16152,7 @@
               </a14:hiddenLine>
             </a:ext>
             <a:ext uri="{AF507438-7753-43e0-B8FC-AC1667EBCBE1}">
-              <a14:hiddenEffects xmlns:a14="http://schemas.microsoft.com/office/drawing/2010/main" xmlns="">
+              <a14:hiddenEffects xmlns="" xmlns:a14="http://schemas.microsoft.com/office/drawing/2010/main">
                 <a:effectLst>
                   <a:outerShdw blurRad="63500" dist="38099" dir="2700000" algn="ctr" rotWithShape="0">
                     <a:schemeClr val="bg2">
@@ -16207,12 +16207,12 @@
           <a:effectLst/>
           <a:extLst>
             <a:ext uri="{909E8E84-426E-40dd-AFC4-6F175D3DCCD1}">
-              <a14:hiddenFill xmlns:a14="http://schemas.microsoft.com/office/drawing/2010/main" xmlns="">
+              <a14:hiddenFill xmlns="" xmlns:a14="http://schemas.microsoft.com/office/drawing/2010/main">
                 <a:noFill/>
               </a14:hiddenFill>
             </a:ext>
             <a:ext uri="{AF507438-7753-43e0-B8FC-AC1667EBCBE1}">
-              <a14:hiddenEffects xmlns:a14="http://schemas.microsoft.com/office/drawing/2010/main" xmlns="">
+              <a14:hiddenEffects xmlns="" xmlns:a14="http://schemas.microsoft.com/office/drawing/2010/main">
                 <a:effectLst>
                   <a:outerShdw blurRad="63500" dist="38099" dir="2700000" algn="ctr" rotWithShape="0">
                     <a:schemeClr val="bg2">
@@ -16255,14 +16255,14 @@
           <a:effectLst/>
           <a:extLst>
             <a:ext uri="{909E8E84-426E-40dd-AFC4-6F175D3DCCD1}">
-              <a14:hiddenFill xmlns:a14="http://schemas.microsoft.com/office/drawing/2010/main" xmlns="">
+              <a14:hiddenFill xmlns="" xmlns:a14="http://schemas.microsoft.com/office/drawing/2010/main">
                 <a:solidFill>
                   <a:schemeClr val="accent1"/>
                 </a:solidFill>
               </a14:hiddenFill>
             </a:ext>
             <a:ext uri="{91240B29-F687-4f45-9708-019B960494DF}">
-              <a14:hiddenLine xmlns:a14="http://schemas.microsoft.com/office/drawing/2010/main" xmlns="" w="9525">
+              <a14:hiddenLine xmlns="" xmlns:a14="http://schemas.microsoft.com/office/drawing/2010/main" w="9525">
                 <a:solidFill>
                   <a:schemeClr val="tx1"/>
                 </a:solidFill>
@@ -16272,7 +16272,7 @@
               </a14:hiddenLine>
             </a:ext>
             <a:ext uri="{AF507438-7753-43e0-B8FC-AC1667EBCBE1}">
-              <a14:hiddenEffects xmlns:a14="http://schemas.microsoft.com/office/drawing/2010/main" xmlns="">
+              <a14:hiddenEffects xmlns="" xmlns:a14="http://schemas.microsoft.com/office/drawing/2010/main">
                 <a:effectLst>
                   <a:outerShdw blurRad="63500" dist="38099" dir="2700000" algn="ctr" rotWithShape="0">
                     <a:schemeClr val="bg2">
@@ -16435,14 +16435,14 @@
           <a:effectLst/>
           <a:extLst>
             <a:ext uri="{909E8E84-426E-40dd-AFC4-6F175D3DCCD1}">
-              <a14:hiddenFill xmlns:a14="http://schemas.microsoft.com/office/drawing/2010/main" xmlns="">
+              <a14:hiddenFill xmlns="" xmlns:a14="http://schemas.microsoft.com/office/drawing/2010/main">
                 <a:solidFill>
                   <a:schemeClr val="accent1"/>
                 </a:solidFill>
               </a14:hiddenFill>
             </a:ext>
             <a:ext uri="{AF507438-7753-43e0-B8FC-AC1667EBCBE1}">
-              <a14:hiddenEffects xmlns:a14="http://schemas.microsoft.com/office/drawing/2010/main" xmlns="">
+              <a14:hiddenEffects xmlns="" xmlns:a14="http://schemas.microsoft.com/office/drawing/2010/main">
                 <a:effectLst>
                   <a:outerShdw blurRad="63500" dist="38099" dir="2700000" algn="ctr" rotWithShape="0">
                     <a:schemeClr val="bg2">
@@ -16485,14 +16485,14 @@
           <a:effectLst/>
           <a:extLst>
             <a:ext uri="{909E8E84-426E-40dd-AFC4-6F175D3DCCD1}">
-              <a14:hiddenFill xmlns:a14="http://schemas.microsoft.com/office/drawing/2010/main" xmlns="">
+              <a14:hiddenFill xmlns="" xmlns:a14="http://schemas.microsoft.com/office/drawing/2010/main">
                 <a:solidFill>
                   <a:schemeClr val="accent1"/>
                 </a:solidFill>
               </a14:hiddenFill>
             </a:ext>
             <a:ext uri="{91240B29-F687-4f45-9708-019B960494DF}">
-              <a14:hiddenLine xmlns:a14="http://schemas.microsoft.com/office/drawing/2010/main" xmlns="" w="9525">
+              <a14:hiddenLine xmlns="" xmlns:a14="http://schemas.microsoft.com/office/drawing/2010/main" w="9525">
                 <a:solidFill>
                   <a:schemeClr val="tx1"/>
                 </a:solidFill>
@@ -16502,7 +16502,7 @@
               </a14:hiddenLine>
             </a:ext>
             <a:ext uri="{AF507438-7753-43e0-B8FC-AC1667EBCBE1}">
-              <a14:hiddenEffects xmlns:a14="http://schemas.microsoft.com/office/drawing/2010/main" xmlns="">
+              <a14:hiddenEffects xmlns="" xmlns:a14="http://schemas.microsoft.com/office/drawing/2010/main">
                 <a:effectLst>
                   <a:outerShdw blurRad="63500" dist="38099" dir="2700000" algn="ctr" rotWithShape="0">
                     <a:schemeClr val="bg2">
@@ -16557,14 +16557,14 @@
           <a:effectLst/>
           <a:extLst>
             <a:ext uri="{909E8E84-426E-40dd-AFC4-6F175D3DCCD1}">
-              <a14:hiddenFill xmlns:a14="http://schemas.microsoft.com/office/drawing/2010/main" xmlns="">
+              <a14:hiddenFill xmlns="" xmlns:a14="http://schemas.microsoft.com/office/drawing/2010/main">
                 <a:solidFill>
                   <a:schemeClr val="accent1"/>
                 </a:solidFill>
               </a14:hiddenFill>
             </a:ext>
             <a:ext uri="{AF507438-7753-43e0-B8FC-AC1667EBCBE1}">
-              <a14:hiddenEffects xmlns:a14="http://schemas.microsoft.com/office/drawing/2010/main" xmlns="">
+              <a14:hiddenEffects xmlns="" xmlns:a14="http://schemas.microsoft.com/office/drawing/2010/main">
                 <a:effectLst>
                   <a:outerShdw blurRad="63500" dist="38099" dir="2700000" algn="ctr" rotWithShape="0">
                     <a:schemeClr val="bg2">
@@ -16645,12 +16645,12 @@
           <a:effectLst/>
           <a:extLst>
             <a:ext uri="{909E8E84-426E-40dd-AFC4-6F175D3DCCD1}">
-              <a14:hiddenFill xmlns:a14="http://schemas.microsoft.com/office/drawing/2010/main" xmlns="">
+              <a14:hiddenFill xmlns="" xmlns:a14="http://schemas.microsoft.com/office/drawing/2010/main">
                 <a:noFill/>
               </a14:hiddenFill>
             </a:ext>
             <a:ext uri="{AF507438-7753-43e0-B8FC-AC1667EBCBE1}">
-              <a14:hiddenEffects xmlns:a14="http://schemas.microsoft.com/office/drawing/2010/main" xmlns="">
+              <a14:hiddenEffects xmlns="" xmlns:a14="http://schemas.microsoft.com/office/drawing/2010/main">
                 <a:effectLst>
                   <a:outerShdw blurRad="63500" dist="38099" dir="2700000" algn="ctr" rotWithShape="0">
                     <a:schemeClr val="bg2">
@@ -16709,12 +16709,12 @@
           <a:effectLst/>
           <a:extLst>
             <a:ext uri="{909E8E84-426E-40dd-AFC4-6F175D3DCCD1}">
-              <a14:hiddenFill xmlns:a14="http://schemas.microsoft.com/office/drawing/2010/main" xmlns="">
+              <a14:hiddenFill xmlns="" xmlns:a14="http://schemas.microsoft.com/office/drawing/2010/main">
                 <a:noFill/>
               </a14:hiddenFill>
             </a:ext>
             <a:ext uri="{AF507438-7753-43e0-B8FC-AC1667EBCBE1}">
-              <a14:hiddenEffects xmlns:a14="http://schemas.microsoft.com/office/drawing/2010/main" xmlns="">
+              <a14:hiddenEffects xmlns="" xmlns:a14="http://schemas.microsoft.com/office/drawing/2010/main">
                 <a:effectLst>
                   <a:outerShdw blurRad="63500" dist="38099" dir="2700000" algn="ctr" rotWithShape="0">
                     <a:schemeClr val="bg2">
@@ -16766,14 +16766,14 @@
           <a:effectLst/>
           <a:extLst>
             <a:ext uri="{909E8E84-426E-40dd-AFC4-6F175D3DCCD1}">
-              <a14:hiddenFill xmlns:a14="http://schemas.microsoft.com/office/drawing/2010/main" xmlns="">
+              <a14:hiddenFill xmlns="" xmlns:a14="http://schemas.microsoft.com/office/drawing/2010/main">
                 <a:solidFill>
                   <a:schemeClr val="accent1"/>
                 </a:solidFill>
               </a14:hiddenFill>
             </a:ext>
             <a:ext uri="{91240B29-F687-4f45-9708-019B960494DF}">
-              <a14:hiddenLine xmlns:a14="http://schemas.microsoft.com/office/drawing/2010/main" xmlns="" w="9525">
+              <a14:hiddenLine xmlns="" xmlns:a14="http://schemas.microsoft.com/office/drawing/2010/main" w="9525">
                 <a:solidFill>
                   <a:schemeClr val="tx1"/>
                 </a:solidFill>
@@ -16783,7 +16783,7 @@
               </a14:hiddenLine>
             </a:ext>
             <a:ext uri="{AF507438-7753-43e0-B8FC-AC1667EBCBE1}">
-              <a14:hiddenEffects xmlns:a14="http://schemas.microsoft.com/office/drawing/2010/main" xmlns="">
+              <a14:hiddenEffects xmlns="" xmlns:a14="http://schemas.microsoft.com/office/drawing/2010/main">
                 <a:effectLst>
                   <a:outerShdw blurRad="63500" dist="38099" dir="2700000" algn="ctr" rotWithShape="0">
                     <a:schemeClr val="bg2">
@@ -16839,14 +16839,14 @@
           <a:effectLst/>
           <a:extLst>
             <a:ext uri="{909E8E84-426E-40dd-AFC4-6F175D3DCCD1}">
-              <a14:hiddenFill xmlns:a14="http://schemas.microsoft.com/office/drawing/2010/main" xmlns="">
+              <a14:hiddenFill xmlns="" xmlns:a14="http://schemas.microsoft.com/office/drawing/2010/main">
                 <a:solidFill>
                   <a:schemeClr val="accent1"/>
                 </a:solidFill>
               </a14:hiddenFill>
             </a:ext>
             <a:ext uri="{91240B29-F687-4f45-9708-019B960494DF}">
-              <a14:hiddenLine xmlns:a14="http://schemas.microsoft.com/office/drawing/2010/main" xmlns="" w="9525">
+              <a14:hiddenLine xmlns="" xmlns:a14="http://schemas.microsoft.com/office/drawing/2010/main" w="9525">
                 <a:solidFill>
                   <a:schemeClr val="tx1"/>
                 </a:solidFill>
@@ -16856,7 +16856,7 @@
               </a14:hiddenLine>
             </a:ext>
             <a:ext uri="{AF507438-7753-43e0-B8FC-AC1667EBCBE1}">
-              <a14:hiddenEffects xmlns:a14="http://schemas.microsoft.com/office/drawing/2010/main" xmlns="">
+              <a14:hiddenEffects xmlns="" xmlns:a14="http://schemas.microsoft.com/office/drawing/2010/main">
                 <a:effectLst>
                   <a:outerShdw blurRad="63500" dist="38099" dir="2700000" algn="ctr" rotWithShape="0">
                     <a:schemeClr val="bg2">
@@ -16943,14 +16943,14 @@
           <a:effectLst/>
           <a:extLst>
             <a:ext uri="{909E8E84-426E-40dd-AFC4-6F175D3DCCD1}">
-              <a14:hiddenFill xmlns:a14="http://schemas.microsoft.com/office/drawing/2010/main" xmlns="">
+              <a14:hiddenFill xmlns="" xmlns:a14="http://schemas.microsoft.com/office/drawing/2010/main">
                 <a:solidFill>
                   <a:schemeClr val="accent1"/>
                 </a:solidFill>
               </a14:hiddenFill>
             </a:ext>
             <a:ext uri="{91240B29-F687-4f45-9708-019B960494DF}">
-              <a14:hiddenLine xmlns:a14="http://schemas.microsoft.com/office/drawing/2010/main" xmlns="" w="9525">
+              <a14:hiddenLine xmlns="" xmlns:a14="http://schemas.microsoft.com/office/drawing/2010/main" w="9525">
                 <a:solidFill>
                   <a:schemeClr val="tx1"/>
                 </a:solidFill>
@@ -16960,7 +16960,7 @@
               </a14:hiddenLine>
             </a:ext>
             <a:ext uri="{AF507438-7753-43e0-B8FC-AC1667EBCBE1}">
-              <a14:hiddenEffects xmlns:a14="http://schemas.microsoft.com/office/drawing/2010/main" xmlns="">
+              <a14:hiddenEffects xmlns="" xmlns:a14="http://schemas.microsoft.com/office/drawing/2010/main">
                 <a:effectLst>
                   <a:outerShdw blurRad="63500" dist="38099" dir="2700000" algn="ctr" rotWithShape="0">
                     <a:schemeClr val="bg2">
@@ -17131,14 +17131,14 @@
           <a:effectLst/>
           <a:extLst>
             <a:ext uri="{909E8E84-426E-40dd-AFC4-6F175D3DCCD1}">
-              <a14:hiddenFill xmlns:a14="http://schemas.microsoft.com/office/drawing/2010/main" xmlns="">
+              <a14:hiddenFill xmlns="" xmlns:a14="http://schemas.microsoft.com/office/drawing/2010/main">
                 <a:solidFill>
                   <a:schemeClr val="accent1"/>
                 </a:solidFill>
               </a14:hiddenFill>
             </a:ext>
             <a:ext uri="{AF507438-7753-43e0-B8FC-AC1667EBCBE1}">
-              <a14:hiddenEffects xmlns:a14="http://schemas.microsoft.com/office/drawing/2010/main" xmlns="">
+              <a14:hiddenEffects xmlns="" xmlns:a14="http://schemas.microsoft.com/office/drawing/2010/main">
                 <a:effectLst>
                   <a:outerShdw blurRad="63500" dist="38099" dir="2700000" algn="ctr" rotWithShape="0">
                     <a:schemeClr val="bg2">
@@ -17223,14 +17223,14 @@
           <a:effectLst/>
           <a:extLst>
             <a:ext uri="{909E8E84-426E-40dd-AFC4-6F175D3DCCD1}">
-              <a14:hiddenFill xmlns:a14="http://schemas.microsoft.com/office/drawing/2010/main" xmlns="">
+              <a14:hiddenFill xmlns="" xmlns:a14="http://schemas.microsoft.com/office/drawing/2010/main">
                 <a:solidFill>
                   <a:schemeClr val="accent1"/>
                 </a:solidFill>
               </a14:hiddenFill>
             </a:ext>
             <a:ext uri="{AF507438-7753-43e0-B8FC-AC1667EBCBE1}">
-              <a14:hiddenEffects xmlns:a14="http://schemas.microsoft.com/office/drawing/2010/main" xmlns="">
+              <a14:hiddenEffects xmlns="" xmlns:a14="http://schemas.microsoft.com/office/drawing/2010/main">
                 <a:effectLst>
                   <a:outerShdw blurRad="63500" dist="38099" dir="2700000" algn="ctr" rotWithShape="0">
                     <a:schemeClr val="bg2">
@@ -17309,14 +17309,14 @@
           <a:effectLst/>
           <a:extLst>
             <a:ext uri="{909E8E84-426E-40dd-AFC4-6F175D3DCCD1}">
-              <a14:hiddenFill xmlns:a14="http://schemas.microsoft.com/office/drawing/2010/main" xmlns="">
+              <a14:hiddenFill xmlns="" xmlns:a14="http://schemas.microsoft.com/office/drawing/2010/main">
                 <a:solidFill>
                   <a:schemeClr val="accent1"/>
                 </a:solidFill>
               </a14:hiddenFill>
             </a:ext>
             <a:ext uri="{AF507438-7753-43e0-B8FC-AC1667EBCBE1}">
-              <a14:hiddenEffects xmlns:a14="http://schemas.microsoft.com/office/drawing/2010/main" xmlns="">
+              <a14:hiddenEffects xmlns="" xmlns:a14="http://schemas.microsoft.com/office/drawing/2010/main">
                 <a:effectLst>
                   <a:outerShdw blurRad="63500" dist="38099" dir="2700000" algn="ctr" rotWithShape="0">
                     <a:schemeClr val="bg2">
@@ -17395,14 +17395,14 @@
           <a:effectLst/>
           <a:extLst>
             <a:ext uri="{909E8E84-426E-40dd-AFC4-6F175D3DCCD1}">
-              <a14:hiddenFill xmlns:a14="http://schemas.microsoft.com/office/drawing/2010/main" xmlns="">
+              <a14:hiddenFill xmlns="" xmlns:a14="http://schemas.microsoft.com/office/drawing/2010/main">
                 <a:solidFill>
                   <a:schemeClr val="accent1"/>
                 </a:solidFill>
               </a14:hiddenFill>
             </a:ext>
             <a:ext uri="{AF507438-7753-43e0-B8FC-AC1667EBCBE1}">
-              <a14:hiddenEffects xmlns:a14="http://schemas.microsoft.com/office/drawing/2010/main" xmlns="">
+              <a14:hiddenEffects xmlns="" xmlns:a14="http://schemas.microsoft.com/office/drawing/2010/main">
                 <a:effectLst>
                   <a:outerShdw blurRad="63500" dist="38099" dir="2700000" algn="ctr" rotWithShape="0">
                     <a:schemeClr val="bg2">
@@ -17481,14 +17481,14 @@
           <a:effectLst/>
           <a:extLst>
             <a:ext uri="{909E8E84-426E-40dd-AFC4-6F175D3DCCD1}">
-              <a14:hiddenFill xmlns:a14="http://schemas.microsoft.com/office/drawing/2010/main" xmlns="">
+              <a14:hiddenFill xmlns="" xmlns:a14="http://schemas.microsoft.com/office/drawing/2010/main">
                 <a:solidFill>
                   <a:schemeClr val="accent1"/>
                 </a:solidFill>
               </a14:hiddenFill>
             </a:ext>
             <a:ext uri="{AF507438-7753-43e0-B8FC-AC1667EBCBE1}">
-              <a14:hiddenEffects xmlns:a14="http://schemas.microsoft.com/office/drawing/2010/main" xmlns="">
+              <a14:hiddenEffects xmlns="" xmlns:a14="http://schemas.microsoft.com/office/drawing/2010/main">
                 <a:effectLst>
                   <a:outerShdw blurRad="63500" dist="38099" dir="2700000" algn="ctr" rotWithShape="0">
                     <a:schemeClr val="bg2">
@@ -17567,14 +17567,14 @@
           <a:effectLst/>
           <a:extLst>
             <a:ext uri="{909E8E84-426E-40dd-AFC4-6F175D3DCCD1}">
-              <a14:hiddenFill xmlns:a14="http://schemas.microsoft.com/office/drawing/2010/main" xmlns="">
+              <a14:hiddenFill xmlns="" xmlns:a14="http://schemas.microsoft.com/office/drawing/2010/main">
                 <a:solidFill>
                   <a:schemeClr val="accent1"/>
                 </a:solidFill>
               </a14:hiddenFill>
             </a:ext>
             <a:ext uri="{AF507438-7753-43e0-B8FC-AC1667EBCBE1}">
-              <a14:hiddenEffects xmlns:a14="http://schemas.microsoft.com/office/drawing/2010/main" xmlns="">
+              <a14:hiddenEffects xmlns="" xmlns:a14="http://schemas.microsoft.com/office/drawing/2010/main">
                 <a:effectLst>
                   <a:outerShdw blurRad="63500" dist="38099" dir="2700000" algn="ctr" rotWithShape="0">
                     <a:schemeClr val="bg2">
@@ -17653,12 +17653,12 @@
           <a:effectLst/>
           <a:extLst>
             <a:ext uri="{909E8E84-426E-40dd-AFC4-6F175D3DCCD1}">
-              <a14:hiddenFill xmlns:a14="http://schemas.microsoft.com/office/drawing/2010/main" xmlns="">
+              <a14:hiddenFill xmlns="" xmlns:a14="http://schemas.microsoft.com/office/drawing/2010/main">
                 <a:noFill/>
               </a14:hiddenFill>
             </a:ext>
             <a:ext uri="{AF507438-7753-43e0-B8FC-AC1667EBCBE1}">
-              <a14:hiddenEffects xmlns:a14="http://schemas.microsoft.com/office/drawing/2010/main" xmlns="">
+              <a14:hiddenEffects xmlns="" xmlns:a14="http://schemas.microsoft.com/office/drawing/2010/main">
                 <a:effectLst>
                   <a:outerShdw blurRad="63500" dist="38099" dir="2700000" algn="ctr" rotWithShape="0">
                     <a:schemeClr val="bg2">
@@ -17701,14 +17701,14 @@
           <a:effectLst/>
           <a:extLst>
             <a:ext uri="{909E8E84-426E-40dd-AFC4-6F175D3DCCD1}">
-              <a14:hiddenFill xmlns:a14="http://schemas.microsoft.com/office/drawing/2010/main" xmlns="">
+              <a14:hiddenFill xmlns="" xmlns:a14="http://schemas.microsoft.com/office/drawing/2010/main">
                 <a:solidFill>
                   <a:schemeClr val="accent1"/>
                 </a:solidFill>
               </a14:hiddenFill>
             </a:ext>
             <a:ext uri="{91240B29-F687-4f45-9708-019B960494DF}">
-              <a14:hiddenLine xmlns:a14="http://schemas.microsoft.com/office/drawing/2010/main" xmlns="" w="9525">
+              <a14:hiddenLine xmlns="" xmlns:a14="http://schemas.microsoft.com/office/drawing/2010/main" w="9525">
                 <a:solidFill>
                   <a:schemeClr val="tx1"/>
                 </a:solidFill>
@@ -17718,7 +17718,7 @@
               </a14:hiddenLine>
             </a:ext>
             <a:ext uri="{AF507438-7753-43e0-B8FC-AC1667EBCBE1}">
-              <a14:hiddenEffects xmlns:a14="http://schemas.microsoft.com/office/drawing/2010/main" xmlns="">
+              <a14:hiddenEffects xmlns="" xmlns:a14="http://schemas.microsoft.com/office/drawing/2010/main">
                 <a:effectLst>
                   <a:outerShdw blurRad="63500" dist="38099" dir="2700000" algn="ctr" rotWithShape="0">
                     <a:schemeClr val="bg2">
@@ -17773,12 +17773,12 @@
           <a:effectLst/>
           <a:extLst>
             <a:ext uri="{909E8E84-426E-40dd-AFC4-6F175D3DCCD1}">
-              <a14:hiddenFill xmlns:a14="http://schemas.microsoft.com/office/drawing/2010/main" xmlns="">
+              <a14:hiddenFill xmlns="" xmlns:a14="http://schemas.microsoft.com/office/drawing/2010/main">
                 <a:noFill/>
               </a14:hiddenFill>
             </a:ext>
             <a:ext uri="{AF507438-7753-43e0-B8FC-AC1667EBCBE1}">
-              <a14:hiddenEffects xmlns:a14="http://schemas.microsoft.com/office/drawing/2010/main" xmlns="">
+              <a14:hiddenEffects xmlns="" xmlns:a14="http://schemas.microsoft.com/office/drawing/2010/main">
                 <a:effectLst>
                   <a:outerShdw blurRad="63500" dist="38099" dir="2700000" algn="ctr" rotWithShape="0">
                     <a:schemeClr val="bg2">
@@ -17821,14 +17821,14 @@
           <a:effectLst/>
           <a:extLst>
             <a:ext uri="{909E8E84-426E-40dd-AFC4-6F175D3DCCD1}">
-              <a14:hiddenFill xmlns:a14="http://schemas.microsoft.com/office/drawing/2010/main" xmlns="">
+              <a14:hiddenFill xmlns="" xmlns:a14="http://schemas.microsoft.com/office/drawing/2010/main">
                 <a:solidFill>
                   <a:schemeClr val="accent1"/>
                 </a:solidFill>
               </a14:hiddenFill>
             </a:ext>
             <a:ext uri="{91240B29-F687-4f45-9708-019B960494DF}">
-              <a14:hiddenLine xmlns:a14="http://schemas.microsoft.com/office/drawing/2010/main" xmlns="" w="9525">
+              <a14:hiddenLine xmlns="" xmlns:a14="http://schemas.microsoft.com/office/drawing/2010/main" w="9525">
                 <a:solidFill>
                   <a:schemeClr val="tx1"/>
                 </a:solidFill>
@@ -17838,7 +17838,7 @@
               </a14:hiddenLine>
             </a:ext>
             <a:ext uri="{AF507438-7753-43e0-B8FC-AC1667EBCBE1}">
-              <a14:hiddenEffects xmlns:a14="http://schemas.microsoft.com/office/drawing/2010/main" xmlns="">
+              <a14:hiddenEffects xmlns="" xmlns:a14="http://schemas.microsoft.com/office/drawing/2010/main">
                 <a:effectLst>
                   <a:outerShdw blurRad="63500" dist="38099" dir="2700000" algn="ctr" rotWithShape="0">
                     <a:schemeClr val="bg2">
@@ -17893,12 +17893,12 @@
           <a:effectLst/>
           <a:extLst>
             <a:ext uri="{909E8E84-426E-40dd-AFC4-6F175D3DCCD1}">
-              <a14:hiddenFill xmlns:a14="http://schemas.microsoft.com/office/drawing/2010/main" xmlns="">
+              <a14:hiddenFill xmlns="" xmlns:a14="http://schemas.microsoft.com/office/drawing/2010/main">
                 <a:noFill/>
               </a14:hiddenFill>
             </a:ext>
             <a:ext uri="{AF507438-7753-43e0-B8FC-AC1667EBCBE1}">
-              <a14:hiddenEffects xmlns:a14="http://schemas.microsoft.com/office/drawing/2010/main" xmlns="">
+              <a14:hiddenEffects xmlns="" xmlns:a14="http://schemas.microsoft.com/office/drawing/2010/main">
                 <a:effectLst>
                   <a:outerShdw blurRad="63500" dist="38099" dir="2700000" algn="ctr" rotWithShape="0">
                     <a:schemeClr val="bg2">
@@ -17941,14 +17941,14 @@
           <a:effectLst/>
           <a:extLst>
             <a:ext uri="{909E8E84-426E-40dd-AFC4-6F175D3DCCD1}">
-              <a14:hiddenFill xmlns:a14="http://schemas.microsoft.com/office/drawing/2010/main" xmlns="">
+              <a14:hiddenFill xmlns="" xmlns:a14="http://schemas.microsoft.com/office/drawing/2010/main">
                 <a:solidFill>
                   <a:schemeClr val="accent1"/>
                 </a:solidFill>
               </a14:hiddenFill>
             </a:ext>
             <a:ext uri="{91240B29-F687-4f45-9708-019B960494DF}">
-              <a14:hiddenLine xmlns:a14="http://schemas.microsoft.com/office/drawing/2010/main" xmlns="" w="9525">
+              <a14:hiddenLine xmlns="" xmlns:a14="http://schemas.microsoft.com/office/drawing/2010/main" w="9525">
                 <a:solidFill>
                   <a:schemeClr val="tx1"/>
                 </a:solidFill>
@@ -17958,7 +17958,7 @@
               </a14:hiddenLine>
             </a:ext>
             <a:ext uri="{AF507438-7753-43e0-B8FC-AC1667EBCBE1}">
-              <a14:hiddenEffects xmlns:a14="http://schemas.microsoft.com/office/drawing/2010/main" xmlns="">
+              <a14:hiddenEffects xmlns="" xmlns:a14="http://schemas.microsoft.com/office/drawing/2010/main">
                 <a:effectLst>
                   <a:outerShdw blurRad="63500" dist="38099" dir="2700000" algn="ctr" rotWithShape="0">
                     <a:schemeClr val="bg2">
@@ -18013,12 +18013,12 @@
           <a:effectLst/>
           <a:extLst>
             <a:ext uri="{909E8E84-426E-40dd-AFC4-6F175D3DCCD1}">
-              <a14:hiddenFill xmlns:a14="http://schemas.microsoft.com/office/drawing/2010/main" xmlns="">
+              <a14:hiddenFill xmlns="" xmlns:a14="http://schemas.microsoft.com/office/drawing/2010/main">
                 <a:noFill/>
               </a14:hiddenFill>
             </a:ext>
             <a:ext uri="{AF507438-7753-43e0-B8FC-AC1667EBCBE1}">
-              <a14:hiddenEffects xmlns:a14="http://schemas.microsoft.com/office/drawing/2010/main" xmlns="">
+              <a14:hiddenEffects xmlns="" xmlns:a14="http://schemas.microsoft.com/office/drawing/2010/main">
                 <a:effectLst>
                   <a:outerShdw blurRad="63500" dist="38099" dir="2700000" algn="ctr" rotWithShape="0">
                     <a:schemeClr val="bg2">
@@ -18061,14 +18061,14 @@
           <a:effectLst/>
           <a:extLst>
             <a:ext uri="{909E8E84-426E-40dd-AFC4-6F175D3DCCD1}">
-              <a14:hiddenFill xmlns:a14="http://schemas.microsoft.com/office/drawing/2010/main" xmlns="">
+              <a14:hiddenFill xmlns="" xmlns:a14="http://schemas.microsoft.com/office/drawing/2010/main">
                 <a:solidFill>
                   <a:schemeClr val="accent1"/>
                 </a:solidFill>
               </a14:hiddenFill>
             </a:ext>
             <a:ext uri="{91240B29-F687-4f45-9708-019B960494DF}">
-              <a14:hiddenLine xmlns:a14="http://schemas.microsoft.com/office/drawing/2010/main" xmlns="" w="9525">
+              <a14:hiddenLine xmlns="" xmlns:a14="http://schemas.microsoft.com/office/drawing/2010/main" w="9525">
                 <a:solidFill>
                   <a:schemeClr val="tx1"/>
                 </a:solidFill>
@@ -18078,7 +18078,7 @@
               </a14:hiddenLine>
             </a:ext>
             <a:ext uri="{AF507438-7753-43e0-B8FC-AC1667EBCBE1}">
-              <a14:hiddenEffects xmlns:a14="http://schemas.microsoft.com/office/drawing/2010/main" xmlns="">
+              <a14:hiddenEffects xmlns="" xmlns:a14="http://schemas.microsoft.com/office/drawing/2010/main">
                 <a:effectLst>
                   <a:outerShdw blurRad="63500" dist="38099" dir="2700000" algn="ctr" rotWithShape="0">
                     <a:schemeClr val="bg2">
@@ -18133,12 +18133,12 @@
           <a:effectLst/>
           <a:extLst>
             <a:ext uri="{909E8E84-426E-40dd-AFC4-6F175D3DCCD1}">
-              <a14:hiddenFill xmlns:a14="http://schemas.microsoft.com/office/drawing/2010/main" xmlns="">
+              <a14:hiddenFill xmlns="" xmlns:a14="http://schemas.microsoft.com/office/drawing/2010/main">
                 <a:noFill/>
               </a14:hiddenFill>
             </a:ext>
             <a:ext uri="{AF507438-7753-43e0-B8FC-AC1667EBCBE1}">
-              <a14:hiddenEffects xmlns:a14="http://schemas.microsoft.com/office/drawing/2010/main" xmlns="">
+              <a14:hiddenEffects xmlns="" xmlns:a14="http://schemas.microsoft.com/office/drawing/2010/main">
                 <a:effectLst>
                   <a:outerShdw blurRad="63500" dist="38099" dir="2700000" algn="ctr" rotWithShape="0">
                     <a:schemeClr val="bg2">
@@ -18181,14 +18181,14 @@
           <a:effectLst/>
           <a:extLst>
             <a:ext uri="{909E8E84-426E-40dd-AFC4-6F175D3DCCD1}">
-              <a14:hiddenFill xmlns:a14="http://schemas.microsoft.com/office/drawing/2010/main" xmlns="">
+              <a14:hiddenFill xmlns="" xmlns:a14="http://schemas.microsoft.com/office/drawing/2010/main">
                 <a:solidFill>
                   <a:schemeClr val="accent1"/>
                 </a:solidFill>
               </a14:hiddenFill>
             </a:ext>
             <a:ext uri="{91240B29-F687-4f45-9708-019B960494DF}">
-              <a14:hiddenLine xmlns:a14="http://schemas.microsoft.com/office/drawing/2010/main" xmlns="" w="9525">
+              <a14:hiddenLine xmlns="" xmlns:a14="http://schemas.microsoft.com/office/drawing/2010/main" w="9525">
                 <a:solidFill>
                   <a:schemeClr val="tx1"/>
                 </a:solidFill>
@@ -18198,7 +18198,7 @@
               </a14:hiddenLine>
             </a:ext>
             <a:ext uri="{AF507438-7753-43e0-B8FC-AC1667EBCBE1}">
-              <a14:hiddenEffects xmlns:a14="http://schemas.microsoft.com/office/drawing/2010/main" xmlns="">
+              <a14:hiddenEffects xmlns="" xmlns:a14="http://schemas.microsoft.com/office/drawing/2010/main">
                 <a:effectLst>
                   <a:outerShdw blurRad="63500" dist="38099" dir="2700000" algn="ctr" rotWithShape="0">
                     <a:schemeClr val="bg2">
@@ -18253,12 +18253,12 @@
           <a:effectLst/>
           <a:extLst>
             <a:ext uri="{909E8E84-426E-40dd-AFC4-6F175D3DCCD1}">
-              <a14:hiddenFill xmlns:a14="http://schemas.microsoft.com/office/drawing/2010/main" xmlns="">
+              <a14:hiddenFill xmlns="" xmlns:a14="http://schemas.microsoft.com/office/drawing/2010/main">
                 <a:noFill/>
               </a14:hiddenFill>
             </a:ext>
             <a:ext uri="{AF507438-7753-43e0-B8FC-AC1667EBCBE1}">
-              <a14:hiddenEffects xmlns:a14="http://schemas.microsoft.com/office/drawing/2010/main" xmlns="">
+              <a14:hiddenEffects xmlns="" xmlns:a14="http://schemas.microsoft.com/office/drawing/2010/main">
                 <a:effectLst>
                   <a:outerShdw blurRad="63500" dist="38099" dir="2700000" algn="ctr" rotWithShape="0">
                     <a:schemeClr val="bg2">
@@ -18301,14 +18301,14 @@
           <a:effectLst/>
           <a:extLst>
             <a:ext uri="{909E8E84-426E-40dd-AFC4-6F175D3DCCD1}">
-              <a14:hiddenFill xmlns:a14="http://schemas.microsoft.com/office/drawing/2010/main" xmlns="">
+              <a14:hiddenFill xmlns="" xmlns:a14="http://schemas.microsoft.com/office/drawing/2010/main">
                 <a:solidFill>
                   <a:schemeClr val="accent1"/>
                 </a:solidFill>
               </a14:hiddenFill>
             </a:ext>
             <a:ext uri="{91240B29-F687-4f45-9708-019B960494DF}">
-              <a14:hiddenLine xmlns:a14="http://schemas.microsoft.com/office/drawing/2010/main" xmlns="" w="9525">
+              <a14:hiddenLine xmlns="" xmlns:a14="http://schemas.microsoft.com/office/drawing/2010/main" w="9525">
                 <a:solidFill>
                   <a:schemeClr val="tx1"/>
                 </a:solidFill>
@@ -18318,7 +18318,7 @@
               </a14:hiddenLine>
             </a:ext>
             <a:ext uri="{AF507438-7753-43e0-B8FC-AC1667EBCBE1}">
-              <a14:hiddenEffects xmlns:a14="http://schemas.microsoft.com/office/drawing/2010/main" xmlns="">
+              <a14:hiddenEffects xmlns="" xmlns:a14="http://schemas.microsoft.com/office/drawing/2010/main">
                 <a:effectLst>
                   <a:outerShdw blurRad="63500" dist="38099" dir="2700000" algn="ctr" rotWithShape="0">
                     <a:schemeClr val="bg2">
@@ -18373,12 +18373,12 @@
           <a:effectLst/>
           <a:extLst>
             <a:ext uri="{909E8E84-426E-40dd-AFC4-6F175D3DCCD1}">
-              <a14:hiddenFill xmlns:a14="http://schemas.microsoft.com/office/drawing/2010/main" xmlns="">
+              <a14:hiddenFill xmlns="" xmlns:a14="http://schemas.microsoft.com/office/drawing/2010/main">
                 <a:noFill/>
               </a14:hiddenFill>
             </a:ext>
             <a:ext uri="{AF507438-7753-43e0-B8FC-AC1667EBCBE1}">
-              <a14:hiddenEffects xmlns:a14="http://schemas.microsoft.com/office/drawing/2010/main" xmlns="">
+              <a14:hiddenEffects xmlns="" xmlns:a14="http://schemas.microsoft.com/office/drawing/2010/main">
                 <a:effectLst>
                   <a:outerShdw blurRad="63500" dist="38099" dir="2700000" algn="ctr" rotWithShape="0">
                     <a:schemeClr val="bg2">
@@ -18421,14 +18421,14 @@
           <a:effectLst/>
           <a:extLst>
             <a:ext uri="{909E8E84-426E-40dd-AFC4-6F175D3DCCD1}">
-              <a14:hiddenFill xmlns:a14="http://schemas.microsoft.com/office/drawing/2010/main" xmlns="">
+              <a14:hiddenFill xmlns="" xmlns:a14="http://schemas.microsoft.com/office/drawing/2010/main">
                 <a:solidFill>
                   <a:schemeClr val="accent1"/>
                 </a:solidFill>
               </a14:hiddenFill>
             </a:ext>
             <a:ext uri="{91240B29-F687-4f45-9708-019B960494DF}">
-              <a14:hiddenLine xmlns:a14="http://schemas.microsoft.com/office/drawing/2010/main" xmlns="" w="9525">
+              <a14:hiddenLine xmlns="" xmlns:a14="http://schemas.microsoft.com/office/drawing/2010/main" w="9525">
                 <a:solidFill>
                   <a:schemeClr val="tx1"/>
                 </a:solidFill>
@@ -18438,7 +18438,7 @@
               </a14:hiddenLine>
             </a:ext>
             <a:ext uri="{AF507438-7753-43e0-B8FC-AC1667EBCBE1}">
-              <a14:hiddenEffects xmlns:a14="http://schemas.microsoft.com/office/drawing/2010/main" xmlns="">
+              <a14:hiddenEffects xmlns="" xmlns:a14="http://schemas.microsoft.com/office/drawing/2010/main">
                 <a:effectLst>
                   <a:outerShdw blurRad="63500" dist="38099" dir="2700000" algn="ctr" rotWithShape="0">
                     <a:schemeClr val="bg2">
@@ -18601,14 +18601,14 @@
           <a:effectLst/>
           <a:extLst>
             <a:ext uri="{909E8E84-426E-40dd-AFC4-6F175D3DCCD1}">
-              <a14:hiddenFill xmlns:a14="http://schemas.microsoft.com/office/drawing/2010/main" xmlns="">
+              <a14:hiddenFill xmlns="" xmlns:a14="http://schemas.microsoft.com/office/drawing/2010/main">
                 <a:solidFill>
                   <a:schemeClr val="accent1"/>
                 </a:solidFill>
               </a14:hiddenFill>
             </a:ext>
             <a:ext uri="{AF507438-7753-43e0-B8FC-AC1667EBCBE1}">
-              <a14:hiddenEffects xmlns:a14="http://schemas.microsoft.com/office/drawing/2010/main" xmlns="">
+              <a14:hiddenEffects xmlns="" xmlns:a14="http://schemas.microsoft.com/office/drawing/2010/main">
                 <a:effectLst>
                   <a:outerShdw blurRad="63500" dist="38099" dir="2700000" algn="ctr" rotWithShape="0">
                     <a:schemeClr val="bg2">
@@ -18651,14 +18651,14 @@
           <a:effectLst/>
           <a:extLst>
             <a:ext uri="{909E8E84-426E-40dd-AFC4-6F175D3DCCD1}">
-              <a14:hiddenFill xmlns:a14="http://schemas.microsoft.com/office/drawing/2010/main" xmlns="">
+              <a14:hiddenFill xmlns="" xmlns:a14="http://schemas.microsoft.com/office/drawing/2010/main">
                 <a:solidFill>
                   <a:schemeClr val="accent1"/>
                 </a:solidFill>
               </a14:hiddenFill>
             </a:ext>
             <a:ext uri="{91240B29-F687-4f45-9708-019B960494DF}">
-              <a14:hiddenLine xmlns:a14="http://schemas.microsoft.com/office/drawing/2010/main" xmlns="" w="9525">
+              <a14:hiddenLine xmlns="" xmlns:a14="http://schemas.microsoft.com/office/drawing/2010/main" w="9525">
                 <a:solidFill>
                   <a:schemeClr val="tx1"/>
                 </a:solidFill>
@@ -18668,7 +18668,7 @@
               </a14:hiddenLine>
             </a:ext>
             <a:ext uri="{AF507438-7753-43e0-B8FC-AC1667EBCBE1}">
-              <a14:hiddenEffects xmlns:a14="http://schemas.microsoft.com/office/drawing/2010/main" xmlns="">
+              <a14:hiddenEffects xmlns="" xmlns:a14="http://schemas.microsoft.com/office/drawing/2010/main">
                 <a:effectLst>
                   <a:outerShdw blurRad="63500" dist="38099" dir="2700000" algn="ctr" rotWithShape="0">
                     <a:schemeClr val="bg2">
@@ -18723,14 +18723,14 @@
           <a:effectLst/>
           <a:extLst>
             <a:ext uri="{909E8E84-426E-40dd-AFC4-6F175D3DCCD1}">
-              <a14:hiddenFill xmlns:a14="http://schemas.microsoft.com/office/drawing/2010/main" xmlns="">
+              <a14:hiddenFill xmlns="" xmlns:a14="http://schemas.microsoft.com/office/drawing/2010/main">
                 <a:solidFill>
                   <a:schemeClr val="accent1"/>
                 </a:solidFill>
               </a14:hiddenFill>
             </a:ext>
             <a:ext uri="{AF507438-7753-43e0-B8FC-AC1667EBCBE1}">
-              <a14:hiddenEffects xmlns:a14="http://schemas.microsoft.com/office/drawing/2010/main" xmlns="">
+              <a14:hiddenEffects xmlns="" xmlns:a14="http://schemas.microsoft.com/office/drawing/2010/main">
                 <a:effectLst>
                   <a:outerShdw blurRad="63500" dist="38099" dir="2700000" algn="ctr" rotWithShape="0">
                     <a:schemeClr val="bg2">
@@ -18835,14 +18835,14 @@
           <a:effectLst/>
           <a:extLst>
             <a:ext uri="{909E8E84-426E-40dd-AFC4-6F175D3DCCD1}">
-              <a14:hiddenFill xmlns:a14="http://schemas.microsoft.com/office/drawing/2010/main" xmlns="">
+              <a14:hiddenFill xmlns="" xmlns:a14="http://schemas.microsoft.com/office/drawing/2010/main">
                 <a:solidFill>
                   <a:schemeClr val="accent1"/>
                 </a:solidFill>
               </a14:hiddenFill>
             </a:ext>
             <a:ext uri="{91240B29-F687-4f45-9708-019B960494DF}">
-              <a14:hiddenLine xmlns:a14="http://schemas.microsoft.com/office/drawing/2010/main" xmlns="" w="9525">
+              <a14:hiddenLine xmlns="" xmlns:a14="http://schemas.microsoft.com/office/drawing/2010/main" w="9525">
                 <a:solidFill>
                   <a:schemeClr val="tx1"/>
                 </a:solidFill>
@@ -18852,7 +18852,7 @@
               </a14:hiddenLine>
             </a:ext>
             <a:ext uri="{AF507438-7753-43e0-B8FC-AC1667EBCBE1}">
-              <a14:hiddenEffects xmlns:a14="http://schemas.microsoft.com/office/drawing/2010/main" xmlns="">
+              <a14:hiddenEffects xmlns="" xmlns:a14="http://schemas.microsoft.com/office/drawing/2010/main">
                 <a:effectLst>
                   <a:outerShdw blurRad="63500" dist="38099" dir="2700000" algn="ctr" rotWithShape="0">
                     <a:schemeClr val="bg2">
@@ -19029,14 +19029,14 @@
           <a:effectLst/>
           <a:extLst>
             <a:ext uri="{909E8E84-426E-40dd-AFC4-6F175D3DCCD1}">
-              <a14:hiddenFill xmlns:a14="http://schemas.microsoft.com/office/drawing/2010/main" xmlns="">
+              <a14:hiddenFill xmlns="" xmlns:a14="http://schemas.microsoft.com/office/drawing/2010/main">
                 <a:solidFill>
                   <a:schemeClr val="accent1"/>
                 </a:solidFill>
               </a14:hiddenFill>
             </a:ext>
             <a:ext uri="{AF507438-7753-43e0-B8FC-AC1667EBCBE1}">
-              <a14:hiddenEffects xmlns:a14="http://schemas.microsoft.com/office/drawing/2010/main" xmlns="">
+              <a14:hiddenEffects xmlns="" xmlns:a14="http://schemas.microsoft.com/office/drawing/2010/main">
                 <a:effectLst>
                   <a:outerShdw blurRad="63500" dist="38099" dir="2700000" algn="ctr" rotWithShape="0">
                     <a:schemeClr val="bg2">
@@ -19121,14 +19121,14 @@
           <a:effectLst/>
           <a:extLst>
             <a:ext uri="{909E8E84-426E-40dd-AFC4-6F175D3DCCD1}">
-              <a14:hiddenFill xmlns:a14="http://schemas.microsoft.com/office/drawing/2010/main" xmlns="">
+              <a14:hiddenFill xmlns="" xmlns:a14="http://schemas.microsoft.com/office/drawing/2010/main">
                 <a:solidFill>
                   <a:schemeClr val="accent1"/>
                 </a:solidFill>
               </a14:hiddenFill>
             </a:ext>
             <a:ext uri="{AF507438-7753-43e0-B8FC-AC1667EBCBE1}">
-              <a14:hiddenEffects xmlns:a14="http://schemas.microsoft.com/office/drawing/2010/main" xmlns="">
+              <a14:hiddenEffects xmlns="" xmlns:a14="http://schemas.microsoft.com/office/drawing/2010/main">
                 <a:effectLst>
                   <a:outerShdw blurRad="63500" dist="38099" dir="2700000" algn="ctr" rotWithShape="0">
                     <a:schemeClr val="bg2">
@@ -19213,14 +19213,14 @@
           <a:effectLst/>
           <a:extLst>
             <a:ext uri="{909E8E84-426E-40dd-AFC4-6F175D3DCCD1}">
-              <a14:hiddenFill xmlns:a14="http://schemas.microsoft.com/office/drawing/2010/main" xmlns="">
+              <a14:hiddenFill xmlns="" xmlns:a14="http://schemas.microsoft.com/office/drawing/2010/main">
                 <a:solidFill>
                   <a:schemeClr val="accent1"/>
                 </a:solidFill>
               </a14:hiddenFill>
             </a:ext>
             <a:ext uri="{AF507438-7753-43e0-B8FC-AC1667EBCBE1}">
-              <a14:hiddenEffects xmlns:a14="http://schemas.microsoft.com/office/drawing/2010/main" xmlns="">
+              <a14:hiddenEffects xmlns="" xmlns:a14="http://schemas.microsoft.com/office/drawing/2010/main">
                 <a:effectLst>
                   <a:outerShdw blurRad="63500" dist="38099" dir="2700000" algn="ctr" rotWithShape="0">
                     <a:schemeClr val="bg2">
@@ -19299,14 +19299,14 @@
           <a:effectLst/>
           <a:extLst>
             <a:ext uri="{909E8E84-426E-40dd-AFC4-6F175D3DCCD1}">
-              <a14:hiddenFill xmlns:a14="http://schemas.microsoft.com/office/drawing/2010/main" xmlns="">
+              <a14:hiddenFill xmlns="" xmlns:a14="http://schemas.microsoft.com/office/drawing/2010/main">
                 <a:solidFill>
                   <a:schemeClr val="accent1"/>
                 </a:solidFill>
               </a14:hiddenFill>
             </a:ext>
             <a:ext uri="{AF507438-7753-43e0-B8FC-AC1667EBCBE1}">
-              <a14:hiddenEffects xmlns:a14="http://schemas.microsoft.com/office/drawing/2010/main" xmlns="">
+              <a14:hiddenEffects xmlns="" xmlns:a14="http://schemas.microsoft.com/office/drawing/2010/main">
                 <a:effectLst>
                   <a:outerShdw blurRad="63500" dist="38099" dir="2700000" algn="ctr" rotWithShape="0">
                     <a:schemeClr val="bg2">
@@ -19385,14 +19385,14 @@
           <a:effectLst/>
           <a:extLst>
             <a:ext uri="{909E8E84-426E-40dd-AFC4-6F175D3DCCD1}">
-              <a14:hiddenFill xmlns:a14="http://schemas.microsoft.com/office/drawing/2010/main" xmlns="">
+              <a14:hiddenFill xmlns="" xmlns:a14="http://schemas.microsoft.com/office/drawing/2010/main">
                 <a:solidFill>
                   <a:schemeClr val="accent1"/>
                 </a:solidFill>
               </a14:hiddenFill>
             </a:ext>
             <a:ext uri="{AF507438-7753-43e0-B8FC-AC1667EBCBE1}">
-              <a14:hiddenEffects xmlns:a14="http://schemas.microsoft.com/office/drawing/2010/main" xmlns="">
+              <a14:hiddenEffects xmlns="" xmlns:a14="http://schemas.microsoft.com/office/drawing/2010/main">
                 <a:effectLst>
                   <a:outerShdw blurRad="63500" dist="38099" dir="2700000" algn="ctr" rotWithShape="0">
                     <a:schemeClr val="bg2">
@@ -19471,14 +19471,14 @@
           <a:effectLst/>
           <a:extLst>
             <a:ext uri="{909E8E84-426E-40dd-AFC4-6F175D3DCCD1}">
-              <a14:hiddenFill xmlns:a14="http://schemas.microsoft.com/office/drawing/2010/main" xmlns="">
+              <a14:hiddenFill xmlns="" xmlns:a14="http://schemas.microsoft.com/office/drawing/2010/main">
                 <a:solidFill>
                   <a:schemeClr val="accent1"/>
                 </a:solidFill>
               </a14:hiddenFill>
             </a:ext>
             <a:ext uri="{AF507438-7753-43e0-B8FC-AC1667EBCBE1}">
-              <a14:hiddenEffects xmlns:a14="http://schemas.microsoft.com/office/drawing/2010/main" xmlns="">
+              <a14:hiddenEffects xmlns="" xmlns:a14="http://schemas.microsoft.com/office/drawing/2010/main">
                 <a:effectLst>
                   <a:outerShdw blurRad="63500" dist="38099" dir="2700000" algn="ctr" rotWithShape="0">
                     <a:schemeClr val="bg2">
@@ -19557,12 +19557,12 @@
           <a:effectLst/>
           <a:extLst>
             <a:ext uri="{909E8E84-426E-40dd-AFC4-6F175D3DCCD1}">
-              <a14:hiddenFill xmlns:a14="http://schemas.microsoft.com/office/drawing/2010/main" xmlns="">
+              <a14:hiddenFill xmlns="" xmlns:a14="http://schemas.microsoft.com/office/drawing/2010/main">
                 <a:noFill/>
               </a14:hiddenFill>
             </a:ext>
             <a:ext uri="{AF507438-7753-43e0-B8FC-AC1667EBCBE1}">
-              <a14:hiddenEffects xmlns:a14="http://schemas.microsoft.com/office/drawing/2010/main" xmlns="">
+              <a14:hiddenEffects xmlns="" xmlns:a14="http://schemas.microsoft.com/office/drawing/2010/main">
                 <a:effectLst>
                   <a:outerShdw blurRad="63500" dist="38099" dir="2700000" algn="ctr" rotWithShape="0">
                     <a:schemeClr val="bg2">
@@ -19605,14 +19605,14 @@
           <a:effectLst/>
           <a:extLst>
             <a:ext uri="{909E8E84-426E-40dd-AFC4-6F175D3DCCD1}">
-              <a14:hiddenFill xmlns:a14="http://schemas.microsoft.com/office/drawing/2010/main" xmlns="">
+              <a14:hiddenFill xmlns="" xmlns:a14="http://schemas.microsoft.com/office/drawing/2010/main">
                 <a:solidFill>
                   <a:schemeClr val="accent1"/>
                 </a:solidFill>
               </a14:hiddenFill>
             </a:ext>
             <a:ext uri="{91240B29-F687-4f45-9708-019B960494DF}">
-              <a14:hiddenLine xmlns:a14="http://schemas.microsoft.com/office/drawing/2010/main" xmlns="" w="9525">
+              <a14:hiddenLine xmlns="" xmlns:a14="http://schemas.microsoft.com/office/drawing/2010/main" w="9525">
                 <a:solidFill>
                   <a:schemeClr val="tx1"/>
                 </a:solidFill>
@@ -19622,7 +19622,7 @@
               </a14:hiddenLine>
             </a:ext>
             <a:ext uri="{AF507438-7753-43e0-B8FC-AC1667EBCBE1}">
-              <a14:hiddenEffects xmlns:a14="http://schemas.microsoft.com/office/drawing/2010/main" xmlns="">
+              <a14:hiddenEffects xmlns="" xmlns:a14="http://schemas.microsoft.com/office/drawing/2010/main">
                 <a:effectLst>
                   <a:outerShdw blurRad="63500" dist="38099" dir="2700000" algn="ctr" rotWithShape="0">
                     <a:schemeClr val="bg2">
@@ -19683,12 +19683,12 @@
           <a:effectLst/>
           <a:extLst>
             <a:ext uri="{909E8E84-426E-40dd-AFC4-6F175D3DCCD1}">
-              <a14:hiddenFill xmlns:a14="http://schemas.microsoft.com/office/drawing/2010/main" xmlns="">
+              <a14:hiddenFill xmlns="" xmlns:a14="http://schemas.microsoft.com/office/drawing/2010/main">
                 <a:noFill/>
               </a14:hiddenFill>
             </a:ext>
             <a:ext uri="{AF507438-7753-43e0-B8FC-AC1667EBCBE1}">
-              <a14:hiddenEffects xmlns:a14="http://schemas.microsoft.com/office/drawing/2010/main" xmlns="">
+              <a14:hiddenEffects xmlns="" xmlns:a14="http://schemas.microsoft.com/office/drawing/2010/main">
                 <a:effectLst>
                   <a:outerShdw blurRad="63500" dist="38099" dir="2700000" algn="ctr" rotWithShape="0">
                     <a:schemeClr val="bg2">
@@ -19731,14 +19731,14 @@
           <a:effectLst/>
           <a:extLst>
             <a:ext uri="{909E8E84-426E-40dd-AFC4-6F175D3DCCD1}">
-              <a14:hiddenFill xmlns:a14="http://schemas.microsoft.com/office/drawing/2010/main" xmlns="">
+              <a14:hiddenFill xmlns="" xmlns:a14="http://schemas.microsoft.com/office/drawing/2010/main">
                 <a:solidFill>
                   <a:schemeClr val="accent1"/>
                 </a:solidFill>
               </a14:hiddenFill>
             </a:ext>
             <a:ext uri="{91240B29-F687-4f45-9708-019B960494DF}">
-              <a14:hiddenLine xmlns:a14="http://schemas.microsoft.com/office/drawing/2010/main" xmlns="" w="9525">
+              <a14:hiddenLine xmlns="" xmlns:a14="http://schemas.microsoft.com/office/drawing/2010/main" w="9525">
                 <a:solidFill>
                   <a:schemeClr val="tx1"/>
                 </a:solidFill>
@@ -19748,7 +19748,7 @@
               </a14:hiddenLine>
             </a:ext>
             <a:ext uri="{AF507438-7753-43e0-B8FC-AC1667EBCBE1}">
-              <a14:hiddenEffects xmlns:a14="http://schemas.microsoft.com/office/drawing/2010/main" xmlns="">
+              <a14:hiddenEffects xmlns="" xmlns:a14="http://schemas.microsoft.com/office/drawing/2010/main">
                 <a:effectLst>
                   <a:outerShdw blurRad="63500" dist="38099" dir="2700000" algn="ctr" rotWithShape="0">
                     <a:schemeClr val="bg2">
@@ -19803,12 +19803,12 @@
           <a:effectLst/>
           <a:extLst>
             <a:ext uri="{909E8E84-426E-40dd-AFC4-6F175D3DCCD1}">
-              <a14:hiddenFill xmlns:a14="http://schemas.microsoft.com/office/drawing/2010/main" xmlns="">
+              <a14:hiddenFill xmlns="" xmlns:a14="http://schemas.microsoft.com/office/drawing/2010/main">
                 <a:noFill/>
               </a14:hiddenFill>
             </a:ext>
             <a:ext uri="{AF507438-7753-43e0-B8FC-AC1667EBCBE1}">
-              <a14:hiddenEffects xmlns:a14="http://schemas.microsoft.com/office/drawing/2010/main" xmlns="">
+              <a14:hiddenEffects xmlns="" xmlns:a14="http://schemas.microsoft.com/office/drawing/2010/main">
                 <a:effectLst>
                   <a:outerShdw blurRad="63500" dist="38099" dir="2700000" algn="ctr" rotWithShape="0">
                     <a:schemeClr val="bg2">
@@ -19851,14 +19851,14 @@
           <a:effectLst/>
           <a:extLst>
             <a:ext uri="{909E8E84-426E-40dd-AFC4-6F175D3DCCD1}">
-              <a14:hiddenFill xmlns:a14="http://schemas.microsoft.com/office/drawing/2010/main" xmlns="">
+              <a14:hiddenFill xmlns="" xmlns:a14="http://schemas.microsoft.com/office/drawing/2010/main">
                 <a:solidFill>
                   <a:schemeClr val="accent1"/>
                 </a:solidFill>
               </a14:hiddenFill>
             </a:ext>
             <a:ext uri="{91240B29-F687-4f45-9708-019B960494DF}">
-              <a14:hiddenLine xmlns:a14="http://schemas.microsoft.com/office/drawing/2010/main" xmlns="" w="9525">
+              <a14:hiddenLine xmlns="" xmlns:a14="http://schemas.microsoft.com/office/drawing/2010/main" w="9525">
                 <a:solidFill>
                   <a:schemeClr val="tx1"/>
                 </a:solidFill>
@@ -19868,7 +19868,7 @@
               </a14:hiddenLine>
             </a:ext>
             <a:ext uri="{AF507438-7753-43e0-B8FC-AC1667EBCBE1}">
-              <a14:hiddenEffects xmlns:a14="http://schemas.microsoft.com/office/drawing/2010/main" xmlns="">
+              <a14:hiddenEffects xmlns="" xmlns:a14="http://schemas.microsoft.com/office/drawing/2010/main">
                 <a:effectLst>
                   <a:outerShdw blurRad="63500" dist="38099" dir="2700000" algn="ctr" rotWithShape="0">
                     <a:schemeClr val="bg2">
@@ -19923,12 +19923,12 @@
           <a:effectLst/>
           <a:extLst>
             <a:ext uri="{909E8E84-426E-40dd-AFC4-6F175D3DCCD1}">
-              <a14:hiddenFill xmlns:a14="http://schemas.microsoft.com/office/drawing/2010/main" xmlns="">
+              <a14:hiddenFill xmlns="" xmlns:a14="http://schemas.microsoft.com/office/drawing/2010/main">
                 <a:noFill/>
               </a14:hiddenFill>
             </a:ext>
             <a:ext uri="{AF507438-7753-43e0-B8FC-AC1667EBCBE1}">
-              <a14:hiddenEffects xmlns:a14="http://schemas.microsoft.com/office/drawing/2010/main" xmlns="">
+              <a14:hiddenEffects xmlns="" xmlns:a14="http://schemas.microsoft.com/office/drawing/2010/main">
                 <a:effectLst>
                   <a:outerShdw blurRad="63500" dist="38099" dir="2700000" algn="ctr" rotWithShape="0">
                     <a:schemeClr val="bg2">
@@ -19971,14 +19971,14 @@
           <a:effectLst/>
           <a:extLst>
             <a:ext uri="{909E8E84-426E-40dd-AFC4-6F175D3DCCD1}">
-              <a14:hiddenFill xmlns:a14="http://schemas.microsoft.com/office/drawing/2010/main" xmlns="">
+              <a14:hiddenFill xmlns="" xmlns:a14="http://schemas.microsoft.com/office/drawing/2010/main">
                 <a:solidFill>
                   <a:schemeClr val="accent1"/>
                 </a:solidFill>
               </a14:hiddenFill>
             </a:ext>
             <a:ext uri="{91240B29-F687-4f45-9708-019B960494DF}">
-              <a14:hiddenLine xmlns:a14="http://schemas.microsoft.com/office/drawing/2010/main" xmlns="" w="9525">
+              <a14:hiddenLine xmlns="" xmlns:a14="http://schemas.microsoft.com/office/drawing/2010/main" w="9525">
                 <a:solidFill>
                   <a:schemeClr val="tx1"/>
                 </a:solidFill>
@@ -19988,7 +19988,7 @@
               </a14:hiddenLine>
             </a:ext>
             <a:ext uri="{AF507438-7753-43e0-B8FC-AC1667EBCBE1}">
-              <a14:hiddenEffects xmlns:a14="http://schemas.microsoft.com/office/drawing/2010/main" xmlns="">
+              <a14:hiddenEffects xmlns="" xmlns:a14="http://schemas.microsoft.com/office/drawing/2010/main">
                 <a:effectLst>
                   <a:outerShdw blurRad="63500" dist="38099" dir="2700000" algn="ctr" rotWithShape="0">
                     <a:schemeClr val="bg2">
@@ -20043,12 +20043,12 @@
           <a:effectLst/>
           <a:extLst>
             <a:ext uri="{909E8E84-426E-40dd-AFC4-6F175D3DCCD1}">
-              <a14:hiddenFill xmlns:a14="http://schemas.microsoft.com/office/drawing/2010/main" xmlns="">
+              <a14:hiddenFill xmlns="" xmlns:a14="http://schemas.microsoft.com/office/drawing/2010/main">
                 <a:noFill/>
               </a14:hiddenFill>
             </a:ext>
             <a:ext uri="{AF507438-7753-43e0-B8FC-AC1667EBCBE1}">
-              <a14:hiddenEffects xmlns:a14="http://schemas.microsoft.com/office/drawing/2010/main" xmlns="">
+              <a14:hiddenEffects xmlns="" xmlns:a14="http://schemas.microsoft.com/office/drawing/2010/main">
                 <a:effectLst>
                   <a:outerShdw blurRad="63500" dist="38099" dir="2700000" algn="ctr" rotWithShape="0">
                     <a:schemeClr val="bg2">
@@ -20091,14 +20091,14 @@
           <a:effectLst/>
           <a:extLst>
             <a:ext uri="{909E8E84-426E-40dd-AFC4-6F175D3DCCD1}">
-              <a14:hiddenFill xmlns:a14="http://schemas.microsoft.com/office/drawing/2010/main" xmlns="">
+              <a14:hiddenFill xmlns="" xmlns:a14="http://schemas.microsoft.com/office/drawing/2010/main">
                 <a:solidFill>
                   <a:schemeClr val="accent1"/>
                 </a:solidFill>
               </a14:hiddenFill>
             </a:ext>
             <a:ext uri="{91240B29-F687-4f45-9708-019B960494DF}">
-              <a14:hiddenLine xmlns:a14="http://schemas.microsoft.com/office/drawing/2010/main" xmlns="" w="9525">
+              <a14:hiddenLine xmlns="" xmlns:a14="http://schemas.microsoft.com/office/drawing/2010/main" w="9525">
                 <a:solidFill>
                   <a:schemeClr val="tx1"/>
                 </a:solidFill>
@@ -20108,7 +20108,7 @@
               </a14:hiddenLine>
             </a:ext>
             <a:ext uri="{AF507438-7753-43e0-B8FC-AC1667EBCBE1}">
-              <a14:hiddenEffects xmlns:a14="http://schemas.microsoft.com/office/drawing/2010/main" xmlns="">
+              <a14:hiddenEffects xmlns="" xmlns:a14="http://schemas.microsoft.com/office/drawing/2010/main">
                 <a:effectLst>
                   <a:outerShdw blurRad="63500" dist="38099" dir="2700000" algn="ctr" rotWithShape="0">
                     <a:schemeClr val="bg2">
@@ -20163,12 +20163,12 @@
           <a:effectLst/>
           <a:extLst>
             <a:ext uri="{909E8E84-426E-40dd-AFC4-6F175D3DCCD1}">
-              <a14:hiddenFill xmlns:a14="http://schemas.microsoft.com/office/drawing/2010/main" xmlns="">
+              <a14:hiddenFill xmlns="" xmlns:a14="http://schemas.microsoft.com/office/drawing/2010/main">
                 <a:noFill/>
               </a14:hiddenFill>
             </a:ext>
             <a:ext uri="{AF507438-7753-43e0-B8FC-AC1667EBCBE1}">
-              <a14:hiddenEffects xmlns:a14="http://schemas.microsoft.com/office/drawing/2010/main" xmlns="">
+              <a14:hiddenEffects xmlns="" xmlns:a14="http://schemas.microsoft.com/office/drawing/2010/main">
                 <a:effectLst>
                   <a:outerShdw blurRad="63500" dist="38099" dir="2700000" algn="ctr" rotWithShape="0">
                     <a:schemeClr val="bg2">
@@ -20211,14 +20211,14 @@
           <a:effectLst/>
           <a:extLst>
             <a:ext uri="{909E8E84-426E-40dd-AFC4-6F175D3DCCD1}">
-              <a14:hiddenFill xmlns:a14="http://schemas.microsoft.com/office/drawing/2010/main" xmlns="">
+              <a14:hiddenFill xmlns="" xmlns:a14="http://schemas.microsoft.com/office/drawing/2010/main">
                 <a:solidFill>
                   <a:schemeClr val="accent1"/>
                 </a:solidFill>
               </a14:hiddenFill>
             </a:ext>
             <a:ext uri="{91240B29-F687-4f45-9708-019B960494DF}">
-              <a14:hiddenLine xmlns:a14="http://schemas.microsoft.com/office/drawing/2010/main" xmlns="" w="9525">
+              <a14:hiddenLine xmlns="" xmlns:a14="http://schemas.microsoft.com/office/drawing/2010/main" w="9525">
                 <a:solidFill>
                   <a:schemeClr val="tx1"/>
                 </a:solidFill>
@@ -20228,7 +20228,7 @@
               </a14:hiddenLine>
             </a:ext>
             <a:ext uri="{AF507438-7753-43e0-B8FC-AC1667EBCBE1}">
-              <a14:hiddenEffects xmlns:a14="http://schemas.microsoft.com/office/drawing/2010/main" xmlns="">
+              <a14:hiddenEffects xmlns="" xmlns:a14="http://schemas.microsoft.com/office/drawing/2010/main">
                 <a:effectLst>
                   <a:outerShdw blurRad="63500" dist="38099" dir="2700000" algn="ctr" rotWithShape="0">
                     <a:schemeClr val="bg2">
@@ -20283,12 +20283,12 @@
           <a:effectLst/>
           <a:extLst>
             <a:ext uri="{909E8E84-426E-40dd-AFC4-6F175D3DCCD1}">
-              <a14:hiddenFill xmlns:a14="http://schemas.microsoft.com/office/drawing/2010/main" xmlns="">
+              <a14:hiddenFill xmlns="" xmlns:a14="http://schemas.microsoft.com/office/drawing/2010/main">
                 <a:noFill/>
               </a14:hiddenFill>
             </a:ext>
             <a:ext uri="{AF507438-7753-43e0-B8FC-AC1667EBCBE1}">
-              <a14:hiddenEffects xmlns:a14="http://schemas.microsoft.com/office/drawing/2010/main" xmlns="">
+              <a14:hiddenEffects xmlns="" xmlns:a14="http://schemas.microsoft.com/office/drawing/2010/main">
                 <a:effectLst>
                   <a:outerShdw blurRad="63500" dist="38099" dir="2700000" algn="ctr" rotWithShape="0">
                     <a:schemeClr val="bg2">
@@ -20331,14 +20331,14 @@
           <a:effectLst/>
           <a:extLst>
             <a:ext uri="{909E8E84-426E-40dd-AFC4-6F175D3DCCD1}">
-              <a14:hiddenFill xmlns:a14="http://schemas.microsoft.com/office/drawing/2010/main" xmlns="">
+              <a14:hiddenFill xmlns="" xmlns:a14="http://schemas.microsoft.com/office/drawing/2010/main">
                 <a:solidFill>
                   <a:schemeClr val="accent1"/>
                 </a:solidFill>
               </a14:hiddenFill>
             </a:ext>
             <a:ext uri="{91240B29-F687-4f45-9708-019B960494DF}">
-              <a14:hiddenLine xmlns:a14="http://schemas.microsoft.com/office/drawing/2010/main" xmlns="" w="9525">
+              <a14:hiddenLine xmlns="" xmlns:a14="http://schemas.microsoft.com/office/drawing/2010/main" w="9525">
                 <a:solidFill>
                   <a:schemeClr val="tx1"/>
                 </a:solidFill>
@@ -20348,7 +20348,7 @@
               </a14:hiddenLine>
             </a:ext>
             <a:ext uri="{AF507438-7753-43e0-B8FC-AC1667EBCBE1}">
-              <a14:hiddenEffects xmlns:a14="http://schemas.microsoft.com/office/drawing/2010/main" xmlns="">
+              <a14:hiddenEffects xmlns="" xmlns:a14="http://schemas.microsoft.com/office/drawing/2010/main">
                 <a:effectLst>
                   <a:outerShdw blurRad="63500" dist="38099" dir="2700000" algn="ctr" rotWithShape="0">
                     <a:schemeClr val="bg2">
@@ -20511,14 +20511,14 @@
           <a:effectLst/>
           <a:extLst>
             <a:ext uri="{909E8E84-426E-40dd-AFC4-6F175D3DCCD1}">
-              <a14:hiddenFill xmlns:a14="http://schemas.microsoft.com/office/drawing/2010/main" xmlns="">
+              <a14:hiddenFill xmlns="" xmlns:a14="http://schemas.microsoft.com/office/drawing/2010/main">
                 <a:solidFill>
                   <a:schemeClr val="accent1"/>
                 </a:solidFill>
               </a14:hiddenFill>
             </a:ext>
             <a:ext uri="{AF507438-7753-43e0-B8FC-AC1667EBCBE1}">
-              <a14:hiddenEffects xmlns:a14="http://schemas.microsoft.com/office/drawing/2010/main" xmlns="">
+              <a14:hiddenEffects xmlns="" xmlns:a14="http://schemas.microsoft.com/office/drawing/2010/main">
                 <a:effectLst>
                   <a:outerShdw blurRad="63500" dist="38099" dir="2700000" algn="ctr" rotWithShape="0">
                     <a:schemeClr val="bg2">
@@ -20561,14 +20561,14 @@
           <a:effectLst/>
           <a:extLst>
             <a:ext uri="{909E8E84-426E-40dd-AFC4-6F175D3DCCD1}">
-              <a14:hiddenFill xmlns:a14="http://schemas.microsoft.com/office/drawing/2010/main" xmlns="">
+              <a14:hiddenFill xmlns="" xmlns:a14="http://schemas.microsoft.com/office/drawing/2010/main">
                 <a:solidFill>
                   <a:schemeClr val="accent1"/>
                 </a:solidFill>
               </a14:hiddenFill>
             </a:ext>
             <a:ext uri="{91240B29-F687-4f45-9708-019B960494DF}">
-              <a14:hiddenLine xmlns:a14="http://schemas.microsoft.com/office/drawing/2010/main" xmlns="" w="9525">
+              <a14:hiddenLine xmlns="" xmlns:a14="http://schemas.microsoft.com/office/drawing/2010/main" w="9525">
                 <a:solidFill>
                   <a:schemeClr val="tx1"/>
                 </a:solidFill>
@@ -20578,7 +20578,7 @@
               </a14:hiddenLine>
             </a:ext>
             <a:ext uri="{AF507438-7753-43e0-B8FC-AC1667EBCBE1}">
-              <a14:hiddenEffects xmlns:a14="http://schemas.microsoft.com/office/drawing/2010/main" xmlns="">
+              <a14:hiddenEffects xmlns="" xmlns:a14="http://schemas.microsoft.com/office/drawing/2010/main">
                 <a:effectLst>
                   <a:outerShdw blurRad="63500" dist="38099" dir="2700000" algn="ctr" rotWithShape="0">
                     <a:schemeClr val="bg2">
@@ -20633,14 +20633,14 @@
           <a:effectLst/>
           <a:extLst>
             <a:ext uri="{909E8E84-426E-40dd-AFC4-6F175D3DCCD1}">
-              <a14:hiddenFill xmlns:a14="http://schemas.microsoft.com/office/drawing/2010/main" xmlns="">
+              <a14:hiddenFill xmlns="" xmlns:a14="http://schemas.microsoft.com/office/drawing/2010/main">
                 <a:solidFill>
                   <a:schemeClr val="accent1"/>
                 </a:solidFill>
               </a14:hiddenFill>
             </a:ext>
             <a:ext uri="{AF507438-7753-43e0-B8FC-AC1667EBCBE1}">
-              <a14:hiddenEffects xmlns:a14="http://schemas.microsoft.com/office/drawing/2010/main" xmlns="">
+              <a14:hiddenEffects xmlns="" xmlns:a14="http://schemas.microsoft.com/office/drawing/2010/main">
                 <a:effectLst>
                   <a:outerShdw blurRad="63500" dist="38099" dir="2700000" algn="ctr" rotWithShape="0">
                     <a:schemeClr val="bg2">
@@ -20745,14 +20745,14 @@
           <a:effectLst/>
           <a:extLst>
             <a:ext uri="{909E8E84-426E-40dd-AFC4-6F175D3DCCD1}">
-              <a14:hiddenFill xmlns:a14="http://schemas.microsoft.com/office/drawing/2010/main" xmlns="">
+              <a14:hiddenFill xmlns="" xmlns:a14="http://schemas.microsoft.com/office/drawing/2010/main">
                 <a:solidFill>
                   <a:schemeClr val="accent1"/>
                 </a:solidFill>
               </a14:hiddenFill>
             </a:ext>
             <a:ext uri="{91240B29-F687-4f45-9708-019B960494DF}">
-              <a14:hiddenLine xmlns:a14="http://schemas.microsoft.com/office/drawing/2010/main" xmlns="" w="9525">
+              <a14:hiddenLine xmlns="" xmlns:a14="http://schemas.microsoft.com/office/drawing/2010/main" w="9525">
                 <a:solidFill>
                   <a:schemeClr val="tx1"/>
                 </a:solidFill>
@@ -20762,7 +20762,7 @@
               </a14:hiddenLine>
             </a:ext>
             <a:ext uri="{AF507438-7753-43e0-B8FC-AC1667EBCBE1}">
-              <a14:hiddenEffects xmlns:a14="http://schemas.microsoft.com/office/drawing/2010/main" xmlns="">
+              <a14:hiddenEffects xmlns="" xmlns:a14="http://schemas.microsoft.com/office/drawing/2010/main">
                 <a:effectLst>
                   <a:outerShdw blurRad="63500" dist="38099" dir="2700000" algn="ctr" rotWithShape="0">
                     <a:schemeClr val="bg2">
@@ -20933,14 +20933,14 @@
           <a:effectLst/>
           <a:extLst>
             <a:ext uri="{909E8E84-426E-40dd-AFC4-6F175D3DCCD1}">
-              <a14:hiddenFill xmlns:a14="http://schemas.microsoft.com/office/drawing/2010/main" xmlns="">
+              <a14:hiddenFill xmlns="" xmlns:a14="http://schemas.microsoft.com/office/drawing/2010/main">
                 <a:solidFill>
                   <a:schemeClr val="accent1"/>
                 </a:solidFill>
               </a14:hiddenFill>
             </a:ext>
             <a:ext uri="{AF507438-7753-43e0-B8FC-AC1667EBCBE1}">
-              <a14:hiddenEffects xmlns:a14="http://schemas.microsoft.com/office/drawing/2010/main" xmlns="">
+              <a14:hiddenEffects xmlns="" xmlns:a14="http://schemas.microsoft.com/office/drawing/2010/main">
                 <a:effectLst>
                   <a:outerShdw blurRad="63500" dist="38099" dir="2700000" algn="ctr" rotWithShape="0">
                     <a:schemeClr val="bg2">
@@ -21025,14 +21025,14 @@
           <a:effectLst/>
           <a:extLst>
             <a:ext uri="{909E8E84-426E-40dd-AFC4-6F175D3DCCD1}">
-              <a14:hiddenFill xmlns:a14="http://schemas.microsoft.com/office/drawing/2010/main" xmlns="">
+              <a14:hiddenFill xmlns="" xmlns:a14="http://schemas.microsoft.com/office/drawing/2010/main">
                 <a:solidFill>
                   <a:schemeClr val="accent1"/>
                 </a:solidFill>
               </a14:hiddenFill>
             </a:ext>
             <a:ext uri="{AF507438-7753-43e0-B8FC-AC1667EBCBE1}">
-              <a14:hiddenEffects xmlns:a14="http://schemas.microsoft.com/office/drawing/2010/main" xmlns="">
+              <a14:hiddenEffects xmlns="" xmlns:a14="http://schemas.microsoft.com/office/drawing/2010/main">
                 <a:effectLst>
                   <a:outerShdw blurRad="63500" dist="38099" dir="2700000" algn="ctr" rotWithShape="0">
                     <a:schemeClr val="bg2">
@@ -21117,14 +21117,14 @@
           <a:effectLst/>
           <a:extLst>
             <a:ext uri="{909E8E84-426E-40dd-AFC4-6F175D3DCCD1}">
-              <a14:hiddenFill xmlns:a14="http://schemas.microsoft.com/office/drawing/2010/main" xmlns="">
+              <a14:hiddenFill xmlns="" xmlns:a14="http://schemas.microsoft.com/office/drawing/2010/main">
                 <a:solidFill>
                   <a:schemeClr val="accent1"/>
                 </a:solidFill>
               </a14:hiddenFill>
             </a:ext>
             <a:ext uri="{AF507438-7753-43e0-B8FC-AC1667EBCBE1}">
-              <a14:hiddenEffects xmlns:a14="http://schemas.microsoft.com/office/drawing/2010/main" xmlns="">
+              <a14:hiddenEffects xmlns="" xmlns:a14="http://schemas.microsoft.com/office/drawing/2010/main">
                 <a:effectLst>
                   <a:outerShdw blurRad="63500" dist="38099" dir="2700000" algn="ctr" rotWithShape="0">
                     <a:schemeClr val="bg2">
@@ -21209,14 +21209,14 @@
           <a:effectLst/>
           <a:extLst>
             <a:ext uri="{909E8E84-426E-40dd-AFC4-6F175D3DCCD1}">
-              <a14:hiddenFill xmlns:a14="http://schemas.microsoft.com/office/drawing/2010/main" xmlns="">
+              <a14:hiddenFill xmlns="" xmlns:a14="http://schemas.microsoft.com/office/drawing/2010/main">
                 <a:solidFill>
                   <a:schemeClr val="accent1"/>
                 </a:solidFill>
               </a14:hiddenFill>
             </a:ext>
             <a:ext uri="{AF507438-7753-43e0-B8FC-AC1667EBCBE1}">
-              <a14:hiddenEffects xmlns:a14="http://schemas.microsoft.com/office/drawing/2010/main" xmlns="">
+              <a14:hiddenEffects xmlns="" xmlns:a14="http://schemas.microsoft.com/office/drawing/2010/main">
                 <a:effectLst>
                   <a:outerShdw blurRad="63500" dist="38099" dir="2700000" algn="ctr" rotWithShape="0">
                     <a:schemeClr val="bg2">
@@ -21295,14 +21295,14 @@
           <a:effectLst/>
           <a:extLst>
             <a:ext uri="{909E8E84-426E-40dd-AFC4-6F175D3DCCD1}">
-              <a14:hiddenFill xmlns:a14="http://schemas.microsoft.com/office/drawing/2010/main" xmlns="">
+              <a14:hiddenFill xmlns="" xmlns:a14="http://schemas.microsoft.com/office/drawing/2010/main">
                 <a:solidFill>
                   <a:schemeClr val="accent1"/>
                 </a:solidFill>
               </a14:hiddenFill>
             </a:ext>
             <a:ext uri="{AF507438-7753-43e0-B8FC-AC1667EBCBE1}">
-              <a14:hiddenEffects xmlns:a14="http://schemas.microsoft.com/office/drawing/2010/main" xmlns="">
+              <a14:hiddenEffects xmlns="" xmlns:a14="http://schemas.microsoft.com/office/drawing/2010/main">
                 <a:effectLst>
                   <a:outerShdw blurRad="63500" dist="38099" dir="2700000" algn="ctr" rotWithShape="0">
                     <a:schemeClr val="bg2">
@@ -21381,14 +21381,14 @@
           <a:effectLst/>
           <a:extLst>
             <a:ext uri="{909E8E84-426E-40dd-AFC4-6F175D3DCCD1}">
-              <a14:hiddenFill xmlns:a14="http://schemas.microsoft.com/office/drawing/2010/main" xmlns="">
+              <a14:hiddenFill xmlns="" xmlns:a14="http://schemas.microsoft.com/office/drawing/2010/main">
                 <a:solidFill>
                   <a:schemeClr val="accent1"/>
                 </a:solidFill>
               </a14:hiddenFill>
             </a:ext>
             <a:ext uri="{AF507438-7753-43e0-B8FC-AC1667EBCBE1}">
-              <a14:hiddenEffects xmlns:a14="http://schemas.microsoft.com/office/drawing/2010/main" xmlns="">
+              <a14:hiddenEffects xmlns="" xmlns:a14="http://schemas.microsoft.com/office/drawing/2010/main">
                 <a:effectLst>
                   <a:outerShdw blurRad="63500" dist="38099" dir="2700000" algn="ctr" rotWithShape="0">
                     <a:schemeClr val="bg2">
@@ -21467,12 +21467,12 @@
           <a:effectLst/>
           <a:extLst>
             <a:ext uri="{909E8E84-426E-40dd-AFC4-6F175D3DCCD1}">
-              <a14:hiddenFill xmlns:a14="http://schemas.microsoft.com/office/drawing/2010/main" xmlns="">
+              <a14:hiddenFill xmlns="" xmlns:a14="http://schemas.microsoft.com/office/drawing/2010/main">
                 <a:noFill/>
               </a14:hiddenFill>
             </a:ext>
             <a:ext uri="{AF507438-7753-43e0-B8FC-AC1667EBCBE1}">
-              <a14:hiddenEffects xmlns:a14="http://schemas.microsoft.com/office/drawing/2010/main" xmlns="">
+              <a14:hiddenEffects xmlns="" xmlns:a14="http://schemas.microsoft.com/office/drawing/2010/main">
                 <a:effectLst>
                   <a:outerShdw blurRad="63500" dist="38099" dir="2700000" algn="ctr" rotWithShape="0">
                     <a:schemeClr val="bg2">
@@ -21515,14 +21515,14 @@
           <a:effectLst/>
           <a:extLst>
             <a:ext uri="{909E8E84-426E-40dd-AFC4-6F175D3DCCD1}">
-              <a14:hiddenFill xmlns:a14="http://schemas.microsoft.com/office/drawing/2010/main" xmlns="">
+              <a14:hiddenFill xmlns="" xmlns:a14="http://schemas.microsoft.com/office/drawing/2010/main">
                 <a:solidFill>
                   <a:schemeClr val="accent1"/>
                 </a:solidFill>
               </a14:hiddenFill>
             </a:ext>
             <a:ext uri="{91240B29-F687-4f45-9708-019B960494DF}">
-              <a14:hiddenLine xmlns:a14="http://schemas.microsoft.com/office/drawing/2010/main" xmlns="" w="9525">
+              <a14:hiddenLine xmlns="" xmlns:a14="http://schemas.microsoft.com/office/drawing/2010/main" w="9525">
                 <a:solidFill>
                   <a:schemeClr val="tx1"/>
                 </a:solidFill>
@@ -21532,7 +21532,7 @@
               </a14:hiddenLine>
             </a:ext>
             <a:ext uri="{AF507438-7753-43e0-B8FC-AC1667EBCBE1}">
-              <a14:hiddenEffects xmlns:a14="http://schemas.microsoft.com/office/drawing/2010/main" xmlns="">
+              <a14:hiddenEffects xmlns="" xmlns:a14="http://schemas.microsoft.com/office/drawing/2010/main">
                 <a:effectLst>
                   <a:outerShdw blurRad="63500" dist="38099" dir="2700000" algn="ctr" rotWithShape="0">
                     <a:schemeClr val="bg2">
@@ -21593,12 +21593,12 @@
           <a:effectLst/>
           <a:extLst>
             <a:ext uri="{909E8E84-426E-40dd-AFC4-6F175D3DCCD1}">
-              <a14:hiddenFill xmlns:a14="http://schemas.microsoft.com/office/drawing/2010/main" xmlns="">
+              <a14:hiddenFill xmlns="" xmlns:a14="http://schemas.microsoft.com/office/drawing/2010/main">
                 <a:noFill/>
               </a14:hiddenFill>
             </a:ext>
             <a:ext uri="{AF507438-7753-43e0-B8FC-AC1667EBCBE1}">
-              <a14:hiddenEffects xmlns:a14="http://schemas.microsoft.com/office/drawing/2010/main" xmlns="">
+              <a14:hiddenEffects xmlns="" xmlns:a14="http://schemas.microsoft.com/office/drawing/2010/main">
                 <a:effectLst>
                   <a:outerShdw blurRad="63500" dist="38099" dir="2700000" algn="ctr" rotWithShape="0">
                     <a:schemeClr val="bg2">
@@ -21641,14 +21641,14 @@
           <a:effectLst/>
           <a:extLst>
             <a:ext uri="{909E8E84-426E-40dd-AFC4-6F175D3DCCD1}">
-              <a14:hiddenFill xmlns:a14="http://schemas.microsoft.com/office/drawing/2010/main" xmlns="">
+              <a14:hiddenFill xmlns="" xmlns:a14="http://schemas.microsoft.com/office/drawing/2010/main">
                 <a:solidFill>
                   <a:schemeClr val="accent1"/>
                 </a:solidFill>
               </a14:hiddenFill>
             </a:ext>
             <a:ext uri="{91240B29-F687-4f45-9708-019B960494DF}">
-              <a14:hiddenLine xmlns:a14="http://schemas.microsoft.com/office/drawing/2010/main" xmlns="" w="9525">
+              <a14:hiddenLine xmlns="" xmlns:a14="http://schemas.microsoft.com/office/drawing/2010/main" w="9525">
                 <a:solidFill>
                   <a:schemeClr val="tx1"/>
                 </a:solidFill>
@@ -21658,7 +21658,7 @@
               </a14:hiddenLine>
             </a:ext>
             <a:ext uri="{AF507438-7753-43e0-B8FC-AC1667EBCBE1}">
-              <a14:hiddenEffects xmlns:a14="http://schemas.microsoft.com/office/drawing/2010/main" xmlns="">
+              <a14:hiddenEffects xmlns="" xmlns:a14="http://schemas.microsoft.com/office/drawing/2010/main">
                 <a:effectLst>
                   <a:outerShdw blurRad="63500" dist="38099" dir="2700000" algn="ctr" rotWithShape="0">
                     <a:schemeClr val="bg2">
@@ -21719,12 +21719,12 @@
           <a:effectLst/>
           <a:extLst>
             <a:ext uri="{909E8E84-426E-40dd-AFC4-6F175D3DCCD1}">
-              <a14:hiddenFill xmlns:a14="http://schemas.microsoft.com/office/drawing/2010/main" xmlns="">
+              <a14:hiddenFill xmlns="" xmlns:a14="http://schemas.microsoft.com/office/drawing/2010/main">
                 <a:noFill/>
               </a14:hiddenFill>
             </a:ext>
             <a:ext uri="{AF507438-7753-43e0-B8FC-AC1667EBCBE1}">
-              <a14:hiddenEffects xmlns:a14="http://schemas.microsoft.com/office/drawing/2010/main" xmlns="">
+              <a14:hiddenEffects xmlns="" xmlns:a14="http://schemas.microsoft.com/office/drawing/2010/main">
                 <a:effectLst>
                   <a:outerShdw blurRad="63500" dist="38099" dir="2700000" algn="ctr" rotWithShape="0">
                     <a:schemeClr val="bg2">
@@ -21767,14 +21767,14 @@
           <a:effectLst/>
           <a:extLst>
             <a:ext uri="{909E8E84-426E-40dd-AFC4-6F175D3DCCD1}">
-              <a14:hiddenFill xmlns:a14="http://schemas.microsoft.com/office/drawing/2010/main" xmlns="">
+              <a14:hiddenFill xmlns="" xmlns:a14="http://schemas.microsoft.com/office/drawing/2010/main">
                 <a:solidFill>
                   <a:schemeClr val="accent1"/>
                 </a:solidFill>
               </a14:hiddenFill>
             </a:ext>
             <a:ext uri="{91240B29-F687-4f45-9708-019B960494DF}">
-              <a14:hiddenLine xmlns:a14="http://schemas.microsoft.com/office/drawing/2010/main" xmlns="" w="9525">
+              <a14:hiddenLine xmlns="" xmlns:a14="http://schemas.microsoft.com/office/drawing/2010/main" w="9525">
                 <a:solidFill>
                   <a:schemeClr val="tx1"/>
                 </a:solidFill>
@@ -21784,7 +21784,7 @@
               </a14:hiddenLine>
             </a:ext>
             <a:ext uri="{AF507438-7753-43e0-B8FC-AC1667EBCBE1}">
-              <a14:hiddenEffects xmlns:a14="http://schemas.microsoft.com/office/drawing/2010/main" xmlns="">
+              <a14:hiddenEffects xmlns="" xmlns:a14="http://schemas.microsoft.com/office/drawing/2010/main">
                 <a:effectLst>
                   <a:outerShdw blurRad="63500" dist="38099" dir="2700000" algn="ctr" rotWithShape="0">
                     <a:schemeClr val="bg2">
@@ -21839,12 +21839,12 @@
           <a:effectLst/>
           <a:extLst>
             <a:ext uri="{909E8E84-426E-40dd-AFC4-6F175D3DCCD1}">
-              <a14:hiddenFill xmlns:a14="http://schemas.microsoft.com/office/drawing/2010/main" xmlns="">
+              <a14:hiddenFill xmlns="" xmlns:a14="http://schemas.microsoft.com/office/drawing/2010/main">
                 <a:noFill/>
               </a14:hiddenFill>
             </a:ext>
             <a:ext uri="{AF507438-7753-43e0-B8FC-AC1667EBCBE1}">
-              <a14:hiddenEffects xmlns:a14="http://schemas.microsoft.com/office/drawing/2010/main" xmlns="">
+              <a14:hiddenEffects xmlns="" xmlns:a14="http://schemas.microsoft.com/office/drawing/2010/main">
                 <a:effectLst>
                   <a:outerShdw blurRad="63500" dist="38099" dir="2700000" algn="ctr" rotWithShape="0">
                     <a:schemeClr val="bg2">
@@ -21887,14 +21887,14 @@
           <a:effectLst/>
           <a:extLst>
             <a:ext uri="{909E8E84-426E-40dd-AFC4-6F175D3DCCD1}">
-              <a14:hiddenFill xmlns:a14="http://schemas.microsoft.com/office/drawing/2010/main" xmlns="">
+              <a14:hiddenFill xmlns="" xmlns:a14="http://schemas.microsoft.com/office/drawing/2010/main">
                 <a:solidFill>
                   <a:schemeClr val="accent1"/>
                 </a:solidFill>
               </a14:hiddenFill>
             </a:ext>
             <a:ext uri="{91240B29-F687-4f45-9708-019B960494DF}">
-              <a14:hiddenLine xmlns:a14="http://schemas.microsoft.com/office/drawing/2010/main" xmlns="" w="9525">
+              <a14:hiddenLine xmlns="" xmlns:a14="http://schemas.microsoft.com/office/drawing/2010/main" w="9525">
                 <a:solidFill>
                   <a:schemeClr val="tx1"/>
                 </a:solidFill>
@@ -21904,7 +21904,7 @@
               </a14:hiddenLine>
             </a:ext>
             <a:ext uri="{AF507438-7753-43e0-B8FC-AC1667EBCBE1}">
-              <a14:hiddenEffects xmlns:a14="http://schemas.microsoft.com/office/drawing/2010/main" xmlns="">
+              <a14:hiddenEffects xmlns="" xmlns:a14="http://schemas.microsoft.com/office/drawing/2010/main">
                 <a:effectLst>
                   <a:outerShdw blurRad="63500" dist="38099" dir="2700000" algn="ctr" rotWithShape="0">
                     <a:schemeClr val="bg2">
@@ -21959,12 +21959,12 @@
           <a:effectLst/>
           <a:extLst>
             <a:ext uri="{909E8E84-426E-40dd-AFC4-6F175D3DCCD1}">
-              <a14:hiddenFill xmlns:a14="http://schemas.microsoft.com/office/drawing/2010/main" xmlns="">
+              <a14:hiddenFill xmlns="" xmlns:a14="http://schemas.microsoft.com/office/drawing/2010/main">
                 <a:noFill/>
               </a14:hiddenFill>
             </a:ext>
             <a:ext uri="{AF507438-7753-43e0-B8FC-AC1667EBCBE1}">
-              <a14:hiddenEffects xmlns:a14="http://schemas.microsoft.com/office/drawing/2010/main" xmlns="">
+              <a14:hiddenEffects xmlns="" xmlns:a14="http://schemas.microsoft.com/office/drawing/2010/main">
                 <a:effectLst>
                   <a:outerShdw blurRad="63500" dist="38099" dir="2700000" algn="ctr" rotWithShape="0">
                     <a:schemeClr val="bg2">
@@ -22007,14 +22007,14 @@
           <a:effectLst/>
           <a:extLst>
             <a:ext uri="{909E8E84-426E-40dd-AFC4-6F175D3DCCD1}">
-              <a14:hiddenFill xmlns:a14="http://schemas.microsoft.com/office/drawing/2010/main" xmlns="">
+              <a14:hiddenFill xmlns="" xmlns:a14="http://schemas.microsoft.com/office/drawing/2010/main">
                 <a:solidFill>
                   <a:schemeClr val="accent1"/>
                 </a:solidFill>
               </a14:hiddenFill>
             </a:ext>
             <a:ext uri="{91240B29-F687-4f45-9708-019B960494DF}">
-              <a14:hiddenLine xmlns:a14="http://schemas.microsoft.com/office/drawing/2010/main" xmlns="" w="9525">
+              <a14:hiddenLine xmlns="" xmlns:a14="http://schemas.microsoft.com/office/drawing/2010/main" w="9525">
                 <a:solidFill>
                   <a:schemeClr val="tx1"/>
                 </a:solidFill>
@@ -22024,7 +22024,7 @@
               </a14:hiddenLine>
             </a:ext>
             <a:ext uri="{AF507438-7753-43e0-B8FC-AC1667EBCBE1}">
-              <a14:hiddenEffects xmlns:a14="http://schemas.microsoft.com/office/drawing/2010/main" xmlns="">
+              <a14:hiddenEffects xmlns="" xmlns:a14="http://schemas.microsoft.com/office/drawing/2010/main">
                 <a:effectLst>
                   <a:outerShdw blurRad="63500" dist="38099" dir="2700000" algn="ctr" rotWithShape="0">
                     <a:schemeClr val="bg2">
@@ -22079,12 +22079,12 @@
           <a:effectLst/>
           <a:extLst>
             <a:ext uri="{909E8E84-426E-40dd-AFC4-6F175D3DCCD1}">
-              <a14:hiddenFill xmlns:a14="http://schemas.microsoft.com/office/drawing/2010/main" xmlns="">
+              <a14:hiddenFill xmlns="" xmlns:a14="http://schemas.microsoft.com/office/drawing/2010/main">
                 <a:noFill/>
               </a14:hiddenFill>
             </a:ext>
             <a:ext uri="{AF507438-7753-43e0-B8FC-AC1667EBCBE1}">
-              <a14:hiddenEffects xmlns:a14="http://schemas.microsoft.com/office/drawing/2010/main" xmlns="">
+              <a14:hiddenEffects xmlns="" xmlns:a14="http://schemas.microsoft.com/office/drawing/2010/main">
                 <a:effectLst>
                   <a:outerShdw blurRad="63500" dist="38099" dir="2700000" algn="ctr" rotWithShape="0">
                     <a:schemeClr val="bg2">
@@ -22127,14 +22127,14 @@
           <a:effectLst/>
           <a:extLst>
             <a:ext uri="{909E8E84-426E-40dd-AFC4-6F175D3DCCD1}">
-              <a14:hiddenFill xmlns:a14="http://schemas.microsoft.com/office/drawing/2010/main" xmlns="">
+              <a14:hiddenFill xmlns="" xmlns:a14="http://schemas.microsoft.com/office/drawing/2010/main">
                 <a:solidFill>
                   <a:schemeClr val="accent1"/>
                 </a:solidFill>
               </a14:hiddenFill>
             </a:ext>
             <a:ext uri="{91240B29-F687-4f45-9708-019B960494DF}">
-              <a14:hiddenLine xmlns:a14="http://schemas.microsoft.com/office/drawing/2010/main" xmlns="" w="9525">
+              <a14:hiddenLine xmlns="" xmlns:a14="http://schemas.microsoft.com/office/drawing/2010/main" w="9525">
                 <a:solidFill>
                   <a:schemeClr val="tx1"/>
                 </a:solidFill>
@@ -22144,7 +22144,7 @@
               </a14:hiddenLine>
             </a:ext>
             <a:ext uri="{AF507438-7753-43e0-B8FC-AC1667EBCBE1}">
-              <a14:hiddenEffects xmlns:a14="http://schemas.microsoft.com/office/drawing/2010/main" xmlns="">
+              <a14:hiddenEffects xmlns="" xmlns:a14="http://schemas.microsoft.com/office/drawing/2010/main">
                 <a:effectLst>
                   <a:outerShdw blurRad="63500" dist="38099" dir="2700000" algn="ctr" rotWithShape="0">
                     <a:schemeClr val="bg2">
@@ -22199,12 +22199,12 @@
           <a:effectLst/>
           <a:extLst>
             <a:ext uri="{909E8E84-426E-40dd-AFC4-6F175D3DCCD1}">
-              <a14:hiddenFill xmlns:a14="http://schemas.microsoft.com/office/drawing/2010/main" xmlns="">
+              <a14:hiddenFill xmlns="" xmlns:a14="http://schemas.microsoft.com/office/drawing/2010/main">
                 <a:noFill/>
               </a14:hiddenFill>
             </a:ext>
             <a:ext uri="{AF507438-7753-43e0-B8FC-AC1667EBCBE1}">
-              <a14:hiddenEffects xmlns:a14="http://schemas.microsoft.com/office/drawing/2010/main" xmlns="">
+              <a14:hiddenEffects xmlns="" xmlns:a14="http://schemas.microsoft.com/office/drawing/2010/main">
                 <a:effectLst>
                   <a:outerShdw blurRad="63500" dist="38099" dir="2700000" algn="ctr" rotWithShape="0">
                     <a:schemeClr val="bg2">
@@ -22247,14 +22247,14 @@
           <a:effectLst/>
           <a:extLst>
             <a:ext uri="{909E8E84-426E-40dd-AFC4-6F175D3DCCD1}">
-              <a14:hiddenFill xmlns:a14="http://schemas.microsoft.com/office/drawing/2010/main" xmlns="">
+              <a14:hiddenFill xmlns="" xmlns:a14="http://schemas.microsoft.com/office/drawing/2010/main">
                 <a:solidFill>
                   <a:schemeClr val="accent1"/>
                 </a:solidFill>
               </a14:hiddenFill>
             </a:ext>
             <a:ext uri="{91240B29-F687-4f45-9708-019B960494DF}">
-              <a14:hiddenLine xmlns:a14="http://schemas.microsoft.com/office/drawing/2010/main" xmlns="" w="9525">
+              <a14:hiddenLine xmlns="" xmlns:a14="http://schemas.microsoft.com/office/drawing/2010/main" w="9525">
                 <a:solidFill>
                   <a:schemeClr val="tx1"/>
                 </a:solidFill>
@@ -22264,7 +22264,7 @@
               </a14:hiddenLine>
             </a:ext>
             <a:ext uri="{AF507438-7753-43e0-B8FC-AC1667EBCBE1}">
-              <a14:hiddenEffects xmlns:a14="http://schemas.microsoft.com/office/drawing/2010/main" xmlns="">
+              <a14:hiddenEffects xmlns="" xmlns:a14="http://schemas.microsoft.com/office/drawing/2010/main">
                 <a:effectLst>
                   <a:outerShdw blurRad="63500" dist="38099" dir="2700000" algn="ctr" rotWithShape="0">
                     <a:schemeClr val="bg2">
@@ -22427,14 +22427,14 @@
           <a:effectLst/>
           <a:extLst>
             <a:ext uri="{909E8E84-426E-40dd-AFC4-6F175D3DCCD1}">
-              <a14:hiddenFill xmlns:a14="http://schemas.microsoft.com/office/drawing/2010/main" xmlns="">
+              <a14:hiddenFill xmlns="" xmlns:a14="http://schemas.microsoft.com/office/drawing/2010/main">
                 <a:solidFill>
                   <a:schemeClr val="accent1"/>
                 </a:solidFill>
               </a14:hiddenFill>
             </a:ext>
             <a:ext uri="{AF507438-7753-43e0-B8FC-AC1667EBCBE1}">
-              <a14:hiddenEffects xmlns:a14="http://schemas.microsoft.com/office/drawing/2010/main" xmlns="">
+              <a14:hiddenEffects xmlns="" xmlns:a14="http://schemas.microsoft.com/office/drawing/2010/main">
                 <a:effectLst>
                   <a:outerShdw blurRad="63500" dist="38099" dir="2700000" algn="ctr" rotWithShape="0">
                     <a:schemeClr val="bg2">
@@ -22477,14 +22477,14 @@
           <a:effectLst/>
           <a:extLst>
             <a:ext uri="{909E8E84-426E-40dd-AFC4-6F175D3DCCD1}">
-              <a14:hiddenFill xmlns:a14="http://schemas.microsoft.com/office/drawing/2010/main" xmlns="">
+              <a14:hiddenFill xmlns="" xmlns:a14="http://schemas.microsoft.com/office/drawing/2010/main">
                 <a:solidFill>
                   <a:schemeClr val="accent1"/>
                 </a:solidFill>
               </a14:hiddenFill>
             </a:ext>
             <a:ext uri="{91240B29-F687-4f45-9708-019B960494DF}">
-              <a14:hiddenLine xmlns:a14="http://schemas.microsoft.com/office/drawing/2010/main" xmlns="" w="9525">
+              <a14:hiddenLine xmlns="" xmlns:a14="http://schemas.microsoft.com/office/drawing/2010/main" w="9525">
                 <a:solidFill>
                   <a:schemeClr val="tx1"/>
                 </a:solidFill>
@@ -22494,7 +22494,7 @@
               </a14:hiddenLine>
             </a:ext>
             <a:ext uri="{AF507438-7753-43e0-B8FC-AC1667EBCBE1}">
-              <a14:hiddenEffects xmlns:a14="http://schemas.microsoft.com/office/drawing/2010/main" xmlns="">
+              <a14:hiddenEffects xmlns="" xmlns:a14="http://schemas.microsoft.com/office/drawing/2010/main">
                 <a:effectLst>
                   <a:outerShdw blurRad="63500" dist="38099" dir="2700000" algn="ctr" rotWithShape="0">
                     <a:schemeClr val="bg2">
@@ -22549,14 +22549,14 @@
           <a:effectLst/>
           <a:extLst>
             <a:ext uri="{909E8E84-426E-40dd-AFC4-6F175D3DCCD1}">
-              <a14:hiddenFill xmlns:a14="http://schemas.microsoft.com/office/drawing/2010/main" xmlns="">
+              <a14:hiddenFill xmlns="" xmlns:a14="http://schemas.microsoft.com/office/drawing/2010/main">
                 <a:solidFill>
                   <a:schemeClr val="accent1"/>
                 </a:solidFill>
               </a14:hiddenFill>
             </a:ext>
             <a:ext uri="{AF507438-7753-43e0-B8FC-AC1667EBCBE1}">
-              <a14:hiddenEffects xmlns:a14="http://schemas.microsoft.com/office/drawing/2010/main" xmlns="">
+              <a14:hiddenEffects xmlns="" xmlns:a14="http://schemas.microsoft.com/office/drawing/2010/main">
                 <a:effectLst>
                   <a:outerShdw blurRad="63500" dist="38099" dir="2700000" algn="ctr" rotWithShape="0">
                     <a:schemeClr val="bg2">
@@ -22982,14 +22982,14 @@
           <a:effectLst/>
           <a:extLst>
             <a:ext uri="{909E8E84-426E-40dd-AFC4-6F175D3DCCD1}">
-              <a14:hiddenFill xmlns:a14="http://schemas.microsoft.com/office/drawing/2010/main" xmlns="">
+              <a14:hiddenFill xmlns="" xmlns:a14="http://schemas.microsoft.com/office/drawing/2010/main">
                 <a:solidFill>
                   <a:schemeClr val="accent1"/>
                 </a:solidFill>
               </a14:hiddenFill>
             </a:ext>
             <a:ext uri="{91240B29-F687-4f45-9708-019B960494DF}">
-              <a14:hiddenLine xmlns:a14="http://schemas.microsoft.com/office/drawing/2010/main" xmlns="" w="9525">
+              <a14:hiddenLine xmlns="" xmlns:a14="http://schemas.microsoft.com/office/drawing/2010/main" w="9525">
                 <a:solidFill>
                   <a:schemeClr val="tx1"/>
                 </a:solidFill>
@@ -22999,7 +22999,7 @@
               </a14:hiddenLine>
             </a:ext>
             <a:ext uri="{AF507438-7753-43e0-B8FC-AC1667EBCBE1}">
-              <a14:hiddenEffects xmlns:a14="http://schemas.microsoft.com/office/drawing/2010/main" xmlns="">
+              <a14:hiddenEffects xmlns="" xmlns:a14="http://schemas.microsoft.com/office/drawing/2010/main">
                 <a:effectLst>
                   <a:outerShdw blurRad="63500" dist="38099" dir="2700000" algn="ctr" rotWithShape="0">
                     <a:schemeClr val="bg2">
@@ -23170,14 +23170,14 @@
           <a:effectLst/>
           <a:extLst>
             <a:ext uri="{909E8E84-426E-40dd-AFC4-6F175D3DCCD1}">
-              <a14:hiddenFill xmlns:a14="http://schemas.microsoft.com/office/drawing/2010/main" xmlns="">
+              <a14:hiddenFill xmlns="" xmlns:a14="http://schemas.microsoft.com/office/drawing/2010/main">
                 <a:solidFill>
                   <a:schemeClr val="accent1"/>
                 </a:solidFill>
               </a14:hiddenFill>
             </a:ext>
             <a:ext uri="{AF507438-7753-43e0-B8FC-AC1667EBCBE1}">
-              <a14:hiddenEffects xmlns:a14="http://schemas.microsoft.com/office/drawing/2010/main" xmlns="">
+              <a14:hiddenEffects xmlns="" xmlns:a14="http://schemas.microsoft.com/office/drawing/2010/main">
                 <a:effectLst>
                   <a:outerShdw blurRad="63500" dist="38099" dir="2700000" algn="ctr" rotWithShape="0">
                     <a:schemeClr val="bg2">
@@ -23262,14 +23262,14 @@
           <a:effectLst/>
           <a:extLst>
             <a:ext uri="{909E8E84-426E-40dd-AFC4-6F175D3DCCD1}">
-              <a14:hiddenFill xmlns:a14="http://schemas.microsoft.com/office/drawing/2010/main" xmlns="">
+              <a14:hiddenFill xmlns="" xmlns:a14="http://schemas.microsoft.com/office/drawing/2010/main">
                 <a:solidFill>
                   <a:schemeClr val="accent1"/>
                 </a:solidFill>
               </a14:hiddenFill>
             </a:ext>
             <a:ext uri="{AF507438-7753-43e0-B8FC-AC1667EBCBE1}">
-              <a14:hiddenEffects xmlns:a14="http://schemas.microsoft.com/office/drawing/2010/main" xmlns="">
+              <a14:hiddenEffects xmlns="" xmlns:a14="http://schemas.microsoft.com/office/drawing/2010/main">
                 <a:effectLst>
                   <a:outerShdw blurRad="63500" dist="38099" dir="2700000" algn="ctr" rotWithShape="0">
                     <a:schemeClr val="bg2">
@@ -23354,14 +23354,14 @@
           <a:effectLst/>
           <a:extLst>
             <a:ext uri="{909E8E84-426E-40dd-AFC4-6F175D3DCCD1}">
-              <a14:hiddenFill xmlns:a14="http://schemas.microsoft.com/office/drawing/2010/main" xmlns="">
+              <a14:hiddenFill xmlns="" xmlns:a14="http://schemas.microsoft.com/office/drawing/2010/main">
                 <a:solidFill>
                   <a:schemeClr val="accent1"/>
                 </a:solidFill>
               </a14:hiddenFill>
             </a:ext>
             <a:ext uri="{AF507438-7753-43e0-B8FC-AC1667EBCBE1}">
-              <a14:hiddenEffects xmlns:a14="http://schemas.microsoft.com/office/drawing/2010/main" xmlns="">
+              <a14:hiddenEffects xmlns="" xmlns:a14="http://schemas.microsoft.com/office/drawing/2010/main">
                 <a:effectLst>
                   <a:outerShdw blurRad="63500" dist="38099" dir="2700000" algn="ctr" rotWithShape="0">
                     <a:schemeClr val="bg2">
@@ -23446,14 +23446,14 @@
           <a:effectLst/>
           <a:extLst>
             <a:ext uri="{909E8E84-426E-40dd-AFC4-6F175D3DCCD1}">
-              <a14:hiddenFill xmlns:a14="http://schemas.microsoft.com/office/drawing/2010/main" xmlns="">
+              <a14:hiddenFill xmlns="" xmlns:a14="http://schemas.microsoft.com/office/drawing/2010/main">
                 <a:solidFill>
                   <a:schemeClr val="accent1"/>
                 </a:solidFill>
               </a14:hiddenFill>
             </a:ext>
             <a:ext uri="{AF507438-7753-43e0-B8FC-AC1667EBCBE1}">
-              <a14:hiddenEffects xmlns:a14="http://schemas.microsoft.com/office/drawing/2010/main" xmlns="">
+              <a14:hiddenEffects xmlns="" xmlns:a14="http://schemas.microsoft.com/office/drawing/2010/main">
                 <a:effectLst>
                   <a:outerShdw blurRad="63500" dist="38099" dir="2700000" algn="ctr" rotWithShape="0">
                     <a:schemeClr val="bg2">
@@ -23538,14 +23538,14 @@
           <a:effectLst/>
           <a:extLst>
             <a:ext uri="{909E8E84-426E-40dd-AFC4-6F175D3DCCD1}">
-              <a14:hiddenFill xmlns:a14="http://schemas.microsoft.com/office/drawing/2010/main" xmlns="">
+              <a14:hiddenFill xmlns="" xmlns:a14="http://schemas.microsoft.com/office/drawing/2010/main">
                 <a:solidFill>
                   <a:schemeClr val="accent1"/>
                 </a:solidFill>
               </a14:hiddenFill>
             </a:ext>
             <a:ext uri="{AF507438-7753-43e0-B8FC-AC1667EBCBE1}">
-              <a14:hiddenEffects xmlns:a14="http://schemas.microsoft.com/office/drawing/2010/main" xmlns="">
+              <a14:hiddenEffects xmlns="" xmlns:a14="http://schemas.microsoft.com/office/drawing/2010/main">
                 <a:effectLst>
                   <a:outerShdw blurRad="63500" dist="38099" dir="2700000" algn="ctr" rotWithShape="0">
                     <a:schemeClr val="bg2">
@@ -23624,14 +23624,14 @@
           <a:effectLst/>
           <a:extLst>
             <a:ext uri="{909E8E84-426E-40dd-AFC4-6F175D3DCCD1}">
-              <a14:hiddenFill xmlns:a14="http://schemas.microsoft.com/office/drawing/2010/main" xmlns="">
+              <a14:hiddenFill xmlns="" xmlns:a14="http://schemas.microsoft.com/office/drawing/2010/main">
                 <a:solidFill>
                   <a:schemeClr val="accent1"/>
                 </a:solidFill>
               </a14:hiddenFill>
             </a:ext>
             <a:ext uri="{AF507438-7753-43e0-B8FC-AC1667EBCBE1}">
-              <a14:hiddenEffects xmlns:a14="http://schemas.microsoft.com/office/drawing/2010/main" xmlns="">
+              <a14:hiddenEffects xmlns="" xmlns:a14="http://schemas.microsoft.com/office/drawing/2010/main">
                 <a:effectLst>
                   <a:outerShdw blurRad="63500" dist="38099" dir="2700000" algn="ctr" rotWithShape="0">
                     <a:schemeClr val="bg2">
@@ -23710,14 +23710,14 @@
           <a:effectLst/>
           <a:extLst>
             <a:ext uri="{909E8E84-426E-40dd-AFC4-6F175D3DCCD1}">
-              <a14:hiddenFill xmlns:a14="http://schemas.microsoft.com/office/drawing/2010/main" xmlns="">
+              <a14:hiddenFill xmlns="" xmlns:a14="http://schemas.microsoft.com/office/drawing/2010/main">
                 <a:solidFill>
                   <a:schemeClr val="accent1"/>
                 </a:solidFill>
               </a14:hiddenFill>
             </a:ext>
             <a:ext uri="{AF507438-7753-43e0-B8FC-AC1667EBCBE1}">
-              <a14:hiddenEffects xmlns:a14="http://schemas.microsoft.com/office/drawing/2010/main" xmlns="">
+              <a14:hiddenEffects xmlns="" xmlns:a14="http://schemas.microsoft.com/office/drawing/2010/main">
                 <a:effectLst>
                   <a:outerShdw blurRad="63500" dist="38099" dir="2700000" algn="ctr" rotWithShape="0">
                     <a:schemeClr val="bg2">
@@ -23796,12 +23796,12 @@
           <a:effectLst/>
           <a:extLst>
             <a:ext uri="{909E8E84-426E-40dd-AFC4-6F175D3DCCD1}">
-              <a14:hiddenFill xmlns:a14="http://schemas.microsoft.com/office/drawing/2010/main" xmlns="">
+              <a14:hiddenFill xmlns="" xmlns:a14="http://schemas.microsoft.com/office/drawing/2010/main">
                 <a:noFill/>
               </a14:hiddenFill>
             </a:ext>
             <a:ext uri="{AF507438-7753-43e0-B8FC-AC1667EBCBE1}">
-              <a14:hiddenEffects xmlns:a14="http://schemas.microsoft.com/office/drawing/2010/main" xmlns="">
+              <a14:hiddenEffects xmlns="" xmlns:a14="http://schemas.microsoft.com/office/drawing/2010/main">
                 <a:effectLst>
                   <a:outerShdw blurRad="63500" dist="38099" dir="2700000" algn="ctr" rotWithShape="0">
                     <a:schemeClr val="bg2">
@@ -23844,14 +23844,14 @@
           <a:effectLst/>
           <a:extLst>
             <a:ext uri="{909E8E84-426E-40dd-AFC4-6F175D3DCCD1}">
-              <a14:hiddenFill xmlns:a14="http://schemas.microsoft.com/office/drawing/2010/main" xmlns="">
+              <a14:hiddenFill xmlns="" xmlns:a14="http://schemas.microsoft.com/office/drawing/2010/main">
                 <a:solidFill>
                   <a:schemeClr val="accent1"/>
                 </a:solidFill>
               </a14:hiddenFill>
             </a:ext>
             <a:ext uri="{91240B29-F687-4f45-9708-019B960494DF}">
-              <a14:hiddenLine xmlns:a14="http://schemas.microsoft.com/office/drawing/2010/main" xmlns="" w="9525">
+              <a14:hiddenLine xmlns="" xmlns:a14="http://schemas.microsoft.com/office/drawing/2010/main" w="9525">
                 <a:solidFill>
                   <a:schemeClr val="tx1"/>
                 </a:solidFill>
@@ -23861,7 +23861,7 @@
               </a14:hiddenLine>
             </a:ext>
             <a:ext uri="{AF507438-7753-43e0-B8FC-AC1667EBCBE1}">
-              <a14:hiddenEffects xmlns:a14="http://schemas.microsoft.com/office/drawing/2010/main" xmlns="">
+              <a14:hiddenEffects xmlns="" xmlns:a14="http://schemas.microsoft.com/office/drawing/2010/main">
                 <a:effectLst>
                   <a:outerShdw blurRad="63500" dist="38099" dir="2700000" algn="ctr" rotWithShape="0">
                     <a:schemeClr val="bg2">
@@ -23919,12 +23919,12 @@
           <a:effectLst/>
           <a:extLst>
             <a:ext uri="{909E8E84-426E-40dd-AFC4-6F175D3DCCD1}">
-              <a14:hiddenFill xmlns:a14="http://schemas.microsoft.com/office/drawing/2010/main" xmlns="">
+              <a14:hiddenFill xmlns="" xmlns:a14="http://schemas.microsoft.com/office/drawing/2010/main">
                 <a:noFill/>
               </a14:hiddenFill>
             </a:ext>
             <a:ext uri="{AF507438-7753-43e0-B8FC-AC1667EBCBE1}">
-              <a14:hiddenEffects xmlns:a14="http://schemas.microsoft.com/office/drawing/2010/main" xmlns="">
+              <a14:hiddenEffects xmlns="" xmlns:a14="http://schemas.microsoft.com/office/drawing/2010/main">
                 <a:effectLst>
                   <a:outerShdw blurRad="63500" dist="38099" dir="2700000" algn="ctr" rotWithShape="0">
                     <a:schemeClr val="bg2">
@@ -23967,14 +23967,14 @@
           <a:effectLst/>
           <a:extLst>
             <a:ext uri="{909E8E84-426E-40dd-AFC4-6F175D3DCCD1}">
-              <a14:hiddenFill xmlns:a14="http://schemas.microsoft.com/office/drawing/2010/main" xmlns="">
+              <a14:hiddenFill xmlns="" xmlns:a14="http://schemas.microsoft.com/office/drawing/2010/main">
                 <a:solidFill>
                   <a:schemeClr val="accent1"/>
                 </a:solidFill>
               </a14:hiddenFill>
             </a:ext>
             <a:ext uri="{91240B29-F687-4f45-9708-019B960494DF}">
-              <a14:hiddenLine xmlns:a14="http://schemas.microsoft.com/office/drawing/2010/main" xmlns="" w="9525">
+              <a14:hiddenLine xmlns="" xmlns:a14="http://schemas.microsoft.com/office/drawing/2010/main" w="9525">
                 <a:solidFill>
                   <a:schemeClr val="tx1"/>
                 </a:solidFill>
@@ -23984,7 +23984,7 @@
               </a14:hiddenLine>
             </a:ext>
             <a:ext uri="{AF507438-7753-43e0-B8FC-AC1667EBCBE1}">
-              <a14:hiddenEffects xmlns:a14="http://schemas.microsoft.com/office/drawing/2010/main" xmlns="">
+              <a14:hiddenEffects xmlns="" xmlns:a14="http://schemas.microsoft.com/office/drawing/2010/main">
                 <a:effectLst>
                   <a:outerShdw blurRad="63500" dist="38099" dir="2700000" algn="ctr" rotWithShape="0">
                     <a:schemeClr val="bg2">
@@ -24042,12 +24042,12 @@
           <a:effectLst/>
           <a:extLst>
             <a:ext uri="{909E8E84-426E-40dd-AFC4-6F175D3DCCD1}">
-              <a14:hiddenFill xmlns:a14="http://schemas.microsoft.com/office/drawing/2010/main" xmlns="">
+              <a14:hiddenFill xmlns="" xmlns:a14="http://schemas.microsoft.com/office/drawing/2010/main">
                 <a:noFill/>
               </a14:hiddenFill>
             </a:ext>
             <a:ext uri="{AF507438-7753-43e0-B8FC-AC1667EBCBE1}">
-              <a14:hiddenEffects xmlns:a14="http://schemas.microsoft.com/office/drawing/2010/main" xmlns="">
+              <a14:hiddenEffects xmlns="" xmlns:a14="http://schemas.microsoft.com/office/drawing/2010/main">
                 <a:effectLst>
                   <a:outerShdw blurRad="63500" dist="38099" dir="2700000" algn="ctr" rotWithShape="0">
                     <a:schemeClr val="bg2">
@@ -24090,14 +24090,14 @@
           <a:effectLst/>
           <a:extLst>
             <a:ext uri="{909E8E84-426E-40dd-AFC4-6F175D3DCCD1}">
-              <a14:hiddenFill xmlns:a14="http://schemas.microsoft.com/office/drawing/2010/main" xmlns="">
+              <a14:hiddenFill xmlns="" xmlns:a14="http://schemas.microsoft.com/office/drawing/2010/main">
                 <a:solidFill>
                   <a:schemeClr val="accent1"/>
                 </a:solidFill>
               </a14:hiddenFill>
             </a:ext>
             <a:ext uri="{91240B29-F687-4f45-9708-019B960494DF}">
-              <a14:hiddenLine xmlns:a14="http://schemas.microsoft.com/office/drawing/2010/main" xmlns="" w="9525">
+              <a14:hiddenLine xmlns="" xmlns:a14="http://schemas.microsoft.com/office/drawing/2010/main" w="9525">
                 <a:solidFill>
                   <a:schemeClr val="tx1"/>
                 </a:solidFill>
@@ -24107,7 +24107,7 @@
               </a14:hiddenLine>
             </a:ext>
             <a:ext uri="{AF507438-7753-43e0-B8FC-AC1667EBCBE1}">
-              <a14:hiddenEffects xmlns:a14="http://schemas.microsoft.com/office/drawing/2010/main" xmlns="">
+              <a14:hiddenEffects xmlns="" xmlns:a14="http://schemas.microsoft.com/office/drawing/2010/main">
                 <a:effectLst>
                   <a:outerShdw blurRad="63500" dist="38099" dir="2700000" algn="ctr" rotWithShape="0">
                     <a:schemeClr val="bg2">
@@ -24168,12 +24168,12 @@
           <a:effectLst/>
           <a:extLst>
             <a:ext uri="{909E8E84-426E-40dd-AFC4-6F175D3DCCD1}">
-              <a14:hiddenFill xmlns:a14="http://schemas.microsoft.com/office/drawing/2010/main" xmlns="">
+              <a14:hiddenFill xmlns="" xmlns:a14="http://schemas.microsoft.com/office/drawing/2010/main">
                 <a:noFill/>
               </a14:hiddenFill>
             </a:ext>
             <a:ext uri="{AF507438-7753-43e0-B8FC-AC1667EBCBE1}">
-              <a14:hiddenEffects xmlns:a14="http://schemas.microsoft.com/office/drawing/2010/main" xmlns="">
+              <a14:hiddenEffects xmlns="" xmlns:a14="http://schemas.microsoft.com/office/drawing/2010/main">
                 <a:effectLst>
                   <a:outerShdw blurRad="63500" dist="38099" dir="2700000" algn="ctr" rotWithShape="0">
                     <a:schemeClr val="bg2">
@@ -24216,14 +24216,14 @@
           <a:effectLst/>
           <a:extLst>
             <a:ext uri="{909E8E84-426E-40dd-AFC4-6F175D3DCCD1}">
-              <a14:hiddenFill xmlns:a14="http://schemas.microsoft.com/office/drawing/2010/main" xmlns="">
+              <a14:hiddenFill xmlns="" xmlns:a14="http://schemas.microsoft.com/office/drawing/2010/main">
                 <a:solidFill>
                   <a:schemeClr val="accent1"/>
                 </a:solidFill>
               </a14:hiddenFill>
             </a:ext>
             <a:ext uri="{91240B29-F687-4f45-9708-019B960494DF}">
-              <a14:hiddenLine xmlns:a14="http://schemas.microsoft.com/office/drawing/2010/main" xmlns="" w="9525">
+              <a14:hiddenLine xmlns="" xmlns:a14="http://schemas.microsoft.com/office/drawing/2010/main" w="9525">
                 <a:solidFill>
                   <a:schemeClr val="tx1"/>
                 </a:solidFill>
@@ -24233,7 +24233,7 @@
               </a14:hiddenLine>
             </a:ext>
             <a:ext uri="{AF507438-7753-43e0-B8FC-AC1667EBCBE1}">
-              <a14:hiddenEffects xmlns:a14="http://schemas.microsoft.com/office/drawing/2010/main" xmlns="">
+              <a14:hiddenEffects xmlns="" xmlns:a14="http://schemas.microsoft.com/office/drawing/2010/main">
                 <a:effectLst>
                   <a:outerShdw blurRad="63500" dist="38099" dir="2700000" algn="ctr" rotWithShape="0">
                     <a:schemeClr val="bg2">
@@ -24288,12 +24288,12 @@
           <a:effectLst/>
           <a:extLst>
             <a:ext uri="{909E8E84-426E-40dd-AFC4-6F175D3DCCD1}">
-              <a14:hiddenFill xmlns:a14="http://schemas.microsoft.com/office/drawing/2010/main" xmlns="">
+              <a14:hiddenFill xmlns="" xmlns:a14="http://schemas.microsoft.com/office/drawing/2010/main">
                 <a:noFill/>
               </a14:hiddenFill>
             </a:ext>
             <a:ext uri="{AF507438-7753-43e0-B8FC-AC1667EBCBE1}">
-              <a14:hiddenEffects xmlns:a14="http://schemas.microsoft.com/office/drawing/2010/main" xmlns="">
+              <a14:hiddenEffects xmlns="" xmlns:a14="http://schemas.microsoft.com/office/drawing/2010/main">
                 <a:effectLst>
                   <a:outerShdw blurRad="63500" dist="38099" dir="2700000" algn="ctr" rotWithShape="0">
                     <a:schemeClr val="bg2">
@@ -24336,14 +24336,14 @@
           <a:effectLst/>
           <a:extLst>
             <a:ext uri="{909E8E84-426E-40dd-AFC4-6F175D3DCCD1}">
-              <a14:hiddenFill xmlns:a14="http://schemas.microsoft.com/office/drawing/2010/main" xmlns="">
+              <a14:hiddenFill xmlns="" xmlns:a14="http://schemas.microsoft.com/office/drawing/2010/main">
                 <a:solidFill>
                   <a:schemeClr val="accent1"/>
                 </a:solidFill>
               </a14:hiddenFill>
             </a:ext>
             <a:ext uri="{91240B29-F687-4f45-9708-019B960494DF}">
-              <a14:hiddenLine xmlns:a14="http://schemas.microsoft.com/office/drawing/2010/main" xmlns="" w="9525">
+              <a14:hiddenLine xmlns="" xmlns:a14="http://schemas.microsoft.com/office/drawing/2010/main" w="9525">
                 <a:solidFill>
                   <a:schemeClr val="tx1"/>
                 </a:solidFill>
@@ -24353,7 +24353,7 @@
               </a14:hiddenLine>
             </a:ext>
             <a:ext uri="{AF507438-7753-43e0-B8FC-AC1667EBCBE1}">
-              <a14:hiddenEffects xmlns:a14="http://schemas.microsoft.com/office/drawing/2010/main" xmlns="">
+              <a14:hiddenEffects xmlns="" xmlns:a14="http://schemas.microsoft.com/office/drawing/2010/main">
                 <a:effectLst>
                   <a:outerShdw blurRad="63500" dist="38099" dir="2700000" algn="ctr" rotWithShape="0">
                     <a:schemeClr val="bg2">
@@ -24408,12 +24408,12 @@
           <a:effectLst/>
           <a:extLst>
             <a:ext uri="{909E8E84-426E-40dd-AFC4-6F175D3DCCD1}">
-              <a14:hiddenFill xmlns:a14="http://schemas.microsoft.com/office/drawing/2010/main" xmlns="">
+              <a14:hiddenFill xmlns="" xmlns:a14="http://schemas.microsoft.com/office/drawing/2010/main">
                 <a:noFill/>
               </a14:hiddenFill>
             </a:ext>
             <a:ext uri="{AF507438-7753-43e0-B8FC-AC1667EBCBE1}">
-              <a14:hiddenEffects xmlns:a14="http://schemas.microsoft.com/office/drawing/2010/main" xmlns="">
+              <a14:hiddenEffects xmlns="" xmlns:a14="http://schemas.microsoft.com/office/drawing/2010/main">
                 <a:effectLst>
                   <a:outerShdw blurRad="63500" dist="38099" dir="2700000" algn="ctr" rotWithShape="0">
                     <a:schemeClr val="bg2">
@@ -24456,14 +24456,14 @@
           <a:effectLst/>
           <a:extLst>
             <a:ext uri="{909E8E84-426E-40dd-AFC4-6F175D3DCCD1}">
-              <a14:hiddenFill xmlns:a14="http://schemas.microsoft.com/office/drawing/2010/main" xmlns="">
+              <a14:hiddenFill xmlns="" xmlns:a14="http://schemas.microsoft.com/office/drawing/2010/main">
                 <a:solidFill>
                   <a:schemeClr val="accent1"/>
                 </a:solidFill>
               </a14:hiddenFill>
             </a:ext>
             <a:ext uri="{91240B29-F687-4f45-9708-019B960494DF}">
-              <a14:hiddenLine xmlns:a14="http://schemas.microsoft.com/office/drawing/2010/main" xmlns="" w="9525">
+              <a14:hiddenLine xmlns="" xmlns:a14="http://schemas.microsoft.com/office/drawing/2010/main" w="9525">
                 <a:solidFill>
                   <a:schemeClr val="tx1"/>
                 </a:solidFill>
@@ -24473,7 +24473,7 @@
               </a14:hiddenLine>
             </a:ext>
             <a:ext uri="{AF507438-7753-43e0-B8FC-AC1667EBCBE1}">
-              <a14:hiddenEffects xmlns:a14="http://schemas.microsoft.com/office/drawing/2010/main" xmlns="">
+              <a14:hiddenEffects xmlns="" xmlns:a14="http://schemas.microsoft.com/office/drawing/2010/main">
                 <a:effectLst>
                   <a:outerShdw blurRad="63500" dist="38099" dir="2700000" algn="ctr" rotWithShape="0">
                     <a:schemeClr val="bg2">
@@ -24528,12 +24528,12 @@
           <a:effectLst/>
           <a:extLst>
             <a:ext uri="{909E8E84-426E-40dd-AFC4-6F175D3DCCD1}">
-              <a14:hiddenFill xmlns:a14="http://schemas.microsoft.com/office/drawing/2010/main" xmlns="">
+              <a14:hiddenFill xmlns="" xmlns:a14="http://schemas.microsoft.com/office/drawing/2010/main">
                 <a:noFill/>
               </a14:hiddenFill>
             </a:ext>
             <a:ext uri="{AF507438-7753-43e0-B8FC-AC1667EBCBE1}">
-              <a14:hiddenEffects xmlns:a14="http://schemas.microsoft.com/office/drawing/2010/main" xmlns="">
+              <a14:hiddenEffects xmlns="" xmlns:a14="http://schemas.microsoft.com/office/drawing/2010/main">
                 <a:effectLst>
                   <a:outerShdw blurRad="63500" dist="38099" dir="2700000" algn="ctr" rotWithShape="0">
                     <a:schemeClr val="bg2">
@@ -24576,14 +24576,14 @@
           <a:effectLst/>
           <a:extLst>
             <a:ext uri="{909E8E84-426E-40dd-AFC4-6F175D3DCCD1}">
-              <a14:hiddenFill xmlns:a14="http://schemas.microsoft.com/office/drawing/2010/main" xmlns="">
+              <a14:hiddenFill xmlns="" xmlns:a14="http://schemas.microsoft.com/office/drawing/2010/main">
                 <a:solidFill>
                   <a:schemeClr val="accent1"/>
                 </a:solidFill>
               </a14:hiddenFill>
             </a:ext>
             <a:ext uri="{91240B29-F687-4f45-9708-019B960494DF}">
-              <a14:hiddenLine xmlns:a14="http://schemas.microsoft.com/office/drawing/2010/main" xmlns="" w="9525">
+              <a14:hiddenLine xmlns="" xmlns:a14="http://schemas.microsoft.com/office/drawing/2010/main" w="9525">
                 <a:solidFill>
                   <a:schemeClr val="tx1"/>
                 </a:solidFill>
@@ -24593,7 +24593,7 @@
               </a14:hiddenLine>
             </a:ext>
             <a:ext uri="{AF507438-7753-43e0-B8FC-AC1667EBCBE1}">
-              <a14:hiddenEffects xmlns:a14="http://schemas.microsoft.com/office/drawing/2010/main" xmlns="">
+              <a14:hiddenEffects xmlns="" xmlns:a14="http://schemas.microsoft.com/office/drawing/2010/main">
                 <a:effectLst>
                   <a:outerShdw blurRad="63500" dist="38099" dir="2700000" algn="ctr" rotWithShape="0">
                     <a:schemeClr val="bg2">
@@ -24756,14 +24756,14 @@
           <a:effectLst/>
           <a:extLst>
             <a:ext uri="{909E8E84-426E-40dd-AFC4-6F175D3DCCD1}">
-              <a14:hiddenFill xmlns:a14="http://schemas.microsoft.com/office/drawing/2010/main" xmlns="">
+              <a14:hiddenFill xmlns="" xmlns:a14="http://schemas.microsoft.com/office/drawing/2010/main">
                 <a:solidFill>
                   <a:schemeClr val="accent1"/>
                 </a:solidFill>
               </a14:hiddenFill>
             </a:ext>
             <a:ext uri="{AF507438-7753-43e0-B8FC-AC1667EBCBE1}">
-              <a14:hiddenEffects xmlns:a14="http://schemas.microsoft.com/office/drawing/2010/main" xmlns="">
+              <a14:hiddenEffects xmlns="" xmlns:a14="http://schemas.microsoft.com/office/drawing/2010/main">
                 <a:effectLst>
                   <a:outerShdw blurRad="63500" dist="38099" dir="2700000" algn="ctr" rotWithShape="0">
                     <a:schemeClr val="bg2">
@@ -24806,14 +24806,14 @@
           <a:effectLst/>
           <a:extLst>
             <a:ext uri="{909E8E84-426E-40dd-AFC4-6F175D3DCCD1}">
-              <a14:hiddenFill xmlns:a14="http://schemas.microsoft.com/office/drawing/2010/main" xmlns="">
+              <a14:hiddenFill xmlns="" xmlns:a14="http://schemas.microsoft.com/office/drawing/2010/main">
                 <a:solidFill>
                   <a:schemeClr val="accent1"/>
                 </a:solidFill>
               </a14:hiddenFill>
             </a:ext>
             <a:ext uri="{91240B29-F687-4f45-9708-019B960494DF}">
-              <a14:hiddenLine xmlns:a14="http://schemas.microsoft.com/office/drawing/2010/main" xmlns="" w="9525">
+              <a14:hiddenLine xmlns="" xmlns:a14="http://schemas.microsoft.com/office/drawing/2010/main" w="9525">
                 <a:solidFill>
                   <a:schemeClr val="tx1"/>
                 </a:solidFill>
@@ -24823,7 +24823,7 @@
               </a14:hiddenLine>
             </a:ext>
             <a:ext uri="{AF507438-7753-43e0-B8FC-AC1667EBCBE1}">
-              <a14:hiddenEffects xmlns:a14="http://schemas.microsoft.com/office/drawing/2010/main" xmlns="">
+              <a14:hiddenEffects xmlns="" xmlns:a14="http://schemas.microsoft.com/office/drawing/2010/main">
                 <a:effectLst>
                   <a:outerShdw blurRad="63500" dist="38099" dir="2700000" algn="ctr" rotWithShape="0">
                     <a:schemeClr val="bg2">
@@ -24904,14 +24904,14 @@
           <a:effectLst/>
           <a:extLst>
             <a:ext uri="{909E8E84-426E-40dd-AFC4-6F175D3DCCD1}">
-              <a14:hiddenFill xmlns:a14="http://schemas.microsoft.com/office/drawing/2010/main" xmlns="">
+              <a14:hiddenFill xmlns="" xmlns:a14="http://schemas.microsoft.com/office/drawing/2010/main">
                 <a:solidFill>
                   <a:schemeClr val="accent1"/>
                 </a:solidFill>
               </a14:hiddenFill>
             </a:ext>
             <a:ext uri="{91240B29-F687-4f45-9708-019B960494DF}">
-              <a14:hiddenLine xmlns:a14="http://schemas.microsoft.com/office/drawing/2010/main" xmlns="" w="9525">
+              <a14:hiddenLine xmlns="" xmlns:a14="http://schemas.microsoft.com/office/drawing/2010/main" w="9525">
                 <a:solidFill>
                   <a:schemeClr val="tx1"/>
                 </a:solidFill>
@@ -24921,7 +24921,7 @@
               </a14:hiddenLine>
             </a:ext>
             <a:ext uri="{AF507438-7753-43e0-B8FC-AC1667EBCBE1}">
-              <a14:hiddenEffects xmlns:a14="http://schemas.microsoft.com/office/drawing/2010/main" xmlns="">
+              <a14:hiddenEffects xmlns="" xmlns:a14="http://schemas.microsoft.com/office/drawing/2010/main">
                 <a:effectLst>
                   <a:outerShdw blurRad="63500" dist="38099" dir="2700000" algn="ctr" rotWithShape="0">
                     <a:schemeClr val="bg2">
@@ -25098,14 +25098,14 @@
           <a:effectLst/>
           <a:extLst>
             <a:ext uri="{909E8E84-426E-40dd-AFC4-6F175D3DCCD1}">
-              <a14:hiddenFill xmlns:a14="http://schemas.microsoft.com/office/drawing/2010/main" xmlns="">
+              <a14:hiddenFill xmlns="" xmlns:a14="http://schemas.microsoft.com/office/drawing/2010/main">
                 <a:solidFill>
                   <a:schemeClr val="accent1"/>
                 </a:solidFill>
               </a14:hiddenFill>
             </a:ext>
             <a:ext uri="{AF507438-7753-43e0-B8FC-AC1667EBCBE1}">
-              <a14:hiddenEffects xmlns:a14="http://schemas.microsoft.com/office/drawing/2010/main" xmlns="">
+              <a14:hiddenEffects xmlns="" xmlns:a14="http://schemas.microsoft.com/office/drawing/2010/main">
                 <a:effectLst>
                   <a:outerShdw blurRad="63500" dist="38099" dir="2700000" algn="ctr" rotWithShape="0">
                     <a:schemeClr val="bg2">
@@ -25190,14 +25190,14 @@
           <a:effectLst/>
           <a:extLst>
             <a:ext uri="{909E8E84-426E-40dd-AFC4-6F175D3DCCD1}">
-              <a14:hiddenFill xmlns:a14="http://schemas.microsoft.com/office/drawing/2010/main" xmlns="">
+              <a14:hiddenFill xmlns="" xmlns:a14="http://schemas.microsoft.com/office/drawing/2010/main">
                 <a:solidFill>
                   <a:schemeClr val="accent1"/>
                 </a:solidFill>
               </a14:hiddenFill>
             </a:ext>
             <a:ext uri="{AF507438-7753-43e0-B8FC-AC1667EBCBE1}">
-              <a14:hiddenEffects xmlns:a14="http://schemas.microsoft.com/office/drawing/2010/main" xmlns="">
+              <a14:hiddenEffects xmlns="" xmlns:a14="http://schemas.microsoft.com/office/drawing/2010/main">
                 <a:effectLst>
                   <a:outerShdw blurRad="63500" dist="38099" dir="2700000" algn="ctr" rotWithShape="0">
                     <a:schemeClr val="bg2">
@@ -25279,14 +25279,14 @@
           <a:effectLst/>
           <a:extLst>
             <a:ext uri="{909E8E84-426E-40dd-AFC4-6F175D3DCCD1}">
-              <a14:hiddenFill xmlns:a14="http://schemas.microsoft.com/office/drawing/2010/main" xmlns="">
+              <a14:hiddenFill xmlns="" xmlns:a14="http://schemas.microsoft.com/office/drawing/2010/main">
                 <a:solidFill>
                   <a:schemeClr val="accent1"/>
                 </a:solidFill>
               </a14:hiddenFill>
             </a:ext>
             <a:ext uri="{AF507438-7753-43e0-B8FC-AC1667EBCBE1}">
-              <a14:hiddenEffects xmlns:a14="http://schemas.microsoft.com/office/drawing/2010/main" xmlns="">
+              <a14:hiddenEffects xmlns="" xmlns:a14="http://schemas.microsoft.com/office/drawing/2010/main">
                 <a:effectLst>
                   <a:outerShdw blurRad="63500" dist="38099" dir="2700000" algn="ctr" rotWithShape="0">
                     <a:schemeClr val="bg2">
@@ -25371,14 +25371,14 @@
           <a:effectLst/>
           <a:extLst>
             <a:ext uri="{909E8E84-426E-40dd-AFC4-6F175D3DCCD1}">
-              <a14:hiddenFill xmlns:a14="http://schemas.microsoft.com/office/drawing/2010/main" xmlns="">
+              <a14:hiddenFill xmlns="" xmlns:a14="http://schemas.microsoft.com/office/drawing/2010/main">
                 <a:solidFill>
                   <a:schemeClr val="accent1"/>
                 </a:solidFill>
               </a14:hiddenFill>
             </a:ext>
             <a:ext uri="{AF507438-7753-43e0-B8FC-AC1667EBCBE1}">
-              <a14:hiddenEffects xmlns:a14="http://schemas.microsoft.com/office/drawing/2010/main" xmlns="">
+              <a14:hiddenEffects xmlns="" xmlns:a14="http://schemas.microsoft.com/office/drawing/2010/main">
                 <a:effectLst>
                   <a:outerShdw blurRad="63500" dist="38099" dir="2700000" algn="ctr" rotWithShape="0">
                     <a:schemeClr val="bg2">
@@ -25463,14 +25463,14 @@
           <a:effectLst/>
           <a:extLst>
             <a:ext uri="{909E8E84-426E-40dd-AFC4-6F175D3DCCD1}">
-              <a14:hiddenFill xmlns:a14="http://schemas.microsoft.com/office/drawing/2010/main" xmlns="">
+              <a14:hiddenFill xmlns="" xmlns:a14="http://schemas.microsoft.com/office/drawing/2010/main">
                 <a:solidFill>
                   <a:schemeClr val="accent1"/>
                 </a:solidFill>
               </a14:hiddenFill>
             </a:ext>
             <a:ext uri="{AF507438-7753-43e0-B8FC-AC1667EBCBE1}">
-              <a14:hiddenEffects xmlns:a14="http://schemas.microsoft.com/office/drawing/2010/main" xmlns="">
+              <a14:hiddenEffects xmlns="" xmlns:a14="http://schemas.microsoft.com/office/drawing/2010/main">
                 <a:effectLst>
                   <a:outerShdw blurRad="63500" dist="38099" dir="2700000" algn="ctr" rotWithShape="0">
                     <a:schemeClr val="bg2">
@@ -25549,14 +25549,14 @@
           <a:effectLst/>
           <a:extLst>
             <a:ext uri="{909E8E84-426E-40dd-AFC4-6F175D3DCCD1}">
-              <a14:hiddenFill xmlns:a14="http://schemas.microsoft.com/office/drawing/2010/main" xmlns="">
+              <a14:hiddenFill xmlns="" xmlns:a14="http://schemas.microsoft.com/office/drawing/2010/main">
                 <a:solidFill>
                   <a:schemeClr val="accent1"/>
                 </a:solidFill>
               </a14:hiddenFill>
             </a:ext>
             <a:ext uri="{AF507438-7753-43e0-B8FC-AC1667EBCBE1}">
-              <a14:hiddenEffects xmlns:a14="http://schemas.microsoft.com/office/drawing/2010/main" xmlns="">
+              <a14:hiddenEffects xmlns="" xmlns:a14="http://schemas.microsoft.com/office/drawing/2010/main">
                 <a:effectLst>
                   <a:outerShdw blurRad="63500" dist="38099" dir="2700000" algn="ctr" rotWithShape="0">
                     <a:schemeClr val="bg2">
@@ -25635,12 +25635,12 @@
           <a:effectLst/>
           <a:extLst>
             <a:ext uri="{909E8E84-426E-40dd-AFC4-6F175D3DCCD1}">
-              <a14:hiddenFill xmlns:a14="http://schemas.microsoft.com/office/drawing/2010/main" xmlns="">
+              <a14:hiddenFill xmlns="" xmlns:a14="http://schemas.microsoft.com/office/drawing/2010/main">
                 <a:noFill/>
               </a14:hiddenFill>
             </a:ext>
             <a:ext uri="{AF507438-7753-43e0-B8FC-AC1667EBCBE1}">
-              <a14:hiddenEffects xmlns:a14="http://schemas.microsoft.com/office/drawing/2010/main" xmlns="">
+              <a14:hiddenEffects xmlns="" xmlns:a14="http://schemas.microsoft.com/office/drawing/2010/main">
                 <a:effectLst>
                   <a:outerShdw blurRad="63500" dist="38099" dir="2700000" algn="ctr" rotWithShape="0">
                     <a:schemeClr val="bg2">
@@ -25683,14 +25683,14 @@
           <a:effectLst/>
           <a:extLst>
             <a:ext uri="{909E8E84-426E-40dd-AFC4-6F175D3DCCD1}">
-              <a14:hiddenFill xmlns:a14="http://schemas.microsoft.com/office/drawing/2010/main" xmlns="">
+              <a14:hiddenFill xmlns="" xmlns:a14="http://schemas.microsoft.com/office/drawing/2010/main">
                 <a:solidFill>
                   <a:schemeClr val="accent1"/>
                 </a:solidFill>
               </a14:hiddenFill>
             </a:ext>
             <a:ext uri="{91240B29-F687-4f45-9708-019B960494DF}">
-              <a14:hiddenLine xmlns:a14="http://schemas.microsoft.com/office/drawing/2010/main" xmlns="" w="9525">
+              <a14:hiddenLine xmlns="" xmlns:a14="http://schemas.microsoft.com/office/drawing/2010/main" w="9525">
                 <a:solidFill>
                   <a:schemeClr val="tx1"/>
                 </a:solidFill>
@@ -25700,7 +25700,7 @@
               </a14:hiddenLine>
             </a:ext>
             <a:ext uri="{AF507438-7753-43e0-B8FC-AC1667EBCBE1}">
-              <a14:hiddenEffects xmlns:a14="http://schemas.microsoft.com/office/drawing/2010/main" xmlns="">
+              <a14:hiddenEffects xmlns="" xmlns:a14="http://schemas.microsoft.com/office/drawing/2010/main">
                 <a:effectLst>
                   <a:outerShdw blurRad="63500" dist="38099" dir="2700000" algn="ctr" rotWithShape="0">
                     <a:schemeClr val="bg2">
@@ -25758,12 +25758,12 @@
           <a:effectLst/>
           <a:extLst>
             <a:ext uri="{909E8E84-426E-40dd-AFC4-6F175D3DCCD1}">
-              <a14:hiddenFill xmlns:a14="http://schemas.microsoft.com/office/drawing/2010/main" xmlns="">
+              <a14:hiddenFill xmlns="" xmlns:a14="http://schemas.microsoft.com/office/drawing/2010/main">
                 <a:noFill/>
               </a14:hiddenFill>
             </a:ext>
             <a:ext uri="{AF507438-7753-43e0-B8FC-AC1667EBCBE1}">
-              <a14:hiddenEffects xmlns:a14="http://schemas.microsoft.com/office/drawing/2010/main" xmlns="">
+              <a14:hiddenEffects xmlns="" xmlns:a14="http://schemas.microsoft.com/office/drawing/2010/main">
                 <a:effectLst>
                   <a:outerShdw blurRad="63500" dist="38099" dir="2700000" algn="ctr" rotWithShape="0">
                     <a:schemeClr val="bg2">
@@ -25806,14 +25806,14 @@
           <a:effectLst/>
           <a:extLst>
             <a:ext uri="{909E8E84-426E-40dd-AFC4-6F175D3DCCD1}">
-              <a14:hiddenFill xmlns:a14="http://schemas.microsoft.com/office/drawing/2010/main" xmlns="">
+              <a14:hiddenFill xmlns="" xmlns:a14="http://schemas.microsoft.com/office/drawing/2010/main">
                 <a:solidFill>
                   <a:schemeClr val="accent1"/>
                 </a:solidFill>
               </a14:hiddenFill>
             </a:ext>
             <a:ext uri="{91240B29-F687-4f45-9708-019B960494DF}">
-              <a14:hiddenLine xmlns:a14="http://schemas.microsoft.com/office/drawing/2010/main" xmlns="" w="9525">
+              <a14:hiddenLine xmlns="" xmlns:a14="http://schemas.microsoft.com/office/drawing/2010/main" w="9525">
                 <a:solidFill>
                   <a:schemeClr val="tx1"/>
                 </a:solidFill>
@@ -25823,7 +25823,7 @@
               </a14:hiddenLine>
             </a:ext>
             <a:ext uri="{AF507438-7753-43e0-B8FC-AC1667EBCBE1}">
-              <a14:hiddenEffects xmlns:a14="http://schemas.microsoft.com/office/drawing/2010/main" xmlns="">
+              <a14:hiddenEffects xmlns="" xmlns:a14="http://schemas.microsoft.com/office/drawing/2010/main">
                 <a:effectLst>
                   <a:outerShdw blurRad="63500" dist="38099" dir="2700000" algn="ctr" rotWithShape="0">
                     <a:schemeClr val="bg2">
@@ -25881,12 +25881,12 @@
           <a:effectLst/>
           <a:extLst>
             <a:ext uri="{909E8E84-426E-40dd-AFC4-6F175D3DCCD1}">
-              <a14:hiddenFill xmlns:a14="http://schemas.microsoft.com/office/drawing/2010/main" xmlns="">
+              <a14:hiddenFill xmlns="" xmlns:a14="http://schemas.microsoft.com/office/drawing/2010/main">
                 <a:noFill/>
               </a14:hiddenFill>
             </a:ext>
             <a:ext uri="{AF507438-7753-43e0-B8FC-AC1667EBCBE1}">
-              <a14:hiddenEffects xmlns:a14="http://schemas.microsoft.com/office/drawing/2010/main" xmlns="">
+              <a14:hiddenEffects xmlns="" xmlns:a14="http://schemas.microsoft.com/office/drawing/2010/main">
                 <a:effectLst>
                   <a:outerShdw blurRad="63500" dist="38099" dir="2700000" algn="ctr" rotWithShape="0">
                     <a:schemeClr val="bg2">
@@ -25929,14 +25929,14 @@
           <a:effectLst/>
           <a:extLst>
             <a:ext uri="{909E8E84-426E-40dd-AFC4-6F175D3DCCD1}">
-              <a14:hiddenFill xmlns:a14="http://schemas.microsoft.com/office/drawing/2010/main" xmlns="">
+              <a14:hiddenFill xmlns="" xmlns:a14="http://schemas.microsoft.com/office/drawing/2010/main">
                 <a:solidFill>
                   <a:schemeClr val="accent1"/>
                 </a:solidFill>
               </a14:hiddenFill>
             </a:ext>
             <a:ext uri="{91240B29-F687-4f45-9708-019B960494DF}">
-              <a14:hiddenLine xmlns:a14="http://schemas.microsoft.com/office/drawing/2010/main" xmlns="" w="9525">
+              <a14:hiddenLine xmlns="" xmlns:a14="http://schemas.microsoft.com/office/drawing/2010/main" w="9525">
                 <a:solidFill>
                   <a:schemeClr val="tx1"/>
                 </a:solidFill>
@@ -25946,7 +25946,7 @@
               </a14:hiddenLine>
             </a:ext>
             <a:ext uri="{AF507438-7753-43e0-B8FC-AC1667EBCBE1}">
-              <a14:hiddenEffects xmlns:a14="http://schemas.microsoft.com/office/drawing/2010/main" xmlns="">
+              <a14:hiddenEffects xmlns="" xmlns:a14="http://schemas.microsoft.com/office/drawing/2010/main">
                 <a:effectLst>
                   <a:outerShdw blurRad="63500" dist="38099" dir="2700000" algn="ctr" rotWithShape="0">
                     <a:schemeClr val="bg2">
@@ -26004,12 +26004,12 @@
           <a:effectLst/>
           <a:extLst>
             <a:ext uri="{909E8E84-426E-40dd-AFC4-6F175D3DCCD1}">
-              <a14:hiddenFill xmlns:a14="http://schemas.microsoft.com/office/drawing/2010/main" xmlns="">
+              <a14:hiddenFill xmlns="" xmlns:a14="http://schemas.microsoft.com/office/drawing/2010/main">
                 <a:noFill/>
               </a14:hiddenFill>
             </a:ext>
             <a:ext uri="{AF507438-7753-43e0-B8FC-AC1667EBCBE1}">
-              <a14:hiddenEffects xmlns:a14="http://schemas.microsoft.com/office/drawing/2010/main" xmlns="">
+              <a14:hiddenEffects xmlns="" xmlns:a14="http://schemas.microsoft.com/office/drawing/2010/main">
                 <a:effectLst>
                   <a:outerShdw blurRad="63500" dist="38099" dir="2700000" algn="ctr" rotWithShape="0">
                     <a:schemeClr val="bg2">
@@ -26052,14 +26052,14 @@
           <a:effectLst/>
           <a:extLst>
             <a:ext uri="{909E8E84-426E-40dd-AFC4-6F175D3DCCD1}">
-              <a14:hiddenFill xmlns:a14="http://schemas.microsoft.com/office/drawing/2010/main" xmlns="">
+              <a14:hiddenFill xmlns="" xmlns:a14="http://schemas.microsoft.com/office/drawing/2010/main">
                 <a:solidFill>
                   <a:schemeClr val="accent1"/>
                 </a:solidFill>
               </a14:hiddenFill>
             </a:ext>
             <a:ext uri="{91240B29-F687-4f45-9708-019B960494DF}">
-              <a14:hiddenLine xmlns:a14="http://schemas.microsoft.com/office/drawing/2010/main" xmlns="" w="9525">
+              <a14:hiddenLine xmlns="" xmlns:a14="http://schemas.microsoft.com/office/drawing/2010/main" w="9525">
                 <a:solidFill>
                   <a:schemeClr val="tx1"/>
                 </a:solidFill>
@@ -26069,7 +26069,7 @@
               </a14:hiddenLine>
             </a:ext>
             <a:ext uri="{AF507438-7753-43e0-B8FC-AC1667EBCBE1}">
-              <a14:hiddenEffects xmlns:a14="http://schemas.microsoft.com/office/drawing/2010/main" xmlns="">
+              <a14:hiddenEffects xmlns="" xmlns:a14="http://schemas.microsoft.com/office/drawing/2010/main">
                 <a:effectLst>
                   <a:outerShdw blurRad="63500" dist="38099" dir="2700000" algn="ctr" rotWithShape="0">
                     <a:schemeClr val="bg2">
@@ -26127,12 +26127,12 @@
           <a:effectLst/>
           <a:extLst>
             <a:ext uri="{909E8E84-426E-40dd-AFC4-6F175D3DCCD1}">
-              <a14:hiddenFill xmlns:a14="http://schemas.microsoft.com/office/drawing/2010/main" xmlns="">
+              <a14:hiddenFill xmlns="" xmlns:a14="http://schemas.microsoft.com/office/drawing/2010/main">
                 <a:noFill/>
               </a14:hiddenFill>
             </a:ext>
             <a:ext uri="{AF507438-7753-43e0-B8FC-AC1667EBCBE1}">
-              <a14:hiddenEffects xmlns:a14="http://schemas.microsoft.com/office/drawing/2010/main" xmlns="">
+              <a14:hiddenEffects xmlns="" xmlns:a14="http://schemas.microsoft.com/office/drawing/2010/main">
                 <a:effectLst>
                   <a:outerShdw blurRad="63500" dist="38099" dir="2700000" algn="ctr" rotWithShape="0">
                     <a:schemeClr val="bg2">
@@ -26175,14 +26175,14 @@
           <a:effectLst/>
           <a:extLst>
             <a:ext uri="{909E8E84-426E-40dd-AFC4-6F175D3DCCD1}">
-              <a14:hiddenFill xmlns:a14="http://schemas.microsoft.com/office/drawing/2010/main" xmlns="">
+              <a14:hiddenFill xmlns="" xmlns:a14="http://schemas.microsoft.com/office/drawing/2010/main">
                 <a:solidFill>
                   <a:schemeClr val="accent1"/>
                 </a:solidFill>
               </a14:hiddenFill>
             </a:ext>
             <a:ext uri="{91240B29-F687-4f45-9708-019B960494DF}">
-              <a14:hiddenLine xmlns:a14="http://schemas.microsoft.com/office/drawing/2010/main" xmlns="" w="9525">
+              <a14:hiddenLine xmlns="" xmlns:a14="http://schemas.microsoft.com/office/drawing/2010/main" w="9525">
                 <a:solidFill>
                   <a:schemeClr val="tx1"/>
                 </a:solidFill>
@@ -26192,7 +26192,7 @@
               </a14:hiddenLine>
             </a:ext>
             <a:ext uri="{AF507438-7753-43e0-B8FC-AC1667EBCBE1}">
-              <a14:hiddenEffects xmlns:a14="http://schemas.microsoft.com/office/drawing/2010/main" xmlns="">
+              <a14:hiddenEffects xmlns="" xmlns:a14="http://schemas.microsoft.com/office/drawing/2010/main">
                 <a:effectLst>
                   <a:outerShdw blurRad="63500" dist="38099" dir="2700000" algn="ctr" rotWithShape="0">
                     <a:schemeClr val="bg2">
@@ -26247,12 +26247,12 @@
           <a:effectLst/>
           <a:extLst>
             <a:ext uri="{909E8E84-426E-40dd-AFC4-6F175D3DCCD1}">
-              <a14:hiddenFill xmlns:a14="http://schemas.microsoft.com/office/drawing/2010/main" xmlns="">
+              <a14:hiddenFill xmlns="" xmlns:a14="http://schemas.microsoft.com/office/drawing/2010/main">
                 <a:noFill/>
               </a14:hiddenFill>
             </a:ext>
             <a:ext uri="{AF507438-7753-43e0-B8FC-AC1667EBCBE1}">
-              <a14:hiddenEffects xmlns:a14="http://schemas.microsoft.com/office/drawing/2010/main" xmlns="">
+              <a14:hiddenEffects xmlns="" xmlns:a14="http://schemas.microsoft.com/office/drawing/2010/main">
                 <a:effectLst>
                   <a:outerShdw blurRad="63500" dist="38099" dir="2700000" algn="ctr" rotWithShape="0">
                     <a:schemeClr val="bg2">
@@ -26295,14 +26295,14 @@
           <a:effectLst/>
           <a:extLst>
             <a:ext uri="{909E8E84-426E-40dd-AFC4-6F175D3DCCD1}">
-              <a14:hiddenFill xmlns:a14="http://schemas.microsoft.com/office/drawing/2010/main" xmlns="">
+              <a14:hiddenFill xmlns="" xmlns:a14="http://schemas.microsoft.com/office/drawing/2010/main">
                 <a:solidFill>
                   <a:schemeClr val="accent1"/>
                 </a:solidFill>
               </a14:hiddenFill>
             </a:ext>
             <a:ext uri="{91240B29-F687-4f45-9708-019B960494DF}">
-              <a14:hiddenLine xmlns:a14="http://schemas.microsoft.com/office/drawing/2010/main" xmlns="" w="9525">
+              <a14:hiddenLine xmlns="" xmlns:a14="http://schemas.microsoft.com/office/drawing/2010/main" w="9525">
                 <a:solidFill>
                   <a:schemeClr val="tx1"/>
                 </a:solidFill>
@@ -26312,7 +26312,7 @@
               </a14:hiddenLine>
             </a:ext>
             <a:ext uri="{AF507438-7753-43e0-B8FC-AC1667EBCBE1}">
-              <a14:hiddenEffects xmlns:a14="http://schemas.microsoft.com/office/drawing/2010/main" xmlns="">
+              <a14:hiddenEffects xmlns="" xmlns:a14="http://schemas.microsoft.com/office/drawing/2010/main">
                 <a:effectLst>
                   <a:outerShdw blurRad="63500" dist="38099" dir="2700000" algn="ctr" rotWithShape="0">
                     <a:schemeClr val="bg2">
@@ -26367,12 +26367,12 @@
           <a:effectLst/>
           <a:extLst>
             <a:ext uri="{909E8E84-426E-40dd-AFC4-6F175D3DCCD1}">
-              <a14:hiddenFill xmlns:a14="http://schemas.microsoft.com/office/drawing/2010/main" xmlns="">
+              <a14:hiddenFill xmlns="" xmlns:a14="http://schemas.microsoft.com/office/drawing/2010/main">
                 <a:noFill/>
               </a14:hiddenFill>
             </a:ext>
             <a:ext uri="{AF507438-7753-43e0-B8FC-AC1667EBCBE1}">
-              <a14:hiddenEffects xmlns:a14="http://schemas.microsoft.com/office/drawing/2010/main" xmlns="">
+              <a14:hiddenEffects xmlns="" xmlns:a14="http://schemas.microsoft.com/office/drawing/2010/main">
                 <a:effectLst>
                   <a:outerShdw blurRad="63500" dist="38099" dir="2700000" algn="ctr" rotWithShape="0">
                     <a:schemeClr val="bg2">
@@ -26415,14 +26415,14 @@
           <a:effectLst/>
           <a:extLst>
             <a:ext uri="{909E8E84-426E-40dd-AFC4-6F175D3DCCD1}">
-              <a14:hiddenFill xmlns:a14="http://schemas.microsoft.com/office/drawing/2010/main" xmlns="">
+              <a14:hiddenFill xmlns="" xmlns:a14="http://schemas.microsoft.com/office/drawing/2010/main">
                 <a:solidFill>
                   <a:schemeClr val="accent1"/>
                 </a:solidFill>
               </a14:hiddenFill>
             </a:ext>
             <a:ext uri="{91240B29-F687-4f45-9708-019B960494DF}">
-              <a14:hiddenLine xmlns:a14="http://schemas.microsoft.com/office/drawing/2010/main" xmlns="" w="9525">
+              <a14:hiddenLine xmlns="" xmlns:a14="http://schemas.microsoft.com/office/drawing/2010/main" w="9525">
                 <a:solidFill>
                   <a:schemeClr val="tx1"/>
                 </a:solidFill>
@@ -26432,7 +26432,7 @@
               </a14:hiddenLine>
             </a:ext>
             <a:ext uri="{AF507438-7753-43e0-B8FC-AC1667EBCBE1}">
-              <a14:hiddenEffects xmlns:a14="http://schemas.microsoft.com/office/drawing/2010/main" xmlns="">
+              <a14:hiddenEffects xmlns="" xmlns:a14="http://schemas.microsoft.com/office/drawing/2010/main">
                 <a:effectLst>
                   <a:outerShdw blurRad="63500" dist="38099" dir="2700000" algn="ctr" rotWithShape="0">
                     <a:schemeClr val="bg2">
@@ -26595,14 +26595,14 @@
           <a:effectLst/>
           <a:extLst>
             <a:ext uri="{909E8E84-426E-40dd-AFC4-6F175D3DCCD1}">
-              <a14:hiddenFill xmlns:a14="http://schemas.microsoft.com/office/drawing/2010/main" xmlns="">
+              <a14:hiddenFill xmlns="" xmlns:a14="http://schemas.microsoft.com/office/drawing/2010/main">
                 <a:solidFill>
                   <a:schemeClr val="accent1"/>
                 </a:solidFill>
               </a14:hiddenFill>
             </a:ext>
             <a:ext uri="{AF507438-7753-43e0-B8FC-AC1667EBCBE1}">
-              <a14:hiddenEffects xmlns:a14="http://schemas.microsoft.com/office/drawing/2010/main" xmlns="">
+              <a14:hiddenEffects xmlns="" xmlns:a14="http://schemas.microsoft.com/office/drawing/2010/main">
                 <a:effectLst>
                   <a:outerShdw blurRad="63500" dist="38099" dir="2700000" algn="ctr" rotWithShape="0">
                     <a:schemeClr val="bg2">
@@ -26645,14 +26645,14 @@
           <a:effectLst/>
           <a:extLst>
             <a:ext uri="{909E8E84-426E-40dd-AFC4-6F175D3DCCD1}">
-              <a14:hiddenFill xmlns:a14="http://schemas.microsoft.com/office/drawing/2010/main" xmlns="">
+              <a14:hiddenFill xmlns="" xmlns:a14="http://schemas.microsoft.com/office/drawing/2010/main">
                 <a:solidFill>
                   <a:schemeClr val="accent1"/>
                 </a:solidFill>
               </a14:hiddenFill>
             </a:ext>
             <a:ext uri="{91240B29-F687-4f45-9708-019B960494DF}">
-              <a14:hiddenLine xmlns:a14="http://schemas.microsoft.com/office/drawing/2010/main" xmlns="" w="9525">
+              <a14:hiddenLine xmlns="" xmlns:a14="http://schemas.microsoft.com/office/drawing/2010/main" w="9525">
                 <a:solidFill>
                   <a:schemeClr val="tx1"/>
                 </a:solidFill>
@@ -26662,7 +26662,7 @@
               </a14:hiddenLine>
             </a:ext>
             <a:ext uri="{AF507438-7753-43e0-B8FC-AC1667EBCBE1}">
-              <a14:hiddenEffects xmlns:a14="http://schemas.microsoft.com/office/drawing/2010/main" xmlns="">
+              <a14:hiddenEffects xmlns="" xmlns:a14="http://schemas.microsoft.com/office/drawing/2010/main">
                 <a:effectLst>
                   <a:outerShdw blurRad="63500" dist="38099" dir="2700000" algn="ctr" rotWithShape="0">
                     <a:schemeClr val="bg2">
@@ -26717,14 +26717,14 @@
           <a:effectLst/>
           <a:extLst>
             <a:ext uri="{909E8E84-426E-40dd-AFC4-6F175D3DCCD1}">
-              <a14:hiddenFill xmlns:a14="http://schemas.microsoft.com/office/drawing/2010/main" xmlns="">
+              <a14:hiddenFill xmlns="" xmlns:a14="http://schemas.microsoft.com/office/drawing/2010/main">
                 <a:solidFill>
                   <a:schemeClr val="accent1"/>
                 </a:solidFill>
               </a14:hiddenFill>
             </a:ext>
             <a:ext uri="{AF507438-7753-43e0-B8FC-AC1667EBCBE1}">
-              <a14:hiddenEffects xmlns:a14="http://schemas.microsoft.com/office/drawing/2010/main" xmlns="">
+              <a14:hiddenEffects xmlns="" xmlns:a14="http://schemas.microsoft.com/office/drawing/2010/main">
                 <a:effectLst>
                   <a:outerShdw blurRad="63500" dist="38099" dir="2700000" algn="ctr" rotWithShape="0">
                     <a:schemeClr val="bg2">
@@ -26832,14 +26832,14 @@
           <a:effectLst/>
           <a:extLst>
             <a:ext uri="{909E8E84-426E-40dd-AFC4-6F175D3DCCD1}">
-              <a14:hiddenFill xmlns:a14="http://schemas.microsoft.com/office/drawing/2010/main" xmlns="">
+              <a14:hiddenFill xmlns="" xmlns:a14="http://schemas.microsoft.com/office/drawing/2010/main">
                 <a:solidFill>
                   <a:schemeClr val="accent1"/>
                 </a:solidFill>
               </a14:hiddenFill>
             </a:ext>
             <a:ext uri="{91240B29-F687-4f45-9708-019B960494DF}">
-              <a14:hiddenLine xmlns:a14="http://schemas.microsoft.com/office/drawing/2010/main" xmlns="" w="9525">
+              <a14:hiddenLine xmlns="" xmlns:a14="http://schemas.microsoft.com/office/drawing/2010/main" w="9525">
                 <a:solidFill>
                   <a:schemeClr val="tx1"/>
                 </a:solidFill>
@@ -26849,7 +26849,7 @@
               </a14:hiddenLine>
             </a:ext>
             <a:ext uri="{AF507438-7753-43e0-B8FC-AC1667EBCBE1}">
-              <a14:hiddenEffects xmlns:a14="http://schemas.microsoft.com/office/drawing/2010/main" xmlns="">
+              <a14:hiddenEffects xmlns="" xmlns:a14="http://schemas.microsoft.com/office/drawing/2010/main">
                 <a:effectLst>
                   <a:outerShdw blurRad="63500" dist="38099" dir="2700000" algn="ctr" rotWithShape="0">
                     <a:schemeClr val="bg2">
@@ -27020,14 +27020,14 @@
           <a:effectLst/>
           <a:extLst>
             <a:ext uri="{909E8E84-426E-40dd-AFC4-6F175D3DCCD1}">
-              <a14:hiddenFill xmlns:a14="http://schemas.microsoft.com/office/drawing/2010/main" xmlns="">
+              <a14:hiddenFill xmlns="" xmlns:a14="http://schemas.microsoft.com/office/drawing/2010/main">
                 <a:solidFill>
                   <a:schemeClr val="accent1"/>
                 </a:solidFill>
               </a14:hiddenFill>
             </a:ext>
             <a:ext uri="{AF507438-7753-43e0-B8FC-AC1667EBCBE1}">
-              <a14:hiddenEffects xmlns:a14="http://schemas.microsoft.com/office/drawing/2010/main" xmlns="">
+              <a14:hiddenEffects xmlns="" xmlns:a14="http://schemas.microsoft.com/office/drawing/2010/main">
                 <a:effectLst>
                   <a:outerShdw blurRad="63500" dist="38099" dir="2700000" algn="ctr" rotWithShape="0">
                     <a:schemeClr val="bg2">
@@ -27112,14 +27112,14 @@
           <a:effectLst/>
           <a:extLst>
             <a:ext uri="{909E8E84-426E-40dd-AFC4-6F175D3DCCD1}">
-              <a14:hiddenFill xmlns:a14="http://schemas.microsoft.com/office/drawing/2010/main" xmlns="">
+              <a14:hiddenFill xmlns="" xmlns:a14="http://schemas.microsoft.com/office/drawing/2010/main">
                 <a:solidFill>
                   <a:schemeClr val="accent1"/>
                 </a:solidFill>
               </a14:hiddenFill>
             </a:ext>
             <a:ext uri="{AF507438-7753-43e0-B8FC-AC1667EBCBE1}">
-              <a14:hiddenEffects xmlns:a14="http://schemas.microsoft.com/office/drawing/2010/main" xmlns="">
+              <a14:hiddenEffects xmlns="" xmlns:a14="http://schemas.microsoft.com/office/drawing/2010/main">
                 <a:effectLst>
                   <a:outerShdw blurRad="63500" dist="38099" dir="2700000" algn="ctr" rotWithShape="0">
                     <a:schemeClr val="bg2">
@@ -27201,14 +27201,14 @@
           <a:effectLst/>
           <a:extLst>
             <a:ext uri="{909E8E84-426E-40dd-AFC4-6F175D3DCCD1}">
-              <a14:hiddenFill xmlns:a14="http://schemas.microsoft.com/office/drawing/2010/main" xmlns="">
+              <a14:hiddenFill xmlns="" xmlns:a14="http://schemas.microsoft.com/office/drawing/2010/main">
                 <a:solidFill>
                   <a:schemeClr val="accent1"/>
                 </a:solidFill>
               </a14:hiddenFill>
             </a:ext>
             <a:ext uri="{AF507438-7753-43e0-B8FC-AC1667EBCBE1}">
-              <a14:hiddenEffects xmlns:a14="http://schemas.microsoft.com/office/drawing/2010/main" xmlns="">
+              <a14:hiddenEffects xmlns="" xmlns:a14="http://schemas.microsoft.com/office/drawing/2010/main">
                 <a:effectLst>
                   <a:outerShdw blurRad="63500" dist="38099" dir="2700000" algn="ctr" rotWithShape="0">
                     <a:schemeClr val="bg2">
@@ -27293,14 +27293,14 @@
           <a:effectLst/>
           <a:extLst>
             <a:ext uri="{909E8E84-426E-40dd-AFC4-6F175D3DCCD1}">
-              <a14:hiddenFill xmlns:a14="http://schemas.microsoft.com/office/drawing/2010/main" xmlns="">
+              <a14:hiddenFill xmlns="" xmlns:a14="http://schemas.microsoft.com/office/drawing/2010/main">
                 <a:solidFill>
                   <a:schemeClr val="accent1"/>
                 </a:solidFill>
               </a14:hiddenFill>
             </a:ext>
             <a:ext uri="{AF507438-7753-43e0-B8FC-AC1667EBCBE1}">
-              <a14:hiddenEffects xmlns:a14="http://schemas.microsoft.com/office/drawing/2010/main" xmlns="">
+              <a14:hiddenEffects xmlns="" xmlns:a14="http://schemas.microsoft.com/office/drawing/2010/main">
                 <a:effectLst>
                   <a:outerShdw blurRad="63500" dist="38099" dir="2700000" algn="ctr" rotWithShape="0">
                     <a:schemeClr val="bg2">
@@ -27385,14 +27385,14 @@
           <a:effectLst/>
           <a:extLst>
             <a:ext uri="{909E8E84-426E-40dd-AFC4-6F175D3DCCD1}">
-              <a14:hiddenFill xmlns:a14="http://schemas.microsoft.com/office/drawing/2010/main" xmlns="">
+              <a14:hiddenFill xmlns="" xmlns:a14="http://schemas.microsoft.com/office/drawing/2010/main">
                 <a:solidFill>
                   <a:schemeClr val="accent1"/>
                 </a:solidFill>
               </a14:hiddenFill>
             </a:ext>
             <a:ext uri="{AF507438-7753-43e0-B8FC-AC1667EBCBE1}">
-              <a14:hiddenEffects xmlns:a14="http://schemas.microsoft.com/office/drawing/2010/main" xmlns="">
+              <a14:hiddenEffects xmlns="" xmlns:a14="http://schemas.microsoft.com/office/drawing/2010/main">
                 <a:effectLst>
                   <a:outerShdw blurRad="63500" dist="38099" dir="2700000" algn="ctr" rotWithShape="0">
                     <a:schemeClr val="bg2">
@@ -27477,14 +27477,14 @@
           <a:effectLst/>
           <a:extLst>
             <a:ext uri="{909E8E84-426E-40dd-AFC4-6F175D3DCCD1}">
-              <a14:hiddenFill xmlns:a14="http://schemas.microsoft.com/office/drawing/2010/main" xmlns="">
+              <a14:hiddenFill xmlns="" xmlns:a14="http://schemas.microsoft.com/office/drawing/2010/main">
                 <a:solidFill>
                   <a:schemeClr val="accent1"/>
                 </a:solidFill>
               </a14:hiddenFill>
             </a:ext>
             <a:ext uri="{AF507438-7753-43e0-B8FC-AC1667EBCBE1}">
-              <a14:hiddenEffects xmlns:a14="http://schemas.microsoft.com/office/drawing/2010/main" xmlns="">
+              <a14:hiddenEffects xmlns="" xmlns:a14="http://schemas.microsoft.com/office/drawing/2010/main">
                 <a:effectLst>
                   <a:outerShdw blurRad="63500" dist="38099" dir="2700000" algn="ctr" rotWithShape="0">
                     <a:schemeClr val="bg2">
@@ -27563,12 +27563,12 @@
           <a:effectLst/>
           <a:extLst>
             <a:ext uri="{909E8E84-426E-40dd-AFC4-6F175D3DCCD1}">
-              <a14:hiddenFill xmlns:a14="http://schemas.microsoft.com/office/drawing/2010/main" xmlns="">
+              <a14:hiddenFill xmlns="" xmlns:a14="http://schemas.microsoft.com/office/drawing/2010/main">
                 <a:noFill/>
               </a14:hiddenFill>
             </a:ext>
             <a:ext uri="{AF507438-7753-43e0-B8FC-AC1667EBCBE1}">
-              <a14:hiddenEffects xmlns:a14="http://schemas.microsoft.com/office/drawing/2010/main" xmlns="">
+              <a14:hiddenEffects xmlns="" xmlns:a14="http://schemas.microsoft.com/office/drawing/2010/main">
                 <a:effectLst>
                   <a:outerShdw blurRad="63500" dist="38099" dir="2700000" algn="ctr" rotWithShape="0">
                     <a:schemeClr val="bg2">
@@ -27611,14 +27611,14 @@
           <a:effectLst/>
           <a:extLst>
             <a:ext uri="{909E8E84-426E-40dd-AFC4-6F175D3DCCD1}">
-              <a14:hiddenFill xmlns:a14="http://schemas.microsoft.com/office/drawing/2010/main" xmlns="">
+              <a14:hiddenFill xmlns="" xmlns:a14="http://schemas.microsoft.com/office/drawing/2010/main">
                 <a:solidFill>
                   <a:schemeClr val="accent1"/>
                 </a:solidFill>
               </a14:hiddenFill>
             </a:ext>
             <a:ext uri="{91240B29-F687-4f45-9708-019B960494DF}">
-              <a14:hiddenLine xmlns:a14="http://schemas.microsoft.com/office/drawing/2010/main" xmlns="" w="9525">
+              <a14:hiddenLine xmlns="" xmlns:a14="http://schemas.microsoft.com/office/drawing/2010/main" w="9525">
                 <a:solidFill>
                   <a:schemeClr val="tx1"/>
                 </a:solidFill>
@@ -27628,7 +27628,7 @@
               </a14:hiddenLine>
             </a:ext>
             <a:ext uri="{AF507438-7753-43e0-B8FC-AC1667EBCBE1}">
-              <a14:hiddenEffects xmlns:a14="http://schemas.microsoft.com/office/drawing/2010/main" xmlns="">
+              <a14:hiddenEffects xmlns="" xmlns:a14="http://schemas.microsoft.com/office/drawing/2010/main">
                 <a:effectLst>
                   <a:outerShdw blurRad="63500" dist="38099" dir="2700000" algn="ctr" rotWithShape="0">
                     <a:schemeClr val="bg2">
@@ -27686,12 +27686,12 @@
           <a:effectLst/>
           <a:extLst>
             <a:ext uri="{909E8E84-426E-40dd-AFC4-6F175D3DCCD1}">
-              <a14:hiddenFill xmlns:a14="http://schemas.microsoft.com/office/drawing/2010/main" xmlns="">
+              <a14:hiddenFill xmlns="" xmlns:a14="http://schemas.microsoft.com/office/drawing/2010/main">
                 <a:noFill/>
               </a14:hiddenFill>
             </a:ext>
             <a:ext uri="{AF507438-7753-43e0-B8FC-AC1667EBCBE1}">
-              <a14:hiddenEffects xmlns:a14="http://schemas.microsoft.com/office/drawing/2010/main" xmlns="">
+              <a14:hiddenEffects xmlns="" xmlns:a14="http://schemas.microsoft.com/office/drawing/2010/main">
                 <a:effectLst>
                   <a:outerShdw blurRad="63500" dist="38099" dir="2700000" algn="ctr" rotWithShape="0">
                     <a:schemeClr val="bg2">
@@ -27734,14 +27734,14 @@
           <a:effectLst/>
           <a:extLst>
             <a:ext uri="{909E8E84-426E-40dd-AFC4-6F175D3DCCD1}">
-              <a14:hiddenFill xmlns:a14="http://schemas.microsoft.com/office/drawing/2010/main" xmlns="">
+              <a14:hiddenFill xmlns="" xmlns:a14="http://schemas.microsoft.com/office/drawing/2010/main">
                 <a:solidFill>
                   <a:schemeClr val="accent1"/>
                 </a:solidFill>
               </a14:hiddenFill>
             </a:ext>
             <a:ext uri="{91240B29-F687-4f45-9708-019B960494DF}">
-              <a14:hiddenLine xmlns:a14="http://schemas.microsoft.com/office/drawing/2010/main" xmlns="" w="9525">
+              <a14:hiddenLine xmlns="" xmlns:a14="http://schemas.microsoft.com/office/drawing/2010/main" w="9525">
                 <a:solidFill>
                   <a:schemeClr val="tx1"/>
                 </a:solidFill>
@@ -27751,7 +27751,7 @@
               </a14:hiddenLine>
             </a:ext>
             <a:ext uri="{AF507438-7753-43e0-B8FC-AC1667EBCBE1}">
-              <a14:hiddenEffects xmlns:a14="http://schemas.microsoft.com/office/drawing/2010/main" xmlns="">
+              <a14:hiddenEffects xmlns="" xmlns:a14="http://schemas.microsoft.com/office/drawing/2010/main">
                 <a:effectLst>
                   <a:outerShdw blurRad="63500" dist="38099" dir="2700000" algn="ctr" rotWithShape="0">
                     <a:schemeClr val="bg2">
@@ -27809,12 +27809,12 @@
           <a:effectLst/>
           <a:extLst>
             <a:ext uri="{909E8E84-426E-40dd-AFC4-6F175D3DCCD1}">
-              <a14:hiddenFill xmlns:a14="http://schemas.microsoft.com/office/drawing/2010/main" xmlns="">
+              <a14:hiddenFill xmlns="" xmlns:a14="http://schemas.microsoft.com/office/drawing/2010/main">
                 <a:noFill/>
               </a14:hiddenFill>
             </a:ext>
             <a:ext uri="{AF507438-7753-43e0-B8FC-AC1667EBCBE1}">
-              <a14:hiddenEffects xmlns:a14="http://schemas.microsoft.com/office/drawing/2010/main" xmlns="">
+              <a14:hiddenEffects xmlns="" xmlns:a14="http://schemas.microsoft.com/office/drawing/2010/main">
                 <a:effectLst>
                   <a:outerShdw blurRad="63500" dist="38099" dir="2700000" algn="ctr" rotWithShape="0">
                     <a:schemeClr val="bg2">
@@ -27857,14 +27857,14 @@
           <a:effectLst/>
           <a:extLst>
             <a:ext uri="{909E8E84-426E-40dd-AFC4-6F175D3DCCD1}">
-              <a14:hiddenFill xmlns:a14="http://schemas.microsoft.com/office/drawing/2010/main" xmlns="">
+              <a14:hiddenFill xmlns="" xmlns:a14="http://schemas.microsoft.com/office/drawing/2010/main">
                 <a:solidFill>
                   <a:schemeClr val="accent1"/>
                 </a:solidFill>
               </a14:hiddenFill>
             </a:ext>
             <a:ext uri="{91240B29-F687-4f45-9708-019B960494DF}">
-              <a14:hiddenLine xmlns:a14="http://schemas.microsoft.com/office/drawing/2010/main" xmlns="" w="9525">
+              <a14:hiddenLine xmlns="" xmlns:a14="http://schemas.microsoft.com/office/drawing/2010/main" w="9525">
                 <a:solidFill>
                   <a:schemeClr val="tx1"/>
                 </a:solidFill>
@@ -27874,7 +27874,7 @@
               </a14:hiddenLine>
             </a:ext>
             <a:ext uri="{AF507438-7753-43e0-B8FC-AC1667EBCBE1}">
-              <a14:hiddenEffects xmlns:a14="http://schemas.microsoft.com/office/drawing/2010/main" xmlns="">
+              <a14:hiddenEffects xmlns="" xmlns:a14="http://schemas.microsoft.com/office/drawing/2010/main">
                 <a:effectLst>
                   <a:outerShdw blurRad="63500" dist="38099" dir="2700000" algn="ctr" rotWithShape="0">
                     <a:schemeClr val="bg2">
@@ -27932,12 +27932,12 @@
           <a:effectLst/>
           <a:extLst>
             <a:ext uri="{909E8E84-426E-40dd-AFC4-6F175D3DCCD1}">
-              <a14:hiddenFill xmlns:a14="http://schemas.microsoft.com/office/drawing/2010/main" xmlns="">
+              <a14:hiddenFill xmlns="" xmlns:a14="http://schemas.microsoft.com/office/drawing/2010/main">
                 <a:noFill/>
               </a14:hiddenFill>
             </a:ext>
             <a:ext uri="{AF507438-7753-43e0-B8FC-AC1667EBCBE1}">
-              <a14:hiddenEffects xmlns:a14="http://schemas.microsoft.com/office/drawing/2010/main" xmlns="">
+              <a14:hiddenEffects xmlns="" xmlns:a14="http://schemas.microsoft.com/office/drawing/2010/main">
                 <a:effectLst>
                   <a:outerShdw blurRad="63500" dist="38099" dir="2700000" algn="ctr" rotWithShape="0">
                     <a:schemeClr val="bg2">
@@ -27980,14 +27980,14 @@
           <a:effectLst/>
           <a:extLst>
             <a:ext uri="{909E8E84-426E-40dd-AFC4-6F175D3DCCD1}">
-              <a14:hiddenFill xmlns:a14="http://schemas.microsoft.com/office/drawing/2010/main" xmlns="">
+              <a14:hiddenFill xmlns="" xmlns:a14="http://schemas.microsoft.com/office/drawing/2010/main">
                 <a:solidFill>
                   <a:schemeClr val="accent1"/>
                 </a:solidFill>
               </a14:hiddenFill>
             </a:ext>
             <a:ext uri="{91240B29-F687-4f45-9708-019B960494DF}">
-              <a14:hiddenLine xmlns:a14="http://schemas.microsoft.com/office/drawing/2010/main" xmlns="" w="9525">
+              <a14:hiddenLine xmlns="" xmlns:a14="http://schemas.microsoft.com/office/drawing/2010/main" w="9525">
                 <a:solidFill>
                   <a:schemeClr val="tx1"/>
                 </a:solidFill>
@@ -27997,7 +27997,7 @@
               </a14:hiddenLine>
             </a:ext>
             <a:ext uri="{AF507438-7753-43e0-B8FC-AC1667EBCBE1}">
-              <a14:hiddenEffects xmlns:a14="http://schemas.microsoft.com/office/drawing/2010/main" xmlns="">
+              <a14:hiddenEffects xmlns="" xmlns:a14="http://schemas.microsoft.com/office/drawing/2010/main">
                 <a:effectLst>
                   <a:outerShdw blurRad="63500" dist="38099" dir="2700000" algn="ctr" rotWithShape="0">
                     <a:schemeClr val="bg2">
@@ -28055,12 +28055,12 @@
           <a:effectLst/>
           <a:extLst>
             <a:ext uri="{909E8E84-426E-40dd-AFC4-6F175D3DCCD1}">
-              <a14:hiddenFill xmlns:a14="http://schemas.microsoft.com/office/drawing/2010/main" xmlns="">
+              <a14:hiddenFill xmlns="" xmlns:a14="http://schemas.microsoft.com/office/drawing/2010/main">
                 <a:noFill/>
               </a14:hiddenFill>
             </a:ext>
             <a:ext uri="{AF507438-7753-43e0-B8FC-AC1667EBCBE1}">
-              <a14:hiddenEffects xmlns:a14="http://schemas.microsoft.com/office/drawing/2010/main" xmlns="">
+              <a14:hiddenEffects xmlns="" xmlns:a14="http://schemas.microsoft.com/office/drawing/2010/main">
                 <a:effectLst>
                   <a:outerShdw blurRad="63500" dist="38099" dir="2700000" algn="ctr" rotWithShape="0">
                     <a:schemeClr val="bg2">
@@ -28103,14 +28103,14 @@
           <a:effectLst/>
           <a:extLst>
             <a:ext uri="{909E8E84-426E-40dd-AFC4-6F175D3DCCD1}">
-              <a14:hiddenFill xmlns:a14="http://schemas.microsoft.com/office/drawing/2010/main" xmlns="">
+              <a14:hiddenFill xmlns="" xmlns:a14="http://schemas.microsoft.com/office/drawing/2010/main">
                 <a:solidFill>
                   <a:schemeClr val="accent1"/>
                 </a:solidFill>
               </a14:hiddenFill>
             </a:ext>
             <a:ext uri="{91240B29-F687-4f45-9708-019B960494DF}">
-              <a14:hiddenLine xmlns:a14="http://schemas.microsoft.com/office/drawing/2010/main" xmlns="" w="9525">
+              <a14:hiddenLine xmlns="" xmlns:a14="http://schemas.microsoft.com/office/drawing/2010/main" w="9525">
                 <a:solidFill>
                   <a:schemeClr val="tx1"/>
                 </a:solidFill>
@@ -28120,7 +28120,7 @@
               </a14:hiddenLine>
             </a:ext>
             <a:ext uri="{AF507438-7753-43e0-B8FC-AC1667EBCBE1}">
-              <a14:hiddenEffects xmlns:a14="http://schemas.microsoft.com/office/drawing/2010/main" xmlns="">
+              <a14:hiddenEffects xmlns="" xmlns:a14="http://schemas.microsoft.com/office/drawing/2010/main">
                 <a:effectLst>
                   <a:outerShdw blurRad="63500" dist="38099" dir="2700000" algn="ctr" rotWithShape="0">
                     <a:schemeClr val="bg2">
@@ -28178,12 +28178,12 @@
           <a:effectLst/>
           <a:extLst>
             <a:ext uri="{909E8E84-426E-40dd-AFC4-6F175D3DCCD1}">
-              <a14:hiddenFill xmlns:a14="http://schemas.microsoft.com/office/drawing/2010/main" xmlns="">
+              <a14:hiddenFill xmlns="" xmlns:a14="http://schemas.microsoft.com/office/drawing/2010/main">
                 <a:noFill/>
               </a14:hiddenFill>
             </a:ext>
             <a:ext uri="{AF507438-7753-43e0-B8FC-AC1667EBCBE1}">
-              <a14:hiddenEffects xmlns:a14="http://schemas.microsoft.com/office/drawing/2010/main" xmlns="">
+              <a14:hiddenEffects xmlns="" xmlns:a14="http://schemas.microsoft.com/office/drawing/2010/main">
                 <a:effectLst>
                   <a:outerShdw blurRad="63500" dist="38099" dir="2700000" algn="ctr" rotWithShape="0">
                     <a:schemeClr val="bg2">
@@ -28226,14 +28226,14 @@
           <a:effectLst/>
           <a:extLst>
             <a:ext uri="{909E8E84-426E-40dd-AFC4-6F175D3DCCD1}">
-              <a14:hiddenFill xmlns:a14="http://schemas.microsoft.com/office/drawing/2010/main" xmlns="">
+              <a14:hiddenFill xmlns="" xmlns:a14="http://schemas.microsoft.com/office/drawing/2010/main">
                 <a:solidFill>
                   <a:schemeClr val="accent1"/>
                 </a:solidFill>
               </a14:hiddenFill>
             </a:ext>
             <a:ext uri="{91240B29-F687-4f45-9708-019B960494DF}">
-              <a14:hiddenLine xmlns:a14="http://schemas.microsoft.com/office/drawing/2010/main" xmlns="" w="9525">
+              <a14:hiddenLine xmlns="" xmlns:a14="http://schemas.microsoft.com/office/drawing/2010/main" w="9525">
                 <a:solidFill>
                   <a:schemeClr val="tx1"/>
                 </a:solidFill>
@@ -28243,7 +28243,7 @@
               </a14:hiddenLine>
             </a:ext>
             <a:ext uri="{AF507438-7753-43e0-B8FC-AC1667EBCBE1}">
-              <a14:hiddenEffects xmlns:a14="http://schemas.microsoft.com/office/drawing/2010/main" xmlns="">
+              <a14:hiddenEffects xmlns="" xmlns:a14="http://schemas.microsoft.com/office/drawing/2010/main">
                 <a:effectLst>
                   <a:outerShdw blurRad="63500" dist="38099" dir="2700000" algn="ctr" rotWithShape="0">
                     <a:schemeClr val="bg2">
@@ -28298,12 +28298,12 @@
           <a:effectLst/>
           <a:extLst>
             <a:ext uri="{909E8E84-426E-40dd-AFC4-6F175D3DCCD1}">
-              <a14:hiddenFill xmlns:a14="http://schemas.microsoft.com/office/drawing/2010/main" xmlns="">
+              <a14:hiddenFill xmlns="" xmlns:a14="http://schemas.microsoft.com/office/drawing/2010/main">
                 <a:noFill/>
               </a14:hiddenFill>
             </a:ext>
             <a:ext uri="{AF507438-7753-43e0-B8FC-AC1667EBCBE1}">
-              <a14:hiddenEffects xmlns:a14="http://schemas.microsoft.com/office/drawing/2010/main" xmlns="">
+              <a14:hiddenEffects xmlns="" xmlns:a14="http://schemas.microsoft.com/office/drawing/2010/main">
                 <a:effectLst>
                   <a:outerShdw blurRad="63500" dist="38099" dir="2700000" algn="ctr" rotWithShape="0">
                     <a:schemeClr val="bg2">
@@ -28346,14 +28346,14 @@
           <a:effectLst/>
           <a:extLst>
             <a:ext uri="{909E8E84-426E-40dd-AFC4-6F175D3DCCD1}">
-              <a14:hiddenFill xmlns:a14="http://schemas.microsoft.com/office/drawing/2010/main" xmlns="">
+              <a14:hiddenFill xmlns="" xmlns:a14="http://schemas.microsoft.com/office/drawing/2010/main">
                 <a:solidFill>
                   <a:schemeClr val="accent1"/>
                 </a:solidFill>
               </a14:hiddenFill>
             </a:ext>
             <a:ext uri="{91240B29-F687-4f45-9708-019B960494DF}">
-              <a14:hiddenLine xmlns:a14="http://schemas.microsoft.com/office/drawing/2010/main" xmlns="" w="9525">
+              <a14:hiddenLine xmlns="" xmlns:a14="http://schemas.microsoft.com/office/drawing/2010/main" w="9525">
                 <a:solidFill>
                   <a:schemeClr val="tx1"/>
                 </a:solidFill>
@@ -28363,7 +28363,7 @@
               </a14:hiddenLine>
             </a:ext>
             <a:ext uri="{AF507438-7753-43e0-B8FC-AC1667EBCBE1}">
-              <a14:hiddenEffects xmlns:a14="http://schemas.microsoft.com/office/drawing/2010/main" xmlns="">
+              <a14:hiddenEffects xmlns="" xmlns:a14="http://schemas.microsoft.com/office/drawing/2010/main">
                 <a:effectLst>
                   <a:outerShdw blurRad="63500" dist="38099" dir="2700000" algn="ctr" rotWithShape="0">
                     <a:schemeClr val="bg2">
@@ -28526,14 +28526,14 @@
           <a:effectLst/>
           <a:extLst>
             <a:ext uri="{909E8E84-426E-40dd-AFC4-6F175D3DCCD1}">
-              <a14:hiddenFill xmlns:a14="http://schemas.microsoft.com/office/drawing/2010/main" xmlns="">
+              <a14:hiddenFill xmlns="" xmlns:a14="http://schemas.microsoft.com/office/drawing/2010/main">
                 <a:solidFill>
                   <a:schemeClr val="accent1"/>
                 </a:solidFill>
               </a14:hiddenFill>
             </a:ext>
             <a:ext uri="{AF507438-7753-43e0-B8FC-AC1667EBCBE1}">
-              <a14:hiddenEffects xmlns:a14="http://schemas.microsoft.com/office/drawing/2010/main" xmlns="">
+              <a14:hiddenEffects xmlns="" xmlns:a14="http://schemas.microsoft.com/office/drawing/2010/main">
                 <a:effectLst>
                   <a:outerShdw blurRad="63500" dist="38099" dir="2700000" algn="ctr" rotWithShape="0">
                     <a:schemeClr val="bg2">
@@ -28576,14 +28576,14 @@
           <a:effectLst/>
           <a:extLst>
             <a:ext uri="{909E8E84-426E-40dd-AFC4-6F175D3DCCD1}">
-              <a14:hiddenFill xmlns:a14="http://schemas.microsoft.com/office/drawing/2010/main" xmlns="">
+              <a14:hiddenFill xmlns="" xmlns:a14="http://schemas.microsoft.com/office/drawing/2010/main">
                 <a:solidFill>
                   <a:schemeClr val="accent1"/>
                 </a:solidFill>
               </a14:hiddenFill>
             </a:ext>
             <a:ext uri="{91240B29-F687-4f45-9708-019B960494DF}">
-              <a14:hiddenLine xmlns:a14="http://schemas.microsoft.com/office/drawing/2010/main" xmlns="" w="9525">
+              <a14:hiddenLine xmlns="" xmlns:a14="http://schemas.microsoft.com/office/drawing/2010/main" w="9525">
                 <a:solidFill>
                   <a:schemeClr val="tx1"/>
                 </a:solidFill>
@@ -28593,7 +28593,7 @@
               </a14:hiddenLine>
             </a:ext>
             <a:ext uri="{AF507438-7753-43e0-B8FC-AC1667EBCBE1}">
-              <a14:hiddenEffects xmlns:a14="http://schemas.microsoft.com/office/drawing/2010/main" xmlns="">
+              <a14:hiddenEffects xmlns="" xmlns:a14="http://schemas.microsoft.com/office/drawing/2010/main">
                 <a:effectLst>
                   <a:outerShdw blurRad="63500" dist="38099" dir="2700000" algn="ctr" rotWithShape="0">
                     <a:schemeClr val="bg2">
@@ -28648,14 +28648,14 @@
           <a:effectLst/>
           <a:extLst>
             <a:ext uri="{909E8E84-426E-40dd-AFC4-6F175D3DCCD1}">
-              <a14:hiddenFill xmlns:a14="http://schemas.microsoft.com/office/drawing/2010/main" xmlns="">
+              <a14:hiddenFill xmlns="" xmlns:a14="http://schemas.microsoft.com/office/drawing/2010/main">
                 <a:solidFill>
                   <a:schemeClr val="accent1"/>
                 </a:solidFill>
               </a14:hiddenFill>
             </a:ext>
             <a:ext uri="{AF507438-7753-43e0-B8FC-AC1667EBCBE1}">
-              <a14:hiddenEffects xmlns:a14="http://schemas.microsoft.com/office/drawing/2010/main" xmlns="">
+              <a14:hiddenEffects xmlns="" xmlns:a14="http://schemas.microsoft.com/office/drawing/2010/main">
                 <a:effectLst>
                   <a:outerShdw blurRad="63500" dist="38099" dir="2700000" algn="ctr" rotWithShape="0">
                     <a:schemeClr val="bg2">
@@ -28732,14 +28732,14 @@
           <a:effectLst/>
           <a:extLst>
             <a:ext uri="{909E8E84-426E-40dd-AFC4-6F175D3DCCD1}">
-              <a14:hiddenFill xmlns:a14="http://schemas.microsoft.com/office/drawing/2010/main" xmlns="">
+              <a14:hiddenFill xmlns="" xmlns:a14="http://schemas.microsoft.com/office/drawing/2010/main">
                 <a:solidFill>
                   <a:schemeClr val="accent1"/>
                 </a:solidFill>
               </a14:hiddenFill>
             </a:ext>
             <a:ext uri="{91240B29-F687-4f45-9708-019B960494DF}">
-              <a14:hiddenLine xmlns:a14="http://schemas.microsoft.com/office/drawing/2010/main" xmlns="" w="9525">
+              <a14:hiddenLine xmlns="" xmlns:a14="http://schemas.microsoft.com/office/drawing/2010/main" w="9525">
                 <a:solidFill>
                   <a:schemeClr val="tx1"/>
                 </a:solidFill>
@@ -28749,7 +28749,7 @@
               </a14:hiddenLine>
             </a:ext>
             <a:ext uri="{AF507438-7753-43e0-B8FC-AC1667EBCBE1}">
-              <a14:hiddenEffects xmlns:a14="http://schemas.microsoft.com/office/drawing/2010/main" xmlns="">
+              <a14:hiddenEffects xmlns="" xmlns:a14="http://schemas.microsoft.com/office/drawing/2010/main">
                 <a:effectLst>
                   <a:outerShdw blurRad="63500" dist="38099" dir="2700000" algn="ctr" rotWithShape="0">
                     <a:schemeClr val="bg2">
@@ -28801,14 +28801,14 @@
           <a:effectLst/>
           <a:extLst>
             <a:ext uri="{909E8E84-426E-40dd-AFC4-6F175D3DCCD1}">
-              <a14:hiddenFill xmlns:a14="http://schemas.microsoft.com/office/drawing/2010/main" xmlns="">
+              <a14:hiddenFill xmlns="" xmlns:a14="http://schemas.microsoft.com/office/drawing/2010/main">
                 <a:solidFill>
                   <a:schemeClr val="accent1"/>
                 </a:solidFill>
               </a14:hiddenFill>
             </a:ext>
             <a:ext uri="{91240B29-F687-4f45-9708-019B960494DF}">
-              <a14:hiddenLine xmlns:a14="http://schemas.microsoft.com/office/drawing/2010/main" xmlns="" w="9525">
+              <a14:hiddenLine xmlns="" xmlns:a14="http://schemas.microsoft.com/office/drawing/2010/main" w="9525">
                 <a:solidFill>
                   <a:schemeClr val="tx1"/>
                 </a:solidFill>
@@ -28818,7 +28818,7 @@
               </a14:hiddenLine>
             </a:ext>
             <a:ext uri="{AF507438-7753-43e0-B8FC-AC1667EBCBE1}">
-              <a14:hiddenEffects xmlns:a14="http://schemas.microsoft.com/office/drawing/2010/main" xmlns="">
+              <a14:hiddenEffects xmlns="" xmlns:a14="http://schemas.microsoft.com/office/drawing/2010/main">
                 <a:effectLst>
                   <a:outerShdw blurRad="63500" dist="38099" dir="2700000" algn="ctr" rotWithShape="0">
                     <a:schemeClr val="bg2">
@@ -28897,14 +28897,14 @@
           <a:effectLst/>
           <a:extLst>
             <a:ext uri="{909E8E84-426E-40dd-AFC4-6F175D3DCCD1}">
-              <a14:hiddenFill xmlns:a14="http://schemas.microsoft.com/office/drawing/2010/main" xmlns="">
+              <a14:hiddenFill xmlns="" xmlns:a14="http://schemas.microsoft.com/office/drawing/2010/main">
                 <a:solidFill>
                   <a:schemeClr val="accent1"/>
                 </a:solidFill>
               </a14:hiddenFill>
             </a:ext>
             <a:ext uri="{91240B29-F687-4f45-9708-019B960494DF}">
-              <a14:hiddenLine xmlns:a14="http://schemas.microsoft.com/office/drawing/2010/main" xmlns="" w="9525">
+              <a14:hiddenLine xmlns="" xmlns:a14="http://schemas.microsoft.com/office/drawing/2010/main" w="9525">
                 <a:solidFill>
                   <a:schemeClr val="tx1"/>
                 </a:solidFill>
@@ -28914,7 +28914,7 @@
               </a14:hiddenLine>
             </a:ext>
             <a:ext uri="{AF507438-7753-43e0-B8FC-AC1667EBCBE1}">
-              <a14:hiddenEffects xmlns:a14="http://schemas.microsoft.com/office/drawing/2010/main" xmlns="">
+              <a14:hiddenEffects xmlns="" xmlns:a14="http://schemas.microsoft.com/office/drawing/2010/main">
                 <a:effectLst>
                   <a:outerShdw blurRad="63500" dist="38099" dir="2700000" algn="ctr" rotWithShape="0">
                     <a:schemeClr val="bg2">
@@ -29085,14 +29085,14 @@
           <a:effectLst/>
           <a:extLst>
             <a:ext uri="{909E8E84-426E-40dd-AFC4-6F175D3DCCD1}">
-              <a14:hiddenFill xmlns:a14="http://schemas.microsoft.com/office/drawing/2010/main" xmlns="">
+              <a14:hiddenFill xmlns="" xmlns:a14="http://schemas.microsoft.com/office/drawing/2010/main">
                 <a:solidFill>
                   <a:schemeClr val="accent1"/>
                 </a:solidFill>
               </a14:hiddenFill>
             </a:ext>
             <a:ext uri="{AF507438-7753-43e0-B8FC-AC1667EBCBE1}">
-              <a14:hiddenEffects xmlns:a14="http://schemas.microsoft.com/office/drawing/2010/main" xmlns="">
+              <a14:hiddenEffects xmlns="" xmlns:a14="http://schemas.microsoft.com/office/drawing/2010/main">
                 <a:effectLst>
                   <a:outerShdw blurRad="63500" dist="38099" dir="2700000" algn="ctr" rotWithShape="0">
                     <a:schemeClr val="bg2">
@@ -29177,14 +29177,14 @@
           <a:effectLst/>
           <a:extLst>
             <a:ext uri="{909E8E84-426E-40dd-AFC4-6F175D3DCCD1}">
-              <a14:hiddenFill xmlns:a14="http://schemas.microsoft.com/office/drawing/2010/main" xmlns="">
+              <a14:hiddenFill xmlns="" xmlns:a14="http://schemas.microsoft.com/office/drawing/2010/main">
                 <a:solidFill>
                   <a:schemeClr val="accent1"/>
                 </a:solidFill>
               </a14:hiddenFill>
             </a:ext>
             <a:ext uri="{AF507438-7753-43e0-B8FC-AC1667EBCBE1}">
-              <a14:hiddenEffects xmlns:a14="http://schemas.microsoft.com/office/drawing/2010/main" xmlns="">
+              <a14:hiddenEffects xmlns="" xmlns:a14="http://schemas.microsoft.com/office/drawing/2010/main">
                 <a:effectLst>
                   <a:outerShdw blurRad="63500" dist="38099" dir="2700000" algn="ctr" rotWithShape="0">
                     <a:schemeClr val="bg2">
@@ -29266,14 +29266,14 @@
           <a:effectLst/>
           <a:extLst>
             <a:ext uri="{909E8E84-426E-40dd-AFC4-6F175D3DCCD1}">
-              <a14:hiddenFill xmlns:a14="http://schemas.microsoft.com/office/drawing/2010/main" xmlns="">
+              <a14:hiddenFill xmlns="" xmlns:a14="http://schemas.microsoft.com/office/drawing/2010/main">
                 <a:solidFill>
                   <a:schemeClr val="accent1"/>
                 </a:solidFill>
               </a14:hiddenFill>
             </a:ext>
             <a:ext uri="{AF507438-7753-43e0-B8FC-AC1667EBCBE1}">
-              <a14:hiddenEffects xmlns:a14="http://schemas.microsoft.com/office/drawing/2010/main" xmlns="">
+              <a14:hiddenEffects xmlns="" xmlns:a14="http://schemas.microsoft.com/office/drawing/2010/main">
                 <a:effectLst>
                   <a:outerShdw blurRad="63500" dist="38099" dir="2700000" algn="ctr" rotWithShape="0">
                     <a:schemeClr val="bg2">
@@ -29355,14 +29355,14 @@
           <a:effectLst/>
           <a:extLst>
             <a:ext uri="{909E8E84-426E-40dd-AFC4-6F175D3DCCD1}">
-              <a14:hiddenFill xmlns:a14="http://schemas.microsoft.com/office/drawing/2010/main" xmlns="">
+              <a14:hiddenFill xmlns="" xmlns:a14="http://schemas.microsoft.com/office/drawing/2010/main">
                 <a:solidFill>
                   <a:schemeClr val="accent1"/>
                 </a:solidFill>
               </a14:hiddenFill>
             </a:ext>
             <a:ext uri="{AF507438-7753-43e0-B8FC-AC1667EBCBE1}">
-              <a14:hiddenEffects xmlns:a14="http://schemas.microsoft.com/office/drawing/2010/main" xmlns="">
+              <a14:hiddenEffects xmlns="" xmlns:a14="http://schemas.microsoft.com/office/drawing/2010/main">
                 <a:effectLst>
                   <a:outerShdw blurRad="63500" dist="38099" dir="2700000" algn="ctr" rotWithShape="0">
                     <a:schemeClr val="bg2">
@@ -29447,14 +29447,14 @@
           <a:effectLst/>
           <a:extLst>
             <a:ext uri="{909E8E84-426E-40dd-AFC4-6F175D3DCCD1}">
-              <a14:hiddenFill xmlns:a14="http://schemas.microsoft.com/office/drawing/2010/main" xmlns="">
+              <a14:hiddenFill xmlns="" xmlns:a14="http://schemas.microsoft.com/office/drawing/2010/main">
                 <a:solidFill>
                   <a:schemeClr val="accent1"/>
                 </a:solidFill>
               </a14:hiddenFill>
             </a:ext>
             <a:ext uri="{AF507438-7753-43e0-B8FC-AC1667EBCBE1}">
-              <a14:hiddenEffects xmlns:a14="http://schemas.microsoft.com/office/drawing/2010/main" xmlns="">
+              <a14:hiddenEffects xmlns="" xmlns:a14="http://schemas.microsoft.com/office/drawing/2010/main">
                 <a:effectLst>
                   <a:outerShdw blurRad="63500" dist="38099" dir="2700000" algn="ctr" rotWithShape="0">
                     <a:schemeClr val="bg2">
@@ -29536,14 +29536,14 @@
           <a:effectLst/>
           <a:extLst>
             <a:ext uri="{909E8E84-426E-40dd-AFC4-6F175D3DCCD1}">
-              <a14:hiddenFill xmlns:a14="http://schemas.microsoft.com/office/drawing/2010/main" xmlns="">
+              <a14:hiddenFill xmlns="" xmlns:a14="http://schemas.microsoft.com/office/drawing/2010/main">
                 <a:solidFill>
                   <a:schemeClr val="accent1"/>
                 </a:solidFill>
               </a14:hiddenFill>
             </a:ext>
             <a:ext uri="{AF507438-7753-43e0-B8FC-AC1667EBCBE1}">
-              <a14:hiddenEffects xmlns:a14="http://schemas.microsoft.com/office/drawing/2010/main" xmlns="">
+              <a14:hiddenEffects xmlns="" xmlns:a14="http://schemas.microsoft.com/office/drawing/2010/main">
                 <a:effectLst>
                   <a:outerShdw blurRad="63500" dist="38099" dir="2700000" algn="ctr" rotWithShape="0">
                     <a:schemeClr val="bg2">
@@ -29625,12 +29625,12 @@
           <a:effectLst/>
           <a:extLst>
             <a:ext uri="{909E8E84-426E-40dd-AFC4-6F175D3DCCD1}">
-              <a14:hiddenFill xmlns:a14="http://schemas.microsoft.com/office/drawing/2010/main" xmlns="">
+              <a14:hiddenFill xmlns="" xmlns:a14="http://schemas.microsoft.com/office/drawing/2010/main">
                 <a:noFill/>
               </a14:hiddenFill>
             </a:ext>
             <a:ext uri="{AF507438-7753-43e0-B8FC-AC1667EBCBE1}">
-              <a14:hiddenEffects xmlns:a14="http://schemas.microsoft.com/office/drawing/2010/main" xmlns="">
+              <a14:hiddenEffects xmlns="" xmlns:a14="http://schemas.microsoft.com/office/drawing/2010/main">
                 <a:effectLst>
                   <a:outerShdw blurRad="63500" dist="38099" dir="2700000" algn="ctr" rotWithShape="0">
                     <a:schemeClr val="bg2">
@@ -29673,14 +29673,14 @@
           <a:effectLst/>
           <a:extLst>
             <a:ext uri="{909E8E84-426E-40dd-AFC4-6F175D3DCCD1}">
-              <a14:hiddenFill xmlns:a14="http://schemas.microsoft.com/office/drawing/2010/main" xmlns="">
+              <a14:hiddenFill xmlns="" xmlns:a14="http://schemas.microsoft.com/office/drawing/2010/main">
                 <a:solidFill>
                   <a:schemeClr val="accent1"/>
                 </a:solidFill>
               </a14:hiddenFill>
             </a:ext>
             <a:ext uri="{91240B29-F687-4f45-9708-019B960494DF}">
-              <a14:hiddenLine xmlns:a14="http://schemas.microsoft.com/office/drawing/2010/main" xmlns="" w="9525">
+              <a14:hiddenLine xmlns="" xmlns:a14="http://schemas.microsoft.com/office/drawing/2010/main" w="9525">
                 <a:solidFill>
                   <a:schemeClr val="tx1"/>
                 </a:solidFill>
@@ -29690,7 +29690,7 @@
               </a14:hiddenLine>
             </a:ext>
             <a:ext uri="{AF507438-7753-43e0-B8FC-AC1667EBCBE1}">
-              <a14:hiddenEffects xmlns:a14="http://schemas.microsoft.com/office/drawing/2010/main" xmlns="">
+              <a14:hiddenEffects xmlns="" xmlns:a14="http://schemas.microsoft.com/office/drawing/2010/main">
                 <a:effectLst>
                   <a:outerShdw blurRad="63500" dist="38099" dir="2700000" algn="ctr" rotWithShape="0">
                     <a:schemeClr val="bg2">
@@ -29748,12 +29748,12 @@
           <a:effectLst/>
           <a:extLst>
             <a:ext uri="{909E8E84-426E-40dd-AFC4-6F175D3DCCD1}">
-              <a14:hiddenFill xmlns:a14="http://schemas.microsoft.com/office/drawing/2010/main" xmlns="">
+              <a14:hiddenFill xmlns="" xmlns:a14="http://schemas.microsoft.com/office/drawing/2010/main">
                 <a:noFill/>
               </a14:hiddenFill>
             </a:ext>
             <a:ext uri="{AF507438-7753-43e0-B8FC-AC1667EBCBE1}">
-              <a14:hiddenEffects xmlns:a14="http://schemas.microsoft.com/office/drawing/2010/main" xmlns="">
+              <a14:hiddenEffects xmlns="" xmlns:a14="http://schemas.microsoft.com/office/drawing/2010/main">
                 <a:effectLst>
                   <a:outerShdw blurRad="63500" dist="38099" dir="2700000" algn="ctr" rotWithShape="0">
                     <a:schemeClr val="bg2">
@@ -29796,14 +29796,14 @@
           <a:effectLst/>
           <a:extLst>
             <a:ext uri="{909E8E84-426E-40dd-AFC4-6F175D3DCCD1}">
-              <a14:hiddenFill xmlns:a14="http://schemas.microsoft.com/office/drawing/2010/main" xmlns="">
+              <a14:hiddenFill xmlns="" xmlns:a14="http://schemas.microsoft.com/office/drawing/2010/main">
                 <a:solidFill>
                   <a:schemeClr val="accent1"/>
                 </a:solidFill>
               </a14:hiddenFill>
             </a:ext>
             <a:ext uri="{91240B29-F687-4f45-9708-019B960494DF}">
-              <a14:hiddenLine xmlns:a14="http://schemas.microsoft.com/office/drawing/2010/main" xmlns="" w="9525">
+              <a14:hiddenLine xmlns="" xmlns:a14="http://schemas.microsoft.com/office/drawing/2010/main" w="9525">
                 <a:solidFill>
                   <a:schemeClr val="tx1"/>
                 </a:solidFill>
@@ -29813,7 +29813,7 @@
               </a14:hiddenLine>
             </a:ext>
             <a:ext uri="{AF507438-7753-43e0-B8FC-AC1667EBCBE1}">
-              <a14:hiddenEffects xmlns:a14="http://schemas.microsoft.com/office/drawing/2010/main" xmlns="">
+              <a14:hiddenEffects xmlns="" xmlns:a14="http://schemas.microsoft.com/office/drawing/2010/main">
                 <a:effectLst>
                   <a:outerShdw blurRad="63500" dist="38099" dir="2700000" algn="ctr" rotWithShape="0">
                     <a:schemeClr val="bg2">
@@ -29871,12 +29871,12 @@
           <a:effectLst/>
           <a:extLst>
             <a:ext uri="{909E8E84-426E-40dd-AFC4-6F175D3DCCD1}">
-              <a14:hiddenFill xmlns:a14="http://schemas.microsoft.com/office/drawing/2010/main" xmlns="">
+              <a14:hiddenFill xmlns="" xmlns:a14="http://schemas.microsoft.com/office/drawing/2010/main">
                 <a:noFill/>
               </a14:hiddenFill>
             </a:ext>
             <a:ext uri="{AF507438-7753-43e0-B8FC-AC1667EBCBE1}">
-              <a14:hiddenEffects xmlns:a14="http://schemas.microsoft.com/office/drawing/2010/main" xmlns="">
+              <a14:hiddenEffects xmlns="" xmlns:a14="http://schemas.microsoft.com/office/drawing/2010/main">
                 <a:effectLst>
                   <a:outerShdw blurRad="63500" dist="38099" dir="2700000" algn="ctr" rotWithShape="0">
                     <a:schemeClr val="bg2">
@@ -29919,14 +29919,14 @@
           <a:effectLst/>
           <a:extLst>
             <a:ext uri="{909E8E84-426E-40dd-AFC4-6F175D3DCCD1}">
-              <a14:hiddenFill xmlns:a14="http://schemas.microsoft.com/office/drawing/2010/main" xmlns="">
+              <a14:hiddenFill xmlns="" xmlns:a14="http://schemas.microsoft.com/office/drawing/2010/main">
                 <a:solidFill>
                   <a:schemeClr val="accent1"/>
                 </a:solidFill>
               </a14:hiddenFill>
             </a:ext>
             <a:ext uri="{91240B29-F687-4f45-9708-019B960494DF}">
-              <a14:hiddenLine xmlns:a14="http://schemas.microsoft.com/office/drawing/2010/main" xmlns="" w="9525">
+              <a14:hiddenLine xmlns="" xmlns:a14="http://schemas.microsoft.com/office/drawing/2010/main" w="9525">
                 <a:solidFill>
                   <a:schemeClr val="tx1"/>
                 </a:solidFill>
@@ -29936,7 +29936,7 @@
               </a14:hiddenLine>
             </a:ext>
             <a:ext uri="{AF507438-7753-43e0-B8FC-AC1667EBCBE1}">
-              <a14:hiddenEffects xmlns:a14="http://schemas.microsoft.com/office/drawing/2010/main" xmlns="">
+              <a14:hiddenEffects xmlns="" xmlns:a14="http://schemas.microsoft.com/office/drawing/2010/main">
                 <a:effectLst>
                   <a:outerShdw blurRad="63500" dist="38099" dir="2700000" algn="ctr" rotWithShape="0">
                     <a:schemeClr val="bg2">
@@ -29991,12 +29991,12 @@
           <a:effectLst/>
           <a:extLst>
             <a:ext uri="{909E8E84-426E-40dd-AFC4-6F175D3DCCD1}">
-              <a14:hiddenFill xmlns:a14="http://schemas.microsoft.com/office/drawing/2010/main" xmlns="">
+              <a14:hiddenFill xmlns="" xmlns:a14="http://schemas.microsoft.com/office/drawing/2010/main">
                 <a:noFill/>
               </a14:hiddenFill>
             </a:ext>
             <a:ext uri="{AF507438-7753-43e0-B8FC-AC1667EBCBE1}">
-              <a14:hiddenEffects xmlns:a14="http://schemas.microsoft.com/office/drawing/2010/main" xmlns="">
+              <a14:hiddenEffects xmlns="" xmlns:a14="http://schemas.microsoft.com/office/drawing/2010/main">
                 <a:effectLst>
                   <a:outerShdw blurRad="63500" dist="38099" dir="2700000" algn="ctr" rotWithShape="0">
                     <a:schemeClr val="bg2">
@@ -30039,14 +30039,14 @@
           <a:effectLst/>
           <a:extLst>
             <a:ext uri="{909E8E84-426E-40dd-AFC4-6F175D3DCCD1}">
-              <a14:hiddenFill xmlns:a14="http://schemas.microsoft.com/office/drawing/2010/main" xmlns="">
+              <a14:hiddenFill xmlns="" xmlns:a14="http://schemas.microsoft.com/office/drawing/2010/main">
                 <a:solidFill>
                   <a:schemeClr val="accent1"/>
                 </a:solidFill>
               </a14:hiddenFill>
             </a:ext>
             <a:ext uri="{91240B29-F687-4f45-9708-019B960494DF}">
-              <a14:hiddenLine xmlns:a14="http://schemas.microsoft.com/office/drawing/2010/main" xmlns="" w="9525">
+              <a14:hiddenLine xmlns="" xmlns:a14="http://schemas.microsoft.com/office/drawing/2010/main" w="9525">
                 <a:solidFill>
                   <a:schemeClr val="tx1"/>
                 </a:solidFill>
@@ -30056,7 +30056,7 @@
               </a14:hiddenLine>
             </a:ext>
             <a:ext uri="{AF507438-7753-43e0-B8FC-AC1667EBCBE1}">
-              <a14:hiddenEffects xmlns:a14="http://schemas.microsoft.com/office/drawing/2010/main" xmlns="">
+              <a14:hiddenEffects xmlns="" xmlns:a14="http://schemas.microsoft.com/office/drawing/2010/main">
                 <a:effectLst>
                   <a:outerShdw blurRad="63500" dist="38099" dir="2700000" algn="ctr" rotWithShape="0">
                     <a:schemeClr val="bg2">
@@ -30114,12 +30114,12 @@
           <a:effectLst/>
           <a:extLst>
             <a:ext uri="{909E8E84-426E-40dd-AFC4-6F175D3DCCD1}">
-              <a14:hiddenFill xmlns:a14="http://schemas.microsoft.com/office/drawing/2010/main" xmlns="">
+              <a14:hiddenFill xmlns="" xmlns:a14="http://schemas.microsoft.com/office/drawing/2010/main">
                 <a:noFill/>
               </a14:hiddenFill>
             </a:ext>
             <a:ext uri="{AF507438-7753-43e0-B8FC-AC1667EBCBE1}">
-              <a14:hiddenEffects xmlns:a14="http://schemas.microsoft.com/office/drawing/2010/main" xmlns="">
+              <a14:hiddenEffects xmlns="" xmlns:a14="http://schemas.microsoft.com/office/drawing/2010/main">
                 <a:effectLst>
                   <a:outerShdw blurRad="63500" dist="38099" dir="2700000" algn="ctr" rotWithShape="0">
                     <a:schemeClr val="bg2">
@@ -30162,14 +30162,14 @@
           <a:effectLst/>
           <a:extLst>
             <a:ext uri="{909E8E84-426E-40dd-AFC4-6F175D3DCCD1}">
-              <a14:hiddenFill xmlns:a14="http://schemas.microsoft.com/office/drawing/2010/main" xmlns="">
+              <a14:hiddenFill xmlns="" xmlns:a14="http://schemas.microsoft.com/office/drawing/2010/main">
                 <a:solidFill>
                   <a:schemeClr val="accent1"/>
                 </a:solidFill>
               </a14:hiddenFill>
             </a:ext>
             <a:ext uri="{91240B29-F687-4f45-9708-019B960494DF}">
-              <a14:hiddenLine xmlns:a14="http://schemas.microsoft.com/office/drawing/2010/main" xmlns="" w="9525">
+              <a14:hiddenLine xmlns="" xmlns:a14="http://schemas.microsoft.com/office/drawing/2010/main" w="9525">
                 <a:solidFill>
                   <a:schemeClr val="tx1"/>
                 </a:solidFill>
@@ -30179,7 +30179,7 @@
               </a14:hiddenLine>
             </a:ext>
             <a:ext uri="{AF507438-7753-43e0-B8FC-AC1667EBCBE1}">
-              <a14:hiddenEffects xmlns:a14="http://schemas.microsoft.com/office/drawing/2010/main" xmlns="">
+              <a14:hiddenEffects xmlns="" xmlns:a14="http://schemas.microsoft.com/office/drawing/2010/main">
                 <a:effectLst>
                   <a:outerShdw blurRad="63500" dist="38099" dir="2700000" algn="ctr" rotWithShape="0">
                     <a:schemeClr val="bg2">
@@ -30237,12 +30237,12 @@
           <a:effectLst/>
           <a:extLst>
             <a:ext uri="{909E8E84-426E-40dd-AFC4-6F175D3DCCD1}">
-              <a14:hiddenFill xmlns:a14="http://schemas.microsoft.com/office/drawing/2010/main" xmlns="">
+              <a14:hiddenFill xmlns="" xmlns:a14="http://schemas.microsoft.com/office/drawing/2010/main">
                 <a:noFill/>
               </a14:hiddenFill>
             </a:ext>
             <a:ext uri="{AF507438-7753-43e0-B8FC-AC1667EBCBE1}">
-              <a14:hiddenEffects xmlns:a14="http://schemas.microsoft.com/office/drawing/2010/main" xmlns="">
+              <a14:hiddenEffects xmlns="" xmlns:a14="http://schemas.microsoft.com/office/drawing/2010/main">
                 <a:effectLst>
                   <a:outerShdw blurRad="63500" dist="38099" dir="2700000" algn="ctr" rotWithShape="0">
                     <a:schemeClr val="bg2">
@@ -30285,14 +30285,14 @@
           <a:effectLst/>
           <a:extLst>
             <a:ext uri="{909E8E84-426E-40dd-AFC4-6F175D3DCCD1}">
-              <a14:hiddenFill xmlns:a14="http://schemas.microsoft.com/office/drawing/2010/main" xmlns="">
+              <a14:hiddenFill xmlns="" xmlns:a14="http://schemas.microsoft.com/office/drawing/2010/main">
                 <a:solidFill>
                   <a:schemeClr val="accent1"/>
                 </a:solidFill>
               </a14:hiddenFill>
             </a:ext>
             <a:ext uri="{91240B29-F687-4f45-9708-019B960494DF}">
-              <a14:hiddenLine xmlns:a14="http://schemas.microsoft.com/office/drawing/2010/main" xmlns="" w="9525">
+              <a14:hiddenLine xmlns="" xmlns:a14="http://schemas.microsoft.com/office/drawing/2010/main" w="9525">
                 <a:solidFill>
                   <a:schemeClr val="tx1"/>
                 </a:solidFill>
@@ -30302,7 +30302,7 @@
               </a14:hiddenLine>
             </a:ext>
             <a:ext uri="{AF507438-7753-43e0-B8FC-AC1667EBCBE1}">
-              <a14:hiddenEffects xmlns:a14="http://schemas.microsoft.com/office/drawing/2010/main" xmlns="">
+              <a14:hiddenEffects xmlns="" xmlns:a14="http://schemas.microsoft.com/office/drawing/2010/main">
                 <a:effectLst>
                   <a:outerShdw blurRad="63500" dist="38099" dir="2700000" algn="ctr" rotWithShape="0">
                     <a:schemeClr val="bg2">
@@ -30360,12 +30360,12 @@
           <a:effectLst/>
           <a:extLst>
             <a:ext uri="{909E8E84-426E-40dd-AFC4-6F175D3DCCD1}">
-              <a14:hiddenFill xmlns:a14="http://schemas.microsoft.com/office/drawing/2010/main" xmlns="">
+              <a14:hiddenFill xmlns="" xmlns:a14="http://schemas.microsoft.com/office/drawing/2010/main">
                 <a:noFill/>
               </a14:hiddenFill>
             </a:ext>
             <a:ext uri="{AF507438-7753-43e0-B8FC-AC1667EBCBE1}">
-              <a14:hiddenEffects xmlns:a14="http://schemas.microsoft.com/office/drawing/2010/main" xmlns="">
+              <a14:hiddenEffects xmlns="" xmlns:a14="http://schemas.microsoft.com/office/drawing/2010/main">
                 <a:effectLst>
                   <a:outerShdw blurRad="63500" dist="38099" dir="2700000" algn="ctr" rotWithShape="0">
                     <a:schemeClr val="bg2">
@@ -30408,14 +30408,14 @@
           <a:effectLst/>
           <a:extLst>
             <a:ext uri="{909E8E84-426E-40dd-AFC4-6F175D3DCCD1}">
-              <a14:hiddenFill xmlns:a14="http://schemas.microsoft.com/office/drawing/2010/main" xmlns="">
+              <a14:hiddenFill xmlns="" xmlns:a14="http://schemas.microsoft.com/office/drawing/2010/main">
                 <a:solidFill>
                   <a:schemeClr val="accent1"/>
                 </a:solidFill>
               </a14:hiddenFill>
             </a:ext>
             <a:ext uri="{91240B29-F687-4f45-9708-019B960494DF}">
-              <a14:hiddenLine xmlns:a14="http://schemas.microsoft.com/office/drawing/2010/main" xmlns="" w="9525">
+              <a14:hiddenLine xmlns="" xmlns:a14="http://schemas.microsoft.com/office/drawing/2010/main" w="9525">
                 <a:solidFill>
                   <a:schemeClr val="tx1"/>
                 </a:solidFill>
@@ -30425,7 +30425,7 @@
               </a14:hiddenLine>
             </a:ext>
             <a:ext uri="{AF507438-7753-43e0-B8FC-AC1667EBCBE1}">
-              <a14:hiddenEffects xmlns:a14="http://schemas.microsoft.com/office/drawing/2010/main" xmlns="">
+              <a14:hiddenEffects xmlns="" xmlns:a14="http://schemas.microsoft.com/office/drawing/2010/main">
                 <a:effectLst>
                   <a:outerShdw blurRad="63500" dist="38099" dir="2700000" algn="ctr" rotWithShape="0">
                     <a:schemeClr val="bg2">
@@ -30591,14 +30591,14 @@
           <a:effectLst/>
           <a:extLst>
             <a:ext uri="{909E8E84-426E-40dd-AFC4-6F175D3DCCD1}">
-              <a14:hiddenFill xmlns:a14="http://schemas.microsoft.com/office/drawing/2010/main" xmlns="">
+              <a14:hiddenFill xmlns="" xmlns:a14="http://schemas.microsoft.com/office/drawing/2010/main">
                 <a:solidFill>
                   <a:schemeClr val="accent1"/>
                 </a:solidFill>
               </a14:hiddenFill>
             </a:ext>
             <a:ext uri="{AF507438-7753-43e0-B8FC-AC1667EBCBE1}">
-              <a14:hiddenEffects xmlns:a14="http://schemas.microsoft.com/office/drawing/2010/main" xmlns="">
+              <a14:hiddenEffects xmlns="" xmlns:a14="http://schemas.microsoft.com/office/drawing/2010/main">
                 <a:effectLst>
                   <a:outerShdw blurRad="63500" dist="38099" dir="2700000" algn="ctr" rotWithShape="0">
                     <a:schemeClr val="bg2">
@@ -30641,14 +30641,14 @@
           <a:effectLst/>
           <a:extLst>
             <a:ext uri="{909E8E84-426E-40dd-AFC4-6F175D3DCCD1}">
-              <a14:hiddenFill xmlns:a14="http://schemas.microsoft.com/office/drawing/2010/main" xmlns="">
+              <a14:hiddenFill xmlns="" xmlns:a14="http://schemas.microsoft.com/office/drawing/2010/main">
                 <a:solidFill>
                   <a:schemeClr val="accent1"/>
                 </a:solidFill>
               </a14:hiddenFill>
             </a:ext>
             <a:ext uri="{91240B29-F687-4f45-9708-019B960494DF}">
-              <a14:hiddenLine xmlns:a14="http://schemas.microsoft.com/office/drawing/2010/main" xmlns="" w="9525">
+              <a14:hiddenLine xmlns="" xmlns:a14="http://schemas.microsoft.com/office/drawing/2010/main" w="9525">
                 <a:solidFill>
                   <a:schemeClr val="tx1"/>
                 </a:solidFill>
@@ -30658,7 +30658,7 @@
               </a14:hiddenLine>
             </a:ext>
             <a:ext uri="{AF507438-7753-43e0-B8FC-AC1667EBCBE1}">
-              <a14:hiddenEffects xmlns:a14="http://schemas.microsoft.com/office/drawing/2010/main" xmlns="">
+              <a14:hiddenEffects xmlns="" xmlns:a14="http://schemas.microsoft.com/office/drawing/2010/main">
                 <a:effectLst>
                   <a:outerShdw blurRad="63500" dist="38099" dir="2700000" algn="ctr" rotWithShape="0">
                     <a:schemeClr val="bg2">
@@ -30713,14 +30713,14 @@
           <a:effectLst/>
           <a:extLst>
             <a:ext uri="{909E8E84-426E-40dd-AFC4-6F175D3DCCD1}">
-              <a14:hiddenFill xmlns:a14="http://schemas.microsoft.com/office/drawing/2010/main" xmlns="">
+              <a14:hiddenFill xmlns="" xmlns:a14="http://schemas.microsoft.com/office/drawing/2010/main">
                 <a:solidFill>
                   <a:schemeClr val="accent1"/>
                 </a:solidFill>
               </a14:hiddenFill>
             </a:ext>
             <a:ext uri="{AF507438-7753-43e0-B8FC-AC1667EBCBE1}">
-              <a14:hiddenEffects xmlns:a14="http://schemas.microsoft.com/office/drawing/2010/main" xmlns="">
+              <a14:hiddenEffects xmlns="" xmlns:a14="http://schemas.microsoft.com/office/drawing/2010/main">
                 <a:effectLst>
                   <a:outerShdw blurRad="63500" dist="38099" dir="2700000" algn="ctr" rotWithShape="0">
                     <a:schemeClr val="bg2">
@@ -30797,14 +30797,14 @@
           <a:effectLst/>
           <a:extLst>
             <a:ext uri="{909E8E84-426E-40dd-AFC4-6F175D3DCCD1}">
-              <a14:hiddenFill xmlns:a14="http://schemas.microsoft.com/office/drawing/2010/main" xmlns="">
+              <a14:hiddenFill xmlns="" xmlns:a14="http://schemas.microsoft.com/office/drawing/2010/main">
                 <a:solidFill>
                   <a:schemeClr val="accent1"/>
                 </a:solidFill>
               </a14:hiddenFill>
             </a:ext>
             <a:ext uri="{91240B29-F687-4f45-9708-019B960494DF}">
-              <a14:hiddenLine xmlns:a14="http://schemas.microsoft.com/office/drawing/2010/main" xmlns="" w="9525">
+              <a14:hiddenLine xmlns="" xmlns:a14="http://schemas.microsoft.com/office/drawing/2010/main" w="9525">
                 <a:solidFill>
                   <a:schemeClr val="tx1"/>
                 </a:solidFill>
@@ -30814,7 +30814,7 @@
               </a14:hiddenLine>
             </a:ext>
             <a:ext uri="{AF507438-7753-43e0-B8FC-AC1667EBCBE1}">
-              <a14:hiddenEffects xmlns:a14="http://schemas.microsoft.com/office/drawing/2010/main" xmlns="">
+              <a14:hiddenEffects xmlns="" xmlns:a14="http://schemas.microsoft.com/office/drawing/2010/main">
                 <a:effectLst>
                   <a:outerShdw blurRad="63500" dist="38099" dir="2700000" algn="ctr" rotWithShape="0">
                     <a:schemeClr val="bg2">
@@ -30866,14 +30866,14 @@
           <a:effectLst/>
           <a:extLst>
             <a:ext uri="{909E8E84-426E-40dd-AFC4-6F175D3DCCD1}">
-              <a14:hiddenFill xmlns:a14="http://schemas.microsoft.com/office/drawing/2010/main" xmlns="">
+              <a14:hiddenFill xmlns="" xmlns:a14="http://schemas.microsoft.com/office/drawing/2010/main">
                 <a:solidFill>
                   <a:schemeClr val="accent1"/>
                 </a:solidFill>
               </a14:hiddenFill>
             </a:ext>
             <a:ext uri="{91240B29-F687-4f45-9708-019B960494DF}">
-              <a14:hiddenLine xmlns:a14="http://schemas.microsoft.com/office/drawing/2010/main" xmlns="" w="9525">
+              <a14:hiddenLine xmlns="" xmlns:a14="http://schemas.microsoft.com/office/drawing/2010/main" w="9525">
                 <a:solidFill>
                   <a:schemeClr val="tx1"/>
                 </a:solidFill>
@@ -30883,7 +30883,7 @@
               </a14:hiddenLine>
             </a:ext>
             <a:ext uri="{AF507438-7753-43e0-B8FC-AC1667EBCBE1}">
-              <a14:hiddenEffects xmlns:a14="http://schemas.microsoft.com/office/drawing/2010/main" xmlns="">
+              <a14:hiddenEffects xmlns="" xmlns:a14="http://schemas.microsoft.com/office/drawing/2010/main">
                 <a:effectLst>
                   <a:outerShdw blurRad="63500" dist="38099" dir="2700000" algn="ctr" rotWithShape="0">
                     <a:schemeClr val="bg2">
@@ -30931,14 +30931,14 @@
           <a:effectLst/>
           <a:extLst>
             <a:ext uri="{909E8E84-426E-40dd-AFC4-6F175D3DCCD1}">
-              <a14:hiddenFill xmlns:a14="http://schemas.microsoft.com/office/drawing/2010/main" xmlns="">
+              <a14:hiddenFill xmlns="" xmlns:a14="http://schemas.microsoft.com/office/drawing/2010/main">
                 <a:solidFill>
                   <a:schemeClr val="accent1"/>
                 </a:solidFill>
               </a14:hiddenFill>
             </a:ext>
             <a:ext uri="{91240B29-F687-4f45-9708-019B960494DF}">
-              <a14:hiddenLine xmlns:a14="http://schemas.microsoft.com/office/drawing/2010/main" xmlns="" w="9525">
+              <a14:hiddenLine xmlns="" xmlns:a14="http://schemas.microsoft.com/office/drawing/2010/main" w="9525">
                 <a:solidFill>
                   <a:schemeClr val="tx1"/>
                 </a:solidFill>
@@ -30948,7 +30948,7 @@
               </a14:hiddenLine>
             </a:ext>
             <a:ext uri="{AF507438-7753-43e0-B8FC-AC1667EBCBE1}">
-              <a14:hiddenEffects xmlns:a14="http://schemas.microsoft.com/office/drawing/2010/main" xmlns="">
+              <a14:hiddenEffects xmlns="" xmlns:a14="http://schemas.microsoft.com/office/drawing/2010/main">
                 <a:effectLst>
                   <a:outerShdw blurRad="63500" dist="38099" dir="2700000" algn="ctr" rotWithShape="0">
                     <a:schemeClr val="bg2">
@@ -32622,14 +32622,14 @@
           <a:effectLst/>
           <a:extLst>
             <a:ext uri="{909E8E84-426E-40dd-AFC4-6F175D3DCCD1}">
-              <a14:hiddenFill xmlns="" xmlns:a14="http://schemas.microsoft.com/office/drawing/2010/main">
+              <a14:hiddenFill xmlns:a14="http://schemas.microsoft.com/office/drawing/2010/main" xmlns="">
                 <a:solidFill>
                   <a:schemeClr val="accent1"/>
                 </a:solidFill>
               </a14:hiddenFill>
             </a:ext>
             <a:ext uri="{91240B29-F687-4f45-9708-019B960494DF}">
-              <a14:hiddenLine xmlns="" xmlns:a14="http://schemas.microsoft.com/office/drawing/2010/main" w="9525">
+              <a14:hiddenLine xmlns:a14="http://schemas.microsoft.com/office/drawing/2010/main" xmlns="" w="9525">
                 <a:solidFill>
                   <a:schemeClr val="tx1"/>
                 </a:solidFill>
@@ -32639,7 +32639,7 @@
               </a14:hiddenLine>
             </a:ext>
             <a:ext uri="{AF507438-7753-43e0-B8FC-AC1667EBCBE1}">
-              <a14:hiddenEffects xmlns="" xmlns:a14="http://schemas.microsoft.com/office/drawing/2010/main">
+              <a14:hiddenEffects xmlns:a14="http://schemas.microsoft.com/office/drawing/2010/main" xmlns="">
                 <a:effectLst>
                   <a:outerShdw blurRad="63500" dist="38099" dir="2700000" algn="ctr" rotWithShape="0">
                     <a:schemeClr val="bg2">
@@ -32718,14 +32718,14 @@
           <a:effectLst/>
           <a:extLst>
             <a:ext uri="{909E8E84-426E-40dd-AFC4-6F175D3DCCD1}">
-              <a14:hiddenFill xmlns="" xmlns:a14="http://schemas.microsoft.com/office/drawing/2010/main">
+              <a14:hiddenFill xmlns:a14="http://schemas.microsoft.com/office/drawing/2010/main" xmlns="">
                 <a:solidFill>
                   <a:schemeClr val="accent1"/>
                 </a:solidFill>
               </a14:hiddenFill>
             </a:ext>
             <a:ext uri="{AF507438-7753-43e0-B8FC-AC1667EBCBE1}">
-              <a14:hiddenEffects xmlns="" xmlns:a14="http://schemas.microsoft.com/office/drawing/2010/main">
+              <a14:hiddenEffects xmlns:a14="http://schemas.microsoft.com/office/drawing/2010/main" xmlns="">
                 <a:effectLst>
                   <a:outerShdw blurRad="63500" dist="38099" dir="2700000" algn="ctr" rotWithShape="0">
                     <a:schemeClr val="bg2">
@@ -32810,14 +32810,14 @@
           <a:effectLst/>
           <a:extLst>
             <a:ext uri="{909E8E84-426E-40dd-AFC4-6F175D3DCCD1}">
-              <a14:hiddenFill xmlns="" xmlns:a14="http://schemas.microsoft.com/office/drawing/2010/main">
+              <a14:hiddenFill xmlns:a14="http://schemas.microsoft.com/office/drawing/2010/main" xmlns="">
                 <a:solidFill>
                   <a:schemeClr val="accent1"/>
                 </a:solidFill>
               </a14:hiddenFill>
             </a:ext>
             <a:ext uri="{AF507438-7753-43e0-B8FC-AC1667EBCBE1}">
-              <a14:hiddenEffects xmlns="" xmlns:a14="http://schemas.microsoft.com/office/drawing/2010/main">
+              <a14:hiddenEffects xmlns:a14="http://schemas.microsoft.com/office/drawing/2010/main" xmlns="">
                 <a:effectLst>
                   <a:outerShdw blurRad="63500" dist="38099" dir="2700000" algn="ctr" rotWithShape="0">
                     <a:schemeClr val="bg2">
@@ -32899,14 +32899,14 @@
           <a:effectLst/>
           <a:extLst>
             <a:ext uri="{909E8E84-426E-40dd-AFC4-6F175D3DCCD1}">
-              <a14:hiddenFill xmlns="" xmlns:a14="http://schemas.microsoft.com/office/drawing/2010/main">
+              <a14:hiddenFill xmlns:a14="http://schemas.microsoft.com/office/drawing/2010/main" xmlns="">
                 <a:solidFill>
                   <a:schemeClr val="accent1"/>
                 </a:solidFill>
               </a14:hiddenFill>
             </a:ext>
             <a:ext uri="{AF507438-7753-43e0-B8FC-AC1667EBCBE1}">
-              <a14:hiddenEffects xmlns="" xmlns:a14="http://schemas.microsoft.com/office/drawing/2010/main">
+              <a14:hiddenEffects xmlns:a14="http://schemas.microsoft.com/office/drawing/2010/main" xmlns="">
                 <a:effectLst>
                   <a:outerShdw blurRad="63500" dist="38099" dir="2700000" algn="ctr" rotWithShape="0">
                     <a:schemeClr val="bg2">
@@ -32991,14 +32991,14 @@
           <a:effectLst/>
           <a:extLst>
             <a:ext uri="{909E8E84-426E-40dd-AFC4-6F175D3DCCD1}">
-              <a14:hiddenFill xmlns="" xmlns:a14="http://schemas.microsoft.com/office/drawing/2010/main">
+              <a14:hiddenFill xmlns:a14="http://schemas.microsoft.com/office/drawing/2010/main" xmlns="">
                 <a:solidFill>
                   <a:schemeClr val="accent1"/>
                 </a:solidFill>
               </a14:hiddenFill>
             </a:ext>
             <a:ext uri="{AF507438-7753-43e0-B8FC-AC1667EBCBE1}">
-              <a14:hiddenEffects xmlns="" xmlns:a14="http://schemas.microsoft.com/office/drawing/2010/main">
+              <a14:hiddenEffects xmlns:a14="http://schemas.microsoft.com/office/drawing/2010/main" xmlns="">
                 <a:effectLst>
                   <a:outerShdw blurRad="63500" dist="38099" dir="2700000" algn="ctr" rotWithShape="0">
                     <a:schemeClr val="bg2">
@@ -33083,14 +33083,14 @@
           <a:effectLst/>
           <a:extLst>
             <a:ext uri="{909E8E84-426E-40dd-AFC4-6F175D3DCCD1}">
-              <a14:hiddenFill xmlns="" xmlns:a14="http://schemas.microsoft.com/office/drawing/2010/main">
+              <a14:hiddenFill xmlns:a14="http://schemas.microsoft.com/office/drawing/2010/main" xmlns="">
                 <a:solidFill>
                   <a:schemeClr val="accent1"/>
                 </a:solidFill>
               </a14:hiddenFill>
             </a:ext>
             <a:ext uri="{AF507438-7753-43e0-B8FC-AC1667EBCBE1}">
-              <a14:hiddenEffects xmlns="" xmlns:a14="http://schemas.microsoft.com/office/drawing/2010/main">
+              <a14:hiddenEffects xmlns:a14="http://schemas.microsoft.com/office/drawing/2010/main" xmlns="">
                 <a:effectLst>
                   <a:outerShdw blurRad="63500" dist="38099" dir="2700000" algn="ctr" rotWithShape="0">
                     <a:schemeClr val="bg2">
@@ -33175,14 +33175,14 @@
           <a:effectLst/>
           <a:extLst>
             <a:ext uri="{909E8E84-426E-40dd-AFC4-6F175D3DCCD1}">
-              <a14:hiddenFill xmlns="" xmlns:a14="http://schemas.microsoft.com/office/drawing/2010/main">
+              <a14:hiddenFill xmlns:a14="http://schemas.microsoft.com/office/drawing/2010/main" xmlns="">
                 <a:solidFill>
                   <a:schemeClr val="accent1"/>
                 </a:solidFill>
               </a14:hiddenFill>
             </a:ext>
             <a:ext uri="{AF507438-7753-43e0-B8FC-AC1667EBCBE1}">
-              <a14:hiddenEffects xmlns="" xmlns:a14="http://schemas.microsoft.com/office/drawing/2010/main">
+              <a14:hiddenEffects xmlns:a14="http://schemas.microsoft.com/office/drawing/2010/main" xmlns="">
                 <a:effectLst>
                   <a:outerShdw blurRad="63500" dist="38099" dir="2700000" algn="ctr" rotWithShape="0">
                     <a:schemeClr val="bg2">
@@ -33261,12 +33261,12 @@
           <a:effectLst/>
           <a:extLst>
             <a:ext uri="{909E8E84-426E-40dd-AFC4-6F175D3DCCD1}">
-              <a14:hiddenFill xmlns="" xmlns:a14="http://schemas.microsoft.com/office/drawing/2010/main">
+              <a14:hiddenFill xmlns:a14="http://schemas.microsoft.com/office/drawing/2010/main" xmlns="">
                 <a:noFill/>
               </a14:hiddenFill>
             </a:ext>
             <a:ext uri="{AF507438-7753-43e0-B8FC-AC1667EBCBE1}">
-              <a14:hiddenEffects xmlns="" xmlns:a14="http://schemas.microsoft.com/office/drawing/2010/main">
+              <a14:hiddenEffects xmlns:a14="http://schemas.microsoft.com/office/drawing/2010/main" xmlns="">
                 <a:effectLst>
                   <a:outerShdw blurRad="63500" dist="38099" dir="2700000" algn="ctr" rotWithShape="0">
                     <a:schemeClr val="bg2">
@@ -33309,14 +33309,14 @@
           <a:effectLst/>
           <a:extLst>
             <a:ext uri="{909E8E84-426E-40dd-AFC4-6F175D3DCCD1}">
-              <a14:hiddenFill xmlns="" xmlns:a14="http://schemas.microsoft.com/office/drawing/2010/main">
+              <a14:hiddenFill xmlns:a14="http://schemas.microsoft.com/office/drawing/2010/main" xmlns="">
                 <a:solidFill>
                   <a:schemeClr val="accent1"/>
                 </a:solidFill>
               </a14:hiddenFill>
             </a:ext>
             <a:ext uri="{91240B29-F687-4f45-9708-019B960494DF}">
-              <a14:hiddenLine xmlns="" xmlns:a14="http://schemas.microsoft.com/office/drawing/2010/main" w="9525">
+              <a14:hiddenLine xmlns:a14="http://schemas.microsoft.com/office/drawing/2010/main" xmlns="" w="9525">
                 <a:solidFill>
                   <a:schemeClr val="tx1"/>
                 </a:solidFill>
@@ -33326,7 +33326,7 @@
               </a14:hiddenLine>
             </a:ext>
             <a:ext uri="{AF507438-7753-43e0-B8FC-AC1667EBCBE1}">
-              <a14:hiddenEffects xmlns="" xmlns:a14="http://schemas.microsoft.com/office/drawing/2010/main">
+              <a14:hiddenEffects xmlns:a14="http://schemas.microsoft.com/office/drawing/2010/main" xmlns="">
                 <a:effectLst>
                   <a:outerShdw blurRad="63500" dist="38099" dir="2700000" algn="ctr" rotWithShape="0">
                     <a:schemeClr val="bg2">
@@ -33384,12 +33384,12 @@
           <a:effectLst/>
           <a:extLst>
             <a:ext uri="{909E8E84-426E-40dd-AFC4-6F175D3DCCD1}">
-              <a14:hiddenFill xmlns="" xmlns:a14="http://schemas.microsoft.com/office/drawing/2010/main">
+              <a14:hiddenFill xmlns:a14="http://schemas.microsoft.com/office/drawing/2010/main" xmlns="">
                 <a:noFill/>
               </a14:hiddenFill>
             </a:ext>
             <a:ext uri="{AF507438-7753-43e0-B8FC-AC1667EBCBE1}">
-              <a14:hiddenEffects xmlns="" xmlns:a14="http://schemas.microsoft.com/office/drawing/2010/main">
+              <a14:hiddenEffects xmlns:a14="http://schemas.microsoft.com/office/drawing/2010/main" xmlns="">
                 <a:effectLst>
                   <a:outerShdw blurRad="63500" dist="38099" dir="2700000" algn="ctr" rotWithShape="0">
                     <a:schemeClr val="bg2">
@@ -33432,14 +33432,14 @@
           <a:effectLst/>
           <a:extLst>
             <a:ext uri="{909E8E84-426E-40dd-AFC4-6F175D3DCCD1}">
-              <a14:hiddenFill xmlns="" xmlns:a14="http://schemas.microsoft.com/office/drawing/2010/main">
+              <a14:hiddenFill xmlns:a14="http://schemas.microsoft.com/office/drawing/2010/main" xmlns="">
                 <a:solidFill>
                   <a:schemeClr val="accent1"/>
                 </a:solidFill>
               </a14:hiddenFill>
             </a:ext>
             <a:ext uri="{91240B29-F687-4f45-9708-019B960494DF}">
-              <a14:hiddenLine xmlns="" xmlns:a14="http://schemas.microsoft.com/office/drawing/2010/main" w="9525">
+              <a14:hiddenLine xmlns:a14="http://schemas.microsoft.com/office/drawing/2010/main" xmlns="" w="9525">
                 <a:solidFill>
                   <a:schemeClr val="tx1"/>
                 </a:solidFill>
@@ -33449,7 +33449,7 @@
               </a14:hiddenLine>
             </a:ext>
             <a:ext uri="{AF507438-7753-43e0-B8FC-AC1667EBCBE1}">
-              <a14:hiddenEffects xmlns="" xmlns:a14="http://schemas.microsoft.com/office/drawing/2010/main">
+              <a14:hiddenEffects xmlns:a14="http://schemas.microsoft.com/office/drawing/2010/main" xmlns="">
                 <a:effectLst>
                   <a:outerShdw blurRad="63500" dist="38099" dir="2700000" algn="ctr" rotWithShape="0">
                     <a:schemeClr val="bg2">
@@ -33507,12 +33507,12 @@
           <a:effectLst/>
           <a:extLst>
             <a:ext uri="{909E8E84-426E-40dd-AFC4-6F175D3DCCD1}">
-              <a14:hiddenFill xmlns="" xmlns:a14="http://schemas.microsoft.com/office/drawing/2010/main">
+              <a14:hiddenFill xmlns:a14="http://schemas.microsoft.com/office/drawing/2010/main" xmlns="">
                 <a:noFill/>
               </a14:hiddenFill>
             </a:ext>
             <a:ext uri="{AF507438-7753-43e0-B8FC-AC1667EBCBE1}">
-              <a14:hiddenEffects xmlns="" xmlns:a14="http://schemas.microsoft.com/office/drawing/2010/main">
+              <a14:hiddenEffects xmlns:a14="http://schemas.microsoft.com/office/drawing/2010/main" xmlns="">
                 <a:effectLst>
                   <a:outerShdw blurRad="63500" dist="38099" dir="2700000" algn="ctr" rotWithShape="0">
                     <a:schemeClr val="bg2">
@@ -33555,14 +33555,14 @@
           <a:effectLst/>
           <a:extLst>
             <a:ext uri="{909E8E84-426E-40dd-AFC4-6F175D3DCCD1}">
-              <a14:hiddenFill xmlns="" xmlns:a14="http://schemas.microsoft.com/office/drawing/2010/main">
+              <a14:hiddenFill xmlns:a14="http://schemas.microsoft.com/office/drawing/2010/main" xmlns="">
                 <a:solidFill>
                   <a:schemeClr val="accent1"/>
                 </a:solidFill>
               </a14:hiddenFill>
             </a:ext>
             <a:ext uri="{91240B29-F687-4f45-9708-019B960494DF}">
-              <a14:hiddenLine xmlns="" xmlns:a14="http://schemas.microsoft.com/office/drawing/2010/main" w="9525">
+              <a14:hiddenLine xmlns:a14="http://schemas.microsoft.com/office/drawing/2010/main" xmlns="" w="9525">
                 <a:solidFill>
                   <a:schemeClr val="tx1"/>
                 </a:solidFill>
@@ -33572,7 +33572,7 @@
               </a14:hiddenLine>
             </a:ext>
             <a:ext uri="{AF507438-7753-43e0-B8FC-AC1667EBCBE1}">
-              <a14:hiddenEffects xmlns="" xmlns:a14="http://schemas.microsoft.com/office/drawing/2010/main">
+              <a14:hiddenEffects xmlns:a14="http://schemas.microsoft.com/office/drawing/2010/main" xmlns="">
                 <a:effectLst>
                   <a:outerShdw blurRad="63500" dist="38099" dir="2700000" algn="ctr" rotWithShape="0">
                     <a:schemeClr val="bg2">
@@ -33630,12 +33630,12 @@
           <a:effectLst/>
           <a:extLst>
             <a:ext uri="{909E8E84-426E-40dd-AFC4-6F175D3DCCD1}">
-              <a14:hiddenFill xmlns="" xmlns:a14="http://schemas.microsoft.com/office/drawing/2010/main">
+              <a14:hiddenFill xmlns:a14="http://schemas.microsoft.com/office/drawing/2010/main" xmlns="">
                 <a:noFill/>
               </a14:hiddenFill>
             </a:ext>
             <a:ext uri="{AF507438-7753-43e0-B8FC-AC1667EBCBE1}">
-              <a14:hiddenEffects xmlns="" xmlns:a14="http://schemas.microsoft.com/office/drawing/2010/main">
+              <a14:hiddenEffects xmlns:a14="http://schemas.microsoft.com/office/drawing/2010/main" xmlns="">
                 <a:effectLst>
                   <a:outerShdw blurRad="63500" dist="38099" dir="2700000" algn="ctr" rotWithShape="0">
                     <a:schemeClr val="bg2">
@@ -33678,14 +33678,14 @@
           <a:effectLst/>
           <a:extLst>
             <a:ext uri="{909E8E84-426E-40dd-AFC4-6F175D3DCCD1}">
-              <a14:hiddenFill xmlns="" xmlns:a14="http://schemas.microsoft.com/office/drawing/2010/main">
+              <a14:hiddenFill xmlns:a14="http://schemas.microsoft.com/office/drawing/2010/main" xmlns="">
                 <a:solidFill>
                   <a:schemeClr val="accent1"/>
                 </a:solidFill>
               </a14:hiddenFill>
             </a:ext>
             <a:ext uri="{91240B29-F687-4f45-9708-019B960494DF}">
-              <a14:hiddenLine xmlns="" xmlns:a14="http://schemas.microsoft.com/office/drawing/2010/main" w="9525">
+              <a14:hiddenLine xmlns:a14="http://schemas.microsoft.com/office/drawing/2010/main" xmlns="" w="9525">
                 <a:solidFill>
                   <a:schemeClr val="tx1"/>
                 </a:solidFill>
@@ -33695,7 +33695,7 @@
               </a14:hiddenLine>
             </a:ext>
             <a:ext uri="{AF507438-7753-43e0-B8FC-AC1667EBCBE1}">
-              <a14:hiddenEffects xmlns="" xmlns:a14="http://schemas.microsoft.com/office/drawing/2010/main">
+              <a14:hiddenEffects xmlns:a14="http://schemas.microsoft.com/office/drawing/2010/main" xmlns="">
                 <a:effectLst>
                   <a:outerShdw blurRad="63500" dist="38099" dir="2700000" algn="ctr" rotWithShape="0">
                     <a:schemeClr val="bg2">
@@ -33753,12 +33753,12 @@
           <a:effectLst/>
           <a:extLst>
             <a:ext uri="{909E8E84-426E-40dd-AFC4-6F175D3DCCD1}">
-              <a14:hiddenFill xmlns="" xmlns:a14="http://schemas.microsoft.com/office/drawing/2010/main">
+              <a14:hiddenFill xmlns:a14="http://schemas.microsoft.com/office/drawing/2010/main" xmlns="">
                 <a:noFill/>
               </a14:hiddenFill>
             </a:ext>
             <a:ext uri="{AF507438-7753-43e0-B8FC-AC1667EBCBE1}">
-              <a14:hiddenEffects xmlns="" xmlns:a14="http://schemas.microsoft.com/office/drawing/2010/main">
+              <a14:hiddenEffects xmlns:a14="http://schemas.microsoft.com/office/drawing/2010/main" xmlns="">
                 <a:effectLst>
                   <a:outerShdw blurRad="63500" dist="38099" dir="2700000" algn="ctr" rotWithShape="0">
                     <a:schemeClr val="bg2">
@@ -33801,14 +33801,14 @@
           <a:effectLst/>
           <a:extLst>
             <a:ext uri="{909E8E84-426E-40dd-AFC4-6F175D3DCCD1}">
-              <a14:hiddenFill xmlns="" xmlns:a14="http://schemas.microsoft.com/office/drawing/2010/main">
+              <a14:hiddenFill xmlns:a14="http://schemas.microsoft.com/office/drawing/2010/main" xmlns="">
                 <a:solidFill>
                   <a:schemeClr val="accent1"/>
                 </a:solidFill>
               </a14:hiddenFill>
             </a:ext>
             <a:ext uri="{91240B29-F687-4f45-9708-019B960494DF}">
-              <a14:hiddenLine xmlns="" xmlns:a14="http://schemas.microsoft.com/office/drawing/2010/main" w="9525">
+              <a14:hiddenLine xmlns:a14="http://schemas.microsoft.com/office/drawing/2010/main" xmlns="" w="9525">
                 <a:solidFill>
                   <a:schemeClr val="tx1"/>
                 </a:solidFill>
@@ -33818,7 +33818,7 @@
               </a14:hiddenLine>
             </a:ext>
             <a:ext uri="{AF507438-7753-43e0-B8FC-AC1667EBCBE1}">
-              <a14:hiddenEffects xmlns="" xmlns:a14="http://schemas.microsoft.com/office/drawing/2010/main">
+              <a14:hiddenEffects xmlns:a14="http://schemas.microsoft.com/office/drawing/2010/main" xmlns="">
                 <a:effectLst>
                   <a:outerShdw blurRad="63500" dist="38099" dir="2700000" algn="ctr" rotWithShape="0">
                     <a:schemeClr val="bg2">
@@ -33876,12 +33876,12 @@
           <a:effectLst/>
           <a:extLst>
             <a:ext uri="{909E8E84-426E-40dd-AFC4-6F175D3DCCD1}">
-              <a14:hiddenFill xmlns="" xmlns:a14="http://schemas.microsoft.com/office/drawing/2010/main">
+              <a14:hiddenFill xmlns:a14="http://schemas.microsoft.com/office/drawing/2010/main" xmlns="">
                 <a:noFill/>
               </a14:hiddenFill>
             </a:ext>
             <a:ext uri="{AF507438-7753-43e0-B8FC-AC1667EBCBE1}">
-              <a14:hiddenEffects xmlns="" xmlns:a14="http://schemas.microsoft.com/office/drawing/2010/main">
+              <a14:hiddenEffects xmlns:a14="http://schemas.microsoft.com/office/drawing/2010/main" xmlns="">
                 <a:effectLst>
                   <a:outerShdw blurRad="63500" dist="38099" dir="2700000" algn="ctr" rotWithShape="0">
                     <a:schemeClr val="bg2">
@@ -33924,14 +33924,14 @@
           <a:effectLst/>
           <a:extLst>
             <a:ext uri="{909E8E84-426E-40dd-AFC4-6F175D3DCCD1}">
-              <a14:hiddenFill xmlns="" xmlns:a14="http://schemas.microsoft.com/office/drawing/2010/main">
+              <a14:hiddenFill xmlns:a14="http://schemas.microsoft.com/office/drawing/2010/main" xmlns="">
                 <a:solidFill>
                   <a:schemeClr val="accent1"/>
                 </a:solidFill>
               </a14:hiddenFill>
             </a:ext>
             <a:ext uri="{91240B29-F687-4f45-9708-019B960494DF}">
-              <a14:hiddenLine xmlns="" xmlns:a14="http://schemas.microsoft.com/office/drawing/2010/main" w="9525">
+              <a14:hiddenLine xmlns:a14="http://schemas.microsoft.com/office/drawing/2010/main" xmlns="" w="9525">
                 <a:solidFill>
                   <a:schemeClr val="tx1"/>
                 </a:solidFill>
@@ -33941,7 +33941,7 @@
               </a14:hiddenLine>
             </a:ext>
             <a:ext uri="{AF507438-7753-43e0-B8FC-AC1667EBCBE1}">
-              <a14:hiddenEffects xmlns="" xmlns:a14="http://schemas.microsoft.com/office/drawing/2010/main">
+              <a14:hiddenEffects xmlns:a14="http://schemas.microsoft.com/office/drawing/2010/main" xmlns="">
                 <a:effectLst>
                   <a:outerShdw blurRad="63500" dist="38099" dir="2700000" algn="ctr" rotWithShape="0">
                     <a:schemeClr val="bg2">
@@ -33996,12 +33996,12 @@
           <a:effectLst/>
           <a:extLst>
             <a:ext uri="{909E8E84-426E-40dd-AFC4-6F175D3DCCD1}">
-              <a14:hiddenFill xmlns="" xmlns:a14="http://schemas.microsoft.com/office/drawing/2010/main">
+              <a14:hiddenFill xmlns:a14="http://schemas.microsoft.com/office/drawing/2010/main" xmlns="">
                 <a:noFill/>
               </a14:hiddenFill>
             </a:ext>
             <a:ext uri="{AF507438-7753-43e0-B8FC-AC1667EBCBE1}">
-              <a14:hiddenEffects xmlns="" xmlns:a14="http://schemas.microsoft.com/office/drawing/2010/main">
+              <a14:hiddenEffects xmlns:a14="http://schemas.microsoft.com/office/drawing/2010/main" xmlns="">
                 <a:effectLst>
                   <a:outerShdw blurRad="63500" dist="38099" dir="2700000" algn="ctr" rotWithShape="0">
                     <a:schemeClr val="bg2">
@@ -34044,14 +34044,14 @@
           <a:effectLst/>
           <a:extLst>
             <a:ext uri="{909E8E84-426E-40dd-AFC4-6F175D3DCCD1}">
-              <a14:hiddenFill xmlns="" xmlns:a14="http://schemas.microsoft.com/office/drawing/2010/main">
+              <a14:hiddenFill xmlns:a14="http://schemas.microsoft.com/office/drawing/2010/main" xmlns="">
                 <a:solidFill>
                   <a:schemeClr val="accent1"/>
                 </a:solidFill>
               </a14:hiddenFill>
             </a:ext>
             <a:ext uri="{91240B29-F687-4f45-9708-019B960494DF}">
-              <a14:hiddenLine xmlns="" xmlns:a14="http://schemas.microsoft.com/office/drawing/2010/main" w="9525">
+              <a14:hiddenLine xmlns:a14="http://schemas.microsoft.com/office/drawing/2010/main" xmlns="" w="9525">
                 <a:solidFill>
                   <a:schemeClr val="tx1"/>
                 </a:solidFill>
@@ -34061,7 +34061,7 @@
               </a14:hiddenLine>
             </a:ext>
             <a:ext uri="{AF507438-7753-43e0-B8FC-AC1667EBCBE1}">
-              <a14:hiddenEffects xmlns="" xmlns:a14="http://schemas.microsoft.com/office/drawing/2010/main">
+              <a14:hiddenEffects xmlns:a14="http://schemas.microsoft.com/office/drawing/2010/main" xmlns="">
                 <a:effectLst>
                   <a:outerShdw blurRad="63500" dist="38099" dir="2700000" algn="ctr" rotWithShape="0">
                     <a:schemeClr val="bg2">
@@ -34224,14 +34224,14 @@
           <a:effectLst/>
           <a:extLst>
             <a:ext uri="{909E8E84-426E-40dd-AFC4-6F175D3DCCD1}">
-              <a14:hiddenFill xmlns="" xmlns:a14="http://schemas.microsoft.com/office/drawing/2010/main">
+              <a14:hiddenFill xmlns:a14="http://schemas.microsoft.com/office/drawing/2010/main" xmlns="">
                 <a:solidFill>
                   <a:schemeClr val="accent1"/>
                 </a:solidFill>
               </a14:hiddenFill>
             </a:ext>
             <a:ext uri="{AF507438-7753-43e0-B8FC-AC1667EBCBE1}">
-              <a14:hiddenEffects xmlns="" xmlns:a14="http://schemas.microsoft.com/office/drawing/2010/main">
+              <a14:hiddenEffects xmlns:a14="http://schemas.microsoft.com/office/drawing/2010/main" xmlns="">
                 <a:effectLst>
                   <a:outerShdw blurRad="63500" dist="38099" dir="2700000" algn="ctr" rotWithShape="0">
                     <a:schemeClr val="bg2">
@@ -34274,14 +34274,14 @@
           <a:effectLst/>
           <a:extLst>
             <a:ext uri="{909E8E84-426E-40dd-AFC4-6F175D3DCCD1}">
-              <a14:hiddenFill xmlns="" xmlns:a14="http://schemas.microsoft.com/office/drawing/2010/main">
+              <a14:hiddenFill xmlns:a14="http://schemas.microsoft.com/office/drawing/2010/main" xmlns="">
                 <a:solidFill>
                   <a:schemeClr val="accent1"/>
                 </a:solidFill>
               </a14:hiddenFill>
             </a:ext>
             <a:ext uri="{91240B29-F687-4f45-9708-019B960494DF}">
-              <a14:hiddenLine xmlns="" xmlns:a14="http://schemas.microsoft.com/office/drawing/2010/main" w="9525">
+              <a14:hiddenLine xmlns:a14="http://schemas.microsoft.com/office/drawing/2010/main" xmlns="" w="9525">
                 <a:solidFill>
                   <a:schemeClr val="tx1"/>
                 </a:solidFill>
@@ -34291,7 +34291,7 @@
               </a14:hiddenLine>
             </a:ext>
             <a:ext uri="{AF507438-7753-43e0-B8FC-AC1667EBCBE1}">
-              <a14:hiddenEffects xmlns="" xmlns:a14="http://schemas.microsoft.com/office/drawing/2010/main">
+              <a14:hiddenEffects xmlns:a14="http://schemas.microsoft.com/office/drawing/2010/main" xmlns="">
                 <a:effectLst>
                   <a:outerShdw blurRad="63500" dist="38099" dir="2700000" algn="ctr" rotWithShape="0">
                     <a:schemeClr val="bg2">
@@ -34346,14 +34346,14 @@
           <a:effectLst/>
           <a:extLst>
             <a:ext uri="{909E8E84-426E-40dd-AFC4-6F175D3DCCD1}">
-              <a14:hiddenFill xmlns="" xmlns:a14="http://schemas.microsoft.com/office/drawing/2010/main">
+              <a14:hiddenFill xmlns:a14="http://schemas.microsoft.com/office/drawing/2010/main" xmlns="">
                 <a:solidFill>
                   <a:schemeClr val="accent1"/>
                 </a:solidFill>
               </a14:hiddenFill>
             </a:ext>
             <a:ext uri="{AF507438-7753-43e0-B8FC-AC1667EBCBE1}">
-              <a14:hiddenEffects xmlns="" xmlns:a14="http://schemas.microsoft.com/office/drawing/2010/main">
+              <a14:hiddenEffects xmlns:a14="http://schemas.microsoft.com/office/drawing/2010/main" xmlns="">
                 <a:effectLst>
                   <a:outerShdw blurRad="63500" dist="38099" dir="2700000" algn="ctr" rotWithShape="0">
                     <a:schemeClr val="bg2">
@@ -34430,14 +34430,14 @@
           <a:effectLst/>
           <a:extLst>
             <a:ext uri="{909E8E84-426E-40dd-AFC4-6F175D3DCCD1}">
-              <a14:hiddenFill xmlns="" xmlns:a14="http://schemas.microsoft.com/office/drawing/2010/main">
+              <a14:hiddenFill xmlns:a14="http://schemas.microsoft.com/office/drawing/2010/main" xmlns="">
                 <a:solidFill>
                   <a:schemeClr val="accent1"/>
                 </a:solidFill>
               </a14:hiddenFill>
             </a:ext>
             <a:ext uri="{91240B29-F687-4f45-9708-019B960494DF}">
-              <a14:hiddenLine xmlns="" xmlns:a14="http://schemas.microsoft.com/office/drawing/2010/main" w="9525">
+              <a14:hiddenLine xmlns:a14="http://schemas.microsoft.com/office/drawing/2010/main" xmlns="" w="9525">
                 <a:solidFill>
                   <a:schemeClr val="tx1"/>
                 </a:solidFill>
@@ -34447,7 +34447,7 @@
               </a14:hiddenLine>
             </a:ext>
             <a:ext uri="{AF507438-7753-43e0-B8FC-AC1667EBCBE1}">
-              <a14:hiddenEffects xmlns="" xmlns:a14="http://schemas.microsoft.com/office/drawing/2010/main">
+              <a14:hiddenEffects xmlns:a14="http://schemas.microsoft.com/office/drawing/2010/main" xmlns="">
                 <a:effectLst>
                   <a:outerShdw blurRad="63500" dist="38099" dir="2700000" algn="ctr" rotWithShape="0">
                     <a:schemeClr val="bg2">
@@ -34584,14 +34584,14 @@
           <a:effectLst/>
           <a:extLst>
             <a:ext uri="{909E8E84-426E-40dd-AFC4-6F175D3DCCD1}">
-              <a14:hiddenFill xmlns:a14="http://schemas.microsoft.com/office/drawing/2010/main" xmlns="">
+              <a14:hiddenFill xmlns="" xmlns:a14="http://schemas.microsoft.com/office/drawing/2010/main">
                 <a:solidFill>
                   <a:schemeClr val="accent1"/>
                 </a:solidFill>
               </a14:hiddenFill>
             </a:ext>
             <a:ext uri="{91240B29-F687-4f45-9708-019B960494DF}">
-              <a14:hiddenLine xmlns:a14="http://schemas.microsoft.com/office/drawing/2010/main" xmlns="" w="9525">
+              <a14:hiddenLine xmlns="" xmlns:a14="http://schemas.microsoft.com/office/drawing/2010/main" w="9525">
                 <a:solidFill>
                   <a:schemeClr val="tx1"/>
                 </a:solidFill>
@@ -34601,7 +34601,7 @@
               </a14:hiddenLine>
             </a:ext>
             <a:ext uri="{AF507438-7753-43e0-B8FC-AC1667EBCBE1}">
-              <a14:hiddenEffects xmlns:a14="http://schemas.microsoft.com/office/drawing/2010/main" xmlns="">
+              <a14:hiddenEffects xmlns="" xmlns:a14="http://schemas.microsoft.com/office/drawing/2010/main">
                 <a:effectLst>
                   <a:outerShdw blurRad="63500" dist="38099" dir="2700000" algn="ctr" rotWithShape="0">
                     <a:schemeClr val="bg2">
@@ -34680,14 +34680,14 @@
           <a:effectLst/>
           <a:extLst>
             <a:ext uri="{909E8E84-426E-40dd-AFC4-6F175D3DCCD1}">
-              <a14:hiddenFill xmlns:a14="http://schemas.microsoft.com/office/drawing/2010/main" xmlns="">
+              <a14:hiddenFill xmlns="" xmlns:a14="http://schemas.microsoft.com/office/drawing/2010/main">
                 <a:solidFill>
                   <a:schemeClr val="accent1"/>
                 </a:solidFill>
               </a14:hiddenFill>
             </a:ext>
             <a:ext uri="{AF507438-7753-43e0-B8FC-AC1667EBCBE1}">
-              <a14:hiddenEffects xmlns:a14="http://schemas.microsoft.com/office/drawing/2010/main" xmlns="">
+              <a14:hiddenEffects xmlns="" xmlns:a14="http://schemas.microsoft.com/office/drawing/2010/main">
                 <a:effectLst>
                   <a:outerShdw blurRad="63500" dist="38099" dir="2700000" algn="ctr" rotWithShape="0">
                     <a:schemeClr val="bg2">
@@ -34772,14 +34772,14 @@
           <a:effectLst/>
           <a:extLst>
             <a:ext uri="{909E8E84-426E-40dd-AFC4-6F175D3DCCD1}">
-              <a14:hiddenFill xmlns:a14="http://schemas.microsoft.com/office/drawing/2010/main" xmlns="">
+              <a14:hiddenFill xmlns="" xmlns:a14="http://schemas.microsoft.com/office/drawing/2010/main">
                 <a:solidFill>
                   <a:schemeClr val="accent1"/>
                 </a:solidFill>
               </a14:hiddenFill>
             </a:ext>
             <a:ext uri="{AF507438-7753-43e0-B8FC-AC1667EBCBE1}">
-              <a14:hiddenEffects xmlns:a14="http://schemas.microsoft.com/office/drawing/2010/main" xmlns="">
+              <a14:hiddenEffects xmlns="" xmlns:a14="http://schemas.microsoft.com/office/drawing/2010/main">
                 <a:effectLst>
                   <a:outerShdw blurRad="63500" dist="38099" dir="2700000" algn="ctr" rotWithShape="0">
                     <a:schemeClr val="bg2">
@@ -34861,14 +34861,14 @@
           <a:effectLst/>
           <a:extLst>
             <a:ext uri="{909E8E84-426E-40dd-AFC4-6F175D3DCCD1}">
-              <a14:hiddenFill xmlns:a14="http://schemas.microsoft.com/office/drawing/2010/main" xmlns="">
+              <a14:hiddenFill xmlns="" xmlns:a14="http://schemas.microsoft.com/office/drawing/2010/main">
                 <a:solidFill>
                   <a:schemeClr val="accent1"/>
                 </a:solidFill>
               </a14:hiddenFill>
             </a:ext>
             <a:ext uri="{AF507438-7753-43e0-B8FC-AC1667EBCBE1}">
-              <a14:hiddenEffects xmlns:a14="http://schemas.microsoft.com/office/drawing/2010/main" xmlns="">
+              <a14:hiddenEffects xmlns="" xmlns:a14="http://schemas.microsoft.com/office/drawing/2010/main">
                 <a:effectLst>
                   <a:outerShdw blurRad="63500" dist="38099" dir="2700000" algn="ctr" rotWithShape="0">
                     <a:schemeClr val="bg2">
@@ -34953,14 +34953,14 @@
           <a:effectLst/>
           <a:extLst>
             <a:ext uri="{909E8E84-426E-40dd-AFC4-6F175D3DCCD1}">
-              <a14:hiddenFill xmlns:a14="http://schemas.microsoft.com/office/drawing/2010/main" xmlns="">
+              <a14:hiddenFill xmlns="" xmlns:a14="http://schemas.microsoft.com/office/drawing/2010/main">
                 <a:solidFill>
                   <a:schemeClr val="accent1"/>
                 </a:solidFill>
               </a14:hiddenFill>
             </a:ext>
             <a:ext uri="{AF507438-7753-43e0-B8FC-AC1667EBCBE1}">
-              <a14:hiddenEffects xmlns:a14="http://schemas.microsoft.com/office/drawing/2010/main" xmlns="">
+              <a14:hiddenEffects xmlns="" xmlns:a14="http://schemas.microsoft.com/office/drawing/2010/main">
                 <a:effectLst>
                   <a:outerShdw blurRad="63500" dist="38099" dir="2700000" algn="ctr" rotWithShape="0">
                     <a:schemeClr val="bg2">
@@ -35045,14 +35045,14 @@
           <a:effectLst/>
           <a:extLst>
             <a:ext uri="{909E8E84-426E-40dd-AFC4-6F175D3DCCD1}">
-              <a14:hiddenFill xmlns:a14="http://schemas.microsoft.com/office/drawing/2010/main" xmlns="">
+              <a14:hiddenFill xmlns="" xmlns:a14="http://schemas.microsoft.com/office/drawing/2010/main">
                 <a:solidFill>
                   <a:schemeClr val="accent1"/>
                 </a:solidFill>
               </a14:hiddenFill>
             </a:ext>
             <a:ext uri="{AF507438-7753-43e0-B8FC-AC1667EBCBE1}">
-              <a14:hiddenEffects xmlns:a14="http://schemas.microsoft.com/office/drawing/2010/main" xmlns="">
+              <a14:hiddenEffects xmlns="" xmlns:a14="http://schemas.microsoft.com/office/drawing/2010/main">
                 <a:effectLst>
                   <a:outerShdw blurRad="63500" dist="38099" dir="2700000" algn="ctr" rotWithShape="0">
                     <a:schemeClr val="bg2">
@@ -35137,14 +35137,14 @@
           <a:effectLst/>
           <a:extLst>
             <a:ext uri="{909E8E84-426E-40dd-AFC4-6F175D3DCCD1}">
-              <a14:hiddenFill xmlns:a14="http://schemas.microsoft.com/office/drawing/2010/main" xmlns="">
+              <a14:hiddenFill xmlns="" xmlns:a14="http://schemas.microsoft.com/office/drawing/2010/main">
                 <a:solidFill>
                   <a:schemeClr val="accent1"/>
                 </a:solidFill>
               </a14:hiddenFill>
             </a:ext>
             <a:ext uri="{AF507438-7753-43e0-B8FC-AC1667EBCBE1}">
-              <a14:hiddenEffects xmlns:a14="http://schemas.microsoft.com/office/drawing/2010/main" xmlns="">
+              <a14:hiddenEffects xmlns="" xmlns:a14="http://schemas.microsoft.com/office/drawing/2010/main">
                 <a:effectLst>
                   <a:outerShdw blurRad="63500" dist="38099" dir="2700000" algn="ctr" rotWithShape="0">
                     <a:schemeClr val="bg2">
@@ -35223,12 +35223,12 @@
           <a:effectLst/>
           <a:extLst>
             <a:ext uri="{909E8E84-426E-40dd-AFC4-6F175D3DCCD1}">
-              <a14:hiddenFill xmlns:a14="http://schemas.microsoft.com/office/drawing/2010/main" xmlns="">
+              <a14:hiddenFill xmlns="" xmlns:a14="http://schemas.microsoft.com/office/drawing/2010/main">
                 <a:noFill/>
               </a14:hiddenFill>
             </a:ext>
             <a:ext uri="{AF507438-7753-43e0-B8FC-AC1667EBCBE1}">
-              <a14:hiddenEffects xmlns:a14="http://schemas.microsoft.com/office/drawing/2010/main" xmlns="">
+              <a14:hiddenEffects xmlns="" xmlns:a14="http://schemas.microsoft.com/office/drawing/2010/main">
                 <a:effectLst>
                   <a:outerShdw blurRad="63500" dist="38099" dir="2700000" algn="ctr" rotWithShape="0">
                     <a:schemeClr val="bg2">
@@ -35271,14 +35271,14 @@
           <a:effectLst/>
           <a:extLst>
             <a:ext uri="{909E8E84-426E-40dd-AFC4-6F175D3DCCD1}">
-              <a14:hiddenFill xmlns:a14="http://schemas.microsoft.com/office/drawing/2010/main" xmlns="">
+              <a14:hiddenFill xmlns="" xmlns:a14="http://schemas.microsoft.com/office/drawing/2010/main">
                 <a:solidFill>
                   <a:schemeClr val="accent1"/>
                 </a:solidFill>
               </a14:hiddenFill>
             </a:ext>
             <a:ext uri="{91240B29-F687-4f45-9708-019B960494DF}">
-              <a14:hiddenLine xmlns:a14="http://schemas.microsoft.com/office/drawing/2010/main" xmlns="" w="9525">
+              <a14:hiddenLine xmlns="" xmlns:a14="http://schemas.microsoft.com/office/drawing/2010/main" w="9525">
                 <a:solidFill>
                   <a:schemeClr val="tx1"/>
                 </a:solidFill>
@@ -35288,7 +35288,7 @@
               </a14:hiddenLine>
             </a:ext>
             <a:ext uri="{AF507438-7753-43e0-B8FC-AC1667EBCBE1}">
-              <a14:hiddenEffects xmlns:a14="http://schemas.microsoft.com/office/drawing/2010/main" xmlns="">
+              <a14:hiddenEffects xmlns="" xmlns:a14="http://schemas.microsoft.com/office/drawing/2010/main">
                 <a:effectLst>
                   <a:outerShdw blurRad="63500" dist="38099" dir="2700000" algn="ctr" rotWithShape="0">
                     <a:schemeClr val="bg2">
@@ -35346,12 +35346,12 @@
           <a:effectLst/>
           <a:extLst>
             <a:ext uri="{909E8E84-426E-40dd-AFC4-6F175D3DCCD1}">
-              <a14:hiddenFill xmlns:a14="http://schemas.microsoft.com/office/drawing/2010/main" xmlns="">
+              <a14:hiddenFill xmlns="" xmlns:a14="http://schemas.microsoft.com/office/drawing/2010/main">
                 <a:noFill/>
               </a14:hiddenFill>
             </a:ext>
             <a:ext uri="{AF507438-7753-43e0-B8FC-AC1667EBCBE1}">
-              <a14:hiddenEffects xmlns:a14="http://schemas.microsoft.com/office/drawing/2010/main" xmlns="">
+              <a14:hiddenEffects xmlns="" xmlns:a14="http://schemas.microsoft.com/office/drawing/2010/main">
                 <a:effectLst>
                   <a:outerShdw blurRad="63500" dist="38099" dir="2700000" algn="ctr" rotWithShape="0">
                     <a:schemeClr val="bg2">
@@ -35394,14 +35394,14 @@
           <a:effectLst/>
           <a:extLst>
             <a:ext uri="{909E8E84-426E-40dd-AFC4-6F175D3DCCD1}">
-              <a14:hiddenFill xmlns:a14="http://schemas.microsoft.com/office/drawing/2010/main" xmlns="">
+              <a14:hiddenFill xmlns="" xmlns:a14="http://schemas.microsoft.com/office/drawing/2010/main">
                 <a:solidFill>
                   <a:schemeClr val="accent1"/>
                 </a:solidFill>
               </a14:hiddenFill>
             </a:ext>
             <a:ext uri="{91240B29-F687-4f45-9708-019B960494DF}">
-              <a14:hiddenLine xmlns:a14="http://schemas.microsoft.com/office/drawing/2010/main" xmlns="" w="9525">
+              <a14:hiddenLine xmlns="" xmlns:a14="http://schemas.microsoft.com/office/drawing/2010/main" w="9525">
                 <a:solidFill>
                   <a:schemeClr val="tx1"/>
                 </a:solidFill>
@@ -35411,7 +35411,7 @@
               </a14:hiddenLine>
             </a:ext>
             <a:ext uri="{AF507438-7753-43e0-B8FC-AC1667EBCBE1}">
-              <a14:hiddenEffects xmlns:a14="http://schemas.microsoft.com/office/drawing/2010/main" xmlns="">
+              <a14:hiddenEffects xmlns="" xmlns:a14="http://schemas.microsoft.com/office/drawing/2010/main">
                 <a:effectLst>
                   <a:outerShdw blurRad="63500" dist="38099" dir="2700000" algn="ctr" rotWithShape="0">
                     <a:schemeClr val="bg2">
@@ -35469,12 +35469,12 @@
           <a:effectLst/>
           <a:extLst>
             <a:ext uri="{909E8E84-426E-40dd-AFC4-6F175D3DCCD1}">
-              <a14:hiddenFill xmlns:a14="http://schemas.microsoft.com/office/drawing/2010/main" xmlns="">
+              <a14:hiddenFill xmlns="" xmlns:a14="http://schemas.microsoft.com/office/drawing/2010/main">
                 <a:noFill/>
               </a14:hiddenFill>
             </a:ext>
             <a:ext uri="{AF507438-7753-43e0-B8FC-AC1667EBCBE1}">
-              <a14:hiddenEffects xmlns:a14="http://schemas.microsoft.com/office/drawing/2010/main" xmlns="">
+              <a14:hiddenEffects xmlns="" xmlns:a14="http://schemas.microsoft.com/office/drawing/2010/main">
                 <a:effectLst>
                   <a:outerShdw blurRad="63500" dist="38099" dir="2700000" algn="ctr" rotWithShape="0">
                     <a:schemeClr val="bg2">
@@ -35517,14 +35517,14 @@
           <a:effectLst/>
           <a:extLst>
             <a:ext uri="{909E8E84-426E-40dd-AFC4-6F175D3DCCD1}">
-              <a14:hiddenFill xmlns:a14="http://schemas.microsoft.com/office/drawing/2010/main" xmlns="">
+              <a14:hiddenFill xmlns="" xmlns:a14="http://schemas.microsoft.com/office/drawing/2010/main">
                 <a:solidFill>
                   <a:schemeClr val="accent1"/>
                 </a:solidFill>
               </a14:hiddenFill>
             </a:ext>
             <a:ext uri="{91240B29-F687-4f45-9708-019B960494DF}">
-              <a14:hiddenLine xmlns:a14="http://schemas.microsoft.com/office/drawing/2010/main" xmlns="" w="9525">
+              <a14:hiddenLine xmlns="" xmlns:a14="http://schemas.microsoft.com/office/drawing/2010/main" w="9525">
                 <a:solidFill>
                   <a:schemeClr val="tx1"/>
                 </a:solidFill>
@@ -35534,7 +35534,7 @@
               </a14:hiddenLine>
             </a:ext>
             <a:ext uri="{AF507438-7753-43e0-B8FC-AC1667EBCBE1}">
-              <a14:hiddenEffects xmlns:a14="http://schemas.microsoft.com/office/drawing/2010/main" xmlns="">
+              <a14:hiddenEffects xmlns="" xmlns:a14="http://schemas.microsoft.com/office/drawing/2010/main">
                 <a:effectLst>
                   <a:outerShdw blurRad="63500" dist="38099" dir="2700000" algn="ctr" rotWithShape="0">
                     <a:schemeClr val="bg2">
@@ -35592,12 +35592,12 @@
           <a:effectLst/>
           <a:extLst>
             <a:ext uri="{909E8E84-426E-40dd-AFC4-6F175D3DCCD1}">
-              <a14:hiddenFill xmlns:a14="http://schemas.microsoft.com/office/drawing/2010/main" xmlns="">
+              <a14:hiddenFill xmlns="" xmlns:a14="http://schemas.microsoft.com/office/drawing/2010/main">
                 <a:noFill/>
               </a14:hiddenFill>
             </a:ext>
             <a:ext uri="{AF507438-7753-43e0-B8FC-AC1667EBCBE1}">
-              <a14:hiddenEffects xmlns:a14="http://schemas.microsoft.com/office/drawing/2010/main" xmlns="">
+              <a14:hiddenEffects xmlns="" xmlns:a14="http://schemas.microsoft.com/office/drawing/2010/main">
                 <a:effectLst>
                   <a:outerShdw blurRad="63500" dist="38099" dir="2700000" algn="ctr" rotWithShape="0">
                     <a:schemeClr val="bg2">
@@ -35640,14 +35640,14 @@
           <a:effectLst/>
           <a:extLst>
             <a:ext uri="{909E8E84-426E-40dd-AFC4-6F175D3DCCD1}">
-              <a14:hiddenFill xmlns:a14="http://schemas.microsoft.com/office/drawing/2010/main" xmlns="">
+              <a14:hiddenFill xmlns="" xmlns:a14="http://schemas.microsoft.com/office/drawing/2010/main">
                 <a:solidFill>
                   <a:schemeClr val="accent1"/>
                 </a:solidFill>
               </a14:hiddenFill>
             </a:ext>
             <a:ext uri="{91240B29-F687-4f45-9708-019B960494DF}">
-              <a14:hiddenLine xmlns:a14="http://schemas.microsoft.com/office/drawing/2010/main" xmlns="" w="9525">
+              <a14:hiddenLine xmlns="" xmlns:a14="http://schemas.microsoft.com/office/drawing/2010/main" w="9525">
                 <a:solidFill>
                   <a:schemeClr val="tx1"/>
                 </a:solidFill>
@@ -35657,7 +35657,7 @@
               </a14:hiddenLine>
             </a:ext>
             <a:ext uri="{AF507438-7753-43e0-B8FC-AC1667EBCBE1}">
-              <a14:hiddenEffects xmlns:a14="http://schemas.microsoft.com/office/drawing/2010/main" xmlns="">
+              <a14:hiddenEffects xmlns="" xmlns:a14="http://schemas.microsoft.com/office/drawing/2010/main">
                 <a:effectLst>
                   <a:outerShdw blurRad="63500" dist="38099" dir="2700000" algn="ctr" rotWithShape="0">
                     <a:schemeClr val="bg2">
@@ -35715,12 +35715,12 @@
           <a:effectLst/>
           <a:extLst>
             <a:ext uri="{909E8E84-426E-40dd-AFC4-6F175D3DCCD1}">
-              <a14:hiddenFill xmlns:a14="http://schemas.microsoft.com/office/drawing/2010/main" xmlns="">
+              <a14:hiddenFill xmlns="" xmlns:a14="http://schemas.microsoft.com/office/drawing/2010/main">
                 <a:noFill/>
               </a14:hiddenFill>
             </a:ext>
             <a:ext uri="{AF507438-7753-43e0-B8FC-AC1667EBCBE1}">
-              <a14:hiddenEffects xmlns:a14="http://schemas.microsoft.com/office/drawing/2010/main" xmlns="">
+              <a14:hiddenEffects xmlns="" xmlns:a14="http://schemas.microsoft.com/office/drawing/2010/main">
                 <a:effectLst>
                   <a:outerShdw blurRad="63500" dist="38099" dir="2700000" algn="ctr" rotWithShape="0">
                     <a:schemeClr val="bg2">
@@ -35763,14 +35763,14 @@
           <a:effectLst/>
           <a:extLst>
             <a:ext uri="{909E8E84-426E-40dd-AFC4-6F175D3DCCD1}">
-              <a14:hiddenFill xmlns:a14="http://schemas.microsoft.com/office/drawing/2010/main" xmlns="">
+              <a14:hiddenFill xmlns="" xmlns:a14="http://schemas.microsoft.com/office/drawing/2010/main">
                 <a:solidFill>
                   <a:schemeClr val="accent1"/>
                 </a:solidFill>
               </a14:hiddenFill>
             </a:ext>
             <a:ext uri="{91240B29-F687-4f45-9708-019B960494DF}">
-              <a14:hiddenLine xmlns:a14="http://schemas.microsoft.com/office/drawing/2010/main" xmlns="" w="9525">
+              <a14:hiddenLine xmlns="" xmlns:a14="http://schemas.microsoft.com/office/drawing/2010/main" w="9525">
                 <a:solidFill>
                   <a:schemeClr val="tx1"/>
                 </a:solidFill>
@@ -35780,7 +35780,7 @@
               </a14:hiddenLine>
             </a:ext>
             <a:ext uri="{AF507438-7753-43e0-B8FC-AC1667EBCBE1}">
-              <a14:hiddenEffects xmlns:a14="http://schemas.microsoft.com/office/drawing/2010/main" xmlns="">
+              <a14:hiddenEffects xmlns="" xmlns:a14="http://schemas.microsoft.com/office/drawing/2010/main">
                 <a:effectLst>
                   <a:outerShdw blurRad="63500" dist="38099" dir="2700000" algn="ctr" rotWithShape="0">
                     <a:schemeClr val="bg2">
@@ -35838,12 +35838,12 @@
           <a:effectLst/>
           <a:extLst>
             <a:ext uri="{909E8E84-426E-40dd-AFC4-6F175D3DCCD1}">
-              <a14:hiddenFill xmlns:a14="http://schemas.microsoft.com/office/drawing/2010/main" xmlns="">
+              <a14:hiddenFill xmlns="" xmlns:a14="http://schemas.microsoft.com/office/drawing/2010/main">
                 <a:noFill/>
               </a14:hiddenFill>
             </a:ext>
             <a:ext uri="{AF507438-7753-43e0-B8FC-AC1667EBCBE1}">
-              <a14:hiddenEffects xmlns:a14="http://schemas.microsoft.com/office/drawing/2010/main" xmlns="">
+              <a14:hiddenEffects xmlns="" xmlns:a14="http://schemas.microsoft.com/office/drawing/2010/main">
                 <a:effectLst>
                   <a:outerShdw blurRad="63500" dist="38099" dir="2700000" algn="ctr" rotWithShape="0">
                     <a:schemeClr val="bg2">
@@ -35886,14 +35886,14 @@
           <a:effectLst/>
           <a:extLst>
             <a:ext uri="{909E8E84-426E-40dd-AFC4-6F175D3DCCD1}">
-              <a14:hiddenFill xmlns:a14="http://schemas.microsoft.com/office/drawing/2010/main" xmlns="">
+              <a14:hiddenFill xmlns="" xmlns:a14="http://schemas.microsoft.com/office/drawing/2010/main">
                 <a:solidFill>
                   <a:schemeClr val="accent1"/>
                 </a:solidFill>
               </a14:hiddenFill>
             </a:ext>
             <a:ext uri="{91240B29-F687-4f45-9708-019B960494DF}">
-              <a14:hiddenLine xmlns:a14="http://schemas.microsoft.com/office/drawing/2010/main" xmlns="" w="9525">
+              <a14:hiddenLine xmlns="" xmlns:a14="http://schemas.microsoft.com/office/drawing/2010/main" w="9525">
                 <a:solidFill>
                   <a:schemeClr val="tx1"/>
                 </a:solidFill>
@@ -35903,7 +35903,7 @@
               </a14:hiddenLine>
             </a:ext>
             <a:ext uri="{AF507438-7753-43e0-B8FC-AC1667EBCBE1}">
-              <a14:hiddenEffects xmlns:a14="http://schemas.microsoft.com/office/drawing/2010/main" xmlns="">
+              <a14:hiddenEffects xmlns="" xmlns:a14="http://schemas.microsoft.com/office/drawing/2010/main">
                 <a:effectLst>
                   <a:outerShdw blurRad="63500" dist="38099" dir="2700000" algn="ctr" rotWithShape="0">
                     <a:schemeClr val="bg2">
@@ -35958,12 +35958,12 @@
           <a:effectLst/>
           <a:extLst>
             <a:ext uri="{909E8E84-426E-40dd-AFC4-6F175D3DCCD1}">
-              <a14:hiddenFill xmlns:a14="http://schemas.microsoft.com/office/drawing/2010/main" xmlns="">
+              <a14:hiddenFill xmlns="" xmlns:a14="http://schemas.microsoft.com/office/drawing/2010/main">
                 <a:noFill/>
               </a14:hiddenFill>
             </a:ext>
             <a:ext uri="{AF507438-7753-43e0-B8FC-AC1667EBCBE1}">
-              <a14:hiddenEffects xmlns:a14="http://schemas.microsoft.com/office/drawing/2010/main" xmlns="">
+              <a14:hiddenEffects xmlns="" xmlns:a14="http://schemas.microsoft.com/office/drawing/2010/main">
                 <a:effectLst>
                   <a:outerShdw blurRad="63500" dist="38099" dir="2700000" algn="ctr" rotWithShape="0">
                     <a:schemeClr val="bg2">
@@ -36006,14 +36006,14 @@
           <a:effectLst/>
           <a:extLst>
             <a:ext uri="{909E8E84-426E-40dd-AFC4-6F175D3DCCD1}">
-              <a14:hiddenFill xmlns:a14="http://schemas.microsoft.com/office/drawing/2010/main" xmlns="">
+              <a14:hiddenFill xmlns="" xmlns:a14="http://schemas.microsoft.com/office/drawing/2010/main">
                 <a:solidFill>
                   <a:schemeClr val="accent1"/>
                 </a:solidFill>
               </a14:hiddenFill>
             </a:ext>
             <a:ext uri="{91240B29-F687-4f45-9708-019B960494DF}">
-              <a14:hiddenLine xmlns:a14="http://schemas.microsoft.com/office/drawing/2010/main" xmlns="" w="9525">
+              <a14:hiddenLine xmlns="" xmlns:a14="http://schemas.microsoft.com/office/drawing/2010/main" w="9525">
                 <a:solidFill>
                   <a:schemeClr val="tx1"/>
                 </a:solidFill>
@@ -36023,7 +36023,7 @@
               </a14:hiddenLine>
             </a:ext>
             <a:ext uri="{AF507438-7753-43e0-B8FC-AC1667EBCBE1}">
-              <a14:hiddenEffects xmlns:a14="http://schemas.microsoft.com/office/drawing/2010/main" xmlns="">
+              <a14:hiddenEffects xmlns="" xmlns:a14="http://schemas.microsoft.com/office/drawing/2010/main">
                 <a:effectLst>
                   <a:outerShdw blurRad="63500" dist="38099" dir="2700000" algn="ctr" rotWithShape="0">
                     <a:schemeClr val="bg2">
@@ -36186,14 +36186,14 @@
           <a:effectLst/>
           <a:extLst>
             <a:ext uri="{909E8E84-426E-40dd-AFC4-6F175D3DCCD1}">
-              <a14:hiddenFill xmlns:a14="http://schemas.microsoft.com/office/drawing/2010/main" xmlns="">
+              <a14:hiddenFill xmlns="" xmlns:a14="http://schemas.microsoft.com/office/drawing/2010/main">
                 <a:solidFill>
                   <a:schemeClr val="accent1"/>
                 </a:solidFill>
               </a14:hiddenFill>
             </a:ext>
             <a:ext uri="{AF507438-7753-43e0-B8FC-AC1667EBCBE1}">
-              <a14:hiddenEffects xmlns:a14="http://schemas.microsoft.com/office/drawing/2010/main" xmlns="">
+              <a14:hiddenEffects xmlns="" xmlns:a14="http://schemas.microsoft.com/office/drawing/2010/main">
                 <a:effectLst>
                   <a:outerShdw blurRad="63500" dist="38099" dir="2700000" algn="ctr" rotWithShape="0">
                     <a:schemeClr val="bg2">
@@ -36236,14 +36236,14 @@
           <a:effectLst/>
           <a:extLst>
             <a:ext uri="{909E8E84-426E-40dd-AFC4-6F175D3DCCD1}">
-              <a14:hiddenFill xmlns:a14="http://schemas.microsoft.com/office/drawing/2010/main" xmlns="">
+              <a14:hiddenFill xmlns="" xmlns:a14="http://schemas.microsoft.com/office/drawing/2010/main">
                 <a:solidFill>
                   <a:schemeClr val="accent1"/>
                 </a:solidFill>
               </a14:hiddenFill>
             </a:ext>
             <a:ext uri="{91240B29-F687-4f45-9708-019B960494DF}">
-              <a14:hiddenLine xmlns:a14="http://schemas.microsoft.com/office/drawing/2010/main" xmlns="" w="9525">
+              <a14:hiddenLine xmlns="" xmlns:a14="http://schemas.microsoft.com/office/drawing/2010/main" w="9525">
                 <a:solidFill>
                   <a:schemeClr val="tx1"/>
                 </a:solidFill>
@@ -36253,7 +36253,7 @@
               </a14:hiddenLine>
             </a:ext>
             <a:ext uri="{AF507438-7753-43e0-B8FC-AC1667EBCBE1}">
-              <a14:hiddenEffects xmlns:a14="http://schemas.microsoft.com/office/drawing/2010/main" xmlns="">
+              <a14:hiddenEffects xmlns="" xmlns:a14="http://schemas.microsoft.com/office/drawing/2010/main">
                 <a:effectLst>
                   <a:outerShdw blurRad="63500" dist="38099" dir="2700000" algn="ctr" rotWithShape="0">
                     <a:schemeClr val="bg2">
@@ -36308,14 +36308,14 @@
           <a:effectLst/>
           <a:extLst>
             <a:ext uri="{909E8E84-426E-40dd-AFC4-6F175D3DCCD1}">
-              <a14:hiddenFill xmlns:a14="http://schemas.microsoft.com/office/drawing/2010/main" xmlns="">
+              <a14:hiddenFill xmlns="" xmlns:a14="http://schemas.microsoft.com/office/drawing/2010/main">
                 <a:solidFill>
                   <a:schemeClr val="accent1"/>
                 </a:solidFill>
               </a14:hiddenFill>
             </a:ext>
             <a:ext uri="{AF507438-7753-43e0-B8FC-AC1667EBCBE1}">
-              <a14:hiddenEffects xmlns:a14="http://schemas.microsoft.com/office/drawing/2010/main" xmlns="">
+              <a14:hiddenEffects xmlns="" xmlns:a14="http://schemas.microsoft.com/office/drawing/2010/main">
                 <a:effectLst>
                   <a:outerShdw blurRad="63500" dist="38099" dir="2700000" algn="ctr" rotWithShape="0">
                     <a:schemeClr val="bg2">
@@ -36399,12 +36399,12 @@
           <a:effectLst/>
           <a:extLst>
             <a:ext uri="{909E8E84-426E-40dd-AFC4-6F175D3DCCD1}">
-              <a14:hiddenFill xmlns:a14="http://schemas.microsoft.com/office/drawing/2010/main" xmlns="">
+              <a14:hiddenFill xmlns="" xmlns:a14="http://schemas.microsoft.com/office/drawing/2010/main">
                 <a:noFill/>
               </a14:hiddenFill>
             </a:ext>
             <a:ext uri="{AF507438-7753-43e0-B8FC-AC1667EBCBE1}">
-              <a14:hiddenEffects xmlns:a14="http://schemas.microsoft.com/office/drawing/2010/main" xmlns="">
+              <a14:hiddenEffects xmlns="" xmlns:a14="http://schemas.microsoft.com/office/drawing/2010/main">
                 <a:effectLst>
                   <a:outerShdw blurRad="63500" dist="38099" dir="2700000" algn="ctr" rotWithShape="0">
                     <a:schemeClr val="bg2">
@@ -36463,12 +36463,12 @@
           <a:effectLst/>
           <a:extLst>
             <a:ext uri="{909E8E84-426E-40dd-AFC4-6F175D3DCCD1}">
-              <a14:hiddenFill xmlns:a14="http://schemas.microsoft.com/office/drawing/2010/main" xmlns="">
+              <a14:hiddenFill xmlns="" xmlns:a14="http://schemas.microsoft.com/office/drawing/2010/main">
                 <a:noFill/>
               </a14:hiddenFill>
             </a:ext>
             <a:ext uri="{AF507438-7753-43e0-B8FC-AC1667EBCBE1}">
-              <a14:hiddenEffects xmlns:a14="http://schemas.microsoft.com/office/drawing/2010/main" xmlns="">
+              <a14:hiddenEffects xmlns="" xmlns:a14="http://schemas.microsoft.com/office/drawing/2010/main">
                 <a:effectLst>
                   <a:outerShdw blurRad="63500" dist="38099" dir="2700000" algn="ctr" rotWithShape="0">
                     <a:schemeClr val="bg2">
@@ -36520,14 +36520,14 @@
           <a:effectLst/>
           <a:extLst>
             <a:ext uri="{909E8E84-426E-40dd-AFC4-6F175D3DCCD1}">
-              <a14:hiddenFill xmlns:a14="http://schemas.microsoft.com/office/drawing/2010/main" xmlns="">
+              <a14:hiddenFill xmlns="" xmlns:a14="http://schemas.microsoft.com/office/drawing/2010/main">
                 <a:solidFill>
                   <a:schemeClr val="accent1"/>
                 </a:solidFill>
               </a14:hiddenFill>
             </a:ext>
             <a:ext uri="{91240B29-F687-4f45-9708-019B960494DF}">
-              <a14:hiddenLine xmlns:a14="http://schemas.microsoft.com/office/drawing/2010/main" xmlns="" w="9525">
+              <a14:hiddenLine xmlns="" xmlns:a14="http://schemas.microsoft.com/office/drawing/2010/main" w="9525">
                 <a:solidFill>
                   <a:schemeClr val="tx1"/>
                 </a:solidFill>
@@ -36537,7 +36537,7 @@
               </a14:hiddenLine>
             </a:ext>
             <a:ext uri="{AF507438-7753-43e0-B8FC-AC1667EBCBE1}">
-              <a14:hiddenEffects xmlns:a14="http://schemas.microsoft.com/office/drawing/2010/main" xmlns="">
+              <a14:hiddenEffects xmlns="" xmlns:a14="http://schemas.microsoft.com/office/drawing/2010/main">
                 <a:effectLst>
                   <a:outerShdw blurRad="63500" dist="38099" dir="2700000" algn="ctr" rotWithShape="0">
                     <a:schemeClr val="bg2">
@@ -36593,14 +36593,14 @@
           <a:effectLst/>
           <a:extLst>
             <a:ext uri="{909E8E84-426E-40dd-AFC4-6F175D3DCCD1}">
-              <a14:hiddenFill xmlns:a14="http://schemas.microsoft.com/office/drawing/2010/main" xmlns="">
+              <a14:hiddenFill xmlns="" xmlns:a14="http://schemas.microsoft.com/office/drawing/2010/main">
                 <a:solidFill>
                   <a:schemeClr val="accent1"/>
                 </a:solidFill>
               </a14:hiddenFill>
             </a:ext>
             <a:ext uri="{91240B29-F687-4f45-9708-019B960494DF}">
-              <a14:hiddenLine xmlns:a14="http://schemas.microsoft.com/office/drawing/2010/main" xmlns="" w="9525">
+              <a14:hiddenLine xmlns="" xmlns:a14="http://schemas.microsoft.com/office/drawing/2010/main" w="9525">
                 <a:solidFill>
                   <a:schemeClr val="tx1"/>
                 </a:solidFill>
@@ -36610,7 +36610,7 @@
               </a14:hiddenLine>
             </a:ext>
             <a:ext uri="{AF507438-7753-43e0-B8FC-AC1667EBCBE1}">
-              <a14:hiddenEffects xmlns:a14="http://schemas.microsoft.com/office/drawing/2010/main" xmlns="">
+              <a14:hiddenEffects xmlns="" xmlns:a14="http://schemas.microsoft.com/office/drawing/2010/main">
                 <a:effectLst>
                   <a:outerShdw blurRad="63500" dist="38099" dir="2700000" algn="ctr" rotWithShape="0">
                     <a:schemeClr val="bg2">
@@ -37755,14 +37755,14 @@
           <a:effectLst/>
           <a:extLst>
             <a:ext uri="{909E8E84-426E-40dd-AFC4-6F175D3DCCD1}">
-              <a14:hiddenFill xmlns:a14="http://schemas.microsoft.com/office/drawing/2010/main" xmlns="">
+              <a14:hiddenFill xmlns="" xmlns:a14="http://schemas.microsoft.com/office/drawing/2010/main">
                 <a:solidFill>
                   <a:schemeClr val="accent1"/>
                 </a:solidFill>
               </a14:hiddenFill>
             </a:ext>
             <a:ext uri="{91240B29-F687-4f45-9708-019B960494DF}">
-              <a14:hiddenLine xmlns:a14="http://schemas.microsoft.com/office/drawing/2010/main" xmlns="" w="9525">
+              <a14:hiddenLine xmlns="" xmlns:a14="http://schemas.microsoft.com/office/drawing/2010/main" w="9525">
                 <a:solidFill>
                   <a:schemeClr val="tx1"/>
                 </a:solidFill>
@@ -37772,7 +37772,7 @@
               </a14:hiddenLine>
             </a:ext>
             <a:ext uri="{AF507438-7753-43e0-B8FC-AC1667EBCBE1}">
-              <a14:hiddenEffects xmlns:a14="http://schemas.microsoft.com/office/drawing/2010/main" xmlns="">
+              <a14:hiddenEffects xmlns="" xmlns:a14="http://schemas.microsoft.com/office/drawing/2010/main">
                 <a:effectLst>
                   <a:outerShdw blurRad="63500" dist="38099" dir="2700000" algn="ctr" rotWithShape="0">
                     <a:schemeClr val="bg2">
@@ -37851,14 +37851,14 @@
           <a:effectLst/>
           <a:extLst>
             <a:ext uri="{909E8E84-426E-40dd-AFC4-6F175D3DCCD1}">
-              <a14:hiddenFill xmlns:a14="http://schemas.microsoft.com/office/drawing/2010/main" xmlns="">
+              <a14:hiddenFill xmlns="" xmlns:a14="http://schemas.microsoft.com/office/drawing/2010/main">
                 <a:solidFill>
                   <a:schemeClr val="accent1"/>
                 </a:solidFill>
               </a14:hiddenFill>
             </a:ext>
             <a:ext uri="{AF507438-7753-43e0-B8FC-AC1667EBCBE1}">
-              <a14:hiddenEffects xmlns:a14="http://schemas.microsoft.com/office/drawing/2010/main" xmlns="">
+              <a14:hiddenEffects xmlns="" xmlns:a14="http://schemas.microsoft.com/office/drawing/2010/main">
                 <a:effectLst>
                   <a:outerShdw blurRad="63500" dist="38099" dir="2700000" algn="ctr" rotWithShape="0">
                     <a:schemeClr val="bg2">
@@ -37943,14 +37943,14 @@
           <a:effectLst/>
           <a:extLst>
             <a:ext uri="{909E8E84-426E-40dd-AFC4-6F175D3DCCD1}">
-              <a14:hiddenFill xmlns:a14="http://schemas.microsoft.com/office/drawing/2010/main" xmlns="">
+              <a14:hiddenFill xmlns="" xmlns:a14="http://schemas.microsoft.com/office/drawing/2010/main">
                 <a:solidFill>
                   <a:schemeClr val="accent1"/>
                 </a:solidFill>
               </a14:hiddenFill>
             </a:ext>
             <a:ext uri="{AF507438-7753-43e0-B8FC-AC1667EBCBE1}">
-              <a14:hiddenEffects xmlns:a14="http://schemas.microsoft.com/office/drawing/2010/main" xmlns="">
+              <a14:hiddenEffects xmlns="" xmlns:a14="http://schemas.microsoft.com/office/drawing/2010/main">
                 <a:effectLst>
                   <a:outerShdw blurRad="63500" dist="38099" dir="2700000" algn="ctr" rotWithShape="0">
                     <a:schemeClr val="bg2">
@@ -38032,14 +38032,14 @@
           <a:effectLst/>
           <a:extLst>
             <a:ext uri="{909E8E84-426E-40dd-AFC4-6F175D3DCCD1}">
-              <a14:hiddenFill xmlns:a14="http://schemas.microsoft.com/office/drawing/2010/main" xmlns="">
+              <a14:hiddenFill xmlns="" xmlns:a14="http://schemas.microsoft.com/office/drawing/2010/main">
                 <a:solidFill>
                   <a:schemeClr val="accent1"/>
                 </a:solidFill>
               </a14:hiddenFill>
             </a:ext>
             <a:ext uri="{AF507438-7753-43e0-B8FC-AC1667EBCBE1}">
-              <a14:hiddenEffects xmlns:a14="http://schemas.microsoft.com/office/drawing/2010/main" xmlns="">
+              <a14:hiddenEffects xmlns="" xmlns:a14="http://schemas.microsoft.com/office/drawing/2010/main">
                 <a:effectLst>
                   <a:outerShdw blurRad="63500" dist="38099" dir="2700000" algn="ctr" rotWithShape="0">
                     <a:schemeClr val="bg2">
@@ -38124,14 +38124,14 @@
           <a:effectLst/>
           <a:extLst>
             <a:ext uri="{909E8E84-426E-40dd-AFC4-6F175D3DCCD1}">
-              <a14:hiddenFill xmlns:a14="http://schemas.microsoft.com/office/drawing/2010/main" xmlns="">
+              <a14:hiddenFill xmlns="" xmlns:a14="http://schemas.microsoft.com/office/drawing/2010/main">
                 <a:solidFill>
                   <a:schemeClr val="accent1"/>
                 </a:solidFill>
               </a14:hiddenFill>
             </a:ext>
             <a:ext uri="{AF507438-7753-43e0-B8FC-AC1667EBCBE1}">
-              <a14:hiddenEffects xmlns:a14="http://schemas.microsoft.com/office/drawing/2010/main" xmlns="">
+              <a14:hiddenEffects xmlns="" xmlns:a14="http://schemas.microsoft.com/office/drawing/2010/main">
                 <a:effectLst>
                   <a:outerShdw blurRad="63500" dist="38099" dir="2700000" algn="ctr" rotWithShape="0">
                     <a:schemeClr val="bg2">
@@ -38216,14 +38216,14 @@
           <a:effectLst/>
           <a:extLst>
             <a:ext uri="{909E8E84-426E-40dd-AFC4-6F175D3DCCD1}">
-              <a14:hiddenFill xmlns:a14="http://schemas.microsoft.com/office/drawing/2010/main" xmlns="">
+              <a14:hiddenFill xmlns="" xmlns:a14="http://schemas.microsoft.com/office/drawing/2010/main">
                 <a:solidFill>
                   <a:schemeClr val="accent1"/>
                 </a:solidFill>
               </a14:hiddenFill>
             </a:ext>
             <a:ext uri="{AF507438-7753-43e0-B8FC-AC1667EBCBE1}">
-              <a14:hiddenEffects xmlns:a14="http://schemas.microsoft.com/office/drawing/2010/main" xmlns="">
+              <a14:hiddenEffects xmlns="" xmlns:a14="http://schemas.microsoft.com/office/drawing/2010/main">
                 <a:effectLst>
                   <a:outerShdw blurRad="63500" dist="38099" dir="2700000" algn="ctr" rotWithShape="0">
                     <a:schemeClr val="bg2">
@@ -38308,14 +38308,14 @@
           <a:effectLst/>
           <a:extLst>
             <a:ext uri="{909E8E84-426E-40dd-AFC4-6F175D3DCCD1}">
-              <a14:hiddenFill xmlns:a14="http://schemas.microsoft.com/office/drawing/2010/main" xmlns="">
+              <a14:hiddenFill xmlns="" xmlns:a14="http://schemas.microsoft.com/office/drawing/2010/main">
                 <a:solidFill>
                   <a:schemeClr val="accent1"/>
                 </a:solidFill>
               </a14:hiddenFill>
             </a:ext>
             <a:ext uri="{AF507438-7753-43e0-B8FC-AC1667EBCBE1}">
-              <a14:hiddenEffects xmlns:a14="http://schemas.microsoft.com/office/drawing/2010/main" xmlns="">
+              <a14:hiddenEffects xmlns="" xmlns:a14="http://schemas.microsoft.com/office/drawing/2010/main">
                 <a:effectLst>
                   <a:outerShdw blurRad="63500" dist="38099" dir="2700000" algn="ctr" rotWithShape="0">
                     <a:schemeClr val="bg2">
@@ -38394,12 +38394,12 @@
           <a:effectLst/>
           <a:extLst>
             <a:ext uri="{909E8E84-426E-40dd-AFC4-6F175D3DCCD1}">
-              <a14:hiddenFill xmlns:a14="http://schemas.microsoft.com/office/drawing/2010/main" xmlns="">
+              <a14:hiddenFill xmlns="" xmlns:a14="http://schemas.microsoft.com/office/drawing/2010/main">
                 <a:noFill/>
               </a14:hiddenFill>
             </a:ext>
             <a:ext uri="{AF507438-7753-43e0-B8FC-AC1667EBCBE1}">
-              <a14:hiddenEffects xmlns:a14="http://schemas.microsoft.com/office/drawing/2010/main" xmlns="">
+              <a14:hiddenEffects xmlns="" xmlns:a14="http://schemas.microsoft.com/office/drawing/2010/main">
                 <a:effectLst>
                   <a:outerShdw blurRad="63500" dist="38099" dir="2700000" algn="ctr" rotWithShape="0">
                     <a:schemeClr val="bg2">
@@ -38442,14 +38442,14 @@
           <a:effectLst/>
           <a:extLst>
             <a:ext uri="{909E8E84-426E-40dd-AFC4-6F175D3DCCD1}">
-              <a14:hiddenFill xmlns:a14="http://schemas.microsoft.com/office/drawing/2010/main" xmlns="">
+              <a14:hiddenFill xmlns="" xmlns:a14="http://schemas.microsoft.com/office/drawing/2010/main">
                 <a:solidFill>
                   <a:schemeClr val="accent1"/>
                 </a:solidFill>
               </a14:hiddenFill>
             </a:ext>
             <a:ext uri="{91240B29-F687-4f45-9708-019B960494DF}">
-              <a14:hiddenLine xmlns:a14="http://schemas.microsoft.com/office/drawing/2010/main" xmlns="" w="9525">
+              <a14:hiddenLine xmlns="" xmlns:a14="http://schemas.microsoft.com/office/drawing/2010/main" w="9525">
                 <a:solidFill>
                   <a:schemeClr val="tx1"/>
                 </a:solidFill>
@@ -38459,7 +38459,7 @@
               </a14:hiddenLine>
             </a:ext>
             <a:ext uri="{AF507438-7753-43e0-B8FC-AC1667EBCBE1}">
-              <a14:hiddenEffects xmlns:a14="http://schemas.microsoft.com/office/drawing/2010/main" xmlns="">
+              <a14:hiddenEffects xmlns="" xmlns:a14="http://schemas.microsoft.com/office/drawing/2010/main">
                 <a:effectLst>
                   <a:outerShdw blurRad="63500" dist="38099" dir="2700000" algn="ctr" rotWithShape="0">
                     <a:schemeClr val="bg2">
@@ -38517,12 +38517,12 @@
           <a:effectLst/>
           <a:extLst>
             <a:ext uri="{909E8E84-426E-40dd-AFC4-6F175D3DCCD1}">
-              <a14:hiddenFill xmlns:a14="http://schemas.microsoft.com/office/drawing/2010/main" xmlns="">
+              <a14:hiddenFill xmlns="" xmlns:a14="http://schemas.microsoft.com/office/drawing/2010/main">
                 <a:noFill/>
               </a14:hiddenFill>
             </a:ext>
             <a:ext uri="{AF507438-7753-43e0-B8FC-AC1667EBCBE1}">
-              <a14:hiddenEffects xmlns:a14="http://schemas.microsoft.com/office/drawing/2010/main" xmlns="">
+              <a14:hiddenEffects xmlns="" xmlns:a14="http://schemas.microsoft.com/office/drawing/2010/main">
                 <a:effectLst>
                   <a:outerShdw blurRad="63500" dist="38099" dir="2700000" algn="ctr" rotWithShape="0">
                     <a:schemeClr val="bg2">
@@ -38565,14 +38565,14 @@
           <a:effectLst/>
           <a:extLst>
             <a:ext uri="{909E8E84-426E-40dd-AFC4-6F175D3DCCD1}">
-              <a14:hiddenFill xmlns:a14="http://schemas.microsoft.com/office/drawing/2010/main" xmlns="">
+              <a14:hiddenFill xmlns="" xmlns:a14="http://schemas.microsoft.com/office/drawing/2010/main">
                 <a:solidFill>
                   <a:schemeClr val="accent1"/>
                 </a:solidFill>
               </a14:hiddenFill>
             </a:ext>
             <a:ext uri="{91240B29-F687-4f45-9708-019B960494DF}">
-              <a14:hiddenLine xmlns:a14="http://schemas.microsoft.com/office/drawing/2010/main" xmlns="" w="9525">
+              <a14:hiddenLine xmlns="" xmlns:a14="http://schemas.microsoft.com/office/drawing/2010/main" w="9525">
                 <a:solidFill>
                   <a:schemeClr val="tx1"/>
                 </a:solidFill>
@@ -38582,7 +38582,7 @@
               </a14:hiddenLine>
             </a:ext>
             <a:ext uri="{AF507438-7753-43e0-B8FC-AC1667EBCBE1}">
-              <a14:hiddenEffects xmlns:a14="http://schemas.microsoft.com/office/drawing/2010/main" xmlns="">
+              <a14:hiddenEffects xmlns="" xmlns:a14="http://schemas.microsoft.com/office/drawing/2010/main">
                 <a:effectLst>
                   <a:outerShdw blurRad="63500" dist="38099" dir="2700000" algn="ctr" rotWithShape="0">
                     <a:schemeClr val="bg2">
@@ -38640,12 +38640,12 @@
           <a:effectLst/>
           <a:extLst>
             <a:ext uri="{909E8E84-426E-40dd-AFC4-6F175D3DCCD1}">
-              <a14:hiddenFill xmlns:a14="http://schemas.microsoft.com/office/drawing/2010/main" xmlns="">
+              <a14:hiddenFill xmlns="" xmlns:a14="http://schemas.microsoft.com/office/drawing/2010/main">
                 <a:noFill/>
               </a14:hiddenFill>
             </a:ext>
             <a:ext uri="{AF507438-7753-43e0-B8FC-AC1667EBCBE1}">
-              <a14:hiddenEffects xmlns:a14="http://schemas.microsoft.com/office/drawing/2010/main" xmlns="">
+              <a14:hiddenEffects xmlns="" xmlns:a14="http://schemas.microsoft.com/office/drawing/2010/main">
                 <a:effectLst>
                   <a:outerShdw blurRad="63500" dist="38099" dir="2700000" algn="ctr" rotWithShape="0">
                     <a:schemeClr val="bg2">
@@ -38688,14 +38688,14 @@
           <a:effectLst/>
           <a:extLst>
             <a:ext uri="{909E8E84-426E-40dd-AFC4-6F175D3DCCD1}">
-              <a14:hiddenFill xmlns:a14="http://schemas.microsoft.com/office/drawing/2010/main" xmlns="">
+              <a14:hiddenFill xmlns="" xmlns:a14="http://schemas.microsoft.com/office/drawing/2010/main">
                 <a:solidFill>
                   <a:schemeClr val="accent1"/>
                 </a:solidFill>
               </a14:hiddenFill>
             </a:ext>
             <a:ext uri="{91240B29-F687-4f45-9708-019B960494DF}">
-              <a14:hiddenLine xmlns:a14="http://schemas.microsoft.com/office/drawing/2010/main" xmlns="" w="9525">
+              <a14:hiddenLine xmlns="" xmlns:a14="http://schemas.microsoft.com/office/drawing/2010/main" w="9525">
                 <a:solidFill>
                   <a:schemeClr val="tx1"/>
                 </a:solidFill>
@@ -38705,7 +38705,7 @@
               </a14:hiddenLine>
             </a:ext>
             <a:ext uri="{AF507438-7753-43e0-B8FC-AC1667EBCBE1}">
-              <a14:hiddenEffects xmlns:a14="http://schemas.microsoft.com/office/drawing/2010/main" xmlns="">
+              <a14:hiddenEffects xmlns="" xmlns:a14="http://schemas.microsoft.com/office/drawing/2010/main">
                 <a:effectLst>
                   <a:outerShdw blurRad="63500" dist="38099" dir="2700000" algn="ctr" rotWithShape="0">
                     <a:schemeClr val="bg2">
@@ -38763,12 +38763,12 @@
           <a:effectLst/>
           <a:extLst>
             <a:ext uri="{909E8E84-426E-40dd-AFC4-6F175D3DCCD1}">
-              <a14:hiddenFill xmlns:a14="http://schemas.microsoft.com/office/drawing/2010/main" xmlns="">
+              <a14:hiddenFill xmlns="" xmlns:a14="http://schemas.microsoft.com/office/drawing/2010/main">
                 <a:noFill/>
               </a14:hiddenFill>
             </a:ext>
             <a:ext uri="{AF507438-7753-43e0-B8FC-AC1667EBCBE1}">
-              <a14:hiddenEffects xmlns:a14="http://schemas.microsoft.com/office/drawing/2010/main" xmlns="">
+              <a14:hiddenEffects xmlns="" xmlns:a14="http://schemas.microsoft.com/office/drawing/2010/main">
                 <a:effectLst>
                   <a:outerShdw blurRad="63500" dist="38099" dir="2700000" algn="ctr" rotWithShape="0">
                     <a:schemeClr val="bg2">
@@ -38811,14 +38811,14 @@
           <a:effectLst/>
           <a:extLst>
             <a:ext uri="{909E8E84-426E-40dd-AFC4-6F175D3DCCD1}">
-              <a14:hiddenFill xmlns:a14="http://schemas.microsoft.com/office/drawing/2010/main" xmlns="">
+              <a14:hiddenFill xmlns="" xmlns:a14="http://schemas.microsoft.com/office/drawing/2010/main">
                 <a:solidFill>
                   <a:schemeClr val="accent1"/>
                 </a:solidFill>
               </a14:hiddenFill>
             </a:ext>
             <a:ext uri="{91240B29-F687-4f45-9708-019B960494DF}">
-              <a14:hiddenLine xmlns:a14="http://schemas.microsoft.com/office/drawing/2010/main" xmlns="" w="9525">
+              <a14:hiddenLine xmlns="" xmlns:a14="http://schemas.microsoft.com/office/drawing/2010/main" w="9525">
                 <a:solidFill>
                   <a:schemeClr val="tx1"/>
                 </a:solidFill>
@@ -38828,7 +38828,7 @@
               </a14:hiddenLine>
             </a:ext>
             <a:ext uri="{AF507438-7753-43e0-B8FC-AC1667EBCBE1}">
-              <a14:hiddenEffects xmlns:a14="http://schemas.microsoft.com/office/drawing/2010/main" xmlns="">
+              <a14:hiddenEffects xmlns="" xmlns:a14="http://schemas.microsoft.com/office/drawing/2010/main">
                 <a:effectLst>
                   <a:outerShdw blurRad="63500" dist="38099" dir="2700000" algn="ctr" rotWithShape="0">
                     <a:schemeClr val="bg2">
@@ -38886,12 +38886,12 @@
           <a:effectLst/>
           <a:extLst>
             <a:ext uri="{909E8E84-426E-40dd-AFC4-6F175D3DCCD1}">
-              <a14:hiddenFill xmlns:a14="http://schemas.microsoft.com/office/drawing/2010/main" xmlns="">
+              <a14:hiddenFill xmlns="" xmlns:a14="http://schemas.microsoft.com/office/drawing/2010/main">
                 <a:noFill/>
               </a14:hiddenFill>
             </a:ext>
             <a:ext uri="{AF507438-7753-43e0-B8FC-AC1667EBCBE1}">
-              <a14:hiddenEffects xmlns:a14="http://schemas.microsoft.com/office/drawing/2010/main" xmlns="">
+              <a14:hiddenEffects xmlns="" xmlns:a14="http://schemas.microsoft.com/office/drawing/2010/main">
                 <a:effectLst>
                   <a:outerShdw blurRad="63500" dist="38099" dir="2700000" algn="ctr" rotWithShape="0">
                     <a:schemeClr val="bg2">
@@ -38934,14 +38934,14 @@
           <a:effectLst/>
           <a:extLst>
             <a:ext uri="{909E8E84-426E-40dd-AFC4-6F175D3DCCD1}">
-              <a14:hiddenFill xmlns:a14="http://schemas.microsoft.com/office/drawing/2010/main" xmlns="">
+              <a14:hiddenFill xmlns="" xmlns:a14="http://schemas.microsoft.com/office/drawing/2010/main">
                 <a:solidFill>
                   <a:schemeClr val="accent1"/>
                 </a:solidFill>
               </a14:hiddenFill>
             </a:ext>
             <a:ext uri="{91240B29-F687-4f45-9708-019B960494DF}">
-              <a14:hiddenLine xmlns:a14="http://schemas.microsoft.com/office/drawing/2010/main" xmlns="" w="9525">
+              <a14:hiddenLine xmlns="" xmlns:a14="http://schemas.microsoft.com/office/drawing/2010/main" w="9525">
                 <a:solidFill>
                   <a:schemeClr val="tx1"/>
                 </a:solidFill>
@@ -38951,7 +38951,7 @@
               </a14:hiddenLine>
             </a:ext>
             <a:ext uri="{AF507438-7753-43e0-B8FC-AC1667EBCBE1}">
-              <a14:hiddenEffects xmlns:a14="http://schemas.microsoft.com/office/drawing/2010/main" xmlns="">
+              <a14:hiddenEffects xmlns="" xmlns:a14="http://schemas.microsoft.com/office/drawing/2010/main">
                 <a:effectLst>
                   <a:outerShdw blurRad="63500" dist="38099" dir="2700000" algn="ctr" rotWithShape="0">
                     <a:schemeClr val="bg2">
@@ -39009,12 +39009,12 @@
           <a:effectLst/>
           <a:extLst>
             <a:ext uri="{909E8E84-426E-40dd-AFC4-6F175D3DCCD1}">
-              <a14:hiddenFill xmlns:a14="http://schemas.microsoft.com/office/drawing/2010/main" xmlns="">
+              <a14:hiddenFill xmlns="" xmlns:a14="http://schemas.microsoft.com/office/drawing/2010/main">
                 <a:noFill/>
               </a14:hiddenFill>
             </a:ext>
             <a:ext uri="{AF507438-7753-43e0-B8FC-AC1667EBCBE1}">
-              <a14:hiddenEffects xmlns:a14="http://schemas.microsoft.com/office/drawing/2010/main" xmlns="">
+              <a14:hiddenEffects xmlns="" xmlns:a14="http://schemas.microsoft.com/office/drawing/2010/main">
                 <a:effectLst>
                   <a:outerShdw blurRad="63500" dist="38099" dir="2700000" algn="ctr" rotWithShape="0">
                     <a:schemeClr val="bg2">
@@ -39057,14 +39057,14 @@
           <a:effectLst/>
           <a:extLst>
             <a:ext uri="{909E8E84-426E-40dd-AFC4-6F175D3DCCD1}">
-              <a14:hiddenFill xmlns:a14="http://schemas.microsoft.com/office/drawing/2010/main" xmlns="">
+              <a14:hiddenFill xmlns="" xmlns:a14="http://schemas.microsoft.com/office/drawing/2010/main">
                 <a:solidFill>
                   <a:schemeClr val="accent1"/>
                 </a:solidFill>
               </a14:hiddenFill>
             </a:ext>
             <a:ext uri="{91240B29-F687-4f45-9708-019B960494DF}">
-              <a14:hiddenLine xmlns:a14="http://schemas.microsoft.com/office/drawing/2010/main" xmlns="" w="9525">
+              <a14:hiddenLine xmlns="" xmlns:a14="http://schemas.microsoft.com/office/drawing/2010/main" w="9525">
                 <a:solidFill>
                   <a:schemeClr val="tx1"/>
                 </a:solidFill>
@@ -39074,7 +39074,7 @@
               </a14:hiddenLine>
             </a:ext>
             <a:ext uri="{AF507438-7753-43e0-B8FC-AC1667EBCBE1}">
-              <a14:hiddenEffects xmlns:a14="http://schemas.microsoft.com/office/drawing/2010/main" xmlns="">
+              <a14:hiddenEffects xmlns="" xmlns:a14="http://schemas.microsoft.com/office/drawing/2010/main">
                 <a:effectLst>
                   <a:outerShdw blurRad="63500" dist="38099" dir="2700000" algn="ctr" rotWithShape="0">
                     <a:schemeClr val="bg2">
@@ -39129,12 +39129,12 @@
           <a:effectLst/>
           <a:extLst>
             <a:ext uri="{909E8E84-426E-40dd-AFC4-6F175D3DCCD1}">
-              <a14:hiddenFill xmlns:a14="http://schemas.microsoft.com/office/drawing/2010/main" xmlns="">
+              <a14:hiddenFill xmlns="" xmlns:a14="http://schemas.microsoft.com/office/drawing/2010/main">
                 <a:noFill/>
               </a14:hiddenFill>
             </a:ext>
             <a:ext uri="{AF507438-7753-43e0-B8FC-AC1667EBCBE1}">
-              <a14:hiddenEffects xmlns:a14="http://schemas.microsoft.com/office/drawing/2010/main" xmlns="">
+              <a14:hiddenEffects xmlns="" xmlns:a14="http://schemas.microsoft.com/office/drawing/2010/main">
                 <a:effectLst>
                   <a:outerShdw blurRad="63500" dist="38099" dir="2700000" algn="ctr" rotWithShape="0">
                     <a:schemeClr val="bg2">
@@ -39177,14 +39177,14 @@
           <a:effectLst/>
           <a:extLst>
             <a:ext uri="{909E8E84-426E-40dd-AFC4-6F175D3DCCD1}">
-              <a14:hiddenFill xmlns:a14="http://schemas.microsoft.com/office/drawing/2010/main" xmlns="">
+              <a14:hiddenFill xmlns="" xmlns:a14="http://schemas.microsoft.com/office/drawing/2010/main">
                 <a:solidFill>
                   <a:schemeClr val="accent1"/>
                 </a:solidFill>
               </a14:hiddenFill>
             </a:ext>
             <a:ext uri="{91240B29-F687-4f45-9708-019B960494DF}">
-              <a14:hiddenLine xmlns:a14="http://schemas.microsoft.com/office/drawing/2010/main" xmlns="" w="9525">
+              <a14:hiddenLine xmlns="" xmlns:a14="http://schemas.microsoft.com/office/drawing/2010/main" w="9525">
                 <a:solidFill>
                   <a:schemeClr val="tx1"/>
                 </a:solidFill>
@@ -39194,7 +39194,7 @@
               </a14:hiddenLine>
             </a:ext>
             <a:ext uri="{AF507438-7753-43e0-B8FC-AC1667EBCBE1}">
-              <a14:hiddenEffects xmlns:a14="http://schemas.microsoft.com/office/drawing/2010/main" xmlns="">
+              <a14:hiddenEffects xmlns="" xmlns:a14="http://schemas.microsoft.com/office/drawing/2010/main">
                 <a:effectLst>
                   <a:outerShdw blurRad="63500" dist="38099" dir="2700000" algn="ctr" rotWithShape="0">
                     <a:schemeClr val="bg2">
@@ -39357,14 +39357,14 @@
           <a:effectLst/>
           <a:extLst>
             <a:ext uri="{909E8E84-426E-40dd-AFC4-6F175D3DCCD1}">
-              <a14:hiddenFill xmlns:a14="http://schemas.microsoft.com/office/drawing/2010/main" xmlns="">
+              <a14:hiddenFill xmlns="" xmlns:a14="http://schemas.microsoft.com/office/drawing/2010/main">
                 <a:solidFill>
                   <a:schemeClr val="accent1"/>
                 </a:solidFill>
               </a14:hiddenFill>
             </a:ext>
             <a:ext uri="{AF507438-7753-43e0-B8FC-AC1667EBCBE1}">
-              <a14:hiddenEffects xmlns:a14="http://schemas.microsoft.com/office/drawing/2010/main" xmlns="">
+              <a14:hiddenEffects xmlns="" xmlns:a14="http://schemas.microsoft.com/office/drawing/2010/main">
                 <a:effectLst>
                   <a:outerShdw blurRad="63500" dist="38099" dir="2700000" algn="ctr" rotWithShape="0">
                     <a:schemeClr val="bg2">
@@ -39407,14 +39407,14 @@
           <a:effectLst/>
           <a:extLst>
             <a:ext uri="{909E8E84-426E-40dd-AFC4-6F175D3DCCD1}">
-              <a14:hiddenFill xmlns:a14="http://schemas.microsoft.com/office/drawing/2010/main" xmlns="">
+              <a14:hiddenFill xmlns="" xmlns:a14="http://schemas.microsoft.com/office/drawing/2010/main">
                 <a:solidFill>
                   <a:schemeClr val="accent1"/>
                 </a:solidFill>
               </a14:hiddenFill>
             </a:ext>
             <a:ext uri="{91240B29-F687-4f45-9708-019B960494DF}">
-              <a14:hiddenLine xmlns:a14="http://schemas.microsoft.com/office/drawing/2010/main" xmlns="" w="9525">
+              <a14:hiddenLine xmlns="" xmlns:a14="http://schemas.microsoft.com/office/drawing/2010/main" w="9525">
                 <a:solidFill>
                   <a:schemeClr val="tx1"/>
                 </a:solidFill>
@@ -39424,7 +39424,7 @@
               </a14:hiddenLine>
             </a:ext>
             <a:ext uri="{AF507438-7753-43e0-B8FC-AC1667EBCBE1}">
-              <a14:hiddenEffects xmlns:a14="http://schemas.microsoft.com/office/drawing/2010/main" xmlns="">
+              <a14:hiddenEffects xmlns="" xmlns:a14="http://schemas.microsoft.com/office/drawing/2010/main">
                 <a:effectLst>
                   <a:outerShdw blurRad="63500" dist="38099" dir="2700000" algn="ctr" rotWithShape="0">
                     <a:schemeClr val="bg2">
@@ -39479,14 +39479,14 @@
           <a:effectLst/>
           <a:extLst>
             <a:ext uri="{909E8E84-426E-40dd-AFC4-6F175D3DCCD1}">
-              <a14:hiddenFill xmlns:a14="http://schemas.microsoft.com/office/drawing/2010/main" xmlns="">
+              <a14:hiddenFill xmlns="" xmlns:a14="http://schemas.microsoft.com/office/drawing/2010/main">
                 <a:solidFill>
                   <a:schemeClr val="accent1"/>
                 </a:solidFill>
               </a14:hiddenFill>
             </a:ext>
             <a:ext uri="{AF507438-7753-43e0-B8FC-AC1667EBCBE1}">
-              <a14:hiddenEffects xmlns:a14="http://schemas.microsoft.com/office/drawing/2010/main" xmlns="">
+              <a14:hiddenEffects xmlns="" xmlns:a14="http://schemas.microsoft.com/office/drawing/2010/main">
                 <a:effectLst>
                   <a:outerShdw blurRad="63500" dist="38099" dir="2700000" algn="ctr" rotWithShape="0">
                     <a:schemeClr val="bg2">
@@ -39570,12 +39570,12 @@
           <a:effectLst/>
           <a:extLst>
             <a:ext uri="{909E8E84-426E-40dd-AFC4-6F175D3DCCD1}">
-              <a14:hiddenFill xmlns:a14="http://schemas.microsoft.com/office/drawing/2010/main" xmlns="">
+              <a14:hiddenFill xmlns="" xmlns:a14="http://schemas.microsoft.com/office/drawing/2010/main">
                 <a:noFill/>
               </a14:hiddenFill>
             </a:ext>
             <a:ext uri="{AF507438-7753-43e0-B8FC-AC1667EBCBE1}">
-              <a14:hiddenEffects xmlns:a14="http://schemas.microsoft.com/office/drawing/2010/main" xmlns="">
+              <a14:hiddenEffects xmlns="" xmlns:a14="http://schemas.microsoft.com/office/drawing/2010/main">
                 <a:effectLst>
                   <a:outerShdw blurRad="63500" dist="38099" dir="2700000" algn="ctr" rotWithShape="0">
                     <a:schemeClr val="bg2">
@@ -39634,12 +39634,12 @@
           <a:effectLst/>
           <a:extLst>
             <a:ext uri="{909E8E84-426E-40dd-AFC4-6F175D3DCCD1}">
-              <a14:hiddenFill xmlns:a14="http://schemas.microsoft.com/office/drawing/2010/main" xmlns="">
+              <a14:hiddenFill xmlns="" xmlns:a14="http://schemas.microsoft.com/office/drawing/2010/main">
                 <a:noFill/>
               </a14:hiddenFill>
             </a:ext>
             <a:ext uri="{AF507438-7753-43e0-B8FC-AC1667EBCBE1}">
-              <a14:hiddenEffects xmlns:a14="http://schemas.microsoft.com/office/drawing/2010/main" xmlns="">
+              <a14:hiddenEffects xmlns="" xmlns:a14="http://schemas.microsoft.com/office/drawing/2010/main">
                 <a:effectLst>
                   <a:outerShdw blurRad="63500" dist="38099" dir="2700000" algn="ctr" rotWithShape="0">
                     <a:schemeClr val="bg2">
@@ -39691,14 +39691,14 @@
           <a:effectLst/>
           <a:extLst>
             <a:ext uri="{909E8E84-426E-40dd-AFC4-6F175D3DCCD1}">
-              <a14:hiddenFill xmlns:a14="http://schemas.microsoft.com/office/drawing/2010/main" xmlns="">
+              <a14:hiddenFill xmlns="" xmlns:a14="http://schemas.microsoft.com/office/drawing/2010/main">
                 <a:solidFill>
                   <a:schemeClr val="accent1"/>
                 </a:solidFill>
               </a14:hiddenFill>
             </a:ext>
             <a:ext uri="{91240B29-F687-4f45-9708-019B960494DF}">
-              <a14:hiddenLine xmlns:a14="http://schemas.microsoft.com/office/drawing/2010/main" xmlns="" w="9525">
+              <a14:hiddenLine xmlns="" xmlns:a14="http://schemas.microsoft.com/office/drawing/2010/main" w="9525">
                 <a:solidFill>
                   <a:schemeClr val="tx1"/>
                 </a:solidFill>
@@ -39708,7 +39708,7 @@
               </a14:hiddenLine>
             </a:ext>
             <a:ext uri="{AF507438-7753-43e0-B8FC-AC1667EBCBE1}">
-              <a14:hiddenEffects xmlns:a14="http://schemas.microsoft.com/office/drawing/2010/main" xmlns="">
+              <a14:hiddenEffects xmlns="" xmlns:a14="http://schemas.microsoft.com/office/drawing/2010/main">
                 <a:effectLst>
                   <a:outerShdw blurRad="63500" dist="38099" dir="2700000" algn="ctr" rotWithShape="0">
                     <a:schemeClr val="bg2">
@@ -39764,14 +39764,14 @@
           <a:effectLst/>
           <a:extLst>
             <a:ext uri="{909E8E84-426E-40dd-AFC4-6F175D3DCCD1}">
-              <a14:hiddenFill xmlns:a14="http://schemas.microsoft.com/office/drawing/2010/main" xmlns="">
+              <a14:hiddenFill xmlns="" xmlns:a14="http://schemas.microsoft.com/office/drawing/2010/main">
                 <a:solidFill>
                   <a:schemeClr val="accent1"/>
                 </a:solidFill>
               </a14:hiddenFill>
             </a:ext>
             <a:ext uri="{91240B29-F687-4f45-9708-019B960494DF}">
-              <a14:hiddenLine xmlns:a14="http://schemas.microsoft.com/office/drawing/2010/main" xmlns="" w="9525">
+              <a14:hiddenLine xmlns="" xmlns:a14="http://schemas.microsoft.com/office/drawing/2010/main" w="9525">
                 <a:solidFill>
                   <a:schemeClr val="tx1"/>
                 </a:solidFill>
@@ -39781,7 +39781,7 @@
               </a14:hiddenLine>
             </a:ext>
             <a:ext uri="{AF507438-7753-43e0-B8FC-AC1667EBCBE1}">
-              <a14:hiddenEffects xmlns:a14="http://schemas.microsoft.com/office/drawing/2010/main" xmlns="">
+              <a14:hiddenEffects xmlns="" xmlns:a14="http://schemas.microsoft.com/office/drawing/2010/main">
                 <a:effectLst>
                   <a:outerShdw blurRad="63500" dist="38099" dir="2700000" algn="ctr" rotWithShape="0">
                     <a:schemeClr val="bg2">
@@ -39851,14 +39851,14 @@
           <a:effectLst/>
           <a:extLst>
             <a:ext uri="{909E8E84-426E-40dd-AFC4-6F175D3DCCD1}">
-              <a14:hiddenFill xmlns:a14="http://schemas.microsoft.com/office/drawing/2010/main" xmlns="">
+              <a14:hiddenFill xmlns="" xmlns:a14="http://schemas.microsoft.com/office/drawing/2010/main">
                 <a:solidFill>
                   <a:schemeClr val="accent1"/>
                 </a:solidFill>
               </a14:hiddenFill>
             </a:ext>
             <a:ext uri="{91240B29-F687-4f45-9708-019B960494DF}">
-              <a14:hiddenLine xmlns:a14="http://schemas.microsoft.com/office/drawing/2010/main" xmlns="" w="9525">
+              <a14:hiddenLine xmlns="" xmlns:a14="http://schemas.microsoft.com/office/drawing/2010/main" w="9525">
                 <a:solidFill>
                   <a:schemeClr val="tx1"/>
                 </a:solidFill>
@@ -39868,7 +39868,7 @@
               </a14:hiddenLine>
             </a:ext>
             <a:ext uri="{AF507438-7753-43e0-B8FC-AC1667EBCBE1}">
-              <a14:hiddenEffects xmlns:a14="http://schemas.microsoft.com/office/drawing/2010/main" xmlns="">
+              <a14:hiddenEffects xmlns="" xmlns:a14="http://schemas.microsoft.com/office/drawing/2010/main">
                 <a:effectLst>
                   <a:outerShdw blurRad="63500" dist="38099" dir="2700000" algn="ctr" rotWithShape="0">
                     <a:schemeClr val="bg2">
@@ -39924,14 +39924,14 @@
           <a:effectLst/>
           <a:extLst>
             <a:ext uri="{909E8E84-426E-40dd-AFC4-6F175D3DCCD1}">
-              <a14:hiddenFill xmlns:a14="http://schemas.microsoft.com/office/drawing/2010/main" xmlns="">
+              <a14:hiddenFill xmlns="" xmlns:a14="http://schemas.microsoft.com/office/drawing/2010/main">
                 <a:solidFill>
                   <a:schemeClr val="accent1"/>
                 </a:solidFill>
               </a14:hiddenFill>
             </a:ext>
             <a:ext uri="{91240B29-F687-4f45-9708-019B960494DF}">
-              <a14:hiddenLine xmlns:a14="http://schemas.microsoft.com/office/drawing/2010/main" xmlns="" w="9525">
+              <a14:hiddenLine xmlns="" xmlns:a14="http://schemas.microsoft.com/office/drawing/2010/main" w="9525">
                 <a:solidFill>
                   <a:schemeClr val="tx1"/>
                 </a:solidFill>
@@ -39941,7 +39941,7 @@
               </a14:hiddenLine>
             </a:ext>
             <a:ext uri="{AF507438-7753-43e0-B8FC-AC1667EBCBE1}">
-              <a14:hiddenEffects xmlns:a14="http://schemas.microsoft.com/office/drawing/2010/main" xmlns="">
+              <a14:hiddenEffects xmlns="" xmlns:a14="http://schemas.microsoft.com/office/drawing/2010/main">
                 <a:effectLst>
                   <a:outerShdw blurRad="63500" dist="38099" dir="2700000" algn="ctr" rotWithShape="0">
                     <a:schemeClr val="bg2">
@@ -39997,14 +39997,14 @@
           <a:effectLst/>
           <a:extLst>
             <a:ext uri="{909E8E84-426E-40dd-AFC4-6F175D3DCCD1}">
-              <a14:hiddenFill xmlns:a14="http://schemas.microsoft.com/office/drawing/2010/main" xmlns="">
+              <a14:hiddenFill xmlns="" xmlns:a14="http://schemas.microsoft.com/office/drawing/2010/main">
                 <a:solidFill>
                   <a:schemeClr val="accent1"/>
                 </a:solidFill>
               </a14:hiddenFill>
             </a:ext>
             <a:ext uri="{91240B29-F687-4f45-9708-019B960494DF}">
-              <a14:hiddenLine xmlns:a14="http://schemas.microsoft.com/office/drawing/2010/main" xmlns="" w="9525">
+              <a14:hiddenLine xmlns="" xmlns:a14="http://schemas.microsoft.com/office/drawing/2010/main" w="9525">
                 <a:solidFill>
                   <a:schemeClr val="tx1"/>
                 </a:solidFill>
@@ -40014,7 +40014,7 @@
               </a14:hiddenLine>
             </a:ext>
             <a:ext uri="{AF507438-7753-43e0-B8FC-AC1667EBCBE1}">
-              <a14:hiddenEffects xmlns:a14="http://schemas.microsoft.com/office/drawing/2010/main" xmlns="">
+              <a14:hiddenEffects xmlns="" xmlns:a14="http://schemas.microsoft.com/office/drawing/2010/main">
                 <a:effectLst>
                   <a:outerShdw blurRad="63500" dist="38099" dir="2700000" algn="ctr" rotWithShape="0">
                     <a:schemeClr val="bg2">
@@ -41099,14 +41099,14 @@
           <a:effectLst/>
           <a:extLst>
             <a:ext uri="{909E8E84-426E-40dd-AFC4-6F175D3DCCD1}">
-              <a14:hiddenFill xmlns:a14="http://schemas.microsoft.com/office/drawing/2010/main" xmlns="">
+              <a14:hiddenFill xmlns="" xmlns:a14="http://schemas.microsoft.com/office/drawing/2010/main">
                 <a:solidFill>
                   <a:schemeClr val="accent1"/>
                 </a:solidFill>
               </a14:hiddenFill>
             </a:ext>
             <a:ext uri="{91240B29-F687-4f45-9708-019B960494DF}">
-              <a14:hiddenLine xmlns:a14="http://schemas.microsoft.com/office/drawing/2010/main" xmlns="" w="9525">
+              <a14:hiddenLine xmlns="" xmlns:a14="http://schemas.microsoft.com/office/drawing/2010/main" w="9525">
                 <a:solidFill>
                   <a:schemeClr val="tx1"/>
                 </a:solidFill>
@@ -41116,7 +41116,7 @@
               </a14:hiddenLine>
             </a:ext>
             <a:ext uri="{AF507438-7753-43e0-B8FC-AC1667EBCBE1}">
-              <a14:hiddenEffects xmlns:a14="http://schemas.microsoft.com/office/drawing/2010/main" xmlns="">
+              <a14:hiddenEffects xmlns="" xmlns:a14="http://schemas.microsoft.com/office/drawing/2010/main">
                 <a:effectLst>
                   <a:outerShdw blurRad="63500" dist="38099" dir="2700000" algn="ctr" rotWithShape="0">
                     <a:schemeClr val="bg2">
@@ -42158,10 +42158,10 @@
       </p:pic>
       <p:pic>
         <p:nvPicPr>
-          <p:cNvPr id="8" name="Picture 7">
+          <p:cNvPr id="3" name="Picture 2" descr="A screenshot of a computer&#10;&#10;Description automatically generated">
             <a:extLst>
               <a:ext uri="{FF2B5EF4-FFF2-40B4-BE49-F238E27FC236}">
-                <a16:creationId xmlns:a16="http://schemas.microsoft.com/office/drawing/2014/main" id="{136A7758-E5A8-A93A-A7F5-CD264B60DBC9}"/>
+                <a16:creationId xmlns:a16="http://schemas.microsoft.com/office/drawing/2014/main" id="{DAF0DC56-7978-6801-9C86-D80436F0D066}"/>
               </a:ext>
             </a:extLst>
           </p:cNvPr>
@@ -42178,8 +42178,8 @@
         </p:blipFill>
         <p:spPr>
           <a:xfrm>
-            <a:off x="308720" y="1556792"/>
-            <a:ext cx="7772400" cy="943646"/>
+            <a:off x="539552" y="1340768"/>
+            <a:ext cx="7772400" cy="1164328"/>
           </a:xfrm>
           <a:prstGeom prst="rect">
             <a:avLst/>

--- a/Lectures/Lecture 2 - Sequence Searching.pptx
+++ b/Lectures/Lecture 2 - Sequence Searching.pptx
@@ -2,7 +2,7 @@
 <file path=ppt/presentation.xml><?xml version="1.0" encoding="utf-8"?>
 <p:presentation xmlns:a="http://schemas.openxmlformats.org/drawingml/2006/main" xmlns:r="http://schemas.openxmlformats.org/officeDocument/2006/relationships" xmlns:p="http://schemas.openxmlformats.org/presentationml/2006/main" strictFirstAndLastChars="0" saveSubsetFonts="1" autoCompressPictures="0">
   <p:sldMasterIdLst>
-    <p:sldMasterId id="2147483649" r:id="rId1"/>
+    <p:sldMasterId id="2147483673" r:id="rId1"/>
   </p:sldMasterIdLst>
   <p:notesMasterIdLst>
     <p:notesMasterId r:id="rId48"/>
@@ -61,122 +61,92 @@
     <a:defPPr>
       <a:defRPr lang="en-US"/>
     </a:defPPr>
-    <a:lvl1pPr algn="l" rtl="0" eaLnBrk="0" fontAlgn="base" hangingPunct="0">
-      <a:spcBef>
-        <a:spcPct val="0"/>
-      </a:spcBef>
-      <a:spcAft>
-        <a:spcPct val="0"/>
-      </a:spcAft>
-      <a:defRPr sz="2400" kern="1200">
+    <a:lvl1pPr marL="0" algn="l" defTabSz="914400" rtl="0" eaLnBrk="1" latinLnBrk="0" hangingPunct="1">
+      <a:defRPr sz="1800" kern="1200">
         <a:solidFill>
           <a:schemeClr val="tx1"/>
         </a:solidFill>
-        <a:latin typeface="Times" charset="0"/>
+        <a:latin typeface="+mn-lt"/>
         <a:ea typeface="+mn-ea"/>
         <a:cs typeface="+mn-cs"/>
       </a:defRPr>
     </a:lvl1pPr>
-    <a:lvl2pPr marL="457200" algn="l" rtl="0" eaLnBrk="0" fontAlgn="base" hangingPunct="0">
-      <a:spcBef>
-        <a:spcPct val="0"/>
-      </a:spcBef>
-      <a:spcAft>
-        <a:spcPct val="0"/>
-      </a:spcAft>
-      <a:defRPr sz="2400" kern="1200">
+    <a:lvl2pPr marL="457200" algn="l" defTabSz="914400" rtl="0" eaLnBrk="1" latinLnBrk="0" hangingPunct="1">
+      <a:defRPr sz="1800" kern="1200">
         <a:solidFill>
           <a:schemeClr val="tx1"/>
         </a:solidFill>
-        <a:latin typeface="Times" charset="0"/>
+        <a:latin typeface="+mn-lt"/>
         <a:ea typeface="+mn-ea"/>
         <a:cs typeface="+mn-cs"/>
       </a:defRPr>
     </a:lvl2pPr>
-    <a:lvl3pPr marL="914400" algn="l" rtl="0" eaLnBrk="0" fontAlgn="base" hangingPunct="0">
-      <a:spcBef>
-        <a:spcPct val="0"/>
-      </a:spcBef>
-      <a:spcAft>
-        <a:spcPct val="0"/>
-      </a:spcAft>
-      <a:defRPr sz="2400" kern="1200">
+    <a:lvl3pPr marL="914400" algn="l" defTabSz="914400" rtl="0" eaLnBrk="1" latinLnBrk="0" hangingPunct="1">
+      <a:defRPr sz="1800" kern="1200">
         <a:solidFill>
           <a:schemeClr val="tx1"/>
         </a:solidFill>
-        <a:latin typeface="Times" charset="0"/>
+        <a:latin typeface="+mn-lt"/>
         <a:ea typeface="+mn-ea"/>
         <a:cs typeface="+mn-cs"/>
       </a:defRPr>
     </a:lvl3pPr>
-    <a:lvl4pPr marL="1371600" algn="l" rtl="0" eaLnBrk="0" fontAlgn="base" hangingPunct="0">
-      <a:spcBef>
-        <a:spcPct val="0"/>
-      </a:spcBef>
-      <a:spcAft>
-        <a:spcPct val="0"/>
-      </a:spcAft>
-      <a:defRPr sz="2400" kern="1200">
+    <a:lvl4pPr marL="1371600" algn="l" defTabSz="914400" rtl="0" eaLnBrk="1" latinLnBrk="0" hangingPunct="1">
+      <a:defRPr sz="1800" kern="1200">
         <a:solidFill>
           <a:schemeClr val="tx1"/>
         </a:solidFill>
-        <a:latin typeface="Times" charset="0"/>
+        <a:latin typeface="+mn-lt"/>
         <a:ea typeface="+mn-ea"/>
         <a:cs typeface="+mn-cs"/>
       </a:defRPr>
     </a:lvl4pPr>
-    <a:lvl5pPr marL="1828800" algn="l" rtl="0" eaLnBrk="0" fontAlgn="base" hangingPunct="0">
-      <a:spcBef>
-        <a:spcPct val="0"/>
-      </a:spcBef>
-      <a:spcAft>
-        <a:spcPct val="0"/>
-      </a:spcAft>
-      <a:defRPr sz="2400" kern="1200">
+    <a:lvl5pPr marL="1828800" algn="l" defTabSz="914400" rtl="0" eaLnBrk="1" latinLnBrk="0" hangingPunct="1">
+      <a:defRPr sz="1800" kern="1200">
         <a:solidFill>
           <a:schemeClr val="tx1"/>
         </a:solidFill>
-        <a:latin typeface="Times" charset="0"/>
+        <a:latin typeface="+mn-lt"/>
         <a:ea typeface="+mn-ea"/>
         <a:cs typeface="+mn-cs"/>
       </a:defRPr>
     </a:lvl5pPr>
-    <a:lvl6pPr marL="2286000" algn="l" defTabSz="457200" rtl="0" eaLnBrk="1" latinLnBrk="0" hangingPunct="1">
-      <a:defRPr sz="2400" kern="1200">
+    <a:lvl6pPr marL="2286000" algn="l" defTabSz="914400" rtl="0" eaLnBrk="1" latinLnBrk="0" hangingPunct="1">
+      <a:defRPr sz="1800" kern="1200">
         <a:solidFill>
           <a:schemeClr val="tx1"/>
         </a:solidFill>
-        <a:latin typeface="Times" charset="0"/>
+        <a:latin typeface="+mn-lt"/>
         <a:ea typeface="+mn-ea"/>
         <a:cs typeface="+mn-cs"/>
       </a:defRPr>
     </a:lvl6pPr>
-    <a:lvl7pPr marL="2743200" algn="l" defTabSz="457200" rtl="0" eaLnBrk="1" latinLnBrk="0" hangingPunct="1">
-      <a:defRPr sz="2400" kern="1200">
+    <a:lvl7pPr marL="2743200" algn="l" defTabSz="914400" rtl="0" eaLnBrk="1" latinLnBrk="0" hangingPunct="1">
+      <a:defRPr sz="1800" kern="1200">
         <a:solidFill>
           <a:schemeClr val="tx1"/>
         </a:solidFill>
-        <a:latin typeface="Times" charset="0"/>
+        <a:latin typeface="+mn-lt"/>
         <a:ea typeface="+mn-ea"/>
         <a:cs typeface="+mn-cs"/>
       </a:defRPr>
     </a:lvl7pPr>
-    <a:lvl8pPr marL="3200400" algn="l" defTabSz="457200" rtl="0" eaLnBrk="1" latinLnBrk="0" hangingPunct="1">
-      <a:defRPr sz="2400" kern="1200">
+    <a:lvl8pPr marL="3200400" algn="l" defTabSz="914400" rtl="0" eaLnBrk="1" latinLnBrk="0" hangingPunct="1">
+      <a:defRPr sz="1800" kern="1200">
         <a:solidFill>
           <a:schemeClr val="tx1"/>
         </a:solidFill>
-        <a:latin typeface="Times" charset="0"/>
+        <a:latin typeface="+mn-lt"/>
         <a:ea typeface="+mn-ea"/>
         <a:cs typeface="+mn-cs"/>
       </a:defRPr>
     </a:lvl8pPr>
-    <a:lvl9pPr marL="3657600" algn="l" defTabSz="457200" rtl="0" eaLnBrk="1" latinLnBrk="0" hangingPunct="1">
-      <a:defRPr sz="2400" kern="1200">
+    <a:lvl9pPr marL="3657600" algn="l" defTabSz="914400" rtl="0" eaLnBrk="1" latinLnBrk="0" hangingPunct="1">
+      <a:defRPr sz="1800" kern="1200">
         <a:solidFill>
           <a:schemeClr val="tx1"/>
         </a:solidFill>
-        <a:latin typeface="Times" charset="0"/>
+        <a:latin typeface="+mn-lt"/>
         <a:ea typeface="+mn-ea"/>
         <a:cs typeface="+mn-cs"/>
       </a:defRPr>
@@ -199,6 +169,12 @@
     </p:ext>
   </p:extLst>
 </p:presentation>
+</file>
+
+<file path=ppt/authors.xml><?xml version="1.0" encoding="utf-8"?>
+<p188:authorLst xmlns:a="http://schemas.openxmlformats.org/drawingml/2006/main" xmlns:r="http://schemas.openxmlformats.org/officeDocument/2006/relationships" xmlns:p188="http://schemas.microsoft.com/office/powerpoint/2018/8/main">
+  <p188:author id="{04DBFF20-F3F8-7F29-E8BC-5BAD2A4C2214}" name="Kathleen Houlahan" initials="" userId="S::houlahke@mcmaster.ca::6d0d1ab0-ca11-4f5d-a221-0734046160fd" providerId="AD"/>
+</p188:authorLst>
 </file>
 
 <file path=ppt/notesMasters/notesMaster1.xml><?xml version="1.0" encoding="utf-8"?>
@@ -1166,7 +1142,7 @@
           <a:lstStyle/>
           <a:p>
             <a:pPr eaLnBrk="1" hangingPunct="1"/>
-            <a:endParaRPr lang="en-US"/>
+            <a:endParaRPr lang="en-US" dirty="0"/>
           </a:p>
         </p:txBody>
       </p:sp>
@@ -3676,25 +3652,31 @@
       </p:grpSpPr>
       <p:sp>
         <p:nvSpPr>
-          <p:cNvPr id="4098" name="Rectangle 2"/>
+          <p:cNvPr id="2" name="Title 1">
+            <a:extLst>
+              <a:ext uri="{FF2B5EF4-FFF2-40B4-BE49-F238E27FC236}">
+                <a16:creationId xmlns:a16="http://schemas.microsoft.com/office/drawing/2014/main" id="{5253CBBB-7FDD-B117-BB88-732010391BB5}"/>
+              </a:ext>
+            </a:extLst>
+          </p:cNvPr>
           <p:cNvSpPr>
-            <a:spLocks noGrp="1" noChangeArrowheads="1"/>
+            <a:spLocks noGrp="1"/>
           </p:cNvSpPr>
           <p:nvPr>
-            <p:ph type="ctrTitle" sz="quarter"/>
+            <p:ph type="ctrTitle"/>
           </p:nvPr>
         </p:nvSpPr>
         <p:spPr>
           <a:xfrm>
-            <a:off x="685800" y="2057400"/>
-            <a:ext cx="7772400" cy="1143000"/>
-          </a:xfrm>
-        </p:spPr>
-        <p:txBody>
-          <a:bodyPr/>
+            <a:off x="1143000" y="1122363"/>
+            <a:ext cx="6858000" cy="2387600"/>
+          </a:xfrm>
+        </p:spPr>
+        <p:txBody>
+          <a:bodyPr anchor="b"/>
           <a:lstStyle>
-            <a:lvl1pPr>
-              <a:defRPr/>
+            <a:lvl1pPr algn="ctr">
+              <a:defRPr sz="4500"/>
             </a:lvl1pPr>
           </a:lstStyle>
           <a:p>
@@ -3707,28 +3689,65 @@
       </p:sp>
       <p:sp>
         <p:nvSpPr>
-          <p:cNvPr id="4099" name="Rectangle 3"/>
+          <p:cNvPr id="3" name="Subtitle 2">
+            <a:extLst>
+              <a:ext uri="{FF2B5EF4-FFF2-40B4-BE49-F238E27FC236}">
+                <a16:creationId xmlns:a16="http://schemas.microsoft.com/office/drawing/2014/main" id="{7C990CB9-6988-6F1C-1ADC-A5F1F029EE42}"/>
+              </a:ext>
+            </a:extLst>
+          </p:cNvPr>
           <p:cNvSpPr>
-            <a:spLocks noGrp="1" noChangeArrowheads="1"/>
+            <a:spLocks noGrp="1"/>
           </p:cNvSpPr>
           <p:nvPr>
-            <p:ph type="subTitle" sz="quarter" idx="1"/>
+            <p:ph type="subTitle" idx="1"/>
           </p:nvPr>
         </p:nvSpPr>
         <p:spPr>
           <a:xfrm>
-            <a:off x="1371600" y="3886200"/>
-            <a:ext cx="6400800" cy="1752600"/>
+            <a:off x="1143000" y="3602038"/>
+            <a:ext cx="6858000" cy="1655762"/>
           </a:xfrm>
         </p:spPr>
         <p:txBody>
           <a:bodyPr/>
           <a:lstStyle>
             <a:lvl1pPr marL="0" indent="0" algn="ctr">
-              <a:buFontTx/>
               <a:buNone/>
-              <a:defRPr/>
+              <a:defRPr sz="1800"/>
             </a:lvl1pPr>
+            <a:lvl2pPr marL="342900" indent="0" algn="ctr">
+              <a:buNone/>
+              <a:defRPr sz="1500"/>
+            </a:lvl2pPr>
+            <a:lvl3pPr marL="685800" indent="0" algn="ctr">
+              <a:buNone/>
+              <a:defRPr sz="1350"/>
+            </a:lvl3pPr>
+            <a:lvl4pPr marL="1028700" indent="0" algn="ctr">
+              <a:buNone/>
+              <a:defRPr sz="1200"/>
+            </a:lvl4pPr>
+            <a:lvl5pPr marL="1371600" indent="0" algn="ctr">
+              <a:buNone/>
+              <a:defRPr sz="1200"/>
+            </a:lvl5pPr>
+            <a:lvl6pPr marL="1714500" indent="0" algn="ctr">
+              <a:buNone/>
+              <a:defRPr sz="1200"/>
+            </a:lvl6pPr>
+            <a:lvl7pPr marL="2057400" indent="0" algn="ctr">
+              <a:buNone/>
+              <a:defRPr sz="1200"/>
+            </a:lvl7pPr>
+            <a:lvl8pPr marL="2400300" indent="0" algn="ctr">
+              <a:buNone/>
+              <a:defRPr sz="1200"/>
+            </a:lvl8pPr>
+            <a:lvl9pPr marL="2743200" indent="0" algn="ctr">
+              <a:buNone/>
+              <a:defRPr sz="1200"/>
+            </a:lvl9pPr>
           </a:lstStyle>
           <a:p>
             <a:r>
@@ -3738,7 +3757,95 @@
           </a:p>
         </p:txBody>
       </p:sp>
+      <p:sp>
+        <p:nvSpPr>
+          <p:cNvPr id="4" name="Date Placeholder 3">
+            <a:extLst>
+              <a:ext uri="{FF2B5EF4-FFF2-40B4-BE49-F238E27FC236}">
+                <a16:creationId xmlns:a16="http://schemas.microsoft.com/office/drawing/2014/main" id="{3A6170DA-A0D7-8C24-3FAD-B19DAA29AD06}"/>
+              </a:ext>
+            </a:extLst>
+          </p:cNvPr>
+          <p:cNvSpPr>
+            <a:spLocks noGrp="1"/>
+          </p:cNvSpPr>
+          <p:nvPr>
+            <p:ph type="dt" sz="half" idx="10"/>
+          </p:nvPr>
+        </p:nvSpPr>
+        <p:spPr/>
+        <p:txBody>
+          <a:bodyPr/>
+          <a:lstStyle/>
+          <a:p>
+            <a:fld id="{B96027E1-0C73-754A-BD0C-97E17D4DBE04}" type="datetimeFigureOut">
+              <a:rPr lang="en-US" smtClean="0"/>
+              <a:t>8/8/25</a:t>
+            </a:fld>
+            <a:endParaRPr lang="en-US"/>
+          </a:p>
+        </p:txBody>
+      </p:sp>
+      <p:sp>
+        <p:nvSpPr>
+          <p:cNvPr id="5" name="Footer Placeholder 4">
+            <a:extLst>
+              <a:ext uri="{FF2B5EF4-FFF2-40B4-BE49-F238E27FC236}">
+                <a16:creationId xmlns:a16="http://schemas.microsoft.com/office/drawing/2014/main" id="{151AAECF-6F98-3537-ECD6-51519C227E2A}"/>
+              </a:ext>
+            </a:extLst>
+          </p:cNvPr>
+          <p:cNvSpPr>
+            <a:spLocks noGrp="1"/>
+          </p:cNvSpPr>
+          <p:nvPr>
+            <p:ph type="ftr" sz="quarter" idx="11"/>
+          </p:nvPr>
+        </p:nvSpPr>
+        <p:spPr/>
+        <p:txBody>
+          <a:bodyPr/>
+          <a:lstStyle/>
+          <a:p>
+            <a:endParaRPr lang="en-US"/>
+          </a:p>
+        </p:txBody>
+      </p:sp>
+      <p:sp>
+        <p:nvSpPr>
+          <p:cNvPr id="6" name="Slide Number Placeholder 5">
+            <a:extLst>
+              <a:ext uri="{FF2B5EF4-FFF2-40B4-BE49-F238E27FC236}">
+                <a16:creationId xmlns:a16="http://schemas.microsoft.com/office/drawing/2014/main" id="{4633728E-F85B-C382-4F05-49D476627A26}"/>
+              </a:ext>
+            </a:extLst>
+          </p:cNvPr>
+          <p:cNvSpPr>
+            <a:spLocks noGrp="1"/>
+          </p:cNvSpPr>
+          <p:nvPr>
+            <p:ph type="sldNum" sz="quarter" idx="12"/>
+          </p:nvPr>
+        </p:nvSpPr>
+        <p:spPr/>
+        <p:txBody>
+          <a:bodyPr/>
+          <a:lstStyle/>
+          <a:p>
+            <a:fld id="{E89BDC78-D228-EB42-A23D-2FDE19E9DAAA}" type="slidenum">
+              <a:rPr lang="en-US" smtClean="0"/>
+              <a:t>‹#›</a:t>
+            </a:fld>
+            <a:endParaRPr lang="en-US"/>
+          </a:p>
+        </p:txBody>
+      </p:sp>
     </p:spTree>
+    <p:extLst>
+      <p:ext uri="{BB962C8B-B14F-4D97-AF65-F5344CB8AC3E}">
+        <p14:creationId xmlns:p14="http://schemas.microsoft.com/office/powerpoint/2010/main" val="2337816461"/>
+      </p:ext>
+    </p:extLst>
   </p:cSld>
   <p:clrMapOvr>
     <a:masterClrMapping/>
@@ -3765,7 +3872,13 @@
       </p:grpSpPr>
       <p:sp>
         <p:nvSpPr>
-          <p:cNvPr id="2" name="Title 1"/>
+          <p:cNvPr id="2" name="Title 1">
+            <a:extLst>
+              <a:ext uri="{FF2B5EF4-FFF2-40B4-BE49-F238E27FC236}">
+                <a16:creationId xmlns:a16="http://schemas.microsoft.com/office/drawing/2014/main" id="{EF601DF8-E0C2-3502-3ADC-85C0A1409EE2}"/>
+              </a:ext>
+            </a:extLst>
+          </p:cNvPr>
           <p:cNvSpPr>
             <a:spLocks noGrp="1"/>
           </p:cNvSpPr>
@@ -3787,7 +3900,13 @@
       </p:sp>
       <p:sp>
         <p:nvSpPr>
-          <p:cNvPr id="3" name="Vertical Text Placeholder 2"/>
+          <p:cNvPr id="3" name="Vertical Text Placeholder 2">
+            <a:extLst>
+              <a:ext uri="{FF2B5EF4-FFF2-40B4-BE49-F238E27FC236}">
+                <a16:creationId xmlns:a16="http://schemas.microsoft.com/office/drawing/2014/main" id="{3F96F640-CF78-DB86-8EF9-8C36FB07112B}"/>
+              </a:ext>
+            </a:extLst>
+          </p:cNvPr>
           <p:cNvSpPr>
             <a:spLocks noGrp="1"/>
           </p:cNvSpPr>
@@ -3838,24 +3957,24 @@
       </p:sp>
       <p:sp>
         <p:nvSpPr>
-          <p:cNvPr id="4" name="Rectangle 14"/>
+          <p:cNvPr id="4" name="Date Placeholder 3">
+            <a:extLst>
+              <a:ext uri="{FF2B5EF4-FFF2-40B4-BE49-F238E27FC236}">
+                <a16:creationId xmlns:a16="http://schemas.microsoft.com/office/drawing/2014/main" id="{13A05CF1-AE19-ADB9-8D74-5B85062AD8AE}"/>
+              </a:ext>
+            </a:extLst>
+          </p:cNvPr>
           <p:cNvSpPr>
-            <a:spLocks noGrp="1" noChangeArrowheads="1"/>
+            <a:spLocks noGrp="1"/>
           </p:cNvSpPr>
           <p:nvPr>
             <p:ph type="dt" sz="half" idx="10"/>
           </p:nvPr>
         </p:nvSpPr>
-        <p:spPr>
-          <a:ln/>
-        </p:spPr>
+        <p:spPr/>
         <p:txBody>
           <a:bodyPr/>
-          <a:lstStyle>
-            <a:lvl1pPr>
-              <a:defRPr/>
-            </a:lvl1pPr>
-          </a:lstStyle>
+          <a:lstStyle/>
           <a:p>
             <a:pPr>
               <a:defRPr/>
@@ -3866,24 +3985,24 @@
       </p:sp>
       <p:sp>
         <p:nvSpPr>
-          <p:cNvPr id="5" name="Rectangle 15"/>
+          <p:cNvPr id="5" name="Footer Placeholder 4">
+            <a:extLst>
+              <a:ext uri="{FF2B5EF4-FFF2-40B4-BE49-F238E27FC236}">
+                <a16:creationId xmlns:a16="http://schemas.microsoft.com/office/drawing/2014/main" id="{CAF097BF-9F05-E85B-6C96-1E5ECA986FE8}"/>
+              </a:ext>
+            </a:extLst>
+          </p:cNvPr>
           <p:cNvSpPr>
-            <a:spLocks noGrp="1" noChangeArrowheads="1"/>
+            <a:spLocks noGrp="1"/>
           </p:cNvSpPr>
           <p:nvPr>
             <p:ph type="ftr" sz="quarter" idx="11"/>
           </p:nvPr>
         </p:nvSpPr>
-        <p:spPr>
-          <a:ln/>
-        </p:spPr>
+        <p:spPr/>
         <p:txBody>
           <a:bodyPr/>
-          <a:lstStyle>
-            <a:lvl1pPr>
-              <a:defRPr/>
-            </a:lvl1pPr>
-          </a:lstStyle>
+          <a:lstStyle/>
           <a:p>
             <a:pPr>
               <a:defRPr/>
@@ -3894,30 +4013,30 @@
       </p:sp>
       <p:sp>
         <p:nvSpPr>
-          <p:cNvPr id="6" name="Rectangle 16"/>
+          <p:cNvPr id="6" name="Slide Number Placeholder 5">
+            <a:extLst>
+              <a:ext uri="{FF2B5EF4-FFF2-40B4-BE49-F238E27FC236}">
+                <a16:creationId xmlns:a16="http://schemas.microsoft.com/office/drawing/2014/main" id="{F523F52A-58C5-6243-5DEA-1860E3B78F58}"/>
+              </a:ext>
+            </a:extLst>
+          </p:cNvPr>
           <p:cNvSpPr>
-            <a:spLocks noGrp="1" noChangeArrowheads="1"/>
+            <a:spLocks noGrp="1"/>
           </p:cNvSpPr>
           <p:nvPr>
             <p:ph type="sldNum" sz="quarter" idx="12"/>
           </p:nvPr>
         </p:nvSpPr>
-        <p:spPr>
-          <a:ln/>
-        </p:spPr>
+        <p:spPr/>
         <p:txBody>
           <a:bodyPr/>
-          <a:lstStyle>
-            <a:lvl1pPr>
-              <a:defRPr/>
-            </a:lvl1pPr>
-          </a:lstStyle>
+          <a:lstStyle/>
           <a:p>
             <a:pPr>
               <a:defRPr/>
             </a:pPr>
             <a:fld id="{A5A5E3B6-6E25-8746-A1EF-0C61A376E09C}" type="slidenum">
-              <a:rPr lang="en-US"/>
+              <a:rPr lang="en-US" smtClean="0"/>
               <a:pPr>
                 <a:defRPr/>
               </a:pPr>
@@ -3928,6 +4047,11 @@
         </p:txBody>
       </p:sp>
     </p:spTree>
+    <p:extLst>
+      <p:ext uri="{BB962C8B-B14F-4D97-AF65-F5344CB8AC3E}">
+        <p14:creationId xmlns:p14="http://schemas.microsoft.com/office/powerpoint/2010/main" val="4201485610"/>
+      </p:ext>
+    </p:extLst>
   </p:cSld>
   <p:clrMapOvr>
     <a:masterClrMapping/>
@@ -3954,7 +4078,13 @@
       </p:grpSpPr>
       <p:sp>
         <p:nvSpPr>
-          <p:cNvPr id="2" name="Vertical Title 1"/>
+          <p:cNvPr id="2" name="Vertical Title 1">
+            <a:extLst>
+              <a:ext uri="{FF2B5EF4-FFF2-40B4-BE49-F238E27FC236}">
+                <a16:creationId xmlns:a16="http://schemas.microsoft.com/office/drawing/2014/main" id="{7DFE9244-09F6-BA8A-4B42-C305B8D3D2BE}"/>
+              </a:ext>
+            </a:extLst>
+          </p:cNvPr>
           <p:cNvSpPr>
             <a:spLocks noGrp="1"/>
           </p:cNvSpPr>
@@ -3964,8 +4094,8 @@
         </p:nvSpPr>
         <p:spPr>
           <a:xfrm>
-            <a:off x="6343650" y="0"/>
-            <a:ext cx="2114550" cy="6096000"/>
+            <a:off x="6543675" y="365125"/>
+            <a:ext cx="1971675" cy="5811838"/>
           </a:xfrm>
         </p:spPr>
         <p:txBody>
@@ -3981,7 +4111,13 @@
       </p:sp>
       <p:sp>
         <p:nvSpPr>
-          <p:cNvPr id="3" name="Vertical Text Placeholder 2"/>
+          <p:cNvPr id="3" name="Vertical Text Placeholder 2">
+            <a:extLst>
+              <a:ext uri="{FF2B5EF4-FFF2-40B4-BE49-F238E27FC236}">
+                <a16:creationId xmlns:a16="http://schemas.microsoft.com/office/drawing/2014/main" id="{273AF82D-394D-0071-32C6-B02F9EAE0923}"/>
+              </a:ext>
+            </a:extLst>
+          </p:cNvPr>
           <p:cNvSpPr>
             <a:spLocks noGrp="1"/>
           </p:cNvSpPr>
@@ -3991,8 +4127,8 @@
         </p:nvSpPr>
         <p:spPr>
           <a:xfrm>
-            <a:off x="0" y="0"/>
-            <a:ext cx="6191250" cy="6096000"/>
+            <a:off x="628650" y="365125"/>
+            <a:ext cx="5800725" cy="5811838"/>
           </a:xfrm>
         </p:spPr>
         <p:txBody>
@@ -4037,24 +4173,24 @@
       </p:sp>
       <p:sp>
         <p:nvSpPr>
-          <p:cNvPr id="4" name="Rectangle 14"/>
+          <p:cNvPr id="4" name="Date Placeholder 3">
+            <a:extLst>
+              <a:ext uri="{FF2B5EF4-FFF2-40B4-BE49-F238E27FC236}">
+                <a16:creationId xmlns:a16="http://schemas.microsoft.com/office/drawing/2014/main" id="{2DDBC2B5-C750-16DA-3249-233F068524C8}"/>
+              </a:ext>
+            </a:extLst>
+          </p:cNvPr>
           <p:cNvSpPr>
-            <a:spLocks noGrp="1" noChangeArrowheads="1"/>
+            <a:spLocks noGrp="1"/>
           </p:cNvSpPr>
           <p:nvPr>
             <p:ph type="dt" sz="half" idx="10"/>
           </p:nvPr>
         </p:nvSpPr>
-        <p:spPr>
-          <a:ln/>
-        </p:spPr>
+        <p:spPr/>
         <p:txBody>
           <a:bodyPr/>
-          <a:lstStyle>
-            <a:lvl1pPr>
-              <a:defRPr/>
-            </a:lvl1pPr>
-          </a:lstStyle>
+          <a:lstStyle/>
           <a:p>
             <a:pPr>
               <a:defRPr/>
@@ -4065,24 +4201,24 @@
       </p:sp>
       <p:sp>
         <p:nvSpPr>
-          <p:cNvPr id="5" name="Rectangle 15"/>
+          <p:cNvPr id="5" name="Footer Placeholder 4">
+            <a:extLst>
+              <a:ext uri="{FF2B5EF4-FFF2-40B4-BE49-F238E27FC236}">
+                <a16:creationId xmlns:a16="http://schemas.microsoft.com/office/drawing/2014/main" id="{E12BF46B-FED6-F545-2BCD-84C5B9BE37EE}"/>
+              </a:ext>
+            </a:extLst>
+          </p:cNvPr>
           <p:cNvSpPr>
-            <a:spLocks noGrp="1" noChangeArrowheads="1"/>
+            <a:spLocks noGrp="1"/>
           </p:cNvSpPr>
           <p:nvPr>
             <p:ph type="ftr" sz="quarter" idx="11"/>
           </p:nvPr>
         </p:nvSpPr>
-        <p:spPr>
-          <a:ln/>
-        </p:spPr>
+        <p:spPr/>
         <p:txBody>
           <a:bodyPr/>
-          <a:lstStyle>
-            <a:lvl1pPr>
-              <a:defRPr/>
-            </a:lvl1pPr>
-          </a:lstStyle>
+          <a:lstStyle/>
           <a:p>
             <a:pPr>
               <a:defRPr/>
@@ -4093,30 +4229,30 @@
       </p:sp>
       <p:sp>
         <p:nvSpPr>
-          <p:cNvPr id="6" name="Rectangle 16"/>
+          <p:cNvPr id="6" name="Slide Number Placeholder 5">
+            <a:extLst>
+              <a:ext uri="{FF2B5EF4-FFF2-40B4-BE49-F238E27FC236}">
+                <a16:creationId xmlns:a16="http://schemas.microsoft.com/office/drawing/2014/main" id="{862141B8-661C-850B-398B-5C5BDFC2F7E1}"/>
+              </a:ext>
+            </a:extLst>
+          </p:cNvPr>
           <p:cNvSpPr>
-            <a:spLocks noGrp="1" noChangeArrowheads="1"/>
+            <a:spLocks noGrp="1"/>
           </p:cNvSpPr>
           <p:nvPr>
             <p:ph type="sldNum" sz="quarter" idx="12"/>
           </p:nvPr>
         </p:nvSpPr>
-        <p:spPr>
-          <a:ln/>
-        </p:spPr>
+        <p:spPr/>
         <p:txBody>
           <a:bodyPr/>
-          <a:lstStyle>
-            <a:lvl1pPr>
-              <a:defRPr/>
-            </a:lvl1pPr>
-          </a:lstStyle>
+          <a:lstStyle/>
           <a:p>
             <a:pPr>
               <a:defRPr/>
             </a:pPr>
             <a:fld id="{E34BA3A9-4E0B-FD49-BE1E-B8179035C6A1}" type="slidenum">
-              <a:rPr lang="en-US"/>
+              <a:rPr lang="en-US" smtClean="0"/>
               <a:pPr>
                 <a:defRPr/>
               </a:pPr>
@@ -4127,6 +4263,11 @@
         </p:txBody>
       </p:sp>
     </p:spTree>
+    <p:extLst>
+      <p:ext uri="{BB962C8B-B14F-4D97-AF65-F5344CB8AC3E}">
+        <p14:creationId xmlns:p14="http://schemas.microsoft.com/office/powerpoint/2010/main" val="3878578070"/>
+      </p:ext>
+    </p:extLst>
   </p:cSld>
   <p:clrMapOvr>
     <a:masterClrMapping/>
@@ -4153,7 +4294,13 @@
       </p:grpSpPr>
       <p:sp>
         <p:nvSpPr>
-          <p:cNvPr id="2" name="Title 1"/>
+          <p:cNvPr id="2" name="Title 1">
+            <a:extLst>
+              <a:ext uri="{FF2B5EF4-FFF2-40B4-BE49-F238E27FC236}">
+                <a16:creationId xmlns:a16="http://schemas.microsoft.com/office/drawing/2014/main" id="{9E13D573-F495-41DA-19E8-3059EC49F575}"/>
+              </a:ext>
+            </a:extLst>
+          </p:cNvPr>
           <p:cNvSpPr>
             <a:spLocks noGrp="1"/>
           </p:cNvSpPr>
@@ -4175,7 +4322,13 @@
       </p:sp>
       <p:sp>
         <p:nvSpPr>
-          <p:cNvPr id="3" name="Content Placeholder 2"/>
+          <p:cNvPr id="3" name="Content Placeholder 2">
+            <a:extLst>
+              <a:ext uri="{FF2B5EF4-FFF2-40B4-BE49-F238E27FC236}">
+                <a16:creationId xmlns:a16="http://schemas.microsoft.com/office/drawing/2014/main" id="{E7AD5640-89DA-A341-DBFF-575634B9F08D}"/>
+              </a:ext>
+            </a:extLst>
+          </p:cNvPr>
           <p:cNvSpPr>
             <a:spLocks noGrp="1"/>
           </p:cNvSpPr>
@@ -4226,24 +4379,24 @@
       </p:sp>
       <p:sp>
         <p:nvSpPr>
-          <p:cNvPr id="4" name="Rectangle 14"/>
+          <p:cNvPr id="4" name="Date Placeholder 3">
+            <a:extLst>
+              <a:ext uri="{FF2B5EF4-FFF2-40B4-BE49-F238E27FC236}">
+                <a16:creationId xmlns:a16="http://schemas.microsoft.com/office/drawing/2014/main" id="{DCA3354C-2278-8F51-2DCD-5BE1A3BA6C0D}"/>
+              </a:ext>
+            </a:extLst>
+          </p:cNvPr>
           <p:cNvSpPr>
-            <a:spLocks noGrp="1" noChangeArrowheads="1"/>
+            <a:spLocks noGrp="1"/>
           </p:cNvSpPr>
           <p:nvPr>
             <p:ph type="dt" sz="half" idx="10"/>
           </p:nvPr>
         </p:nvSpPr>
-        <p:spPr>
-          <a:ln/>
-        </p:spPr>
+        <p:spPr/>
         <p:txBody>
           <a:bodyPr/>
-          <a:lstStyle>
-            <a:lvl1pPr>
-              <a:defRPr/>
-            </a:lvl1pPr>
-          </a:lstStyle>
+          <a:lstStyle/>
           <a:p>
             <a:pPr>
               <a:defRPr/>
@@ -4254,24 +4407,24 @@
       </p:sp>
       <p:sp>
         <p:nvSpPr>
-          <p:cNvPr id="5" name="Rectangle 15"/>
+          <p:cNvPr id="5" name="Footer Placeholder 4">
+            <a:extLst>
+              <a:ext uri="{FF2B5EF4-FFF2-40B4-BE49-F238E27FC236}">
+                <a16:creationId xmlns:a16="http://schemas.microsoft.com/office/drawing/2014/main" id="{8EDE09BB-A05E-2A2E-07EC-67B50B78420E}"/>
+              </a:ext>
+            </a:extLst>
+          </p:cNvPr>
           <p:cNvSpPr>
-            <a:spLocks noGrp="1" noChangeArrowheads="1"/>
+            <a:spLocks noGrp="1"/>
           </p:cNvSpPr>
           <p:nvPr>
             <p:ph type="ftr" sz="quarter" idx="11"/>
           </p:nvPr>
         </p:nvSpPr>
-        <p:spPr>
-          <a:ln/>
-        </p:spPr>
+        <p:spPr/>
         <p:txBody>
           <a:bodyPr/>
-          <a:lstStyle>
-            <a:lvl1pPr>
-              <a:defRPr/>
-            </a:lvl1pPr>
-          </a:lstStyle>
+          <a:lstStyle/>
           <a:p>
             <a:pPr>
               <a:defRPr/>
@@ -4282,30 +4435,30 @@
       </p:sp>
       <p:sp>
         <p:nvSpPr>
-          <p:cNvPr id="6" name="Rectangle 16"/>
+          <p:cNvPr id="6" name="Slide Number Placeholder 5">
+            <a:extLst>
+              <a:ext uri="{FF2B5EF4-FFF2-40B4-BE49-F238E27FC236}">
+                <a16:creationId xmlns:a16="http://schemas.microsoft.com/office/drawing/2014/main" id="{92B6523D-7556-1165-1D38-968860361A38}"/>
+              </a:ext>
+            </a:extLst>
+          </p:cNvPr>
           <p:cNvSpPr>
-            <a:spLocks noGrp="1" noChangeArrowheads="1"/>
+            <a:spLocks noGrp="1"/>
           </p:cNvSpPr>
           <p:nvPr>
             <p:ph type="sldNum" sz="quarter" idx="12"/>
           </p:nvPr>
         </p:nvSpPr>
-        <p:spPr>
-          <a:ln/>
-        </p:spPr>
+        <p:spPr/>
         <p:txBody>
           <a:bodyPr/>
-          <a:lstStyle>
-            <a:lvl1pPr>
-              <a:defRPr/>
-            </a:lvl1pPr>
-          </a:lstStyle>
+          <a:lstStyle/>
           <a:p>
             <a:pPr>
               <a:defRPr/>
             </a:pPr>
             <a:fld id="{18470F46-84F3-4841-A00A-8EAA56A98436}" type="slidenum">
-              <a:rPr lang="en-US"/>
+              <a:rPr lang="en-US" smtClean="0"/>
               <a:pPr>
                 <a:defRPr/>
               </a:pPr>
@@ -4316,6 +4469,11 @@
         </p:txBody>
       </p:sp>
     </p:spTree>
+    <p:extLst>
+      <p:ext uri="{BB962C8B-B14F-4D97-AF65-F5344CB8AC3E}">
+        <p14:creationId xmlns:p14="http://schemas.microsoft.com/office/powerpoint/2010/main" val="661403930"/>
+      </p:ext>
+    </p:extLst>
   </p:cSld>
   <p:clrMapOvr>
     <a:masterClrMapping/>
@@ -4342,7 +4500,13 @@
       </p:grpSpPr>
       <p:sp>
         <p:nvSpPr>
-          <p:cNvPr id="2" name="Title 1"/>
+          <p:cNvPr id="2" name="Title 1">
+            <a:extLst>
+              <a:ext uri="{FF2B5EF4-FFF2-40B4-BE49-F238E27FC236}">
+                <a16:creationId xmlns:a16="http://schemas.microsoft.com/office/drawing/2014/main" id="{DBE53739-C77F-F58B-33F2-D3490F109389}"/>
+              </a:ext>
+            </a:extLst>
+          </p:cNvPr>
           <p:cNvSpPr>
             <a:spLocks noGrp="1"/>
           </p:cNvSpPr>
@@ -4352,15 +4516,15 @@
         </p:nvSpPr>
         <p:spPr>
           <a:xfrm>
-            <a:off x="722313" y="4406900"/>
-            <a:ext cx="7772400" cy="1362075"/>
-          </a:xfrm>
-        </p:spPr>
-        <p:txBody>
-          <a:bodyPr anchor="t"/>
+            <a:off x="623887" y="1709738"/>
+            <a:ext cx="7886700" cy="2852737"/>
+          </a:xfrm>
+        </p:spPr>
+        <p:txBody>
+          <a:bodyPr anchor="b"/>
           <a:lstStyle>
-            <a:lvl1pPr algn="l">
-              <a:defRPr sz="4000" b="1" cap="all"/>
+            <a:lvl1pPr>
+              <a:defRPr sz="4500"/>
             </a:lvl1pPr>
           </a:lstStyle>
           <a:p>
@@ -4373,7 +4537,13 @@
       </p:sp>
       <p:sp>
         <p:nvSpPr>
-          <p:cNvPr id="3" name="Text Placeholder 2"/>
+          <p:cNvPr id="3" name="Text Placeholder 2">
+            <a:extLst>
+              <a:ext uri="{FF2B5EF4-FFF2-40B4-BE49-F238E27FC236}">
+                <a16:creationId xmlns:a16="http://schemas.microsoft.com/office/drawing/2014/main" id="{2E8B06FE-4716-0E7C-406A-67BA2549CF98}"/>
+              </a:ext>
+            </a:extLst>
+          </p:cNvPr>
           <p:cNvSpPr>
             <a:spLocks noGrp="1"/>
           </p:cNvSpPr>
@@ -4383,48 +4553,102 @@
         </p:nvSpPr>
         <p:spPr>
           <a:xfrm>
-            <a:off x="722313" y="2906713"/>
-            <a:ext cx="7772400" cy="1500187"/>
-          </a:xfrm>
-        </p:spPr>
-        <p:txBody>
-          <a:bodyPr anchor="b"/>
+            <a:off x="623887" y="4589464"/>
+            <a:ext cx="7886700" cy="1500187"/>
+          </a:xfrm>
+        </p:spPr>
+        <p:txBody>
+          <a:bodyPr/>
           <a:lstStyle>
             <a:lvl1pPr marL="0" indent="0">
               <a:buNone/>
-              <a:defRPr sz="2000"/>
+              <a:defRPr sz="1800">
+                <a:solidFill>
+                  <a:schemeClr val="tx1">
+                    <a:tint val="82000"/>
+                  </a:schemeClr>
+                </a:solidFill>
+              </a:defRPr>
             </a:lvl1pPr>
-            <a:lvl2pPr marL="457200" indent="0">
+            <a:lvl2pPr marL="342900" indent="0">
               <a:buNone/>
-              <a:defRPr sz="1800"/>
+              <a:defRPr sz="1500">
+                <a:solidFill>
+                  <a:schemeClr val="tx1">
+                    <a:tint val="82000"/>
+                  </a:schemeClr>
+                </a:solidFill>
+              </a:defRPr>
             </a:lvl2pPr>
-            <a:lvl3pPr marL="914400" indent="0">
+            <a:lvl3pPr marL="685800" indent="0">
               <a:buNone/>
-              <a:defRPr sz="1600"/>
+              <a:defRPr sz="1350">
+                <a:solidFill>
+                  <a:schemeClr val="tx1">
+                    <a:tint val="82000"/>
+                  </a:schemeClr>
+                </a:solidFill>
+              </a:defRPr>
             </a:lvl3pPr>
-            <a:lvl4pPr marL="1371600" indent="0">
+            <a:lvl4pPr marL="1028700" indent="0">
               <a:buNone/>
-              <a:defRPr sz="1400"/>
+              <a:defRPr sz="1200">
+                <a:solidFill>
+                  <a:schemeClr val="tx1">
+                    <a:tint val="82000"/>
+                  </a:schemeClr>
+                </a:solidFill>
+              </a:defRPr>
             </a:lvl4pPr>
-            <a:lvl5pPr marL="1828800" indent="0">
+            <a:lvl5pPr marL="1371600" indent="0">
               <a:buNone/>
-              <a:defRPr sz="1400"/>
+              <a:defRPr sz="1200">
+                <a:solidFill>
+                  <a:schemeClr val="tx1">
+                    <a:tint val="82000"/>
+                  </a:schemeClr>
+                </a:solidFill>
+              </a:defRPr>
             </a:lvl5pPr>
-            <a:lvl6pPr marL="2286000" indent="0">
+            <a:lvl6pPr marL="1714500" indent="0">
               <a:buNone/>
-              <a:defRPr sz="1400"/>
+              <a:defRPr sz="1200">
+                <a:solidFill>
+                  <a:schemeClr val="tx1">
+                    <a:tint val="82000"/>
+                  </a:schemeClr>
+                </a:solidFill>
+              </a:defRPr>
             </a:lvl6pPr>
-            <a:lvl7pPr marL="2743200" indent="0">
+            <a:lvl7pPr marL="2057400" indent="0">
               <a:buNone/>
-              <a:defRPr sz="1400"/>
+              <a:defRPr sz="1200">
+                <a:solidFill>
+                  <a:schemeClr val="tx1">
+                    <a:tint val="82000"/>
+                  </a:schemeClr>
+                </a:solidFill>
+              </a:defRPr>
             </a:lvl7pPr>
-            <a:lvl8pPr marL="3200400" indent="0">
+            <a:lvl8pPr marL="2400300" indent="0">
               <a:buNone/>
-              <a:defRPr sz="1400"/>
+              <a:defRPr sz="1200">
+                <a:solidFill>
+                  <a:schemeClr val="tx1">
+                    <a:tint val="82000"/>
+                  </a:schemeClr>
+                </a:solidFill>
+              </a:defRPr>
             </a:lvl8pPr>
-            <a:lvl9pPr marL="3657600" indent="0">
+            <a:lvl9pPr marL="2743200" indent="0">
               <a:buNone/>
-              <a:defRPr sz="1400"/>
+              <a:defRPr sz="1200">
+                <a:solidFill>
+                  <a:schemeClr val="tx1">
+                    <a:tint val="82000"/>
+                  </a:schemeClr>
+                </a:solidFill>
+              </a:defRPr>
             </a:lvl9pPr>
           </a:lstStyle>
           <a:p>
@@ -4438,24 +4662,24 @@
       </p:sp>
       <p:sp>
         <p:nvSpPr>
-          <p:cNvPr id="4" name="Rectangle 14"/>
+          <p:cNvPr id="4" name="Date Placeholder 3">
+            <a:extLst>
+              <a:ext uri="{FF2B5EF4-FFF2-40B4-BE49-F238E27FC236}">
+                <a16:creationId xmlns:a16="http://schemas.microsoft.com/office/drawing/2014/main" id="{AA0691F5-22BD-C7E7-4283-6B5579852B03}"/>
+              </a:ext>
+            </a:extLst>
+          </p:cNvPr>
           <p:cNvSpPr>
-            <a:spLocks noGrp="1" noChangeArrowheads="1"/>
+            <a:spLocks noGrp="1"/>
           </p:cNvSpPr>
           <p:nvPr>
             <p:ph type="dt" sz="half" idx="10"/>
           </p:nvPr>
         </p:nvSpPr>
-        <p:spPr>
-          <a:ln/>
-        </p:spPr>
+        <p:spPr/>
         <p:txBody>
           <a:bodyPr/>
-          <a:lstStyle>
-            <a:lvl1pPr>
-              <a:defRPr/>
-            </a:lvl1pPr>
-          </a:lstStyle>
+          <a:lstStyle/>
           <a:p>
             <a:pPr>
               <a:defRPr/>
@@ -4466,24 +4690,24 @@
       </p:sp>
       <p:sp>
         <p:nvSpPr>
-          <p:cNvPr id="5" name="Rectangle 15"/>
+          <p:cNvPr id="5" name="Footer Placeholder 4">
+            <a:extLst>
+              <a:ext uri="{FF2B5EF4-FFF2-40B4-BE49-F238E27FC236}">
+                <a16:creationId xmlns:a16="http://schemas.microsoft.com/office/drawing/2014/main" id="{4900924F-8D62-1DA6-19FC-B58840770009}"/>
+              </a:ext>
+            </a:extLst>
+          </p:cNvPr>
           <p:cNvSpPr>
-            <a:spLocks noGrp="1" noChangeArrowheads="1"/>
+            <a:spLocks noGrp="1"/>
           </p:cNvSpPr>
           <p:nvPr>
             <p:ph type="ftr" sz="quarter" idx="11"/>
           </p:nvPr>
         </p:nvSpPr>
-        <p:spPr>
-          <a:ln/>
-        </p:spPr>
+        <p:spPr/>
         <p:txBody>
           <a:bodyPr/>
-          <a:lstStyle>
-            <a:lvl1pPr>
-              <a:defRPr/>
-            </a:lvl1pPr>
-          </a:lstStyle>
+          <a:lstStyle/>
           <a:p>
             <a:pPr>
               <a:defRPr/>
@@ -4494,30 +4718,30 @@
       </p:sp>
       <p:sp>
         <p:nvSpPr>
-          <p:cNvPr id="6" name="Rectangle 16"/>
+          <p:cNvPr id="6" name="Slide Number Placeholder 5">
+            <a:extLst>
+              <a:ext uri="{FF2B5EF4-FFF2-40B4-BE49-F238E27FC236}">
+                <a16:creationId xmlns:a16="http://schemas.microsoft.com/office/drawing/2014/main" id="{ECDAB91C-2DC0-11E8-88ED-9F0290662D06}"/>
+              </a:ext>
+            </a:extLst>
+          </p:cNvPr>
           <p:cNvSpPr>
-            <a:spLocks noGrp="1" noChangeArrowheads="1"/>
+            <a:spLocks noGrp="1"/>
           </p:cNvSpPr>
           <p:nvPr>
             <p:ph type="sldNum" sz="quarter" idx="12"/>
           </p:nvPr>
         </p:nvSpPr>
-        <p:spPr>
-          <a:ln/>
-        </p:spPr>
+        <p:spPr/>
         <p:txBody>
           <a:bodyPr/>
-          <a:lstStyle>
-            <a:lvl1pPr>
-              <a:defRPr/>
-            </a:lvl1pPr>
-          </a:lstStyle>
+          <a:lstStyle/>
           <a:p>
             <a:pPr>
               <a:defRPr/>
             </a:pPr>
             <a:fld id="{E91B18E3-807F-A74B-B9B0-A9E08F586304}" type="slidenum">
-              <a:rPr lang="en-US"/>
+              <a:rPr lang="en-US" smtClean="0"/>
               <a:pPr>
                 <a:defRPr/>
               </a:pPr>
@@ -4528,6 +4752,11 @@
         </p:txBody>
       </p:sp>
     </p:spTree>
+    <p:extLst>
+      <p:ext uri="{BB962C8B-B14F-4D97-AF65-F5344CB8AC3E}">
+        <p14:creationId xmlns:p14="http://schemas.microsoft.com/office/powerpoint/2010/main" val="683767601"/>
+      </p:ext>
+    </p:extLst>
   </p:cSld>
   <p:clrMapOvr>
     <a:masterClrMapping/>
@@ -4554,7 +4783,13 @@
       </p:grpSpPr>
       <p:sp>
         <p:nvSpPr>
-          <p:cNvPr id="2" name="Title 1"/>
+          <p:cNvPr id="2" name="Title 1">
+            <a:extLst>
+              <a:ext uri="{FF2B5EF4-FFF2-40B4-BE49-F238E27FC236}">
+                <a16:creationId xmlns:a16="http://schemas.microsoft.com/office/drawing/2014/main" id="{A46B9154-66C6-5314-011E-B9360E7C7DB8}"/>
+              </a:ext>
+            </a:extLst>
+          </p:cNvPr>
           <p:cNvSpPr>
             <a:spLocks noGrp="1"/>
           </p:cNvSpPr>
@@ -4576,7 +4811,13 @@
       </p:sp>
       <p:sp>
         <p:nvSpPr>
-          <p:cNvPr id="3" name="Content Placeholder 2"/>
+          <p:cNvPr id="3" name="Content Placeholder 2">
+            <a:extLst>
+              <a:ext uri="{FF2B5EF4-FFF2-40B4-BE49-F238E27FC236}">
+                <a16:creationId xmlns:a16="http://schemas.microsoft.com/office/drawing/2014/main" id="{9FE7FD26-94B5-F24D-4FA9-07FB9F24D288}"/>
+              </a:ext>
+            </a:extLst>
+          </p:cNvPr>
           <p:cNvSpPr>
             <a:spLocks noGrp="1"/>
           </p:cNvSpPr>
@@ -4586,41 +4827,13 @@
         </p:nvSpPr>
         <p:spPr>
           <a:xfrm>
-            <a:off x="685800" y="1981200"/>
-            <a:ext cx="3810000" cy="4114800"/>
+            <a:off x="628650" y="1825625"/>
+            <a:ext cx="3886200" cy="4351338"/>
           </a:xfrm>
         </p:spPr>
         <p:txBody>
           <a:bodyPr/>
-          <a:lstStyle>
-            <a:lvl1pPr>
-              <a:defRPr sz="2800"/>
-            </a:lvl1pPr>
-            <a:lvl2pPr>
-              <a:defRPr sz="2400"/>
-            </a:lvl2pPr>
-            <a:lvl3pPr>
-              <a:defRPr sz="2000"/>
-            </a:lvl3pPr>
-            <a:lvl4pPr>
-              <a:defRPr sz="1800"/>
-            </a:lvl4pPr>
-            <a:lvl5pPr>
-              <a:defRPr sz="1800"/>
-            </a:lvl5pPr>
-            <a:lvl6pPr>
-              <a:defRPr sz="1800"/>
-            </a:lvl6pPr>
-            <a:lvl7pPr>
-              <a:defRPr sz="1800"/>
-            </a:lvl7pPr>
-            <a:lvl8pPr>
-              <a:defRPr sz="1800"/>
-            </a:lvl8pPr>
-            <a:lvl9pPr>
-              <a:defRPr sz="1800"/>
-            </a:lvl9pPr>
-          </a:lstStyle>
+          <a:lstStyle/>
           <a:p>
             <a:pPr lvl="0"/>
             <a:r>
@@ -4660,7 +4873,13 @@
       </p:sp>
       <p:sp>
         <p:nvSpPr>
-          <p:cNvPr id="4" name="Content Placeholder 3"/>
+          <p:cNvPr id="4" name="Content Placeholder 3">
+            <a:extLst>
+              <a:ext uri="{FF2B5EF4-FFF2-40B4-BE49-F238E27FC236}">
+                <a16:creationId xmlns:a16="http://schemas.microsoft.com/office/drawing/2014/main" id="{C243AF02-1D00-8A4A-FFBE-AE2E958D95B9}"/>
+              </a:ext>
+            </a:extLst>
+          </p:cNvPr>
           <p:cNvSpPr>
             <a:spLocks noGrp="1"/>
           </p:cNvSpPr>
@@ -4670,41 +4889,13 @@
         </p:nvSpPr>
         <p:spPr>
           <a:xfrm>
-            <a:off x="4648200" y="1981200"/>
-            <a:ext cx="3810000" cy="4114800"/>
+            <a:off x="4629150" y="1825625"/>
+            <a:ext cx="3886200" cy="4351338"/>
           </a:xfrm>
         </p:spPr>
         <p:txBody>
           <a:bodyPr/>
-          <a:lstStyle>
-            <a:lvl1pPr>
-              <a:defRPr sz="2800"/>
-            </a:lvl1pPr>
-            <a:lvl2pPr>
-              <a:defRPr sz="2400"/>
-            </a:lvl2pPr>
-            <a:lvl3pPr>
-              <a:defRPr sz="2000"/>
-            </a:lvl3pPr>
-            <a:lvl4pPr>
-              <a:defRPr sz="1800"/>
-            </a:lvl4pPr>
-            <a:lvl5pPr>
-              <a:defRPr sz="1800"/>
-            </a:lvl5pPr>
-            <a:lvl6pPr>
-              <a:defRPr sz="1800"/>
-            </a:lvl6pPr>
-            <a:lvl7pPr>
-              <a:defRPr sz="1800"/>
-            </a:lvl7pPr>
-            <a:lvl8pPr>
-              <a:defRPr sz="1800"/>
-            </a:lvl8pPr>
-            <a:lvl9pPr>
-              <a:defRPr sz="1800"/>
-            </a:lvl9pPr>
-          </a:lstStyle>
+          <a:lstStyle/>
           <a:p>
             <a:pPr lvl="0"/>
             <a:r>
@@ -4744,24 +4935,24 @@
       </p:sp>
       <p:sp>
         <p:nvSpPr>
-          <p:cNvPr id="5" name="Rectangle 14"/>
+          <p:cNvPr id="5" name="Date Placeholder 4">
+            <a:extLst>
+              <a:ext uri="{FF2B5EF4-FFF2-40B4-BE49-F238E27FC236}">
+                <a16:creationId xmlns:a16="http://schemas.microsoft.com/office/drawing/2014/main" id="{1335908E-6057-634C-3557-241889350C97}"/>
+              </a:ext>
+            </a:extLst>
+          </p:cNvPr>
           <p:cNvSpPr>
-            <a:spLocks noGrp="1" noChangeArrowheads="1"/>
+            <a:spLocks noGrp="1"/>
           </p:cNvSpPr>
           <p:nvPr>
             <p:ph type="dt" sz="half" idx="10"/>
           </p:nvPr>
         </p:nvSpPr>
-        <p:spPr>
-          <a:ln/>
-        </p:spPr>
+        <p:spPr/>
         <p:txBody>
           <a:bodyPr/>
-          <a:lstStyle>
-            <a:lvl1pPr>
-              <a:defRPr/>
-            </a:lvl1pPr>
-          </a:lstStyle>
+          <a:lstStyle/>
           <a:p>
             <a:pPr>
               <a:defRPr/>
@@ -4772,24 +4963,24 @@
       </p:sp>
       <p:sp>
         <p:nvSpPr>
-          <p:cNvPr id="6" name="Rectangle 15"/>
+          <p:cNvPr id="6" name="Footer Placeholder 5">
+            <a:extLst>
+              <a:ext uri="{FF2B5EF4-FFF2-40B4-BE49-F238E27FC236}">
+                <a16:creationId xmlns:a16="http://schemas.microsoft.com/office/drawing/2014/main" id="{95AFAC26-F685-A63C-8B67-1AEAC2CBAC38}"/>
+              </a:ext>
+            </a:extLst>
+          </p:cNvPr>
           <p:cNvSpPr>
-            <a:spLocks noGrp="1" noChangeArrowheads="1"/>
+            <a:spLocks noGrp="1"/>
           </p:cNvSpPr>
           <p:nvPr>
             <p:ph type="ftr" sz="quarter" idx="11"/>
           </p:nvPr>
         </p:nvSpPr>
-        <p:spPr>
-          <a:ln/>
-        </p:spPr>
+        <p:spPr/>
         <p:txBody>
           <a:bodyPr/>
-          <a:lstStyle>
-            <a:lvl1pPr>
-              <a:defRPr/>
-            </a:lvl1pPr>
-          </a:lstStyle>
+          <a:lstStyle/>
           <a:p>
             <a:pPr>
               <a:defRPr/>
@@ -4800,30 +4991,30 @@
       </p:sp>
       <p:sp>
         <p:nvSpPr>
-          <p:cNvPr id="7" name="Rectangle 16"/>
+          <p:cNvPr id="7" name="Slide Number Placeholder 6">
+            <a:extLst>
+              <a:ext uri="{FF2B5EF4-FFF2-40B4-BE49-F238E27FC236}">
+                <a16:creationId xmlns:a16="http://schemas.microsoft.com/office/drawing/2014/main" id="{96724CA9-5599-2A9A-718C-D95CD2A552DF}"/>
+              </a:ext>
+            </a:extLst>
+          </p:cNvPr>
           <p:cNvSpPr>
-            <a:spLocks noGrp="1" noChangeArrowheads="1"/>
+            <a:spLocks noGrp="1"/>
           </p:cNvSpPr>
           <p:nvPr>
             <p:ph type="sldNum" sz="quarter" idx="12"/>
           </p:nvPr>
         </p:nvSpPr>
-        <p:spPr>
-          <a:ln/>
-        </p:spPr>
+        <p:spPr/>
         <p:txBody>
           <a:bodyPr/>
-          <a:lstStyle>
-            <a:lvl1pPr>
-              <a:defRPr/>
-            </a:lvl1pPr>
-          </a:lstStyle>
+          <a:lstStyle/>
           <a:p>
             <a:pPr>
               <a:defRPr/>
             </a:pPr>
             <a:fld id="{5B2A4FA1-8607-774C-AA86-B85150486884}" type="slidenum">
-              <a:rPr lang="en-US"/>
+              <a:rPr lang="en-US" smtClean="0"/>
               <a:pPr>
                 <a:defRPr/>
               </a:pPr>
@@ -4834,6 +5025,11 @@
         </p:txBody>
       </p:sp>
     </p:spTree>
+    <p:extLst>
+      <p:ext uri="{BB962C8B-B14F-4D97-AF65-F5344CB8AC3E}">
+        <p14:creationId xmlns:p14="http://schemas.microsoft.com/office/powerpoint/2010/main" val="2276915320"/>
+      </p:ext>
+    </p:extLst>
   </p:cSld>
   <p:clrMapOvr>
     <a:masterClrMapping/>
@@ -4860,7 +5056,13 @@
       </p:grpSpPr>
       <p:sp>
         <p:nvSpPr>
-          <p:cNvPr id="2" name="Title 1"/>
+          <p:cNvPr id="2" name="Title 1">
+            <a:extLst>
+              <a:ext uri="{FF2B5EF4-FFF2-40B4-BE49-F238E27FC236}">
+                <a16:creationId xmlns:a16="http://schemas.microsoft.com/office/drawing/2014/main" id="{005554EE-9271-0A55-1B82-6020359D6E9E}"/>
+              </a:ext>
+            </a:extLst>
+          </p:cNvPr>
           <p:cNvSpPr>
             <a:spLocks noGrp="1"/>
           </p:cNvSpPr>
@@ -4870,17 +5072,13 @@
         </p:nvSpPr>
         <p:spPr>
           <a:xfrm>
-            <a:off x="457200" y="274638"/>
-            <a:ext cx="8229600" cy="1143000"/>
+            <a:off x="629841" y="365126"/>
+            <a:ext cx="7886700" cy="1325563"/>
           </a:xfrm>
         </p:spPr>
         <p:txBody>
           <a:bodyPr/>
-          <a:lstStyle>
-            <a:lvl1pPr>
-              <a:defRPr/>
-            </a:lvl1pPr>
-          </a:lstStyle>
+          <a:lstStyle/>
           <a:p>
             <a:r>
               <a:rPr lang="en-US"/>
@@ -4891,7 +5089,13 @@
       </p:sp>
       <p:sp>
         <p:nvSpPr>
-          <p:cNvPr id="3" name="Text Placeholder 2"/>
+          <p:cNvPr id="3" name="Text Placeholder 2">
+            <a:extLst>
+              <a:ext uri="{FF2B5EF4-FFF2-40B4-BE49-F238E27FC236}">
+                <a16:creationId xmlns:a16="http://schemas.microsoft.com/office/drawing/2014/main" id="{22D706EE-CBDB-DAAD-45C7-6051E8036EF4}"/>
+              </a:ext>
+            </a:extLst>
+          </p:cNvPr>
           <p:cNvSpPr>
             <a:spLocks noGrp="1"/>
           </p:cNvSpPr>
@@ -4901,8 +5105,8 @@
         </p:nvSpPr>
         <p:spPr>
           <a:xfrm>
-            <a:off x="457200" y="1535113"/>
-            <a:ext cx="4040188" cy="639762"/>
+            <a:off x="629842" y="1681163"/>
+            <a:ext cx="3868340" cy="823912"/>
           </a:xfrm>
         </p:spPr>
         <p:txBody>
@@ -4910,39 +5114,39 @@
           <a:lstStyle>
             <a:lvl1pPr marL="0" indent="0">
               <a:buNone/>
-              <a:defRPr sz="2400" b="1"/>
+              <a:defRPr sz="1800" b="1"/>
             </a:lvl1pPr>
-            <a:lvl2pPr marL="457200" indent="0">
+            <a:lvl2pPr marL="342900" indent="0">
               <a:buNone/>
-              <a:defRPr sz="2000" b="1"/>
+              <a:defRPr sz="1500" b="1"/>
             </a:lvl2pPr>
-            <a:lvl3pPr marL="914400" indent="0">
+            <a:lvl3pPr marL="685800" indent="0">
               <a:buNone/>
-              <a:defRPr sz="1800" b="1"/>
+              <a:defRPr sz="1350" b="1"/>
             </a:lvl3pPr>
-            <a:lvl4pPr marL="1371600" indent="0">
+            <a:lvl4pPr marL="1028700" indent="0">
               <a:buNone/>
-              <a:defRPr sz="1600" b="1"/>
+              <a:defRPr sz="1200" b="1"/>
             </a:lvl4pPr>
-            <a:lvl5pPr marL="1828800" indent="0">
+            <a:lvl5pPr marL="1371600" indent="0">
               <a:buNone/>
-              <a:defRPr sz="1600" b="1"/>
+              <a:defRPr sz="1200" b="1"/>
             </a:lvl5pPr>
-            <a:lvl6pPr marL="2286000" indent="0">
+            <a:lvl6pPr marL="1714500" indent="0">
               <a:buNone/>
-              <a:defRPr sz="1600" b="1"/>
+              <a:defRPr sz="1200" b="1"/>
             </a:lvl6pPr>
-            <a:lvl7pPr marL="2743200" indent="0">
+            <a:lvl7pPr marL="2057400" indent="0">
               <a:buNone/>
-              <a:defRPr sz="1600" b="1"/>
+              <a:defRPr sz="1200" b="1"/>
             </a:lvl7pPr>
-            <a:lvl8pPr marL="3200400" indent="0">
+            <a:lvl8pPr marL="2400300" indent="0">
               <a:buNone/>
-              <a:defRPr sz="1600" b="1"/>
+              <a:defRPr sz="1200" b="1"/>
             </a:lvl8pPr>
-            <a:lvl9pPr marL="3657600" indent="0">
+            <a:lvl9pPr marL="2743200" indent="0">
               <a:buNone/>
-              <a:defRPr sz="1600" b="1"/>
+              <a:defRPr sz="1200" b="1"/>
             </a:lvl9pPr>
           </a:lstStyle>
           <a:p>
@@ -4956,7 +5160,13 @@
       </p:sp>
       <p:sp>
         <p:nvSpPr>
-          <p:cNvPr id="4" name="Content Placeholder 3"/>
+          <p:cNvPr id="4" name="Content Placeholder 3">
+            <a:extLst>
+              <a:ext uri="{FF2B5EF4-FFF2-40B4-BE49-F238E27FC236}">
+                <a16:creationId xmlns:a16="http://schemas.microsoft.com/office/drawing/2014/main" id="{64AB5CAA-01F1-B258-0CB6-03BBFA142B69}"/>
+              </a:ext>
+            </a:extLst>
+          </p:cNvPr>
           <p:cNvSpPr>
             <a:spLocks noGrp="1"/>
           </p:cNvSpPr>
@@ -4966,41 +5176,13 @@
         </p:nvSpPr>
         <p:spPr>
           <a:xfrm>
-            <a:off x="457200" y="2174875"/>
-            <a:ext cx="4040188" cy="3951288"/>
+            <a:off x="629842" y="2505075"/>
+            <a:ext cx="3868340" cy="3684588"/>
           </a:xfrm>
         </p:spPr>
         <p:txBody>
           <a:bodyPr/>
-          <a:lstStyle>
-            <a:lvl1pPr>
-              <a:defRPr sz="2400"/>
-            </a:lvl1pPr>
-            <a:lvl2pPr>
-              <a:defRPr sz="2000"/>
-            </a:lvl2pPr>
-            <a:lvl3pPr>
-              <a:defRPr sz="1800"/>
-            </a:lvl3pPr>
-            <a:lvl4pPr>
-              <a:defRPr sz="1600"/>
-            </a:lvl4pPr>
-            <a:lvl5pPr>
-              <a:defRPr sz="1600"/>
-            </a:lvl5pPr>
-            <a:lvl6pPr>
-              <a:defRPr sz="1600"/>
-            </a:lvl6pPr>
-            <a:lvl7pPr>
-              <a:defRPr sz="1600"/>
-            </a:lvl7pPr>
-            <a:lvl8pPr>
-              <a:defRPr sz="1600"/>
-            </a:lvl8pPr>
-            <a:lvl9pPr>
-              <a:defRPr sz="1600"/>
-            </a:lvl9pPr>
-          </a:lstStyle>
+          <a:lstStyle/>
           <a:p>
             <a:pPr lvl="0"/>
             <a:r>
@@ -5040,7 +5222,13 @@
       </p:sp>
       <p:sp>
         <p:nvSpPr>
-          <p:cNvPr id="5" name="Text Placeholder 4"/>
+          <p:cNvPr id="5" name="Text Placeholder 4">
+            <a:extLst>
+              <a:ext uri="{FF2B5EF4-FFF2-40B4-BE49-F238E27FC236}">
+                <a16:creationId xmlns:a16="http://schemas.microsoft.com/office/drawing/2014/main" id="{3314569F-B07D-A964-6251-234C53CA2E5C}"/>
+              </a:ext>
+            </a:extLst>
+          </p:cNvPr>
           <p:cNvSpPr>
             <a:spLocks noGrp="1"/>
           </p:cNvSpPr>
@@ -5050,8 +5238,8 @@
         </p:nvSpPr>
         <p:spPr>
           <a:xfrm>
-            <a:off x="4645025" y="1535113"/>
-            <a:ext cx="4041775" cy="639762"/>
+            <a:off x="4629150" y="1681163"/>
+            <a:ext cx="3887391" cy="823912"/>
           </a:xfrm>
         </p:spPr>
         <p:txBody>
@@ -5059,39 +5247,39 @@
           <a:lstStyle>
             <a:lvl1pPr marL="0" indent="0">
               <a:buNone/>
-              <a:defRPr sz="2400" b="1"/>
+              <a:defRPr sz="1800" b="1"/>
             </a:lvl1pPr>
-            <a:lvl2pPr marL="457200" indent="0">
+            <a:lvl2pPr marL="342900" indent="0">
               <a:buNone/>
-              <a:defRPr sz="2000" b="1"/>
+              <a:defRPr sz="1500" b="1"/>
             </a:lvl2pPr>
-            <a:lvl3pPr marL="914400" indent="0">
+            <a:lvl3pPr marL="685800" indent="0">
               <a:buNone/>
-              <a:defRPr sz="1800" b="1"/>
+              <a:defRPr sz="1350" b="1"/>
             </a:lvl3pPr>
-            <a:lvl4pPr marL="1371600" indent="0">
+            <a:lvl4pPr marL="1028700" indent="0">
               <a:buNone/>
-              <a:defRPr sz="1600" b="1"/>
+              <a:defRPr sz="1200" b="1"/>
             </a:lvl4pPr>
-            <a:lvl5pPr marL="1828800" indent="0">
+            <a:lvl5pPr marL="1371600" indent="0">
               <a:buNone/>
-              <a:defRPr sz="1600" b="1"/>
+              <a:defRPr sz="1200" b="1"/>
             </a:lvl5pPr>
-            <a:lvl6pPr marL="2286000" indent="0">
+            <a:lvl6pPr marL="1714500" indent="0">
               <a:buNone/>
-              <a:defRPr sz="1600" b="1"/>
+              <a:defRPr sz="1200" b="1"/>
             </a:lvl6pPr>
-            <a:lvl7pPr marL="2743200" indent="0">
+            <a:lvl7pPr marL="2057400" indent="0">
               <a:buNone/>
-              <a:defRPr sz="1600" b="1"/>
+              <a:defRPr sz="1200" b="1"/>
             </a:lvl7pPr>
-            <a:lvl8pPr marL="3200400" indent="0">
+            <a:lvl8pPr marL="2400300" indent="0">
               <a:buNone/>
-              <a:defRPr sz="1600" b="1"/>
+              <a:defRPr sz="1200" b="1"/>
             </a:lvl8pPr>
-            <a:lvl9pPr marL="3657600" indent="0">
+            <a:lvl9pPr marL="2743200" indent="0">
               <a:buNone/>
-              <a:defRPr sz="1600" b="1"/>
+              <a:defRPr sz="1200" b="1"/>
             </a:lvl9pPr>
           </a:lstStyle>
           <a:p>
@@ -5105,7 +5293,13 @@
       </p:sp>
       <p:sp>
         <p:nvSpPr>
-          <p:cNvPr id="6" name="Content Placeholder 5"/>
+          <p:cNvPr id="6" name="Content Placeholder 5">
+            <a:extLst>
+              <a:ext uri="{FF2B5EF4-FFF2-40B4-BE49-F238E27FC236}">
+                <a16:creationId xmlns:a16="http://schemas.microsoft.com/office/drawing/2014/main" id="{796DFC9D-170A-5680-69A6-892BD3B33EE8}"/>
+              </a:ext>
+            </a:extLst>
+          </p:cNvPr>
           <p:cNvSpPr>
             <a:spLocks noGrp="1"/>
           </p:cNvSpPr>
@@ -5115,41 +5309,13 @@
         </p:nvSpPr>
         <p:spPr>
           <a:xfrm>
-            <a:off x="4645025" y="2174875"/>
-            <a:ext cx="4041775" cy="3951288"/>
+            <a:off x="4629150" y="2505075"/>
+            <a:ext cx="3887391" cy="3684588"/>
           </a:xfrm>
         </p:spPr>
         <p:txBody>
           <a:bodyPr/>
-          <a:lstStyle>
-            <a:lvl1pPr>
-              <a:defRPr sz="2400"/>
-            </a:lvl1pPr>
-            <a:lvl2pPr>
-              <a:defRPr sz="2000"/>
-            </a:lvl2pPr>
-            <a:lvl3pPr>
-              <a:defRPr sz="1800"/>
-            </a:lvl3pPr>
-            <a:lvl4pPr>
-              <a:defRPr sz="1600"/>
-            </a:lvl4pPr>
-            <a:lvl5pPr>
-              <a:defRPr sz="1600"/>
-            </a:lvl5pPr>
-            <a:lvl6pPr>
-              <a:defRPr sz="1600"/>
-            </a:lvl6pPr>
-            <a:lvl7pPr>
-              <a:defRPr sz="1600"/>
-            </a:lvl7pPr>
-            <a:lvl8pPr>
-              <a:defRPr sz="1600"/>
-            </a:lvl8pPr>
-            <a:lvl9pPr>
-              <a:defRPr sz="1600"/>
-            </a:lvl9pPr>
-          </a:lstStyle>
+          <a:lstStyle/>
           <a:p>
             <a:pPr lvl="0"/>
             <a:r>
@@ -5189,24 +5355,24 @@
       </p:sp>
       <p:sp>
         <p:nvSpPr>
-          <p:cNvPr id="7" name="Rectangle 14"/>
+          <p:cNvPr id="7" name="Date Placeholder 6">
+            <a:extLst>
+              <a:ext uri="{FF2B5EF4-FFF2-40B4-BE49-F238E27FC236}">
+                <a16:creationId xmlns:a16="http://schemas.microsoft.com/office/drawing/2014/main" id="{E347B95A-D376-DEF1-4C46-D5B3F0FE6FC9}"/>
+              </a:ext>
+            </a:extLst>
+          </p:cNvPr>
           <p:cNvSpPr>
-            <a:spLocks noGrp="1" noChangeArrowheads="1"/>
+            <a:spLocks noGrp="1"/>
           </p:cNvSpPr>
           <p:nvPr>
             <p:ph type="dt" sz="half" idx="10"/>
           </p:nvPr>
         </p:nvSpPr>
-        <p:spPr>
-          <a:ln/>
-        </p:spPr>
+        <p:spPr/>
         <p:txBody>
           <a:bodyPr/>
-          <a:lstStyle>
-            <a:lvl1pPr>
-              <a:defRPr/>
-            </a:lvl1pPr>
-          </a:lstStyle>
+          <a:lstStyle/>
           <a:p>
             <a:pPr>
               <a:defRPr/>
@@ -5217,24 +5383,24 @@
       </p:sp>
       <p:sp>
         <p:nvSpPr>
-          <p:cNvPr id="8" name="Rectangle 15"/>
+          <p:cNvPr id="8" name="Footer Placeholder 7">
+            <a:extLst>
+              <a:ext uri="{FF2B5EF4-FFF2-40B4-BE49-F238E27FC236}">
+                <a16:creationId xmlns:a16="http://schemas.microsoft.com/office/drawing/2014/main" id="{35CF5FA2-C6FC-D5F5-4EBA-B48F2E70BB2A}"/>
+              </a:ext>
+            </a:extLst>
+          </p:cNvPr>
           <p:cNvSpPr>
-            <a:spLocks noGrp="1" noChangeArrowheads="1"/>
+            <a:spLocks noGrp="1"/>
           </p:cNvSpPr>
           <p:nvPr>
             <p:ph type="ftr" sz="quarter" idx="11"/>
           </p:nvPr>
         </p:nvSpPr>
-        <p:spPr>
-          <a:ln/>
-        </p:spPr>
+        <p:spPr/>
         <p:txBody>
           <a:bodyPr/>
-          <a:lstStyle>
-            <a:lvl1pPr>
-              <a:defRPr/>
-            </a:lvl1pPr>
-          </a:lstStyle>
+          <a:lstStyle/>
           <a:p>
             <a:pPr>
               <a:defRPr/>
@@ -5245,30 +5411,30 @@
       </p:sp>
       <p:sp>
         <p:nvSpPr>
-          <p:cNvPr id="9" name="Rectangle 16"/>
+          <p:cNvPr id="9" name="Slide Number Placeholder 8">
+            <a:extLst>
+              <a:ext uri="{FF2B5EF4-FFF2-40B4-BE49-F238E27FC236}">
+                <a16:creationId xmlns:a16="http://schemas.microsoft.com/office/drawing/2014/main" id="{F0299F88-619B-C998-6748-B92C2A7F5C97}"/>
+              </a:ext>
+            </a:extLst>
+          </p:cNvPr>
           <p:cNvSpPr>
-            <a:spLocks noGrp="1" noChangeArrowheads="1"/>
+            <a:spLocks noGrp="1"/>
           </p:cNvSpPr>
           <p:nvPr>
             <p:ph type="sldNum" sz="quarter" idx="12"/>
           </p:nvPr>
         </p:nvSpPr>
-        <p:spPr>
-          <a:ln/>
-        </p:spPr>
+        <p:spPr/>
         <p:txBody>
           <a:bodyPr/>
-          <a:lstStyle>
-            <a:lvl1pPr>
-              <a:defRPr/>
-            </a:lvl1pPr>
-          </a:lstStyle>
+          <a:lstStyle/>
           <a:p>
             <a:pPr>
               <a:defRPr/>
             </a:pPr>
             <a:fld id="{E8DEFB5A-64A6-F140-A391-B0801BFA2F38}" type="slidenum">
-              <a:rPr lang="en-US"/>
+              <a:rPr lang="en-US" smtClean="0"/>
               <a:pPr>
                 <a:defRPr/>
               </a:pPr>
@@ -5279,6 +5445,11 @@
         </p:txBody>
       </p:sp>
     </p:spTree>
+    <p:extLst>
+      <p:ext uri="{BB962C8B-B14F-4D97-AF65-F5344CB8AC3E}">
+        <p14:creationId xmlns:p14="http://schemas.microsoft.com/office/powerpoint/2010/main" val="1352305819"/>
+      </p:ext>
+    </p:extLst>
   </p:cSld>
   <p:clrMapOvr>
     <a:masterClrMapping/>
@@ -5305,7 +5476,13 @@
       </p:grpSpPr>
       <p:sp>
         <p:nvSpPr>
-          <p:cNvPr id="2" name="Title 1"/>
+          <p:cNvPr id="2" name="Title 1">
+            <a:extLst>
+              <a:ext uri="{FF2B5EF4-FFF2-40B4-BE49-F238E27FC236}">
+                <a16:creationId xmlns:a16="http://schemas.microsoft.com/office/drawing/2014/main" id="{EEBA8B46-FDF8-83E9-B3C6-89F99796E811}"/>
+              </a:ext>
+            </a:extLst>
+          </p:cNvPr>
           <p:cNvSpPr>
             <a:spLocks noGrp="1"/>
           </p:cNvSpPr>
@@ -5327,24 +5504,24 @@
       </p:sp>
       <p:sp>
         <p:nvSpPr>
-          <p:cNvPr id="3" name="Rectangle 14"/>
+          <p:cNvPr id="3" name="Date Placeholder 2">
+            <a:extLst>
+              <a:ext uri="{FF2B5EF4-FFF2-40B4-BE49-F238E27FC236}">
+                <a16:creationId xmlns:a16="http://schemas.microsoft.com/office/drawing/2014/main" id="{9B210B04-2BD1-B279-46C5-7318D4D971A4}"/>
+              </a:ext>
+            </a:extLst>
+          </p:cNvPr>
           <p:cNvSpPr>
-            <a:spLocks noGrp="1" noChangeArrowheads="1"/>
+            <a:spLocks noGrp="1"/>
           </p:cNvSpPr>
           <p:nvPr>
             <p:ph type="dt" sz="half" idx="10"/>
           </p:nvPr>
         </p:nvSpPr>
-        <p:spPr>
-          <a:ln/>
-        </p:spPr>
+        <p:spPr/>
         <p:txBody>
           <a:bodyPr/>
-          <a:lstStyle>
-            <a:lvl1pPr>
-              <a:defRPr/>
-            </a:lvl1pPr>
-          </a:lstStyle>
+          <a:lstStyle/>
           <a:p>
             <a:pPr>
               <a:defRPr/>
@@ -5355,24 +5532,24 @@
       </p:sp>
       <p:sp>
         <p:nvSpPr>
-          <p:cNvPr id="4" name="Rectangle 15"/>
+          <p:cNvPr id="4" name="Footer Placeholder 3">
+            <a:extLst>
+              <a:ext uri="{FF2B5EF4-FFF2-40B4-BE49-F238E27FC236}">
+                <a16:creationId xmlns:a16="http://schemas.microsoft.com/office/drawing/2014/main" id="{8238E33E-3121-3070-6711-D3706D704F6B}"/>
+              </a:ext>
+            </a:extLst>
+          </p:cNvPr>
           <p:cNvSpPr>
-            <a:spLocks noGrp="1" noChangeArrowheads="1"/>
+            <a:spLocks noGrp="1"/>
           </p:cNvSpPr>
           <p:nvPr>
             <p:ph type="ftr" sz="quarter" idx="11"/>
           </p:nvPr>
         </p:nvSpPr>
-        <p:spPr>
-          <a:ln/>
-        </p:spPr>
+        <p:spPr/>
         <p:txBody>
           <a:bodyPr/>
-          <a:lstStyle>
-            <a:lvl1pPr>
-              <a:defRPr/>
-            </a:lvl1pPr>
-          </a:lstStyle>
+          <a:lstStyle/>
           <a:p>
             <a:pPr>
               <a:defRPr/>
@@ -5383,30 +5560,30 @@
       </p:sp>
       <p:sp>
         <p:nvSpPr>
-          <p:cNvPr id="5" name="Rectangle 16"/>
+          <p:cNvPr id="5" name="Slide Number Placeholder 4">
+            <a:extLst>
+              <a:ext uri="{FF2B5EF4-FFF2-40B4-BE49-F238E27FC236}">
+                <a16:creationId xmlns:a16="http://schemas.microsoft.com/office/drawing/2014/main" id="{B8E49259-9958-22D3-BDF0-1925B02BC9C9}"/>
+              </a:ext>
+            </a:extLst>
+          </p:cNvPr>
           <p:cNvSpPr>
-            <a:spLocks noGrp="1" noChangeArrowheads="1"/>
+            <a:spLocks noGrp="1"/>
           </p:cNvSpPr>
           <p:nvPr>
             <p:ph type="sldNum" sz="quarter" idx="12"/>
           </p:nvPr>
         </p:nvSpPr>
-        <p:spPr>
-          <a:ln/>
-        </p:spPr>
+        <p:spPr/>
         <p:txBody>
           <a:bodyPr/>
-          <a:lstStyle>
-            <a:lvl1pPr>
-              <a:defRPr/>
-            </a:lvl1pPr>
-          </a:lstStyle>
+          <a:lstStyle/>
           <a:p>
             <a:pPr>
               <a:defRPr/>
             </a:pPr>
             <a:fld id="{4EC0F981-277B-684F-AAEB-A34E77847A0A}" type="slidenum">
-              <a:rPr lang="en-US"/>
+              <a:rPr lang="en-US" smtClean="0"/>
               <a:pPr>
                 <a:defRPr/>
               </a:pPr>
@@ -5417,6 +5594,11 @@
         </p:txBody>
       </p:sp>
     </p:spTree>
+    <p:extLst>
+      <p:ext uri="{BB962C8B-B14F-4D97-AF65-F5344CB8AC3E}">
+        <p14:creationId xmlns:p14="http://schemas.microsoft.com/office/powerpoint/2010/main" val="2333084760"/>
+      </p:ext>
+    </p:extLst>
   </p:cSld>
   <p:clrMapOvr>
     <a:masterClrMapping/>
@@ -5443,24 +5625,24 @@
       </p:grpSpPr>
       <p:sp>
         <p:nvSpPr>
-          <p:cNvPr id="2" name="Rectangle 14"/>
+          <p:cNvPr id="2" name="Date Placeholder 1">
+            <a:extLst>
+              <a:ext uri="{FF2B5EF4-FFF2-40B4-BE49-F238E27FC236}">
+                <a16:creationId xmlns:a16="http://schemas.microsoft.com/office/drawing/2014/main" id="{D4289E4C-8562-029A-4056-7932AA9F1EAC}"/>
+              </a:ext>
+            </a:extLst>
+          </p:cNvPr>
           <p:cNvSpPr>
-            <a:spLocks noGrp="1" noChangeArrowheads="1"/>
+            <a:spLocks noGrp="1"/>
           </p:cNvSpPr>
           <p:nvPr>
             <p:ph type="dt" sz="half" idx="10"/>
           </p:nvPr>
         </p:nvSpPr>
-        <p:spPr>
-          <a:ln/>
-        </p:spPr>
+        <p:spPr/>
         <p:txBody>
           <a:bodyPr/>
-          <a:lstStyle>
-            <a:lvl1pPr>
-              <a:defRPr/>
-            </a:lvl1pPr>
-          </a:lstStyle>
+          <a:lstStyle/>
           <a:p>
             <a:pPr>
               <a:defRPr/>
@@ -5471,24 +5653,24 @@
       </p:sp>
       <p:sp>
         <p:nvSpPr>
-          <p:cNvPr id="3" name="Rectangle 15"/>
+          <p:cNvPr id="3" name="Footer Placeholder 2">
+            <a:extLst>
+              <a:ext uri="{FF2B5EF4-FFF2-40B4-BE49-F238E27FC236}">
+                <a16:creationId xmlns:a16="http://schemas.microsoft.com/office/drawing/2014/main" id="{80E030EB-F336-7E82-000A-B9707647FA2A}"/>
+              </a:ext>
+            </a:extLst>
+          </p:cNvPr>
           <p:cNvSpPr>
-            <a:spLocks noGrp="1" noChangeArrowheads="1"/>
+            <a:spLocks noGrp="1"/>
           </p:cNvSpPr>
           <p:nvPr>
             <p:ph type="ftr" sz="quarter" idx="11"/>
           </p:nvPr>
         </p:nvSpPr>
-        <p:spPr>
-          <a:ln/>
-        </p:spPr>
+        <p:spPr/>
         <p:txBody>
           <a:bodyPr/>
-          <a:lstStyle>
-            <a:lvl1pPr>
-              <a:defRPr/>
-            </a:lvl1pPr>
-          </a:lstStyle>
+          <a:lstStyle/>
           <a:p>
             <a:pPr>
               <a:defRPr/>
@@ -5499,30 +5681,30 @@
       </p:sp>
       <p:sp>
         <p:nvSpPr>
-          <p:cNvPr id="4" name="Rectangle 16"/>
+          <p:cNvPr id="4" name="Slide Number Placeholder 3">
+            <a:extLst>
+              <a:ext uri="{FF2B5EF4-FFF2-40B4-BE49-F238E27FC236}">
+                <a16:creationId xmlns:a16="http://schemas.microsoft.com/office/drawing/2014/main" id="{AD252284-62D1-65A4-B88F-B08FC8CA34DD}"/>
+              </a:ext>
+            </a:extLst>
+          </p:cNvPr>
           <p:cNvSpPr>
-            <a:spLocks noGrp="1" noChangeArrowheads="1"/>
+            <a:spLocks noGrp="1"/>
           </p:cNvSpPr>
           <p:nvPr>
             <p:ph type="sldNum" sz="quarter" idx="12"/>
           </p:nvPr>
         </p:nvSpPr>
-        <p:spPr>
-          <a:ln/>
-        </p:spPr>
+        <p:spPr/>
         <p:txBody>
           <a:bodyPr/>
-          <a:lstStyle>
-            <a:lvl1pPr>
-              <a:defRPr/>
-            </a:lvl1pPr>
-          </a:lstStyle>
+          <a:lstStyle/>
           <a:p>
             <a:pPr>
               <a:defRPr/>
             </a:pPr>
             <a:fld id="{33276C80-C17C-B849-A7BB-D707942CF59E}" type="slidenum">
-              <a:rPr lang="en-US"/>
+              <a:rPr lang="en-US" smtClean="0"/>
               <a:pPr>
                 <a:defRPr/>
               </a:pPr>
@@ -5533,6 +5715,11 @@
         </p:txBody>
       </p:sp>
     </p:spTree>
+    <p:extLst>
+      <p:ext uri="{BB962C8B-B14F-4D97-AF65-F5344CB8AC3E}">
+        <p14:creationId xmlns:p14="http://schemas.microsoft.com/office/powerpoint/2010/main" val="3704524913"/>
+      </p:ext>
+    </p:extLst>
   </p:cSld>
   <p:clrMapOvr>
     <a:masterClrMapping/>
@@ -5559,7 +5746,13 @@
       </p:grpSpPr>
       <p:sp>
         <p:nvSpPr>
-          <p:cNvPr id="2" name="Title 1"/>
+          <p:cNvPr id="2" name="Title 1">
+            <a:extLst>
+              <a:ext uri="{FF2B5EF4-FFF2-40B4-BE49-F238E27FC236}">
+                <a16:creationId xmlns:a16="http://schemas.microsoft.com/office/drawing/2014/main" id="{0B3E54E6-EA75-A783-7CE3-BFB49CC7DB9F}"/>
+              </a:ext>
+            </a:extLst>
+          </p:cNvPr>
           <p:cNvSpPr>
             <a:spLocks noGrp="1"/>
           </p:cNvSpPr>
@@ -5569,15 +5762,15 @@
         </p:nvSpPr>
         <p:spPr>
           <a:xfrm>
-            <a:off x="457200" y="273050"/>
-            <a:ext cx="3008313" cy="1162050"/>
+            <a:off x="629841" y="457200"/>
+            <a:ext cx="2949178" cy="1600200"/>
           </a:xfrm>
         </p:spPr>
         <p:txBody>
           <a:bodyPr anchor="b"/>
           <a:lstStyle>
-            <a:lvl1pPr algn="l">
-              <a:defRPr sz="2000" b="1"/>
+            <a:lvl1pPr>
+              <a:defRPr sz="2400"/>
             </a:lvl1pPr>
           </a:lstStyle>
           <a:p>
@@ -5590,7 +5783,13 @@
       </p:sp>
       <p:sp>
         <p:nvSpPr>
-          <p:cNvPr id="3" name="Content Placeholder 2"/>
+          <p:cNvPr id="3" name="Content Placeholder 2">
+            <a:extLst>
+              <a:ext uri="{FF2B5EF4-FFF2-40B4-BE49-F238E27FC236}">
+                <a16:creationId xmlns:a16="http://schemas.microsoft.com/office/drawing/2014/main" id="{0F92029F-EA89-5B3A-4360-3773FB6CD5F4}"/>
+              </a:ext>
+            </a:extLst>
+          </p:cNvPr>
           <p:cNvSpPr>
             <a:spLocks noGrp="1"/>
           </p:cNvSpPr>
@@ -5600,39 +5799,39 @@
         </p:nvSpPr>
         <p:spPr>
           <a:xfrm>
-            <a:off x="3575050" y="273050"/>
-            <a:ext cx="5111750" cy="5853113"/>
+            <a:off x="3887391" y="987426"/>
+            <a:ext cx="4629150" cy="4873625"/>
           </a:xfrm>
         </p:spPr>
         <p:txBody>
           <a:bodyPr/>
           <a:lstStyle>
             <a:lvl1pPr>
-              <a:defRPr sz="3200"/>
+              <a:defRPr sz="2400"/>
             </a:lvl1pPr>
             <a:lvl2pPr>
-              <a:defRPr sz="2800"/>
+              <a:defRPr sz="2100"/>
             </a:lvl2pPr>
             <a:lvl3pPr>
-              <a:defRPr sz="2400"/>
+              <a:defRPr sz="1800"/>
             </a:lvl3pPr>
             <a:lvl4pPr>
-              <a:defRPr sz="2000"/>
+              <a:defRPr sz="1500"/>
             </a:lvl4pPr>
             <a:lvl5pPr>
-              <a:defRPr sz="2000"/>
+              <a:defRPr sz="1500"/>
             </a:lvl5pPr>
             <a:lvl6pPr>
-              <a:defRPr sz="2000"/>
+              <a:defRPr sz="1500"/>
             </a:lvl6pPr>
             <a:lvl7pPr>
-              <a:defRPr sz="2000"/>
+              <a:defRPr sz="1500"/>
             </a:lvl7pPr>
             <a:lvl8pPr>
-              <a:defRPr sz="2000"/>
+              <a:defRPr sz="1500"/>
             </a:lvl8pPr>
             <a:lvl9pPr>
-              <a:defRPr sz="2000"/>
+              <a:defRPr sz="1500"/>
             </a:lvl9pPr>
           </a:lstStyle>
           <a:p>
@@ -5674,7 +5873,13 @@
       </p:sp>
       <p:sp>
         <p:nvSpPr>
-          <p:cNvPr id="4" name="Text Placeholder 3"/>
+          <p:cNvPr id="4" name="Text Placeholder 3">
+            <a:extLst>
+              <a:ext uri="{FF2B5EF4-FFF2-40B4-BE49-F238E27FC236}">
+                <a16:creationId xmlns:a16="http://schemas.microsoft.com/office/drawing/2014/main" id="{405BF18A-EE23-A6BE-971E-7E0025D033C0}"/>
+              </a:ext>
+            </a:extLst>
+          </p:cNvPr>
           <p:cNvSpPr>
             <a:spLocks noGrp="1"/>
           </p:cNvSpPr>
@@ -5684,8 +5889,8 @@
         </p:nvSpPr>
         <p:spPr>
           <a:xfrm>
-            <a:off x="457200" y="1435100"/>
-            <a:ext cx="3008313" cy="4691063"/>
+            <a:off x="629841" y="2057400"/>
+            <a:ext cx="2949178" cy="3811588"/>
           </a:xfrm>
         </p:spPr>
         <p:txBody>
@@ -5693,39 +5898,39 @@
           <a:lstStyle>
             <a:lvl1pPr marL="0" indent="0">
               <a:buNone/>
-              <a:defRPr sz="1400"/>
+              <a:defRPr sz="1200"/>
             </a:lvl1pPr>
-            <a:lvl2pPr marL="457200" indent="0">
+            <a:lvl2pPr marL="342900" indent="0">
               <a:buNone/>
-              <a:defRPr sz="1200"/>
+              <a:defRPr sz="1050"/>
             </a:lvl2pPr>
-            <a:lvl3pPr marL="914400" indent="0">
-              <a:buNone/>
-              <a:defRPr sz="1000"/>
-            </a:lvl3pPr>
-            <a:lvl4pPr marL="1371600" indent="0">
+            <a:lvl3pPr marL="685800" indent="0">
               <a:buNone/>
               <a:defRPr sz="900"/>
+            </a:lvl3pPr>
+            <a:lvl4pPr marL="1028700" indent="0">
+              <a:buNone/>
+              <a:defRPr sz="750"/>
             </a:lvl4pPr>
-            <a:lvl5pPr marL="1828800" indent="0">
+            <a:lvl5pPr marL="1371600" indent="0">
               <a:buNone/>
-              <a:defRPr sz="900"/>
+              <a:defRPr sz="750"/>
             </a:lvl5pPr>
-            <a:lvl6pPr marL="2286000" indent="0">
+            <a:lvl6pPr marL="1714500" indent="0">
               <a:buNone/>
-              <a:defRPr sz="900"/>
+              <a:defRPr sz="750"/>
             </a:lvl6pPr>
-            <a:lvl7pPr marL="2743200" indent="0">
+            <a:lvl7pPr marL="2057400" indent="0">
               <a:buNone/>
-              <a:defRPr sz="900"/>
+              <a:defRPr sz="750"/>
             </a:lvl7pPr>
-            <a:lvl8pPr marL="3200400" indent="0">
+            <a:lvl8pPr marL="2400300" indent="0">
               <a:buNone/>
-              <a:defRPr sz="900"/>
+              <a:defRPr sz="750"/>
             </a:lvl8pPr>
-            <a:lvl9pPr marL="3657600" indent="0">
+            <a:lvl9pPr marL="2743200" indent="0">
               <a:buNone/>
-              <a:defRPr sz="900"/>
+              <a:defRPr sz="750"/>
             </a:lvl9pPr>
           </a:lstStyle>
           <a:p>
@@ -5739,24 +5944,24 @@
       </p:sp>
       <p:sp>
         <p:nvSpPr>
-          <p:cNvPr id="5" name="Rectangle 14"/>
+          <p:cNvPr id="5" name="Date Placeholder 4">
+            <a:extLst>
+              <a:ext uri="{FF2B5EF4-FFF2-40B4-BE49-F238E27FC236}">
+                <a16:creationId xmlns:a16="http://schemas.microsoft.com/office/drawing/2014/main" id="{487F2288-7F6C-4045-2D0C-5F56DB761A1E}"/>
+              </a:ext>
+            </a:extLst>
+          </p:cNvPr>
           <p:cNvSpPr>
-            <a:spLocks noGrp="1" noChangeArrowheads="1"/>
+            <a:spLocks noGrp="1"/>
           </p:cNvSpPr>
           <p:nvPr>
             <p:ph type="dt" sz="half" idx="10"/>
           </p:nvPr>
         </p:nvSpPr>
-        <p:spPr>
-          <a:ln/>
-        </p:spPr>
+        <p:spPr/>
         <p:txBody>
           <a:bodyPr/>
-          <a:lstStyle>
-            <a:lvl1pPr>
-              <a:defRPr/>
-            </a:lvl1pPr>
-          </a:lstStyle>
+          <a:lstStyle/>
           <a:p>
             <a:pPr>
               <a:defRPr/>
@@ -5767,24 +5972,24 @@
       </p:sp>
       <p:sp>
         <p:nvSpPr>
-          <p:cNvPr id="6" name="Rectangle 15"/>
+          <p:cNvPr id="6" name="Footer Placeholder 5">
+            <a:extLst>
+              <a:ext uri="{FF2B5EF4-FFF2-40B4-BE49-F238E27FC236}">
+                <a16:creationId xmlns:a16="http://schemas.microsoft.com/office/drawing/2014/main" id="{95EB0E20-90B2-D39A-11FB-64C0D3C76C10}"/>
+              </a:ext>
+            </a:extLst>
+          </p:cNvPr>
           <p:cNvSpPr>
-            <a:spLocks noGrp="1" noChangeArrowheads="1"/>
+            <a:spLocks noGrp="1"/>
           </p:cNvSpPr>
           <p:nvPr>
             <p:ph type="ftr" sz="quarter" idx="11"/>
           </p:nvPr>
         </p:nvSpPr>
-        <p:spPr>
-          <a:ln/>
-        </p:spPr>
+        <p:spPr/>
         <p:txBody>
           <a:bodyPr/>
-          <a:lstStyle>
-            <a:lvl1pPr>
-              <a:defRPr/>
-            </a:lvl1pPr>
-          </a:lstStyle>
+          <a:lstStyle/>
           <a:p>
             <a:pPr>
               <a:defRPr/>
@@ -5795,30 +6000,30 @@
       </p:sp>
       <p:sp>
         <p:nvSpPr>
-          <p:cNvPr id="7" name="Rectangle 16"/>
+          <p:cNvPr id="7" name="Slide Number Placeholder 6">
+            <a:extLst>
+              <a:ext uri="{FF2B5EF4-FFF2-40B4-BE49-F238E27FC236}">
+                <a16:creationId xmlns:a16="http://schemas.microsoft.com/office/drawing/2014/main" id="{D0F37C0F-D526-3ABE-8E70-6C50C04CB251}"/>
+              </a:ext>
+            </a:extLst>
+          </p:cNvPr>
           <p:cNvSpPr>
-            <a:spLocks noGrp="1" noChangeArrowheads="1"/>
+            <a:spLocks noGrp="1"/>
           </p:cNvSpPr>
           <p:nvPr>
             <p:ph type="sldNum" sz="quarter" idx="12"/>
           </p:nvPr>
         </p:nvSpPr>
-        <p:spPr>
-          <a:ln/>
-        </p:spPr>
+        <p:spPr/>
         <p:txBody>
           <a:bodyPr/>
-          <a:lstStyle>
-            <a:lvl1pPr>
-              <a:defRPr/>
-            </a:lvl1pPr>
-          </a:lstStyle>
+          <a:lstStyle/>
           <a:p>
             <a:pPr>
               <a:defRPr/>
             </a:pPr>
             <a:fld id="{4E9B9732-B1FD-164D-AD68-D75168F368FF}" type="slidenum">
-              <a:rPr lang="en-US"/>
+              <a:rPr lang="en-US" smtClean="0"/>
               <a:pPr>
                 <a:defRPr/>
               </a:pPr>
@@ -5829,6 +6034,11 @@
         </p:txBody>
       </p:sp>
     </p:spTree>
+    <p:extLst>
+      <p:ext uri="{BB962C8B-B14F-4D97-AF65-F5344CB8AC3E}">
+        <p14:creationId xmlns:p14="http://schemas.microsoft.com/office/powerpoint/2010/main" val="3306235244"/>
+      </p:ext>
+    </p:extLst>
   </p:cSld>
   <p:clrMapOvr>
     <a:masterClrMapping/>
@@ -5855,7 +6065,13 @@
       </p:grpSpPr>
       <p:sp>
         <p:nvSpPr>
-          <p:cNvPr id="2" name="Title 1"/>
+          <p:cNvPr id="2" name="Title 1">
+            <a:extLst>
+              <a:ext uri="{FF2B5EF4-FFF2-40B4-BE49-F238E27FC236}">
+                <a16:creationId xmlns:a16="http://schemas.microsoft.com/office/drawing/2014/main" id="{DC5ADFE1-5159-DF18-E75A-87A1FC4EAA27}"/>
+              </a:ext>
+            </a:extLst>
+          </p:cNvPr>
           <p:cNvSpPr>
             <a:spLocks noGrp="1"/>
           </p:cNvSpPr>
@@ -5865,15 +6081,15 @@
         </p:nvSpPr>
         <p:spPr>
           <a:xfrm>
-            <a:off x="1792288" y="4800600"/>
-            <a:ext cx="5486400" cy="566738"/>
+            <a:off x="629841" y="457200"/>
+            <a:ext cx="2949178" cy="1600200"/>
           </a:xfrm>
         </p:spPr>
         <p:txBody>
           <a:bodyPr anchor="b"/>
           <a:lstStyle>
-            <a:lvl1pPr algn="l">
-              <a:defRPr sz="2000" b="1"/>
+            <a:lvl1pPr>
+              <a:defRPr sz="2400"/>
             </a:lvl1pPr>
           </a:lstStyle>
           <a:p>
@@ -5886,7 +6102,13 @@
       </p:sp>
       <p:sp>
         <p:nvSpPr>
-          <p:cNvPr id="3" name="Picture Placeholder 2"/>
+          <p:cNvPr id="3" name="Picture Placeholder 2">
+            <a:extLst>
+              <a:ext uri="{FF2B5EF4-FFF2-40B4-BE49-F238E27FC236}">
+                <a16:creationId xmlns:a16="http://schemas.microsoft.com/office/drawing/2014/main" id="{8AD3ECEC-75AB-4C2F-9ACA-30077AB7AA60}"/>
+              </a:ext>
+            </a:extLst>
+          </p:cNvPr>
           <p:cNvSpPr>
             <a:spLocks noGrp="1"/>
           </p:cNvSpPr>
@@ -5896,8 +6118,8 @@
         </p:nvSpPr>
         <p:spPr>
           <a:xfrm>
-            <a:off x="1792288" y="612775"/>
-            <a:ext cx="5486400" cy="4114800"/>
+            <a:off x="3887391" y="987426"/>
+            <a:ext cx="4629150" cy="4873625"/>
           </a:xfrm>
         </p:spPr>
         <p:txBody>
@@ -5905,50 +6127,55 @@
           <a:lstStyle>
             <a:lvl1pPr marL="0" indent="0">
               <a:buNone/>
-              <a:defRPr sz="3200"/>
+              <a:defRPr sz="2400"/>
             </a:lvl1pPr>
-            <a:lvl2pPr marL="457200" indent="0">
+            <a:lvl2pPr marL="342900" indent="0">
               <a:buNone/>
-              <a:defRPr sz="2800"/>
+              <a:defRPr sz="2100"/>
             </a:lvl2pPr>
-            <a:lvl3pPr marL="914400" indent="0">
+            <a:lvl3pPr marL="685800" indent="0">
               <a:buNone/>
-              <a:defRPr sz="2400"/>
+              <a:defRPr sz="1800"/>
             </a:lvl3pPr>
-            <a:lvl4pPr marL="1371600" indent="0">
+            <a:lvl4pPr marL="1028700" indent="0">
               <a:buNone/>
-              <a:defRPr sz="2000"/>
+              <a:defRPr sz="1500"/>
             </a:lvl4pPr>
-            <a:lvl5pPr marL="1828800" indent="0">
+            <a:lvl5pPr marL="1371600" indent="0">
               <a:buNone/>
-              <a:defRPr sz="2000"/>
+              <a:defRPr sz="1500"/>
             </a:lvl5pPr>
-            <a:lvl6pPr marL="2286000" indent="0">
+            <a:lvl6pPr marL="1714500" indent="0">
               <a:buNone/>
-              <a:defRPr sz="2000"/>
+              <a:defRPr sz="1500"/>
             </a:lvl6pPr>
-            <a:lvl7pPr marL="2743200" indent="0">
+            <a:lvl7pPr marL="2057400" indent="0">
               <a:buNone/>
-              <a:defRPr sz="2000"/>
+              <a:defRPr sz="1500"/>
             </a:lvl7pPr>
-            <a:lvl8pPr marL="3200400" indent="0">
+            <a:lvl8pPr marL="2400300" indent="0">
               <a:buNone/>
-              <a:defRPr sz="2000"/>
+              <a:defRPr sz="1500"/>
             </a:lvl8pPr>
-            <a:lvl9pPr marL="3657600" indent="0">
+            <a:lvl9pPr marL="2743200" indent="0">
               <a:buNone/>
-              <a:defRPr sz="2000"/>
+              <a:defRPr sz="1500"/>
             </a:lvl9pPr>
           </a:lstStyle>
           <a:p>
-            <a:pPr lvl="0"/>
-            <a:endParaRPr lang="en-US" noProof="0"/>
-          </a:p>
-        </p:txBody>
-      </p:sp>
-      <p:sp>
-        <p:nvSpPr>
-          <p:cNvPr id="4" name="Text Placeholder 3"/>
+            <a:endParaRPr lang="en-US"/>
+          </a:p>
+        </p:txBody>
+      </p:sp>
+      <p:sp>
+        <p:nvSpPr>
+          <p:cNvPr id="4" name="Text Placeholder 3">
+            <a:extLst>
+              <a:ext uri="{FF2B5EF4-FFF2-40B4-BE49-F238E27FC236}">
+                <a16:creationId xmlns:a16="http://schemas.microsoft.com/office/drawing/2014/main" id="{1AF14F04-9885-280F-460F-2D4AAE5619E6}"/>
+              </a:ext>
+            </a:extLst>
+          </p:cNvPr>
           <p:cNvSpPr>
             <a:spLocks noGrp="1"/>
           </p:cNvSpPr>
@@ -5958,8 +6185,8 @@
         </p:nvSpPr>
         <p:spPr>
           <a:xfrm>
-            <a:off x="1792288" y="5367338"/>
-            <a:ext cx="5486400" cy="804862"/>
+            <a:off x="629841" y="2057400"/>
+            <a:ext cx="2949178" cy="3811588"/>
           </a:xfrm>
         </p:spPr>
         <p:txBody>
@@ -5967,39 +6194,39 @@
           <a:lstStyle>
             <a:lvl1pPr marL="0" indent="0">
               <a:buNone/>
-              <a:defRPr sz="1400"/>
+              <a:defRPr sz="1200"/>
             </a:lvl1pPr>
-            <a:lvl2pPr marL="457200" indent="0">
+            <a:lvl2pPr marL="342900" indent="0">
               <a:buNone/>
-              <a:defRPr sz="1200"/>
+              <a:defRPr sz="1050"/>
             </a:lvl2pPr>
-            <a:lvl3pPr marL="914400" indent="0">
-              <a:buNone/>
-              <a:defRPr sz="1000"/>
-            </a:lvl3pPr>
-            <a:lvl4pPr marL="1371600" indent="0">
+            <a:lvl3pPr marL="685800" indent="0">
               <a:buNone/>
               <a:defRPr sz="900"/>
+            </a:lvl3pPr>
+            <a:lvl4pPr marL="1028700" indent="0">
+              <a:buNone/>
+              <a:defRPr sz="750"/>
             </a:lvl4pPr>
-            <a:lvl5pPr marL="1828800" indent="0">
+            <a:lvl5pPr marL="1371600" indent="0">
               <a:buNone/>
-              <a:defRPr sz="900"/>
+              <a:defRPr sz="750"/>
             </a:lvl5pPr>
-            <a:lvl6pPr marL="2286000" indent="0">
+            <a:lvl6pPr marL="1714500" indent="0">
               <a:buNone/>
-              <a:defRPr sz="900"/>
+              <a:defRPr sz="750"/>
             </a:lvl6pPr>
-            <a:lvl7pPr marL="2743200" indent="0">
+            <a:lvl7pPr marL="2057400" indent="0">
               <a:buNone/>
-              <a:defRPr sz="900"/>
+              <a:defRPr sz="750"/>
             </a:lvl7pPr>
-            <a:lvl8pPr marL="3200400" indent="0">
+            <a:lvl8pPr marL="2400300" indent="0">
               <a:buNone/>
-              <a:defRPr sz="900"/>
+              <a:defRPr sz="750"/>
             </a:lvl8pPr>
-            <a:lvl9pPr marL="3657600" indent="0">
+            <a:lvl9pPr marL="2743200" indent="0">
               <a:buNone/>
-              <a:defRPr sz="900"/>
+              <a:defRPr sz="750"/>
             </a:lvl9pPr>
           </a:lstStyle>
           <a:p>
@@ -6013,24 +6240,24 @@
       </p:sp>
       <p:sp>
         <p:nvSpPr>
-          <p:cNvPr id="5" name="Rectangle 14"/>
+          <p:cNvPr id="5" name="Date Placeholder 4">
+            <a:extLst>
+              <a:ext uri="{FF2B5EF4-FFF2-40B4-BE49-F238E27FC236}">
+                <a16:creationId xmlns:a16="http://schemas.microsoft.com/office/drawing/2014/main" id="{27B3F4DA-06D9-0C06-B1DD-0A62FB537D16}"/>
+              </a:ext>
+            </a:extLst>
+          </p:cNvPr>
           <p:cNvSpPr>
-            <a:spLocks noGrp="1" noChangeArrowheads="1"/>
+            <a:spLocks noGrp="1"/>
           </p:cNvSpPr>
           <p:nvPr>
             <p:ph type="dt" sz="half" idx="10"/>
           </p:nvPr>
         </p:nvSpPr>
-        <p:spPr>
-          <a:ln/>
-        </p:spPr>
+        <p:spPr/>
         <p:txBody>
           <a:bodyPr/>
-          <a:lstStyle>
-            <a:lvl1pPr>
-              <a:defRPr/>
-            </a:lvl1pPr>
-          </a:lstStyle>
+          <a:lstStyle/>
           <a:p>
             <a:pPr>
               <a:defRPr/>
@@ -6041,24 +6268,24 @@
       </p:sp>
       <p:sp>
         <p:nvSpPr>
-          <p:cNvPr id="6" name="Rectangle 15"/>
+          <p:cNvPr id="6" name="Footer Placeholder 5">
+            <a:extLst>
+              <a:ext uri="{FF2B5EF4-FFF2-40B4-BE49-F238E27FC236}">
+                <a16:creationId xmlns:a16="http://schemas.microsoft.com/office/drawing/2014/main" id="{C2313B2C-A73B-151D-AB98-7057B2A3752F}"/>
+              </a:ext>
+            </a:extLst>
+          </p:cNvPr>
           <p:cNvSpPr>
-            <a:spLocks noGrp="1" noChangeArrowheads="1"/>
+            <a:spLocks noGrp="1"/>
           </p:cNvSpPr>
           <p:nvPr>
             <p:ph type="ftr" sz="quarter" idx="11"/>
           </p:nvPr>
         </p:nvSpPr>
-        <p:spPr>
-          <a:ln/>
-        </p:spPr>
+        <p:spPr/>
         <p:txBody>
           <a:bodyPr/>
-          <a:lstStyle>
-            <a:lvl1pPr>
-              <a:defRPr/>
-            </a:lvl1pPr>
-          </a:lstStyle>
+          <a:lstStyle/>
           <a:p>
             <a:pPr>
               <a:defRPr/>
@@ -6069,30 +6296,30 @@
       </p:sp>
       <p:sp>
         <p:nvSpPr>
-          <p:cNvPr id="7" name="Rectangle 16"/>
+          <p:cNvPr id="7" name="Slide Number Placeholder 6">
+            <a:extLst>
+              <a:ext uri="{FF2B5EF4-FFF2-40B4-BE49-F238E27FC236}">
+                <a16:creationId xmlns:a16="http://schemas.microsoft.com/office/drawing/2014/main" id="{D4FD79DF-48FE-1D45-C728-09E0F97D8BF5}"/>
+              </a:ext>
+            </a:extLst>
+          </p:cNvPr>
           <p:cNvSpPr>
-            <a:spLocks noGrp="1" noChangeArrowheads="1"/>
+            <a:spLocks noGrp="1"/>
           </p:cNvSpPr>
           <p:nvPr>
             <p:ph type="sldNum" sz="quarter" idx="12"/>
           </p:nvPr>
         </p:nvSpPr>
-        <p:spPr>
-          <a:ln/>
-        </p:spPr>
+        <p:spPr/>
         <p:txBody>
           <a:bodyPr/>
-          <a:lstStyle>
-            <a:lvl1pPr>
-              <a:defRPr/>
-            </a:lvl1pPr>
-          </a:lstStyle>
+          <a:lstStyle/>
           <a:p>
             <a:pPr>
               <a:defRPr/>
             </a:pPr>
             <a:fld id="{B1F60BCE-8921-4E48-960B-3B67C08157ED}" type="slidenum">
-              <a:rPr lang="en-US"/>
+              <a:rPr lang="en-US" smtClean="0"/>
               <a:pPr>
                 <a:defRPr/>
               </a:pPr>
@@ -6103,6 +6330,11 @@
         </p:txBody>
       </p:sp>
     </p:spTree>
+    <p:extLst>
+      <p:ext uri="{BB962C8B-B14F-4D97-AF65-F5344CB8AC3E}">
+        <p14:creationId xmlns:p14="http://schemas.microsoft.com/office/powerpoint/2010/main" val="988935219"/>
+      </p:ext>
+    </p:extLst>
   </p:cSld>
   <p:clrMapOvr>
     <a:masterClrMapping/>
@@ -6113,21 +6345,10 @@
 <file path=ppt/slideMasters/slideMaster1.xml><?xml version="1.0" encoding="utf-8"?>
 <p:sldMaster xmlns:a="http://schemas.openxmlformats.org/drawingml/2006/main" xmlns:r="http://schemas.openxmlformats.org/officeDocument/2006/relationships" xmlns:p="http://schemas.openxmlformats.org/presentationml/2006/main">
   <p:cSld>
-    <p:bg bwMode="invGray">
-      <p:bgPr>
-        <a:gradFill rotWithShape="0">
-          <a:gsLst>
-            <a:gs pos="0">
-              <a:schemeClr val="bg2"/>
-            </a:gs>
-            <a:gs pos="100000">
-              <a:schemeClr val="bg1"/>
-            </a:gs>
-          </a:gsLst>
-          <a:lin ang="0" scaled="1"/>
-        </a:gradFill>
-        <a:effectLst/>
-      </p:bgPr>
+    <p:bg>
+      <p:bgRef idx="1001">
+        <a:schemeClr val="bg1"/>
+      </p:bgRef>
     </p:bg>
     <p:spTree>
       <p:nvGrpSpPr>
@@ -6145,39 +6366,35 @@
       </p:grpSpPr>
       <p:sp>
         <p:nvSpPr>
-          <p:cNvPr id="1026" name="Rectangle 12"/>
+          <p:cNvPr id="2" name="Title Placeholder 1">
+            <a:extLst>
+              <a:ext uri="{FF2B5EF4-FFF2-40B4-BE49-F238E27FC236}">
+                <a16:creationId xmlns:a16="http://schemas.microsoft.com/office/drawing/2014/main" id="{7A8A5078-24CB-4250-81A4-C4CA5981B70C}"/>
+              </a:ext>
+            </a:extLst>
+          </p:cNvPr>
           <p:cNvSpPr>
-            <a:spLocks noGrp="1" noChangeArrowheads="1"/>
+            <a:spLocks noGrp="1"/>
           </p:cNvSpPr>
           <p:nvPr>
             <p:ph type="title"/>
           </p:nvPr>
         </p:nvSpPr>
-        <p:spPr bwMode="auto">
-          <a:xfrm>
-            <a:off x="0" y="0"/>
-            <a:ext cx="7772400" cy="1143000"/>
+        <p:spPr>
+          <a:xfrm>
+            <a:off x="628650" y="365126"/>
+            <a:ext cx="7886700" cy="1325563"/>
           </a:xfrm>
           <a:prstGeom prst="rect">
             <a:avLst/>
           </a:prstGeom>
-          <a:noFill/>
-          <a:ln w="9525">
-            <a:noFill/>
-            <a:miter lim="800000"/>
-            <a:headEnd/>
-            <a:tailEnd/>
-          </a:ln>
-        </p:spPr>
-        <p:txBody>
-          <a:bodyPr vert="horz" wrap="square" lIns="91440" tIns="45720" rIns="91440" bIns="45720" numCol="1" anchor="ctr" anchorCtr="0" compatLnSpc="1">
-            <a:prstTxWarp prst="textNoShape">
-              <a:avLst/>
-            </a:prstTxWarp>
+        </p:spPr>
+        <p:txBody>
+          <a:bodyPr vert="horz" lIns="91440" tIns="45720" rIns="91440" bIns="45720" rtlCol="0" anchor="ctr">
+            <a:normAutofit/>
           </a:bodyPr>
           <a:lstStyle/>
           <a:p>
-            <a:pPr lvl="0"/>
             <a:r>
               <a:rPr lang="en-US"/>
               <a:t>Click to edit Master title style</a:t>
@@ -6187,35 +6404,32 @@
       </p:sp>
       <p:sp>
         <p:nvSpPr>
-          <p:cNvPr id="1027" name="Rectangle 13"/>
+          <p:cNvPr id="3" name="Text Placeholder 2">
+            <a:extLst>
+              <a:ext uri="{FF2B5EF4-FFF2-40B4-BE49-F238E27FC236}">
+                <a16:creationId xmlns:a16="http://schemas.microsoft.com/office/drawing/2014/main" id="{DCA8C37E-DAE1-084E-2F81-AAB595347FB5}"/>
+              </a:ext>
+            </a:extLst>
+          </p:cNvPr>
           <p:cNvSpPr>
-            <a:spLocks noGrp="1" noChangeArrowheads="1"/>
+            <a:spLocks noGrp="1"/>
           </p:cNvSpPr>
           <p:nvPr>
             <p:ph type="body" idx="1"/>
           </p:nvPr>
         </p:nvSpPr>
-        <p:spPr bwMode="auto">
-          <a:xfrm>
-            <a:off x="685800" y="1981200"/>
-            <a:ext cx="7772400" cy="4114800"/>
+        <p:spPr>
+          <a:xfrm>
+            <a:off x="628650" y="1825625"/>
+            <a:ext cx="7886700" cy="4351338"/>
           </a:xfrm>
           <a:prstGeom prst="rect">
             <a:avLst/>
           </a:prstGeom>
-          <a:noFill/>
-          <a:ln w="9525">
-            <a:noFill/>
-            <a:miter lim="800000"/>
-            <a:headEnd/>
-            <a:tailEnd/>
-          </a:ln>
-        </p:spPr>
-        <p:txBody>
-          <a:bodyPr vert="horz" wrap="square" lIns="91440" tIns="45720" rIns="91440" bIns="45720" numCol="1" anchor="t" anchorCtr="0" compatLnSpc="1">
-            <a:prstTxWarp prst="textNoShape">
-              <a:avLst/>
-            </a:prstTxWarp>
+        </p:spPr>
+        <p:txBody>
+          <a:bodyPr vert="horz" lIns="91440" tIns="45720" rIns="91440" bIns="45720" rtlCol="0">
+            <a:normAutofit/>
           </a:bodyPr>
           <a:lstStyle/>
           <a:p>
@@ -6257,41 +6471,39 @@
       </p:sp>
       <p:sp>
         <p:nvSpPr>
-          <p:cNvPr id="3086" name="Rectangle 14"/>
+          <p:cNvPr id="4" name="Date Placeholder 3">
+            <a:extLst>
+              <a:ext uri="{FF2B5EF4-FFF2-40B4-BE49-F238E27FC236}">
+                <a16:creationId xmlns:a16="http://schemas.microsoft.com/office/drawing/2014/main" id="{D816A244-686E-1B0C-A198-2E7780C852C4}"/>
+              </a:ext>
+            </a:extLst>
+          </p:cNvPr>
           <p:cNvSpPr>
-            <a:spLocks noGrp="1" noChangeArrowheads="1"/>
+            <a:spLocks noGrp="1"/>
           </p:cNvSpPr>
           <p:nvPr>
             <p:ph type="dt" sz="half" idx="2"/>
           </p:nvPr>
         </p:nvSpPr>
-        <p:spPr bwMode="auto">
-          <a:xfrm>
-            <a:off x="685800" y="6248400"/>
-            <a:ext cx="1905000" cy="457200"/>
+        <p:spPr>
+          <a:xfrm>
+            <a:off x="628650" y="6356351"/>
+            <a:ext cx="2057400" cy="365125"/>
           </a:xfrm>
           <a:prstGeom prst="rect">
             <a:avLst/>
           </a:prstGeom>
-          <a:noFill/>
-          <a:ln w="9525">
-            <a:noFill/>
-            <a:miter lim="800000"/>
-            <a:headEnd/>
-            <a:tailEnd/>
-          </a:ln>
-          <a:effectLst/>
-        </p:spPr>
-        <p:txBody>
-          <a:bodyPr vert="horz" wrap="square" lIns="91440" tIns="45720" rIns="91440" bIns="45720" numCol="1" anchor="b" anchorCtr="0" compatLnSpc="1">
-            <a:prstTxWarp prst="textNoShape">
-              <a:avLst/>
-            </a:prstTxWarp>
-          </a:bodyPr>
+        </p:spPr>
+        <p:txBody>
+          <a:bodyPr vert="horz" lIns="91440" tIns="45720" rIns="91440" bIns="45720" rtlCol="0" anchor="ctr"/>
           <a:lstStyle>
-            <a:lvl1pPr eaLnBrk="1" hangingPunct="1">
-              <a:defRPr sz="1400">
-                <a:latin typeface="+mn-lt"/>
+            <a:lvl1pPr algn="l">
+              <a:defRPr sz="900">
+                <a:solidFill>
+                  <a:schemeClr val="tx1">
+                    <a:tint val="82000"/>
+                  </a:schemeClr>
+                </a:solidFill>
               </a:defRPr>
             </a:lvl1pPr>
           </a:lstStyle>
@@ -6305,41 +6517,39 @@
       </p:sp>
       <p:sp>
         <p:nvSpPr>
-          <p:cNvPr id="3087" name="Rectangle 15"/>
+          <p:cNvPr id="5" name="Footer Placeholder 4">
+            <a:extLst>
+              <a:ext uri="{FF2B5EF4-FFF2-40B4-BE49-F238E27FC236}">
+                <a16:creationId xmlns:a16="http://schemas.microsoft.com/office/drawing/2014/main" id="{2088ABF6-421E-4F6B-5813-D01C625596C3}"/>
+              </a:ext>
+            </a:extLst>
+          </p:cNvPr>
           <p:cNvSpPr>
-            <a:spLocks noGrp="1" noChangeArrowheads="1"/>
+            <a:spLocks noGrp="1"/>
           </p:cNvSpPr>
           <p:nvPr>
             <p:ph type="ftr" sz="quarter" idx="3"/>
           </p:nvPr>
         </p:nvSpPr>
-        <p:spPr bwMode="auto">
-          <a:xfrm>
-            <a:off x="3124200" y="6248400"/>
-            <a:ext cx="2895600" cy="457200"/>
+        <p:spPr>
+          <a:xfrm>
+            <a:off x="3028950" y="6356351"/>
+            <a:ext cx="3086100" cy="365125"/>
           </a:xfrm>
           <a:prstGeom prst="rect">
             <a:avLst/>
           </a:prstGeom>
-          <a:noFill/>
-          <a:ln w="9525">
-            <a:noFill/>
-            <a:miter lim="800000"/>
-            <a:headEnd/>
-            <a:tailEnd/>
-          </a:ln>
-          <a:effectLst/>
-        </p:spPr>
-        <p:txBody>
-          <a:bodyPr vert="horz" wrap="square" lIns="91440" tIns="45720" rIns="91440" bIns="45720" numCol="1" anchor="b" anchorCtr="0" compatLnSpc="1">
-            <a:prstTxWarp prst="textNoShape">
-              <a:avLst/>
-            </a:prstTxWarp>
-          </a:bodyPr>
+        </p:spPr>
+        <p:txBody>
+          <a:bodyPr vert="horz" lIns="91440" tIns="45720" rIns="91440" bIns="45720" rtlCol="0" anchor="ctr"/>
           <a:lstStyle>
-            <a:lvl1pPr algn="ctr" eaLnBrk="1" hangingPunct="1">
-              <a:defRPr sz="1400">
-                <a:latin typeface="+mn-lt"/>
+            <a:lvl1pPr algn="ctr">
+              <a:defRPr sz="900">
+                <a:solidFill>
+                  <a:schemeClr val="tx1">
+                    <a:tint val="82000"/>
+                  </a:schemeClr>
+                </a:solidFill>
               </a:defRPr>
             </a:lvl1pPr>
           </a:lstStyle>
@@ -6353,41 +6563,39 @@
       </p:sp>
       <p:sp>
         <p:nvSpPr>
-          <p:cNvPr id="3088" name="Rectangle 16"/>
+          <p:cNvPr id="6" name="Slide Number Placeholder 5">
+            <a:extLst>
+              <a:ext uri="{FF2B5EF4-FFF2-40B4-BE49-F238E27FC236}">
+                <a16:creationId xmlns:a16="http://schemas.microsoft.com/office/drawing/2014/main" id="{DCA2FD8E-9E96-05F4-4AE8-5A2F9F13AD30}"/>
+              </a:ext>
+            </a:extLst>
+          </p:cNvPr>
           <p:cNvSpPr>
-            <a:spLocks noGrp="1" noChangeArrowheads="1"/>
+            <a:spLocks noGrp="1"/>
           </p:cNvSpPr>
           <p:nvPr>
             <p:ph type="sldNum" sz="quarter" idx="4"/>
           </p:nvPr>
         </p:nvSpPr>
-        <p:spPr bwMode="auto">
-          <a:xfrm>
-            <a:off x="6553200" y="6248400"/>
-            <a:ext cx="1905000" cy="457200"/>
+        <p:spPr>
+          <a:xfrm>
+            <a:off x="6457950" y="6356351"/>
+            <a:ext cx="2057400" cy="365125"/>
           </a:xfrm>
           <a:prstGeom prst="rect">
             <a:avLst/>
           </a:prstGeom>
-          <a:noFill/>
-          <a:ln w="9525">
-            <a:noFill/>
-            <a:miter lim="800000"/>
-            <a:headEnd/>
-            <a:tailEnd/>
-          </a:ln>
-          <a:effectLst/>
-        </p:spPr>
-        <p:txBody>
-          <a:bodyPr vert="horz" wrap="square" lIns="91440" tIns="45720" rIns="91440" bIns="45720" numCol="1" anchor="b" anchorCtr="0" compatLnSpc="1">
-            <a:prstTxWarp prst="textNoShape">
-              <a:avLst/>
-            </a:prstTxWarp>
-          </a:bodyPr>
+        </p:spPr>
+        <p:txBody>
+          <a:bodyPr vert="horz" lIns="91440" tIns="45720" rIns="91440" bIns="45720" rtlCol="0" anchor="ctr"/>
           <a:lstStyle>
-            <a:lvl1pPr algn="r" eaLnBrk="1" hangingPunct="1">
-              <a:defRPr sz="1400">
-                <a:latin typeface="+mn-lt"/>
+            <a:lvl1pPr algn="r">
+              <a:defRPr sz="900">
+                <a:solidFill>
+                  <a:schemeClr val="tx1">
+                    <a:tint val="82000"/>
+                  </a:schemeClr>
+                </a:solidFill>
               </a:defRPr>
             </a:lvl1pPr>
           </a:lstStyle>
@@ -6396,7 +6604,7 @@
               <a:defRPr/>
             </a:pPr>
             <a:fld id="{2CFD5FCD-E7F1-EF43-8B4F-0EEE40AC401C}" type="slidenum">
-              <a:rPr lang="en-US"/>
+              <a:rPr lang="en-US" smtClean="0"/>
               <a:pPr>
                 <a:defRPr/>
               </a:pPr>
@@ -6407,313 +6615,57 @@
         </p:txBody>
       </p:sp>
     </p:spTree>
+    <p:extLst>
+      <p:ext uri="{BB962C8B-B14F-4D97-AF65-F5344CB8AC3E}">
+        <p14:creationId xmlns:p14="http://schemas.microsoft.com/office/powerpoint/2010/main" val="95761560"/>
+      </p:ext>
+    </p:extLst>
   </p:cSld>
-  <p:clrMap bg1="dk2" tx1="lt1" bg2="dk1" tx2="lt2" accent1="accent1" accent2="accent2" accent3="accent3" accent4="accent4" accent5="accent5" accent6="accent6" hlink="hlink" folHlink="folHlink"/>
+  <p:clrMap bg1="lt1" tx1="dk1" bg2="lt2" tx2="dk2" accent1="accent1" accent2="accent2" accent3="accent3" accent4="accent4" accent5="accent5" accent6="accent6" hlink="hlink" folHlink="folHlink"/>
   <p:sldLayoutIdLst>
-    <p:sldLayoutId id="2147483672" r:id="rId1"/>
-    <p:sldLayoutId id="2147483662" r:id="rId2"/>
-    <p:sldLayoutId id="2147483663" r:id="rId3"/>
-    <p:sldLayoutId id="2147483664" r:id="rId4"/>
-    <p:sldLayoutId id="2147483665" r:id="rId5"/>
-    <p:sldLayoutId id="2147483666" r:id="rId6"/>
-    <p:sldLayoutId id="2147483667" r:id="rId7"/>
-    <p:sldLayoutId id="2147483668" r:id="rId8"/>
-    <p:sldLayoutId id="2147483669" r:id="rId9"/>
-    <p:sldLayoutId id="2147483670" r:id="rId10"/>
-    <p:sldLayoutId id="2147483671" r:id="rId11"/>
+    <p:sldLayoutId id="2147483674" r:id="rId1"/>
+    <p:sldLayoutId id="2147483675" r:id="rId2"/>
+    <p:sldLayoutId id="2147483676" r:id="rId3"/>
+    <p:sldLayoutId id="2147483677" r:id="rId4"/>
+    <p:sldLayoutId id="2147483678" r:id="rId5"/>
+    <p:sldLayoutId id="2147483679" r:id="rId6"/>
+    <p:sldLayoutId id="2147483680" r:id="rId7"/>
+    <p:sldLayoutId id="2147483681" r:id="rId8"/>
+    <p:sldLayoutId id="2147483682" r:id="rId9"/>
+    <p:sldLayoutId id="2147483683" r:id="rId10"/>
+    <p:sldLayoutId id="2147483684" r:id="rId11"/>
   </p:sldLayoutIdLst>
   <p:txStyles>
     <p:titleStyle>
-      <a:lvl1pPr algn="ctr" rtl="0" eaLnBrk="0" fontAlgn="base" hangingPunct="0">
+      <a:lvl1pPr algn="l" defTabSz="685800" rtl="0" eaLnBrk="1" latinLnBrk="0" hangingPunct="1">
+        <a:lnSpc>
+          <a:spcPct val="90000"/>
+        </a:lnSpc>
         <a:spcBef>
           <a:spcPct val="0"/>
         </a:spcBef>
-        <a:spcAft>
-          <a:spcPct val="0"/>
-        </a:spcAft>
-        <a:defRPr sz="4400">
-          <a:solidFill>
-            <a:schemeClr val="tx2"/>
-          </a:solidFill>
-          <a:latin typeface="+mj-lt"/>
-          <a:ea typeface="ＭＳ Ｐゴシック" charset="-128"/>
-          <a:cs typeface="ＭＳ Ｐゴシック" charset="-128"/>
-        </a:defRPr>
-      </a:lvl1pPr>
-      <a:lvl2pPr algn="ctr" rtl="0" eaLnBrk="0" fontAlgn="base" hangingPunct="0">
-        <a:spcBef>
-          <a:spcPct val="0"/>
-        </a:spcBef>
-        <a:spcAft>
-          <a:spcPct val="0"/>
-        </a:spcAft>
-        <a:defRPr sz="4400">
-          <a:solidFill>
-            <a:schemeClr val="tx2"/>
-          </a:solidFill>
-          <a:latin typeface="Times New Roman" charset="0"/>
-          <a:ea typeface="ＭＳ Ｐゴシック" charset="-128"/>
-          <a:cs typeface="ＭＳ Ｐゴシック" charset="-128"/>
-        </a:defRPr>
-      </a:lvl2pPr>
-      <a:lvl3pPr algn="ctr" rtl="0" eaLnBrk="0" fontAlgn="base" hangingPunct="0">
-        <a:spcBef>
-          <a:spcPct val="0"/>
-        </a:spcBef>
-        <a:spcAft>
-          <a:spcPct val="0"/>
-        </a:spcAft>
-        <a:defRPr sz="4400">
-          <a:solidFill>
-            <a:schemeClr val="tx2"/>
-          </a:solidFill>
-          <a:latin typeface="Times New Roman" charset="0"/>
-          <a:ea typeface="ＭＳ Ｐゴシック" charset="-128"/>
-          <a:cs typeface="ＭＳ Ｐゴシック" charset="-128"/>
-        </a:defRPr>
-      </a:lvl3pPr>
-      <a:lvl4pPr algn="ctr" rtl="0" eaLnBrk="0" fontAlgn="base" hangingPunct="0">
-        <a:spcBef>
-          <a:spcPct val="0"/>
-        </a:spcBef>
-        <a:spcAft>
-          <a:spcPct val="0"/>
-        </a:spcAft>
-        <a:defRPr sz="4400">
-          <a:solidFill>
-            <a:schemeClr val="tx2"/>
-          </a:solidFill>
-          <a:latin typeface="Times New Roman" charset="0"/>
-          <a:ea typeface="ＭＳ Ｐゴシック" charset="-128"/>
-          <a:cs typeface="ＭＳ Ｐゴシック" charset="-128"/>
-        </a:defRPr>
-      </a:lvl4pPr>
-      <a:lvl5pPr algn="ctr" rtl="0" eaLnBrk="0" fontAlgn="base" hangingPunct="0">
-        <a:spcBef>
-          <a:spcPct val="0"/>
-        </a:spcBef>
-        <a:spcAft>
-          <a:spcPct val="0"/>
-        </a:spcAft>
-        <a:defRPr sz="4400">
-          <a:solidFill>
-            <a:schemeClr val="tx2"/>
-          </a:solidFill>
-          <a:latin typeface="Times New Roman" charset="0"/>
-          <a:ea typeface="ＭＳ Ｐゴシック" charset="-128"/>
-          <a:cs typeface="ＭＳ Ｐゴシック" charset="-128"/>
-        </a:defRPr>
-      </a:lvl5pPr>
-      <a:lvl6pPr marL="457200" algn="ctr" rtl="0" fontAlgn="base">
-        <a:spcBef>
-          <a:spcPct val="0"/>
-        </a:spcBef>
-        <a:spcAft>
-          <a:spcPct val="0"/>
-        </a:spcAft>
-        <a:defRPr sz="4400">
-          <a:solidFill>
-            <a:schemeClr val="tx2"/>
-          </a:solidFill>
-          <a:latin typeface="Times New Roman" charset="0"/>
-        </a:defRPr>
-      </a:lvl6pPr>
-      <a:lvl7pPr marL="914400" algn="ctr" rtl="0" fontAlgn="base">
-        <a:spcBef>
-          <a:spcPct val="0"/>
-        </a:spcBef>
-        <a:spcAft>
-          <a:spcPct val="0"/>
-        </a:spcAft>
-        <a:defRPr sz="4400">
-          <a:solidFill>
-            <a:schemeClr val="tx2"/>
-          </a:solidFill>
-          <a:latin typeface="Times New Roman" charset="0"/>
-        </a:defRPr>
-      </a:lvl7pPr>
-      <a:lvl8pPr marL="1371600" algn="ctr" rtl="0" fontAlgn="base">
-        <a:spcBef>
-          <a:spcPct val="0"/>
-        </a:spcBef>
-        <a:spcAft>
-          <a:spcPct val="0"/>
-        </a:spcAft>
-        <a:defRPr sz="4400">
-          <a:solidFill>
-            <a:schemeClr val="tx2"/>
-          </a:solidFill>
-          <a:latin typeface="Times New Roman" charset="0"/>
-        </a:defRPr>
-      </a:lvl8pPr>
-      <a:lvl9pPr marL="1828800" algn="ctr" rtl="0" fontAlgn="base">
-        <a:spcBef>
-          <a:spcPct val="0"/>
-        </a:spcBef>
-        <a:spcAft>
-          <a:spcPct val="0"/>
-        </a:spcAft>
-        <a:defRPr sz="4400">
-          <a:solidFill>
-            <a:schemeClr val="tx2"/>
-          </a:solidFill>
-          <a:latin typeface="Times New Roman" charset="0"/>
-        </a:defRPr>
-      </a:lvl9pPr>
-    </p:titleStyle>
-    <p:bodyStyle>
-      <a:lvl1pPr marL="342900" indent="-342900" algn="l" rtl="0" eaLnBrk="0" fontAlgn="base" hangingPunct="0">
-        <a:spcBef>
-          <a:spcPct val="20000"/>
-        </a:spcBef>
-        <a:spcAft>
-          <a:spcPct val="0"/>
-        </a:spcAft>
-        <a:buChar char="•"/>
-        <a:defRPr sz="3200">
+        <a:buNone/>
+        <a:defRPr sz="3300" kern="1200">
           <a:solidFill>
             <a:schemeClr val="tx1"/>
           </a:solidFill>
-          <a:latin typeface="+mn-lt"/>
-          <a:ea typeface="ＭＳ Ｐゴシック" charset="-128"/>
-          <a:cs typeface="ＭＳ Ｐゴシック" charset="-128"/>
+          <a:latin typeface="+mj-lt"/>
+          <a:ea typeface="+mj-ea"/>
+          <a:cs typeface="+mj-cs"/>
         </a:defRPr>
       </a:lvl1pPr>
-      <a:lvl2pPr marL="742950" indent="-285750" algn="l" rtl="0" eaLnBrk="0" fontAlgn="base" hangingPunct="0">
+    </p:titleStyle>
+    <p:bodyStyle>
+      <a:lvl1pPr marL="171450" indent="-171450" algn="l" defTabSz="685800" rtl="0" eaLnBrk="1" latinLnBrk="0" hangingPunct="1">
+        <a:lnSpc>
+          <a:spcPct val="90000"/>
+        </a:lnSpc>
         <a:spcBef>
-          <a:spcPct val="20000"/>
+          <a:spcPts val="750"/>
         </a:spcBef>
-        <a:spcAft>
-          <a:spcPct val="0"/>
-        </a:spcAft>
-        <a:buChar char="–"/>
-        <a:defRPr sz="2800">
-          <a:solidFill>
-            <a:schemeClr val="tx1"/>
-          </a:solidFill>
-          <a:latin typeface="+mn-lt"/>
-          <a:ea typeface="ＭＳ Ｐゴシック" charset="-128"/>
-        </a:defRPr>
-      </a:lvl2pPr>
-      <a:lvl3pPr marL="1143000" indent="-228600" algn="l" rtl="0" eaLnBrk="0" fontAlgn="base" hangingPunct="0">
-        <a:spcBef>
-          <a:spcPct val="20000"/>
-        </a:spcBef>
-        <a:spcAft>
-          <a:spcPct val="0"/>
-        </a:spcAft>
+        <a:buFont typeface="Arial" panose="020B0604020202020204" pitchFamily="34" charset="0"/>
         <a:buChar char="•"/>
-        <a:defRPr sz="2400">
-          <a:solidFill>
-            <a:schemeClr val="tx1"/>
-          </a:solidFill>
-          <a:latin typeface="+mn-lt"/>
-          <a:ea typeface="ＭＳ Ｐゴシック" charset="-128"/>
-        </a:defRPr>
-      </a:lvl3pPr>
-      <a:lvl4pPr marL="1600200" indent="-228600" algn="l" rtl="0" eaLnBrk="0" fontAlgn="base" hangingPunct="0">
-        <a:spcBef>
-          <a:spcPct val="20000"/>
-        </a:spcBef>
-        <a:spcAft>
-          <a:spcPct val="0"/>
-        </a:spcAft>
-        <a:buChar char="–"/>
-        <a:defRPr sz="2000">
-          <a:solidFill>
-            <a:schemeClr val="tx1"/>
-          </a:solidFill>
-          <a:latin typeface="+mn-lt"/>
-          <a:ea typeface="ＭＳ Ｐゴシック" charset="-128"/>
-        </a:defRPr>
-      </a:lvl4pPr>
-      <a:lvl5pPr marL="2057400" indent="-228600" algn="l" rtl="0" eaLnBrk="0" fontAlgn="base" hangingPunct="0">
-        <a:spcBef>
-          <a:spcPct val="20000"/>
-        </a:spcBef>
-        <a:spcAft>
-          <a:spcPct val="0"/>
-        </a:spcAft>
-        <a:buChar char="»"/>
-        <a:defRPr sz="2000">
-          <a:solidFill>
-            <a:schemeClr val="tx1"/>
-          </a:solidFill>
-          <a:latin typeface="+mn-lt"/>
-          <a:ea typeface="ＭＳ Ｐゴシック" charset="-128"/>
-        </a:defRPr>
-      </a:lvl5pPr>
-      <a:lvl6pPr marL="2514600" indent="-228600" algn="l" rtl="0" fontAlgn="base">
-        <a:spcBef>
-          <a:spcPct val="20000"/>
-        </a:spcBef>
-        <a:spcAft>
-          <a:spcPct val="0"/>
-        </a:spcAft>
-        <a:buChar char="»"/>
-        <a:defRPr sz="2000">
-          <a:solidFill>
-            <a:schemeClr val="tx1"/>
-          </a:solidFill>
-          <a:latin typeface="+mn-lt"/>
-          <a:ea typeface="ＭＳ Ｐゴシック" charset="-128"/>
-        </a:defRPr>
-      </a:lvl6pPr>
-      <a:lvl7pPr marL="2971800" indent="-228600" algn="l" rtl="0" fontAlgn="base">
-        <a:spcBef>
-          <a:spcPct val="20000"/>
-        </a:spcBef>
-        <a:spcAft>
-          <a:spcPct val="0"/>
-        </a:spcAft>
-        <a:buChar char="»"/>
-        <a:defRPr sz="2000">
-          <a:solidFill>
-            <a:schemeClr val="tx1"/>
-          </a:solidFill>
-          <a:latin typeface="+mn-lt"/>
-          <a:ea typeface="ＭＳ Ｐゴシック" charset="-128"/>
-        </a:defRPr>
-      </a:lvl7pPr>
-      <a:lvl8pPr marL="3429000" indent="-228600" algn="l" rtl="0" fontAlgn="base">
-        <a:spcBef>
-          <a:spcPct val="20000"/>
-        </a:spcBef>
-        <a:spcAft>
-          <a:spcPct val="0"/>
-        </a:spcAft>
-        <a:buChar char="»"/>
-        <a:defRPr sz="2000">
-          <a:solidFill>
-            <a:schemeClr val="tx1"/>
-          </a:solidFill>
-          <a:latin typeface="+mn-lt"/>
-          <a:ea typeface="ＭＳ Ｐゴシック" charset="-128"/>
-        </a:defRPr>
-      </a:lvl8pPr>
-      <a:lvl9pPr marL="3886200" indent="-228600" algn="l" rtl="0" fontAlgn="base">
-        <a:spcBef>
-          <a:spcPct val="20000"/>
-        </a:spcBef>
-        <a:spcAft>
-          <a:spcPct val="0"/>
-        </a:spcAft>
-        <a:buChar char="»"/>
-        <a:defRPr sz="2000">
-          <a:solidFill>
-            <a:schemeClr val="tx1"/>
-          </a:solidFill>
-          <a:latin typeface="+mn-lt"/>
-          <a:ea typeface="ＭＳ Ｐゴシック" charset="-128"/>
-        </a:defRPr>
-      </a:lvl9pPr>
-    </p:bodyStyle>
-    <p:otherStyle>
-      <a:defPPr>
-        <a:defRPr lang="en-US"/>
-      </a:defPPr>
-      <a:lvl1pPr marL="0" algn="l" defTabSz="457200" rtl="0" eaLnBrk="1" latinLnBrk="0" hangingPunct="1">
-        <a:defRPr sz="1800" kern="1200">
+        <a:defRPr sz="2100" kern="1200">
           <a:solidFill>
             <a:schemeClr val="tx1"/>
           </a:solidFill>
@@ -6722,7 +6674,15 @@
           <a:cs typeface="+mn-cs"/>
         </a:defRPr>
       </a:lvl1pPr>
-      <a:lvl2pPr marL="457200" algn="l" defTabSz="457200" rtl="0" eaLnBrk="1" latinLnBrk="0" hangingPunct="1">
+      <a:lvl2pPr marL="514350" indent="-171450" algn="l" defTabSz="685800" rtl="0" eaLnBrk="1" latinLnBrk="0" hangingPunct="1">
+        <a:lnSpc>
+          <a:spcPct val="90000"/>
+        </a:lnSpc>
+        <a:spcBef>
+          <a:spcPts val="375"/>
+        </a:spcBef>
+        <a:buFont typeface="Arial" panose="020B0604020202020204" pitchFamily="34" charset="0"/>
+        <a:buChar char="•"/>
         <a:defRPr sz="1800" kern="1200">
           <a:solidFill>
             <a:schemeClr val="tx1"/>
@@ -6732,8 +6692,16 @@
           <a:cs typeface="+mn-cs"/>
         </a:defRPr>
       </a:lvl2pPr>
-      <a:lvl3pPr marL="914400" algn="l" defTabSz="457200" rtl="0" eaLnBrk="1" latinLnBrk="0" hangingPunct="1">
-        <a:defRPr sz="1800" kern="1200">
+      <a:lvl3pPr marL="857250" indent="-171450" algn="l" defTabSz="685800" rtl="0" eaLnBrk="1" latinLnBrk="0" hangingPunct="1">
+        <a:lnSpc>
+          <a:spcPct val="90000"/>
+        </a:lnSpc>
+        <a:spcBef>
+          <a:spcPts val="375"/>
+        </a:spcBef>
+        <a:buFont typeface="Arial" panose="020B0604020202020204" pitchFamily="34" charset="0"/>
+        <a:buChar char="•"/>
+        <a:defRPr sz="1500" kern="1200">
           <a:solidFill>
             <a:schemeClr val="tx1"/>
           </a:solidFill>
@@ -6742,8 +6710,16 @@
           <a:cs typeface="+mn-cs"/>
         </a:defRPr>
       </a:lvl3pPr>
-      <a:lvl4pPr marL="1371600" algn="l" defTabSz="457200" rtl="0" eaLnBrk="1" latinLnBrk="0" hangingPunct="1">
-        <a:defRPr sz="1800" kern="1200">
+      <a:lvl4pPr marL="1200150" indent="-171450" algn="l" defTabSz="685800" rtl="0" eaLnBrk="1" latinLnBrk="0" hangingPunct="1">
+        <a:lnSpc>
+          <a:spcPct val="90000"/>
+        </a:lnSpc>
+        <a:spcBef>
+          <a:spcPts val="375"/>
+        </a:spcBef>
+        <a:buFont typeface="Arial" panose="020B0604020202020204" pitchFamily="34" charset="0"/>
+        <a:buChar char="•"/>
+        <a:defRPr sz="1350" kern="1200">
           <a:solidFill>
             <a:schemeClr val="tx1"/>
           </a:solidFill>
@@ -6752,8 +6728,16 @@
           <a:cs typeface="+mn-cs"/>
         </a:defRPr>
       </a:lvl4pPr>
-      <a:lvl5pPr marL="1828800" algn="l" defTabSz="457200" rtl="0" eaLnBrk="1" latinLnBrk="0" hangingPunct="1">
-        <a:defRPr sz="1800" kern="1200">
+      <a:lvl5pPr marL="1543050" indent="-171450" algn="l" defTabSz="685800" rtl="0" eaLnBrk="1" latinLnBrk="0" hangingPunct="1">
+        <a:lnSpc>
+          <a:spcPct val="90000"/>
+        </a:lnSpc>
+        <a:spcBef>
+          <a:spcPts val="375"/>
+        </a:spcBef>
+        <a:buFont typeface="Arial" panose="020B0604020202020204" pitchFamily="34" charset="0"/>
+        <a:buChar char="•"/>
+        <a:defRPr sz="1350" kern="1200">
           <a:solidFill>
             <a:schemeClr val="tx1"/>
           </a:solidFill>
@@ -6762,8 +6746,16 @@
           <a:cs typeface="+mn-cs"/>
         </a:defRPr>
       </a:lvl5pPr>
-      <a:lvl6pPr marL="2286000" algn="l" defTabSz="457200" rtl="0" eaLnBrk="1" latinLnBrk="0" hangingPunct="1">
-        <a:defRPr sz="1800" kern="1200">
+      <a:lvl6pPr marL="1885950" indent="-171450" algn="l" defTabSz="685800" rtl="0" eaLnBrk="1" latinLnBrk="0" hangingPunct="1">
+        <a:lnSpc>
+          <a:spcPct val="90000"/>
+        </a:lnSpc>
+        <a:spcBef>
+          <a:spcPts val="375"/>
+        </a:spcBef>
+        <a:buFont typeface="Arial" panose="020B0604020202020204" pitchFamily="34" charset="0"/>
+        <a:buChar char="•"/>
+        <a:defRPr sz="1350" kern="1200">
           <a:solidFill>
             <a:schemeClr val="tx1"/>
           </a:solidFill>
@@ -6772,8 +6764,16 @@
           <a:cs typeface="+mn-cs"/>
         </a:defRPr>
       </a:lvl6pPr>
-      <a:lvl7pPr marL="2743200" algn="l" defTabSz="457200" rtl="0" eaLnBrk="1" latinLnBrk="0" hangingPunct="1">
-        <a:defRPr sz="1800" kern="1200">
+      <a:lvl7pPr marL="2228850" indent="-171450" algn="l" defTabSz="685800" rtl="0" eaLnBrk="1" latinLnBrk="0" hangingPunct="1">
+        <a:lnSpc>
+          <a:spcPct val="90000"/>
+        </a:lnSpc>
+        <a:spcBef>
+          <a:spcPts val="375"/>
+        </a:spcBef>
+        <a:buFont typeface="Arial" panose="020B0604020202020204" pitchFamily="34" charset="0"/>
+        <a:buChar char="•"/>
+        <a:defRPr sz="1350" kern="1200">
           <a:solidFill>
             <a:schemeClr val="tx1"/>
           </a:solidFill>
@@ -6782,8 +6782,16 @@
           <a:cs typeface="+mn-cs"/>
         </a:defRPr>
       </a:lvl7pPr>
-      <a:lvl8pPr marL="3200400" algn="l" defTabSz="457200" rtl="0" eaLnBrk="1" latinLnBrk="0" hangingPunct="1">
-        <a:defRPr sz="1800" kern="1200">
+      <a:lvl8pPr marL="2571750" indent="-171450" algn="l" defTabSz="685800" rtl="0" eaLnBrk="1" latinLnBrk="0" hangingPunct="1">
+        <a:lnSpc>
+          <a:spcPct val="90000"/>
+        </a:lnSpc>
+        <a:spcBef>
+          <a:spcPts val="375"/>
+        </a:spcBef>
+        <a:buFont typeface="Arial" panose="020B0604020202020204" pitchFamily="34" charset="0"/>
+        <a:buChar char="•"/>
+        <a:defRPr sz="1350" kern="1200">
           <a:solidFill>
             <a:schemeClr val="tx1"/>
           </a:solidFill>
@@ -6792,8 +6800,111 @@
           <a:cs typeface="+mn-cs"/>
         </a:defRPr>
       </a:lvl8pPr>
-      <a:lvl9pPr marL="3657600" algn="l" defTabSz="457200" rtl="0" eaLnBrk="1" latinLnBrk="0" hangingPunct="1">
-        <a:defRPr sz="1800" kern="1200">
+      <a:lvl9pPr marL="2914650" indent="-171450" algn="l" defTabSz="685800" rtl="0" eaLnBrk="1" latinLnBrk="0" hangingPunct="1">
+        <a:lnSpc>
+          <a:spcPct val="90000"/>
+        </a:lnSpc>
+        <a:spcBef>
+          <a:spcPts val="375"/>
+        </a:spcBef>
+        <a:buFont typeface="Arial" panose="020B0604020202020204" pitchFamily="34" charset="0"/>
+        <a:buChar char="•"/>
+        <a:defRPr sz="1350" kern="1200">
+          <a:solidFill>
+            <a:schemeClr val="tx1"/>
+          </a:solidFill>
+          <a:latin typeface="+mn-lt"/>
+          <a:ea typeface="+mn-ea"/>
+          <a:cs typeface="+mn-cs"/>
+        </a:defRPr>
+      </a:lvl9pPr>
+    </p:bodyStyle>
+    <p:otherStyle>
+      <a:defPPr>
+        <a:defRPr lang="en-US"/>
+      </a:defPPr>
+      <a:lvl1pPr marL="0" algn="l" defTabSz="685800" rtl="0" eaLnBrk="1" latinLnBrk="0" hangingPunct="1">
+        <a:defRPr sz="1350" kern="1200">
+          <a:solidFill>
+            <a:schemeClr val="tx1"/>
+          </a:solidFill>
+          <a:latin typeface="+mn-lt"/>
+          <a:ea typeface="+mn-ea"/>
+          <a:cs typeface="+mn-cs"/>
+        </a:defRPr>
+      </a:lvl1pPr>
+      <a:lvl2pPr marL="342900" algn="l" defTabSz="685800" rtl="0" eaLnBrk="1" latinLnBrk="0" hangingPunct="1">
+        <a:defRPr sz="1350" kern="1200">
+          <a:solidFill>
+            <a:schemeClr val="tx1"/>
+          </a:solidFill>
+          <a:latin typeface="+mn-lt"/>
+          <a:ea typeface="+mn-ea"/>
+          <a:cs typeface="+mn-cs"/>
+        </a:defRPr>
+      </a:lvl2pPr>
+      <a:lvl3pPr marL="685800" algn="l" defTabSz="685800" rtl="0" eaLnBrk="1" latinLnBrk="0" hangingPunct="1">
+        <a:defRPr sz="1350" kern="1200">
+          <a:solidFill>
+            <a:schemeClr val="tx1"/>
+          </a:solidFill>
+          <a:latin typeface="+mn-lt"/>
+          <a:ea typeface="+mn-ea"/>
+          <a:cs typeface="+mn-cs"/>
+        </a:defRPr>
+      </a:lvl3pPr>
+      <a:lvl4pPr marL="1028700" algn="l" defTabSz="685800" rtl="0" eaLnBrk="1" latinLnBrk="0" hangingPunct="1">
+        <a:defRPr sz="1350" kern="1200">
+          <a:solidFill>
+            <a:schemeClr val="tx1"/>
+          </a:solidFill>
+          <a:latin typeface="+mn-lt"/>
+          <a:ea typeface="+mn-ea"/>
+          <a:cs typeface="+mn-cs"/>
+        </a:defRPr>
+      </a:lvl4pPr>
+      <a:lvl5pPr marL="1371600" algn="l" defTabSz="685800" rtl="0" eaLnBrk="1" latinLnBrk="0" hangingPunct="1">
+        <a:defRPr sz="1350" kern="1200">
+          <a:solidFill>
+            <a:schemeClr val="tx1"/>
+          </a:solidFill>
+          <a:latin typeface="+mn-lt"/>
+          <a:ea typeface="+mn-ea"/>
+          <a:cs typeface="+mn-cs"/>
+        </a:defRPr>
+      </a:lvl5pPr>
+      <a:lvl6pPr marL="1714500" algn="l" defTabSz="685800" rtl="0" eaLnBrk="1" latinLnBrk="0" hangingPunct="1">
+        <a:defRPr sz="1350" kern="1200">
+          <a:solidFill>
+            <a:schemeClr val="tx1"/>
+          </a:solidFill>
+          <a:latin typeface="+mn-lt"/>
+          <a:ea typeface="+mn-ea"/>
+          <a:cs typeface="+mn-cs"/>
+        </a:defRPr>
+      </a:lvl6pPr>
+      <a:lvl7pPr marL="2057400" algn="l" defTabSz="685800" rtl="0" eaLnBrk="1" latinLnBrk="0" hangingPunct="1">
+        <a:defRPr sz="1350" kern="1200">
+          <a:solidFill>
+            <a:schemeClr val="tx1"/>
+          </a:solidFill>
+          <a:latin typeface="+mn-lt"/>
+          <a:ea typeface="+mn-ea"/>
+          <a:cs typeface="+mn-cs"/>
+        </a:defRPr>
+      </a:lvl7pPr>
+      <a:lvl8pPr marL="2400300" algn="l" defTabSz="685800" rtl="0" eaLnBrk="1" latinLnBrk="0" hangingPunct="1">
+        <a:defRPr sz="1350" kern="1200">
+          <a:solidFill>
+            <a:schemeClr val="tx1"/>
+          </a:solidFill>
+          <a:latin typeface="+mn-lt"/>
+          <a:ea typeface="+mn-ea"/>
+          <a:cs typeface="+mn-cs"/>
+        </a:defRPr>
+      </a:lvl8pPr>
+      <a:lvl9pPr marL="2743200" algn="l" defTabSz="685800" rtl="0" eaLnBrk="1" latinLnBrk="0" hangingPunct="1">
+        <a:defRPr sz="1350" kern="1200">
           <a:solidFill>
             <a:schemeClr val="tx1"/>
           </a:solidFill>
@@ -6892,71 +7003,6 @@
           <a:chExt cx="0" cy="0"/>
         </a:xfrm>
       </p:grpSpPr>
-      <p:sp>
-        <p:nvSpPr>
-          <p:cNvPr id="9" name="Rectangle 2"/>
-          <p:cNvSpPr>
-            <a:spLocks noGrp="1" noChangeArrowheads="1"/>
-          </p:cNvSpPr>
-          <p:nvPr>
-            <p:ph type="ctrTitle"/>
-          </p:nvPr>
-        </p:nvSpPr>
-        <p:spPr>
-          <a:xfrm>
-            <a:off x="323528" y="-171400"/>
-            <a:ext cx="8568952" cy="1535832"/>
-          </a:xfrm>
-        </p:spPr>
-        <p:txBody>
-          <a:bodyPr/>
-          <a:lstStyle/>
-          <a:p>
-            <a:pPr algn="l" eaLnBrk="1" hangingPunct="1"/>
-            <a:r>
-              <a:rPr lang="en-US" sz="3200" b="1" u="sng" dirty="0"/>
-              <a:t>B</a:t>
-            </a:r>
-            <a:r>
-              <a:rPr lang="en-US" sz="3200" b="1" dirty="0"/>
-              <a:t>asic </a:t>
-            </a:r>
-            <a:r>
-              <a:rPr lang="en-US" sz="3200" b="1" u="sng" dirty="0"/>
-              <a:t>L</a:t>
-            </a:r>
-            <a:r>
-              <a:rPr lang="en-US" sz="3200" b="1" dirty="0"/>
-              <a:t>ocal </a:t>
-            </a:r>
-            <a:r>
-              <a:rPr lang="en-US" sz="3200" b="1" u="sng" dirty="0"/>
-              <a:t>A</a:t>
-            </a:r>
-            <a:r>
-              <a:rPr lang="en-US" sz="3200" b="1" dirty="0"/>
-              <a:t>lignment </a:t>
-            </a:r>
-            <a:r>
-              <a:rPr lang="en-US" sz="3200" b="1" u="sng" dirty="0"/>
-              <a:t>S</a:t>
-            </a:r>
-            <a:r>
-              <a:rPr lang="en-US" sz="3200" b="1" dirty="0"/>
-              <a:t>earch </a:t>
-            </a:r>
-            <a:r>
-              <a:rPr lang="en-US" sz="3200" b="1" u="sng" dirty="0"/>
-              <a:t>T</a:t>
-            </a:r>
-            <a:r>
-              <a:rPr lang="en-US" sz="3200" b="1" dirty="0"/>
-              <a:t>ool (BLAST)</a:t>
-            </a:r>
-            <a:endParaRPr lang="en-US" sz="3200" dirty="0"/>
-          </a:p>
-        </p:txBody>
-      </p:sp>
       <p:pic>
         <p:nvPicPr>
           <p:cNvPr id="12" name="Picture 11" descr="blast_f2_FULL.jpg"/>
@@ -7143,6 +7189,98 @@
               <a:rPr lang="en-US" sz="1600" dirty="0"/>
               <a:t>=3 for protein) are often sufficient – but not always!</a:t>
             </a:r>
+          </a:p>
+        </p:txBody>
+      </p:sp>
+      <p:sp>
+        <p:nvSpPr>
+          <p:cNvPr id="4" name="Rectangle 2">
+            <a:extLst>
+              <a:ext uri="{FF2B5EF4-FFF2-40B4-BE49-F238E27FC236}">
+                <a16:creationId xmlns:a16="http://schemas.microsoft.com/office/drawing/2014/main" id="{F59FD39C-B7DC-31CA-C928-52AB18E3B2D8}"/>
+              </a:ext>
+            </a:extLst>
+          </p:cNvPr>
+          <p:cNvSpPr txBox="1">
+            <a:spLocks noChangeArrowheads="1"/>
+          </p:cNvSpPr>
+          <p:nvPr/>
+        </p:nvSpPr>
+        <p:spPr>
+          <a:xfrm>
+            <a:off x="323528" y="-295099"/>
+            <a:ext cx="8568952" cy="1224136"/>
+          </a:xfrm>
+          <a:prstGeom prst="rect">
+            <a:avLst/>
+          </a:prstGeom>
+        </p:spPr>
+        <p:txBody>
+          <a:bodyPr vert="horz" lIns="91440" tIns="45720" rIns="91440" bIns="45720" rtlCol="0" anchor="b">
+            <a:normAutofit/>
+          </a:bodyPr>
+          <a:lstStyle>
+            <a:lvl1pPr algn="ctr" defTabSz="685800" rtl="0" eaLnBrk="1" latinLnBrk="0" hangingPunct="1">
+              <a:lnSpc>
+                <a:spcPct val="90000"/>
+              </a:lnSpc>
+              <a:spcBef>
+                <a:spcPct val="0"/>
+              </a:spcBef>
+              <a:buNone/>
+              <a:defRPr sz="4500" kern="1200">
+                <a:solidFill>
+                  <a:schemeClr val="tx1"/>
+                </a:solidFill>
+                <a:latin typeface="+mj-lt"/>
+                <a:ea typeface="+mj-ea"/>
+                <a:cs typeface="+mj-cs"/>
+              </a:defRPr>
+            </a:lvl1pPr>
+          </a:lstStyle>
+          <a:p>
+            <a:pPr algn="l"/>
+            <a:r>
+              <a:rPr lang="en-US" sz="3200" b="1" u="sng" dirty="0"/>
+              <a:t>B</a:t>
+            </a:r>
+            <a:r>
+              <a:rPr lang="en-US" sz="3200" b="1" dirty="0"/>
+              <a:t>asic </a:t>
+            </a:r>
+            <a:r>
+              <a:rPr lang="en-US" sz="3200" b="1" u="sng" dirty="0"/>
+              <a:t>L</a:t>
+            </a:r>
+            <a:r>
+              <a:rPr lang="en-US" sz="3200" b="1" dirty="0"/>
+              <a:t>ocal </a:t>
+            </a:r>
+            <a:r>
+              <a:rPr lang="en-US" sz="3200" b="1" u="sng" dirty="0"/>
+              <a:t>A</a:t>
+            </a:r>
+            <a:r>
+              <a:rPr lang="en-US" sz="3200" b="1" dirty="0"/>
+              <a:t>lignment </a:t>
+            </a:r>
+            <a:r>
+              <a:rPr lang="en-US" sz="3200" b="1" u="sng" dirty="0"/>
+              <a:t>S</a:t>
+            </a:r>
+            <a:r>
+              <a:rPr lang="en-US" sz="3200" b="1" dirty="0"/>
+              <a:t>earch </a:t>
+            </a:r>
+            <a:r>
+              <a:rPr lang="en-US" sz="3200" b="1" u="sng" dirty="0"/>
+              <a:t>T</a:t>
+            </a:r>
+            <a:r>
+              <a:rPr lang="en-US" sz="3200" b="1" dirty="0"/>
+              <a:t>ool (BLAST)</a:t>
+            </a:r>
+            <a:endParaRPr lang="en-US" sz="3200" dirty="0"/>
           </a:p>
         </p:txBody>
       </p:sp>
@@ -7178,71 +7316,6 @@
       </p:grpSpPr>
       <p:sp>
         <p:nvSpPr>
-          <p:cNvPr id="9" name="Rectangle 2"/>
-          <p:cNvSpPr>
-            <a:spLocks noGrp="1" noChangeArrowheads="1"/>
-          </p:cNvSpPr>
-          <p:nvPr>
-            <p:ph type="ctrTitle"/>
-          </p:nvPr>
-        </p:nvSpPr>
-        <p:spPr>
-          <a:xfrm>
-            <a:off x="323528" y="-171400"/>
-            <a:ext cx="8568952" cy="1535832"/>
-          </a:xfrm>
-        </p:spPr>
-        <p:txBody>
-          <a:bodyPr/>
-          <a:lstStyle/>
-          <a:p>
-            <a:pPr algn="l" eaLnBrk="1" hangingPunct="1"/>
-            <a:r>
-              <a:rPr lang="en-US" sz="3200" b="1" u="sng" dirty="0"/>
-              <a:t>B</a:t>
-            </a:r>
-            <a:r>
-              <a:rPr lang="en-US" sz="3200" b="1" dirty="0"/>
-              <a:t>asic </a:t>
-            </a:r>
-            <a:r>
-              <a:rPr lang="en-US" sz="3200" b="1" u="sng" dirty="0"/>
-              <a:t>L</a:t>
-            </a:r>
-            <a:r>
-              <a:rPr lang="en-US" sz="3200" b="1" dirty="0"/>
-              <a:t>ocal </a:t>
-            </a:r>
-            <a:r>
-              <a:rPr lang="en-US" sz="3200" b="1" u="sng" dirty="0"/>
-              <a:t>A</a:t>
-            </a:r>
-            <a:r>
-              <a:rPr lang="en-US" sz="3200" b="1" dirty="0"/>
-              <a:t>lignment </a:t>
-            </a:r>
-            <a:r>
-              <a:rPr lang="en-US" sz="3200" b="1" u="sng" dirty="0"/>
-              <a:t>S</a:t>
-            </a:r>
-            <a:r>
-              <a:rPr lang="en-US" sz="3200" b="1" dirty="0"/>
-              <a:t>earch </a:t>
-            </a:r>
-            <a:r>
-              <a:rPr lang="en-US" sz="3200" b="1" u="sng" dirty="0"/>
-              <a:t>T</a:t>
-            </a:r>
-            <a:r>
-              <a:rPr lang="en-US" sz="3200" b="1" dirty="0"/>
-              <a:t>ool (BLAST)</a:t>
-            </a:r>
-            <a:endParaRPr lang="en-US" sz="3200" dirty="0"/>
-          </a:p>
-        </p:txBody>
-      </p:sp>
-      <p:sp>
-        <p:nvSpPr>
           <p:cNvPr id="14" name="TextBox 13"/>
           <p:cNvSpPr txBox="1"/>
           <p:nvPr/>
@@ -7385,6 +7458,98 @@
           </a:prstGeom>
         </p:spPr>
       </p:pic>
+      <p:sp>
+        <p:nvSpPr>
+          <p:cNvPr id="5" name="Rectangle 2">
+            <a:extLst>
+              <a:ext uri="{FF2B5EF4-FFF2-40B4-BE49-F238E27FC236}">
+                <a16:creationId xmlns:a16="http://schemas.microsoft.com/office/drawing/2014/main" id="{4402BD50-B93A-2341-F615-7C5B64212914}"/>
+              </a:ext>
+            </a:extLst>
+          </p:cNvPr>
+          <p:cNvSpPr txBox="1">
+            <a:spLocks noChangeArrowheads="1"/>
+          </p:cNvSpPr>
+          <p:nvPr/>
+        </p:nvSpPr>
+        <p:spPr>
+          <a:xfrm>
+            <a:off x="323528" y="-295099"/>
+            <a:ext cx="8568952" cy="1224136"/>
+          </a:xfrm>
+          <a:prstGeom prst="rect">
+            <a:avLst/>
+          </a:prstGeom>
+        </p:spPr>
+        <p:txBody>
+          <a:bodyPr vert="horz" lIns="91440" tIns="45720" rIns="91440" bIns="45720" rtlCol="0" anchor="b">
+            <a:normAutofit/>
+          </a:bodyPr>
+          <a:lstStyle>
+            <a:lvl1pPr algn="ctr" defTabSz="685800" rtl="0" eaLnBrk="1" latinLnBrk="0" hangingPunct="1">
+              <a:lnSpc>
+                <a:spcPct val="90000"/>
+              </a:lnSpc>
+              <a:spcBef>
+                <a:spcPct val="0"/>
+              </a:spcBef>
+              <a:buNone/>
+              <a:defRPr sz="4500" kern="1200">
+                <a:solidFill>
+                  <a:schemeClr val="tx1"/>
+                </a:solidFill>
+                <a:latin typeface="+mj-lt"/>
+                <a:ea typeface="+mj-ea"/>
+                <a:cs typeface="+mj-cs"/>
+              </a:defRPr>
+            </a:lvl1pPr>
+          </a:lstStyle>
+          <a:p>
+            <a:pPr algn="l"/>
+            <a:r>
+              <a:rPr lang="en-US" sz="3200" b="1" u="sng" dirty="0"/>
+              <a:t>B</a:t>
+            </a:r>
+            <a:r>
+              <a:rPr lang="en-US" sz="3200" b="1" dirty="0"/>
+              <a:t>asic </a:t>
+            </a:r>
+            <a:r>
+              <a:rPr lang="en-US" sz="3200" b="1" u="sng" dirty="0"/>
+              <a:t>L</a:t>
+            </a:r>
+            <a:r>
+              <a:rPr lang="en-US" sz="3200" b="1" dirty="0"/>
+              <a:t>ocal </a:t>
+            </a:r>
+            <a:r>
+              <a:rPr lang="en-US" sz="3200" b="1" u="sng" dirty="0"/>
+              <a:t>A</a:t>
+            </a:r>
+            <a:r>
+              <a:rPr lang="en-US" sz="3200" b="1" dirty="0"/>
+              <a:t>lignment </a:t>
+            </a:r>
+            <a:r>
+              <a:rPr lang="en-US" sz="3200" b="1" u="sng" dirty="0"/>
+              <a:t>S</a:t>
+            </a:r>
+            <a:r>
+              <a:rPr lang="en-US" sz="3200" b="1" dirty="0"/>
+              <a:t>earch </a:t>
+            </a:r>
+            <a:r>
+              <a:rPr lang="en-US" sz="3200" b="1" u="sng" dirty="0"/>
+              <a:t>T</a:t>
+            </a:r>
+            <a:r>
+              <a:rPr lang="en-US" sz="3200" b="1" dirty="0"/>
+              <a:t>ool (BLAST)</a:t>
+            </a:r>
+            <a:endParaRPr lang="en-US" sz="3200" dirty="0"/>
+          </a:p>
+        </p:txBody>
+      </p:sp>
     </p:spTree>
     <p:extLst>
       <p:ext uri="{BB962C8B-B14F-4D97-AF65-F5344CB8AC3E}">
@@ -7415,62 +7580,15 @@
           <a:chExt cx="0" cy="0"/>
         </a:xfrm>
       </p:grpSpPr>
-      <p:sp>
-        <p:nvSpPr>
-          <p:cNvPr id="9" name="Rectangle 2"/>
-          <p:cNvSpPr>
-            <a:spLocks noGrp="1" noChangeArrowheads="1"/>
-          </p:cNvSpPr>
-          <p:nvPr>
-            <p:ph type="ctrTitle"/>
-          </p:nvPr>
-        </p:nvSpPr>
-        <p:spPr>
-          <a:xfrm>
-            <a:off x="323528" y="-171400"/>
-            <a:ext cx="8568952" cy="1535832"/>
-          </a:xfrm>
-        </p:spPr>
-        <p:txBody>
-          <a:bodyPr/>
-          <a:lstStyle/>
-          <a:p>
-            <a:pPr algn="l" eaLnBrk="1" hangingPunct="1"/>
-            <a:r>
-              <a:rPr lang="en-US" sz="3200" b="1" dirty="0"/>
-              <a:t>A </a:t>
-            </a:r>
-            <a:r>
-              <a:rPr lang="en-US" sz="3200" b="1" u="sng" dirty="0"/>
-              <a:t>H</a:t>
-            </a:r>
-            <a:r>
-              <a:rPr lang="en-US" sz="3200" b="1" dirty="0"/>
-              <a:t>igh </a:t>
-            </a:r>
-            <a:r>
-              <a:rPr lang="en-US" sz="3200" b="1" u="sng" dirty="0"/>
-              <a:t>S</a:t>
-            </a:r>
-            <a:r>
-              <a:rPr lang="en-US" sz="3200" b="1" dirty="0"/>
-              <a:t>coring </a:t>
-            </a:r>
-            <a:r>
-              <a:rPr lang="en-US" sz="3200" b="1" u="sng" dirty="0"/>
-              <a:t>P</a:t>
-            </a:r>
-            <a:r>
-              <a:rPr lang="en-US" sz="3200" b="1" dirty="0"/>
-              <a:t>air (HSP)</a:t>
-            </a:r>
-            <a:endParaRPr lang="en-US" sz="3200" dirty="0"/>
-          </a:p>
-        </p:txBody>
-      </p:sp>
       <p:pic>
         <p:nvPicPr>
-          <p:cNvPr id="3" name="Picture 2" descr="hsp.tiff"/>
+          <p:cNvPr id="2" name="Picture 1" descr="hsp.tiff">
+            <a:extLst>
+              <a:ext uri="{FF2B5EF4-FFF2-40B4-BE49-F238E27FC236}">
+                <a16:creationId xmlns:a16="http://schemas.microsoft.com/office/drawing/2014/main" id="{F791E6A9-609C-5BD9-F64D-FE8B667985D0}"/>
+              </a:ext>
+            </a:extLst>
+          </p:cNvPr>
           <p:cNvPicPr>
             <a:picLocks noChangeAspect="1"/>
           </p:cNvPicPr>
@@ -7490,7 +7608,7 @@
         </p:blipFill>
         <p:spPr>
           <a:xfrm>
-            <a:off x="1331640" y="1052736"/>
+            <a:off x="1333711" y="964084"/>
             <a:ext cx="6501830" cy="3240360"/>
           </a:xfrm>
           <a:prstGeom prst="rect">
@@ -7500,7 +7618,13 @@
       </p:pic>
       <p:pic>
         <p:nvPicPr>
-          <p:cNvPr id="4" name="Picture 3" descr="stats.tiff"/>
+          <p:cNvPr id="7" name="Picture 6" descr="stats.tiff">
+            <a:extLst>
+              <a:ext uri="{FF2B5EF4-FFF2-40B4-BE49-F238E27FC236}">
+                <a16:creationId xmlns:a16="http://schemas.microsoft.com/office/drawing/2014/main" id="{E06ED111-95CD-7657-298F-0CA14EC8D9BA}"/>
+              </a:ext>
+            </a:extLst>
+          </p:cNvPr>
           <p:cNvPicPr>
             <a:picLocks noChangeAspect="1"/>
           </p:cNvPicPr>
@@ -7520,7 +7644,7 @@
         </p:blipFill>
         <p:spPr>
           <a:xfrm>
-            <a:off x="755576" y="4420468"/>
+            <a:off x="778954" y="4255019"/>
             <a:ext cx="7658100" cy="520700"/>
           </a:xfrm>
           <a:prstGeom prst="rect">
@@ -7528,6 +7652,59 @@
           </a:prstGeom>
         </p:spPr>
       </p:pic>
+      <p:sp>
+        <p:nvSpPr>
+          <p:cNvPr id="9" name="Rectangle 2"/>
+          <p:cNvSpPr>
+            <a:spLocks noGrp="1" noChangeArrowheads="1"/>
+          </p:cNvSpPr>
+          <p:nvPr>
+            <p:ph type="ctrTitle"/>
+          </p:nvPr>
+        </p:nvSpPr>
+        <p:spPr>
+          <a:xfrm>
+            <a:off x="323528" y="-171400"/>
+            <a:ext cx="8568952" cy="1091153"/>
+          </a:xfrm>
+        </p:spPr>
+        <p:txBody>
+          <a:bodyPr/>
+          <a:lstStyle/>
+          <a:p>
+            <a:pPr algn="l" eaLnBrk="1" hangingPunct="1"/>
+            <a:r>
+              <a:rPr lang="en-US" sz="3200" b="1" dirty="0"/>
+              <a:t>A </a:t>
+            </a:r>
+            <a:r>
+              <a:rPr lang="en-US" sz="3200" b="1" u="sng" dirty="0"/>
+              <a:t>H</a:t>
+            </a:r>
+            <a:r>
+              <a:rPr lang="en-US" sz="3200" b="1" dirty="0"/>
+              <a:t>igh </a:t>
+            </a:r>
+            <a:r>
+              <a:rPr lang="en-US" sz="3200" b="1" u="sng" dirty="0"/>
+              <a:t>S</a:t>
+            </a:r>
+            <a:r>
+              <a:rPr lang="en-US" sz="3200" b="1" dirty="0"/>
+              <a:t>coring </a:t>
+            </a:r>
+            <a:r>
+              <a:rPr lang="en-US" sz="3200" b="1" u="sng" dirty="0"/>
+              <a:t>P</a:t>
+            </a:r>
+            <a:r>
+              <a:rPr lang="en-US" sz="3200" b="1" dirty="0"/>
+              <a:t>air (HSP)</a:t>
+            </a:r>
+            <a:endParaRPr lang="en-US" sz="3200" dirty="0"/>
+          </a:p>
+        </p:txBody>
+      </p:sp>
       <p:sp>
         <p:nvSpPr>
           <p:cNvPr id="5" name="Oval 4"/>
@@ -7536,7 +7713,7 @@
         </p:nvSpPr>
         <p:spPr bwMode="auto">
           <a:xfrm>
-            <a:off x="5220072" y="3717032"/>
+            <a:off x="5220072" y="3645024"/>
             <a:ext cx="504056" cy="216024"/>
           </a:xfrm>
           <a:prstGeom prst="ellipse">
@@ -7597,7 +7774,7 @@
         </p:nvSpPr>
         <p:spPr bwMode="auto">
           <a:xfrm>
-            <a:off x="1703020" y="2193524"/>
+            <a:off x="1703020" y="2060848"/>
             <a:ext cx="504056" cy="216024"/>
           </a:xfrm>
           <a:prstGeom prst="ellipse">
@@ -7658,7 +7835,7 @@
         </p:nvSpPr>
         <p:spPr bwMode="auto">
           <a:xfrm>
-            <a:off x="2771800" y="2708920"/>
+            <a:off x="2771800" y="2636912"/>
             <a:ext cx="504056" cy="216024"/>
           </a:xfrm>
           <a:prstGeom prst="ellipse">
@@ -7930,62 +8107,15 @@
           <a:chExt cx="0" cy="0"/>
         </a:xfrm>
       </p:grpSpPr>
-      <p:sp>
-        <p:nvSpPr>
-          <p:cNvPr id="9" name="Rectangle 2"/>
-          <p:cNvSpPr>
-            <a:spLocks noGrp="1" noChangeArrowheads="1"/>
-          </p:cNvSpPr>
-          <p:nvPr>
-            <p:ph type="ctrTitle"/>
-          </p:nvPr>
-        </p:nvSpPr>
-        <p:spPr>
-          <a:xfrm>
-            <a:off x="323528" y="-171400"/>
-            <a:ext cx="8568952" cy="1535832"/>
-          </a:xfrm>
-        </p:spPr>
-        <p:txBody>
-          <a:bodyPr/>
-          <a:lstStyle/>
-          <a:p>
-            <a:pPr algn="l" eaLnBrk="1" hangingPunct="1"/>
-            <a:r>
-              <a:rPr lang="en-US" sz="3200" b="1" dirty="0"/>
-              <a:t>A </a:t>
-            </a:r>
-            <a:r>
-              <a:rPr lang="en-US" sz="3200" b="1" u="sng" dirty="0"/>
-              <a:t>H</a:t>
-            </a:r>
-            <a:r>
-              <a:rPr lang="en-US" sz="3200" b="1" dirty="0"/>
-              <a:t>igh </a:t>
-            </a:r>
-            <a:r>
-              <a:rPr lang="en-US" sz="3200" b="1" u="sng" dirty="0"/>
-              <a:t>S</a:t>
-            </a:r>
-            <a:r>
-              <a:rPr lang="en-US" sz="3200" b="1" dirty="0"/>
-              <a:t>coring </a:t>
-            </a:r>
-            <a:r>
-              <a:rPr lang="en-US" sz="3200" b="1" u="sng" dirty="0"/>
-              <a:t>P</a:t>
-            </a:r>
-            <a:r>
-              <a:rPr lang="en-US" sz="3200" b="1" dirty="0"/>
-              <a:t>air (HSP)</a:t>
-            </a:r>
-            <a:endParaRPr lang="en-US" sz="3200" dirty="0"/>
-          </a:p>
-        </p:txBody>
-      </p:sp>
       <p:pic>
         <p:nvPicPr>
-          <p:cNvPr id="3" name="Picture 2" descr="hsp.tiff"/>
+          <p:cNvPr id="7" name="Picture 6" descr="hsp.tiff">
+            <a:extLst>
+              <a:ext uri="{FF2B5EF4-FFF2-40B4-BE49-F238E27FC236}">
+                <a16:creationId xmlns:a16="http://schemas.microsoft.com/office/drawing/2014/main" id="{1D84B8A0-C3B7-7008-8E2E-A5B4F4C7367C}"/>
+              </a:ext>
+            </a:extLst>
+          </p:cNvPr>
           <p:cNvPicPr>
             <a:picLocks noChangeAspect="1"/>
           </p:cNvPicPr>
@@ -8005,7 +8135,7 @@
         </p:blipFill>
         <p:spPr>
           <a:xfrm>
-            <a:off x="1331640" y="1052736"/>
+            <a:off x="1333711" y="964084"/>
             <a:ext cx="6501830" cy="3240360"/>
           </a:xfrm>
           <a:prstGeom prst="rect">
@@ -8015,7 +8145,13 @@
       </p:pic>
       <p:pic>
         <p:nvPicPr>
-          <p:cNvPr id="4" name="Picture 3" descr="stats.tiff"/>
+          <p:cNvPr id="8" name="Picture 7" descr="stats.tiff">
+            <a:extLst>
+              <a:ext uri="{FF2B5EF4-FFF2-40B4-BE49-F238E27FC236}">
+                <a16:creationId xmlns:a16="http://schemas.microsoft.com/office/drawing/2014/main" id="{A878077C-3D3A-9F03-BE16-4E93081ACFC1}"/>
+              </a:ext>
+            </a:extLst>
+          </p:cNvPr>
           <p:cNvPicPr>
             <a:picLocks noChangeAspect="1"/>
           </p:cNvPicPr>
@@ -8035,7 +8171,7 @@
         </p:blipFill>
         <p:spPr>
           <a:xfrm>
-            <a:off x="755576" y="4420468"/>
+            <a:off x="778954" y="4255019"/>
             <a:ext cx="7658100" cy="520700"/>
           </a:xfrm>
           <a:prstGeom prst="rect">
@@ -8046,13 +8182,15 @@
       <p:cxnSp>
         <p:nvCxnSpPr>
           <p:cNvPr id="21" name="Straight Arrow Connector 20"/>
-          <p:cNvCxnSpPr/>
+          <p:cNvCxnSpPr>
+            <a:cxnSpLocks/>
+          </p:cNvCxnSpPr>
           <p:nvPr/>
         </p:nvCxnSpPr>
         <p:spPr bwMode="auto">
           <a:xfrm flipV="1">
-            <a:off x="5254092" y="3140968"/>
-            <a:ext cx="720080" cy="3024336"/>
+            <a:off x="5254092" y="3068960"/>
+            <a:ext cx="758068" cy="3096344"/>
           </a:xfrm>
           <a:prstGeom prst="straightConnector1">
             <a:avLst/>
@@ -8075,13 +8213,15 @@
       <p:cxnSp>
         <p:nvCxnSpPr>
           <p:cNvPr id="24" name="Straight Arrow Connector 23"/>
-          <p:cNvCxnSpPr/>
+          <p:cNvCxnSpPr>
+            <a:cxnSpLocks/>
+          </p:cNvCxnSpPr>
           <p:nvPr/>
         </p:nvCxnSpPr>
         <p:spPr bwMode="auto">
           <a:xfrm flipH="1" flipV="1">
-            <a:off x="6156176" y="3140968"/>
-            <a:ext cx="216024" cy="3096344"/>
+            <a:off x="6156176" y="3068960"/>
+            <a:ext cx="216024" cy="3168352"/>
           </a:xfrm>
           <a:prstGeom prst="straightConnector1">
             <a:avLst/>
@@ -8104,13 +8244,15 @@
       <p:cxnSp>
         <p:nvCxnSpPr>
           <p:cNvPr id="25" name="Straight Arrow Connector 24"/>
-          <p:cNvCxnSpPr/>
+          <p:cNvCxnSpPr>
+            <a:cxnSpLocks/>
+          </p:cNvCxnSpPr>
           <p:nvPr/>
         </p:nvCxnSpPr>
         <p:spPr bwMode="auto">
           <a:xfrm flipH="1" flipV="1">
-            <a:off x="6732240" y="3140968"/>
-            <a:ext cx="1080120" cy="3024336"/>
+            <a:off x="6732240" y="3068960"/>
+            <a:ext cx="1080120" cy="3096344"/>
           </a:xfrm>
           <a:prstGeom prst="straightConnector1">
             <a:avLst/>
@@ -8444,6 +8586,86 @@
               <a:rPr lang="en-US" sz="1200" i="1" dirty="0"/>
               <a:t>-chemical properties</a:t>
             </a:r>
+          </a:p>
+        </p:txBody>
+      </p:sp>
+      <p:sp>
+        <p:nvSpPr>
+          <p:cNvPr id="6" name="Rectangle 2">
+            <a:extLst>
+              <a:ext uri="{FF2B5EF4-FFF2-40B4-BE49-F238E27FC236}">
+                <a16:creationId xmlns:a16="http://schemas.microsoft.com/office/drawing/2014/main" id="{1AC332A1-01A6-3352-F657-D9163883EB09}"/>
+              </a:ext>
+            </a:extLst>
+          </p:cNvPr>
+          <p:cNvSpPr txBox="1">
+            <a:spLocks noChangeArrowheads="1"/>
+          </p:cNvSpPr>
+          <p:nvPr/>
+        </p:nvSpPr>
+        <p:spPr>
+          <a:xfrm>
+            <a:off x="323528" y="-171400"/>
+            <a:ext cx="8568952" cy="1091153"/>
+          </a:xfrm>
+          <a:prstGeom prst="rect">
+            <a:avLst/>
+          </a:prstGeom>
+        </p:spPr>
+        <p:txBody>
+          <a:bodyPr vert="horz" lIns="91440" tIns="45720" rIns="91440" bIns="45720" rtlCol="0" anchor="b">
+            <a:normAutofit/>
+          </a:bodyPr>
+          <a:lstStyle>
+            <a:lvl1pPr algn="ctr" defTabSz="685800" rtl="0" eaLnBrk="1" latinLnBrk="0" hangingPunct="1">
+              <a:lnSpc>
+                <a:spcPct val="90000"/>
+              </a:lnSpc>
+              <a:spcBef>
+                <a:spcPct val="0"/>
+              </a:spcBef>
+              <a:buNone/>
+              <a:defRPr sz="4500" kern="1200">
+                <a:solidFill>
+                  <a:schemeClr val="tx1"/>
+                </a:solidFill>
+                <a:latin typeface="+mj-lt"/>
+                <a:ea typeface="+mj-ea"/>
+                <a:cs typeface="+mj-cs"/>
+              </a:defRPr>
+            </a:lvl1pPr>
+          </a:lstStyle>
+          <a:p>
+            <a:pPr algn="l"/>
+            <a:r>
+              <a:rPr lang="en-US" sz="3200" b="1"/>
+              <a:t>A </a:t>
+            </a:r>
+            <a:r>
+              <a:rPr lang="en-US" sz="3200" b="1" u="sng"/>
+              <a:t>H</a:t>
+            </a:r>
+            <a:r>
+              <a:rPr lang="en-US" sz="3200" b="1"/>
+              <a:t>igh </a:t>
+            </a:r>
+            <a:r>
+              <a:rPr lang="en-US" sz="3200" b="1" u="sng"/>
+              <a:t>S</a:t>
+            </a:r>
+            <a:r>
+              <a:rPr lang="en-US" sz="3200" b="1"/>
+              <a:t>coring </a:t>
+            </a:r>
+            <a:r>
+              <a:rPr lang="en-US" sz="3200" b="1" u="sng"/>
+              <a:t>P</a:t>
+            </a:r>
+            <a:r>
+              <a:rPr lang="en-US" sz="3200" b="1"/>
+              <a:t>air (HSP)</a:t>
+            </a:r>
+            <a:endParaRPr lang="en-US" sz="3200" dirty="0"/>
           </a:p>
         </p:txBody>
       </p:sp>
@@ -8477,62 +8699,15 @@
           <a:chExt cx="0" cy="0"/>
         </a:xfrm>
       </p:grpSpPr>
-      <p:sp>
-        <p:nvSpPr>
-          <p:cNvPr id="9" name="Rectangle 2"/>
-          <p:cNvSpPr>
-            <a:spLocks noGrp="1" noChangeArrowheads="1"/>
-          </p:cNvSpPr>
-          <p:nvPr>
-            <p:ph type="ctrTitle"/>
-          </p:nvPr>
-        </p:nvSpPr>
-        <p:spPr>
-          <a:xfrm>
-            <a:off x="323528" y="-171400"/>
-            <a:ext cx="8568952" cy="1535832"/>
-          </a:xfrm>
-        </p:spPr>
-        <p:txBody>
-          <a:bodyPr/>
-          <a:lstStyle/>
-          <a:p>
-            <a:pPr algn="l" eaLnBrk="1" hangingPunct="1"/>
-            <a:r>
-              <a:rPr lang="en-US" sz="3200" b="1" dirty="0"/>
-              <a:t>A </a:t>
-            </a:r>
-            <a:r>
-              <a:rPr lang="en-US" sz="3200" b="1" u="sng" dirty="0"/>
-              <a:t>H</a:t>
-            </a:r>
-            <a:r>
-              <a:rPr lang="en-US" sz="3200" b="1" dirty="0"/>
-              <a:t>igh </a:t>
-            </a:r>
-            <a:r>
-              <a:rPr lang="en-US" sz="3200" b="1" u="sng" dirty="0"/>
-              <a:t>S</a:t>
-            </a:r>
-            <a:r>
-              <a:rPr lang="en-US" sz="3200" b="1" dirty="0"/>
-              <a:t>coring </a:t>
-            </a:r>
-            <a:r>
-              <a:rPr lang="en-US" sz="3200" b="1" u="sng" dirty="0"/>
-              <a:t>P</a:t>
-            </a:r>
-            <a:r>
-              <a:rPr lang="en-US" sz="3200" b="1" dirty="0"/>
-              <a:t>air (HSP)</a:t>
-            </a:r>
-            <a:endParaRPr lang="en-US" sz="3200" dirty="0"/>
-          </a:p>
-        </p:txBody>
-      </p:sp>
       <p:pic>
         <p:nvPicPr>
-          <p:cNvPr id="3" name="Picture 2" descr="hsp.tiff"/>
+          <p:cNvPr id="7" name="Picture 6" descr="hsp.tiff">
+            <a:extLst>
+              <a:ext uri="{FF2B5EF4-FFF2-40B4-BE49-F238E27FC236}">
+                <a16:creationId xmlns:a16="http://schemas.microsoft.com/office/drawing/2014/main" id="{5A22F2E7-6017-AEFC-73C0-CDF2C7383A2C}"/>
+              </a:ext>
+            </a:extLst>
+          </p:cNvPr>
           <p:cNvPicPr>
             <a:picLocks noChangeAspect="1"/>
           </p:cNvPicPr>
@@ -8552,7 +8727,7 @@
         </p:blipFill>
         <p:spPr>
           <a:xfrm>
-            <a:off x="1331640" y="1052736"/>
+            <a:off x="1333711" y="964084"/>
             <a:ext cx="6501830" cy="3240360"/>
           </a:xfrm>
           <a:prstGeom prst="rect">
@@ -8562,7 +8737,13 @@
       </p:pic>
       <p:pic>
         <p:nvPicPr>
-          <p:cNvPr id="4" name="Picture 3" descr="stats.tiff"/>
+          <p:cNvPr id="8" name="Picture 7" descr="stats.tiff">
+            <a:extLst>
+              <a:ext uri="{FF2B5EF4-FFF2-40B4-BE49-F238E27FC236}">
+                <a16:creationId xmlns:a16="http://schemas.microsoft.com/office/drawing/2014/main" id="{22A9ED55-9A1C-4054-1839-74304CEDFC40}"/>
+              </a:ext>
+            </a:extLst>
+          </p:cNvPr>
           <p:cNvPicPr>
             <a:picLocks noChangeAspect="1"/>
           </p:cNvPicPr>
@@ -8582,7 +8763,7 @@
         </p:blipFill>
         <p:spPr>
           <a:xfrm>
-            <a:off x="755576" y="4420468"/>
+            <a:off x="778954" y="4255019"/>
             <a:ext cx="7658100" cy="520700"/>
           </a:xfrm>
           <a:prstGeom prst="rect">
@@ -8593,13 +8774,15 @@
       <p:cxnSp>
         <p:nvCxnSpPr>
           <p:cNvPr id="21" name="Straight Arrow Connector 20"/>
-          <p:cNvCxnSpPr/>
+          <p:cNvCxnSpPr>
+            <a:cxnSpLocks/>
+          </p:cNvCxnSpPr>
           <p:nvPr/>
         </p:nvCxnSpPr>
         <p:spPr bwMode="auto">
           <a:xfrm flipV="1">
-            <a:off x="5254092" y="5013176"/>
-            <a:ext cx="37988" cy="1152128"/>
+            <a:off x="5254092" y="4833257"/>
+            <a:ext cx="18552" cy="1332047"/>
           </a:xfrm>
           <a:prstGeom prst="straightConnector1">
             <a:avLst/>
@@ -8622,13 +8805,15 @@
       <p:cxnSp>
         <p:nvCxnSpPr>
           <p:cNvPr id="24" name="Straight Arrow Connector 23"/>
-          <p:cNvCxnSpPr/>
+          <p:cNvCxnSpPr>
+            <a:cxnSpLocks/>
+          </p:cNvCxnSpPr>
           <p:nvPr/>
         </p:nvCxnSpPr>
         <p:spPr bwMode="auto">
           <a:xfrm flipV="1">
-            <a:off x="6372200" y="5013176"/>
-            <a:ext cx="72008" cy="1224136"/>
+            <a:off x="6372200" y="4826294"/>
+            <a:ext cx="84957" cy="1411018"/>
           </a:xfrm>
           <a:prstGeom prst="straightConnector1">
             <a:avLst/>
@@ -8651,13 +8836,15 @@
       <p:cxnSp>
         <p:nvCxnSpPr>
           <p:cNvPr id="25" name="Straight Arrow Connector 24"/>
-          <p:cNvCxnSpPr/>
+          <p:cNvCxnSpPr>
+            <a:cxnSpLocks/>
+          </p:cNvCxnSpPr>
           <p:nvPr/>
         </p:nvCxnSpPr>
         <p:spPr bwMode="auto">
           <a:xfrm flipH="1" flipV="1">
-            <a:off x="7668344" y="5013176"/>
-            <a:ext cx="144016" cy="1152128"/>
+            <a:off x="7653647" y="4857008"/>
+            <a:ext cx="158713" cy="1308296"/>
           </a:xfrm>
           <a:prstGeom prst="straightConnector1">
             <a:avLst/>
@@ -8997,6 +9184,86 @@
               <a:rPr lang="en-US" sz="1200" i="1" dirty="0"/>
               <a:t>-chemical properties</a:t>
             </a:r>
+          </a:p>
+        </p:txBody>
+      </p:sp>
+      <p:sp>
+        <p:nvSpPr>
+          <p:cNvPr id="6" name="Rectangle 2">
+            <a:extLst>
+              <a:ext uri="{FF2B5EF4-FFF2-40B4-BE49-F238E27FC236}">
+                <a16:creationId xmlns:a16="http://schemas.microsoft.com/office/drawing/2014/main" id="{0D2D5396-B9F6-B5F1-BCE4-AC94DD87D3B6}"/>
+              </a:ext>
+            </a:extLst>
+          </p:cNvPr>
+          <p:cNvSpPr txBox="1">
+            <a:spLocks noChangeArrowheads="1"/>
+          </p:cNvSpPr>
+          <p:nvPr/>
+        </p:nvSpPr>
+        <p:spPr>
+          <a:xfrm>
+            <a:off x="323528" y="-171400"/>
+            <a:ext cx="8568952" cy="1091153"/>
+          </a:xfrm>
+          <a:prstGeom prst="rect">
+            <a:avLst/>
+          </a:prstGeom>
+        </p:spPr>
+        <p:txBody>
+          <a:bodyPr vert="horz" lIns="91440" tIns="45720" rIns="91440" bIns="45720" rtlCol="0" anchor="b">
+            <a:normAutofit/>
+          </a:bodyPr>
+          <a:lstStyle>
+            <a:lvl1pPr algn="ctr" defTabSz="685800" rtl="0" eaLnBrk="1" latinLnBrk="0" hangingPunct="1">
+              <a:lnSpc>
+                <a:spcPct val="90000"/>
+              </a:lnSpc>
+              <a:spcBef>
+                <a:spcPct val="0"/>
+              </a:spcBef>
+              <a:buNone/>
+              <a:defRPr sz="4500" kern="1200">
+                <a:solidFill>
+                  <a:schemeClr val="tx1"/>
+                </a:solidFill>
+                <a:latin typeface="+mj-lt"/>
+                <a:ea typeface="+mj-ea"/>
+                <a:cs typeface="+mj-cs"/>
+              </a:defRPr>
+            </a:lvl1pPr>
+          </a:lstStyle>
+          <a:p>
+            <a:pPr algn="l"/>
+            <a:r>
+              <a:rPr lang="en-US" sz="3200" b="1"/>
+              <a:t>A </a:t>
+            </a:r>
+            <a:r>
+              <a:rPr lang="en-US" sz="3200" b="1" u="sng"/>
+              <a:t>H</a:t>
+            </a:r>
+            <a:r>
+              <a:rPr lang="en-US" sz="3200" b="1"/>
+              <a:t>igh </a:t>
+            </a:r>
+            <a:r>
+              <a:rPr lang="en-US" sz="3200" b="1" u="sng"/>
+              <a:t>S</a:t>
+            </a:r>
+            <a:r>
+              <a:rPr lang="en-US" sz="3200" b="1"/>
+              <a:t>coring </a:t>
+            </a:r>
+            <a:r>
+              <a:rPr lang="en-US" sz="3200" b="1" u="sng"/>
+              <a:t>P</a:t>
+            </a:r>
+            <a:r>
+              <a:rPr lang="en-US" sz="3200" b="1"/>
+              <a:t>air (HSP)</a:t>
+            </a:r>
+            <a:endParaRPr lang="en-US" sz="3200" dirty="0"/>
           </a:p>
         </p:txBody>
       </p:sp>
@@ -9030,59 +9297,6 @@
           <a:chExt cx="0" cy="0"/>
         </a:xfrm>
       </p:grpSpPr>
-      <p:sp>
-        <p:nvSpPr>
-          <p:cNvPr id="9" name="Rectangle 2"/>
-          <p:cNvSpPr>
-            <a:spLocks noGrp="1" noChangeArrowheads="1"/>
-          </p:cNvSpPr>
-          <p:nvPr>
-            <p:ph type="ctrTitle"/>
-          </p:nvPr>
-        </p:nvSpPr>
-        <p:spPr>
-          <a:xfrm>
-            <a:off x="323528" y="-171400"/>
-            <a:ext cx="8568952" cy="1535832"/>
-          </a:xfrm>
-        </p:spPr>
-        <p:txBody>
-          <a:bodyPr/>
-          <a:lstStyle/>
-          <a:p>
-            <a:pPr algn="l" eaLnBrk="1" hangingPunct="1"/>
-            <a:r>
-              <a:rPr lang="en-US" sz="3200" b="1" dirty="0"/>
-              <a:t>A </a:t>
-            </a:r>
-            <a:r>
-              <a:rPr lang="en-US" sz="3200" b="1" u="sng" dirty="0"/>
-              <a:t>H</a:t>
-            </a:r>
-            <a:r>
-              <a:rPr lang="en-US" sz="3200" b="1" dirty="0"/>
-              <a:t>igh </a:t>
-            </a:r>
-            <a:r>
-              <a:rPr lang="en-US" sz="3200" b="1" u="sng" dirty="0"/>
-              <a:t>S</a:t>
-            </a:r>
-            <a:r>
-              <a:rPr lang="en-US" sz="3200" b="1" dirty="0"/>
-              <a:t>coring </a:t>
-            </a:r>
-            <a:r>
-              <a:rPr lang="en-US" sz="3200" b="1" u="sng" dirty="0"/>
-              <a:t>P</a:t>
-            </a:r>
-            <a:r>
-              <a:rPr lang="en-US" sz="3200" b="1" dirty="0"/>
-              <a:t>air (HSP)</a:t>
-            </a:r>
-            <a:endParaRPr lang="en-US" sz="3200" dirty="0"/>
-          </a:p>
-        </p:txBody>
-      </p:sp>
       <p:pic>
         <p:nvPicPr>
           <p:cNvPr id="3" name="Picture 2" descr="hsp.tiff"/>
@@ -9105,7 +9319,7 @@
         </p:blipFill>
         <p:spPr>
           <a:xfrm>
-            <a:off x="1331640" y="1052736"/>
+            <a:off x="1333711" y="964084"/>
             <a:ext cx="6501830" cy="3240360"/>
           </a:xfrm>
           <a:prstGeom prst="rect">
@@ -9135,7 +9349,7 @@
         </p:blipFill>
         <p:spPr>
           <a:xfrm>
-            <a:off x="755576" y="4420468"/>
+            <a:off x="778954" y="4255019"/>
             <a:ext cx="7658100" cy="520700"/>
           </a:xfrm>
           <a:prstGeom prst="rect">
@@ -9182,7 +9396,7 @@
         </p:nvSpPr>
         <p:spPr bwMode="auto">
           <a:xfrm>
-            <a:off x="1691680" y="5157192"/>
+            <a:off x="1704422" y="4826294"/>
             <a:ext cx="6264696" cy="1569660"/>
           </a:xfrm>
           <a:prstGeom prst="rect">
@@ -9251,6 +9465,86 @@
               <a:rPr lang="en-US" sz="1600" dirty="0"/>
               <a:t>Bit score is independent of query sequence length and database size (i.e. normalized) allowing comparison among different searches or databases.</a:t>
             </a:r>
+          </a:p>
+        </p:txBody>
+      </p:sp>
+      <p:sp>
+        <p:nvSpPr>
+          <p:cNvPr id="6" name="Rectangle 2">
+            <a:extLst>
+              <a:ext uri="{FF2B5EF4-FFF2-40B4-BE49-F238E27FC236}">
+                <a16:creationId xmlns:a16="http://schemas.microsoft.com/office/drawing/2014/main" id="{7B12204E-D71F-A2E2-4284-C5A411B7DFF7}"/>
+              </a:ext>
+            </a:extLst>
+          </p:cNvPr>
+          <p:cNvSpPr txBox="1">
+            <a:spLocks noChangeArrowheads="1"/>
+          </p:cNvSpPr>
+          <p:nvPr/>
+        </p:nvSpPr>
+        <p:spPr>
+          <a:xfrm>
+            <a:off x="323528" y="-171400"/>
+            <a:ext cx="8568952" cy="1091153"/>
+          </a:xfrm>
+          <a:prstGeom prst="rect">
+            <a:avLst/>
+          </a:prstGeom>
+        </p:spPr>
+        <p:txBody>
+          <a:bodyPr vert="horz" lIns="91440" tIns="45720" rIns="91440" bIns="45720" rtlCol="0" anchor="b">
+            <a:normAutofit/>
+          </a:bodyPr>
+          <a:lstStyle>
+            <a:lvl1pPr algn="ctr" defTabSz="685800" rtl="0" eaLnBrk="1" latinLnBrk="0" hangingPunct="1">
+              <a:lnSpc>
+                <a:spcPct val="90000"/>
+              </a:lnSpc>
+              <a:spcBef>
+                <a:spcPct val="0"/>
+              </a:spcBef>
+              <a:buNone/>
+              <a:defRPr sz="4500" kern="1200">
+                <a:solidFill>
+                  <a:schemeClr val="tx1"/>
+                </a:solidFill>
+                <a:latin typeface="+mj-lt"/>
+                <a:ea typeface="+mj-ea"/>
+                <a:cs typeface="+mj-cs"/>
+              </a:defRPr>
+            </a:lvl1pPr>
+          </a:lstStyle>
+          <a:p>
+            <a:pPr algn="l"/>
+            <a:r>
+              <a:rPr lang="en-US" sz="3200" b="1"/>
+              <a:t>A </a:t>
+            </a:r>
+            <a:r>
+              <a:rPr lang="en-US" sz="3200" b="1" u="sng"/>
+              <a:t>H</a:t>
+            </a:r>
+            <a:r>
+              <a:rPr lang="en-US" sz="3200" b="1"/>
+              <a:t>igh </a:t>
+            </a:r>
+            <a:r>
+              <a:rPr lang="en-US" sz="3200" b="1" u="sng"/>
+              <a:t>S</a:t>
+            </a:r>
+            <a:r>
+              <a:rPr lang="en-US" sz="3200" b="1"/>
+              <a:t>coring </a:t>
+            </a:r>
+            <a:r>
+              <a:rPr lang="en-US" sz="3200" b="1" u="sng"/>
+              <a:t>P</a:t>
+            </a:r>
+            <a:r>
+              <a:rPr lang="en-US" sz="3200" b="1"/>
+              <a:t>air (HSP)</a:t>
+            </a:r>
+            <a:endParaRPr lang="en-US" sz="3200" dirty="0"/>
           </a:p>
         </p:txBody>
       </p:sp>
@@ -9284,27 +9578,157 @@
           <a:chExt cx="0" cy="0"/>
         </a:xfrm>
       </p:grpSpPr>
-      <p:sp>
-        <p:nvSpPr>
-          <p:cNvPr id="9" name="Rectangle 2"/>
-          <p:cNvSpPr>
-            <a:spLocks noGrp="1" noChangeArrowheads="1"/>
-          </p:cNvSpPr>
-          <p:nvPr>
-            <p:ph type="ctrTitle"/>
-          </p:nvPr>
+      <p:cxnSp>
+        <p:nvCxnSpPr>
+          <p:cNvPr id="21" name="Straight Arrow Connector 20"/>
+          <p:cNvCxnSpPr/>
+          <p:nvPr/>
+        </p:nvCxnSpPr>
+        <p:spPr bwMode="auto">
+          <a:xfrm flipH="1" flipV="1">
+            <a:off x="2195736" y="4844495"/>
+            <a:ext cx="576064" cy="648072"/>
+          </a:xfrm>
+          <a:prstGeom prst="straightConnector1">
+            <a:avLst/>
+          </a:prstGeom>
+          <a:solidFill>
+            <a:schemeClr val="accent1"/>
+          </a:solidFill>
+          <a:ln w="9525" cap="flat" cmpd="sng" algn="ctr">
+            <a:solidFill>
+              <a:srgbClr val="FF0000"/>
+            </a:solidFill>
+            <a:prstDash val="dash"/>
+            <a:round/>
+            <a:headEnd type="none" w="med" len="med"/>
+            <a:tailEnd type="arrow"/>
+          </a:ln>
+          <a:effectLst/>
+        </p:spPr>
+      </p:cxnSp>
+      <p:sp>
+        <p:nvSpPr>
+          <p:cNvPr id="26" name="Text Box 5"/>
+          <p:cNvSpPr txBox="1">
+            <a:spLocks noChangeArrowheads="1"/>
+          </p:cNvSpPr>
+          <p:nvPr/>
+        </p:nvSpPr>
+        <p:spPr bwMode="auto">
+          <a:xfrm>
+            <a:off x="2771800" y="4844495"/>
+            <a:ext cx="6264696" cy="1815882"/>
+          </a:xfrm>
+          <a:prstGeom prst="rect">
+            <a:avLst/>
+          </a:prstGeom>
+          <a:noFill/>
+          <a:ln>
+            <a:noFill/>
+          </a:ln>
+          <a:effectLst/>
+          <a:extLst>
+            <a:ext uri="{909E8E84-426E-40dd-AFC4-6F175D3DCCD1}">
+              <a14:hiddenFill xmlns="" xmlns:a14="http://schemas.microsoft.com/office/drawing/2010/main">
+                <a:solidFill>
+                  <a:schemeClr val="accent1"/>
+                </a:solidFill>
+              </a14:hiddenFill>
+            </a:ext>
+            <a:ext uri="{91240B29-F687-4f45-9708-019B960494DF}">
+              <a14:hiddenLine xmlns="" xmlns:a14="http://schemas.microsoft.com/office/drawing/2010/main" w="9525">
+                <a:solidFill>
+                  <a:schemeClr val="tx1"/>
+                </a:solidFill>
+                <a:miter lim="800000"/>
+                <a:headEnd/>
+                <a:tailEnd/>
+              </a14:hiddenLine>
+            </a:ext>
+            <a:ext uri="{AF507438-7753-43e0-B8FC-AC1667EBCBE1}">
+              <a14:hiddenEffects xmlns="" xmlns:a14="http://schemas.microsoft.com/office/drawing/2010/main">
+                <a:effectLst>
+                  <a:outerShdw blurRad="63500" dist="38099" dir="2700000" algn="ctr" rotWithShape="0">
+                    <a:schemeClr val="bg2">
+                      <a:alpha val="74998"/>
+                    </a:schemeClr>
+                  </a:outerShdw>
+                </a:effectLst>
+              </a14:hiddenEffects>
+            </a:ext>
+          </a:extLst>
+        </p:spPr>
+        <p:txBody>
+          <a:bodyPr wrap="square">
+            <a:spAutoFit/>
+          </a:bodyPr>
+          <a:lstStyle/>
+          <a:p>
+            <a:r>
+              <a:rPr lang="en-US" sz="1600" dirty="0"/>
+              <a:t>The expectation value (e-value) estimates the likelihood that a given sequence match is purely by chance. The lower the expectation value, the less likely the database match is a result of random chance and therefore the more significant.</a:t>
+            </a:r>
+          </a:p>
+          <a:p>
+            <a:endParaRPr lang="en-US" sz="1600" dirty="0"/>
+          </a:p>
+          <a:p>
+            <a:r>
+              <a:rPr lang="en-US" sz="1600" dirty="0"/>
+              <a:t>E-value is a function of database size – how good is the database’s sample of “sequence space” to determine random matches?</a:t>
+            </a:r>
+          </a:p>
+        </p:txBody>
+      </p:sp>
+      <p:sp>
+        <p:nvSpPr>
+          <p:cNvPr id="6" name="Rectangle 2">
+            <a:extLst>
+              <a:ext uri="{FF2B5EF4-FFF2-40B4-BE49-F238E27FC236}">
+                <a16:creationId xmlns:a16="http://schemas.microsoft.com/office/drawing/2014/main" id="{42CB95E2-9425-B737-230F-247453A1EAE0}"/>
+              </a:ext>
+            </a:extLst>
+          </p:cNvPr>
+          <p:cNvSpPr txBox="1">
+            <a:spLocks noChangeArrowheads="1"/>
+          </p:cNvSpPr>
+          <p:nvPr/>
         </p:nvSpPr>
         <p:spPr>
           <a:xfrm>
             <a:off x="323528" y="-171400"/>
-            <a:ext cx="8568952" cy="1535832"/>
-          </a:xfrm>
-        </p:spPr>
-        <p:txBody>
-          <a:bodyPr/>
-          <a:lstStyle/>
-          <a:p>
-            <a:pPr algn="l" eaLnBrk="1" hangingPunct="1"/>
+            <a:ext cx="8568952" cy="1091153"/>
+          </a:xfrm>
+          <a:prstGeom prst="rect">
+            <a:avLst/>
+          </a:prstGeom>
+        </p:spPr>
+        <p:txBody>
+          <a:bodyPr vert="horz" lIns="91440" tIns="45720" rIns="91440" bIns="45720" rtlCol="0" anchor="b">
+            <a:normAutofit/>
+          </a:bodyPr>
+          <a:lstStyle>
+            <a:lvl1pPr algn="ctr" defTabSz="685800" rtl="0" eaLnBrk="1" latinLnBrk="0" hangingPunct="1">
+              <a:lnSpc>
+                <a:spcPct val="90000"/>
+              </a:lnSpc>
+              <a:spcBef>
+                <a:spcPct val="0"/>
+              </a:spcBef>
+              <a:buNone/>
+              <a:defRPr sz="4500" kern="1200">
+                <a:solidFill>
+                  <a:schemeClr val="tx1"/>
+                </a:solidFill>
+                <a:latin typeface="+mj-lt"/>
+                <a:ea typeface="+mj-ea"/>
+                <a:cs typeface="+mj-cs"/>
+              </a:defRPr>
+            </a:lvl1pPr>
+          </a:lstStyle>
+          <a:p>
+            <a:pPr algn="l"/>
             <a:r>
               <a:rPr lang="en-US" sz="3200" b="1" dirty="0"/>
               <a:t>A </a:t>
@@ -9339,7 +9763,13 @@
       </p:sp>
       <p:pic>
         <p:nvPicPr>
-          <p:cNvPr id="3" name="Picture 2" descr="hsp.tiff"/>
+          <p:cNvPr id="7" name="Picture 6" descr="hsp.tiff">
+            <a:extLst>
+              <a:ext uri="{FF2B5EF4-FFF2-40B4-BE49-F238E27FC236}">
+                <a16:creationId xmlns:a16="http://schemas.microsoft.com/office/drawing/2014/main" id="{B797913C-5119-1610-71A4-AD4CC002210D}"/>
+              </a:ext>
+            </a:extLst>
+          </p:cNvPr>
           <p:cNvPicPr>
             <a:picLocks noChangeAspect="1"/>
           </p:cNvPicPr>
@@ -9359,7 +9789,7 @@
         </p:blipFill>
         <p:spPr>
           <a:xfrm>
-            <a:off x="1331640" y="1052736"/>
+            <a:off x="1333711" y="964084"/>
             <a:ext cx="6501830" cy="3240360"/>
           </a:xfrm>
           <a:prstGeom prst="rect">
@@ -9369,7 +9799,13 @@
       </p:pic>
       <p:pic>
         <p:nvPicPr>
-          <p:cNvPr id="4" name="Picture 3" descr="stats.tiff"/>
+          <p:cNvPr id="8" name="Picture 7" descr="stats.tiff">
+            <a:extLst>
+              <a:ext uri="{FF2B5EF4-FFF2-40B4-BE49-F238E27FC236}">
+                <a16:creationId xmlns:a16="http://schemas.microsoft.com/office/drawing/2014/main" id="{B2B44A15-036A-B6DB-05B9-38F3B66B658C}"/>
+              </a:ext>
+            </a:extLst>
+          </p:cNvPr>
           <p:cNvPicPr>
             <a:picLocks noChangeAspect="1"/>
           </p:cNvPicPr>
@@ -9389,7 +9825,7 @@
         </p:blipFill>
         <p:spPr>
           <a:xfrm>
-            <a:off x="755576" y="4420468"/>
+            <a:off x="778954" y="4255019"/>
             <a:ext cx="7658100" cy="520700"/>
           </a:xfrm>
           <a:prstGeom prst="rect">
@@ -9397,109 +9833,6 @@
           </a:prstGeom>
         </p:spPr>
       </p:pic>
-      <p:cxnSp>
-        <p:nvCxnSpPr>
-          <p:cNvPr id="21" name="Straight Arrow Connector 20"/>
-          <p:cNvCxnSpPr/>
-          <p:nvPr/>
-        </p:nvCxnSpPr>
-        <p:spPr bwMode="auto">
-          <a:xfrm flipH="1" flipV="1">
-            <a:off x="2195736" y="5085184"/>
-            <a:ext cx="576064" cy="648072"/>
-          </a:xfrm>
-          <a:prstGeom prst="straightConnector1">
-            <a:avLst/>
-          </a:prstGeom>
-          <a:solidFill>
-            <a:schemeClr val="accent1"/>
-          </a:solidFill>
-          <a:ln w="9525" cap="flat" cmpd="sng" algn="ctr">
-            <a:solidFill>
-              <a:srgbClr val="FF0000"/>
-            </a:solidFill>
-            <a:prstDash val="dash"/>
-            <a:round/>
-            <a:headEnd type="none" w="med" len="med"/>
-            <a:tailEnd type="arrow"/>
-          </a:ln>
-          <a:effectLst/>
-        </p:spPr>
-      </p:cxnSp>
-      <p:sp>
-        <p:nvSpPr>
-          <p:cNvPr id="26" name="Text Box 5"/>
-          <p:cNvSpPr txBox="1">
-            <a:spLocks noChangeArrowheads="1"/>
-          </p:cNvSpPr>
-          <p:nvPr/>
-        </p:nvSpPr>
-        <p:spPr bwMode="auto">
-          <a:xfrm>
-            <a:off x="2771800" y="5013176"/>
-            <a:ext cx="6264696" cy="1815882"/>
-          </a:xfrm>
-          <a:prstGeom prst="rect">
-            <a:avLst/>
-          </a:prstGeom>
-          <a:noFill/>
-          <a:ln>
-            <a:noFill/>
-          </a:ln>
-          <a:effectLst/>
-          <a:extLst>
-            <a:ext uri="{909E8E84-426E-40dd-AFC4-6F175D3DCCD1}">
-              <a14:hiddenFill xmlns="" xmlns:a14="http://schemas.microsoft.com/office/drawing/2010/main">
-                <a:solidFill>
-                  <a:schemeClr val="accent1"/>
-                </a:solidFill>
-              </a14:hiddenFill>
-            </a:ext>
-            <a:ext uri="{91240B29-F687-4f45-9708-019B960494DF}">
-              <a14:hiddenLine xmlns="" xmlns:a14="http://schemas.microsoft.com/office/drawing/2010/main" w="9525">
-                <a:solidFill>
-                  <a:schemeClr val="tx1"/>
-                </a:solidFill>
-                <a:miter lim="800000"/>
-                <a:headEnd/>
-                <a:tailEnd/>
-              </a14:hiddenLine>
-            </a:ext>
-            <a:ext uri="{AF507438-7753-43e0-B8FC-AC1667EBCBE1}">
-              <a14:hiddenEffects xmlns="" xmlns:a14="http://schemas.microsoft.com/office/drawing/2010/main">
-                <a:effectLst>
-                  <a:outerShdw blurRad="63500" dist="38099" dir="2700000" algn="ctr" rotWithShape="0">
-                    <a:schemeClr val="bg2">
-                      <a:alpha val="74998"/>
-                    </a:schemeClr>
-                  </a:outerShdw>
-                </a:effectLst>
-              </a14:hiddenEffects>
-            </a:ext>
-          </a:extLst>
-        </p:spPr>
-        <p:txBody>
-          <a:bodyPr wrap="square">
-            <a:spAutoFit/>
-          </a:bodyPr>
-          <a:lstStyle/>
-          <a:p>
-            <a:r>
-              <a:rPr lang="en-US" sz="1600" dirty="0"/>
-              <a:t>The expectation value (e-value) estimates the likelihood that a given sequence match is purely by chance. The lower the expectation value, the less likely the database match is a result of random chance and therefore the more significant.</a:t>
-            </a:r>
-          </a:p>
-          <a:p>
-            <a:endParaRPr lang="en-US" sz="1600" dirty="0"/>
-          </a:p>
-          <a:p>
-            <a:r>
-              <a:rPr lang="en-US" sz="1600" dirty="0"/>
-              <a:t>E-value is a function of database size – how good is the database’s sample of “sequence space” to determine random matches?</a:t>
-            </a:r>
-          </a:p>
-        </p:txBody>
-      </p:sp>
     </p:spTree>
     <p:extLst>
       <p:ext uri="{BB962C8B-B14F-4D97-AF65-F5344CB8AC3E}">
@@ -9530,62 +9863,128 @@
           <a:chExt cx="0" cy="0"/>
         </a:xfrm>
       </p:grpSpPr>
-      <p:sp>
-        <p:nvSpPr>
-          <p:cNvPr id="9" name="Rectangle 2"/>
-          <p:cNvSpPr>
-            <a:spLocks noGrp="1" noChangeArrowheads="1"/>
-          </p:cNvSpPr>
-          <p:nvPr>
-            <p:ph type="ctrTitle"/>
-          </p:nvPr>
-        </p:nvSpPr>
-        <p:spPr>
-          <a:xfrm>
-            <a:off x="323528" y="-171400"/>
-            <a:ext cx="8568952" cy="1535832"/>
-          </a:xfrm>
-        </p:spPr>
-        <p:txBody>
-          <a:bodyPr/>
-          <a:lstStyle/>
-          <a:p>
-            <a:pPr algn="l" eaLnBrk="1" hangingPunct="1"/>
-            <a:r>
-              <a:rPr lang="en-US" sz="3200" b="1" dirty="0"/>
-              <a:t>A </a:t>
-            </a:r>
-            <a:r>
-              <a:rPr lang="en-US" sz="3200" b="1" u="sng" dirty="0"/>
-              <a:t>H</a:t>
-            </a:r>
-            <a:r>
-              <a:rPr lang="en-US" sz="3200" b="1" dirty="0"/>
-              <a:t>igh </a:t>
-            </a:r>
-            <a:r>
-              <a:rPr lang="en-US" sz="3200" b="1" u="sng" dirty="0"/>
-              <a:t>S</a:t>
-            </a:r>
-            <a:r>
-              <a:rPr lang="en-US" sz="3200" b="1" dirty="0"/>
-              <a:t>coring </a:t>
-            </a:r>
-            <a:r>
-              <a:rPr lang="en-US" sz="3200" b="1" u="sng" dirty="0"/>
-              <a:t>P</a:t>
-            </a:r>
-            <a:r>
-              <a:rPr lang="en-US" sz="3200" b="1" dirty="0"/>
-              <a:t>air (HSP)</a:t>
-            </a:r>
-            <a:endParaRPr lang="en-US" sz="3200" dirty="0"/>
+      <p:cxnSp>
+        <p:nvCxnSpPr>
+          <p:cNvPr id="21" name="Straight Arrow Connector 20"/>
+          <p:cNvCxnSpPr>
+            <a:cxnSpLocks/>
+          </p:cNvCxnSpPr>
+          <p:nvPr/>
+        </p:nvCxnSpPr>
+        <p:spPr bwMode="auto">
+          <a:xfrm flipH="1" flipV="1">
+            <a:off x="2267744" y="4869160"/>
+            <a:ext cx="504056" cy="864096"/>
+          </a:xfrm>
+          <a:prstGeom prst="straightConnector1">
+            <a:avLst/>
+          </a:prstGeom>
+          <a:solidFill>
+            <a:schemeClr val="accent1"/>
+          </a:solidFill>
+          <a:ln w="9525" cap="flat" cmpd="sng" algn="ctr">
+            <a:solidFill>
+              <a:srgbClr val="FF0000"/>
+            </a:solidFill>
+            <a:prstDash val="dash"/>
+            <a:round/>
+            <a:headEnd type="none" w="med" len="med"/>
+            <a:tailEnd type="arrow"/>
+          </a:ln>
+          <a:effectLst/>
+        </p:spPr>
+      </p:cxnSp>
+      <p:sp>
+        <p:nvSpPr>
+          <p:cNvPr id="26" name="Text Box 5"/>
+          <p:cNvSpPr txBox="1">
+            <a:spLocks noChangeArrowheads="1"/>
+          </p:cNvSpPr>
+          <p:nvPr/>
+        </p:nvSpPr>
+        <p:spPr bwMode="auto">
+          <a:xfrm>
+            <a:off x="2771800" y="5178678"/>
+            <a:ext cx="6264696" cy="1569660"/>
+          </a:xfrm>
+          <a:prstGeom prst="rect">
+            <a:avLst/>
+          </a:prstGeom>
+          <a:noFill/>
+          <a:ln>
+            <a:noFill/>
+          </a:ln>
+          <a:effectLst/>
+          <a:extLst>
+            <a:ext uri="{909E8E84-426E-40dd-AFC4-6F175D3DCCD1}">
+              <a14:hiddenFill xmlns="" xmlns:a14="http://schemas.microsoft.com/office/drawing/2010/main">
+                <a:solidFill>
+                  <a:schemeClr val="accent1"/>
+                </a:solidFill>
+              </a14:hiddenFill>
+            </a:ext>
+            <a:ext uri="{91240B29-F687-4f45-9708-019B960494DF}">
+              <a14:hiddenLine xmlns="" xmlns:a14="http://schemas.microsoft.com/office/drawing/2010/main" w="9525">
+                <a:solidFill>
+                  <a:schemeClr val="tx1"/>
+                </a:solidFill>
+                <a:miter lim="800000"/>
+                <a:headEnd/>
+                <a:tailEnd/>
+              </a14:hiddenLine>
+            </a:ext>
+            <a:ext uri="{AF507438-7753-43e0-B8FC-AC1667EBCBE1}">
+              <a14:hiddenEffects xmlns="" xmlns:a14="http://schemas.microsoft.com/office/drawing/2010/main">
+                <a:effectLst>
+                  <a:outerShdw blurRad="63500" dist="38099" dir="2700000" algn="ctr" rotWithShape="0">
+                    <a:schemeClr val="bg2">
+                      <a:alpha val="74998"/>
+                    </a:schemeClr>
+                  </a:outerShdw>
+                </a:effectLst>
+              </a14:hiddenEffects>
+            </a:ext>
+          </a:extLst>
+        </p:spPr>
+        <p:txBody>
+          <a:bodyPr wrap="square">
+            <a:spAutoFit/>
+          </a:bodyPr>
+          <a:lstStyle/>
+          <a:p>
+            <a:r>
+              <a:rPr lang="en-US" sz="1600" dirty="0"/>
+              <a:t>As a database grows, the same search will produce an altered expectation value. Different sized databases will produce different expectation values for the same HSPs.</a:t>
+            </a:r>
+          </a:p>
+          <a:p>
+            <a:endParaRPr lang="en-US" sz="1600" dirty="0"/>
+          </a:p>
+          <a:p>
+            <a:r>
+              <a:rPr lang="en-US" sz="1600" dirty="0"/>
+              <a:t>There is no “best” expectation value but some generalizations are used: e</a:t>
+            </a:r>
+            <a:r>
+              <a:rPr lang="en-US" sz="1600" baseline="30000" dirty="0"/>
+              <a:t>-10</a:t>
+            </a:r>
+            <a:r>
+              <a:rPr lang="en-US" sz="1600" dirty="0"/>
+              <a:t> or smaller is worth examining; 0.01 or larger is noise.</a:t>
+            </a:r>
           </a:p>
         </p:txBody>
       </p:sp>
       <p:pic>
         <p:nvPicPr>
-          <p:cNvPr id="3" name="Picture 2" descr="hsp.tiff"/>
+          <p:cNvPr id="2" name="Picture 1" descr="hsp.tiff">
+            <a:extLst>
+              <a:ext uri="{FF2B5EF4-FFF2-40B4-BE49-F238E27FC236}">
+                <a16:creationId xmlns:a16="http://schemas.microsoft.com/office/drawing/2014/main" id="{5E6DFD7F-39EC-0B81-92EB-CE9CF61B9A2F}"/>
+              </a:ext>
+            </a:extLst>
+          </p:cNvPr>
           <p:cNvPicPr>
             <a:picLocks noChangeAspect="1"/>
           </p:cNvPicPr>
@@ -9605,7 +10004,7 @@
         </p:blipFill>
         <p:spPr>
           <a:xfrm>
-            <a:off x="1331640" y="1052736"/>
+            <a:off x="1333711" y="964084"/>
             <a:ext cx="6501830" cy="3240360"/>
           </a:xfrm>
           <a:prstGeom prst="rect">
@@ -9615,7 +10014,13 @@
       </p:pic>
       <p:pic>
         <p:nvPicPr>
-          <p:cNvPr id="4" name="Picture 3" descr="stats.tiff"/>
+          <p:cNvPr id="5" name="Picture 4" descr="stats.tiff">
+            <a:extLst>
+              <a:ext uri="{FF2B5EF4-FFF2-40B4-BE49-F238E27FC236}">
+                <a16:creationId xmlns:a16="http://schemas.microsoft.com/office/drawing/2014/main" id="{421C2828-38FC-C982-0586-DD4621CC528E}"/>
+              </a:ext>
+            </a:extLst>
+          </p:cNvPr>
           <p:cNvPicPr>
             <a:picLocks noChangeAspect="1"/>
           </p:cNvPicPr>
@@ -9635,7 +10040,7 @@
         </p:blipFill>
         <p:spPr>
           <a:xfrm>
-            <a:off x="755576" y="4420468"/>
+            <a:off x="778954" y="4255019"/>
             <a:ext cx="7658100" cy="520700"/>
           </a:xfrm>
           <a:prstGeom prst="rect">
@@ -9643,114 +10048,83 @@
           </a:prstGeom>
         </p:spPr>
       </p:pic>
-      <p:cxnSp>
-        <p:nvCxnSpPr>
-          <p:cNvPr id="21" name="Straight Arrow Connector 20"/>
-          <p:cNvCxnSpPr/>
-          <p:nvPr/>
-        </p:nvCxnSpPr>
-        <p:spPr bwMode="auto">
-          <a:xfrm flipH="1" flipV="1">
-            <a:off x="2195736" y="5085184"/>
-            <a:ext cx="576064" cy="648072"/>
-          </a:xfrm>
-          <a:prstGeom prst="straightConnector1">
-            <a:avLst/>
-          </a:prstGeom>
-          <a:solidFill>
-            <a:schemeClr val="accent1"/>
-          </a:solidFill>
-          <a:ln w="9525" cap="flat" cmpd="sng" algn="ctr">
-            <a:solidFill>
-              <a:srgbClr val="FF0000"/>
-            </a:solidFill>
-            <a:prstDash val="dash"/>
-            <a:round/>
-            <a:headEnd type="none" w="med" len="med"/>
-            <a:tailEnd type="arrow"/>
-          </a:ln>
-          <a:effectLst/>
-        </p:spPr>
-      </p:cxnSp>
-      <p:sp>
-        <p:nvSpPr>
-          <p:cNvPr id="26" name="Text Box 5"/>
+      <p:sp>
+        <p:nvSpPr>
+          <p:cNvPr id="10" name="Rectangle 2">
+            <a:extLst>
+              <a:ext uri="{FF2B5EF4-FFF2-40B4-BE49-F238E27FC236}">
+                <a16:creationId xmlns:a16="http://schemas.microsoft.com/office/drawing/2014/main" id="{549367D9-D5EC-E5C5-5B6C-7419992AB876}"/>
+              </a:ext>
+            </a:extLst>
+          </p:cNvPr>
           <p:cNvSpPr txBox="1">
             <a:spLocks noChangeArrowheads="1"/>
           </p:cNvSpPr>
           <p:nvPr/>
         </p:nvSpPr>
-        <p:spPr bwMode="auto">
-          <a:xfrm>
-            <a:off x="2771800" y="5178678"/>
-            <a:ext cx="6264696" cy="1569660"/>
+        <p:spPr>
+          <a:xfrm>
+            <a:off x="323528" y="-171400"/>
+            <a:ext cx="8568952" cy="1091153"/>
           </a:xfrm>
           <a:prstGeom prst="rect">
             <a:avLst/>
           </a:prstGeom>
-          <a:noFill/>
-          <a:ln>
-            <a:noFill/>
-          </a:ln>
-          <a:effectLst/>
-          <a:extLst>
-            <a:ext uri="{909E8E84-426E-40dd-AFC4-6F175D3DCCD1}">
-              <a14:hiddenFill xmlns="" xmlns:a14="http://schemas.microsoft.com/office/drawing/2010/main">
-                <a:solidFill>
-                  <a:schemeClr val="accent1"/>
-                </a:solidFill>
-              </a14:hiddenFill>
-            </a:ext>
-            <a:ext uri="{91240B29-F687-4f45-9708-019B960494DF}">
-              <a14:hiddenLine xmlns="" xmlns:a14="http://schemas.microsoft.com/office/drawing/2010/main" w="9525">
+        </p:spPr>
+        <p:txBody>
+          <a:bodyPr vert="horz" lIns="91440" tIns="45720" rIns="91440" bIns="45720" rtlCol="0" anchor="b">
+            <a:normAutofit/>
+          </a:bodyPr>
+          <a:lstStyle>
+            <a:lvl1pPr algn="ctr" defTabSz="685800" rtl="0" eaLnBrk="1" latinLnBrk="0" hangingPunct="1">
+              <a:lnSpc>
+                <a:spcPct val="90000"/>
+              </a:lnSpc>
+              <a:spcBef>
+                <a:spcPct val="0"/>
+              </a:spcBef>
+              <a:buNone/>
+              <a:defRPr sz="4500" kern="1200">
                 <a:solidFill>
                   <a:schemeClr val="tx1"/>
                 </a:solidFill>
-                <a:miter lim="800000"/>
-                <a:headEnd/>
-                <a:tailEnd/>
-              </a14:hiddenLine>
-            </a:ext>
-            <a:ext uri="{AF507438-7753-43e0-B8FC-AC1667EBCBE1}">
-              <a14:hiddenEffects xmlns="" xmlns:a14="http://schemas.microsoft.com/office/drawing/2010/main">
-                <a:effectLst>
-                  <a:outerShdw blurRad="63500" dist="38099" dir="2700000" algn="ctr" rotWithShape="0">
-                    <a:schemeClr val="bg2">
-                      <a:alpha val="74998"/>
-                    </a:schemeClr>
-                  </a:outerShdw>
-                </a:effectLst>
-              </a14:hiddenEffects>
-            </a:ext>
-          </a:extLst>
-        </p:spPr>
-        <p:txBody>
-          <a:bodyPr wrap="square">
-            <a:spAutoFit/>
-          </a:bodyPr>
-          <a:lstStyle/>
-          <a:p>
-            <a:r>
-              <a:rPr lang="en-US" sz="1600" dirty="0"/>
-              <a:t>As a database grows, the same search will produce an altered expectation value. Different sized databases will produce different expectation values for the same HSPs.</a:t>
-            </a:r>
-          </a:p>
-          <a:p>
-            <a:endParaRPr lang="en-US" sz="1600" dirty="0"/>
-          </a:p>
-          <a:p>
-            <a:r>
-              <a:rPr lang="en-US" sz="1600" dirty="0"/>
-              <a:t>There is no “best” expectation value but some generalizations are used: e</a:t>
-            </a:r>
-            <a:r>
-              <a:rPr lang="en-US" sz="1600" baseline="30000" dirty="0"/>
-              <a:t>-10</a:t>
-            </a:r>
-            <a:r>
-              <a:rPr lang="en-US" sz="1600" dirty="0"/>
-              <a:t> or smaller is worth examining; 0.01 or larger is noise.</a:t>
-            </a:r>
+                <a:latin typeface="+mj-lt"/>
+                <a:ea typeface="+mj-ea"/>
+                <a:cs typeface="+mj-cs"/>
+              </a:defRPr>
+            </a:lvl1pPr>
+          </a:lstStyle>
+          <a:p>
+            <a:pPr algn="l"/>
+            <a:r>
+              <a:rPr lang="en-US" sz="3200" b="1" dirty="0"/>
+              <a:t>A </a:t>
+            </a:r>
+            <a:r>
+              <a:rPr lang="en-US" sz="3200" b="1" u="sng" dirty="0"/>
+              <a:t>H</a:t>
+            </a:r>
+            <a:r>
+              <a:rPr lang="en-US" sz="3200" b="1" dirty="0"/>
+              <a:t>igh </a:t>
+            </a:r>
+            <a:r>
+              <a:rPr lang="en-US" sz="3200" b="1" u="sng" dirty="0"/>
+              <a:t>S</a:t>
+            </a:r>
+            <a:r>
+              <a:rPr lang="en-US" sz="3200" b="1" dirty="0"/>
+              <a:t>coring </a:t>
+            </a:r>
+            <a:r>
+              <a:rPr lang="en-US" sz="3200" b="1" u="sng" dirty="0"/>
+              <a:t>P</a:t>
+            </a:r>
+            <a:r>
+              <a:rPr lang="en-US" sz="3200" b="1" dirty="0"/>
+              <a:t>air (HSP)</a:t>
+            </a:r>
+            <a:endParaRPr lang="en-US" sz="3200" dirty="0"/>
           </a:p>
         </p:txBody>
       </p:sp>
@@ -9796,7 +10170,7 @@
         </p:nvSpPr>
         <p:spPr>
           <a:xfrm>
-            <a:off x="323528" y="20960"/>
+            <a:off x="323528" y="-267072"/>
             <a:ext cx="8568952" cy="1535832"/>
           </a:xfrm>
         </p:spPr>
@@ -10158,7 +10532,7 @@
         <p:spPr>
           <a:xfrm>
             <a:off x="323528" y="-171400"/>
-            <a:ext cx="8568952" cy="1535832"/>
+            <a:ext cx="8568952" cy="1080120"/>
           </a:xfrm>
         </p:spPr>
         <p:txBody>
@@ -10320,7 +10694,7 @@
         <p:spPr>
           <a:xfrm>
             <a:off x="323528" y="-171400"/>
-            <a:ext cx="8568952" cy="1535832"/>
+            <a:ext cx="8568952" cy="1152128"/>
           </a:xfrm>
         </p:spPr>
         <p:txBody>
@@ -10494,35 +10868,6 @@
       </p:grpSpPr>
       <p:sp>
         <p:nvSpPr>
-          <p:cNvPr id="9" name="Rectangle 2"/>
-          <p:cNvSpPr>
-            <a:spLocks noGrp="1" noChangeArrowheads="1"/>
-          </p:cNvSpPr>
-          <p:nvPr>
-            <p:ph type="ctrTitle"/>
-          </p:nvPr>
-        </p:nvSpPr>
-        <p:spPr>
-          <a:xfrm>
-            <a:off x="323528" y="-171400"/>
-            <a:ext cx="8568952" cy="1535832"/>
-          </a:xfrm>
-        </p:spPr>
-        <p:txBody>
-          <a:bodyPr/>
-          <a:lstStyle/>
-          <a:p>
-            <a:pPr algn="l" eaLnBrk="1" hangingPunct="1"/>
-            <a:r>
-              <a:rPr lang="en-US" sz="3200" b="1" dirty="0"/>
-              <a:t>BLAST Programs</a:t>
-            </a:r>
-            <a:endParaRPr lang="en-US" sz="3200" dirty="0"/>
-          </a:p>
-        </p:txBody>
-      </p:sp>
-      <p:sp>
-        <p:nvSpPr>
           <p:cNvPr id="2" name="TextBox 1"/>
           <p:cNvSpPr txBox="1"/>
           <p:nvPr/>
@@ -10625,6 +10970,62 @@
               <a:buChar char="•"/>
             </a:pPr>
             <a:endParaRPr lang="is-IS" sz="2000" dirty="0"/>
+          </a:p>
+        </p:txBody>
+      </p:sp>
+      <p:sp>
+        <p:nvSpPr>
+          <p:cNvPr id="5" name="Rectangle 2">
+            <a:extLst>
+              <a:ext uri="{FF2B5EF4-FFF2-40B4-BE49-F238E27FC236}">
+                <a16:creationId xmlns:a16="http://schemas.microsoft.com/office/drawing/2014/main" id="{1C39E518-B9C2-FB18-22BB-A63286423292}"/>
+              </a:ext>
+            </a:extLst>
+          </p:cNvPr>
+          <p:cNvSpPr txBox="1">
+            <a:spLocks noChangeArrowheads="1"/>
+          </p:cNvSpPr>
+          <p:nvPr/>
+        </p:nvSpPr>
+        <p:spPr>
+          <a:xfrm>
+            <a:off x="323528" y="-171400"/>
+            <a:ext cx="8568952" cy="1080120"/>
+          </a:xfrm>
+          <a:prstGeom prst="rect">
+            <a:avLst/>
+          </a:prstGeom>
+        </p:spPr>
+        <p:txBody>
+          <a:bodyPr vert="horz" lIns="91440" tIns="45720" rIns="91440" bIns="45720" rtlCol="0" anchor="b">
+            <a:normAutofit/>
+          </a:bodyPr>
+          <a:lstStyle>
+            <a:lvl1pPr algn="ctr" defTabSz="685800" rtl="0" eaLnBrk="1" latinLnBrk="0" hangingPunct="1">
+              <a:lnSpc>
+                <a:spcPct val="90000"/>
+              </a:lnSpc>
+              <a:spcBef>
+                <a:spcPct val="0"/>
+              </a:spcBef>
+              <a:buNone/>
+              <a:defRPr sz="4500" kern="1200">
+                <a:solidFill>
+                  <a:schemeClr val="tx1"/>
+                </a:solidFill>
+                <a:latin typeface="+mj-lt"/>
+                <a:ea typeface="+mj-ea"/>
+                <a:cs typeface="+mj-cs"/>
+              </a:defRPr>
+            </a:lvl1pPr>
+          </a:lstStyle>
+          <a:p>
+            <a:pPr algn="l"/>
+            <a:r>
+              <a:rPr lang="en-US" sz="3200" b="1"/>
+              <a:t>BLAST Programs</a:t>
+            </a:r>
+            <a:endParaRPr lang="en-US" sz="3200" dirty="0"/>
           </a:p>
         </p:txBody>
       </p:sp>
@@ -10671,7 +11072,7 @@
         <p:spPr>
           <a:xfrm>
             <a:off x="323528" y="-171400"/>
-            <a:ext cx="8568952" cy="1535832"/>
+            <a:ext cx="8568952" cy="1152128"/>
           </a:xfrm>
         </p:spPr>
         <p:txBody>
@@ -10928,7 +11329,7 @@
         <p:spPr>
           <a:xfrm>
             <a:off x="323528" y="-171400"/>
-            <a:ext cx="8568952" cy="1535832"/>
+            <a:ext cx="8568952" cy="1152128"/>
           </a:xfrm>
         </p:spPr>
         <p:txBody>
@@ -11945,55 +12346,6 @@
       </p:grpSpPr>
       <p:sp>
         <p:nvSpPr>
-          <p:cNvPr id="9" name="Rectangle 2"/>
-          <p:cNvSpPr>
-            <a:spLocks noGrp="1" noChangeArrowheads="1"/>
-          </p:cNvSpPr>
-          <p:nvPr>
-            <p:ph type="ctrTitle"/>
-          </p:nvPr>
-        </p:nvSpPr>
-        <p:spPr>
-          <a:xfrm>
-            <a:off x="323528" y="-171400"/>
-            <a:ext cx="8568952" cy="1535832"/>
-          </a:xfrm>
-        </p:spPr>
-        <p:txBody>
-          <a:bodyPr/>
-          <a:lstStyle/>
-          <a:p>
-            <a:pPr algn="l" eaLnBrk="1" hangingPunct="1"/>
-            <a:r>
-              <a:rPr lang="en-US" sz="3200" b="1" u="sng" dirty="0"/>
-              <a:t>H</a:t>
-            </a:r>
-            <a:r>
-              <a:rPr lang="en-US" sz="3200" b="1" dirty="0"/>
-              <a:t>idden </a:t>
-            </a:r>
-            <a:r>
-              <a:rPr lang="en-US" sz="3200" b="1" u="sng" dirty="0"/>
-              <a:t>M</a:t>
-            </a:r>
-            <a:r>
-              <a:rPr lang="en-US" sz="3200" b="1" dirty="0"/>
-              <a:t>arkov </a:t>
-            </a:r>
-            <a:r>
-              <a:rPr lang="en-US" sz="3200" b="1" u="sng" dirty="0"/>
-              <a:t>M</a:t>
-            </a:r>
-            <a:r>
-              <a:rPr lang="en-US" sz="3200" b="1" dirty="0"/>
-              <a:t>odels (HMMs)</a:t>
-            </a:r>
-            <a:endParaRPr lang="en-US" sz="3200" dirty="0"/>
-          </a:p>
-        </p:txBody>
-      </p:sp>
-      <p:sp>
-        <p:nvSpPr>
           <p:cNvPr id="2" name="TextBox 1"/>
           <p:cNvSpPr txBox="1"/>
           <p:nvPr/>
@@ -12166,6 +12518,82 @@
               <a:rPr lang="en-US" sz="2000" dirty="0"/>
               <a:t>  </a:t>
             </a:r>
+          </a:p>
+        </p:txBody>
+      </p:sp>
+      <p:sp>
+        <p:nvSpPr>
+          <p:cNvPr id="5" name="Rectangle 2">
+            <a:extLst>
+              <a:ext uri="{FF2B5EF4-FFF2-40B4-BE49-F238E27FC236}">
+                <a16:creationId xmlns:a16="http://schemas.microsoft.com/office/drawing/2014/main" id="{B9747203-07A1-BD13-37C8-13D658F49D33}"/>
+              </a:ext>
+            </a:extLst>
+          </p:cNvPr>
+          <p:cNvSpPr txBox="1">
+            <a:spLocks noChangeArrowheads="1"/>
+          </p:cNvSpPr>
+          <p:nvPr/>
+        </p:nvSpPr>
+        <p:spPr>
+          <a:xfrm>
+            <a:off x="323528" y="-171400"/>
+            <a:ext cx="8568952" cy="1152128"/>
+          </a:xfrm>
+          <a:prstGeom prst="rect">
+            <a:avLst/>
+          </a:prstGeom>
+        </p:spPr>
+        <p:txBody>
+          <a:bodyPr vert="horz" lIns="91440" tIns="45720" rIns="91440" bIns="45720" rtlCol="0" anchor="b">
+            <a:normAutofit/>
+          </a:bodyPr>
+          <a:lstStyle>
+            <a:lvl1pPr algn="ctr" defTabSz="685800" rtl="0" eaLnBrk="1" latinLnBrk="0" hangingPunct="1">
+              <a:lnSpc>
+                <a:spcPct val="90000"/>
+              </a:lnSpc>
+              <a:spcBef>
+                <a:spcPct val="0"/>
+              </a:spcBef>
+              <a:buNone/>
+              <a:defRPr sz="4500" kern="1200">
+                <a:solidFill>
+                  <a:schemeClr val="tx1"/>
+                </a:solidFill>
+                <a:latin typeface="+mj-lt"/>
+                <a:ea typeface="+mj-ea"/>
+                <a:cs typeface="+mj-cs"/>
+              </a:defRPr>
+            </a:lvl1pPr>
+          </a:lstStyle>
+          <a:p>
+            <a:pPr algn="l"/>
+            <a:r>
+              <a:rPr lang="en-US" sz="3200" b="1" u="sng"/>
+              <a:t>H</a:t>
+            </a:r>
+            <a:r>
+              <a:rPr lang="en-US" sz="3200" b="1"/>
+              <a:t>idden </a:t>
+            </a:r>
+            <a:r>
+              <a:rPr lang="en-US" sz="3200" b="1" u="sng"/>
+              <a:t>M</a:t>
+            </a:r>
+            <a:r>
+              <a:rPr lang="en-US" sz="3200" b="1"/>
+              <a:t>arkov </a:t>
+            </a:r>
+            <a:r>
+              <a:rPr lang="en-US" sz="3200" b="1" u="sng"/>
+              <a:t>M</a:t>
+            </a:r>
+            <a:r>
+              <a:rPr lang="en-US" sz="3200" b="1"/>
+              <a:t>odels (HMMs)</a:t>
+            </a:r>
+            <a:endParaRPr lang="en-US" sz="3200" dirty="0"/>
           </a:p>
         </p:txBody>
       </p:sp>
@@ -12212,7 +12640,7 @@
         <p:spPr>
           <a:xfrm>
             <a:off x="323528" y="-171400"/>
-            <a:ext cx="8568952" cy="1535832"/>
+            <a:ext cx="8568952" cy="1152128"/>
           </a:xfrm>
         </p:spPr>
         <p:txBody>
@@ -22651,7 +23079,7 @@
         <p:spPr>
           <a:xfrm>
             <a:off x="323528" y="-171400"/>
-            <a:ext cx="8568952" cy="1535832"/>
+            <a:ext cx="8568952" cy="1224136"/>
           </a:xfrm>
         </p:spPr>
         <p:txBody>
@@ -31079,7 +31507,7 @@
         <p:spPr>
           <a:xfrm>
             <a:off x="323528" y="-171400"/>
-            <a:ext cx="8568952" cy="1535832"/>
+            <a:ext cx="8568952" cy="1174751"/>
           </a:xfrm>
         </p:spPr>
         <p:txBody>
@@ -31564,47 +31992,6 @@
           </a:p>
         </p:txBody>
       </p:sp>
-      <p:sp>
-        <p:nvSpPr>
-          <p:cNvPr id="9" name="Rectangle 2"/>
-          <p:cNvSpPr>
-            <a:spLocks noGrp="1" noChangeArrowheads="1"/>
-          </p:cNvSpPr>
-          <p:nvPr>
-            <p:ph type="ctrTitle"/>
-          </p:nvPr>
-        </p:nvSpPr>
-        <p:spPr>
-          <a:xfrm>
-            <a:off x="323528" y="-171400"/>
-            <a:ext cx="8568952" cy="1535832"/>
-          </a:xfrm>
-        </p:spPr>
-        <p:txBody>
-          <a:bodyPr/>
-          <a:lstStyle/>
-          <a:p>
-            <a:pPr algn="l" eaLnBrk="1" hangingPunct="1"/>
-            <a:r>
-              <a:rPr lang="en-US" sz="3200" b="1" dirty="0" err="1"/>
-              <a:t>Pfam</a:t>
-            </a:r>
-            <a:r>
-              <a:rPr lang="en-US" sz="3200" b="1" dirty="0"/>
-              <a:t> Iron </a:t>
-            </a:r>
-            <a:r>
-              <a:rPr lang="en-US" sz="3200" b="1" dirty="0" err="1"/>
-              <a:t>Hydrogenase</a:t>
-            </a:r>
-            <a:r>
-              <a:rPr lang="en-US" sz="3200" b="1" dirty="0"/>
-              <a:t> HMM</a:t>
-            </a:r>
-            <a:endParaRPr lang="en-US" sz="3200" dirty="0"/>
-          </a:p>
-        </p:txBody>
-      </p:sp>
       <p:pic>
         <p:nvPicPr>
           <p:cNvPr id="4" name="Picture 3" descr="4R0V.png"/>
@@ -31768,6 +32155,62 @@
           </a:prstGeom>
         </p:spPr>
       </p:pic>
+      <p:sp>
+        <p:nvSpPr>
+          <p:cNvPr id="11" name="Rectangle 2">
+            <a:extLst>
+              <a:ext uri="{FF2B5EF4-FFF2-40B4-BE49-F238E27FC236}">
+                <a16:creationId xmlns:a16="http://schemas.microsoft.com/office/drawing/2014/main" id="{ECCF3F52-A8B6-9403-F95B-52138C31CD0D}"/>
+              </a:ext>
+            </a:extLst>
+          </p:cNvPr>
+          <p:cNvSpPr txBox="1">
+            <a:spLocks noChangeArrowheads="1"/>
+          </p:cNvSpPr>
+          <p:nvPr/>
+        </p:nvSpPr>
+        <p:spPr>
+          <a:xfrm>
+            <a:off x="323528" y="-171400"/>
+            <a:ext cx="8568952" cy="1174751"/>
+          </a:xfrm>
+          <a:prstGeom prst="rect">
+            <a:avLst/>
+          </a:prstGeom>
+        </p:spPr>
+        <p:txBody>
+          <a:bodyPr vert="horz" lIns="91440" tIns="45720" rIns="91440" bIns="45720" rtlCol="0" anchor="b">
+            <a:normAutofit/>
+          </a:bodyPr>
+          <a:lstStyle>
+            <a:lvl1pPr algn="ctr" defTabSz="685800" rtl="0" eaLnBrk="1" latinLnBrk="0" hangingPunct="1">
+              <a:lnSpc>
+                <a:spcPct val="90000"/>
+              </a:lnSpc>
+              <a:spcBef>
+                <a:spcPct val="0"/>
+              </a:spcBef>
+              <a:buNone/>
+              <a:defRPr sz="4500" kern="1200">
+                <a:solidFill>
+                  <a:schemeClr val="tx1"/>
+                </a:solidFill>
+                <a:latin typeface="+mj-lt"/>
+                <a:ea typeface="+mj-ea"/>
+                <a:cs typeface="+mj-cs"/>
+              </a:defRPr>
+            </a:lvl1pPr>
+          </a:lstStyle>
+          <a:p>
+            <a:pPr algn="l"/>
+            <a:r>
+              <a:rPr lang="en-US" sz="3200" b="1"/>
+              <a:t>Pfam Iron Hydrogenase HMM</a:t>
+            </a:r>
+            <a:endParaRPr lang="en-US" sz="3200" dirty="0"/>
+          </a:p>
+        </p:txBody>
+      </p:sp>
     </p:spTree>
     <p:extLst>
       <p:ext uri="{BB962C8B-B14F-4D97-AF65-F5344CB8AC3E}">
@@ -31862,47 +32305,6 @@
       </p:sp>
       <p:sp>
         <p:nvSpPr>
-          <p:cNvPr id="9" name="Rectangle 2"/>
-          <p:cNvSpPr>
-            <a:spLocks noGrp="1" noChangeArrowheads="1"/>
-          </p:cNvSpPr>
-          <p:nvPr>
-            <p:ph type="ctrTitle"/>
-          </p:nvPr>
-        </p:nvSpPr>
-        <p:spPr>
-          <a:xfrm>
-            <a:off x="323528" y="-171400"/>
-            <a:ext cx="8568952" cy="1535832"/>
-          </a:xfrm>
-        </p:spPr>
-        <p:txBody>
-          <a:bodyPr/>
-          <a:lstStyle/>
-          <a:p>
-            <a:pPr algn="l" eaLnBrk="1" hangingPunct="1"/>
-            <a:r>
-              <a:rPr lang="en-US" sz="3200" b="1" dirty="0" err="1"/>
-              <a:t>Pfam</a:t>
-            </a:r>
-            <a:r>
-              <a:rPr lang="en-US" sz="3200" b="1" dirty="0"/>
-              <a:t> Iron </a:t>
-            </a:r>
-            <a:r>
-              <a:rPr lang="en-US" sz="3200" b="1" dirty="0" err="1"/>
-              <a:t>Hydrogenase</a:t>
-            </a:r>
-            <a:r>
-              <a:rPr lang="en-US" sz="3200" b="1" dirty="0"/>
-              <a:t> HMM</a:t>
-            </a:r>
-            <a:endParaRPr lang="en-US" sz="3200" dirty="0"/>
-          </a:p>
-        </p:txBody>
-      </p:sp>
-      <p:sp>
-        <p:nvSpPr>
           <p:cNvPr id="2" name="TextBox 1"/>
           <p:cNvSpPr txBox="1"/>
           <p:nvPr/>
@@ -32315,6 +32717,62 @@
               <a:t>determine the emission and transition probabilities</a:t>
             </a:r>
             <a:endParaRPr lang="en-US" sz="2000" dirty="0"/>
+          </a:p>
+        </p:txBody>
+      </p:sp>
+      <p:sp>
+        <p:nvSpPr>
+          <p:cNvPr id="8" name="Rectangle 2">
+            <a:extLst>
+              <a:ext uri="{FF2B5EF4-FFF2-40B4-BE49-F238E27FC236}">
+                <a16:creationId xmlns:a16="http://schemas.microsoft.com/office/drawing/2014/main" id="{85874BF6-64CA-49DD-E7FA-D3563EF5C3AC}"/>
+              </a:ext>
+            </a:extLst>
+          </p:cNvPr>
+          <p:cNvSpPr txBox="1">
+            <a:spLocks noChangeArrowheads="1"/>
+          </p:cNvSpPr>
+          <p:nvPr/>
+        </p:nvSpPr>
+        <p:spPr>
+          <a:xfrm>
+            <a:off x="323528" y="-171400"/>
+            <a:ext cx="8568952" cy="1174751"/>
+          </a:xfrm>
+          <a:prstGeom prst="rect">
+            <a:avLst/>
+          </a:prstGeom>
+        </p:spPr>
+        <p:txBody>
+          <a:bodyPr vert="horz" lIns="91440" tIns="45720" rIns="91440" bIns="45720" rtlCol="0" anchor="b">
+            <a:normAutofit/>
+          </a:bodyPr>
+          <a:lstStyle>
+            <a:lvl1pPr algn="ctr" defTabSz="685800" rtl="0" eaLnBrk="1" latinLnBrk="0" hangingPunct="1">
+              <a:lnSpc>
+                <a:spcPct val="90000"/>
+              </a:lnSpc>
+              <a:spcBef>
+                <a:spcPct val="0"/>
+              </a:spcBef>
+              <a:buNone/>
+              <a:defRPr sz="4500" kern="1200">
+                <a:solidFill>
+                  <a:schemeClr val="tx1"/>
+                </a:solidFill>
+                <a:latin typeface="+mj-lt"/>
+                <a:ea typeface="+mj-ea"/>
+                <a:cs typeface="+mj-cs"/>
+              </a:defRPr>
+            </a:lvl1pPr>
+          </a:lstStyle>
+          <a:p>
+            <a:pPr algn="l"/>
+            <a:r>
+              <a:rPr lang="en-US" sz="3200" b="1"/>
+              <a:t>Pfam Iron Hydrogenase HMM</a:t>
+            </a:r>
+            <a:endParaRPr lang="en-US" sz="3200" dirty="0"/>
           </a:p>
         </p:txBody>
       </p:sp>
@@ -32410,47 +32868,6 @@
           </a:p>
         </p:txBody>
       </p:sp>
-      <p:sp>
-        <p:nvSpPr>
-          <p:cNvPr id="9" name="Rectangle 2"/>
-          <p:cNvSpPr>
-            <a:spLocks noGrp="1" noChangeArrowheads="1"/>
-          </p:cNvSpPr>
-          <p:nvPr>
-            <p:ph type="ctrTitle"/>
-          </p:nvPr>
-        </p:nvSpPr>
-        <p:spPr>
-          <a:xfrm>
-            <a:off x="323528" y="-171400"/>
-            <a:ext cx="8568952" cy="1535832"/>
-          </a:xfrm>
-        </p:spPr>
-        <p:txBody>
-          <a:bodyPr/>
-          <a:lstStyle/>
-          <a:p>
-            <a:pPr algn="l" eaLnBrk="1" hangingPunct="1"/>
-            <a:r>
-              <a:rPr lang="en-US" sz="3200" b="1" dirty="0" err="1"/>
-              <a:t>Pfam</a:t>
-            </a:r>
-            <a:r>
-              <a:rPr lang="en-US" sz="3200" b="1" dirty="0"/>
-              <a:t> Iron </a:t>
-            </a:r>
-            <a:r>
-              <a:rPr lang="en-US" sz="3200" b="1" dirty="0" err="1"/>
-              <a:t>Hydrogenase</a:t>
-            </a:r>
-            <a:r>
-              <a:rPr lang="en-US" sz="3200" b="1" dirty="0"/>
-              <a:t> HMM</a:t>
-            </a:r>
-            <a:endParaRPr lang="en-US" sz="3200" dirty="0"/>
-          </a:p>
-        </p:txBody>
-      </p:sp>
       <p:pic>
         <p:nvPicPr>
           <p:cNvPr id="4" name="Picture 3" descr="4R0V.png"/>
@@ -32569,6 +32986,62 @@
           </a:prstGeom>
         </p:spPr>
       </p:pic>
+      <p:sp>
+        <p:nvSpPr>
+          <p:cNvPr id="8" name="Rectangle 2">
+            <a:extLst>
+              <a:ext uri="{FF2B5EF4-FFF2-40B4-BE49-F238E27FC236}">
+                <a16:creationId xmlns:a16="http://schemas.microsoft.com/office/drawing/2014/main" id="{BEA0DDF8-667E-F983-798A-9424E0014240}"/>
+              </a:ext>
+            </a:extLst>
+          </p:cNvPr>
+          <p:cNvSpPr txBox="1">
+            <a:spLocks noChangeArrowheads="1"/>
+          </p:cNvSpPr>
+          <p:nvPr/>
+        </p:nvSpPr>
+        <p:spPr>
+          <a:xfrm>
+            <a:off x="323528" y="-171400"/>
+            <a:ext cx="8568952" cy="1174751"/>
+          </a:xfrm>
+          <a:prstGeom prst="rect">
+            <a:avLst/>
+          </a:prstGeom>
+        </p:spPr>
+        <p:txBody>
+          <a:bodyPr vert="horz" lIns="91440" tIns="45720" rIns="91440" bIns="45720" rtlCol="0" anchor="b">
+            <a:normAutofit/>
+          </a:bodyPr>
+          <a:lstStyle>
+            <a:lvl1pPr algn="ctr" defTabSz="685800" rtl="0" eaLnBrk="1" latinLnBrk="0" hangingPunct="1">
+              <a:lnSpc>
+                <a:spcPct val="90000"/>
+              </a:lnSpc>
+              <a:spcBef>
+                <a:spcPct val="0"/>
+              </a:spcBef>
+              <a:buNone/>
+              <a:defRPr sz="4500" kern="1200">
+                <a:solidFill>
+                  <a:schemeClr val="tx1"/>
+                </a:solidFill>
+                <a:latin typeface="+mj-lt"/>
+                <a:ea typeface="+mj-ea"/>
+                <a:cs typeface="+mj-cs"/>
+              </a:defRPr>
+            </a:lvl1pPr>
+          </a:lstStyle>
+          <a:p>
+            <a:pPr algn="l"/>
+            <a:r>
+              <a:rPr lang="en-US" sz="3200" b="1"/>
+              <a:t>Pfam Iron Hydrogenase HMM</a:t>
+            </a:r>
+            <a:endParaRPr lang="en-US" sz="3200" dirty="0"/>
+          </a:p>
+        </p:txBody>
+      </p:sp>
     </p:spTree>
     <p:extLst>
       <p:ext uri="{BB962C8B-B14F-4D97-AF65-F5344CB8AC3E}">
@@ -36690,71 +37163,6 @@
       </p:grpSpPr>
       <p:sp>
         <p:nvSpPr>
-          <p:cNvPr id="9" name="Rectangle 2"/>
-          <p:cNvSpPr>
-            <a:spLocks noGrp="1" noChangeArrowheads="1"/>
-          </p:cNvSpPr>
-          <p:nvPr>
-            <p:ph type="ctrTitle"/>
-          </p:nvPr>
-        </p:nvSpPr>
-        <p:spPr>
-          <a:xfrm>
-            <a:off x="323528" y="-171400"/>
-            <a:ext cx="8568952" cy="1535832"/>
-          </a:xfrm>
-        </p:spPr>
-        <p:txBody>
-          <a:bodyPr/>
-          <a:lstStyle/>
-          <a:p>
-            <a:pPr algn="l" eaLnBrk="1" hangingPunct="1"/>
-            <a:r>
-              <a:rPr lang="en-US" sz="3200" b="1" u="sng" dirty="0"/>
-              <a:t>B</a:t>
-            </a:r>
-            <a:r>
-              <a:rPr lang="en-US" sz="3200" b="1" dirty="0"/>
-              <a:t>asic </a:t>
-            </a:r>
-            <a:r>
-              <a:rPr lang="en-US" sz="3200" b="1" u="sng" dirty="0"/>
-              <a:t>L</a:t>
-            </a:r>
-            <a:r>
-              <a:rPr lang="en-US" sz="3200" b="1" dirty="0"/>
-              <a:t>ocal </a:t>
-            </a:r>
-            <a:r>
-              <a:rPr lang="en-US" sz="3200" b="1" u="sng" dirty="0"/>
-              <a:t>A</a:t>
-            </a:r>
-            <a:r>
-              <a:rPr lang="en-US" sz="3200" b="1" dirty="0"/>
-              <a:t>lignment </a:t>
-            </a:r>
-            <a:r>
-              <a:rPr lang="en-US" sz="3200" b="1" u="sng" dirty="0"/>
-              <a:t>S</a:t>
-            </a:r>
-            <a:r>
-              <a:rPr lang="en-US" sz="3200" b="1" dirty="0"/>
-              <a:t>earch </a:t>
-            </a:r>
-            <a:r>
-              <a:rPr lang="en-US" sz="3200" b="1" u="sng" dirty="0"/>
-              <a:t>T</a:t>
-            </a:r>
-            <a:r>
-              <a:rPr lang="en-US" sz="3200" b="1" dirty="0"/>
-              <a:t>ool (BLAST)</a:t>
-            </a:r>
-            <a:endParaRPr lang="en-US" sz="3200" dirty="0"/>
-          </a:p>
-        </p:txBody>
-      </p:sp>
-      <p:sp>
-        <p:nvSpPr>
           <p:cNvPr id="3" name="Oval 2"/>
           <p:cNvSpPr/>
           <p:nvPr/>
@@ -37699,6 +38107,98 @@
                 <a:schemeClr val="bg2"/>
               </a:solidFill>
             </a:endParaRPr>
+          </a:p>
+        </p:txBody>
+      </p:sp>
+      <p:sp>
+        <p:nvSpPr>
+          <p:cNvPr id="12" name="Rectangle 2">
+            <a:extLst>
+              <a:ext uri="{FF2B5EF4-FFF2-40B4-BE49-F238E27FC236}">
+                <a16:creationId xmlns:a16="http://schemas.microsoft.com/office/drawing/2014/main" id="{035440B8-3918-EDAD-AFE3-4BADF032969E}"/>
+              </a:ext>
+            </a:extLst>
+          </p:cNvPr>
+          <p:cNvSpPr txBox="1">
+            <a:spLocks noChangeArrowheads="1"/>
+          </p:cNvSpPr>
+          <p:nvPr/>
+        </p:nvSpPr>
+        <p:spPr>
+          <a:xfrm>
+            <a:off x="323528" y="-295099"/>
+            <a:ext cx="8568952" cy="1224136"/>
+          </a:xfrm>
+          <a:prstGeom prst="rect">
+            <a:avLst/>
+          </a:prstGeom>
+        </p:spPr>
+        <p:txBody>
+          <a:bodyPr vert="horz" lIns="91440" tIns="45720" rIns="91440" bIns="45720" rtlCol="0" anchor="b">
+            <a:normAutofit/>
+          </a:bodyPr>
+          <a:lstStyle>
+            <a:lvl1pPr algn="ctr" defTabSz="685800" rtl="0" eaLnBrk="1" latinLnBrk="0" hangingPunct="1">
+              <a:lnSpc>
+                <a:spcPct val="90000"/>
+              </a:lnSpc>
+              <a:spcBef>
+                <a:spcPct val="0"/>
+              </a:spcBef>
+              <a:buNone/>
+              <a:defRPr sz="4500" kern="1200">
+                <a:solidFill>
+                  <a:schemeClr val="tx1"/>
+                </a:solidFill>
+                <a:latin typeface="+mj-lt"/>
+                <a:ea typeface="+mj-ea"/>
+                <a:cs typeface="+mj-cs"/>
+              </a:defRPr>
+            </a:lvl1pPr>
+          </a:lstStyle>
+          <a:p>
+            <a:pPr algn="l"/>
+            <a:r>
+              <a:rPr lang="en-US" sz="3200" b="1" u="sng" dirty="0"/>
+              <a:t>B</a:t>
+            </a:r>
+            <a:r>
+              <a:rPr lang="en-US" sz="3200" b="1" dirty="0"/>
+              <a:t>asic </a:t>
+            </a:r>
+            <a:r>
+              <a:rPr lang="en-US" sz="3200" b="1" u="sng" dirty="0"/>
+              <a:t>L</a:t>
+            </a:r>
+            <a:r>
+              <a:rPr lang="en-US" sz="3200" b="1" dirty="0"/>
+              <a:t>ocal </a:t>
+            </a:r>
+            <a:r>
+              <a:rPr lang="en-US" sz="3200" b="1" u="sng" dirty="0"/>
+              <a:t>A</a:t>
+            </a:r>
+            <a:r>
+              <a:rPr lang="en-US" sz="3200" b="1" dirty="0"/>
+              <a:t>lignment </a:t>
+            </a:r>
+            <a:r>
+              <a:rPr lang="en-US" sz="3200" b="1" u="sng" dirty="0"/>
+              <a:t>S</a:t>
+            </a:r>
+            <a:r>
+              <a:rPr lang="en-US" sz="3200" b="1" dirty="0"/>
+              <a:t>earch </a:t>
+            </a:r>
+            <a:r>
+              <a:rPr lang="en-US" sz="3200" b="1" u="sng" dirty="0"/>
+              <a:t>T</a:t>
+            </a:r>
+            <a:r>
+              <a:rPr lang="en-US" sz="3200" b="1" dirty="0"/>
+              <a:t>ool (BLAST)</a:t>
+            </a:r>
+            <a:endParaRPr lang="en-US" sz="3200" dirty="0"/>
           </a:p>
         </p:txBody>
       </p:sp>
@@ -40080,55 +40580,6 @@
       </p:grpSpPr>
       <p:sp>
         <p:nvSpPr>
-          <p:cNvPr id="9" name="Rectangle 2"/>
-          <p:cNvSpPr>
-            <a:spLocks noGrp="1" noChangeArrowheads="1"/>
-          </p:cNvSpPr>
-          <p:nvPr>
-            <p:ph type="ctrTitle"/>
-          </p:nvPr>
-        </p:nvSpPr>
-        <p:spPr>
-          <a:xfrm>
-            <a:off x="323528" y="-171400"/>
-            <a:ext cx="8568952" cy="1535832"/>
-          </a:xfrm>
-        </p:spPr>
-        <p:txBody>
-          <a:bodyPr/>
-          <a:lstStyle/>
-          <a:p>
-            <a:pPr algn="l" eaLnBrk="1" hangingPunct="1"/>
-            <a:r>
-              <a:rPr lang="en-US" sz="3200" b="1" u="sng" dirty="0"/>
-              <a:t>H</a:t>
-            </a:r>
-            <a:r>
-              <a:rPr lang="en-US" sz="3200" b="1" dirty="0"/>
-              <a:t>idden </a:t>
-            </a:r>
-            <a:r>
-              <a:rPr lang="en-US" sz="3200" b="1" u="sng" dirty="0"/>
-              <a:t>M</a:t>
-            </a:r>
-            <a:r>
-              <a:rPr lang="en-US" sz="3200" b="1" dirty="0"/>
-              <a:t>arkov </a:t>
-            </a:r>
-            <a:r>
-              <a:rPr lang="en-US" sz="3200" b="1" u="sng" dirty="0"/>
-              <a:t>M</a:t>
-            </a:r>
-            <a:r>
-              <a:rPr lang="en-US" sz="3200" b="1" dirty="0"/>
-              <a:t>odels (HMMs)</a:t>
-            </a:r>
-            <a:endParaRPr lang="en-US" sz="3200" dirty="0"/>
-          </a:p>
-        </p:txBody>
-      </p:sp>
-      <p:sp>
-        <p:nvSpPr>
           <p:cNvPr id="4" name="Oval 3"/>
           <p:cNvSpPr/>
           <p:nvPr/>
@@ -41196,6 +41647,61 @@
               </a:rPr>
               <a:t>The query generates a probability for every HMM in the database</a:t>
             </a:r>
+          </a:p>
+        </p:txBody>
+      </p:sp>
+      <p:sp>
+        <p:nvSpPr>
+          <p:cNvPr id="14" name="Rectangle 2">
+            <a:extLst>
+              <a:ext uri="{FF2B5EF4-FFF2-40B4-BE49-F238E27FC236}">
+                <a16:creationId xmlns:a16="http://schemas.microsoft.com/office/drawing/2014/main" id="{61CB10A3-44B7-2C40-B577-0FB5F1E2AA3B}"/>
+              </a:ext>
+            </a:extLst>
+          </p:cNvPr>
+          <p:cNvSpPr>
+            <a:spLocks noGrp="1" noChangeArrowheads="1"/>
+          </p:cNvSpPr>
+          <p:nvPr>
+            <p:ph type="ctrTitle"/>
+          </p:nvPr>
+        </p:nvSpPr>
+        <p:spPr>
+          <a:xfrm>
+            <a:off x="323528" y="-171400"/>
+            <a:ext cx="8568952" cy="1152128"/>
+          </a:xfrm>
+        </p:spPr>
+        <p:txBody>
+          <a:bodyPr/>
+          <a:lstStyle/>
+          <a:p>
+            <a:pPr algn="l" eaLnBrk="1" hangingPunct="1"/>
+            <a:r>
+              <a:rPr lang="en-US" sz="3200" b="1" u="sng" dirty="0"/>
+              <a:t>H</a:t>
+            </a:r>
+            <a:r>
+              <a:rPr lang="en-US" sz="3200" b="1" dirty="0"/>
+              <a:t>idden </a:t>
+            </a:r>
+            <a:r>
+              <a:rPr lang="en-US" sz="3200" b="1" u="sng" dirty="0"/>
+              <a:t>M</a:t>
+            </a:r>
+            <a:r>
+              <a:rPr lang="en-US" sz="3200" b="1" dirty="0"/>
+              <a:t>arkov </a:t>
+            </a:r>
+            <a:r>
+              <a:rPr lang="en-US" sz="3200" b="1" u="sng" dirty="0"/>
+              <a:t>M</a:t>
+            </a:r>
+            <a:r>
+              <a:rPr lang="en-US" sz="3200" b="1" dirty="0"/>
+              <a:t>odels (HMMs)</a:t>
+            </a:r>
+            <a:endParaRPr lang="en-US" sz="3200" dirty="0"/>
           </a:p>
         </p:txBody>
       </p:sp>
@@ -41242,7 +41748,7 @@
         <p:spPr>
           <a:xfrm>
             <a:off x="323528" y="-171400"/>
-            <a:ext cx="8568952" cy="1535832"/>
+            <a:ext cx="8568952" cy="1224136"/>
           </a:xfrm>
         </p:spPr>
         <p:txBody>
@@ -41423,47 +41929,6 @@
           <a:chExt cx="0" cy="0"/>
         </a:xfrm>
       </p:grpSpPr>
-      <p:sp>
-        <p:nvSpPr>
-          <p:cNvPr id="9" name="Rectangle 2"/>
-          <p:cNvSpPr>
-            <a:spLocks noGrp="1" noChangeArrowheads="1"/>
-          </p:cNvSpPr>
-          <p:nvPr>
-            <p:ph type="ctrTitle"/>
-          </p:nvPr>
-        </p:nvSpPr>
-        <p:spPr>
-          <a:xfrm>
-            <a:off x="323528" y="-171400"/>
-            <a:ext cx="8568952" cy="1535832"/>
-          </a:xfrm>
-        </p:spPr>
-        <p:txBody>
-          <a:bodyPr/>
-          <a:lstStyle/>
-          <a:p>
-            <a:pPr algn="l" eaLnBrk="1" hangingPunct="1"/>
-            <a:r>
-              <a:rPr lang="en-US" sz="3200" b="1" dirty="0"/>
-              <a:t>HMMs in </a:t>
-            </a:r>
-            <a:r>
-              <a:rPr lang="en-US" sz="3200" b="1" dirty="0" err="1"/>
-              <a:t>Pfam</a:t>
-            </a:r>
-            <a:r>
-              <a:rPr lang="en-US" sz="3200" b="1" dirty="0"/>
-              <a:t> / </a:t>
-            </a:r>
-            <a:r>
-              <a:rPr lang="en-US" sz="3200" b="1" dirty="0" err="1"/>
-              <a:t>Hmmer</a:t>
-            </a:r>
-            <a:endParaRPr lang="en-US" sz="3200" dirty="0"/>
-          </a:p>
-        </p:txBody>
-      </p:sp>
       <p:pic>
         <p:nvPicPr>
           <p:cNvPr id="2" name="Picture 1" descr="pfam.tiff"/>
@@ -41556,6 +42021,62 @@
               <a:rPr lang="en-US" sz="1800" dirty="0"/>
               <a:t>Caveat – correlations among residues cannot be modeled by HMMs as Markov Chains cannot ‘remember’ earlier states; secondary structure not workable in HMMs</a:t>
             </a:r>
+          </a:p>
+        </p:txBody>
+      </p:sp>
+      <p:sp>
+        <p:nvSpPr>
+          <p:cNvPr id="5" name="Rectangle 2">
+            <a:extLst>
+              <a:ext uri="{FF2B5EF4-FFF2-40B4-BE49-F238E27FC236}">
+                <a16:creationId xmlns:a16="http://schemas.microsoft.com/office/drawing/2014/main" id="{1D9F9857-58DA-AFE8-EE7D-18FFEBF8BB83}"/>
+              </a:ext>
+            </a:extLst>
+          </p:cNvPr>
+          <p:cNvSpPr txBox="1">
+            <a:spLocks noChangeArrowheads="1"/>
+          </p:cNvSpPr>
+          <p:nvPr/>
+        </p:nvSpPr>
+        <p:spPr>
+          <a:xfrm>
+            <a:off x="323528" y="-171400"/>
+            <a:ext cx="8568952" cy="1224136"/>
+          </a:xfrm>
+          <a:prstGeom prst="rect">
+            <a:avLst/>
+          </a:prstGeom>
+        </p:spPr>
+        <p:txBody>
+          <a:bodyPr vert="horz" lIns="91440" tIns="45720" rIns="91440" bIns="45720" rtlCol="0" anchor="b">
+            <a:normAutofit/>
+          </a:bodyPr>
+          <a:lstStyle>
+            <a:lvl1pPr algn="ctr" defTabSz="685800" rtl="0" eaLnBrk="1" latinLnBrk="0" hangingPunct="1">
+              <a:lnSpc>
+                <a:spcPct val="90000"/>
+              </a:lnSpc>
+              <a:spcBef>
+                <a:spcPct val="0"/>
+              </a:spcBef>
+              <a:buNone/>
+              <a:defRPr sz="4500" kern="1200">
+                <a:solidFill>
+                  <a:schemeClr val="tx1"/>
+                </a:solidFill>
+                <a:latin typeface="+mj-lt"/>
+                <a:ea typeface="+mj-ea"/>
+                <a:cs typeface="+mj-cs"/>
+              </a:defRPr>
+            </a:lvl1pPr>
+          </a:lstStyle>
+          <a:p>
+            <a:pPr algn="l"/>
+            <a:r>
+              <a:rPr lang="en-US" sz="3200" b="1"/>
+              <a:t>HMMs in Pfam / Hmmer</a:t>
+            </a:r>
+            <a:endParaRPr lang="en-US" sz="3200" dirty="0"/>
           </a:p>
         </p:txBody>
       </p:sp>
@@ -41602,7 +42123,7 @@
         <p:spPr>
           <a:xfrm>
             <a:off x="323528" y="-171400"/>
-            <a:ext cx="8568952" cy="1535832"/>
+            <a:ext cx="8568952" cy="1224136"/>
           </a:xfrm>
         </p:spPr>
         <p:txBody>
@@ -41801,35 +42322,6 @@
       </p:grpSpPr>
       <p:sp>
         <p:nvSpPr>
-          <p:cNvPr id="9" name="Rectangle 2"/>
-          <p:cNvSpPr>
-            <a:spLocks noGrp="1" noChangeArrowheads="1"/>
-          </p:cNvSpPr>
-          <p:nvPr>
-            <p:ph type="ctrTitle"/>
-          </p:nvPr>
-        </p:nvSpPr>
-        <p:spPr>
-          <a:xfrm>
-            <a:off x="323528" y="-171400"/>
-            <a:ext cx="8568952" cy="1535832"/>
-          </a:xfrm>
-        </p:spPr>
-        <p:txBody>
-          <a:bodyPr/>
-          <a:lstStyle/>
-          <a:p>
-            <a:pPr algn="l" eaLnBrk="1" hangingPunct="1"/>
-            <a:r>
-              <a:rPr lang="en-US" sz="3200" b="1" dirty="0"/>
-              <a:t>What about finding short sequences?</a:t>
-            </a:r>
-            <a:endParaRPr lang="en-US" sz="3200" dirty="0"/>
-          </a:p>
-        </p:txBody>
-      </p:sp>
-      <p:sp>
-        <p:nvSpPr>
           <p:cNvPr id="2" name="TextBox 1"/>
           <p:cNvSpPr txBox="1"/>
           <p:nvPr/>
@@ -42060,6 +42552,62 @@
               <a:rPr lang="en-US" sz="2000" dirty="0"/>
               <a:t>Statistical in nature, but very high false discovery rate!</a:t>
             </a:r>
+          </a:p>
+        </p:txBody>
+      </p:sp>
+      <p:sp>
+        <p:nvSpPr>
+          <p:cNvPr id="7" name="Rectangle 2">
+            <a:extLst>
+              <a:ext uri="{FF2B5EF4-FFF2-40B4-BE49-F238E27FC236}">
+                <a16:creationId xmlns:a16="http://schemas.microsoft.com/office/drawing/2014/main" id="{7835DB56-CFA7-1B87-A2B9-C7BE78E20F90}"/>
+              </a:ext>
+            </a:extLst>
+          </p:cNvPr>
+          <p:cNvSpPr txBox="1">
+            <a:spLocks noChangeArrowheads="1"/>
+          </p:cNvSpPr>
+          <p:nvPr/>
+        </p:nvSpPr>
+        <p:spPr>
+          <a:xfrm>
+            <a:off x="323528" y="-171400"/>
+            <a:ext cx="8568952" cy="1224136"/>
+          </a:xfrm>
+          <a:prstGeom prst="rect">
+            <a:avLst/>
+          </a:prstGeom>
+        </p:spPr>
+        <p:txBody>
+          <a:bodyPr vert="horz" lIns="91440" tIns="45720" rIns="91440" bIns="45720" rtlCol="0" anchor="b">
+            <a:normAutofit/>
+          </a:bodyPr>
+          <a:lstStyle>
+            <a:lvl1pPr algn="ctr" defTabSz="685800" rtl="0" eaLnBrk="1" latinLnBrk="0" hangingPunct="1">
+              <a:lnSpc>
+                <a:spcPct val="90000"/>
+              </a:lnSpc>
+              <a:spcBef>
+                <a:spcPct val="0"/>
+              </a:spcBef>
+              <a:buNone/>
+              <a:defRPr sz="4500" kern="1200">
+                <a:solidFill>
+                  <a:schemeClr val="tx1"/>
+                </a:solidFill>
+                <a:latin typeface="+mj-lt"/>
+                <a:ea typeface="+mj-ea"/>
+                <a:cs typeface="+mj-cs"/>
+              </a:defRPr>
+            </a:lvl1pPr>
+          </a:lstStyle>
+          <a:p>
+            <a:pPr algn="l"/>
+            <a:r>
+              <a:rPr lang="en-US" sz="3200" b="1"/>
+              <a:t>What about finding short sequences?</a:t>
+            </a:r>
+            <a:endParaRPr lang="en-US" sz="3200" dirty="0"/>
           </a:p>
         </p:txBody>
       </p:sp>
@@ -42158,10 +42706,10 @@
       </p:pic>
       <p:pic>
         <p:nvPicPr>
-          <p:cNvPr id="3" name="Picture 2" descr="A screenshot of a computer&#10;&#10;Description automatically generated">
+          <p:cNvPr id="5" name="Picture 4">
             <a:extLst>
               <a:ext uri="{FF2B5EF4-FFF2-40B4-BE49-F238E27FC236}">
-                <a16:creationId xmlns:a16="http://schemas.microsoft.com/office/drawing/2014/main" id="{DAF0DC56-7978-6801-9C86-D80436F0D066}"/>
+                <a16:creationId xmlns:a16="http://schemas.microsoft.com/office/drawing/2014/main" id="{D664370D-08AC-FD90-47AE-1E2776A3A8FC}"/>
               </a:ext>
             </a:extLst>
           </p:cNvPr>
@@ -42178,8 +42726,8 @@
         </p:blipFill>
         <p:spPr>
           <a:xfrm>
-            <a:off x="539552" y="1340768"/>
-            <a:ext cx="7772400" cy="1164328"/>
+            <a:off x="547168" y="1700808"/>
+            <a:ext cx="7822271" cy="803234"/>
           </a:xfrm>
           <a:prstGeom prst="rect">
             <a:avLst/>
@@ -42218,78 +42766,13 @@
       </p:grpSpPr>
       <p:sp>
         <p:nvSpPr>
-          <p:cNvPr id="9" name="Rectangle 2"/>
-          <p:cNvSpPr>
-            <a:spLocks noGrp="1" noChangeArrowheads="1"/>
-          </p:cNvSpPr>
-          <p:nvPr>
-            <p:ph type="ctrTitle"/>
-          </p:nvPr>
-        </p:nvSpPr>
-        <p:spPr>
-          <a:xfrm>
-            <a:off x="323528" y="-171400"/>
-            <a:ext cx="8568952" cy="1535832"/>
-          </a:xfrm>
-        </p:spPr>
-        <p:txBody>
-          <a:bodyPr/>
-          <a:lstStyle/>
-          <a:p>
-            <a:pPr algn="l" eaLnBrk="1" hangingPunct="1"/>
-            <a:r>
-              <a:rPr lang="en-US" sz="3200" b="1" u="sng" dirty="0"/>
-              <a:t>B</a:t>
-            </a:r>
-            <a:r>
-              <a:rPr lang="en-US" sz="3200" b="1" dirty="0"/>
-              <a:t>asic </a:t>
-            </a:r>
-            <a:r>
-              <a:rPr lang="en-US" sz="3200" b="1" u="sng" dirty="0"/>
-              <a:t>L</a:t>
-            </a:r>
-            <a:r>
-              <a:rPr lang="en-US" sz="3200" b="1" dirty="0"/>
-              <a:t>ocal </a:t>
-            </a:r>
-            <a:r>
-              <a:rPr lang="en-US" sz="3200" b="1" u="sng" dirty="0"/>
-              <a:t>A</a:t>
-            </a:r>
-            <a:r>
-              <a:rPr lang="en-US" sz="3200" b="1" dirty="0"/>
-              <a:t>lignment </a:t>
-            </a:r>
-            <a:r>
-              <a:rPr lang="en-US" sz="3200" b="1" u="sng" dirty="0"/>
-              <a:t>S</a:t>
-            </a:r>
-            <a:r>
-              <a:rPr lang="en-US" sz="3200" b="1" dirty="0"/>
-              <a:t>earch </a:t>
-            </a:r>
-            <a:r>
-              <a:rPr lang="en-US" sz="3200" b="1" u="sng" dirty="0"/>
-              <a:t>T</a:t>
-            </a:r>
-            <a:r>
-              <a:rPr lang="en-US" sz="3200" b="1" dirty="0"/>
-              <a:t>ool (BLAST)</a:t>
-            </a:r>
-            <a:endParaRPr lang="en-US" sz="3200" dirty="0"/>
-          </a:p>
-        </p:txBody>
-      </p:sp>
-      <p:sp>
-        <p:nvSpPr>
           <p:cNvPr id="2" name="TextBox 1"/>
           <p:cNvSpPr txBox="1"/>
           <p:nvPr/>
         </p:nvSpPr>
         <p:spPr>
           <a:xfrm>
-            <a:off x="395536" y="1141576"/>
+            <a:off x="395536" y="908720"/>
             <a:ext cx="8352928" cy="5632311"/>
           </a:xfrm>
           <a:prstGeom prst="rect">
@@ -42422,6 +42905,98 @@
               <a:rPr lang="en-US" sz="2000" dirty="0"/>
               <a:t>This is an active time in new algorithm development (e.g. BLAT, DIAMOND)</a:t>
             </a:r>
+          </a:p>
+        </p:txBody>
+      </p:sp>
+      <p:sp>
+        <p:nvSpPr>
+          <p:cNvPr id="5" name="Rectangle 2">
+            <a:extLst>
+              <a:ext uri="{FF2B5EF4-FFF2-40B4-BE49-F238E27FC236}">
+                <a16:creationId xmlns:a16="http://schemas.microsoft.com/office/drawing/2014/main" id="{35494F0A-6F44-EDD5-FA1A-BA4C354C750E}"/>
+              </a:ext>
+            </a:extLst>
+          </p:cNvPr>
+          <p:cNvSpPr txBox="1">
+            <a:spLocks noChangeArrowheads="1"/>
+          </p:cNvSpPr>
+          <p:nvPr/>
+        </p:nvSpPr>
+        <p:spPr>
+          <a:xfrm>
+            <a:off x="323528" y="-295099"/>
+            <a:ext cx="8568952" cy="1224136"/>
+          </a:xfrm>
+          <a:prstGeom prst="rect">
+            <a:avLst/>
+          </a:prstGeom>
+        </p:spPr>
+        <p:txBody>
+          <a:bodyPr vert="horz" lIns="91440" tIns="45720" rIns="91440" bIns="45720" rtlCol="0" anchor="b">
+            <a:normAutofit/>
+          </a:bodyPr>
+          <a:lstStyle>
+            <a:lvl1pPr algn="ctr" defTabSz="685800" rtl="0" eaLnBrk="1" latinLnBrk="0" hangingPunct="1">
+              <a:lnSpc>
+                <a:spcPct val="90000"/>
+              </a:lnSpc>
+              <a:spcBef>
+                <a:spcPct val="0"/>
+              </a:spcBef>
+              <a:buNone/>
+              <a:defRPr sz="4500" kern="1200">
+                <a:solidFill>
+                  <a:schemeClr val="tx1"/>
+                </a:solidFill>
+                <a:latin typeface="+mj-lt"/>
+                <a:ea typeface="+mj-ea"/>
+                <a:cs typeface="+mj-cs"/>
+              </a:defRPr>
+            </a:lvl1pPr>
+          </a:lstStyle>
+          <a:p>
+            <a:pPr algn="l"/>
+            <a:r>
+              <a:rPr lang="en-US" sz="3200" b="1" u="sng" dirty="0"/>
+              <a:t>B</a:t>
+            </a:r>
+            <a:r>
+              <a:rPr lang="en-US" sz="3200" b="1" dirty="0"/>
+              <a:t>asic </a:t>
+            </a:r>
+            <a:r>
+              <a:rPr lang="en-US" sz="3200" b="1" u="sng" dirty="0"/>
+              <a:t>L</a:t>
+            </a:r>
+            <a:r>
+              <a:rPr lang="en-US" sz="3200" b="1" dirty="0"/>
+              <a:t>ocal </a:t>
+            </a:r>
+            <a:r>
+              <a:rPr lang="en-US" sz="3200" b="1" u="sng" dirty="0"/>
+              <a:t>A</a:t>
+            </a:r>
+            <a:r>
+              <a:rPr lang="en-US" sz="3200" b="1" dirty="0"/>
+              <a:t>lignment </a:t>
+            </a:r>
+            <a:r>
+              <a:rPr lang="en-US" sz="3200" b="1" u="sng" dirty="0"/>
+              <a:t>S</a:t>
+            </a:r>
+            <a:r>
+              <a:rPr lang="en-US" sz="3200" b="1" dirty="0"/>
+              <a:t>earch </a:t>
+            </a:r>
+            <a:r>
+              <a:rPr lang="en-US" sz="3200" b="1" u="sng" dirty="0"/>
+              <a:t>T</a:t>
+            </a:r>
+            <a:r>
+              <a:rPr lang="en-US" sz="3200" b="1" dirty="0"/>
+              <a:t>ool (BLAST)</a:t>
+            </a:r>
+            <a:endParaRPr lang="en-US" sz="3200" dirty="0"/>
           </a:p>
         </p:txBody>
       </p:sp>
@@ -42468,7 +43043,7 @@
         <p:spPr>
           <a:xfrm>
             <a:off x="323528" y="-171400"/>
-            <a:ext cx="8568952" cy="1535832"/>
+            <a:ext cx="8568952" cy="1080120"/>
           </a:xfrm>
         </p:spPr>
         <p:txBody>
@@ -42793,71 +43368,6 @@
       </p:grpSpPr>
       <p:sp>
         <p:nvSpPr>
-          <p:cNvPr id="9" name="Rectangle 2"/>
-          <p:cNvSpPr>
-            <a:spLocks noGrp="1" noChangeArrowheads="1"/>
-          </p:cNvSpPr>
-          <p:nvPr>
-            <p:ph type="ctrTitle"/>
-          </p:nvPr>
-        </p:nvSpPr>
-        <p:spPr>
-          <a:xfrm>
-            <a:off x="323528" y="-171400"/>
-            <a:ext cx="8568952" cy="1535832"/>
-          </a:xfrm>
-        </p:spPr>
-        <p:txBody>
-          <a:bodyPr/>
-          <a:lstStyle/>
-          <a:p>
-            <a:pPr algn="l" eaLnBrk="1" hangingPunct="1"/>
-            <a:r>
-              <a:rPr lang="en-US" sz="3200" b="1" u="sng" dirty="0"/>
-              <a:t>B</a:t>
-            </a:r>
-            <a:r>
-              <a:rPr lang="en-US" sz="3200" b="1" dirty="0"/>
-              <a:t>asic </a:t>
-            </a:r>
-            <a:r>
-              <a:rPr lang="en-US" sz="3200" b="1" u="sng" dirty="0"/>
-              <a:t>L</a:t>
-            </a:r>
-            <a:r>
-              <a:rPr lang="en-US" sz="3200" b="1" dirty="0"/>
-              <a:t>ocal </a:t>
-            </a:r>
-            <a:r>
-              <a:rPr lang="en-US" sz="3200" b="1" u="sng" dirty="0"/>
-              <a:t>A</a:t>
-            </a:r>
-            <a:r>
-              <a:rPr lang="en-US" sz="3200" b="1" dirty="0"/>
-              <a:t>lignment </a:t>
-            </a:r>
-            <a:r>
-              <a:rPr lang="en-US" sz="3200" b="1" u="sng" dirty="0"/>
-              <a:t>S</a:t>
-            </a:r>
-            <a:r>
-              <a:rPr lang="en-US" sz="3200" b="1" dirty="0"/>
-              <a:t>earch </a:t>
-            </a:r>
-            <a:r>
-              <a:rPr lang="en-US" sz="3200" b="1" u="sng" dirty="0"/>
-              <a:t>T</a:t>
-            </a:r>
-            <a:r>
-              <a:rPr lang="en-US" sz="3200" b="1" dirty="0"/>
-              <a:t>ool (BLAST)</a:t>
-            </a:r>
-            <a:endParaRPr lang="en-US" sz="3200" dirty="0"/>
-          </a:p>
-        </p:txBody>
-      </p:sp>
-      <p:sp>
-        <p:nvSpPr>
           <p:cNvPr id="2" name="TextBox 1"/>
           <p:cNvSpPr txBox="1"/>
           <p:nvPr/>
@@ -43053,6 +43563,98 @@
               <a:buChar char="•"/>
             </a:pPr>
             <a:endParaRPr lang="is-IS" sz="2000" dirty="0"/>
+          </a:p>
+        </p:txBody>
+      </p:sp>
+      <p:sp>
+        <p:nvSpPr>
+          <p:cNvPr id="5" name="Rectangle 2">
+            <a:extLst>
+              <a:ext uri="{FF2B5EF4-FFF2-40B4-BE49-F238E27FC236}">
+                <a16:creationId xmlns:a16="http://schemas.microsoft.com/office/drawing/2014/main" id="{C876A5C1-57E7-CDB4-26DC-6FDB2E6636DF}"/>
+              </a:ext>
+            </a:extLst>
+          </p:cNvPr>
+          <p:cNvSpPr txBox="1">
+            <a:spLocks noChangeArrowheads="1"/>
+          </p:cNvSpPr>
+          <p:nvPr/>
+        </p:nvSpPr>
+        <p:spPr>
+          <a:xfrm>
+            <a:off x="323528" y="-295099"/>
+            <a:ext cx="8568952" cy="1224136"/>
+          </a:xfrm>
+          <a:prstGeom prst="rect">
+            <a:avLst/>
+          </a:prstGeom>
+        </p:spPr>
+        <p:txBody>
+          <a:bodyPr vert="horz" lIns="91440" tIns="45720" rIns="91440" bIns="45720" rtlCol="0" anchor="b">
+            <a:normAutofit/>
+          </a:bodyPr>
+          <a:lstStyle>
+            <a:lvl1pPr algn="ctr" defTabSz="685800" rtl="0" eaLnBrk="1" latinLnBrk="0" hangingPunct="1">
+              <a:lnSpc>
+                <a:spcPct val="90000"/>
+              </a:lnSpc>
+              <a:spcBef>
+                <a:spcPct val="0"/>
+              </a:spcBef>
+              <a:buNone/>
+              <a:defRPr sz="4500" kern="1200">
+                <a:solidFill>
+                  <a:schemeClr val="tx1"/>
+                </a:solidFill>
+                <a:latin typeface="+mj-lt"/>
+                <a:ea typeface="+mj-ea"/>
+                <a:cs typeface="+mj-cs"/>
+              </a:defRPr>
+            </a:lvl1pPr>
+          </a:lstStyle>
+          <a:p>
+            <a:pPr algn="l"/>
+            <a:r>
+              <a:rPr lang="en-US" sz="3200" b="1" u="sng" dirty="0"/>
+              <a:t>B</a:t>
+            </a:r>
+            <a:r>
+              <a:rPr lang="en-US" sz="3200" b="1" dirty="0"/>
+              <a:t>asic </a:t>
+            </a:r>
+            <a:r>
+              <a:rPr lang="en-US" sz="3200" b="1" u="sng" dirty="0"/>
+              <a:t>L</a:t>
+            </a:r>
+            <a:r>
+              <a:rPr lang="en-US" sz="3200" b="1" dirty="0"/>
+              <a:t>ocal </a:t>
+            </a:r>
+            <a:r>
+              <a:rPr lang="en-US" sz="3200" b="1" u="sng" dirty="0"/>
+              <a:t>A</a:t>
+            </a:r>
+            <a:r>
+              <a:rPr lang="en-US" sz="3200" b="1" dirty="0"/>
+              <a:t>lignment </a:t>
+            </a:r>
+            <a:r>
+              <a:rPr lang="en-US" sz="3200" b="1" u="sng" dirty="0"/>
+              <a:t>S</a:t>
+            </a:r>
+            <a:r>
+              <a:rPr lang="en-US" sz="3200" b="1" dirty="0"/>
+              <a:t>earch </a:t>
+            </a:r>
+            <a:r>
+              <a:rPr lang="en-US" sz="3200" b="1" u="sng" dirty="0"/>
+              <a:t>T</a:t>
+            </a:r>
+            <a:r>
+              <a:rPr lang="en-US" sz="3200" b="1" dirty="0"/>
+              <a:t>ool (BLAST)</a:t>
+            </a:r>
+            <a:endParaRPr lang="en-US" sz="3200" dirty="0"/>
           </a:p>
         </p:txBody>
       </p:sp>
@@ -43088,71 +43690,6 @@
       </p:grpSpPr>
       <p:sp>
         <p:nvSpPr>
-          <p:cNvPr id="9" name="Rectangle 2"/>
-          <p:cNvSpPr>
-            <a:spLocks noGrp="1" noChangeArrowheads="1"/>
-          </p:cNvSpPr>
-          <p:nvPr>
-            <p:ph type="ctrTitle"/>
-          </p:nvPr>
-        </p:nvSpPr>
-        <p:spPr>
-          <a:xfrm>
-            <a:off x="323528" y="-171400"/>
-            <a:ext cx="8568952" cy="1535832"/>
-          </a:xfrm>
-        </p:spPr>
-        <p:txBody>
-          <a:bodyPr/>
-          <a:lstStyle/>
-          <a:p>
-            <a:pPr algn="l" eaLnBrk="1" hangingPunct="1"/>
-            <a:r>
-              <a:rPr lang="en-US" sz="3200" b="1" u="sng" dirty="0"/>
-              <a:t>B</a:t>
-            </a:r>
-            <a:r>
-              <a:rPr lang="en-US" sz="3200" b="1" dirty="0"/>
-              <a:t>asic </a:t>
-            </a:r>
-            <a:r>
-              <a:rPr lang="en-US" sz="3200" b="1" u="sng" dirty="0"/>
-              <a:t>L</a:t>
-            </a:r>
-            <a:r>
-              <a:rPr lang="en-US" sz="3200" b="1" dirty="0"/>
-              <a:t>ocal </a:t>
-            </a:r>
-            <a:r>
-              <a:rPr lang="en-US" sz="3200" b="1" u="sng" dirty="0"/>
-              <a:t>A</a:t>
-            </a:r>
-            <a:r>
-              <a:rPr lang="en-US" sz="3200" b="1" dirty="0"/>
-              <a:t>lignment </a:t>
-            </a:r>
-            <a:r>
-              <a:rPr lang="en-US" sz="3200" b="1" u="sng" dirty="0"/>
-              <a:t>S</a:t>
-            </a:r>
-            <a:r>
-              <a:rPr lang="en-US" sz="3200" b="1" dirty="0"/>
-              <a:t>earch </a:t>
-            </a:r>
-            <a:r>
-              <a:rPr lang="en-US" sz="3200" b="1" u="sng" dirty="0"/>
-              <a:t>T</a:t>
-            </a:r>
-            <a:r>
-              <a:rPr lang="en-US" sz="3200" b="1" dirty="0"/>
-              <a:t>ool (BLAST)</a:t>
-            </a:r>
-            <a:endParaRPr lang="en-US" sz="3200" dirty="0"/>
-          </a:p>
-        </p:txBody>
-      </p:sp>
-      <p:sp>
-        <p:nvSpPr>
           <p:cNvPr id="3" name="Oval 2"/>
           <p:cNvSpPr/>
           <p:nvPr/>
@@ -43990,6 +44527,98 @@
               <a:rPr lang="en-US" sz="1600" dirty="0"/>
               <a:t>it won’t miss anything, but processing and memory intensive</a:t>
             </a:r>
+          </a:p>
+        </p:txBody>
+      </p:sp>
+      <p:sp>
+        <p:nvSpPr>
+          <p:cNvPr id="11" name="Rectangle 2">
+            <a:extLst>
+              <a:ext uri="{FF2B5EF4-FFF2-40B4-BE49-F238E27FC236}">
+                <a16:creationId xmlns:a16="http://schemas.microsoft.com/office/drawing/2014/main" id="{C5883FF6-C959-0C62-5222-81C47C22BECE}"/>
+              </a:ext>
+            </a:extLst>
+          </p:cNvPr>
+          <p:cNvSpPr txBox="1">
+            <a:spLocks noChangeArrowheads="1"/>
+          </p:cNvSpPr>
+          <p:nvPr/>
+        </p:nvSpPr>
+        <p:spPr>
+          <a:xfrm>
+            <a:off x="323528" y="-295099"/>
+            <a:ext cx="8568952" cy="1224136"/>
+          </a:xfrm>
+          <a:prstGeom prst="rect">
+            <a:avLst/>
+          </a:prstGeom>
+        </p:spPr>
+        <p:txBody>
+          <a:bodyPr vert="horz" lIns="91440" tIns="45720" rIns="91440" bIns="45720" rtlCol="0" anchor="b">
+            <a:normAutofit/>
+          </a:bodyPr>
+          <a:lstStyle>
+            <a:lvl1pPr algn="ctr" defTabSz="685800" rtl="0" eaLnBrk="1" latinLnBrk="0" hangingPunct="1">
+              <a:lnSpc>
+                <a:spcPct val="90000"/>
+              </a:lnSpc>
+              <a:spcBef>
+                <a:spcPct val="0"/>
+              </a:spcBef>
+              <a:buNone/>
+              <a:defRPr sz="4500" kern="1200">
+                <a:solidFill>
+                  <a:schemeClr val="tx1"/>
+                </a:solidFill>
+                <a:latin typeface="+mj-lt"/>
+                <a:ea typeface="+mj-ea"/>
+                <a:cs typeface="+mj-cs"/>
+              </a:defRPr>
+            </a:lvl1pPr>
+          </a:lstStyle>
+          <a:p>
+            <a:pPr algn="l"/>
+            <a:r>
+              <a:rPr lang="en-US" sz="3200" b="1" u="sng" dirty="0"/>
+              <a:t>B</a:t>
+            </a:r>
+            <a:r>
+              <a:rPr lang="en-US" sz="3200" b="1" dirty="0"/>
+              <a:t>asic </a:t>
+            </a:r>
+            <a:r>
+              <a:rPr lang="en-US" sz="3200" b="1" u="sng" dirty="0"/>
+              <a:t>L</a:t>
+            </a:r>
+            <a:r>
+              <a:rPr lang="en-US" sz="3200" b="1" dirty="0"/>
+              <a:t>ocal </a:t>
+            </a:r>
+            <a:r>
+              <a:rPr lang="en-US" sz="3200" b="1" u="sng" dirty="0"/>
+              <a:t>A</a:t>
+            </a:r>
+            <a:r>
+              <a:rPr lang="en-US" sz="3200" b="1" dirty="0"/>
+              <a:t>lignment </a:t>
+            </a:r>
+            <a:r>
+              <a:rPr lang="en-US" sz="3200" b="1" u="sng" dirty="0"/>
+              <a:t>S</a:t>
+            </a:r>
+            <a:r>
+              <a:rPr lang="en-US" sz="3200" b="1" dirty="0"/>
+              <a:t>earch </a:t>
+            </a:r>
+            <a:r>
+              <a:rPr lang="en-US" sz="3200" b="1" u="sng" dirty="0"/>
+              <a:t>T</a:t>
+            </a:r>
+            <a:r>
+              <a:rPr lang="en-US" sz="3200" b="1" dirty="0"/>
+              <a:t>ool (BLAST)</a:t>
+            </a:r>
+            <a:endParaRPr lang="en-US" sz="3200" dirty="0"/>
           </a:p>
         </p:txBody>
       </p:sp>
@@ -44025,71 +44654,6 @@
       </p:grpSpPr>
       <p:sp>
         <p:nvSpPr>
-          <p:cNvPr id="9" name="Rectangle 2"/>
-          <p:cNvSpPr>
-            <a:spLocks noGrp="1" noChangeArrowheads="1"/>
-          </p:cNvSpPr>
-          <p:nvPr>
-            <p:ph type="ctrTitle"/>
-          </p:nvPr>
-        </p:nvSpPr>
-        <p:spPr>
-          <a:xfrm>
-            <a:off x="323528" y="-171400"/>
-            <a:ext cx="8568952" cy="1535832"/>
-          </a:xfrm>
-        </p:spPr>
-        <p:txBody>
-          <a:bodyPr/>
-          <a:lstStyle/>
-          <a:p>
-            <a:pPr algn="l" eaLnBrk="1" hangingPunct="1"/>
-            <a:r>
-              <a:rPr lang="en-US" sz="3200" b="1" u="sng" dirty="0"/>
-              <a:t>B</a:t>
-            </a:r>
-            <a:r>
-              <a:rPr lang="en-US" sz="3200" b="1" dirty="0"/>
-              <a:t>asic </a:t>
-            </a:r>
-            <a:r>
-              <a:rPr lang="en-US" sz="3200" b="1" u="sng" dirty="0"/>
-              <a:t>L</a:t>
-            </a:r>
-            <a:r>
-              <a:rPr lang="en-US" sz="3200" b="1" dirty="0"/>
-              <a:t>ocal </a:t>
-            </a:r>
-            <a:r>
-              <a:rPr lang="en-US" sz="3200" b="1" u="sng" dirty="0"/>
-              <a:t>A</a:t>
-            </a:r>
-            <a:r>
-              <a:rPr lang="en-US" sz="3200" b="1" dirty="0"/>
-              <a:t>lignment </a:t>
-            </a:r>
-            <a:r>
-              <a:rPr lang="en-US" sz="3200" b="1" u="sng" dirty="0"/>
-              <a:t>S</a:t>
-            </a:r>
-            <a:r>
-              <a:rPr lang="en-US" sz="3200" b="1" dirty="0"/>
-              <a:t>earch </a:t>
-            </a:r>
-            <a:r>
-              <a:rPr lang="en-US" sz="3200" b="1" u="sng" dirty="0"/>
-              <a:t>T</a:t>
-            </a:r>
-            <a:r>
-              <a:rPr lang="en-US" sz="3200" b="1" dirty="0"/>
-              <a:t>ool (BLAST)</a:t>
-            </a:r>
-            <a:endParaRPr lang="en-US" sz="3200" dirty="0"/>
-          </a:p>
-        </p:txBody>
-      </p:sp>
-      <p:sp>
-        <p:nvSpPr>
           <p:cNvPr id="3" name="Oval 2"/>
           <p:cNvSpPr/>
           <p:nvPr/>
@@ -45148,6 +45712,98 @@
           </a:p>
         </p:txBody>
       </p:sp>
+      <p:sp>
+        <p:nvSpPr>
+          <p:cNvPr id="12" name="Rectangle 2">
+            <a:extLst>
+              <a:ext uri="{FF2B5EF4-FFF2-40B4-BE49-F238E27FC236}">
+                <a16:creationId xmlns:a16="http://schemas.microsoft.com/office/drawing/2014/main" id="{57BC2F70-0F49-A66E-5B81-AF67FA56EC6D}"/>
+              </a:ext>
+            </a:extLst>
+          </p:cNvPr>
+          <p:cNvSpPr txBox="1">
+            <a:spLocks noChangeArrowheads="1"/>
+          </p:cNvSpPr>
+          <p:nvPr/>
+        </p:nvSpPr>
+        <p:spPr>
+          <a:xfrm>
+            <a:off x="323528" y="-295099"/>
+            <a:ext cx="8568952" cy="1224136"/>
+          </a:xfrm>
+          <a:prstGeom prst="rect">
+            <a:avLst/>
+          </a:prstGeom>
+        </p:spPr>
+        <p:txBody>
+          <a:bodyPr vert="horz" lIns="91440" tIns="45720" rIns="91440" bIns="45720" rtlCol="0" anchor="b">
+            <a:normAutofit/>
+          </a:bodyPr>
+          <a:lstStyle>
+            <a:lvl1pPr algn="ctr" defTabSz="685800" rtl="0" eaLnBrk="1" latinLnBrk="0" hangingPunct="1">
+              <a:lnSpc>
+                <a:spcPct val="90000"/>
+              </a:lnSpc>
+              <a:spcBef>
+                <a:spcPct val="0"/>
+              </a:spcBef>
+              <a:buNone/>
+              <a:defRPr sz="4500" kern="1200">
+                <a:solidFill>
+                  <a:schemeClr val="tx1"/>
+                </a:solidFill>
+                <a:latin typeface="+mj-lt"/>
+                <a:ea typeface="+mj-ea"/>
+                <a:cs typeface="+mj-cs"/>
+              </a:defRPr>
+            </a:lvl1pPr>
+          </a:lstStyle>
+          <a:p>
+            <a:pPr algn="l"/>
+            <a:r>
+              <a:rPr lang="en-US" sz="3200" b="1" u="sng" dirty="0"/>
+              <a:t>B</a:t>
+            </a:r>
+            <a:r>
+              <a:rPr lang="en-US" sz="3200" b="1" dirty="0"/>
+              <a:t>asic </a:t>
+            </a:r>
+            <a:r>
+              <a:rPr lang="en-US" sz="3200" b="1" u="sng" dirty="0"/>
+              <a:t>L</a:t>
+            </a:r>
+            <a:r>
+              <a:rPr lang="en-US" sz="3200" b="1" dirty="0"/>
+              <a:t>ocal </a:t>
+            </a:r>
+            <a:r>
+              <a:rPr lang="en-US" sz="3200" b="1" u="sng" dirty="0"/>
+              <a:t>A</a:t>
+            </a:r>
+            <a:r>
+              <a:rPr lang="en-US" sz="3200" b="1" dirty="0"/>
+              <a:t>lignment </a:t>
+            </a:r>
+            <a:r>
+              <a:rPr lang="en-US" sz="3200" b="1" u="sng" dirty="0"/>
+              <a:t>S</a:t>
+            </a:r>
+            <a:r>
+              <a:rPr lang="en-US" sz="3200" b="1" dirty="0"/>
+              <a:t>earch </a:t>
+            </a:r>
+            <a:r>
+              <a:rPr lang="en-US" sz="3200" b="1" u="sng" dirty="0"/>
+              <a:t>T</a:t>
+            </a:r>
+            <a:r>
+              <a:rPr lang="en-US" sz="3200" b="1" dirty="0"/>
+              <a:t>ool (BLAST)</a:t>
+            </a:r>
+            <a:endParaRPr lang="en-US" sz="3200" dirty="0"/>
+          </a:p>
+        </p:txBody>
+      </p:sp>
     </p:spTree>
     <p:extLst>
       <p:ext uri="{BB962C8B-B14F-4D97-AF65-F5344CB8AC3E}">
@@ -45162,56 +45818,150 @@
 </file>
 
 <file path=ppt/theme/theme1.xml><?xml version="1.0" encoding="utf-8"?>
-<a:theme xmlns:a="http://schemas.openxmlformats.org/drawingml/2006/main" name="DalhousieTemplate">
+<a:theme xmlns:a="http://schemas.openxmlformats.org/drawingml/2006/main" name="Office Theme">
   <a:themeElements>
-    <a:clrScheme name="DalhousieTemplate 2">
+    <a:clrScheme name="Office">
       <a:dk1>
-        <a:srgbClr val="000000"/>
+        <a:sysClr val="windowText" lastClr="000000"/>
       </a:dk1>
       <a:lt1>
-        <a:srgbClr val="FFFFFF"/>
+        <a:sysClr val="window" lastClr="FFFFFF"/>
       </a:lt1>
       <a:dk2>
-        <a:srgbClr val="000066"/>
+        <a:srgbClr val="0E2841"/>
       </a:dk2>
       <a:lt2>
-        <a:srgbClr val="FFCC66"/>
+        <a:srgbClr val="E8E8E8"/>
       </a:lt2>
       <a:accent1>
-        <a:srgbClr val="FF9900"/>
+        <a:srgbClr val="156082"/>
       </a:accent1>
       <a:accent2>
-        <a:srgbClr val="000044"/>
+        <a:srgbClr val="E97132"/>
       </a:accent2>
       <a:accent3>
-        <a:srgbClr val="AAAAB8"/>
+        <a:srgbClr val="196B24"/>
       </a:accent3>
       <a:accent4>
-        <a:srgbClr val="DADADA"/>
+        <a:srgbClr val="0F9ED5"/>
       </a:accent4>
       <a:accent5>
-        <a:srgbClr val="FFCAAA"/>
+        <a:srgbClr val="A02B93"/>
       </a:accent5>
       <a:accent6>
-        <a:srgbClr val="00003D"/>
+        <a:srgbClr val="4EA72E"/>
       </a:accent6>
       <a:hlink>
-        <a:srgbClr val="3366FF"/>
+        <a:srgbClr val="467886"/>
       </a:hlink>
       <a:folHlink>
-        <a:srgbClr val="FFFF00"/>
+        <a:srgbClr val="96607D"/>
       </a:folHlink>
     </a:clrScheme>
-    <a:fontScheme name="DalhousieTemplate">
+    <a:fontScheme name="Office">
       <a:majorFont>
-        <a:latin typeface="Times New Roman"/>
+        <a:latin typeface="Aptos Display" panose="02110004020202020204"/>
         <a:ea typeface=""/>
         <a:cs typeface=""/>
+        <a:font script="Jpan" typeface="游ゴシック Light"/>
+        <a:font script="Hang" typeface="맑은 고딕"/>
+        <a:font script="Hans" typeface="等线 Light"/>
+        <a:font script="Hant" typeface="新細明體"/>
+        <a:font script="Arab" typeface="Times New Roman"/>
+        <a:font script="Hebr" typeface="Times New Roman"/>
+        <a:font script="Thai" typeface="Angsana New"/>
+        <a:font script="Ethi" typeface="Nyala"/>
+        <a:font script="Beng" typeface="Vrinda"/>
+        <a:font script="Gujr" typeface="Shruti"/>
+        <a:font script="Khmr" typeface="MoolBoran"/>
+        <a:font script="Knda" typeface="Tunga"/>
+        <a:font script="Guru" typeface="Raavi"/>
+        <a:font script="Cans" typeface="Euphemia"/>
+        <a:font script="Cher" typeface="Plantagenet Cherokee"/>
+        <a:font script="Yiii" typeface="Microsoft Yi Baiti"/>
+        <a:font script="Tibt" typeface="Microsoft Himalaya"/>
+        <a:font script="Thaa" typeface="MV Boli"/>
+        <a:font script="Deva" typeface="Mangal"/>
+        <a:font script="Telu" typeface="Gautami"/>
+        <a:font script="Taml" typeface="Latha"/>
+        <a:font script="Syrc" typeface="Estrangelo Edessa"/>
+        <a:font script="Orya" typeface="Kalinga"/>
+        <a:font script="Mlym" typeface="Kartika"/>
+        <a:font script="Laoo" typeface="DokChampa"/>
+        <a:font script="Sinh" typeface="Iskoola Pota"/>
+        <a:font script="Mong" typeface="Mongolian Baiti"/>
+        <a:font script="Viet" typeface="Times New Roman"/>
+        <a:font script="Uigh" typeface="Microsoft Uighur"/>
+        <a:font script="Geor" typeface="Sylfaen"/>
+        <a:font script="Armn" typeface="Arial"/>
+        <a:font script="Bugi" typeface="Leelawadee UI"/>
+        <a:font script="Bopo" typeface="Microsoft JhengHei"/>
+        <a:font script="Java" typeface="Javanese Text"/>
+        <a:font script="Lisu" typeface="Segoe UI"/>
+        <a:font script="Mymr" typeface="Myanmar Text"/>
+        <a:font script="Nkoo" typeface="Ebrima"/>
+        <a:font script="Olck" typeface="Nirmala UI"/>
+        <a:font script="Osma" typeface="Ebrima"/>
+        <a:font script="Phag" typeface="Phagspa"/>
+        <a:font script="Syrn" typeface="Estrangelo Edessa"/>
+        <a:font script="Syrj" typeface="Estrangelo Edessa"/>
+        <a:font script="Syre" typeface="Estrangelo Edessa"/>
+        <a:font script="Sora" typeface="Nirmala UI"/>
+        <a:font script="Tale" typeface="Microsoft Tai Le"/>
+        <a:font script="Talu" typeface="Microsoft New Tai Lue"/>
+        <a:font script="Tfng" typeface="Ebrima"/>
       </a:majorFont>
       <a:minorFont>
-        <a:latin typeface="Times New Roman"/>
+        <a:latin typeface="Aptos" panose="02110004020202020204"/>
         <a:ea typeface=""/>
         <a:cs typeface=""/>
+        <a:font script="Jpan" typeface="游ゴシック"/>
+        <a:font script="Hang" typeface="맑은 고딕"/>
+        <a:font script="Hans" typeface="等线"/>
+        <a:font script="Hant" typeface="新細明體"/>
+        <a:font script="Arab" typeface="Arial"/>
+        <a:font script="Hebr" typeface="Arial"/>
+        <a:font script="Thai" typeface="Cordia New"/>
+        <a:font script="Ethi" typeface="Nyala"/>
+        <a:font script="Beng" typeface="Vrinda"/>
+        <a:font script="Gujr" typeface="Shruti"/>
+        <a:font script="Khmr" typeface="DaunPenh"/>
+        <a:font script="Knda" typeface="Tunga"/>
+        <a:font script="Guru" typeface="Raavi"/>
+        <a:font script="Cans" typeface="Euphemia"/>
+        <a:font script="Cher" typeface="Plantagenet Cherokee"/>
+        <a:font script="Yiii" typeface="Microsoft Yi Baiti"/>
+        <a:font script="Tibt" typeface="Microsoft Himalaya"/>
+        <a:font script="Thaa" typeface="MV Boli"/>
+        <a:font script="Deva" typeface="Mangal"/>
+        <a:font script="Telu" typeface="Gautami"/>
+        <a:font script="Taml" typeface="Latha"/>
+        <a:font script="Syrc" typeface="Estrangelo Edessa"/>
+        <a:font script="Orya" typeface="Kalinga"/>
+        <a:font script="Mlym" typeface="Kartika"/>
+        <a:font script="Laoo" typeface="DokChampa"/>
+        <a:font script="Sinh" typeface="Iskoola Pota"/>
+        <a:font script="Mong" typeface="Mongolian Baiti"/>
+        <a:font script="Viet" typeface="Arial"/>
+        <a:font script="Uigh" typeface="Microsoft Uighur"/>
+        <a:font script="Geor" typeface="Sylfaen"/>
+        <a:font script="Armn" typeface="Arial"/>
+        <a:font script="Bugi" typeface="Leelawadee UI"/>
+        <a:font script="Bopo" typeface="Microsoft JhengHei"/>
+        <a:font script="Java" typeface="Javanese Text"/>
+        <a:font script="Lisu" typeface="Segoe UI"/>
+        <a:font script="Mymr" typeface="Myanmar Text"/>
+        <a:font script="Nkoo" typeface="Ebrima"/>
+        <a:font script="Olck" typeface="Nirmala UI"/>
+        <a:font script="Osma" typeface="Ebrima"/>
+        <a:font script="Phag" typeface="Phagspa"/>
+        <a:font script="Syrn" typeface="Estrangelo Edessa"/>
+        <a:font script="Syrj" typeface="Estrangelo Edessa"/>
+        <a:font script="Syre" typeface="Estrangelo Edessa"/>
+        <a:font script="Sora" typeface="Nirmala UI"/>
+        <a:font script="Tale" typeface="Microsoft Tai Le"/>
+        <a:font script="Talu" typeface="Microsoft New Tai Lue"/>
+        <a:font script="Tfng" typeface="Ebrima"/>
       </a:minorFont>
     </a:fontScheme>
     <a:fmtScheme name="Office">
@@ -45223,534 +45973,162 @@
           <a:gsLst>
             <a:gs pos="0">
               <a:schemeClr val="phClr">
-                <a:tint val="50000"/>
-                <a:satMod val="300000"/>
+                <a:lumMod val="110000"/>
+                <a:satMod val="105000"/>
+                <a:tint val="67000"/>
               </a:schemeClr>
             </a:gs>
-            <a:gs pos="35000">
+            <a:gs pos="50000">
               <a:schemeClr val="phClr">
-                <a:tint val="37000"/>
-                <a:satMod val="300000"/>
+                <a:lumMod val="105000"/>
+                <a:satMod val="103000"/>
+                <a:tint val="73000"/>
               </a:schemeClr>
             </a:gs>
             <a:gs pos="100000">
               <a:schemeClr val="phClr">
-                <a:tint val="15000"/>
-                <a:satMod val="350000"/>
+                <a:lumMod val="105000"/>
+                <a:satMod val="109000"/>
+                <a:tint val="81000"/>
               </a:schemeClr>
             </a:gs>
           </a:gsLst>
-          <a:lin ang="16200000" scaled="1"/>
+          <a:lin ang="5400000" scaled="0"/>
         </a:gradFill>
         <a:gradFill rotWithShape="1">
           <a:gsLst>
             <a:gs pos="0">
               <a:schemeClr val="phClr">
-                <a:tint val="100000"/>
+                <a:satMod val="103000"/>
+                <a:lumMod val="102000"/>
+                <a:tint val="94000"/>
+              </a:schemeClr>
+            </a:gs>
+            <a:gs pos="50000">
+              <a:schemeClr val="phClr">
+                <a:satMod val="110000"/>
+                <a:lumMod val="100000"/>
                 <a:shade val="100000"/>
-                <a:satMod val="130000"/>
               </a:schemeClr>
             </a:gs>
             <a:gs pos="100000">
               <a:schemeClr val="phClr">
-                <a:tint val="50000"/>
-                <a:shade val="100000"/>
-                <a:satMod val="350000"/>
+                <a:lumMod val="99000"/>
+                <a:satMod val="120000"/>
+                <a:shade val="78000"/>
               </a:schemeClr>
             </a:gs>
           </a:gsLst>
-          <a:lin ang="16200000" scaled="0"/>
+          <a:lin ang="5400000" scaled="0"/>
         </a:gradFill>
       </a:fillStyleLst>
       <a:lnStyleLst>
-        <a:ln w="9525" cap="flat" cmpd="sng" algn="ctr">
+        <a:ln w="12700" cap="flat" cmpd="sng" algn="ctr">
           <a:solidFill>
-            <a:schemeClr val="phClr">
-              <a:shade val="95000"/>
-              <a:satMod val="105000"/>
-            </a:schemeClr>
+            <a:schemeClr val="phClr"/>
           </a:solidFill>
           <a:prstDash val="solid"/>
+          <a:miter lim="800000"/>
+        </a:ln>
+        <a:ln w="19050" cap="flat" cmpd="sng" algn="ctr">
+          <a:solidFill>
+            <a:schemeClr val="phClr"/>
+          </a:solidFill>
+          <a:prstDash val="solid"/>
+          <a:miter lim="800000"/>
         </a:ln>
         <a:ln w="25400" cap="flat" cmpd="sng" algn="ctr">
           <a:solidFill>
             <a:schemeClr val="phClr"/>
           </a:solidFill>
           <a:prstDash val="solid"/>
-        </a:ln>
-        <a:ln w="38100" cap="flat" cmpd="sng" algn="ctr">
-          <a:solidFill>
-            <a:schemeClr val="phClr"/>
-          </a:solidFill>
-          <a:prstDash val="solid"/>
+          <a:miter lim="800000"/>
         </a:ln>
       </a:lnStyleLst>
       <a:effectStyleLst>
         <a:effectStyle>
+          <a:effectLst/>
+        </a:effectStyle>
+        <a:effectStyle>
+          <a:effectLst/>
+        </a:effectStyle>
+        <a:effectStyle>
           <a:effectLst>
-            <a:outerShdw blurRad="40000" dist="20000" dir="5400000" rotWithShape="0">
+            <a:outerShdw blurRad="57150" dist="19050" dir="5400000" algn="ctr" rotWithShape="0">
               <a:srgbClr val="000000">
-                <a:alpha val="38000"/>
+                <a:alpha val="63000"/>
               </a:srgbClr>
             </a:outerShdw>
           </a:effectLst>
-        </a:effectStyle>
-        <a:effectStyle>
-          <a:effectLst>
-            <a:outerShdw blurRad="40000" dist="23000" dir="5400000" rotWithShape="0">
-              <a:srgbClr val="000000">
-                <a:alpha val="35000"/>
-              </a:srgbClr>
-            </a:outerShdw>
-          </a:effectLst>
-        </a:effectStyle>
-        <a:effectStyle>
-          <a:effectLst>
-            <a:outerShdw blurRad="40000" dist="23000" dir="5400000" rotWithShape="0">
-              <a:srgbClr val="000000">
-                <a:alpha val="35000"/>
-              </a:srgbClr>
-            </a:outerShdw>
-          </a:effectLst>
-          <a:scene3d>
-            <a:camera prst="orthographicFront">
-              <a:rot lat="0" lon="0" rev="0"/>
-            </a:camera>
-            <a:lightRig rig="threePt" dir="t">
-              <a:rot lat="0" lon="0" rev="1200000"/>
-            </a:lightRig>
-          </a:scene3d>
-          <a:sp3d>
-            <a:bevelT w="63500" h="25400"/>
-          </a:sp3d>
         </a:effectStyle>
       </a:effectStyleLst>
       <a:bgFillStyleLst>
         <a:solidFill>
           <a:schemeClr val="phClr"/>
         </a:solidFill>
+        <a:solidFill>
+          <a:schemeClr val="phClr">
+            <a:tint val="95000"/>
+            <a:satMod val="170000"/>
+          </a:schemeClr>
+        </a:solidFill>
         <a:gradFill rotWithShape="1">
           <a:gsLst>
             <a:gs pos="0">
               <a:schemeClr val="phClr">
-                <a:tint val="40000"/>
-                <a:satMod val="350000"/>
+                <a:tint val="93000"/>
+                <a:satMod val="150000"/>
+                <a:shade val="98000"/>
+                <a:lumMod val="102000"/>
               </a:schemeClr>
             </a:gs>
-            <a:gs pos="40000">
+            <a:gs pos="50000">
               <a:schemeClr val="phClr">
-                <a:tint val="45000"/>
-                <a:shade val="99000"/>
-                <a:satMod val="350000"/>
+                <a:tint val="98000"/>
+                <a:satMod val="130000"/>
+                <a:shade val="90000"/>
+                <a:lumMod val="103000"/>
               </a:schemeClr>
             </a:gs>
             <a:gs pos="100000">
               <a:schemeClr val="phClr">
-                <a:shade val="20000"/>
-                <a:satMod val="255000"/>
+                <a:shade val="63000"/>
+                <a:satMod val="120000"/>
               </a:schemeClr>
             </a:gs>
           </a:gsLst>
-          <a:path path="circle">
-            <a:fillToRect l="50000" t="-80000" r="50000" b="180000"/>
-          </a:path>
-        </a:gradFill>
-        <a:gradFill rotWithShape="1">
-          <a:gsLst>
-            <a:gs pos="0">
-              <a:schemeClr val="phClr">
-                <a:tint val="80000"/>
-                <a:satMod val="300000"/>
-              </a:schemeClr>
-            </a:gs>
-            <a:gs pos="100000">
-              <a:schemeClr val="phClr">
-                <a:shade val="30000"/>
-                <a:satMod val="200000"/>
-              </a:schemeClr>
-            </a:gs>
-          </a:gsLst>
-          <a:path path="circle">
-            <a:fillToRect l="50000" t="50000" r="50000" b="50000"/>
-          </a:path>
+          <a:lin ang="5400000" scaled="0"/>
         </a:gradFill>
       </a:bgFillStyleLst>
     </a:fmtScheme>
   </a:themeElements>
   <a:objectDefaults>
-    <a:spDef>
-      <a:spPr bwMode="auto">
-        <a:xfrm>
-          <a:off x="0" y="0"/>
-          <a:ext cx="1" cy="1"/>
-        </a:xfrm>
-        <a:custGeom>
-          <a:avLst/>
-          <a:gdLst/>
-          <a:ahLst/>
-          <a:cxnLst/>
-          <a:rect l="0" t="0" r="0" b="0"/>
-          <a:pathLst/>
-        </a:custGeom>
-        <a:solidFill>
+    <a:lnDef>
+      <a:spPr/>
+      <a:bodyPr/>
+      <a:lstStyle/>
+      <a:style>
+        <a:lnRef idx="2">
           <a:schemeClr val="accent1"/>
-        </a:solidFill>
-        <a:ln w="9525" cap="flat" cmpd="sng" algn="ctr">
-          <a:solidFill>
-            <a:schemeClr val="tx1"/>
-          </a:solidFill>
-          <a:prstDash val="solid"/>
-          <a:round/>
-          <a:headEnd type="none" w="med" len="med"/>
-          <a:tailEnd type="none" w="med" len="med"/>
-        </a:ln>
-        <a:effectLst/>
-      </a:spPr>
-      <a:bodyPr vert="horz" wrap="square" lIns="91440" tIns="45720" rIns="91440" bIns="45720" numCol="1" anchor="t" anchorCtr="0" compatLnSpc="1">
-        <a:prstTxWarp prst="textNoShape">
-          <a:avLst/>
-        </a:prstTxWarp>
-      </a:bodyPr>
-      <a:lstStyle>
-        <a:defPPr marL="0" marR="0" indent="0" algn="l" defTabSz="914400" rtl="0" eaLnBrk="0" fontAlgn="base" latinLnBrk="0" hangingPunct="0">
-          <a:lnSpc>
-            <a:spcPct val="100000"/>
-          </a:lnSpc>
-          <a:spcBef>
-            <a:spcPct val="0"/>
-          </a:spcBef>
-          <a:spcAft>
-            <a:spcPct val="0"/>
-          </a:spcAft>
-          <a:buClrTx/>
-          <a:buSzTx/>
-          <a:buFontTx/>
-          <a:buNone/>
-          <a:tabLst/>
-          <a:defRPr kumimoji="0" lang="en-US" sz="2400" b="0" i="0" u="none" strike="noStrike" cap="none" normalizeH="0" baseline="0">
-            <a:ln>
-              <a:noFill/>
-            </a:ln>
-            <a:solidFill>
-              <a:schemeClr val="tx1"/>
-            </a:solidFill>
-            <a:effectLst/>
-            <a:latin typeface="Times" charset="0"/>
-          </a:defRPr>
-        </a:defPPr>
-      </a:lstStyle>
-    </a:spDef>
-    <a:lnDef>
-      <a:spPr bwMode="auto">
-        <a:xfrm>
-          <a:off x="0" y="0"/>
-          <a:ext cx="1" cy="1"/>
-        </a:xfrm>
-        <a:custGeom>
-          <a:avLst/>
-          <a:gdLst/>
-          <a:ahLst/>
-          <a:cxnLst/>
-          <a:rect l="0" t="0" r="0" b="0"/>
-          <a:pathLst/>
-        </a:custGeom>
-        <a:solidFill>
+        </a:lnRef>
+        <a:fillRef idx="0">
           <a:schemeClr val="accent1"/>
-        </a:solidFill>
-        <a:ln w="9525" cap="flat" cmpd="sng" algn="ctr">
-          <a:solidFill>
-            <a:schemeClr val="tx1"/>
-          </a:solidFill>
-          <a:prstDash val="solid"/>
-          <a:round/>
-          <a:headEnd type="none" w="med" len="med"/>
-          <a:tailEnd type="none" w="med" len="med"/>
-        </a:ln>
-        <a:effectLst/>
-      </a:spPr>
-      <a:bodyPr vert="horz" wrap="square" lIns="91440" tIns="45720" rIns="91440" bIns="45720" numCol="1" anchor="t" anchorCtr="0" compatLnSpc="1">
-        <a:prstTxWarp prst="textNoShape">
-          <a:avLst/>
-        </a:prstTxWarp>
-      </a:bodyPr>
-      <a:lstStyle>
-        <a:defPPr marL="0" marR="0" indent="0" algn="l" defTabSz="914400" rtl="0" eaLnBrk="0" fontAlgn="base" latinLnBrk="0" hangingPunct="0">
-          <a:lnSpc>
-            <a:spcPct val="100000"/>
-          </a:lnSpc>
-          <a:spcBef>
-            <a:spcPct val="0"/>
-          </a:spcBef>
-          <a:spcAft>
-            <a:spcPct val="0"/>
-          </a:spcAft>
-          <a:buClrTx/>
-          <a:buSzTx/>
-          <a:buFontTx/>
-          <a:buNone/>
-          <a:tabLst/>
-          <a:defRPr kumimoji="0" lang="en-US" sz="2400" b="0" i="0" u="none" strike="noStrike" cap="none" normalizeH="0" baseline="0">
-            <a:ln>
-              <a:noFill/>
-            </a:ln>
-            <a:solidFill>
-              <a:schemeClr val="tx1"/>
-            </a:solidFill>
-            <a:effectLst/>
-            <a:latin typeface="Times" charset="0"/>
-          </a:defRPr>
-        </a:defPPr>
-      </a:lstStyle>
+        </a:fillRef>
+        <a:effectRef idx="1">
+          <a:schemeClr val="accent1"/>
+        </a:effectRef>
+        <a:fontRef idx="minor">
+          <a:schemeClr val="tx1"/>
+        </a:fontRef>
+      </a:style>
     </a:lnDef>
   </a:objectDefaults>
-  <a:extraClrSchemeLst>
-    <a:extraClrScheme>
-      <a:clrScheme name="DalhousieTemplate 1">
-        <a:dk1>
-          <a:srgbClr val="000000"/>
-        </a:dk1>
-        <a:lt1>
-          <a:srgbClr val="CCECFF"/>
-        </a:lt1>
-        <a:dk2>
-          <a:srgbClr val="000066"/>
-        </a:dk2>
-        <a:lt2>
-          <a:srgbClr val="6699FF"/>
-        </a:lt2>
-        <a:accent1>
-          <a:srgbClr val="33CCCC"/>
-        </a:accent1>
-        <a:accent2>
-          <a:srgbClr val="0099FF"/>
-        </a:accent2>
-        <a:accent3>
-          <a:srgbClr val="E2F4FF"/>
-        </a:accent3>
-        <a:accent4>
-          <a:srgbClr val="000000"/>
-        </a:accent4>
-        <a:accent5>
-          <a:srgbClr val="ADE2E2"/>
-        </a:accent5>
-        <a:accent6>
-          <a:srgbClr val="008AE7"/>
-        </a:accent6>
-        <a:hlink>
-          <a:srgbClr val="FFFFFF"/>
-        </a:hlink>
-        <a:folHlink>
-          <a:srgbClr val="3366FF"/>
-        </a:folHlink>
-      </a:clrScheme>
-      <a:clrMap bg1="lt1" tx1="dk1" bg2="lt2" tx2="dk2" accent1="accent1" accent2="accent2" accent3="accent3" accent4="accent4" accent5="accent5" accent6="accent6" hlink="hlink" folHlink="folHlink"/>
-    </a:extraClrScheme>
-    <a:extraClrScheme>
-      <a:clrScheme name="DalhousieTemplate 2">
-        <a:dk1>
-          <a:srgbClr val="000000"/>
-        </a:dk1>
-        <a:lt1>
-          <a:srgbClr val="FFFFFF"/>
-        </a:lt1>
-        <a:dk2>
-          <a:srgbClr val="000066"/>
-        </a:dk2>
-        <a:lt2>
-          <a:srgbClr val="FFCC66"/>
-        </a:lt2>
-        <a:accent1>
-          <a:srgbClr val="FF9900"/>
-        </a:accent1>
-        <a:accent2>
-          <a:srgbClr val="000044"/>
-        </a:accent2>
-        <a:accent3>
-          <a:srgbClr val="AAAAB8"/>
-        </a:accent3>
-        <a:accent4>
-          <a:srgbClr val="DADADA"/>
-        </a:accent4>
-        <a:accent5>
-          <a:srgbClr val="FFCAAA"/>
-        </a:accent5>
-        <a:accent6>
-          <a:srgbClr val="00003D"/>
-        </a:accent6>
-        <a:hlink>
-          <a:srgbClr val="3366FF"/>
-        </a:hlink>
-        <a:folHlink>
-          <a:srgbClr val="FFFF00"/>
-        </a:folHlink>
-      </a:clrScheme>
-      <a:clrMap bg1="dk2" tx1="lt1" bg2="dk1" tx2="lt2" accent1="accent1" accent2="accent2" accent3="accent3" accent4="accent4" accent5="accent5" accent6="accent6" hlink="hlink" folHlink="folHlink"/>
-    </a:extraClrScheme>
-    <a:extraClrScheme>
-      <a:clrScheme name="DalhousieTemplate 3">
-        <a:dk1>
-          <a:srgbClr val="000000"/>
-        </a:dk1>
-        <a:lt1>
-          <a:srgbClr val="FFFFFF"/>
-        </a:lt1>
-        <a:dk2>
-          <a:srgbClr val="000000"/>
-        </a:dk2>
-        <a:lt2>
-          <a:srgbClr val="DDDDDD"/>
-        </a:lt2>
-        <a:accent1>
-          <a:srgbClr val="CBCBCB"/>
-        </a:accent1>
-        <a:accent2>
-          <a:srgbClr val="C0C0C0"/>
-        </a:accent2>
-        <a:accent3>
-          <a:srgbClr val="FFFFFF"/>
-        </a:accent3>
-        <a:accent4>
-          <a:srgbClr val="000000"/>
-        </a:accent4>
-        <a:accent5>
-          <a:srgbClr val="E2E2E2"/>
-        </a:accent5>
-        <a:accent6>
-          <a:srgbClr val="AEAEAE"/>
-        </a:accent6>
-        <a:hlink>
-          <a:srgbClr val="4D4D4D"/>
-        </a:hlink>
-        <a:folHlink>
-          <a:srgbClr val="868686"/>
-        </a:folHlink>
-      </a:clrScheme>
-      <a:clrMap bg1="lt1" tx1="dk1" bg2="lt2" tx2="dk2" accent1="accent1" accent2="accent2" accent3="accent3" accent4="accent4" accent5="accent5" accent6="accent6" hlink="hlink" folHlink="folHlink"/>
-    </a:extraClrScheme>
-    <a:extraClrScheme>
-      <a:clrScheme name="DalhousieTemplate 4">
-        <a:dk1>
-          <a:srgbClr val="000000"/>
-        </a:dk1>
-        <a:lt1>
-          <a:srgbClr val="FFFFFF"/>
-        </a:lt1>
-        <a:dk2>
-          <a:srgbClr val="660033"/>
-        </a:dk2>
-        <a:lt2>
-          <a:srgbClr val="FFCC66"/>
-        </a:lt2>
-        <a:accent1>
-          <a:srgbClr val="FF9900"/>
-        </a:accent1>
-        <a:accent2>
-          <a:srgbClr val="440022"/>
-        </a:accent2>
-        <a:accent3>
-          <a:srgbClr val="B8AAAD"/>
-        </a:accent3>
-        <a:accent4>
-          <a:srgbClr val="DADADA"/>
-        </a:accent4>
-        <a:accent5>
-          <a:srgbClr val="FFCAAA"/>
-        </a:accent5>
-        <a:accent6>
-          <a:srgbClr val="3D001E"/>
-        </a:accent6>
-        <a:hlink>
-          <a:srgbClr val="B20059"/>
-        </a:hlink>
-        <a:folHlink>
-          <a:srgbClr val="FF6699"/>
-        </a:folHlink>
-      </a:clrScheme>
-      <a:clrMap bg1="dk2" tx1="lt1" bg2="dk1" tx2="lt2" accent1="accent1" accent2="accent2" accent3="accent3" accent4="accent4" accent5="accent5" accent6="accent6" hlink="hlink" folHlink="folHlink"/>
-    </a:extraClrScheme>
-    <a:extraClrScheme>
-      <a:clrScheme name="DalhousieTemplate 5">
-        <a:dk1>
-          <a:srgbClr val="000000"/>
-        </a:dk1>
-        <a:lt1>
-          <a:srgbClr val="FFFFFF"/>
-        </a:lt1>
-        <a:dk2>
-          <a:srgbClr val="663300"/>
-        </a:dk2>
-        <a:lt2>
-          <a:srgbClr val="FFCC66"/>
-        </a:lt2>
-        <a:accent1>
-          <a:srgbClr val="FF9900"/>
-        </a:accent1>
-        <a:accent2>
-          <a:srgbClr val="361B00"/>
-        </a:accent2>
-        <a:accent3>
-          <a:srgbClr val="B8ADAA"/>
-        </a:accent3>
-        <a:accent4>
-          <a:srgbClr val="DADADA"/>
-        </a:accent4>
-        <a:accent5>
-          <a:srgbClr val="FFCAAA"/>
-        </a:accent5>
-        <a:accent6>
-          <a:srgbClr val="301700"/>
-        </a:accent6>
-        <a:hlink>
-          <a:srgbClr val="996633"/>
-        </a:hlink>
-        <a:folHlink>
-          <a:srgbClr val="FF6699"/>
-        </a:folHlink>
-      </a:clrScheme>
-      <a:clrMap bg1="dk2" tx1="lt1" bg2="dk1" tx2="lt2" accent1="accent1" accent2="accent2" accent3="accent3" accent4="accent4" accent5="accent5" accent6="accent6" hlink="hlink" folHlink="folHlink"/>
-    </a:extraClrScheme>
-    <a:extraClrScheme>
-      <a:clrScheme name="DalhousieTemplate 6">
-        <a:dk1>
-          <a:srgbClr val="000000"/>
-        </a:dk1>
-        <a:lt1>
-          <a:srgbClr val="FFFFFF"/>
-        </a:lt1>
-        <a:dk2>
-          <a:srgbClr val="003300"/>
-        </a:dk2>
-        <a:lt2>
-          <a:srgbClr val="FFCC66"/>
-        </a:lt2>
-        <a:accent1>
-          <a:srgbClr val="CC9900"/>
-        </a:accent1>
-        <a:accent2>
-          <a:srgbClr val="001600"/>
-        </a:accent2>
-        <a:accent3>
-          <a:srgbClr val="AAADAA"/>
-        </a:accent3>
-        <a:accent4>
-          <a:srgbClr val="DADADA"/>
-        </a:accent4>
-        <a:accent5>
-          <a:srgbClr val="E2CAAA"/>
-        </a:accent5>
-        <a:accent6>
-          <a:srgbClr val="001300"/>
-        </a:accent6>
-        <a:hlink>
-          <a:srgbClr val="006600"/>
-        </a:hlink>
-        <a:folHlink>
-          <a:srgbClr val="009999"/>
-        </a:folHlink>
-      </a:clrScheme>
-      <a:clrMap bg1="dk2" tx1="lt1" bg2="dk1" tx2="lt2" accent1="accent1" accent2="accent2" accent3="accent3" accent4="accent4" accent5="accent5" accent6="accent6" hlink="hlink" folHlink="folHlink"/>
-    </a:extraClrScheme>
-  </a:extraClrSchemeLst>
+  <a:extraClrSchemeLst/>
+  <a:extLst>
+    <a:ext uri="{05A4C25C-085E-4340-85A3-A5531E510DB2}">
+      <thm15:themeFamily xmlns:thm15="http://schemas.microsoft.com/office/thememl/2012/main" name="Office Theme" id="{2E142A2C-CD16-42D6-873A-C26D2A0506FA}" vid="{1BDDFF52-6CD6-40A5-AB3C-68EB2F1E4D0A}"/>
+    </a:ext>
+  </a:extLst>
 </a:theme>
 </file>
 
